--- a/help/data-sheets/assets/BusinessSupportDatasheet.pptx
+++ b/help/data-sheets/assets/BusinessSupportDatasheet.pptx
@@ -1756,7 +1756,7 @@
         <p:spPr>
           <a:xfrm>
             <a:off x="168564" y="7162363"/>
-            <a:ext cx="4045089" cy="227626"/>
+            <a:ext cx="4700615" cy="227626"/>
           </a:xfrm>
           <a:prstGeom prst="rect">
             <a:avLst/>
@@ -1777,7 +1777,7 @@
               </a:spcBef>
             </a:pPr>
             <a:r>
-              <a:rPr lang="es-ES" sz="1400" b="1" u="heavy" dirty="0">
+              <a:rPr lang="pt-BR" sz="1400" b="1" u="heavy" dirty="0">
                 <a:solidFill>
                   <a:srgbClr val="020302"/>
                 </a:solidFill>
@@ -1789,7 +1789,7 @@
                 <a:latin typeface="Adobe Clean"/>
                 <a:cs typeface="Adobe Clean"/>
               </a:rPr>
-              <a:t>Destinatarios de nivel de servicio: Respuesta inicial</a:t>
+              <a:t>Metas de nível de serviço: Resposta inicial</a:t>
             </a:r>
           </a:p>
         </p:txBody>
@@ -1803,7 +1803,7 @@
         <p:spPr>
           <a:xfrm>
             <a:off x="-8467" y="23397"/>
-            <a:ext cx="7772399" cy="2097552"/>
+            <a:ext cx="7772399" cy="2006345"/>
           </a:xfrm>
           <a:prstGeom prst="rect">
             <a:avLst/>
@@ -1857,10 +1857,10 @@
               </a:spcBef>
             </a:pPr>
             <a:r>
-              <a:rPr lang="es-ES" sz="2300">
+              <a:rPr lang="pt-BR" sz="2300">
                 <a:latin typeface="Adobe Clean" panose="020B0503020404020204" pitchFamily="34" charset="0"/>
               </a:rPr>
-              <a:t>OFERTA DE ASISTENCIA DE ADOBE</a:t>
+              <a:t>SERVIÇOS DE SUPORTE ADOBE</a:t>
             </a:r>
           </a:p>
         </p:txBody>
@@ -1873,8 +1873,8 @@
         </p:nvSpPr>
         <p:spPr>
           <a:xfrm>
-            <a:off x="121146" y="635935"/>
-            <a:ext cx="5981203" cy="1424364"/>
+            <a:off x="121147" y="635935"/>
+            <a:ext cx="5865216" cy="1270476"/>
           </a:xfrm>
           <a:prstGeom prst="rect">
             <a:avLst/>
@@ -1895,7 +1895,7 @@
               </a:spcBef>
             </a:pPr>
             <a:r>
-              <a:rPr lang="es-ES" sz="900" dirty="0">
+              <a:rPr lang="pt-BR" sz="900" dirty="0">
                 <a:solidFill>
                   <a:schemeClr val="bg1"/>
                 </a:solidFill>
@@ -1904,7 +1904,7 @@
               <a:t>Online | </a:t>
             </a:r>
             <a:r>
-              <a:rPr lang="es-ES" sz="900" b="1" dirty="0">
+              <a:rPr lang="pt-BR" sz="900" b="1" dirty="0">
                 <a:solidFill>
                   <a:schemeClr val="bg1"/>
                 </a:solidFill>
@@ -1913,7 +1913,7 @@
               <a:t>Business</a:t>
             </a:r>
             <a:r>
-              <a:rPr lang="es-ES" sz="900" dirty="0">
+              <a:rPr lang="pt-BR" sz="900" dirty="0">
                 <a:solidFill>
                   <a:schemeClr val="bg1"/>
                 </a:solidFill>
@@ -1932,52 +1932,16 @@
               </a:spcBef>
             </a:pPr>
             <a:r>
-              <a:rPr lang="es-ES" sz="900" dirty="0">
+              <a:rPr lang="pt-BR" sz="900" spc="-20" dirty="0">
                 <a:solidFill>
                   <a:schemeClr val="bg1"/>
                 </a:solidFill>
                 <a:latin typeface="Adobe Clean SemiLight" panose="020B0403020404020204" pitchFamily="34" charset="0"/>
               </a:rPr>
-              <a:t>Adobe ofrece una amplia variedad de recursos técnicos para ayudar a su negocio, incluidos como parte de su suscripción de licencia de </a:t>
-            </a:r>
-            <a:r>
-              <a:rPr lang="es-ES" sz="900" dirty="0" err="1">
-                <a:solidFill>
-                  <a:schemeClr val="bg1"/>
-                </a:solidFill>
-                <a:latin typeface="Adobe Clean SemiLight" panose="020B0403020404020204" pitchFamily="34" charset="0"/>
-              </a:rPr>
-              <a:t>Experience</a:t>
-            </a:r>
-            <a:r>
-              <a:rPr lang="es-ES" sz="900" dirty="0">
-                <a:solidFill>
-                  <a:schemeClr val="bg1"/>
-                </a:solidFill>
-                <a:latin typeface="Adobe Clean SemiLight" panose="020B0403020404020204" pitchFamily="34" charset="0"/>
-              </a:rPr>
-              <a:t> Cloud y mejorados en el paquete de soporte BUSINESS. El paquete BUSINESS incluye acceso a rutas de aprendizaje personalizadas y foros de la comunidad monitorizados a través de Adobe </a:t>
-            </a:r>
-            <a:r>
-              <a:rPr lang="es-ES" sz="900" dirty="0" err="1">
-                <a:solidFill>
-                  <a:schemeClr val="bg1"/>
-                </a:solidFill>
-                <a:latin typeface="Adobe Clean SemiLight" panose="020B0403020404020204" pitchFamily="34" charset="0"/>
-              </a:rPr>
-              <a:t>Experience</a:t>
-            </a:r>
-            <a:r>
-              <a:rPr lang="es-ES" sz="900" dirty="0">
-                <a:solidFill>
-                  <a:schemeClr val="bg1"/>
-                </a:solidFill>
-                <a:latin typeface="Adobe Clean SemiLight" panose="020B0403020404020204" pitchFamily="34" charset="0"/>
-              </a:rPr>
-              <a:t> League. También puede disfrutar de documentación técnica completa y detallada sobre productos y notas de la versión actual. Los clientes del paquete BUSINESS también pueden acceder a nuestros equipos de soporte técnico si tienen alguna duda con su producto, ya sea a través del teléfono o mediante el portal de asistencia en línea, para proteger su negocio en los momentos más importantes. Los clientes del paquete BUSINESS recibirán notificaciones periódicas y actualizaciones del responsable de asistencia técnica de la cuenta para ayudar </a:t>
+              <a:t>A Adobe oferece uma ampla gama de recursos técnicos para prestar suporte à sua empresa, incluídos na sua assinatura da Experience Cloud e com melhorias adicionais no pacote de suporte BUSINESS. O Suporte BUSINESS inclui acesso a caminhos de aprendizagem personalizados e a fóruns monitorados da comunidade na Adobe Experience League. Você tem à sua disposição a nossa documentação técnica de produto, com todos os detalhes, e as notas de versão atuais. Os clientes BUSINESS também contam com acesso às nossas equipes de suporte técnico para qualquer consulta sobre o produto, por telefone ou no portal da web, com o fim de proteger sua empresa nos momentos mais críticos. Além disso, os clientes BUSINESS recebem comunicações e atualizações periódicos do Líder </a:t>
             </a:r>
             <a:br>
-              <a:rPr lang="sk-SK" sz="900" dirty="0">
+              <a:rPr lang="sk-SK" sz="900" spc="-20" dirty="0">
                 <a:solidFill>
                   <a:schemeClr val="bg1"/>
                 </a:solidFill>
@@ -1985,13 +1949,13 @@
               </a:rPr>
             </a:br>
             <a:r>
-              <a:rPr lang="es-ES" sz="900" dirty="0">
+              <a:rPr lang="pt-BR" sz="900" spc="-20" dirty="0">
                 <a:solidFill>
                   <a:schemeClr val="bg1"/>
                 </a:solidFill>
                 <a:latin typeface="Adobe Clean SemiLight" panose="020B0403020404020204" pitchFamily="34" charset="0"/>
               </a:rPr>
-              <a:t>en la administración de casos de soporte de las solicitudes más esenciales. </a:t>
+              <a:t>de suporte da conta e gestão de encaminhamento de casos de suporte para as solicitações mais críticas. </a:t>
             </a:r>
           </a:p>
         </p:txBody>
@@ -2059,7 +2023,7 @@
               </a:spcBef>
             </a:pPr>
             <a:r>
-              <a:rPr lang="es-ES"/>
+              <a:rPr lang="pt-BR"/>
               <a:t>©2021 Adobe. All Rights Reserved. Adobe Confidential.</a:t>
             </a:r>
           </a:p>
@@ -2074,14 +2038,14 @@
           <p:nvPr>
             <p:extLst>
               <p:ext uri="{D42A27DB-BD31-4B8C-83A1-F6EECF244321}">
-                <p14:modId xmlns:p14="http://schemas.microsoft.com/office/powerpoint/2010/main" val="2501956132"/>
+                <p14:modId xmlns:p14="http://schemas.microsoft.com/office/powerpoint/2010/main" val="2818194508"/>
               </p:ext>
             </p:extLst>
           </p:nvPr>
         </p:nvGraphicFramePr>
         <p:xfrm>
           <a:off x="121146" y="7475985"/>
-          <a:ext cx="7498852" cy="2207759"/>
+          <a:ext cx="7498852" cy="2119744"/>
         </p:xfrm>
         <a:graphic>
           <a:graphicData uri="http://schemas.openxmlformats.org/drawingml/2006/table">
@@ -2127,14 +2091,14 @@
                         </a:spcBef>
                       </a:pPr>
                       <a:r>
-                        <a:rPr lang="es-ES" sz="900">
+                        <a:rPr lang="pt-BR" sz="900">
                           <a:solidFill>
                             <a:srgbClr val="020302"/>
                           </a:solidFill>
                           <a:latin typeface="Adobe Clean"/>
                           <a:cs typeface="Adobe Clean"/>
                         </a:rPr>
-                        <a:t>Prioridad</a:t>
+                        <a:t>Prioridade</a:t>
                       </a:r>
                     </a:p>
                   </a:txBody>
@@ -2182,14 +2146,14 @@
                         </a:spcBef>
                       </a:pPr>
                       <a:r>
-                        <a:rPr lang="es-ES" sz="900">
+                        <a:rPr lang="pt-BR" sz="900">
                           <a:solidFill>
                             <a:srgbClr val="020302"/>
                           </a:solidFill>
                           <a:latin typeface="Adobe Clean"/>
                           <a:cs typeface="Adobe Clean"/>
                         </a:rPr>
-                        <a:t>Soporte Online</a:t>
+                        <a:t>Suporte Online</a:t>
                       </a:r>
                     </a:p>
                   </a:txBody>
@@ -2237,14 +2201,14 @@
                         </a:spcBef>
                       </a:pPr>
                       <a:r>
-                        <a:rPr lang="es-ES" sz="900">
+                        <a:rPr lang="pt-BR" sz="900">
                           <a:solidFill>
                             <a:srgbClr val="FFFFFF"/>
                           </a:solidFill>
                           <a:latin typeface="Adobe Clean"/>
                           <a:cs typeface="Adobe Clean"/>
                         </a:rPr>
-                        <a:t>Soporte Business</a:t>
+                        <a:t>Suporte Business</a:t>
                       </a:r>
                     </a:p>
                   </a:txBody>
@@ -2299,14 +2263,14 @@
                         </a:spcBef>
                       </a:pPr>
                       <a:r>
-                        <a:rPr lang="es-ES" sz="900" b="1">
+                        <a:rPr lang="pt-BR" sz="900" b="1" dirty="0">
                           <a:solidFill>
                             <a:srgbClr val="020302"/>
                           </a:solidFill>
                           <a:latin typeface="Adobe Clean"/>
                           <a:cs typeface="Adobe Clean"/>
                         </a:rPr>
-                        <a:t>PRIORIDAD 1</a:t>
+                        <a:t>PRIORIDADE 1</a:t>
                       </a:r>
                     </a:p>
                     <a:p>
@@ -2328,13 +2292,13 @@
                         <a:defRPr/>
                       </a:pPr>
                       <a:r>
-                        <a:rPr lang="es-ES" sz="900" b="0" i="0">
+                        <a:rPr lang="pt-BR" sz="900" b="0" i="0" spc="-20" baseline="0" dirty="0">
                           <a:solidFill>
                             <a:srgbClr val="000000"/>
                           </a:solidFill>
                           <a:latin typeface="Adobe Clean Light" panose="020B0303020404020204" pitchFamily="34" charset="0"/>
                         </a:rPr>
-                        <a:t>Las funciones empresariales de producción del cliente no están activadas o pierden datos o presentan una degradación del servicio significativa, por lo que se requiere atención inmediata para restaurar la funcionalidad y facilidad de uso.</a:t>
+                        <a:t>As funções de produção do cliente estão inativas ou têm perda significativa de dados ou degradação de serviços, e é necessária atenção imediata para restaurar a funcionalidade e a usabilidade</a:t>
                       </a:r>
                     </a:p>
                   </a:txBody>
@@ -2379,14 +2343,14 @@
                         </a:spcBef>
                       </a:pPr>
                       <a:r>
-                        <a:rPr lang="es-ES" sz="900">
+                        <a:rPr lang="pt-BR" sz="900">
                           <a:solidFill>
                             <a:srgbClr val="020302"/>
                           </a:solidFill>
                           <a:latin typeface="AdobeClean-Light"/>
                           <a:cs typeface="AdobeClean-Light"/>
                         </a:rPr>
-                        <a:t>24x7 /           1 hora</a:t>
+                        <a:t>24x7 /              1 hora</a:t>
                       </a:r>
                     </a:p>
                   </a:txBody>
@@ -2431,14 +2395,14 @@
                         </a:spcBef>
                       </a:pPr>
                       <a:r>
-                        <a:rPr lang="es-ES" sz="900">
+                        <a:rPr lang="pt-BR" sz="900">
                           <a:solidFill>
                             <a:srgbClr val="020302"/>
                           </a:solidFill>
                           <a:latin typeface="AdobeClean-Light"/>
                           <a:cs typeface="AdobeClean-Light"/>
                         </a:rPr>
-                        <a:t>24x7 /          1 hora</a:t>
+                        <a:t>24x7 /              1 hora</a:t>
                       </a:r>
                     </a:p>
                   </a:txBody>
@@ -2495,14 +2459,14 @@
                         </a:spcBef>
                       </a:pPr>
                       <a:r>
-                        <a:rPr lang="es-ES" sz="900" b="1">
+                        <a:rPr lang="pt-BR" sz="900" b="1" dirty="0">
                           <a:solidFill>
                             <a:srgbClr val="020302"/>
                           </a:solidFill>
                           <a:latin typeface="Adobe Clean"/>
                           <a:cs typeface="Adobe Clean"/>
                         </a:rPr>
-                        <a:t>PRIORIDAD 2</a:t>
+                        <a:t>PRIORIDADE 2</a:t>
                       </a:r>
                     </a:p>
                     <a:p>
@@ -2515,13 +2479,13 @@
                         </a:spcBef>
                       </a:pPr>
                       <a:r>
-                        <a:rPr lang="es-ES" sz="900" b="0" i="0">
+                        <a:rPr lang="pt-BR" sz="900" b="0" i="0" dirty="0">
                           <a:solidFill>
                             <a:srgbClr val="000000"/>
                           </a:solidFill>
                           <a:latin typeface="Adobe Clean Light" panose="020B0303020404020204" pitchFamily="34" charset="0"/>
                         </a:rPr>
-                        <a:t>Las funciones empresariales del cliente presentan una importante degradación del servicio o hay una posible pérdida de datos, o una función clave se está viendo afectada. </a:t>
+                        <a:t>As funções empresariais do cliente têm grande degradação de serviços, perda potencial de dados ou foi afetado um recurso importante </a:t>
                       </a:r>
                     </a:p>
                   </a:txBody>
@@ -2566,14 +2530,14 @@
                         </a:spcBef>
                       </a:pPr>
                       <a:r>
-                        <a:rPr lang="es-ES" sz="900">
+                        <a:rPr lang="pt-BR" sz="900">
                           <a:solidFill>
                             <a:srgbClr val="020302"/>
                           </a:solidFill>
                           <a:latin typeface="AdobeClean-Light"/>
                           <a:cs typeface="AdobeClean-Light"/>
                         </a:rPr>
-                        <a:t>Horario de trabajo /     4 horas</a:t>
+                        <a:t>Horário comercial/          4 horas</a:t>
                       </a:r>
                     </a:p>
                   </a:txBody>
@@ -2618,14 +2582,14 @@
                         </a:spcBef>
                       </a:pPr>
                       <a:r>
-                        <a:rPr lang="es-ES" sz="900">
+                        <a:rPr lang="pt-BR" sz="900">
                           <a:solidFill>
                             <a:srgbClr val="020302"/>
                           </a:solidFill>
                           <a:latin typeface="AdobeClean-Light"/>
                           <a:cs typeface="AdobeClean-Light"/>
                         </a:rPr>
-                        <a:t>Horario de trabajo /     2 horas</a:t>
+                        <a:t>Horário comercial/          2 horas</a:t>
                       </a:r>
                     </a:p>
                   </a:txBody>
@@ -2682,14 +2646,14 @@
                         </a:spcBef>
                       </a:pPr>
                       <a:r>
-                        <a:rPr lang="es-ES" sz="900" b="1">
+                        <a:rPr lang="pt-BR" sz="900" b="1">
                           <a:solidFill>
                             <a:srgbClr val="020302"/>
                           </a:solidFill>
                           <a:latin typeface="Adobe Clean"/>
                           <a:cs typeface="Adobe Clean"/>
                         </a:rPr>
-                        <a:t>PRIORIDAD 3</a:t>
+                        <a:t>PRIORIDADE 3</a:t>
                       </a:r>
                     </a:p>
                     <a:p>
@@ -2702,7 +2666,7 @@
                         </a:spcBef>
                       </a:pPr>
                       <a:r>
-                        <a:rPr kumimoji="0" lang="es-ES" sz="900" b="0" i="0" u="none" strike="noStrike" cap="none" normalizeH="0" baseline="0" noProof="0">
+                        <a:rPr kumimoji="0" lang="pt-BR" sz="900" b="0" i="0" u="none" strike="noStrike" cap="none" normalizeH="0" baseline="0" noProof="0">
                           <a:ln>
                             <a:noFill/>
                           </a:ln>
@@ -2715,7 +2679,7 @@
                           <a:ea typeface="+mn-ea"/>
                           <a:cs typeface="+mn-cs"/>
                         </a:rPr>
-                        <a:t>Las funciones empresariales del cliente presentan una menor degradación del servicio, pero existe una solución que permite que las funciones empresariales sigan funcionando. </a:t>
+                        <a:t>As funções empresariais do cliente têm pouca degradação dos serviços, e há uma solução/solução alternativa que permite que as funções empresariais continuem normalmente </a:t>
                       </a:r>
                     </a:p>
                   </a:txBody>
@@ -2760,14 +2724,14 @@
                         </a:spcBef>
                       </a:pPr>
                       <a:r>
-                        <a:rPr lang="es-ES" sz="900">
+                        <a:rPr lang="pt-BR" sz="900">
                           <a:solidFill>
                             <a:srgbClr val="020302"/>
                           </a:solidFill>
                           <a:latin typeface="AdobeClean-Light"/>
                           <a:cs typeface="AdobeClean-Light"/>
                         </a:rPr>
-                        <a:t>Horario de trabajo /     6 horas</a:t>
+                        <a:t>Horário comercial/          6 horas</a:t>
                       </a:r>
                     </a:p>
                   </a:txBody>
@@ -2812,14 +2776,14 @@
                         </a:spcBef>
                       </a:pPr>
                       <a:r>
-                        <a:rPr lang="es-ES" sz="900">
+                        <a:rPr lang="pt-BR" sz="900">
                           <a:solidFill>
                             <a:srgbClr val="020302"/>
                           </a:solidFill>
                           <a:latin typeface="AdobeClean-Light"/>
                           <a:cs typeface="AdobeClean-Light"/>
                         </a:rPr>
-                        <a:t>Horario de trabajo /     4 horas</a:t>
+                        <a:t>Horário comercial/          4 horas</a:t>
                       </a:r>
                     </a:p>
                   </a:txBody>
@@ -2876,14 +2840,14 @@
                         </a:spcBef>
                       </a:pPr>
                       <a:r>
-                        <a:rPr lang="es-ES" sz="900" b="1" dirty="0">
+                        <a:rPr lang="pt-BR" sz="900" b="1" dirty="0">
                           <a:solidFill>
                             <a:srgbClr val="020302"/>
                           </a:solidFill>
                           <a:latin typeface="Adobe Clean"/>
                           <a:cs typeface="Adobe Clean"/>
                         </a:rPr>
-                        <a:t>PRIORIDAD 4</a:t>
+                        <a:t>PRIORIDADE 4</a:t>
                       </a:r>
                     </a:p>
                     <a:p>
@@ -2905,13 +2869,13 @@
                         <a:defRPr/>
                       </a:pPr>
                       <a:r>
-                        <a:rPr lang="es-ES" sz="900" b="0" i="0" dirty="0">
+                        <a:rPr lang="pt-BR" sz="900" b="0" i="0" dirty="0">
                           <a:solidFill>
                             <a:srgbClr val="000000"/>
                           </a:solidFill>
                           <a:latin typeface="Adobe Clean Light" panose="020B0303020404020204" pitchFamily="34" charset="0"/>
                         </a:rPr>
-                        <a:t>Pregunta general sobre la funcionalidad actual del producto o una solicitud de mejora.</a:t>
+                        <a:t>Pergunta geral sobre a funcionalidade atual do produto ou solicitação de melhoria</a:t>
                       </a:r>
                     </a:p>
                   </a:txBody>
@@ -2956,14 +2920,14 @@
                         </a:spcBef>
                       </a:pPr>
                       <a:r>
-                        <a:rPr lang="es-ES" sz="900">
+                        <a:rPr lang="pt-BR" sz="900" dirty="0">
                           <a:solidFill>
                             <a:srgbClr val="020302"/>
                           </a:solidFill>
                           <a:latin typeface="AdobeClean-Light"/>
                           <a:cs typeface="AdobeClean-Light"/>
                         </a:rPr>
-                        <a:t>Días laborables /      3 días</a:t>
+                        <a:t>Dias úteis/ 3 dias</a:t>
                       </a:r>
                     </a:p>
                   </a:txBody>
@@ -3008,14 +2972,14 @@
                         </a:spcBef>
                       </a:pPr>
                       <a:r>
-                        <a:rPr lang="es-ES" sz="900" dirty="0">
+                        <a:rPr lang="pt-BR" sz="900" dirty="0">
                           <a:solidFill>
                             <a:srgbClr val="020302"/>
                           </a:solidFill>
                           <a:latin typeface="AdobeClean-Light"/>
                           <a:cs typeface="AdobeClean-Light"/>
                         </a:rPr>
-                        <a:t>Días laborables / </a:t>
+                        <a:t>Dia útil / </a:t>
                       </a:r>
                     </a:p>
                     <a:p>
@@ -3028,14 +2992,14 @@
                         </a:spcBef>
                       </a:pPr>
                       <a:r>
-                        <a:rPr lang="es-ES" sz="900" dirty="0">
+                        <a:rPr lang="pt-BR" sz="900" dirty="0">
                           <a:solidFill>
                             <a:srgbClr val="020302"/>
                           </a:solidFill>
                           <a:latin typeface="AdobeClean-Light"/>
                           <a:cs typeface="AdobeClean-Light"/>
                         </a:rPr>
-                        <a:t>  1 día</a:t>
+                        <a:t>  1 dia</a:t>
                       </a:r>
                     </a:p>
                   </a:txBody>
@@ -3096,7 +3060,7 @@
           <p:nvPr>
             <p:extLst>
               <p:ext uri="{D42A27DB-BD31-4B8C-83A1-F6EECF244321}">
-                <p14:modId xmlns:p14="http://schemas.microsoft.com/office/powerpoint/2010/main" val="1386137920"/>
+                <p14:modId xmlns:p14="http://schemas.microsoft.com/office/powerpoint/2010/main" val="116851390"/>
               </p:ext>
             </p:extLst>
           </p:nvPr>
@@ -3147,7 +3111,7 @@
                     <a:bodyPr/>
                     <a:lstStyle/>
                     <a:p>
-                      <a:endParaRPr lang="en-US" dirty="0"/>
+                      <a:endParaRPr lang="en-US"/>
                     </a:p>
                   </a:txBody>
                   <a:tcPr/>
@@ -3185,14 +3149,14 @@
                         <a:defRPr/>
                       </a:pPr>
                       <a:r>
-                        <a:rPr lang="es-ES" sz="900">
+                        <a:rPr lang="pt-BR" sz="900" dirty="0">
                           <a:solidFill>
                             <a:srgbClr val="404040"/>
                           </a:solidFill>
                           <a:latin typeface="Adobe Clean"/>
                           <a:cs typeface="Adobe Clean"/>
                         </a:rPr>
-                        <a:t>Soporte Online</a:t>
+                        <a:t>Suporte Online</a:t>
                       </a:r>
                     </a:p>
                   </a:txBody>
@@ -3234,14 +3198,14 @@
                         </a:spcBef>
                       </a:pPr>
                       <a:r>
-                        <a:rPr lang="es-ES" sz="900">
+                        <a:rPr lang="pt-BR" sz="900">
                           <a:solidFill>
                             <a:srgbClr val="FFFFFF"/>
                           </a:solidFill>
                           <a:latin typeface="Adobe Clean"/>
                           <a:cs typeface="Adobe Clean"/>
                         </a:rPr>
-                        <a:t>Soporte Business</a:t>
+                        <a:t>Suporte Business</a:t>
                       </a:r>
                     </a:p>
                   </a:txBody>
@@ -3388,13 +3352,13 @@
                         <a:defRPr/>
                       </a:pPr>
                       <a:r>
-                        <a:rPr lang="es-ES" sz="800" i="1">
+                        <a:rPr lang="pt-BR" sz="800" i="1">
                           <a:solidFill>
                             <a:schemeClr val="bg1"/>
                           </a:solidFill>
                           <a:latin typeface="Adobe Clean Light" panose="020B0303020404020204" pitchFamily="34" charset="0"/>
                         </a:rPr>
-                        <a:t>Soporte de pago ($)</a:t>
+                        <a:t>Suporte pago ($)</a:t>
                       </a:r>
                     </a:p>
                   </a:txBody>
@@ -3458,14 +3422,14 @@
                         </a:spcBef>
                       </a:pPr>
                       <a:r>
-                        <a:rPr lang="es-ES" sz="1000" b="1" i="0">
+                        <a:rPr lang="pt-BR" sz="1000" b="1" i="0">
                           <a:solidFill>
                             <a:schemeClr val="bg1"/>
                           </a:solidFill>
                           <a:latin typeface="Adobe Clean" panose="020B0503020404020204" pitchFamily="34" charset="0"/>
                           <a:cs typeface="AdobeClean-Light"/>
                         </a:rPr>
-                        <a:t>Expertos asignados</a:t>
+                        <a:t>Especialistas atribuídos</a:t>
                       </a:r>
                     </a:p>
                   </a:txBody>
@@ -3513,14 +3477,14 @@
                         </a:spcBef>
                       </a:pPr>
                       <a:r>
-                        <a:rPr lang="es-ES" sz="900">
+                        <a:rPr lang="pt-BR" sz="900">
                           <a:solidFill>
                             <a:srgbClr val="020302"/>
                           </a:solidFill>
                           <a:latin typeface="AdobeClean-Light"/>
                           <a:cs typeface="AdobeClean-Light"/>
                         </a:rPr>
-                        <a:t>Responsable de la asistencia técnica de la cuenta</a:t>
+                        <a:t>Líder de suporte da conta</a:t>
                       </a:r>
                     </a:p>
                   </a:txBody>
@@ -3606,7 +3570,7 @@
                         </a:spcBef>
                       </a:pPr>
                       <a:r>
-                        <a:rPr lang="es-ES" sz="900">
+                        <a:rPr lang="pt-BR" sz="900">
                           <a:solidFill>
                             <a:srgbClr val="020302"/>
                           </a:solidFill>
@@ -3692,14 +3656,14 @@
                         </a:spcBef>
                       </a:pPr>
                       <a:r>
-                        <a:rPr lang="es-ES" sz="900">
+                        <a:rPr lang="pt-BR" sz="900">
                           <a:solidFill>
                             <a:srgbClr val="020302"/>
                           </a:solidFill>
                           <a:latin typeface="AdobeClean-Light"/>
                           <a:cs typeface="AdobeClean-Light"/>
                         </a:rPr>
-                        <a:t>Ingeniero de asistencia técnica especializado</a:t>
+                        <a:t>Engenheiro de suporte nomeado</a:t>
                       </a:r>
                     </a:p>
                   </a:txBody>
@@ -3841,14 +3805,14 @@
                         </a:spcBef>
                       </a:pPr>
                       <a:r>
-                        <a:rPr lang="es-ES" sz="900">
+                        <a:rPr lang="pt-BR" sz="900">
                           <a:solidFill>
                             <a:srgbClr val="020302"/>
                           </a:solidFill>
                           <a:latin typeface="AdobeClean-Light"/>
                           <a:cs typeface="AdobeClean-Light"/>
                         </a:rPr>
-                        <a:t>Gestor técnico de cuentas</a:t>
+                        <a:t>Gerente técnico de conta</a:t>
                       </a:r>
                     </a:p>
                   </a:txBody>
@@ -3965,14 +3929,14 @@
                         </a:spcBef>
                       </a:pPr>
                       <a:r>
-                        <a:rPr lang="es-ES" sz="1000" b="1" i="0">
+                        <a:rPr lang="pt-BR" sz="1000" b="1" i="0">
                           <a:solidFill>
                             <a:schemeClr val="bg1"/>
                           </a:solidFill>
                           <a:latin typeface="Adobe Clean" panose="020B0503020404020204" pitchFamily="34" charset="0"/>
                           <a:cs typeface="AdobeClean-Light"/>
                         </a:rPr>
-                        <a:t>Servicios de soporte</a:t>
+                        <a:t>Serviços de suporte</a:t>
                       </a:r>
                     </a:p>
                   </a:txBody>
@@ -4029,14 +3993,14 @@
                         </a:spcBef>
                       </a:pPr>
                       <a:r>
-                        <a:rPr lang="es-ES" sz="900">
+                        <a:rPr lang="pt-BR" sz="900">
                           <a:solidFill>
                             <a:srgbClr val="020302"/>
                           </a:solidFill>
                           <a:latin typeface="AdobeClean-Light"/>
                           <a:cs typeface="AdobeClean-Light"/>
                         </a:rPr>
-                        <a:t>Soporte Online</a:t>
+                        <a:t>Suporte Online</a:t>
                       </a:r>
                     </a:p>
                   </a:txBody>
@@ -4075,14 +4039,14 @@
                         </a:spcBef>
                       </a:pPr>
                       <a:r>
-                        <a:rPr lang="es-ES" sz="900">
+                        <a:rPr lang="pt-BR" sz="900">
                           <a:solidFill>
                             <a:srgbClr val="020302"/>
                           </a:solidFill>
                           <a:latin typeface="AdobeClean-Light"/>
                           <a:cs typeface="AdobeClean-Light"/>
                         </a:rPr>
-                        <a:t>Horario de trabajo</a:t>
+                        <a:t>Horário comercial</a:t>
                       </a:r>
                     </a:p>
                   </a:txBody>
@@ -4122,14 +4086,14 @@
                         </a:spcBef>
                       </a:pPr>
                       <a:r>
-                        <a:rPr lang="es-ES" sz="900">
+                        <a:rPr lang="pt-BR" sz="900">
                           <a:solidFill>
                             <a:srgbClr val="020302"/>
                           </a:solidFill>
                           <a:latin typeface="AdobeClean-Light"/>
                           <a:cs typeface="AdobeClean-Light"/>
                         </a:rPr>
-                        <a:t>Horario de trabajo</a:t>
+                        <a:t>Horário comercial</a:t>
                       </a:r>
                     </a:p>
                   </a:txBody>
@@ -4211,14 +4175,14 @@
                         </a:spcBef>
                       </a:pPr>
                       <a:r>
-                        <a:rPr lang="es-ES" sz="900">
+                        <a:rPr lang="pt-BR" sz="900">
                           <a:solidFill>
                             <a:srgbClr val="020302"/>
                           </a:solidFill>
                           <a:latin typeface="AdobeClean-Light"/>
                           <a:cs typeface="AdobeClean-Light"/>
                         </a:rPr>
-                        <a:t>Soporte con problemas P1 24 x 7 x 365</a:t>
+                        <a:t>Suporte 24x7x365 para prioridades P1</a:t>
                       </a:r>
                     </a:p>
                   </a:txBody>
@@ -4251,7 +4215,7 @@
                         </a:spcBef>
                       </a:pPr>
                       <a:r>
-                        <a:rPr lang="es-ES" sz="900">
+                        <a:rPr lang="pt-BR" sz="900">
                           <a:solidFill>
                             <a:srgbClr val="020302"/>
                           </a:solidFill>
@@ -4289,7 +4253,7 @@
                         </a:spcBef>
                       </a:pPr>
                       <a:r>
-                        <a:rPr lang="es-ES" sz="900">
+                        <a:rPr lang="pt-BR" sz="900">
                           <a:solidFill>
                             <a:srgbClr val="020302"/>
                           </a:solidFill>
@@ -4378,14 +4342,14 @@
                         </a:spcBef>
                       </a:pPr>
                       <a:r>
-                        <a:rPr lang="es-ES" sz="900">
+                        <a:rPr lang="pt-BR" sz="900">
                           <a:solidFill>
                             <a:srgbClr val="020302"/>
                           </a:solidFill>
                           <a:latin typeface="AdobeClean-Light"/>
                           <a:cs typeface="AdobeClean-Light"/>
                         </a:rPr>
-                        <a:t>Contactos de soporte particulares (por producto)</a:t>
+                        <a:t>Contatos de suporte nomeados (por produto)</a:t>
                       </a:r>
                     </a:p>
                   </a:txBody>
@@ -4424,7 +4388,7 @@
                         </a:spcBef>
                       </a:pPr>
                       <a:r>
-                        <a:rPr lang="es-ES" sz="900">
+                        <a:rPr lang="pt-BR" sz="900">
                           <a:solidFill>
                             <a:srgbClr val="020302"/>
                           </a:solidFill>
@@ -4462,7 +4426,7 @@
                         </a:spcBef>
                       </a:pPr>
                       <a:r>
-                        <a:rPr lang="es-ES" sz="900">
+                        <a:rPr lang="pt-BR" sz="900">
                           <a:solidFill>
                             <a:srgbClr val="020302"/>
                           </a:solidFill>
@@ -4542,14 +4506,14 @@
                         </a:spcBef>
                       </a:pPr>
                       <a:r>
-                        <a:rPr lang="es-ES" sz="900">
+                        <a:rPr lang="pt-BR" sz="900">
                           <a:solidFill>
                             <a:srgbClr val="020302"/>
                           </a:solidFill>
                           <a:latin typeface="AdobeClean-Light"/>
                           <a:cs typeface="AdobeClean-Light"/>
                         </a:rPr>
-                        <a:t>Asistencia telefónica en directo</a:t>
+                        <a:t>Suporte telefônico ao vivo</a:t>
                       </a:r>
                     </a:p>
                   </a:txBody>
@@ -4614,7 +4578,7 @@
                         </a:spcBef>
                       </a:pPr>
                       <a:r>
-                        <a:rPr lang="es-ES" sz="900">
+                        <a:rPr lang="pt-BR" sz="900">
                           <a:solidFill>
                             <a:srgbClr val="020302"/>
                           </a:solidFill>
@@ -4694,14 +4658,14 @@
                         </a:spcBef>
                       </a:pPr>
                       <a:r>
-                        <a:rPr lang="es-ES" sz="900">
+                        <a:rPr lang="pt-BR" sz="900">
                           <a:solidFill>
                             <a:srgbClr val="020302"/>
                           </a:solidFill>
                           <a:latin typeface="AdobeClean-Light"/>
                           <a:cs typeface="AdobeClean-Light"/>
                         </a:rPr>
-                        <a:t>Administración de la escalabilidad</a:t>
+                        <a:t>Gestão de encaminhamento</a:t>
                       </a:r>
                     </a:p>
                   </a:txBody>
@@ -4766,7 +4730,7 @@
                         </a:spcBef>
                       </a:pPr>
                       <a:r>
-                        <a:rPr lang="es-ES" sz="900">
+                        <a:rPr lang="pt-BR" sz="900">
                           <a:solidFill>
                             <a:srgbClr val="020302"/>
                           </a:solidFill>
@@ -4846,14 +4810,14 @@
                         </a:spcBef>
                       </a:pPr>
                       <a:r>
-                        <a:rPr lang="es-ES" sz="900">
+                        <a:rPr lang="pt-BR" sz="900">
                           <a:solidFill>
                             <a:srgbClr val="020302"/>
                           </a:solidFill>
                           <a:latin typeface="AdobeClean-Light"/>
                           <a:cs typeface="AdobeClean-Light"/>
                         </a:rPr>
-                        <a:t>Revisiones de servicio al año</a:t>
+                        <a:t>Revisões de serviço por ano</a:t>
                       </a:r>
                     </a:p>
                   </a:txBody>
@@ -4956,11 +4920,11 @@
                         </a:spcBef>
                       </a:pPr>
                       <a:r>
-                        <a:rPr lang="es-ES" sz="900">
+                        <a:rPr lang="pt-BR" sz="900">
                           <a:latin typeface="AdobeClean-Light"/>
                           <a:cs typeface="AdobeClean-Light"/>
                         </a:rPr>
-                        <a:t>Sesiones con expertos al año</a:t>
+                        <a:t>Sessões de especialistas por ano</a:t>
                       </a:r>
                     </a:p>
                   </a:txBody>
@@ -5069,11 +5033,11 @@
                         </a:spcBef>
                       </a:pPr>
                       <a:r>
-                        <a:rPr lang="es-ES" sz="900">
+                        <a:rPr lang="pt-BR" sz="900">
                           <a:latin typeface="AdobeClean-Light"/>
                           <a:cs typeface="AdobeClean-Light"/>
                         </a:rPr>
-                        <a:t>Reseñas de casos</a:t>
+                        <a:t>Revisões de caso</a:t>
                       </a:r>
                     </a:p>
                   </a:txBody>
@@ -5221,14 +5185,14 @@
                         </a:spcBef>
                       </a:pPr>
                       <a:r>
-                        <a:rPr lang="es-ES" sz="900">
+                        <a:rPr lang="pt-BR" sz="900">
                           <a:solidFill>
                             <a:srgbClr val="020302"/>
                           </a:solidFill>
                           <a:latin typeface="AdobeClean-Light"/>
                           <a:cs typeface="AdobeClean-Light"/>
                         </a:rPr>
-                        <a:t>Gestión de eventos</a:t>
+                        <a:t>Gerenciamento de eventos</a:t>
                       </a:r>
                     </a:p>
                   </a:txBody>
@@ -5367,14 +5331,14 @@
                         </a:spcBef>
                       </a:pPr>
                       <a:r>
-                        <a:rPr lang="es-ES" sz="900">
+                        <a:rPr lang="pt-BR" sz="900">
                           <a:solidFill>
                             <a:srgbClr val="020302"/>
                           </a:solidFill>
                           <a:latin typeface="AdobeClean-Light"/>
                           <a:cs typeface="AdobeClean-Light"/>
                         </a:rPr>
-                        <a:t>Revisión, mantenimiento y monitorización del entorno</a:t>
+                        <a:t>Revisão, manutenção e monitoramento do ambiente</a:t>
                       </a:r>
                     </a:p>
                   </a:txBody>
@@ -5507,14 +5471,14 @@
                         </a:spcBef>
                       </a:pPr>
                       <a:r>
-                        <a:rPr lang="es-ES" sz="900" spc="-50" baseline="0" dirty="0">
+                        <a:rPr lang="pt-BR" sz="900">
                           <a:solidFill>
                             <a:srgbClr val="020302"/>
                           </a:solidFill>
                           <a:latin typeface="AdobeClean-Light"/>
                           <a:cs typeface="AdobeClean-Light"/>
                         </a:rPr>
-                        <a:t>Lanzamiento, migración, actualización y revisión de la hoja de ruta del producto</a:t>
+                        <a:t>Revisão de versão, migração, atualização e roteiro de produtos</a:t>
                       </a:r>
                     </a:p>
                   </a:txBody>
@@ -5656,11 +5620,11 @@
                         </a:spcBef>
                       </a:pPr>
                       <a:r>
-                        <a:rPr lang="es-ES" sz="900">
+                        <a:rPr lang="pt-BR" sz="900">
                           <a:latin typeface="AdobeClean-Light"/>
                           <a:cs typeface="AdobeClean-Light"/>
                         </a:rPr>
-                        <a:t>Actividades de asistencia en la nube: Experience Manager as Cloud</a:t>
+                        <a:t>Atividades de suporte na nuvem — Experience Manager as Cloud</a:t>
                       </a:r>
                     </a:p>
                   </a:txBody>
@@ -5777,14 +5741,14 @@
                         </a:spcBef>
                       </a:pPr>
                       <a:r>
-                        <a:rPr lang="es-ES" sz="1000" b="1" i="0">
+                        <a:rPr lang="pt-BR" sz="1000" b="1" i="0">
                           <a:solidFill>
                             <a:schemeClr val="bg1"/>
                           </a:solidFill>
                           <a:latin typeface="Adobe Clean" panose="020B0503020404020204" pitchFamily="34" charset="0"/>
                           <a:cs typeface="AdobeClean-Light"/>
                         </a:rPr>
-                        <a:t>Servicios de campo</a:t>
+                        <a:t>Serviços de campo</a:t>
                       </a:r>
                     </a:p>
                   </a:txBody>
@@ -5838,54 +5802,14 @@
                         </a:spcBef>
                       </a:pPr>
                       <a:r>
-                        <a:rPr lang="es-ES" sz="900" dirty="0">
+                        <a:rPr lang="pt-BR" sz="900">
                           <a:solidFill>
                             <a:srgbClr val="020302"/>
                           </a:solidFill>
                           <a:latin typeface="AdobeClean-Light"/>
                           <a:cs typeface="AdobeClean-Light"/>
                         </a:rPr>
-                        <a:t>Servicios de </a:t>
-                      </a:r>
-                      <a:r>
-                        <a:rPr lang="es-ES" sz="900" dirty="0" err="1">
-                          <a:solidFill>
-                            <a:srgbClr val="020302"/>
-                          </a:solidFill>
-                          <a:latin typeface="AdobeClean-Light"/>
-                          <a:cs typeface="AdobeClean-Light"/>
-                        </a:rPr>
-                        <a:t>Launch</a:t>
-                      </a:r>
-                      <a:r>
-                        <a:rPr lang="es-ES" sz="900" dirty="0">
-                          <a:solidFill>
-                            <a:srgbClr val="020302"/>
-                          </a:solidFill>
-                          <a:latin typeface="AdobeClean-Light"/>
-                          <a:cs typeface="AdobeClean-Light"/>
-                        </a:rPr>
-                        <a:t> </a:t>
-                      </a:r>
-                      <a:r>
-                        <a:rPr lang="es-ES" sz="900" dirty="0" err="1">
-                          <a:solidFill>
-                            <a:srgbClr val="020302"/>
-                          </a:solidFill>
-                          <a:latin typeface="AdobeClean-Light"/>
-                          <a:cs typeface="AdobeClean-Light"/>
-                        </a:rPr>
-                        <a:t>Advisory</a:t>
-                      </a:r>
-                      <a:r>
-                        <a:rPr lang="es-ES" sz="900" dirty="0">
-                          <a:solidFill>
-                            <a:srgbClr val="020302"/>
-                          </a:solidFill>
-                          <a:latin typeface="AdobeClean-Light"/>
-                          <a:cs typeface="AdobeClean-Light"/>
-                        </a:rPr>
-                        <a:t>: primer año de la nueva solución</a:t>
+                        <a:t>Launch Advisory Services — primeiro ano da nova solução</a:t>
                       </a:r>
                     </a:p>
                     <a:p>
@@ -5898,11 +5822,11 @@
                         </a:spcBef>
                       </a:pPr>
                       <a:r>
-                        <a:rPr lang="es-ES" sz="900" dirty="0">
+                        <a:rPr lang="pt-BR" sz="900">
                           <a:latin typeface="AdobeClean-Light"/>
                           <a:cs typeface="AdobeClean-Light"/>
                         </a:rPr>
-                        <a:t>Actividades del servicio de campo </a:t>
+                        <a:t>Atividades de serviço de campo </a:t>
                       </a:r>
                     </a:p>
                   </a:txBody>
@@ -6151,7 +6075,7 @@
           <a:lstStyle/>
           <a:p>
             <a:r>
-              <a:rPr lang="es-ES" sz="700" i="1">
+              <a:rPr lang="pt-BR" sz="700" i="1">
                 <a:solidFill>
                   <a:schemeClr val="bg1"/>
                 </a:solidFill>
@@ -6333,7 +6257,7 @@
         <p:spPr>
           <a:xfrm>
             <a:off x="370040" y="1409311"/>
-            <a:ext cx="2286000" cy="1289969"/>
+            <a:ext cx="2286000" cy="1458926"/>
           </a:xfrm>
           <a:prstGeom prst="rect">
             <a:avLst/>
@@ -6354,13 +6278,47 @@
               </a:spcBef>
             </a:pPr>
             <a:r>
-              <a:rPr lang="es-ES" sz="1000">
+              <a:rPr lang="pt-BR" sz="1000" dirty="0">
                 <a:solidFill>
                   <a:srgbClr val="000000"/>
                 </a:solidFill>
                 <a:latin typeface="Adobe Clean Light" panose="020B0303020404020204" pitchFamily="34" charset="0"/>
               </a:rPr>
-              <a:t>Un responsable de la asistencia técnica de la cuenta particular para monitorizar de forma proactiva los casos, impulsar la colaboración entre equipos, ofrecer seminarios web de incorporación, ejecutar informes de servicios, proporcionar asistencia no técnica, y actuar como punto de escalación y defensor interno dentro del equipo de asistencia de Adobe.</a:t>
+              <a:t>Um Líder de suporte da conta designado </a:t>
+            </a:r>
+            <a:br>
+              <a:rPr lang="sk-SK" sz="1000" dirty="0">
+                <a:solidFill>
+                  <a:srgbClr val="000000"/>
+                </a:solidFill>
+                <a:latin typeface="Adobe Clean Light" panose="020B0303020404020204" pitchFamily="34" charset="0"/>
+              </a:rPr>
+            </a:br>
+            <a:r>
+              <a:rPr lang="pt-BR" sz="1000" dirty="0">
+                <a:solidFill>
+                  <a:srgbClr val="000000"/>
+                </a:solidFill>
+                <a:latin typeface="Adobe Clean Light" panose="020B0303020404020204" pitchFamily="34" charset="0"/>
+              </a:rPr>
+              <a:t>para monitorar os casos de forma proativa, impulsionar a colaboração entre equipes, fornecer webinários de integração, executar relatórios de serviço, fornecer assistência de suporte não técnico e funcionar como ponto de encaminhamento e defensor interno </a:t>
+            </a:r>
+            <a:br>
+              <a:rPr lang="sk-SK" sz="1000" dirty="0">
+                <a:solidFill>
+                  <a:srgbClr val="000000"/>
+                </a:solidFill>
+                <a:latin typeface="Adobe Clean Light" panose="020B0303020404020204" pitchFamily="34" charset="0"/>
+              </a:rPr>
+            </a:br>
+            <a:r>
+              <a:rPr lang="pt-BR" sz="1000" dirty="0">
+                <a:solidFill>
+                  <a:srgbClr val="000000"/>
+                </a:solidFill>
+                <a:latin typeface="Adobe Clean Light" panose="020B0303020404020204" pitchFamily="34" charset="0"/>
+              </a:rPr>
+              <a:t>no Suporte da Adobe.</a:t>
             </a:r>
           </a:p>
         </p:txBody>
@@ -6373,8 +6331,8 @@
         </p:nvSpPr>
         <p:spPr>
           <a:xfrm>
-            <a:off x="2836966" y="8618616"/>
-            <a:ext cx="2416449" cy="641201"/>
+            <a:off x="2836967" y="8618616"/>
+            <a:ext cx="2286000" cy="641201"/>
           </a:xfrm>
           <a:prstGeom prst="rect">
             <a:avLst/>
@@ -6398,14 +6356,14 @@
               </a:tabLst>
             </a:pPr>
             <a:r>
-              <a:rPr lang="es-ES" sz="1000" dirty="0">
+              <a:rPr lang="pt-BR" sz="1000" dirty="0">
                 <a:solidFill>
                   <a:srgbClr val="020302"/>
                 </a:solidFill>
                 <a:latin typeface="AdobeClean-Light"/>
                 <a:cs typeface="AdobeClean-Light"/>
               </a:rPr>
-              <a:t>Inicie una sesión de chat para obtener respuestas y ayuda con el envío de casos.</a:t>
+              <a:t>Inicie uma sessão de chat para obter respostas e ajuda com o envio de caso</a:t>
             </a:r>
           </a:p>
           <a:p>
@@ -6421,17 +6379,36 @@
               </a:tabLst>
             </a:pPr>
             <a:r>
-              <a:rPr lang="es-ES" sz="1000" i="1" dirty="0">
+              <a:rPr lang="pt-BR" sz="1000" i="1" dirty="0">
                 <a:solidFill>
                   <a:srgbClr val="7A7A7A"/>
                 </a:solidFill>
                 <a:latin typeface="AdobeClean-LightIt"/>
                 <a:cs typeface="AdobeClean-LightIt"/>
               </a:rPr>
-              <a:t>* No todos los productos ofrecen la opción de disfrutar de asistencia mediante chat en directo</a:t>
+              <a:t>*Nem todos os produtos têm suporte </a:t>
+            </a:r>
+            <a:br>
+              <a:rPr lang="sk-SK" sz="1000" i="1" dirty="0">
+                <a:solidFill>
+                  <a:srgbClr val="7A7A7A"/>
+                </a:solidFill>
+                <a:latin typeface="AdobeClean-LightIt"/>
+                <a:cs typeface="AdobeClean-LightIt"/>
+              </a:rPr>
+            </a:br>
+            <a:r>
+              <a:rPr lang="pt-BR" sz="1000" i="1" dirty="0">
+                <a:solidFill>
+                  <a:srgbClr val="7A7A7A"/>
+                </a:solidFill>
+                <a:latin typeface="AdobeClean-LightIt"/>
+                <a:cs typeface="AdobeClean-LightIt"/>
+              </a:rPr>
+              <a:t>de chat ao vivo</a:t>
             </a:r>
             <a:r>
-              <a:rPr lang="es-ES" sz="900" i="1" dirty="0">
+              <a:rPr lang="pt-BR" sz="900" i="1" dirty="0">
                 <a:solidFill>
                   <a:srgbClr val="7A7A7A"/>
                 </a:solidFill>
@@ -6515,12 +6492,12 @@
               <a:defRPr/>
             </a:pPr>
             <a:r>
-              <a:rPr lang="es-ES" sz="1200">
+              <a:rPr lang="pt-BR" sz="1200">
                 <a:solidFill>
                   <a:srgbClr val="000000"/>
                 </a:solidFill>
               </a:rPr>
-              <a:t>Foros de la comunidad</a:t>
+              <a:t>Fóruns da comunidade</a:t>
             </a:r>
           </a:p>
         </p:txBody>
@@ -6563,12 +6540,12 @@
               </a:spcAft>
             </a:pPr>
             <a:r>
-              <a:rPr lang="es-ES" sz="1200" b="1">
+              <a:rPr lang="pt-BR" sz="1200" b="1">
                 <a:latin typeface="+mj-lt"/>
                 <a:ea typeface="Open Sans" pitchFamily="34" charset="0"/>
                 <a:cs typeface="Open Sans" pitchFamily="34" charset="0"/>
               </a:rPr>
-              <a:t>Foros en línea</a:t>
+              <a:t>Fóruns online</a:t>
             </a:r>
           </a:p>
         </p:txBody>
@@ -6601,13 +6578,64 @@
           <a:lstStyle/>
           <a:p>
             <a:r>
-              <a:rPr lang="es-ES" sz="1000" dirty="0">
+              <a:rPr lang="pt-BR" sz="1000" dirty="0">
                 <a:solidFill>
                   <a:srgbClr val="000000"/>
                 </a:solidFill>
                 <a:latin typeface="Adobe Clean Light" panose="020B0303020404020204" pitchFamily="34" charset="0"/>
               </a:rPr>
-              <a:t>Acceso continuo en línea a una base de datos donde encontrará cada vez más soluciones técnicas, documentación de productos, preguntas frecuentes y mucho más. Miles de clientes se pueden conectar para compartir las prácticas recomendadas y las lecciones aprendidas.</a:t>
+              <a:t>Acesso online contínuo a um banco </a:t>
+            </a:r>
+            <a:br>
+              <a:rPr lang="sk-SK" sz="1000" dirty="0">
+                <a:solidFill>
+                  <a:srgbClr val="000000"/>
+                </a:solidFill>
+                <a:latin typeface="Adobe Clean Light" panose="020B0303020404020204" pitchFamily="34" charset="0"/>
+              </a:rPr>
+            </a:br>
+            <a:r>
+              <a:rPr lang="pt-BR" sz="1000" dirty="0">
+                <a:solidFill>
+                  <a:srgbClr val="000000"/>
+                </a:solidFill>
+                <a:latin typeface="Adobe Clean Light" panose="020B0303020404020204" pitchFamily="34" charset="0"/>
+              </a:rPr>
+              <a:t>de dados cada vez maior de soluções </a:t>
+            </a:r>
+            <a:br>
+              <a:rPr lang="sk-SK" sz="1000" dirty="0">
+                <a:solidFill>
+                  <a:srgbClr val="000000"/>
+                </a:solidFill>
+                <a:latin typeface="Adobe Clean Light" panose="020B0303020404020204" pitchFamily="34" charset="0"/>
+              </a:rPr>
+            </a:br>
+            <a:r>
+              <a:rPr lang="pt-BR" sz="1000" dirty="0">
+                <a:solidFill>
+                  <a:srgbClr val="000000"/>
+                </a:solidFill>
+                <a:latin typeface="Adobe Clean Light" panose="020B0303020404020204" pitchFamily="34" charset="0"/>
+              </a:rPr>
+              <a:t>técnicas, documentação do produto, perguntas frequentes e muito mais. </a:t>
+            </a:r>
+            <a:br>
+              <a:rPr lang="sk-SK" sz="1000" dirty="0">
+                <a:solidFill>
+                  <a:srgbClr val="000000"/>
+                </a:solidFill>
+                <a:latin typeface="Adobe Clean Light" panose="020B0303020404020204" pitchFamily="34" charset="0"/>
+              </a:rPr>
+            </a:br>
+            <a:r>
+              <a:rPr lang="pt-BR" sz="1000" dirty="0">
+                <a:solidFill>
+                  <a:srgbClr val="000000"/>
+                </a:solidFill>
+                <a:latin typeface="Adobe Clean Light" panose="020B0303020404020204" pitchFamily="34" charset="0"/>
+              </a:rPr>
+              <a:t>Milhares de clientes podem se conectar para compartilhar práticas recomendadas e lições aprendidas.</a:t>
             </a:r>
           </a:p>
         </p:txBody>
@@ -6650,12 +6678,12 @@
               </a:spcAft>
             </a:pPr>
             <a:r>
-              <a:rPr lang="es-ES" sz="1200" b="1">
+              <a:rPr lang="pt-BR" sz="1200" b="1">
                 <a:latin typeface="+mj-lt"/>
                 <a:ea typeface="Open Sans" pitchFamily="34" charset="0"/>
                 <a:cs typeface="Open Sans" pitchFamily="34" charset="0"/>
               </a:rPr>
-              <a:t>Recorridos autoguiados</a:t>
+              <a:t>Jornadas autoguiadas</a:t>
             </a:r>
           </a:p>
         </p:txBody>
@@ -6675,7 +6703,7 @@
         <p:spPr>
           <a:xfrm>
             <a:off x="5376301" y="6529249"/>
-            <a:ext cx="2286000" cy="1267014"/>
+            <a:ext cx="2286000" cy="1113125"/>
           </a:xfrm>
           <a:prstGeom prst="rect">
             <a:avLst/>
@@ -6688,67 +6716,13 @@
           <a:lstStyle/>
           <a:p>
             <a:r>
-              <a:rPr lang="es-ES" sz="1000" dirty="0">
+              <a:rPr lang="pt-BR" sz="1000" dirty="0">
                 <a:solidFill>
                   <a:srgbClr val="000000"/>
                 </a:solidFill>
                 <a:latin typeface="Adobe Clean Light" panose="020B0303020404020204" pitchFamily="34" charset="0"/>
               </a:rPr>
-              <a:t>Los </a:t>
-            </a:r>
-            <a:r>
-              <a:rPr lang="es-ES" sz="1000" dirty="0" err="1">
-                <a:solidFill>
-                  <a:srgbClr val="000000"/>
-                </a:solidFill>
-                <a:latin typeface="Adobe Clean Light" panose="020B0303020404020204" pitchFamily="34" charset="0"/>
-              </a:rPr>
-              <a:t>experience</a:t>
-            </a:r>
-            <a:r>
-              <a:rPr lang="es-ES" sz="1000" dirty="0">
-                <a:solidFill>
-                  <a:srgbClr val="000000"/>
-                </a:solidFill>
-                <a:latin typeface="Adobe Clean Light" panose="020B0303020404020204" pitchFamily="34" charset="0"/>
-              </a:rPr>
-              <a:t> </a:t>
-            </a:r>
-            <a:r>
-              <a:rPr lang="es-ES" sz="1000" dirty="0" err="1">
-                <a:solidFill>
-                  <a:srgbClr val="000000"/>
-                </a:solidFill>
-                <a:latin typeface="Adobe Clean Light" panose="020B0303020404020204" pitchFamily="34" charset="0"/>
-              </a:rPr>
-              <a:t>makers</a:t>
-            </a:r>
-            <a:r>
-              <a:rPr lang="es-ES" sz="1000" dirty="0">
-                <a:solidFill>
-                  <a:srgbClr val="000000"/>
-                </a:solidFill>
-                <a:latin typeface="Adobe Clean Light" panose="020B0303020404020204" pitchFamily="34" charset="0"/>
-              </a:rPr>
-              <a:t> se realizan con </a:t>
-            </a:r>
-            <a:r>
-              <a:rPr lang="es-ES" sz="1000" dirty="0" err="1">
-                <a:solidFill>
-                  <a:srgbClr val="000000"/>
-                </a:solidFill>
-                <a:latin typeface="Adobe Clean Light" panose="020B0303020404020204" pitchFamily="34" charset="0"/>
-              </a:rPr>
-              <a:t>Experience</a:t>
-            </a:r>
-            <a:r>
-              <a:rPr lang="es-ES" sz="1000" dirty="0">
-                <a:solidFill>
-                  <a:srgbClr val="000000"/>
-                </a:solidFill>
-                <a:latin typeface="Adobe Clean Light" panose="020B0303020404020204" pitchFamily="34" charset="0"/>
-              </a:rPr>
-              <a:t> League. Los clientes pueden aplicar sus conocimientos de administración de la experiencia del cliente con aprendizaje personalizado para desarrollar habilidades, interactuar con la comunidad internacional </a:t>
+              <a:t>A Experience League gera criadores de experiências. Os clientes podem adquirir habilidades de gerenciamento de experiência do cliente com aprendizagem personalizada, participar de uma comunidade de pares global e conseguir reconhecimento </a:t>
             </a:r>
             <a:br>
               <a:rPr lang="sk-SK" sz="1000" dirty="0">
@@ -6759,30 +6733,13 @@
               </a:rPr>
             </a:br>
             <a:r>
-              <a:rPr lang="es-ES" sz="1000" dirty="0">
+              <a:rPr lang="pt-BR" sz="1000" dirty="0">
                 <a:solidFill>
                   <a:srgbClr val="000000"/>
                 </a:solidFill>
                 <a:latin typeface="Adobe Clean Light" panose="020B0303020404020204" pitchFamily="34" charset="0"/>
               </a:rPr>
-              <a:t>de compañeros y obtener reconocimiento </a:t>
-            </a:r>
-            <a:br>
-              <a:rPr lang="sk-SK" sz="1000" dirty="0">
-                <a:solidFill>
-                  <a:srgbClr val="000000"/>
-                </a:solidFill>
-                <a:latin typeface="Adobe Clean Light" panose="020B0303020404020204" pitchFamily="34" charset="0"/>
-              </a:rPr>
-            </a:br>
-            <a:r>
-              <a:rPr lang="es-ES" sz="1000" dirty="0">
-                <a:solidFill>
-                  <a:srgbClr val="000000"/>
-                </a:solidFill>
-                <a:latin typeface="Adobe Clean Light" panose="020B0303020404020204" pitchFamily="34" charset="0"/>
-              </a:rPr>
-              <a:t>en su trayectoria profesional.</a:t>
+              <a:t>de carreira.</a:t>
             </a:r>
           </a:p>
         </p:txBody>
@@ -6830,12 +6787,12 @@
               <a:defRPr/>
             </a:pPr>
             <a:r>
-              <a:rPr lang="es-ES" sz="1200">
+              <a:rPr lang="pt-BR" sz="1200">
                 <a:solidFill>
                   <a:srgbClr val="000000"/>
                 </a:solidFill>
               </a:rPr>
-              <a:t>Asistencia mediante chat en directo*</a:t>
+              <a:t>Suporte por chat ao vivo*</a:t>
             </a:r>
           </a:p>
         </p:txBody>
@@ -6878,12 +6835,12 @@
               </a:spcAft>
             </a:pPr>
             <a:r>
-              <a:rPr lang="es-ES" sz="1200" b="1">
+              <a:rPr lang="pt-BR" sz="1200" b="1">
                 <a:latin typeface="+mj-lt"/>
                 <a:ea typeface="Open Sans" pitchFamily="34" charset="0"/>
                 <a:cs typeface="Open Sans" pitchFamily="34" charset="0"/>
               </a:rPr>
-              <a:t>Asistencia mediante chat</a:t>
+              <a:t>Suporte por chat</a:t>
             </a:r>
           </a:p>
         </p:txBody>
@@ -6931,12 +6888,12 @@
               <a:defRPr/>
             </a:pPr>
             <a:r>
-              <a:rPr lang="es-ES" sz="1200">
+              <a:rPr lang="pt-BR" sz="1200">
                 <a:solidFill>
                   <a:srgbClr val="000000"/>
                 </a:solidFill>
               </a:rPr>
-              <a:t>24/7 P1 </a:t>
+              <a:t>24X7 prioridades P1 </a:t>
             </a:r>
           </a:p>
         </p:txBody>
@@ -6979,12 +6936,12 @@
               </a:spcAft>
             </a:pPr>
             <a:r>
-              <a:rPr lang="es-ES" sz="1200" b="1">
+              <a:rPr lang="pt-BR" sz="1200" b="1">
                 <a:latin typeface="+mj-lt"/>
                 <a:ea typeface="Open Sans" pitchFamily="34" charset="0"/>
                 <a:cs typeface="Open Sans" pitchFamily="34" charset="0"/>
               </a:rPr>
-              <a:t>Asistencia telefónica</a:t>
+              <a:t>Suporte telefônico</a:t>
             </a:r>
           </a:p>
         </p:txBody>
@@ -7004,7 +6961,7 @@
         <p:spPr>
           <a:xfrm>
             <a:off x="2836967" y="6529249"/>
-            <a:ext cx="2286000" cy="1113125"/>
+            <a:ext cx="2286000" cy="959237"/>
           </a:xfrm>
           <a:prstGeom prst="rect">
             <a:avLst/>
@@ -7017,36 +6974,19 @@
           <a:lstStyle/>
           <a:p>
             <a:r>
-              <a:rPr lang="es-ES" sz="1000" dirty="0">
+              <a:rPr lang="pt-BR" sz="1000" dirty="0">
                 <a:solidFill>
                   <a:srgbClr val="020302"/>
                 </a:solidFill>
                 <a:latin typeface="AdobeClean-Light"/>
               </a:rPr>
-              <a:t>Los usuarios autorizados o los contactos </a:t>
-            </a:r>
-            <a:br>
-              <a:rPr lang="sk-SK" sz="1000" dirty="0">
-                <a:solidFill>
-                  <a:srgbClr val="020302"/>
-                </a:solidFill>
-                <a:latin typeface="AdobeClean-Light"/>
-              </a:rPr>
-            </a:br>
-            <a:r>
-              <a:rPr lang="es-ES" sz="1000" dirty="0">
-                <a:solidFill>
-                  <a:srgbClr val="020302"/>
-                </a:solidFill>
-                <a:latin typeface="AdobeClean-Light"/>
-              </a:rPr>
-              <a:t>de soporte particulares</a:t>
+              <a:t>Usuários autorizados ou contatos de suporte nomeados</a:t>
             </a:r>
             <a:r>
-              <a:rPr lang="es-ES" sz="1000" dirty="0">
+              <a:rPr lang="pt-BR" sz="1000" dirty="0">
                 <a:latin typeface="Adobe Clean Light" panose="020B0303020404020204" pitchFamily="34" charset="0"/>
               </a:rPr>
-              <a:t> pueden enviar problemas a través de todos los canales disponibles (incluido el teléfono en el caso </a:t>
+              <a:t> podem enviar problemas por todos os canais disponíveis (incluindo </a:t>
             </a:r>
             <a:br>
               <a:rPr lang="sk-SK" sz="1000" dirty="0">
@@ -7054,10 +6994,32 @@
               </a:rPr>
             </a:br>
             <a:r>
-              <a:rPr lang="es-ES" sz="1000" dirty="0">
+              <a:rPr lang="pt-BR" sz="1000" dirty="0">
                 <a:latin typeface="Adobe Clean Light" panose="020B0303020404020204" pitchFamily="34" charset="0"/>
               </a:rPr>
-              <a:t>de los problemas P1) y hablar con nuestro equipo de asistencia en nombre de su empresa. </a:t>
+              <a:t>por telefone em prioridades P1) e contatar </a:t>
+            </a:r>
+            <a:br>
+              <a:rPr lang="sk-SK" sz="1000" dirty="0">
+                <a:latin typeface="Adobe Clean Light" panose="020B0303020404020204" pitchFamily="34" charset="0"/>
+              </a:rPr>
+            </a:br>
+            <a:r>
+              <a:rPr lang="pt-BR" sz="1000" dirty="0">
+                <a:latin typeface="Adobe Clean Light" panose="020B0303020404020204" pitchFamily="34" charset="0"/>
+              </a:rPr>
+              <a:t>a equipe de suporte técnico em nome </a:t>
+            </a:r>
+            <a:br>
+              <a:rPr lang="sk-SK" sz="1000" dirty="0">
+                <a:latin typeface="Adobe Clean Light" panose="020B0303020404020204" pitchFamily="34" charset="0"/>
+              </a:rPr>
+            </a:br>
+            <a:r>
+              <a:rPr lang="pt-BR" sz="1000" dirty="0">
+                <a:latin typeface="Adobe Clean Light" panose="020B0303020404020204" pitchFamily="34" charset="0"/>
+              </a:rPr>
+              <a:t>de sua empresa. </a:t>
             </a:r>
           </a:p>
         </p:txBody>
@@ -7102,7 +7064,7 @@
               </a:spcBef>
             </a:pPr>
             <a:r>
-              <a:rPr lang="es-ES"/>
+              <a:rPr lang="pt-BR"/>
               <a:t>©2021 Adobe. All Rights Reserved. Adobe Confidential.</a:t>
             </a:r>
           </a:p>
@@ -7125,7 +7087,7 @@
         <p:spPr>
           <a:xfrm>
             <a:off x="821898" y="1099315"/>
-            <a:ext cx="1916592" cy="369332"/>
+            <a:ext cx="1726164" cy="184666"/>
           </a:xfrm>
           <a:prstGeom prst="rect">
             <a:avLst/>
@@ -7146,13 +7108,13 @@
               </a:spcAft>
             </a:pPr>
             <a:r>
-              <a:rPr lang="es-ES" sz="1200" b="1" dirty="0">
+              <a:rPr lang="pt-BR" sz="1200" b="1">
                 <a:solidFill>
                   <a:srgbClr val="020302"/>
                 </a:solidFill>
                 <a:latin typeface="+mj-lt"/>
               </a:rPr>
-              <a:t>Responsable de la asistencia técnica de la cuenta</a:t>
+              <a:t>Líder de suporte da conta</a:t>
             </a:r>
           </a:p>
         </p:txBody>
@@ -7241,14 +7203,14 @@
               </a:spcBef>
             </a:pPr>
             <a:r>
-              <a:rPr lang="es-ES" sz="1400" b="1">
+              <a:rPr lang="pt-BR" sz="1400" b="1">
                 <a:solidFill>
                   <a:srgbClr val="020302"/>
                 </a:solidFill>
                 <a:latin typeface="Adobe Clean"/>
                 <a:cs typeface="Adobe Clean"/>
               </a:rPr>
-              <a:t>Funciones de soporte Online</a:t>
+              <a:t>Recursos de suporte online</a:t>
             </a:r>
           </a:p>
         </p:txBody>
@@ -7337,14 +7299,14 @@
               </a:spcBef>
             </a:pPr>
             <a:r>
-              <a:rPr lang="es-ES" sz="1400" b="1">
+              <a:rPr lang="pt-BR" sz="1400" b="1">
                 <a:solidFill>
                   <a:srgbClr val="020302"/>
                 </a:solidFill>
                 <a:latin typeface="Adobe Clean"/>
                 <a:cs typeface="Adobe Clean"/>
               </a:rPr>
-              <a:t>Funciones de soporte Business</a:t>
+              <a:t>Recursos do Suporte Business</a:t>
             </a:r>
           </a:p>
         </p:txBody>
@@ -7364,7 +7326,7 @@
         <p:spPr>
           <a:xfrm>
             <a:off x="2836967" y="1370913"/>
-            <a:ext cx="2456884" cy="1635319"/>
+            <a:ext cx="2286000" cy="1817998"/>
           </a:xfrm>
           <a:prstGeom prst="rect">
             <a:avLst/>
@@ -7385,43 +7347,32 @@
               </a:spcBef>
             </a:pPr>
             <a:r>
-              <a:rPr lang="es-ES" sz="900" dirty="0">
+              <a:rPr lang="pt-BR" sz="1000" dirty="0">
                 <a:latin typeface="Adobe Clean Light" panose="020B0303020404020204" pitchFamily="34" charset="0"/>
               </a:rPr>
-              <a:t>Los clientes pueden enviar casos de asistencia por teléfono en lo relacionado con todos los problemas P2, P3 y P4 durante el horario de asistencia regional. </a:t>
+              <a:t>Os clientes podem enviar casos de suporte por telefone para todos os problemas com prioridade P2, P3 e P4 durante o horário </a:t>
             </a:r>
             <a:br>
-              <a:rPr lang="sk-SK" sz="900" dirty="0">
+              <a:rPr lang="sk-SK" sz="1000" dirty="0">
                 <a:latin typeface="Adobe Clean Light" panose="020B0303020404020204" pitchFamily="34" charset="0"/>
               </a:rPr>
             </a:br>
             <a:r>
-              <a:rPr lang="es-ES" sz="900" dirty="0">
+              <a:rPr lang="pt-BR" sz="1000" dirty="0">
                 <a:latin typeface="Adobe Clean Light" panose="020B0303020404020204" pitchFamily="34" charset="0"/>
               </a:rPr>
-              <a:t>No existen límites máximos en cuanto a la cantidad </a:t>
+              <a:t>de suporte regional. Não há limites máximos para o número de vezes que você pode ligar para o suporte. Os clientes também podem solicitar uma chamada de retorno do suporte ou solicitar uma reunião para demonstrar </a:t>
             </a:r>
             <a:br>
-              <a:rPr lang="sk-SK" sz="900" dirty="0">
+              <a:rPr lang="sk-SK" sz="1000" dirty="0">
                 <a:latin typeface="Adobe Clean Light" panose="020B0303020404020204" pitchFamily="34" charset="0"/>
               </a:rPr>
             </a:br>
             <a:r>
-              <a:rPr lang="es-ES" sz="900" dirty="0">
+              <a:rPr lang="pt-BR" sz="1000" dirty="0">
                 <a:latin typeface="Adobe Clean Light" panose="020B0303020404020204" pitchFamily="34" charset="0"/>
               </a:rPr>
-              <a:t>de veces que puede llamar al equipo de asistencia. </a:t>
-            </a:r>
-            <a:br>
-              <a:rPr lang="sk-SK" sz="900" dirty="0">
-                <a:latin typeface="Adobe Clean Light" panose="020B0303020404020204" pitchFamily="34" charset="0"/>
-              </a:rPr>
-            </a:br>
-            <a:r>
-              <a:rPr lang="es-ES" sz="900" dirty="0">
-                <a:latin typeface="Adobe Clean Light" panose="020B0303020404020204" pitchFamily="34" charset="0"/>
-              </a:rPr>
-              <a:t>Los clientes también pueden solicitar que el servicio de asistencia les llame por teléfono o solicitar una reunión para ver o solucionar un problema mediante una sesión de escritorio remoto compartida.</a:t>
+              <a:t>ou solucionar um problema usando uma sessão de desktop remoto compartilhado.</a:t>
             </a:r>
           </a:p>
         </p:txBody>
@@ -7464,13 +7415,13 @@
               </a:spcAft>
             </a:pPr>
             <a:r>
-              <a:rPr lang="es-ES" sz="1200" b="1">
+              <a:rPr lang="pt-BR" sz="1200" b="1">
                 <a:solidFill>
                   <a:srgbClr val="020302"/>
                 </a:solidFill>
                 <a:latin typeface="+mj-lt"/>
               </a:rPr>
-              <a:t>Asistencia telefónica en directo</a:t>
+              <a:t>Suporte telefônico ao vivo</a:t>
             </a:r>
           </a:p>
         </p:txBody>
@@ -7490,7 +7441,7 @@
         <p:spPr>
           <a:xfrm>
             <a:off x="5376301" y="1398482"/>
-            <a:ext cx="2286000" cy="805349"/>
+            <a:ext cx="2286000" cy="959237"/>
           </a:xfrm>
           <a:prstGeom prst="rect">
             <a:avLst/>
@@ -7511,13 +7462,64 @@
               </a:spcBef>
             </a:pPr>
             <a:r>
-              <a:rPr lang="es-ES" sz="1000" dirty="0">
+              <a:rPr lang="pt-BR" sz="1000" dirty="0">
                 <a:solidFill>
                   <a:srgbClr val="4B4B4B"/>
                 </a:solidFill>
                 <a:latin typeface="Adobe Clean Light" panose="020B0303020404020204" pitchFamily="34" charset="0"/>
               </a:rPr>
-              <a:t>Un punto de contacto designado de Adobe que puede proporcionar asistencia en cuanto a escalabilidad y actualizaciones frecuentes, así como garantizar que se dé prioridad a sus solicitudes de soporte abierto más críticas.</a:t>
+              <a:t>Um ponto de contato designado na </a:t>
+            </a:r>
+            <a:br>
+              <a:rPr lang="sk-SK" sz="1000" dirty="0">
+                <a:solidFill>
+                  <a:srgbClr val="4B4B4B"/>
+                </a:solidFill>
+                <a:latin typeface="Adobe Clean Light" panose="020B0303020404020204" pitchFamily="34" charset="0"/>
+              </a:rPr>
+            </a:br>
+            <a:r>
+              <a:rPr lang="pt-BR" sz="1000" dirty="0">
+                <a:solidFill>
+                  <a:srgbClr val="4B4B4B"/>
+                </a:solidFill>
+                <a:latin typeface="Adobe Clean Light" panose="020B0303020404020204" pitchFamily="34" charset="0"/>
+              </a:rPr>
+              <a:t>Adobe que pode fornecer assistência </a:t>
+            </a:r>
+            <a:br>
+              <a:rPr lang="sk-SK" sz="1000" dirty="0">
+                <a:solidFill>
+                  <a:srgbClr val="4B4B4B"/>
+                </a:solidFill>
+                <a:latin typeface="Adobe Clean Light" panose="020B0303020404020204" pitchFamily="34" charset="0"/>
+              </a:rPr>
+            </a:br>
+            <a:r>
+              <a:rPr lang="pt-BR" sz="1000" dirty="0">
+                <a:solidFill>
+                  <a:srgbClr val="4B4B4B"/>
+                </a:solidFill>
+                <a:latin typeface="Adobe Clean Light" panose="020B0303020404020204" pitchFamily="34" charset="0"/>
+              </a:rPr>
+              <a:t>de encaminhamento, atualizações regulares </a:t>
+            </a:r>
+            <a:br>
+              <a:rPr lang="sk-SK" sz="1000" dirty="0">
+                <a:solidFill>
+                  <a:srgbClr val="4B4B4B"/>
+                </a:solidFill>
+                <a:latin typeface="Adobe Clean Light" panose="020B0303020404020204" pitchFamily="34" charset="0"/>
+              </a:rPr>
+            </a:br>
+            <a:r>
+              <a:rPr lang="pt-BR" sz="1000" dirty="0">
+                <a:solidFill>
+                  <a:srgbClr val="4B4B4B"/>
+                </a:solidFill>
+                <a:latin typeface="Adobe Clean Light" panose="020B0303020404020204" pitchFamily="34" charset="0"/>
+              </a:rPr>
+              <a:t>e garantir que seja dada prioridade àquelas solicitações de suporte abertas que forem mais críticas.</a:t>
             </a:r>
           </a:p>
         </p:txBody>
@@ -7538,8 +7540,8 @@
         </p:nvSpPr>
         <p:spPr>
           <a:xfrm>
-            <a:off x="5885313" y="1085652"/>
-            <a:ext cx="1608472" cy="369332"/>
+            <a:off x="5885312" y="1085652"/>
+            <a:ext cx="1859137" cy="184666"/>
           </a:xfrm>
           <a:prstGeom prst="rect">
             <a:avLst/>
@@ -7560,30 +7562,13 @@
               </a:spcAft>
             </a:pPr>
             <a:r>
-              <a:rPr lang="es-ES" sz="1200" b="1" dirty="0">
+              <a:rPr lang="pt-BR" sz="1200" b="1" dirty="0">
                 <a:solidFill>
                   <a:srgbClr val="020302"/>
                 </a:solidFill>
                 <a:latin typeface="+mj-lt"/>
               </a:rPr>
-              <a:t>Administración </a:t>
-            </a:r>
-            <a:br>
-              <a:rPr lang="sk-SK" sz="1200" b="1" dirty="0">
-                <a:solidFill>
-                  <a:srgbClr val="020302"/>
-                </a:solidFill>
-                <a:latin typeface="+mj-lt"/>
-              </a:rPr>
-            </a:br>
-            <a:r>
-              <a:rPr lang="es-ES" sz="1200" b="1" dirty="0">
-                <a:solidFill>
-                  <a:srgbClr val="020302"/>
-                </a:solidFill>
-                <a:latin typeface="+mj-lt"/>
-              </a:rPr>
-              <a:t>de la escalabilidad</a:t>
+              <a:t>Gestão de encaminhamento</a:t>
             </a:r>
           </a:p>
         </p:txBody>
@@ -7631,12 +7616,12 @@
               <a:defRPr/>
             </a:pPr>
             <a:r>
-              <a:rPr lang="es-ES" sz="1200">
+              <a:rPr lang="pt-BR" sz="1200">
                 <a:solidFill>
                   <a:srgbClr val="000000"/>
                 </a:solidFill>
               </a:rPr>
-              <a:t>Horario de oficina</a:t>
+              <a:t>Office Hours</a:t>
             </a:r>
           </a:p>
         </p:txBody>
@@ -7679,12 +7664,12 @@
               </a:spcAft>
             </a:pPr>
             <a:r>
-              <a:rPr lang="es-ES" sz="1200" b="1">
+              <a:rPr lang="pt-BR" sz="1200" b="1">
                 <a:latin typeface="+mj-lt"/>
                 <a:ea typeface="Open Sans" pitchFamily="34" charset="0"/>
                 <a:cs typeface="Open Sans" pitchFamily="34" charset="0"/>
               </a:rPr>
-              <a:t>Seminarios web</a:t>
+              <a:t>Webinários</a:t>
             </a:r>
           </a:p>
         </p:txBody>
@@ -7704,7 +7689,7 @@
         <p:spPr>
           <a:xfrm>
             <a:off x="370040" y="8618616"/>
-            <a:ext cx="2286000" cy="1113125"/>
+            <a:ext cx="2286000" cy="959237"/>
           </a:xfrm>
           <a:prstGeom prst="rect">
             <a:avLst/>
@@ -7717,13 +7702,13 @@
           <a:lstStyle/>
           <a:p>
             <a:r>
-              <a:rPr lang="es-ES" sz="1000" dirty="0">
+              <a:rPr lang="pt-BR" sz="1000" dirty="0">
                 <a:solidFill>
                   <a:srgbClr val="000000"/>
                 </a:solidFill>
                 <a:latin typeface="Adobe Clean Light" panose="020B0303020404020204" pitchFamily="34" charset="0"/>
               </a:rPr>
-              <a:t>“Horario de oficina” es una iniciativa liderada por el equipo de asistencia al cliente </a:t>
+              <a:t>O Office Hours é uma iniciativa liderada pela equipe de Suporte ao cliente da Adobe. Essas sessões foram criadas para informar e ajudar os participantes a solucionar problemas </a:t>
             </a:r>
             <a:br>
               <a:rPr lang="sk-SK" sz="1000" dirty="0">
@@ -7734,13 +7719,13 @@
               </a:rPr>
             </a:br>
             <a:r>
-              <a:rPr lang="es-ES" sz="1000" dirty="0">
+              <a:rPr lang="pt-BR" sz="1000" dirty="0">
                 <a:solidFill>
                   <a:srgbClr val="000000"/>
                 </a:solidFill>
                 <a:latin typeface="Adobe Clean Light" panose="020B0303020404020204" pitchFamily="34" charset="0"/>
               </a:rPr>
-              <a:t>de Adobe. Estas sesiones están diseñadas </a:t>
+              <a:t>e fornecer dicas e truques para aproveitar </a:t>
             </a:r>
             <a:br>
               <a:rPr lang="sk-SK" sz="1000" dirty="0">
@@ -7751,65 +7736,13 @@
               </a:rPr>
             </a:br>
             <a:r>
-              <a:rPr lang="es-ES" sz="1000" dirty="0">
+              <a:rPr lang="pt-BR" sz="1000" dirty="0">
                 <a:solidFill>
                   <a:srgbClr val="000000"/>
                 </a:solidFill>
                 <a:latin typeface="Adobe Clean Light" panose="020B0303020404020204" pitchFamily="34" charset="0"/>
               </a:rPr>
-              <a:t>para informar y ayudar a los participantes </a:t>
-            </a:r>
-            <a:br>
-              <a:rPr lang="sk-SK" sz="1000" dirty="0">
-                <a:solidFill>
-                  <a:srgbClr val="000000"/>
-                </a:solidFill>
-                <a:latin typeface="Adobe Clean Light" panose="020B0303020404020204" pitchFamily="34" charset="0"/>
-              </a:rPr>
-            </a:br>
-            <a:r>
-              <a:rPr lang="es-ES" sz="1000" dirty="0">
-                <a:solidFill>
-                  <a:srgbClr val="000000"/>
-                </a:solidFill>
-                <a:latin typeface="Adobe Clean Light" panose="020B0303020404020204" pitchFamily="34" charset="0"/>
-              </a:rPr>
-              <a:t>a solucionar problemas, y ofrecen sugerencias y trucos para usar correctamente </a:t>
-            </a:r>
-            <a:br>
-              <a:rPr lang="sk-SK" sz="1000" dirty="0">
-                <a:solidFill>
-                  <a:srgbClr val="000000"/>
-                </a:solidFill>
-                <a:latin typeface="Adobe Clean Light" panose="020B0303020404020204" pitchFamily="34" charset="0"/>
-              </a:rPr>
-            </a:br>
-            <a:r>
-              <a:rPr lang="es-ES" sz="1000" dirty="0">
-                <a:solidFill>
-                  <a:srgbClr val="000000"/>
-                </a:solidFill>
-                <a:latin typeface="Adobe Clean Light" panose="020B0303020404020204" pitchFamily="34" charset="0"/>
-              </a:rPr>
-              <a:t>Adobe </a:t>
-            </a:r>
-            <a:r>
-              <a:rPr lang="es-ES" sz="1000" dirty="0" err="1">
-                <a:solidFill>
-                  <a:srgbClr val="000000"/>
-                </a:solidFill>
-                <a:latin typeface="Adobe Clean Light" panose="020B0303020404020204" pitchFamily="34" charset="0"/>
-              </a:rPr>
-              <a:t>Experience</a:t>
-            </a:r>
-            <a:r>
-              <a:rPr lang="es-ES" sz="1000" dirty="0">
-                <a:solidFill>
-                  <a:srgbClr val="000000"/>
-                </a:solidFill>
-                <a:latin typeface="Adobe Clean Light" panose="020B0303020404020204" pitchFamily="34" charset="0"/>
-              </a:rPr>
-              <a:t> Cloud.</a:t>
+              <a:t>ao máximo a Adobe Experience Cloud.</a:t>
             </a:r>
           </a:p>
         </p:txBody>
@@ -7852,12 +7785,12 @@
               </a:spcAft>
             </a:pPr>
             <a:r>
-              <a:rPr lang="es-ES" sz="1200" b="1">
+              <a:rPr lang="pt-BR" sz="1200" b="1">
                 <a:latin typeface="+mj-lt"/>
                 <a:ea typeface="Open Sans" pitchFamily="34" charset="0"/>
                 <a:cs typeface="Open Sans" pitchFamily="34" charset="0"/>
               </a:rPr>
-              <a:t>Portal de asistencia 24/7</a:t>
+              <a:t>Portal de suporte 24/7</a:t>
             </a:r>
           </a:p>
         </p:txBody>
@@ -7890,13 +7823,13 @@
           <a:lstStyle/>
           <a:p>
             <a:r>
-              <a:rPr lang="es-ES" sz="1000" dirty="0">
+              <a:rPr lang="pt-BR" sz="1000" dirty="0">
                 <a:solidFill>
                   <a:srgbClr val="000000"/>
                 </a:solidFill>
                 <a:latin typeface="Adobe Clean Light" panose="020B0303020404020204" pitchFamily="34" charset="0"/>
               </a:rPr>
-              <a:t>Acceso al portal de asistencia de autoayuda </a:t>
+              <a:t>Acesso sob demanda ao Portal de autoatendimento online para enviar solicitações de suporte, revisar o status do caso e procurar outros recursos, como nossa base de conhecimento, notícias e alertas, </a:t>
             </a:r>
             <a:br>
               <a:rPr lang="sk-SK" sz="1000" dirty="0">
@@ -7907,30 +7840,13 @@
               </a:rPr>
             </a:br>
             <a:r>
-              <a:rPr lang="es-ES" sz="1000" dirty="0">
+              <a:rPr lang="pt-BR" sz="1000" dirty="0">
                 <a:solidFill>
                   <a:srgbClr val="000000"/>
                 </a:solidFill>
                 <a:latin typeface="Adobe Clean Light" panose="020B0303020404020204" pitchFamily="34" charset="0"/>
               </a:rPr>
-              <a:t>en línea previa solicitud para enviar solicitudes de asistencia, revisar el estado de los casos </a:t>
-            </a:r>
-            <a:br>
-              <a:rPr lang="sk-SK" sz="1000" dirty="0">
-                <a:solidFill>
-                  <a:srgbClr val="000000"/>
-                </a:solidFill>
-                <a:latin typeface="Adobe Clean Light" panose="020B0303020404020204" pitchFamily="34" charset="0"/>
-              </a:rPr>
-            </a:br>
-            <a:r>
-              <a:rPr lang="es-ES" sz="1000" dirty="0">
-                <a:solidFill>
-                  <a:srgbClr val="000000"/>
-                </a:solidFill>
-                <a:latin typeface="Adobe Clean Light" panose="020B0303020404020204" pitchFamily="34" charset="0"/>
-              </a:rPr>
-              <a:t>y examinar otros recursos, como la base de conocimiento, noticias y alertas, sugerencias destacadas, y mucho más.</a:t>
+              <a:t>dicas em destaque e muito mais.</a:t>
             </a:r>
           </a:p>
         </p:txBody>
@@ -8027,8 +7943,8 @@
         </p:nvSpPr>
         <p:spPr>
           <a:xfrm>
-            <a:off x="789025" y="3499700"/>
-            <a:ext cx="1781260" cy="285247"/>
+            <a:off x="789024" y="3499700"/>
+            <a:ext cx="1867015" cy="285247"/>
           </a:xfrm>
           <a:prstGeom prst="rect">
             <a:avLst/>
@@ -8042,10 +7958,10 @@
           <a:lstStyle/>
           <a:p>
             <a:r>
-              <a:rPr lang="es-ES" sz="1200" b="1" dirty="0">
+              <a:rPr lang="pt-BR" sz="1200" b="1" dirty="0">
                 <a:latin typeface="+mj-lt"/>
               </a:rPr>
-              <a:t>Servicios empresariales</a:t>
+              <a:t>Serviços empresariais</a:t>
             </a:r>
           </a:p>
         </p:txBody>
@@ -8065,7 +7981,7 @@
         <p:spPr>
           <a:xfrm>
             <a:off x="370041" y="3875832"/>
-            <a:ext cx="2286000" cy="740780"/>
+            <a:ext cx="2286000" cy="558999"/>
           </a:xfrm>
           <a:prstGeom prst="rect">
             <a:avLst/>
@@ -8086,32 +8002,10 @@
               </a:spcBef>
             </a:pPr>
             <a:r>
-              <a:rPr lang="es-ES" sz="1000" dirty="0">
+              <a:rPr lang="pt-BR" sz="1000">
                 <a:latin typeface="Adobe Clean Light" panose="020B0303020404020204" pitchFamily="34" charset="0"/>
               </a:rPr>
-              <a:t>Un responsable de la asistencia técnica </a:t>
-            </a:r>
-            <a:br>
-              <a:rPr lang="sk-SK" sz="1000" dirty="0">
-                <a:latin typeface="Adobe Clean Light" panose="020B0303020404020204" pitchFamily="34" charset="0"/>
-              </a:rPr>
-            </a:br>
-            <a:r>
-              <a:rPr lang="es-ES" sz="1000" dirty="0">
-                <a:latin typeface="Adobe Clean Light" panose="020B0303020404020204" pitchFamily="34" charset="0"/>
-              </a:rPr>
-              <a:t>de la cuenta organizará seminarios web que abarcarán una descripción general </a:t>
-            </a:r>
-            <a:br>
-              <a:rPr lang="sk-SK" sz="1000" dirty="0">
-                <a:latin typeface="Adobe Clean Light" panose="020B0303020404020204" pitchFamily="34" charset="0"/>
-              </a:rPr>
-            </a:br>
-            <a:r>
-              <a:rPr lang="es-ES" sz="1000" dirty="0">
-                <a:latin typeface="Adobe Clean Light" panose="020B0303020404020204" pitchFamily="34" charset="0"/>
-              </a:rPr>
-              <a:t>de los servicios de asistencia empresarial.  </a:t>
+              <a:t>Um Líder de suporte da conta apresentará webinários com uma visão geral dos serviços de suporte empresarial.  </a:t>
             </a:r>
           </a:p>
         </p:txBody>
@@ -8130,7 +8024,7 @@
         </p:nvSpPr>
         <p:spPr>
           <a:xfrm rot="5400000" flipH="1">
-            <a:off x="3863341" y="302967"/>
+            <a:off x="3863341" y="546807"/>
             <a:ext cx="45719" cy="5577840"/>
           </a:xfrm>
           <a:custGeom>
@@ -8497,7 +8391,7 @@
         </p:nvSpPr>
         <p:spPr>
           <a:xfrm rot="5400000" flipH="1">
-            <a:off x="3863341" y="5100467"/>
+            <a:off x="3863341" y="4967117"/>
             <a:ext cx="45719" cy="5577840"/>
           </a:xfrm>
           <a:custGeom>
@@ -8581,12 +8475,12 @@
               <a:defRPr/>
             </a:pPr>
             <a:r>
-              <a:rPr lang="es-ES" sz="1200">
+              <a:rPr lang="pt-BR" sz="1200">
                 <a:solidFill>
                   <a:srgbClr val="000000"/>
                 </a:solidFill>
               </a:rPr>
-              <a:t>Portal de autoayuda</a:t>
+              <a:t>Portal de autoatendimento</a:t>
             </a:r>
           </a:p>
         </p:txBody>
@@ -8634,7 +8528,7 @@
               <a:defRPr/>
             </a:pPr>
             <a:r>
-              <a:rPr lang="es-ES" sz="1200">
+              <a:rPr lang="pt-BR" sz="1200">
                 <a:solidFill>
                   <a:srgbClr val="000000"/>
                 </a:solidFill>
@@ -8696,7 +8590,7 @@
               </a:lnSpc>
             </a:pPr>
             <a:r>
-              <a:rPr lang="es-ES" sz="500">
+              <a:rPr lang="pt-BR" sz="500">
                 <a:solidFill>
                   <a:srgbClr val="6C6C6C"/>
                 </a:solidFill>
@@ -8730,7 +8624,7 @@
               </a:spcBef>
             </a:pPr>
             <a:r>
-              <a:rPr lang="es-ES" sz="800">
+              <a:rPr lang="pt-BR" sz="800">
                 <a:solidFill>
                   <a:srgbClr val="6D6D6D"/>
                 </a:solidFill>
@@ -8822,7 +8716,7 @@
               </a:spcBef>
             </a:pPr>
             <a:r>
-              <a:rPr lang="es-ES" sz="1400" b="1">
+              <a:rPr lang="pt-BR" sz="1400" b="1">
                 <a:solidFill>
                   <a:srgbClr val="020302"/>
                 </a:solidFill>
@@ -8864,7 +8758,7 @@
               </a:spcBef>
             </a:pPr>
             <a:r>
-              <a:rPr lang="es-ES" sz="800">
+              <a:rPr lang="pt-BR" sz="800">
                 <a:solidFill>
                   <a:srgbClr val="777879"/>
                 </a:solidFill>
@@ -8881,7 +8775,7 @@
               </a:lnSpc>
             </a:pPr>
             <a:r>
-              <a:rPr lang="es-ES" sz="800">
+              <a:rPr lang="pt-BR" sz="800">
                 <a:solidFill>
                   <a:srgbClr val="777879"/>
                 </a:solidFill>
@@ -8898,14 +8792,14 @@
               </a:lnSpc>
             </a:pPr>
             <a:r>
-              <a:rPr lang="es-ES" sz="800">
+              <a:rPr lang="pt-BR" sz="800">
                 <a:solidFill>
                   <a:srgbClr val="777879"/>
                 </a:solidFill>
                 <a:latin typeface="Adobe Clean"/>
                 <a:cs typeface="Adobe Clean"/>
               </a:rPr>
-              <a:t>San José, CA95110-2704</a:t>
+              <a:t>San Jose, CA95110-2704</a:t>
             </a:r>
           </a:p>
           <a:p>
@@ -8918,14 +8812,14 @@
               </a:spcBef>
             </a:pPr>
             <a:r>
-              <a:rPr lang="es-ES" sz="800">
+              <a:rPr lang="pt-BR" sz="800">
                 <a:solidFill>
                   <a:srgbClr val="777879"/>
                 </a:solidFill>
                 <a:latin typeface="Adobe Clean"/>
                 <a:cs typeface="Adobe Clean"/>
               </a:rPr>
-              <a:t>EE. UU.</a:t>
+              <a:t>USA</a:t>
             </a:r>
           </a:p>
           <a:p>
@@ -8938,7 +8832,7 @@
               </a:spcBef>
             </a:pPr>
             <a:r>
-              <a:rPr lang="es-ES" sz="800" u="sng">
+              <a:rPr lang="pt-BR" sz="800" u="sng">
                 <a:solidFill>
                   <a:srgbClr val="5F5F5F"/>
                 </a:solidFill>
@@ -9106,7 +9000,7 @@
         <p:spPr>
           <a:xfrm>
             <a:off x="75947" y="9437110"/>
-            <a:ext cx="5466715" cy="570865"/>
+            <a:ext cx="5646673" cy="570865"/>
           </a:xfrm>
           <a:prstGeom prst="rect">
             <a:avLst/>
@@ -9127,73 +9021,14 @@
               </a:spcBef>
             </a:pPr>
             <a:r>
-              <a:rPr lang="es-ES" sz="1100" i="1" dirty="0">
+              <a:rPr lang="pt-BR" sz="1100" i="1" dirty="0">
                 <a:solidFill>
                   <a:srgbClr val="777879"/>
                 </a:solidFill>
                 <a:latin typeface="AdobeClean-LightIt"/>
                 <a:cs typeface="AdobeClean-LightIt"/>
               </a:rPr>
-              <a:t>Para saber más sobre las ofertas de asistencia de Adobe y el nivel adecuado para usted, póngase </a:t>
-            </a:r>
-            <a:br>
-              <a:rPr lang="sk-SK" sz="1100" i="1" dirty="0">
-                <a:solidFill>
-                  <a:srgbClr val="777879"/>
-                </a:solidFill>
-                <a:latin typeface="AdobeClean-LightIt"/>
-                <a:cs typeface="AdobeClean-LightIt"/>
-              </a:rPr>
-            </a:br>
-            <a:r>
-              <a:rPr lang="es-ES" sz="1100" i="1" dirty="0">
-                <a:solidFill>
-                  <a:srgbClr val="777879"/>
-                </a:solidFill>
-                <a:latin typeface="AdobeClean-LightIt"/>
-                <a:cs typeface="AdobeClean-LightIt"/>
-              </a:rPr>
-              <a:t>en contacto con su administrador de cuentas (NAM) o con su </a:t>
-            </a:r>
-            <a:r>
-              <a:rPr lang="es-ES" sz="1100" i="1" dirty="0" err="1">
-                <a:solidFill>
-                  <a:srgbClr val="777879"/>
-                </a:solidFill>
-                <a:latin typeface="AdobeClean-LightIt"/>
-                <a:cs typeface="AdobeClean-LightIt"/>
-              </a:rPr>
-              <a:t>Customer</a:t>
-            </a:r>
-            <a:r>
-              <a:rPr lang="es-ES" sz="1100" i="1" dirty="0">
-                <a:solidFill>
-                  <a:srgbClr val="777879"/>
-                </a:solidFill>
-                <a:latin typeface="AdobeClean-LightIt"/>
-                <a:cs typeface="AdobeClean-LightIt"/>
-              </a:rPr>
-              <a:t> </a:t>
-            </a:r>
-            <a:r>
-              <a:rPr lang="es-ES" sz="1100" i="1" dirty="0" err="1">
-                <a:solidFill>
-                  <a:srgbClr val="777879"/>
-                </a:solidFill>
-                <a:latin typeface="AdobeClean-LightIt"/>
-                <a:cs typeface="AdobeClean-LightIt"/>
-              </a:rPr>
-              <a:t>Success</a:t>
-            </a:r>
-            <a:r>
-              <a:rPr lang="es-ES" sz="1100" i="1" dirty="0">
-                <a:solidFill>
-                  <a:srgbClr val="777879"/>
-                </a:solidFill>
-                <a:latin typeface="AdobeClean-LightIt"/>
-                <a:cs typeface="AdobeClean-LightIt"/>
-              </a:rPr>
-              <a:t> Manager (CSM)</a:t>
+              <a:t>Para saber mais sobre os Serviços de suporte Adobe e identificar o nível certo para você, entre em contato com o seu Gerente de conta nomeado (NAM, em inglês) ou Gerente de sucesso do cliente (CSM, em inglês).</a:t>
             </a:r>
           </a:p>
           <a:p>
@@ -9206,94 +9041,14 @@
               </a:spcBef>
             </a:pPr>
             <a:r>
-              <a:rPr lang="es-ES" sz="800" dirty="0">
+              <a:rPr lang="pt-BR" sz="800" dirty="0">
                 <a:solidFill>
                   <a:srgbClr val="6D6D6D"/>
                 </a:solidFill>
                 <a:latin typeface="Adobe Clean"/>
                 <a:cs typeface="Adobe Clean"/>
               </a:rPr>
-              <a:t>©2021 Adobe. </a:t>
-            </a:r>
-            <a:r>
-              <a:rPr lang="es-ES" sz="800" dirty="0" err="1">
-                <a:solidFill>
-                  <a:srgbClr val="6D6D6D"/>
-                </a:solidFill>
-                <a:latin typeface="Adobe Clean"/>
-                <a:cs typeface="Adobe Clean"/>
-              </a:rPr>
-              <a:t>All</a:t>
-            </a:r>
-            <a:r>
-              <a:rPr lang="es-ES" sz="800" dirty="0">
-                <a:solidFill>
-                  <a:srgbClr val="6D6D6D"/>
-                </a:solidFill>
-                <a:latin typeface="Adobe Clean"/>
-                <a:cs typeface="Adobe Clean"/>
-              </a:rPr>
-              <a:t> </a:t>
-            </a:r>
-            <a:r>
-              <a:rPr lang="es-ES" sz="800" dirty="0" err="1">
-                <a:solidFill>
-                  <a:srgbClr val="6D6D6D"/>
-                </a:solidFill>
-                <a:latin typeface="Adobe Clean"/>
-                <a:cs typeface="Adobe Clean"/>
-              </a:rPr>
-              <a:t>Rights</a:t>
-            </a:r>
-            <a:r>
-              <a:rPr lang="es-ES" sz="800" dirty="0">
-                <a:solidFill>
-                  <a:srgbClr val="6D6D6D"/>
-                </a:solidFill>
-                <a:latin typeface="Adobe Clean"/>
-                <a:cs typeface="Adobe Clean"/>
-              </a:rPr>
-              <a:t> </a:t>
-            </a:r>
-            <a:r>
-              <a:rPr lang="es-ES" sz="800" dirty="0" err="1">
-                <a:solidFill>
-                  <a:srgbClr val="6D6D6D"/>
-                </a:solidFill>
-                <a:latin typeface="Adobe Clean"/>
-                <a:cs typeface="Adobe Clean"/>
-              </a:rPr>
-              <a:t>Reserved</a:t>
-            </a:r>
-            <a:r>
-              <a:rPr lang="es-ES" sz="800" dirty="0">
-                <a:solidFill>
-                  <a:srgbClr val="6D6D6D"/>
-                </a:solidFill>
-                <a:latin typeface="Adobe Clean"/>
-                <a:cs typeface="Adobe Clean"/>
-              </a:rPr>
-              <a:t>. Adobe </a:t>
-            </a:r>
-            <a:r>
-              <a:rPr lang="es-ES" sz="800" dirty="0" err="1">
-                <a:solidFill>
-                  <a:srgbClr val="6D6D6D"/>
-                </a:solidFill>
-                <a:latin typeface="Adobe Clean"/>
-                <a:cs typeface="Adobe Clean"/>
-              </a:rPr>
-              <a:t>Confidential</a:t>
-            </a:r>
-            <a:r>
-              <a:rPr lang="es-ES" sz="800" dirty="0">
-                <a:solidFill>
-                  <a:srgbClr val="6D6D6D"/>
-                </a:solidFill>
-                <a:latin typeface="Adobe Clean"/>
-                <a:cs typeface="Adobe Clean"/>
-              </a:rPr>
-              <a:t>.</a:t>
+              <a:t>©2021 Adobe. All Rights Reserved. Adobe Confidential.</a:t>
             </a:r>
           </a:p>
         </p:txBody>
@@ -9313,7 +9068,7 @@
         <p:spPr>
           <a:xfrm>
             <a:off x="197233" y="5031270"/>
-            <a:ext cx="7365294" cy="755976"/>
+            <a:ext cx="6476646" cy="755976"/>
           </a:xfrm>
           <a:prstGeom prst="rect">
             <a:avLst/>
@@ -9331,14 +9086,14 @@
               </a:spcBef>
             </a:pPr>
             <a:r>
-              <a:rPr lang="es-ES" sz="1400" b="1" dirty="0">
+              <a:rPr lang="pt-BR" sz="1400" b="1" dirty="0">
                 <a:solidFill>
                   <a:srgbClr val="020302"/>
                 </a:solidFill>
                 <a:latin typeface="Adobe Clean"/>
                 <a:cs typeface="Adobe Clean"/>
               </a:rPr>
-              <a:t>Alcance regional del Soporte de Adobe, horas locales de trabajo y compatibilidad de idioma</a:t>
+              <a:t>Escopo regional do Suporte da Adobe, horário local de operação e suporte de idioma</a:t>
             </a:r>
           </a:p>
           <a:p>
@@ -9348,13 +9103,30 @@
               </a:spcBef>
             </a:pPr>
             <a:r>
-              <a:rPr lang="es-ES" sz="1000" dirty="0">
+              <a:rPr lang="pt-BR" sz="1000" dirty="0">
                 <a:solidFill>
                   <a:srgbClr val="1F1F1F"/>
                 </a:solidFill>
                 <a:latin typeface="AdobeClean-Light"/>
               </a:rPr>
-              <a:t>El alcance regional del Soporte de Adobe se establece asignando la dirección de facturación del cliente (mediante la orden de venta o el documento de compra de Soporte de Adobe) con una de estas regiones:</a:t>
+              <a:t>O escopo regional do Suporte da Adobe é estabelecido alinhando o endereço de faturamento do cliente </a:t>
+            </a:r>
+            <a:br>
+              <a:rPr lang="sk-SK" sz="1000" dirty="0">
+                <a:solidFill>
+                  <a:srgbClr val="1F1F1F"/>
+                </a:solidFill>
+                <a:latin typeface="AdobeClean-Light"/>
+              </a:rPr>
+            </a:br>
+            <a:r>
+              <a:rPr lang="pt-BR" sz="1000" dirty="0">
+                <a:solidFill>
+                  <a:srgbClr val="1F1F1F"/>
+                </a:solidFill>
+                <a:latin typeface="AdobeClean-Light"/>
+              </a:rPr>
+              <a:t>(conforme a ordem de venda ou outro documento de compra do Suporte da Adobe) a uma das regiões seguintes:</a:t>
             </a:r>
           </a:p>
         </p:txBody>
@@ -9374,7 +9146,7 @@
           <p:nvPr>
             <p:extLst>
               <p:ext uri="{D42A27DB-BD31-4B8C-83A1-F6EECF244321}">
-                <p14:modId xmlns:p14="http://schemas.microsoft.com/office/powerpoint/2010/main" val="3308617207"/>
+                <p14:modId xmlns:p14="http://schemas.microsoft.com/office/powerpoint/2010/main" val="2969235217"/>
               </p:ext>
             </p:extLst>
           </p:nvPr>
@@ -9427,13 +9199,13 @@
                     <a:p>
                       <a:pPr algn="ctr"/>
                       <a:r>
-                        <a:rPr lang="es-ES" sz="1100">
+                        <a:rPr lang="pt-BR" sz="1100">
                           <a:solidFill>
                             <a:schemeClr val="tx1"/>
                           </a:solidFill>
                           <a:latin typeface="Adobe Clean"/>
                         </a:rPr>
-                        <a:t>América</a:t>
+                        <a:t>Américas</a:t>
                       </a:r>
                     </a:p>
                   </a:txBody>
@@ -9492,30 +9264,13 @@
                     <a:p>
                       <a:pPr algn="ctr"/>
                       <a:r>
-                        <a:rPr lang="es-ES" sz="1100" dirty="0">
+                        <a:rPr lang="pt-BR" sz="1100">
                           <a:solidFill>
                             <a:schemeClr val="tx1"/>
                           </a:solidFill>
                           <a:latin typeface="Adobe Clean"/>
                         </a:rPr>
-                        <a:t>Europa, Oriente Medio </a:t>
-                      </a:r>
-                      <a:br>
-                        <a:rPr lang="sk-SK" sz="1100" dirty="0">
-                          <a:solidFill>
-                            <a:schemeClr val="tx1"/>
-                          </a:solidFill>
-                          <a:latin typeface="Adobe Clean"/>
-                        </a:rPr>
-                      </a:br>
-                      <a:r>
-                        <a:rPr lang="es-ES" sz="1100" dirty="0">
-                          <a:solidFill>
-                            <a:schemeClr val="tx1"/>
-                          </a:solidFill>
-                          <a:latin typeface="Adobe Clean"/>
-                        </a:rPr>
-                        <a:t>y África</a:t>
+                        <a:t>Europa, Oriente Médio e África</a:t>
                       </a:r>
                     </a:p>
                   </a:txBody>
@@ -9574,13 +9329,13 @@
                     <a:p>
                       <a:pPr algn="ctr"/>
                       <a:r>
-                        <a:rPr lang="es-ES" sz="1100">
+                        <a:rPr lang="pt-BR" sz="1100">
                           <a:solidFill>
                             <a:schemeClr val="tx1"/>
                           </a:solidFill>
                           <a:latin typeface="Adobe Clean"/>
                         </a:rPr>
-                        <a:t>Asia-Pacífico</a:t>
+                        <a:t>Ásia–Pacífico</a:t>
                       </a:r>
                     </a:p>
                   </a:txBody>
@@ -9639,16 +9394,16 @@
                     <a:p>
                       <a:pPr algn="ctr"/>
                       <a:r>
-                        <a:rPr lang="es-ES" sz="1100">
+                        <a:rPr lang="pt-BR" sz="1100">
                           <a:solidFill>
                             <a:schemeClr val="tx1"/>
                           </a:solidFill>
                           <a:latin typeface="Adobe Clean"/>
                         </a:rPr>
-                        <a:t>Japón </a:t>
+                        <a:t>Japão</a:t>
                       </a:r>
                       <a:r>
-                        <a:rPr lang="es-ES" sz="1100" baseline="30000">
+                        <a:rPr lang="pt-BR" sz="1100" baseline="30000">
                           <a:solidFill>
                             <a:schemeClr val="tx1"/>
                           </a:solidFill>
@@ -9720,13 +9475,13 @@
                     <a:p>
                       <a:pPr algn="ctr"/>
                       <a:r>
-                        <a:rPr lang="es-ES" sz="1100">
+                        <a:rPr lang="pt-BR" sz="1100">
                           <a:solidFill>
                             <a:schemeClr val="tx1"/>
                           </a:solidFill>
                           <a:latin typeface="Adobe Clean"/>
                         </a:rPr>
-                        <a:t>06:00 h - 17:30 h</a:t>
+                        <a:t>6h – 17h30</a:t>
                       </a:r>
                     </a:p>
                   </a:txBody>
@@ -9785,13 +9540,13 @@
                     <a:p>
                       <a:pPr algn="ctr"/>
                       <a:r>
-                        <a:rPr lang="es-ES" sz="1100">
+                        <a:rPr lang="pt-BR" sz="1100">
                           <a:solidFill>
                             <a:schemeClr val="tx1"/>
                           </a:solidFill>
                           <a:latin typeface="Adobe Clean"/>
                         </a:rPr>
-                        <a:t>09:00 h - 17:00 h</a:t>
+                        <a:t>9h – 17h</a:t>
                       </a:r>
                     </a:p>
                   </a:txBody>
@@ -9850,13 +9605,13 @@
                     <a:p>
                       <a:pPr algn="ctr"/>
                       <a:r>
-                        <a:rPr lang="es-ES" sz="1100">
+                        <a:rPr lang="pt-BR" sz="1100">
                           <a:solidFill>
                             <a:schemeClr val="tx1"/>
                           </a:solidFill>
                           <a:latin typeface="Adobe Clean"/>
                         </a:rPr>
-                        <a:t>09:00 h - 17:00 h</a:t>
+                        <a:t>9h – 17h</a:t>
                       </a:r>
                     </a:p>
                   </a:txBody>
@@ -9915,13 +9670,13 @@
                     <a:p>
                       <a:pPr algn="ctr"/>
                       <a:r>
-                        <a:rPr lang="es-ES" sz="1100">
+                        <a:rPr lang="pt-BR" sz="1100">
                           <a:solidFill>
                             <a:schemeClr val="tx1"/>
                           </a:solidFill>
                           <a:latin typeface="Adobe Clean"/>
                         </a:rPr>
-                        <a:t>09:00 h - 17:30 h</a:t>
+                        <a:t>9h – 17h30</a:t>
                       </a:r>
                     </a:p>
                   </a:txBody>
@@ -10001,7 +9756,7 @@
                         <a:buNone/>
                       </a:pPr>
                       <a:r>
-                        <a:rPr lang="es-ES" sz="1100" b="1" i="0" u="none" strike="noStrike" cap="none" normalizeH="0" baseline="30000" noProof="0" dirty="0">
+                        <a:rPr lang="pt-BR" sz="1100" b="1" i="0" u="none" strike="noStrike" cap="none" normalizeH="0" baseline="30000" noProof="0" dirty="0">
                           <a:ln>
                             <a:noFill/>
                           </a:ln>
@@ -10014,7 +9769,7 @@
                         <a:t> </a:t>
                       </a:r>
                       <a:r>
-                        <a:rPr lang="es-ES" sz="1100" dirty="0">
+                        <a:rPr lang="pt-BR" sz="1100" dirty="0">
                           <a:solidFill>
                             <a:schemeClr val="tx1"/>
                           </a:solidFill>
@@ -10022,7 +9777,7 @@
                           <a:ea typeface="+mn-ea"/>
                           <a:cs typeface="+mn-cs"/>
                         </a:rPr>
-                        <a:t>Compatibilidad de idioma solo disponible en inglés y japonés</a:t>
+                        <a:t>O suporte de idioma está disponível somente em inglês e japonês.</a:t>
                       </a:r>
                     </a:p>
                     <a:p>
@@ -10042,13 +9797,13 @@
                         <a:buNone/>
                       </a:pPr>
                       <a:r>
-                        <a:rPr lang="es-ES" sz="1100" i="1" dirty="0">
+                        <a:rPr lang="pt-BR" sz="1100" i="1" dirty="0">
                           <a:solidFill>
                             <a:schemeClr val="tx1"/>
                           </a:solidFill>
                           <a:latin typeface="Adobe Clean"/>
                         </a:rPr>
-                        <a:t>*Adobe Commerce no incluye soporte en japonés.</a:t>
+                        <a:t>*O Adobe Commerce exclui o suporte ao idioma japonês.</a:t>
                       </a:r>
                     </a:p>
                     <a:p>
@@ -10071,7 +9826,7 @@
                     <a:p>
                       <a:pPr algn="ctr"/>
                       <a:r>
-                        <a:rPr lang="es-ES" sz="1100" i="0" dirty="0">
+                        <a:rPr lang="pt-BR" sz="1100" i="0" dirty="0">
                           <a:solidFill>
                             <a:schemeClr val="tx1"/>
                           </a:solidFill>
@@ -10080,22 +9835,22 @@
                         <a:t> </a:t>
                       </a:r>
                       <a:r>
-                        <a:rPr lang="es-ES" sz="1100" i="0" baseline="30000" dirty="0">
+                        <a:rPr lang="pt-BR" sz="1100" i="0" baseline="30000" dirty="0">
                           <a:solidFill>
                             <a:schemeClr val="tx1"/>
                           </a:solidFill>
                           <a:latin typeface="Adobe Clean"/>
                         </a:rPr>
-                        <a:t>1 </a:t>
+                        <a:t>1</a:t>
                       </a:r>
                       <a:r>
-                        <a:rPr lang="es-ES" sz="1100" i="0" dirty="0">
+                        <a:rPr lang="pt-BR" sz="1100" i="0" dirty="0">
                           <a:solidFill>
                             <a:schemeClr val="tx1"/>
                           </a:solidFill>
                           <a:latin typeface="Adobe Clean"/>
                         </a:rPr>
-                        <a:t>Los casos de P2, P3, P4 se limitan únicamente al horario laboral en Japón.</a:t>
+                        <a:t>Os casos de prioridade P2, P3 e P4 estão limitados ao horário comercial somente no Japão.</a:t>
                       </a:r>
                     </a:p>
                   </a:txBody>
@@ -10438,8 +10193,8 @@
         </p:nvSpPr>
         <p:spPr>
           <a:xfrm>
-            <a:off x="2802771" y="8528519"/>
-            <a:ext cx="911979" cy="385445"/>
+            <a:off x="2840871" y="8528519"/>
+            <a:ext cx="810895" cy="385445"/>
           </a:xfrm>
           <a:prstGeom prst="rect">
             <a:avLst/>
@@ -10460,14 +10215,14 @@
               </a:spcBef>
             </a:pPr>
             <a:r>
-              <a:rPr lang="es-ES" sz="1200" b="1" dirty="0">
+              <a:rPr lang="pt-BR" sz="1200" b="1" dirty="0">
                 <a:solidFill>
                   <a:srgbClr val="FFFFFF"/>
                 </a:solidFill>
                 <a:latin typeface="Adobe Clean"/>
                 <a:cs typeface="Adobe Clean"/>
               </a:rPr>
-              <a:t>Experiencia sin igual</a:t>
+              <a:t>Experiência sem igual</a:t>
             </a:r>
           </a:p>
         </p:txBody>
@@ -10486,74 +10241,7 @@
         </p:nvSpPr>
         <p:spPr>
           <a:xfrm>
-            <a:off x="4541995" y="8541244"/>
-            <a:ext cx="1030130" cy="382797"/>
-          </a:xfrm>
-          <a:prstGeom prst="rect">
-            <a:avLst/>
-          </a:prstGeom>
-        </p:spPr>
-        <p:txBody>
-          <a:bodyPr vert="horz" wrap="square" lIns="0" tIns="23495" rIns="0" bIns="0" rtlCol="0">
-            <a:spAutoFit/>
-          </a:bodyPr>
-          <a:lstStyle/>
-          <a:p>
-            <a:pPr marR="5080" algn="ctr">
-              <a:lnSpc>
-                <a:spcPts val="1390"/>
-              </a:lnSpc>
-              <a:spcBef>
-                <a:spcPts val="185"/>
-              </a:spcBef>
-            </a:pPr>
-            <a:r>
-              <a:rPr lang="es-ES" sz="1200" b="1" dirty="0">
-                <a:solidFill>
-                  <a:srgbClr val="FFFFFF"/>
-                </a:solidFill>
-                <a:latin typeface="Adobe Clean"/>
-                <a:cs typeface="Adobe Clean"/>
-              </a:rPr>
-              <a:t>Asistencia </a:t>
-            </a:r>
-            <a:br>
-              <a:rPr lang="sk-SK" sz="1200" b="1" dirty="0">
-                <a:solidFill>
-                  <a:srgbClr val="FFFFFF"/>
-                </a:solidFill>
-                <a:latin typeface="Adobe Clean"/>
-                <a:cs typeface="Adobe Clean"/>
-              </a:rPr>
-            </a:br>
-            <a:r>
-              <a:rPr lang="es-ES" sz="1200" b="1" dirty="0">
-                <a:solidFill>
-                  <a:srgbClr val="FFFFFF"/>
-                </a:solidFill>
-                <a:latin typeface="Adobe Clean"/>
-                <a:cs typeface="Adobe Clean"/>
-              </a:rPr>
-              <a:t>ágil</a:t>
-            </a:r>
-          </a:p>
-        </p:txBody>
-      </p:sp>
-      <p:sp>
-        <p:nvSpPr>
-          <p:cNvPr id="86" name="object 32">
-            <a:extLst>
-              <a:ext uri="{FF2B5EF4-FFF2-40B4-BE49-F238E27FC236}">
-                <a16:creationId xmlns:a16="http://schemas.microsoft.com/office/drawing/2014/main" id="{73055FA1-8180-F44A-A86E-2B1D4C7C6B5E}"/>
-              </a:ext>
-            </a:extLst>
-          </p:cNvPr>
-          <p:cNvSpPr txBox="1"/>
-          <p:nvPr/>
-        </p:nvSpPr>
-        <p:spPr>
-          <a:xfrm>
-            <a:off x="6471718" y="8543943"/>
+            <a:off x="4679155" y="8541244"/>
             <a:ext cx="810895" cy="382797"/>
           </a:xfrm>
           <a:prstGeom prst="rect">
@@ -10575,14 +10263,62 @@
               </a:spcBef>
             </a:pPr>
             <a:r>
-              <a:rPr lang="es-ES" sz="1200" b="1" dirty="0">
+              <a:rPr lang="pt-BR" sz="1200" b="1" dirty="0">
                 <a:solidFill>
                   <a:srgbClr val="FFFFFF"/>
                 </a:solidFill>
                 <a:latin typeface="Adobe Clean"/>
                 <a:cs typeface="Adobe Clean"/>
               </a:rPr>
-              <a:t>Asesoría estratégica</a:t>
+              <a:t>Suporte acelerado</a:t>
+            </a:r>
+          </a:p>
+        </p:txBody>
+      </p:sp>
+      <p:sp>
+        <p:nvSpPr>
+          <p:cNvPr id="86" name="object 32">
+            <a:extLst>
+              <a:ext uri="{FF2B5EF4-FFF2-40B4-BE49-F238E27FC236}">
+                <a16:creationId xmlns:a16="http://schemas.microsoft.com/office/drawing/2014/main" id="{73055FA1-8180-F44A-A86E-2B1D4C7C6B5E}"/>
+              </a:ext>
+            </a:extLst>
+          </p:cNvPr>
+          <p:cNvSpPr txBox="1"/>
+          <p:nvPr/>
+        </p:nvSpPr>
+        <p:spPr>
+          <a:xfrm>
+            <a:off x="6479339" y="8543943"/>
+            <a:ext cx="810894" cy="382797"/>
+          </a:xfrm>
+          <a:prstGeom prst="rect">
+            <a:avLst/>
+          </a:prstGeom>
+        </p:spPr>
+        <p:txBody>
+          <a:bodyPr vert="horz" wrap="square" lIns="0" tIns="23495" rIns="0" bIns="0" rtlCol="0">
+            <a:spAutoFit/>
+          </a:bodyPr>
+          <a:lstStyle/>
+          <a:p>
+            <a:pPr marR="5080" algn="ctr">
+              <a:lnSpc>
+                <a:spcPts val="1390"/>
+              </a:lnSpc>
+              <a:spcBef>
+                <a:spcPts val="185"/>
+              </a:spcBef>
+            </a:pPr>
+            <a:r>
+              <a:rPr lang="pt-BR" sz="1200" b="1" dirty="0">
+                <a:solidFill>
+                  <a:srgbClr val="FFFFFF"/>
+                </a:solidFill>
+                <a:latin typeface="Adobe Clean"/>
+                <a:cs typeface="Adobe Clean"/>
+              </a:rPr>
+              <a:t>Consultoria estratégica</a:t>
             </a:r>
           </a:p>
         </p:txBody>
@@ -10602,7 +10338,7 @@
           <p:nvPr>
             <p:extLst>
               <p:ext uri="{D42A27DB-BD31-4B8C-83A1-F6EECF244321}">
-                <p14:modId xmlns:p14="http://schemas.microsoft.com/office/powerpoint/2010/main" val="1596060064"/>
+                <p14:modId xmlns:p14="http://schemas.microsoft.com/office/powerpoint/2010/main" val="1927822158"/>
               </p:ext>
             </p:extLst>
           </p:nvPr>
@@ -10640,7 +10376,7 @@
                     <a:lstStyle/>
                     <a:p>
                       <a:r>
-                        <a:rPr lang="es-ES" sz="1100" b="0">
+                        <a:rPr lang="pt-BR" sz="1100" b="0">
                           <a:solidFill>
                             <a:schemeClr val="tx1"/>
                           </a:solidFill>
@@ -10724,7 +10460,7 @@
                         <a:defRPr/>
                       </a:pPr>
                       <a:r>
-                        <a:rPr lang="es-ES" sz="1000" b="0" dirty="0" err="1">
+                        <a:rPr lang="pt-BR" sz="1000" b="0" dirty="0">
                           <a:solidFill>
                             <a:srgbClr val="000000"/>
                           </a:solidFill>
@@ -10732,18 +10468,7 @@
                           <a:ea typeface="+mn-ea"/>
                           <a:cs typeface="+mn-cs"/>
                         </a:rPr>
-                        <a:t>Experience</a:t>
-                      </a:r>
-                      <a:r>
-                        <a:rPr lang="es-ES" sz="1000" b="0" dirty="0">
-                          <a:solidFill>
-                            <a:srgbClr val="000000"/>
-                          </a:solidFill>
-                          <a:latin typeface="Adobe Clean Light" panose="020B0303020404020204" pitchFamily="34" charset="0"/>
-                          <a:ea typeface="+mn-ea"/>
-                          <a:cs typeface="+mn-cs"/>
-                        </a:rPr>
-                        <a:t> League permite a Adobe ayudar a las empresas a alcanzar el valor que esperan de su inversión en Adobe. Es el lugar unificado </a:t>
+                        <a:t>A Experience League foi criada para ajudar as empresas a alcançar </a:t>
                       </a:r>
                       <a:br>
                         <a:rPr lang="sk-SK" sz="1000" b="0" dirty="0">
@@ -10756,7 +10481,7 @@
                         </a:rPr>
                       </a:br>
                       <a:r>
-                        <a:rPr lang="es-ES" sz="1000" b="0" dirty="0">
+                        <a:rPr lang="pt-BR" sz="1000" b="0" dirty="0">
                           <a:solidFill>
                             <a:srgbClr val="000000"/>
                           </a:solidFill>
@@ -10764,7 +10489,7 @@
                           <a:ea typeface="+mn-ea"/>
                           <a:cs typeface="+mn-cs"/>
                         </a:rPr>
-                        <a:t>en el que los clientes pueden aprender, dialogar y crecer siguiendo </a:t>
+                        <a:t>o valor que esperam do seu investimento em produtos da Adobe. </a:t>
                       </a:r>
                       <a:br>
                         <a:rPr lang="sk-SK" sz="1000" b="0" dirty="0">
@@ -10777,7 +10502,7 @@
                         </a:rPr>
                       </a:br>
                       <a:r>
-                        <a:rPr lang="es-ES" sz="1000" b="0" dirty="0">
+                        <a:rPr lang="pt-BR" sz="1000" b="0" dirty="0">
                           <a:solidFill>
                             <a:srgbClr val="000000"/>
                           </a:solidFill>
@@ -10785,49 +10510,7 @@
                           <a:ea typeface="+mn-ea"/>
                           <a:cs typeface="+mn-cs"/>
                         </a:rPr>
-                        <a:t>un camino personalizado hacia el éxito que incluye tutoriales </a:t>
-                      </a:r>
-                      <a:br>
-                        <a:rPr lang="sk-SK" sz="1000" b="0" dirty="0">
-                          <a:solidFill>
-                            <a:srgbClr val="000000"/>
-                          </a:solidFill>
-                          <a:latin typeface="Adobe Clean Light" panose="020B0303020404020204" pitchFamily="34" charset="0"/>
-                          <a:ea typeface="+mn-ea"/>
-                          <a:cs typeface="+mn-cs"/>
-                        </a:rPr>
-                      </a:br>
-                      <a:r>
-                        <a:rPr lang="es-ES" sz="1000" b="0" dirty="0">
-                          <a:solidFill>
-                            <a:srgbClr val="000000"/>
-                          </a:solidFill>
-                          <a:latin typeface="Adobe Clean Light" panose="020B0303020404020204" pitchFamily="34" charset="0"/>
-                          <a:ea typeface="+mn-ea"/>
-                          <a:cs typeface="+mn-cs"/>
-                        </a:rPr>
-                        <a:t>de autoayuda, documentación de productos, formación dirigida </a:t>
-                      </a:r>
-                      <a:br>
-                        <a:rPr lang="sk-SK" sz="1000" b="0" dirty="0">
-                          <a:solidFill>
-                            <a:srgbClr val="000000"/>
-                          </a:solidFill>
-                          <a:latin typeface="Adobe Clean Light" panose="020B0303020404020204" pitchFamily="34" charset="0"/>
-                          <a:ea typeface="+mn-ea"/>
-                          <a:cs typeface="+mn-cs"/>
-                        </a:rPr>
-                      </a:br>
-                      <a:r>
-                        <a:rPr lang="es-ES" sz="1000" b="0" dirty="0">
-                          <a:solidFill>
-                            <a:srgbClr val="000000"/>
-                          </a:solidFill>
-                          <a:latin typeface="Adobe Clean Light" panose="020B0303020404020204" pitchFamily="34" charset="0"/>
-                          <a:ea typeface="+mn-ea"/>
-                          <a:cs typeface="+mn-cs"/>
-                        </a:rPr>
-                        <a:t>por instructores, y asistencia técnica y comunitaria. </a:t>
+                        <a:t>É o local unificado onde os clientes podem aprender, interagir e crescer ao longo de um caminho personalizado de sucesso que inclui tutoriais de autoatendimento, documentação dos produtos, treinamento com instrutores e suporte técnico e da comunidade. </a:t>
                       </a:r>
                     </a:p>
                   </a:txBody>
@@ -10909,7 +10592,7 @@
                         <a:defRPr/>
                       </a:pPr>
                       <a:r>
-                        <a:rPr lang="es-ES" sz="1100">
+                        <a:rPr lang="pt-BR" sz="1100">
                           <a:solidFill>
                             <a:schemeClr val="dk1"/>
                           </a:solidFill>
@@ -10918,10 +10601,10 @@
                           <a:cs typeface="+mn-cs"/>
                           <a:hlinkClick r:id="rId8"/>
                         </a:rPr>
-                        <a:t>Formación</a:t>
+                        <a:t>Treinamento</a:t>
                       </a:r>
                       <a:r>
-                        <a:rPr lang="es-ES" sz="1100">
+                        <a:rPr lang="pt-BR" sz="1100">
                           <a:solidFill>
                             <a:schemeClr val="dk1"/>
                           </a:solidFill>
@@ -11004,7 +10687,7 @@
                         <a:defRPr/>
                       </a:pPr>
                       <a:r>
-                        <a:rPr lang="es-ES" sz="1000">
+                        <a:rPr lang="pt-BR" sz="1000">
                           <a:solidFill>
                             <a:srgbClr val="000000"/>
                           </a:solidFill>
@@ -11012,7 +10695,7 @@
                           <a:ea typeface="+mn-ea"/>
                           <a:cs typeface="+mn-cs"/>
                         </a:rPr>
-                        <a:t>Puede acceder a los cursos de Adobe Digital Learning Services desde Experience League. Los cursos de formación incluyen desde lecciones bajo demanda hasta lecciones impartidas por instructores.  Aquí puede aprender habilidades con valor de mercado reconocido para impulsar el éxito en su organización.</a:t>
+                        <a:t>O acesso aos cursos do Adobe Digital Learning Services está disponível na Experience League. Os cursos de aprendizagem incluem lições sob demanda e com instrutores.  É um lugar para adquirir habilidades com reconhecido valor de mercado que você pode pôr em prática para impulsionar o sucesso na sua organização.</a:t>
                       </a:r>
                     </a:p>
                   </a:txBody>
@@ -11094,7 +10777,7 @@
                         <a:defRPr/>
                       </a:pPr>
                       <a:r>
-                        <a:rPr lang="es-ES" sz="1100">
+                        <a:rPr lang="pt-BR" sz="1100">
                           <a:solidFill>
                             <a:schemeClr val="tx1"/>
                           </a:solidFill>
@@ -11103,7 +10786,7 @@
                           <a:cs typeface="+mn-cs"/>
                           <a:hlinkClick r:id="rId9"/>
                         </a:rPr>
-                        <a:t>Problemas de producción e interrupciones del sistema</a:t>
+                        <a:t>Problemas de produção e paralisações do sistema</a:t>
                       </a:r>
                     </a:p>
                   </a:txBody>
@@ -11178,7 +10861,7 @@
                         <a:defRPr/>
                       </a:pPr>
                       <a:r>
-                        <a:rPr lang="es-ES" sz="1000">
+                        <a:rPr lang="pt-BR" sz="1000" dirty="0">
                           <a:solidFill>
                             <a:srgbClr val="000000"/>
                           </a:solidFill>
@@ -11186,7 +10869,28 @@
                           <a:ea typeface="+mn-ea"/>
                           <a:cs typeface="+mn-cs"/>
                         </a:rPr>
-                        <a:t>Status.adobe.com transmite la información de estado de todos los productos y servicios de Adobe implementados en entornos de varios inquilinos. Los clientes pueden elegir sus preferencias de suscripción para recibir notificaciones por correo electrónico cada vez que Adobe cree, actualice o resuelva un evento de producto. Esto puede incluir problemas de mantenimiento o servicio programados de diversos niveles de gravedad. </a:t>
+                        <a:t>O Status.adobe.com transmite as informações de integridade de todos os produtos e serviços da Adobe implantados em ambientes de vários locatários. Os clientes podem escolher suas preferências de subscrição para receber notificações por email sempre que a Adobe criar, atualizar ou resolver um evento de produto. Isso pode incluir manutenção programada ou problemas de serviço com diferentes níveis </a:t>
+                      </a:r>
+                      <a:br>
+                        <a:rPr lang="sk-SK" sz="1000" dirty="0">
+                          <a:solidFill>
+                            <a:srgbClr val="000000"/>
+                          </a:solidFill>
+                          <a:latin typeface="Adobe Clean Light" panose="020B0303020404020204" pitchFamily="34" charset="0"/>
+                          <a:ea typeface="+mn-ea"/>
+                          <a:cs typeface="+mn-cs"/>
+                        </a:rPr>
+                      </a:br>
+                      <a:r>
+                        <a:rPr lang="pt-BR" sz="1000" dirty="0">
+                          <a:solidFill>
+                            <a:srgbClr val="000000"/>
+                          </a:solidFill>
+                          <a:latin typeface="Adobe Clean Light" panose="020B0303020404020204" pitchFamily="34" charset="0"/>
+                          <a:ea typeface="+mn-ea"/>
+                          <a:cs typeface="+mn-cs"/>
+                        </a:rPr>
+                        <a:t>de gravidade. </a:t>
                       </a:r>
                     </a:p>
                   </a:txBody>
@@ -11268,16 +10972,16 @@
                         <a:defRPr/>
                       </a:pPr>
                       <a:r>
-                        <a:rPr lang="es-ES" sz="1100" b="0" i="0">
+                        <a:rPr lang="pt-BR" sz="1100" b="0" i="0">
                           <a:solidFill>
                             <a:schemeClr val="dk1"/>
                           </a:solidFill>
                           <a:latin typeface="Adobe Clean" panose="020B0503020404020204" pitchFamily="34" charset="0"/>
                           <a:ea typeface="+mn-ea"/>
                           <a:cs typeface="+mn-cs"/>
-                          <a:hlinkClick r:id="rId10" tooltip="https://helpx.adobe.com/es/support/programs/enterprise-support-programs/premier-support-business.html"/>
+                          <a:hlinkClick r:id="rId10" tooltip="https://helpx.adobe.com/br/support/programs/enterprise-support-programs/premier-support-business.html"/>
                         </a:rPr>
-                        <a:t>Sitio web de soporte Business</a:t>
+                        <a:t>Site do Suporte Business</a:t>
                       </a:r>
                     </a:p>
                   </a:txBody>
@@ -11335,7 +11039,7 @@
                     <a:lstStyle/>
                     <a:p>
                       <a:r>
-                        <a:rPr lang="es-ES" sz="1000">
+                        <a:rPr lang="pt-BR" sz="1000">
                           <a:solidFill>
                             <a:srgbClr val="000000"/>
                           </a:solidFill>
@@ -11343,7 +11047,7 @@
                           <a:ea typeface="+mn-ea"/>
                           <a:cs typeface="+mn-cs"/>
                         </a:rPr>
-                        <a:t>Sitio web de soporte Business de Adobe</a:t>
+                        <a:t>Site do Suporte Business da Adobe</a:t>
                       </a:r>
                     </a:p>
                   </a:txBody>
@@ -11425,7 +11129,7 @@
                         <a:defRPr/>
                       </a:pPr>
                       <a:r>
-                        <a:rPr lang="es-ES" sz="1100">
+                        <a:rPr lang="pt-BR" sz="1100">
                           <a:solidFill>
                             <a:schemeClr val="tx1"/>
                           </a:solidFill>
@@ -11434,7 +11138,7 @@
                           <a:cs typeface="+mn-cs"/>
                           <a:hlinkClick r:id="rId11"/>
                         </a:rPr>
-                        <a:t>Términos y condiciones</a:t>
+                        <a:t>Termos e condições</a:t>
                       </a:r>
                     </a:p>
                   </a:txBody>
@@ -11492,7 +11196,7 @@
                     <a:lstStyle/>
                     <a:p>
                       <a:r>
-                        <a:rPr lang="es-ES" sz="1000" dirty="0">
+                        <a:rPr lang="pt-BR" sz="1000" dirty="0">
                           <a:solidFill>
                             <a:srgbClr val="000000"/>
                           </a:solidFill>
@@ -11500,7 +11204,7 @@
                           <a:ea typeface="+mn-ea"/>
                           <a:cs typeface="+mn-cs"/>
                         </a:rPr>
-                        <a:t>Términos y condiciones de las ofertas de los servicios de soporte</a:t>
+                        <a:t>Os Termos e condições que detalham os serviços de suporte</a:t>
                       </a:r>
                     </a:p>
                   </a:txBody>

--- a/help/data-sheets/assets/BusinessSupportDatasheet.pptx
+++ b/help/data-sheets/assets/BusinessSupportDatasheet.pptx
@@ -143,12 +143,8 @@
 <file path=ppt/revisionInfo.xml><?xml version="1.0" encoding="utf-8"?>
 <p1510:revInfo xmlns:a="http://schemas.openxmlformats.org/drawingml/2006/main" xmlns:r="http://schemas.openxmlformats.org/officeDocument/2006/relationships" xmlns:p1510="http://schemas.microsoft.com/office/powerpoint/2015/10/main">
   <p1510:revLst>
-    <p1510:client id="{06B13378-B080-7F0F-51A5-F9203CEE57ED}" v="370" dt="2021-08-25T22:26:24.850"/>
-    <p1510:client id="{4D8E0410-E0CE-85E2-0F84-C1BF4F647622}" v="27" dt="2021-09-22T22:57:14.395"/>
-    <p1510:client id="{71D6CFBF-0EA2-99B0-93F4-22F19EF0AE4E}" v="2" dt="2021-09-22T19:06:58.732"/>
-    <p1510:client id="{9E385600-BF81-FC49-9ED0-E33BC37F7908}" v="55" dt="2021-08-04T08:16:13.478"/>
-    <p1510:client id="{AFB92C2B-405E-C597-0988-18F97C53104C}" v="37" dt="2021-09-22T18:53:28.028"/>
-    <p1510:client id="{CA5D33DF-AE75-BCA1-B9BC-A7CD44D2F3C7}" v="2" dt="2021-08-25T22:38:18.624"/>
+    <p1510:client id="{61630BD6-9AE9-064C-B39F-AFA945B82B3E}" v="202" dt="2021-10-13T19:21:08.267"/>
+    <p1510:client id="{AC30C20D-1316-8ECC-DADD-39CCEC6A7FCF}" v="9" dt="2021-10-13T19:03:35.035"/>
   </p1510:revLst>
 </p1510:revInfo>
 </file>
@@ -170,6 +166,77 @@
         </pc:sldMkLst>
         <pc:graphicFrameChg chg="mod modGraphic">
           <ac:chgData name="Akilah Johnson" userId="S::akjohnso@adobe.com::2fa3aa60-0c9c-4d06-bae2-795983241227" providerId="AD" clId="Web-{4D8E0410-E0CE-85E2-0F84-C1BF4F647622}" dt="2021-09-22T22:57:04.802" v="5"/>
+          <ac:graphicFrameMkLst>
+            <pc:docMk/>
+            <pc:sldMk cId="1050037809" sldId="261"/>
+            <ac:graphicFrameMk id="25" creationId="{3A91F5B0-3974-A14D-A146-FB590F2AAD18}"/>
+          </ac:graphicFrameMkLst>
+        </pc:graphicFrameChg>
+      </pc:sldChg>
+    </pc:docChg>
+  </pc:docChgLst>
+  <pc:docChgLst>
+    <pc:chgData name="Akilah Johnson" userId="S::akjohnso@adobe.com::2fa3aa60-0c9c-4d06-bae2-795983241227" providerId="AD" clId="Web-{019F6A09-DCDA-BB53-9E3C-5BA3B13E26BB}"/>
+    <pc:docChg chg="modSld">
+      <pc:chgData name="Akilah Johnson" userId="S::akjohnso@adobe.com::2fa3aa60-0c9c-4d06-bae2-795983241227" providerId="AD" clId="Web-{019F6A09-DCDA-BB53-9E3C-5BA3B13E26BB}" dt="2021-10-12T17:10:36.752" v="17" actId="20577"/>
+      <pc:docMkLst>
+        <pc:docMk/>
+      </pc:docMkLst>
+      <pc:sldChg chg="modSp">
+        <pc:chgData name="Akilah Johnson" userId="S::akjohnso@adobe.com::2fa3aa60-0c9c-4d06-bae2-795983241227" providerId="AD" clId="Web-{019F6A09-DCDA-BB53-9E3C-5BA3B13E26BB}" dt="2021-10-12T17:09:32.112" v="2" actId="20577"/>
+        <pc:sldMkLst>
+          <pc:docMk/>
+          <pc:sldMk cId="0" sldId="257"/>
+        </pc:sldMkLst>
+        <pc:spChg chg="mod">
+          <ac:chgData name="Akilah Johnson" userId="S::akjohnso@adobe.com::2fa3aa60-0c9c-4d06-bae2-795983241227" providerId="AD" clId="Web-{019F6A09-DCDA-BB53-9E3C-5BA3B13E26BB}" dt="2021-10-12T17:09:32.112" v="2" actId="20577"/>
+          <ac:spMkLst>
+            <pc:docMk/>
+            <pc:sldMk cId="0" sldId="257"/>
+            <ac:spMk id="46" creationId="{00000000-0000-0000-0000-000000000000}"/>
+          </ac:spMkLst>
+        </pc:spChg>
+      </pc:sldChg>
+      <pc:sldChg chg="modSp">
+        <pc:chgData name="Akilah Johnson" userId="S::akjohnso@adobe.com::2fa3aa60-0c9c-4d06-bae2-795983241227" providerId="AD" clId="Web-{019F6A09-DCDA-BB53-9E3C-5BA3B13E26BB}" dt="2021-10-12T17:10:36.752" v="17" actId="20577"/>
+        <pc:sldMkLst>
+          <pc:docMk/>
+          <pc:sldMk cId="1050037809" sldId="261"/>
+        </pc:sldMkLst>
+        <pc:spChg chg="mod">
+          <ac:chgData name="Akilah Johnson" userId="S::akjohnso@adobe.com::2fa3aa60-0c9c-4d06-bae2-795983241227" providerId="AD" clId="Web-{019F6A09-DCDA-BB53-9E3C-5BA3B13E26BB}" dt="2021-10-12T17:10:36.752" v="17" actId="20577"/>
+          <ac:spMkLst>
+            <pc:docMk/>
+            <pc:sldMk cId="1050037809" sldId="261"/>
+            <ac:spMk id="56" creationId="{00000000-0000-0000-0000-000000000000}"/>
+          </ac:spMkLst>
+        </pc:spChg>
+        <pc:graphicFrameChg chg="mod modGraphic">
+          <ac:chgData name="Akilah Johnson" userId="S::akjohnso@adobe.com::2fa3aa60-0c9c-4d06-bae2-795983241227" providerId="AD" clId="Web-{019F6A09-DCDA-BB53-9E3C-5BA3B13E26BB}" dt="2021-10-12T17:09:41.471" v="6"/>
+          <ac:graphicFrameMkLst>
+            <pc:docMk/>
+            <pc:sldMk cId="1050037809" sldId="261"/>
+            <ac:graphicFrameMk id="111" creationId="{D8653CEC-4213-DE40-9BAF-D1E3318FF89C}"/>
+          </ac:graphicFrameMkLst>
+        </pc:graphicFrameChg>
+      </pc:sldChg>
+    </pc:docChg>
+  </pc:docChgLst>
+  <pc:docChgLst>
+    <pc:chgData name="Andy Witt" userId="S::awitt@adobe.com::e9157bdf-53b2-40e4-9459-936793d75696" providerId="AD" clId="Web-{06B13378-B080-7F0F-51A5-F9203CEE57ED}"/>
+    <pc:docChg chg="modSld">
+      <pc:chgData name="Andy Witt" userId="S::awitt@adobe.com::e9157bdf-53b2-40e4-9459-936793d75696" providerId="AD" clId="Web-{06B13378-B080-7F0F-51A5-F9203CEE57ED}" dt="2021-08-25T22:25:13.647" v="363"/>
+      <pc:docMkLst>
+        <pc:docMk/>
+      </pc:docMkLst>
+      <pc:sldChg chg="modSp">
+        <pc:chgData name="Andy Witt" userId="S::awitt@adobe.com::e9157bdf-53b2-40e4-9459-936793d75696" providerId="AD" clId="Web-{06B13378-B080-7F0F-51A5-F9203CEE57ED}" dt="2021-08-25T22:25:13.647" v="363"/>
+        <pc:sldMkLst>
+          <pc:docMk/>
+          <pc:sldMk cId="1050037809" sldId="261"/>
+        </pc:sldMkLst>
+        <pc:graphicFrameChg chg="mod modGraphic">
+          <ac:chgData name="Andy Witt" userId="S::awitt@adobe.com::e9157bdf-53b2-40e4-9459-936793d75696" providerId="AD" clId="Web-{06B13378-B080-7F0F-51A5-F9203CEE57ED}" dt="2021-08-25T22:25:13.647" v="363"/>
           <ac:graphicFrameMkLst>
             <pc:docMk/>
             <pc:sldMk cId="1050037809" sldId="261"/>
@@ -204,26 +271,58 @@
     </pc:docChg>
   </pc:docChgLst>
   <pc:docChgLst>
-    <pc:chgData name="Andy Witt" userId="S::awitt@adobe.com::e9157bdf-53b2-40e4-9459-936793d75696" providerId="AD" clId="Web-{06B13378-B080-7F0F-51A5-F9203CEE57ED}"/>
+    <pc:chgData name="Akilah Johnson" userId="S::akjohnso@adobe.com::2fa3aa60-0c9c-4d06-bae2-795983241227" providerId="AD" clId="Web-{D428A0AE-54E2-30D2-C574-7A0742876CCF}"/>
     <pc:docChg chg="modSld">
-      <pc:chgData name="Andy Witt" userId="S::awitt@adobe.com::e9157bdf-53b2-40e4-9459-936793d75696" providerId="AD" clId="Web-{06B13378-B080-7F0F-51A5-F9203CEE57ED}" dt="2021-08-25T22:25:13.647" v="363"/>
+      <pc:chgData name="Akilah Johnson" userId="S::akjohnso@adobe.com::2fa3aa60-0c9c-4d06-bae2-795983241227" providerId="AD" clId="Web-{D428A0AE-54E2-30D2-C574-7A0742876CCF}" dt="2021-10-12T19:11:25.330" v="0" actId="20577"/>
       <pc:docMkLst>
         <pc:docMk/>
       </pc:docMkLst>
       <pc:sldChg chg="modSp">
-        <pc:chgData name="Andy Witt" userId="S::awitt@adobe.com::e9157bdf-53b2-40e4-9459-936793d75696" providerId="AD" clId="Web-{06B13378-B080-7F0F-51A5-F9203CEE57ED}" dt="2021-08-25T22:25:13.647" v="363"/>
+        <pc:chgData name="Akilah Johnson" userId="S::akjohnso@adobe.com::2fa3aa60-0c9c-4d06-bae2-795983241227" providerId="AD" clId="Web-{D428A0AE-54E2-30D2-C574-7A0742876CCF}" dt="2021-10-12T19:11:25.330" v="0" actId="20577"/>
         <pc:sldMkLst>
           <pc:docMk/>
-          <pc:sldMk cId="1050037809" sldId="261"/>
+          <pc:sldMk cId="0" sldId="256"/>
         </pc:sldMkLst>
-        <pc:graphicFrameChg chg="mod modGraphic">
-          <ac:chgData name="Andy Witt" userId="S::awitt@adobe.com::e9157bdf-53b2-40e4-9459-936793d75696" providerId="AD" clId="Web-{06B13378-B080-7F0F-51A5-F9203CEE57ED}" dt="2021-08-25T22:25:13.647" v="363"/>
-          <ac:graphicFrameMkLst>
+        <pc:spChg chg="mod">
+          <ac:chgData name="Akilah Johnson" userId="S::akjohnso@adobe.com::2fa3aa60-0c9c-4d06-bae2-795983241227" providerId="AD" clId="Web-{D428A0AE-54E2-30D2-C574-7A0742876CCF}" dt="2021-10-12T19:11:25.330" v="0" actId="20577"/>
+          <ac:spMkLst>
             <pc:docMk/>
-            <pc:sldMk cId="1050037809" sldId="261"/>
-            <ac:graphicFrameMk id="25" creationId="{3A91F5B0-3974-A14D-A146-FB590F2AAD18}"/>
-          </ac:graphicFrameMkLst>
-        </pc:graphicFrameChg>
+            <pc:sldMk cId="0" sldId="256"/>
+            <ac:spMk id="4" creationId="{00000000-0000-0000-0000-000000000000}"/>
+          </ac:spMkLst>
+        </pc:spChg>
+      </pc:sldChg>
+    </pc:docChg>
+  </pc:docChgLst>
+  <pc:docChgLst>
+    <pc:chgData name="Lauren Schutte" userId="S::schutte@adobe.com::6e08b2d3-447a-4d66-86be-444d50df187f" providerId="AD" clId="Web-{AC30C20D-1316-8ECC-DADD-39CCEC6A7FCF}"/>
+    <pc:docChg chg="modSld">
+      <pc:chgData name="Lauren Schutte" userId="S::schutte@adobe.com::6e08b2d3-447a-4d66-86be-444d50df187f" providerId="AD" clId="Web-{AC30C20D-1316-8ECC-DADD-39CCEC6A7FCF}" dt="2021-10-13T19:03:35.035" v="8" actId="1076"/>
+      <pc:docMkLst>
+        <pc:docMk/>
+      </pc:docMkLst>
+      <pc:sldChg chg="modSp">
+        <pc:chgData name="Lauren Schutte" userId="S::schutte@adobe.com::6e08b2d3-447a-4d66-86be-444d50df187f" providerId="AD" clId="Web-{AC30C20D-1316-8ECC-DADD-39CCEC6A7FCF}" dt="2021-10-13T19:03:35.035" v="8" actId="1076"/>
+        <pc:sldMkLst>
+          <pc:docMk/>
+          <pc:sldMk cId="0" sldId="256"/>
+        </pc:sldMkLst>
+        <pc:spChg chg="mod">
+          <ac:chgData name="Lauren Schutte" userId="S::schutte@adobe.com::6e08b2d3-447a-4d66-86be-444d50df187f" providerId="AD" clId="Web-{AC30C20D-1316-8ECC-DADD-39CCEC6A7FCF}" dt="2021-10-13T19:03:27.878" v="7" actId="14100"/>
+          <ac:spMkLst>
+            <pc:docMk/>
+            <pc:sldMk cId="0" sldId="256"/>
+            <ac:spMk id="3" creationId="{00000000-0000-0000-0000-000000000000}"/>
+          </ac:spMkLst>
+        </pc:spChg>
+        <pc:spChg chg="mod">
+          <ac:chgData name="Lauren Schutte" userId="S::schutte@adobe.com::6e08b2d3-447a-4d66-86be-444d50df187f" providerId="AD" clId="Web-{AC30C20D-1316-8ECC-DADD-39CCEC6A7FCF}" dt="2021-10-13T19:03:35.035" v="8" actId="1076"/>
+          <ac:spMkLst>
+            <pc:docMk/>
+            <pc:sldMk cId="0" sldId="256"/>
+            <ac:spMk id="5" creationId="{00000000-0000-0000-0000-000000000000}"/>
+          </ac:spMkLst>
+        </pc:spChg>
       </pc:sldChg>
     </pc:docChg>
   </pc:docChgLst>
@@ -254,6 +353,38 @@
             <pc:docMk/>
             <pc:sldMk cId="1050037809" sldId="261"/>
             <ac:graphicFrameMk id="25" creationId="{3A91F5B0-3974-A14D-A146-FB590F2AAD18}"/>
+          </ac:graphicFrameMkLst>
+        </pc:graphicFrameChg>
+      </pc:sldChg>
+    </pc:docChg>
+  </pc:docChgLst>
+  <pc:docChgLst>
+    <pc:chgData name="Lauren Schutte" userId="6e08b2d3-447a-4d66-86be-444d50df187f" providerId="ADAL" clId="{61630BD6-9AE9-064C-B39F-AFA945B82B3E}"/>
+    <pc:docChg chg="undo custSel modSld">
+      <pc:chgData name="Lauren Schutte" userId="6e08b2d3-447a-4d66-86be-444d50df187f" providerId="ADAL" clId="{61630BD6-9AE9-064C-B39F-AFA945B82B3E}" dt="2021-10-13T19:21:08.267" v="201" actId="20577"/>
+      <pc:docMkLst>
+        <pc:docMk/>
+      </pc:docMkLst>
+      <pc:sldChg chg="modSp mod">
+        <pc:chgData name="Lauren Schutte" userId="6e08b2d3-447a-4d66-86be-444d50df187f" providerId="ADAL" clId="{61630BD6-9AE9-064C-B39F-AFA945B82B3E}" dt="2021-10-13T19:21:08.267" v="201" actId="20577"/>
+        <pc:sldMkLst>
+          <pc:docMk/>
+          <pc:sldMk cId="0" sldId="256"/>
+        </pc:sldMkLst>
+        <pc:spChg chg="mod">
+          <ac:chgData name="Lauren Schutte" userId="6e08b2d3-447a-4d66-86be-444d50df187f" providerId="ADAL" clId="{61630BD6-9AE9-064C-B39F-AFA945B82B3E}" dt="2021-10-13T19:03:44.344" v="3" actId="1076"/>
+          <ac:spMkLst>
+            <pc:docMk/>
+            <pc:sldMk cId="0" sldId="256"/>
+            <ac:spMk id="3" creationId="{00000000-0000-0000-0000-000000000000}"/>
+          </ac:spMkLst>
+        </pc:spChg>
+        <pc:graphicFrameChg chg="mod modGraphic">
+          <ac:chgData name="Lauren Schutte" userId="6e08b2d3-447a-4d66-86be-444d50df187f" providerId="ADAL" clId="{61630BD6-9AE9-064C-B39F-AFA945B82B3E}" dt="2021-10-13T19:21:08.267" v="201" actId="20577"/>
+          <ac:graphicFrameMkLst>
+            <pc:docMk/>
+            <pc:sldMk cId="0" sldId="256"/>
+            <ac:graphicFrameMk id="9" creationId="{00000000-0000-0000-0000-000000000000}"/>
           </ac:graphicFrameMkLst>
         </pc:graphicFrameChg>
       </pc:sldChg>
@@ -368,7 +499,7 @@
           <a:p>
             <a:fld id="{FB81873C-0B24-F04A-98A1-90E0A78F7E8A}" type="datetimeFigureOut">
               <a:rPr lang="en-US" smtClean="0"/>
-              <a:t>10/1/2021</a:t>
+              <a:t>10/13/2021</a:t>
             </a:fld>
             <a:endParaRPr lang="en-US"/>
           </a:p>
@@ -991,7 +1122,7 @@
           <a:p>
             <a:fld id="{1D8BD707-D9CF-40AE-B4C6-C98DA3205C09}" type="datetimeFigureOut">
               <a:rPr lang="en-US"/>
-              <a:t>10/1/2021</a:t>
+              <a:t>10/13/2021</a:t>
             </a:fld>
             <a:endParaRPr lang="en-US"/>
           </a:p>
@@ -1183,7 +1314,7 @@
           <a:p>
             <a:fld id="{1D8BD707-D9CF-40AE-B4C6-C98DA3205C09}" type="datetimeFigureOut">
               <a:rPr lang="en-US"/>
-              <a:t>10/1/2021</a:t>
+              <a:t>10/13/2021</a:t>
             </a:fld>
             <a:endParaRPr lang="en-US"/>
           </a:p>
@@ -1501,7 +1632,7 @@
           <a:p>
             <a:fld id="{1D8BD707-D9CF-40AE-B4C6-C98DA3205C09}" type="datetimeFigureOut">
               <a:rPr lang="en-US"/>
-              <a:t>10/1/2021</a:t>
+              <a:t>10/13/2021</a:t>
             </a:fld>
             <a:endParaRPr lang="en-US"/>
           </a:p>
@@ -1755,8 +1886,8 @@
         </p:nvSpPr>
         <p:spPr>
           <a:xfrm>
-            <a:off x="168564" y="7162363"/>
-            <a:ext cx="4700615" cy="227626"/>
+            <a:off x="168565" y="7162363"/>
+            <a:ext cx="2800350" cy="238760"/>
           </a:xfrm>
           <a:prstGeom prst="rect">
             <a:avLst/>
@@ -1777,7 +1908,7 @@
               </a:spcBef>
             </a:pPr>
             <a:r>
-              <a:rPr lang="pt-BR" sz="1400" b="1" u="heavy" dirty="0">
+              <a:rPr sz="1400" b="1" u="heavy" spc="10">
                 <a:solidFill>
                   <a:srgbClr val="020302"/>
                 </a:solidFill>
@@ -1789,8 +1920,87 @@
                 <a:latin typeface="Adobe Clean"/>
                 <a:cs typeface="Adobe Clean"/>
               </a:rPr>
-              <a:t>Metas de nível de serviço: Resposta inicial</a:t>
-            </a:r>
+              <a:t>Service </a:t>
+            </a:r>
+            <a:r>
+              <a:rPr sz="1400" b="1" u="heavy" spc="-10">
+                <a:solidFill>
+                  <a:srgbClr val="020302"/>
+                </a:solidFill>
+                <a:uFill>
+                  <a:solidFill>
+                    <a:srgbClr val="020302"/>
+                  </a:solidFill>
+                </a:uFill>
+                <a:latin typeface="Adobe Clean"/>
+                <a:cs typeface="Adobe Clean"/>
+              </a:rPr>
+              <a:t>Level </a:t>
+            </a:r>
+            <a:r>
+              <a:rPr sz="1400" b="1" u="heavy" spc="-45">
+                <a:solidFill>
+                  <a:srgbClr val="020302"/>
+                </a:solidFill>
+                <a:uFill>
+                  <a:solidFill>
+                    <a:srgbClr val="020302"/>
+                  </a:solidFill>
+                </a:uFill>
+                <a:latin typeface="Adobe Clean"/>
+                <a:cs typeface="Adobe Clean"/>
+              </a:rPr>
+              <a:t>Targets: </a:t>
+            </a:r>
+            <a:r>
+              <a:rPr sz="1400" b="1" u="heavy" spc="-10">
+                <a:solidFill>
+                  <a:srgbClr val="020302"/>
+                </a:solidFill>
+                <a:uFill>
+                  <a:solidFill>
+                    <a:srgbClr val="020302"/>
+                  </a:solidFill>
+                </a:uFill>
+                <a:latin typeface="Adobe Clean"/>
+                <a:cs typeface="Adobe Clean"/>
+              </a:rPr>
+              <a:t>Initial</a:t>
+            </a:r>
+            <a:r>
+              <a:rPr sz="1400" b="1" u="heavy" spc="-140">
+                <a:solidFill>
+                  <a:srgbClr val="020302"/>
+                </a:solidFill>
+                <a:uFill>
+                  <a:solidFill>
+                    <a:srgbClr val="020302"/>
+                  </a:solidFill>
+                </a:uFill>
+                <a:latin typeface="Adobe Clean"/>
+                <a:cs typeface="Adobe Clean"/>
+              </a:rPr>
+              <a:t> </a:t>
+            </a:r>
+            <a:r>
+              <a:rPr sz="1400" b="1" u="heavy" spc="-15">
+                <a:solidFill>
+                  <a:srgbClr val="020302"/>
+                </a:solidFill>
+                <a:uFill>
+                  <a:solidFill>
+                    <a:srgbClr val="020302"/>
+                  </a:solidFill>
+                </a:uFill>
+                <a:latin typeface="Adobe Clean"/>
+                <a:cs typeface="Adobe Clean"/>
+              </a:rPr>
+              <a:t>Response</a:t>
+            </a:r>
+            <a:endParaRPr sz="1400">
+              <a:latin typeface="Adobe Clean"/>
+              <a:cs typeface="Adobe Clean"/>
+            </a:endParaRPr>
           </a:p>
         </p:txBody>
       </p:sp>
@@ -1843,7 +2053,7 @@
           </a:prstGeom>
         </p:spPr>
         <p:txBody>
-          <a:bodyPr vert="horz" wrap="square" lIns="0" tIns="12700" rIns="0" bIns="0" rtlCol="0">
+          <a:bodyPr vert="horz" wrap="square" lIns="0" tIns="12700" rIns="0" bIns="0" rtlCol="0" anchor="t">
             <a:spAutoFit/>
           </a:bodyPr>
           <a:lstStyle/>
@@ -1857,11 +2067,20 @@
               </a:spcBef>
             </a:pPr>
             <a:r>
-              <a:rPr lang="pt-BR" sz="2300">
-                <a:latin typeface="Adobe Clean" panose="020B0503020404020204" pitchFamily="34" charset="0"/>
-              </a:rPr>
-              <a:t>SERVIÇOS DE SUPORTE ADOBE</a:t>
-            </a:r>
+              <a:rPr sz="2300">
+                <a:latin typeface="Adobe Clean"/>
+              </a:rPr>
+              <a:t>ADOBE </a:t>
+            </a:r>
+            <a:r>
+              <a:rPr lang="en-US" sz="2300">
+                <a:latin typeface="Adobe Clean"/>
+              </a:rPr>
+              <a:t>SUPPORT PLANS</a:t>
+            </a:r>
+            <a:endParaRPr sz="2300">
+              <a:latin typeface="Adobe Clean" panose="020B0503020404020204" pitchFamily="34" charset="0"/>
+            </a:endParaRPr>
           </a:p>
         </p:txBody>
       </p:sp>
@@ -1873,8 +2092,8 @@
         </p:nvSpPr>
         <p:spPr>
           <a:xfrm>
-            <a:off x="121147" y="635935"/>
-            <a:ext cx="5865216" cy="1270476"/>
+            <a:off x="121147" y="531160"/>
+            <a:ext cx="5865216" cy="1269065"/>
           </a:xfrm>
           <a:prstGeom prst="rect">
             <a:avLst/>
@@ -1895,7 +2114,7 @@
               </a:spcBef>
             </a:pPr>
             <a:r>
-              <a:rPr lang="pt-BR" sz="900" dirty="0">
+              <a:rPr lang="en-US" sz="900">
                 <a:solidFill>
                   <a:schemeClr val="bg1"/>
                 </a:solidFill>
@@ -1904,7 +2123,7 @@
               <a:t>Online | </a:t>
             </a:r>
             <a:r>
-              <a:rPr lang="pt-BR" sz="900" b="1" dirty="0">
+              <a:rPr lang="en-US" sz="900" b="1">
                 <a:solidFill>
                   <a:schemeClr val="bg1"/>
                 </a:solidFill>
@@ -1913,7 +2132,7 @@
               <a:t>Business</a:t>
             </a:r>
             <a:r>
-              <a:rPr lang="pt-BR" sz="900" dirty="0">
+              <a:rPr lang="en-US" sz="900">
                 <a:solidFill>
                   <a:schemeClr val="bg1"/>
                 </a:solidFill>
@@ -1932,31 +2151,21 @@
               </a:spcBef>
             </a:pPr>
             <a:r>
-              <a:rPr lang="pt-BR" sz="900" spc="-20" dirty="0">
+              <a:rPr lang="en-US" sz="900">
                 <a:solidFill>
                   <a:schemeClr val="bg1"/>
                 </a:solidFill>
                 <a:latin typeface="Adobe Clean SemiLight" panose="020B0403020404020204" pitchFamily="34" charset="0"/>
               </a:rPr>
-              <a:t>A Adobe oferece uma ampla gama de recursos técnicos para prestar suporte à sua empresa, incluídos na sua assinatura da Experience Cloud e com melhorias adicionais no pacote de suporte BUSINESS. O Suporte BUSINESS inclui acesso a caminhos de aprendizagem personalizados e a fóruns monitorados da comunidade na Adobe Experience League. Você tem à sua disposição a nossa documentação técnica de produto, com todos os detalhes, e as notas de versão atuais. Os clientes BUSINESS também contam com acesso às nossas equipes de suporte técnico para qualquer consulta sobre o produto, por telefone ou no portal da web, com o fim de proteger sua empresa nos momentos mais críticos. Além disso, os clientes BUSINESS recebem comunicações e atualizações periódicos do Líder </a:t>
-            </a:r>
-            <a:br>
-              <a:rPr lang="sk-SK" sz="900" spc="-20" dirty="0">
-                <a:solidFill>
-                  <a:schemeClr val="bg1"/>
-                </a:solidFill>
-                <a:latin typeface="Adobe Clean SemiLight" panose="020B0403020404020204" pitchFamily="34" charset="0"/>
-              </a:rPr>
-            </a:br>
-            <a:r>
-              <a:rPr lang="pt-BR" sz="900" spc="-20" dirty="0">
-                <a:solidFill>
-                  <a:schemeClr val="bg1"/>
-                </a:solidFill>
-                <a:latin typeface="Adobe Clean SemiLight" panose="020B0403020404020204" pitchFamily="34" charset="0"/>
-              </a:rPr>
-              <a:t>de suporte da conta e gestão de encaminhamento de casos de suporte para as solicitações mais críticas. </a:t>
-            </a:r>
+              <a:t>Adobe provides a comprehensive range of technical resources to help support your business, included as part of your Experience Cloud license subscription and enhanced in the BUSINESS support package. BUSINESS support includes access to personalized learning paths and monitored community forums via the Adobe Experience League. You can also take advantage of our detailed and in-depth technical product documentation and current release notes. BUSINESS customers also benefit from access to our technical support teams for any product query via either the telephone or the support web portal, to help protect your business at the most critical times. BUSINESS customers will receive regular communications and updates from their Account Support Lead in addition to support case escalation management for your most critical of support requests. </a:t>
+            </a:r>
+            <a:endParaRPr lang="en-US" sz="900">
+              <a:solidFill>
+                <a:schemeClr val="bg1"/>
+              </a:solidFill>
+              <a:latin typeface="Adobe Clean Light" panose="020B0303020404020204" pitchFamily="34" charset="0"/>
+              <a:cs typeface="AdobeClean-Light"/>
+            </a:endParaRPr>
           </a:p>
         </p:txBody>
       </p:sp>
@@ -2023,8 +2232,24 @@
               </a:spcBef>
             </a:pPr>
             <a:r>
-              <a:rPr lang="pt-BR"/>
-              <a:t>©2021 Adobe. All Rights Reserved. Adobe Confidential.</a:t>
+              <a:rPr spc="-5"/>
+              <a:t>©202</a:t>
+            </a:r>
+            <a:r>
+              <a:rPr lang="en-US" spc="-5"/>
+              <a:t>1</a:t>
+            </a:r>
+            <a:r>
+              <a:rPr spc="-5"/>
+              <a:t> Adobe. All Rights Reserved. Adobe</a:t>
+            </a:r>
+            <a:r>
+              <a:rPr spc="60"/>
+              <a:t> </a:t>
+            </a:r>
+            <a:r>
+              <a:rPr spc="-5"/>
+              <a:t>Confidential.</a:t>
             </a:r>
           </a:p>
         </p:txBody>
@@ -2038,14 +2263,14 @@
           <p:nvPr>
             <p:extLst>
               <p:ext uri="{D42A27DB-BD31-4B8C-83A1-F6EECF244321}">
-                <p14:modId xmlns:p14="http://schemas.microsoft.com/office/powerpoint/2010/main" val="2818194508"/>
+                <p14:modId xmlns:p14="http://schemas.microsoft.com/office/powerpoint/2010/main" val="852543156"/>
               </p:ext>
             </p:extLst>
           </p:nvPr>
         </p:nvGraphicFramePr>
         <p:xfrm>
-          <a:off x="121146" y="7475985"/>
-          <a:ext cx="7498852" cy="2119744"/>
+          <a:off x="118872" y="7475985"/>
+          <a:ext cx="7498851" cy="2223598"/>
         </p:xfrm>
         <a:graphic>
           <a:graphicData uri="http://schemas.openxmlformats.org/drawingml/2006/table">
@@ -2054,7 +2279,7 @@
                 <a:tableStyleId>{2D5ABB26-0587-4C30-8999-92F81FD0307C}</a:tableStyleId>
               </a:tblPr>
               <a:tblGrid>
-                <a:gridCol w="4698745">
+                <a:gridCol w="4698744">
                   <a:extLst>
                     <a:ext uri="{9D8B030D-6E8A-4147-A177-3AD203B41FA5}">
                       <a16:colId xmlns:a16="http://schemas.microsoft.com/office/drawing/2014/main" val="20000"/>
@@ -2076,7 +2301,7 @@
                   </a:extLst>
                 </a:gridCol>
               </a:tblGrid>
-              <a:tr h="274318">
+              <a:tr h="291248">
                 <a:tc>
                   <a:txBody>
                     <a:bodyPr/>
@@ -2091,18 +2316,22 @@
                         </a:spcBef>
                       </a:pPr>
                       <a:r>
-                        <a:rPr lang="pt-BR" sz="900">
+                        <a:rPr sz="900" spc="0">
                           <a:solidFill>
                             <a:srgbClr val="020302"/>
                           </a:solidFill>
                           <a:latin typeface="Adobe Clean"/>
                           <a:cs typeface="Adobe Clean"/>
                         </a:rPr>
-                        <a:t>Prioridade</a:t>
+                        <a:t>Priority</a:t>
                       </a:r>
+                      <a:endParaRPr sz="900" spc="0">
+                        <a:latin typeface="Adobe Clean"/>
+                        <a:cs typeface="Adobe Clean"/>
+                      </a:endParaRPr>
                     </a:p>
                   </a:txBody>
-                  <a:tcPr marL="0" marR="0" marT="7620" marB="0" anchor="ctr">
+                  <a:tcPr marL="0" marR="0" marT="7620" marB="0">
                     <a:lnL w="3175">
                       <a:solidFill>
                         <a:srgbClr val="B7B8B8"/>
@@ -2146,18 +2375,22 @@
                         </a:spcBef>
                       </a:pPr>
                       <a:r>
-                        <a:rPr lang="pt-BR" sz="900">
+                        <a:rPr sz="900" spc="0">
                           <a:solidFill>
                             <a:srgbClr val="020302"/>
                           </a:solidFill>
                           <a:latin typeface="Adobe Clean"/>
                           <a:cs typeface="Adobe Clean"/>
                         </a:rPr>
-                        <a:t>Suporte Online</a:t>
+                        <a:t>Online Support</a:t>
                       </a:r>
+                      <a:endParaRPr sz="900" spc="0">
+                        <a:latin typeface="Adobe Clean"/>
+                        <a:cs typeface="Adobe Clean"/>
+                      </a:endParaRPr>
                     </a:p>
                   </a:txBody>
-                  <a:tcPr anchor="ctr">
+                  <a:tcPr marL="182880" marT="91440" anchor="ctr">
                     <a:lnL w="3175">
                       <a:solidFill>
                         <a:srgbClr val="B7B8B8"/>
@@ -2201,18 +2434,42 @@
                         </a:spcBef>
                       </a:pPr>
                       <a:r>
-                        <a:rPr lang="pt-BR" sz="900">
+                        <a:rPr sz="900" spc="0">
                           <a:solidFill>
                             <a:srgbClr val="FFFFFF"/>
                           </a:solidFill>
                           <a:latin typeface="Adobe Clean"/>
                           <a:cs typeface="Adobe Clean"/>
                         </a:rPr>
-                        <a:t>Suporte Business</a:t>
+                        <a:t>Business</a:t>
                       </a:r>
+                      <a:r>
+                        <a:rPr lang="en-US" sz="900" spc="0">
+                          <a:solidFill>
+                            <a:srgbClr val="FFFFFF"/>
+                          </a:solidFill>
+                          <a:latin typeface="Adobe Clean"/>
+                          <a:cs typeface="Adobe Clean"/>
+                        </a:rPr>
+                        <a:t> </a:t>
+                      </a:r>
+                      <a:r>
+                        <a:rPr sz="900" spc="0">
+                          <a:solidFill>
+                            <a:srgbClr val="FFFFFF"/>
+                          </a:solidFill>
+                          <a:latin typeface="Adobe Clean"/>
+                          <a:cs typeface="Adobe Clean"/>
+                        </a:rPr>
+                        <a:t>Support</a:t>
+                      </a:r>
+                      <a:endParaRPr sz="900" spc="0">
+                        <a:latin typeface="Adobe Clean"/>
+                        <a:cs typeface="Adobe Clean"/>
+                      </a:endParaRPr>
                     </a:p>
                   </a:txBody>
-                  <a:tcPr anchor="ctr">
+                  <a:tcPr marL="182880" marT="91440" anchor="ctr">
                     <a:lnL w="3175">
                       <a:solidFill>
                         <a:srgbClr val="B7B8B8"/>
@@ -2248,7 +2505,7 @@
                   </a:ext>
                 </a:extLst>
               </a:tr>
-              <a:tr h="484755">
+              <a:tr h="514672">
                 <a:tc>
                   <a:txBody>
                     <a:bodyPr/>
@@ -2263,15 +2520,19 @@
                         </a:spcBef>
                       </a:pPr>
                       <a:r>
-                        <a:rPr lang="pt-BR" sz="900" b="1" dirty="0">
+                        <a:rPr sz="900" b="1" spc="0">
                           <a:solidFill>
                             <a:srgbClr val="020302"/>
                           </a:solidFill>
                           <a:latin typeface="Adobe Clean"/>
                           <a:cs typeface="Adobe Clean"/>
                         </a:rPr>
-                        <a:t>PRIORIDADE 1</a:t>
+                        <a:t>PRIORITY 1</a:t>
                       </a:r>
+                      <a:endParaRPr sz="900" spc="0">
+                        <a:latin typeface="Adobe Clean"/>
+                        <a:cs typeface="Adobe Clean"/>
+                      </a:endParaRPr>
                     </a:p>
                     <a:p>
                       <a:pPr marL="50800" marR="387985" lvl="0" indent="0" algn="l" defTabSz="914400" rtl="0" eaLnBrk="1" fontAlgn="auto" latinLnBrk="0" hangingPunct="1">
@@ -2292,14 +2553,19 @@
                         <a:defRPr/>
                       </a:pPr>
                       <a:r>
-                        <a:rPr lang="pt-BR" sz="900" b="0" i="0" spc="-20" baseline="0" dirty="0">
+                        <a:rPr lang="en-US" sz="900" b="0" i="0" spc="0">
                           <a:solidFill>
                             <a:srgbClr val="000000"/>
                           </a:solidFill>
+                          <a:effectLst/>
                           <a:latin typeface="Adobe Clean Light" panose="020B0303020404020204" pitchFamily="34" charset="0"/>
                         </a:rPr>
-                        <a:t>As funções de produção do cliente estão inativas ou têm perda significativa de dados ou degradação de serviços, e é necessária atenção imediata para restaurar a funcionalidade e a usabilidade</a:t>
+                        <a:t>Customer's production business functions are down or have significant data loss or service degradation and immediate attention is required to restore functionality and usability</a:t>
                       </a:r>
+                      <a:endParaRPr lang="en-US" sz="900" b="0" i="0" spc="0">
+                        <a:latin typeface="Adobe Clean Light" panose="020B0303020404020204" pitchFamily="34" charset="0"/>
+                        <a:cs typeface="AdobeClean-Light"/>
+                      </a:endParaRPr>
                     </a:p>
                   </a:txBody>
                   <a:tcPr marL="0" marR="0" marT="3810" marB="0">
@@ -2343,18 +2609,62 @@
                         </a:spcBef>
                       </a:pPr>
                       <a:r>
-                        <a:rPr lang="pt-BR" sz="900">
+                        <a:rPr sz="900" spc="0">
                           <a:solidFill>
                             <a:srgbClr val="020302"/>
                           </a:solidFill>
                           <a:latin typeface="AdobeClean-Light"/>
                           <a:cs typeface="AdobeClean-Light"/>
                         </a:rPr>
-                        <a:t>24x7 /              1 hora</a:t>
+                        <a:t>24x7</a:t>
                       </a:r>
+                      <a:r>
+                        <a:rPr lang="en-US" sz="900" spc="0">
+                          <a:solidFill>
+                            <a:srgbClr val="020302"/>
+                          </a:solidFill>
+                          <a:latin typeface="AdobeClean-Light"/>
+                          <a:cs typeface="AdobeClean-Light"/>
+                        </a:rPr>
+                        <a:t> </a:t>
+                      </a:r>
+                      <a:r>
+                        <a:rPr sz="900" spc="0">
+                          <a:solidFill>
+                            <a:srgbClr val="020302"/>
+                          </a:solidFill>
+                          <a:latin typeface="AdobeClean-Light"/>
+                          <a:cs typeface="AdobeClean-Light"/>
+                        </a:rPr>
+                        <a:t>/</a:t>
+                      </a:r>
+                      <a:r>
+                        <a:rPr lang="en-US" sz="900" spc="0">
+                          <a:solidFill>
+                            <a:srgbClr val="020302"/>
+                          </a:solidFill>
+                          <a:latin typeface="AdobeClean-Light"/>
+                          <a:cs typeface="AdobeClean-Light"/>
+                        </a:rPr>
+                        <a:t> </a:t>
+                      </a:r>
+                      <a:r>
+                        <a:rPr sz="900" spc="0">
+                          <a:solidFill>
+                            <a:srgbClr val="020302"/>
+                          </a:solidFill>
+                          <a:latin typeface="AdobeClean-Light"/>
+                          <a:cs typeface="AdobeClean-Light"/>
+                        </a:rPr>
+                        <a:t>1 hour</a:t>
+                      </a:r>
+                      <a:endParaRPr sz="900" spc="0">
+                        <a:latin typeface="AdobeClean-Light"/>
+                        <a:cs typeface="AdobeClean-Light"/>
+                      </a:endParaRPr>
                     </a:p>
                   </a:txBody>
-                  <a:tcPr anchor="ctr">
+                  <a:tcPr marL="0" marR="0" marT="91440" marB="91440" anchor="ctr" anchorCtr="1">
                     <a:lnL w="3175">
                       <a:solidFill>
                         <a:srgbClr val="B7B8B8"/>
@@ -2395,18 +2705,62 @@
                         </a:spcBef>
                       </a:pPr>
                       <a:r>
-                        <a:rPr lang="pt-BR" sz="900">
+                        <a:rPr sz="900" spc="0">
                           <a:solidFill>
                             <a:srgbClr val="020302"/>
                           </a:solidFill>
                           <a:latin typeface="AdobeClean-Light"/>
                           <a:cs typeface="AdobeClean-Light"/>
                         </a:rPr>
-                        <a:t>24x7 /              1 hora</a:t>
+                        <a:t>24x7</a:t>
                       </a:r>
+                      <a:r>
+                        <a:rPr lang="en-US" sz="900" spc="0">
+                          <a:solidFill>
+                            <a:srgbClr val="020302"/>
+                          </a:solidFill>
+                          <a:latin typeface="AdobeClean-Light"/>
+                          <a:cs typeface="AdobeClean-Light"/>
+                        </a:rPr>
+                        <a:t> </a:t>
+                      </a:r>
+                      <a:r>
+                        <a:rPr sz="900" spc="0">
+                          <a:solidFill>
+                            <a:srgbClr val="020302"/>
+                          </a:solidFill>
+                          <a:latin typeface="AdobeClean-Light"/>
+                          <a:cs typeface="AdobeClean-Light"/>
+                        </a:rPr>
+                        <a:t>/</a:t>
+                      </a:r>
+                      <a:r>
+                        <a:rPr lang="en-US" sz="900" spc="0">
+                          <a:solidFill>
+                            <a:srgbClr val="020302"/>
+                          </a:solidFill>
+                          <a:latin typeface="AdobeClean-Light"/>
+                          <a:cs typeface="AdobeClean-Light"/>
+                        </a:rPr>
+                        <a:t> </a:t>
+                      </a:r>
+                      <a:r>
+                        <a:rPr sz="900" spc="0">
+                          <a:solidFill>
+                            <a:srgbClr val="020302"/>
+                          </a:solidFill>
+                          <a:latin typeface="AdobeClean-Light"/>
+                          <a:cs typeface="AdobeClean-Light"/>
+                        </a:rPr>
+                        <a:t>1 hour</a:t>
+                      </a:r>
+                      <a:endParaRPr sz="900" spc="0">
+                        <a:latin typeface="AdobeClean-Light"/>
+                        <a:cs typeface="AdobeClean-Light"/>
+                      </a:endParaRPr>
                     </a:p>
                   </a:txBody>
-                  <a:tcPr anchor="ctr">
+                  <a:tcPr marL="0" marR="0" marT="91440" marB="91440" anchor="ctr" anchorCtr="1">
                     <a:lnL w="3175">
                       <a:solidFill>
                         <a:srgbClr val="B7B8B8"/>
@@ -2444,7 +2798,7 @@
                   </a:ext>
                 </a:extLst>
               </a:tr>
-              <a:tr h="484755">
+              <a:tr h="514672">
                 <a:tc>
                   <a:txBody>
                     <a:bodyPr/>
@@ -2459,15 +2813,19 @@
                         </a:spcBef>
                       </a:pPr>
                       <a:r>
-                        <a:rPr lang="pt-BR" sz="900" b="1" dirty="0">
+                        <a:rPr sz="900" b="1" spc="0">
                           <a:solidFill>
                             <a:srgbClr val="020302"/>
                           </a:solidFill>
                           <a:latin typeface="Adobe Clean"/>
                           <a:cs typeface="Adobe Clean"/>
                         </a:rPr>
-                        <a:t>PRIORIDADE 2</a:t>
+                        <a:t>PRIORITY 2</a:t>
                       </a:r>
+                      <a:endParaRPr sz="900" spc="0">
+                        <a:latin typeface="Adobe Clean"/>
+                        <a:cs typeface="Adobe Clean"/>
+                      </a:endParaRPr>
                     </a:p>
                     <a:p>
                       <a:pPr marL="50165" marR="203200">
@@ -2479,14 +2837,19 @@
                         </a:spcBef>
                       </a:pPr>
                       <a:r>
-                        <a:rPr lang="pt-BR" sz="900" b="0" i="0" dirty="0">
+                        <a:rPr lang="en-US" sz="900" b="0" i="0" spc="0">
                           <a:solidFill>
                             <a:srgbClr val="000000"/>
                           </a:solidFill>
+                          <a:effectLst/>
                           <a:latin typeface="Adobe Clean Light" panose="020B0303020404020204" pitchFamily="34" charset="0"/>
                         </a:rPr>
-                        <a:t>As funções empresariais do cliente têm grande degradação de serviços, perda potencial de dados ou foi afetado um recurso importante </a:t>
+                        <a:t>Customer's business functions have major service degradation or potential data loss, or a major feature is impacted </a:t>
                       </a:r>
+                      <a:endParaRPr lang="en-US" sz="900" b="0" i="0" spc="0">
+                        <a:latin typeface="Adobe Clean Light" panose="020B0303020404020204" pitchFamily="34" charset="0"/>
+                        <a:cs typeface="AdobeClean-Light"/>
+                      </a:endParaRPr>
                     </a:p>
                   </a:txBody>
                   <a:tcPr marL="0" marR="0" marT="3810" marB="0">
@@ -2530,18 +2893,82 @@
                         </a:spcBef>
                       </a:pPr>
                       <a:r>
-                        <a:rPr lang="pt-BR" sz="900">
+                        <a:rPr sz="900" spc="0">
                           <a:solidFill>
                             <a:srgbClr val="020302"/>
                           </a:solidFill>
                           <a:latin typeface="AdobeClean-Light"/>
                           <a:cs typeface="AdobeClean-Light"/>
                         </a:rPr>
-                        <a:t>Horário comercial/          4 horas</a:t>
+                        <a:t>Business</a:t>
                       </a:r>
+                      <a:r>
+                        <a:rPr lang="en-US" sz="900" spc="0">
+                          <a:solidFill>
+                            <a:srgbClr val="020302"/>
+                          </a:solidFill>
+                          <a:latin typeface="AdobeClean-Light"/>
+                          <a:cs typeface="AdobeClean-Light"/>
+                        </a:rPr>
+                        <a:t> </a:t>
+                      </a:r>
+                      <a:r>
+                        <a:rPr sz="900" spc="0">
+                          <a:solidFill>
+                            <a:srgbClr val="020302"/>
+                          </a:solidFill>
+                          <a:latin typeface="AdobeClean-Light"/>
+                          <a:cs typeface="AdobeClean-Light"/>
+                        </a:rPr>
+                        <a:t>hours</a:t>
+                      </a:r>
+                      <a:r>
+                        <a:rPr lang="en-US" sz="900" spc="0">
+                          <a:solidFill>
+                            <a:srgbClr val="020302"/>
+                          </a:solidFill>
+                          <a:latin typeface="AdobeClean-Light"/>
+                          <a:cs typeface="AdobeClean-Light"/>
+                        </a:rPr>
+                        <a:t> </a:t>
+                      </a:r>
+                      <a:r>
+                        <a:rPr sz="900" spc="0">
+                          <a:solidFill>
+                            <a:srgbClr val="020302"/>
+                          </a:solidFill>
+                          <a:latin typeface="AdobeClean-Light"/>
+                          <a:cs typeface="AdobeClean-Light"/>
+                        </a:rPr>
+                        <a:t>/</a:t>
+                      </a:r>
+                      <a:r>
+                        <a:rPr lang="en-US" sz="900" spc="0">
+                          <a:solidFill>
+                            <a:srgbClr val="020302"/>
+                          </a:solidFill>
+                          <a:latin typeface="AdobeClean-Light"/>
+                          <a:cs typeface="AdobeClean-Light"/>
+                        </a:rPr>
+                        <a:t> </a:t>
+                      </a:r>
+                      <a:r>
+                        <a:rPr sz="900" spc="0">
+                          <a:solidFill>
+                            <a:srgbClr val="020302"/>
+                          </a:solidFill>
+                          <a:latin typeface="AdobeClean-Light"/>
+                          <a:cs typeface="AdobeClean-Light"/>
+                        </a:rPr>
+                        <a:t>4 hours</a:t>
+                      </a:r>
+                      <a:endParaRPr sz="900" spc="0">
+                        <a:latin typeface="AdobeClean-Light"/>
+                        <a:cs typeface="AdobeClean-Light"/>
+                      </a:endParaRPr>
                     </a:p>
                   </a:txBody>
-                  <a:tcPr anchor="ctr">
+                  <a:tcPr marL="0" marR="0" marT="91440" marB="91440" anchor="ctr" anchorCtr="1">
                     <a:lnL w="3175">
                       <a:solidFill>
                         <a:srgbClr val="B7B8B8"/>
@@ -2582,18 +3009,92 @@
                         </a:spcBef>
                       </a:pPr>
                       <a:r>
-                        <a:rPr lang="pt-BR" sz="900">
+                        <a:rPr lang="en-US" sz="900" spc="0">
                           <a:solidFill>
                             <a:srgbClr val="020302"/>
                           </a:solidFill>
                           <a:latin typeface="AdobeClean-Light"/>
                           <a:cs typeface="AdobeClean-Light"/>
                         </a:rPr>
-                        <a:t>Horário comercial/          2 horas</a:t>
+                        <a:t>    </a:t>
                       </a:r>
+                      <a:r>
+                        <a:rPr sz="900" spc="0">
+                          <a:solidFill>
+                            <a:srgbClr val="020302"/>
+                          </a:solidFill>
+                          <a:latin typeface="AdobeClean-Light"/>
+                          <a:cs typeface="AdobeClean-Light"/>
+                        </a:rPr>
+                        <a:t>Business</a:t>
+                      </a:r>
+                      <a:r>
+                        <a:rPr lang="en-US" sz="900" spc="0">
+                          <a:solidFill>
+                            <a:srgbClr val="020302"/>
+                          </a:solidFill>
+                          <a:latin typeface="AdobeClean-Light"/>
+                          <a:cs typeface="AdobeClean-Light"/>
+                        </a:rPr>
+                        <a:t> </a:t>
+                      </a:r>
+                      <a:r>
+                        <a:rPr sz="900" spc="0">
+                          <a:solidFill>
+                            <a:srgbClr val="020302"/>
+                          </a:solidFill>
+                          <a:latin typeface="AdobeClean-Light"/>
+                          <a:cs typeface="AdobeClean-Light"/>
+                        </a:rPr>
+                        <a:t>hours</a:t>
+                      </a:r>
+                      <a:r>
+                        <a:rPr lang="en-US" sz="900" spc="0">
+                          <a:solidFill>
+                            <a:srgbClr val="020302"/>
+                          </a:solidFill>
+                          <a:latin typeface="AdobeClean-Light"/>
+                          <a:cs typeface="AdobeClean-Light"/>
+                        </a:rPr>
+                        <a:t> / </a:t>
+                      </a:r>
+                      <a:r>
+                        <a:rPr sz="900" spc="0">
+                          <a:solidFill>
+                            <a:srgbClr val="020302"/>
+                          </a:solidFill>
+                          <a:latin typeface="AdobeClean-Light"/>
+                          <a:cs typeface="AdobeClean-Light"/>
+                        </a:rPr>
+                        <a:t>2</a:t>
+                      </a:r>
+                      <a:r>
+                        <a:rPr lang="en-US" sz="900" spc="0">
+                          <a:solidFill>
+                            <a:srgbClr val="020302"/>
+                          </a:solidFill>
+                          <a:latin typeface="AdobeClean-Light"/>
+                          <a:cs typeface="AdobeClean-Light"/>
+                        </a:rPr>
+                        <a:t> </a:t>
+                      </a:r>
+                      <a:r>
+                        <a:rPr sz="900" spc="0">
+                          <a:solidFill>
+                            <a:srgbClr val="020302"/>
+                          </a:solidFill>
+                          <a:latin typeface="AdobeClean-Light"/>
+                          <a:cs typeface="AdobeClean-Light"/>
+                        </a:rPr>
+                        <a:t>hours</a:t>
+                      </a:r>
+                      <a:endParaRPr sz="900" spc="0">
+                        <a:latin typeface="AdobeClean-Light"/>
+                        <a:cs typeface="AdobeClean-Light"/>
+                      </a:endParaRPr>
                     </a:p>
                   </a:txBody>
-                  <a:tcPr anchor="ctr">
+                  <a:tcPr marL="0" marR="0" marT="91440" marB="91440" anchor="ctr" anchorCtr="1">
                     <a:lnL w="3175">
                       <a:solidFill>
                         <a:srgbClr val="B7B8B8"/>
@@ -2631,7 +3132,7 @@
                   </a:ext>
                 </a:extLst>
               </a:tr>
-              <a:tr h="484756">
+              <a:tr h="514673">
                 <a:tc>
                   <a:txBody>
                     <a:bodyPr/>
@@ -2646,15 +3147,19 @@
                         </a:spcBef>
                       </a:pPr>
                       <a:r>
-                        <a:rPr lang="pt-BR" sz="900" b="1">
+                        <a:rPr sz="900" b="1" spc="0">
                           <a:solidFill>
                             <a:srgbClr val="020302"/>
                           </a:solidFill>
                           <a:latin typeface="Adobe Clean"/>
                           <a:cs typeface="Adobe Clean"/>
                         </a:rPr>
-                        <a:t>PRIORIDADE 3</a:t>
+                        <a:t>PRIORITY 3</a:t>
                       </a:r>
+                      <a:endParaRPr sz="900" spc="0">
+                        <a:latin typeface="Adobe Clean"/>
+                        <a:cs typeface="Adobe Clean"/>
+                      </a:endParaRPr>
                     </a:p>
                     <a:p>
                       <a:pPr marL="49530" marR="212090" indent="-2540">
@@ -2666,21 +3171,26 @@
                         </a:spcBef>
                       </a:pPr>
                       <a:r>
-                        <a:rPr kumimoji="0" lang="pt-BR" sz="900" b="0" i="0" u="none" strike="noStrike" cap="none" normalizeH="0" baseline="0" noProof="0">
+                        <a:rPr kumimoji="0" lang="en-US" sz="900" b="0" i="0" u="none" strike="noStrike" kern="1200" cap="none" spc="0" normalizeH="0" baseline="0" noProof="0">
                           <a:ln>
                             <a:noFill/>
                           </a:ln>
                           <a:solidFill>
                             <a:srgbClr val="000000"/>
                           </a:solidFill>
+                          <a:effectLst/>
                           <a:uLnTx/>
                           <a:uFillTx/>
                           <a:latin typeface="Adobe Clean Light" panose="020B0303020404020204" pitchFamily="34" charset="0"/>
                           <a:ea typeface="+mn-ea"/>
                           <a:cs typeface="+mn-cs"/>
                         </a:rPr>
-                        <a:t>As funções empresariais do cliente têm pouca degradação dos serviços, e há uma solução/solução alternativa que permite que as funções empresariais continuem normalmente </a:t>
+                        <a:t>Customer's business functions have minor service degradation but there exists a solution/workaround allowing business functions to continue </a:t>
                       </a:r>
+                      <a:endParaRPr lang="en-US" sz="900" b="0" i="0" spc="0">
+                        <a:latin typeface="Adobe Clean Light" panose="020B0303020404020204" pitchFamily="34" charset="0"/>
+                        <a:cs typeface="AdobeClean-Light"/>
+                      </a:endParaRPr>
                     </a:p>
                   </a:txBody>
                   <a:tcPr marL="0" marR="0" marT="3810" marB="0">
@@ -2724,18 +3234,92 @@
                         </a:spcBef>
                       </a:pPr>
                       <a:r>
-                        <a:rPr lang="pt-BR" sz="900">
+                        <a:rPr lang="en-US" sz="900" spc="0">
                           <a:solidFill>
                             <a:srgbClr val="020302"/>
                           </a:solidFill>
                           <a:latin typeface="AdobeClean-Light"/>
                           <a:cs typeface="AdobeClean-Light"/>
                         </a:rPr>
-                        <a:t>Horário comercial/          6 horas</a:t>
+                        <a:t>   </a:t>
                       </a:r>
+                      <a:r>
+                        <a:rPr sz="900" spc="0">
+                          <a:solidFill>
+                            <a:srgbClr val="020302"/>
+                          </a:solidFill>
+                          <a:latin typeface="AdobeClean-Light"/>
+                          <a:cs typeface="AdobeClean-Light"/>
+                        </a:rPr>
+                        <a:t>Business</a:t>
+                      </a:r>
+                      <a:r>
+                        <a:rPr lang="en-US" sz="900" spc="0">
+                          <a:solidFill>
+                            <a:srgbClr val="020302"/>
+                          </a:solidFill>
+                          <a:latin typeface="AdobeClean-Light"/>
+                          <a:cs typeface="AdobeClean-Light"/>
+                        </a:rPr>
+                        <a:t> </a:t>
+                      </a:r>
+                      <a:r>
+                        <a:rPr sz="900" spc="0">
+                          <a:solidFill>
+                            <a:srgbClr val="020302"/>
+                          </a:solidFill>
+                          <a:latin typeface="AdobeClean-Light"/>
+                          <a:cs typeface="AdobeClean-Light"/>
+                        </a:rPr>
+                        <a:t>hours</a:t>
+                      </a:r>
+                      <a:r>
+                        <a:rPr lang="en-US" sz="900" spc="0">
+                          <a:solidFill>
+                            <a:srgbClr val="020302"/>
+                          </a:solidFill>
+                          <a:latin typeface="AdobeClean-Light"/>
+                          <a:cs typeface="AdobeClean-Light"/>
+                        </a:rPr>
+                        <a:t> / </a:t>
+                      </a:r>
+                      <a:r>
+                        <a:rPr sz="900" spc="0">
+                          <a:solidFill>
+                            <a:srgbClr val="020302"/>
+                          </a:solidFill>
+                          <a:latin typeface="AdobeClean-Light"/>
+                          <a:cs typeface="AdobeClean-Light"/>
+                        </a:rPr>
+                        <a:t>6</a:t>
+                      </a:r>
+                      <a:r>
+                        <a:rPr lang="en-US" sz="900" spc="0">
+                          <a:solidFill>
+                            <a:srgbClr val="020302"/>
+                          </a:solidFill>
+                          <a:latin typeface="AdobeClean-Light"/>
+                          <a:cs typeface="AdobeClean-Light"/>
+                        </a:rPr>
+                        <a:t> </a:t>
+                      </a:r>
+                      <a:r>
+                        <a:rPr sz="900" spc="0">
+                          <a:solidFill>
+                            <a:srgbClr val="020302"/>
+                          </a:solidFill>
+                          <a:latin typeface="AdobeClean-Light"/>
+                          <a:cs typeface="AdobeClean-Light"/>
+                        </a:rPr>
+                        <a:t>hours</a:t>
+                      </a:r>
+                      <a:endParaRPr sz="900" spc="0">
+                        <a:latin typeface="AdobeClean-Light"/>
+                        <a:cs typeface="AdobeClean-Light"/>
+                      </a:endParaRPr>
                     </a:p>
                   </a:txBody>
-                  <a:tcPr anchor="ctr">
+                  <a:tcPr marL="0" marR="0" marT="91440" marB="91440" anchor="ctr" anchorCtr="1">
                     <a:lnL w="3175">
                       <a:solidFill>
                         <a:srgbClr val="B7B8B8"/>
@@ -2776,18 +3360,82 @@
                         </a:spcBef>
                       </a:pPr>
                       <a:r>
-                        <a:rPr lang="pt-BR" sz="900">
+                        <a:rPr sz="900" spc="0">
                           <a:solidFill>
                             <a:srgbClr val="020302"/>
                           </a:solidFill>
                           <a:latin typeface="AdobeClean-Light"/>
                           <a:cs typeface="AdobeClean-Light"/>
                         </a:rPr>
-                        <a:t>Horário comercial/          4 horas</a:t>
+                        <a:t>Business</a:t>
                       </a:r>
+                      <a:r>
+                        <a:rPr lang="en-US" sz="900" spc="0">
+                          <a:solidFill>
+                            <a:srgbClr val="020302"/>
+                          </a:solidFill>
+                          <a:latin typeface="AdobeClean-Light"/>
+                          <a:cs typeface="AdobeClean-Light"/>
+                        </a:rPr>
+                        <a:t> </a:t>
+                      </a:r>
+                      <a:r>
+                        <a:rPr sz="900" spc="0">
+                          <a:solidFill>
+                            <a:srgbClr val="020302"/>
+                          </a:solidFill>
+                          <a:latin typeface="AdobeClean-Light"/>
+                          <a:cs typeface="AdobeClean-Light"/>
+                        </a:rPr>
+                        <a:t>hours</a:t>
+                      </a:r>
+                      <a:r>
+                        <a:rPr lang="en-US" sz="900" spc="0">
+                          <a:solidFill>
+                            <a:srgbClr val="020302"/>
+                          </a:solidFill>
+                          <a:latin typeface="AdobeClean-Light"/>
+                          <a:cs typeface="AdobeClean-Light"/>
+                        </a:rPr>
+                        <a:t> </a:t>
+                      </a:r>
+                      <a:r>
+                        <a:rPr sz="900" spc="0">
+                          <a:solidFill>
+                            <a:srgbClr val="020302"/>
+                          </a:solidFill>
+                          <a:latin typeface="AdobeClean-Light"/>
+                          <a:cs typeface="AdobeClean-Light"/>
+                        </a:rPr>
+                        <a:t>/ 4</a:t>
+                      </a:r>
+                      <a:r>
+                        <a:rPr lang="en-US" sz="900" spc="0">
+                          <a:solidFill>
+                            <a:srgbClr val="020302"/>
+                          </a:solidFill>
+                          <a:latin typeface="AdobeClean-Light"/>
+                          <a:cs typeface="AdobeClean-Light"/>
+                        </a:rPr>
+                        <a:t> </a:t>
+                      </a:r>
+                      <a:r>
+                        <a:rPr sz="900" spc="0">
+                          <a:solidFill>
+                            <a:srgbClr val="020302"/>
+                          </a:solidFill>
+                          <a:latin typeface="AdobeClean-Light"/>
+                          <a:cs typeface="AdobeClean-Light"/>
+                        </a:rPr>
+                        <a:t>hours</a:t>
+                      </a:r>
+                      <a:endParaRPr sz="900" spc="0">
+                        <a:latin typeface="AdobeClean-Light"/>
+                        <a:cs typeface="AdobeClean-Light"/>
+                      </a:endParaRPr>
                     </a:p>
                   </a:txBody>
-                  <a:tcPr anchor="ctr">
+                  <a:tcPr marL="0" marR="0" marT="91440" marB="91440" anchor="ctr" anchorCtr="1">
                     <a:lnL w="3175">
                       <a:solidFill>
                         <a:srgbClr val="B7B8B8"/>
@@ -2825,7 +3473,7 @@
                   </a:ext>
                 </a:extLst>
               </a:tr>
-              <a:tr h="359998">
+              <a:tr h="388333">
                 <a:tc>
                   <a:txBody>
                     <a:bodyPr/>
@@ -2840,15 +3488,19 @@
                         </a:spcBef>
                       </a:pPr>
                       <a:r>
-                        <a:rPr lang="pt-BR" sz="900" b="1" dirty="0">
+                        <a:rPr sz="900" b="1" spc="0">
                           <a:solidFill>
                             <a:srgbClr val="020302"/>
                           </a:solidFill>
                           <a:latin typeface="Adobe Clean"/>
                           <a:cs typeface="Adobe Clean"/>
                         </a:rPr>
-                        <a:t>PRIORIDADE 4</a:t>
+                        <a:t>PRIORITY 4</a:t>
                       </a:r>
+                      <a:endParaRPr sz="900" spc="0">
+                        <a:latin typeface="Adobe Clean"/>
+                        <a:cs typeface="Adobe Clean"/>
+                      </a:endParaRPr>
                     </a:p>
                     <a:p>
                       <a:pPr marL="48895" marR="0" lvl="0" indent="0" defTabSz="914400" eaLnBrk="1" fontAlgn="auto" latinLnBrk="0" hangingPunct="1">
@@ -2869,14 +3521,19 @@
                         <a:defRPr/>
                       </a:pPr>
                       <a:r>
-                        <a:rPr lang="pt-BR" sz="900" b="0" i="0" dirty="0">
+                        <a:rPr lang="en-US" sz="900" b="0" i="0" spc="0">
                           <a:solidFill>
                             <a:srgbClr val="000000"/>
                           </a:solidFill>
+                          <a:effectLst/>
                           <a:latin typeface="Adobe Clean Light" panose="020B0303020404020204" pitchFamily="34" charset="0"/>
                         </a:rPr>
-                        <a:t>Pergunta geral sobre a funcionalidade atual do produto ou solicitação de melhoria</a:t>
+                        <a:t>General question regarding current product functionality or an enhancement request</a:t>
                       </a:r>
+                      <a:endParaRPr lang="en-US" sz="900" b="0" i="0" spc="0">
+                        <a:latin typeface="Adobe Clean Light" panose="020B0303020404020204" pitchFamily="34" charset="0"/>
+                        <a:cs typeface="AdobeClean-Light"/>
+                      </a:endParaRPr>
                     </a:p>
                   </a:txBody>
                   <a:tcPr marL="0" marR="0" marT="1905" marB="0">
@@ -2920,18 +3577,72 @@
                         </a:spcBef>
                       </a:pPr>
                       <a:r>
-                        <a:rPr lang="pt-BR" sz="900" dirty="0">
+                        <a:rPr lang="en-US" sz="900" spc="0">
                           <a:solidFill>
                             <a:srgbClr val="020302"/>
                           </a:solidFill>
                           <a:latin typeface="AdobeClean-Light"/>
                           <a:cs typeface="AdobeClean-Light"/>
                         </a:rPr>
-                        <a:t>Dias úteis/ 3 dias</a:t>
+                        <a:t>  </a:t>
                       </a:r>
+                      <a:r>
+                        <a:rPr sz="900" spc="0">
+                          <a:solidFill>
+                            <a:srgbClr val="020302"/>
+                          </a:solidFill>
+                          <a:latin typeface="AdobeClean-Light"/>
+                          <a:cs typeface="AdobeClean-Light"/>
+                        </a:rPr>
+                        <a:t>Business</a:t>
+                      </a:r>
+                      <a:r>
+                        <a:rPr lang="en-US" sz="900" spc="0">
+                          <a:solidFill>
+                            <a:srgbClr val="020302"/>
+                          </a:solidFill>
+                          <a:latin typeface="AdobeClean-Light"/>
+                          <a:cs typeface="AdobeClean-Light"/>
+                        </a:rPr>
+                        <a:t> </a:t>
+                      </a:r>
+                      <a:r>
+                        <a:rPr sz="900" spc="0">
+                          <a:solidFill>
+                            <a:srgbClr val="020302"/>
+                          </a:solidFill>
+                          <a:latin typeface="AdobeClean-Light"/>
+                          <a:cs typeface="AdobeClean-Light"/>
+                        </a:rPr>
+                        <a:t>days</a:t>
+                      </a:r>
+                      <a:r>
+                        <a:rPr lang="en-US" sz="900" spc="0">
+                          <a:solidFill>
+                            <a:srgbClr val="020302"/>
+                          </a:solidFill>
+                          <a:latin typeface="AdobeClean-Light"/>
+                          <a:cs typeface="AdobeClean-Light"/>
+                        </a:rPr>
+                        <a:t> / </a:t>
+                      </a:r>
+                      <a:r>
+                        <a:rPr sz="900" spc="0">
+                          <a:solidFill>
+                            <a:srgbClr val="020302"/>
+                          </a:solidFill>
+                          <a:latin typeface="AdobeClean-Light"/>
+                          <a:cs typeface="AdobeClean-Light"/>
+                        </a:rPr>
+                        <a:t>3 days</a:t>
+                      </a:r>
+                      <a:endParaRPr sz="900" spc="0">
+                        <a:latin typeface="AdobeClean-Light"/>
+                        <a:cs typeface="AdobeClean-Light"/>
+                      </a:endParaRPr>
                     </a:p>
                   </a:txBody>
-                  <a:tcPr anchor="ctr">
+                  <a:tcPr marL="0" marR="0" marT="91440" marB="91440" anchor="ctr" anchorCtr="1">
                     <a:lnL w="3175">
                       <a:solidFill>
                         <a:srgbClr val="B7B8B8"/>
@@ -2972,38 +3683,82 @@
                         </a:spcBef>
                       </a:pPr>
                       <a:r>
-                        <a:rPr lang="pt-BR" sz="900" dirty="0">
+                        <a:rPr sz="900" spc="0">
                           <a:solidFill>
                             <a:srgbClr val="020302"/>
                           </a:solidFill>
                           <a:latin typeface="AdobeClean-Light"/>
                           <a:cs typeface="AdobeClean-Light"/>
                         </a:rPr>
-                        <a:t>Dia útil / </a:t>
+                        <a:t>Business</a:t>
                       </a:r>
-                    </a:p>
-                    <a:p>
-                      <a:pPr marL="370840" marR="223520" indent="-202565" algn="ctr">
-                        <a:lnSpc>
-                          <a:spcPct val="100000"/>
-                        </a:lnSpc>
-                        <a:spcBef>
-                          <a:spcPts val="155"/>
-                        </a:spcBef>
-                      </a:pPr>
                       <a:r>
-                        <a:rPr lang="pt-BR" sz="900" dirty="0">
+                        <a:rPr lang="en-US" sz="900" spc="0">
                           <a:solidFill>
                             <a:srgbClr val="020302"/>
                           </a:solidFill>
                           <a:latin typeface="AdobeClean-Light"/>
                           <a:cs typeface="AdobeClean-Light"/>
                         </a:rPr>
-                        <a:t>  1 dia</a:t>
+                        <a:t> </a:t>
                       </a:r>
+                      <a:r>
+                        <a:rPr sz="900" spc="0">
+                          <a:solidFill>
+                            <a:srgbClr val="020302"/>
+                          </a:solidFill>
+                          <a:latin typeface="AdobeClean-Light"/>
+                          <a:cs typeface="AdobeClean-Light"/>
+                        </a:rPr>
+                        <a:t>day</a:t>
+                      </a:r>
+                      <a:r>
+                        <a:rPr lang="en-US" sz="900" spc="0">
+                          <a:solidFill>
+                            <a:srgbClr val="020302"/>
+                          </a:solidFill>
+                          <a:latin typeface="AdobeClean-Light"/>
+                          <a:cs typeface="AdobeClean-Light"/>
+                        </a:rPr>
+                        <a:t>s </a:t>
+                      </a:r>
+                      <a:r>
+                        <a:rPr sz="900" spc="0">
+                          <a:solidFill>
+                            <a:srgbClr val="020302"/>
+                          </a:solidFill>
+                          <a:latin typeface="AdobeClean-Light"/>
+                          <a:cs typeface="AdobeClean-Light"/>
+                        </a:rPr>
+                        <a:t>/</a:t>
+                      </a:r>
+                      <a:r>
+                        <a:rPr lang="en-US" sz="900" spc="0">
+                          <a:solidFill>
+                            <a:srgbClr val="020302"/>
+                          </a:solidFill>
+                          <a:latin typeface="AdobeClean-Light"/>
+                          <a:cs typeface="AdobeClean-Light"/>
+                        </a:rPr>
+                        <a:t> </a:t>
+                      </a:r>
+                      <a:r>
+                        <a:rPr sz="900" spc="0">
+                          <a:solidFill>
+                            <a:srgbClr val="020302"/>
+                          </a:solidFill>
+                          <a:latin typeface="AdobeClean-Light"/>
+                          <a:cs typeface="AdobeClean-Light"/>
+                        </a:rPr>
+                        <a:t>1 day</a:t>
+                      </a:r>
+                      <a:endParaRPr sz="900" spc="0">
+                        <a:latin typeface="AdobeClean-Light"/>
+                        <a:cs typeface="AdobeClean-Light"/>
+                      </a:endParaRPr>
                     </a:p>
                   </a:txBody>
-                  <a:tcPr anchor="ctr">
+                  <a:tcPr marL="0" marR="0" marT="91440" marB="91440" anchor="ctr" anchorCtr="1">
                     <a:lnL w="3175">
                       <a:solidFill>
                         <a:srgbClr val="B7B8B8"/>
@@ -3149,15 +3904,39 @@
                         <a:defRPr/>
                       </a:pPr>
                       <a:r>
-                        <a:rPr lang="pt-BR" sz="900" dirty="0">
+                        <a:rPr lang="en-US" sz="900" spc="-20">
                           <a:solidFill>
                             <a:srgbClr val="404040"/>
                           </a:solidFill>
                           <a:latin typeface="Adobe Clean"/>
                           <a:cs typeface="Adobe Clean"/>
                         </a:rPr>
-                        <a:t>Suporte Online</a:t>
+                        <a:t>Online </a:t>
                       </a:r>
+                      <a:r>
+                        <a:rPr lang="en-US" sz="900" spc="-135">
+                          <a:solidFill>
+                            <a:srgbClr val="404040"/>
+                          </a:solidFill>
+                          <a:latin typeface="Adobe Clean"/>
+                          <a:cs typeface="Adobe Clean"/>
+                        </a:rPr>
+                        <a:t> </a:t>
+                      </a:r>
+                      <a:r>
+                        <a:rPr lang="en-US" sz="900" spc="-20">
+                          <a:solidFill>
+                            <a:srgbClr val="404040"/>
+                          </a:solidFill>
+                          <a:latin typeface="Adobe Clean"/>
+                          <a:cs typeface="Adobe Clean"/>
+                        </a:rPr>
+                        <a:t>Support</a:t>
+                      </a:r>
+                      <a:endParaRPr lang="en-US" sz="900">
+                        <a:latin typeface="Adobe Clean"/>
+                        <a:cs typeface="Adobe Clean"/>
+                      </a:endParaRPr>
                     </a:p>
                   </a:txBody>
                   <a:tcPr marL="0" marR="0" marT="7620" marB="0" anchor="ctr">
@@ -3198,15 +3977,39 @@
                         </a:spcBef>
                       </a:pPr>
                       <a:r>
-                        <a:rPr lang="pt-BR" sz="900">
+                        <a:rPr sz="900" spc="-20">
                           <a:solidFill>
                             <a:srgbClr val="FFFFFF"/>
                           </a:solidFill>
                           <a:latin typeface="Adobe Clean"/>
                           <a:cs typeface="Adobe Clean"/>
                         </a:rPr>
-                        <a:t>Suporte Business</a:t>
+                        <a:t>Business</a:t>
                       </a:r>
+                      <a:r>
+                        <a:rPr lang="en-US" sz="900" spc="-20">
+                          <a:solidFill>
+                            <a:srgbClr val="FFFFFF"/>
+                          </a:solidFill>
+                          <a:latin typeface="Adobe Clean"/>
+                          <a:cs typeface="Adobe Clean"/>
+                        </a:rPr>
+                        <a:t> </a:t>
+                      </a:r>
+                      <a:r>
+                        <a:rPr sz="900" spc="-20">
+                          <a:solidFill>
+                            <a:srgbClr val="FFFFFF"/>
+                          </a:solidFill>
+                          <a:latin typeface="Adobe Clean"/>
+                          <a:cs typeface="Adobe Clean"/>
+                        </a:rPr>
+                        <a:t>Support</a:t>
+                      </a:r>
+                      <a:endParaRPr sz="900">
+                        <a:latin typeface="Adobe Clean"/>
+                        <a:cs typeface="Adobe Clean"/>
+                      </a:endParaRPr>
                     </a:p>
                   </a:txBody>
                   <a:tcPr marL="0" marR="0" marT="7620" marB="0" anchor="ctr">
@@ -3271,7 +4074,7 @@
                     <a:bodyPr/>
                     <a:lstStyle/>
                     <a:p>
-                      <a:pPr marL="0" marR="0" lvl="0" indent="0" algn="l" defTabSz="914400" rtl="0" eaLnBrk="1" fontAlgn="auto" latinLnBrk="0" hangingPunct="1">
+                      <a:pPr marL="0" marR="0" lvl="0" indent="0" algn="ctr" defTabSz="914400" eaLnBrk="1" fontAlgn="auto" latinLnBrk="0" hangingPunct="1">
                         <a:lnSpc>
                           <a:spcPct val="100000"/>
                         </a:lnSpc>
@@ -3352,13 +4155,13 @@
                         <a:defRPr/>
                       </a:pPr>
                       <a:r>
-                        <a:rPr lang="pt-BR" sz="800" i="1">
+                        <a:rPr lang="en-US" sz="800" i="1">
                           <a:solidFill>
                             <a:schemeClr val="bg1"/>
                           </a:solidFill>
                           <a:latin typeface="Adobe Clean Light" panose="020B0303020404020204" pitchFamily="34" charset="0"/>
                         </a:rPr>
-                        <a:t>Suporte pago ($)</a:t>
+                        <a:t>Paid Support ($)</a:t>
                       </a:r>
                     </a:p>
                   </a:txBody>
@@ -3422,15 +4225,22 @@
                         </a:spcBef>
                       </a:pPr>
                       <a:r>
-                        <a:rPr lang="pt-BR" sz="1000" b="1" i="0">
+                        <a:rPr lang="en-US" sz="1000" b="1" i="0" spc="0">
                           <a:solidFill>
                             <a:schemeClr val="bg1"/>
                           </a:solidFill>
                           <a:latin typeface="Adobe Clean" panose="020B0503020404020204" pitchFamily="34" charset="0"/>
                           <a:cs typeface="AdobeClean-Light"/>
                         </a:rPr>
-                        <a:t>Especialistas atribuídos</a:t>
+                        <a:t>Assigned Experts</a:t>
                       </a:r>
+                      <a:endParaRPr sz="1000" b="1" i="0" spc="0">
+                        <a:solidFill>
+                          <a:schemeClr val="bg1"/>
+                        </a:solidFill>
+                        <a:latin typeface="Adobe Clean" panose="020B0503020404020204" pitchFamily="34" charset="0"/>
+                        <a:cs typeface="AdobeClean-Light"/>
+                      </a:endParaRPr>
                     </a:p>
                   </a:txBody>
                   <a:tcPr marL="0" marR="0" marT="58419" marB="0" anchor="ctr">
@@ -3477,15 +4287,19 @@
                         </a:spcBef>
                       </a:pPr>
                       <a:r>
-                        <a:rPr lang="pt-BR" sz="900">
+                        <a:rPr sz="900" spc="0">
                           <a:solidFill>
                             <a:srgbClr val="020302"/>
                           </a:solidFill>
                           <a:latin typeface="AdobeClean-Light"/>
                           <a:cs typeface="AdobeClean-Light"/>
                         </a:rPr>
-                        <a:t>Líder de suporte da conta</a:t>
+                        <a:t>Account Support Lead</a:t>
                       </a:r>
+                      <a:endParaRPr sz="900" spc="0">
+                        <a:latin typeface="AdobeClean-Light"/>
+                        <a:cs typeface="AdobeClean-Light"/>
+                      </a:endParaRPr>
                     </a:p>
                   </a:txBody>
                   <a:tcPr marL="0" marR="0" marT="58419" marB="0">
@@ -3520,7 +4334,7 @@
                     <a:bodyPr/>
                     <a:lstStyle/>
                     <a:p>
-                      <a:pPr algn="l" rtl="0">
+                      <a:pPr algn="ctr">
                         <a:lnSpc>
                           <a:spcPct val="100000"/>
                         </a:lnSpc>
@@ -3570,7 +4384,7 @@
                         </a:spcBef>
                       </a:pPr>
                       <a:r>
-                        <a:rPr lang="pt-BR" sz="900">
+                        <a:rPr sz="900">
                           <a:solidFill>
                             <a:srgbClr val="020302"/>
                           </a:solidFill>
@@ -3579,6 +4393,10 @@
                         </a:rPr>
                         <a:t></a:t>
                       </a:r>
+                      <a:endParaRPr sz="900">
+                        <a:latin typeface="Wingdings"/>
+                        <a:cs typeface="Wingdings"/>
+                      </a:endParaRPr>
                     </a:p>
                   </a:txBody>
                   <a:tcPr marL="0" marR="0" marT="59690" marB="0" anchor="ctr">
@@ -3610,7 +4428,7 @@
                     <a:bodyPr/>
                     <a:lstStyle/>
                     <a:p>
-                      <a:pPr marL="50800" algn="l" rtl="0">
+                      <a:pPr marL="50800">
                         <a:lnSpc>
                           <a:spcPct val="100000"/>
                         </a:lnSpc>
@@ -3656,15 +4474,19 @@
                         </a:spcBef>
                       </a:pPr>
                       <a:r>
-                        <a:rPr lang="pt-BR" sz="900">
+                        <a:rPr sz="900" spc="0">
                           <a:solidFill>
                             <a:srgbClr val="020302"/>
                           </a:solidFill>
                           <a:latin typeface="AdobeClean-Light"/>
                           <a:cs typeface="AdobeClean-Light"/>
                         </a:rPr>
-                        <a:t>Engenheiro de suporte nomeado</a:t>
+                        <a:t>Named Support Engineer</a:t>
                       </a:r>
+                      <a:endParaRPr sz="900" spc="0">
+                        <a:latin typeface="AdobeClean-Light"/>
+                        <a:cs typeface="AdobeClean-Light"/>
+                      </a:endParaRPr>
                     </a:p>
                   </a:txBody>
                   <a:tcPr marL="0" marR="0" marT="58419" marB="0">
@@ -3687,7 +4509,7 @@
                     <a:bodyPr/>
                     <a:lstStyle/>
                     <a:p>
-                      <a:pPr algn="l" rtl="0">
+                      <a:pPr algn="ctr">
                         <a:lnSpc>
                           <a:spcPct val="100000"/>
                         </a:lnSpc>
@@ -3716,7 +4538,7 @@
                     <a:bodyPr/>
                     <a:lstStyle/>
                     <a:p>
-                      <a:pPr algn="l" rtl="0">
+                      <a:pPr algn="ctr">
                         <a:lnSpc>
                           <a:spcPct val="100000"/>
                         </a:lnSpc>
@@ -3747,7 +4569,7 @@
                     <a:bodyPr/>
                     <a:lstStyle/>
                     <a:p>
-                      <a:pPr marL="50800" algn="l" rtl="0">
+                      <a:pPr marL="50800">
                         <a:lnSpc>
                           <a:spcPct val="100000"/>
                         </a:lnSpc>
@@ -3805,15 +4627,19 @@
                         </a:spcBef>
                       </a:pPr>
                       <a:r>
-                        <a:rPr lang="pt-BR" sz="900">
+                        <a:rPr sz="900" spc="0">
                           <a:solidFill>
                             <a:srgbClr val="020302"/>
                           </a:solidFill>
                           <a:latin typeface="AdobeClean-Light"/>
                           <a:cs typeface="AdobeClean-Light"/>
                         </a:rPr>
-                        <a:t>Gerente técnico de conta</a:t>
+                        <a:t>Technical Account Manager</a:t>
                       </a:r>
+                      <a:endParaRPr sz="900" spc="0">
+                        <a:latin typeface="AdobeClean-Light"/>
+                        <a:cs typeface="AdobeClean-Light"/>
+                      </a:endParaRPr>
                     </a:p>
                   </a:txBody>
                   <a:tcPr marL="0" marR="0" marT="63500" marB="0">
@@ -3842,7 +4668,7 @@
                     <a:bodyPr/>
                     <a:lstStyle/>
                     <a:p>
-                      <a:pPr algn="l" rtl="0">
+                      <a:pPr algn="ctr">
                         <a:lnSpc>
                           <a:spcPct val="100000"/>
                         </a:lnSpc>
@@ -3880,7 +4706,7 @@
                     <a:bodyPr/>
                     <a:lstStyle/>
                     <a:p>
-                      <a:pPr algn="l" rtl="0">
+                      <a:pPr algn="ctr">
                         <a:lnSpc>
                           <a:spcPct val="100000"/>
                         </a:lnSpc>
@@ -3929,15 +4755,22 @@
                         </a:spcBef>
                       </a:pPr>
                       <a:r>
-                        <a:rPr lang="pt-BR" sz="1000" b="1" i="0">
+                        <a:rPr lang="en-US" sz="1000" b="1" i="0" spc="0">
                           <a:solidFill>
                             <a:schemeClr val="bg1"/>
                           </a:solidFill>
                           <a:latin typeface="Adobe Clean" panose="020B0503020404020204" pitchFamily="34" charset="0"/>
                           <a:cs typeface="AdobeClean-Light"/>
                         </a:rPr>
-                        <a:t>Serviços de suporte</a:t>
+                        <a:t>Support Services</a:t>
                       </a:r>
+                      <a:endParaRPr sz="1000" b="1" i="0" spc="0">
+                        <a:solidFill>
+                          <a:schemeClr val="bg1"/>
+                        </a:solidFill>
+                        <a:latin typeface="Adobe Clean" panose="020B0503020404020204" pitchFamily="34" charset="0"/>
+                        <a:cs typeface="AdobeClean-Light"/>
+                      </a:endParaRPr>
                     </a:p>
                   </a:txBody>
                   <a:tcPr marL="0" marR="0" marT="57150" marB="0" anchor="ctr">
@@ -3993,15 +4826,29 @@
                         </a:spcBef>
                       </a:pPr>
                       <a:r>
-                        <a:rPr lang="pt-BR" sz="900">
+                        <a:rPr lang="en-US" sz="900" spc="0">
                           <a:solidFill>
                             <a:srgbClr val="020302"/>
                           </a:solidFill>
                           <a:latin typeface="AdobeClean-Light"/>
                           <a:cs typeface="AdobeClean-Light"/>
                         </a:rPr>
-                        <a:t>Suporte Online</a:t>
+                        <a:t>Online</a:t>
                       </a:r>
+                      <a:r>
+                        <a:rPr sz="900" spc="0">
+                          <a:solidFill>
+                            <a:srgbClr val="020302"/>
+                          </a:solidFill>
+                          <a:latin typeface="AdobeClean-Light"/>
+                          <a:cs typeface="AdobeClean-Light"/>
+                        </a:rPr>
+                        <a:t> Support</a:t>
+                      </a:r>
+                      <a:endParaRPr sz="900" spc="0">
+                        <a:latin typeface="AdobeClean-Light"/>
+                        <a:cs typeface="AdobeClean-Light"/>
+                      </a:endParaRPr>
                     </a:p>
                   </a:txBody>
                   <a:tcPr marL="0" marR="0" marT="57150" marB="0">
@@ -4039,15 +4886,39 @@
                         </a:spcBef>
                       </a:pPr>
                       <a:r>
-                        <a:rPr lang="pt-BR" sz="900">
+                        <a:rPr sz="900" spc="-25">
                           <a:solidFill>
                             <a:srgbClr val="020302"/>
                           </a:solidFill>
                           <a:latin typeface="AdobeClean-Light"/>
                           <a:cs typeface="AdobeClean-Light"/>
                         </a:rPr>
-                        <a:t>Horário comercial</a:t>
+                        <a:t>Business</a:t>
                       </a:r>
+                      <a:r>
+                        <a:rPr sz="900" spc="-15">
+                          <a:solidFill>
+                            <a:srgbClr val="020302"/>
+                          </a:solidFill>
+                          <a:latin typeface="AdobeClean-Light"/>
+                          <a:cs typeface="AdobeClean-Light"/>
+                        </a:rPr>
+                        <a:t> </a:t>
+                      </a:r>
+                      <a:r>
+                        <a:rPr sz="900" spc="-30">
+                          <a:solidFill>
+                            <a:srgbClr val="020302"/>
+                          </a:solidFill>
+                          <a:latin typeface="AdobeClean-Light"/>
+                          <a:cs typeface="AdobeClean-Light"/>
+                        </a:rPr>
+                        <a:t>hours</a:t>
+                      </a:r>
+                      <a:endParaRPr sz="900">
+                        <a:latin typeface="AdobeClean-Light"/>
+                        <a:cs typeface="AdobeClean-Light"/>
+                      </a:endParaRPr>
                     </a:p>
                   </a:txBody>
                   <a:tcPr marL="0" marR="0" marT="67945" marB="0">
@@ -4086,15 +4957,39 @@
                         </a:spcBef>
                       </a:pPr>
                       <a:r>
-                        <a:rPr lang="pt-BR" sz="900">
+                        <a:rPr sz="900" spc="-25">
                           <a:solidFill>
                             <a:srgbClr val="020302"/>
                           </a:solidFill>
                           <a:latin typeface="AdobeClean-Light"/>
                           <a:cs typeface="AdobeClean-Light"/>
                         </a:rPr>
-                        <a:t>Horário comercial</a:t>
+                        <a:t>Business</a:t>
                       </a:r>
+                      <a:r>
+                        <a:rPr sz="900" spc="-15">
+                          <a:solidFill>
+                            <a:srgbClr val="020302"/>
+                          </a:solidFill>
+                          <a:latin typeface="AdobeClean-Light"/>
+                          <a:cs typeface="AdobeClean-Light"/>
+                        </a:rPr>
+                        <a:t> </a:t>
+                      </a:r>
+                      <a:r>
+                        <a:rPr sz="900" spc="-30">
+                          <a:solidFill>
+                            <a:srgbClr val="020302"/>
+                          </a:solidFill>
+                          <a:latin typeface="AdobeClean-Light"/>
+                          <a:cs typeface="AdobeClean-Light"/>
+                        </a:rPr>
+                        <a:t>hours</a:t>
+                      </a:r>
+                      <a:endParaRPr sz="900">
+                        <a:latin typeface="AdobeClean-Light"/>
+                        <a:cs typeface="AdobeClean-Light"/>
+                      </a:endParaRPr>
                     </a:p>
                   </a:txBody>
                   <a:tcPr marL="0" marR="0" marT="67945" marB="0">
@@ -4126,7 +5021,7 @@
                     <a:bodyPr/>
                     <a:lstStyle/>
                     <a:p>
-                      <a:pPr marL="50800" algn="l" rtl="0">
+                      <a:pPr marL="50800">
                         <a:lnSpc>
                           <a:spcPct val="100000"/>
                         </a:lnSpc>
@@ -4175,15 +5070,39 @@
                         </a:spcBef>
                       </a:pPr>
                       <a:r>
-                        <a:rPr lang="pt-BR" sz="900">
+                        <a:rPr sz="900" spc="0">
                           <a:solidFill>
                             <a:srgbClr val="020302"/>
                           </a:solidFill>
                           <a:latin typeface="AdobeClean-Light"/>
                           <a:cs typeface="AdobeClean-Light"/>
                         </a:rPr>
-                        <a:t>Suporte 24x7x365 para prioridades P1</a:t>
+                        <a:t>24x7</a:t>
                       </a:r>
+                      <a:r>
+                        <a:rPr lang="en-US" sz="900" spc="0">
+                          <a:solidFill>
+                            <a:srgbClr val="020302"/>
+                          </a:solidFill>
+                          <a:latin typeface="AdobeClean-Light"/>
+                          <a:cs typeface="AdobeClean-Light"/>
+                        </a:rPr>
+                        <a:t>x365</a:t>
+                      </a:r>
+                      <a:r>
+                        <a:rPr sz="900" spc="0">
+                          <a:solidFill>
+                            <a:srgbClr val="020302"/>
+                          </a:solidFill>
+                          <a:latin typeface="AdobeClean-Light"/>
+                          <a:cs typeface="AdobeClean-Light"/>
+                        </a:rPr>
+                        <a:t> P1 Issue Support</a:t>
+                      </a:r>
+                      <a:endParaRPr sz="900" spc="0">
+                        <a:latin typeface="AdobeClean-Light"/>
+                        <a:cs typeface="AdobeClean-Light"/>
+                      </a:endParaRPr>
                     </a:p>
                   </a:txBody>
                   <a:tcPr marL="0" marR="0" marT="57785" marB="0">
@@ -4215,7 +5134,7 @@
                         </a:spcBef>
                       </a:pPr>
                       <a:r>
-                        <a:rPr lang="pt-BR" sz="900">
+                        <a:rPr sz="900">
                           <a:solidFill>
                             <a:srgbClr val="020302"/>
                           </a:solidFill>
@@ -4224,6 +5143,10 @@
                         </a:rPr>
                         <a:t></a:t>
                       </a:r>
+                      <a:endParaRPr sz="900">
+                        <a:latin typeface="Wingdings"/>
+                        <a:cs typeface="Wingdings"/>
+                      </a:endParaRPr>
                     </a:p>
                   </a:txBody>
                   <a:tcPr marL="0" marR="0" marT="58419" marB="0">
@@ -4253,7 +5176,7 @@
                         </a:spcBef>
                       </a:pPr>
                       <a:r>
-                        <a:rPr lang="pt-BR" sz="900">
+                        <a:rPr sz="900">
                           <a:solidFill>
                             <a:srgbClr val="020302"/>
                           </a:solidFill>
@@ -4262,6 +5185,10 @@
                         </a:rPr>
                         <a:t></a:t>
                       </a:r>
+                      <a:endParaRPr sz="900">
+                        <a:latin typeface="Wingdings"/>
+                        <a:cs typeface="Wingdings"/>
+                      </a:endParaRPr>
                     </a:p>
                   </a:txBody>
                   <a:tcPr marL="0" marR="0" marT="58419" marB="0">
@@ -4284,7 +5211,7 @@
                     <a:bodyPr/>
                     <a:lstStyle/>
                     <a:p>
-                      <a:pPr marL="50800" algn="l" rtl="0">
+                      <a:pPr marL="50800">
                         <a:lnSpc>
                           <a:spcPct val="100000"/>
                         </a:lnSpc>
@@ -4342,15 +5269,19 @@
                         </a:spcBef>
                       </a:pPr>
                       <a:r>
-                        <a:rPr lang="pt-BR" sz="900">
+                        <a:rPr lang="en-US" sz="900" spc="0">
                           <a:solidFill>
                             <a:srgbClr val="020302"/>
                           </a:solidFill>
                           <a:latin typeface="AdobeClean-Light"/>
                           <a:cs typeface="AdobeClean-Light"/>
                         </a:rPr>
-                        <a:t>Contatos de suporte nomeados (por produto)</a:t>
+                        <a:t>Named Support Contacts (per product)</a:t>
                       </a:r>
+                      <a:endParaRPr sz="900" spc="0">
+                        <a:latin typeface="AdobeClean-Light"/>
+                        <a:cs typeface="AdobeClean-Light"/>
+                      </a:endParaRPr>
                     </a:p>
                   </a:txBody>
                   <a:tcPr marL="0" marR="0" marT="57785" marB="0">
@@ -4388,7 +5319,7 @@
                         </a:spcBef>
                       </a:pPr>
                       <a:r>
-                        <a:rPr lang="pt-BR" sz="900">
+                        <a:rPr sz="900">
                           <a:solidFill>
                             <a:srgbClr val="020302"/>
                           </a:solidFill>
@@ -4397,6 +5328,10 @@
                         </a:rPr>
                         <a:t>4</a:t>
                       </a:r>
+                      <a:endParaRPr sz="900">
+                        <a:latin typeface="AdobeClean-Light"/>
+                        <a:cs typeface="AdobeClean-Light"/>
+                      </a:endParaRPr>
                     </a:p>
                   </a:txBody>
                   <a:tcPr marL="0" marR="0" marT="57785" marB="0">
@@ -4426,7 +5361,7 @@
                         </a:spcBef>
                       </a:pPr>
                       <a:r>
-                        <a:rPr lang="pt-BR" sz="900">
+                        <a:rPr sz="900">
                           <a:solidFill>
                             <a:srgbClr val="020302"/>
                           </a:solidFill>
@@ -4435,6 +5370,10 @@
                         </a:rPr>
                         <a:t>6</a:t>
                       </a:r>
+                      <a:endParaRPr sz="900">
+                        <a:latin typeface="AdobeClean-Light"/>
+                        <a:cs typeface="AdobeClean-Light"/>
+                      </a:endParaRPr>
                     </a:p>
                   </a:txBody>
                   <a:tcPr marL="0" marR="0" marT="57785" marB="0">
@@ -4457,7 +5396,7 @@
                     <a:bodyPr/>
                     <a:lstStyle/>
                     <a:p>
-                      <a:pPr marL="50800" algn="l" rtl="0">
+                      <a:pPr marL="50800">
                         <a:lnSpc>
                           <a:spcPct val="100000"/>
                         </a:lnSpc>
@@ -4506,15 +5445,19 @@
                         </a:spcBef>
                       </a:pPr>
                       <a:r>
-                        <a:rPr lang="pt-BR" sz="900">
+                        <a:rPr lang="en-US" sz="900" spc="0">
                           <a:solidFill>
                             <a:srgbClr val="020302"/>
                           </a:solidFill>
                           <a:latin typeface="AdobeClean-Light"/>
                           <a:cs typeface="AdobeClean-Light"/>
                         </a:rPr>
-                        <a:t>Suporte telefônico ao vivo</a:t>
+                        <a:t>Live Telephone Support</a:t>
                       </a:r>
+                      <a:endParaRPr sz="900" spc="0">
+                        <a:latin typeface="AdobeClean-Light"/>
+                        <a:cs typeface="AdobeClean-Light"/>
+                      </a:endParaRPr>
                     </a:p>
                   </a:txBody>
                   <a:tcPr marL="0" marR="0" marT="57785" marB="0">
@@ -4537,7 +5480,7 @@
                     <a:bodyPr/>
                     <a:lstStyle/>
                     <a:p>
-                      <a:pPr algn="l" rtl="0">
+                      <a:pPr algn="ctr">
                         <a:lnSpc>
                           <a:spcPct val="100000"/>
                         </a:lnSpc>
@@ -4578,7 +5521,7 @@
                         </a:spcBef>
                       </a:pPr>
                       <a:r>
-                        <a:rPr lang="pt-BR" sz="900">
+                        <a:rPr sz="900">
                           <a:solidFill>
                             <a:srgbClr val="020302"/>
                           </a:solidFill>
@@ -4587,6 +5530,10 @@
                         </a:rPr>
                         <a:t></a:t>
                       </a:r>
+                      <a:endParaRPr sz="900">
+                        <a:latin typeface="Wingdings"/>
+                        <a:cs typeface="Wingdings"/>
+                      </a:endParaRPr>
                     </a:p>
                   </a:txBody>
                   <a:tcPr marL="0" marR="0" marT="59054" marB="0">
@@ -4609,7 +5556,7 @@
                     <a:bodyPr/>
                     <a:lstStyle/>
                     <a:p>
-                      <a:pPr marL="50800" algn="l" rtl="0">
+                      <a:pPr marL="50800">
                         <a:lnSpc>
                           <a:spcPct val="100000"/>
                         </a:lnSpc>
@@ -4658,15 +5605,19 @@
                         </a:spcBef>
                       </a:pPr>
                       <a:r>
-                        <a:rPr lang="pt-BR" sz="900">
+                        <a:rPr sz="900" spc="0">
                           <a:solidFill>
                             <a:srgbClr val="020302"/>
                           </a:solidFill>
                           <a:latin typeface="AdobeClean-Light"/>
                           <a:cs typeface="AdobeClean-Light"/>
                         </a:rPr>
-                        <a:t>Gestão de encaminhamento</a:t>
+                        <a:t>Escalation Management</a:t>
                       </a:r>
+                      <a:endParaRPr sz="900" spc="0">
+                        <a:latin typeface="AdobeClean-Light"/>
+                        <a:cs typeface="AdobeClean-Light"/>
+                      </a:endParaRPr>
                     </a:p>
                   </a:txBody>
                   <a:tcPr marL="0" marR="0" marT="58419" marB="0">
@@ -4689,7 +5640,7 @@
                     <a:bodyPr/>
                     <a:lstStyle/>
                     <a:p>
-                      <a:pPr algn="l" rtl="0">
+                      <a:pPr algn="ctr">
                         <a:lnSpc>
                           <a:spcPct val="100000"/>
                         </a:lnSpc>
@@ -4730,7 +5681,7 @@
                         </a:spcBef>
                       </a:pPr>
                       <a:r>
-                        <a:rPr lang="pt-BR" sz="900">
+                        <a:rPr sz="900">
                           <a:solidFill>
                             <a:srgbClr val="020302"/>
                           </a:solidFill>
@@ -4739,6 +5690,10 @@
                         </a:rPr>
                         <a:t></a:t>
                       </a:r>
+                      <a:endParaRPr sz="900">
+                        <a:latin typeface="Wingdings"/>
+                        <a:cs typeface="Wingdings"/>
+                      </a:endParaRPr>
                     </a:p>
                   </a:txBody>
                   <a:tcPr marL="0" marR="0" marT="59690" marB="0">
@@ -4761,7 +5716,7 @@
                     <a:bodyPr/>
                     <a:lstStyle/>
                     <a:p>
-                      <a:pPr marL="50800" algn="l" rtl="0">
+                      <a:pPr marL="50800">
                         <a:lnSpc>
                           <a:spcPct val="100000"/>
                         </a:lnSpc>
@@ -4810,15 +5765,29 @@
                         </a:spcBef>
                       </a:pPr>
                       <a:r>
-                        <a:rPr lang="pt-BR" sz="900">
+                        <a:rPr sz="900" spc="0">
                           <a:solidFill>
                             <a:srgbClr val="020302"/>
                           </a:solidFill>
                           <a:latin typeface="AdobeClean-Light"/>
                           <a:cs typeface="AdobeClean-Light"/>
                         </a:rPr>
-                        <a:t>Revisões de serviço por ano</a:t>
+                        <a:t>Service Reviews </a:t>
                       </a:r>
+                      <a:r>
+                        <a:rPr lang="en-US" sz="900" spc="0">
+                          <a:solidFill>
+                            <a:srgbClr val="020302"/>
+                          </a:solidFill>
+                          <a:latin typeface="AdobeClean-Light"/>
+                          <a:cs typeface="AdobeClean-Light"/>
+                        </a:rPr>
+                        <a:t>per Year</a:t>
+                      </a:r>
+                      <a:endParaRPr sz="900" spc="0">
+                        <a:latin typeface="AdobeClean-Light"/>
+                        <a:cs typeface="AdobeClean-Light"/>
+                      </a:endParaRPr>
                     </a:p>
                   </a:txBody>
                   <a:tcPr marL="0" marR="0" marT="57150" marB="0">
@@ -4841,7 +5810,7 @@
                     <a:bodyPr/>
                     <a:lstStyle/>
                     <a:p>
-                      <a:pPr algn="l" rtl="0">
+                      <a:pPr>
                         <a:lnSpc>
                           <a:spcPct val="100000"/>
                         </a:lnSpc>
@@ -4870,7 +5839,7 @@
                     <a:bodyPr/>
                     <a:lstStyle/>
                     <a:p>
-                      <a:pPr algn="l" rtl="0">
+                      <a:pPr>
                         <a:lnSpc>
                           <a:spcPct val="100000"/>
                         </a:lnSpc>
@@ -4920,12 +5889,16 @@
                         </a:spcBef>
                       </a:pPr>
                       <a:r>
-                        <a:rPr lang="pt-BR" sz="900">
+                        <a:rPr lang="en-US" sz="900" spc="0">
                           <a:latin typeface="AdobeClean-Light"/>
                           <a:cs typeface="AdobeClean-Light"/>
                         </a:rPr>
-                        <a:t>Sessões de especialistas por ano</a:t>
+                        <a:t>Expert Sessions per Year</a:t>
                       </a:r>
+                      <a:endParaRPr sz="900" spc="0">
+                        <a:latin typeface="AdobeClean-Light"/>
+                        <a:cs typeface="AdobeClean-Light"/>
+                      </a:endParaRPr>
                     </a:p>
                   </a:txBody>
                   <a:tcPr marL="0" marR="0" marT="57150" marB="0">
@@ -4954,7 +5927,7 @@
                     <a:bodyPr/>
                     <a:lstStyle/>
                     <a:p>
-                      <a:pPr algn="l" rtl="0">
+                      <a:pPr>
                         <a:lnSpc>
                           <a:spcPct val="100000"/>
                         </a:lnSpc>
@@ -4983,7 +5956,7 @@
                     <a:bodyPr/>
                     <a:lstStyle/>
                     <a:p>
-                      <a:pPr algn="l" rtl="0">
+                      <a:pPr>
                         <a:lnSpc>
                           <a:spcPct val="100000"/>
                         </a:lnSpc>
@@ -5033,12 +6006,16 @@
                         </a:spcBef>
                       </a:pPr>
                       <a:r>
-                        <a:rPr lang="pt-BR" sz="900">
+                        <a:rPr lang="en-US" sz="900" spc="0">
                           <a:latin typeface="AdobeClean-Light"/>
                           <a:cs typeface="AdobeClean-Light"/>
                         </a:rPr>
-                        <a:t>Revisões de caso</a:t>
+                        <a:t>Case Reviews</a:t>
                       </a:r>
+                      <a:endParaRPr sz="900" spc="0">
+                        <a:latin typeface="AdobeClean-Light"/>
+                        <a:cs typeface="AdobeClean-Light"/>
+                      </a:endParaRPr>
                     </a:p>
                   </a:txBody>
                   <a:tcPr marL="0" marR="0" marT="57150" marB="0">
@@ -5067,7 +6044,7 @@
                     <a:bodyPr/>
                     <a:lstStyle/>
                     <a:p>
-                      <a:pPr algn="l" rtl="0">
+                      <a:pPr>
                         <a:lnSpc>
                           <a:spcPct val="100000"/>
                         </a:lnSpc>
@@ -5096,7 +6073,7 @@
                     <a:bodyPr/>
                     <a:lstStyle/>
                     <a:p>
-                      <a:pPr algn="l" rtl="0">
+                      <a:pPr>
                         <a:lnSpc>
                           <a:spcPct val="100000"/>
                         </a:lnSpc>
@@ -5127,7 +6104,7 @@
                     <a:bodyPr/>
                     <a:lstStyle/>
                     <a:p>
-                      <a:pPr marL="48895" algn="l" rtl="0">
+                      <a:pPr marL="48895">
                         <a:lnSpc>
                           <a:spcPct val="100000"/>
                         </a:lnSpc>
@@ -5185,15 +6162,29 @@
                         </a:spcBef>
                       </a:pPr>
                       <a:r>
-                        <a:rPr lang="pt-BR" sz="900">
+                        <a:rPr sz="900" spc="0">
                           <a:solidFill>
                             <a:srgbClr val="020302"/>
                           </a:solidFill>
                           <a:latin typeface="AdobeClean-Light"/>
                           <a:cs typeface="AdobeClean-Light"/>
                         </a:rPr>
-                        <a:t>Gerenciamento de eventos</a:t>
+                        <a:t>Event </a:t>
                       </a:r>
+                      <a:r>
+                        <a:rPr lang="en-US" sz="900" spc="0">
+                          <a:solidFill>
+                            <a:srgbClr val="020302"/>
+                          </a:solidFill>
+                          <a:latin typeface="AdobeClean-Light"/>
+                          <a:cs typeface="AdobeClean-Light"/>
+                        </a:rPr>
+                        <a:t>Management</a:t>
+                      </a:r>
+                      <a:endParaRPr sz="900" spc="0">
+                        <a:latin typeface="AdobeClean-Light"/>
+                        <a:cs typeface="AdobeClean-Light"/>
+                      </a:endParaRPr>
                     </a:p>
                   </a:txBody>
                   <a:tcPr marL="0" marR="0" marT="58419" marB="0">
@@ -5222,7 +6213,7 @@
                     <a:bodyPr/>
                     <a:lstStyle/>
                     <a:p>
-                      <a:pPr algn="l" rtl="0">
+                      <a:pPr>
                         <a:lnSpc>
                           <a:spcPct val="100000"/>
                         </a:lnSpc>
@@ -5251,7 +6242,7 @@
                     <a:bodyPr/>
                     <a:lstStyle/>
                     <a:p>
-                      <a:pPr algn="l" rtl="0">
+                      <a:pPr>
                         <a:lnSpc>
                           <a:spcPct val="100000"/>
                         </a:lnSpc>
@@ -5282,7 +6273,7 @@
                     <a:bodyPr/>
                     <a:lstStyle/>
                     <a:p>
-                      <a:pPr marL="48895" algn="l" rtl="0">
+                      <a:pPr marL="48895">
                         <a:lnSpc>
                           <a:spcPct val="100000"/>
                         </a:lnSpc>
@@ -5331,15 +6322,39 @@
                         </a:spcBef>
                       </a:pPr>
                       <a:r>
-                        <a:rPr lang="pt-BR" sz="900">
+                        <a:rPr sz="900" spc="0">
                           <a:solidFill>
                             <a:srgbClr val="020302"/>
                           </a:solidFill>
                           <a:latin typeface="AdobeClean-Light"/>
                           <a:cs typeface="AdobeClean-Light"/>
                         </a:rPr>
-                        <a:t>Revisão, manutenção e monitoramento do ambiente</a:t>
+                        <a:t>Environment</a:t>
                       </a:r>
+                      <a:r>
+                        <a:rPr lang="en-US" sz="900" spc="0">
+                          <a:solidFill>
+                            <a:srgbClr val="020302"/>
+                          </a:solidFill>
+                          <a:latin typeface="AdobeClean-Light"/>
+                          <a:cs typeface="AdobeClean-Light"/>
+                        </a:rPr>
+                        <a:t> </a:t>
+                      </a:r>
+                      <a:r>
+                        <a:rPr sz="900" spc="0">
+                          <a:solidFill>
+                            <a:srgbClr val="020302"/>
+                          </a:solidFill>
+                          <a:latin typeface="AdobeClean-Light"/>
+                          <a:cs typeface="AdobeClean-Light"/>
+                        </a:rPr>
+                        <a:t>Review, Maintenance &amp; Monitoring</a:t>
+                      </a:r>
+                      <a:endParaRPr sz="900" spc="0">
+                        <a:latin typeface="AdobeClean-Light"/>
+                        <a:cs typeface="AdobeClean-Light"/>
+                      </a:endParaRPr>
                     </a:p>
                   </a:txBody>
                   <a:tcPr marL="0" marR="0" marT="59055" marB="0">
@@ -5362,7 +6377,7 @@
                     <a:bodyPr/>
                     <a:lstStyle/>
                     <a:p>
-                      <a:pPr algn="l" rtl="0">
+                      <a:pPr>
                         <a:lnSpc>
                           <a:spcPct val="100000"/>
                         </a:lnSpc>
@@ -5391,7 +6406,7 @@
                     <a:bodyPr/>
                     <a:lstStyle/>
                     <a:p>
-                      <a:pPr algn="l" rtl="0">
+                      <a:pPr>
                         <a:lnSpc>
                           <a:spcPct val="100000"/>
                         </a:lnSpc>
@@ -5422,7 +6437,7 @@
                     <a:bodyPr/>
                     <a:lstStyle/>
                     <a:p>
-                      <a:pPr marL="49530" algn="l" rtl="0">
+                      <a:pPr marL="49530">
                         <a:lnSpc>
                           <a:spcPct val="100000"/>
                         </a:lnSpc>
@@ -5471,15 +6486,19 @@
                         </a:spcBef>
                       </a:pPr>
                       <a:r>
-                        <a:rPr lang="pt-BR" sz="900">
+                        <a:rPr sz="900" spc="0">
                           <a:solidFill>
                             <a:srgbClr val="020302"/>
                           </a:solidFill>
                           <a:latin typeface="AdobeClean-Light"/>
                           <a:cs typeface="AdobeClean-Light"/>
                         </a:rPr>
-                        <a:t>Revisão de versão, migração, atualização e roteiro de produtos</a:t>
+                        <a:t>Release, Migration, Upgrade &amp; Product Roadmap Review</a:t>
                       </a:r>
+                      <a:endParaRPr sz="900" spc="0">
+                        <a:latin typeface="AdobeClean-Light"/>
+                        <a:cs typeface="AdobeClean-Light"/>
+                      </a:endParaRPr>
                     </a:p>
                   </a:txBody>
                   <a:tcPr marL="0" marR="0" marT="63500" marB="0">
@@ -5502,7 +6521,7 @@
                     <a:bodyPr/>
                     <a:lstStyle/>
                     <a:p>
-                      <a:pPr algn="l" rtl="0">
+                      <a:pPr>
                         <a:lnSpc>
                           <a:spcPct val="100000"/>
                         </a:lnSpc>
@@ -5531,7 +6550,7 @@
                     <a:bodyPr/>
                     <a:lstStyle/>
                     <a:p>
-                      <a:pPr algn="l" rtl="0">
+                      <a:pPr>
                         <a:lnSpc>
                           <a:spcPct val="100000"/>
                         </a:lnSpc>
@@ -5562,7 +6581,7 @@
                     <a:bodyPr/>
                     <a:lstStyle/>
                     <a:p>
-                      <a:pPr marL="49530" algn="l" rtl="0">
+                      <a:pPr marL="49530">
                         <a:lnSpc>
                           <a:spcPct val="100000"/>
                         </a:lnSpc>
@@ -5620,11 +6639,11 @@
                         </a:spcBef>
                       </a:pPr>
                       <a:r>
-                        <a:rPr lang="pt-BR" sz="900">
+                        <a:rPr sz="900" spc="0">
                           <a:latin typeface="AdobeClean-Light"/>
                           <a:cs typeface="AdobeClean-Light"/>
                         </a:rPr>
-                        <a:t>Atividades de suporte na nuvem — Experience Manager as Cloud</a:t>
+                        <a:t>Cloud Support Activities – Experience Manager as Cloud</a:t>
                       </a:r>
                     </a:p>
                   </a:txBody>
@@ -5654,7 +6673,7 @@
                     <a:bodyPr/>
                     <a:lstStyle/>
                     <a:p>
-                      <a:pPr algn="l" rtl="0">
+                      <a:pPr>
                         <a:lnSpc>
                           <a:spcPct val="100000"/>
                         </a:lnSpc>
@@ -5692,7 +6711,7 @@
                     <a:bodyPr/>
                     <a:lstStyle/>
                     <a:p>
-                      <a:pPr algn="l" rtl="0">
+                      <a:pPr>
                         <a:lnSpc>
                           <a:spcPct val="100000"/>
                         </a:lnSpc>
@@ -5741,15 +6760,22 @@
                         </a:spcBef>
                       </a:pPr>
                       <a:r>
-                        <a:rPr lang="pt-BR" sz="1000" b="1" i="0">
+                        <a:rPr lang="en-US" sz="1000" b="1" i="0" spc="0">
                           <a:solidFill>
                             <a:schemeClr val="bg1"/>
                           </a:solidFill>
                           <a:latin typeface="Adobe Clean" panose="020B0503020404020204" pitchFamily="34" charset="0"/>
                           <a:cs typeface="AdobeClean-Light"/>
                         </a:rPr>
-                        <a:t>Serviços de campo</a:t>
+                        <a:t>Field Services</a:t>
                       </a:r>
+                      <a:endParaRPr sz="1000" b="1" i="0" spc="0">
+                        <a:solidFill>
+                          <a:schemeClr val="bg1"/>
+                        </a:solidFill>
+                        <a:latin typeface="Adobe Clean" panose="020B0503020404020204" pitchFamily="34" charset="0"/>
+                        <a:cs typeface="AdobeClean-Light"/>
+                      </a:endParaRPr>
                     </a:p>
                   </a:txBody>
                   <a:tcPr marL="0" marR="0" marT="48260" marB="0" anchor="ctr">
@@ -5802,15 +6828,19 @@
                         </a:spcBef>
                       </a:pPr>
                       <a:r>
-                        <a:rPr lang="pt-BR" sz="900">
+                        <a:rPr sz="900" spc="0">
                           <a:solidFill>
                             <a:srgbClr val="020302"/>
                           </a:solidFill>
                           <a:latin typeface="AdobeClean-Light"/>
                           <a:cs typeface="AdobeClean-Light"/>
                         </a:rPr>
-                        <a:t>Launch Advisory Services — primeiro ano da nova solução</a:t>
+                        <a:t>Launch Advisory Services – First Year of new solution</a:t>
                       </a:r>
+                      <a:endParaRPr sz="900" spc="0">
+                        <a:latin typeface="AdobeClean-Light"/>
+                        <a:cs typeface="AdobeClean-Light"/>
+                      </a:endParaRPr>
                     </a:p>
                     <a:p>
                       <a:pPr marL="48260" hangingPunct="0">
@@ -5822,11 +6852,11 @@
                         </a:spcBef>
                       </a:pPr>
                       <a:r>
-                        <a:rPr lang="pt-BR" sz="900">
+                        <a:rPr sz="900" spc="0">
                           <a:latin typeface="AdobeClean-Light"/>
                           <a:cs typeface="AdobeClean-Light"/>
                         </a:rPr>
-                        <a:t>Atividades de serviço de campo </a:t>
+                        <a:t>Field Service Activities </a:t>
                       </a:r>
                     </a:p>
                   </a:txBody>
@@ -5862,7 +6892,7 @@
                     <a:bodyPr/>
                     <a:lstStyle/>
                     <a:p>
-                      <a:pPr algn="l" rtl="0">
+                      <a:pPr>
                         <a:lnSpc>
                           <a:spcPct val="100000"/>
                         </a:lnSpc>
@@ -5900,7 +6930,7 @@
                     <a:bodyPr/>
                     <a:lstStyle/>
                     <a:p>
-                      <a:pPr algn="l" rtl="0">
+                      <a:pPr>
                         <a:lnSpc>
                           <a:spcPct val="100000"/>
                         </a:lnSpc>
@@ -5985,7 +7015,7 @@
                     <a:bodyPr/>
                     <a:lstStyle/>
                     <a:p>
-                      <a:pPr algn="l" rtl="0">
+                      <a:pPr>
                         <a:lnSpc>
                           <a:spcPct val="100000"/>
                         </a:lnSpc>
@@ -6011,12 +7041,12 @@
                     <a:bodyPr/>
                     <a:lstStyle/>
                     <a:p>
-                      <a:pPr algn="l" rtl="0">
+                      <a:pPr>
                         <a:lnSpc>
                           <a:spcPct val="100000"/>
                         </a:lnSpc>
                       </a:pPr>
-                      <a:endParaRPr sz="900" dirty="0">
+                      <a:endParaRPr sz="900">
                         <a:latin typeface="Times New Roman"/>
                         <a:cs typeface="Times New Roman"/>
                       </a:endParaRPr>
@@ -6075,7 +7105,7 @@
           <a:lstStyle/>
           <a:p>
             <a:r>
-              <a:rPr lang="pt-BR" sz="700" i="1">
+              <a:rPr lang="en-US" sz="700" i="1">
                 <a:solidFill>
                   <a:schemeClr val="bg1"/>
                 </a:solidFill>
@@ -6257,7 +7287,7 @@
         <p:spPr>
           <a:xfrm>
             <a:off x="370040" y="1409311"/>
-            <a:ext cx="2286000" cy="1458926"/>
+            <a:ext cx="2286000" cy="1289969"/>
           </a:xfrm>
           <a:prstGeom prst="rect">
             <a:avLst/>
@@ -6278,48 +7308,18 @@
               </a:spcBef>
             </a:pPr>
             <a:r>
-              <a:rPr lang="pt-BR" sz="1000" dirty="0">
+              <a:rPr lang="en-US" sz="1000">
                 <a:solidFill>
                   <a:srgbClr val="000000"/>
                 </a:solidFill>
                 <a:latin typeface="Adobe Clean Light" panose="020B0303020404020204" pitchFamily="34" charset="0"/>
               </a:rPr>
-              <a:t>Um Líder de suporte da conta designado </a:t>
-            </a:r>
-            <a:br>
-              <a:rPr lang="sk-SK" sz="1000" dirty="0">
-                <a:solidFill>
-                  <a:srgbClr val="000000"/>
-                </a:solidFill>
-                <a:latin typeface="Adobe Clean Light" panose="020B0303020404020204" pitchFamily="34" charset="0"/>
-              </a:rPr>
-            </a:br>
-            <a:r>
-              <a:rPr lang="pt-BR" sz="1000" dirty="0">
-                <a:solidFill>
-                  <a:srgbClr val="000000"/>
-                </a:solidFill>
-                <a:latin typeface="Adobe Clean Light" panose="020B0303020404020204" pitchFamily="34" charset="0"/>
-              </a:rPr>
-              <a:t>para monitorar os casos de forma proativa, impulsionar a colaboração entre equipes, fornecer webinários de integração, executar relatórios de serviço, fornecer assistência de suporte não técnico e funcionar como ponto de encaminhamento e defensor interno </a:t>
-            </a:r>
-            <a:br>
-              <a:rPr lang="sk-SK" sz="1000" dirty="0">
-                <a:solidFill>
-                  <a:srgbClr val="000000"/>
-                </a:solidFill>
-                <a:latin typeface="Adobe Clean Light" panose="020B0303020404020204" pitchFamily="34" charset="0"/>
-              </a:rPr>
-            </a:br>
-            <a:r>
-              <a:rPr lang="pt-BR" sz="1000" dirty="0">
-                <a:solidFill>
-                  <a:srgbClr val="000000"/>
-                </a:solidFill>
-                <a:latin typeface="Adobe Clean Light" panose="020B0303020404020204" pitchFamily="34" charset="0"/>
-              </a:rPr>
-              <a:t>no Suporte da Adobe.</a:t>
-            </a:r>
+              <a:t>A designated Account Support Lead to proactively monitor cases, drive cross-team collaboration, deliver onboarding webinars, run service reports, provide non-technical support assistance, and function as your escalation point and internal advocate within Adobe Support.</a:t>
+            </a:r>
+            <a:endParaRPr lang="en-US" sz="1000">
+              <a:latin typeface="Adobe Clean Light" panose="020B0303020404020204" pitchFamily="34" charset="0"/>
+              <a:cs typeface="AdobeClean-Light"/>
+            </a:endParaRPr>
           </a:p>
         </p:txBody>
       </p:sp>
@@ -6339,7 +7339,7 @@
           </a:prstGeom>
         </p:spPr>
         <p:txBody>
-          <a:bodyPr vert="horz" wrap="square" lIns="0" tIns="12700" rIns="0" bIns="0" rtlCol="0">
+          <a:bodyPr vert="horz" wrap="square" lIns="0" tIns="12700" rIns="0" bIns="0" rtlCol="0" anchor="t">
             <a:spAutoFit/>
           </a:bodyPr>
           <a:lstStyle/>
@@ -6356,21 +7356,48 @@
               </a:tabLst>
             </a:pPr>
             <a:r>
-              <a:rPr lang="pt-BR" sz="1000" dirty="0">
+              <a:rPr sz="1000">
                 <a:solidFill>
                   <a:srgbClr val="020302"/>
                 </a:solidFill>
                 <a:latin typeface="AdobeClean-Light"/>
                 <a:cs typeface="AdobeClean-Light"/>
               </a:rPr>
-              <a:t>Inicie uma sessão de chat para obter respostas e ajuda com o envio de caso</a:t>
+              <a:t>Start a chat session to get answers</a:t>
+            </a:r>
+            <a:r>
+              <a:rPr lang="en-US" sz="1000">
+                <a:solidFill>
+                  <a:srgbClr val="020302"/>
+                </a:solidFill>
+                <a:latin typeface="AdobeClean-Light"/>
+                <a:cs typeface="AdobeClean-Light"/>
+              </a:rPr>
+              <a:t> &amp; </a:t>
+            </a:r>
+            <a:r>
+              <a:rPr sz="1000">
+                <a:solidFill>
+                  <a:srgbClr val="020302"/>
+                </a:solidFill>
+                <a:latin typeface="AdobeClean-Light"/>
+                <a:cs typeface="AdobeClean-Light"/>
+              </a:rPr>
+              <a:t>help with case submission</a:t>
+            </a:r>
+            <a:r>
+              <a:rPr lang="en-US" sz="1000">
+                <a:solidFill>
+                  <a:srgbClr val="020302"/>
+                </a:solidFill>
+                <a:latin typeface="AdobeClean-Light"/>
+                <a:cs typeface="AdobeClean-Light"/>
+              </a:rPr>
+              <a:t>.</a:t>
             </a:r>
           </a:p>
           <a:p>
             <a:pPr marL="33020" marR="159385">
-              <a:lnSpc>
-                <a:spcPct val="100000"/>
-              </a:lnSpc>
               <a:spcBef>
                 <a:spcPts val="100"/>
               </a:spcBef>
@@ -6379,44 +7406,39 @@
               </a:tabLst>
             </a:pPr>
             <a:r>
-              <a:rPr lang="pt-BR" sz="1000" i="1" dirty="0">
+              <a:rPr sz="1000" i="1">
                 <a:solidFill>
                   <a:srgbClr val="7A7A7A"/>
                 </a:solidFill>
                 <a:latin typeface="AdobeClean-LightIt"/>
                 <a:cs typeface="AdobeClean-LightIt"/>
               </a:rPr>
-              <a:t>*Nem todos os produtos têm suporte </a:t>
-            </a:r>
-            <a:br>
-              <a:rPr lang="sk-SK" sz="1000" i="1" dirty="0">
+              <a:t>*Not all products have live chat support</a:t>
+            </a:r>
+            <a:r>
+              <a:rPr sz="900" i="1">
                 <a:solidFill>
                   <a:srgbClr val="7A7A7A"/>
                 </a:solidFill>
                 <a:latin typeface="AdobeClean-LightIt"/>
                 <a:cs typeface="AdobeClean-LightIt"/>
               </a:rPr>
-            </a:br>
-            <a:r>
-              <a:rPr lang="pt-BR" sz="1000" i="1" dirty="0">
+              <a:t>.</a:t>
+            </a:r>
+            <a:r>
+              <a:rPr lang="en-US" sz="900" i="1">
                 <a:solidFill>
                   <a:srgbClr val="7A7A7A"/>
                 </a:solidFill>
                 <a:latin typeface="AdobeClean-LightIt"/>
                 <a:cs typeface="AdobeClean-LightIt"/>
               </a:rPr>
-              <a:t>de chat ao vivo</a:t>
-            </a:r>
-            <a:r>
-              <a:rPr lang="pt-BR" sz="900" i="1" dirty="0">
-                <a:solidFill>
-                  <a:srgbClr val="7A7A7A"/>
-                </a:solidFill>
-                <a:latin typeface="AdobeClean-LightIt"/>
-                <a:cs typeface="AdobeClean-LightIt"/>
-              </a:rPr>
-              <a:t>.  </a:t>
-            </a:r>
+              <a:t>  </a:t>
+            </a:r>
+            <a:endParaRPr sz="900">
+              <a:latin typeface="AdobeClean-Light"/>
+              <a:cs typeface="AdobeClean-Light"/>
+            </a:endParaRPr>
           </a:p>
         </p:txBody>
       </p:sp>
@@ -6492,12 +7514,12 @@
               <a:defRPr/>
             </a:pPr>
             <a:r>
-              <a:rPr lang="pt-BR" sz="1200">
+              <a:rPr lang="en-US" sz="1200">
                 <a:solidFill>
                   <a:srgbClr val="000000"/>
                 </a:solidFill>
               </a:rPr>
-              <a:t>Fóruns da comunidade</a:t>
+              <a:t>Community Forums</a:t>
             </a:r>
           </a:p>
         </p:txBody>
@@ -6540,12 +7562,12 @@
               </a:spcAft>
             </a:pPr>
             <a:r>
-              <a:rPr lang="pt-BR" sz="1200" b="1">
+              <a:rPr lang="en-US" sz="1200" b="1">
                 <a:latin typeface="+mj-lt"/>
                 <a:ea typeface="Open Sans" pitchFamily="34" charset="0"/>
                 <a:cs typeface="Open Sans" pitchFamily="34" charset="0"/>
               </a:rPr>
-              <a:t>Fóruns online</a:t>
+              <a:t>Online Forums</a:t>
             </a:r>
           </a:p>
         </p:txBody>
@@ -6565,7 +7587,7 @@
         <p:spPr>
           <a:xfrm>
             <a:off x="370040" y="6529249"/>
-            <a:ext cx="2286000" cy="1113125"/>
+            <a:ext cx="2286000" cy="805349"/>
           </a:xfrm>
           <a:prstGeom prst="rect">
             <a:avLst/>
@@ -6578,64 +7600,13 @@
           <a:lstStyle/>
           <a:p>
             <a:r>
-              <a:rPr lang="pt-BR" sz="1000" dirty="0">
+              <a:rPr lang="en-US" sz="1000">
                 <a:solidFill>
                   <a:srgbClr val="000000"/>
                 </a:solidFill>
                 <a:latin typeface="Adobe Clean Light" panose="020B0303020404020204" pitchFamily="34" charset="0"/>
               </a:rPr>
-              <a:t>Acesso online contínuo a um banco </a:t>
-            </a:r>
-            <a:br>
-              <a:rPr lang="sk-SK" sz="1000" dirty="0">
-                <a:solidFill>
-                  <a:srgbClr val="000000"/>
-                </a:solidFill>
-                <a:latin typeface="Adobe Clean Light" panose="020B0303020404020204" pitchFamily="34" charset="0"/>
-              </a:rPr>
-            </a:br>
-            <a:r>
-              <a:rPr lang="pt-BR" sz="1000" dirty="0">
-                <a:solidFill>
-                  <a:srgbClr val="000000"/>
-                </a:solidFill>
-                <a:latin typeface="Adobe Clean Light" panose="020B0303020404020204" pitchFamily="34" charset="0"/>
-              </a:rPr>
-              <a:t>de dados cada vez maior de soluções </a:t>
-            </a:r>
-            <a:br>
-              <a:rPr lang="sk-SK" sz="1000" dirty="0">
-                <a:solidFill>
-                  <a:srgbClr val="000000"/>
-                </a:solidFill>
-                <a:latin typeface="Adobe Clean Light" panose="020B0303020404020204" pitchFamily="34" charset="0"/>
-              </a:rPr>
-            </a:br>
-            <a:r>
-              <a:rPr lang="pt-BR" sz="1000" dirty="0">
-                <a:solidFill>
-                  <a:srgbClr val="000000"/>
-                </a:solidFill>
-                <a:latin typeface="Adobe Clean Light" panose="020B0303020404020204" pitchFamily="34" charset="0"/>
-              </a:rPr>
-              <a:t>técnicas, documentação do produto, perguntas frequentes e muito mais. </a:t>
-            </a:r>
-            <a:br>
-              <a:rPr lang="sk-SK" sz="1000" dirty="0">
-                <a:solidFill>
-                  <a:srgbClr val="000000"/>
-                </a:solidFill>
-                <a:latin typeface="Adobe Clean Light" panose="020B0303020404020204" pitchFamily="34" charset="0"/>
-              </a:rPr>
-            </a:br>
-            <a:r>
-              <a:rPr lang="pt-BR" sz="1000" dirty="0">
-                <a:solidFill>
-                  <a:srgbClr val="000000"/>
-                </a:solidFill>
-                <a:latin typeface="Adobe Clean Light" panose="020B0303020404020204" pitchFamily="34" charset="0"/>
-              </a:rPr>
-              <a:t>Milhares de clientes podem se conectar para compartilhar práticas recomendadas e lições aprendidas.</a:t>
+              <a:t>Continuous online access to a growing database of technical solutions, product documentation, FAQs and more. Thousands of customers can connect to share best practices and lessons learned.</a:t>
             </a:r>
           </a:p>
         </p:txBody>
@@ -6678,12 +7649,12 @@
               </a:spcAft>
             </a:pPr>
             <a:r>
-              <a:rPr lang="pt-BR" sz="1200" b="1">
+              <a:rPr lang="en-US" sz="1200" b="1">
                 <a:latin typeface="+mj-lt"/>
                 <a:ea typeface="Open Sans" pitchFamily="34" charset="0"/>
                 <a:cs typeface="Open Sans" pitchFamily="34" charset="0"/>
               </a:rPr>
-              <a:t>Jornadas autoguiadas</a:t>
+              <a:t>Self-guided Journeys</a:t>
             </a:r>
           </a:p>
         </p:txBody>
@@ -6703,7 +7674,7 @@
         <p:spPr>
           <a:xfrm>
             <a:off x="5376301" y="6529249"/>
-            <a:ext cx="2286000" cy="1113125"/>
+            <a:ext cx="2286000" cy="959237"/>
           </a:xfrm>
           <a:prstGeom prst="rect">
             <a:avLst/>
@@ -6716,30 +7687,13 @@
           <a:lstStyle/>
           <a:p>
             <a:r>
-              <a:rPr lang="pt-BR" sz="1000" dirty="0">
+              <a:rPr lang="en-US" sz="1000">
                 <a:solidFill>
                   <a:srgbClr val="000000"/>
                 </a:solidFill>
                 <a:latin typeface="Adobe Clean Light" panose="020B0303020404020204" pitchFamily="34" charset="0"/>
               </a:rPr>
-              <a:t>A Experience League gera criadores de experiências. Os clientes podem adquirir habilidades de gerenciamento de experiência do cliente com aprendizagem personalizada, participar de uma comunidade de pares global e conseguir reconhecimento </a:t>
-            </a:r>
-            <a:br>
-              <a:rPr lang="sk-SK" sz="1000" dirty="0">
-                <a:solidFill>
-                  <a:srgbClr val="000000"/>
-                </a:solidFill>
-                <a:latin typeface="Adobe Clean Light" panose="020B0303020404020204" pitchFamily="34" charset="0"/>
-              </a:rPr>
-            </a:br>
-            <a:r>
-              <a:rPr lang="pt-BR" sz="1000" dirty="0">
-                <a:solidFill>
-                  <a:srgbClr val="000000"/>
-                </a:solidFill>
-                <a:latin typeface="Adobe Clean Light" panose="020B0303020404020204" pitchFamily="34" charset="0"/>
-              </a:rPr>
-              <a:t>de carreira.</a:t>
+              <a:t>Experience Makers are made with Experience League. Customers can kickstart their Customer Experience Management abilities with personalized learning to develop skills, engage with a global community of peers, and earn career advancing recognition.</a:t>
             </a:r>
           </a:p>
         </p:txBody>
@@ -6787,12 +7741,12 @@
               <a:defRPr/>
             </a:pPr>
             <a:r>
-              <a:rPr lang="pt-BR" sz="1200">
+              <a:rPr lang="en-US" sz="1200">
                 <a:solidFill>
                   <a:srgbClr val="000000"/>
                 </a:solidFill>
               </a:rPr>
-              <a:t>Suporte por chat ao vivo*</a:t>
+              <a:t>Live Chat  Support*</a:t>
             </a:r>
           </a:p>
         </p:txBody>
@@ -6835,12 +7789,12 @@
               </a:spcAft>
             </a:pPr>
             <a:r>
-              <a:rPr lang="pt-BR" sz="1200" b="1">
+              <a:rPr lang="en-US" sz="1200" b="1">
                 <a:latin typeface="+mj-lt"/>
                 <a:ea typeface="Open Sans" pitchFamily="34" charset="0"/>
                 <a:cs typeface="Open Sans" pitchFamily="34" charset="0"/>
               </a:rPr>
-              <a:t>Suporte por chat</a:t>
+              <a:t>Chat Support</a:t>
             </a:r>
           </a:p>
         </p:txBody>
@@ -6888,12 +7842,12 @@
               <a:defRPr/>
             </a:pPr>
             <a:r>
-              <a:rPr lang="pt-BR" sz="1200">
+              <a:rPr lang="en-US" sz="1200">
                 <a:solidFill>
                   <a:srgbClr val="000000"/>
                 </a:solidFill>
               </a:rPr>
-              <a:t>24X7 prioridades P1 </a:t>
+              <a:t>24X7 P1 </a:t>
             </a:r>
           </a:p>
         </p:txBody>
@@ -6936,12 +7890,12 @@
               </a:spcAft>
             </a:pPr>
             <a:r>
-              <a:rPr lang="pt-BR" sz="1200" b="1">
+              <a:rPr lang="en-US" sz="1200" b="1">
                 <a:latin typeface="+mj-lt"/>
                 <a:ea typeface="Open Sans" pitchFamily="34" charset="0"/>
                 <a:cs typeface="Open Sans" pitchFamily="34" charset="0"/>
               </a:rPr>
-              <a:t>Suporte telefônico</a:t>
+              <a:t>Phone Support</a:t>
             </a:r>
           </a:p>
         </p:txBody>
@@ -6961,7 +7915,7 @@
         <p:spPr>
           <a:xfrm>
             <a:off x="2836967" y="6529249"/>
-            <a:ext cx="2286000" cy="959237"/>
+            <a:ext cx="2286000" cy="805349"/>
           </a:xfrm>
           <a:prstGeom prst="rect">
             <a:avLst/>
@@ -6974,53 +7928,26 @@
           <a:lstStyle/>
           <a:p>
             <a:r>
-              <a:rPr lang="pt-BR" sz="1000" dirty="0">
+              <a:rPr lang="en-US" sz="1000">
                 <a:solidFill>
                   <a:srgbClr val="020302"/>
                 </a:solidFill>
                 <a:latin typeface="AdobeClean-Light"/>
               </a:rPr>
-              <a:t>Usuários autorizados ou contatos de suporte nomeados</a:t>
-            </a:r>
-            <a:r>
-              <a:rPr lang="pt-BR" sz="1000" dirty="0">
+              <a:t>Authorized users or Named Support Contacts </a:t>
+            </a:r>
+            <a:r>
+              <a:rPr lang="en-US" sz="1000">
                 <a:latin typeface="Adobe Clean Light" panose="020B0303020404020204" pitchFamily="34" charset="0"/>
               </a:rPr>
-              <a:t> podem enviar problemas por todos os canais disponíveis (incluindo </a:t>
-            </a:r>
-            <a:br>
-              <a:rPr lang="sk-SK" sz="1000" dirty="0">
-                <a:latin typeface="Adobe Clean Light" panose="020B0303020404020204" pitchFamily="34" charset="0"/>
-              </a:rPr>
-            </a:br>
-            <a:r>
-              <a:rPr lang="pt-BR" sz="1000" dirty="0">
-                <a:latin typeface="Adobe Clean Light" panose="020B0303020404020204" pitchFamily="34" charset="0"/>
-              </a:rPr>
-              <a:t>por telefone em prioridades P1) e contatar </a:t>
-            </a:r>
-            <a:br>
-              <a:rPr lang="sk-SK" sz="1000" dirty="0">
-                <a:latin typeface="Adobe Clean Light" panose="020B0303020404020204" pitchFamily="34" charset="0"/>
-              </a:rPr>
-            </a:br>
-            <a:r>
-              <a:rPr lang="pt-BR" sz="1000" dirty="0">
-                <a:latin typeface="Adobe Clean Light" panose="020B0303020404020204" pitchFamily="34" charset="0"/>
-              </a:rPr>
-              <a:t>a equipe de suporte técnico em nome </a:t>
-            </a:r>
-            <a:br>
-              <a:rPr lang="sk-SK" sz="1000" dirty="0">
-                <a:latin typeface="Adobe Clean Light" panose="020B0303020404020204" pitchFamily="34" charset="0"/>
-              </a:rPr>
-            </a:br>
-            <a:r>
-              <a:rPr lang="pt-BR" sz="1000" dirty="0">
-                <a:latin typeface="Adobe Clean Light" panose="020B0303020404020204" pitchFamily="34" charset="0"/>
-              </a:rPr>
-              <a:t>de sua empresa. </a:t>
-            </a:r>
+              <a:t>can submit issues through all available  channels (including phone for P1) and interact with our technical support team on behalf of your company. </a:t>
+            </a:r>
+            <a:endParaRPr lang="en-US" sz="1000">
+              <a:solidFill>
+                <a:srgbClr val="000000"/>
+              </a:solidFill>
+              <a:latin typeface="Adobe Clean Light" panose="020B0303020404020204" pitchFamily="34" charset="0"/>
+            </a:endParaRPr>
           </a:p>
         </p:txBody>
       </p:sp>
@@ -7064,8 +7991,24 @@
               </a:spcBef>
             </a:pPr>
             <a:r>
-              <a:rPr lang="pt-BR"/>
-              <a:t>©2021 Adobe. All Rights Reserved. Adobe Confidential.</a:t>
+              <a:rPr spc="-5"/>
+              <a:t>©202</a:t>
+            </a:r>
+            <a:r>
+              <a:rPr lang="en-US" spc="-5"/>
+              <a:t>1</a:t>
+            </a:r>
+            <a:r>
+              <a:rPr spc="-5"/>
+              <a:t> Adobe. All Rights Reserved. Adobe</a:t>
+            </a:r>
+            <a:r>
+              <a:rPr spc="60"/>
+              <a:t> </a:t>
+            </a:r>
+            <a:r>
+              <a:rPr spc="-5"/>
+              <a:t>Confidential.</a:t>
             </a:r>
           </a:p>
         </p:txBody>
@@ -7108,13 +8051,13 @@
               </a:spcAft>
             </a:pPr>
             <a:r>
-              <a:rPr lang="pt-BR" sz="1200" b="1">
+              <a:rPr lang="en-US" sz="1200" b="1" spc="-10">
                 <a:solidFill>
                   <a:srgbClr val="020302"/>
                 </a:solidFill>
                 <a:latin typeface="+mj-lt"/>
               </a:rPr>
-              <a:t>Líder de suporte da conta</a:t>
+              <a:t>Account Support Lead</a:t>
             </a:r>
           </a:p>
         </p:txBody>
@@ -7203,15 +8146,19 @@
               </a:spcBef>
             </a:pPr>
             <a:r>
-              <a:rPr lang="pt-BR" sz="1400" b="1">
+              <a:rPr lang="en-US" sz="1400" b="1" spc="-10">
                 <a:solidFill>
                   <a:srgbClr val="020302"/>
                 </a:solidFill>
                 <a:latin typeface="Adobe Clean"/>
                 <a:cs typeface="Adobe Clean"/>
               </a:rPr>
-              <a:t>Recursos de suporte online</a:t>
-            </a:r>
+              <a:t>Online Support Features</a:t>
+            </a:r>
+            <a:endParaRPr lang="en-US" sz="1400">
+              <a:latin typeface="Adobe Clean"/>
+              <a:cs typeface="Adobe Clean"/>
+            </a:endParaRPr>
           </a:p>
         </p:txBody>
       </p:sp>
@@ -7299,15 +8246,19 @@
               </a:spcBef>
             </a:pPr>
             <a:r>
-              <a:rPr lang="pt-BR" sz="1400" b="1">
+              <a:rPr lang="en-US" sz="1400" b="1" spc="-10">
                 <a:solidFill>
                   <a:srgbClr val="020302"/>
                 </a:solidFill>
                 <a:latin typeface="Adobe Clean"/>
                 <a:cs typeface="Adobe Clean"/>
               </a:rPr>
-              <a:t>Recursos do Suporte Business</a:t>
-            </a:r>
+              <a:t>Business  Support Features</a:t>
+            </a:r>
+            <a:endParaRPr lang="en-US" sz="1400">
+              <a:latin typeface="Adobe Clean"/>
+              <a:cs typeface="Adobe Clean"/>
+            </a:endParaRPr>
           </a:p>
         </p:txBody>
       </p:sp>
@@ -7326,7 +8277,7 @@
         <p:spPr>
           <a:xfrm>
             <a:off x="2836967" y="1370913"/>
-            <a:ext cx="2286000" cy="1817998"/>
+            <a:ext cx="2286000" cy="1456681"/>
           </a:xfrm>
           <a:prstGeom prst="rect">
             <a:avLst/>
@@ -7347,33 +8298,15 @@
               </a:spcBef>
             </a:pPr>
             <a:r>
-              <a:rPr lang="pt-BR" sz="1000" dirty="0">
+              <a:rPr lang="en-US" sz="1000">
                 <a:latin typeface="Adobe Clean Light" panose="020B0303020404020204" pitchFamily="34" charset="0"/>
               </a:rPr>
-              <a:t>Os clientes podem enviar casos de suporte por telefone para todos os problemas com prioridade P2, P3 e P4 durante o horário </a:t>
-            </a:r>
-            <a:br>
-              <a:rPr lang="sk-SK" sz="1000" dirty="0">
-                <a:latin typeface="Adobe Clean Light" panose="020B0303020404020204" pitchFamily="34" charset="0"/>
-              </a:rPr>
-            </a:br>
-            <a:r>
-              <a:rPr lang="pt-BR" sz="1000" dirty="0">
-                <a:latin typeface="Adobe Clean Light" panose="020B0303020404020204" pitchFamily="34" charset="0"/>
-              </a:rPr>
-              <a:t>de suporte regional. Não há limites máximos para o número de vezes que você pode ligar para o suporte. Os clientes também podem solicitar uma chamada de retorno do suporte ou solicitar uma reunião para demonstrar </a:t>
-            </a:r>
-            <a:br>
-              <a:rPr lang="sk-SK" sz="1000" dirty="0">
-                <a:latin typeface="Adobe Clean Light" panose="020B0303020404020204" pitchFamily="34" charset="0"/>
-              </a:rPr>
-            </a:br>
-            <a:r>
-              <a:rPr lang="pt-BR" sz="1000" dirty="0">
-                <a:latin typeface="Adobe Clean Light" panose="020B0303020404020204" pitchFamily="34" charset="0"/>
-              </a:rPr>
-              <a:t>ou solucionar um problema usando uma sessão de desktop remoto compartilhado.</a:t>
-            </a:r>
+              <a:t>Customers can submit support cases via Phone for all P2, P3, P4 issues during regional support hours. There are no upper limits on the number of times you can call into support. Customers can also request a call back from support or request a meeting to demonstrate or work through an issue using a shared remote desktop session.</a:t>
+            </a:r>
+            <a:endParaRPr lang="en-US" sz="1000">
+              <a:latin typeface="Adobe Clean Light" panose="020B0303020404020204" pitchFamily="34" charset="0"/>
+              <a:cs typeface="AdobeClean-Light"/>
+            </a:endParaRPr>
           </a:p>
         </p:txBody>
       </p:sp>
@@ -7415,13 +8348,13 @@
               </a:spcAft>
             </a:pPr>
             <a:r>
-              <a:rPr lang="pt-BR" sz="1200" b="1">
+              <a:rPr lang="en-US" sz="1200" b="1" spc="-10">
                 <a:solidFill>
                   <a:srgbClr val="020302"/>
                 </a:solidFill>
                 <a:latin typeface="+mj-lt"/>
               </a:rPr>
-              <a:t>Suporte telefônico ao vivo</a:t>
+              <a:t>Live Telephone Support</a:t>
             </a:r>
           </a:p>
         </p:txBody>
@@ -7441,7 +8374,7 @@
         <p:spPr>
           <a:xfrm>
             <a:off x="5376301" y="1398482"/>
-            <a:ext cx="2286000" cy="959237"/>
+            <a:ext cx="2286000" cy="805349"/>
           </a:xfrm>
           <a:prstGeom prst="rect">
             <a:avLst/>
@@ -7462,65 +8395,18 @@
               </a:spcBef>
             </a:pPr>
             <a:r>
-              <a:rPr lang="pt-BR" sz="1000" dirty="0">
+              <a:rPr lang="en-US" sz="1000">
                 <a:solidFill>
                   <a:srgbClr val="4B4B4B"/>
                 </a:solidFill>
                 <a:latin typeface="Adobe Clean Light" panose="020B0303020404020204" pitchFamily="34" charset="0"/>
               </a:rPr>
-              <a:t>Um ponto de contato designado na </a:t>
-            </a:r>
-            <a:br>
-              <a:rPr lang="sk-SK" sz="1000" dirty="0">
-                <a:solidFill>
-                  <a:srgbClr val="4B4B4B"/>
-                </a:solidFill>
-                <a:latin typeface="Adobe Clean Light" panose="020B0303020404020204" pitchFamily="34" charset="0"/>
-              </a:rPr>
-            </a:br>
-            <a:r>
-              <a:rPr lang="pt-BR" sz="1000" dirty="0">
-                <a:solidFill>
-                  <a:srgbClr val="4B4B4B"/>
-                </a:solidFill>
-                <a:latin typeface="Adobe Clean Light" panose="020B0303020404020204" pitchFamily="34" charset="0"/>
-              </a:rPr>
-              <a:t>Adobe que pode fornecer assistência </a:t>
-            </a:r>
-            <a:br>
-              <a:rPr lang="sk-SK" sz="1000" dirty="0">
-                <a:solidFill>
-                  <a:srgbClr val="4B4B4B"/>
-                </a:solidFill>
-                <a:latin typeface="Adobe Clean Light" panose="020B0303020404020204" pitchFamily="34" charset="0"/>
-              </a:rPr>
-            </a:br>
-            <a:r>
-              <a:rPr lang="pt-BR" sz="1000" dirty="0">
-                <a:solidFill>
-                  <a:srgbClr val="4B4B4B"/>
-                </a:solidFill>
-                <a:latin typeface="Adobe Clean Light" panose="020B0303020404020204" pitchFamily="34" charset="0"/>
-              </a:rPr>
-              <a:t>de encaminhamento, atualizações regulares </a:t>
-            </a:r>
-            <a:br>
-              <a:rPr lang="sk-SK" sz="1000" dirty="0">
-                <a:solidFill>
-                  <a:srgbClr val="4B4B4B"/>
-                </a:solidFill>
-                <a:latin typeface="Adobe Clean Light" panose="020B0303020404020204" pitchFamily="34" charset="0"/>
-              </a:rPr>
-            </a:br>
-            <a:r>
-              <a:rPr lang="pt-BR" sz="1000" dirty="0">
-                <a:solidFill>
-                  <a:srgbClr val="4B4B4B"/>
-                </a:solidFill>
-                <a:latin typeface="Adobe Clean Light" panose="020B0303020404020204" pitchFamily="34" charset="0"/>
-              </a:rPr>
-              <a:t>e garantir que seja dada prioridade àquelas solicitações de suporte abertas que forem mais críticas.</a:t>
-            </a:r>
+              <a:t>A designated point of contact within Adobe who can provide escalation assistance, regular updates and ensure priority is given to your most critical open support requests.</a:t>
+            </a:r>
+            <a:endParaRPr lang="en-US" sz="1000">
+              <a:latin typeface="Adobe Clean Light" panose="020B0303020404020204" pitchFamily="34" charset="0"/>
+              <a:cs typeface="AdobeClean-Light"/>
+            </a:endParaRPr>
           </a:p>
         </p:txBody>
       </p:sp>
@@ -7540,8 +8426,8 @@
         </p:nvSpPr>
         <p:spPr>
           <a:xfrm>
-            <a:off x="5885312" y="1085652"/>
-            <a:ext cx="1859137" cy="184666"/>
+            <a:off x="5885313" y="1085652"/>
+            <a:ext cx="1608472" cy="184666"/>
           </a:xfrm>
           <a:prstGeom prst="rect">
             <a:avLst/>
@@ -7562,13 +8448,13 @@
               </a:spcAft>
             </a:pPr>
             <a:r>
-              <a:rPr lang="pt-BR" sz="1200" b="1" dirty="0">
+              <a:rPr lang="en-US" sz="1200" b="1" spc="-10">
                 <a:solidFill>
                   <a:srgbClr val="020302"/>
                 </a:solidFill>
                 <a:latin typeface="+mj-lt"/>
               </a:rPr>
-              <a:t>Gestão de encaminhamento</a:t>
+              <a:t>Escalation Management</a:t>
             </a:r>
           </a:p>
         </p:txBody>
@@ -7616,7 +8502,7 @@
               <a:defRPr/>
             </a:pPr>
             <a:r>
-              <a:rPr lang="pt-BR" sz="1200">
+              <a:rPr lang="en-US" sz="1200">
                 <a:solidFill>
                   <a:srgbClr val="000000"/>
                 </a:solidFill>
@@ -7664,12 +8550,12 @@
               </a:spcAft>
             </a:pPr>
             <a:r>
-              <a:rPr lang="pt-BR" sz="1200" b="1">
+              <a:rPr lang="en-US" sz="1200" b="1">
                 <a:latin typeface="+mj-lt"/>
                 <a:ea typeface="Open Sans" pitchFamily="34" charset="0"/>
                 <a:cs typeface="Open Sans" pitchFamily="34" charset="0"/>
               </a:rPr>
-              <a:t>Webinários</a:t>
+              <a:t>Webinars</a:t>
             </a:r>
           </a:p>
         </p:txBody>
@@ -7689,7 +8575,7 @@
         <p:spPr>
           <a:xfrm>
             <a:off x="370040" y="8618616"/>
-            <a:ext cx="2286000" cy="959237"/>
+            <a:ext cx="2286000" cy="1113125"/>
           </a:xfrm>
           <a:prstGeom prst="rect">
             <a:avLst/>
@@ -7702,47 +8588,13 @@
           <a:lstStyle/>
           <a:p>
             <a:r>
-              <a:rPr lang="pt-BR" sz="1000" dirty="0">
+              <a:rPr lang="en-US" sz="1000">
                 <a:solidFill>
                   <a:srgbClr val="000000"/>
                 </a:solidFill>
                 <a:latin typeface="Adobe Clean Light" panose="020B0303020404020204" pitchFamily="34" charset="0"/>
               </a:rPr>
-              <a:t>O Office Hours é uma iniciativa liderada pela equipe de Suporte ao cliente da Adobe. Essas sessões foram criadas para informar e ajudar os participantes a solucionar problemas </a:t>
-            </a:r>
-            <a:br>
-              <a:rPr lang="sk-SK" sz="1000" dirty="0">
-                <a:solidFill>
-                  <a:srgbClr val="000000"/>
-                </a:solidFill>
-                <a:latin typeface="Adobe Clean Light" panose="020B0303020404020204" pitchFamily="34" charset="0"/>
-              </a:rPr>
-            </a:br>
-            <a:r>
-              <a:rPr lang="pt-BR" sz="1000" dirty="0">
-                <a:solidFill>
-                  <a:srgbClr val="000000"/>
-                </a:solidFill>
-                <a:latin typeface="Adobe Clean Light" panose="020B0303020404020204" pitchFamily="34" charset="0"/>
-              </a:rPr>
-              <a:t>e fornecer dicas e truques para aproveitar </a:t>
-            </a:r>
-            <a:br>
-              <a:rPr lang="sk-SK" sz="1000" dirty="0">
-                <a:solidFill>
-                  <a:srgbClr val="000000"/>
-                </a:solidFill>
-                <a:latin typeface="Adobe Clean Light" panose="020B0303020404020204" pitchFamily="34" charset="0"/>
-              </a:rPr>
-            </a:br>
-            <a:r>
-              <a:rPr lang="pt-BR" sz="1000" dirty="0">
-                <a:solidFill>
-                  <a:srgbClr val="000000"/>
-                </a:solidFill>
-                <a:latin typeface="Adobe Clean Light" panose="020B0303020404020204" pitchFamily="34" charset="0"/>
-              </a:rPr>
-              <a:t>ao máximo a Adobe Experience Cloud.</a:t>
+              <a:t>Office Hours is an initiative led by the Adobe Customer Support team. These sessions are designed to inform as well as help participants troubleshoot problems and provide tips and tricks to be successful with Adobe Experience Cloud.</a:t>
             </a:r>
           </a:p>
         </p:txBody>
@@ -7785,12 +8637,12 @@
               </a:spcAft>
             </a:pPr>
             <a:r>
-              <a:rPr lang="pt-BR" sz="1200" b="1">
+              <a:rPr lang="en-US" sz="1200" b="1">
                 <a:latin typeface="+mj-lt"/>
                 <a:ea typeface="Open Sans" pitchFamily="34" charset="0"/>
                 <a:cs typeface="Open Sans" pitchFamily="34" charset="0"/>
               </a:rPr>
-              <a:t>Portal de suporte 24/7</a:t>
+              <a:t>24/7 Support Portal</a:t>
             </a:r>
           </a:p>
         </p:txBody>
@@ -7810,7 +8662,7 @@
         <p:spPr>
           <a:xfrm>
             <a:off x="5376301" y="8618616"/>
-            <a:ext cx="2286000" cy="959237"/>
+            <a:ext cx="2286000" cy="805349"/>
           </a:xfrm>
           <a:prstGeom prst="rect">
             <a:avLst/>
@@ -7823,16 +8675,16 @@
           <a:lstStyle/>
           <a:p>
             <a:r>
-              <a:rPr lang="pt-BR" sz="1000" dirty="0">
+              <a:rPr lang="en-US" sz="1000">
                 <a:solidFill>
                   <a:srgbClr val="000000"/>
                 </a:solidFill>
                 <a:latin typeface="Adobe Clean Light" panose="020B0303020404020204" pitchFamily="34" charset="0"/>
               </a:rPr>
-              <a:t>Acesso sob demanda ao Portal de autoatendimento online para enviar solicitações de suporte, revisar o status do caso e procurar outros recursos, como nossa base de conhecimento, notícias e alertas, </a:t>
+              <a:t>On-demand access to the online </a:t>
             </a:r>
             <a:br>
-              <a:rPr lang="sk-SK" sz="1000" dirty="0">
+              <a:rPr lang="en-US" sz="1000">
                 <a:solidFill>
                   <a:srgbClr val="000000"/>
                 </a:solidFill>
@@ -7840,13 +8692,13 @@
               </a:rPr>
             </a:br>
             <a:r>
-              <a:rPr lang="pt-BR" sz="1000" dirty="0">
+              <a:rPr lang="en-US" sz="1000">
                 <a:solidFill>
                   <a:srgbClr val="000000"/>
                 </a:solidFill>
                 <a:latin typeface="Adobe Clean Light" panose="020B0303020404020204" pitchFamily="34" charset="0"/>
               </a:rPr>
-              <a:t>dicas em destaque e muito mais.</a:t>
+              <a:t>Self-help Support Portal to submit support requests, review case status, and browse other resources, like our knowledgebase, news and alerts, featured tips, and more.</a:t>
             </a:r>
           </a:p>
         </p:txBody>
@@ -7943,8 +8795,8 @@
         </p:nvSpPr>
         <p:spPr>
           <a:xfrm>
-            <a:off x="789024" y="3499700"/>
-            <a:ext cx="1867015" cy="285247"/>
+            <a:off x="789025" y="3499700"/>
+            <a:ext cx="1336142" cy="285247"/>
           </a:xfrm>
           <a:prstGeom prst="rect">
             <a:avLst/>
@@ -7958,10 +8810,10 @@
           <a:lstStyle/>
           <a:p>
             <a:r>
-              <a:rPr lang="pt-BR" sz="1200" b="1" dirty="0">
+              <a:rPr lang="en-US" sz="1200" b="1">
                 <a:latin typeface="+mj-lt"/>
               </a:rPr>
-              <a:t>Serviços empresariais</a:t>
+              <a:t>Business Services</a:t>
             </a:r>
           </a:p>
         </p:txBody>
@@ -8002,11 +8854,15 @@
               </a:spcBef>
             </a:pPr>
             <a:r>
-              <a:rPr lang="pt-BR" sz="1000">
+              <a:rPr lang="en-US" sz="1000">
                 <a:latin typeface="Adobe Clean Light" panose="020B0303020404020204" pitchFamily="34" charset="0"/>
               </a:rPr>
-              <a:t>Um Líder de suporte da conta apresentará webinários com uma visão geral dos serviços de suporte empresarial.  </a:t>
-            </a:r>
+              <a:t>An Account Support Lead will host webinars covering an overview of business support services.  </a:t>
+            </a:r>
+            <a:endParaRPr lang="en-US" sz="1000">
+              <a:latin typeface="Adobe Clean Light" panose="020B0303020404020204" pitchFamily="34" charset="0"/>
+              <a:cs typeface="AdobeClean-Light"/>
+            </a:endParaRPr>
           </a:p>
         </p:txBody>
       </p:sp>
@@ -8024,7 +8880,7 @@
         </p:nvSpPr>
         <p:spPr>
           <a:xfrm rot="5400000" flipH="1">
-            <a:off x="3863341" y="546807"/>
+            <a:off x="3863341" y="302967"/>
             <a:ext cx="45719" cy="5577840"/>
           </a:xfrm>
           <a:custGeom>
@@ -8475,12 +9331,12 @@
               <a:defRPr/>
             </a:pPr>
             <a:r>
-              <a:rPr lang="pt-BR" sz="1200">
+              <a:rPr lang="en-US" sz="1200">
                 <a:solidFill>
                   <a:srgbClr val="000000"/>
                 </a:solidFill>
               </a:rPr>
-              <a:t>Portal de autoatendimento</a:t>
+              <a:t>Self– Help Portal</a:t>
             </a:r>
           </a:p>
         </p:txBody>
@@ -8528,7 +9384,7 @@
               <a:defRPr/>
             </a:pPr>
             <a:r>
-              <a:rPr lang="pt-BR" sz="1200">
+              <a:rPr lang="en-US" sz="1200">
                 <a:solidFill>
                   <a:srgbClr val="000000"/>
                 </a:solidFill>
@@ -8590,15 +9446,49 @@
               </a:lnSpc>
             </a:pPr>
             <a:r>
-              <a:rPr lang="pt-BR" sz="500">
+              <a:rPr sz="500" spc="-5">
                 <a:solidFill>
                   <a:srgbClr val="6C6C6C"/>
                 </a:solidFill>
                 <a:latin typeface="Adobe Clean"/>
                 <a:cs typeface="Adobe Clean"/>
               </a:rPr>
-              <a:t>©2020 Adobe. All Rights Reserved. Adobe Confidential.</a:t>
-            </a:r>
+              <a:t>©2020 Adobe. All Rights Reserved. </a:t>
+            </a:r>
+            <a:r>
+              <a:rPr sz="500">
+                <a:solidFill>
+                  <a:srgbClr val="6C6C6C"/>
+                </a:solidFill>
+                <a:latin typeface="Adobe Clean"/>
+                <a:cs typeface="Adobe Clean"/>
+              </a:rPr>
+              <a:t>Adobe</a:t>
+            </a:r>
+            <a:r>
+              <a:rPr sz="500" spc="5">
+                <a:solidFill>
+                  <a:srgbClr val="6C6C6C"/>
+                </a:solidFill>
+                <a:latin typeface="Adobe Clean"/>
+                <a:cs typeface="Adobe Clean"/>
+              </a:rPr>
+              <a:t> </a:t>
+            </a:r>
+            <a:r>
+              <a:rPr sz="500" spc="-5">
+                <a:solidFill>
+                  <a:srgbClr val="6C6C6C"/>
+                </a:solidFill>
+                <a:latin typeface="Adobe Clean"/>
+                <a:cs typeface="Adobe Clean"/>
+              </a:rPr>
+              <a:t>Confidential.</a:t>
+            </a:r>
+            <a:endParaRPr sz="500">
+              <a:latin typeface="Adobe Clean"/>
+              <a:cs typeface="Adobe Clean"/>
+            </a:endParaRPr>
           </a:p>
           <a:p>
             <a:pPr>
@@ -8624,15 +9514,39 @@
               </a:spcBef>
             </a:pPr>
             <a:r>
-              <a:rPr lang="pt-BR" sz="800">
+              <a:rPr sz="800" spc="-5">
                 <a:solidFill>
                   <a:srgbClr val="6D6D6D"/>
                 </a:solidFill>
                 <a:latin typeface="Adobe Clean"/>
                 <a:cs typeface="Adobe Clean"/>
               </a:rPr>
-              <a:t>©2020 Adobe. All Rights Reserved. Adobe Confidential.</a:t>
-            </a:r>
+              <a:t>©2020 Adobe. All Rights Reserved. Adobe</a:t>
+            </a:r>
+            <a:r>
+              <a:rPr sz="800" spc="75">
+                <a:solidFill>
+                  <a:srgbClr val="6D6D6D"/>
+                </a:solidFill>
+                <a:latin typeface="Adobe Clean"/>
+                <a:cs typeface="Adobe Clean"/>
+              </a:rPr>
+              <a:t> </a:t>
+            </a:r>
+            <a:r>
+              <a:rPr sz="800" spc="-5">
+                <a:solidFill>
+                  <a:srgbClr val="6D6D6D"/>
+                </a:solidFill>
+                <a:latin typeface="Adobe Clean"/>
+                <a:cs typeface="Adobe Clean"/>
+              </a:rPr>
+              <a:t>Confidential.</a:t>
+            </a:r>
+            <a:endParaRPr sz="800">
+              <a:latin typeface="Adobe Clean"/>
+              <a:cs typeface="Adobe Clean"/>
+            </a:endParaRPr>
           </a:p>
         </p:txBody>
       </p:sp>
@@ -8716,15 +9630,19 @@
               </a:spcBef>
             </a:pPr>
             <a:r>
-              <a:rPr lang="pt-BR" sz="1400" b="1">
+              <a:rPr lang="en-US" sz="1400" b="1" spc="-15">
                 <a:solidFill>
                   <a:srgbClr val="020302"/>
                 </a:solidFill>
                 <a:latin typeface="Adobe Clean"/>
                 <a:cs typeface="Adobe Clean"/>
               </a:rPr>
-              <a:t>Recursos</a:t>
-            </a:r>
+              <a:t>Resources</a:t>
+            </a:r>
+            <a:endParaRPr sz="1400">
+              <a:latin typeface="Adobe Clean"/>
+              <a:cs typeface="Adobe Clean"/>
+            </a:endParaRPr>
           </a:p>
         </p:txBody>
       </p:sp>
@@ -8758,7 +9676,7 @@
               </a:spcBef>
             </a:pPr>
             <a:r>
-              <a:rPr lang="pt-BR" sz="800">
+              <a:rPr sz="800" spc="-15">
                 <a:solidFill>
                   <a:srgbClr val="777879"/>
                 </a:solidFill>
@@ -8767,6 +9685,10 @@
               </a:rPr>
               <a:t>Adobe</a:t>
             </a:r>
+            <a:endParaRPr sz="800">
+              <a:latin typeface="Adobe Clean"/>
+              <a:cs typeface="Adobe Clean"/>
+            </a:endParaRPr>
           </a:p>
           <a:p>
             <a:pPr marL="12700">
@@ -8775,15 +9697,39 @@
               </a:lnSpc>
             </a:pPr>
             <a:r>
-              <a:rPr lang="pt-BR" sz="800">
+              <a:rPr sz="800" spc="-15">
                 <a:solidFill>
                   <a:srgbClr val="777879"/>
                 </a:solidFill>
                 <a:latin typeface="Adobe Clean"/>
                 <a:cs typeface="Adobe Clean"/>
               </a:rPr>
-              <a:t>345 Park Avenue</a:t>
-            </a:r>
+              <a:t>345 Park</a:t>
+            </a:r>
+            <a:r>
+              <a:rPr sz="800" spc="-100">
+                <a:solidFill>
+                  <a:srgbClr val="777879"/>
+                </a:solidFill>
+                <a:latin typeface="Adobe Clean"/>
+                <a:cs typeface="Adobe Clean"/>
+              </a:rPr>
+              <a:t> </a:t>
+            </a:r>
+            <a:r>
+              <a:rPr sz="800" spc="-15">
+                <a:solidFill>
+                  <a:srgbClr val="777879"/>
+                </a:solidFill>
+                <a:latin typeface="Adobe Clean"/>
+                <a:cs typeface="Adobe Clean"/>
+              </a:rPr>
+              <a:t>Avenue</a:t>
+            </a:r>
+            <a:endParaRPr sz="800">
+              <a:latin typeface="Adobe Clean"/>
+              <a:cs typeface="Adobe Clean"/>
+            </a:endParaRPr>
           </a:p>
           <a:p>
             <a:pPr marL="12700">
@@ -8792,15 +9738,49 @@
               </a:lnSpc>
             </a:pPr>
             <a:r>
-              <a:rPr lang="pt-BR" sz="800">
+              <a:rPr sz="800" spc="-10">
                 <a:solidFill>
                   <a:srgbClr val="777879"/>
                 </a:solidFill>
                 <a:latin typeface="Adobe Clean"/>
                 <a:cs typeface="Adobe Clean"/>
               </a:rPr>
-              <a:t>San Jose, CA95110-2704</a:t>
-            </a:r>
+              <a:t>San </a:t>
+            </a:r>
+            <a:r>
+              <a:rPr sz="800" spc="-15">
+                <a:solidFill>
+                  <a:srgbClr val="777879"/>
+                </a:solidFill>
+                <a:latin typeface="Adobe Clean"/>
+                <a:cs typeface="Adobe Clean"/>
+              </a:rPr>
+              <a:t>Jose,</a:t>
+            </a:r>
+            <a:r>
+              <a:rPr sz="800" spc="-140">
+                <a:solidFill>
+                  <a:srgbClr val="777879"/>
+                </a:solidFill>
+                <a:latin typeface="Adobe Clean"/>
+                <a:cs typeface="Adobe Clean"/>
+              </a:rPr>
+              <a:t> </a:t>
+            </a:r>
+            <a:r>
+              <a:rPr sz="800" spc="-20">
+                <a:solidFill>
+                  <a:srgbClr val="777879"/>
+                </a:solidFill>
+                <a:latin typeface="Adobe Clean"/>
+                <a:cs typeface="Adobe Clean"/>
+              </a:rPr>
+              <a:t>CA95110-2704</a:t>
+            </a:r>
+            <a:endParaRPr sz="800">
+              <a:latin typeface="Adobe Clean"/>
+              <a:cs typeface="Adobe Clean"/>
+            </a:endParaRPr>
           </a:p>
           <a:p>
             <a:pPr marL="12700">
@@ -8812,7 +9792,7 @@
               </a:spcBef>
             </a:pPr>
             <a:r>
-              <a:rPr lang="pt-BR" sz="800">
+              <a:rPr sz="800" spc="-10">
                 <a:solidFill>
                   <a:srgbClr val="777879"/>
                 </a:solidFill>
@@ -8821,6 +9801,10 @@
               </a:rPr>
               <a:t>USA</a:t>
             </a:r>
+            <a:endParaRPr sz="800">
+              <a:latin typeface="Adobe Clean"/>
+              <a:cs typeface="Adobe Clean"/>
+            </a:endParaRPr>
           </a:p>
           <a:p>
             <a:pPr marL="12700">
@@ -8832,7 +9816,7 @@
               </a:spcBef>
             </a:pPr>
             <a:r>
-              <a:rPr lang="pt-BR" sz="800" u="sng">
+              <a:rPr sz="800" u="sng" spc="-25">
                 <a:solidFill>
                   <a:srgbClr val="5F5F5F"/>
                 </a:solidFill>
@@ -8847,6 +9831,10 @@
               </a:rPr>
               <a:t>www.adobe.com</a:t>
             </a:r>
+            <a:endParaRPr sz="800">
+              <a:latin typeface="Adobe Clean"/>
+              <a:cs typeface="Adobe Clean"/>
+            </a:endParaRPr>
           </a:p>
         </p:txBody>
       </p:sp>
@@ -9000,14 +9988,14 @@
         <p:spPr>
           <a:xfrm>
             <a:off x="75947" y="9437110"/>
-            <a:ext cx="5646673" cy="570865"/>
+            <a:ext cx="5466715" cy="570865"/>
           </a:xfrm>
           <a:prstGeom prst="rect">
             <a:avLst/>
           </a:prstGeom>
         </p:spPr>
         <p:txBody>
-          <a:bodyPr vert="horz" wrap="square" lIns="0" tIns="29845" rIns="0" bIns="0" rtlCol="0">
+          <a:bodyPr vert="horz" wrap="square" lIns="0" tIns="29845" rIns="0" bIns="0" rtlCol="0" anchor="t">
             <a:spAutoFit/>
           </a:bodyPr>
           <a:lstStyle/>
@@ -9021,15 +10009,439 @@
               </a:spcBef>
             </a:pPr>
             <a:r>
-              <a:rPr lang="pt-BR" sz="1100" i="1" dirty="0">
+              <a:rPr sz="1100" i="1" spc="-10">
                 <a:solidFill>
                   <a:srgbClr val="777879"/>
                 </a:solidFill>
                 <a:latin typeface="AdobeClean-LightIt"/>
                 <a:cs typeface="AdobeClean-LightIt"/>
               </a:rPr>
-              <a:t>Para saber mais sobre os Serviços de suporte Adobe e identificar o nível certo para você, entre em contato com o seu Gerente de conta nomeado (NAM, em inglês) ou Gerente de sucesso do cliente (CSM, em inglês).</a:t>
-            </a:r>
+              <a:t>To</a:t>
+            </a:r>
+            <a:r>
+              <a:rPr sz="1100" i="1" spc="-50">
+                <a:solidFill>
+                  <a:srgbClr val="777879"/>
+                </a:solidFill>
+                <a:latin typeface="AdobeClean-LightIt"/>
+                <a:cs typeface="AdobeClean-LightIt"/>
+              </a:rPr>
+              <a:t> </a:t>
+            </a:r>
+            <a:r>
+              <a:rPr sz="1100" i="1" spc="-15">
+                <a:solidFill>
+                  <a:srgbClr val="777879"/>
+                </a:solidFill>
+                <a:latin typeface="AdobeClean-LightIt"/>
+                <a:cs typeface="AdobeClean-LightIt"/>
+              </a:rPr>
+              <a:t>learn</a:t>
+            </a:r>
+            <a:r>
+              <a:rPr sz="1100" i="1" spc="-40">
+                <a:solidFill>
+                  <a:srgbClr val="777879"/>
+                </a:solidFill>
+                <a:latin typeface="AdobeClean-LightIt"/>
+                <a:cs typeface="AdobeClean-LightIt"/>
+              </a:rPr>
+              <a:t> </a:t>
+            </a:r>
+            <a:r>
+              <a:rPr sz="1100" i="1" spc="-15">
+                <a:solidFill>
+                  <a:srgbClr val="777879"/>
+                </a:solidFill>
+                <a:latin typeface="AdobeClean-LightIt"/>
+                <a:cs typeface="AdobeClean-LightIt"/>
+              </a:rPr>
+              <a:t>more</a:t>
+            </a:r>
+            <a:r>
+              <a:rPr sz="1100" i="1" spc="-45">
+                <a:solidFill>
+                  <a:srgbClr val="777879"/>
+                </a:solidFill>
+                <a:latin typeface="AdobeClean-LightIt"/>
+                <a:cs typeface="AdobeClean-LightIt"/>
+              </a:rPr>
+              <a:t> </a:t>
+            </a:r>
+            <a:r>
+              <a:rPr sz="1100" i="1" spc="-15">
+                <a:solidFill>
+                  <a:srgbClr val="777879"/>
+                </a:solidFill>
+                <a:latin typeface="AdobeClean-LightIt"/>
+                <a:cs typeface="AdobeClean-LightIt"/>
+              </a:rPr>
+              <a:t>about</a:t>
+            </a:r>
+            <a:r>
+              <a:rPr sz="1100" i="1" spc="-45">
+                <a:solidFill>
+                  <a:srgbClr val="777879"/>
+                </a:solidFill>
+                <a:latin typeface="AdobeClean-LightIt"/>
+                <a:cs typeface="AdobeClean-LightIt"/>
+              </a:rPr>
+              <a:t> </a:t>
+            </a:r>
+            <a:r>
+              <a:rPr sz="1100" i="1" spc="-15">
+                <a:solidFill>
+                  <a:srgbClr val="777879"/>
+                </a:solidFill>
+                <a:latin typeface="AdobeClean-LightIt"/>
+                <a:cs typeface="AdobeClean-LightIt"/>
+              </a:rPr>
+              <a:t>Adobe</a:t>
+            </a:r>
+            <a:r>
+              <a:rPr sz="1100" i="1" spc="-50">
+                <a:solidFill>
+                  <a:srgbClr val="777879"/>
+                </a:solidFill>
+                <a:latin typeface="AdobeClean-LightIt"/>
+                <a:cs typeface="AdobeClean-LightIt"/>
+              </a:rPr>
+              <a:t> </a:t>
+            </a:r>
+            <a:r>
+              <a:rPr sz="1100" i="1" spc="-15">
+                <a:solidFill>
+                  <a:srgbClr val="777879"/>
+                </a:solidFill>
+                <a:latin typeface="AdobeClean-LightIt"/>
+                <a:cs typeface="AdobeClean-LightIt"/>
+              </a:rPr>
+              <a:t>Support</a:t>
+            </a:r>
+            <a:r>
+              <a:rPr lang="en-US" sz="1100" i="1" spc="-15">
+                <a:solidFill>
+                  <a:srgbClr val="777879"/>
+                </a:solidFill>
+                <a:latin typeface="AdobeClean-LightIt"/>
+                <a:cs typeface="AdobeClean-LightIt"/>
+              </a:rPr>
+              <a:t> Offerings</a:t>
+            </a:r>
+            <a:r>
+              <a:rPr sz="1100" i="1" spc="-75">
+                <a:solidFill>
+                  <a:srgbClr val="777879"/>
+                </a:solidFill>
+                <a:latin typeface="AdobeClean-LightIt"/>
+                <a:cs typeface="AdobeClean-LightIt"/>
+              </a:rPr>
+              <a:t> </a:t>
+            </a:r>
+            <a:r>
+              <a:rPr sz="1100" i="1" spc="-15">
+                <a:solidFill>
+                  <a:srgbClr val="777879"/>
+                </a:solidFill>
+                <a:latin typeface="AdobeClean-LightIt"/>
+                <a:cs typeface="AdobeClean-LightIt"/>
+              </a:rPr>
+              <a:t>and</a:t>
+            </a:r>
+            <a:r>
+              <a:rPr sz="1100" i="1" spc="-50">
+                <a:solidFill>
+                  <a:srgbClr val="777879"/>
+                </a:solidFill>
+                <a:latin typeface="AdobeClean-LightIt"/>
+                <a:cs typeface="AdobeClean-LightIt"/>
+              </a:rPr>
+              <a:t> </a:t>
+            </a:r>
+            <a:r>
+              <a:rPr sz="1100" i="1" spc="-15">
+                <a:solidFill>
+                  <a:srgbClr val="777879"/>
+                </a:solidFill>
+                <a:latin typeface="AdobeClean-LightIt"/>
+                <a:cs typeface="AdobeClean-LightIt"/>
+              </a:rPr>
+              <a:t>the</a:t>
+            </a:r>
+            <a:r>
+              <a:rPr sz="1100" i="1" spc="-55">
+                <a:solidFill>
+                  <a:srgbClr val="777879"/>
+                </a:solidFill>
+                <a:latin typeface="AdobeClean-LightIt"/>
+                <a:cs typeface="AdobeClean-LightIt"/>
+              </a:rPr>
+              <a:t> </a:t>
+            </a:r>
+            <a:r>
+              <a:rPr sz="1100" i="1" spc="-15">
+                <a:solidFill>
+                  <a:srgbClr val="777879"/>
+                </a:solidFill>
+                <a:latin typeface="AdobeClean-LightIt"/>
+                <a:cs typeface="AdobeClean-LightIt"/>
+              </a:rPr>
+              <a:t>right</a:t>
+            </a:r>
+            <a:r>
+              <a:rPr sz="1100" i="1" spc="-95">
+                <a:solidFill>
+                  <a:srgbClr val="777879"/>
+                </a:solidFill>
+                <a:latin typeface="AdobeClean-LightIt"/>
+                <a:cs typeface="AdobeClean-LightIt"/>
+              </a:rPr>
+              <a:t> </a:t>
+            </a:r>
+            <a:r>
+              <a:rPr sz="1100" i="1" spc="-15">
+                <a:solidFill>
+                  <a:srgbClr val="777879"/>
+                </a:solidFill>
+                <a:latin typeface="AdobeClean-LightIt"/>
+                <a:cs typeface="AdobeClean-LightIt"/>
+              </a:rPr>
+              <a:t>level</a:t>
+            </a:r>
+            <a:r>
+              <a:rPr sz="1100" i="1" spc="-55">
+                <a:solidFill>
+                  <a:srgbClr val="777879"/>
+                </a:solidFill>
+                <a:latin typeface="AdobeClean-LightIt"/>
+                <a:cs typeface="AdobeClean-LightIt"/>
+              </a:rPr>
+              <a:t> </a:t>
+            </a:r>
+            <a:r>
+              <a:rPr sz="1100" i="1" spc="-15">
+                <a:solidFill>
+                  <a:srgbClr val="777879"/>
+                </a:solidFill>
+                <a:latin typeface="AdobeClean-LightIt"/>
+                <a:cs typeface="AdobeClean-LightIt"/>
+              </a:rPr>
+              <a:t>for</a:t>
+            </a:r>
+            <a:r>
+              <a:rPr sz="1100" i="1" spc="-85">
+                <a:solidFill>
+                  <a:srgbClr val="777879"/>
+                </a:solidFill>
+                <a:latin typeface="AdobeClean-LightIt"/>
+                <a:cs typeface="AdobeClean-LightIt"/>
+              </a:rPr>
+              <a:t> </a:t>
+            </a:r>
+            <a:r>
+              <a:rPr sz="1100" i="1" spc="-15">
+                <a:solidFill>
+                  <a:srgbClr val="777879"/>
+                </a:solidFill>
+                <a:latin typeface="AdobeClean-LightIt"/>
+                <a:cs typeface="AdobeClean-LightIt"/>
+              </a:rPr>
+              <a:t>you,</a:t>
+            </a:r>
+            <a:r>
+              <a:rPr sz="1100" i="1" spc="-65">
+                <a:solidFill>
+                  <a:srgbClr val="777879"/>
+                </a:solidFill>
+                <a:latin typeface="AdobeClean-LightIt"/>
+                <a:cs typeface="AdobeClean-LightIt"/>
+              </a:rPr>
+              <a:t> </a:t>
+            </a:r>
+            <a:r>
+              <a:rPr sz="1100" i="1" spc="-15">
+                <a:solidFill>
+                  <a:srgbClr val="777879"/>
+                </a:solidFill>
+                <a:latin typeface="AdobeClean-LightIt"/>
+                <a:cs typeface="AdobeClean-LightIt"/>
+              </a:rPr>
+              <a:t>contact</a:t>
+            </a:r>
+            <a:r>
+              <a:rPr sz="1100" i="1" spc="-85">
+                <a:solidFill>
+                  <a:srgbClr val="777879"/>
+                </a:solidFill>
+                <a:latin typeface="AdobeClean-LightIt"/>
+                <a:cs typeface="AdobeClean-LightIt"/>
+              </a:rPr>
+              <a:t> </a:t>
+            </a:r>
+            <a:r>
+              <a:rPr sz="1100" i="1" spc="-15">
+                <a:solidFill>
+                  <a:srgbClr val="777879"/>
+                </a:solidFill>
+                <a:latin typeface="AdobeClean-LightIt"/>
+                <a:cs typeface="AdobeClean-LightIt"/>
+              </a:rPr>
+              <a:t>your</a:t>
+            </a:r>
+            <a:r>
+              <a:rPr sz="1100" i="1" spc="-70">
+                <a:solidFill>
+                  <a:srgbClr val="777879"/>
+                </a:solidFill>
+                <a:latin typeface="AdobeClean-LightIt"/>
+                <a:cs typeface="AdobeClean-LightIt"/>
+              </a:rPr>
+              <a:t> </a:t>
+            </a:r>
+            <a:r>
+              <a:rPr sz="1100" i="1" spc="-15">
+                <a:solidFill>
+                  <a:srgbClr val="777879"/>
+                </a:solidFill>
+                <a:latin typeface="AdobeClean-LightIt"/>
+                <a:cs typeface="AdobeClean-LightIt"/>
+              </a:rPr>
+              <a:t>Named</a:t>
+            </a:r>
+            <a:r>
+              <a:rPr sz="1100" i="1" spc="-55">
+                <a:solidFill>
+                  <a:srgbClr val="777879"/>
+                </a:solidFill>
+                <a:latin typeface="AdobeClean-LightIt"/>
+                <a:cs typeface="AdobeClean-LightIt"/>
+              </a:rPr>
+              <a:t> </a:t>
+            </a:r>
+            <a:r>
+              <a:rPr sz="1100" i="1" spc="-25">
+                <a:solidFill>
+                  <a:srgbClr val="777879"/>
+                </a:solidFill>
+                <a:latin typeface="AdobeClean-LightIt"/>
+                <a:cs typeface="AdobeClean-LightIt"/>
+              </a:rPr>
+              <a:t>Account</a:t>
+            </a:r>
+            <a:r>
+              <a:rPr sz="1100" i="1" spc="-120">
+                <a:solidFill>
+                  <a:srgbClr val="777879"/>
+                </a:solidFill>
+                <a:latin typeface="AdobeClean-LightIt"/>
+                <a:cs typeface="AdobeClean-LightIt"/>
+              </a:rPr>
+              <a:t> </a:t>
+            </a:r>
+            <a:r>
+              <a:rPr sz="1100" i="1" spc="-20">
+                <a:solidFill>
+                  <a:srgbClr val="777879"/>
+                </a:solidFill>
+                <a:latin typeface="AdobeClean-LightIt"/>
+                <a:cs typeface="AdobeClean-LightIt"/>
+              </a:rPr>
+              <a:t>Manager</a:t>
+            </a:r>
+            <a:r>
+              <a:rPr lang="en-US" sz="1100" i="1" spc="-20">
+                <a:solidFill>
+                  <a:srgbClr val="777879"/>
+                </a:solidFill>
+                <a:latin typeface="AdobeClean-LightIt"/>
+                <a:cs typeface="AdobeClean-LightIt"/>
+              </a:rPr>
+              <a:t> </a:t>
+            </a:r>
+            <a:r>
+              <a:rPr sz="1100" i="1" spc="-20">
+                <a:solidFill>
+                  <a:srgbClr val="777879"/>
+                </a:solidFill>
+                <a:latin typeface="AdobeClean-LightIt"/>
+                <a:cs typeface="AdobeClean-LightIt"/>
+              </a:rPr>
+              <a:t> </a:t>
+            </a:r>
+            <a:r>
+              <a:rPr sz="1100" i="1" spc="-15">
+                <a:solidFill>
+                  <a:srgbClr val="777879"/>
+                </a:solidFill>
+                <a:latin typeface="AdobeClean-LightIt"/>
+                <a:cs typeface="AdobeClean-LightIt"/>
+              </a:rPr>
+              <a:t>(NAM) </a:t>
+            </a:r>
+            <a:r>
+              <a:rPr sz="1100" i="1" spc="-10">
+                <a:solidFill>
+                  <a:srgbClr val="777879"/>
+                </a:solidFill>
+                <a:latin typeface="AdobeClean-LightIt"/>
+                <a:cs typeface="AdobeClean-LightIt"/>
+              </a:rPr>
+              <a:t>or </a:t>
+            </a:r>
+            <a:r>
+              <a:rPr sz="1100" i="1" spc="-15">
+                <a:solidFill>
+                  <a:srgbClr val="777879"/>
+                </a:solidFill>
+                <a:latin typeface="AdobeClean-LightIt"/>
+                <a:cs typeface="AdobeClean-LightIt"/>
+              </a:rPr>
+              <a:t>Customer</a:t>
+            </a:r>
+            <a:r>
+              <a:rPr lang="en-US" sz="1100" i="1" spc="-15">
+                <a:solidFill>
+                  <a:srgbClr val="777879"/>
+                </a:solidFill>
+                <a:latin typeface="AdobeClean-LightIt"/>
+                <a:cs typeface="AdobeClean-LightIt"/>
+              </a:rPr>
+              <a:t> </a:t>
+            </a:r>
+            <a:r>
+              <a:rPr lang="en-US" sz="1100" i="1" spc="-20">
+                <a:solidFill>
+                  <a:srgbClr val="777879"/>
+                </a:solidFill>
+                <a:latin typeface="AdobeClean-LightIt"/>
+                <a:cs typeface="AdobeClean-LightIt"/>
+              </a:rPr>
+              <a:t>Success </a:t>
+            </a:r>
+            <a:r>
+              <a:rPr lang="en-US" sz="1100" i="1" spc="-15">
+                <a:solidFill>
+                  <a:srgbClr val="777879"/>
+                </a:solidFill>
+                <a:latin typeface="AdobeClean-LightIt"/>
+                <a:cs typeface="AdobeClean-LightIt"/>
+              </a:rPr>
+              <a:t>Manager </a:t>
+            </a:r>
+            <a:r>
+              <a:rPr sz="1100" i="1" spc="-15">
+                <a:solidFill>
+                  <a:srgbClr val="777879"/>
+                </a:solidFill>
+                <a:latin typeface="AdobeClean-LightIt"/>
+                <a:cs typeface="AdobeClean-LightIt"/>
+              </a:rPr>
+              <a:t>(CSM)</a:t>
+            </a:r>
+            <a:endParaRPr sz="1100">
+              <a:latin typeface="AdobeClean-LightIt"/>
+              <a:cs typeface="AdobeClean-LightIt"/>
+            </a:endParaRPr>
           </a:p>
           <a:p>
             <a:pPr marL="34290">
@@ -9041,15 +10453,59 @@
               </a:spcBef>
             </a:pPr>
             <a:r>
-              <a:rPr lang="pt-BR" sz="800" dirty="0">
+              <a:rPr sz="800" spc="-5">
                 <a:solidFill>
                   <a:srgbClr val="6D6D6D"/>
                 </a:solidFill>
                 <a:latin typeface="Adobe Clean"/>
                 <a:cs typeface="Adobe Clean"/>
               </a:rPr>
-              <a:t>©2021 Adobe. All Rights Reserved. Adobe Confidential.</a:t>
-            </a:r>
+              <a:t>©202</a:t>
+            </a:r>
+            <a:r>
+              <a:rPr lang="en-US" sz="800" spc="-5">
+                <a:solidFill>
+                  <a:srgbClr val="6D6D6D"/>
+                </a:solidFill>
+                <a:latin typeface="Adobe Clean"/>
+                <a:cs typeface="Adobe Clean"/>
+              </a:rPr>
+              <a:t>1</a:t>
+            </a:r>
+            <a:r>
+              <a:rPr sz="800" spc="-5">
+                <a:solidFill>
+                  <a:srgbClr val="6D6D6D"/>
+                </a:solidFill>
+                <a:latin typeface="Adobe Clean"/>
+                <a:cs typeface="Adobe Clean"/>
+              </a:rPr>
+              <a:t> Adobe. All Rights Reserved. Adobe</a:t>
+            </a:r>
+            <a:r>
+              <a:rPr sz="800" spc="75">
+                <a:solidFill>
+                  <a:srgbClr val="6D6D6D"/>
+                </a:solidFill>
+                <a:latin typeface="Adobe Clean"/>
+                <a:cs typeface="Adobe Clean"/>
+              </a:rPr>
+              <a:t> </a:t>
+            </a:r>
+            <a:r>
+              <a:rPr sz="800" spc="-5">
+                <a:solidFill>
+                  <a:srgbClr val="6D6D6D"/>
+                </a:solidFill>
+                <a:latin typeface="Adobe Clean"/>
+                <a:cs typeface="Adobe Clean"/>
+              </a:rPr>
+              <a:t>Confidential.</a:t>
+            </a:r>
+            <a:endParaRPr sz="800">
+              <a:latin typeface="Adobe Clean"/>
+              <a:cs typeface="Adobe Clean"/>
+            </a:endParaRPr>
           </a:p>
         </p:txBody>
       </p:sp>
@@ -9086,15 +10542,19 @@
               </a:spcBef>
             </a:pPr>
             <a:r>
-              <a:rPr lang="pt-BR" sz="1400" b="1" dirty="0">
+              <a:rPr lang="en-US" sz="1400" b="1" spc="-15">
                 <a:solidFill>
                   <a:srgbClr val="020302"/>
                 </a:solidFill>
                 <a:latin typeface="Adobe Clean"/>
                 <a:cs typeface="Adobe Clean"/>
               </a:rPr>
-              <a:t>Escopo regional do Suporte da Adobe, horário local de operação e suporte de idioma</a:t>
-            </a:r>
+              <a:t>Regional scope of Adobe Support, Local Hours Of Operation And Language Support</a:t>
+            </a:r>
+            <a:endParaRPr lang="en-US" sz="1400" spc="-15">
+              <a:ea typeface="+mn-lt"/>
+              <a:cs typeface="+mn-lt"/>
+            </a:endParaRPr>
           </a:p>
           <a:p>
             <a:pPr>
@@ -9103,31 +10563,15 @@
               </a:spcBef>
             </a:pPr>
             <a:r>
-              <a:rPr lang="pt-BR" sz="1000" dirty="0">
+              <a:rPr lang="en-US" sz="1000" spc="-15">
                 <a:solidFill>
                   <a:srgbClr val="1F1F1F"/>
                 </a:solidFill>
                 <a:latin typeface="AdobeClean-Light"/>
               </a:rPr>
-              <a:t>O escopo regional do Suporte da Adobe é estabelecido alinhando o endereço de faturamento do cliente </a:t>
-            </a:r>
-            <a:br>
-              <a:rPr lang="sk-SK" sz="1000" dirty="0">
-                <a:solidFill>
-                  <a:srgbClr val="1F1F1F"/>
-                </a:solidFill>
-                <a:latin typeface="AdobeClean-Light"/>
-              </a:rPr>
-            </a:br>
-            <a:r>
-              <a:rPr lang="pt-BR" sz="1000" dirty="0">
-                <a:solidFill>
-                  <a:srgbClr val="1F1F1F"/>
-                </a:solidFill>
-                <a:latin typeface="AdobeClean-Light"/>
-              </a:rPr>
-              <a:t>(conforme a ordem de venda ou outro documento de compra do Suporte da Adobe) a uma das regiões seguintes:</a:t>
-            </a:r>
+              <a:t>The Regional scope of Adobe Support is established by aligning the customer's billing address (via the Sales Order or other Adobe Support purchasing document) to one of the following regions:</a:t>
+            </a:r>
+            <a:endParaRPr lang="en-US"/>
           </a:p>
         </p:txBody>
       </p:sp>
@@ -9199,13 +10643,13 @@
                     <a:p>
                       <a:pPr algn="ctr"/>
                       <a:r>
-                        <a:rPr lang="pt-BR" sz="1100">
+                        <a:rPr lang="en-US" sz="1100">
                           <a:solidFill>
                             <a:schemeClr val="tx1"/>
                           </a:solidFill>
                           <a:latin typeface="Adobe Clean"/>
                         </a:rPr>
-                        <a:t>Américas</a:t>
+                        <a:t>Americas</a:t>
                       </a:r>
                     </a:p>
                   </a:txBody>
@@ -9264,13 +10708,13 @@
                     <a:p>
                       <a:pPr algn="ctr"/>
                       <a:r>
-                        <a:rPr lang="pt-BR" sz="1100">
+                        <a:rPr lang="en-US" sz="1100">
                           <a:solidFill>
                             <a:schemeClr val="tx1"/>
                           </a:solidFill>
                           <a:latin typeface="Adobe Clean"/>
                         </a:rPr>
-                        <a:t>Europa, Oriente Médio e África</a:t>
+                        <a:t>Europe, Middle East &amp; Africa</a:t>
                       </a:r>
                     </a:p>
                   </a:txBody>
@@ -9329,13 +10773,13 @@
                     <a:p>
                       <a:pPr algn="ctr"/>
                       <a:r>
-                        <a:rPr lang="pt-BR" sz="1100">
+                        <a:rPr lang="en-US" sz="1100">
                           <a:solidFill>
                             <a:schemeClr val="tx1"/>
                           </a:solidFill>
                           <a:latin typeface="Adobe Clean"/>
                         </a:rPr>
-                        <a:t>Ásia–Pacífico</a:t>
+                        <a:t>Asia Pacific</a:t>
                       </a:r>
                     </a:p>
                   </a:txBody>
@@ -9394,16 +10838,16 @@
                     <a:p>
                       <a:pPr algn="ctr"/>
                       <a:r>
-                        <a:rPr lang="pt-BR" sz="1100">
+                        <a:rPr lang="en-US" sz="1100">
                           <a:solidFill>
                             <a:schemeClr val="tx1"/>
                           </a:solidFill>
                           <a:latin typeface="Adobe Clean"/>
                         </a:rPr>
-                        <a:t>Japão</a:t>
+                        <a:t>Japan </a:t>
                       </a:r>
                       <a:r>
-                        <a:rPr lang="pt-BR" sz="1100" baseline="30000">
+                        <a:rPr lang="en-US" sz="1100" baseline="30000">
                           <a:solidFill>
                             <a:schemeClr val="tx1"/>
                           </a:solidFill>
@@ -9411,6 +10855,12 @@
                         </a:rPr>
                         <a:t>1 </a:t>
                       </a:r>
+                      <a:endParaRPr lang="en-US" sz="1100">
+                        <a:solidFill>
+                          <a:schemeClr val="tx1"/>
+                        </a:solidFill>
+                        <a:latin typeface="Adobe Clean" panose="020B0503020404020204" pitchFamily="34" charset="0"/>
+                      </a:endParaRPr>
                     </a:p>
                   </a:txBody>
                   <a:tcPr anchor="ctr">
@@ -9475,13 +10925,13 @@
                     <a:p>
                       <a:pPr algn="ctr"/>
                       <a:r>
-                        <a:rPr lang="pt-BR" sz="1100">
+                        <a:rPr lang="en-US" sz="1100">
                           <a:solidFill>
                             <a:schemeClr val="tx1"/>
                           </a:solidFill>
                           <a:latin typeface="Adobe Clean"/>
                         </a:rPr>
-                        <a:t>6h – 17h30</a:t>
+                        <a:t>6 am – 5:30 pm</a:t>
                       </a:r>
                     </a:p>
                   </a:txBody>
@@ -9540,13 +10990,13 @@
                     <a:p>
                       <a:pPr algn="ctr"/>
                       <a:r>
-                        <a:rPr lang="pt-BR" sz="1100">
+                        <a:rPr lang="en-US" sz="1100">
                           <a:solidFill>
                             <a:schemeClr val="tx1"/>
                           </a:solidFill>
                           <a:latin typeface="Adobe Clean"/>
                         </a:rPr>
-                        <a:t>9h – 17h</a:t>
+                        <a:t>9 am – 5 pm</a:t>
                       </a:r>
                     </a:p>
                   </a:txBody>
@@ -9605,13 +11055,13 @@
                     <a:p>
                       <a:pPr algn="ctr"/>
                       <a:r>
-                        <a:rPr lang="pt-BR" sz="1100">
+                        <a:rPr lang="en-US" sz="1100">
                           <a:solidFill>
                             <a:schemeClr val="tx1"/>
                           </a:solidFill>
                           <a:latin typeface="Adobe Clean"/>
                         </a:rPr>
-                        <a:t>9h – 17h</a:t>
+                        <a:t>9 am – 5 pm</a:t>
                       </a:r>
                     </a:p>
                   </a:txBody>
@@ -9670,13 +11120,13 @@
                     <a:p>
                       <a:pPr algn="ctr"/>
                       <a:r>
-                        <a:rPr lang="pt-BR" sz="1100">
+                        <a:rPr lang="en-US" sz="1100">
                           <a:solidFill>
                             <a:schemeClr val="tx1"/>
                           </a:solidFill>
                           <a:latin typeface="Adobe Clean"/>
                         </a:rPr>
-                        <a:t>9h – 17h30</a:t>
+                        <a:t>9 am – 5:30 pm</a:t>
                       </a:r>
                     </a:p>
                   </a:txBody>
@@ -9756,10 +11206,11 @@
                         <a:buNone/>
                       </a:pPr>
                       <a:r>
-                        <a:rPr lang="pt-BR" sz="1100" b="1" i="0" u="none" strike="noStrike" cap="none" normalizeH="0" baseline="30000" noProof="0" dirty="0">
+                        <a:rPr lang="en-US" sz="1100" b="1" i="0" u="none" strike="noStrike" kern="0" cap="none" spc="0" normalizeH="0" baseline="30000" noProof="0">
                           <a:ln>
                             <a:noFill/>
                           </a:ln>
+                          <a:effectLst/>
                           <a:uLnTx/>
                           <a:uFillTx/>
                           <a:latin typeface="Adobe Clean"/>
@@ -9769,16 +11220,17 @@
                         <a:t> </a:t>
                       </a:r>
                       <a:r>
-                        <a:rPr lang="pt-BR" sz="1100" dirty="0">
+                        <a:rPr lang="en-US" sz="1100">
                           <a:solidFill>
                             <a:schemeClr val="tx1"/>
                           </a:solidFill>
                           <a:latin typeface="Adobe Clean"/>
-                          <a:ea typeface="+mn-ea"/>
-                          <a:cs typeface="+mn-cs"/>
                         </a:rPr>
-                        <a:t>O suporte de idioma está disponível somente em inglês e japonês.</a:t>
+                        <a:t>Language support is only available in English and Japanese.</a:t>
                       </a:r>
+                      <a:endParaRPr lang="en-US">
+                        <a:latin typeface="Adobe Clean"/>
+                      </a:endParaRPr>
                     </a:p>
                     <a:p>
                       <a:pPr marL="0" marR="0" lvl="0" indent="0" algn="ctr">
@@ -9797,18 +11249,18 @@
                         <a:buNone/>
                       </a:pPr>
                       <a:r>
-                        <a:rPr lang="pt-BR" sz="1100" i="1" dirty="0">
+                        <a:rPr lang="en-US" sz="1100" i="1">
                           <a:solidFill>
                             <a:schemeClr val="tx1"/>
                           </a:solidFill>
                           <a:latin typeface="Adobe Clean"/>
                         </a:rPr>
-                        <a:t>*O Adobe Commerce exclui o suporte ao idioma japonês.</a:t>
+                        <a:t>*Adobe Commerce excludes Japanese languages support.</a:t>
                       </a:r>
                     </a:p>
                     <a:p>
-                      <a:pPr algn="l" rtl="0"/>
-                      <a:endParaRPr kumimoji="0" lang="en-US" sz="1100" b="1" i="0" u="none" strike="noStrike" kern="0" cap="none" spc="0" normalizeH="0" baseline="30000" noProof="0" dirty="0">
+                      <a:pPr algn="ctr"/>
+                      <a:endParaRPr kumimoji="0" lang="en-US" sz="1100" b="1" i="0" u="none" strike="noStrike" kern="0" cap="none" spc="0" normalizeH="0" baseline="30000" noProof="0">
                         <a:ln>
                           <a:noFill/>
                         </a:ln>
@@ -9826,7 +11278,7 @@
                     <a:p>
                       <a:pPr algn="ctr"/>
                       <a:r>
-                        <a:rPr lang="pt-BR" sz="1100" i="0" dirty="0">
+                        <a:rPr lang="en-US" sz="1100" i="0">
                           <a:solidFill>
                             <a:schemeClr val="tx1"/>
                           </a:solidFill>
@@ -9835,23 +11287,29 @@
                         <a:t> </a:t>
                       </a:r>
                       <a:r>
-                        <a:rPr lang="pt-BR" sz="1100" i="0" baseline="30000" dirty="0">
+                        <a:rPr lang="en-US" sz="1100" i="0" baseline="30000">
                           <a:solidFill>
                             <a:schemeClr val="tx1"/>
                           </a:solidFill>
                           <a:latin typeface="Adobe Clean"/>
                         </a:rPr>
-                        <a:t>1</a:t>
+                        <a:t>1 </a:t>
                       </a:r>
                       <a:r>
-                        <a:rPr lang="pt-BR" sz="1100" i="0" dirty="0">
+                        <a:rPr lang="en-US" sz="1100" i="0">
                           <a:solidFill>
                             <a:schemeClr val="tx1"/>
                           </a:solidFill>
                           <a:latin typeface="Adobe Clean"/>
                         </a:rPr>
-                        <a:t>Os casos de prioridade P2, P3 e P4 estão limitados ao horário comercial somente no Japão.</a:t>
+                        <a:t>P2, P3, P4 cases are limited to business hours only in Japan.</a:t>
                       </a:r>
+                      <a:endParaRPr lang="en-US" sz="1100" b="1" i="0">
+                        <a:solidFill>
+                          <a:schemeClr val="tx1"/>
+                        </a:solidFill>
+                        <a:latin typeface="Adobe Clean"/>
+                      </a:endParaRPr>
                     </a:p>
                   </a:txBody>
                   <a:tcPr anchor="ctr">
@@ -10206,7 +11664,7 @@
           </a:bodyPr>
           <a:lstStyle/>
           <a:p>
-            <a:pPr marR="5080" algn="ctr">
+            <a:pPr marL="139065" marR="5080" indent="-139065">
               <a:lnSpc>
                 <a:spcPts val="1390"/>
               </a:lnSpc>
@@ -10215,15 +11673,129 @@
               </a:spcBef>
             </a:pPr>
             <a:r>
-              <a:rPr lang="pt-BR" sz="1200" b="1" dirty="0">
+              <a:rPr sz="1200" b="1" spc="-15">
                 <a:solidFill>
                   <a:srgbClr val="FFFFFF"/>
                 </a:solidFill>
                 <a:latin typeface="Adobe Clean"/>
                 <a:cs typeface="Adobe Clean"/>
               </a:rPr>
-              <a:t>Experiência sem igual</a:t>
-            </a:r>
+              <a:t>U</a:t>
+            </a:r>
+            <a:r>
+              <a:rPr sz="1200" b="1" spc="-20">
+                <a:solidFill>
+                  <a:srgbClr val="FFFFFF"/>
+                </a:solidFill>
+                <a:latin typeface="Adobe Clean"/>
+                <a:cs typeface="Adobe Clean"/>
+              </a:rPr>
+              <a:t>n</a:t>
+            </a:r>
+            <a:r>
+              <a:rPr sz="1200" b="1" spc="-25">
+                <a:solidFill>
+                  <a:srgbClr val="FFFFFF"/>
+                </a:solidFill>
+                <a:latin typeface="Adobe Clean"/>
+                <a:cs typeface="Adobe Clean"/>
+              </a:rPr>
+              <a:t>p</a:t>
+            </a:r>
+            <a:r>
+              <a:rPr sz="1200" b="1" spc="-15">
+                <a:solidFill>
+                  <a:srgbClr val="FFFFFF"/>
+                </a:solidFill>
+                <a:latin typeface="Adobe Clean"/>
+                <a:cs typeface="Adobe Clean"/>
+              </a:rPr>
+              <a:t>a</a:t>
+            </a:r>
+            <a:r>
+              <a:rPr sz="1200" b="1" spc="-25">
+                <a:solidFill>
+                  <a:srgbClr val="FFFFFF"/>
+                </a:solidFill>
+                <a:latin typeface="Adobe Clean"/>
+                <a:cs typeface="Adobe Clean"/>
+              </a:rPr>
+              <a:t>r</a:t>
+            </a:r>
+            <a:r>
+              <a:rPr sz="1200" b="1" spc="-15">
+                <a:solidFill>
+                  <a:srgbClr val="FFFFFF"/>
+                </a:solidFill>
+                <a:latin typeface="Adobe Clean"/>
+                <a:cs typeface="Adobe Clean"/>
+              </a:rPr>
+              <a:t>a</a:t>
+            </a:r>
+            <a:r>
+              <a:rPr sz="1200" b="1" spc="-30">
+                <a:solidFill>
+                  <a:srgbClr val="FFFFFF"/>
+                </a:solidFill>
+                <a:latin typeface="Adobe Clean"/>
+                <a:cs typeface="Adobe Clean"/>
+              </a:rPr>
+              <a:t>ll</a:t>
+            </a:r>
+            <a:r>
+              <a:rPr sz="1200" b="1" spc="-25">
+                <a:solidFill>
+                  <a:srgbClr val="FFFFFF"/>
+                </a:solidFill>
+                <a:latin typeface="Adobe Clean"/>
+                <a:cs typeface="Adobe Clean"/>
+              </a:rPr>
+              <a:t>e</a:t>
+            </a:r>
+            <a:r>
+              <a:rPr sz="1200" b="1" spc="-30">
+                <a:solidFill>
+                  <a:srgbClr val="FFFFFF"/>
+                </a:solidFill>
+                <a:latin typeface="Adobe Clean"/>
+                <a:cs typeface="Adobe Clean"/>
+              </a:rPr>
+              <a:t>l</a:t>
+            </a:r>
+            <a:r>
+              <a:rPr sz="1200" b="1" spc="-25">
+                <a:solidFill>
+                  <a:srgbClr val="FFFFFF"/>
+                </a:solidFill>
+                <a:latin typeface="Adobe Clean"/>
+                <a:cs typeface="Adobe Clean"/>
+              </a:rPr>
+              <a:t>e</a:t>
+            </a:r>
+            <a:r>
+              <a:rPr sz="1200" b="1">
+                <a:solidFill>
+                  <a:srgbClr val="FFFFFF"/>
+                </a:solidFill>
+                <a:latin typeface="Adobe Clean"/>
+                <a:cs typeface="Adobe Clean"/>
+              </a:rPr>
+              <a:t>d  </a:t>
+            </a:r>
+            <a:r>
+              <a:rPr sz="1200" b="1" spc="-25">
+                <a:solidFill>
+                  <a:srgbClr val="FFFFFF"/>
+                </a:solidFill>
+                <a:latin typeface="Adobe Clean"/>
+                <a:cs typeface="Adobe Clean"/>
+              </a:rPr>
+              <a:t>Expertise</a:t>
+            </a:r>
+            <a:endParaRPr sz="1200">
+              <a:latin typeface="Adobe Clean"/>
+              <a:cs typeface="Adobe Clean"/>
+            </a:endParaRPr>
           </a:p>
         </p:txBody>
       </p:sp>
@@ -10241,7 +11813,7 @@
         </p:nvSpPr>
         <p:spPr>
           <a:xfrm>
-            <a:off x="4679155" y="8541244"/>
+            <a:off x="4732495" y="8541244"/>
             <a:ext cx="810895" cy="382797"/>
           </a:xfrm>
           <a:prstGeom prst="rect">
@@ -10254,7 +11826,7 @@
           </a:bodyPr>
           <a:lstStyle/>
           <a:p>
-            <a:pPr marR="5080" algn="ctr">
+            <a:pPr marL="139065" marR="5080" indent="-139065">
               <a:lnSpc>
                 <a:spcPts val="1390"/>
               </a:lnSpc>
@@ -10263,15 +11835,19 @@
               </a:spcBef>
             </a:pPr>
             <a:r>
-              <a:rPr lang="pt-BR" sz="1200" b="1" dirty="0">
+              <a:rPr lang="en-US" sz="1200" b="1" spc="-15">
                 <a:solidFill>
                   <a:srgbClr val="FFFFFF"/>
                 </a:solidFill>
                 <a:latin typeface="Adobe Clean"/>
                 <a:cs typeface="Adobe Clean"/>
               </a:rPr>
-              <a:t>Suporte acelerado</a:t>
-            </a:r>
+              <a:t>Accelerated Support</a:t>
+            </a:r>
+            <a:endParaRPr sz="1200">
+              <a:latin typeface="Adobe Clean"/>
+              <a:cs typeface="Adobe Clean"/>
+            </a:endParaRPr>
           </a:p>
         </p:txBody>
       </p:sp>
@@ -10289,8 +11865,8 @@
         </p:nvSpPr>
         <p:spPr>
           <a:xfrm>
-            <a:off x="6479339" y="8543943"/>
-            <a:ext cx="810894" cy="382797"/>
+            <a:off x="6624119" y="8543943"/>
+            <a:ext cx="510540" cy="385445"/>
           </a:xfrm>
           <a:prstGeom prst="rect">
             <a:avLst/>
@@ -10302,7 +11878,7 @@
           </a:bodyPr>
           <a:lstStyle/>
           <a:p>
-            <a:pPr marR="5080" algn="ctr">
+            <a:pPr marL="50800" marR="5080" indent="-51435">
               <a:lnSpc>
                 <a:spcPts val="1390"/>
               </a:lnSpc>
@@ -10311,15 +11887,109 @@
               </a:spcBef>
             </a:pPr>
             <a:r>
-              <a:rPr lang="pt-BR" sz="1200" b="1" dirty="0">
+              <a:rPr sz="1200" b="1" spc="-50">
                 <a:solidFill>
                   <a:srgbClr val="FFFFFF"/>
                 </a:solidFill>
                 <a:latin typeface="Adobe Clean"/>
                 <a:cs typeface="Adobe Clean"/>
               </a:rPr>
-              <a:t>Consultoria estratégica</a:t>
-            </a:r>
+              <a:t>S</a:t>
+            </a:r>
+            <a:r>
+              <a:rPr sz="1200" b="1" spc="-20">
+                <a:solidFill>
+                  <a:srgbClr val="FFFFFF"/>
+                </a:solidFill>
+                <a:latin typeface="Adobe Clean"/>
+                <a:cs typeface="Adobe Clean"/>
+              </a:rPr>
+              <a:t>t</a:t>
+            </a:r>
+            <a:r>
+              <a:rPr sz="1200" b="1" spc="-75">
+                <a:solidFill>
+                  <a:srgbClr val="FFFFFF"/>
+                </a:solidFill>
+                <a:latin typeface="Adobe Clean"/>
+                <a:cs typeface="Adobe Clean"/>
+              </a:rPr>
+              <a:t>r</a:t>
+            </a:r>
+            <a:r>
+              <a:rPr sz="1200" b="1" spc="-90">
+                <a:solidFill>
+                  <a:srgbClr val="FFFFFF"/>
+                </a:solidFill>
+                <a:latin typeface="Adobe Clean"/>
+                <a:cs typeface="Adobe Clean"/>
+              </a:rPr>
+              <a:t>a</a:t>
+            </a:r>
+            <a:r>
+              <a:rPr sz="1200" b="1" spc="-55">
+                <a:solidFill>
+                  <a:srgbClr val="FFFFFF"/>
+                </a:solidFill>
+                <a:latin typeface="Adobe Clean"/>
+                <a:cs typeface="Adobe Clean"/>
+              </a:rPr>
+              <a:t>t</a:t>
+            </a:r>
+            <a:r>
+              <a:rPr sz="1200" b="1" spc="-100">
+                <a:solidFill>
+                  <a:srgbClr val="FFFFFF"/>
+                </a:solidFill>
+                <a:latin typeface="Adobe Clean"/>
+                <a:cs typeface="Adobe Clean"/>
+              </a:rPr>
+              <a:t>e</a:t>
+            </a:r>
+            <a:r>
+              <a:rPr sz="1200" b="1" spc="-80">
+                <a:solidFill>
+                  <a:srgbClr val="FFFFFF"/>
+                </a:solidFill>
+                <a:latin typeface="Adobe Clean"/>
+                <a:cs typeface="Adobe Clean"/>
+              </a:rPr>
+              <a:t>g</a:t>
+            </a:r>
+            <a:r>
+              <a:rPr sz="1200" b="1" spc="-35">
+                <a:solidFill>
+                  <a:srgbClr val="FFFFFF"/>
+                </a:solidFill>
+                <a:latin typeface="Adobe Clean"/>
+                <a:cs typeface="Adobe Clean"/>
+              </a:rPr>
+              <a:t>i</a:t>
+            </a:r>
+            <a:r>
+              <a:rPr sz="1200" b="1">
+                <a:solidFill>
+                  <a:srgbClr val="FFFFFF"/>
+                </a:solidFill>
+                <a:latin typeface="Adobe Clean"/>
+                <a:cs typeface="Adobe Clean"/>
+              </a:rPr>
+              <a:t>c  </a:t>
+            </a:r>
+            <a:r>
+              <a:rPr sz="1200" b="1" spc="-45">
+                <a:solidFill>
+                  <a:srgbClr val="FFFFFF"/>
+                </a:solidFill>
+                <a:latin typeface="Adobe Clean"/>
+                <a:cs typeface="Adobe Clean"/>
+              </a:rPr>
+              <a:t>Advice</a:t>
+            </a:r>
+            <a:endParaRPr sz="1200">
+              <a:latin typeface="Adobe Clean"/>
+              <a:cs typeface="Adobe Clean"/>
+            </a:endParaRPr>
           </a:p>
         </p:txBody>
       </p:sp>
@@ -10338,14 +12008,14 @@
           <p:nvPr>
             <p:extLst>
               <p:ext uri="{D42A27DB-BD31-4B8C-83A1-F6EECF244321}">
-                <p14:modId xmlns:p14="http://schemas.microsoft.com/office/powerpoint/2010/main" val="1927822158"/>
+                <p14:modId xmlns:p14="http://schemas.microsoft.com/office/powerpoint/2010/main" val="3773282750"/>
               </p:ext>
             </p:extLst>
           </p:nvPr>
         </p:nvGraphicFramePr>
         <p:xfrm>
           <a:off x="194236" y="1059345"/>
-          <a:ext cx="7368291" cy="3759200"/>
+          <a:ext cx="7368291" cy="3302000"/>
         </p:xfrm>
         <a:graphic>
           <a:graphicData uri="http://schemas.openxmlformats.org/drawingml/2006/table">
@@ -10376,17 +12046,25 @@
                     <a:lstStyle/>
                     <a:p>
                       <a:r>
-                        <a:rPr lang="pt-BR" sz="1100" b="0">
+                        <a:rPr lang="en-US" sz="1100" b="0">
                           <a:solidFill>
                             <a:schemeClr val="tx1"/>
                           </a:solidFill>
-                          <a:latin typeface="Adobe Clean" panose="020B0503020404020204" pitchFamily="34" charset="0"/>
+                          <a:latin typeface="Adobe Clean"/>
                           <a:ea typeface="+mn-ea"/>
                           <a:cs typeface="+mn-cs"/>
                           <a:hlinkClick r:id="rId7"/>
                         </a:rPr>
                         <a:t>Experience League</a:t>
                       </a:r>
+                      <a:endParaRPr lang="en-US" sz="1100" b="0">
+                        <a:solidFill>
+                          <a:schemeClr val="tx1"/>
+                        </a:solidFill>
+                        <a:latin typeface="Adobe Clean"/>
+                        <a:ea typeface="+mn-ea"/>
+                        <a:cs typeface="+mn-cs"/>
+                      </a:endParaRPr>
                     </a:p>
                   </a:txBody>
                   <a:tcPr marL="47625" marR="47625" marT="0" marB="0" anchor="ctr">
@@ -10442,7 +12120,7 @@
                     <a:bodyPr/>
                     <a:lstStyle/>
                     <a:p>
-                      <a:pPr marL="0" marR="0" lvl="0" indent="0" defTabSz="914400" eaLnBrk="1" fontAlgn="auto" latinLnBrk="0" hangingPunct="1">
+                      <a:pPr marL="0" marR="0" lvl="0" indent="0" eaLnBrk="1" fontAlgn="auto" latinLnBrk="0" hangingPunct="1">
                         <a:lnSpc>
                           <a:spcPct val="100000"/>
                         </a:lnSpc>
@@ -10456,62 +12134,26 @@
                         <a:buSzTx/>
                         <a:buFontTx/>
                         <a:buNone/>
-                        <a:tabLst/>
-                        <a:defRPr/>
                       </a:pPr>
                       <a:r>
-                        <a:rPr lang="pt-BR" sz="1000" b="0" dirty="0">
+                        <a:rPr lang="en-US" sz="1000" b="0" kern="1200">
                           <a:solidFill>
                             <a:srgbClr val="000000"/>
                           </a:solidFill>
-                          <a:latin typeface="Adobe Clean Light" panose="020B0303020404020204" pitchFamily="34" charset="0"/>
+                          <a:latin typeface="Adobe Clean Light"/>
                           <a:ea typeface="+mn-ea"/>
                           <a:cs typeface="+mn-cs"/>
                         </a:rPr>
-                        <a:t>A Experience League foi criada para ajudar as empresas a alcançar </a:t>
+                        <a:t>Experience League is how Adobe helps businesses achieve the value they expect from their Adobe investment. It’s the unified place where customers can learn, connect, and grow along a personalized path to success that includes self-help tutorials, product documentation, instructor-led training, community and technical support. </a:t>
                       </a:r>
-                      <a:br>
-                        <a:rPr lang="sk-SK" sz="1000" b="0" dirty="0">
-                          <a:solidFill>
-                            <a:srgbClr val="000000"/>
-                          </a:solidFill>
-                          <a:latin typeface="Adobe Clean Light" panose="020B0303020404020204" pitchFamily="34" charset="0"/>
-                          <a:ea typeface="+mn-ea"/>
-                          <a:cs typeface="+mn-cs"/>
-                        </a:rPr>
-                      </a:br>
-                      <a:r>
-                        <a:rPr lang="pt-BR" sz="1000" b="0" dirty="0">
-                          <a:solidFill>
-                            <a:srgbClr val="000000"/>
-                          </a:solidFill>
-                          <a:latin typeface="Adobe Clean Light" panose="020B0303020404020204" pitchFamily="34" charset="0"/>
-                          <a:ea typeface="+mn-ea"/>
-                          <a:cs typeface="+mn-cs"/>
-                        </a:rPr>
-                        <a:t>o valor que esperam do seu investimento em produtos da Adobe. </a:t>
-                      </a:r>
-                      <a:br>
-                        <a:rPr lang="sk-SK" sz="1000" b="0" dirty="0">
-                          <a:solidFill>
-                            <a:srgbClr val="000000"/>
-                          </a:solidFill>
-                          <a:latin typeface="Adobe Clean Light" panose="020B0303020404020204" pitchFamily="34" charset="0"/>
-                          <a:ea typeface="+mn-ea"/>
-                          <a:cs typeface="+mn-cs"/>
-                        </a:rPr>
-                      </a:br>
-                      <a:r>
-                        <a:rPr lang="pt-BR" sz="1000" b="0" dirty="0">
-                          <a:solidFill>
-                            <a:srgbClr val="000000"/>
-                          </a:solidFill>
-                          <a:latin typeface="Adobe Clean Light" panose="020B0303020404020204" pitchFamily="34" charset="0"/>
-                          <a:ea typeface="+mn-ea"/>
-                          <a:cs typeface="+mn-cs"/>
-                        </a:rPr>
-                        <a:t>É o local unificado onde os clientes podem aprender, interagir e crescer ao longo de um caminho personalizado de sucesso que inclui tutoriais de autoatendimento, documentação dos produtos, treinamento com instrutores e suporte técnico e da comunidade. </a:t>
-                      </a:r>
+                      <a:endParaRPr lang="en-US" sz="1000" b="0" kern="1200">
+                        <a:solidFill>
+                          <a:srgbClr val="000000"/>
+                        </a:solidFill>
+                        <a:latin typeface="Adobe Clean Light" panose="020B0303020404020204" pitchFamily="34" charset="0"/>
+                        <a:ea typeface="+mn-ea"/>
+                        <a:cs typeface="+mn-cs"/>
+                      </a:endParaRPr>
                     </a:p>
                   </a:txBody>
                   <a:tcPr anchor="ctr">
@@ -10592,28 +12234,39 @@
                         <a:defRPr/>
                       </a:pPr>
                       <a:r>
-                        <a:rPr lang="pt-BR" sz="1100">
+                        <a:rPr lang="en-US" sz="1100">
                           <a:solidFill>
                             <a:schemeClr val="dk1"/>
                           </a:solidFill>
-                          <a:latin typeface="Adobe Clean" panose="020B0503020404020204" pitchFamily="34" charset="0"/>
+                          <a:effectLst/>
+                          <a:latin typeface="Adobe Clean"/>
                           <a:ea typeface="+mn-ea"/>
                           <a:cs typeface="+mn-cs"/>
                           <a:hlinkClick r:id="rId8"/>
                         </a:rPr>
-                        <a:t>Treinamento</a:t>
+                        <a:t>Training</a:t>
                       </a:r>
                       <a:r>
-                        <a:rPr lang="pt-BR" sz="1100">
+                        <a:rPr lang="en-US" sz="1100">
                           <a:solidFill>
                             <a:schemeClr val="dk1"/>
                           </a:solidFill>
-                          <a:latin typeface="Adobe Clean" panose="020B0503020404020204" pitchFamily="34" charset="0"/>
+                          <a:effectLst/>
+                          <a:latin typeface="Adobe Clean"/>
                           <a:ea typeface="+mn-ea"/>
                           <a:cs typeface="+mn-cs"/>
                         </a:rPr>
                         <a:t> </a:t>
                       </a:r>
+                      <a:endParaRPr lang="en-US" sz="1100">
+                        <a:solidFill>
+                          <a:schemeClr val="tx1"/>
+                        </a:solidFill>
+                        <a:effectLst/>
+                        <a:latin typeface="Adobe Clean"/>
+                        <a:ea typeface="+mn-ea"/>
+                        <a:cs typeface="+mn-cs"/>
+                      </a:endParaRPr>
                     </a:p>
                   </a:txBody>
                   <a:tcPr anchor="ctr">
@@ -10687,15 +12340,15 @@
                         <a:defRPr/>
                       </a:pPr>
                       <a:r>
-                        <a:rPr lang="pt-BR" sz="1000">
+                        <a:rPr lang="en-US" sz="1000" kern="1200">
                           <a:solidFill>
                             <a:srgbClr val="000000"/>
                           </a:solidFill>
-                          <a:latin typeface="Adobe Clean Light" panose="020B0303020404020204" pitchFamily="34" charset="0"/>
+                          <a:latin typeface="Adobe Clean Light"/>
                           <a:ea typeface="+mn-ea"/>
                           <a:cs typeface="+mn-cs"/>
                         </a:rPr>
-                        <a:t>O acesso aos cursos do Adobe Digital Learning Services está disponível na Experience League. Os cursos de aprendizagem incluem lições sob demanda e com instrutores.  É um lugar para adquirir habilidades com reconhecido valor de mercado que você pode pôr em prática para impulsionar o sucesso na sua organização.</a:t>
+                        <a:t>Adobe Digital Learning Services courses are accessible from Experience League. Learning courses integrate both on-demand and instructor-led lessons.  Here you can accrue skills that have recognized market value and position them to drive success in your organizations.</a:t>
                       </a:r>
                     </a:p>
                   </a:txBody>
@@ -10777,17 +12430,27 @@
                         <a:defRPr/>
                       </a:pPr>
                       <a:r>
-                        <a:rPr lang="pt-BR" sz="1100">
+                        <a:rPr lang="en-US" sz="1100">
                           <a:solidFill>
                             <a:schemeClr val="tx1"/>
                           </a:solidFill>
-                          <a:latin typeface="Adobe Clean" panose="020B0503020404020204" pitchFamily="34" charset="0"/>
+                          <a:effectLst/>
+                          <a:latin typeface="Adobe Clean"/>
                           <a:ea typeface="+mn-ea"/>
                           <a:cs typeface="+mn-cs"/>
                           <a:hlinkClick r:id="rId9"/>
                         </a:rPr>
-                        <a:t>Problemas de produção e paralisações do sistema</a:t>
+                        <a:t>Production Issues &amp; System Outages</a:t>
                       </a:r>
+                      <a:endParaRPr lang="en-US" sz="1100">
+                        <a:solidFill>
+                          <a:schemeClr val="tx1"/>
+                        </a:solidFill>
+                        <a:effectLst/>
+                        <a:latin typeface="Adobe Clean"/>
+                        <a:ea typeface="+mn-ea"/>
+                        <a:cs typeface="+mn-cs"/>
+                      </a:endParaRPr>
                     </a:p>
                   </a:txBody>
                   <a:tcPr anchor="ctr">
@@ -10843,7 +12506,7 @@
                     <a:bodyPr/>
                     <a:lstStyle/>
                     <a:p>
-                      <a:pPr marL="0" marR="0" lvl="0" indent="0" defTabSz="914400" eaLnBrk="1" fontAlgn="auto" latinLnBrk="0" hangingPunct="1">
+                      <a:pPr marL="0" marR="0" lvl="0" indent="0" eaLnBrk="1" fontAlgn="auto" latinLnBrk="0" hangingPunct="1">
                         <a:lnSpc>
                           <a:spcPct val="100000"/>
                         </a:lnSpc>
@@ -10857,41 +12520,26 @@
                         <a:buSzTx/>
                         <a:buFontTx/>
                         <a:buNone/>
-                        <a:tabLst/>
-                        <a:defRPr/>
                       </a:pPr>
                       <a:r>
-                        <a:rPr lang="pt-BR" sz="1000" dirty="0">
+                        <a:rPr lang="en-US" sz="1000" kern="1200">
                           <a:solidFill>
                             <a:srgbClr val="000000"/>
                           </a:solidFill>
-                          <a:latin typeface="Adobe Clean Light" panose="020B0303020404020204" pitchFamily="34" charset="0"/>
+                          <a:latin typeface="Adobe Clean Light"/>
                           <a:ea typeface="+mn-ea"/>
                           <a:cs typeface="+mn-cs"/>
                         </a:rPr>
-                        <a:t>O Status.adobe.com transmite as informações de integridade de todos os produtos e serviços da Adobe implantados em ambientes de vários locatários. Os clientes podem escolher suas preferências de subscrição para receber notificações por email sempre que a Adobe criar, atualizar ou resolver um evento de produto. Isso pode incluir manutenção programada ou problemas de serviço com diferentes níveis </a:t>
+                        <a:t>Status.adobe.com conveys the health information of all Adobe products and services that are deployed in multi-tenant environments. Customers can choose their subscription preferences to get email notifications whenever Adobe creates, updates or resolves a product event. This can include scheduled maintenance or service issues of varying levels of severity. </a:t>
                       </a:r>
-                      <a:br>
-                        <a:rPr lang="sk-SK" sz="1000" dirty="0">
-                          <a:solidFill>
-                            <a:srgbClr val="000000"/>
-                          </a:solidFill>
-                          <a:latin typeface="Adobe Clean Light" panose="020B0303020404020204" pitchFamily="34" charset="0"/>
-                          <a:ea typeface="+mn-ea"/>
-                          <a:cs typeface="+mn-cs"/>
-                        </a:rPr>
-                      </a:br>
-                      <a:r>
-                        <a:rPr lang="pt-BR" sz="1000" dirty="0">
-                          <a:solidFill>
-                            <a:srgbClr val="000000"/>
-                          </a:solidFill>
-                          <a:latin typeface="Adobe Clean Light" panose="020B0303020404020204" pitchFamily="34" charset="0"/>
-                          <a:ea typeface="+mn-ea"/>
-                          <a:cs typeface="+mn-cs"/>
-                        </a:rPr>
-                        <a:t>de gravidade. </a:t>
-                      </a:r>
+                      <a:endParaRPr lang="en-US" sz="1000" kern="1200">
+                        <a:solidFill>
+                          <a:srgbClr val="000000"/>
+                        </a:solidFill>
+                        <a:latin typeface="Adobe Clean Light" panose="020B0303020404020204" pitchFamily="34" charset="0"/>
+                        <a:ea typeface="+mn-ea"/>
+                        <a:cs typeface="+mn-cs"/>
+                      </a:endParaRPr>
                     </a:p>
                   </a:txBody>
                   <a:tcPr anchor="ctr">
@@ -10972,17 +12620,27 @@
                         <a:defRPr/>
                       </a:pPr>
                       <a:r>
-                        <a:rPr lang="pt-BR" sz="1100" b="0" i="0">
+                        <a:rPr lang="en-US" sz="1100" b="0" i="0">
                           <a:solidFill>
                             <a:schemeClr val="dk1"/>
                           </a:solidFill>
-                          <a:latin typeface="Adobe Clean" panose="020B0503020404020204" pitchFamily="34" charset="0"/>
+                          <a:effectLst/>
+                          <a:latin typeface="Adobe Clean"/>
                           <a:ea typeface="+mn-ea"/>
                           <a:cs typeface="+mn-cs"/>
-                          <a:hlinkClick r:id="rId10" tooltip="https://helpx.adobe.com/br/support/programs/enterprise-support-programs/premier-support-business.html"/>
+                          <a:hlinkClick r:id="rId10" tooltip="https://helpx.adobe.com/support/programs/enterprise-support-programs/premier-support-business.html"/>
                         </a:rPr>
-                        <a:t>Site do Suporte Business</a:t>
+                        <a:t>Business Support Website</a:t>
                       </a:r>
+                      <a:endParaRPr lang="en-US" sz="1100" b="0" i="0">
+                        <a:solidFill>
+                          <a:schemeClr val="dk1"/>
+                        </a:solidFill>
+                        <a:effectLst/>
+                        <a:latin typeface="Adobe Clean"/>
+                        <a:ea typeface="+mn-ea"/>
+                        <a:cs typeface="+mn-cs"/>
+                      </a:endParaRPr>
                     </a:p>
                   </a:txBody>
                   <a:tcPr anchor="ctr">
@@ -11039,16 +12697,24 @@
                     <a:lstStyle/>
                     <a:p>
                       <a:r>
-                        <a:rPr lang="pt-BR" sz="1000">
+                        <a:rPr lang="en-US" sz="1000" kern="1200">
                           <a:solidFill>
                             <a:srgbClr val="000000"/>
                           </a:solidFill>
-                          <a:latin typeface="Adobe Clean Light" panose="020B0303020404020204" pitchFamily="34" charset="0"/>
+                          <a:latin typeface="Adobe Clean Light"/>
                           <a:ea typeface="+mn-ea"/>
                           <a:cs typeface="+mn-cs"/>
                         </a:rPr>
-                        <a:t>Site do Suporte Business da Adobe</a:t>
+                        <a:t>Adobe Business Support website.</a:t>
                       </a:r>
+                      <a:endParaRPr lang="en-US" sz="1000" kern="1200">
+                        <a:solidFill>
+                          <a:srgbClr val="000000"/>
+                        </a:solidFill>
+                        <a:latin typeface="Adobe Clean Light" panose="020B0303020404020204" pitchFamily="34" charset="0"/>
+                        <a:ea typeface="+mn-ea"/>
+                        <a:cs typeface="+mn-cs"/>
+                      </a:endParaRPr>
                     </a:p>
                   </a:txBody>
                   <a:tcPr anchor="ctr">
@@ -11129,17 +12795,27 @@
                         <a:defRPr/>
                       </a:pPr>
                       <a:r>
-                        <a:rPr lang="pt-BR" sz="1100">
+                        <a:rPr lang="en-US" sz="1100">
                           <a:solidFill>
                             <a:schemeClr val="tx1"/>
                           </a:solidFill>
-                          <a:latin typeface="Adobe Clean" panose="020B0503020404020204" pitchFamily="34" charset="0"/>
+                          <a:effectLst/>
+                          <a:latin typeface="Adobe Clean"/>
                           <a:ea typeface="+mn-ea"/>
                           <a:cs typeface="+mn-cs"/>
                           <a:hlinkClick r:id="rId11"/>
                         </a:rPr>
-                        <a:t>Termos e condições</a:t>
+                        <a:t>Terms and Conditions</a:t>
                       </a:r>
+                      <a:endParaRPr lang="en-US" sz="1100">
+                        <a:solidFill>
+                          <a:schemeClr val="tx1"/>
+                        </a:solidFill>
+                        <a:effectLst/>
+                        <a:latin typeface="Adobe Clean"/>
+                        <a:ea typeface="+mn-ea"/>
+                        <a:cs typeface="+mn-cs"/>
+                      </a:endParaRPr>
                     </a:p>
                   </a:txBody>
                   <a:tcPr anchor="ctr">
@@ -11196,16 +12872,24 @@
                     <a:lstStyle/>
                     <a:p>
                       <a:r>
-                        <a:rPr lang="pt-BR" sz="1000" dirty="0">
+                        <a:rPr lang="en-US" sz="1000" kern="1200">
                           <a:solidFill>
                             <a:srgbClr val="000000"/>
                           </a:solidFill>
-                          <a:latin typeface="Adobe Clean Light" panose="020B0303020404020204" pitchFamily="34" charset="0"/>
+                          <a:latin typeface="Adobe Clean Light"/>
                           <a:ea typeface="+mn-ea"/>
                           <a:cs typeface="+mn-cs"/>
                         </a:rPr>
-                        <a:t>Os Termos e condições que detalham os serviços de suporte</a:t>
+                        <a:t>Terms and conditions detailing Support Services offerings.</a:t>
                       </a:r>
+                      <a:endParaRPr lang="en-US" sz="1000" kern="1200">
+                        <a:solidFill>
+                          <a:srgbClr val="000000"/>
+                        </a:solidFill>
+                        <a:latin typeface="Adobe Clean Light" panose="020B0303020404020204" pitchFamily="34" charset="0"/>
+                        <a:ea typeface="+mn-ea"/>
+                        <a:cs typeface="+mn-cs"/>
+                      </a:endParaRPr>
                     </a:p>
                   </a:txBody>
                   <a:tcPr anchor="ctr">
@@ -11975,12 +13659,6 @@
 </file>
 
 <file path=customXml/item1.xml><?xml version="1.0" encoding="utf-8"?>
-<p:properties xmlns:p="http://schemas.microsoft.com/office/2006/metadata/properties" xmlns:xsi="http://www.w3.org/2001/XMLSchema-instance" xmlns:pc="http://schemas.microsoft.com/office/infopath/2007/PartnerControls">
-  <documentManagement/>
-</p:properties>
-</file>
-
-<file path=customXml/item2.xml><?xml version="1.0" encoding="utf-8"?>
 <ct:contentTypeSchema xmlns:ct="http://schemas.microsoft.com/office/2006/metadata/contentType" xmlns:ma="http://schemas.microsoft.com/office/2006/metadata/properties/metaAttributes" ct:_="" ma:_="" ma:contentTypeName="Document" ma:contentTypeID="0x010100E783BF6876BCC646A459363AF21A7736" ma:contentTypeVersion="10" ma:contentTypeDescription="Create a new document." ma:contentTypeScope="" ma:versionID="c4ffda7f4f415767600769e454c2ea87">
   <xsd:schema xmlns:xsd="http://www.w3.org/2001/XMLSchema" xmlns:xs="http://www.w3.org/2001/XMLSchema" xmlns:p="http://schemas.microsoft.com/office/2006/metadata/properties" xmlns:ns2="8a053bff-88be-49e4-9a87-e748e18b8b62" xmlns:ns3="6c8368ec-3776-49b5-a5bb-90648cf9530f" targetNamespace="http://schemas.microsoft.com/office/2006/metadata/properties" ma:root="true" ma:fieldsID="df3ec33bccc23e23bce7bc897fad43d1" ns2:_="" ns3:_="">
     <xsd:import namespace="8a053bff-88be-49e4-9a87-e748e18b8b62"/>
@@ -12185,7 +13863,7 @@
 </ct:contentTypeSchema>
 </file>
 
-<file path=customXml/item3.xml><?xml version="1.0" encoding="utf-8"?>
+<file path=customXml/item2.xml><?xml version="1.0" encoding="utf-8"?>
 <?mso-contentType ?>
 <FormTemplates xmlns="http://schemas.microsoft.com/sharepoint/v3/contenttype/forms">
   <Display>DocumentLibraryForm</Display>
@@ -12194,16 +13872,13 @@
 </FormTemplates>
 </file>
 
-<file path=customXml/itemProps1.xml><?xml version="1.0" encoding="utf-8"?>
-<ds:datastoreItem xmlns:ds="http://schemas.openxmlformats.org/officeDocument/2006/customXml" ds:itemID="{10FC3CAF-E6F1-40E3-87D4-6B781C97D6B4}">
-  <ds:schemaRefs>
-    <ds:schemaRef ds:uri="http://schemas.microsoft.com/office/2006/metadata/properties"/>
-    <ds:schemaRef ds:uri="http://schemas.microsoft.com/office/infopath/2007/PartnerControls"/>
-  </ds:schemaRefs>
-</ds:datastoreItem>
+<file path=customXml/item3.xml><?xml version="1.0" encoding="utf-8"?>
+<p:properties xmlns:p="http://schemas.microsoft.com/office/2006/metadata/properties" xmlns:xsi="http://www.w3.org/2001/XMLSchema-instance" xmlns:pc="http://schemas.microsoft.com/office/infopath/2007/PartnerControls">
+  <documentManagement/>
+</p:properties>
 </file>
 
-<file path=customXml/itemProps2.xml><?xml version="1.0" encoding="utf-8"?>
+<file path=customXml/itemProps1.xml><?xml version="1.0" encoding="utf-8"?>
 <ds:datastoreItem xmlns:ds="http://schemas.openxmlformats.org/officeDocument/2006/customXml" ds:itemID="{E0DB8BDF-6DA8-4ABC-A3CA-043AFD674CFC}">
   <ds:schemaRefs>
     <ds:schemaRef ds:uri="6c8368ec-3776-49b5-a5bb-90648cf9530f"/>
@@ -12222,10 +13897,27 @@
 </ds:datastoreItem>
 </file>
 
-<file path=customXml/itemProps3.xml><?xml version="1.0" encoding="utf-8"?>
+<file path=customXml/itemProps2.xml><?xml version="1.0" encoding="utf-8"?>
 <ds:datastoreItem xmlns:ds="http://schemas.openxmlformats.org/officeDocument/2006/customXml" ds:itemID="{95AE3B0B-E909-400C-B0B3-909FB50E07DE}">
   <ds:schemaRefs>
     <ds:schemaRef ds:uri="http://schemas.microsoft.com/sharepoint/v3/contenttype/forms"/>
   </ds:schemaRefs>
 </ds:datastoreItem>
+</file>
+
+<file path=customXml/itemProps3.xml><?xml version="1.0" encoding="utf-8"?>
+<ds:datastoreItem xmlns:ds="http://schemas.openxmlformats.org/officeDocument/2006/customXml" ds:itemID="{10FC3CAF-E6F1-40E3-87D4-6B781C97D6B4}">
+  <ds:schemaRefs>
+    <ds:schemaRef ds:uri="6c8368ec-3776-49b5-a5bb-90648cf9530f"/>
+    <ds:schemaRef ds:uri="8a053bff-88be-49e4-9a87-e748e18b8b62"/>
+    <ds:schemaRef ds:uri="http://purl.org/dc/dcmitype/"/>
+    <ds:schemaRef ds:uri="http://purl.org/dc/elements/1.1/"/>
+    <ds:schemaRef ds:uri="http://purl.org/dc/terms/"/>
+    <ds:schemaRef ds:uri="http://schemas.microsoft.com/office/2006/documentManagement/types"/>
+    <ds:schemaRef ds:uri="http://schemas.microsoft.com/office/2006/metadata/properties"/>
+    <ds:schemaRef ds:uri="http://schemas.microsoft.com/office/infopath/2007/PartnerControls"/>
+    <ds:schemaRef ds:uri="http://schemas.openxmlformats.org/package/2006/metadata/core-properties"/>
+    <ds:schemaRef ds:uri="http://www.w3.org/XML/1998/namespace"/>
+  </ds:schemaRefs>
+</ds:datastoreItem>
 </file>
--- a/help/data-sheets/assets/BusinessSupportDatasheet.pptx
+++ b/help/data-sheets/assets/BusinessSupportDatasheet.pptx
@@ -143,8 +143,12 @@
 <file path=ppt/revisionInfo.xml><?xml version="1.0" encoding="utf-8"?>
 <p1510:revInfo xmlns:a="http://schemas.openxmlformats.org/drawingml/2006/main" xmlns:r="http://schemas.openxmlformats.org/officeDocument/2006/relationships" xmlns:p1510="http://schemas.microsoft.com/office/powerpoint/2015/10/main">
   <p1510:revLst>
-    <p1510:client id="{61630BD6-9AE9-064C-B39F-AFA945B82B3E}" v="202" dt="2021-10-13T19:21:08.267"/>
-    <p1510:client id="{AC30C20D-1316-8ECC-DADD-39CCEC6A7FCF}" v="9" dt="2021-10-13T19:03:35.035"/>
+    <p1510:client id="{06B13378-B080-7F0F-51A5-F9203CEE57ED}" v="370" dt="2021-08-25T22:26:24.850"/>
+    <p1510:client id="{4D8E0410-E0CE-85E2-0F84-C1BF4F647622}" v="27" dt="2021-09-22T22:57:14.395"/>
+    <p1510:client id="{71D6CFBF-0EA2-99B0-93F4-22F19EF0AE4E}" v="2" dt="2021-09-22T19:06:58.732"/>
+    <p1510:client id="{9E385600-BF81-FC49-9ED0-E33BC37F7908}" v="55" dt="2021-08-04T08:16:13.478"/>
+    <p1510:client id="{AFB92C2B-405E-C597-0988-18F97C53104C}" v="37" dt="2021-09-22T18:53:28.028"/>
+    <p1510:client id="{CA5D33DF-AE75-BCA1-B9BC-A7CD44D2F3C7}" v="2" dt="2021-08-25T22:38:18.624"/>
   </p1510:revLst>
 </p1510:revInfo>
 </file>
@@ -166,77 +170,6 @@
         </pc:sldMkLst>
         <pc:graphicFrameChg chg="mod modGraphic">
           <ac:chgData name="Akilah Johnson" userId="S::akjohnso@adobe.com::2fa3aa60-0c9c-4d06-bae2-795983241227" providerId="AD" clId="Web-{4D8E0410-E0CE-85E2-0F84-C1BF4F647622}" dt="2021-09-22T22:57:04.802" v="5"/>
-          <ac:graphicFrameMkLst>
-            <pc:docMk/>
-            <pc:sldMk cId="1050037809" sldId="261"/>
-            <ac:graphicFrameMk id="25" creationId="{3A91F5B0-3974-A14D-A146-FB590F2AAD18}"/>
-          </ac:graphicFrameMkLst>
-        </pc:graphicFrameChg>
-      </pc:sldChg>
-    </pc:docChg>
-  </pc:docChgLst>
-  <pc:docChgLst>
-    <pc:chgData name="Akilah Johnson" userId="S::akjohnso@adobe.com::2fa3aa60-0c9c-4d06-bae2-795983241227" providerId="AD" clId="Web-{019F6A09-DCDA-BB53-9E3C-5BA3B13E26BB}"/>
-    <pc:docChg chg="modSld">
-      <pc:chgData name="Akilah Johnson" userId="S::akjohnso@adobe.com::2fa3aa60-0c9c-4d06-bae2-795983241227" providerId="AD" clId="Web-{019F6A09-DCDA-BB53-9E3C-5BA3B13E26BB}" dt="2021-10-12T17:10:36.752" v="17" actId="20577"/>
-      <pc:docMkLst>
-        <pc:docMk/>
-      </pc:docMkLst>
-      <pc:sldChg chg="modSp">
-        <pc:chgData name="Akilah Johnson" userId="S::akjohnso@adobe.com::2fa3aa60-0c9c-4d06-bae2-795983241227" providerId="AD" clId="Web-{019F6A09-DCDA-BB53-9E3C-5BA3B13E26BB}" dt="2021-10-12T17:09:32.112" v="2" actId="20577"/>
-        <pc:sldMkLst>
-          <pc:docMk/>
-          <pc:sldMk cId="0" sldId="257"/>
-        </pc:sldMkLst>
-        <pc:spChg chg="mod">
-          <ac:chgData name="Akilah Johnson" userId="S::akjohnso@adobe.com::2fa3aa60-0c9c-4d06-bae2-795983241227" providerId="AD" clId="Web-{019F6A09-DCDA-BB53-9E3C-5BA3B13E26BB}" dt="2021-10-12T17:09:32.112" v="2" actId="20577"/>
-          <ac:spMkLst>
-            <pc:docMk/>
-            <pc:sldMk cId="0" sldId="257"/>
-            <ac:spMk id="46" creationId="{00000000-0000-0000-0000-000000000000}"/>
-          </ac:spMkLst>
-        </pc:spChg>
-      </pc:sldChg>
-      <pc:sldChg chg="modSp">
-        <pc:chgData name="Akilah Johnson" userId="S::akjohnso@adobe.com::2fa3aa60-0c9c-4d06-bae2-795983241227" providerId="AD" clId="Web-{019F6A09-DCDA-BB53-9E3C-5BA3B13E26BB}" dt="2021-10-12T17:10:36.752" v="17" actId="20577"/>
-        <pc:sldMkLst>
-          <pc:docMk/>
-          <pc:sldMk cId="1050037809" sldId="261"/>
-        </pc:sldMkLst>
-        <pc:spChg chg="mod">
-          <ac:chgData name="Akilah Johnson" userId="S::akjohnso@adobe.com::2fa3aa60-0c9c-4d06-bae2-795983241227" providerId="AD" clId="Web-{019F6A09-DCDA-BB53-9E3C-5BA3B13E26BB}" dt="2021-10-12T17:10:36.752" v="17" actId="20577"/>
-          <ac:spMkLst>
-            <pc:docMk/>
-            <pc:sldMk cId="1050037809" sldId="261"/>
-            <ac:spMk id="56" creationId="{00000000-0000-0000-0000-000000000000}"/>
-          </ac:spMkLst>
-        </pc:spChg>
-        <pc:graphicFrameChg chg="mod modGraphic">
-          <ac:chgData name="Akilah Johnson" userId="S::akjohnso@adobe.com::2fa3aa60-0c9c-4d06-bae2-795983241227" providerId="AD" clId="Web-{019F6A09-DCDA-BB53-9E3C-5BA3B13E26BB}" dt="2021-10-12T17:09:41.471" v="6"/>
-          <ac:graphicFrameMkLst>
-            <pc:docMk/>
-            <pc:sldMk cId="1050037809" sldId="261"/>
-            <ac:graphicFrameMk id="111" creationId="{D8653CEC-4213-DE40-9BAF-D1E3318FF89C}"/>
-          </ac:graphicFrameMkLst>
-        </pc:graphicFrameChg>
-      </pc:sldChg>
-    </pc:docChg>
-  </pc:docChgLst>
-  <pc:docChgLst>
-    <pc:chgData name="Andy Witt" userId="S::awitt@adobe.com::e9157bdf-53b2-40e4-9459-936793d75696" providerId="AD" clId="Web-{06B13378-B080-7F0F-51A5-F9203CEE57ED}"/>
-    <pc:docChg chg="modSld">
-      <pc:chgData name="Andy Witt" userId="S::awitt@adobe.com::e9157bdf-53b2-40e4-9459-936793d75696" providerId="AD" clId="Web-{06B13378-B080-7F0F-51A5-F9203CEE57ED}" dt="2021-08-25T22:25:13.647" v="363"/>
-      <pc:docMkLst>
-        <pc:docMk/>
-      </pc:docMkLst>
-      <pc:sldChg chg="modSp">
-        <pc:chgData name="Andy Witt" userId="S::awitt@adobe.com::e9157bdf-53b2-40e4-9459-936793d75696" providerId="AD" clId="Web-{06B13378-B080-7F0F-51A5-F9203CEE57ED}" dt="2021-08-25T22:25:13.647" v="363"/>
-        <pc:sldMkLst>
-          <pc:docMk/>
-          <pc:sldMk cId="1050037809" sldId="261"/>
-        </pc:sldMkLst>
-        <pc:graphicFrameChg chg="mod modGraphic">
-          <ac:chgData name="Andy Witt" userId="S::awitt@adobe.com::e9157bdf-53b2-40e4-9459-936793d75696" providerId="AD" clId="Web-{06B13378-B080-7F0F-51A5-F9203CEE57ED}" dt="2021-08-25T22:25:13.647" v="363"/>
           <ac:graphicFrameMkLst>
             <pc:docMk/>
             <pc:sldMk cId="1050037809" sldId="261"/>
@@ -271,58 +204,26 @@
     </pc:docChg>
   </pc:docChgLst>
   <pc:docChgLst>
-    <pc:chgData name="Akilah Johnson" userId="S::akjohnso@adobe.com::2fa3aa60-0c9c-4d06-bae2-795983241227" providerId="AD" clId="Web-{D428A0AE-54E2-30D2-C574-7A0742876CCF}"/>
+    <pc:chgData name="Andy Witt" userId="S::awitt@adobe.com::e9157bdf-53b2-40e4-9459-936793d75696" providerId="AD" clId="Web-{06B13378-B080-7F0F-51A5-F9203CEE57ED}"/>
     <pc:docChg chg="modSld">
-      <pc:chgData name="Akilah Johnson" userId="S::akjohnso@adobe.com::2fa3aa60-0c9c-4d06-bae2-795983241227" providerId="AD" clId="Web-{D428A0AE-54E2-30D2-C574-7A0742876CCF}" dt="2021-10-12T19:11:25.330" v="0" actId="20577"/>
+      <pc:chgData name="Andy Witt" userId="S::awitt@adobe.com::e9157bdf-53b2-40e4-9459-936793d75696" providerId="AD" clId="Web-{06B13378-B080-7F0F-51A5-F9203CEE57ED}" dt="2021-08-25T22:25:13.647" v="363"/>
       <pc:docMkLst>
         <pc:docMk/>
       </pc:docMkLst>
       <pc:sldChg chg="modSp">
-        <pc:chgData name="Akilah Johnson" userId="S::akjohnso@adobe.com::2fa3aa60-0c9c-4d06-bae2-795983241227" providerId="AD" clId="Web-{D428A0AE-54E2-30D2-C574-7A0742876CCF}" dt="2021-10-12T19:11:25.330" v="0" actId="20577"/>
+        <pc:chgData name="Andy Witt" userId="S::awitt@adobe.com::e9157bdf-53b2-40e4-9459-936793d75696" providerId="AD" clId="Web-{06B13378-B080-7F0F-51A5-F9203CEE57ED}" dt="2021-08-25T22:25:13.647" v="363"/>
         <pc:sldMkLst>
           <pc:docMk/>
-          <pc:sldMk cId="0" sldId="256"/>
+          <pc:sldMk cId="1050037809" sldId="261"/>
         </pc:sldMkLst>
-        <pc:spChg chg="mod">
-          <ac:chgData name="Akilah Johnson" userId="S::akjohnso@adobe.com::2fa3aa60-0c9c-4d06-bae2-795983241227" providerId="AD" clId="Web-{D428A0AE-54E2-30D2-C574-7A0742876CCF}" dt="2021-10-12T19:11:25.330" v="0" actId="20577"/>
-          <ac:spMkLst>
+        <pc:graphicFrameChg chg="mod modGraphic">
+          <ac:chgData name="Andy Witt" userId="S::awitt@adobe.com::e9157bdf-53b2-40e4-9459-936793d75696" providerId="AD" clId="Web-{06B13378-B080-7F0F-51A5-F9203CEE57ED}" dt="2021-08-25T22:25:13.647" v="363"/>
+          <ac:graphicFrameMkLst>
             <pc:docMk/>
-            <pc:sldMk cId="0" sldId="256"/>
-            <ac:spMk id="4" creationId="{00000000-0000-0000-0000-000000000000}"/>
-          </ac:spMkLst>
-        </pc:spChg>
-      </pc:sldChg>
-    </pc:docChg>
-  </pc:docChgLst>
-  <pc:docChgLst>
-    <pc:chgData name="Lauren Schutte" userId="S::schutte@adobe.com::6e08b2d3-447a-4d66-86be-444d50df187f" providerId="AD" clId="Web-{AC30C20D-1316-8ECC-DADD-39CCEC6A7FCF}"/>
-    <pc:docChg chg="modSld">
-      <pc:chgData name="Lauren Schutte" userId="S::schutte@adobe.com::6e08b2d3-447a-4d66-86be-444d50df187f" providerId="AD" clId="Web-{AC30C20D-1316-8ECC-DADD-39CCEC6A7FCF}" dt="2021-10-13T19:03:35.035" v="8" actId="1076"/>
-      <pc:docMkLst>
-        <pc:docMk/>
-      </pc:docMkLst>
-      <pc:sldChg chg="modSp">
-        <pc:chgData name="Lauren Schutte" userId="S::schutte@adobe.com::6e08b2d3-447a-4d66-86be-444d50df187f" providerId="AD" clId="Web-{AC30C20D-1316-8ECC-DADD-39CCEC6A7FCF}" dt="2021-10-13T19:03:35.035" v="8" actId="1076"/>
-        <pc:sldMkLst>
-          <pc:docMk/>
-          <pc:sldMk cId="0" sldId="256"/>
-        </pc:sldMkLst>
-        <pc:spChg chg="mod">
-          <ac:chgData name="Lauren Schutte" userId="S::schutte@adobe.com::6e08b2d3-447a-4d66-86be-444d50df187f" providerId="AD" clId="Web-{AC30C20D-1316-8ECC-DADD-39CCEC6A7FCF}" dt="2021-10-13T19:03:27.878" v="7" actId="14100"/>
-          <ac:spMkLst>
-            <pc:docMk/>
-            <pc:sldMk cId="0" sldId="256"/>
-            <ac:spMk id="3" creationId="{00000000-0000-0000-0000-000000000000}"/>
-          </ac:spMkLst>
-        </pc:spChg>
-        <pc:spChg chg="mod">
-          <ac:chgData name="Lauren Schutte" userId="S::schutte@adobe.com::6e08b2d3-447a-4d66-86be-444d50df187f" providerId="AD" clId="Web-{AC30C20D-1316-8ECC-DADD-39CCEC6A7FCF}" dt="2021-10-13T19:03:35.035" v="8" actId="1076"/>
-          <ac:spMkLst>
-            <pc:docMk/>
-            <pc:sldMk cId="0" sldId="256"/>
-            <ac:spMk id="5" creationId="{00000000-0000-0000-0000-000000000000}"/>
-          </ac:spMkLst>
-        </pc:spChg>
+            <pc:sldMk cId="1050037809" sldId="261"/>
+            <ac:graphicFrameMk id="25" creationId="{3A91F5B0-3974-A14D-A146-FB590F2AAD18}"/>
+          </ac:graphicFrameMkLst>
+        </pc:graphicFrameChg>
       </pc:sldChg>
     </pc:docChg>
   </pc:docChgLst>
@@ -353,38 +254,6 @@
             <pc:docMk/>
             <pc:sldMk cId="1050037809" sldId="261"/>
             <ac:graphicFrameMk id="25" creationId="{3A91F5B0-3974-A14D-A146-FB590F2AAD18}"/>
-          </ac:graphicFrameMkLst>
-        </pc:graphicFrameChg>
-      </pc:sldChg>
-    </pc:docChg>
-  </pc:docChgLst>
-  <pc:docChgLst>
-    <pc:chgData name="Lauren Schutte" userId="6e08b2d3-447a-4d66-86be-444d50df187f" providerId="ADAL" clId="{61630BD6-9AE9-064C-B39F-AFA945B82B3E}"/>
-    <pc:docChg chg="undo custSel modSld">
-      <pc:chgData name="Lauren Schutte" userId="6e08b2d3-447a-4d66-86be-444d50df187f" providerId="ADAL" clId="{61630BD6-9AE9-064C-B39F-AFA945B82B3E}" dt="2021-10-13T19:21:08.267" v="201" actId="20577"/>
-      <pc:docMkLst>
-        <pc:docMk/>
-      </pc:docMkLst>
-      <pc:sldChg chg="modSp mod">
-        <pc:chgData name="Lauren Schutte" userId="6e08b2d3-447a-4d66-86be-444d50df187f" providerId="ADAL" clId="{61630BD6-9AE9-064C-B39F-AFA945B82B3E}" dt="2021-10-13T19:21:08.267" v="201" actId="20577"/>
-        <pc:sldMkLst>
-          <pc:docMk/>
-          <pc:sldMk cId="0" sldId="256"/>
-        </pc:sldMkLst>
-        <pc:spChg chg="mod">
-          <ac:chgData name="Lauren Schutte" userId="6e08b2d3-447a-4d66-86be-444d50df187f" providerId="ADAL" clId="{61630BD6-9AE9-064C-B39F-AFA945B82B3E}" dt="2021-10-13T19:03:44.344" v="3" actId="1076"/>
-          <ac:spMkLst>
-            <pc:docMk/>
-            <pc:sldMk cId="0" sldId="256"/>
-            <ac:spMk id="3" creationId="{00000000-0000-0000-0000-000000000000}"/>
-          </ac:spMkLst>
-        </pc:spChg>
-        <pc:graphicFrameChg chg="mod modGraphic">
-          <ac:chgData name="Lauren Schutte" userId="6e08b2d3-447a-4d66-86be-444d50df187f" providerId="ADAL" clId="{61630BD6-9AE9-064C-B39F-AFA945B82B3E}" dt="2021-10-13T19:21:08.267" v="201" actId="20577"/>
-          <ac:graphicFrameMkLst>
-            <pc:docMk/>
-            <pc:sldMk cId="0" sldId="256"/>
-            <ac:graphicFrameMk id="9" creationId="{00000000-0000-0000-0000-000000000000}"/>
           </ac:graphicFrameMkLst>
         </pc:graphicFrameChg>
       </pc:sldChg>
@@ -499,7 +368,7 @@
           <a:p>
             <a:fld id="{FB81873C-0B24-F04A-98A1-90E0A78F7E8A}" type="datetimeFigureOut">
               <a:rPr lang="en-US" smtClean="0"/>
-              <a:t>10/13/2021</a:t>
+              <a:t>10/1/2021</a:t>
             </a:fld>
             <a:endParaRPr lang="en-US"/>
           </a:p>
@@ -1122,7 +991,7 @@
           <a:p>
             <a:fld id="{1D8BD707-D9CF-40AE-B4C6-C98DA3205C09}" type="datetimeFigureOut">
               <a:rPr lang="en-US"/>
-              <a:t>10/13/2021</a:t>
+              <a:t>10/1/2021</a:t>
             </a:fld>
             <a:endParaRPr lang="en-US"/>
           </a:p>
@@ -1314,7 +1183,7 @@
           <a:p>
             <a:fld id="{1D8BD707-D9CF-40AE-B4C6-C98DA3205C09}" type="datetimeFigureOut">
               <a:rPr lang="en-US"/>
-              <a:t>10/13/2021</a:t>
+              <a:t>10/1/2021</a:t>
             </a:fld>
             <a:endParaRPr lang="en-US"/>
           </a:p>
@@ -1632,7 +1501,7 @@
           <a:p>
             <a:fld id="{1D8BD707-D9CF-40AE-B4C6-C98DA3205C09}" type="datetimeFigureOut">
               <a:rPr lang="en-US"/>
-              <a:t>10/13/2021</a:t>
+              <a:t>10/1/2021</a:t>
             </a:fld>
             <a:endParaRPr lang="en-US"/>
           </a:p>
@@ -1886,8 +1755,8 @@
         </p:nvSpPr>
         <p:spPr>
           <a:xfrm>
-            <a:off x="168565" y="7162363"/>
-            <a:ext cx="2800350" cy="238760"/>
+            <a:off x="168564" y="7162363"/>
+            <a:ext cx="4700615" cy="227626"/>
           </a:xfrm>
           <a:prstGeom prst="rect">
             <a:avLst/>
@@ -1908,7 +1777,7 @@
               </a:spcBef>
             </a:pPr>
             <a:r>
-              <a:rPr sz="1400" b="1" u="heavy" spc="10">
+              <a:rPr lang="pt-BR" sz="1400" b="1" u="heavy" dirty="0">
                 <a:solidFill>
                   <a:srgbClr val="020302"/>
                 </a:solidFill>
@@ -1920,87 +1789,8 @@
                 <a:latin typeface="Adobe Clean"/>
                 <a:cs typeface="Adobe Clean"/>
               </a:rPr>
-              <a:t>Service </a:t>
+              <a:t>Metas de nível de serviço: Resposta inicial</a:t>
             </a:r>
-            <a:r>
-              <a:rPr sz="1400" b="1" u="heavy" spc="-10">
-                <a:solidFill>
-                  <a:srgbClr val="020302"/>
-                </a:solidFill>
-                <a:uFill>
-                  <a:solidFill>
-                    <a:srgbClr val="020302"/>
-                  </a:solidFill>
-                </a:uFill>
-                <a:latin typeface="Adobe Clean"/>
-                <a:cs typeface="Adobe Clean"/>
-              </a:rPr>
-              <a:t>Level </a:t>
-            </a:r>
-            <a:r>
-              <a:rPr sz="1400" b="1" u="heavy" spc="-45">
-                <a:solidFill>
-                  <a:srgbClr val="020302"/>
-                </a:solidFill>
-                <a:uFill>
-                  <a:solidFill>
-                    <a:srgbClr val="020302"/>
-                  </a:solidFill>
-                </a:uFill>
-                <a:latin typeface="Adobe Clean"/>
-                <a:cs typeface="Adobe Clean"/>
-              </a:rPr>
-              <a:t>Targets: </a:t>
-            </a:r>
-            <a:r>
-              <a:rPr sz="1400" b="1" u="heavy" spc="-10">
-                <a:solidFill>
-                  <a:srgbClr val="020302"/>
-                </a:solidFill>
-                <a:uFill>
-                  <a:solidFill>
-                    <a:srgbClr val="020302"/>
-                  </a:solidFill>
-                </a:uFill>
-                <a:latin typeface="Adobe Clean"/>
-                <a:cs typeface="Adobe Clean"/>
-              </a:rPr>
-              <a:t>Initial</a:t>
-            </a:r>
-            <a:r>
-              <a:rPr sz="1400" b="1" u="heavy" spc="-140">
-                <a:solidFill>
-                  <a:srgbClr val="020302"/>
-                </a:solidFill>
-                <a:uFill>
-                  <a:solidFill>
-                    <a:srgbClr val="020302"/>
-                  </a:solidFill>
-                </a:uFill>
-                <a:latin typeface="Adobe Clean"/>
-                <a:cs typeface="Adobe Clean"/>
-              </a:rPr>
-              <a:t> </a:t>
-            </a:r>
-            <a:r>
-              <a:rPr sz="1400" b="1" u="heavy" spc="-15">
-                <a:solidFill>
-                  <a:srgbClr val="020302"/>
-                </a:solidFill>
-                <a:uFill>
-                  <a:solidFill>
-                    <a:srgbClr val="020302"/>
-                  </a:solidFill>
-                </a:uFill>
-                <a:latin typeface="Adobe Clean"/>
-                <a:cs typeface="Adobe Clean"/>
-              </a:rPr>
-              <a:t>Response</a:t>
-            </a:r>
-            <a:endParaRPr sz="1400">
-              <a:latin typeface="Adobe Clean"/>
-              <a:cs typeface="Adobe Clean"/>
-            </a:endParaRPr>
           </a:p>
         </p:txBody>
       </p:sp>
@@ -2053,7 +1843,7 @@
           </a:prstGeom>
         </p:spPr>
         <p:txBody>
-          <a:bodyPr vert="horz" wrap="square" lIns="0" tIns="12700" rIns="0" bIns="0" rtlCol="0" anchor="t">
+          <a:bodyPr vert="horz" wrap="square" lIns="0" tIns="12700" rIns="0" bIns="0" rtlCol="0">
             <a:spAutoFit/>
           </a:bodyPr>
           <a:lstStyle/>
@@ -2067,20 +1857,11 @@
               </a:spcBef>
             </a:pPr>
             <a:r>
-              <a:rPr sz="2300">
-                <a:latin typeface="Adobe Clean"/>
+              <a:rPr lang="pt-BR" sz="2300">
+                <a:latin typeface="Adobe Clean" panose="020B0503020404020204" pitchFamily="34" charset="0"/>
               </a:rPr>
-              <a:t>ADOBE </a:t>
+              <a:t>SERVIÇOS DE SUPORTE ADOBE</a:t>
             </a:r>
-            <a:r>
-              <a:rPr lang="en-US" sz="2300">
-                <a:latin typeface="Adobe Clean"/>
-              </a:rPr>
-              <a:t>SUPPORT PLANS</a:t>
-            </a:r>
-            <a:endParaRPr sz="2300">
-              <a:latin typeface="Adobe Clean" panose="020B0503020404020204" pitchFamily="34" charset="0"/>
-            </a:endParaRPr>
           </a:p>
         </p:txBody>
       </p:sp>
@@ -2092,8 +1873,8 @@
         </p:nvSpPr>
         <p:spPr>
           <a:xfrm>
-            <a:off x="121147" y="531160"/>
-            <a:ext cx="5865216" cy="1269065"/>
+            <a:off x="121147" y="635935"/>
+            <a:ext cx="5865216" cy="1270476"/>
           </a:xfrm>
           <a:prstGeom prst="rect">
             <a:avLst/>
@@ -2114,7 +1895,7 @@
               </a:spcBef>
             </a:pPr>
             <a:r>
-              <a:rPr lang="en-US" sz="900">
+              <a:rPr lang="pt-BR" sz="900" dirty="0">
                 <a:solidFill>
                   <a:schemeClr val="bg1"/>
                 </a:solidFill>
@@ -2123,7 +1904,7 @@
               <a:t>Online | </a:t>
             </a:r>
             <a:r>
-              <a:rPr lang="en-US" sz="900" b="1">
+              <a:rPr lang="pt-BR" sz="900" b="1" dirty="0">
                 <a:solidFill>
                   <a:schemeClr val="bg1"/>
                 </a:solidFill>
@@ -2132,7 +1913,7 @@
               <a:t>Business</a:t>
             </a:r>
             <a:r>
-              <a:rPr lang="en-US" sz="900">
+              <a:rPr lang="pt-BR" sz="900" dirty="0">
                 <a:solidFill>
                   <a:schemeClr val="bg1"/>
                 </a:solidFill>
@@ -2151,21 +1932,31 @@
               </a:spcBef>
             </a:pPr>
             <a:r>
-              <a:rPr lang="en-US" sz="900">
+              <a:rPr lang="pt-BR" sz="900" spc="-20" dirty="0">
                 <a:solidFill>
                   <a:schemeClr val="bg1"/>
                 </a:solidFill>
                 <a:latin typeface="Adobe Clean SemiLight" panose="020B0403020404020204" pitchFamily="34" charset="0"/>
               </a:rPr>
-              <a:t>Adobe provides a comprehensive range of technical resources to help support your business, included as part of your Experience Cloud license subscription and enhanced in the BUSINESS support package. BUSINESS support includes access to personalized learning paths and monitored community forums via the Adobe Experience League. You can also take advantage of our detailed and in-depth technical product documentation and current release notes. BUSINESS customers also benefit from access to our technical support teams for any product query via either the telephone or the support web portal, to help protect your business at the most critical times. BUSINESS customers will receive regular communications and updates from their Account Support Lead in addition to support case escalation management for your most critical of support requests. </a:t>
+              <a:t>A Adobe oferece uma ampla gama de recursos técnicos para prestar suporte à sua empresa, incluídos na sua assinatura da Experience Cloud e com melhorias adicionais no pacote de suporte BUSINESS. O Suporte BUSINESS inclui acesso a caminhos de aprendizagem personalizados e a fóruns monitorados da comunidade na Adobe Experience League. Você tem à sua disposição a nossa documentação técnica de produto, com todos os detalhes, e as notas de versão atuais. Os clientes BUSINESS também contam com acesso às nossas equipes de suporte técnico para qualquer consulta sobre o produto, por telefone ou no portal da web, com o fim de proteger sua empresa nos momentos mais críticos. Além disso, os clientes BUSINESS recebem comunicações e atualizações periódicos do Líder </a:t>
             </a:r>
-            <a:endParaRPr lang="en-US" sz="900">
-              <a:solidFill>
-                <a:schemeClr val="bg1"/>
-              </a:solidFill>
-              <a:latin typeface="Adobe Clean Light" panose="020B0303020404020204" pitchFamily="34" charset="0"/>
-              <a:cs typeface="AdobeClean-Light"/>
-            </a:endParaRPr>
+            <a:br>
+              <a:rPr lang="sk-SK" sz="900" spc="-20" dirty="0">
+                <a:solidFill>
+                  <a:schemeClr val="bg1"/>
+                </a:solidFill>
+                <a:latin typeface="Adobe Clean SemiLight" panose="020B0403020404020204" pitchFamily="34" charset="0"/>
+              </a:rPr>
+            </a:br>
+            <a:r>
+              <a:rPr lang="pt-BR" sz="900" spc="-20" dirty="0">
+                <a:solidFill>
+                  <a:schemeClr val="bg1"/>
+                </a:solidFill>
+                <a:latin typeface="Adobe Clean SemiLight" panose="020B0403020404020204" pitchFamily="34" charset="0"/>
+              </a:rPr>
+              <a:t>de suporte da conta e gestão de encaminhamento de casos de suporte para as solicitações mais críticas. </a:t>
+            </a:r>
           </a:p>
         </p:txBody>
       </p:sp>
@@ -2232,24 +2023,8 @@
               </a:spcBef>
             </a:pPr>
             <a:r>
-              <a:rPr spc="-5"/>
-              <a:t>©202</a:t>
-            </a:r>
-            <a:r>
-              <a:rPr lang="en-US" spc="-5"/>
-              <a:t>1</a:t>
-            </a:r>
-            <a:r>
-              <a:rPr spc="-5"/>
-              <a:t> Adobe. All Rights Reserved. Adobe</a:t>
-            </a:r>
-            <a:r>
-              <a:rPr spc="60"/>
-              <a:t> </a:t>
-            </a:r>
-            <a:r>
-              <a:rPr spc="-5"/>
-              <a:t>Confidential.</a:t>
+              <a:rPr lang="pt-BR"/>
+              <a:t>©2021 Adobe. All Rights Reserved. Adobe Confidential.</a:t>
             </a:r>
           </a:p>
         </p:txBody>
@@ -2263,14 +2038,14 @@
           <p:nvPr>
             <p:extLst>
               <p:ext uri="{D42A27DB-BD31-4B8C-83A1-F6EECF244321}">
-                <p14:modId xmlns:p14="http://schemas.microsoft.com/office/powerpoint/2010/main" val="852543156"/>
+                <p14:modId xmlns:p14="http://schemas.microsoft.com/office/powerpoint/2010/main" val="2818194508"/>
               </p:ext>
             </p:extLst>
           </p:nvPr>
         </p:nvGraphicFramePr>
         <p:xfrm>
-          <a:off x="118872" y="7475985"/>
-          <a:ext cx="7498851" cy="2223598"/>
+          <a:off x="121146" y="7475985"/>
+          <a:ext cx="7498852" cy="2119744"/>
         </p:xfrm>
         <a:graphic>
           <a:graphicData uri="http://schemas.openxmlformats.org/drawingml/2006/table">
@@ -2279,7 +2054,7 @@
                 <a:tableStyleId>{2D5ABB26-0587-4C30-8999-92F81FD0307C}</a:tableStyleId>
               </a:tblPr>
               <a:tblGrid>
-                <a:gridCol w="4698744">
+                <a:gridCol w="4698745">
                   <a:extLst>
                     <a:ext uri="{9D8B030D-6E8A-4147-A177-3AD203B41FA5}">
                       <a16:colId xmlns:a16="http://schemas.microsoft.com/office/drawing/2014/main" val="20000"/>
@@ -2301,7 +2076,7 @@
                   </a:extLst>
                 </a:gridCol>
               </a:tblGrid>
-              <a:tr h="291248">
+              <a:tr h="274318">
                 <a:tc>
                   <a:txBody>
                     <a:bodyPr/>
@@ -2316,22 +2091,18 @@
                         </a:spcBef>
                       </a:pPr>
                       <a:r>
-                        <a:rPr sz="900" spc="0">
+                        <a:rPr lang="pt-BR" sz="900">
                           <a:solidFill>
                             <a:srgbClr val="020302"/>
                           </a:solidFill>
                           <a:latin typeface="Adobe Clean"/>
                           <a:cs typeface="Adobe Clean"/>
                         </a:rPr>
-                        <a:t>Priority</a:t>
+                        <a:t>Prioridade</a:t>
                       </a:r>
-                      <a:endParaRPr sz="900" spc="0">
-                        <a:latin typeface="Adobe Clean"/>
-                        <a:cs typeface="Adobe Clean"/>
-                      </a:endParaRPr>
                     </a:p>
                   </a:txBody>
-                  <a:tcPr marL="0" marR="0" marT="7620" marB="0">
+                  <a:tcPr marL="0" marR="0" marT="7620" marB="0" anchor="ctr">
                     <a:lnL w="3175">
                       <a:solidFill>
                         <a:srgbClr val="B7B8B8"/>
@@ -2375,22 +2146,18 @@
                         </a:spcBef>
                       </a:pPr>
                       <a:r>
-                        <a:rPr sz="900" spc="0">
+                        <a:rPr lang="pt-BR" sz="900">
                           <a:solidFill>
                             <a:srgbClr val="020302"/>
                           </a:solidFill>
                           <a:latin typeface="Adobe Clean"/>
                           <a:cs typeface="Adobe Clean"/>
                         </a:rPr>
-                        <a:t>Online Support</a:t>
+                        <a:t>Suporte Online</a:t>
                       </a:r>
-                      <a:endParaRPr sz="900" spc="0">
-                        <a:latin typeface="Adobe Clean"/>
-                        <a:cs typeface="Adobe Clean"/>
-                      </a:endParaRPr>
                     </a:p>
                   </a:txBody>
-                  <a:tcPr marL="182880" marT="91440" anchor="ctr">
+                  <a:tcPr anchor="ctr">
                     <a:lnL w="3175">
                       <a:solidFill>
                         <a:srgbClr val="B7B8B8"/>
@@ -2434,42 +2201,18 @@
                         </a:spcBef>
                       </a:pPr>
                       <a:r>
-                        <a:rPr sz="900" spc="0">
+                        <a:rPr lang="pt-BR" sz="900">
                           <a:solidFill>
                             <a:srgbClr val="FFFFFF"/>
                           </a:solidFill>
                           <a:latin typeface="Adobe Clean"/>
                           <a:cs typeface="Adobe Clean"/>
                         </a:rPr>
-                        <a:t>Business</a:t>
+                        <a:t>Suporte Business</a:t>
                       </a:r>
-                      <a:r>
-                        <a:rPr lang="en-US" sz="900" spc="0">
-                          <a:solidFill>
-                            <a:srgbClr val="FFFFFF"/>
-                          </a:solidFill>
-                          <a:latin typeface="Adobe Clean"/>
-                          <a:cs typeface="Adobe Clean"/>
-                        </a:rPr>
-                        <a:t> </a:t>
-                      </a:r>
-                      <a:r>
-                        <a:rPr sz="900" spc="0">
-                          <a:solidFill>
-                            <a:srgbClr val="FFFFFF"/>
-                          </a:solidFill>
-                          <a:latin typeface="Adobe Clean"/>
-                          <a:cs typeface="Adobe Clean"/>
-                        </a:rPr>
-                        <a:t>Support</a:t>
-                      </a:r>
-                      <a:endParaRPr sz="900" spc="0">
-                        <a:latin typeface="Adobe Clean"/>
-                        <a:cs typeface="Adobe Clean"/>
-                      </a:endParaRPr>
                     </a:p>
                   </a:txBody>
-                  <a:tcPr marL="182880" marT="91440" anchor="ctr">
+                  <a:tcPr anchor="ctr">
                     <a:lnL w="3175">
                       <a:solidFill>
                         <a:srgbClr val="B7B8B8"/>
@@ -2505,7 +2248,7 @@
                   </a:ext>
                 </a:extLst>
               </a:tr>
-              <a:tr h="514672">
+              <a:tr h="484755">
                 <a:tc>
                   <a:txBody>
                     <a:bodyPr/>
@@ -2520,19 +2263,15 @@
                         </a:spcBef>
                       </a:pPr>
                       <a:r>
-                        <a:rPr sz="900" b="1" spc="0">
+                        <a:rPr lang="pt-BR" sz="900" b="1" dirty="0">
                           <a:solidFill>
                             <a:srgbClr val="020302"/>
                           </a:solidFill>
                           <a:latin typeface="Adobe Clean"/>
                           <a:cs typeface="Adobe Clean"/>
                         </a:rPr>
-                        <a:t>PRIORITY 1</a:t>
+                        <a:t>PRIORIDADE 1</a:t>
                       </a:r>
-                      <a:endParaRPr sz="900" spc="0">
-                        <a:latin typeface="Adobe Clean"/>
-                        <a:cs typeface="Adobe Clean"/>
-                      </a:endParaRPr>
                     </a:p>
                     <a:p>
                       <a:pPr marL="50800" marR="387985" lvl="0" indent="0" algn="l" defTabSz="914400" rtl="0" eaLnBrk="1" fontAlgn="auto" latinLnBrk="0" hangingPunct="1">
@@ -2553,19 +2292,14 @@
                         <a:defRPr/>
                       </a:pPr>
                       <a:r>
-                        <a:rPr lang="en-US" sz="900" b="0" i="0" spc="0">
+                        <a:rPr lang="pt-BR" sz="900" b="0" i="0" spc="-20" baseline="0" dirty="0">
                           <a:solidFill>
                             <a:srgbClr val="000000"/>
                           </a:solidFill>
-                          <a:effectLst/>
                           <a:latin typeface="Adobe Clean Light" panose="020B0303020404020204" pitchFamily="34" charset="0"/>
                         </a:rPr>
-                        <a:t>Customer's production business functions are down or have significant data loss or service degradation and immediate attention is required to restore functionality and usability</a:t>
+                        <a:t>As funções de produção do cliente estão inativas ou têm perda significativa de dados ou degradação de serviços, e é necessária atenção imediata para restaurar a funcionalidade e a usabilidade</a:t>
                       </a:r>
-                      <a:endParaRPr lang="en-US" sz="900" b="0" i="0" spc="0">
-                        <a:latin typeface="Adobe Clean Light" panose="020B0303020404020204" pitchFamily="34" charset="0"/>
-                        <a:cs typeface="AdobeClean-Light"/>
-                      </a:endParaRPr>
                     </a:p>
                   </a:txBody>
                   <a:tcPr marL="0" marR="0" marT="3810" marB="0">
@@ -2609,62 +2343,18 @@
                         </a:spcBef>
                       </a:pPr>
                       <a:r>
-                        <a:rPr sz="900" spc="0">
+                        <a:rPr lang="pt-BR" sz="900">
                           <a:solidFill>
                             <a:srgbClr val="020302"/>
                           </a:solidFill>
                           <a:latin typeface="AdobeClean-Light"/>
                           <a:cs typeface="AdobeClean-Light"/>
                         </a:rPr>
-                        <a:t>24x7</a:t>
+                        <a:t>24x7 /              1 hora</a:t>
                       </a:r>
-                      <a:r>
-                        <a:rPr lang="en-US" sz="900" spc="0">
-                          <a:solidFill>
-                            <a:srgbClr val="020302"/>
-                          </a:solidFill>
-                          <a:latin typeface="AdobeClean-Light"/>
-                          <a:cs typeface="AdobeClean-Light"/>
-                        </a:rPr>
-                        <a:t> </a:t>
-                      </a:r>
-                      <a:r>
-                        <a:rPr sz="900" spc="0">
-                          <a:solidFill>
-                            <a:srgbClr val="020302"/>
-                          </a:solidFill>
-                          <a:latin typeface="AdobeClean-Light"/>
-                          <a:cs typeface="AdobeClean-Light"/>
-                        </a:rPr>
-                        <a:t>/</a:t>
-                      </a:r>
-                      <a:r>
-                        <a:rPr lang="en-US" sz="900" spc="0">
-                          <a:solidFill>
-                            <a:srgbClr val="020302"/>
-                          </a:solidFill>
-                          <a:latin typeface="AdobeClean-Light"/>
-                          <a:cs typeface="AdobeClean-Light"/>
-                        </a:rPr>
-                        <a:t> </a:t>
-                      </a:r>
-                      <a:r>
-                        <a:rPr sz="900" spc="0">
-                          <a:solidFill>
-                            <a:srgbClr val="020302"/>
-                          </a:solidFill>
-                          <a:latin typeface="AdobeClean-Light"/>
-                          <a:cs typeface="AdobeClean-Light"/>
-                        </a:rPr>
-                        <a:t>1 hour</a:t>
-                      </a:r>
-                      <a:endParaRPr sz="900" spc="0">
-                        <a:latin typeface="AdobeClean-Light"/>
-                        <a:cs typeface="AdobeClean-Light"/>
-                      </a:endParaRPr>
                     </a:p>
                   </a:txBody>
-                  <a:tcPr marL="0" marR="0" marT="91440" marB="91440" anchor="ctr" anchorCtr="1">
+                  <a:tcPr anchor="ctr">
                     <a:lnL w="3175">
                       <a:solidFill>
                         <a:srgbClr val="B7B8B8"/>
@@ -2705,62 +2395,18 @@
                         </a:spcBef>
                       </a:pPr>
                       <a:r>
-                        <a:rPr sz="900" spc="0">
+                        <a:rPr lang="pt-BR" sz="900">
                           <a:solidFill>
                             <a:srgbClr val="020302"/>
                           </a:solidFill>
                           <a:latin typeface="AdobeClean-Light"/>
                           <a:cs typeface="AdobeClean-Light"/>
                         </a:rPr>
-                        <a:t>24x7</a:t>
+                        <a:t>24x7 /              1 hora</a:t>
                       </a:r>
-                      <a:r>
-                        <a:rPr lang="en-US" sz="900" spc="0">
-                          <a:solidFill>
-                            <a:srgbClr val="020302"/>
-                          </a:solidFill>
-                          <a:latin typeface="AdobeClean-Light"/>
-                          <a:cs typeface="AdobeClean-Light"/>
-                        </a:rPr>
-                        <a:t> </a:t>
-                      </a:r>
-                      <a:r>
-                        <a:rPr sz="900" spc="0">
-                          <a:solidFill>
-                            <a:srgbClr val="020302"/>
-                          </a:solidFill>
-                          <a:latin typeface="AdobeClean-Light"/>
-                          <a:cs typeface="AdobeClean-Light"/>
-                        </a:rPr>
-                        <a:t>/</a:t>
-                      </a:r>
-                      <a:r>
-                        <a:rPr lang="en-US" sz="900" spc="0">
-                          <a:solidFill>
-                            <a:srgbClr val="020302"/>
-                          </a:solidFill>
-                          <a:latin typeface="AdobeClean-Light"/>
-                          <a:cs typeface="AdobeClean-Light"/>
-                        </a:rPr>
-                        <a:t> </a:t>
-                      </a:r>
-                      <a:r>
-                        <a:rPr sz="900" spc="0">
-                          <a:solidFill>
-                            <a:srgbClr val="020302"/>
-                          </a:solidFill>
-                          <a:latin typeface="AdobeClean-Light"/>
-                          <a:cs typeface="AdobeClean-Light"/>
-                        </a:rPr>
-                        <a:t>1 hour</a:t>
-                      </a:r>
-                      <a:endParaRPr sz="900" spc="0">
-                        <a:latin typeface="AdobeClean-Light"/>
-                        <a:cs typeface="AdobeClean-Light"/>
-                      </a:endParaRPr>
                     </a:p>
                   </a:txBody>
-                  <a:tcPr marL="0" marR="0" marT="91440" marB="91440" anchor="ctr" anchorCtr="1">
+                  <a:tcPr anchor="ctr">
                     <a:lnL w="3175">
                       <a:solidFill>
                         <a:srgbClr val="B7B8B8"/>
@@ -2798,7 +2444,7 @@
                   </a:ext>
                 </a:extLst>
               </a:tr>
-              <a:tr h="514672">
+              <a:tr h="484755">
                 <a:tc>
                   <a:txBody>
                     <a:bodyPr/>
@@ -2813,19 +2459,15 @@
                         </a:spcBef>
                       </a:pPr>
                       <a:r>
-                        <a:rPr sz="900" b="1" spc="0">
+                        <a:rPr lang="pt-BR" sz="900" b="1" dirty="0">
                           <a:solidFill>
                             <a:srgbClr val="020302"/>
                           </a:solidFill>
                           <a:latin typeface="Adobe Clean"/>
                           <a:cs typeface="Adobe Clean"/>
                         </a:rPr>
-                        <a:t>PRIORITY 2</a:t>
+                        <a:t>PRIORIDADE 2</a:t>
                       </a:r>
-                      <a:endParaRPr sz="900" spc="0">
-                        <a:latin typeface="Adobe Clean"/>
-                        <a:cs typeface="Adobe Clean"/>
-                      </a:endParaRPr>
                     </a:p>
                     <a:p>
                       <a:pPr marL="50165" marR="203200">
@@ -2837,19 +2479,14 @@
                         </a:spcBef>
                       </a:pPr>
                       <a:r>
-                        <a:rPr lang="en-US" sz="900" b="0" i="0" spc="0">
+                        <a:rPr lang="pt-BR" sz="900" b="0" i="0" dirty="0">
                           <a:solidFill>
                             <a:srgbClr val="000000"/>
                           </a:solidFill>
-                          <a:effectLst/>
                           <a:latin typeface="Adobe Clean Light" panose="020B0303020404020204" pitchFamily="34" charset="0"/>
                         </a:rPr>
-                        <a:t>Customer's business functions have major service degradation or potential data loss, or a major feature is impacted </a:t>
+                        <a:t>As funções empresariais do cliente têm grande degradação de serviços, perda potencial de dados ou foi afetado um recurso importante </a:t>
                       </a:r>
-                      <a:endParaRPr lang="en-US" sz="900" b="0" i="0" spc="0">
-                        <a:latin typeface="Adobe Clean Light" panose="020B0303020404020204" pitchFamily="34" charset="0"/>
-                        <a:cs typeface="AdobeClean-Light"/>
-                      </a:endParaRPr>
                     </a:p>
                   </a:txBody>
                   <a:tcPr marL="0" marR="0" marT="3810" marB="0">
@@ -2893,82 +2530,18 @@
                         </a:spcBef>
                       </a:pPr>
                       <a:r>
-                        <a:rPr sz="900" spc="0">
+                        <a:rPr lang="pt-BR" sz="900">
                           <a:solidFill>
                             <a:srgbClr val="020302"/>
                           </a:solidFill>
                           <a:latin typeface="AdobeClean-Light"/>
                           <a:cs typeface="AdobeClean-Light"/>
                         </a:rPr>
-                        <a:t>Business</a:t>
+                        <a:t>Horário comercial/          4 horas</a:t>
                       </a:r>
-                      <a:r>
-                        <a:rPr lang="en-US" sz="900" spc="0">
-                          <a:solidFill>
-                            <a:srgbClr val="020302"/>
-                          </a:solidFill>
-                          <a:latin typeface="AdobeClean-Light"/>
-                          <a:cs typeface="AdobeClean-Light"/>
-                        </a:rPr>
-                        <a:t> </a:t>
-                      </a:r>
-                      <a:r>
-                        <a:rPr sz="900" spc="0">
-                          <a:solidFill>
-                            <a:srgbClr val="020302"/>
-                          </a:solidFill>
-                          <a:latin typeface="AdobeClean-Light"/>
-                          <a:cs typeface="AdobeClean-Light"/>
-                        </a:rPr>
-                        <a:t>hours</a:t>
-                      </a:r>
-                      <a:r>
-                        <a:rPr lang="en-US" sz="900" spc="0">
-                          <a:solidFill>
-                            <a:srgbClr val="020302"/>
-                          </a:solidFill>
-                          <a:latin typeface="AdobeClean-Light"/>
-                          <a:cs typeface="AdobeClean-Light"/>
-                        </a:rPr>
-                        <a:t> </a:t>
-                      </a:r>
-                      <a:r>
-                        <a:rPr sz="900" spc="0">
-                          <a:solidFill>
-                            <a:srgbClr val="020302"/>
-                          </a:solidFill>
-                          <a:latin typeface="AdobeClean-Light"/>
-                          <a:cs typeface="AdobeClean-Light"/>
-                        </a:rPr>
-                        <a:t>/</a:t>
-                      </a:r>
-                      <a:r>
-                        <a:rPr lang="en-US" sz="900" spc="0">
-                          <a:solidFill>
-                            <a:srgbClr val="020302"/>
-                          </a:solidFill>
-                          <a:latin typeface="AdobeClean-Light"/>
-                          <a:cs typeface="AdobeClean-Light"/>
-                        </a:rPr>
-                        <a:t> </a:t>
-                      </a:r>
-                      <a:r>
-                        <a:rPr sz="900" spc="0">
-                          <a:solidFill>
-                            <a:srgbClr val="020302"/>
-                          </a:solidFill>
-                          <a:latin typeface="AdobeClean-Light"/>
-                          <a:cs typeface="AdobeClean-Light"/>
-                        </a:rPr>
-                        <a:t>4 hours</a:t>
-                      </a:r>
-                      <a:endParaRPr sz="900" spc="0">
-                        <a:latin typeface="AdobeClean-Light"/>
-                        <a:cs typeface="AdobeClean-Light"/>
-                      </a:endParaRPr>
                     </a:p>
                   </a:txBody>
-                  <a:tcPr marL="0" marR="0" marT="91440" marB="91440" anchor="ctr" anchorCtr="1">
+                  <a:tcPr anchor="ctr">
                     <a:lnL w="3175">
                       <a:solidFill>
                         <a:srgbClr val="B7B8B8"/>
@@ -3009,92 +2582,18 @@
                         </a:spcBef>
                       </a:pPr>
                       <a:r>
-                        <a:rPr lang="en-US" sz="900" spc="0">
+                        <a:rPr lang="pt-BR" sz="900">
                           <a:solidFill>
                             <a:srgbClr val="020302"/>
                           </a:solidFill>
                           <a:latin typeface="AdobeClean-Light"/>
                           <a:cs typeface="AdobeClean-Light"/>
                         </a:rPr>
-                        <a:t>    </a:t>
+                        <a:t>Horário comercial/          2 horas</a:t>
                       </a:r>
-                      <a:r>
-                        <a:rPr sz="900" spc="0">
-                          <a:solidFill>
-                            <a:srgbClr val="020302"/>
-                          </a:solidFill>
-                          <a:latin typeface="AdobeClean-Light"/>
-                          <a:cs typeface="AdobeClean-Light"/>
-                        </a:rPr>
-                        <a:t>Business</a:t>
-                      </a:r>
-                      <a:r>
-                        <a:rPr lang="en-US" sz="900" spc="0">
-                          <a:solidFill>
-                            <a:srgbClr val="020302"/>
-                          </a:solidFill>
-                          <a:latin typeface="AdobeClean-Light"/>
-                          <a:cs typeface="AdobeClean-Light"/>
-                        </a:rPr>
-                        <a:t> </a:t>
-                      </a:r>
-                      <a:r>
-                        <a:rPr sz="900" spc="0">
-                          <a:solidFill>
-                            <a:srgbClr val="020302"/>
-                          </a:solidFill>
-                          <a:latin typeface="AdobeClean-Light"/>
-                          <a:cs typeface="AdobeClean-Light"/>
-                        </a:rPr>
-                        <a:t>hours</a:t>
-                      </a:r>
-                      <a:r>
-                        <a:rPr lang="en-US" sz="900" spc="0">
-                          <a:solidFill>
-                            <a:srgbClr val="020302"/>
-                          </a:solidFill>
-                          <a:latin typeface="AdobeClean-Light"/>
-                          <a:cs typeface="AdobeClean-Light"/>
-                        </a:rPr>
-                        <a:t> / </a:t>
-                      </a:r>
-                      <a:r>
-                        <a:rPr sz="900" spc="0">
-                          <a:solidFill>
-                            <a:srgbClr val="020302"/>
-                          </a:solidFill>
-                          <a:latin typeface="AdobeClean-Light"/>
-                          <a:cs typeface="AdobeClean-Light"/>
-                        </a:rPr>
-                        <a:t>2</a:t>
-                      </a:r>
-                      <a:r>
-                        <a:rPr lang="en-US" sz="900" spc="0">
-                          <a:solidFill>
-                            <a:srgbClr val="020302"/>
-                          </a:solidFill>
-                          <a:latin typeface="AdobeClean-Light"/>
-                          <a:cs typeface="AdobeClean-Light"/>
-                        </a:rPr>
-                        <a:t> </a:t>
-                      </a:r>
-                      <a:r>
-                        <a:rPr sz="900" spc="0">
-                          <a:solidFill>
-                            <a:srgbClr val="020302"/>
-                          </a:solidFill>
-                          <a:latin typeface="AdobeClean-Light"/>
-                          <a:cs typeface="AdobeClean-Light"/>
-                        </a:rPr>
-                        <a:t>hours</a:t>
-                      </a:r>
-                      <a:endParaRPr sz="900" spc="0">
-                        <a:latin typeface="AdobeClean-Light"/>
-                        <a:cs typeface="AdobeClean-Light"/>
-                      </a:endParaRPr>
                     </a:p>
                   </a:txBody>
-                  <a:tcPr marL="0" marR="0" marT="91440" marB="91440" anchor="ctr" anchorCtr="1">
+                  <a:tcPr anchor="ctr">
                     <a:lnL w="3175">
                       <a:solidFill>
                         <a:srgbClr val="B7B8B8"/>
@@ -3132,7 +2631,7 @@
                   </a:ext>
                 </a:extLst>
               </a:tr>
-              <a:tr h="514673">
+              <a:tr h="484756">
                 <a:tc>
                   <a:txBody>
                     <a:bodyPr/>
@@ -3147,19 +2646,15 @@
                         </a:spcBef>
                       </a:pPr>
                       <a:r>
-                        <a:rPr sz="900" b="1" spc="0">
+                        <a:rPr lang="pt-BR" sz="900" b="1">
                           <a:solidFill>
                             <a:srgbClr val="020302"/>
                           </a:solidFill>
                           <a:latin typeface="Adobe Clean"/>
                           <a:cs typeface="Adobe Clean"/>
                         </a:rPr>
-                        <a:t>PRIORITY 3</a:t>
+                        <a:t>PRIORIDADE 3</a:t>
                       </a:r>
-                      <a:endParaRPr sz="900" spc="0">
-                        <a:latin typeface="Adobe Clean"/>
-                        <a:cs typeface="Adobe Clean"/>
-                      </a:endParaRPr>
                     </a:p>
                     <a:p>
                       <a:pPr marL="49530" marR="212090" indent="-2540">
@@ -3171,26 +2666,21 @@
                         </a:spcBef>
                       </a:pPr>
                       <a:r>
-                        <a:rPr kumimoji="0" lang="en-US" sz="900" b="0" i="0" u="none" strike="noStrike" kern="1200" cap="none" spc="0" normalizeH="0" baseline="0" noProof="0">
+                        <a:rPr kumimoji="0" lang="pt-BR" sz="900" b="0" i="0" u="none" strike="noStrike" cap="none" normalizeH="0" baseline="0" noProof="0">
                           <a:ln>
                             <a:noFill/>
                           </a:ln>
                           <a:solidFill>
                             <a:srgbClr val="000000"/>
                           </a:solidFill>
-                          <a:effectLst/>
                           <a:uLnTx/>
                           <a:uFillTx/>
                           <a:latin typeface="Adobe Clean Light" panose="020B0303020404020204" pitchFamily="34" charset="0"/>
                           <a:ea typeface="+mn-ea"/>
                           <a:cs typeface="+mn-cs"/>
                         </a:rPr>
-                        <a:t>Customer's business functions have minor service degradation but there exists a solution/workaround allowing business functions to continue </a:t>
+                        <a:t>As funções empresariais do cliente têm pouca degradação dos serviços, e há uma solução/solução alternativa que permite que as funções empresariais continuem normalmente </a:t>
                       </a:r>
-                      <a:endParaRPr lang="en-US" sz="900" b="0" i="0" spc="0">
-                        <a:latin typeface="Adobe Clean Light" panose="020B0303020404020204" pitchFamily="34" charset="0"/>
-                        <a:cs typeface="AdobeClean-Light"/>
-                      </a:endParaRPr>
                     </a:p>
                   </a:txBody>
                   <a:tcPr marL="0" marR="0" marT="3810" marB="0">
@@ -3234,92 +2724,18 @@
                         </a:spcBef>
                       </a:pPr>
                       <a:r>
-                        <a:rPr lang="en-US" sz="900" spc="0">
+                        <a:rPr lang="pt-BR" sz="900">
                           <a:solidFill>
                             <a:srgbClr val="020302"/>
                           </a:solidFill>
                           <a:latin typeface="AdobeClean-Light"/>
                           <a:cs typeface="AdobeClean-Light"/>
                         </a:rPr>
-                        <a:t>   </a:t>
+                        <a:t>Horário comercial/          6 horas</a:t>
                       </a:r>
-                      <a:r>
-                        <a:rPr sz="900" spc="0">
-                          <a:solidFill>
-                            <a:srgbClr val="020302"/>
-                          </a:solidFill>
-                          <a:latin typeface="AdobeClean-Light"/>
-                          <a:cs typeface="AdobeClean-Light"/>
-                        </a:rPr>
-                        <a:t>Business</a:t>
-                      </a:r>
-                      <a:r>
-                        <a:rPr lang="en-US" sz="900" spc="0">
-                          <a:solidFill>
-                            <a:srgbClr val="020302"/>
-                          </a:solidFill>
-                          <a:latin typeface="AdobeClean-Light"/>
-                          <a:cs typeface="AdobeClean-Light"/>
-                        </a:rPr>
-                        <a:t> </a:t>
-                      </a:r>
-                      <a:r>
-                        <a:rPr sz="900" spc="0">
-                          <a:solidFill>
-                            <a:srgbClr val="020302"/>
-                          </a:solidFill>
-                          <a:latin typeface="AdobeClean-Light"/>
-                          <a:cs typeface="AdobeClean-Light"/>
-                        </a:rPr>
-                        <a:t>hours</a:t>
-                      </a:r>
-                      <a:r>
-                        <a:rPr lang="en-US" sz="900" spc="0">
-                          <a:solidFill>
-                            <a:srgbClr val="020302"/>
-                          </a:solidFill>
-                          <a:latin typeface="AdobeClean-Light"/>
-                          <a:cs typeface="AdobeClean-Light"/>
-                        </a:rPr>
-                        <a:t> / </a:t>
-                      </a:r>
-                      <a:r>
-                        <a:rPr sz="900" spc="0">
-                          <a:solidFill>
-                            <a:srgbClr val="020302"/>
-                          </a:solidFill>
-                          <a:latin typeface="AdobeClean-Light"/>
-                          <a:cs typeface="AdobeClean-Light"/>
-                        </a:rPr>
-                        <a:t>6</a:t>
-                      </a:r>
-                      <a:r>
-                        <a:rPr lang="en-US" sz="900" spc="0">
-                          <a:solidFill>
-                            <a:srgbClr val="020302"/>
-                          </a:solidFill>
-                          <a:latin typeface="AdobeClean-Light"/>
-                          <a:cs typeface="AdobeClean-Light"/>
-                        </a:rPr>
-                        <a:t> </a:t>
-                      </a:r>
-                      <a:r>
-                        <a:rPr sz="900" spc="0">
-                          <a:solidFill>
-                            <a:srgbClr val="020302"/>
-                          </a:solidFill>
-                          <a:latin typeface="AdobeClean-Light"/>
-                          <a:cs typeface="AdobeClean-Light"/>
-                        </a:rPr>
-                        <a:t>hours</a:t>
-                      </a:r>
-                      <a:endParaRPr sz="900" spc="0">
-                        <a:latin typeface="AdobeClean-Light"/>
-                        <a:cs typeface="AdobeClean-Light"/>
-                      </a:endParaRPr>
                     </a:p>
                   </a:txBody>
-                  <a:tcPr marL="0" marR="0" marT="91440" marB="91440" anchor="ctr" anchorCtr="1">
+                  <a:tcPr anchor="ctr">
                     <a:lnL w="3175">
                       <a:solidFill>
                         <a:srgbClr val="B7B8B8"/>
@@ -3360,82 +2776,18 @@
                         </a:spcBef>
                       </a:pPr>
                       <a:r>
-                        <a:rPr sz="900" spc="0">
+                        <a:rPr lang="pt-BR" sz="900">
                           <a:solidFill>
                             <a:srgbClr val="020302"/>
                           </a:solidFill>
                           <a:latin typeface="AdobeClean-Light"/>
                           <a:cs typeface="AdobeClean-Light"/>
                         </a:rPr>
-                        <a:t>Business</a:t>
+                        <a:t>Horário comercial/          4 horas</a:t>
                       </a:r>
-                      <a:r>
-                        <a:rPr lang="en-US" sz="900" spc="0">
-                          <a:solidFill>
-                            <a:srgbClr val="020302"/>
-                          </a:solidFill>
-                          <a:latin typeface="AdobeClean-Light"/>
-                          <a:cs typeface="AdobeClean-Light"/>
-                        </a:rPr>
-                        <a:t> </a:t>
-                      </a:r>
-                      <a:r>
-                        <a:rPr sz="900" spc="0">
-                          <a:solidFill>
-                            <a:srgbClr val="020302"/>
-                          </a:solidFill>
-                          <a:latin typeface="AdobeClean-Light"/>
-                          <a:cs typeface="AdobeClean-Light"/>
-                        </a:rPr>
-                        <a:t>hours</a:t>
-                      </a:r>
-                      <a:r>
-                        <a:rPr lang="en-US" sz="900" spc="0">
-                          <a:solidFill>
-                            <a:srgbClr val="020302"/>
-                          </a:solidFill>
-                          <a:latin typeface="AdobeClean-Light"/>
-                          <a:cs typeface="AdobeClean-Light"/>
-                        </a:rPr>
-                        <a:t> </a:t>
-                      </a:r>
-                      <a:r>
-                        <a:rPr sz="900" spc="0">
-                          <a:solidFill>
-                            <a:srgbClr val="020302"/>
-                          </a:solidFill>
-                          <a:latin typeface="AdobeClean-Light"/>
-                          <a:cs typeface="AdobeClean-Light"/>
-                        </a:rPr>
-                        <a:t>/ 4</a:t>
-                      </a:r>
-                      <a:r>
-                        <a:rPr lang="en-US" sz="900" spc="0">
-                          <a:solidFill>
-                            <a:srgbClr val="020302"/>
-                          </a:solidFill>
-                          <a:latin typeface="AdobeClean-Light"/>
-                          <a:cs typeface="AdobeClean-Light"/>
-                        </a:rPr>
-                        <a:t> </a:t>
-                      </a:r>
-                      <a:r>
-                        <a:rPr sz="900" spc="0">
-                          <a:solidFill>
-                            <a:srgbClr val="020302"/>
-                          </a:solidFill>
-                          <a:latin typeface="AdobeClean-Light"/>
-                          <a:cs typeface="AdobeClean-Light"/>
-                        </a:rPr>
-                        <a:t>hours</a:t>
-                      </a:r>
-                      <a:endParaRPr sz="900" spc="0">
-                        <a:latin typeface="AdobeClean-Light"/>
-                        <a:cs typeface="AdobeClean-Light"/>
-                      </a:endParaRPr>
                     </a:p>
                   </a:txBody>
-                  <a:tcPr marL="0" marR="0" marT="91440" marB="91440" anchor="ctr" anchorCtr="1">
+                  <a:tcPr anchor="ctr">
                     <a:lnL w="3175">
                       <a:solidFill>
                         <a:srgbClr val="B7B8B8"/>
@@ -3473,7 +2825,7 @@
                   </a:ext>
                 </a:extLst>
               </a:tr>
-              <a:tr h="388333">
+              <a:tr h="359998">
                 <a:tc>
                   <a:txBody>
                     <a:bodyPr/>
@@ -3488,19 +2840,15 @@
                         </a:spcBef>
                       </a:pPr>
                       <a:r>
-                        <a:rPr sz="900" b="1" spc="0">
+                        <a:rPr lang="pt-BR" sz="900" b="1" dirty="0">
                           <a:solidFill>
                             <a:srgbClr val="020302"/>
                           </a:solidFill>
                           <a:latin typeface="Adobe Clean"/>
                           <a:cs typeface="Adobe Clean"/>
                         </a:rPr>
-                        <a:t>PRIORITY 4</a:t>
+                        <a:t>PRIORIDADE 4</a:t>
                       </a:r>
-                      <a:endParaRPr sz="900" spc="0">
-                        <a:latin typeface="Adobe Clean"/>
-                        <a:cs typeface="Adobe Clean"/>
-                      </a:endParaRPr>
                     </a:p>
                     <a:p>
                       <a:pPr marL="48895" marR="0" lvl="0" indent="0" defTabSz="914400" eaLnBrk="1" fontAlgn="auto" latinLnBrk="0" hangingPunct="1">
@@ -3521,19 +2869,14 @@
                         <a:defRPr/>
                       </a:pPr>
                       <a:r>
-                        <a:rPr lang="en-US" sz="900" b="0" i="0" spc="0">
+                        <a:rPr lang="pt-BR" sz="900" b="0" i="0" dirty="0">
                           <a:solidFill>
                             <a:srgbClr val="000000"/>
                           </a:solidFill>
-                          <a:effectLst/>
                           <a:latin typeface="Adobe Clean Light" panose="020B0303020404020204" pitchFamily="34" charset="0"/>
                         </a:rPr>
-                        <a:t>General question regarding current product functionality or an enhancement request</a:t>
+                        <a:t>Pergunta geral sobre a funcionalidade atual do produto ou solicitação de melhoria</a:t>
                       </a:r>
-                      <a:endParaRPr lang="en-US" sz="900" b="0" i="0" spc="0">
-                        <a:latin typeface="Adobe Clean Light" panose="020B0303020404020204" pitchFamily="34" charset="0"/>
-                        <a:cs typeface="AdobeClean-Light"/>
-                      </a:endParaRPr>
                     </a:p>
                   </a:txBody>
                   <a:tcPr marL="0" marR="0" marT="1905" marB="0">
@@ -3577,72 +2920,18 @@
                         </a:spcBef>
                       </a:pPr>
                       <a:r>
-                        <a:rPr lang="en-US" sz="900" spc="0">
+                        <a:rPr lang="pt-BR" sz="900" dirty="0">
                           <a:solidFill>
                             <a:srgbClr val="020302"/>
                           </a:solidFill>
                           <a:latin typeface="AdobeClean-Light"/>
                           <a:cs typeface="AdobeClean-Light"/>
                         </a:rPr>
-                        <a:t>  </a:t>
+                        <a:t>Dias úteis/ 3 dias</a:t>
                       </a:r>
-                      <a:r>
-                        <a:rPr sz="900" spc="0">
-                          <a:solidFill>
-                            <a:srgbClr val="020302"/>
-                          </a:solidFill>
-                          <a:latin typeface="AdobeClean-Light"/>
-                          <a:cs typeface="AdobeClean-Light"/>
-                        </a:rPr>
-                        <a:t>Business</a:t>
-                      </a:r>
-                      <a:r>
-                        <a:rPr lang="en-US" sz="900" spc="0">
-                          <a:solidFill>
-                            <a:srgbClr val="020302"/>
-                          </a:solidFill>
-                          <a:latin typeface="AdobeClean-Light"/>
-                          <a:cs typeface="AdobeClean-Light"/>
-                        </a:rPr>
-                        <a:t> </a:t>
-                      </a:r>
-                      <a:r>
-                        <a:rPr sz="900" spc="0">
-                          <a:solidFill>
-                            <a:srgbClr val="020302"/>
-                          </a:solidFill>
-                          <a:latin typeface="AdobeClean-Light"/>
-                          <a:cs typeface="AdobeClean-Light"/>
-                        </a:rPr>
-                        <a:t>days</a:t>
-                      </a:r>
-                      <a:r>
-                        <a:rPr lang="en-US" sz="900" spc="0">
-                          <a:solidFill>
-                            <a:srgbClr val="020302"/>
-                          </a:solidFill>
-                          <a:latin typeface="AdobeClean-Light"/>
-                          <a:cs typeface="AdobeClean-Light"/>
-                        </a:rPr>
-                        <a:t> / </a:t>
-                      </a:r>
-                      <a:r>
-                        <a:rPr sz="900" spc="0">
-                          <a:solidFill>
-                            <a:srgbClr val="020302"/>
-                          </a:solidFill>
-                          <a:latin typeface="AdobeClean-Light"/>
-                          <a:cs typeface="AdobeClean-Light"/>
-                        </a:rPr>
-                        <a:t>3 days</a:t>
-                      </a:r>
-                      <a:endParaRPr sz="900" spc="0">
-                        <a:latin typeface="AdobeClean-Light"/>
-                        <a:cs typeface="AdobeClean-Light"/>
-                      </a:endParaRPr>
                     </a:p>
                   </a:txBody>
-                  <a:tcPr marL="0" marR="0" marT="91440" marB="91440" anchor="ctr" anchorCtr="1">
+                  <a:tcPr anchor="ctr">
                     <a:lnL w="3175">
                       <a:solidFill>
                         <a:srgbClr val="B7B8B8"/>
@@ -3683,82 +2972,38 @@
                         </a:spcBef>
                       </a:pPr>
                       <a:r>
-                        <a:rPr sz="900" spc="0">
+                        <a:rPr lang="pt-BR" sz="900" dirty="0">
                           <a:solidFill>
                             <a:srgbClr val="020302"/>
                           </a:solidFill>
                           <a:latin typeface="AdobeClean-Light"/>
                           <a:cs typeface="AdobeClean-Light"/>
                         </a:rPr>
-                        <a:t>Business</a:t>
+                        <a:t>Dia útil / </a:t>
                       </a:r>
+                    </a:p>
+                    <a:p>
+                      <a:pPr marL="370840" marR="223520" indent="-202565" algn="ctr">
+                        <a:lnSpc>
+                          <a:spcPct val="100000"/>
+                        </a:lnSpc>
+                        <a:spcBef>
+                          <a:spcPts val="155"/>
+                        </a:spcBef>
+                      </a:pPr>
                       <a:r>
-                        <a:rPr lang="en-US" sz="900" spc="0">
+                        <a:rPr lang="pt-BR" sz="900" dirty="0">
                           <a:solidFill>
                             <a:srgbClr val="020302"/>
                           </a:solidFill>
                           <a:latin typeface="AdobeClean-Light"/>
                           <a:cs typeface="AdobeClean-Light"/>
                         </a:rPr>
-                        <a:t> </a:t>
+                        <a:t>  1 dia</a:t>
                       </a:r>
-                      <a:r>
-                        <a:rPr sz="900" spc="0">
-                          <a:solidFill>
-                            <a:srgbClr val="020302"/>
-                          </a:solidFill>
-                          <a:latin typeface="AdobeClean-Light"/>
-                          <a:cs typeface="AdobeClean-Light"/>
-                        </a:rPr>
-                        <a:t>day</a:t>
-                      </a:r>
-                      <a:r>
-                        <a:rPr lang="en-US" sz="900" spc="0">
-                          <a:solidFill>
-                            <a:srgbClr val="020302"/>
-                          </a:solidFill>
-                          <a:latin typeface="AdobeClean-Light"/>
-                          <a:cs typeface="AdobeClean-Light"/>
-                        </a:rPr>
-                        <a:t>s </a:t>
-                      </a:r>
-                      <a:r>
-                        <a:rPr sz="900" spc="0">
-                          <a:solidFill>
-                            <a:srgbClr val="020302"/>
-                          </a:solidFill>
-                          <a:latin typeface="AdobeClean-Light"/>
-                          <a:cs typeface="AdobeClean-Light"/>
-                        </a:rPr>
-                        <a:t>/</a:t>
-                      </a:r>
-                      <a:r>
-                        <a:rPr lang="en-US" sz="900" spc="0">
-                          <a:solidFill>
-                            <a:srgbClr val="020302"/>
-                          </a:solidFill>
-                          <a:latin typeface="AdobeClean-Light"/>
-                          <a:cs typeface="AdobeClean-Light"/>
-                        </a:rPr>
-                        <a:t> </a:t>
-                      </a:r>
-                      <a:r>
-                        <a:rPr sz="900" spc="0">
-                          <a:solidFill>
-                            <a:srgbClr val="020302"/>
-                          </a:solidFill>
-                          <a:latin typeface="AdobeClean-Light"/>
-                          <a:cs typeface="AdobeClean-Light"/>
-                        </a:rPr>
-                        <a:t>1 day</a:t>
-                      </a:r>
-                      <a:endParaRPr sz="900" spc="0">
-                        <a:latin typeface="AdobeClean-Light"/>
-                        <a:cs typeface="AdobeClean-Light"/>
-                      </a:endParaRPr>
                     </a:p>
                   </a:txBody>
-                  <a:tcPr marL="0" marR="0" marT="91440" marB="91440" anchor="ctr" anchorCtr="1">
+                  <a:tcPr anchor="ctr">
                     <a:lnL w="3175">
                       <a:solidFill>
                         <a:srgbClr val="B7B8B8"/>
@@ -3904,39 +3149,15 @@
                         <a:defRPr/>
                       </a:pPr>
                       <a:r>
-                        <a:rPr lang="en-US" sz="900" spc="-20">
+                        <a:rPr lang="pt-BR" sz="900" dirty="0">
                           <a:solidFill>
                             <a:srgbClr val="404040"/>
                           </a:solidFill>
                           <a:latin typeface="Adobe Clean"/>
                           <a:cs typeface="Adobe Clean"/>
                         </a:rPr>
-                        <a:t>Online </a:t>
+                        <a:t>Suporte Online</a:t>
                       </a:r>
-                      <a:r>
-                        <a:rPr lang="en-US" sz="900" spc="-135">
-                          <a:solidFill>
-                            <a:srgbClr val="404040"/>
-                          </a:solidFill>
-                          <a:latin typeface="Adobe Clean"/>
-                          <a:cs typeface="Adobe Clean"/>
-                        </a:rPr>
-                        <a:t> </a:t>
-                      </a:r>
-                      <a:r>
-                        <a:rPr lang="en-US" sz="900" spc="-20">
-                          <a:solidFill>
-                            <a:srgbClr val="404040"/>
-                          </a:solidFill>
-                          <a:latin typeface="Adobe Clean"/>
-                          <a:cs typeface="Adobe Clean"/>
-                        </a:rPr>
-                        <a:t>Support</a:t>
-                      </a:r>
-                      <a:endParaRPr lang="en-US" sz="900">
-                        <a:latin typeface="Adobe Clean"/>
-                        <a:cs typeface="Adobe Clean"/>
-                      </a:endParaRPr>
                     </a:p>
                   </a:txBody>
                   <a:tcPr marL="0" marR="0" marT="7620" marB="0" anchor="ctr">
@@ -3977,39 +3198,15 @@
                         </a:spcBef>
                       </a:pPr>
                       <a:r>
-                        <a:rPr sz="900" spc="-20">
+                        <a:rPr lang="pt-BR" sz="900">
                           <a:solidFill>
                             <a:srgbClr val="FFFFFF"/>
                           </a:solidFill>
                           <a:latin typeface="Adobe Clean"/>
                           <a:cs typeface="Adobe Clean"/>
                         </a:rPr>
-                        <a:t>Business</a:t>
+                        <a:t>Suporte Business</a:t>
                       </a:r>
-                      <a:r>
-                        <a:rPr lang="en-US" sz="900" spc="-20">
-                          <a:solidFill>
-                            <a:srgbClr val="FFFFFF"/>
-                          </a:solidFill>
-                          <a:latin typeface="Adobe Clean"/>
-                          <a:cs typeface="Adobe Clean"/>
-                        </a:rPr>
-                        <a:t> </a:t>
-                      </a:r>
-                      <a:r>
-                        <a:rPr sz="900" spc="-20">
-                          <a:solidFill>
-                            <a:srgbClr val="FFFFFF"/>
-                          </a:solidFill>
-                          <a:latin typeface="Adobe Clean"/>
-                          <a:cs typeface="Adobe Clean"/>
-                        </a:rPr>
-                        <a:t>Support</a:t>
-                      </a:r>
-                      <a:endParaRPr sz="900">
-                        <a:latin typeface="Adobe Clean"/>
-                        <a:cs typeface="Adobe Clean"/>
-                      </a:endParaRPr>
                     </a:p>
                   </a:txBody>
                   <a:tcPr marL="0" marR="0" marT="7620" marB="0" anchor="ctr">
@@ -4074,7 +3271,7 @@
                     <a:bodyPr/>
                     <a:lstStyle/>
                     <a:p>
-                      <a:pPr marL="0" marR="0" lvl="0" indent="0" algn="ctr" defTabSz="914400" eaLnBrk="1" fontAlgn="auto" latinLnBrk="0" hangingPunct="1">
+                      <a:pPr marL="0" marR="0" lvl="0" indent="0" algn="l" defTabSz="914400" rtl="0" eaLnBrk="1" fontAlgn="auto" latinLnBrk="0" hangingPunct="1">
                         <a:lnSpc>
                           <a:spcPct val="100000"/>
                         </a:lnSpc>
@@ -4155,13 +3352,13 @@
                         <a:defRPr/>
                       </a:pPr>
                       <a:r>
-                        <a:rPr lang="en-US" sz="800" i="1">
+                        <a:rPr lang="pt-BR" sz="800" i="1">
                           <a:solidFill>
                             <a:schemeClr val="bg1"/>
                           </a:solidFill>
                           <a:latin typeface="Adobe Clean Light" panose="020B0303020404020204" pitchFamily="34" charset="0"/>
                         </a:rPr>
-                        <a:t>Paid Support ($)</a:t>
+                        <a:t>Suporte pago ($)</a:t>
                       </a:r>
                     </a:p>
                   </a:txBody>
@@ -4225,22 +3422,15 @@
                         </a:spcBef>
                       </a:pPr>
                       <a:r>
-                        <a:rPr lang="en-US" sz="1000" b="1" i="0" spc="0">
+                        <a:rPr lang="pt-BR" sz="1000" b="1" i="0">
                           <a:solidFill>
                             <a:schemeClr val="bg1"/>
                           </a:solidFill>
                           <a:latin typeface="Adobe Clean" panose="020B0503020404020204" pitchFamily="34" charset="0"/>
                           <a:cs typeface="AdobeClean-Light"/>
                         </a:rPr>
-                        <a:t>Assigned Experts</a:t>
+                        <a:t>Especialistas atribuídos</a:t>
                       </a:r>
-                      <a:endParaRPr sz="1000" b="1" i="0" spc="0">
-                        <a:solidFill>
-                          <a:schemeClr val="bg1"/>
-                        </a:solidFill>
-                        <a:latin typeface="Adobe Clean" panose="020B0503020404020204" pitchFamily="34" charset="0"/>
-                        <a:cs typeface="AdobeClean-Light"/>
-                      </a:endParaRPr>
                     </a:p>
                   </a:txBody>
                   <a:tcPr marL="0" marR="0" marT="58419" marB="0" anchor="ctr">
@@ -4287,19 +3477,15 @@
                         </a:spcBef>
                       </a:pPr>
                       <a:r>
-                        <a:rPr sz="900" spc="0">
+                        <a:rPr lang="pt-BR" sz="900">
                           <a:solidFill>
                             <a:srgbClr val="020302"/>
                           </a:solidFill>
                           <a:latin typeface="AdobeClean-Light"/>
                           <a:cs typeface="AdobeClean-Light"/>
                         </a:rPr>
-                        <a:t>Account Support Lead</a:t>
+                        <a:t>Líder de suporte da conta</a:t>
                       </a:r>
-                      <a:endParaRPr sz="900" spc="0">
-                        <a:latin typeface="AdobeClean-Light"/>
-                        <a:cs typeface="AdobeClean-Light"/>
-                      </a:endParaRPr>
                     </a:p>
                   </a:txBody>
                   <a:tcPr marL="0" marR="0" marT="58419" marB="0">
@@ -4334,7 +3520,7 @@
                     <a:bodyPr/>
                     <a:lstStyle/>
                     <a:p>
-                      <a:pPr algn="ctr">
+                      <a:pPr algn="l" rtl="0">
                         <a:lnSpc>
                           <a:spcPct val="100000"/>
                         </a:lnSpc>
@@ -4384,7 +3570,7 @@
                         </a:spcBef>
                       </a:pPr>
                       <a:r>
-                        <a:rPr sz="900">
+                        <a:rPr lang="pt-BR" sz="900">
                           <a:solidFill>
                             <a:srgbClr val="020302"/>
                           </a:solidFill>
@@ -4393,10 +3579,6 @@
                         </a:rPr>
                         <a:t></a:t>
                       </a:r>
-                      <a:endParaRPr sz="900">
-                        <a:latin typeface="Wingdings"/>
-                        <a:cs typeface="Wingdings"/>
-                      </a:endParaRPr>
                     </a:p>
                   </a:txBody>
                   <a:tcPr marL="0" marR="0" marT="59690" marB="0" anchor="ctr">
@@ -4428,7 +3610,7 @@
                     <a:bodyPr/>
                     <a:lstStyle/>
                     <a:p>
-                      <a:pPr marL="50800">
+                      <a:pPr marL="50800" algn="l" rtl="0">
                         <a:lnSpc>
                           <a:spcPct val="100000"/>
                         </a:lnSpc>
@@ -4474,19 +3656,15 @@
                         </a:spcBef>
                       </a:pPr>
                       <a:r>
-                        <a:rPr sz="900" spc="0">
+                        <a:rPr lang="pt-BR" sz="900">
                           <a:solidFill>
                             <a:srgbClr val="020302"/>
                           </a:solidFill>
                           <a:latin typeface="AdobeClean-Light"/>
                           <a:cs typeface="AdobeClean-Light"/>
                         </a:rPr>
-                        <a:t>Named Support Engineer</a:t>
+                        <a:t>Engenheiro de suporte nomeado</a:t>
                       </a:r>
-                      <a:endParaRPr sz="900" spc="0">
-                        <a:latin typeface="AdobeClean-Light"/>
-                        <a:cs typeface="AdobeClean-Light"/>
-                      </a:endParaRPr>
                     </a:p>
                   </a:txBody>
                   <a:tcPr marL="0" marR="0" marT="58419" marB="0">
@@ -4509,7 +3687,7 @@
                     <a:bodyPr/>
                     <a:lstStyle/>
                     <a:p>
-                      <a:pPr algn="ctr">
+                      <a:pPr algn="l" rtl="0">
                         <a:lnSpc>
                           <a:spcPct val="100000"/>
                         </a:lnSpc>
@@ -4538,7 +3716,7 @@
                     <a:bodyPr/>
                     <a:lstStyle/>
                     <a:p>
-                      <a:pPr algn="ctr">
+                      <a:pPr algn="l" rtl="0">
                         <a:lnSpc>
                           <a:spcPct val="100000"/>
                         </a:lnSpc>
@@ -4569,7 +3747,7 @@
                     <a:bodyPr/>
                     <a:lstStyle/>
                     <a:p>
-                      <a:pPr marL="50800">
+                      <a:pPr marL="50800" algn="l" rtl="0">
                         <a:lnSpc>
                           <a:spcPct val="100000"/>
                         </a:lnSpc>
@@ -4627,19 +3805,15 @@
                         </a:spcBef>
                       </a:pPr>
                       <a:r>
-                        <a:rPr sz="900" spc="0">
+                        <a:rPr lang="pt-BR" sz="900">
                           <a:solidFill>
                             <a:srgbClr val="020302"/>
                           </a:solidFill>
                           <a:latin typeface="AdobeClean-Light"/>
                           <a:cs typeface="AdobeClean-Light"/>
                         </a:rPr>
-                        <a:t>Technical Account Manager</a:t>
+                        <a:t>Gerente técnico de conta</a:t>
                       </a:r>
-                      <a:endParaRPr sz="900" spc="0">
-                        <a:latin typeface="AdobeClean-Light"/>
-                        <a:cs typeface="AdobeClean-Light"/>
-                      </a:endParaRPr>
                     </a:p>
                   </a:txBody>
                   <a:tcPr marL="0" marR="0" marT="63500" marB="0">
@@ -4668,7 +3842,7 @@
                     <a:bodyPr/>
                     <a:lstStyle/>
                     <a:p>
-                      <a:pPr algn="ctr">
+                      <a:pPr algn="l" rtl="0">
                         <a:lnSpc>
                           <a:spcPct val="100000"/>
                         </a:lnSpc>
@@ -4706,7 +3880,7 @@
                     <a:bodyPr/>
                     <a:lstStyle/>
                     <a:p>
-                      <a:pPr algn="ctr">
+                      <a:pPr algn="l" rtl="0">
                         <a:lnSpc>
                           <a:spcPct val="100000"/>
                         </a:lnSpc>
@@ -4755,22 +3929,15 @@
                         </a:spcBef>
                       </a:pPr>
                       <a:r>
-                        <a:rPr lang="en-US" sz="1000" b="1" i="0" spc="0">
+                        <a:rPr lang="pt-BR" sz="1000" b="1" i="0">
                           <a:solidFill>
                             <a:schemeClr val="bg1"/>
                           </a:solidFill>
                           <a:latin typeface="Adobe Clean" panose="020B0503020404020204" pitchFamily="34" charset="0"/>
                           <a:cs typeface="AdobeClean-Light"/>
                         </a:rPr>
-                        <a:t>Support Services</a:t>
+                        <a:t>Serviços de suporte</a:t>
                       </a:r>
-                      <a:endParaRPr sz="1000" b="1" i="0" spc="0">
-                        <a:solidFill>
-                          <a:schemeClr val="bg1"/>
-                        </a:solidFill>
-                        <a:latin typeface="Adobe Clean" panose="020B0503020404020204" pitchFamily="34" charset="0"/>
-                        <a:cs typeface="AdobeClean-Light"/>
-                      </a:endParaRPr>
                     </a:p>
                   </a:txBody>
                   <a:tcPr marL="0" marR="0" marT="57150" marB="0" anchor="ctr">
@@ -4826,29 +3993,15 @@
                         </a:spcBef>
                       </a:pPr>
                       <a:r>
-                        <a:rPr lang="en-US" sz="900" spc="0">
+                        <a:rPr lang="pt-BR" sz="900">
                           <a:solidFill>
                             <a:srgbClr val="020302"/>
                           </a:solidFill>
                           <a:latin typeface="AdobeClean-Light"/>
                           <a:cs typeface="AdobeClean-Light"/>
                         </a:rPr>
-                        <a:t>Online</a:t>
+                        <a:t>Suporte Online</a:t>
                       </a:r>
-                      <a:r>
-                        <a:rPr sz="900" spc="0">
-                          <a:solidFill>
-                            <a:srgbClr val="020302"/>
-                          </a:solidFill>
-                          <a:latin typeface="AdobeClean-Light"/>
-                          <a:cs typeface="AdobeClean-Light"/>
-                        </a:rPr>
-                        <a:t> Support</a:t>
-                      </a:r>
-                      <a:endParaRPr sz="900" spc="0">
-                        <a:latin typeface="AdobeClean-Light"/>
-                        <a:cs typeface="AdobeClean-Light"/>
-                      </a:endParaRPr>
                     </a:p>
                   </a:txBody>
                   <a:tcPr marL="0" marR="0" marT="57150" marB="0">
@@ -4886,39 +4039,15 @@
                         </a:spcBef>
                       </a:pPr>
                       <a:r>
-                        <a:rPr sz="900" spc="-25">
+                        <a:rPr lang="pt-BR" sz="900">
                           <a:solidFill>
                             <a:srgbClr val="020302"/>
                           </a:solidFill>
                           <a:latin typeface="AdobeClean-Light"/>
                           <a:cs typeface="AdobeClean-Light"/>
                         </a:rPr>
-                        <a:t>Business</a:t>
+                        <a:t>Horário comercial</a:t>
                       </a:r>
-                      <a:r>
-                        <a:rPr sz="900" spc="-15">
-                          <a:solidFill>
-                            <a:srgbClr val="020302"/>
-                          </a:solidFill>
-                          <a:latin typeface="AdobeClean-Light"/>
-                          <a:cs typeface="AdobeClean-Light"/>
-                        </a:rPr>
-                        <a:t> </a:t>
-                      </a:r>
-                      <a:r>
-                        <a:rPr sz="900" spc="-30">
-                          <a:solidFill>
-                            <a:srgbClr val="020302"/>
-                          </a:solidFill>
-                          <a:latin typeface="AdobeClean-Light"/>
-                          <a:cs typeface="AdobeClean-Light"/>
-                        </a:rPr>
-                        <a:t>hours</a:t>
-                      </a:r>
-                      <a:endParaRPr sz="900">
-                        <a:latin typeface="AdobeClean-Light"/>
-                        <a:cs typeface="AdobeClean-Light"/>
-                      </a:endParaRPr>
                     </a:p>
                   </a:txBody>
                   <a:tcPr marL="0" marR="0" marT="67945" marB="0">
@@ -4957,39 +4086,15 @@
                         </a:spcBef>
                       </a:pPr>
                       <a:r>
-                        <a:rPr sz="900" spc="-25">
+                        <a:rPr lang="pt-BR" sz="900">
                           <a:solidFill>
                             <a:srgbClr val="020302"/>
                           </a:solidFill>
                           <a:latin typeface="AdobeClean-Light"/>
                           <a:cs typeface="AdobeClean-Light"/>
                         </a:rPr>
-                        <a:t>Business</a:t>
+                        <a:t>Horário comercial</a:t>
                       </a:r>
-                      <a:r>
-                        <a:rPr sz="900" spc="-15">
-                          <a:solidFill>
-                            <a:srgbClr val="020302"/>
-                          </a:solidFill>
-                          <a:latin typeface="AdobeClean-Light"/>
-                          <a:cs typeface="AdobeClean-Light"/>
-                        </a:rPr>
-                        <a:t> </a:t>
-                      </a:r>
-                      <a:r>
-                        <a:rPr sz="900" spc="-30">
-                          <a:solidFill>
-                            <a:srgbClr val="020302"/>
-                          </a:solidFill>
-                          <a:latin typeface="AdobeClean-Light"/>
-                          <a:cs typeface="AdobeClean-Light"/>
-                        </a:rPr>
-                        <a:t>hours</a:t>
-                      </a:r>
-                      <a:endParaRPr sz="900">
-                        <a:latin typeface="AdobeClean-Light"/>
-                        <a:cs typeface="AdobeClean-Light"/>
-                      </a:endParaRPr>
                     </a:p>
                   </a:txBody>
                   <a:tcPr marL="0" marR="0" marT="67945" marB="0">
@@ -5021,7 +4126,7 @@
                     <a:bodyPr/>
                     <a:lstStyle/>
                     <a:p>
-                      <a:pPr marL="50800">
+                      <a:pPr marL="50800" algn="l" rtl="0">
                         <a:lnSpc>
                           <a:spcPct val="100000"/>
                         </a:lnSpc>
@@ -5070,39 +4175,15 @@
                         </a:spcBef>
                       </a:pPr>
                       <a:r>
-                        <a:rPr sz="900" spc="0">
+                        <a:rPr lang="pt-BR" sz="900">
                           <a:solidFill>
                             <a:srgbClr val="020302"/>
                           </a:solidFill>
                           <a:latin typeface="AdobeClean-Light"/>
                           <a:cs typeface="AdobeClean-Light"/>
                         </a:rPr>
-                        <a:t>24x7</a:t>
+                        <a:t>Suporte 24x7x365 para prioridades P1</a:t>
                       </a:r>
-                      <a:r>
-                        <a:rPr lang="en-US" sz="900" spc="0">
-                          <a:solidFill>
-                            <a:srgbClr val="020302"/>
-                          </a:solidFill>
-                          <a:latin typeface="AdobeClean-Light"/>
-                          <a:cs typeface="AdobeClean-Light"/>
-                        </a:rPr>
-                        <a:t>x365</a:t>
-                      </a:r>
-                      <a:r>
-                        <a:rPr sz="900" spc="0">
-                          <a:solidFill>
-                            <a:srgbClr val="020302"/>
-                          </a:solidFill>
-                          <a:latin typeface="AdobeClean-Light"/>
-                          <a:cs typeface="AdobeClean-Light"/>
-                        </a:rPr>
-                        <a:t> P1 Issue Support</a:t>
-                      </a:r>
-                      <a:endParaRPr sz="900" spc="0">
-                        <a:latin typeface="AdobeClean-Light"/>
-                        <a:cs typeface="AdobeClean-Light"/>
-                      </a:endParaRPr>
                     </a:p>
                   </a:txBody>
                   <a:tcPr marL="0" marR="0" marT="57785" marB="0">
@@ -5134,7 +4215,7 @@
                         </a:spcBef>
                       </a:pPr>
                       <a:r>
-                        <a:rPr sz="900">
+                        <a:rPr lang="pt-BR" sz="900">
                           <a:solidFill>
                             <a:srgbClr val="020302"/>
                           </a:solidFill>
@@ -5143,10 +4224,6 @@
                         </a:rPr>
                         <a:t></a:t>
                       </a:r>
-                      <a:endParaRPr sz="900">
-                        <a:latin typeface="Wingdings"/>
-                        <a:cs typeface="Wingdings"/>
-                      </a:endParaRPr>
                     </a:p>
                   </a:txBody>
                   <a:tcPr marL="0" marR="0" marT="58419" marB="0">
@@ -5176,7 +4253,7 @@
                         </a:spcBef>
                       </a:pPr>
                       <a:r>
-                        <a:rPr sz="900">
+                        <a:rPr lang="pt-BR" sz="900">
                           <a:solidFill>
                             <a:srgbClr val="020302"/>
                           </a:solidFill>
@@ -5185,10 +4262,6 @@
                         </a:rPr>
                         <a:t></a:t>
                       </a:r>
-                      <a:endParaRPr sz="900">
-                        <a:latin typeface="Wingdings"/>
-                        <a:cs typeface="Wingdings"/>
-                      </a:endParaRPr>
                     </a:p>
                   </a:txBody>
                   <a:tcPr marL="0" marR="0" marT="58419" marB="0">
@@ -5211,7 +4284,7 @@
                     <a:bodyPr/>
                     <a:lstStyle/>
                     <a:p>
-                      <a:pPr marL="50800">
+                      <a:pPr marL="50800" algn="l" rtl="0">
                         <a:lnSpc>
                           <a:spcPct val="100000"/>
                         </a:lnSpc>
@@ -5269,19 +4342,15 @@
                         </a:spcBef>
                       </a:pPr>
                       <a:r>
-                        <a:rPr lang="en-US" sz="900" spc="0">
+                        <a:rPr lang="pt-BR" sz="900">
                           <a:solidFill>
                             <a:srgbClr val="020302"/>
                           </a:solidFill>
                           <a:latin typeface="AdobeClean-Light"/>
                           <a:cs typeface="AdobeClean-Light"/>
                         </a:rPr>
-                        <a:t>Named Support Contacts (per product)</a:t>
+                        <a:t>Contatos de suporte nomeados (por produto)</a:t>
                       </a:r>
-                      <a:endParaRPr sz="900" spc="0">
-                        <a:latin typeface="AdobeClean-Light"/>
-                        <a:cs typeface="AdobeClean-Light"/>
-                      </a:endParaRPr>
                     </a:p>
                   </a:txBody>
                   <a:tcPr marL="0" marR="0" marT="57785" marB="0">
@@ -5319,7 +4388,7 @@
                         </a:spcBef>
                       </a:pPr>
                       <a:r>
-                        <a:rPr sz="900">
+                        <a:rPr lang="pt-BR" sz="900">
                           <a:solidFill>
                             <a:srgbClr val="020302"/>
                           </a:solidFill>
@@ -5328,10 +4397,6 @@
                         </a:rPr>
                         <a:t>4</a:t>
                       </a:r>
-                      <a:endParaRPr sz="900">
-                        <a:latin typeface="AdobeClean-Light"/>
-                        <a:cs typeface="AdobeClean-Light"/>
-                      </a:endParaRPr>
                     </a:p>
                   </a:txBody>
                   <a:tcPr marL="0" marR="0" marT="57785" marB="0">
@@ -5361,7 +4426,7 @@
                         </a:spcBef>
                       </a:pPr>
                       <a:r>
-                        <a:rPr sz="900">
+                        <a:rPr lang="pt-BR" sz="900">
                           <a:solidFill>
                             <a:srgbClr val="020302"/>
                           </a:solidFill>
@@ -5370,10 +4435,6 @@
                         </a:rPr>
                         <a:t>6</a:t>
                       </a:r>
-                      <a:endParaRPr sz="900">
-                        <a:latin typeface="AdobeClean-Light"/>
-                        <a:cs typeface="AdobeClean-Light"/>
-                      </a:endParaRPr>
                     </a:p>
                   </a:txBody>
                   <a:tcPr marL="0" marR="0" marT="57785" marB="0">
@@ -5396,7 +4457,7 @@
                     <a:bodyPr/>
                     <a:lstStyle/>
                     <a:p>
-                      <a:pPr marL="50800">
+                      <a:pPr marL="50800" algn="l" rtl="0">
                         <a:lnSpc>
                           <a:spcPct val="100000"/>
                         </a:lnSpc>
@@ -5445,19 +4506,15 @@
                         </a:spcBef>
                       </a:pPr>
                       <a:r>
-                        <a:rPr lang="en-US" sz="900" spc="0">
+                        <a:rPr lang="pt-BR" sz="900">
                           <a:solidFill>
                             <a:srgbClr val="020302"/>
                           </a:solidFill>
                           <a:latin typeface="AdobeClean-Light"/>
                           <a:cs typeface="AdobeClean-Light"/>
                         </a:rPr>
-                        <a:t>Live Telephone Support</a:t>
+                        <a:t>Suporte telefônico ao vivo</a:t>
                       </a:r>
-                      <a:endParaRPr sz="900" spc="0">
-                        <a:latin typeface="AdobeClean-Light"/>
-                        <a:cs typeface="AdobeClean-Light"/>
-                      </a:endParaRPr>
                     </a:p>
                   </a:txBody>
                   <a:tcPr marL="0" marR="0" marT="57785" marB="0">
@@ -5480,7 +4537,7 @@
                     <a:bodyPr/>
                     <a:lstStyle/>
                     <a:p>
-                      <a:pPr algn="ctr">
+                      <a:pPr algn="l" rtl="0">
                         <a:lnSpc>
                           <a:spcPct val="100000"/>
                         </a:lnSpc>
@@ -5521,7 +4578,7 @@
                         </a:spcBef>
                       </a:pPr>
                       <a:r>
-                        <a:rPr sz="900">
+                        <a:rPr lang="pt-BR" sz="900">
                           <a:solidFill>
                             <a:srgbClr val="020302"/>
                           </a:solidFill>
@@ -5530,10 +4587,6 @@
                         </a:rPr>
                         <a:t></a:t>
                       </a:r>
-                      <a:endParaRPr sz="900">
-                        <a:latin typeface="Wingdings"/>
-                        <a:cs typeface="Wingdings"/>
-                      </a:endParaRPr>
                     </a:p>
                   </a:txBody>
                   <a:tcPr marL="0" marR="0" marT="59054" marB="0">
@@ -5556,7 +4609,7 @@
                     <a:bodyPr/>
                     <a:lstStyle/>
                     <a:p>
-                      <a:pPr marL="50800">
+                      <a:pPr marL="50800" algn="l" rtl="0">
                         <a:lnSpc>
                           <a:spcPct val="100000"/>
                         </a:lnSpc>
@@ -5605,19 +4658,15 @@
                         </a:spcBef>
                       </a:pPr>
                       <a:r>
-                        <a:rPr sz="900" spc="0">
+                        <a:rPr lang="pt-BR" sz="900">
                           <a:solidFill>
                             <a:srgbClr val="020302"/>
                           </a:solidFill>
                           <a:latin typeface="AdobeClean-Light"/>
                           <a:cs typeface="AdobeClean-Light"/>
                         </a:rPr>
-                        <a:t>Escalation Management</a:t>
+                        <a:t>Gestão de encaminhamento</a:t>
                       </a:r>
-                      <a:endParaRPr sz="900" spc="0">
-                        <a:latin typeface="AdobeClean-Light"/>
-                        <a:cs typeface="AdobeClean-Light"/>
-                      </a:endParaRPr>
                     </a:p>
                   </a:txBody>
                   <a:tcPr marL="0" marR="0" marT="58419" marB="0">
@@ -5640,7 +4689,7 @@
                     <a:bodyPr/>
                     <a:lstStyle/>
                     <a:p>
-                      <a:pPr algn="ctr">
+                      <a:pPr algn="l" rtl="0">
                         <a:lnSpc>
                           <a:spcPct val="100000"/>
                         </a:lnSpc>
@@ -5681,7 +4730,7 @@
                         </a:spcBef>
                       </a:pPr>
                       <a:r>
-                        <a:rPr sz="900">
+                        <a:rPr lang="pt-BR" sz="900">
                           <a:solidFill>
                             <a:srgbClr val="020302"/>
                           </a:solidFill>
@@ -5690,10 +4739,6 @@
                         </a:rPr>
                         <a:t></a:t>
                       </a:r>
-                      <a:endParaRPr sz="900">
-                        <a:latin typeface="Wingdings"/>
-                        <a:cs typeface="Wingdings"/>
-                      </a:endParaRPr>
                     </a:p>
                   </a:txBody>
                   <a:tcPr marL="0" marR="0" marT="59690" marB="0">
@@ -5716,7 +4761,7 @@
                     <a:bodyPr/>
                     <a:lstStyle/>
                     <a:p>
-                      <a:pPr marL="50800">
+                      <a:pPr marL="50800" algn="l" rtl="0">
                         <a:lnSpc>
                           <a:spcPct val="100000"/>
                         </a:lnSpc>
@@ -5765,29 +4810,15 @@
                         </a:spcBef>
                       </a:pPr>
                       <a:r>
-                        <a:rPr sz="900" spc="0">
+                        <a:rPr lang="pt-BR" sz="900">
                           <a:solidFill>
                             <a:srgbClr val="020302"/>
                           </a:solidFill>
                           <a:latin typeface="AdobeClean-Light"/>
                           <a:cs typeface="AdobeClean-Light"/>
                         </a:rPr>
-                        <a:t>Service Reviews </a:t>
+                        <a:t>Revisões de serviço por ano</a:t>
                       </a:r>
-                      <a:r>
-                        <a:rPr lang="en-US" sz="900" spc="0">
-                          <a:solidFill>
-                            <a:srgbClr val="020302"/>
-                          </a:solidFill>
-                          <a:latin typeface="AdobeClean-Light"/>
-                          <a:cs typeface="AdobeClean-Light"/>
-                        </a:rPr>
-                        <a:t>per Year</a:t>
-                      </a:r>
-                      <a:endParaRPr sz="900" spc="0">
-                        <a:latin typeface="AdobeClean-Light"/>
-                        <a:cs typeface="AdobeClean-Light"/>
-                      </a:endParaRPr>
                     </a:p>
                   </a:txBody>
                   <a:tcPr marL="0" marR="0" marT="57150" marB="0">
@@ -5810,7 +4841,7 @@
                     <a:bodyPr/>
                     <a:lstStyle/>
                     <a:p>
-                      <a:pPr>
+                      <a:pPr algn="l" rtl="0">
                         <a:lnSpc>
                           <a:spcPct val="100000"/>
                         </a:lnSpc>
@@ -5839,7 +4870,7 @@
                     <a:bodyPr/>
                     <a:lstStyle/>
                     <a:p>
-                      <a:pPr>
+                      <a:pPr algn="l" rtl="0">
                         <a:lnSpc>
                           <a:spcPct val="100000"/>
                         </a:lnSpc>
@@ -5889,16 +4920,12 @@
                         </a:spcBef>
                       </a:pPr>
                       <a:r>
-                        <a:rPr lang="en-US" sz="900" spc="0">
+                        <a:rPr lang="pt-BR" sz="900">
                           <a:latin typeface="AdobeClean-Light"/>
                           <a:cs typeface="AdobeClean-Light"/>
                         </a:rPr>
-                        <a:t>Expert Sessions per Year</a:t>
+                        <a:t>Sessões de especialistas por ano</a:t>
                       </a:r>
-                      <a:endParaRPr sz="900" spc="0">
-                        <a:latin typeface="AdobeClean-Light"/>
-                        <a:cs typeface="AdobeClean-Light"/>
-                      </a:endParaRPr>
                     </a:p>
                   </a:txBody>
                   <a:tcPr marL="0" marR="0" marT="57150" marB="0">
@@ -5927,7 +4954,7 @@
                     <a:bodyPr/>
                     <a:lstStyle/>
                     <a:p>
-                      <a:pPr>
+                      <a:pPr algn="l" rtl="0">
                         <a:lnSpc>
                           <a:spcPct val="100000"/>
                         </a:lnSpc>
@@ -5956,7 +4983,7 @@
                     <a:bodyPr/>
                     <a:lstStyle/>
                     <a:p>
-                      <a:pPr>
+                      <a:pPr algn="l" rtl="0">
                         <a:lnSpc>
                           <a:spcPct val="100000"/>
                         </a:lnSpc>
@@ -6006,16 +5033,12 @@
                         </a:spcBef>
                       </a:pPr>
                       <a:r>
-                        <a:rPr lang="en-US" sz="900" spc="0">
+                        <a:rPr lang="pt-BR" sz="900">
                           <a:latin typeface="AdobeClean-Light"/>
                           <a:cs typeface="AdobeClean-Light"/>
                         </a:rPr>
-                        <a:t>Case Reviews</a:t>
+                        <a:t>Revisões de caso</a:t>
                       </a:r>
-                      <a:endParaRPr sz="900" spc="0">
-                        <a:latin typeface="AdobeClean-Light"/>
-                        <a:cs typeface="AdobeClean-Light"/>
-                      </a:endParaRPr>
                     </a:p>
                   </a:txBody>
                   <a:tcPr marL="0" marR="0" marT="57150" marB="0">
@@ -6044,7 +5067,7 @@
                     <a:bodyPr/>
                     <a:lstStyle/>
                     <a:p>
-                      <a:pPr>
+                      <a:pPr algn="l" rtl="0">
                         <a:lnSpc>
                           <a:spcPct val="100000"/>
                         </a:lnSpc>
@@ -6073,7 +5096,7 @@
                     <a:bodyPr/>
                     <a:lstStyle/>
                     <a:p>
-                      <a:pPr>
+                      <a:pPr algn="l" rtl="0">
                         <a:lnSpc>
                           <a:spcPct val="100000"/>
                         </a:lnSpc>
@@ -6104,7 +5127,7 @@
                     <a:bodyPr/>
                     <a:lstStyle/>
                     <a:p>
-                      <a:pPr marL="48895">
+                      <a:pPr marL="48895" algn="l" rtl="0">
                         <a:lnSpc>
                           <a:spcPct val="100000"/>
                         </a:lnSpc>
@@ -6162,29 +5185,15 @@
                         </a:spcBef>
                       </a:pPr>
                       <a:r>
-                        <a:rPr sz="900" spc="0">
+                        <a:rPr lang="pt-BR" sz="900">
                           <a:solidFill>
                             <a:srgbClr val="020302"/>
                           </a:solidFill>
                           <a:latin typeface="AdobeClean-Light"/>
                           <a:cs typeface="AdobeClean-Light"/>
                         </a:rPr>
-                        <a:t>Event </a:t>
+                        <a:t>Gerenciamento de eventos</a:t>
                       </a:r>
-                      <a:r>
-                        <a:rPr lang="en-US" sz="900" spc="0">
-                          <a:solidFill>
-                            <a:srgbClr val="020302"/>
-                          </a:solidFill>
-                          <a:latin typeface="AdobeClean-Light"/>
-                          <a:cs typeface="AdobeClean-Light"/>
-                        </a:rPr>
-                        <a:t>Management</a:t>
-                      </a:r>
-                      <a:endParaRPr sz="900" spc="0">
-                        <a:latin typeface="AdobeClean-Light"/>
-                        <a:cs typeface="AdobeClean-Light"/>
-                      </a:endParaRPr>
                     </a:p>
                   </a:txBody>
                   <a:tcPr marL="0" marR="0" marT="58419" marB="0">
@@ -6213,7 +5222,7 @@
                     <a:bodyPr/>
                     <a:lstStyle/>
                     <a:p>
-                      <a:pPr>
+                      <a:pPr algn="l" rtl="0">
                         <a:lnSpc>
                           <a:spcPct val="100000"/>
                         </a:lnSpc>
@@ -6242,7 +5251,7 @@
                     <a:bodyPr/>
                     <a:lstStyle/>
                     <a:p>
-                      <a:pPr>
+                      <a:pPr algn="l" rtl="0">
                         <a:lnSpc>
                           <a:spcPct val="100000"/>
                         </a:lnSpc>
@@ -6273,7 +5282,7 @@
                     <a:bodyPr/>
                     <a:lstStyle/>
                     <a:p>
-                      <a:pPr marL="48895">
+                      <a:pPr marL="48895" algn="l" rtl="0">
                         <a:lnSpc>
                           <a:spcPct val="100000"/>
                         </a:lnSpc>
@@ -6322,39 +5331,15 @@
                         </a:spcBef>
                       </a:pPr>
                       <a:r>
-                        <a:rPr sz="900" spc="0">
+                        <a:rPr lang="pt-BR" sz="900">
                           <a:solidFill>
                             <a:srgbClr val="020302"/>
                           </a:solidFill>
                           <a:latin typeface="AdobeClean-Light"/>
                           <a:cs typeface="AdobeClean-Light"/>
                         </a:rPr>
-                        <a:t>Environment</a:t>
+                        <a:t>Revisão, manutenção e monitoramento do ambiente</a:t>
                       </a:r>
-                      <a:r>
-                        <a:rPr lang="en-US" sz="900" spc="0">
-                          <a:solidFill>
-                            <a:srgbClr val="020302"/>
-                          </a:solidFill>
-                          <a:latin typeface="AdobeClean-Light"/>
-                          <a:cs typeface="AdobeClean-Light"/>
-                        </a:rPr>
-                        <a:t> </a:t>
-                      </a:r>
-                      <a:r>
-                        <a:rPr sz="900" spc="0">
-                          <a:solidFill>
-                            <a:srgbClr val="020302"/>
-                          </a:solidFill>
-                          <a:latin typeface="AdobeClean-Light"/>
-                          <a:cs typeface="AdobeClean-Light"/>
-                        </a:rPr>
-                        <a:t>Review, Maintenance &amp; Monitoring</a:t>
-                      </a:r>
-                      <a:endParaRPr sz="900" spc="0">
-                        <a:latin typeface="AdobeClean-Light"/>
-                        <a:cs typeface="AdobeClean-Light"/>
-                      </a:endParaRPr>
                     </a:p>
                   </a:txBody>
                   <a:tcPr marL="0" marR="0" marT="59055" marB="0">
@@ -6377,7 +5362,7 @@
                     <a:bodyPr/>
                     <a:lstStyle/>
                     <a:p>
-                      <a:pPr>
+                      <a:pPr algn="l" rtl="0">
                         <a:lnSpc>
                           <a:spcPct val="100000"/>
                         </a:lnSpc>
@@ -6406,7 +5391,7 @@
                     <a:bodyPr/>
                     <a:lstStyle/>
                     <a:p>
-                      <a:pPr>
+                      <a:pPr algn="l" rtl="0">
                         <a:lnSpc>
                           <a:spcPct val="100000"/>
                         </a:lnSpc>
@@ -6437,7 +5422,7 @@
                     <a:bodyPr/>
                     <a:lstStyle/>
                     <a:p>
-                      <a:pPr marL="49530">
+                      <a:pPr marL="49530" algn="l" rtl="0">
                         <a:lnSpc>
                           <a:spcPct val="100000"/>
                         </a:lnSpc>
@@ -6486,19 +5471,15 @@
                         </a:spcBef>
                       </a:pPr>
                       <a:r>
-                        <a:rPr sz="900" spc="0">
+                        <a:rPr lang="pt-BR" sz="900">
                           <a:solidFill>
                             <a:srgbClr val="020302"/>
                           </a:solidFill>
                           <a:latin typeface="AdobeClean-Light"/>
                           <a:cs typeface="AdobeClean-Light"/>
                         </a:rPr>
-                        <a:t>Release, Migration, Upgrade &amp; Product Roadmap Review</a:t>
+                        <a:t>Revisão de versão, migração, atualização e roteiro de produtos</a:t>
                       </a:r>
-                      <a:endParaRPr sz="900" spc="0">
-                        <a:latin typeface="AdobeClean-Light"/>
-                        <a:cs typeface="AdobeClean-Light"/>
-                      </a:endParaRPr>
                     </a:p>
                   </a:txBody>
                   <a:tcPr marL="0" marR="0" marT="63500" marB="0">
@@ -6521,7 +5502,7 @@
                     <a:bodyPr/>
                     <a:lstStyle/>
                     <a:p>
-                      <a:pPr>
+                      <a:pPr algn="l" rtl="0">
                         <a:lnSpc>
                           <a:spcPct val="100000"/>
                         </a:lnSpc>
@@ -6550,7 +5531,7 @@
                     <a:bodyPr/>
                     <a:lstStyle/>
                     <a:p>
-                      <a:pPr>
+                      <a:pPr algn="l" rtl="0">
                         <a:lnSpc>
                           <a:spcPct val="100000"/>
                         </a:lnSpc>
@@ -6581,7 +5562,7 @@
                     <a:bodyPr/>
                     <a:lstStyle/>
                     <a:p>
-                      <a:pPr marL="49530">
+                      <a:pPr marL="49530" algn="l" rtl="0">
                         <a:lnSpc>
                           <a:spcPct val="100000"/>
                         </a:lnSpc>
@@ -6639,11 +5620,11 @@
                         </a:spcBef>
                       </a:pPr>
                       <a:r>
-                        <a:rPr sz="900" spc="0">
+                        <a:rPr lang="pt-BR" sz="900">
                           <a:latin typeface="AdobeClean-Light"/>
                           <a:cs typeface="AdobeClean-Light"/>
                         </a:rPr>
-                        <a:t>Cloud Support Activities – Experience Manager as Cloud</a:t>
+                        <a:t>Atividades de suporte na nuvem — Experience Manager as Cloud</a:t>
                       </a:r>
                     </a:p>
                   </a:txBody>
@@ -6673,7 +5654,7 @@
                     <a:bodyPr/>
                     <a:lstStyle/>
                     <a:p>
-                      <a:pPr>
+                      <a:pPr algn="l" rtl="0">
                         <a:lnSpc>
                           <a:spcPct val="100000"/>
                         </a:lnSpc>
@@ -6711,7 +5692,7 @@
                     <a:bodyPr/>
                     <a:lstStyle/>
                     <a:p>
-                      <a:pPr>
+                      <a:pPr algn="l" rtl="0">
                         <a:lnSpc>
                           <a:spcPct val="100000"/>
                         </a:lnSpc>
@@ -6760,22 +5741,15 @@
                         </a:spcBef>
                       </a:pPr>
                       <a:r>
-                        <a:rPr lang="en-US" sz="1000" b="1" i="0" spc="0">
+                        <a:rPr lang="pt-BR" sz="1000" b="1" i="0">
                           <a:solidFill>
                             <a:schemeClr val="bg1"/>
                           </a:solidFill>
                           <a:latin typeface="Adobe Clean" panose="020B0503020404020204" pitchFamily="34" charset="0"/>
                           <a:cs typeface="AdobeClean-Light"/>
                         </a:rPr>
-                        <a:t>Field Services</a:t>
+                        <a:t>Serviços de campo</a:t>
                       </a:r>
-                      <a:endParaRPr sz="1000" b="1" i="0" spc="0">
-                        <a:solidFill>
-                          <a:schemeClr val="bg1"/>
-                        </a:solidFill>
-                        <a:latin typeface="Adobe Clean" panose="020B0503020404020204" pitchFamily="34" charset="0"/>
-                        <a:cs typeface="AdobeClean-Light"/>
-                      </a:endParaRPr>
                     </a:p>
                   </a:txBody>
                   <a:tcPr marL="0" marR="0" marT="48260" marB="0" anchor="ctr">
@@ -6828,19 +5802,15 @@
                         </a:spcBef>
                       </a:pPr>
                       <a:r>
-                        <a:rPr sz="900" spc="0">
+                        <a:rPr lang="pt-BR" sz="900">
                           <a:solidFill>
                             <a:srgbClr val="020302"/>
                           </a:solidFill>
                           <a:latin typeface="AdobeClean-Light"/>
                           <a:cs typeface="AdobeClean-Light"/>
                         </a:rPr>
-                        <a:t>Launch Advisory Services – First Year of new solution</a:t>
+                        <a:t>Launch Advisory Services — primeiro ano da nova solução</a:t>
                       </a:r>
-                      <a:endParaRPr sz="900" spc="0">
-                        <a:latin typeface="AdobeClean-Light"/>
-                        <a:cs typeface="AdobeClean-Light"/>
-                      </a:endParaRPr>
                     </a:p>
                     <a:p>
                       <a:pPr marL="48260" hangingPunct="0">
@@ -6852,11 +5822,11 @@
                         </a:spcBef>
                       </a:pPr>
                       <a:r>
-                        <a:rPr sz="900" spc="0">
+                        <a:rPr lang="pt-BR" sz="900">
                           <a:latin typeface="AdobeClean-Light"/>
                           <a:cs typeface="AdobeClean-Light"/>
                         </a:rPr>
-                        <a:t>Field Service Activities </a:t>
+                        <a:t>Atividades de serviço de campo </a:t>
                       </a:r>
                     </a:p>
                   </a:txBody>
@@ -6892,7 +5862,7 @@
                     <a:bodyPr/>
                     <a:lstStyle/>
                     <a:p>
-                      <a:pPr>
+                      <a:pPr algn="l" rtl="0">
                         <a:lnSpc>
                           <a:spcPct val="100000"/>
                         </a:lnSpc>
@@ -6930,7 +5900,7 @@
                     <a:bodyPr/>
                     <a:lstStyle/>
                     <a:p>
-                      <a:pPr>
+                      <a:pPr algn="l" rtl="0">
                         <a:lnSpc>
                           <a:spcPct val="100000"/>
                         </a:lnSpc>
@@ -7015,7 +5985,7 @@
                     <a:bodyPr/>
                     <a:lstStyle/>
                     <a:p>
-                      <a:pPr>
+                      <a:pPr algn="l" rtl="0">
                         <a:lnSpc>
                           <a:spcPct val="100000"/>
                         </a:lnSpc>
@@ -7041,12 +6011,12 @@
                     <a:bodyPr/>
                     <a:lstStyle/>
                     <a:p>
-                      <a:pPr>
+                      <a:pPr algn="l" rtl="0">
                         <a:lnSpc>
                           <a:spcPct val="100000"/>
                         </a:lnSpc>
                       </a:pPr>
-                      <a:endParaRPr sz="900">
+                      <a:endParaRPr sz="900" dirty="0">
                         <a:latin typeface="Times New Roman"/>
                         <a:cs typeface="Times New Roman"/>
                       </a:endParaRPr>
@@ -7105,7 +6075,7 @@
           <a:lstStyle/>
           <a:p>
             <a:r>
-              <a:rPr lang="en-US" sz="700" i="1">
+              <a:rPr lang="pt-BR" sz="700" i="1">
                 <a:solidFill>
                   <a:schemeClr val="bg1"/>
                 </a:solidFill>
@@ -7287,7 +6257,7 @@
         <p:spPr>
           <a:xfrm>
             <a:off x="370040" y="1409311"/>
-            <a:ext cx="2286000" cy="1289969"/>
+            <a:ext cx="2286000" cy="1458926"/>
           </a:xfrm>
           <a:prstGeom prst="rect">
             <a:avLst/>
@@ -7308,18 +6278,48 @@
               </a:spcBef>
             </a:pPr>
             <a:r>
-              <a:rPr lang="en-US" sz="1000">
+              <a:rPr lang="pt-BR" sz="1000" dirty="0">
                 <a:solidFill>
                   <a:srgbClr val="000000"/>
                 </a:solidFill>
                 <a:latin typeface="Adobe Clean Light" panose="020B0303020404020204" pitchFamily="34" charset="0"/>
               </a:rPr>
-              <a:t>A designated Account Support Lead to proactively monitor cases, drive cross-team collaboration, deliver onboarding webinars, run service reports, provide non-technical support assistance, and function as your escalation point and internal advocate within Adobe Support.</a:t>
+              <a:t>Um Líder de suporte da conta designado </a:t>
             </a:r>
-            <a:endParaRPr lang="en-US" sz="1000">
-              <a:latin typeface="Adobe Clean Light" panose="020B0303020404020204" pitchFamily="34" charset="0"/>
-              <a:cs typeface="AdobeClean-Light"/>
-            </a:endParaRPr>
+            <a:br>
+              <a:rPr lang="sk-SK" sz="1000" dirty="0">
+                <a:solidFill>
+                  <a:srgbClr val="000000"/>
+                </a:solidFill>
+                <a:latin typeface="Adobe Clean Light" panose="020B0303020404020204" pitchFamily="34" charset="0"/>
+              </a:rPr>
+            </a:br>
+            <a:r>
+              <a:rPr lang="pt-BR" sz="1000" dirty="0">
+                <a:solidFill>
+                  <a:srgbClr val="000000"/>
+                </a:solidFill>
+                <a:latin typeface="Adobe Clean Light" panose="020B0303020404020204" pitchFamily="34" charset="0"/>
+              </a:rPr>
+              <a:t>para monitorar os casos de forma proativa, impulsionar a colaboração entre equipes, fornecer webinários de integração, executar relatórios de serviço, fornecer assistência de suporte não técnico e funcionar como ponto de encaminhamento e defensor interno </a:t>
+            </a:r>
+            <a:br>
+              <a:rPr lang="sk-SK" sz="1000" dirty="0">
+                <a:solidFill>
+                  <a:srgbClr val="000000"/>
+                </a:solidFill>
+                <a:latin typeface="Adobe Clean Light" panose="020B0303020404020204" pitchFamily="34" charset="0"/>
+              </a:rPr>
+            </a:br>
+            <a:r>
+              <a:rPr lang="pt-BR" sz="1000" dirty="0">
+                <a:solidFill>
+                  <a:srgbClr val="000000"/>
+                </a:solidFill>
+                <a:latin typeface="Adobe Clean Light" panose="020B0303020404020204" pitchFamily="34" charset="0"/>
+              </a:rPr>
+              <a:t>no Suporte da Adobe.</a:t>
+            </a:r>
           </a:p>
         </p:txBody>
       </p:sp>
@@ -7339,7 +6339,7 @@
           </a:prstGeom>
         </p:spPr>
         <p:txBody>
-          <a:bodyPr vert="horz" wrap="square" lIns="0" tIns="12700" rIns="0" bIns="0" rtlCol="0" anchor="t">
+          <a:bodyPr vert="horz" wrap="square" lIns="0" tIns="12700" rIns="0" bIns="0" rtlCol="0">
             <a:spAutoFit/>
           </a:bodyPr>
           <a:lstStyle/>
@@ -7356,48 +6356,21 @@
               </a:tabLst>
             </a:pPr>
             <a:r>
-              <a:rPr sz="1000">
+              <a:rPr lang="pt-BR" sz="1000" dirty="0">
                 <a:solidFill>
                   <a:srgbClr val="020302"/>
                 </a:solidFill>
                 <a:latin typeface="AdobeClean-Light"/>
                 <a:cs typeface="AdobeClean-Light"/>
               </a:rPr>
-              <a:t>Start a chat session to get answers</a:t>
-            </a:r>
-            <a:r>
-              <a:rPr lang="en-US" sz="1000">
-                <a:solidFill>
-                  <a:srgbClr val="020302"/>
-                </a:solidFill>
-                <a:latin typeface="AdobeClean-Light"/>
-                <a:cs typeface="AdobeClean-Light"/>
-              </a:rPr>
-              <a:t> &amp; </a:t>
-            </a:r>
-            <a:r>
-              <a:rPr sz="1000">
-                <a:solidFill>
-                  <a:srgbClr val="020302"/>
-                </a:solidFill>
-                <a:latin typeface="AdobeClean-Light"/>
-                <a:cs typeface="AdobeClean-Light"/>
-              </a:rPr>
-              <a:t>help with case submission</a:t>
-            </a:r>
-            <a:r>
-              <a:rPr lang="en-US" sz="1000">
-                <a:solidFill>
-                  <a:srgbClr val="020302"/>
-                </a:solidFill>
-                <a:latin typeface="AdobeClean-Light"/>
-                <a:cs typeface="AdobeClean-Light"/>
-              </a:rPr>
-              <a:t>.</a:t>
+              <a:t>Inicie uma sessão de chat para obter respostas e ajuda com o envio de caso</a:t>
             </a:r>
           </a:p>
           <a:p>
             <a:pPr marL="33020" marR="159385">
+              <a:lnSpc>
+                <a:spcPct val="100000"/>
+              </a:lnSpc>
               <a:spcBef>
                 <a:spcPts val="100"/>
               </a:spcBef>
@@ -7406,39 +6379,44 @@
               </a:tabLst>
             </a:pPr>
             <a:r>
-              <a:rPr sz="1000" i="1">
+              <a:rPr lang="pt-BR" sz="1000" i="1" dirty="0">
                 <a:solidFill>
                   <a:srgbClr val="7A7A7A"/>
                 </a:solidFill>
                 <a:latin typeface="AdobeClean-LightIt"/>
                 <a:cs typeface="AdobeClean-LightIt"/>
               </a:rPr>
-              <a:t>*Not all products have live chat support</a:t>
+              <a:t>*Nem todos os produtos têm suporte </a:t>
             </a:r>
-            <a:r>
-              <a:rPr sz="900" i="1">
+            <a:br>
+              <a:rPr lang="sk-SK" sz="1000" i="1" dirty="0">
                 <a:solidFill>
                   <a:srgbClr val="7A7A7A"/>
                 </a:solidFill>
                 <a:latin typeface="AdobeClean-LightIt"/>
                 <a:cs typeface="AdobeClean-LightIt"/>
               </a:rPr>
-              <a:t>.</a:t>
-            </a:r>
+            </a:br>
             <a:r>
-              <a:rPr lang="en-US" sz="900" i="1">
+              <a:rPr lang="pt-BR" sz="1000" i="1" dirty="0">
                 <a:solidFill>
                   <a:srgbClr val="7A7A7A"/>
                 </a:solidFill>
                 <a:latin typeface="AdobeClean-LightIt"/>
                 <a:cs typeface="AdobeClean-LightIt"/>
               </a:rPr>
-              <a:t>  </a:t>
+              <a:t>de chat ao vivo</a:t>
             </a:r>
-            <a:endParaRPr sz="900">
-              <a:latin typeface="AdobeClean-Light"/>
-              <a:cs typeface="AdobeClean-Light"/>
-            </a:endParaRPr>
+            <a:r>
+              <a:rPr lang="pt-BR" sz="900" i="1" dirty="0">
+                <a:solidFill>
+                  <a:srgbClr val="7A7A7A"/>
+                </a:solidFill>
+                <a:latin typeface="AdobeClean-LightIt"/>
+                <a:cs typeface="AdobeClean-LightIt"/>
+              </a:rPr>
+              <a:t>.  </a:t>
+            </a:r>
           </a:p>
         </p:txBody>
       </p:sp>
@@ -7514,12 +6492,12 @@
               <a:defRPr/>
             </a:pPr>
             <a:r>
-              <a:rPr lang="en-US" sz="1200">
+              <a:rPr lang="pt-BR" sz="1200">
                 <a:solidFill>
                   <a:srgbClr val="000000"/>
                 </a:solidFill>
               </a:rPr>
-              <a:t>Community Forums</a:t>
+              <a:t>Fóruns da comunidade</a:t>
             </a:r>
           </a:p>
         </p:txBody>
@@ -7562,12 +6540,12 @@
               </a:spcAft>
             </a:pPr>
             <a:r>
-              <a:rPr lang="en-US" sz="1200" b="1">
+              <a:rPr lang="pt-BR" sz="1200" b="1">
                 <a:latin typeface="+mj-lt"/>
                 <a:ea typeface="Open Sans" pitchFamily="34" charset="0"/>
                 <a:cs typeface="Open Sans" pitchFamily="34" charset="0"/>
               </a:rPr>
-              <a:t>Online Forums</a:t>
+              <a:t>Fóruns online</a:t>
             </a:r>
           </a:p>
         </p:txBody>
@@ -7587,7 +6565,7 @@
         <p:spPr>
           <a:xfrm>
             <a:off x="370040" y="6529249"/>
-            <a:ext cx="2286000" cy="805349"/>
+            <a:ext cx="2286000" cy="1113125"/>
           </a:xfrm>
           <a:prstGeom prst="rect">
             <a:avLst/>
@@ -7600,13 +6578,64 @@
           <a:lstStyle/>
           <a:p>
             <a:r>
-              <a:rPr lang="en-US" sz="1000">
+              <a:rPr lang="pt-BR" sz="1000" dirty="0">
                 <a:solidFill>
                   <a:srgbClr val="000000"/>
                 </a:solidFill>
                 <a:latin typeface="Adobe Clean Light" panose="020B0303020404020204" pitchFamily="34" charset="0"/>
               </a:rPr>
-              <a:t>Continuous online access to a growing database of technical solutions, product documentation, FAQs and more. Thousands of customers can connect to share best practices and lessons learned.</a:t>
+              <a:t>Acesso online contínuo a um banco </a:t>
+            </a:r>
+            <a:br>
+              <a:rPr lang="sk-SK" sz="1000" dirty="0">
+                <a:solidFill>
+                  <a:srgbClr val="000000"/>
+                </a:solidFill>
+                <a:latin typeface="Adobe Clean Light" panose="020B0303020404020204" pitchFamily="34" charset="0"/>
+              </a:rPr>
+            </a:br>
+            <a:r>
+              <a:rPr lang="pt-BR" sz="1000" dirty="0">
+                <a:solidFill>
+                  <a:srgbClr val="000000"/>
+                </a:solidFill>
+                <a:latin typeface="Adobe Clean Light" panose="020B0303020404020204" pitchFamily="34" charset="0"/>
+              </a:rPr>
+              <a:t>de dados cada vez maior de soluções </a:t>
+            </a:r>
+            <a:br>
+              <a:rPr lang="sk-SK" sz="1000" dirty="0">
+                <a:solidFill>
+                  <a:srgbClr val="000000"/>
+                </a:solidFill>
+                <a:latin typeface="Adobe Clean Light" panose="020B0303020404020204" pitchFamily="34" charset="0"/>
+              </a:rPr>
+            </a:br>
+            <a:r>
+              <a:rPr lang="pt-BR" sz="1000" dirty="0">
+                <a:solidFill>
+                  <a:srgbClr val="000000"/>
+                </a:solidFill>
+                <a:latin typeface="Adobe Clean Light" panose="020B0303020404020204" pitchFamily="34" charset="0"/>
+              </a:rPr>
+              <a:t>técnicas, documentação do produto, perguntas frequentes e muito mais. </a:t>
+            </a:r>
+            <a:br>
+              <a:rPr lang="sk-SK" sz="1000" dirty="0">
+                <a:solidFill>
+                  <a:srgbClr val="000000"/>
+                </a:solidFill>
+                <a:latin typeface="Adobe Clean Light" panose="020B0303020404020204" pitchFamily="34" charset="0"/>
+              </a:rPr>
+            </a:br>
+            <a:r>
+              <a:rPr lang="pt-BR" sz="1000" dirty="0">
+                <a:solidFill>
+                  <a:srgbClr val="000000"/>
+                </a:solidFill>
+                <a:latin typeface="Adobe Clean Light" panose="020B0303020404020204" pitchFamily="34" charset="0"/>
+              </a:rPr>
+              <a:t>Milhares de clientes podem se conectar para compartilhar práticas recomendadas e lições aprendidas.</a:t>
             </a:r>
           </a:p>
         </p:txBody>
@@ -7649,12 +6678,12 @@
               </a:spcAft>
             </a:pPr>
             <a:r>
-              <a:rPr lang="en-US" sz="1200" b="1">
+              <a:rPr lang="pt-BR" sz="1200" b="1">
                 <a:latin typeface="+mj-lt"/>
                 <a:ea typeface="Open Sans" pitchFamily="34" charset="0"/>
                 <a:cs typeface="Open Sans" pitchFamily="34" charset="0"/>
               </a:rPr>
-              <a:t>Self-guided Journeys</a:t>
+              <a:t>Jornadas autoguiadas</a:t>
             </a:r>
           </a:p>
         </p:txBody>
@@ -7674,7 +6703,7 @@
         <p:spPr>
           <a:xfrm>
             <a:off x="5376301" y="6529249"/>
-            <a:ext cx="2286000" cy="959237"/>
+            <a:ext cx="2286000" cy="1113125"/>
           </a:xfrm>
           <a:prstGeom prst="rect">
             <a:avLst/>
@@ -7687,13 +6716,30 @@
           <a:lstStyle/>
           <a:p>
             <a:r>
-              <a:rPr lang="en-US" sz="1000">
+              <a:rPr lang="pt-BR" sz="1000" dirty="0">
                 <a:solidFill>
                   <a:srgbClr val="000000"/>
                 </a:solidFill>
                 <a:latin typeface="Adobe Clean Light" panose="020B0303020404020204" pitchFamily="34" charset="0"/>
               </a:rPr>
-              <a:t>Experience Makers are made with Experience League. Customers can kickstart their Customer Experience Management abilities with personalized learning to develop skills, engage with a global community of peers, and earn career advancing recognition.</a:t>
+              <a:t>A Experience League gera criadores de experiências. Os clientes podem adquirir habilidades de gerenciamento de experiência do cliente com aprendizagem personalizada, participar de uma comunidade de pares global e conseguir reconhecimento </a:t>
+            </a:r>
+            <a:br>
+              <a:rPr lang="sk-SK" sz="1000" dirty="0">
+                <a:solidFill>
+                  <a:srgbClr val="000000"/>
+                </a:solidFill>
+                <a:latin typeface="Adobe Clean Light" panose="020B0303020404020204" pitchFamily="34" charset="0"/>
+              </a:rPr>
+            </a:br>
+            <a:r>
+              <a:rPr lang="pt-BR" sz="1000" dirty="0">
+                <a:solidFill>
+                  <a:srgbClr val="000000"/>
+                </a:solidFill>
+                <a:latin typeface="Adobe Clean Light" panose="020B0303020404020204" pitchFamily="34" charset="0"/>
+              </a:rPr>
+              <a:t>de carreira.</a:t>
             </a:r>
           </a:p>
         </p:txBody>
@@ -7741,12 +6787,12 @@
               <a:defRPr/>
             </a:pPr>
             <a:r>
-              <a:rPr lang="en-US" sz="1200">
+              <a:rPr lang="pt-BR" sz="1200">
                 <a:solidFill>
                   <a:srgbClr val="000000"/>
                 </a:solidFill>
               </a:rPr>
-              <a:t>Live Chat  Support*</a:t>
+              <a:t>Suporte por chat ao vivo*</a:t>
             </a:r>
           </a:p>
         </p:txBody>
@@ -7789,12 +6835,12 @@
               </a:spcAft>
             </a:pPr>
             <a:r>
-              <a:rPr lang="en-US" sz="1200" b="1">
+              <a:rPr lang="pt-BR" sz="1200" b="1">
                 <a:latin typeface="+mj-lt"/>
                 <a:ea typeface="Open Sans" pitchFamily="34" charset="0"/>
                 <a:cs typeface="Open Sans" pitchFamily="34" charset="0"/>
               </a:rPr>
-              <a:t>Chat Support</a:t>
+              <a:t>Suporte por chat</a:t>
             </a:r>
           </a:p>
         </p:txBody>
@@ -7842,12 +6888,12 @@
               <a:defRPr/>
             </a:pPr>
             <a:r>
-              <a:rPr lang="en-US" sz="1200">
+              <a:rPr lang="pt-BR" sz="1200">
                 <a:solidFill>
                   <a:srgbClr val="000000"/>
                 </a:solidFill>
               </a:rPr>
-              <a:t>24X7 P1 </a:t>
+              <a:t>24X7 prioridades P1 </a:t>
             </a:r>
           </a:p>
         </p:txBody>
@@ -7890,12 +6936,12 @@
               </a:spcAft>
             </a:pPr>
             <a:r>
-              <a:rPr lang="en-US" sz="1200" b="1">
+              <a:rPr lang="pt-BR" sz="1200" b="1">
                 <a:latin typeface="+mj-lt"/>
                 <a:ea typeface="Open Sans" pitchFamily="34" charset="0"/>
                 <a:cs typeface="Open Sans" pitchFamily="34" charset="0"/>
               </a:rPr>
-              <a:t>Phone Support</a:t>
+              <a:t>Suporte telefônico</a:t>
             </a:r>
           </a:p>
         </p:txBody>
@@ -7915,7 +6961,7 @@
         <p:spPr>
           <a:xfrm>
             <a:off x="2836967" y="6529249"/>
-            <a:ext cx="2286000" cy="805349"/>
+            <a:ext cx="2286000" cy="959237"/>
           </a:xfrm>
           <a:prstGeom prst="rect">
             <a:avLst/>
@@ -7928,26 +6974,53 @@
           <a:lstStyle/>
           <a:p>
             <a:r>
-              <a:rPr lang="en-US" sz="1000">
+              <a:rPr lang="pt-BR" sz="1000" dirty="0">
                 <a:solidFill>
                   <a:srgbClr val="020302"/>
                 </a:solidFill>
                 <a:latin typeface="AdobeClean-Light"/>
               </a:rPr>
-              <a:t>Authorized users or Named Support Contacts </a:t>
+              <a:t>Usuários autorizados ou contatos de suporte nomeados</a:t>
             </a:r>
             <a:r>
-              <a:rPr lang="en-US" sz="1000">
+              <a:rPr lang="pt-BR" sz="1000" dirty="0">
                 <a:latin typeface="Adobe Clean Light" panose="020B0303020404020204" pitchFamily="34" charset="0"/>
               </a:rPr>
-              <a:t>can submit issues through all available  channels (including phone for P1) and interact with our technical support team on behalf of your company. </a:t>
+              <a:t> podem enviar problemas por todos os canais disponíveis (incluindo </a:t>
             </a:r>
-            <a:endParaRPr lang="en-US" sz="1000">
-              <a:solidFill>
-                <a:srgbClr val="000000"/>
-              </a:solidFill>
-              <a:latin typeface="Adobe Clean Light" panose="020B0303020404020204" pitchFamily="34" charset="0"/>
-            </a:endParaRPr>
+            <a:br>
+              <a:rPr lang="sk-SK" sz="1000" dirty="0">
+                <a:latin typeface="Adobe Clean Light" panose="020B0303020404020204" pitchFamily="34" charset="0"/>
+              </a:rPr>
+            </a:br>
+            <a:r>
+              <a:rPr lang="pt-BR" sz="1000" dirty="0">
+                <a:latin typeface="Adobe Clean Light" panose="020B0303020404020204" pitchFamily="34" charset="0"/>
+              </a:rPr>
+              <a:t>por telefone em prioridades P1) e contatar </a:t>
+            </a:r>
+            <a:br>
+              <a:rPr lang="sk-SK" sz="1000" dirty="0">
+                <a:latin typeface="Adobe Clean Light" panose="020B0303020404020204" pitchFamily="34" charset="0"/>
+              </a:rPr>
+            </a:br>
+            <a:r>
+              <a:rPr lang="pt-BR" sz="1000" dirty="0">
+                <a:latin typeface="Adobe Clean Light" panose="020B0303020404020204" pitchFamily="34" charset="0"/>
+              </a:rPr>
+              <a:t>a equipe de suporte técnico em nome </a:t>
+            </a:r>
+            <a:br>
+              <a:rPr lang="sk-SK" sz="1000" dirty="0">
+                <a:latin typeface="Adobe Clean Light" panose="020B0303020404020204" pitchFamily="34" charset="0"/>
+              </a:rPr>
+            </a:br>
+            <a:r>
+              <a:rPr lang="pt-BR" sz="1000" dirty="0">
+                <a:latin typeface="Adobe Clean Light" panose="020B0303020404020204" pitchFamily="34" charset="0"/>
+              </a:rPr>
+              <a:t>de sua empresa. </a:t>
+            </a:r>
           </a:p>
         </p:txBody>
       </p:sp>
@@ -7991,24 +7064,8 @@
               </a:spcBef>
             </a:pPr>
             <a:r>
-              <a:rPr spc="-5"/>
-              <a:t>©202</a:t>
-            </a:r>
-            <a:r>
-              <a:rPr lang="en-US" spc="-5"/>
-              <a:t>1</a:t>
-            </a:r>
-            <a:r>
-              <a:rPr spc="-5"/>
-              <a:t> Adobe. All Rights Reserved. Adobe</a:t>
-            </a:r>
-            <a:r>
-              <a:rPr spc="60"/>
-              <a:t> </a:t>
-            </a:r>
-            <a:r>
-              <a:rPr spc="-5"/>
-              <a:t>Confidential.</a:t>
+              <a:rPr lang="pt-BR"/>
+              <a:t>©2021 Adobe. All Rights Reserved. Adobe Confidential.</a:t>
             </a:r>
           </a:p>
         </p:txBody>
@@ -8051,13 +7108,13 @@
               </a:spcAft>
             </a:pPr>
             <a:r>
-              <a:rPr lang="en-US" sz="1200" b="1" spc="-10">
+              <a:rPr lang="pt-BR" sz="1200" b="1">
                 <a:solidFill>
                   <a:srgbClr val="020302"/>
                 </a:solidFill>
                 <a:latin typeface="+mj-lt"/>
               </a:rPr>
-              <a:t>Account Support Lead</a:t>
+              <a:t>Líder de suporte da conta</a:t>
             </a:r>
           </a:p>
         </p:txBody>
@@ -8146,19 +7203,15 @@
               </a:spcBef>
             </a:pPr>
             <a:r>
-              <a:rPr lang="en-US" sz="1400" b="1" spc="-10">
+              <a:rPr lang="pt-BR" sz="1400" b="1">
                 <a:solidFill>
                   <a:srgbClr val="020302"/>
                 </a:solidFill>
                 <a:latin typeface="Adobe Clean"/>
                 <a:cs typeface="Adobe Clean"/>
               </a:rPr>
-              <a:t>Online Support Features</a:t>
+              <a:t>Recursos de suporte online</a:t>
             </a:r>
-            <a:endParaRPr lang="en-US" sz="1400">
-              <a:latin typeface="Adobe Clean"/>
-              <a:cs typeface="Adobe Clean"/>
-            </a:endParaRPr>
           </a:p>
         </p:txBody>
       </p:sp>
@@ -8246,19 +7299,15 @@
               </a:spcBef>
             </a:pPr>
             <a:r>
-              <a:rPr lang="en-US" sz="1400" b="1" spc="-10">
+              <a:rPr lang="pt-BR" sz="1400" b="1">
                 <a:solidFill>
                   <a:srgbClr val="020302"/>
                 </a:solidFill>
                 <a:latin typeface="Adobe Clean"/>
                 <a:cs typeface="Adobe Clean"/>
               </a:rPr>
-              <a:t>Business  Support Features</a:t>
+              <a:t>Recursos do Suporte Business</a:t>
             </a:r>
-            <a:endParaRPr lang="en-US" sz="1400">
-              <a:latin typeface="Adobe Clean"/>
-              <a:cs typeface="Adobe Clean"/>
-            </a:endParaRPr>
           </a:p>
         </p:txBody>
       </p:sp>
@@ -8277,7 +7326,7 @@
         <p:spPr>
           <a:xfrm>
             <a:off x="2836967" y="1370913"/>
-            <a:ext cx="2286000" cy="1456681"/>
+            <a:ext cx="2286000" cy="1817998"/>
           </a:xfrm>
           <a:prstGeom prst="rect">
             <a:avLst/>
@@ -8298,15 +7347,33 @@
               </a:spcBef>
             </a:pPr>
             <a:r>
-              <a:rPr lang="en-US" sz="1000">
+              <a:rPr lang="pt-BR" sz="1000" dirty="0">
                 <a:latin typeface="Adobe Clean Light" panose="020B0303020404020204" pitchFamily="34" charset="0"/>
               </a:rPr>
-              <a:t>Customers can submit support cases via Phone for all P2, P3, P4 issues during regional support hours. There are no upper limits on the number of times you can call into support. Customers can also request a call back from support or request a meeting to demonstrate or work through an issue using a shared remote desktop session.</a:t>
+              <a:t>Os clientes podem enviar casos de suporte por telefone para todos os problemas com prioridade P2, P3 e P4 durante o horário </a:t>
             </a:r>
-            <a:endParaRPr lang="en-US" sz="1000">
-              <a:latin typeface="Adobe Clean Light" panose="020B0303020404020204" pitchFamily="34" charset="0"/>
-              <a:cs typeface="AdobeClean-Light"/>
-            </a:endParaRPr>
+            <a:br>
+              <a:rPr lang="sk-SK" sz="1000" dirty="0">
+                <a:latin typeface="Adobe Clean Light" panose="020B0303020404020204" pitchFamily="34" charset="0"/>
+              </a:rPr>
+            </a:br>
+            <a:r>
+              <a:rPr lang="pt-BR" sz="1000" dirty="0">
+                <a:latin typeface="Adobe Clean Light" panose="020B0303020404020204" pitchFamily="34" charset="0"/>
+              </a:rPr>
+              <a:t>de suporte regional. Não há limites máximos para o número de vezes que você pode ligar para o suporte. Os clientes também podem solicitar uma chamada de retorno do suporte ou solicitar uma reunião para demonstrar </a:t>
+            </a:r>
+            <a:br>
+              <a:rPr lang="sk-SK" sz="1000" dirty="0">
+                <a:latin typeface="Adobe Clean Light" panose="020B0303020404020204" pitchFamily="34" charset="0"/>
+              </a:rPr>
+            </a:br>
+            <a:r>
+              <a:rPr lang="pt-BR" sz="1000" dirty="0">
+                <a:latin typeface="Adobe Clean Light" panose="020B0303020404020204" pitchFamily="34" charset="0"/>
+              </a:rPr>
+              <a:t>ou solucionar um problema usando uma sessão de desktop remoto compartilhado.</a:t>
+            </a:r>
           </a:p>
         </p:txBody>
       </p:sp>
@@ -8348,13 +7415,13 @@
               </a:spcAft>
             </a:pPr>
             <a:r>
-              <a:rPr lang="en-US" sz="1200" b="1" spc="-10">
+              <a:rPr lang="pt-BR" sz="1200" b="1">
                 <a:solidFill>
                   <a:srgbClr val="020302"/>
                 </a:solidFill>
                 <a:latin typeface="+mj-lt"/>
               </a:rPr>
-              <a:t>Live Telephone Support</a:t>
+              <a:t>Suporte telefônico ao vivo</a:t>
             </a:r>
           </a:p>
         </p:txBody>
@@ -8374,7 +7441,7 @@
         <p:spPr>
           <a:xfrm>
             <a:off x="5376301" y="1398482"/>
-            <a:ext cx="2286000" cy="805349"/>
+            <a:ext cx="2286000" cy="959237"/>
           </a:xfrm>
           <a:prstGeom prst="rect">
             <a:avLst/>
@@ -8395,18 +7462,65 @@
               </a:spcBef>
             </a:pPr>
             <a:r>
-              <a:rPr lang="en-US" sz="1000">
+              <a:rPr lang="pt-BR" sz="1000" dirty="0">
                 <a:solidFill>
                   <a:srgbClr val="4B4B4B"/>
                 </a:solidFill>
                 <a:latin typeface="Adobe Clean Light" panose="020B0303020404020204" pitchFamily="34" charset="0"/>
               </a:rPr>
-              <a:t>A designated point of contact within Adobe who can provide escalation assistance, regular updates and ensure priority is given to your most critical open support requests.</a:t>
+              <a:t>Um ponto de contato designado na </a:t>
             </a:r>
-            <a:endParaRPr lang="en-US" sz="1000">
-              <a:latin typeface="Adobe Clean Light" panose="020B0303020404020204" pitchFamily="34" charset="0"/>
-              <a:cs typeface="AdobeClean-Light"/>
-            </a:endParaRPr>
+            <a:br>
+              <a:rPr lang="sk-SK" sz="1000" dirty="0">
+                <a:solidFill>
+                  <a:srgbClr val="4B4B4B"/>
+                </a:solidFill>
+                <a:latin typeface="Adobe Clean Light" panose="020B0303020404020204" pitchFamily="34" charset="0"/>
+              </a:rPr>
+            </a:br>
+            <a:r>
+              <a:rPr lang="pt-BR" sz="1000" dirty="0">
+                <a:solidFill>
+                  <a:srgbClr val="4B4B4B"/>
+                </a:solidFill>
+                <a:latin typeface="Adobe Clean Light" panose="020B0303020404020204" pitchFamily="34" charset="0"/>
+              </a:rPr>
+              <a:t>Adobe que pode fornecer assistência </a:t>
+            </a:r>
+            <a:br>
+              <a:rPr lang="sk-SK" sz="1000" dirty="0">
+                <a:solidFill>
+                  <a:srgbClr val="4B4B4B"/>
+                </a:solidFill>
+                <a:latin typeface="Adobe Clean Light" panose="020B0303020404020204" pitchFamily="34" charset="0"/>
+              </a:rPr>
+            </a:br>
+            <a:r>
+              <a:rPr lang="pt-BR" sz="1000" dirty="0">
+                <a:solidFill>
+                  <a:srgbClr val="4B4B4B"/>
+                </a:solidFill>
+                <a:latin typeface="Adobe Clean Light" panose="020B0303020404020204" pitchFamily="34" charset="0"/>
+              </a:rPr>
+              <a:t>de encaminhamento, atualizações regulares </a:t>
+            </a:r>
+            <a:br>
+              <a:rPr lang="sk-SK" sz="1000" dirty="0">
+                <a:solidFill>
+                  <a:srgbClr val="4B4B4B"/>
+                </a:solidFill>
+                <a:latin typeface="Adobe Clean Light" panose="020B0303020404020204" pitchFamily="34" charset="0"/>
+              </a:rPr>
+            </a:br>
+            <a:r>
+              <a:rPr lang="pt-BR" sz="1000" dirty="0">
+                <a:solidFill>
+                  <a:srgbClr val="4B4B4B"/>
+                </a:solidFill>
+                <a:latin typeface="Adobe Clean Light" panose="020B0303020404020204" pitchFamily="34" charset="0"/>
+              </a:rPr>
+              <a:t>e garantir que seja dada prioridade àquelas solicitações de suporte abertas que forem mais críticas.</a:t>
+            </a:r>
           </a:p>
         </p:txBody>
       </p:sp>
@@ -8426,8 +7540,8 @@
         </p:nvSpPr>
         <p:spPr>
           <a:xfrm>
-            <a:off x="5885313" y="1085652"/>
-            <a:ext cx="1608472" cy="184666"/>
+            <a:off x="5885312" y="1085652"/>
+            <a:ext cx="1859137" cy="184666"/>
           </a:xfrm>
           <a:prstGeom prst="rect">
             <a:avLst/>
@@ -8448,13 +7562,13 @@
               </a:spcAft>
             </a:pPr>
             <a:r>
-              <a:rPr lang="en-US" sz="1200" b="1" spc="-10">
+              <a:rPr lang="pt-BR" sz="1200" b="1" dirty="0">
                 <a:solidFill>
                   <a:srgbClr val="020302"/>
                 </a:solidFill>
                 <a:latin typeface="+mj-lt"/>
               </a:rPr>
-              <a:t>Escalation Management</a:t>
+              <a:t>Gestão de encaminhamento</a:t>
             </a:r>
           </a:p>
         </p:txBody>
@@ -8502,7 +7616,7 @@
               <a:defRPr/>
             </a:pPr>
             <a:r>
-              <a:rPr lang="en-US" sz="1200">
+              <a:rPr lang="pt-BR" sz="1200">
                 <a:solidFill>
                   <a:srgbClr val="000000"/>
                 </a:solidFill>
@@ -8550,12 +7664,12 @@
               </a:spcAft>
             </a:pPr>
             <a:r>
-              <a:rPr lang="en-US" sz="1200" b="1">
+              <a:rPr lang="pt-BR" sz="1200" b="1">
                 <a:latin typeface="+mj-lt"/>
                 <a:ea typeface="Open Sans" pitchFamily="34" charset="0"/>
                 <a:cs typeface="Open Sans" pitchFamily="34" charset="0"/>
               </a:rPr>
-              <a:t>Webinars</a:t>
+              <a:t>Webinários</a:t>
             </a:r>
           </a:p>
         </p:txBody>
@@ -8575,7 +7689,7 @@
         <p:spPr>
           <a:xfrm>
             <a:off x="370040" y="8618616"/>
-            <a:ext cx="2286000" cy="1113125"/>
+            <a:ext cx="2286000" cy="959237"/>
           </a:xfrm>
           <a:prstGeom prst="rect">
             <a:avLst/>
@@ -8588,13 +7702,47 @@
           <a:lstStyle/>
           <a:p>
             <a:r>
-              <a:rPr lang="en-US" sz="1000">
+              <a:rPr lang="pt-BR" sz="1000" dirty="0">
                 <a:solidFill>
                   <a:srgbClr val="000000"/>
                 </a:solidFill>
                 <a:latin typeface="Adobe Clean Light" panose="020B0303020404020204" pitchFamily="34" charset="0"/>
               </a:rPr>
-              <a:t>Office Hours is an initiative led by the Adobe Customer Support team. These sessions are designed to inform as well as help participants troubleshoot problems and provide tips and tricks to be successful with Adobe Experience Cloud.</a:t>
+              <a:t>O Office Hours é uma iniciativa liderada pela equipe de Suporte ao cliente da Adobe. Essas sessões foram criadas para informar e ajudar os participantes a solucionar problemas </a:t>
+            </a:r>
+            <a:br>
+              <a:rPr lang="sk-SK" sz="1000" dirty="0">
+                <a:solidFill>
+                  <a:srgbClr val="000000"/>
+                </a:solidFill>
+                <a:latin typeface="Adobe Clean Light" panose="020B0303020404020204" pitchFamily="34" charset="0"/>
+              </a:rPr>
+            </a:br>
+            <a:r>
+              <a:rPr lang="pt-BR" sz="1000" dirty="0">
+                <a:solidFill>
+                  <a:srgbClr val="000000"/>
+                </a:solidFill>
+                <a:latin typeface="Adobe Clean Light" panose="020B0303020404020204" pitchFamily="34" charset="0"/>
+              </a:rPr>
+              <a:t>e fornecer dicas e truques para aproveitar </a:t>
+            </a:r>
+            <a:br>
+              <a:rPr lang="sk-SK" sz="1000" dirty="0">
+                <a:solidFill>
+                  <a:srgbClr val="000000"/>
+                </a:solidFill>
+                <a:latin typeface="Adobe Clean Light" panose="020B0303020404020204" pitchFamily="34" charset="0"/>
+              </a:rPr>
+            </a:br>
+            <a:r>
+              <a:rPr lang="pt-BR" sz="1000" dirty="0">
+                <a:solidFill>
+                  <a:srgbClr val="000000"/>
+                </a:solidFill>
+                <a:latin typeface="Adobe Clean Light" panose="020B0303020404020204" pitchFamily="34" charset="0"/>
+              </a:rPr>
+              <a:t>ao máximo a Adobe Experience Cloud.</a:t>
             </a:r>
           </a:p>
         </p:txBody>
@@ -8637,12 +7785,12 @@
               </a:spcAft>
             </a:pPr>
             <a:r>
-              <a:rPr lang="en-US" sz="1200" b="1">
+              <a:rPr lang="pt-BR" sz="1200" b="1">
                 <a:latin typeface="+mj-lt"/>
                 <a:ea typeface="Open Sans" pitchFamily="34" charset="0"/>
                 <a:cs typeface="Open Sans" pitchFamily="34" charset="0"/>
               </a:rPr>
-              <a:t>24/7 Support Portal</a:t>
+              <a:t>Portal de suporte 24/7</a:t>
             </a:r>
           </a:p>
         </p:txBody>
@@ -8662,7 +7810,7 @@
         <p:spPr>
           <a:xfrm>
             <a:off x="5376301" y="8618616"/>
-            <a:ext cx="2286000" cy="805349"/>
+            <a:ext cx="2286000" cy="959237"/>
           </a:xfrm>
           <a:prstGeom prst="rect">
             <a:avLst/>
@@ -8675,16 +7823,16 @@
           <a:lstStyle/>
           <a:p>
             <a:r>
-              <a:rPr lang="en-US" sz="1000">
+              <a:rPr lang="pt-BR" sz="1000" dirty="0">
                 <a:solidFill>
                   <a:srgbClr val="000000"/>
                 </a:solidFill>
                 <a:latin typeface="Adobe Clean Light" panose="020B0303020404020204" pitchFamily="34" charset="0"/>
               </a:rPr>
-              <a:t>On-demand access to the online </a:t>
+              <a:t>Acesso sob demanda ao Portal de autoatendimento online para enviar solicitações de suporte, revisar o status do caso e procurar outros recursos, como nossa base de conhecimento, notícias e alertas, </a:t>
             </a:r>
             <a:br>
-              <a:rPr lang="en-US" sz="1000">
+              <a:rPr lang="sk-SK" sz="1000" dirty="0">
                 <a:solidFill>
                   <a:srgbClr val="000000"/>
                 </a:solidFill>
@@ -8692,13 +7840,13 @@
               </a:rPr>
             </a:br>
             <a:r>
-              <a:rPr lang="en-US" sz="1000">
+              <a:rPr lang="pt-BR" sz="1000" dirty="0">
                 <a:solidFill>
                   <a:srgbClr val="000000"/>
                 </a:solidFill>
                 <a:latin typeface="Adobe Clean Light" panose="020B0303020404020204" pitchFamily="34" charset="0"/>
               </a:rPr>
-              <a:t>Self-help Support Portal to submit support requests, review case status, and browse other resources, like our knowledgebase, news and alerts, featured tips, and more.</a:t>
+              <a:t>dicas em destaque e muito mais.</a:t>
             </a:r>
           </a:p>
         </p:txBody>
@@ -8795,8 +7943,8 @@
         </p:nvSpPr>
         <p:spPr>
           <a:xfrm>
-            <a:off x="789025" y="3499700"/>
-            <a:ext cx="1336142" cy="285247"/>
+            <a:off x="789024" y="3499700"/>
+            <a:ext cx="1867015" cy="285247"/>
           </a:xfrm>
           <a:prstGeom prst="rect">
             <a:avLst/>
@@ -8810,10 +7958,10 @@
           <a:lstStyle/>
           <a:p>
             <a:r>
-              <a:rPr lang="en-US" sz="1200" b="1">
+              <a:rPr lang="pt-BR" sz="1200" b="1" dirty="0">
                 <a:latin typeface="+mj-lt"/>
               </a:rPr>
-              <a:t>Business Services</a:t>
+              <a:t>Serviços empresariais</a:t>
             </a:r>
           </a:p>
         </p:txBody>
@@ -8854,15 +8002,11 @@
               </a:spcBef>
             </a:pPr>
             <a:r>
-              <a:rPr lang="en-US" sz="1000">
+              <a:rPr lang="pt-BR" sz="1000">
                 <a:latin typeface="Adobe Clean Light" panose="020B0303020404020204" pitchFamily="34" charset="0"/>
               </a:rPr>
-              <a:t>An Account Support Lead will host webinars covering an overview of business support services.  </a:t>
+              <a:t>Um Líder de suporte da conta apresentará webinários com uma visão geral dos serviços de suporte empresarial.  </a:t>
             </a:r>
-            <a:endParaRPr lang="en-US" sz="1000">
-              <a:latin typeface="Adobe Clean Light" panose="020B0303020404020204" pitchFamily="34" charset="0"/>
-              <a:cs typeface="AdobeClean-Light"/>
-            </a:endParaRPr>
           </a:p>
         </p:txBody>
       </p:sp>
@@ -8880,7 +8024,7 @@
         </p:nvSpPr>
         <p:spPr>
           <a:xfrm rot="5400000" flipH="1">
-            <a:off x="3863341" y="302967"/>
+            <a:off x="3863341" y="546807"/>
             <a:ext cx="45719" cy="5577840"/>
           </a:xfrm>
           <a:custGeom>
@@ -9331,12 +8475,12 @@
               <a:defRPr/>
             </a:pPr>
             <a:r>
-              <a:rPr lang="en-US" sz="1200">
+              <a:rPr lang="pt-BR" sz="1200">
                 <a:solidFill>
                   <a:srgbClr val="000000"/>
                 </a:solidFill>
               </a:rPr>
-              <a:t>Self– Help Portal</a:t>
+              <a:t>Portal de autoatendimento</a:t>
             </a:r>
           </a:p>
         </p:txBody>
@@ -9384,7 +8528,7 @@
               <a:defRPr/>
             </a:pPr>
             <a:r>
-              <a:rPr lang="en-US" sz="1200">
+              <a:rPr lang="pt-BR" sz="1200">
                 <a:solidFill>
                   <a:srgbClr val="000000"/>
                 </a:solidFill>
@@ -9446,49 +8590,15 @@
               </a:lnSpc>
             </a:pPr>
             <a:r>
-              <a:rPr sz="500" spc="-5">
+              <a:rPr lang="pt-BR" sz="500">
                 <a:solidFill>
                   <a:srgbClr val="6C6C6C"/>
                 </a:solidFill>
                 <a:latin typeface="Adobe Clean"/>
                 <a:cs typeface="Adobe Clean"/>
               </a:rPr>
-              <a:t>©2020 Adobe. All Rights Reserved. </a:t>
+              <a:t>©2020 Adobe. All Rights Reserved. Adobe Confidential.</a:t>
             </a:r>
-            <a:r>
-              <a:rPr sz="500">
-                <a:solidFill>
-                  <a:srgbClr val="6C6C6C"/>
-                </a:solidFill>
-                <a:latin typeface="Adobe Clean"/>
-                <a:cs typeface="Adobe Clean"/>
-              </a:rPr>
-              <a:t>Adobe</a:t>
-            </a:r>
-            <a:r>
-              <a:rPr sz="500" spc="5">
-                <a:solidFill>
-                  <a:srgbClr val="6C6C6C"/>
-                </a:solidFill>
-                <a:latin typeface="Adobe Clean"/>
-                <a:cs typeface="Adobe Clean"/>
-              </a:rPr>
-              <a:t> </a:t>
-            </a:r>
-            <a:r>
-              <a:rPr sz="500" spc="-5">
-                <a:solidFill>
-                  <a:srgbClr val="6C6C6C"/>
-                </a:solidFill>
-                <a:latin typeface="Adobe Clean"/>
-                <a:cs typeface="Adobe Clean"/>
-              </a:rPr>
-              <a:t>Confidential.</a:t>
-            </a:r>
-            <a:endParaRPr sz="500">
-              <a:latin typeface="Adobe Clean"/>
-              <a:cs typeface="Adobe Clean"/>
-            </a:endParaRPr>
           </a:p>
           <a:p>
             <a:pPr>
@@ -9514,39 +8624,15 @@
               </a:spcBef>
             </a:pPr>
             <a:r>
-              <a:rPr sz="800" spc="-5">
+              <a:rPr lang="pt-BR" sz="800">
                 <a:solidFill>
                   <a:srgbClr val="6D6D6D"/>
                 </a:solidFill>
                 <a:latin typeface="Adobe Clean"/>
                 <a:cs typeface="Adobe Clean"/>
               </a:rPr>
-              <a:t>©2020 Adobe. All Rights Reserved. Adobe</a:t>
+              <a:t>©2020 Adobe. All Rights Reserved. Adobe Confidential.</a:t>
             </a:r>
-            <a:r>
-              <a:rPr sz="800" spc="75">
-                <a:solidFill>
-                  <a:srgbClr val="6D6D6D"/>
-                </a:solidFill>
-                <a:latin typeface="Adobe Clean"/>
-                <a:cs typeface="Adobe Clean"/>
-              </a:rPr>
-              <a:t> </a:t>
-            </a:r>
-            <a:r>
-              <a:rPr sz="800" spc="-5">
-                <a:solidFill>
-                  <a:srgbClr val="6D6D6D"/>
-                </a:solidFill>
-                <a:latin typeface="Adobe Clean"/>
-                <a:cs typeface="Adobe Clean"/>
-              </a:rPr>
-              <a:t>Confidential.</a:t>
-            </a:r>
-            <a:endParaRPr sz="800">
-              <a:latin typeface="Adobe Clean"/>
-              <a:cs typeface="Adobe Clean"/>
-            </a:endParaRPr>
           </a:p>
         </p:txBody>
       </p:sp>
@@ -9630,19 +8716,15 @@
               </a:spcBef>
             </a:pPr>
             <a:r>
-              <a:rPr lang="en-US" sz="1400" b="1" spc="-15">
+              <a:rPr lang="pt-BR" sz="1400" b="1">
                 <a:solidFill>
                   <a:srgbClr val="020302"/>
                 </a:solidFill>
                 <a:latin typeface="Adobe Clean"/>
                 <a:cs typeface="Adobe Clean"/>
               </a:rPr>
-              <a:t>Resources</a:t>
+              <a:t>Recursos</a:t>
             </a:r>
-            <a:endParaRPr sz="1400">
-              <a:latin typeface="Adobe Clean"/>
-              <a:cs typeface="Adobe Clean"/>
-            </a:endParaRPr>
           </a:p>
         </p:txBody>
       </p:sp>
@@ -9676,7 +8758,7 @@
               </a:spcBef>
             </a:pPr>
             <a:r>
-              <a:rPr sz="800" spc="-15">
+              <a:rPr lang="pt-BR" sz="800">
                 <a:solidFill>
                   <a:srgbClr val="777879"/>
                 </a:solidFill>
@@ -9685,10 +8767,6 @@
               </a:rPr>
               <a:t>Adobe</a:t>
             </a:r>
-            <a:endParaRPr sz="800">
-              <a:latin typeface="Adobe Clean"/>
-              <a:cs typeface="Adobe Clean"/>
-            </a:endParaRPr>
           </a:p>
           <a:p>
             <a:pPr marL="12700">
@@ -9697,39 +8775,15 @@
               </a:lnSpc>
             </a:pPr>
             <a:r>
-              <a:rPr sz="800" spc="-15">
+              <a:rPr lang="pt-BR" sz="800">
                 <a:solidFill>
                   <a:srgbClr val="777879"/>
                 </a:solidFill>
                 <a:latin typeface="Adobe Clean"/>
                 <a:cs typeface="Adobe Clean"/>
               </a:rPr>
-              <a:t>345 Park</a:t>
+              <a:t>345 Park Avenue</a:t>
             </a:r>
-            <a:r>
-              <a:rPr sz="800" spc="-100">
-                <a:solidFill>
-                  <a:srgbClr val="777879"/>
-                </a:solidFill>
-                <a:latin typeface="Adobe Clean"/>
-                <a:cs typeface="Adobe Clean"/>
-              </a:rPr>
-              <a:t> </a:t>
-            </a:r>
-            <a:r>
-              <a:rPr sz="800" spc="-15">
-                <a:solidFill>
-                  <a:srgbClr val="777879"/>
-                </a:solidFill>
-                <a:latin typeface="Adobe Clean"/>
-                <a:cs typeface="Adobe Clean"/>
-              </a:rPr>
-              <a:t>Avenue</a:t>
-            </a:r>
-            <a:endParaRPr sz="800">
-              <a:latin typeface="Adobe Clean"/>
-              <a:cs typeface="Adobe Clean"/>
-            </a:endParaRPr>
           </a:p>
           <a:p>
             <a:pPr marL="12700">
@@ -9738,49 +8792,15 @@
               </a:lnSpc>
             </a:pPr>
             <a:r>
-              <a:rPr sz="800" spc="-10">
+              <a:rPr lang="pt-BR" sz="800">
                 <a:solidFill>
                   <a:srgbClr val="777879"/>
                 </a:solidFill>
                 <a:latin typeface="Adobe Clean"/>
                 <a:cs typeface="Adobe Clean"/>
               </a:rPr>
-              <a:t>San </a:t>
+              <a:t>San Jose, CA95110-2704</a:t>
             </a:r>
-            <a:r>
-              <a:rPr sz="800" spc="-15">
-                <a:solidFill>
-                  <a:srgbClr val="777879"/>
-                </a:solidFill>
-                <a:latin typeface="Adobe Clean"/>
-                <a:cs typeface="Adobe Clean"/>
-              </a:rPr>
-              <a:t>Jose,</a:t>
-            </a:r>
-            <a:r>
-              <a:rPr sz="800" spc="-140">
-                <a:solidFill>
-                  <a:srgbClr val="777879"/>
-                </a:solidFill>
-                <a:latin typeface="Adobe Clean"/>
-                <a:cs typeface="Adobe Clean"/>
-              </a:rPr>
-              <a:t> </a:t>
-            </a:r>
-            <a:r>
-              <a:rPr sz="800" spc="-20">
-                <a:solidFill>
-                  <a:srgbClr val="777879"/>
-                </a:solidFill>
-                <a:latin typeface="Adobe Clean"/>
-                <a:cs typeface="Adobe Clean"/>
-              </a:rPr>
-              <a:t>CA95110-2704</a:t>
-            </a:r>
-            <a:endParaRPr sz="800">
-              <a:latin typeface="Adobe Clean"/>
-              <a:cs typeface="Adobe Clean"/>
-            </a:endParaRPr>
           </a:p>
           <a:p>
             <a:pPr marL="12700">
@@ -9792,7 +8812,7 @@
               </a:spcBef>
             </a:pPr>
             <a:r>
-              <a:rPr sz="800" spc="-10">
+              <a:rPr lang="pt-BR" sz="800">
                 <a:solidFill>
                   <a:srgbClr val="777879"/>
                 </a:solidFill>
@@ -9801,10 +8821,6 @@
               </a:rPr>
               <a:t>USA</a:t>
             </a:r>
-            <a:endParaRPr sz="800">
-              <a:latin typeface="Adobe Clean"/>
-              <a:cs typeface="Adobe Clean"/>
-            </a:endParaRPr>
           </a:p>
           <a:p>
             <a:pPr marL="12700">
@@ -9816,7 +8832,7 @@
               </a:spcBef>
             </a:pPr>
             <a:r>
-              <a:rPr sz="800" u="sng" spc="-25">
+              <a:rPr lang="pt-BR" sz="800" u="sng">
                 <a:solidFill>
                   <a:srgbClr val="5F5F5F"/>
                 </a:solidFill>
@@ -9831,10 +8847,6 @@
               </a:rPr>
               <a:t>www.adobe.com</a:t>
             </a:r>
-            <a:endParaRPr sz="800">
-              <a:latin typeface="Adobe Clean"/>
-              <a:cs typeface="Adobe Clean"/>
-            </a:endParaRPr>
           </a:p>
         </p:txBody>
       </p:sp>
@@ -9988,14 +9000,14 @@
         <p:spPr>
           <a:xfrm>
             <a:off x="75947" y="9437110"/>
-            <a:ext cx="5466715" cy="570865"/>
+            <a:ext cx="5646673" cy="570865"/>
           </a:xfrm>
           <a:prstGeom prst="rect">
             <a:avLst/>
           </a:prstGeom>
         </p:spPr>
         <p:txBody>
-          <a:bodyPr vert="horz" wrap="square" lIns="0" tIns="29845" rIns="0" bIns="0" rtlCol="0" anchor="t">
+          <a:bodyPr vert="horz" wrap="square" lIns="0" tIns="29845" rIns="0" bIns="0" rtlCol="0">
             <a:spAutoFit/>
           </a:bodyPr>
           <a:lstStyle/>
@@ -10009,439 +9021,15 @@
               </a:spcBef>
             </a:pPr>
             <a:r>
-              <a:rPr sz="1100" i="1" spc="-10">
+              <a:rPr lang="pt-BR" sz="1100" i="1" dirty="0">
                 <a:solidFill>
                   <a:srgbClr val="777879"/>
                 </a:solidFill>
                 <a:latin typeface="AdobeClean-LightIt"/>
                 <a:cs typeface="AdobeClean-LightIt"/>
               </a:rPr>
-              <a:t>To</a:t>
+              <a:t>Para saber mais sobre os Serviços de suporte Adobe e identificar o nível certo para você, entre em contato com o seu Gerente de conta nomeado (NAM, em inglês) ou Gerente de sucesso do cliente (CSM, em inglês).</a:t>
             </a:r>
-            <a:r>
-              <a:rPr sz="1100" i="1" spc="-50">
-                <a:solidFill>
-                  <a:srgbClr val="777879"/>
-                </a:solidFill>
-                <a:latin typeface="AdobeClean-LightIt"/>
-                <a:cs typeface="AdobeClean-LightIt"/>
-              </a:rPr>
-              <a:t> </a:t>
-            </a:r>
-            <a:r>
-              <a:rPr sz="1100" i="1" spc="-15">
-                <a:solidFill>
-                  <a:srgbClr val="777879"/>
-                </a:solidFill>
-                <a:latin typeface="AdobeClean-LightIt"/>
-                <a:cs typeface="AdobeClean-LightIt"/>
-              </a:rPr>
-              <a:t>learn</a:t>
-            </a:r>
-            <a:r>
-              <a:rPr sz="1100" i="1" spc="-40">
-                <a:solidFill>
-                  <a:srgbClr val="777879"/>
-                </a:solidFill>
-                <a:latin typeface="AdobeClean-LightIt"/>
-                <a:cs typeface="AdobeClean-LightIt"/>
-              </a:rPr>
-              <a:t> </a:t>
-            </a:r>
-            <a:r>
-              <a:rPr sz="1100" i="1" spc="-15">
-                <a:solidFill>
-                  <a:srgbClr val="777879"/>
-                </a:solidFill>
-                <a:latin typeface="AdobeClean-LightIt"/>
-                <a:cs typeface="AdobeClean-LightIt"/>
-              </a:rPr>
-              <a:t>more</a:t>
-            </a:r>
-            <a:r>
-              <a:rPr sz="1100" i="1" spc="-45">
-                <a:solidFill>
-                  <a:srgbClr val="777879"/>
-                </a:solidFill>
-                <a:latin typeface="AdobeClean-LightIt"/>
-                <a:cs typeface="AdobeClean-LightIt"/>
-              </a:rPr>
-              <a:t> </a:t>
-            </a:r>
-            <a:r>
-              <a:rPr sz="1100" i="1" spc="-15">
-                <a:solidFill>
-                  <a:srgbClr val="777879"/>
-                </a:solidFill>
-                <a:latin typeface="AdobeClean-LightIt"/>
-                <a:cs typeface="AdobeClean-LightIt"/>
-              </a:rPr>
-              <a:t>about</a:t>
-            </a:r>
-            <a:r>
-              <a:rPr sz="1100" i="1" spc="-45">
-                <a:solidFill>
-                  <a:srgbClr val="777879"/>
-                </a:solidFill>
-                <a:latin typeface="AdobeClean-LightIt"/>
-                <a:cs typeface="AdobeClean-LightIt"/>
-              </a:rPr>
-              <a:t> </a:t>
-            </a:r>
-            <a:r>
-              <a:rPr sz="1100" i="1" spc="-15">
-                <a:solidFill>
-                  <a:srgbClr val="777879"/>
-                </a:solidFill>
-                <a:latin typeface="AdobeClean-LightIt"/>
-                <a:cs typeface="AdobeClean-LightIt"/>
-              </a:rPr>
-              <a:t>Adobe</a:t>
-            </a:r>
-            <a:r>
-              <a:rPr sz="1100" i="1" spc="-50">
-                <a:solidFill>
-                  <a:srgbClr val="777879"/>
-                </a:solidFill>
-                <a:latin typeface="AdobeClean-LightIt"/>
-                <a:cs typeface="AdobeClean-LightIt"/>
-              </a:rPr>
-              <a:t> </a:t>
-            </a:r>
-            <a:r>
-              <a:rPr sz="1100" i="1" spc="-15">
-                <a:solidFill>
-                  <a:srgbClr val="777879"/>
-                </a:solidFill>
-                <a:latin typeface="AdobeClean-LightIt"/>
-                <a:cs typeface="AdobeClean-LightIt"/>
-              </a:rPr>
-              <a:t>Support</a:t>
-            </a:r>
-            <a:r>
-              <a:rPr lang="en-US" sz="1100" i="1" spc="-15">
-                <a:solidFill>
-                  <a:srgbClr val="777879"/>
-                </a:solidFill>
-                <a:latin typeface="AdobeClean-LightIt"/>
-                <a:cs typeface="AdobeClean-LightIt"/>
-              </a:rPr>
-              <a:t> Offerings</a:t>
-            </a:r>
-            <a:r>
-              <a:rPr sz="1100" i="1" spc="-75">
-                <a:solidFill>
-                  <a:srgbClr val="777879"/>
-                </a:solidFill>
-                <a:latin typeface="AdobeClean-LightIt"/>
-                <a:cs typeface="AdobeClean-LightIt"/>
-              </a:rPr>
-              <a:t> </a:t>
-            </a:r>
-            <a:r>
-              <a:rPr sz="1100" i="1" spc="-15">
-                <a:solidFill>
-                  <a:srgbClr val="777879"/>
-                </a:solidFill>
-                <a:latin typeface="AdobeClean-LightIt"/>
-                <a:cs typeface="AdobeClean-LightIt"/>
-              </a:rPr>
-              <a:t>and</a:t>
-            </a:r>
-            <a:r>
-              <a:rPr sz="1100" i="1" spc="-50">
-                <a:solidFill>
-                  <a:srgbClr val="777879"/>
-                </a:solidFill>
-                <a:latin typeface="AdobeClean-LightIt"/>
-                <a:cs typeface="AdobeClean-LightIt"/>
-              </a:rPr>
-              <a:t> </a:t>
-            </a:r>
-            <a:r>
-              <a:rPr sz="1100" i="1" spc="-15">
-                <a:solidFill>
-                  <a:srgbClr val="777879"/>
-                </a:solidFill>
-                <a:latin typeface="AdobeClean-LightIt"/>
-                <a:cs typeface="AdobeClean-LightIt"/>
-              </a:rPr>
-              <a:t>the</a:t>
-            </a:r>
-            <a:r>
-              <a:rPr sz="1100" i="1" spc="-55">
-                <a:solidFill>
-                  <a:srgbClr val="777879"/>
-                </a:solidFill>
-                <a:latin typeface="AdobeClean-LightIt"/>
-                <a:cs typeface="AdobeClean-LightIt"/>
-              </a:rPr>
-              <a:t> </a:t>
-            </a:r>
-            <a:r>
-              <a:rPr sz="1100" i="1" spc="-15">
-                <a:solidFill>
-                  <a:srgbClr val="777879"/>
-                </a:solidFill>
-                <a:latin typeface="AdobeClean-LightIt"/>
-                <a:cs typeface="AdobeClean-LightIt"/>
-              </a:rPr>
-              <a:t>right</a:t>
-            </a:r>
-            <a:r>
-              <a:rPr sz="1100" i="1" spc="-95">
-                <a:solidFill>
-                  <a:srgbClr val="777879"/>
-                </a:solidFill>
-                <a:latin typeface="AdobeClean-LightIt"/>
-                <a:cs typeface="AdobeClean-LightIt"/>
-              </a:rPr>
-              <a:t> </a:t>
-            </a:r>
-            <a:r>
-              <a:rPr sz="1100" i="1" spc="-15">
-                <a:solidFill>
-                  <a:srgbClr val="777879"/>
-                </a:solidFill>
-                <a:latin typeface="AdobeClean-LightIt"/>
-                <a:cs typeface="AdobeClean-LightIt"/>
-              </a:rPr>
-              <a:t>level</a:t>
-            </a:r>
-            <a:r>
-              <a:rPr sz="1100" i="1" spc="-55">
-                <a:solidFill>
-                  <a:srgbClr val="777879"/>
-                </a:solidFill>
-                <a:latin typeface="AdobeClean-LightIt"/>
-                <a:cs typeface="AdobeClean-LightIt"/>
-              </a:rPr>
-              <a:t> </a:t>
-            </a:r>
-            <a:r>
-              <a:rPr sz="1100" i="1" spc="-15">
-                <a:solidFill>
-                  <a:srgbClr val="777879"/>
-                </a:solidFill>
-                <a:latin typeface="AdobeClean-LightIt"/>
-                <a:cs typeface="AdobeClean-LightIt"/>
-              </a:rPr>
-              <a:t>for</a:t>
-            </a:r>
-            <a:r>
-              <a:rPr sz="1100" i="1" spc="-85">
-                <a:solidFill>
-                  <a:srgbClr val="777879"/>
-                </a:solidFill>
-                <a:latin typeface="AdobeClean-LightIt"/>
-                <a:cs typeface="AdobeClean-LightIt"/>
-              </a:rPr>
-              <a:t> </a:t>
-            </a:r>
-            <a:r>
-              <a:rPr sz="1100" i="1" spc="-15">
-                <a:solidFill>
-                  <a:srgbClr val="777879"/>
-                </a:solidFill>
-                <a:latin typeface="AdobeClean-LightIt"/>
-                <a:cs typeface="AdobeClean-LightIt"/>
-              </a:rPr>
-              <a:t>you,</a:t>
-            </a:r>
-            <a:r>
-              <a:rPr sz="1100" i="1" spc="-65">
-                <a:solidFill>
-                  <a:srgbClr val="777879"/>
-                </a:solidFill>
-                <a:latin typeface="AdobeClean-LightIt"/>
-                <a:cs typeface="AdobeClean-LightIt"/>
-              </a:rPr>
-              <a:t> </a:t>
-            </a:r>
-            <a:r>
-              <a:rPr sz="1100" i="1" spc="-15">
-                <a:solidFill>
-                  <a:srgbClr val="777879"/>
-                </a:solidFill>
-                <a:latin typeface="AdobeClean-LightIt"/>
-                <a:cs typeface="AdobeClean-LightIt"/>
-              </a:rPr>
-              <a:t>contact</a:t>
-            </a:r>
-            <a:r>
-              <a:rPr sz="1100" i="1" spc="-85">
-                <a:solidFill>
-                  <a:srgbClr val="777879"/>
-                </a:solidFill>
-                <a:latin typeface="AdobeClean-LightIt"/>
-                <a:cs typeface="AdobeClean-LightIt"/>
-              </a:rPr>
-              <a:t> </a:t>
-            </a:r>
-            <a:r>
-              <a:rPr sz="1100" i="1" spc="-15">
-                <a:solidFill>
-                  <a:srgbClr val="777879"/>
-                </a:solidFill>
-                <a:latin typeface="AdobeClean-LightIt"/>
-                <a:cs typeface="AdobeClean-LightIt"/>
-              </a:rPr>
-              <a:t>your</a:t>
-            </a:r>
-            <a:r>
-              <a:rPr sz="1100" i="1" spc="-70">
-                <a:solidFill>
-                  <a:srgbClr val="777879"/>
-                </a:solidFill>
-                <a:latin typeface="AdobeClean-LightIt"/>
-                <a:cs typeface="AdobeClean-LightIt"/>
-              </a:rPr>
-              <a:t> </a:t>
-            </a:r>
-            <a:r>
-              <a:rPr sz="1100" i="1" spc="-15">
-                <a:solidFill>
-                  <a:srgbClr val="777879"/>
-                </a:solidFill>
-                <a:latin typeface="AdobeClean-LightIt"/>
-                <a:cs typeface="AdobeClean-LightIt"/>
-              </a:rPr>
-              <a:t>Named</a:t>
-            </a:r>
-            <a:r>
-              <a:rPr sz="1100" i="1" spc="-55">
-                <a:solidFill>
-                  <a:srgbClr val="777879"/>
-                </a:solidFill>
-                <a:latin typeface="AdobeClean-LightIt"/>
-                <a:cs typeface="AdobeClean-LightIt"/>
-              </a:rPr>
-              <a:t> </a:t>
-            </a:r>
-            <a:r>
-              <a:rPr sz="1100" i="1" spc="-25">
-                <a:solidFill>
-                  <a:srgbClr val="777879"/>
-                </a:solidFill>
-                <a:latin typeface="AdobeClean-LightIt"/>
-                <a:cs typeface="AdobeClean-LightIt"/>
-              </a:rPr>
-              <a:t>Account</a:t>
-            </a:r>
-            <a:r>
-              <a:rPr sz="1100" i="1" spc="-120">
-                <a:solidFill>
-                  <a:srgbClr val="777879"/>
-                </a:solidFill>
-                <a:latin typeface="AdobeClean-LightIt"/>
-                <a:cs typeface="AdobeClean-LightIt"/>
-              </a:rPr>
-              <a:t> </a:t>
-            </a:r>
-            <a:r>
-              <a:rPr sz="1100" i="1" spc="-20">
-                <a:solidFill>
-                  <a:srgbClr val="777879"/>
-                </a:solidFill>
-                <a:latin typeface="AdobeClean-LightIt"/>
-                <a:cs typeface="AdobeClean-LightIt"/>
-              </a:rPr>
-              <a:t>Manager</a:t>
-            </a:r>
-            <a:r>
-              <a:rPr lang="en-US" sz="1100" i="1" spc="-20">
-                <a:solidFill>
-                  <a:srgbClr val="777879"/>
-                </a:solidFill>
-                <a:latin typeface="AdobeClean-LightIt"/>
-                <a:cs typeface="AdobeClean-LightIt"/>
-              </a:rPr>
-              <a:t> </a:t>
-            </a:r>
-            <a:r>
-              <a:rPr sz="1100" i="1" spc="-20">
-                <a:solidFill>
-                  <a:srgbClr val="777879"/>
-                </a:solidFill>
-                <a:latin typeface="AdobeClean-LightIt"/>
-                <a:cs typeface="AdobeClean-LightIt"/>
-              </a:rPr>
-              <a:t> </a:t>
-            </a:r>
-            <a:r>
-              <a:rPr sz="1100" i="1" spc="-15">
-                <a:solidFill>
-                  <a:srgbClr val="777879"/>
-                </a:solidFill>
-                <a:latin typeface="AdobeClean-LightIt"/>
-                <a:cs typeface="AdobeClean-LightIt"/>
-              </a:rPr>
-              <a:t>(NAM) </a:t>
-            </a:r>
-            <a:r>
-              <a:rPr sz="1100" i="1" spc="-10">
-                <a:solidFill>
-                  <a:srgbClr val="777879"/>
-                </a:solidFill>
-                <a:latin typeface="AdobeClean-LightIt"/>
-                <a:cs typeface="AdobeClean-LightIt"/>
-              </a:rPr>
-              <a:t>or </a:t>
-            </a:r>
-            <a:r>
-              <a:rPr sz="1100" i="1" spc="-15">
-                <a:solidFill>
-                  <a:srgbClr val="777879"/>
-                </a:solidFill>
-                <a:latin typeface="AdobeClean-LightIt"/>
-                <a:cs typeface="AdobeClean-LightIt"/>
-              </a:rPr>
-              <a:t>Customer</a:t>
-            </a:r>
-            <a:r>
-              <a:rPr lang="en-US" sz="1100" i="1" spc="-15">
-                <a:solidFill>
-                  <a:srgbClr val="777879"/>
-                </a:solidFill>
-                <a:latin typeface="AdobeClean-LightIt"/>
-                <a:cs typeface="AdobeClean-LightIt"/>
-              </a:rPr>
-              <a:t> </a:t>
-            </a:r>
-            <a:r>
-              <a:rPr lang="en-US" sz="1100" i="1" spc="-20">
-                <a:solidFill>
-                  <a:srgbClr val="777879"/>
-                </a:solidFill>
-                <a:latin typeface="AdobeClean-LightIt"/>
-                <a:cs typeface="AdobeClean-LightIt"/>
-              </a:rPr>
-              <a:t>Success </a:t>
-            </a:r>
-            <a:r>
-              <a:rPr lang="en-US" sz="1100" i="1" spc="-15">
-                <a:solidFill>
-                  <a:srgbClr val="777879"/>
-                </a:solidFill>
-                <a:latin typeface="AdobeClean-LightIt"/>
-                <a:cs typeface="AdobeClean-LightIt"/>
-              </a:rPr>
-              <a:t>Manager </a:t>
-            </a:r>
-            <a:r>
-              <a:rPr sz="1100" i="1" spc="-15">
-                <a:solidFill>
-                  <a:srgbClr val="777879"/>
-                </a:solidFill>
-                <a:latin typeface="AdobeClean-LightIt"/>
-                <a:cs typeface="AdobeClean-LightIt"/>
-              </a:rPr>
-              <a:t>(CSM)</a:t>
-            </a:r>
-            <a:endParaRPr sz="1100">
-              <a:latin typeface="AdobeClean-LightIt"/>
-              <a:cs typeface="AdobeClean-LightIt"/>
-            </a:endParaRPr>
           </a:p>
           <a:p>
             <a:pPr marL="34290">
@@ -10453,59 +9041,15 @@
               </a:spcBef>
             </a:pPr>
             <a:r>
-              <a:rPr sz="800" spc="-5">
+              <a:rPr lang="pt-BR" sz="800" dirty="0">
                 <a:solidFill>
                   <a:srgbClr val="6D6D6D"/>
                 </a:solidFill>
                 <a:latin typeface="Adobe Clean"/>
                 <a:cs typeface="Adobe Clean"/>
               </a:rPr>
-              <a:t>©202</a:t>
+              <a:t>©2021 Adobe. All Rights Reserved. Adobe Confidential.</a:t>
             </a:r>
-            <a:r>
-              <a:rPr lang="en-US" sz="800" spc="-5">
-                <a:solidFill>
-                  <a:srgbClr val="6D6D6D"/>
-                </a:solidFill>
-                <a:latin typeface="Adobe Clean"/>
-                <a:cs typeface="Adobe Clean"/>
-              </a:rPr>
-              <a:t>1</a:t>
-            </a:r>
-            <a:r>
-              <a:rPr sz="800" spc="-5">
-                <a:solidFill>
-                  <a:srgbClr val="6D6D6D"/>
-                </a:solidFill>
-                <a:latin typeface="Adobe Clean"/>
-                <a:cs typeface="Adobe Clean"/>
-              </a:rPr>
-              <a:t> Adobe. All Rights Reserved. Adobe</a:t>
-            </a:r>
-            <a:r>
-              <a:rPr sz="800" spc="75">
-                <a:solidFill>
-                  <a:srgbClr val="6D6D6D"/>
-                </a:solidFill>
-                <a:latin typeface="Adobe Clean"/>
-                <a:cs typeface="Adobe Clean"/>
-              </a:rPr>
-              <a:t> </a:t>
-            </a:r>
-            <a:r>
-              <a:rPr sz="800" spc="-5">
-                <a:solidFill>
-                  <a:srgbClr val="6D6D6D"/>
-                </a:solidFill>
-                <a:latin typeface="Adobe Clean"/>
-                <a:cs typeface="Adobe Clean"/>
-              </a:rPr>
-              <a:t>Confidential.</a:t>
-            </a:r>
-            <a:endParaRPr sz="800">
-              <a:latin typeface="Adobe Clean"/>
-              <a:cs typeface="Adobe Clean"/>
-            </a:endParaRPr>
           </a:p>
         </p:txBody>
       </p:sp>
@@ -10542,19 +9086,15 @@
               </a:spcBef>
             </a:pPr>
             <a:r>
-              <a:rPr lang="en-US" sz="1400" b="1" spc="-15">
+              <a:rPr lang="pt-BR" sz="1400" b="1" dirty="0">
                 <a:solidFill>
                   <a:srgbClr val="020302"/>
                 </a:solidFill>
                 <a:latin typeface="Adobe Clean"/>
                 <a:cs typeface="Adobe Clean"/>
               </a:rPr>
-              <a:t>Regional scope of Adobe Support, Local Hours Of Operation And Language Support</a:t>
+              <a:t>Escopo regional do Suporte da Adobe, horário local de operação e suporte de idioma</a:t>
             </a:r>
-            <a:endParaRPr lang="en-US" sz="1400" spc="-15">
-              <a:ea typeface="+mn-lt"/>
-              <a:cs typeface="+mn-lt"/>
-            </a:endParaRPr>
           </a:p>
           <a:p>
             <a:pPr>
@@ -10563,15 +9103,31 @@
               </a:spcBef>
             </a:pPr>
             <a:r>
-              <a:rPr lang="en-US" sz="1000" spc="-15">
+              <a:rPr lang="pt-BR" sz="1000" dirty="0">
                 <a:solidFill>
                   <a:srgbClr val="1F1F1F"/>
                 </a:solidFill>
                 <a:latin typeface="AdobeClean-Light"/>
               </a:rPr>
-              <a:t>The Regional scope of Adobe Support is established by aligning the customer's billing address (via the Sales Order or other Adobe Support purchasing document) to one of the following regions:</a:t>
+              <a:t>O escopo regional do Suporte da Adobe é estabelecido alinhando o endereço de faturamento do cliente </a:t>
             </a:r>
-            <a:endParaRPr lang="en-US"/>
+            <a:br>
+              <a:rPr lang="sk-SK" sz="1000" dirty="0">
+                <a:solidFill>
+                  <a:srgbClr val="1F1F1F"/>
+                </a:solidFill>
+                <a:latin typeface="AdobeClean-Light"/>
+              </a:rPr>
+            </a:br>
+            <a:r>
+              <a:rPr lang="pt-BR" sz="1000" dirty="0">
+                <a:solidFill>
+                  <a:srgbClr val="1F1F1F"/>
+                </a:solidFill>
+                <a:latin typeface="AdobeClean-Light"/>
+              </a:rPr>
+              <a:t>(conforme a ordem de venda ou outro documento de compra do Suporte da Adobe) a uma das regiões seguintes:</a:t>
+            </a:r>
           </a:p>
         </p:txBody>
       </p:sp>
@@ -10643,13 +9199,13 @@
                     <a:p>
                       <a:pPr algn="ctr"/>
                       <a:r>
-                        <a:rPr lang="en-US" sz="1100">
+                        <a:rPr lang="pt-BR" sz="1100">
                           <a:solidFill>
                             <a:schemeClr val="tx1"/>
                           </a:solidFill>
                           <a:latin typeface="Adobe Clean"/>
                         </a:rPr>
-                        <a:t>Americas</a:t>
+                        <a:t>Américas</a:t>
                       </a:r>
                     </a:p>
                   </a:txBody>
@@ -10708,13 +9264,13 @@
                     <a:p>
                       <a:pPr algn="ctr"/>
                       <a:r>
-                        <a:rPr lang="en-US" sz="1100">
+                        <a:rPr lang="pt-BR" sz="1100">
                           <a:solidFill>
                             <a:schemeClr val="tx1"/>
                           </a:solidFill>
                           <a:latin typeface="Adobe Clean"/>
                         </a:rPr>
-                        <a:t>Europe, Middle East &amp; Africa</a:t>
+                        <a:t>Europa, Oriente Médio e África</a:t>
                       </a:r>
                     </a:p>
                   </a:txBody>
@@ -10773,13 +9329,13 @@
                     <a:p>
                       <a:pPr algn="ctr"/>
                       <a:r>
-                        <a:rPr lang="en-US" sz="1100">
+                        <a:rPr lang="pt-BR" sz="1100">
                           <a:solidFill>
                             <a:schemeClr val="tx1"/>
                           </a:solidFill>
                           <a:latin typeface="Adobe Clean"/>
                         </a:rPr>
-                        <a:t>Asia Pacific</a:t>
+                        <a:t>Ásia–Pacífico</a:t>
                       </a:r>
                     </a:p>
                   </a:txBody>
@@ -10838,16 +9394,16 @@
                     <a:p>
                       <a:pPr algn="ctr"/>
                       <a:r>
-                        <a:rPr lang="en-US" sz="1100">
+                        <a:rPr lang="pt-BR" sz="1100">
                           <a:solidFill>
                             <a:schemeClr val="tx1"/>
                           </a:solidFill>
                           <a:latin typeface="Adobe Clean"/>
                         </a:rPr>
-                        <a:t>Japan </a:t>
+                        <a:t>Japão</a:t>
                       </a:r>
                       <a:r>
-                        <a:rPr lang="en-US" sz="1100" baseline="30000">
+                        <a:rPr lang="pt-BR" sz="1100" baseline="30000">
                           <a:solidFill>
                             <a:schemeClr val="tx1"/>
                           </a:solidFill>
@@ -10855,12 +9411,6 @@
                         </a:rPr>
                         <a:t>1 </a:t>
                       </a:r>
-                      <a:endParaRPr lang="en-US" sz="1100">
-                        <a:solidFill>
-                          <a:schemeClr val="tx1"/>
-                        </a:solidFill>
-                        <a:latin typeface="Adobe Clean" panose="020B0503020404020204" pitchFamily="34" charset="0"/>
-                      </a:endParaRPr>
                     </a:p>
                   </a:txBody>
                   <a:tcPr anchor="ctr">
@@ -10925,13 +9475,13 @@
                     <a:p>
                       <a:pPr algn="ctr"/>
                       <a:r>
-                        <a:rPr lang="en-US" sz="1100">
+                        <a:rPr lang="pt-BR" sz="1100">
                           <a:solidFill>
                             <a:schemeClr val="tx1"/>
                           </a:solidFill>
                           <a:latin typeface="Adobe Clean"/>
                         </a:rPr>
-                        <a:t>6 am – 5:30 pm</a:t>
+                        <a:t>6h – 17h30</a:t>
                       </a:r>
                     </a:p>
                   </a:txBody>
@@ -10990,13 +9540,13 @@
                     <a:p>
                       <a:pPr algn="ctr"/>
                       <a:r>
-                        <a:rPr lang="en-US" sz="1100">
+                        <a:rPr lang="pt-BR" sz="1100">
                           <a:solidFill>
                             <a:schemeClr val="tx1"/>
                           </a:solidFill>
                           <a:latin typeface="Adobe Clean"/>
                         </a:rPr>
-                        <a:t>9 am – 5 pm</a:t>
+                        <a:t>9h – 17h</a:t>
                       </a:r>
                     </a:p>
                   </a:txBody>
@@ -11055,13 +9605,13 @@
                     <a:p>
                       <a:pPr algn="ctr"/>
                       <a:r>
-                        <a:rPr lang="en-US" sz="1100">
+                        <a:rPr lang="pt-BR" sz="1100">
                           <a:solidFill>
                             <a:schemeClr val="tx1"/>
                           </a:solidFill>
                           <a:latin typeface="Adobe Clean"/>
                         </a:rPr>
-                        <a:t>9 am – 5 pm</a:t>
+                        <a:t>9h – 17h</a:t>
                       </a:r>
                     </a:p>
                   </a:txBody>
@@ -11120,13 +9670,13 @@
                     <a:p>
                       <a:pPr algn="ctr"/>
                       <a:r>
-                        <a:rPr lang="en-US" sz="1100">
+                        <a:rPr lang="pt-BR" sz="1100">
                           <a:solidFill>
                             <a:schemeClr val="tx1"/>
                           </a:solidFill>
                           <a:latin typeface="Adobe Clean"/>
                         </a:rPr>
-                        <a:t>9 am – 5:30 pm</a:t>
+                        <a:t>9h – 17h30</a:t>
                       </a:r>
                     </a:p>
                   </a:txBody>
@@ -11206,11 +9756,10 @@
                         <a:buNone/>
                       </a:pPr>
                       <a:r>
-                        <a:rPr lang="en-US" sz="1100" b="1" i="0" u="none" strike="noStrike" kern="0" cap="none" spc="0" normalizeH="0" baseline="30000" noProof="0">
+                        <a:rPr lang="pt-BR" sz="1100" b="1" i="0" u="none" strike="noStrike" cap="none" normalizeH="0" baseline="30000" noProof="0" dirty="0">
                           <a:ln>
                             <a:noFill/>
                           </a:ln>
-                          <a:effectLst/>
                           <a:uLnTx/>
                           <a:uFillTx/>
                           <a:latin typeface="Adobe Clean"/>
@@ -11220,17 +9769,16 @@
                         <a:t> </a:t>
                       </a:r>
                       <a:r>
-                        <a:rPr lang="en-US" sz="1100">
+                        <a:rPr lang="pt-BR" sz="1100" dirty="0">
                           <a:solidFill>
                             <a:schemeClr val="tx1"/>
                           </a:solidFill>
                           <a:latin typeface="Adobe Clean"/>
+                          <a:ea typeface="+mn-ea"/>
+                          <a:cs typeface="+mn-cs"/>
                         </a:rPr>
-                        <a:t>Language support is only available in English and Japanese.</a:t>
+                        <a:t>O suporte de idioma está disponível somente em inglês e japonês.</a:t>
                       </a:r>
-                      <a:endParaRPr lang="en-US">
-                        <a:latin typeface="Adobe Clean"/>
-                      </a:endParaRPr>
                     </a:p>
                     <a:p>
                       <a:pPr marL="0" marR="0" lvl="0" indent="0" algn="ctr">
@@ -11249,18 +9797,18 @@
                         <a:buNone/>
                       </a:pPr>
                       <a:r>
-                        <a:rPr lang="en-US" sz="1100" i="1">
+                        <a:rPr lang="pt-BR" sz="1100" i="1" dirty="0">
                           <a:solidFill>
                             <a:schemeClr val="tx1"/>
                           </a:solidFill>
                           <a:latin typeface="Adobe Clean"/>
                         </a:rPr>
-                        <a:t>*Adobe Commerce excludes Japanese languages support.</a:t>
+                        <a:t>*O Adobe Commerce exclui o suporte ao idioma japonês.</a:t>
                       </a:r>
                     </a:p>
                     <a:p>
-                      <a:pPr algn="ctr"/>
-                      <a:endParaRPr kumimoji="0" lang="en-US" sz="1100" b="1" i="0" u="none" strike="noStrike" kern="0" cap="none" spc="0" normalizeH="0" baseline="30000" noProof="0">
+                      <a:pPr algn="l" rtl="0"/>
+                      <a:endParaRPr kumimoji="0" lang="en-US" sz="1100" b="1" i="0" u="none" strike="noStrike" kern="0" cap="none" spc="0" normalizeH="0" baseline="30000" noProof="0" dirty="0">
                         <a:ln>
                           <a:noFill/>
                         </a:ln>
@@ -11278,7 +9826,7 @@
                     <a:p>
                       <a:pPr algn="ctr"/>
                       <a:r>
-                        <a:rPr lang="en-US" sz="1100" i="0">
+                        <a:rPr lang="pt-BR" sz="1100" i="0" dirty="0">
                           <a:solidFill>
                             <a:schemeClr val="tx1"/>
                           </a:solidFill>
@@ -11287,29 +9835,23 @@
                         <a:t> </a:t>
                       </a:r>
                       <a:r>
-                        <a:rPr lang="en-US" sz="1100" i="0" baseline="30000">
+                        <a:rPr lang="pt-BR" sz="1100" i="0" baseline="30000" dirty="0">
                           <a:solidFill>
                             <a:schemeClr val="tx1"/>
                           </a:solidFill>
                           <a:latin typeface="Adobe Clean"/>
                         </a:rPr>
-                        <a:t>1 </a:t>
+                        <a:t>1</a:t>
                       </a:r>
                       <a:r>
-                        <a:rPr lang="en-US" sz="1100" i="0">
+                        <a:rPr lang="pt-BR" sz="1100" i="0" dirty="0">
                           <a:solidFill>
                             <a:schemeClr val="tx1"/>
                           </a:solidFill>
                           <a:latin typeface="Adobe Clean"/>
                         </a:rPr>
-                        <a:t>P2, P3, P4 cases are limited to business hours only in Japan.</a:t>
+                        <a:t>Os casos de prioridade P2, P3 e P4 estão limitados ao horário comercial somente no Japão.</a:t>
                       </a:r>
-                      <a:endParaRPr lang="en-US" sz="1100" b="1" i="0">
-                        <a:solidFill>
-                          <a:schemeClr val="tx1"/>
-                        </a:solidFill>
-                        <a:latin typeface="Adobe Clean"/>
-                      </a:endParaRPr>
                     </a:p>
                   </a:txBody>
                   <a:tcPr anchor="ctr">
@@ -11664,7 +10206,7 @@
           </a:bodyPr>
           <a:lstStyle/>
           <a:p>
-            <a:pPr marL="139065" marR="5080" indent="-139065">
+            <a:pPr marR="5080" algn="ctr">
               <a:lnSpc>
                 <a:spcPts val="1390"/>
               </a:lnSpc>
@@ -11673,129 +10215,15 @@
               </a:spcBef>
             </a:pPr>
             <a:r>
-              <a:rPr sz="1200" b="1" spc="-15">
+              <a:rPr lang="pt-BR" sz="1200" b="1" dirty="0">
                 <a:solidFill>
                   <a:srgbClr val="FFFFFF"/>
                 </a:solidFill>
                 <a:latin typeface="Adobe Clean"/>
                 <a:cs typeface="Adobe Clean"/>
               </a:rPr>
-              <a:t>U</a:t>
+              <a:t>Experiência sem igual</a:t>
             </a:r>
-            <a:r>
-              <a:rPr sz="1200" b="1" spc="-20">
-                <a:solidFill>
-                  <a:srgbClr val="FFFFFF"/>
-                </a:solidFill>
-                <a:latin typeface="Adobe Clean"/>
-                <a:cs typeface="Adobe Clean"/>
-              </a:rPr>
-              <a:t>n</a:t>
-            </a:r>
-            <a:r>
-              <a:rPr sz="1200" b="1" spc="-25">
-                <a:solidFill>
-                  <a:srgbClr val="FFFFFF"/>
-                </a:solidFill>
-                <a:latin typeface="Adobe Clean"/>
-                <a:cs typeface="Adobe Clean"/>
-              </a:rPr>
-              <a:t>p</a:t>
-            </a:r>
-            <a:r>
-              <a:rPr sz="1200" b="1" spc="-15">
-                <a:solidFill>
-                  <a:srgbClr val="FFFFFF"/>
-                </a:solidFill>
-                <a:latin typeface="Adobe Clean"/>
-                <a:cs typeface="Adobe Clean"/>
-              </a:rPr>
-              <a:t>a</a:t>
-            </a:r>
-            <a:r>
-              <a:rPr sz="1200" b="1" spc="-25">
-                <a:solidFill>
-                  <a:srgbClr val="FFFFFF"/>
-                </a:solidFill>
-                <a:latin typeface="Adobe Clean"/>
-                <a:cs typeface="Adobe Clean"/>
-              </a:rPr>
-              <a:t>r</a:t>
-            </a:r>
-            <a:r>
-              <a:rPr sz="1200" b="1" spc="-15">
-                <a:solidFill>
-                  <a:srgbClr val="FFFFFF"/>
-                </a:solidFill>
-                <a:latin typeface="Adobe Clean"/>
-                <a:cs typeface="Adobe Clean"/>
-              </a:rPr>
-              <a:t>a</a:t>
-            </a:r>
-            <a:r>
-              <a:rPr sz="1200" b="1" spc="-30">
-                <a:solidFill>
-                  <a:srgbClr val="FFFFFF"/>
-                </a:solidFill>
-                <a:latin typeface="Adobe Clean"/>
-                <a:cs typeface="Adobe Clean"/>
-              </a:rPr>
-              <a:t>ll</a:t>
-            </a:r>
-            <a:r>
-              <a:rPr sz="1200" b="1" spc="-25">
-                <a:solidFill>
-                  <a:srgbClr val="FFFFFF"/>
-                </a:solidFill>
-                <a:latin typeface="Adobe Clean"/>
-                <a:cs typeface="Adobe Clean"/>
-              </a:rPr>
-              <a:t>e</a:t>
-            </a:r>
-            <a:r>
-              <a:rPr sz="1200" b="1" spc="-30">
-                <a:solidFill>
-                  <a:srgbClr val="FFFFFF"/>
-                </a:solidFill>
-                <a:latin typeface="Adobe Clean"/>
-                <a:cs typeface="Adobe Clean"/>
-              </a:rPr>
-              <a:t>l</a:t>
-            </a:r>
-            <a:r>
-              <a:rPr sz="1200" b="1" spc="-25">
-                <a:solidFill>
-                  <a:srgbClr val="FFFFFF"/>
-                </a:solidFill>
-                <a:latin typeface="Adobe Clean"/>
-                <a:cs typeface="Adobe Clean"/>
-              </a:rPr>
-              <a:t>e</a:t>
-            </a:r>
-            <a:r>
-              <a:rPr sz="1200" b="1">
-                <a:solidFill>
-                  <a:srgbClr val="FFFFFF"/>
-                </a:solidFill>
-                <a:latin typeface="Adobe Clean"/>
-                <a:cs typeface="Adobe Clean"/>
-              </a:rPr>
-              <a:t>d  </a:t>
-            </a:r>
-            <a:r>
-              <a:rPr sz="1200" b="1" spc="-25">
-                <a:solidFill>
-                  <a:srgbClr val="FFFFFF"/>
-                </a:solidFill>
-                <a:latin typeface="Adobe Clean"/>
-                <a:cs typeface="Adobe Clean"/>
-              </a:rPr>
-              <a:t>Expertise</a:t>
-            </a:r>
-            <a:endParaRPr sz="1200">
-              <a:latin typeface="Adobe Clean"/>
-              <a:cs typeface="Adobe Clean"/>
-            </a:endParaRPr>
           </a:p>
         </p:txBody>
       </p:sp>
@@ -11813,7 +10241,7 @@
         </p:nvSpPr>
         <p:spPr>
           <a:xfrm>
-            <a:off x="4732495" y="8541244"/>
+            <a:off x="4679155" y="8541244"/>
             <a:ext cx="810895" cy="382797"/>
           </a:xfrm>
           <a:prstGeom prst="rect">
@@ -11826,7 +10254,7 @@
           </a:bodyPr>
           <a:lstStyle/>
           <a:p>
-            <a:pPr marL="139065" marR="5080" indent="-139065">
+            <a:pPr marR="5080" algn="ctr">
               <a:lnSpc>
                 <a:spcPts val="1390"/>
               </a:lnSpc>
@@ -11835,19 +10263,15 @@
               </a:spcBef>
             </a:pPr>
             <a:r>
-              <a:rPr lang="en-US" sz="1200" b="1" spc="-15">
+              <a:rPr lang="pt-BR" sz="1200" b="1" dirty="0">
                 <a:solidFill>
                   <a:srgbClr val="FFFFFF"/>
                 </a:solidFill>
                 <a:latin typeface="Adobe Clean"/>
                 <a:cs typeface="Adobe Clean"/>
               </a:rPr>
-              <a:t>Accelerated Support</a:t>
+              <a:t>Suporte acelerado</a:t>
             </a:r>
-            <a:endParaRPr sz="1200">
-              <a:latin typeface="Adobe Clean"/>
-              <a:cs typeface="Adobe Clean"/>
-            </a:endParaRPr>
           </a:p>
         </p:txBody>
       </p:sp>
@@ -11865,8 +10289,8 @@
         </p:nvSpPr>
         <p:spPr>
           <a:xfrm>
-            <a:off x="6624119" y="8543943"/>
-            <a:ext cx="510540" cy="385445"/>
+            <a:off x="6479339" y="8543943"/>
+            <a:ext cx="810894" cy="382797"/>
           </a:xfrm>
           <a:prstGeom prst="rect">
             <a:avLst/>
@@ -11878,7 +10302,7 @@
           </a:bodyPr>
           <a:lstStyle/>
           <a:p>
-            <a:pPr marL="50800" marR="5080" indent="-51435">
+            <a:pPr marR="5080" algn="ctr">
               <a:lnSpc>
                 <a:spcPts val="1390"/>
               </a:lnSpc>
@@ -11887,109 +10311,15 @@
               </a:spcBef>
             </a:pPr>
             <a:r>
-              <a:rPr sz="1200" b="1" spc="-50">
+              <a:rPr lang="pt-BR" sz="1200" b="1" dirty="0">
                 <a:solidFill>
                   <a:srgbClr val="FFFFFF"/>
                 </a:solidFill>
                 <a:latin typeface="Adobe Clean"/>
                 <a:cs typeface="Adobe Clean"/>
               </a:rPr>
-              <a:t>S</a:t>
+              <a:t>Consultoria estratégica</a:t>
             </a:r>
-            <a:r>
-              <a:rPr sz="1200" b="1" spc="-20">
-                <a:solidFill>
-                  <a:srgbClr val="FFFFFF"/>
-                </a:solidFill>
-                <a:latin typeface="Adobe Clean"/>
-                <a:cs typeface="Adobe Clean"/>
-              </a:rPr>
-              <a:t>t</a:t>
-            </a:r>
-            <a:r>
-              <a:rPr sz="1200" b="1" spc="-75">
-                <a:solidFill>
-                  <a:srgbClr val="FFFFFF"/>
-                </a:solidFill>
-                <a:latin typeface="Adobe Clean"/>
-                <a:cs typeface="Adobe Clean"/>
-              </a:rPr>
-              <a:t>r</a:t>
-            </a:r>
-            <a:r>
-              <a:rPr sz="1200" b="1" spc="-90">
-                <a:solidFill>
-                  <a:srgbClr val="FFFFFF"/>
-                </a:solidFill>
-                <a:latin typeface="Adobe Clean"/>
-                <a:cs typeface="Adobe Clean"/>
-              </a:rPr>
-              <a:t>a</a:t>
-            </a:r>
-            <a:r>
-              <a:rPr sz="1200" b="1" spc="-55">
-                <a:solidFill>
-                  <a:srgbClr val="FFFFFF"/>
-                </a:solidFill>
-                <a:latin typeface="Adobe Clean"/>
-                <a:cs typeface="Adobe Clean"/>
-              </a:rPr>
-              <a:t>t</a:t>
-            </a:r>
-            <a:r>
-              <a:rPr sz="1200" b="1" spc="-100">
-                <a:solidFill>
-                  <a:srgbClr val="FFFFFF"/>
-                </a:solidFill>
-                <a:latin typeface="Adobe Clean"/>
-                <a:cs typeface="Adobe Clean"/>
-              </a:rPr>
-              <a:t>e</a:t>
-            </a:r>
-            <a:r>
-              <a:rPr sz="1200" b="1" spc="-80">
-                <a:solidFill>
-                  <a:srgbClr val="FFFFFF"/>
-                </a:solidFill>
-                <a:latin typeface="Adobe Clean"/>
-                <a:cs typeface="Adobe Clean"/>
-              </a:rPr>
-              <a:t>g</a:t>
-            </a:r>
-            <a:r>
-              <a:rPr sz="1200" b="1" spc="-35">
-                <a:solidFill>
-                  <a:srgbClr val="FFFFFF"/>
-                </a:solidFill>
-                <a:latin typeface="Adobe Clean"/>
-                <a:cs typeface="Adobe Clean"/>
-              </a:rPr>
-              <a:t>i</a:t>
-            </a:r>
-            <a:r>
-              <a:rPr sz="1200" b="1">
-                <a:solidFill>
-                  <a:srgbClr val="FFFFFF"/>
-                </a:solidFill>
-                <a:latin typeface="Adobe Clean"/>
-                <a:cs typeface="Adobe Clean"/>
-              </a:rPr>
-              <a:t>c  </a:t>
-            </a:r>
-            <a:r>
-              <a:rPr sz="1200" b="1" spc="-45">
-                <a:solidFill>
-                  <a:srgbClr val="FFFFFF"/>
-                </a:solidFill>
-                <a:latin typeface="Adobe Clean"/>
-                <a:cs typeface="Adobe Clean"/>
-              </a:rPr>
-              <a:t>Advice</a:t>
-            </a:r>
-            <a:endParaRPr sz="1200">
-              <a:latin typeface="Adobe Clean"/>
-              <a:cs typeface="Adobe Clean"/>
-            </a:endParaRPr>
           </a:p>
         </p:txBody>
       </p:sp>
@@ -12008,14 +10338,14 @@
           <p:nvPr>
             <p:extLst>
               <p:ext uri="{D42A27DB-BD31-4B8C-83A1-F6EECF244321}">
-                <p14:modId xmlns:p14="http://schemas.microsoft.com/office/powerpoint/2010/main" val="3773282750"/>
+                <p14:modId xmlns:p14="http://schemas.microsoft.com/office/powerpoint/2010/main" val="1927822158"/>
               </p:ext>
             </p:extLst>
           </p:nvPr>
         </p:nvGraphicFramePr>
         <p:xfrm>
           <a:off x="194236" y="1059345"/>
-          <a:ext cx="7368291" cy="3302000"/>
+          <a:ext cx="7368291" cy="3759200"/>
         </p:xfrm>
         <a:graphic>
           <a:graphicData uri="http://schemas.openxmlformats.org/drawingml/2006/table">
@@ -12046,25 +10376,17 @@
                     <a:lstStyle/>
                     <a:p>
                       <a:r>
-                        <a:rPr lang="en-US" sz="1100" b="0">
+                        <a:rPr lang="pt-BR" sz="1100" b="0">
                           <a:solidFill>
                             <a:schemeClr val="tx1"/>
                           </a:solidFill>
-                          <a:latin typeface="Adobe Clean"/>
+                          <a:latin typeface="Adobe Clean" panose="020B0503020404020204" pitchFamily="34" charset="0"/>
                           <a:ea typeface="+mn-ea"/>
                           <a:cs typeface="+mn-cs"/>
                           <a:hlinkClick r:id="rId7"/>
                         </a:rPr>
                         <a:t>Experience League</a:t>
                       </a:r>
-                      <a:endParaRPr lang="en-US" sz="1100" b="0">
-                        <a:solidFill>
-                          <a:schemeClr val="tx1"/>
-                        </a:solidFill>
-                        <a:latin typeface="Adobe Clean"/>
-                        <a:ea typeface="+mn-ea"/>
-                        <a:cs typeface="+mn-cs"/>
-                      </a:endParaRPr>
                     </a:p>
                   </a:txBody>
                   <a:tcPr marL="47625" marR="47625" marT="0" marB="0" anchor="ctr">
@@ -12120,7 +10442,7 @@
                     <a:bodyPr/>
                     <a:lstStyle/>
                     <a:p>
-                      <a:pPr marL="0" marR="0" lvl="0" indent="0" eaLnBrk="1" fontAlgn="auto" latinLnBrk="0" hangingPunct="1">
+                      <a:pPr marL="0" marR="0" lvl="0" indent="0" defTabSz="914400" eaLnBrk="1" fontAlgn="auto" latinLnBrk="0" hangingPunct="1">
                         <a:lnSpc>
                           <a:spcPct val="100000"/>
                         </a:lnSpc>
@@ -12134,26 +10456,62 @@
                         <a:buSzTx/>
                         <a:buFontTx/>
                         <a:buNone/>
+                        <a:tabLst/>
+                        <a:defRPr/>
                       </a:pPr>
                       <a:r>
-                        <a:rPr lang="en-US" sz="1000" b="0" kern="1200">
+                        <a:rPr lang="pt-BR" sz="1000" b="0" dirty="0">
                           <a:solidFill>
                             <a:srgbClr val="000000"/>
                           </a:solidFill>
-                          <a:latin typeface="Adobe Clean Light"/>
+                          <a:latin typeface="Adobe Clean Light" panose="020B0303020404020204" pitchFamily="34" charset="0"/>
                           <a:ea typeface="+mn-ea"/>
                           <a:cs typeface="+mn-cs"/>
                         </a:rPr>
-                        <a:t>Experience League is how Adobe helps businesses achieve the value they expect from their Adobe investment. It’s the unified place where customers can learn, connect, and grow along a personalized path to success that includes self-help tutorials, product documentation, instructor-led training, community and technical support. </a:t>
+                        <a:t>A Experience League foi criada para ajudar as empresas a alcançar </a:t>
                       </a:r>
-                      <a:endParaRPr lang="en-US" sz="1000" b="0" kern="1200">
-                        <a:solidFill>
-                          <a:srgbClr val="000000"/>
-                        </a:solidFill>
-                        <a:latin typeface="Adobe Clean Light" panose="020B0303020404020204" pitchFamily="34" charset="0"/>
-                        <a:ea typeface="+mn-ea"/>
-                        <a:cs typeface="+mn-cs"/>
-                      </a:endParaRPr>
+                      <a:br>
+                        <a:rPr lang="sk-SK" sz="1000" b="0" dirty="0">
+                          <a:solidFill>
+                            <a:srgbClr val="000000"/>
+                          </a:solidFill>
+                          <a:latin typeface="Adobe Clean Light" panose="020B0303020404020204" pitchFamily="34" charset="0"/>
+                          <a:ea typeface="+mn-ea"/>
+                          <a:cs typeface="+mn-cs"/>
+                        </a:rPr>
+                      </a:br>
+                      <a:r>
+                        <a:rPr lang="pt-BR" sz="1000" b="0" dirty="0">
+                          <a:solidFill>
+                            <a:srgbClr val="000000"/>
+                          </a:solidFill>
+                          <a:latin typeface="Adobe Clean Light" panose="020B0303020404020204" pitchFamily="34" charset="0"/>
+                          <a:ea typeface="+mn-ea"/>
+                          <a:cs typeface="+mn-cs"/>
+                        </a:rPr>
+                        <a:t>o valor que esperam do seu investimento em produtos da Adobe. </a:t>
+                      </a:r>
+                      <a:br>
+                        <a:rPr lang="sk-SK" sz="1000" b="0" dirty="0">
+                          <a:solidFill>
+                            <a:srgbClr val="000000"/>
+                          </a:solidFill>
+                          <a:latin typeface="Adobe Clean Light" panose="020B0303020404020204" pitchFamily="34" charset="0"/>
+                          <a:ea typeface="+mn-ea"/>
+                          <a:cs typeface="+mn-cs"/>
+                        </a:rPr>
+                      </a:br>
+                      <a:r>
+                        <a:rPr lang="pt-BR" sz="1000" b="0" dirty="0">
+                          <a:solidFill>
+                            <a:srgbClr val="000000"/>
+                          </a:solidFill>
+                          <a:latin typeface="Adobe Clean Light" panose="020B0303020404020204" pitchFamily="34" charset="0"/>
+                          <a:ea typeface="+mn-ea"/>
+                          <a:cs typeface="+mn-cs"/>
+                        </a:rPr>
+                        <a:t>É o local unificado onde os clientes podem aprender, interagir e crescer ao longo de um caminho personalizado de sucesso que inclui tutoriais de autoatendimento, documentação dos produtos, treinamento com instrutores e suporte técnico e da comunidade. </a:t>
+                      </a:r>
                     </a:p>
                   </a:txBody>
                   <a:tcPr anchor="ctr">
@@ -12234,39 +10592,28 @@
                         <a:defRPr/>
                       </a:pPr>
                       <a:r>
-                        <a:rPr lang="en-US" sz="1100">
+                        <a:rPr lang="pt-BR" sz="1100">
                           <a:solidFill>
                             <a:schemeClr val="dk1"/>
                           </a:solidFill>
-                          <a:effectLst/>
-                          <a:latin typeface="Adobe Clean"/>
+                          <a:latin typeface="Adobe Clean" panose="020B0503020404020204" pitchFamily="34" charset="0"/>
                           <a:ea typeface="+mn-ea"/>
                           <a:cs typeface="+mn-cs"/>
                           <a:hlinkClick r:id="rId8"/>
                         </a:rPr>
-                        <a:t>Training</a:t>
+                        <a:t>Treinamento</a:t>
                       </a:r>
                       <a:r>
-                        <a:rPr lang="en-US" sz="1100">
+                        <a:rPr lang="pt-BR" sz="1100">
                           <a:solidFill>
                             <a:schemeClr val="dk1"/>
                           </a:solidFill>
-                          <a:effectLst/>
-                          <a:latin typeface="Adobe Clean"/>
+                          <a:latin typeface="Adobe Clean" panose="020B0503020404020204" pitchFamily="34" charset="0"/>
                           <a:ea typeface="+mn-ea"/>
                           <a:cs typeface="+mn-cs"/>
                         </a:rPr>
                         <a:t> </a:t>
                       </a:r>
-                      <a:endParaRPr lang="en-US" sz="1100">
-                        <a:solidFill>
-                          <a:schemeClr val="tx1"/>
-                        </a:solidFill>
-                        <a:effectLst/>
-                        <a:latin typeface="Adobe Clean"/>
-                        <a:ea typeface="+mn-ea"/>
-                        <a:cs typeface="+mn-cs"/>
-                      </a:endParaRPr>
                     </a:p>
                   </a:txBody>
                   <a:tcPr anchor="ctr">
@@ -12340,15 +10687,15 @@
                         <a:defRPr/>
                       </a:pPr>
                       <a:r>
-                        <a:rPr lang="en-US" sz="1000" kern="1200">
+                        <a:rPr lang="pt-BR" sz="1000">
                           <a:solidFill>
                             <a:srgbClr val="000000"/>
                           </a:solidFill>
-                          <a:latin typeface="Adobe Clean Light"/>
+                          <a:latin typeface="Adobe Clean Light" panose="020B0303020404020204" pitchFamily="34" charset="0"/>
                           <a:ea typeface="+mn-ea"/>
                           <a:cs typeface="+mn-cs"/>
                         </a:rPr>
-                        <a:t>Adobe Digital Learning Services courses are accessible from Experience League. Learning courses integrate both on-demand and instructor-led lessons.  Here you can accrue skills that have recognized market value and position them to drive success in your organizations.</a:t>
+                        <a:t>O acesso aos cursos do Adobe Digital Learning Services está disponível na Experience League. Os cursos de aprendizagem incluem lições sob demanda e com instrutores.  É um lugar para adquirir habilidades com reconhecido valor de mercado que você pode pôr em prática para impulsionar o sucesso na sua organização.</a:t>
                       </a:r>
                     </a:p>
                   </a:txBody>
@@ -12430,27 +10777,17 @@
                         <a:defRPr/>
                       </a:pPr>
                       <a:r>
-                        <a:rPr lang="en-US" sz="1100">
+                        <a:rPr lang="pt-BR" sz="1100">
                           <a:solidFill>
                             <a:schemeClr val="tx1"/>
                           </a:solidFill>
-                          <a:effectLst/>
-                          <a:latin typeface="Adobe Clean"/>
+                          <a:latin typeface="Adobe Clean" panose="020B0503020404020204" pitchFamily="34" charset="0"/>
                           <a:ea typeface="+mn-ea"/>
                           <a:cs typeface="+mn-cs"/>
                           <a:hlinkClick r:id="rId9"/>
                         </a:rPr>
-                        <a:t>Production Issues &amp; System Outages</a:t>
+                        <a:t>Problemas de produção e paralisações do sistema</a:t>
                       </a:r>
-                      <a:endParaRPr lang="en-US" sz="1100">
-                        <a:solidFill>
-                          <a:schemeClr val="tx1"/>
-                        </a:solidFill>
-                        <a:effectLst/>
-                        <a:latin typeface="Adobe Clean"/>
-                        <a:ea typeface="+mn-ea"/>
-                        <a:cs typeface="+mn-cs"/>
-                      </a:endParaRPr>
                     </a:p>
                   </a:txBody>
                   <a:tcPr anchor="ctr">
@@ -12506,7 +10843,7 @@
                     <a:bodyPr/>
                     <a:lstStyle/>
                     <a:p>
-                      <a:pPr marL="0" marR="0" lvl="0" indent="0" eaLnBrk="1" fontAlgn="auto" latinLnBrk="0" hangingPunct="1">
+                      <a:pPr marL="0" marR="0" lvl="0" indent="0" defTabSz="914400" eaLnBrk="1" fontAlgn="auto" latinLnBrk="0" hangingPunct="1">
                         <a:lnSpc>
                           <a:spcPct val="100000"/>
                         </a:lnSpc>
@@ -12520,26 +10857,41 @@
                         <a:buSzTx/>
                         <a:buFontTx/>
                         <a:buNone/>
+                        <a:tabLst/>
+                        <a:defRPr/>
                       </a:pPr>
                       <a:r>
-                        <a:rPr lang="en-US" sz="1000" kern="1200">
+                        <a:rPr lang="pt-BR" sz="1000" dirty="0">
                           <a:solidFill>
                             <a:srgbClr val="000000"/>
                           </a:solidFill>
-                          <a:latin typeface="Adobe Clean Light"/>
+                          <a:latin typeface="Adobe Clean Light" panose="020B0303020404020204" pitchFamily="34" charset="0"/>
                           <a:ea typeface="+mn-ea"/>
                           <a:cs typeface="+mn-cs"/>
                         </a:rPr>
-                        <a:t>Status.adobe.com conveys the health information of all Adobe products and services that are deployed in multi-tenant environments. Customers can choose their subscription preferences to get email notifications whenever Adobe creates, updates or resolves a product event. This can include scheduled maintenance or service issues of varying levels of severity. </a:t>
+                        <a:t>O Status.adobe.com transmite as informações de integridade de todos os produtos e serviços da Adobe implantados em ambientes de vários locatários. Os clientes podem escolher suas preferências de subscrição para receber notificações por email sempre que a Adobe criar, atualizar ou resolver um evento de produto. Isso pode incluir manutenção programada ou problemas de serviço com diferentes níveis </a:t>
                       </a:r>
-                      <a:endParaRPr lang="en-US" sz="1000" kern="1200">
-                        <a:solidFill>
-                          <a:srgbClr val="000000"/>
-                        </a:solidFill>
-                        <a:latin typeface="Adobe Clean Light" panose="020B0303020404020204" pitchFamily="34" charset="0"/>
-                        <a:ea typeface="+mn-ea"/>
-                        <a:cs typeface="+mn-cs"/>
-                      </a:endParaRPr>
+                      <a:br>
+                        <a:rPr lang="sk-SK" sz="1000" dirty="0">
+                          <a:solidFill>
+                            <a:srgbClr val="000000"/>
+                          </a:solidFill>
+                          <a:latin typeface="Adobe Clean Light" panose="020B0303020404020204" pitchFamily="34" charset="0"/>
+                          <a:ea typeface="+mn-ea"/>
+                          <a:cs typeface="+mn-cs"/>
+                        </a:rPr>
+                      </a:br>
+                      <a:r>
+                        <a:rPr lang="pt-BR" sz="1000" dirty="0">
+                          <a:solidFill>
+                            <a:srgbClr val="000000"/>
+                          </a:solidFill>
+                          <a:latin typeface="Adobe Clean Light" panose="020B0303020404020204" pitchFamily="34" charset="0"/>
+                          <a:ea typeface="+mn-ea"/>
+                          <a:cs typeface="+mn-cs"/>
+                        </a:rPr>
+                        <a:t>de gravidade. </a:t>
+                      </a:r>
                     </a:p>
                   </a:txBody>
                   <a:tcPr anchor="ctr">
@@ -12620,27 +10972,17 @@
                         <a:defRPr/>
                       </a:pPr>
                       <a:r>
-                        <a:rPr lang="en-US" sz="1100" b="0" i="0">
+                        <a:rPr lang="pt-BR" sz="1100" b="0" i="0">
                           <a:solidFill>
                             <a:schemeClr val="dk1"/>
                           </a:solidFill>
-                          <a:effectLst/>
-                          <a:latin typeface="Adobe Clean"/>
+                          <a:latin typeface="Adobe Clean" panose="020B0503020404020204" pitchFamily="34" charset="0"/>
                           <a:ea typeface="+mn-ea"/>
                           <a:cs typeface="+mn-cs"/>
-                          <a:hlinkClick r:id="rId10" tooltip="https://helpx.adobe.com/support/programs/enterprise-support-programs/premier-support-business.html"/>
+                          <a:hlinkClick r:id="rId10" tooltip="https://helpx.adobe.com/br/support/programs/enterprise-support-programs/premier-support-business.html"/>
                         </a:rPr>
-                        <a:t>Business Support Website</a:t>
+                        <a:t>Site do Suporte Business</a:t>
                       </a:r>
-                      <a:endParaRPr lang="en-US" sz="1100" b="0" i="0">
-                        <a:solidFill>
-                          <a:schemeClr val="dk1"/>
-                        </a:solidFill>
-                        <a:effectLst/>
-                        <a:latin typeface="Adobe Clean"/>
-                        <a:ea typeface="+mn-ea"/>
-                        <a:cs typeface="+mn-cs"/>
-                      </a:endParaRPr>
                     </a:p>
                   </a:txBody>
                   <a:tcPr anchor="ctr">
@@ -12697,24 +11039,16 @@
                     <a:lstStyle/>
                     <a:p>
                       <a:r>
-                        <a:rPr lang="en-US" sz="1000" kern="1200">
+                        <a:rPr lang="pt-BR" sz="1000">
                           <a:solidFill>
                             <a:srgbClr val="000000"/>
                           </a:solidFill>
-                          <a:latin typeface="Adobe Clean Light"/>
+                          <a:latin typeface="Adobe Clean Light" panose="020B0303020404020204" pitchFamily="34" charset="0"/>
                           <a:ea typeface="+mn-ea"/>
                           <a:cs typeface="+mn-cs"/>
                         </a:rPr>
-                        <a:t>Adobe Business Support website.</a:t>
+                        <a:t>Site do Suporte Business da Adobe</a:t>
                       </a:r>
-                      <a:endParaRPr lang="en-US" sz="1000" kern="1200">
-                        <a:solidFill>
-                          <a:srgbClr val="000000"/>
-                        </a:solidFill>
-                        <a:latin typeface="Adobe Clean Light" panose="020B0303020404020204" pitchFamily="34" charset="0"/>
-                        <a:ea typeface="+mn-ea"/>
-                        <a:cs typeface="+mn-cs"/>
-                      </a:endParaRPr>
                     </a:p>
                   </a:txBody>
                   <a:tcPr anchor="ctr">
@@ -12795,27 +11129,17 @@
                         <a:defRPr/>
                       </a:pPr>
                       <a:r>
-                        <a:rPr lang="en-US" sz="1100">
+                        <a:rPr lang="pt-BR" sz="1100">
                           <a:solidFill>
                             <a:schemeClr val="tx1"/>
                           </a:solidFill>
-                          <a:effectLst/>
-                          <a:latin typeface="Adobe Clean"/>
+                          <a:latin typeface="Adobe Clean" panose="020B0503020404020204" pitchFamily="34" charset="0"/>
                           <a:ea typeface="+mn-ea"/>
                           <a:cs typeface="+mn-cs"/>
                           <a:hlinkClick r:id="rId11"/>
                         </a:rPr>
-                        <a:t>Terms and Conditions</a:t>
+                        <a:t>Termos e condições</a:t>
                       </a:r>
-                      <a:endParaRPr lang="en-US" sz="1100">
-                        <a:solidFill>
-                          <a:schemeClr val="tx1"/>
-                        </a:solidFill>
-                        <a:effectLst/>
-                        <a:latin typeface="Adobe Clean"/>
-                        <a:ea typeface="+mn-ea"/>
-                        <a:cs typeface="+mn-cs"/>
-                      </a:endParaRPr>
                     </a:p>
                   </a:txBody>
                   <a:tcPr anchor="ctr">
@@ -12872,24 +11196,16 @@
                     <a:lstStyle/>
                     <a:p>
                       <a:r>
-                        <a:rPr lang="en-US" sz="1000" kern="1200">
+                        <a:rPr lang="pt-BR" sz="1000" dirty="0">
                           <a:solidFill>
                             <a:srgbClr val="000000"/>
                           </a:solidFill>
-                          <a:latin typeface="Adobe Clean Light"/>
+                          <a:latin typeface="Adobe Clean Light" panose="020B0303020404020204" pitchFamily="34" charset="0"/>
                           <a:ea typeface="+mn-ea"/>
                           <a:cs typeface="+mn-cs"/>
                         </a:rPr>
-                        <a:t>Terms and conditions detailing Support Services offerings.</a:t>
+                        <a:t>Os Termos e condições que detalham os serviços de suporte</a:t>
                       </a:r>
-                      <a:endParaRPr lang="en-US" sz="1000" kern="1200">
-                        <a:solidFill>
-                          <a:srgbClr val="000000"/>
-                        </a:solidFill>
-                        <a:latin typeface="Adobe Clean Light" panose="020B0303020404020204" pitchFamily="34" charset="0"/>
-                        <a:ea typeface="+mn-ea"/>
-                        <a:cs typeface="+mn-cs"/>
-                      </a:endParaRPr>
                     </a:p>
                   </a:txBody>
                   <a:tcPr anchor="ctr">
@@ -13659,6 +11975,12 @@
 </file>
 
 <file path=customXml/item1.xml><?xml version="1.0" encoding="utf-8"?>
+<p:properties xmlns:p="http://schemas.microsoft.com/office/2006/metadata/properties" xmlns:xsi="http://www.w3.org/2001/XMLSchema-instance" xmlns:pc="http://schemas.microsoft.com/office/infopath/2007/PartnerControls">
+  <documentManagement/>
+</p:properties>
+</file>
+
+<file path=customXml/item2.xml><?xml version="1.0" encoding="utf-8"?>
 <ct:contentTypeSchema xmlns:ct="http://schemas.microsoft.com/office/2006/metadata/contentType" xmlns:ma="http://schemas.microsoft.com/office/2006/metadata/properties/metaAttributes" ct:_="" ma:_="" ma:contentTypeName="Document" ma:contentTypeID="0x010100E783BF6876BCC646A459363AF21A7736" ma:contentTypeVersion="10" ma:contentTypeDescription="Create a new document." ma:contentTypeScope="" ma:versionID="c4ffda7f4f415767600769e454c2ea87">
   <xsd:schema xmlns:xsd="http://www.w3.org/2001/XMLSchema" xmlns:xs="http://www.w3.org/2001/XMLSchema" xmlns:p="http://schemas.microsoft.com/office/2006/metadata/properties" xmlns:ns2="8a053bff-88be-49e4-9a87-e748e18b8b62" xmlns:ns3="6c8368ec-3776-49b5-a5bb-90648cf9530f" targetNamespace="http://schemas.microsoft.com/office/2006/metadata/properties" ma:root="true" ma:fieldsID="df3ec33bccc23e23bce7bc897fad43d1" ns2:_="" ns3:_="">
     <xsd:import namespace="8a053bff-88be-49e4-9a87-e748e18b8b62"/>
@@ -13863,7 +12185,7 @@
 </ct:contentTypeSchema>
 </file>
 
-<file path=customXml/item2.xml><?xml version="1.0" encoding="utf-8"?>
+<file path=customXml/item3.xml><?xml version="1.0" encoding="utf-8"?>
 <?mso-contentType ?>
 <FormTemplates xmlns="http://schemas.microsoft.com/sharepoint/v3/contenttype/forms">
   <Display>DocumentLibraryForm</Display>
@@ -13872,13 +12194,16 @@
 </FormTemplates>
 </file>
 
-<file path=customXml/item3.xml><?xml version="1.0" encoding="utf-8"?>
-<p:properties xmlns:p="http://schemas.microsoft.com/office/2006/metadata/properties" xmlns:xsi="http://www.w3.org/2001/XMLSchema-instance" xmlns:pc="http://schemas.microsoft.com/office/infopath/2007/PartnerControls">
-  <documentManagement/>
-</p:properties>
+<file path=customXml/itemProps1.xml><?xml version="1.0" encoding="utf-8"?>
+<ds:datastoreItem xmlns:ds="http://schemas.openxmlformats.org/officeDocument/2006/customXml" ds:itemID="{10FC3CAF-E6F1-40E3-87D4-6B781C97D6B4}">
+  <ds:schemaRefs>
+    <ds:schemaRef ds:uri="http://schemas.microsoft.com/office/2006/metadata/properties"/>
+    <ds:schemaRef ds:uri="http://schemas.microsoft.com/office/infopath/2007/PartnerControls"/>
+  </ds:schemaRefs>
+</ds:datastoreItem>
 </file>
 
-<file path=customXml/itemProps1.xml><?xml version="1.0" encoding="utf-8"?>
+<file path=customXml/itemProps2.xml><?xml version="1.0" encoding="utf-8"?>
 <ds:datastoreItem xmlns:ds="http://schemas.openxmlformats.org/officeDocument/2006/customXml" ds:itemID="{E0DB8BDF-6DA8-4ABC-A3CA-043AFD674CFC}">
   <ds:schemaRefs>
     <ds:schemaRef ds:uri="6c8368ec-3776-49b5-a5bb-90648cf9530f"/>
@@ -13897,27 +12222,10 @@
 </ds:datastoreItem>
 </file>
 
-<file path=customXml/itemProps2.xml><?xml version="1.0" encoding="utf-8"?>
+<file path=customXml/itemProps3.xml><?xml version="1.0" encoding="utf-8"?>
 <ds:datastoreItem xmlns:ds="http://schemas.openxmlformats.org/officeDocument/2006/customXml" ds:itemID="{95AE3B0B-E909-400C-B0B3-909FB50E07DE}">
   <ds:schemaRefs>
     <ds:schemaRef ds:uri="http://schemas.microsoft.com/sharepoint/v3/contenttype/forms"/>
   </ds:schemaRefs>
 </ds:datastoreItem>
-</file>
-
-<file path=customXml/itemProps3.xml><?xml version="1.0" encoding="utf-8"?>
-<ds:datastoreItem xmlns:ds="http://schemas.openxmlformats.org/officeDocument/2006/customXml" ds:itemID="{10FC3CAF-E6F1-40E3-87D4-6B781C97D6B4}">
-  <ds:schemaRefs>
-    <ds:schemaRef ds:uri="6c8368ec-3776-49b5-a5bb-90648cf9530f"/>
-    <ds:schemaRef ds:uri="8a053bff-88be-49e4-9a87-e748e18b8b62"/>
-    <ds:schemaRef ds:uri="http://purl.org/dc/dcmitype/"/>
-    <ds:schemaRef ds:uri="http://purl.org/dc/elements/1.1/"/>
-    <ds:schemaRef ds:uri="http://purl.org/dc/terms/"/>
-    <ds:schemaRef ds:uri="http://schemas.microsoft.com/office/2006/documentManagement/types"/>
-    <ds:schemaRef ds:uri="http://schemas.microsoft.com/office/2006/metadata/properties"/>
-    <ds:schemaRef ds:uri="http://schemas.microsoft.com/office/infopath/2007/PartnerControls"/>
-    <ds:schemaRef ds:uri="http://schemas.openxmlformats.org/package/2006/metadata/core-properties"/>
-    <ds:schemaRef ds:uri="http://www.w3.org/XML/1998/namespace"/>
-  </ds:schemaRefs>
-</ds:datastoreItem>
 </file>
--- a/help/data-sheets/assets/BusinessSupportDatasheet.pptx
+++ b/help/data-sheets/assets/BusinessSupportDatasheet.pptx
@@ -143,12 +143,8 @@
 <file path=ppt/revisionInfo.xml><?xml version="1.0" encoding="utf-8"?>
 <p1510:revInfo xmlns:a="http://schemas.openxmlformats.org/drawingml/2006/main" xmlns:r="http://schemas.openxmlformats.org/officeDocument/2006/relationships" xmlns:p1510="http://schemas.microsoft.com/office/powerpoint/2015/10/main">
   <p1510:revLst>
-    <p1510:client id="{06B13378-B080-7F0F-51A5-F9203CEE57ED}" v="370" dt="2021-08-25T22:26:24.850"/>
-    <p1510:client id="{4D8E0410-E0CE-85E2-0F84-C1BF4F647622}" v="27" dt="2021-09-22T22:57:14.395"/>
-    <p1510:client id="{71D6CFBF-0EA2-99B0-93F4-22F19EF0AE4E}" v="2" dt="2021-09-22T19:06:58.732"/>
-    <p1510:client id="{9E385600-BF81-FC49-9ED0-E33BC37F7908}" v="55" dt="2021-08-04T08:16:13.478"/>
-    <p1510:client id="{AFB92C2B-405E-C597-0988-18F97C53104C}" v="37" dt="2021-09-22T18:53:28.028"/>
-    <p1510:client id="{CA5D33DF-AE75-BCA1-B9BC-A7CD44D2F3C7}" v="2" dt="2021-08-25T22:38:18.624"/>
+    <p1510:client id="{61630BD6-9AE9-064C-B39F-AFA945B82B3E}" v="202" dt="2021-10-13T19:21:08.267"/>
+    <p1510:client id="{AC30C20D-1316-8ECC-DADD-39CCEC6A7FCF}" v="9" dt="2021-10-13T19:03:35.035"/>
   </p1510:revLst>
 </p1510:revInfo>
 </file>
@@ -170,6 +166,77 @@
         </pc:sldMkLst>
         <pc:graphicFrameChg chg="mod modGraphic">
           <ac:chgData name="Akilah Johnson" userId="S::akjohnso@adobe.com::2fa3aa60-0c9c-4d06-bae2-795983241227" providerId="AD" clId="Web-{4D8E0410-E0CE-85E2-0F84-C1BF4F647622}" dt="2021-09-22T22:57:04.802" v="5"/>
+          <ac:graphicFrameMkLst>
+            <pc:docMk/>
+            <pc:sldMk cId="1050037809" sldId="261"/>
+            <ac:graphicFrameMk id="25" creationId="{3A91F5B0-3974-A14D-A146-FB590F2AAD18}"/>
+          </ac:graphicFrameMkLst>
+        </pc:graphicFrameChg>
+      </pc:sldChg>
+    </pc:docChg>
+  </pc:docChgLst>
+  <pc:docChgLst>
+    <pc:chgData name="Akilah Johnson" userId="S::akjohnso@adobe.com::2fa3aa60-0c9c-4d06-bae2-795983241227" providerId="AD" clId="Web-{019F6A09-DCDA-BB53-9E3C-5BA3B13E26BB}"/>
+    <pc:docChg chg="modSld">
+      <pc:chgData name="Akilah Johnson" userId="S::akjohnso@adobe.com::2fa3aa60-0c9c-4d06-bae2-795983241227" providerId="AD" clId="Web-{019F6A09-DCDA-BB53-9E3C-5BA3B13E26BB}" dt="2021-10-12T17:10:36.752" v="17" actId="20577"/>
+      <pc:docMkLst>
+        <pc:docMk/>
+      </pc:docMkLst>
+      <pc:sldChg chg="modSp">
+        <pc:chgData name="Akilah Johnson" userId="S::akjohnso@adobe.com::2fa3aa60-0c9c-4d06-bae2-795983241227" providerId="AD" clId="Web-{019F6A09-DCDA-BB53-9E3C-5BA3B13E26BB}" dt="2021-10-12T17:09:32.112" v="2" actId="20577"/>
+        <pc:sldMkLst>
+          <pc:docMk/>
+          <pc:sldMk cId="0" sldId="257"/>
+        </pc:sldMkLst>
+        <pc:spChg chg="mod">
+          <ac:chgData name="Akilah Johnson" userId="S::akjohnso@adobe.com::2fa3aa60-0c9c-4d06-bae2-795983241227" providerId="AD" clId="Web-{019F6A09-DCDA-BB53-9E3C-5BA3B13E26BB}" dt="2021-10-12T17:09:32.112" v="2" actId="20577"/>
+          <ac:spMkLst>
+            <pc:docMk/>
+            <pc:sldMk cId="0" sldId="257"/>
+            <ac:spMk id="46" creationId="{00000000-0000-0000-0000-000000000000}"/>
+          </ac:spMkLst>
+        </pc:spChg>
+      </pc:sldChg>
+      <pc:sldChg chg="modSp">
+        <pc:chgData name="Akilah Johnson" userId="S::akjohnso@adobe.com::2fa3aa60-0c9c-4d06-bae2-795983241227" providerId="AD" clId="Web-{019F6A09-DCDA-BB53-9E3C-5BA3B13E26BB}" dt="2021-10-12T17:10:36.752" v="17" actId="20577"/>
+        <pc:sldMkLst>
+          <pc:docMk/>
+          <pc:sldMk cId="1050037809" sldId="261"/>
+        </pc:sldMkLst>
+        <pc:spChg chg="mod">
+          <ac:chgData name="Akilah Johnson" userId="S::akjohnso@adobe.com::2fa3aa60-0c9c-4d06-bae2-795983241227" providerId="AD" clId="Web-{019F6A09-DCDA-BB53-9E3C-5BA3B13E26BB}" dt="2021-10-12T17:10:36.752" v="17" actId="20577"/>
+          <ac:spMkLst>
+            <pc:docMk/>
+            <pc:sldMk cId="1050037809" sldId="261"/>
+            <ac:spMk id="56" creationId="{00000000-0000-0000-0000-000000000000}"/>
+          </ac:spMkLst>
+        </pc:spChg>
+        <pc:graphicFrameChg chg="mod modGraphic">
+          <ac:chgData name="Akilah Johnson" userId="S::akjohnso@adobe.com::2fa3aa60-0c9c-4d06-bae2-795983241227" providerId="AD" clId="Web-{019F6A09-DCDA-BB53-9E3C-5BA3B13E26BB}" dt="2021-10-12T17:09:41.471" v="6"/>
+          <ac:graphicFrameMkLst>
+            <pc:docMk/>
+            <pc:sldMk cId="1050037809" sldId="261"/>
+            <ac:graphicFrameMk id="111" creationId="{D8653CEC-4213-DE40-9BAF-D1E3318FF89C}"/>
+          </ac:graphicFrameMkLst>
+        </pc:graphicFrameChg>
+      </pc:sldChg>
+    </pc:docChg>
+  </pc:docChgLst>
+  <pc:docChgLst>
+    <pc:chgData name="Andy Witt" userId="S::awitt@adobe.com::e9157bdf-53b2-40e4-9459-936793d75696" providerId="AD" clId="Web-{06B13378-B080-7F0F-51A5-F9203CEE57ED}"/>
+    <pc:docChg chg="modSld">
+      <pc:chgData name="Andy Witt" userId="S::awitt@adobe.com::e9157bdf-53b2-40e4-9459-936793d75696" providerId="AD" clId="Web-{06B13378-B080-7F0F-51A5-F9203CEE57ED}" dt="2021-08-25T22:25:13.647" v="363"/>
+      <pc:docMkLst>
+        <pc:docMk/>
+      </pc:docMkLst>
+      <pc:sldChg chg="modSp">
+        <pc:chgData name="Andy Witt" userId="S::awitt@adobe.com::e9157bdf-53b2-40e4-9459-936793d75696" providerId="AD" clId="Web-{06B13378-B080-7F0F-51A5-F9203CEE57ED}" dt="2021-08-25T22:25:13.647" v="363"/>
+        <pc:sldMkLst>
+          <pc:docMk/>
+          <pc:sldMk cId="1050037809" sldId="261"/>
+        </pc:sldMkLst>
+        <pc:graphicFrameChg chg="mod modGraphic">
+          <ac:chgData name="Andy Witt" userId="S::awitt@adobe.com::e9157bdf-53b2-40e4-9459-936793d75696" providerId="AD" clId="Web-{06B13378-B080-7F0F-51A5-F9203CEE57ED}" dt="2021-08-25T22:25:13.647" v="363"/>
           <ac:graphicFrameMkLst>
             <pc:docMk/>
             <pc:sldMk cId="1050037809" sldId="261"/>
@@ -204,26 +271,58 @@
     </pc:docChg>
   </pc:docChgLst>
   <pc:docChgLst>
-    <pc:chgData name="Andy Witt" userId="S::awitt@adobe.com::e9157bdf-53b2-40e4-9459-936793d75696" providerId="AD" clId="Web-{06B13378-B080-7F0F-51A5-F9203CEE57ED}"/>
+    <pc:chgData name="Akilah Johnson" userId="S::akjohnso@adobe.com::2fa3aa60-0c9c-4d06-bae2-795983241227" providerId="AD" clId="Web-{D428A0AE-54E2-30D2-C574-7A0742876CCF}"/>
     <pc:docChg chg="modSld">
-      <pc:chgData name="Andy Witt" userId="S::awitt@adobe.com::e9157bdf-53b2-40e4-9459-936793d75696" providerId="AD" clId="Web-{06B13378-B080-7F0F-51A5-F9203CEE57ED}" dt="2021-08-25T22:25:13.647" v="363"/>
+      <pc:chgData name="Akilah Johnson" userId="S::akjohnso@adobe.com::2fa3aa60-0c9c-4d06-bae2-795983241227" providerId="AD" clId="Web-{D428A0AE-54E2-30D2-C574-7A0742876CCF}" dt="2021-10-12T19:11:25.330" v="0" actId="20577"/>
       <pc:docMkLst>
         <pc:docMk/>
       </pc:docMkLst>
       <pc:sldChg chg="modSp">
-        <pc:chgData name="Andy Witt" userId="S::awitt@adobe.com::e9157bdf-53b2-40e4-9459-936793d75696" providerId="AD" clId="Web-{06B13378-B080-7F0F-51A5-F9203CEE57ED}" dt="2021-08-25T22:25:13.647" v="363"/>
+        <pc:chgData name="Akilah Johnson" userId="S::akjohnso@adobe.com::2fa3aa60-0c9c-4d06-bae2-795983241227" providerId="AD" clId="Web-{D428A0AE-54E2-30D2-C574-7A0742876CCF}" dt="2021-10-12T19:11:25.330" v="0" actId="20577"/>
         <pc:sldMkLst>
           <pc:docMk/>
-          <pc:sldMk cId="1050037809" sldId="261"/>
+          <pc:sldMk cId="0" sldId="256"/>
         </pc:sldMkLst>
-        <pc:graphicFrameChg chg="mod modGraphic">
-          <ac:chgData name="Andy Witt" userId="S::awitt@adobe.com::e9157bdf-53b2-40e4-9459-936793d75696" providerId="AD" clId="Web-{06B13378-B080-7F0F-51A5-F9203CEE57ED}" dt="2021-08-25T22:25:13.647" v="363"/>
-          <ac:graphicFrameMkLst>
+        <pc:spChg chg="mod">
+          <ac:chgData name="Akilah Johnson" userId="S::akjohnso@adobe.com::2fa3aa60-0c9c-4d06-bae2-795983241227" providerId="AD" clId="Web-{D428A0AE-54E2-30D2-C574-7A0742876CCF}" dt="2021-10-12T19:11:25.330" v="0" actId="20577"/>
+          <ac:spMkLst>
             <pc:docMk/>
-            <pc:sldMk cId="1050037809" sldId="261"/>
-            <ac:graphicFrameMk id="25" creationId="{3A91F5B0-3974-A14D-A146-FB590F2AAD18}"/>
-          </ac:graphicFrameMkLst>
-        </pc:graphicFrameChg>
+            <pc:sldMk cId="0" sldId="256"/>
+            <ac:spMk id="4" creationId="{00000000-0000-0000-0000-000000000000}"/>
+          </ac:spMkLst>
+        </pc:spChg>
+      </pc:sldChg>
+    </pc:docChg>
+  </pc:docChgLst>
+  <pc:docChgLst>
+    <pc:chgData name="Lauren Schutte" userId="S::schutte@adobe.com::6e08b2d3-447a-4d66-86be-444d50df187f" providerId="AD" clId="Web-{AC30C20D-1316-8ECC-DADD-39CCEC6A7FCF}"/>
+    <pc:docChg chg="modSld">
+      <pc:chgData name="Lauren Schutte" userId="S::schutte@adobe.com::6e08b2d3-447a-4d66-86be-444d50df187f" providerId="AD" clId="Web-{AC30C20D-1316-8ECC-DADD-39CCEC6A7FCF}" dt="2021-10-13T19:03:35.035" v="8" actId="1076"/>
+      <pc:docMkLst>
+        <pc:docMk/>
+      </pc:docMkLst>
+      <pc:sldChg chg="modSp">
+        <pc:chgData name="Lauren Schutte" userId="S::schutte@adobe.com::6e08b2d3-447a-4d66-86be-444d50df187f" providerId="AD" clId="Web-{AC30C20D-1316-8ECC-DADD-39CCEC6A7FCF}" dt="2021-10-13T19:03:35.035" v="8" actId="1076"/>
+        <pc:sldMkLst>
+          <pc:docMk/>
+          <pc:sldMk cId="0" sldId="256"/>
+        </pc:sldMkLst>
+        <pc:spChg chg="mod">
+          <ac:chgData name="Lauren Schutte" userId="S::schutte@adobe.com::6e08b2d3-447a-4d66-86be-444d50df187f" providerId="AD" clId="Web-{AC30C20D-1316-8ECC-DADD-39CCEC6A7FCF}" dt="2021-10-13T19:03:27.878" v="7" actId="14100"/>
+          <ac:spMkLst>
+            <pc:docMk/>
+            <pc:sldMk cId="0" sldId="256"/>
+            <ac:spMk id="3" creationId="{00000000-0000-0000-0000-000000000000}"/>
+          </ac:spMkLst>
+        </pc:spChg>
+        <pc:spChg chg="mod">
+          <ac:chgData name="Lauren Schutte" userId="S::schutte@adobe.com::6e08b2d3-447a-4d66-86be-444d50df187f" providerId="AD" clId="Web-{AC30C20D-1316-8ECC-DADD-39CCEC6A7FCF}" dt="2021-10-13T19:03:35.035" v="8" actId="1076"/>
+          <ac:spMkLst>
+            <pc:docMk/>
+            <pc:sldMk cId="0" sldId="256"/>
+            <ac:spMk id="5" creationId="{00000000-0000-0000-0000-000000000000}"/>
+          </ac:spMkLst>
+        </pc:spChg>
       </pc:sldChg>
     </pc:docChg>
   </pc:docChgLst>
@@ -254,6 +353,38 @@
             <pc:docMk/>
             <pc:sldMk cId="1050037809" sldId="261"/>
             <ac:graphicFrameMk id="25" creationId="{3A91F5B0-3974-A14D-A146-FB590F2AAD18}"/>
+          </ac:graphicFrameMkLst>
+        </pc:graphicFrameChg>
+      </pc:sldChg>
+    </pc:docChg>
+  </pc:docChgLst>
+  <pc:docChgLst>
+    <pc:chgData name="Lauren Schutte" userId="6e08b2d3-447a-4d66-86be-444d50df187f" providerId="ADAL" clId="{61630BD6-9AE9-064C-B39F-AFA945B82B3E}"/>
+    <pc:docChg chg="undo custSel modSld">
+      <pc:chgData name="Lauren Schutte" userId="6e08b2d3-447a-4d66-86be-444d50df187f" providerId="ADAL" clId="{61630BD6-9AE9-064C-B39F-AFA945B82B3E}" dt="2021-10-13T19:21:08.267" v="201" actId="20577"/>
+      <pc:docMkLst>
+        <pc:docMk/>
+      </pc:docMkLst>
+      <pc:sldChg chg="modSp mod">
+        <pc:chgData name="Lauren Schutte" userId="6e08b2d3-447a-4d66-86be-444d50df187f" providerId="ADAL" clId="{61630BD6-9AE9-064C-B39F-AFA945B82B3E}" dt="2021-10-13T19:21:08.267" v="201" actId="20577"/>
+        <pc:sldMkLst>
+          <pc:docMk/>
+          <pc:sldMk cId="0" sldId="256"/>
+        </pc:sldMkLst>
+        <pc:spChg chg="mod">
+          <ac:chgData name="Lauren Schutte" userId="6e08b2d3-447a-4d66-86be-444d50df187f" providerId="ADAL" clId="{61630BD6-9AE9-064C-B39F-AFA945B82B3E}" dt="2021-10-13T19:03:44.344" v="3" actId="1076"/>
+          <ac:spMkLst>
+            <pc:docMk/>
+            <pc:sldMk cId="0" sldId="256"/>
+            <ac:spMk id="3" creationId="{00000000-0000-0000-0000-000000000000}"/>
+          </ac:spMkLst>
+        </pc:spChg>
+        <pc:graphicFrameChg chg="mod modGraphic">
+          <ac:chgData name="Lauren Schutte" userId="6e08b2d3-447a-4d66-86be-444d50df187f" providerId="ADAL" clId="{61630BD6-9AE9-064C-B39F-AFA945B82B3E}" dt="2021-10-13T19:21:08.267" v="201" actId="20577"/>
+          <ac:graphicFrameMkLst>
+            <pc:docMk/>
+            <pc:sldMk cId="0" sldId="256"/>
+            <ac:graphicFrameMk id="9" creationId="{00000000-0000-0000-0000-000000000000}"/>
           </ac:graphicFrameMkLst>
         </pc:graphicFrameChg>
       </pc:sldChg>
@@ -368,7 +499,7 @@
           <a:p>
             <a:fld id="{FB81873C-0B24-F04A-98A1-90E0A78F7E8A}" type="datetimeFigureOut">
               <a:rPr lang="en-US" smtClean="0"/>
-              <a:t>10/1/2021</a:t>
+              <a:t>11/12/2021</a:t>
             </a:fld>
             <a:endParaRPr lang="en-US"/>
           </a:p>
@@ -991,7 +1122,7 @@
           <a:p>
             <a:fld id="{1D8BD707-D9CF-40AE-B4C6-C98DA3205C09}" type="datetimeFigureOut">
               <a:rPr lang="en-US"/>
-              <a:t>10/1/2021</a:t>
+              <a:t>11/12/2021</a:t>
             </a:fld>
             <a:endParaRPr lang="en-US"/>
           </a:p>
@@ -1183,7 +1314,7 @@
           <a:p>
             <a:fld id="{1D8BD707-D9CF-40AE-B4C6-C98DA3205C09}" type="datetimeFigureOut">
               <a:rPr lang="en-US"/>
-              <a:t>10/1/2021</a:t>
+              <a:t>11/12/2021</a:t>
             </a:fld>
             <a:endParaRPr lang="en-US"/>
           </a:p>
@@ -1501,7 +1632,7 @@
           <a:p>
             <a:fld id="{1D8BD707-D9CF-40AE-B4C6-C98DA3205C09}" type="datetimeFigureOut">
               <a:rPr lang="en-US"/>
-              <a:t>10/1/2021</a:t>
+              <a:t>11/12/2021</a:t>
             </a:fld>
             <a:endParaRPr lang="en-US"/>
           </a:p>
@@ -1756,7 +1887,7 @@
         <p:spPr>
           <a:xfrm>
             <a:off x="168564" y="7162363"/>
-            <a:ext cx="4700615" cy="227626"/>
+            <a:ext cx="4746335" cy="227626"/>
           </a:xfrm>
           <a:prstGeom prst="rect">
             <a:avLst/>
@@ -1843,7 +1974,7 @@
           </a:prstGeom>
         </p:spPr>
         <p:txBody>
-          <a:bodyPr vert="horz" wrap="square" lIns="0" tIns="12700" rIns="0" bIns="0" rtlCol="0">
+          <a:bodyPr vert="horz" wrap="square" lIns="0" tIns="12700" rIns="0" bIns="0" rtlCol="0" anchor="t">
             <a:spAutoFit/>
           </a:bodyPr>
           <a:lstStyle/>
@@ -1858,9 +1989,9 @@
             </a:pPr>
             <a:r>
               <a:rPr lang="pt-BR" sz="2300">
-                <a:latin typeface="Adobe Clean" panose="020B0503020404020204" pitchFamily="34" charset="0"/>
+                <a:latin typeface="Adobe Clean"/>
               </a:rPr>
-              <a:t>SERVIÇOS DE SUPORTE ADOBE</a:t>
+              <a:t>PLANOS DE SUPORTE DA ADOBE</a:t>
             </a:r>
           </a:p>
         </p:txBody>
@@ -1873,8 +2004,8 @@
         </p:nvSpPr>
         <p:spPr>
           <a:xfrm>
-            <a:off x="121147" y="635935"/>
-            <a:ext cx="5865216" cy="1270476"/>
+            <a:off x="121147" y="531160"/>
+            <a:ext cx="5865216" cy="1424364"/>
           </a:xfrm>
           <a:prstGeom prst="rect">
             <a:avLst/>
@@ -1932,16 +2063,16 @@
               </a:spcBef>
             </a:pPr>
             <a:r>
-              <a:rPr lang="pt-BR" sz="900" spc="-20" dirty="0">
+              <a:rPr lang="pt-BR" sz="900" dirty="0">
                 <a:solidFill>
                   <a:schemeClr val="bg1"/>
                 </a:solidFill>
                 <a:latin typeface="Adobe Clean SemiLight" panose="020B0403020404020204" pitchFamily="34" charset="0"/>
               </a:rPr>
-              <a:t>A Adobe oferece uma ampla gama de recursos técnicos para prestar suporte à sua empresa, incluídos na sua assinatura da Experience Cloud e com melhorias adicionais no pacote de suporte BUSINESS. O Suporte BUSINESS inclui acesso a caminhos de aprendizagem personalizados e a fóruns monitorados da comunidade na Adobe Experience League. Você tem à sua disposição a nossa documentação técnica de produto, com todos os detalhes, e as notas de versão atuais. Os clientes BUSINESS também contam com acesso às nossas equipes de suporte técnico para qualquer consulta sobre o produto, por telefone ou no portal da web, com o fim de proteger sua empresa nos momentos mais críticos. Além disso, os clientes BUSINESS recebem comunicações e atualizações periódicos do Líder </a:t>
+              <a:t>A Adobe oferece uma ampla gama de recursos técnicos para prestar suporte à sua empresa, incluídos na sua assinatura da Experience Cloud e com melhorias adicionais no pacote de suporte BUSINESS. O Suporte BUSINESS inclui acesso a caminhos </a:t>
             </a:r>
             <a:br>
-              <a:rPr lang="sk-SK" sz="900" spc="-20" dirty="0">
+              <a:rPr lang="pt-BR" sz="900" dirty="0">
                 <a:solidFill>
                   <a:schemeClr val="bg1"/>
                 </a:solidFill>
@@ -1949,13 +2080,47 @@
               </a:rPr>
             </a:br>
             <a:r>
-              <a:rPr lang="pt-BR" sz="900" spc="-20" dirty="0">
+              <a:rPr lang="pt-BR" sz="900" dirty="0">
                 <a:solidFill>
                   <a:schemeClr val="bg1"/>
                 </a:solidFill>
                 <a:latin typeface="Adobe Clean SemiLight" panose="020B0403020404020204" pitchFamily="34" charset="0"/>
               </a:rPr>
-              <a:t>de suporte da conta e gestão de encaminhamento de casos de suporte para as solicitações mais críticas. </a:t>
+              <a:t>de aprendizagem personalizados e a fóruns monitorados da comunidade na Adobe Experience League. Você tem à sua disposição a nossa documentação técnica de produto, com todos os detalhes, e as notas de versão atuais. Os clientes BUSINESS também contam com acesso às nossas equipes de suporte técnico para qualquer consulta sobre o produto, por telefone ou </a:t>
+            </a:r>
+            <a:br>
+              <a:rPr lang="pt-BR" sz="900" dirty="0">
+                <a:solidFill>
+                  <a:schemeClr val="bg1"/>
+                </a:solidFill>
+                <a:latin typeface="Adobe Clean SemiLight" panose="020B0403020404020204" pitchFamily="34" charset="0"/>
+              </a:rPr>
+            </a:br>
+            <a:r>
+              <a:rPr lang="pt-BR" sz="900" dirty="0">
+                <a:solidFill>
+                  <a:schemeClr val="bg1"/>
+                </a:solidFill>
+                <a:latin typeface="Adobe Clean SemiLight" panose="020B0403020404020204" pitchFamily="34" charset="0"/>
+              </a:rPr>
+              <a:t>no portal da web, com o fim de proteger sua empresa nos momentos mais críticos. Além disso, os clientes BUSINESS recebem comunicações e atualizações periódicos do Líder de suporte da conta e gestão de encaminhamento de casos de suporte para</a:t>
+            </a:r>
+            <a:br>
+              <a:rPr lang="pt-BR" sz="900" dirty="0">
+                <a:solidFill>
+                  <a:schemeClr val="bg1"/>
+                </a:solidFill>
+                <a:latin typeface="Adobe Clean SemiLight" panose="020B0403020404020204" pitchFamily="34" charset="0"/>
+              </a:rPr>
+            </a:br>
+            <a:r>
+              <a:rPr lang="pt-BR" sz="900" dirty="0">
+                <a:solidFill>
+                  <a:schemeClr val="bg1"/>
+                </a:solidFill>
+                <a:latin typeface="Adobe Clean SemiLight" panose="020B0403020404020204" pitchFamily="34" charset="0"/>
+              </a:rPr>
+              <a:t>as solicitações mais críticas. </a:t>
             </a:r>
           </a:p>
         </p:txBody>
@@ -2038,14 +2203,14 @@
           <p:nvPr>
             <p:extLst>
               <p:ext uri="{D42A27DB-BD31-4B8C-83A1-F6EECF244321}">
-                <p14:modId xmlns:p14="http://schemas.microsoft.com/office/powerpoint/2010/main" val="2818194508"/>
+                <p14:modId xmlns:p14="http://schemas.microsoft.com/office/powerpoint/2010/main" val="2117478310"/>
               </p:ext>
             </p:extLst>
           </p:nvPr>
         </p:nvGraphicFramePr>
         <p:xfrm>
-          <a:off x="121146" y="7475985"/>
-          <a:ext cx="7498852" cy="2119744"/>
+          <a:off x="118872" y="7475985"/>
+          <a:ext cx="7498851" cy="2281696"/>
         </p:xfrm>
         <a:graphic>
           <a:graphicData uri="http://schemas.openxmlformats.org/drawingml/2006/table">
@@ -2054,7 +2219,7 @@
                 <a:tableStyleId>{2D5ABB26-0587-4C30-8999-92F81FD0307C}</a:tableStyleId>
               </a:tblPr>
               <a:tblGrid>
-                <a:gridCol w="4698745">
+                <a:gridCol w="4698744">
                   <a:extLst>
                     <a:ext uri="{9D8B030D-6E8A-4147-A177-3AD203B41FA5}">
                       <a16:colId xmlns:a16="http://schemas.microsoft.com/office/drawing/2014/main" val="20000"/>
@@ -2076,7 +2241,7 @@
                   </a:extLst>
                 </a:gridCol>
               </a:tblGrid>
-              <a:tr h="274318">
+              <a:tr h="291248">
                 <a:tc>
                   <a:txBody>
                     <a:bodyPr/>
@@ -2102,7 +2267,7 @@
                       </a:r>
                     </a:p>
                   </a:txBody>
-                  <a:tcPr marL="0" marR="0" marT="7620" marB="0" anchor="ctr">
+                  <a:tcPr marL="0" marR="0" marT="7620" marB="0">
                     <a:lnL w="3175">
                       <a:solidFill>
                         <a:srgbClr val="B7B8B8"/>
@@ -2137,27 +2302,37 @@
                     <a:bodyPr/>
                     <a:lstStyle/>
                     <a:p>
-                      <a:pPr marL="135255" algn="ctr">
+                      <a:pPr marL="2540" marR="0" lvl="0" indent="0" algn="ctr" defTabSz="914400" eaLnBrk="1" fontAlgn="auto" latinLnBrk="0" hangingPunct="1">
                         <a:lnSpc>
                           <a:spcPct val="100000"/>
                         </a:lnSpc>
                         <a:spcBef>
                           <a:spcPts val="60"/>
                         </a:spcBef>
+                        <a:spcAft>
+                          <a:spcPts val="0"/>
+                        </a:spcAft>
+                        <a:buClrTx/>
+                        <a:buSzTx/>
+                        <a:buFontTx/>
+                        <a:buNone/>
+                        <a:tabLst/>
+                        <a:defRPr/>
                       </a:pPr>
                       <a:r>
-                        <a:rPr lang="pt-BR" sz="900">
+                        <a:rPr lang="pt-BR" sz="900" dirty="0">
                           <a:solidFill>
-                            <a:srgbClr val="020302"/>
+                            <a:srgbClr val="404040"/>
                           </a:solidFill>
                           <a:latin typeface="Adobe Clean"/>
+                          <a:ea typeface="+mn-ea"/>
                           <a:cs typeface="Adobe Clean"/>
                         </a:rPr>
                         <a:t>Suporte Online</a:t>
                       </a:r>
                     </a:p>
                   </a:txBody>
-                  <a:tcPr anchor="ctr">
+                  <a:tcPr marL="182880" marT="91440" anchor="ctr">
                     <a:lnL w="3175">
                       <a:solidFill>
                         <a:srgbClr val="B7B8B8"/>
@@ -2192,7 +2367,7 @@
                     <a:bodyPr/>
                     <a:lstStyle/>
                     <a:p>
-                      <a:pPr marL="92710">
+                      <a:pPr marL="2540" algn="ctr">
                         <a:lnSpc>
                           <a:spcPct val="100000"/>
                         </a:lnSpc>
@@ -2201,18 +2376,19 @@
                         </a:spcBef>
                       </a:pPr>
                       <a:r>
-                        <a:rPr lang="pt-BR" sz="900">
+                        <a:rPr lang="pt-BR" sz="900" dirty="0">
                           <a:solidFill>
                             <a:srgbClr val="FFFFFF"/>
                           </a:solidFill>
                           <a:latin typeface="Adobe Clean"/>
+                          <a:ea typeface="+mn-ea"/>
                           <a:cs typeface="Adobe Clean"/>
                         </a:rPr>
                         <a:t>Suporte Business</a:t>
                       </a:r>
                     </a:p>
                   </a:txBody>
-                  <a:tcPr anchor="ctr">
+                  <a:tcPr marL="182880" marT="91440" anchor="ctr">
                     <a:lnL w="3175">
                       <a:solidFill>
                         <a:srgbClr val="B7B8B8"/>
@@ -2248,7 +2424,7 @@
                   </a:ext>
                 </a:extLst>
               </a:tr>
-              <a:tr h="484755">
+              <a:tr h="514672">
                 <a:tc>
                   <a:txBody>
                     <a:bodyPr/>
@@ -2292,13 +2468,30 @@
                         <a:defRPr/>
                       </a:pPr>
                       <a:r>
-                        <a:rPr lang="pt-BR" sz="900" b="0" i="0" spc="-20" baseline="0" dirty="0">
+                        <a:rPr lang="pt-BR" sz="900" b="0" i="0" dirty="0">
                           <a:solidFill>
                             <a:srgbClr val="000000"/>
                           </a:solidFill>
                           <a:latin typeface="Adobe Clean Light" panose="020B0303020404020204" pitchFamily="34" charset="0"/>
                         </a:rPr>
-                        <a:t>As funções de produção do cliente estão inativas ou têm perda significativa de dados ou degradação de serviços, e é necessária atenção imediata para restaurar a funcionalidade e a usabilidade</a:t>
+                        <a:t>As funções de produção do cliente estão inativas ou têm perda significativa de dados ou degradação de serviços, e é necessária atenção imediata para restaurar a funcionalidade </a:t>
+                      </a:r>
+                      <a:br>
+                        <a:rPr lang="pt-BR" sz="900" b="0" i="0" dirty="0">
+                          <a:solidFill>
+                            <a:srgbClr val="000000"/>
+                          </a:solidFill>
+                          <a:latin typeface="Adobe Clean Light" panose="020B0303020404020204" pitchFamily="34" charset="0"/>
+                        </a:rPr>
+                      </a:br>
+                      <a:r>
+                        <a:rPr lang="pt-BR" sz="900" b="0" i="0" dirty="0">
+                          <a:solidFill>
+                            <a:srgbClr val="000000"/>
+                          </a:solidFill>
+                          <a:latin typeface="Adobe Clean Light" panose="020B0303020404020204" pitchFamily="34" charset="0"/>
+                        </a:rPr>
+                        <a:t>e a usabilidade</a:t>
                       </a:r>
                     </a:p>
                   </a:txBody>
@@ -2343,18 +2536,18 @@
                         </a:spcBef>
                       </a:pPr>
                       <a:r>
-                        <a:rPr lang="pt-BR" sz="900">
+                        <a:rPr lang="pt-BR" sz="900" dirty="0">
                           <a:solidFill>
                             <a:srgbClr val="020302"/>
                           </a:solidFill>
                           <a:latin typeface="AdobeClean-Light"/>
                           <a:cs typeface="AdobeClean-Light"/>
                         </a:rPr>
-                        <a:t>24x7 /              1 hora</a:t>
+                        <a:t>24x7 / 1 hora</a:t>
                       </a:r>
                     </a:p>
                   </a:txBody>
-                  <a:tcPr anchor="ctr">
+                  <a:tcPr marL="0" marR="0" marT="91440" marB="91440" anchor="ctr" anchorCtr="1">
                     <a:lnL w="3175">
                       <a:solidFill>
                         <a:srgbClr val="B7B8B8"/>
@@ -2395,18 +2588,18 @@
                         </a:spcBef>
                       </a:pPr>
                       <a:r>
-                        <a:rPr lang="pt-BR" sz="900">
+                        <a:rPr lang="pt-BR" sz="900" dirty="0">
                           <a:solidFill>
                             <a:srgbClr val="020302"/>
                           </a:solidFill>
                           <a:latin typeface="AdobeClean-Light"/>
                           <a:cs typeface="AdobeClean-Light"/>
                         </a:rPr>
-                        <a:t>24x7 /              1 hora</a:t>
+                        <a:t>24x7 / 1 hora</a:t>
                       </a:r>
                     </a:p>
                   </a:txBody>
-                  <a:tcPr anchor="ctr">
+                  <a:tcPr marL="0" marR="0" marT="91440" marB="91440" anchor="ctr" anchorCtr="1">
                     <a:lnL w="3175">
                       <a:solidFill>
                         <a:srgbClr val="B7B8B8"/>
@@ -2444,7 +2637,7 @@
                   </a:ext>
                 </a:extLst>
               </a:tr>
-              <a:tr h="484755">
+              <a:tr h="514672">
                 <a:tc>
                   <a:txBody>
                     <a:bodyPr/>
@@ -2485,7 +2678,24 @@
                           </a:solidFill>
                           <a:latin typeface="Adobe Clean Light" panose="020B0303020404020204" pitchFamily="34" charset="0"/>
                         </a:rPr>
-                        <a:t>As funções empresariais do cliente têm grande degradação de serviços, perda potencial de dados ou foi afetado um recurso importante </a:t>
+                        <a:t>As funções empresariais do cliente têm grande degradação de serviços, perda potencial de dados </a:t>
+                      </a:r>
+                      <a:br>
+                        <a:rPr lang="pt-BR" sz="900" b="0" i="0" dirty="0">
+                          <a:solidFill>
+                            <a:srgbClr val="000000"/>
+                          </a:solidFill>
+                          <a:latin typeface="Adobe Clean Light" panose="020B0303020404020204" pitchFamily="34" charset="0"/>
+                        </a:rPr>
+                      </a:br>
+                      <a:r>
+                        <a:rPr lang="pt-BR" sz="900" b="0" i="0" dirty="0">
+                          <a:solidFill>
+                            <a:srgbClr val="000000"/>
+                          </a:solidFill>
+                          <a:latin typeface="Adobe Clean Light" panose="020B0303020404020204" pitchFamily="34" charset="0"/>
+                        </a:rPr>
+                        <a:t>ou foi afetado um recurso importante </a:t>
                       </a:r>
                     </a:p>
                   </a:txBody>
@@ -2521,7 +2731,7 @@
                     <a:bodyPr/>
                     <a:lstStyle/>
                     <a:p>
-                      <a:pPr marL="316865" marR="184785" indent="-193675" algn="ctr">
+                      <a:pPr marL="122238" marR="184785" indent="0" algn="ctr">
                         <a:lnSpc>
                           <a:spcPct val="100000"/>
                         </a:lnSpc>
@@ -2530,18 +2740,37 @@
                         </a:spcBef>
                       </a:pPr>
                       <a:r>
-                        <a:rPr lang="pt-BR" sz="900">
+                        <a:rPr lang="pt-BR" sz="900" dirty="0">
                           <a:solidFill>
                             <a:srgbClr val="020302"/>
                           </a:solidFill>
                           <a:latin typeface="AdobeClean-Light"/>
                           <a:cs typeface="AdobeClean-Light"/>
                         </a:rPr>
-                        <a:t>Horário comercial/          4 horas</a:t>
+                        <a:t>Horário comercial / </a:t>
+                      </a:r>
+                      <a:br>
+                        <a:rPr lang="pt-BR" sz="900" dirty="0">
+                          <a:solidFill>
+                            <a:srgbClr val="020302"/>
+                          </a:solidFill>
+                          <a:latin typeface="AdobeClean-Light"/>
+                          <a:cs typeface="AdobeClean-Light"/>
+                        </a:rPr>
+                      </a:br>
+                      <a:r>
+                        <a:rPr lang="pt-BR" sz="900" dirty="0">
+                          <a:solidFill>
+                            <a:srgbClr val="020302"/>
+                          </a:solidFill>
+                          <a:latin typeface="AdobeClean-Light"/>
+                          <a:cs typeface="AdobeClean-Light"/>
+                        </a:rPr>
+                        <a:t>4 horas</a:t>
                       </a:r>
                     </a:p>
                   </a:txBody>
-                  <a:tcPr anchor="ctr">
+                  <a:tcPr marL="0" marR="0" marT="91440" marB="91440" anchor="ctr" anchorCtr="1">
                     <a:lnL w="3175">
                       <a:solidFill>
                         <a:srgbClr val="B7B8B8"/>
@@ -2573,7 +2802,7 @@
                     <a:bodyPr/>
                     <a:lstStyle/>
                     <a:p>
-                      <a:pPr marL="317500" marR="184785" indent="-194310" algn="ctr">
+                      <a:pPr marL="125413" marR="184785" indent="-1588" algn="ctr">
                         <a:lnSpc>
                           <a:spcPct val="100000"/>
                         </a:lnSpc>
@@ -2582,18 +2811,40 @@
                         </a:spcBef>
                       </a:pPr>
                       <a:r>
-                        <a:rPr lang="pt-BR" sz="900">
+                        <a:rPr lang="pt-BR" sz="900" dirty="0">
                           <a:solidFill>
                             <a:srgbClr val="020302"/>
                           </a:solidFill>
                           <a:latin typeface="AdobeClean-Light"/>
+                          <a:ea typeface="+mn-ea"/>
                           <a:cs typeface="AdobeClean-Light"/>
                         </a:rPr>
-                        <a:t>Horário comercial/          2 horas</a:t>
+                        <a:t>Horário comercial / </a:t>
+                      </a:r>
+                      <a:br>
+                        <a:rPr lang="pt-BR" sz="900" dirty="0">
+                          <a:solidFill>
+                            <a:srgbClr val="020302"/>
+                          </a:solidFill>
+                          <a:latin typeface="AdobeClean-Light"/>
+                          <a:ea typeface="+mn-ea"/>
+                          <a:cs typeface="AdobeClean-Light"/>
+                        </a:rPr>
+                      </a:br>
+                      <a:r>
+                        <a:rPr lang="pt-BR" sz="900" dirty="0">
+                          <a:solidFill>
+                            <a:srgbClr val="020302"/>
+                          </a:solidFill>
+                          <a:latin typeface="AdobeClean-Light"/>
+                          <a:ea typeface="+mn-ea"/>
+                          <a:cs typeface="AdobeClean-Light"/>
+                        </a:rPr>
+                        <a:t>2 horas</a:t>
                       </a:r>
                     </a:p>
                   </a:txBody>
-                  <a:tcPr anchor="ctr">
+                  <a:tcPr marL="0" marR="0" marT="91440" marB="91440" anchor="ctr" anchorCtr="1">
                     <a:lnL w="3175">
                       <a:solidFill>
                         <a:srgbClr val="B7B8B8"/>
@@ -2631,7 +2882,7 @@
                   </a:ext>
                 </a:extLst>
               </a:tr>
-              <a:tr h="484756">
+              <a:tr h="514673">
                 <a:tc>
                   <a:txBody>
                     <a:bodyPr/>
@@ -2646,7 +2897,7 @@
                         </a:spcBef>
                       </a:pPr>
                       <a:r>
-                        <a:rPr lang="pt-BR" sz="900" b="1">
+                        <a:rPr lang="pt-BR" sz="900" b="1" dirty="0">
                           <a:solidFill>
                             <a:srgbClr val="020302"/>
                           </a:solidFill>
@@ -2666,7 +2917,7 @@
                         </a:spcBef>
                       </a:pPr>
                       <a:r>
-                        <a:rPr kumimoji="0" lang="pt-BR" sz="900" b="0" i="0" u="none" strike="noStrike" cap="none" normalizeH="0" baseline="0" noProof="0">
+                        <a:rPr kumimoji="0" lang="pt-BR" sz="900" b="0" i="0" u="none" strike="noStrike" cap="none" normalizeH="0" baseline="0" noProof="0" dirty="0">
                           <a:ln>
                             <a:noFill/>
                           </a:ln>
@@ -2679,7 +2930,38 @@
                           <a:ea typeface="+mn-ea"/>
                           <a:cs typeface="+mn-cs"/>
                         </a:rPr>
-                        <a:t>As funções empresariais do cliente têm pouca degradação dos serviços, e há uma solução/solução alternativa que permite que as funções empresariais continuem normalmente </a:t>
+                        <a:t>As funções empresariais do cliente têm pouca degradação dos serviços, e há uma solução/</a:t>
+                      </a:r>
+                      <a:br>
+                        <a:rPr kumimoji="0" lang="pt-BR" sz="900" b="0" i="0" u="none" strike="noStrike" cap="none" normalizeH="0" baseline="0" noProof="0" dirty="0">
+                          <a:ln>
+                            <a:noFill/>
+                          </a:ln>
+                          <a:solidFill>
+                            <a:srgbClr val="000000"/>
+                          </a:solidFill>
+                          <a:uLnTx/>
+                          <a:uFillTx/>
+                          <a:latin typeface="Adobe Clean Light" panose="020B0303020404020204" pitchFamily="34" charset="0"/>
+                          <a:ea typeface="+mn-ea"/>
+                          <a:cs typeface="+mn-cs"/>
+                        </a:rPr>
+                      </a:br>
+                      <a:r>
+                        <a:rPr kumimoji="0" lang="pt-BR" sz="900" b="0" i="0" u="none" strike="noStrike" cap="none" normalizeH="0" baseline="0" noProof="0" dirty="0">
+                          <a:ln>
+                            <a:noFill/>
+                          </a:ln>
+                          <a:solidFill>
+                            <a:srgbClr val="000000"/>
+                          </a:solidFill>
+                          <a:uLnTx/>
+                          <a:uFillTx/>
+                          <a:latin typeface="Adobe Clean Light" panose="020B0303020404020204" pitchFamily="34" charset="0"/>
+                          <a:ea typeface="+mn-ea"/>
+                          <a:cs typeface="+mn-cs"/>
+                        </a:rPr>
+                        <a:t>solução alternativa que permite que as funções empresariais continuem normalmente </a:t>
                       </a:r>
                     </a:p>
                   </a:txBody>
@@ -2715,27 +2997,49 @@
                     <a:bodyPr/>
                     <a:lstStyle/>
                     <a:p>
-                      <a:pPr marL="313690" marR="184150" indent="-189865" algn="ctr">
+                      <a:pPr marL="122238" marR="184785" indent="0" algn="ctr">
                         <a:lnSpc>
                           <a:spcPct val="100000"/>
                         </a:lnSpc>
                         <a:spcBef>
-                          <a:spcPts val="645"/>
+                          <a:spcPts val="670"/>
                         </a:spcBef>
                       </a:pPr>
                       <a:r>
-                        <a:rPr lang="pt-BR" sz="900">
+                        <a:rPr lang="pt-BR" sz="900" dirty="0">
                           <a:solidFill>
                             <a:srgbClr val="020302"/>
                           </a:solidFill>
                           <a:latin typeface="AdobeClean-Light"/>
+                          <a:ea typeface="+mn-ea"/>
                           <a:cs typeface="AdobeClean-Light"/>
                         </a:rPr>
-                        <a:t>Horário comercial/          6 horas</a:t>
+                        <a:t>   Horário comercial / </a:t>
+                      </a:r>
+                      <a:br>
+                        <a:rPr lang="pt-BR" sz="900" dirty="0">
+                          <a:solidFill>
+                            <a:srgbClr val="020302"/>
+                          </a:solidFill>
+                          <a:latin typeface="AdobeClean-Light"/>
+                          <a:ea typeface="+mn-ea"/>
+                          <a:cs typeface="AdobeClean-Light"/>
+                        </a:rPr>
+                      </a:br>
+                      <a:r>
+                        <a:rPr lang="pt-BR" sz="900" dirty="0">
+                          <a:solidFill>
+                            <a:srgbClr val="020302"/>
+                          </a:solidFill>
+                          <a:latin typeface="AdobeClean-Light"/>
+                          <a:ea typeface="+mn-ea"/>
+                          <a:cs typeface="AdobeClean-Light"/>
+                        </a:rPr>
+                        <a:t>6 horas</a:t>
                       </a:r>
                     </a:p>
                   </a:txBody>
-                  <a:tcPr anchor="ctr">
+                  <a:tcPr marL="0" marR="0" marT="91440" marB="91440" anchor="ctr" anchorCtr="1">
                     <a:lnL w="3175">
                       <a:solidFill>
                         <a:srgbClr val="B7B8B8"/>
@@ -2767,27 +3071,49 @@
                     <a:bodyPr/>
                     <a:lstStyle/>
                     <a:p>
-                      <a:pPr marL="316230" marR="185420" indent="-193675" algn="ctr">
+                      <a:pPr marL="122238" marR="184785" indent="0" algn="ctr">
                         <a:lnSpc>
                           <a:spcPct val="100000"/>
                         </a:lnSpc>
                         <a:spcBef>
-                          <a:spcPts val="645"/>
+                          <a:spcPts val="670"/>
                         </a:spcBef>
                       </a:pPr>
                       <a:r>
-                        <a:rPr lang="pt-BR" sz="900">
+                        <a:rPr lang="pt-BR" sz="900" dirty="0">
                           <a:solidFill>
                             <a:srgbClr val="020302"/>
                           </a:solidFill>
                           <a:latin typeface="AdobeClean-Light"/>
+                          <a:ea typeface="+mn-ea"/>
                           <a:cs typeface="AdobeClean-Light"/>
                         </a:rPr>
-                        <a:t>Horário comercial/          4 horas</a:t>
+                        <a:t>Horário comercial / </a:t>
+                      </a:r>
+                      <a:br>
+                        <a:rPr lang="pt-BR" sz="900" dirty="0">
+                          <a:solidFill>
+                            <a:srgbClr val="020302"/>
+                          </a:solidFill>
+                          <a:latin typeface="AdobeClean-Light"/>
+                          <a:ea typeface="+mn-ea"/>
+                          <a:cs typeface="AdobeClean-Light"/>
+                        </a:rPr>
+                      </a:br>
+                      <a:r>
+                        <a:rPr lang="pt-BR" sz="900" dirty="0">
+                          <a:solidFill>
+                            <a:srgbClr val="020302"/>
+                          </a:solidFill>
+                          <a:latin typeface="AdobeClean-Light"/>
+                          <a:ea typeface="+mn-ea"/>
+                          <a:cs typeface="AdobeClean-Light"/>
+                        </a:rPr>
+                        <a:t>4 horas</a:t>
                       </a:r>
                     </a:p>
                   </a:txBody>
-                  <a:tcPr anchor="ctr">
+                  <a:tcPr marL="0" marR="0" marT="91440" marB="91440" anchor="ctr" anchorCtr="1">
                     <a:lnL w="3175">
                       <a:solidFill>
                         <a:srgbClr val="B7B8B8"/>
@@ -2825,7 +3151,7 @@
                   </a:ext>
                 </a:extLst>
               </a:tr>
-              <a:tr h="359998">
+              <a:tr h="388333">
                 <a:tc>
                   <a:txBody>
                     <a:bodyPr/>
@@ -2840,7 +3166,7 @@
                         </a:spcBef>
                       </a:pPr>
                       <a:r>
-                        <a:rPr lang="pt-BR" sz="900" b="1" dirty="0">
+                        <a:rPr lang="pt-BR" sz="900" b="1">
                           <a:solidFill>
                             <a:srgbClr val="020302"/>
                           </a:solidFill>
@@ -2869,7 +3195,7 @@
                         <a:defRPr/>
                       </a:pPr>
                       <a:r>
-                        <a:rPr lang="pt-BR" sz="900" b="0" i="0" dirty="0">
+                        <a:rPr lang="pt-BR" sz="900" b="0" i="0">
                           <a:solidFill>
                             <a:srgbClr val="000000"/>
                           </a:solidFill>
@@ -2920,18 +3246,18 @@
                         </a:spcBef>
                       </a:pPr>
                       <a:r>
-                        <a:rPr lang="pt-BR" sz="900" dirty="0">
+                        <a:rPr lang="pt-BR" sz="900">
                           <a:solidFill>
                             <a:srgbClr val="020302"/>
                           </a:solidFill>
                           <a:latin typeface="AdobeClean-Light"/>
                           <a:cs typeface="AdobeClean-Light"/>
                         </a:rPr>
-                        <a:t>Dias úteis/ 3 dias</a:t>
+                        <a:t>  Dias úteis / 3 dias</a:t>
                       </a:r>
                     </a:p>
                   </a:txBody>
-                  <a:tcPr anchor="ctr">
+                  <a:tcPr marL="0" marR="0" marT="91440" marB="91440" anchor="ctr" anchorCtr="1">
                     <a:lnL w="3175">
                       <a:solidFill>
                         <a:srgbClr val="B7B8B8"/>
@@ -2979,31 +3305,11 @@
                           <a:latin typeface="AdobeClean-Light"/>
                           <a:cs typeface="AdobeClean-Light"/>
                         </a:rPr>
-                        <a:t>Dia útil / </a:t>
-                      </a:r>
-                    </a:p>
-                    <a:p>
-                      <a:pPr marL="370840" marR="223520" indent="-202565" algn="ctr">
-                        <a:lnSpc>
-                          <a:spcPct val="100000"/>
-                        </a:lnSpc>
-                        <a:spcBef>
-                          <a:spcPts val="155"/>
-                        </a:spcBef>
-                      </a:pPr>
-                      <a:r>
-                        <a:rPr lang="pt-BR" sz="900" dirty="0">
-                          <a:solidFill>
-                            <a:srgbClr val="020302"/>
-                          </a:solidFill>
-                          <a:latin typeface="AdobeClean-Light"/>
-                          <a:cs typeface="AdobeClean-Light"/>
-                        </a:rPr>
-                        <a:t>  1 dia</a:t>
+                        <a:t>Dias úteis / 1 dia</a:t>
                       </a:r>
                     </a:p>
                   </a:txBody>
-                  <a:tcPr anchor="ctr">
+                  <a:tcPr marL="0" marR="0" marT="91440" marB="91440" anchor="ctr" anchorCtr="1">
                     <a:lnL w="3175">
                       <a:solidFill>
                         <a:srgbClr val="B7B8B8"/>
@@ -3060,7 +3366,7 @@
           <p:nvPr>
             <p:extLst>
               <p:ext uri="{D42A27DB-BD31-4B8C-83A1-F6EECF244321}">
-                <p14:modId xmlns:p14="http://schemas.microsoft.com/office/powerpoint/2010/main" val="116851390"/>
+                <p14:modId xmlns:p14="http://schemas.microsoft.com/office/powerpoint/2010/main" val="1469976293"/>
               </p:ext>
             </p:extLst>
           </p:nvPr>
@@ -3198,7 +3504,7 @@
                         </a:spcBef>
                       </a:pPr>
                       <a:r>
-                        <a:rPr lang="pt-BR" sz="900">
+                        <a:rPr lang="pt-BR" sz="900" dirty="0">
                           <a:solidFill>
                             <a:srgbClr val="FFFFFF"/>
                           </a:solidFill>
@@ -4039,7 +4345,7 @@
                         </a:spcBef>
                       </a:pPr>
                       <a:r>
-                        <a:rPr lang="pt-BR" sz="900">
+                        <a:rPr lang="pt-BR" sz="900" dirty="0">
                           <a:solidFill>
                             <a:srgbClr val="020302"/>
                           </a:solidFill>
@@ -5471,7 +5777,7 @@
                         </a:spcBef>
                       </a:pPr>
                       <a:r>
-                        <a:rPr lang="pt-BR" sz="900">
+                        <a:rPr lang="pt-BR" sz="900" dirty="0">
                           <a:solidFill>
                             <a:srgbClr val="020302"/>
                           </a:solidFill>
@@ -5802,14 +6108,44 @@
                         </a:spcBef>
                       </a:pPr>
                       <a:r>
-                        <a:rPr lang="pt-BR" sz="900">
+                        <a:rPr lang="pt-BR" sz="900" dirty="0" err="1">
                           <a:solidFill>
                             <a:srgbClr val="020302"/>
                           </a:solidFill>
                           <a:latin typeface="AdobeClean-Light"/>
                           <a:cs typeface="AdobeClean-Light"/>
                         </a:rPr>
-                        <a:t>Launch Advisory Services — primeiro ano da nova solução</a:t>
+                        <a:t>Launch</a:t>
+                      </a:r>
+                      <a:r>
+                        <a:rPr lang="pt-BR" sz="900" dirty="0">
+                          <a:solidFill>
+                            <a:srgbClr val="020302"/>
+                          </a:solidFill>
+                          <a:latin typeface="AdobeClean-Light"/>
+                          <a:cs typeface="AdobeClean-Light"/>
+                        </a:rPr>
+                        <a:t> </a:t>
+                      </a:r>
+                      <a:r>
+                        <a:rPr lang="pt-BR" sz="900" dirty="0" err="1">
+                          <a:solidFill>
+                            <a:srgbClr val="020302"/>
+                          </a:solidFill>
+                          <a:latin typeface="AdobeClean-Light"/>
+                          <a:cs typeface="AdobeClean-Light"/>
+                        </a:rPr>
+                        <a:t>Advisory</a:t>
+                      </a:r>
+                      <a:r>
+                        <a:rPr lang="pt-BR" sz="900" dirty="0">
+                          <a:solidFill>
+                            <a:srgbClr val="020302"/>
+                          </a:solidFill>
+                          <a:latin typeface="AdobeClean-Light"/>
+                          <a:cs typeface="AdobeClean-Light"/>
+                        </a:rPr>
+                        <a:t> Services — primeiro ano da nova solução</a:t>
                       </a:r>
                     </a:p>
                     <a:p>
@@ -5822,7 +6158,7 @@
                         </a:spcBef>
                       </a:pPr>
                       <a:r>
-                        <a:rPr lang="pt-BR" sz="900">
+                        <a:rPr lang="pt-BR" sz="900" dirty="0">
                           <a:latin typeface="AdobeClean-Light"/>
                           <a:cs typeface="AdobeClean-Light"/>
                         </a:rPr>
@@ -6287,7 +6623,7 @@
               <a:t>Um Líder de suporte da conta designado </a:t>
             </a:r>
             <a:br>
-              <a:rPr lang="sk-SK" sz="1000" dirty="0">
+              <a:rPr lang="pt-BR" sz="1000" dirty="0">
                 <a:solidFill>
                   <a:srgbClr val="000000"/>
                 </a:solidFill>
@@ -6301,10 +6637,28 @@
                 </a:solidFill>
                 <a:latin typeface="Adobe Clean Light" panose="020B0303020404020204" pitchFamily="34" charset="0"/>
               </a:rPr>
-              <a:t>para monitorar os casos de forma proativa, impulsionar a colaboração entre equipes, fornecer webinários de integração, executar relatórios de serviço, fornecer assistência de suporte não técnico e funcionar como ponto de encaminhamento e defensor interno </a:t>
+              <a:t>para monitorar os casos de forma proativa, impulsionar a colaboração entre equipes, fornecer </a:t>
+            </a:r>
+            <a:r>
+              <a:rPr lang="pt-BR" sz="1000" dirty="0" err="1">
+                <a:solidFill>
+                  <a:srgbClr val="000000"/>
+                </a:solidFill>
+                <a:latin typeface="Adobe Clean Light" panose="020B0303020404020204" pitchFamily="34" charset="0"/>
+              </a:rPr>
+              <a:t>webinários</a:t>
+            </a:r>
+            <a:r>
+              <a:rPr lang="pt-BR" sz="1000" dirty="0">
+                <a:solidFill>
+                  <a:srgbClr val="000000"/>
+                </a:solidFill>
+                <a:latin typeface="Adobe Clean Light" panose="020B0303020404020204" pitchFamily="34" charset="0"/>
+              </a:rPr>
+              <a:t> de integração, executar relatórios de serviço, fornecer assistência </a:t>
             </a:r>
             <a:br>
-              <a:rPr lang="sk-SK" sz="1000" dirty="0">
+              <a:rPr lang="pt-BR" sz="1000" dirty="0">
                 <a:solidFill>
                   <a:srgbClr val="000000"/>
                 </a:solidFill>
@@ -6318,7 +6672,7 @@
                 </a:solidFill>
                 <a:latin typeface="Adobe Clean Light" panose="020B0303020404020204" pitchFamily="34" charset="0"/>
               </a:rPr>
-              <a:t>no Suporte da Adobe.</a:t>
+              <a:t>de suporte não técnico e funcionar como ponto de encaminhamento e defensor interno no Suporte da Adobe.</a:t>
             </a:r>
           </a:p>
         </p:txBody>
@@ -6339,7 +6693,7 @@
           </a:prstGeom>
         </p:spPr>
         <p:txBody>
-          <a:bodyPr vert="horz" wrap="square" lIns="0" tIns="12700" rIns="0" bIns="0" rtlCol="0">
+          <a:bodyPr vert="horz" wrap="square" lIns="0" tIns="12700" rIns="0" bIns="0" rtlCol="0" anchor="t">
             <a:spAutoFit/>
           </a:bodyPr>
           <a:lstStyle/>
@@ -6363,14 +6717,11 @@
                 <a:latin typeface="AdobeClean-Light"/>
                 <a:cs typeface="AdobeClean-Light"/>
               </a:rPr>
-              <a:t>Inicie uma sessão de chat para obter respostas e ajuda com o envio de caso</a:t>
+              <a:t>Inicie uma sessão de chat para obter respostas e ajuda com o envio de caso.</a:t>
             </a:r>
           </a:p>
           <a:p>
             <a:pPr marL="33020" marR="159385">
-              <a:lnSpc>
-                <a:spcPct val="100000"/>
-              </a:lnSpc>
               <a:spcBef>
                 <a:spcPts val="100"/>
               </a:spcBef>
@@ -6389,7 +6740,7 @@
               <a:t>*Nem todos os produtos têm suporte </a:t>
             </a:r>
             <a:br>
-              <a:rPr lang="sk-SK" sz="1000" i="1" dirty="0">
+              <a:rPr lang="pt-BR" sz="1000" i="1" dirty="0">
                 <a:solidFill>
                   <a:srgbClr val="7A7A7A"/>
                 </a:solidFill>
@@ -6415,7 +6766,7 @@
                 <a:latin typeface="AdobeClean-LightIt"/>
                 <a:cs typeface="AdobeClean-LightIt"/>
               </a:rPr>
-              <a:t>.  </a:t>
+              <a:t>.  </a:t>
             </a:r>
           </a:p>
         </p:txBody>
@@ -6565,7 +6916,7 @@
         <p:spPr>
           <a:xfrm>
             <a:off x="370040" y="6529249"/>
-            <a:ext cx="2286000" cy="1113125"/>
+            <a:ext cx="2286000" cy="959237"/>
           </a:xfrm>
           <a:prstGeom prst="rect">
             <a:avLst/>
@@ -6584,10 +6935,10 @@
                 </a:solidFill>
                 <a:latin typeface="Adobe Clean Light" panose="020B0303020404020204" pitchFamily="34" charset="0"/>
               </a:rPr>
-              <a:t>Acesso online contínuo a um banco </a:t>
+              <a:t>Acesso online contínuo a um banco de </a:t>
             </a:r>
             <a:br>
-              <a:rPr lang="sk-SK" sz="1000" dirty="0">
+              <a:rPr lang="pt-BR" sz="1000" dirty="0">
                 <a:solidFill>
                   <a:srgbClr val="000000"/>
                 </a:solidFill>
@@ -6601,41 +6952,7 @@
                 </a:solidFill>
                 <a:latin typeface="Adobe Clean Light" panose="020B0303020404020204" pitchFamily="34" charset="0"/>
               </a:rPr>
-              <a:t>de dados cada vez maior de soluções </a:t>
-            </a:r>
-            <a:br>
-              <a:rPr lang="sk-SK" sz="1000" dirty="0">
-                <a:solidFill>
-                  <a:srgbClr val="000000"/>
-                </a:solidFill>
-                <a:latin typeface="Adobe Clean Light" panose="020B0303020404020204" pitchFamily="34" charset="0"/>
-              </a:rPr>
-            </a:br>
-            <a:r>
-              <a:rPr lang="pt-BR" sz="1000" dirty="0">
-                <a:solidFill>
-                  <a:srgbClr val="000000"/>
-                </a:solidFill>
-                <a:latin typeface="Adobe Clean Light" panose="020B0303020404020204" pitchFamily="34" charset="0"/>
-              </a:rPr>
-              <a:t>técnicas, documentação do produto, perguntas frequentes e muito mais. </a:t>
-            </a:r>
-            <a:br>
-              <a:rPr lang="sk-SK" sz="1000" dirty="0">
-                <a:solidFill>
-                  <a:srgbClr val="000000"/>
-                </a:solidFill>
-                <a:latin typeface="Adobe Clean Light" panose="020B0303020404020204" pitchFamily="34" charset="0"/>
-              </a:rPr>
-            </a:br>
-            <a:r>
-              <a:rPr lang="pt-BR" sz="1000" dirty="0">
-                <a:solidFill>
-                  <a:srgbClr val="000000"/>
-                </a:solidFill>
-                <a:latin typeface="Adobe Clean Light" panose="020B0303020404020204" pitchFamily="34" charset="0"/>
-              </a:rPr>
-              <a:t>Milhares de clientes podem se conectar para compartilhar práticas recomendadas e lições aprendidas.</a:t>
+              <a:t>dados cada vez maior de soluções técnicas, documentação do produto, perguntas frequentes e muito mais. Milhares de clientes podem se conectar para compartilhar práticas recomendadas e lições aprendidas.</a:t>
             </a:r>
           </a:p>
         </p:txBody>
@@ -6725,7 +7042,7 @@
               <a:t>A Experience League gera criadores de experiências. Os clientes podem adquirir habilidades de gerenciamento de experiência do cliente com aprendizagem personalizada, participar de uma comunidade de pares global e conseguir reconhecimento </a:t>
             </a:r>
             <a:br>
-              <a:rPr lang="sk-SK" sz="1000" dirty="0">
+              <a:rPr lang="pt-BR" sz="1000" dirty="0">
                 <a:solidFill>
                   <a:srgbClr val="000000"/>
                 </a:solidFill>
@@ -6787,7 +7104,7 @@
               <a:defRPr/>
             </a:pPr>
             <a:r>
-              <a:rPr lang="pt-BR" sz="1200">
+              <a:rPr lang="pt-BR" sz="1200" dirty="0">
                 <a:solidFill>
                   <a:srgbClr val="000000"/>
                 </a:solidFill>
@@ -6888,7 +7205,7 @@
               <a:defRPr/>
             </a:pPr>
             <a:r>
-              <a:rPr lang="pt-BR" sz="1200">
+              <a:rPr lang="pt-BR" sz="1200" dirty="0">
                 <a:solidFill>
                   <a:srgbClr val="000000"/>
                 </a:solidFill>
@@ -6961,7 +7278,7 @@
         <p:spPr>
           <a:xfrm>
             <a:off x="2836967" y="6529249"/>
-            <a:ext cx="2286000" cy="959237"/>
+            <a:ext cx="2333202" cy="805349"/>
           </a:xfrm>
           <a:prstGeom prst="rect">
             <a:avLst/>
@@ -6986,40 +7303,7 @@
               <a:rPr lang="pt-BR" sz="1000" dirty="0">
                 <a:latin typeface="Adobe Clean Light" panose="020B0303020404020204" pitchFamily="34" charset="0"/>
               </a:rPr>
-              <a:t> podem enviar problemas por todos os canais disponíveis (incluindo </a:t>
-            </a:r>
-            <a:br>
-              <a:rPr lang="sk-SK" sz="1000" dirty="0">
-                <a:latin typeface="Adobe Clean Light" panose="020B0303020404020204" pitchFamily="34" charset="0"/>
-              </a:rPr>
-            </a:br>
-            <a:r>
-              <a:rPr lang="pt-BR" sz="1000" dirty="0">
-                <a:latin typeface="Adobe Clean Light" panose="020B0303020404020204" pitchFamily="34" charset="0"/>
-              </a:rPr>
-              <a:t>por telefone em prioridades P1) e contatar </a:t>
-            </a:r>
-            <a:br>
-              <a:rPr lang="sk-SK" sz="1000" dirty="0">
-                <a:latin typeface="Adobe Clean Light" panose="020B0303020404020204" pitchFamily="34" charset="0"/>
-              </a:rPr>
-            </a:br>
-            <a:r>
-              <a:rPr lang="pt-BR" sz="1000" dirty="0">
-                <a:latin typeface="Adobe Clean Light" panose="020B0303020404020204" pitchFamily="34" charset="0"/>
-              </a:rPr>
-              <a:t>a equipe de suporte técnico em nome </a:t>
-            </a:r>
-            <a:br>
-              <a:rPr lang="sk-SK" sz="1000" dirty="0">
-                <a:latin typeface="Adobe Clean Light" panose="020B0303020404020204" pitchFamily="34" charset="0"/>
-              </a:rPr>
-            </a:br>
-            <a:r>
-              <a:rPr lang="pt-BR" sz="1000" dirty="0">
-                <a:latin typeface="Adobe Clean Light" panose="020B0303020404020204" pitchFamily="34" charset="0"/>
-              </a:rPr>
-              <a:t>de sua empresa. </a:t>
+              <a:t> podem enviar problemas por todos os canais disponíveis (incluindo por telefone em prioridades P1) e contatar a equipe de suporte técnico em nome de sua empresa. </a:t>
             </a:r>
           </a:p>
         </p:txBody>
@@ -7134,7 +7418,7 @@
         <p:spPr>
           <a:xfrm>
             <a:off x="401995" y="5785009"/>
-            <a:ext cx="1848207" cy="45719"/>
+            <a:ext cx="2078315" cy="82911"/>
           </a:xfrm>
           <a:custGeom>
             <a:avLst/>
@@ -7230,7 +7514,7 @@
         <p:spPr>
           <a:xfrm>
             <a:off x="384421" y="774495"/>
-            <a:ext cx="2011680" cy="0"/>
+            <a:ext cx="2185864" cy="73614"/>
           </a:xfrm>
           <a:custGeom>
             <a:avLst/>
@@ -7325,8 +7609,8 @@
         </p:nvSpPr>
         <p:spPr>
           <a:xfrm>
-            <a:off x="2836967" y="1370913"/>
-            <a:ext cx="2286000" cy="1817998"/>
+            <a:off x="2836966" y="1370913"/>
+            <a:ext cx="2333203" cy="1817998"/>
           </a:xfrm>
           <a:prstGeom prst="rect">
             <a:avLst/>
@@ -7350,10 +7634,10 @@
               <a:rPr lang="pt-BR" sz="1000" dirty="0">
                 <a:latin typeface="Adobe Clean Light" panose="020B0303020404020204" pitchFamily="34" charset="0"/>
               </a:rPr>
-              <a:t>Os clientes podem enviar casos de suporte por telefone para todos os problemas com prioridade P2, P3 e P4 durante o horário </a:t>
+              <a:t>Os clientes podem enviar casos de suporte </a:t>
             </a:r>
             <a:br>
-              <a:rPr lang="sk-SK" sz="1000" dirty="0">
+              <a:rPr lang="pt-BR" sz="1000" dirty="0">
                 <a:latin typeface="Adobe Clean Light" panose="020B0303020404020204" pitchFamily="34" charset="0"/>
               </a:rPr>
             </a:br>
@@ -7361,10 +7645,10 @@
               <a:rPr lang="pt-BR" sz="1000" dirty="0">
                 <a:latin typeface="Adobe Clean Light" panose="020B0303020404020204" pitchFamily="34" charset="0"/>
               </a:rPr>
-              <a:t>de suporte regional. Não há limites máximos para o número de vezes que você pode ligar para o suporte. Os clientes também podem solicitar uma chamada de retorno do suporte ou solicitar uma reunião para demonstrar </a:t>
+              <a:t>por telefone para todos os problemas com prioridade P2, P3 e P4 durante o horário de suporte regional. Não há limites máximos </a:t>
             </a:r>
             <a:br>
-              <a:rPr lang="sk-SK" sz="1000" dirty="0">
+              <a:rPr lang="pt-BR" sz="1000" dirty="0">
                 <a:latin typeface="Adobe Clean Light" panose="020B0303020404020204" pitchFamily="34" charset="0"/>
               </a:rPr>
             </a:br>
@@ -7372,7 +7656,7 @@
               <a:rPr lang="pt-BR" sz="1000" dirty="0">
                 <a:latin typeface="Adobe Clean Light" panose="020B0303020404020204" pitchFamily="34" charset="0"/>
               </a:rPr>
-              <a:t>ou solucionar um problema usando uma sessão de desktop remoto compartilhado.</a:t>
+              <a:t>para o número de vezes que você pode ligar para o suporte. Os clientes também podem solicitar uma chamada de retorno do suporte ou solicitar uma reunião para demonstrar ou solucionar um problema usando uma sessão de desktop remoto compartilhado.</a:t>
             </a:r>
           </a:p>
         </p:txBody>
@@ -7471,7 +7755,7 @@
               <a:t>Um ponto de contato designado na </a:t>
             </a:r>
             <a:br>
-              <a:rPr lang="sk-SK" sz="1000" dirty="0">
+              <a:rPr lang="pt-BR" sz="1000" dirty="0">
                 <a:solidFill>
                   <a:srgbClr val="4B4B4B"/>
                 </a:solidFill>
@@ -7488,7 +7772,7 @@
               <a:t>Adobe que pode fornecer assistência </a:t>
             </a:r>
             <a:br>
-              <a:rPr lang="sk-SK" sz="1000" dirty="0">
+              <a:rPr lang="pt-BR" sz="1000" dirty="0">
                 <a:solidFill>
                   <a:srgbClr val="4B4B4B"/>
                 </a:solidFill>
@@ -7505,7 +7789,7 @@
               <a:t>de encaminhamento, atualizações regulares </a:t>
             </a:r>
             <a:br>
-              <a:rPr lang="sk-SK" sz="1000" dirty="0">
+              <a:rPr lang="pt-BR" sz="1000" dirty="0">
                 <a:solidFill>
                   <a:srgbClr val="4B4B4B"/>
                 </a:solidFill>
@@ -7540,8 +7824,8 @@
         </p:nvSpPr>
         <p:spPr>
           <a:xfrm>
-            <a:off x="5885312" y="1085652"/>
-            <a:ext cx="1859137" cy="184666"/>
+            <a:off x="5885312" y="956112"/>
+            <a:ext cx="1818507" cy="369332"/>
           </a:xfrm>
           <a:prstGeom prst="rect">
             <a:avLst/>
@@ -7568,7 +7852,24 @@
                 </a:solidFill>
                 <a:latin typeface="+mj-lt"/>
               </a:rPr>
-              <a:t>Gestão de encaminhamento</a:t>
+              <a:t>Gestão </a:t>
+            </a:r>
+            <a:br>
+              <a:rPr lang="pt-BR" sz="1200" b="1" dirty="0">
+                <a:solidFill>
+                  <a:srgbClr val="020302"/>
+                </a:solidFill>
+                <a:latin typeface="+mj-lt"/>
+              </a:rPr>
+            </a:br>
+            <a:r>
+              <a:rPr lang="pt-BR" sz="1200" b="1" dirty="0">
+                <a:solidFill>
+                  <a:srgbClr val="020302"/>
+                </a:solidFill>
+                <a:latin typeface="+mj-lt"/>
+              </a:rPr>
+              <a:t>de encaminhamento</a:t>
             </a:r>
           </a:p>
         </p:txBody>
@@ -7708,10 +8009,10 @@
                 </a:solidFill>
                 <a:latin typeface="Adobe Clean Light" panose="020B0303020404020204" pitchFamily="34" charset="0"/>
               </a:rPr>
-              <a:t>O Office Hours é uma iniciativa liderada pela equipe de Suporte ao cliente da Adobe. Essas sessões foram criadas para informar e ajudar os participantes a solucionar problemas </a:t>
+              <a:t>O Office Hours é uma iniciativa liderada pela equipe de Suporte ao cliente da Adobe. </a:t>
             </a:r>
             <a:br>
-              <a:rPr lang="sk-SK" sz="1000" dirty="0">
+              <a:rPr lang="pt-BR" sz="1000" dirty="0">
                 <a:solidFill>
                   <a:srgbClr val="000000"/>
                 </a:solidFill>
@@ -7725,24 +8026,7 @@
                 </a:solidFill>
                 <a:latin typeface="Adobe Clean Light" panose="020B0303020404020204" pitchFamily="34" charset="0"/>
               </a:rPr>
-              <a:t>e fornecer dicas e truques para aproveitar </a:t>
-            </a:r>
-            <a:br>
-              <a:rPr lang="sk-SK" sz="1000" dirty="0">
-                <a:solidFill>
-                  <a:srgbClr val="000000"/>
-                </a:solidFill>
-                <a:latin typeface="Adobe Clean Light" panose="020B0303020404020204" pitchFamily="34" charset="0"/>
-              </a:rPr>
-            </a:br>
-            <a:r>
-              <a:rPr lang="pt-BR" sz="1000" dirty="0">
-                <a:solidFill>
-                  <a:srgbClr val="000000"/>
-                </a:solidFill>
-                <a:latin typeface="Adobe Clean Light" panose="020B0303020404020204" pitchFamily="34" charset="0"/>
-              </a:rPr>
-              <a:t>ao máximo a Adobe Experience Cloud.</a:t>
+              <a:t>Essas sessões foram criadas para informar e ajudar os participantes a solucionar problemas e fornecer dicas e truques para aproveitar ao máximo a Adobe Experience Cloud.</a:t>
             </a:r>
           </a:p>
         </p:txBody>
@@ -7832,7 +8116,7 @@
               <a:t>Acesso sob demanda ao Portal de autoatendimento online para enviar solicitações de suporte, revisar o status do caso e procurar outros recursos, como nossa base de conhecimento, notícias e alertas, </a:t>
             </a:r>
             <a:br>
-              <a:rPr lang="sk-SK" sz="1000" dirty="0">
+              <a:rPr lang="pt-BR" sz="1000" dirty="0">
                 <a:solidFill>
                   <a:srgbClr val="000000"/>
                 </a:solidFill>
@@ -7944,7 +8228,7 @@
         <p:spPr>
           <a:xfrm>
             <a:off x="789024" y="3499700"/>
-            <a:ext cx="1867015" cy="285247"/>
+            <a:ext cx="1759037" cy="285247"/>
           </a:xfrm>
           <a:prstGeom prst="rect">
             <a:avLst/>
@@ -8002,10 +8286,22 @@
               </a:spcBef>
             </a:pPr>
             <a:r>
-              <a:rPr lang="pt-BR" sz="1000">
+              <a:rPr lang="pt-BR" sz="1000" dirty="0">
                 <a:latin typeface="Adobe Clean Light" panose="020B0303020404020204" pitchFamily="34" charset="0"/>
               </a:rPr>
-              <a:t>Um Líder de suporte da conta apresentará webinários com uma visão geral dos serviços de suporte empresarial.  </a:t>
+              <a:t>Um Líder de suporte da conta apresentará </a:t>
+            </a:r>
+            <a:r>
+              <a:rPr lang="pt-BR" sz="1000" dirty="0" err="1">
+                <a:latin typeface="Adobe Clean Light" panose="020B0303020404020204" pitchFamily="34" charset="0"/>
+              </a:rPr>
+              <a:t>webinários</a:t>
+            </a:r>
+            <a:r>
+              <a:rPr lang="pt-BR" sz="1000" dirty="0">
+                <a:latin typeface="Adobe Clean Light" panose="020B0303020404020204" pitchFamily="34" charset="0"/>
+              </a:rPr>
+              <a:t> com uma visão geral dos serviços de suporte empresarial.  </a:t>
             </a:r>
           </a:p>
         </p:txBody>
@@ -8024,7 +8320,7 @@
         </p:nvSpPr>
         <p:spPr>
           <a:xfrm rot="5400000" flipH="1">
-            <a:off x="3863341" y="546807"/>
+            <a:off x="3863341" y="527757"/>
             <a:ext cx="45719" cy="5577840"/>
           </a:xfrm>
           <a:custGeom>
@@ -8391,7 +8687,7 @@
         </p:nvSpPr>
         <p:spPr>
           <a:xfrm rot="5400000" flipH="1">
-            <a:off x="3863341" y="4967117"/>
+            <a:off x="3863341" y="5035697"/>
             <a:ext cx="45719" cy="5577840"/>
           </a:xfrm>
           <a:custGeom>
@@ -8475,7 +8771,7 @@
               <a:defRPr/>
             </a:pPr>
             <a:r>
-              <a:rPr lang="pt-BR" sz="1200">
+              <a:rPr lang="pt-BR" sz="1200" dirty="0">
                 <a:solidFill>
                   <a:srgbClr val="000000"/>
                 </a:solidFill>
@@ -8682,7 +8978,7 @@
           <a:bodyPr wrap="square" lIns="0" tIns="0" rIns="0" bIns="0" rtlCol="0"/>
           <a:lstStyle/>
           <a:p>
-            <a:endParaRPr/>
+            <a:endParaRPr dirty="0"/>
           </a:p>
         </p:txBody>
       </p:sp>
@@ -8737,7 +9033,7 @@
         <p:spPr>
           <a:xfrm>
             <a:off x="6754821" y="9283729"/>
-            <a:ext cx="930275" cy="662305"/>
+            <a:ext cx="979479" cy="662305"/>
           </a:xfrm>
           <a:prstGeom prst="rect">
             <a:avLst/>
@@ -8758,7 +9054,7 @@
               </a:spcBef>
             </a:pPr>
             <a:r>
-              <a:rPr lang="pt-BR" sz="800">
+              <a:rPr lang="pt-BR" sz="800" dirty="0">
                 <a:solidFill>
                   <a:srgbClr val="777879"/>
                 </a:solidFill>
@@ -8775,7 +9071,7 @@
               </a:lnSpc>
             </a:pPr>
             <a:r>
-              <a:rPr lang="pt-BR" sz="800">
+              <a:rPr lang="pt-BR" sz="800" dirty="0">
                 <a:solidFill>
                   <a:srgbClr val="777879"/>
                 </a:solidFill>
@@ -8792,7 +9088,7 @@
               </a:lnSpc>
             </a:pPr>
             <a:r>
-              <a:rPr lang="pt-BR" sz="800">
+              <a:rPr lang="pt-BR" sz="800" dirty="0">
                 <a:solidFill>
                   <a:srgbClr val="777879"/>
                 </a:solidFill>
@@ -8812,7 +9108,7 @@
               </a:spcBef>
             </a:pPr>
             <a:r>
-              <a:rPr lang="pt-BR" sz="800">
+              <a:rPr lang="pt-BR" sz="800" dirty="0">
                 <a:solidFill>
                   <a:srgbClr val="777879"/>
                 </a:solidFill>
@@ -8832,7 +9128,7 @@
               </a:spcBef>
             </a:pPr>
             <a:r>
-              <a:rPr lang="pt-BR" sz="800" u="sng">
+              <a:rPr lang="pt-BR" sz="800" u="sng" dirty="0">
                 <a:solidFill>
                   <a:srgbClr val="5F5F5F"/>
                 </a:solidFill>
@@ -9000,14 +9296,14 @@
         <p:spPr>
           <a:xfrm>
             <a:off x="75947" y="9437110"/>
-            <a:ext cx="5646673" cy="570865"/>
+            <a:ext cx="5738113" cy="570865"/>
           </a:xfrm>
           <a:prstGeom prst="rect">
             <a:avLst/>
           </a:prstGeom>
         </p:spPr>
         <p:txBody>
-          <a:bodyPr vert="horz" wrap="square" lIns="0" tIns="29845" rIns="0" bIns="0" rtlCol="0">
+          <a:bodyPr vert="horz" wrap="square" lIns="0" tIns="29845" rIns="0" bIns="0" rtlCol="0" anchor="t">
             <a:spAutoFit/>
           </a:bodyPr>
           <a:lstStyle/>
@@ -9048,7 +9344,87 @@
                 <a:latin typeface="Adobe Clean"/>
                 <a:cs typeface="Adobe Clean"/>
               </a:rPr>
-              <a:t>©2021 Adobe. All Rights Reserved. Adobe Confidential.</a:t>
+              <a:t>©2021 Adobe. </a:t>
+            </a:r>
+            <a:r>
+              <a:rPr lang="pt-BR" sz="800" dirty="0" err="1">
+                <a:solidFill>
+                  <a:srgbClr val="6D6D6D"/>
+                </a:solidFill>
+                <a:latin typeface="Adobe Clean"/>
+                <a:cs typeface="Adobe Clean"/>
+              </a:rPr>
+              <a:t>All</a:t>
+            </a:r>
+            <a:r>
+              <a:rPr lang="pt-BR" sz="800" dirty="0">
+                <a:solidFill>
+                  <a:srgbClr val="6D6D6D"/>
+                </a:solidFill>
+                <a:latin typeface="Adobe Clean"/>
+                <a:cs typeface="Adobe Clean"/>
+              </a:rPr>
+              <a:t> </a:t>
+            </a:r>
+            <a:r>
+              <a:rPr lang="pt-BR" sz="800" dirty="0" err="1">
+                <a:solidFill>
+                  <a:srgbClr val="6D6D6D"/>
+                </a:solidFill>
+                <a:latin typeface="Adobe Clean"/>
+                <a:cs typeface="Adobe Clean"/>
+              </a:rPr>
+              <a:t>Rights</a:t>
+            </a:r>
+            <a:r>
+              <a:rPr lang="pt-BR" sz="800" dirty="0">
+                <a:solidFill>
+                  <a:srgbClr val="6D6D6D"/>
+                </a:solidFill>
+                <a:latin typeface="Adobe Clean"/>
+                <a:cs typeface="Adobe Clean"/>
+              </a:rPr>
+              <a:t> </a:t>
+            </a:r>
+            <a:r>
+              <a:rPr lang="pt-BR" sz="800" dirty="0" err="1">
+                <a:solidFill>
+                  <a:srgbClr val="6D6D6D"/>
+                </a:solidFill>
+                <a:latin typeface="Adobe Clean"/>
+                <a:cs typeface="Adobe Clean"/>
+              </a:rPr>
+              <a:t>Reserved</a:t>
+            </a:r>
+            <a:r>
+              <a:rPr lang="pt-BR" sz="800" dirty="0">
+                <a:solidFill>
+                  <a:srgbClr val="6D6D6D"/>
+                </a:solidFill>
+                <a:latin typeface="Adobe Clean"/>
+                <a:cs typeface="Adobe Clean"/>
+              </a:rPr>
+              <a:t>. Adobe </a:t>
+            </a:r>
+            <a:r>
+              <a:rPr lang="pt-BR" sz="800" dirty="0" err="1">
+                <a:solidFill>
+                  <a:srgbClr val="6D6D6D"/>
+                </a:solidFill>
+                <a:latin typeface="Adobe Clean"/>
+                <a:cs typeface="Adobe Clean"/>
+              </a:rPr>
+              <a:t>Confidential</a:t>
+            </a:r>
+            <a:r>
+              <a:rPr lang="pt-BR" sz="800" dirty="0">
+                <a:solidFill>
+                  <a:srgbClr val="6D6D6D"/>
+                </a:solidFill>
+                <a:latin typeface="Adobe Clean"/>
+                <a:cs typeface="Adobe Clean"/>
+              </a:rPr>
+              <a:t>.</a:t>
             </a:r>
           </a:p>
         </p:txBody>
@@ -9067,8 +9443,8 @@
         </p:nvSpPr>
         <p:spPr>
           <a:xfrm>
-            <a:off x="197233" y="5031270"/>
-            <a:ext cx="6476646" cy="755976"/>
+            <a:off x="197232" y="5031270"/>
+            <a:ext cx="6729347" cy="755976"/>
           </a:xfrm>
           <a:prstGeom prst="rect">
             <a:avLst/>
@@ -9109,24 +9485,7 @@
                 </a:solidFill>
                 <a:latin typeface="AdobeClean-Light"/>
               </a:rPr>
-              <a:t>O escopo regional do Suporte da Adobe é estabelecido alinhando o endereço de faturamento do cliente </a:t>
-            </a:r>
-            <a:br>
-              <a:rPr lang="sk-SK" sz="1000" dirty="0">
-                <a:solidFill>
-                  <a:srgbClr val="1F1F1F"/>
-                </a:solidFill>
-                <a:latin typeface="AdobeClean-Light"/>
-              </a:rPr>
-            </a:br>
-            <a:r>
-              <a:rPr lang="pt-BR" sz="1000" dirty="0">
-                <a:solidFill>
-                  <a:srgbClr val="1F1F1F"/>
-                </a:solidFill>
-                <a:latin typeface="AdobeClean-Light"/>
-              </a:rPr>
-              <a:t>(conforme a ordem de venda ou outro documento de compra do Suporte da Adobe) a uma das regiões seguintes:</a:t>
+              <a:t>O escopo regional do Suporte da Adobe é estabelecido alinhando o endereço de faturamento do cliente (conforme a ordem de venda ou outro documento de compra do Suporte da Adobe) a uma das regiões seguintes:</a:t>
             </a:r>
           </a:p>
         </p:txBody>
@@ -9146,7 +9505,7 @@
           <p:nvPr>
             <p:extLst>
               <p:ext uri="{D42A27DB-BD31-4B8C-83A1-F6EECF244321}">
-                <p14:modId xmlns:p14="http://schemas.microsoft.com/office/powerpoint/2010/main" val="2969235217"/>
+                <p14:modId xmlns:p14="http://schemas.microsoft.com/office/powerpoint/2010/main" val="943449294"/>
               </p:ext>
             </p:extLst>
           </p:nvPr>
@@ -9264,13 +9623,30 @@
                     <a:p>
                       <a:pPr algn="ctr"/>
                       <a:r>
-                        <a:rPr lang="pt-BR" sz="1100">
+                        <a:rPr lang="pt-BR" sz="1100" dirty="0">
                           <a:solidFill>
                             <a:schemeClr val="tx1"/>
                           </a:solidFill>
                           <a:latin typeface="Adobe Clean"/>
                         </a:rPr>
-                        <a:t>Europa, Oriente Médio e África</a:t>
+                        <a:t>Europa, Oriente Médio </a:t>
+                      </a:r>
+                      <a:br>
+                        <a:rPr lang="pt-BR" sz="1100" dirty="0">
+                          <a:solidFill>
+                            <a:schemeClr val="tx1"/>
+                          </a:solidFill>
+                          <a:latin typeface="Adobe Clean"/>
+                        </a:rPr>
+                      </a:br>
+                      <a:r>
+                        <a:rPr lang="pt-BR" sz="1100" dirty="0">
+                          <a:solidFill>
+                            <a:schemeClr val="tx1"/>
+                          </a:solidFill>
+                          <a:latin typeface="Adobe Clean"/>
+                        </a:rPr>
+                        <a:t>e África</a:t>
                       </a:r>
                     </a:p>
                   </a:txBody>
@@ -9803,7 +10179,25 @@
                           </a:solidFill>
                           <a:latin typeface="Adobe Clean"/>
                         </a:rPr>
-                        <a:t>*O Adobe Commerce exclui o suporte ao idioma japonês.</a:t>
+                        <a:t>*O Adobe </a:t>
+                      </a:r>
+                      <a:r>
+                        <a:rPr lang="pt-BR" sz="1100" i="1" dirty="0" err="1">
+                          <a:solidFill>
+                            <a:schemeClr val="tx1"/>
+                          </a:solidFill>
+                          <a:latin typeface="Adobe Clean"/>
+                        </a:rPr>
+                        <a:t>Commerce</a:t>
+                      </a:r>
+                      <a:r>
+                        <a:rPr lang="pt-BR" sz="1100" i="1" dirty="0">
+                          <a:solidFill>
+                            <a:schemeClr val="tx1"/>
+                          </a:solidFill>
+                          <a:latin typeface="Adobe Clean"/>
+                        </a:rPr>
+                        <a:t> exclui o suporte ao idioma japonês.</a:t>
                       </a:r>
                     </a:p>
                     <a:p>
@@ -10241,7 +10635,7 @@
         </p:nvSpPr>
         <p:spPr>
           <a:xfrm>
-            <a:off x="4679155" y="8541244"/>
+            <a:off x="4732495" y="8541244"/>
             <a:ext cx="810895" cy="382797"/>
           </a:xfrm>
           <a:prstGeom prst="rect">
@@ -10289,8 +10683,8 @@
         </p:nvSpPr>
         <p:spPr>
           <a:xfrm>
-            <a:off x="6479339" y="8543943"/>
-            <a:ext cx="810894" cy="382797"/>
+            <a:off x="6428639" y="8522638"/>
+            <a:ext cx="901499" cy="382797"/>
           </a:xfrm>
           <a:prstGeom prst="rect">
             <a:avLst/>
@@ -10338,14 +10732,14 @@
           <p:nvPr>
             <p:extLst>
               <p:ext uri="{D42A27DB-BD31-4B8C-83A1-F6EECF244321}">
-                <p14:modId xmlns:p14="http://schemas.microsoft.com/office/powerpoint/2010/main" val="1927822158"/>
+                <p14:modId xmlns:p14="http://schemas.microsoft.com/office/powerpoint/2010/main" val="577931603"/>
               </p:ext>
             </p:extLst>
           </p:nvPr>
         </p:nvGraphicFramePr>
         <p:xfrm>
           <a:off x="194236" y="1059345"/>
-          <a:ext cx="7368291" cy="3759200"/>
+          <a:ext cx="7368291" cy="3606800"/>
         </p:xfrm>
         <a:graphic>
           <a:graphicData uri="http://schemas.openxmlformats.org/drawingml/2006/table">
@@ -10354,14 +10748,14 @@
                 <a:tableStyleId>{5C22544A-7EE6-4342-B048-85BDC9FD1C3A}</a:tableStyleId>
               </a:tblPr>
               <a:tblGrid>
-                <a:gridCol w="3691964">
+                <a:gridCol w="3562424">
                   <a:extLst>
                     <a:ext uri="{9D8B030D-6E8A-4147-A177-3AD203B41FA5}">
                       <a16:colId xmlns:a16="http://schemas.microsoft.com/office/drawing/2014/main" val="2364693614"/>
                     </a:ext>
                   </a:extLst>
                 </a:gridCol>
-                <a:gridCol w="3676327">
+                <a:gridCol w="3805867">
                   <a:extLst>
                     <a:ext uri="{9D8B030D-6E8A-4147-A177-3AD203B41FA5}">
                       <a16:colId xmlns:a16="http://schemas.microsoft.com/office/drawing/2014/main" val="1545335406"/>
@@ -10380,7 +10774,7 @@
                           <a:solidFill>
                             <a:schemeClr val="tx1"/>
                           </a:solidFill>
-                          <a:latin typeface="Adobe Clean" panose="020B0503020404020204" pitchFamily="34" charset="0"/>
+                          <a:latin typeface="Adobe Clean"/>
                           <a:ea typeface="+mn-ea"/>
                           <a:cs typeface="+mn-cs"/>
                           <a:hlinkClick r:id="rId7"/>
@@ -10442,7 +10836,7 @@
                     <a:bodyPr/>
                     <a:lstStyle/>
                     <a:p>
-                      <a:pPr marL="0" marR="0" lvl="0" indent="0" defTabSz="914400" eaLnBrk="1" fontAlgn="auto" latinLnBrk="0" hangingPunct="1">
+                      <a:pPr marL="0" marR="0" lvl="0" indent="0" eaLnBrk="1" fontAlgn="auto" latinLnBrk="0" hangingPunct="1">
                         <a:lnSpc>
                           <a:spcPct val="100000"/>
                         </a:lnSpc>
@@ -10456,26 +10850,24 @@
                         <a:buSzTx/>
                         <a:buFontTx/>
                         <a:buNone/>
-                        <a:tabLst/>
-                        <a:defRPr/>
                       </a:pPr>
                       <a:r>
                         <a:rPr lang="pt-BR" sz="1000" b="0" dirty="0">
                           <a:solidFill>
                             <a:srgbClr val="000000"/>
                           </a:solidFill>
-                          <a:latin typeface="Adobe Clean Light" panose="020B0303020404020204" pitchFamily="34" charset="0"/>
+                          <a:latin typeface="Adobe Clean Light"/>
                           <a:ea typeface="+mn-ea"/>
                           <a:cs typeface="+mn-cs"/>
                         </a:rPr>
                         <a:t>A Experience League foi criada para ajudar as empresas a alcançar </a:t>
                       </a:r>
                       <a:br>
-                        <a:rPr lang="sk-SK" sz="1000" b="0" dirty="0">
+                        <a:rPr lang="pt-BR" sz="1000" b="0" dirty="0">
                           <a:solidFill>
                             <a:srgbClr val="000000"/>
                           </a:solidFill>
-                          <a:latin typeface="Adobe Clean Light" panose="020B0303020404020204" pitchFamily="34" charset="0"/>
+                          <a:latin typeface="Adobe Clean Light"/>
                           <a:ea typeface="+mn-ea"/>
                           <a:cs typeface="+mn-cs"/>
                         </a:rPr>
@@ -10485,18 +10877,18 @@
                           <a:solidFill>
                             <a:srgbClr val="000000"/>
                           </a:solidFill>
-                          <a:latin typeface="Adobe Clean Light" panose="020B0303020404020204" pitchFamily="34" charset="0"/>
+                          <a:latin typeface="Adobe Clean Light"/>
                           <a:ea typeface="+mn-ea"/>
                           <a:cs typeface="+mn-cs"/>
                         </a:rPr>
                         <a:t>o valor que esperam do seu investimento em produtos da Adobe. </a:t>
                       </a:r>
                       <a:br>
-                        <a:rPr lang="sk-SK" sz="1000" b="0" dirty="0">
+                        <a:rPr lang="pt-BR" sz="1000" b="0" dirty="0">
                           <a:solidFill>
                             <a:srgbClr val="000000"/>
                           </a:solidFill>
-                          <a:latin typeface="Adobe Clean Light" panose="020B0303020404020204" pitchFamily="34" charset="0"/>
+                          <a:latin typeface="Adobe Clean Light"/>
                           <a:ea typeface="+mn-ea"/>
                           <a:cs typeface="+mn-cs"/>
                         </a:rPr>
@@ -10506,11 +10898,32 @@
                           <a:solidFill>
                             <a:srgbClr val="000000"/>
                           </a:solidFill>
-                          <a:latin typeface="Adobe Clean Light" panose="020B0303020404020204" pitchFamily="34" charset="0"/>
+                          <a:latin typeface="Adobe Clean Light"/>
                           <a:ea typeface="+mn-ea"/>
                           <a:cs typeface="+mn-cs"/>
                         </a:rPr>
-                        <a:t>É o local unificado onde os clientes podem aprender, interagir e crescer ao longo de um caminho personalizado de sucesso que inclui tutoriais de autoatendimento, documentação dos produtos, treinamento com instrutores e suporte técnico e da comunidade. </a:t>
+                        <a:t>É o local unificado onde os clientes podem aprender, interagir e crescer ao longo de um caminho personalizado de sucesso que inclui tutoriais </a:t>
+                      </a:r>
+                      <a:br>
+                        <a:rPr lang="pt-BR" sz="1000" b="0" dirty="0">
+                          <a:solidFill>
+                            <a:srgbClr val="000000"/>
+                          </a:solidFill>
+                          <a:latin typeface="Adobe Clean Light"/>
+                          <a:ea typeface="+mn-ea"/>
+                          <a:cs typeface="+mn-cs"/>
+                        </a:rPr>
+                      </a:br>
+                      <a:r>
+                        <a:rPr lang="pt-BR" sz="1000" b="0" dirty="0">
+                          <a:solidFill>
+                            <a:srgbClr val="000000"/>
+                          </a:solidFill>
+                          <a:latin typeface="Adobe Clean Light"/>
+                          <a:ea typeface="+mn-ea"/>
+                          <a:cs typeface="+mn-cs"/>
+                        </a:rPr>
+                        <a:t>de autoatendimento, documentação dos produtos, treinamento com instrutores e suporte técnico e da comunidade. </a:t>
                       </a:r>
                     </a:p>
                   </a:txBody>
@@ -10596,7 +11009,7 @@
                           <a:solidFill>
                             <a:schemeClr val="dk1"/>
                           </a:solidFill>
-                          <a:latin typeface="Adobe Clean" panose="020B0503020404020204" pitchFamily="34" charset="0"/>
+                          <a:latin typeface="Adobe Clean"/>
                           <a:ea typeface="+mn-ea"/>
                           <a:cs typeface="+mn-cs"/>
                           <a:hlinkClick r:id="rId8"/>
@@ -10608,7 +11021,7 @@
                           <a:solidFill>
                             <a:schemeClr val="dk1"/>
                           </a:solidFill>
-                          <a:latin typeface="Adobe Clean" panose="020B0503020404020204" pitchFamily="34" charset="0"/>
+                          <a:latin typeface="Adobe Clean"/>
                           <a:ea typeface="+mn-ea"/>
                           <a:cs typeface="+mn-cs"/>
                         </a:rPr>
@@ -10687,15 +11100,78 @@
                         <a:defRPr/>
                       </a:pPr>
                       <a:r>
-                        <a:rPr lang="pt-BR" sz="1000">
+                        <a:rPr lang="pt-BR" sz="1000" dirty="0">
                           <a:solidFill>
                             <a:srgbClr val="000000"/>
                           </a:solidFill>
-                          <a:latin typeface="Adobe Clean Light" panose="020B0303020404020204" pitchFamily="34" charset="0"/>
+                          <a:latin typeface="Adobe Clean Light"/>
                           <a:ea typeface="+mn-ea"/>
                           <a:cs typeface="+mn-cs"/>
                         </a:rPr>
-                        <a:t>O acesso aos cursos do Adobe Digital Learning Services está disponível na Experience League. Os cursos de aprendizagem incluem lições sob demanda e com instrutores.  É um lugar para adquirir habilidades com reconhecido valor de mercado que você pode pôr em prática para impulsionar o sucesso na sua organização.</a:t>
+                        <a:t>O acesso aos cursos do Adobe Digital Learning Services está disponível </a:t>
+                      </a:r>
+                      <a:br>
+                        <a:rPr lang="pt-BR" sz="1000" dirty="0">
+                          <a:solidFill>
+                            <a:srgbClr val="000000"/>
+                          </a:solidFill>
+                          <a:latin typeface="Adobe Clean Light"/>
+                          <a:ea typeface="+mn-ea"/>
+                          <a:cs typeface="+mn-cs"/>
+                        </a:rPr>
+                      </a:br>
+                      <a:r>
+                        <a:rPr lang="pt-BR" sz="1000" dirty="0">
+                          <a:solidFill>
+                            <a:srgbClr val="000000"/>
+                          </a:solidFill>
+                          <a:latin typeface="Adobe Clean Light"/>
+                          <a:ea typeface="+mn-ea"/>
+                          <a:cs typeface="+mn-cs"/>
+                        </a:rPr>
+                        <a:t>na Experience League. Os cursos de aprendizagem incluem lições sob demanda e com instrutores.  É um lugar para adquirir habilidades </a:t>
+                      </a:r>
+                      <a:br>
+                        <a:rPr lang="pt-BR" sz="1000" dirty="0">
+                          <a:solidFill>
+                            <a:srgbClr val="000000"/>
+                          </a:solidFill>
+                          <a:latin typeface="Adobe Clean Light"/>
+                          <a:ea typeface="+mn-ea"/>
+                          <a:cs typeface="+mn-cs"/>
+                        </a:rPr>
+                      </a:br>
+                      <a:r>
+                        <a:rPr lang="pt-BR" sz="1000" dirty="0">
+                          <a:solidFill>
+                            <a:srgbClr val="000000"/>
+                          </a:solidFill>
+                          <a:latin typeface="Adobe Clean Light"/>
+                          <a:ea typeface="+mn-ea"/>
+                          <a:cs typeface="+mn-cs"/>
+                        </a:rPr>
+                        <a:t>com reconhecido valor de mercado que você pode pôr em prática </a:t>
+                      </a:r>
+                      <a:br>
+                        <a:rPr lang="pt-BR" sz="1000" dirty="0">
+                          <a:solidFill>
+                            <a:srgbClr val="000000"/>
+                          </a:solidFill>
+                          <a:latin typeface="Adobe Clean Light"/>
+                          <a:ea typeface="+mn-ea"/>
+                          <a:cs typeface="+mn-cs"/>
+                        </a:rPr>
+                      </a:br>
+                      <a:r>
+                        <a:rPr lang="pt-BR" sz="1000" dirty="0">
+                          <a:solidFill>
+                            <a:srgbClr val="000000"/>
+                          </a:solidFill>
+                          <a:latin typeface="Adobe Clean Light"/>
+                          <a:ea typeface="+mn-ea"/>
+                          <a:cs typeface="+mn-cs"/>
+                        </a:rPr>
+                        <a:t>para impulsionar o sucesso na sua organização.</a:t>
                       </a:r>
                     </a:p>
                   </a:txBody>
@@ -10781,7 +11257,7 @@
                           <a:solidFill>
                             <a:schemeClr val="tx1"/>
                           </a:solidFill>
-                          <a:latin typeface="Adobe Clean" panose="020B0503020404020204" pitchFamily="34" charset="0"/>
+                          <a:latin typeface="Adobe Clean"/>
                           <a:ea typeface="+mn-ea"/>
                           <a:cs typeface="+mn-cs"/>
                           <a:hlinkClick r:id="rId9"/>
@@ -10843,7 +11319,7 @@
                     <a:bodyPr/>
                     <a:lstStyle/>
                     <a:p>
-                      <a:pPr marL="0" marR="0" lvl="0" indent="0" defTabSz="914400" eaLnBrk="1" fontAlgn="auto" latinLnBrk="0" hangingPunct="1">
+                      <a:pPr marL="0" marR="0" lvl="0" indent="0" eaLnBrk="1" fontAlgn="auto" latinLnBrk="0" hangingPunct="1">
                         <a:lnSpc>
                           <a:spcPct val="100000"/>
                         </a:lnSpc>
@@ -10857,26 +11333,24 @@
                         <a:buSzTx/>
                         <a:buFontTx/>
                         <a:buNone/>
-                        <a:tabLst/>
-                        <a:defRPr/>
                       </a:pPr>
                       <a:r>
                         <a:rPr lang="pt-BR" sz="1000" dirty="0">
                           <a:solidFill>
                             <a:srgbClr val="000000"/>
                           </a:solidFill>
-                          <a:latin typeface="Adobe Clean Light" panose="020B0303020404020204" pitchFamily="34" charset="0"/>
+                          <a:latin typeface="Adobe Clean Light"/>
                           <a:ea typeface="+mn-ea"/>
                           <a:cs typeface="+mn-cs"/>
                         </a:rPr>
-                        <a:t>O Status.adobe.com transmite as informações de integridade de todos os produtos e serviços da Adobe implantados em ambientes de vários locatários. Os clientes podem escolher suas preferências de subscrição para receber notificações por email sempre que a Adobe criar, atualizar ou resolver um evento de produto. Isso pode incluir manutenção programada ou problemas de serviço com diferentes níveis </a:t>
+                        <a:t>O Status.adobe.com transmite as informações de integridade de todos </a:t>
                       </a:r>
                       <a:br>
-                        <a:rPr lang="sk-SK" sz="1000" dirty="0">
+                        <a:rPr lang="pt-BR" sz="1000" dirty="0">
                           <a:solidFill>
                             <a:srgbClr val="000000"/>
                           </a:solidFill>
-                          <a:latin typeface="Adobe Clean Light" panose="020B0303020404020204" pitchFamily="34" charset="0"/>
+                          <a:latin typeface="Adobe Clean Light"/>
                           <a:ea typeface="+mn-ea"/>
                           <a:cs typeface="+mn-cs"/>
                         </a:rPr>
@@ -10886,11 +11360,33 @@
                           <a:solidFill>
                             <a:srgbClr val="000000"/>
                           </a:solidFill>
-                          <a:latin typeface="Adobe Clean Light" panose="020B0303020404020204" pitchFamily="34" charset="0"/>
+                          <a:latin typeface="Adobe Clean Light"/>
                           <a:ea typeface="+mn-ea"/>
                           <a:cs typeface="+mn-cs"/>
                         </a:rPr>
-                        <a:t>de gravidade. </a:t>
+                        <a:t>os produtos e serviços da Adobe implantados em ambientes de vários locatários. Os clientes podem escolher suas preferências de subscrição para receber notificações por </a:t>
+                      </a:r>
+                      <a:r>
+                        <a:rPr lang="pt-BR" sz="1000" dirty="0" err="1">
+                          <a:solidFill>
+                            <a:srgbClr val="000000"/>
+                          </a:solidFill>
+                          <a:latin typeface="Adobe Clean Light"/>
+                          <a:ea typeface="+mn-ea"/>
+                          <a:cs typeface="+mn-cs"/>
+                        </a:rPr>
+                        <a:t>email</a:t>
+                      </a:r>
+                      <a:r>
+                        <a:rPr lang="pt-BR" sz="1000" dirty="0">
+                          <a:solidFill>
+                            <a:srgbClr val="000000"/>
+                          </a:solidFill>
+                          <a:latin typeface="Adobe Clean Light"/>
+                          <a:ea typeface="+mn-ea"/>
+                          <a:cs typeface="+mn-cs"/>
+                        </a:rPr>
+                        <a:t> sempre que a Adobe criar, atualizar ou resolver um evento de produto. Isso pode incluir manutenção programada ou problemas de serviço com diferentes níveis de gravidade. </a:t>
                       </a:r>
                     </a:p>
                   </a:txBody>
@@ -10976,7 +11472,7 @@
                           <a:solidFill>
                             <a:schemeClr val="dk1"/>
                           </a:solidFill>
-                          <a:latin typeface="Adobe Clean" panose="020B0503020404020204" pitchFamily="34" charset="0"/>
+                          <a:latin typeface="Adobe Clean"/>
                           <a:ea typeface="+mn-ea"/>
                           <a:cs typeface="+mn-cs"/>
                           <a:hlinkClick r:id="rId10" tooltip="https://helpx.adobe.com/br/support/programs/enterprise-support-programs/premier-support-business.html"/>
@@ -11043,11 +11539,11 @@
                           <a:solidFill>
                             <a:srgbClr val="000000"/>
                           </a:solidFill>
-                          <a:latin typeface="Adobe Clean Light" panose="020B0303020404020204" pitchFamily="34" charset="0"/>
+                          <a:latin typeface="Adobe Clean Light"/>
                           <a:ea typeface="+mn-ea"/>
                           <a:cs typeface="+mn-cs"/>
                         </a:rPr>
-                        <a:t>Site do Suporte Business da Adobe</a:t>
+                        <a:t>Site do Suporte Business da Adobe.</a:t>
                       </a:r>
                     </a:p>
                   </a:txBody>
@@ -11133,7 +11629,7 @@
                           <a:solidFill>
                             <a:schemeClr val="tx1"/>
                           </a:solidFill>
-                          <a:latin typeface="Adobe Clean" panose="020B0503020404020204" pitchFamily="34" charset="0"/>
+                          <a:latin typeface="Adobe Clean"/>
                           <a:ea typeface="+mn-ea"/>
                           <a:cs typeface="+mn-cs"/>
                           <a:hlinkClick r:id="rId11"/>
@@ -11200,11 +11696,11 @@
                           <a:solidFill>
                             <a:srgbClr val="000000"/>
                           </a:solidFill>
-                          <a:latin typeface="Adobe Clean Light" panose="020B0303020404020204" pitchFamily="34" charset="0"/>
+                          <a:latin typeface="Adobe Clean Light"/>
                           <a:ea typeface="+mn-ea"/>
                           <a:cs typeface="+mn-cs"/>
                         </a:rPr>
-                        <a:t>Os Termos e condições que detalham os serviços de suporte</a:t>
+                        <a:t>Os Termos e condições que detalham os serviços de suporte.</a:t>
                       </a:r>
                     </a:p>
                   </a:txBody>
@@ -11975,12 +12471,6 @@
 </file>
 
 <file path=customXml/item1.xml><?xml version="1.0" encoding="utf-8"?>
-<p:properties xmlns:p="http://schemas.microsoft.com/office/2006/metadata/properties" xmlns:xsi="http://www.w3.org/2001/XMLSchema-instance" xmlns:pc="http://schemas.microsoft.com/office/infopath/2007/PartnerControls">
-  <documentManagement/>
-</p:properties>
-</file>
-
-<file path=customXml/item2.xml><?xml version="1.0" encoding="utf-8"?>
 <ct:contentTypeSchema xmlns:ct="http://schemas.microsoft.com/office/2006/metadata/contentType" xmlns:ma="http://schemas.microsoft.com/office/2006/metadata/properties/metaAttributes" ct:_="" ma:_="" ma:contentTypeName="Document" ma:contentTypeID="0x010100E783BF6876BCC646A459363AF21A7736" ma:contentTypeVersion="10" ma:contentTypeDescription="Create a new document." ma:contentTypeScope="" ma:versionID="c4ffda7f4f415767600769e454c2ea87">
   <xsd:schema xmlns:xsd="http://www.w3.org/2001/XMLSchema" xmlns:xs="http://www.w3.org/2001/XMLSchema" xmlns:p="http://schemas.microsoft.com/office/2006/metadata/properties" xmlns:ns2="8a053bff-88be-49e4-9a87-e748e18b8b62" xmlns:ns3="6c8368ec-3776-49b5-a5bb-90648cf9530f" targetNamespace="http://schemas.microsoft.com/office/2006/metadata/properties" ma:root="true" ma:fieldsID="df3ec33bccc23e23bce7bc897fad43d1" ns2:_="" ns3:_="">
     <xsd:import namespace="8a053bff-88be-49e4-9a87-e748e18b8b62"/>
@@ -12185,7 +12675,7 @@
 </ct:contentTypeSchema>
 </file>
 
-<file path=customXml/item3.xml><?xml version="1.0" encoding="utf-8"?>
+<file path=customXml/item2.xml><?xml version="1.0" encoding="utf-8"?>
 <?mso-contentType ?>
 <FormTemplates xmlns="http://schemas.microsoft.com/sharepoint/v3/contenttype/forms">
   <Display>DocumentLibraryForm</Display>
@@ -12194,16 +12684,13 @@
 </FormTemplates>
 </file>
 
-<file path=customXml/itemProps1.xml><?xml version="1.0" encoding="utf-8"?>
-<ds:datastoreItem xmlns:ds="http://schemas.openxmlformats.org/officeDocument/2006/customXml" ds:itemID="{10FC3CAF-E6F1-40E3-87D4-6B781C97D6B4}">
-  <ds:schemaRefs>
-    <ds:schemaRef ds:uri="http://schemas.microsoft.com/office/2006/metadata/properties"/>
-    <ds:schemaRef ds:uri="http://schemas.microsoft.com/office/infopath/2007/PartnerControls"/>
-  </ds:schemaRefs>
-</ds:datastoreItem>
+<file path=customXml/item3.xml><?xml version="1.0" encoding="utf-8"?>
+<p:properties xmlns:p="http://schemas.microsoft.com/office/2006/metadata/properties" xmlns:xsi="http://www.w3.org/2001/XMLSchema-instance" xmlns:pc="http://schemas.microsoft.com/office/infopath/2007/PartnerControls">
+  <documentManagement/>
+</p:properties>
 </file>
 
-<file path=customXml/itemProps2.xml><?xml version="1.0" encoding="utf-8"?>
+<file path=customXml/itemProps1.xml><?xml version="1.0" encoding="utf-8"?>
 <ds:datastoreItem xmlns:ds="http://schemas.openxmlformats.org/officeDocument/2006/customXml" ds:itemID="{E0DB8BDF-6DA8-4ABC-A3CA-043AFD674CFC}">
   <ds:schemaRefs>
     <ds:schemaRef ds:uri="6c8368ec-3776-49b5-a5bb-90648cf9530f"/>
@@ -12222,10 +12709,27 @@
 </ds:datastoreItem>
 </file>
 
-<file path=customXml/itemProps3.xml><?xml version="1.0" encoding="utf-8"?>
+<file path=customXml/itemProps2.xml><?xml version="1.0" encoding="utf-8"?>
 <ds:datastoreItem xmlns:ds="http://schemas.openxmlformats.org/officeDocument/2006/customXml" ds:itemID="{95AE3B0B-E909-400C-B0B3-909FB50E07DE}">
   <ds:schemaRefs>
     <ds:schemaRef ds:uri="http://schemas.microsoft.com/sharepoint/v3/contenttype/forms"/>
   </ds:schemaRefs>
 </ds:datastoreItem>
+</file>
+
+<file path=customXml/itemProps3.xml><?xml version="1.0" encoding="utf-8"?>
+<ds:datastoreItem xmlns:ds="http://schemas.openxmlformats.org/officeDocument/2006/customXml" ds:itemID="{10FC3CAF-E6F1-40E3-87D4-6B781C97D6B4}">
+  <ds:schemaRefs>
+    <ds:schemaRef ds:uri="6c8368ec-3776-49b5-a5bb-90648cf9530f"/>
+    <ds:schemaRef ds:uri="8a053bff-88be-49e4-9a87-e748e18b8b62"/>
+    <ds:schemaRef ds:uri="http://purl.org/dc/dcmitype/"/>
+    <ds:schemaRef ds:uri="http://purl.org/dc/elements/1.1/"/>
+    <ds:schemaRef ds:uri="http://purl.org/dc/terms/"/>
+    <ds:schemaRef ds:uri="http://schemas.microsoft.com/office/2006/documentManagement/types"/>
+    <ds:schemaRef ds:uri="http://schemas.microsoft.com/office/2006/metadata/properties"/>
+    <ds:schemaRef ds:uri="http://schemas.microsoft.com/office/infopath/2007/PartnerControls"/>
+    <ds:schemaRef ds:uri="http://schemas.openxmlformats.org/package/2006/metadata/core-properties"/>
+    <ds:schemaRef ds:uri="http://www.w3.org/XML/1998/namespace"/>
+  </ds:schemaRefs>
+</ds:datastoreItem>
 </file>
--- a/help/data-sheets/assets/BusinessSupportDatasheet.pptx
+++ b/help/data-sheets/assets/BusinessSupportDatasheet.pptx
@@ -247,6 +247,30 @@
     </pc:docChg>
   </pc:docChgLst>
   <pc:docChgLst>
+    <pc:chgData name="Akilah Johnson" userId="S::akjohnso@adobe.com::2fa3aa60-0c9c-4d06-bae2-795983241227" providerId="AD" clId="Web-{D428A0AE-54E2-30D2-C574-7A0742876CCF}"/>
+    <pc:docChg chg="modSld">
+      <pc:chgData name="Akilah Johnson" userId="S::akjohnso@adobe.com::2fa3aa60-0c9c-4d06-bae2-795983241227" providerId="AD" clId="Web-{D428A0AE-54E2-30D2-C574-7A0742876CCF}" dt="2021-10-12T19:11:25.330" v="0" actId="20577"/>
+      <pc:docMkLst>
+        <pc:docMk/>
+      </pc:docMkLst>
+      <pc:sldChg chg="modSp">
+        <pc:chgData name="Akilah Johnson" userId="S::akjohnso@adobe.com::2fa3aa60-0c9c-4d06-bae2-795983241227" providerId="AD" clId="Web-{D428A0AE-54E2-30D2-C574-7A0742876CCF}" dt="2021-10-12T19:11:25.330" v="0" actId="20577"/>
+        <pc:sldMkLst>
+          <pc:docMk/>
+          <pc:sldMk cId="0" sldId="256"/>
+        </pc:sldMkLst>
+        <pc:spChg chg="mod">
+          <ac:chgData name="Akilah Johnson" userId="S::akjohnso@adobe.com::2fa3aa60-0c9c-4d06-bae2-795983241227" providerId="AD" clId="Web-{D428A0AE-54E2-30D2-C574-7A0742876CCF}" dt="2021-10-12T19:11:25.330" v="0" actId="20577"/>
+          <ac:spMkLst>
+            <pc:docMk/>
+            <pc:sldMk cId="0" sldId="256"/>
+            <ac:spMk id="4" creationId="{00000000-0000-0000-0000-000000000000}"/>
+          </ac:spMkLst>
+        </pc:spChg>
+      </pc:sldChg>
+    </pc:docChg>
+  </pc:docChgLst>
+  <pc:docChgLst>
     <pc:chgData name="Akilah Johnson" userId="S::akjohnso@adobe.com::2fa3aa60-0c9c-4d06-bae2-795983241227" providerId="AD" clId="Web-{71D6CFBF-0EA2-99B0-93F4-22F19EF0AE4E}"/>
     <pc:docChg chg="modSld">
       <pc:chgData name="Akilah Johnson" userId="S::akjohnso@adobe.com::2fa3aa60-0c9c-4d06-bae2-795983241227" providerId="AD" clId="Web-{71D6CFBF-0EA2-99B0-93F4-22F19EF0AE4E}" dt="2021-09-22T19:06:58.732" v="1" actId="1076"/>
@@ -265,30 +289,6 @@
             <pc:docMk/>
             <pc:sldMk cId="1050037809" sldId="261"/>
             <ac:spMk id="64" creationId="{41467BDC-3D83-D844-B922-CD07E94E5AAB}"/>
-          </ac:spMkLst>
-        </pc:spChg>
-      </pc:sldChg>
-    </pc:docChg>
-  </pc:docChgLst>
-  <pc:docChgLst>
-    <pc:chgData name="Akilah Johnson" userId="S::akjohnso@adobe.com::2fa3aa60-0c9c-4d06-bae2-795983241227" providerId="AD" clId="Web-{D428A0AE-54E2-30D2-C574-7A0742876CCF}"/>
-    <pc:docChg chg="modSld">
-      <pc:chgData name="Akilah Johnson" userId="S::akjohnso@adobe.com::2fa3aa60-0c9c-4d06-bae2-795983241227" providerId="AD" clId="Web-{D428A0AE-54E2-30D2-C574-7A0742876CCF}" dt="2021-10-12T19:11:25.330" v="0" actId="20577"/>
-      <pc:docMkLst>
-        <pc:docMk/>
-      </pc:docMkLst>
-      <pc:sldChg chg="modSp">
-        <pc:chgData name="Akilah Johnson" userId="S::akjohnso@adobe.com::2fa3aa60-0c9c-4d06-bae2-795983241227" providerId="AD" clId="Web-{D428A0AE-54E2-30D2-C574-7A0742876CCF}" dt="2021-10-12T19:11:25.330" v="0" actId="20577"/>
-        <pc:sldMkLst>
-          <pc:docMk/>
-          <pc:sldMk cId="0" sldId="256"/>
-        </pc:sldMkLst>
-        <pc:spChg chg="mod">
-          <ac:chgData name="Akilah Johnson" userId="S::akjohnso@adobe.com::2fa3aa60-0c9c-4d06-bae2-795983241227" providerId="AD" clId="Web-{D428A0AE-54E2-30D2-C574-7A0742876CCF}" dt="2021-10-12T19:11:25.330" v="0" actId="20577"/>
-          <ac:spMkLst>
-            <pc:docMk/>
-            <pc:sldMk cId="0" sldId="256"/>
-            <ac:spMk id="4" creationId="{00000000-0000-0000-0000-000000000000}"/>
           </ac:spMkLst>
         </pc:spChg>
       </pc:sldChg>
@@ -499,7 +499,7 @@
           <a:p>
             <a:fld id="{FB81873C-0B24-F04A-98A1-90E0A78F7E8A}" type="datetimeFigureOut">
               <a:rPr lang="en-US" smtClean="0"/>
-              <a:t>11/12/2021</a:t>
+              <a:t>12/7/21</a:t>
             </a:fld>
             <a:endParaRPr lang="en-US"/>
           </a:p>
@@ -1122,7 +1122,7 @@
           <a:p>
             <a:fld id="{1D8BD707-D9CF-40AE-B4C6-C98DA3205C09}" type="datetimeFigureOut">
               <a:rPr lang="en-US"/>
-              <a:t>11/12/2021</a:t>
+              <a:t>12/7/21</a:t>
             </a:fld>
             <a:endParaRPr lang="en-US"/>
           </a:p>
@@ -1314,7 +1314,7 @@
           <a:p>
             <a:fld id="{1D8BD707-D9CF-40AE-B4C6-C98DA3205C09}" type="datetimeFigureOut">
               <a:rPr lang="en-US"/>
-              <a:t>11/12/2021</a:t>
+              <a:t>12/7/21</a:t>
             </a:fld>
             <a:endParaRPr lang="en-US"/>
           </a:p>
@@ -1632,7 +1632,7 @@
           <a:p>
             <a:fld id="{1D8BD707-D9CF-40AE-B4C6-C98DA3205C09}" type="datetimeFigureOut">
               <a:rPr lang="en-US"/>
-              <a:t>11/12/2021</a:t>
+              <a:t>12/7/21</a:t>
             </a:fld>
             <a:endParaRPr lang="en-US"/>
           </a:p>
@@ -1886,8 +1886,8 @@
         </p:nvSpPr>
         <p:spPr>
           <a:xfrm>
-            <a:off x="168564" y="7162363"/>
-            <a:ext cx="4746335" cy="227626"/>
+            <a:off x="168565" y="7162363"/>
+            <a:ext cx="2800350" cy="238760"/>
           </a:xfrm>
           <a:prstGeom prst="rect">
             <a:avLst/>
@@ -1908,7 +1908,7 @@
               </a:spcBef>
             </a:pPr>
             <a:r>
-              <a:rPr lang="pt-BR" sz="1400" b="1" u="heavy" dirty="0">
+              <a:rPr sz="1400" b="1" u="heavy" spc="10">
                 <a:solidFill>
                   <a:srgbClr val="020302"/>
                 </a:solidFill>
@@ -1920,8 +1920,87 @@
                 <a:latin typeface="Adobe Clean"/>
                 <a:cs typeface="Adobe Clean"/>
               </a:rPr>
-              <a:t>Metas de nível de serviço: Resposta inicial</a:t>
-            </a:r>
+              <a:t>Service </a:t>
+            </a:r>
+            <a:r>
+              <a:rPr sz="1400" b="1" u="heavy" spc="-10">
+                <a:solidFill>
+                  <a:srgbClr val="020302"/>
+                </a:solidFill>
+                <a:uFill>
+                  <a:solidFill>
+                    <a:srgbClr val="020302"/>
+                  </a:solidFill>
+                </a:uFill>
+                <a:latin typeface="Adobe Clean"/>
+                <a:cs typeface="Adobe Clean"/>
+              </a:rPr>
+              <a:t>Level </a:t>
+            </a:r>
+            <a:r>
+              <a:rPr sz="1400" b="1" u="heavy" spc="-45">
+                <a:solidFill>
+                  <a:srgbClr val="020302"/>
+                </a:solidFill>
+                <a:uFill>
+                  <a:solidFill>
+                    <a:srgbClr val="020302"/>
+                  </a:solidFill>
+                </a:uFill>
+                <a:latin typeface="Adobe Clean"/>
+                <a:cs typeface="Adobe Clean"/>
+              </a:rPr>
+              <a:t>Targets: </a:t>
+            </a:r>
+            <a:r>
+              <a:rPr sz="1400" b="1" u="heavy" spc="-10">
+                <a:solidFill>
+                  <a:srgbClr val="020302"/>
+                </a:solidFill>
+                <a:uFill>
+                  <a:solidFill>
+                    <a:srgbClr val="020302"/>
+                  </a:solidFill>
+                </a:uFill>
+                <a:latin typeface="Adobe Clean"/>
+                <a:cs typeface="Adobe Clean"/>
+              </a:rPr>
+              <a:t>Initial</a:t>
+            </a:r>
+            <a:r>
+              <a:rPr sz="1400" b="1" u="heavy" spc="-140">
+                <a:solidFill>
+                  <a:srgbClr val="020302"/>
+                </a:solidFill>
+                <a:uFill>
+                  <a:solidFill>
+                    <a:srgbClr val="020302"/>
+                  </a:solidFill>
+                </a:uFill>
+                <a:latin typeface="Adobe Clean"/>
+                <a:cs typeface="Adobe Clean"/>
+              </a:rPr>
+              <a:t> </a:t>
+            </a:r>
+            <a:r>
+              <a:rPr sz="1400" b="1" u="heavy" spc="-15">
+                <a:solidFill>
+                  <a:srgbClr val="020302"/>
+                </a:solidFill>
+                <a:uFill>
+                  <a:solidFill>
+                    <a:srgbClr val="020302"/>
+                  </a:solidFill>
+                </a:uFill>
+                <a:latin typeface="Adobe Clean"/>
+                <a:cs typeface="Adobe Clean"/>
+              </a:rPr>
+              <a:t>Response</a:t>
+            </a:r>
+            <a:endParaRPr sz="1400">
+              <a:latin typeface="Adobe Clean"/>
+              <a:cs typeface="Adobe Clean"/>
+            </a:endParaRPr>
           </a:p>
         </p:txBody>
       </p:sp>
@@ -1988,11 +2067,20 @@
               </a:spcBef>
             </a:pPr>
             <a:r>
-              <a:rPr lang="pt-BR" sz="2300">
+              <a:rPr sz="2300">
                 <a:latin typeface="Adobe Clean"/>
               </a:rPr>
-              <a:t>PLANOS DE SUPORTE DA ADOBE</a:t>
-            </a:r>
+              <a:t>ADOBE </a:t>
+            </a:r>
+            <a:r>
+              <a:rPr lang="en-US" sz="2300">
+                <a:latin typeface="Adobe Clean"/>
+              </a:rPr>
+              <a:t>SUPPORT PLANS</a:t>
+            </a:r>
+            <a:endParaRPr sz="2300">
+              <a:latin typeface="Adobe Clean" panose="020B0503020404020204" pitchFamily="34" charset="0"/>
+            </a:endParaRPr>
           </a:p>
         </p:txBody>
       </p:sp>
@@ -2005,7 +2093,7 @@
         <p:spPr>
           <a:xfrm>
             <a:off x="121147" y="531160"/>
-            <a:ext cx="5865216" cy="1424364"/>
+            <a:ext cx="5865216" cy="1269065"/>
           </a:xfrm>
           <a:prstGeom prst="rect">
             <a:avLst/>
@@ -2026,7 +2114,7 @@
               </a:spcBef>
             </a:pPr>
             <a:r>
-              <a:rPr lang="pt-BR" sz="900" dirty="0">
+              <a:rPr lang="en-US" sz="900">
                 <a:solidFill>
                   <a:schemeClr val="bg1"/>
                 </a:solidFill>
@@ -2035,7 +2123,7 @@
               <a:t>Online | </a:t>
             </a:r>
             <a:r>
-              <a:rPr lang="pt-BR" sz="900" b="1" dirty="0">
+              <a:rPr lang="en-US" sz="900" b="1">
                 <a:solidFill>
                   <a:schemeClr val="bg1"/>
                 </a:solidFill>
@@ -2044,7 +2132,7 @@
               <a:t>Business</a:t>
             </a:r>
             <a:r>
-              <a:rPr lang="pt-BR" sz="900" dirty="0">
+              <a:rPr lang="en-US" sz="900">
                 <a:solidFill>
                   <a:schemeClr val="bg1"/>
                 </a:solidFill>
@@ -2063,65 +2151,21 @@
               </a:spcBef>
             </a:pPr>
             <a:r>
-              <a:rPr lang="pt-BR" sz="900" dirty="0">
+              <a:rPr lang="en-US" sz="900">
                 <a:solidFill>
                   <a:schemeClr val="bg1"/>
                 </a:solidFill>
                 <a:latin typeface="Adobe Clean SemiLight" panose="020B0403020404020204" pitchFamily="34" charset="0"/>
               </a:rPr>
-              <a:t>A Adobe oferece uma ampla gama de recursos técnicos para prestar suporte à sua empresa, incluídos na sua assinatura da Experience Cloud e com melhorias adicionais no pacote de suporte BUSINESS. O Suporte BUSINESS inclui acesso a caminhos </a:t>
-            </a:r>
-            <a:br>
-              <a:rPr lang="pt-BR" sz="900" dirty="0">
-                <a:solidFill>
-                  <a:schemeClr val="bg1"/>
-                </a:solidFill>
-                <a:latin typeface="Adobe Clean SemiLight" panose="020B0403020404020204" pitchFamily="34" charset="0"/>
-              </a:rPr>
-            </a:br>
-            <a:r>
-              <a:rPr lang="pt-BR" sz="900" dirty="0">
-                <a:solidFill>
-                  <a:schemeClr val="bg1"/>
-                </a:solidFill>
-                <a:latin typeface="Adobe Clean SemiLight" panose="020B0403020404020204" pitchFamily="34" charset="0"/>
-              </a:rPr>
-              <a:t>de aprendizagem personalizados e a fóruns monitorados da comunidade na Adobe Experience League. Você tem à sua disposição a nossa documentação técnica de produto, com todos os detalhes, e as notas de versão atuais. Os clientes BUSINESS também contam com acesso às nossas equipes de suporte técnico para qualquer consulta sobre o produto, por telefone ou </a:t>
-            </a:r>
-            <a:br>
-              <a:rPr lang="pt-BR" sz="900" dirty="0">
-                <a:solidFill>
-                  <a:schemeClr val="bg1"/>
-                </a:solidFill>
-                <a:latin typeface="Adobe Clean SemiLight" panose="020B0403020404020204" pitchFamily="34" charset="0"/>
-              </a:rPr>
-            </a:br>
-            <a:r>
-              <a:rPr lang="pt-BR" sz="900" dirty="0">
-                <a:solidFill>
-                  <a:schemeClr val="bg1"/>
-                </a:solidFill>
-                <a:latin typeface="Adobe Clean SemiLight" panose="020B0403020404020204" pitchFamily="34" charset="0"/>
-              </a:rPr>
-              <a:t>no portal da web, com o fim de proteger sua empresa nos momentos mais críticos. Além disso, os clientes BUSINESS recebem comunicações e atualizações periódicos do Líder de suporte da conta e gestão de encaminhamento de casos de suporte para</a:t>
-            </a:r>
-            <a:br>
-              <a:rPr lang="pt-BR" sz="900" dirty="0">
-                <a:solidFill>
-                  <a:schemeClr val="bg1"/>
-                </a:solidFill>
-                <a:latin typeface="Adobe Clean SemiLight" panose="020B0403020404020204" pitchFamily="34" charset="0"/>
-              </a:rPr>
-            </a:br>
-            <a:r>
-              <a:rPr lang="pt-BR" sz="900" dirty="0">
-                <a:solidFill>
-                  <a:schemeClr val="bg1"/>
-                </a:solidFill>
-                <a:latin typeface="Adobe Clean SemiLight" panose="020B0403020404020204" pitchFamily="34" charset="0"/>
-              </a:rPr>
-              <a:t>as solicitações mais críticas. </a:t>
-            </a:r>
+              <a:t>Adobe provides a comprehensive range of technical resources to help support your business, included as part of your Experience Cloud license subscription and enhanced in the BUSINESS support package. BUSINESS support includes access to personalized learning paths and monitored community forums via the Adobe Experience League. You can also take advantage of our detailed and in-depth technical product documentation and current release notes. BUSINESS customers also benefit from access to our technical support teams for any product query via either the telephone or the support web portal, to help protect your business at the most critical times. BUSINESS customers will receive regular communications and updates from their Account Support Lead in addition to support case escalation management for your most critical of support requests. </a:t>
+            </a:r>
+            <a:endParaRPr lang="en-US" sz="900">
+              <a:solidFill>
+                <a:schemeClr val="bg1"/>
+              </a:solidFill>
+              <a:latin typeface="Adobe Clean Light" panose="020B0303020404020204" pitchFamily="34" charset="0"/>
+              <a:cs typeface="AdobeClean-Light"/>
+            </a:endParaRPr>
           </a:p>
         </p:txBody>
       </p:sp>
@@ -2188,8 +2232,24 @@
               </a:spcBef>
             </a:pPr>
             <a:r>
-              <a:rPr lang="pt-BR"/>
-              <a:t>©2021 Adobe. All Rights Reserved. Adobe Confidential.</a:t>
+              <a:rPr spc="-5"/>
+              <a:t>©202</a:t>
+            </a:r>
+            <a:r>
+              <a:rPr lang="en-US" spc="-5"/>
+              <a:t>1</a:t>
+            </a:r>
+            <a:r>
+              <a:rPr spc="-5"/>
+              <a:t> Adobe. All Rights Reserved. Adobe</a:t>
+            </a:r>
+            <a:r>
+              <a:rPr spc="60"/>
+              <a:t> </a:t>
+            </a:r>
+            <a:r>
+              <a:rPr spc="-5"/>
+              <a:t>Confidential.</a:t>
             </a:r>
           </a:p>
         </p:txBody>
@@ -2203,14 +2263,14 @@
           <p:nvPr>
             <p:extLst>
               <p:ext uri="{D42A27DB-BD31-4B8C-83A1-F6EECF244321}">
-                <p14:modId xmlns:p14="http://schemas.microsoft.com/office/powerpoint/2010/main" val="2117478310"/>
+                <p14:modId xmlns:p14="http://schemas.microsoft.com/office/powerpoint/2010/main" val="852543156"/>
               </p:ext>
             </p:extLst>
           </p:nvPr>
         </p:nvGraphicFramePr>
         <p:xfrm>
           <a:off x="118872" y="7475985"/>
-          <a:ext cx="7498851" cy="2281696"/>
+          <a:ext cx="7498851" cy="2223598"/>
         </p:xfrm>
         <a:graphic>
           <a:graphicData uri="http://schemas.openxmlformats.org/drawingml/2006/table">
@@ -2256,15 +2316,19 @@
                         </a:spcBef>
                       </a:pPr>
                       <a:r>
-                        <a:rPr lang="pt-BR" sz="900">
+                        <a:rPr sz="900" spc="0">
                           <a:solidFill>
                             <a:srgbClr val="020302"/>
                           </a:solidFill>
                           <a:latin typeface="Adobe Clean"/>
                           <a:cs typeface="Adobe Clean"/>
                         </a:rPr>
-                        <a:t>Prioridade</a:t>
+                        <a:t>Priority</a:t>
                       </a:r>
+                      <a:endParaRPr sz="900" spc="0">
+                        <a:latin typeface="Adobe Clean"/>
+                        <a:cs typeface="Adobe Clean"/>
+                      </a:endParaRPr>
                     </a:p>
                   </a:txBody>
                   <a:tcPr marL="0" marR="0" marT="7620" marB="0">
@@ -2302,34 +2366,28 @@
                     <a:bodyPr/>
                     <a:lstStyle/>
                     <a:p>
-                      <a:pPr marL="2540" marR="0" lvl="0" indent="0" algn="ctr" defTabSz="914400" eaLnBrk="1" fontAlgn="auto" latinLnBrk="0" hangingPunct="1">
+                      <a:pPr marL="135255" algn="ctr">
                         <a:lnSpc>
                           <a:spcPct val="100000"/>
                         </a:lnSpc>
                         <a:spcBef>
                           <a:spcPts val="60"/>
                         </a:spcBef>
-                        <a:spcAft>
-                          <a:spcPts val="0"/>
-                        </a:spcAft>
-                        <a:buClrTx/>
-                        <a:buSzTx/>
-                        <a:buFontTx/>
-                        <a:buNone/>
-                        <a:tabLst/>
-                        <a:defRPr/>
                       </a:pPr>
                       <a:r>
-                        <a:rPr lang="pt-BR" sz="900" dirty="0">
+                        <a:rPr sz="900" spc="0">
                           <a:solidFill>
-                            <a:srgbClr val="404040"/>
+                            <a:srgbClr val="020302"/>
                           </a:solidFill>
                           <a:latin typeface="Adobe Clean"/>
-                          <a:ea typeface="+mn-ea"/>
                           <a:cs typeface="Adobe Clean"/>
                         </a:rPr>
-                        <a:t>Suporte Online</a:t>
+                        <a:t>Online Support</a:t>
                       </a:r>
+                      <a:endParaRPr sz="900" spc="0">
+                        <a:latin typeface="Adobe Clean"/>
+                        <a:cs typeface="Adobe Clean"/>
+                      </a:endParaRPr>
                     </a:p>
                   </a:txBody>
                   <a:tcPr marL="182880" marT="91440" anchor="ctr">
@@ -2367,7 +2425,7 @@
                     <a:bodyPr/>
                     <a:lstStyle/>
                     <a:p>
-                      <a:pPr marL="2540" algn="ctr">
+                      <a:pPr marL="92710">
                         <a:lnSpc>
                           <a:spcPct val="100000"/>
                         </a:lnSpc>
@@ -2376,16 +2434,39 @@
                         </a:spcBef>
                       </a:pPr>
                       <a:r>
-                        <a:rPr lang="pt-BR" sz="900" dirty="0">
+                        <a:rPr sz="900" spc="0">
                           <a:solidFill>
                             <a:srgbClr val="FFFFFF"/>
                           </a:solidFill>
                           <a:latin typeface="Adobe Clean"/>
-                          <a:ea typeface="+mn-ea"/>
                           <a:cs typeface="Adobe Clean"/>
                         </a:rPr>
-                        <a:t>Suporte Business</a:t>
+                        <a:t>Business</a:t>
                       </a:r>
+                      <a:r>
+                        <a:rPr lang="en-US" sz="900" spc="0">
+                          <a:solidFill>
+                            <a:srgbClr val="FFFFFF"/>
+                          </a:solidFill>
+                          <a:latin typeface="Adobe Clean"/>
+                          <a:cs typeface="Adobe Clean"/>
+                        </a:rPr>
+                        <a:t> </a:t>
+                      </a:r>
+                      <a:r>
+                        <a:rPr sz="900" spc="0">
+                          <a:solidFill>
+                            <a:srgbClr val="FFFFFF"/>
+                          </a:solidFill>
+                          <a:latin typeface="Adobe Clean"/>
+                          <a:cs typeface="Adobe Clean"/>
+                        </a:rPr>
+                        <a:t>Support</a:t>
+                      </a:r>
+                      <a:endParaRPr sz="900" spc="0">
+                        <a:latin typeface="Adobe Clean"/>
+                        <a:cs typeface="Adobe Clean"/>
+                      </a:endParaRPr>
                     </a:p>
                   </a:txBody>
                   <a:tcPr marL="182880" marT="91440" anchor="ctr">
@@ -2439,15 +2520,19 @@
                         </a:spcBef>
                       </a:pPr>
                       <a:r>
-                        <a:rPr lang="pt-BR" sz="900" b="1" dirty="0">
+                        <a:rPr sz="900" b="1" spc="0">
                           <a:solidFill>
                             <a:srgbClr val="020302"/>
                           </a:solidFill>
                           <a:latin typeface="Adobe Clean"/>
                           <a:cs typeface="Adobe Clean"/>
                         </a:rPr>
-                        <a:t>PRIORIDADE 1</a:t>
+                        <a:t>PRIORITY 1</a:t>
                       </a:r>
+                      <a:endParaRPr sz="900" spc="0">
+                        <a:latin typeface="Adobe Clean"/>
+                        <a:cs typeface="Adobe Clean"/>
+                      </a:endParaRPr>
                     </a:p>
                     <a:p>
                       <a:pPr marL="50800" marR="387985" lvl="0" indent="0" algn="l" defTabSz="914400" rtl="0" eaLnBrk="1" fontAlgn="auto" latinLnBrk="0" hangingPunct="1">
@@ -2468,31 +2553,19 @@
                         <a:defRPr/>
                       </a:pPr>
                       <a:r>
-                        <a:rPr lang="pt-BR" sz="900" b="0" i="0" dirty="0">
+                        <a:rPr lang="en-US" sz="900" b="0" i="0" spc="0">
                           <a:solidFill>
                             <a:srgbClr val="000000"/>
                           </a:solidFill>
+                          <a:effectLst/>
                           <a:latin typeface="Adobe Clean Light" panose="020B0303020404020204" pitchFamily="34" charset="0"/>
                         </a:rPr>
-                        <a:t>As funções de produção do cliente estão inativas ou têm perda significativa de dados ou degradação de serviços, e é necessária atenção imediata para restaurar a funcionalidade </a:t>
+                        <a:t>Customer's production business functions are down or have significant data loss or service degradation and immediate attention is required to restore functionality and usability</a:t>
                       </a:r>
-                      <a:br>
-                        <a:rPr lang="pt-BR" sz="900" b="0" i="0" dirty="0">
-                          <a:solidFill>
-                            <a:srgbClr val="000000"/>
-                          </a:solidFill>
-                          <a:latin typeface="Adobe Clean Light" panose="020B0303020404020204" pitchFamily="34" charset="0"/>
-                        </a:rPr>
-                      </a:br>
-                      <a:r>
-                        <a:rPr lang="pt-BR" sz="900" b="0" i="0" dirty="0">
-                          <a:solidFill>
-                            <a:srgbClr val="000000"/>
-                          </a:solidFill>
-                          <a:latin typeface="Adobe Clean Light" panose="020B0303020404020204" pitchFamily="34" charset="0"/>
-                        </a:rPr>
-                        <a:t>e a usabilidade</a:t>
-                      </a:r>
+                      <a:endParaRPr lang="en-US" sz="900" b="0" i="0" spc="0">
+                        <a:latin typeface="Adobe Clean Light" panose="020B0303020404020204" pitchFamily="34" charset="0"/>
+                        <a:cs typeface="AdobeClean-Light"/>
+                      </a:endParaRPr>
                     </a:p>
                   </a:txBody>
                   <a:tcPr marL="0" marR="0" marT="3810" marB="0">
@@ -2536,15 +2609,59 @@
                         </a:spcBef>
                       </a:pPr>
                       <a:r>
-                        <a:rPr lang="pt-BR" sz="900" dirty="0">
+                        <a:rPr sz="900" spc="0">
                           <a:solidFill>
                             <a:srgbClr val="020302"/>
                           </a:solidFill>
                           <a:latin typeface="AdobeClean-Light"/>
                           <a:cs typeface="AdobeClean-Light"/>
                         </a:rPr>
-                        <a:t>24x7 / 1 hora</a:t>
+                        <a:t>24x7</a:t>
                       </a:r>
+                      <a:r>
+                        <a:rPr lang="en-US" sz="900" spc="0">
+                          <a:solidFill>
+                            <a:srgbClr val="020302"/>
+                          </a:solidFill>
+                          <a:latin typeface="AdobeClean-Light"/>
+                          <a:cs typeface="AdobeClean-Light"/>
+                        </a:rPr>
+                        <a:t> </a:t>
+                      </a:r>
+                      <a:r>
+                        <a:rPr sz="900" spc="0">
+                          <a:solidFill>
+                            <a:srgbClr val="020302"/>
+                          </a:solidFill>
+                          <a:latin typeface="AdobeClean-Light"/>
+                          <a:cs typeface="AdobeClean-Light"/>
+                        </a:rPr>
+                        <a:t>/</a:t>
+                      </a:r>
+                      <a:r>
+                        <a:rPr lang="en-US" sz="900" spc="0">
+                          <a:solidFill>
+                            <a:srgbClr val="020302"/>
+                          </a:solidFill>
+                          <a:latin typeface="AdobeClean-Light"/>
+                          <a:cs typeface="AdobeClean-Light"/>
+                        </a:rPr>
+                        <a:t> </a:t>
+                      </a:r>
+                      <a:r>
+                        <a:rPr sz="900" spc="0">
+                          <a:solidFill>
+                            <a:srgbClr val="020302"/>
+                          </a:solidFill>
+                          <a:latin typeface="AdobeClean-Light"/>
+                          <a:cs typeface="AdobeClean-Light"/>
+                        </a:rPr>
+                        <a:t>1 hour</a:t>
+                      </a:r>
+                      <a:endParaRPr sz="900" spc="0">
+                        <a:latin typeface="AdobeClean-Light"/>
+                        <a:cs typeface="AdobeClean-Light"/>
+                      </a:endParaRPr>
                     </a:p>
                   </a:txBody>
                   <a:tcPr marL="0" marR="0" marT="91440" marB="91440" anchor="ctr" anchorCtr="1">
@@ -2588,15 +2705,59 @@
                         </a:spcBef>
                       </a:pPr>
                       <a:r>
-                        <a:rPr lang="pt-BR" sz="900" dirty="0">
+                        <a:rPr sz="900" spc="0">
                           <a:solidFill>
                             <a:srgbClr val="020302"/>
                           </a:solidFill>
                           <a:latin typeface="AdobeClean-Light"/>
                           <a:cs typeface="AdobeClean-Light"/>
                         </a:rPr>
-                        <a:t>24x7 / 1 hora</a:t>
+                        <a:t>24x7</a:t>
                       </a:r>
+                      <a:r>
+                        <a:rPr lang="en-US" sz="900" spc="0">
+                          <a:solidFill>
+                            <a:srgbClr val="020302"/>
+                          </a:solidFill>
+                          <a:latin typeface="AdobeClean-Light"/>
+                          <a:cs typeface="AdobeClean-Light"/>
+                        </a:rPr>
+                        <a:t> </a:t>
+                      </a:r>
+                      <a:r>
+                        <a:rPr sz="900" spc="0">
+                          <a:solidFill>
+                            <a:srgbClr val="020302"/>
+                          </a:solidFill>
+                          <a:latin typeface="AdobeClean-Light"/>
+                          <a:cs typeface="AdobeClean-Light"/>
+                        </a:rPr>
+                        <a:t>/</a:t>
+                      </a:r>
+                      <a:r>
+                        <a:rPr lang="en-US" sz="900" spc="0">
+                          <a:solidFill>
+                            <a:srgbClr val="020302"/>
+                          </a:solidFill>
+                          <a:latin typeface="AdobeClean-Light"/>
+                          <a:cs typeface="AdobeClean-Light"/>
+                        </a:rPr>
+                        <a:t> </a:t>
+                      </a:r>
+                      <a:r>
+                        <a:rPr sz="900" spc="0">
+                          <a:solidFill>
+                            <a:srgbClr val="020302"/>
+                          </a:solidFill>
+                          <a:latin typeface="AdobeClean-Light"/>
+                          <a:cs typeface="AdobeClean-Light"/>
+                        </a:rPr>
+                        <a:t>1 hour</a:t>
+                      </a:r>
+                      <a:endParaRPr sz="900" spc="0">
+                        <a:latin typeface="AdobeClean-Light"/>
+                        <a:cs typeface="AdobeClean-Light"/>
+                      </a:endParaRPr>
                     </a:p>
                   </a:txBody>
                   <a:tcPr marL="0" marR="0" marT="91440" marB="91440" anchor="ctr" anchorCtr="1">
@@ -2652,15 +2813,19 @@
                         </a:spcBef>
                       </a:pPr>
                       <a:r>
-                        <a:rPr lang="pt-BR" sz="900" b="1" dirty="0">
+                        <a:rPr sz="900" b="1" spc="0">
                           <a:solidFill>
                             <a:srgbClr val="020302"/>
                           </a:solidFill>
                           <a:latin typeface="Adobe Clean"/>
                           <a:cs typeface="Adobe Clean"/>
                         </a:rPr>
-                        <a:t>PRIORIDADE 2</a:t>
+                        <a:t>PRIORITY 2</a:t>
                       </a:r>
+                      <a:endParaRPr sz="900" spc="0">
+                        <a:latin typeface="Adobe Clean"/>
+                        <a:cs typeface="Adobe Clean"/>
+                      </a:endParaRPr>
                     </a:p>
                     <a:p>
                       <a:pPr marL="50165" marR="203200">
@@ -2672,31 +2837,19 @@
                         </a:spcBef>
                       </a:pPr>
                       <a:r>
-                        <a:rPr lang="pt-BR" sz="900" b="0" i="0" dirty="0">
+                        <a:rPr lang="en-US" sz="900" b="0" i="0" spc="0">
                           <a:solidFill>
                             <a:srgbClr val="000000"/>
                           </a:solidFill>
+                          <a:effectLst/>
                           <a:latin typeface="Adobe Clean Light" panose="020B0303020404020204" pitchFamily="34" charset="0"/>
                         </a:rPr>
-                        <a:t>As funções empresariais do cliente têm grande degradação de serviços, perda potencial de dados </a:t>
+                        <a:t>Customer's business functions have major service degradation or potential data loss, or a major feature is impacted </a:t>
                       </a:r>
-                      <a:br>
-                        <a:rPr lang="pt-BR" sz="900" b="0" i="0" dirty="0">
-                          <a:solidFill>
-                            <a:srgbClr val="000000"/>
-                          </a:solidFill>
-                          <a:latin typeface="Adobe Clean Light" panose="020B0303020404020204" pitchFamily="34" charset="0"/>
-                        </a:rPr>
-                      </a:br>
-                      <a:r>
-                        <a:rPr lang="pt-BR" sz="900" b="0" i="0" dirty="0">
-                          <a:solidFill>
-                            <a:srgbClr val="000000"/>
-                          </a:solidFill>
-                          <a:latin typeface="Adobe Clean Light" panose="020B0303020404020204" pitchFamily="34" charset="0"/>
-                        </a:rPr>
-                        <a:t>ou foi afetado um recurso importante </a:t>
-                      </a:r>
+                      <a:endParaRPr lang="en-US" sz="900" b="0" i="0" spc="0">
+                        <a:latin typeface="Adobe Clean Light" panose="020B0303020404020204" pitchFamily="34" charset="0"/>
+                        <a:cs typeface="AdobeClean-Light"/>
+                      </a:endParaRPr>
                     </a:p>
                   </a:txBody>
                   <a:tcPr marL="0" marR="0" marT="3810" marB="0">
@@ -2731,7 +2884,7 @@
                     <a:bodyPr/>
                     <a:lstStyle/>
                     <a:p>
-                      <a:pPr marL="122238" marR="184785" indent="0" algn="ctr">
+                      <a:pPr marL="316865" marR="184785" indent="-193675" algn="ctr">
                         <a:lnSpc>
                           <a:spcPct val="100000"/>
                         </a:lnSpc>
@@ -2740,34 +2893,79 @@
                         </a:spcBef>
                       </a:pPr>
                       <a:r>
-                        <a:rPr lang="pt-BR" sz="900" dirty="0">
+                        <a:rPr sz="900" spc="0">
                           <a:solidFill>
                             <a:srgbClr val="020302"/>
                           </a:solidFill>
                           <a:latin typeface="AdobeClean-Light"/>
                           <a:cs typeface="AdobeClean-Light"/>
                         </a:rPr>
-                        <a:t>Horário comercial / </a:t>
+                        <a:t>Business</a:t>
                       </a:r>
-                      <a:br>
-                        <a:rPr lang="pt-BR" sz="900" dirty="0">
+                      <a:r>
+                        <a:rPr lang="en-US" sz="900" spc="0">
                           <a:solidFill>
                             <a:srgbClr val="020302"/>
                           </a:solidFill>
                           <a:latin typeface="AdobeClean-Light"/>
                           <a:cs typeface="AdobeClean-Light"/>
                         </a:rPr>
-                      </a:br>
+                        <a:t> </a:t>
+                      </a:r>
                       <a:r>
-                        <a:rPr lang="pt-BR" sz="900" dirty="0">
+                        <a:rPr sz="900" spc="0">
                           <a:solidFill>
                             <a:srgbClr val="020302"/>
                           </a:solidFill>
                           <a:latin typeface="AdobeClean-Light"/>
                           <a:cs typeface="AdobeClean-Light"/>
                         </a:rPr>
-                        <a:t>4 horas</a:t>
+                        <a:t>hours</a:t>
                       </a:r>
+                      <a:r>
+                        <a:rPr lang="en-US" sz="900" spc="0">
+                          <a:solidFill>
+                            <a:srgbClr val="020302"/>
+                          </a:solidFill>
+                          <a:latin typeface="AdobeClean-Light"/>
+                          <a:cs typeface="AdobeClean-Light"/>
+                        </a:rPr>
+                        <a:t> </a:t>
+                      </a:r>
+                      <a:r>
+                        <a:rPr sz="900" spc="0">
+                          <a:solidFill>
+                            <a:srgbClr val="020302"/>
+                          </a:solidFill>
+                          <a:latin typeface="AdobeClean-Light"/>
+                          <a:cs typeface="AdobeClean-Light"/>
+                        </a:rPr>
+                        <a:t>/</a:t>
+                      </a:r>
+                      <a:r>
+                        <a:rPr lang="en-US" sz="900" spc="0">
+                          <a:solidFill>
+                            <a:srgbClr val="020302"/>
+                          </a:solidFill>
+                          <a:latin typeface="AdobeClean-Light"/>
+                          <a:cs typeface="AdobeClean-Light"/>
+                        </a:rPr>
+                        <a:t> </a:t>
+                      </a:r>
+                      <a:r>
+                        <a:rPr sz="900" spc="0">
+                          <a:solidFill>
+                            <a:srgbClr val="020302"/>
+                          </a:solidFill>
+                          <a:latin typeface="AdobeClean-Light"/>
+                          <a:cs typeface="AdobeClean-Light"/>
+                        </a:rPr>
+                        <a:t>4 hours</a:t>
+                      </a:r>
+                      <a:endParaRPr sz="900" spc="0">
+                        <a:latin typeface="AdobeClean-Light"/>
+                        <a:cs typeface="AdobeClean-Light"/>
+                      </a:endParaRPr>
                     </a:p>
                   </a:txBody>
                   <a:tcPr marL="0" marR="0" marT="91440" marB="91440" anchor="ctr" anchorCtr="1">
@@ -2802,7 +3000,7 @@
                     <a:bodyPr/>
                     <a:lstStyle/>
                     <a:p>
-                      <a:pPr marL="125413" marR="184785" indent="-1588" algn="ctr">
+                      <a:pPr marL="317500" marR="184785" indent="-194310" algn="ctr">
                         <a:lnSpc>
                           <a:spcPct val="100000"/>
                         </a:lnSpc>
@@ -2811,37 +3009,89 @@
                         </a:spcBef>
                       </a:pPr>
                       <a:r>
-                        <a:rPr lang="pt-BR" sz="900" dirty="0">
+                        <a:rPr lang="en-US" sz="900" spc="0">
                           <a:solidFill>
                             <a:srgbClr val="020302"/>
                           </a:solidFill>
                           <a:latin typeface="AdobeClean-Light"/>
-                          <a:ea typeface="+mn-ea"/>
                           <a:cs typeface="AdobeClean-Light"/>
                         </a:rPr>
-                        <a:t>Horário comercial / </a:t>
+                        <a:t>    </a:t>
                       </a:r>
-                      <a:br>
-                        <a:rPr lang="pt-BR" sz="900" dirty="0">
+                      <a:r>
+                        <a:rPr sz="900" spc="0">
                           <a:solidFill>
                             <a:srgbClr val="020302"/>
                           </a:solidFill>
                           <a:latin typeface="AdobeClean-Light"/>
-                          <a:ea typeface="+mn-ea"/>
                           <a:cs typeface="AdobeClean-Light"/>
                         </a:rPr>
-                      </a:br>
+                        <a:t>Business</a:t>
+                      </a:r>
                       <a:r>
-                        <a:rPr lang="pt-BR" sz="900" dirty="0">
+                        <a:rPr lang="en-US" sz="900" spc="0">
                           <a:solidFill>
                             <a:srgbClr val="020302"/>
                           </a:solidFill>
                           <a:latin typeface="AdobeClean-Light"/>
-                          <a:ea typeface="+mn-ea"/>
                           <a:cs typeface="AdobeClean-Light"/>
                         </a:rPr>
-                        <a:t>2 horas</a:t>
+                        <a:t> </a:t>
                       </a:r>
+                      <a:r>
+                        <a:rPr sz="900" spc="0">
+                          <a:solidFill>
+                            <a:srgbClr val="020302"/>
+                          </a:solidFill>
+                          <a:latin typeface="AdobeClean-Light"/>
+                          <a:cs typeface="AdobeClean-Light"/>
+                        </a:rPr>
+                        <a:t>hours</a:t>
+                      </a:r>
+                      <a:r>
+                        <a:rPr lang="en-US" sz="900" spc="0">
+                          <a:solidFill>
+                            <a:srgbClr val="020302"/>
+                          </a:solidFill>
+                          <a:latin typeface="AdobeClean-Light"/>
+                          <a:cs typeface="AdobeClean-Light"/>
+                        </a:rPr>
+                        <a:t> / </a:t>
+                      </a:r>
+                      <a:r>
+                        <a:rPr sz="900" spc="0">
+                          <a:solidFill>
+                            <a:srgbClr val="020302"/>
+                          </a:solidFill>
+                          <a:latin typeface="AdobeClean-Light"/>
+                          <a:cs typeface="AdobeClean-Light"/>
+                        </a:rPr>
+                        <a:t>2</a:t>
+                      </a:r>
+                      <a:r>
+                        <a:rPr lang="en-US" sz="900" spc="0">
+                          <a:solidFill>
+                            <a:srgbClr val="020302"/>
+                          </a:solidFill>
+                          <a:latin typeface="AdobeClean-Light"/>
+                          <a:cs typeface="AdobeClean-Light"/>
+                        </a:rPr>
+                        <a:t> </a:t>
+                      </a:r>
+                      <a:r>
+                        <a:rPr sz="900" spc="0">
+                          <a:solidFill>
+                            <a:srgbClr val="020302"/>
+                          </a:solidFill>
+                          <a:latin typeface="AdobeClean-Light"/>
+                          <a:cs typeface="AdobeClean-Light"/>
+                        </a:rPr>
+                        <a:t>hours</a:t>
+                      </a:r>
+                      <a:endParaRPr sz="900" spc="0">
+                        <a:latin typeface="AdobeClean-Light"/>
+                        <a:cs typeface="AdobeClean-Light"/>
+                      </a:endParaRPr>
                     </a:p>
                   </a:txBody>
                   <a:tcPr marL="0" marR="0" marT="91440" marB="91440" anchor="ctr" anchorCtr="1">
@@ -2897,15 +3147,19 @@
                         </a:spcBef>
                       </a:pPr>
                       <a:r>
-                        <a:rPr lang="pt-BR" sz="900" b="1" dirty="0">
+                        <a:rPr sz="900" b="1" spc="0">
                           <a:solidFill>
                             <a:srgbClr val="020302"/>
                           </a:solidFill>
                           <a:latin typeface="Adobe Clean"/>
                           <a:cs typeface="Adobe Clean"/>
                         </a:rPr>
-                        <a:t>PRIORIDADE 3</a:t>
+                        <a:t>PRIORITY 3</a:t>
                       </a:r>
+                      <a:endParaRPr sz="900" spc="0">
+                        <a:latin typeface="Adobe Clean"/>
+                        <a:cs typeface="Adobe Clean"/>
+                      </a:endParaRPr>
                     </a:p>
                     <a:p>
                       <a:pPr marL="49530" marR="212090" indent="-2540">
@@ -2917,52 +3171,26 @@
                         </a:spcBef>
                       </a:pPr>
                       <a:r>
-                        <a:rPr kumimoji="0" lang="pt-BR" sz="900" b="0" i="0" u="none" strike="noStrike" cap="none" normalizeH="0" baseline="0" noProof="0" dirty="0">
+                        <a:rPr kumimoji="0" lang="en-US" sz="900" b="0" i="0" u="none" strike="noStrike" kern="1200" cap="none" spc="0" normalizeH="0" baseline="0" noProof="0">
                           <a:ln>
                             <a:noFill/>
                           </a:ln>
                           <a:solidFill>
                             <a:srgbClr val="000000"/>
                           </a:solidFill>
+                          <a:effectLst/>
                           <a:uLnTx/>
                           <a:uFillTx/>
                           <a:latin typeface="Adobe Clean Light" panose="020B0303020404020204" pitchFamily="34" charset="0"/>
                           <a:ea typeface="+mn-ea"/>
                           <a:cs typeface="+mn-cs"/>
                         </a:rPr>
-                        <a:t>As funções empresariais do cliente têm pouca degradação dos serviços, e há uma solução/</a:t>
+                        <a:t>Customer's business functions have minor service degradation but there exists a solution/workaround allowing business functions to continue </a:t>
                       </a:r>
-                      <a:br>
-                        <a:rPr kumimoji="0" lang="pt-BR" sz="900" b="0" i="0" u="none" strike="noStrike" cap="none" normalizeH="0" baseline="0" noProof="0" dirty="0">
-                          <a:ln>
-                            <a:noFill/>
-                          </a:ln>
-                          <a:solidFill>
-                            <a:srgbClr val="000000"/>
-                          </a:solidFill>
-                          <a:uLnTx/>
-                          <a:uFillTx/>
-                          <a:latin typeface="Adobe Clean Light" panose="020B0303020404020204" pitchFamily="34" charset="0"/>
-                          <a:ea typeface="+mn-ea"/>
-                          <a:cs typeface="+mn-cs"/>
-                        </a:rPr>
-                      </a:br>
-                      <a:r>
-                        <a:rPr kumimoji="0" lang="pt-BR" sz="900" b="0" i="0" u="none" strike="noStrike" cap="none" normalizeH="0" baseline="0" noProof="0" dirty="0">
-                          <a:ln>
-                            <a:noFill/>
-                          </a:ln>
-                          <a:solidFill>
-                            <a:srgbClr val="000000"/>
-                          </a:solidFill>
-                          <a:uLnTx/>
-                          <a:uFillTx/>
-                          <a:latin typeface="Adobe Clean Light" panose="020B0303020404020204" pitchFamily="34" charset="0"/>
-                          <a:ea typeface="+mn-ea"/>
-                          <a:cs typeface="+mn-cs"/>
-                        </a:rPr>
-                        <a:t>solução alternativa que permite que as funções empresariais continuem normalmente </a:t>
-                      </a:r>
+                      <a:endParaRPr lang="en-US" sz="900" b="0" i="0" spc="0">
+                        <a:latin typeface="Adobe Clean Light" panose="020B0303020404020204" pitchFamily="34" charset="0"/>
+                        <a:cs typeface="AdobeClean-Light"/>
+                      </a:endParaRPr>
                     </a:p>
                   </a:txBody>
                   <a:tcPr marL="0" marR="0" marT="3810" marB="0">
@@ -2997,46 +3225,98 @@
                     <a:bodyPr/>
                     <a:lstStyle/>
                     <a:p>
-                      <a:pPr marL="122238" marR="184785" indent="0" algn="ctr">
+                      <a:pPr marL="313690" marR="184150" indent="-189865" algn="ctr">
                         <a:lnSpc>
                           <a:spcPct val="100000"/>
                         </a:lnSpc>
                         <a:spcBef>
-                          <a:spcPts val="670"/>
+                          <a:spcPts val="645"/>
                         </a:spcBef>
                       </a:pPr>
                       <a:r>
-                        <a:rPr lang="pt-BR" sz="900" dirty="0">
+                        <a:rPr lang="en-US" sz="900" spc="0">
                           <a:solidFill>
                             <a:srgbClr val="020302"/>
                           </a:solidFill>
                           <a:latin typeface="AdobeClean-Light"/>
-                          <a:ea typeface="+mn-ea"/>
                           <a:cs typeface="AdobeClean-Light"/>
                         </a:rPr>
-                        <a:t>   Horário comercial / </a:t>
+                        <a:t>   </a:t>
                       </a:r>
-                      <a:br>
-                        <a:rPr lang="pt-BR" sz="900" dirty="0">
+                      <a:r>
+                        <a:rPr sz="900" spc="0">
                           <a:solidFill>
                             <a:srgbClr val="020302"/>
                           </a:solidFill>
                           <a:latin typeface="AdobeClean-Light"/>
-                          <a:ea typeface="+mn-ea"/>
                           <a:cs typeface="AdobeClean-Light"/>
                         </a:rPr>
-                      </a:br>
+                        <a:t>Business</a:t>
+                      </a:r>
                       <a:r>
-                        <a:rPr lang="pt-BR" sz="900" dirty="0">
+                        <a:rPr lang="en-US" sz="900" spc="0">
                           <a:solidFill>
                             <a:srgbClr val="020302"/>
                           </a:solidFill>
                           <a:latin typeface="AdobeClean-Light"/>
-                          <a:ea typeface="+mn-ea"/>
                           <a:cs typeface="AdobeClean-Light"/>
                         </a:rPr>
-                        <a:t>6 horas</a:t>
+                        <a:t> </a:t>
                       </a:r>
+                      <a:r>
+                        <a:rPr sz="900" spc="0">
+                          <a:solidFill>
+                            <a:srgbClr val="020302"/>
+                          </a:solidFill>
+                          <a:latin typeface="AdobeClean-Light"/>
+                          <a:cs typeface="AdobeClean-Light"/>
+                        </a:rPr>
+                        <a:t>hours</a:t>
+                      </a:r>
+                      <a:r>
+                        <a:rPr lang="en-US" sz="900" spc="0">
+                          <a:solidFill>
+                            <a:srgbClr val="020302"/>
+                          </a:solidFill>
+                          <a:latin typeface="AdobeClean-Light"/>
+                          <a:cs typeface="AdobeClean-Light"/>
+                        </a:rPr>
+                        <a:t> / </a:t>
+                      </a:r>
+                      <a:r>
+                        <a:rPr sz="900" spc="0">
+                          <a:solidFill>
+                            <a:srgbClr val="020302"/>
+                          </a:solidFill>
+                          <a:latin typeface="AdobeClean-Light"/>
+                          <a:cs typeface="AdobeClean-Light"/>
+                        </a:rPr>
+                        <a:t>6</a:t>
+                      </a:r>
+                      <a:r>
+                        <a:rPr lang="en-US" sz="900" spc="0">
+                          <a:solidFill>
+                            <a:srgbClr val="020302"/>
+                          </a:solidFill>
+                          <a:latin typeface="AdobeClean-Light"/>
+                          <a:cs typeface="AdobeClean-Light"/>
+                        </a:rPr>
+                        <a:t> </a:t>
+                      </a:r>
+                      <a:r>
+                        <a:rPr sz="900" spc="0">
+                          <a:solidFill>
+                            <a:srgbClr val="020302"/>
+                          </a:solidFill>
+                          <a:latin typeface="AdobeClean-Light"/>
+                          <a:cs typeface="AdobeClean-Light"/>
+                        </a:rPr>
+                        <a:t>hours</a:t>
+                      </a:r>
+                      <a:endParaRPr sz="900" spc="0">
+                        <a:latin typeface="AdobeClean-Light"/>
+                        <a:cs typeface="AdobeClean-Light"/>
+                      </a:endParaRPr>
                     </a:p>
                   </a:txBody>
                   <a:tcPr marL="0" marR="0" marT="91440" marB="91440" anchor="ctr" anchorCtr="1">
@@ -3071,46 +3351,88 @@
                     <a:bodyPr/>
                     <a:lstStyle/>
                     <a:p>
-                      <a:pPr marL="122238" marR="184785" indent="0" algn="ctr">
+                      <a:pPr marL="316230" marR="185420" indent="-193675" algn="ctr">
                         <a:lnSpc>
                           <a:spcPct val="100000"/>
                         </a:lnSpc>
                         <a:spcBef>
-                          <a:spcPts val="670"/>
+                          <a:spcPts val="645"/>
                         </a:spcBef>
                       </a:pPr>
                       <a:r>
-                        <a:rPr lang="pt-BR" sz="900" dirty="0">
+                        <a:rPr sz="900" spc="0">
                           <a:solidFill>
                             <a:srgbClr val="020302"/>
                           </a:solidFill>
                           <a:latin typeface="AdobeClean-Light"/>
-                          <a:ea typeface="+mn-ea"/>
                           <a:cs typeface="AdobeClean-Light"/>
                         </a:rPr>
-                        <a:t>Horário comercial / </a:t>
+                        <a:t>Business</a:t>
                       </a:r>
-                      <a:br>
-                        <a:rPr lang="pt-BR" sz="900" dirty="0">
+                      <a:r>
+                        <a:rPr lang="en-US" sz="900" spc="0">
                           <a:solidFill>
                             <a:srgbClr val="020302"/>
                           </a:solidFill>
                           <a:latin typeface="AdobeClean-Light"/>
-                          <a:ea typeface="+mn-ea"/>
                           <a:cs typeface="AdobeClean-Light"/>
                         </a:rPr>
-                      </a:br>
+                        <a:t> </a:t>
+                      </a:r>
                       <a:r>
-                        <a:rPr lang="pt-BR" sz="900" dirty="0">
+                        <a:rPr sz="900" spc="0">
                           <a:solidFill>
                             <a:srgbClr val="020302"/>
                           </a:solidFill>
                           <a:latin typeface="AdobeClean-Light"/>
-                          <a:ea typeface="+mn-ea"/>
                           <a:cs typeface="AdobeClean-Light"/>
                         </a:rPr>
-                        <a:t>4 horas</a:t>
+                        <a:t>hours</a:t>
                       </a:r>
+                      <a:r>
+                        <a:rPr lang="en-US" sz="900" spc="0">
+                          <a:solidFill>
+                            <a:srgbClr val="020302"/>
+                          </a:solidFill>
+                          <a:latin typeface="AdobeClean-Light"/>
+                          <a:cs typeface="AdobeClean-Light"/>
+                        </a:rPr>
+                        <a:t> </a:t>
+                      </a:r>
+                      <a:r>
+                        <a:rPr sz="900" spc="0">
+                          <a:solidFill>
+                            <a:srgbClr val="020302"/>
+                          </a:solidFill>
+                          <a:latin typeface="AdobeClean-Light"/>
+                          <a:cs typeface="AdobeClean-Light"/>
+                        </a:rPr>
+                        <a:t>/ 4</a:t>
+                      </a:r>
+                      <a:r>
+                        <a:rPr lang="en-US" sz="900" spc="0">
+                          <a:solidFill>
+                            <a:srgbClr val="020302"/>
+                          </a:solidFill>
+                          <a:latin typeface="AdobeClean-Light"/>
+                          <a:cs typeface="AdobeClean-Light"/>
+                        </a:rPr>
+                        <a:t> </a:t>
+                      </a:r>
+                      <a:r>
+                        <a:rPr sz="900" spc="0">
+                          <a:solidFill>
+                            <a:srgbClr val="020302"/>
+                          </a:solidFill>
+                          <a:latin typeface="AdobeClean-Light"/>
+                          <a:cs typeface="AdobeClean-Light"/>
+                        </a:rPr>
+                        <a:t>hours</a:t>
+                      </a:r>
+                      <a:endParaRPr sz="900" spc="0">
+                        <a:latin typeface="AdobeClean-Light"/>
+                        <a:cs typeface="AdobeClean-Light"/>
+                      </a:endParaRPr>
                     </a:p>
                   </a:txBody>
                   <a:tcPr marL="0" marR="0" marT="91440" marB="91440" anchor="ctr" anchorCtr="1">
@@ -3166,15 +3488,19 @@
                         </a:spcBef>
                       </a:pPr>
                       <a:r>
-                        <a:rPr lang="pt-BR" sz="900" b="1">
+                        <a:rPr sz="900" b="1" spc="0">
                           <a:solidFill>
                             <a:srgbClr val="020302"/>
                           </a:solidFill>
                           <a:latin typeface="Adobe Clean"/>
                           <a:cs typeface="Adobe Clean"/>
                         </a:rPr>
-                        <a:t>PRIORIDADE 4</a:t>
+                        <a:t>PRIORITY 4</a:t>
                       </a:r>
+                      <a:endParaRPr sz="900" spc="0">
+                        <a:latin typeface="Adobe Clean"/>
+                        <a:cs typeface="Adobe Clean"/>
+                      </a:endParaRPr>
                     </a:p>
                     <a:p>
                       <a:pPr marL="48895" marR="0" lvl="0" indent="0" defTabSz="914400" eaLnBrk="1" fontAlgn="auto" latinLnBrk="0" hangingPunct="1">
@@ -3195,14 +3521,19 @@
                         <a:defRPr/>
                       </a:pPr>
                       <a:r>
-                        <a:rPr lang="pt-BR" sz="900" b="0" i="0">
+                        <a:rPr lang="en-US" sz="900" b="0" i="0" spc="0">
                           <a:solidFill>
                             <a:srgbClr val="000000"/>
                           </a:solidFill>
+                          <a:effectLst/>
                           <a:latin typeface="Adobe Clean Light" panose="020B0303020404020204" pitchFamily="34" charset="0"/>
                         </a:rPr>
-                        <a:t>Pergunta geral sobre a funcionalidade atual do produto ou solicitação de melhoria</a:t>
+                        <a:t>General question regarding current product functionality or an enhancement request</a:t>
                       </a:r>
+                      <a:endParaRPr lang="en-US" sz="900" b="0" i="0" spc="0">
+                        <a:latin typeface="Adobe Clean Light" panose="020B0303020404020204" pitchFamily="34" charset="0"/>
+                        <a:cs typeface="AdobeClean-Light"/>
+                      </a:endParaRPr>
                     </a:p>
                   </a:txBody>
                   <a:tcPr marL="0" marR="0" marT="1905" marB="0">
@@ -3246,15 +3577,69 @@
                         </a:spcBef>
                       </a:pPr>
                       <a:r>
-                        <a:rPr lang="pt-BR" sz="900">
+                        <a:rPr lang="en-US" sz="900" spc="0">
                           <a:solidFill>
                             <a:srgbClr val="020302"/>
                           </a:solidFill>
                           <a:latin typeface="AdobeClean-Light"/>
                           <a:cs typeface="AdobeClean-Light"/>
                         </a:rPr>
-                        <a:t>  Dias úteis / 3 dias</a:t>
+                        <a:t>  </a:t>
                       </a:r>
+                      <a:r>
+                        <a:rPr sz="900" spc="0">
+                          <a:solidFill>
+                            <a:srgbClr val="020302"/>
+                          </a:solidFill>
+                          <a:latin typeface="AdobeClean-Light"/>
+                          <a:cs typeface="AdobeClean-Light"/>
+                        </a:rPr>
+                        <a:t>Business</a:t>
+                      </a:r>
+                      <a:r>
+                        <a:rPr lang="en-US" sz="900" spc="0">
+                          <a:solidFill>
+                            <a:srgbClr val="020302"/>
+                          </a:solidFill>
+                          <a:latin typeface="AdobeClean-Light"/>
+                          <a:cs typeface="AdobeClean-Light"/>
+                        </a:rPr>
+                        <a:t> </a:t>
+                      </a:r>
+                      <a:r>
+                        <a:rPr sz="900" spc="0">
+                          <a:solidFill>
+                            <a:srgbClr val="020302"/>
+                          </a:solidFill>
+                          <a:latin typeface="AdobeClean-Light"/>
+                          <a:cs typeface="AdobeClean-Light"/>
+                        </a:rPr>
+                        <a:t>days</a:t>
+                      </a:r>
+                      <a:r>
+                        <a:rPr lang="en-US" sz="900" spc="0">
+                          <a:solidFill>
+                            <a:srgbClr val="020302"/>
+                          </a:solidFill>
+                          <a:latin typeface="AdobeClean-Light"/>
+                          <a:cs typeface="AdobeClean-Light"/>
+                        </a:rPr>
+                        <a:t> / </a:t>
+                      </a:r>
+                      <a:r>
+                        <a:rPr sz="900" spc="0">
+                          <a:solidFill>
+                            <a:srgbClr val="020302"/>
+                          </a:solidFill>
+                          <a:latin typeface="AdobeClean-Light"/>
+                          <a:cs typeface="AdobeClean-Light"/>
+                        </a:rPr>
+                        <a:t>3 days</a:t>
+                      </a:r>
+                      <a:endParaRPr sz="900" spc="0">
+                        <a:latin typeface="AdobeClean-Light"/>
+                        <a:cs typeface="AdobeClean-Light"/>
+                      </a:endParaRPr>
                     </a:p>
                   </a:txBody>
                   <a:tcPr marL="0" marR="0" marT="91440" marB="91440" anchor="ctr" anchorCtr="1">
@@ -3298,15 +3683,79 @@
                         </a:spcBef>
                       </a:pPr>
                       <a:r>
-                        <a:rPr lang="pt-BR" sz="900" dirty="0">
+                        <a:rPr sz="900" spc="0">
                           <a:solidFill>
                             <a:srgbClr val="020302"/>
                           </a:solidFill>
                           <a:latin typeface="AdobeClean-Light"/>
                           <a:cs typeface="AdobeClean-Light"/>
                         </a:rPr>
-                        <a:t>Dias úteis / 1 dia</a:t>
+                        <a:t>Business</a:t>
                       </a:r>
+                      <a:r>
+                        <a:rPr lang="en-US" sz="900" spc="0">
+                          <a:solidFill>
+                            <a:srgbClr val="020302"/>
+                          </a:solidFill>
+                          <a:latin typeface="AdobeClean-Light"/>
+                          <a:cs typeface="AdobeClean-Light"/>
+                        </a:rPr>
+                        <a:t> </a:t>
+                      </a:r>
+                      <a:r>
+                        <a:rPr sz="900" spc="0">
+                          <a:solidFill>
+                            <a:srgbClr val="020302"/>
+                          </a:solidFill>
+                          <a:latin typeface="AdobeClean-Light"/>
+                          <a:cs typeface="AdobeClean-Light"/>
+                        </a:rPr>
+                        <a:t>day</a:t>
+                      </a:r>
+                      <a:r>
+                        <a:rPr lang="en-US" sz="900" spc="0">
+                          <a:solidFill>
+                            <a:srgbClr val="020302"/>
+                          </a:solidFill>
+                          <a:latin typeface="AdobeClean-Light"/>
+                          <a:cs typeface="AdobeClean-Light"/>
+                        </a:rPr>
+                        <a:t>s </a:t>
+                      </a:r>
+                      <a:r>
+                        <a:rPr sz="900" spc="0">
+                          <a:solidFill>
+                            <a:srgbClr val="020302"/>
+                          </a:solidFill>
+                          <a:latin typeface="AdobeClean-Light"/>
+                          <a:cs typeface="AdobeClean-Light"/>
+                        </a:rPr>
+                        <a:t>/</a:t>
+                      </a:r>
+                      <a:r>
+                        <a:rPr lang="en-US" sz="900" spc="0">
+                          <a:solidFill>
+                            <a:srgbClr val="020302"/>
+                          </a:solidFill>
+                          <a:latin typeface="AdobeClean-Light"/>
+                          <a:cs typeface="AdobeClean-Light"/>
+                        </a:rPr>
+                        <a:t> </a:t>
+                      </a:r>
+                      <a:r>
+                        <a:rPr sz="900" spc="0">
+                          <a:solidFill>
+                            <a:srgbClr val="020302"/>
+                          </a:solidFill>
+                          <a:latin typeface="AdobeClean-Light"/>
+                          <a:cs typeface="AdobeClean-Light"/>
+                        </a:rPr>
+                        <a:t>1 day</a:t>
+                      </a:r>
+                      <a:endParaRPr sz="900" spc="0">
+                        <a:latin typeface="AdobeClean-Light"/>
+                        <a:cs typeface="AdobeClean-Light"/>
+                      </a:endParaRPr>
                     </a:p>
                   </a:txBody>
                   <a:tcPr marL="0" marR="0" marT="91440" marB="91440" anchor="ctr" anchorCtr="1">
@@ -3366,7 +3815,7 @@
           <p:nvPr>
             <p:extLst>
               <p:ext uri="{D42A27DB-BD31-4B8C-83A1-F6EECF244321}">
-                <p14:modId xmlns:p14="http://schemas.microsoft.com/office/powerpoint/2010/main" val="1469976293"/>
+                <p14:modId xmlns:p14="http://schemas.microsoft.com/office/powerpoint/2010/main" val="116851390"/>
               </p:ext>
             </p:extLst>
           </p:nvPr>
@@ -3455,15 +3904,39 @@
                         <a:defRPr/>
                       </a:pPr>
                       <a:r>
-                        <a:rPr lang="pt-BR" sz="900" dirty="0">
+                        <a:rPr lang="en-US" sz="900" spc="-20">
                           <a:solidFill>
                             <a:srgbClr val="404040"/>
                           </a:solidFill>
                           <a:latin typeface="Adobe Clean"/>
                           <a:cs typeface="Adobe Clean"/>
                         </a:rPr>
-                        <a:t>Suporte Online</a:t>
+                        <a:t>Online </a:t>
                       </a:r>
+                      <a:r>
+                        <a:rPr lang="en-US" sz="900" spc="-135">
+                          <a:solidFill>
+                            <a:srgbClr val="404040"/>
+                          </a:solidFill>
+                          <a:latin typeface="Adobe Clean"/>
+                          <a:cs typeface="Adobe Clean"/>
+                        </a:rPr>
+                        <a:t> </a:t>
+                      </a:r>
+                      <a:r>
+                        <a:rPr lang="en-US" sz="900" spc="-20">
+                          <a:solidFill>
+                            <a:srgbClr val="404040"/>
+                          </a:solidFill>
+                          <a:latin typeface="Adobe Clean"/>
+                          <a:cs typeface="Adobe Clean"/>
+                        </a:rPr>
+                        <a:t>Support</a:t>
+                      </a:r>
+                      <a:endParaRPr lang="en-US" sz="900">
+                        <a:latin typeface="Adobe Clean"/>
+                        <a:cs typeface="Adobe Clean"/>
+                      </a:endParaRPr>
                     </a:p>
                   </a:txBody>
                   <a:tcPr marL="0" marR="0" marT="7620" marB="0" anchor="ctr">
@@ -3504,15 +3977,39 @@
                         </a:spcBef>
                       </a:pPr>
                       <a:r>
-                        <a:rPr lang="pt-BR" sz="900" dirty="0">
+                        <a:rPr sz="900" spc="-20">
                           <a:solidFill>
                             <a:srgbClr val="FFFFFF"/>
                           </a:solidFill>
                           <a:latin typeface="Adobe Clean"/>
                           <a:cs typeface="Adobe Clean"/>
                         </a:rPr>
-                        <a:t>Suporte Business</a:t>
+                        <a:t>Business</a:t>
                       </a:r>
+                      <a:r>
+                        <a:rPr lang="en-US" sz="900" spc="-20">
+                          <a:solidFill>
+                            <a:srgbClr val="FFFFFF"/>
+                          </a:solidFill>
+                          <a:latin typeface="Adobe Clean"/>
+                          <a:cs typeface="Adobe Clean"/>
+                        </a:rPr>
+                        <a:t> </a:t>
+                      </a:r>
+                      <a:r>
+                        <a:rPr sz="900" spc="-20">
+                          <a:solidFill>
+                            <a:srgbClr val="FFFFFF"/>
+                          </a:solidFill>
+                          <a:latin typeface="Adobe Clean"/>
+                          <a:cs typeface="Adobe Clean"/>
+                        </a:rPr>
+                        <a:t>Support</a:t>
+                      </a:r>
+                      <a:endParaRPr sz="900">
+                        <a:latin typeface="Adobe Clean"/>
+                        <a:cs typeface="Adobe Clean"/>
+                      </a:endParaRPr>
                     </a:p>
                   </a:txBody>
                   <a:tcPr marL="0" marR="0" marT="7620" marB="0" anchor="ctr">
@@ -3577,7 +4074,7 @@
                     <a:bodyPr/>
                     <a:lstStyle/>
                     <a:p>
-                      <a:pPr marL="0" marR="0" lvl="0" indent="0" algn="l" defTabSz="914400" rtl="0" eaLnBrk="1" fontAlgn="auto" latinLnBrk="0" hangingPunct="1">
+                      <a:pPr marL="0" marR="0" lvl="0" indent="0" algn="ctr" defTabSz="914400" eaLnBrk="1" fontAlgn="auto" latinLnBrk="0" hangingPunct="1">
                         <a:lnSpc>
                           <a:spcPct val="100000"/>
                         </a:lnSpc>
@@ -3658,13 +4155,13 @@
                         <a:defRPr/>
                       </a:pPr>
                       <a:r>
-                        <a:rPr lang="pt-BR" sz="800" i="1">
+                        <a:rPr lang="en-US" sz="800" i="1">
                           <a:solidFill>
                             <a:schemeClr val="bg1"/>
                           </a:solidFill>
                           <a:latin typeface="Adobe Clean Light" panose="020B0303020404020204" pitchFamily="34" charset="0"/>
                         </a:rPr>
-                        <a:t>Suporte pago ($)</a:t>
+                        <a:t>Paid Support ($)</a:t>
                       </a:r>
                     </a:p>
                   </a:txBody>
@@ -3728,15 +4225,22 @@
                         </a:spcBef>
                       </a:pPr>
                       <a:r>
-                        <a:rPr lang="pt-BR" sz="1000" b="1" i="0">
+                        <a:rPr lang="en-US" sz="1000" b="1" i="0" spc="0">
                           <a:solidFill>
                             <a:schemeClr val="bg1"/>
                           </a:solidFill>
                           <a:latin typeface="Adobe Clean" panose="020B0503020404020204" pitchFamily="34" charset="0"/>
                           <a:cs typeface="AdobeClean-Light"/>
                         </a:rPr>
-                        <a:t>Especialistas atribuídos</a:t>
+                        <a:t>Assigned Experts</a:t>
                       </a:r>
+                      <a:endParaRPr sz="1000" b="1" i="0" spc="0">
+                        <a:solidFill>
+                          <a:schemeClr val="bg1"/>
+                        </a:solidFill>
+                        <a:latin typeface="Adobe Clean" panose="020B0503020404020204" pitchFamily="34" charset="0"/>
+                        <a:cs typeface="AdobeClean-Light"/>
+                      </a:endParaRPr>
                     </a:p>
                   </a:txBody>
                   <a:tcPr marL="0" marR="0" marT="58419" marB="0" anchor="ctr">
@@ -3783,15 +4287,19 @@
                         </a:spcBef>
                       </a:pPr>
                       <a:r>
-                        <a:rPr lang="pt-BR" sz="900">
+                        <a:rPr sz="900" spc="0">
                           <a:solidFill>
                             <a:srgbClr val="020302"/>
                           </a:solidFill>
                           <a:latin typeface="AdobeClean-Light"/>
                           <a:cs typeface="AdobeClean-Light"/>
                         </a:rPr>
-                        <a:t>Líder de suporte da conta</a:t>
+                        <a:t>Account Support Lead</a:t>
                       </a:r>
+                      <a:endParaRPr sz="900" spc="0">
+                        <a:latin typeface="AdobeClean-Light"/>
+                        <a:cs typeface="AdobeClean-Light"/>
+                      </a:endParaRPr>
                     </a:p>
                   </a:txBody>
                   <a:tcPr marL="0" marR="0" marT="58419" marB="0">
@@ -3826,7 +4334,7 @@
                     <a:bodyPr/>
                     <a:lstStyle/>
                     <a:p>
-                      <a:pPr algn="l" rtl="0">
+                      <a:pPr algn="ctr">
                         <a:lnSpc>
                           <a:spcPct val="100000"/>
                         </a:lnSpc>
@@ -3876,7 +4384,7 @@
                         </a:spcBef>
                       </a:pPr>
                       <a:r>
-                        <a:rPr lang="pt-BR" sz="900">
+                        <a:rPr sz="900">
                           <a:solidFill>
                             <a:srgbClr val="020302"/>
                           </a:solidFill>
@@ -3885,6 +4393,10 @@
                         </a:rPr>
                         <a:t></a:t>
                       </a:r>
+                      <a:endParaRPr sz="900">
+                        <a:latin typeface="Wingdings"/>
+                        <a:cs typeface="Wingdings"/>
+                      </a:endParaRPr>
                     </a:p>
                   </a:txBody>
                   <a:tcPr marL="0" marR="0" marT="59690" marB="0" anchor="ctr">
@@ -3916,7 +4428,7 @@
                     <a:bodyPr/>
                     <a:lstStyle/>
                     <a:p>
-                      <a:pPr marL="50800" algn="l" rtl="0">
+                      <a:pPr marL="50800">
                         <a:lnSpc>
                           <a:spcPct val="100000"/>
                         </a:lnSpc>
@@ -3962,15 +4474,19 @@
                         </a:spcBef>
                       </a:pPr>
                       <a:r>
-                        <a:rPr lang="pt-BR" sz="900">
+                        <a:rPr sz="900" spc="0">
                           <a:solidFill>
                             <a:srgbClr val="020302"/>
                           </a:solidFill>
                           <a:latin typeface="AdobeClean-Light"/>
                           <a:cs typeface="AdobeClean-Light"/>
                         </a:rPr>
-                        <a:t>Engenheiro de suporte nomeado</a:t>
+                        <a:t>Named Support Engineer</a:t>
                       </a:r>
+                      <a:endParaRPr sz="900" spc="0">
+                        <a:latin typeface="AdobeClean-Light"/>
+                        <a:cs typeface="AdobeClean-Light"/>
+                      </a:endParaRPr>
                     </a:p>
                   </a:txBody>
                   <a:tcPr marL="0" marR="0" marT="58419" marB="0">
@@ -3993,7 +4509,7 @@
                     <a:bodyPr/>
                     <a:lstStyle/>
                     <a:p>
-                      <a:pPr algn="l" rtl="0">
+                      <a:pPr algn="ctr">
                         <a:lnSpc>
                           <a:spcPct val="100000"/>
                         </a:lnSpc>
@@ -4022,7 +4538,7 @@
                     <a:bodyPr/>
                     <a:lstStyle/>
                     <a:p>
-                      <a:pPr algn="l" rtl="0">
+                      <a:pPr algn="ctr">
                         <a:lnSpc>
                           <a:spcPct val="100000"/>
                         </a:lnSpc>
@@ -4053,7 +4569,7 @@
                     <a:bodyPr/>
                     <a:lstStyle/>
                     <a:p>
-                      <a:pPr marL="50800" algn="l" rtl="0">
+                      <a:pPr marL="50800">
                         <a:lnSpc>
                           <a:spcPct val="100000"/>
                         </a:lnSpc>
@@ -4111,15 +4627,19 @@
                         </a:spcBef>
                       </a:pPr>
                       <a:r>
-                        <a:rPr lang="pt-BR" sz="900">
+                        <a:rPr sz="900" spc="0">
                           <a:solidFill>
                             <a:srgbClr val="020302"/>
                           </a:solidFill>
                           <a:latin typeface="AdobeClean-Light"/>
                           <a:cs typeface="AdobeClean-Light"/>
                         </a:rPr>
-                        <a:t>Gerente técnico de conta</a:t>
+                        <a:t>Technical Account Manager</a:t>
                       </a:r>
+                      <a:endParaRPr sz="900" spc="0">
+                        <a:latin typeface="AdobeClean-Light"/>
+                        <a:cs typeface="AdobeClean-Light"/>
+                      </a:endParaRPr>
                     </a:p>
                   </a:txBody>
                   <a:tcPr marL="0" marR="0" marT="63500" marB="0">
@@ -4148,7 +4668,7 @@
                     <a:bodyPr/>
                     <a:lstStyle/>
                     <a:p>
-                      <a:pPr algn="l" rtl="0">
+                      <a:pPr algn="ctr">
                         <a:lnSpc>
                           <a:spcPct val="100000"/>
                         </a:lnSpc>
@@ -4186,7 +4706,7 @@
                     <a:bodyPr/>
                     <a:lstStyle/>
                     <a:p>
-                      <a:pPr algn="l" rtl="0">
+                      <a:pPr algn="ctr">
                         <a:lnSpc>
                           <a:spcPct val="100000"/>
                         </a:lnSpc>
@@ -4235,15 +4755,22 @@
                         </a:spcBef>
                       </a:pPr>
                       <a:r>
-                        <a:rPr lang="pt-BR" sz="1000" b="1" i="0">
+                        <a:rPr lang="en-US" sz="1000" b="1" i="0" spc="0">
                           <a:solidFill>
                             <a:schemeClr val="bg1"/>
                           </a:solidFill>
                           <a:latin typeface="Adobe Clean" panose="020B0503020404020204" pitchFamily="34" charset="0"/>
                           <a:cs typeface="AdobeClean-Light"/>
                         </a:rPr>
-                        <a:t>Serviços de suporte</a:t>
+                        <a:t>Support Services</a:t>
                       </a:r>
+                      <a:endParaRPr sz="1000" b="1" i="0" spc="0">
+                        <a:solidFill>
+                          <a:schemeClr val="bg1"/>
+                        </a:solidFill>
+                        <a:latin typeface="Adobe Clean" panose="020B0503020404020204" pitchFamily="34" charset="0"/>
+                        <a:cs typeface="AdobeClean-Light"/>
+                      </a:endParaRPr>
                     </a:p>
                   </a:txBody>
                   <a:tcPr marL="0" marR="0" marT="57150" marB="0" anchor="ctr">
@@ -4299,15 +4826,29 @@
                         </a:spcBef>
                       </a:pPr>
                       <a:r>
-                        <a:rPr lang="pt-BR" sz="900">
+                        <a:rPr lang="en-US" sz="900" spc="0">
                           <a:solidFill>
                             <a:srgbClr val="020302"/>
                           </a:solidFill>
                           <a:latin typeface="AdobeClean-Light"/>
                           <a:cs typeface="AdobeClean-Light"/>
                         </a:rPr>
-                        <a:t>Suporte Online</a:t>
+                        <a:t>Online</a:t>
                       </a:r>
+                      <a:r>
+                        <a:rPr sz="900" spc="0">
+                          <a:solidFill>
+                            <a:srgbClr val="020302"/>
+                          </a:solidFill>
+                          <a:latin typeface="AdobeClean-Light"/>
+                          <a:cs typeface="AdobeClean-Light"/>
+                        </a:rPr>
+                        <a:t> Support</a:t>
+                      </a:r>
+                      <a:endParaRPr sz="900" spc="0">
+                        <a:latin typeface="AdobeClean-Light"/>
+                        <a:cs typeface="AdobeClean-Light"/>
+                      </a:endParaRPr>
                     </a:p>
                   </a:txBody>
                   <a:tcPr marL="0" marR="0" marT="57150" marB="0">
@@ -4345,15 +4886,39 @@
                         </a:spcBef>
                       </a:pPr>
                       <a:r>
-                        <a:rPr lang="pt-BR" sz="900" dirty="0">
+                        <a:rPr sz="900" spc="-25">
                           <a:solidFill>
                             <a:srgbClr val="020302"/>
                           </a:solidFill>
                           <a:latin typeface="AdobeClean-Light"/>
                           <a:cs typeface="AdobeClean-Light"/>
                         </a:rPr>
-                        <a:t>Horário comercial</a:t>
+                        <a:t>Business</a:t>
                       </a:r>
+                      <a:r>
+                        <a:rPr sz="900" spc="-15">
+                          <a:solidFill>
+                            <a:srgbClr val="020302"/>
+                          </a:solidFill>
+                          <a:latin typeface="AdobeClean-Light"/>
+                          <a:cs typeface="AdobeClean-Light"/>
+                        </a:rPr>
+                        <a:t> </a:t>
+                      </a:r>
+                      <a:r>
+                        <a:rPr sz="900" spc="-30">
+                          <a:solidFill>
+                            <a:srgbClr val="020302"/>
+                          </a:solidFill>
+                          <a:latin typeface="AdobeClean-Light"/>
+                          <a:cs typeface="AdobeClean-Light"/>
+                        </a:rPr>
+                        <a:t>hours</a:t>
+                      </a:r>
+                      <a:endParaRPr sz="900">
+                        <a:latin typeface="AdobeClean-Light"/>
+                        <a:cs typeface="AdobeClean-Light"/>
+                      </a:endParaRPr>
                     </a:p>
                   </a:txBody>
                   <a:tcPr marL="0" marR="0" marT="67945" marB="0">
@@ -4392,15 +4957,39 @@
                         </a:spcBef>
                       </a:pPr>
                       <a:r>
-                        <a:rPr lang="pt-BR" sz="900">
+                        <a:rPr sz="900" spc="-25">
                           <a:solidFill>
                             <a:srgbClr val="020302"/>
                           </a:solidFill>
                           <a:latin typeface="AdobeClean-Light"/>
                           <a:cs typeface="AdobeClean-Light"/>
                         </a:rPr>
-                        <a:t>Horário comercial</a:t>
+                        <a:t>Business</a:t>
                       </a:r>
+                      <a:r>
+                        <a:rPr sz="900" spc="-15">
+                          <a:solidFill>
+                            <a:srgbClr val="020302"/>
+                          </a:solidFill>
+                          <a:latin typeface="AdobeClean-Light"/>
+                          <a:cs typeface="AdobeClean-Light"/>
+                        </a:rPr>
+                        <a:t> </a:t>
+                      </a:r>
+                      <a:r>
+                        <a:rPr sz="900" spc="-30">
+                          <a:solidFill>
+                            <a:srgbClr val="020302"/>
+                          </a:solidFill>
+                          <a:latin typeface="AdobeClean-Light"/>
+                          <a:cs typeface="AdobeClean-Light"/>
+                        </a:rPr>
+                        <a:t>hours</a:t>
+                      </a:r>
+                      <a:endParaRPr sz="900">
+                        <a:latin typeface="AdobeClean-Light"/>
+                        <a:cs typeface="AdobeClean-Light"/>
+                      </a:endParaRPr>
                     </a:p>
                   </a:txBody>
                   <a:tcPr marL="0" marR="0" marT="67945" marB="0">
@@ -4432,7 +5021,7 @@
                     <a:bodyPr/>
                     <a:lstStyle/>
                     <a:p>
-                      <a:pPr marL="50800" algn="l" rtl="0">
+                      <a:pPr marL="50800">
                         <a:lnSpc>
                           <a:spcPct val="100000"/>
                         </a:lnSpc>
@@ -4481,15 +5070,39 @@
                         </a:spcBef>
                       </a:pPr>
                       <a:r>
-                        <a:rPr lang="pt-BR" sz="900">
+                        <a:rPr sz="900" spc="0">
                           <a:solidFill>
                             <a:srgbClr val="020302"/>
                           </a:solidFill>
                           <a:latin typeface="AdobeClean-Light"/>
                           <a:cs typeface="AdobeClean-Light"/>
                         </a:rPr>
-                        <a:t>Suporte 24x7x365 para prioridades P1</a:t>
+                        <a:t>24x7</a:t>
                       </a:r>
+                      <a:r>
+                        <a:rPr lang="en-US" sz="900" spc="0">
+                          <a:solidFill>
+                            <a:srgbClr val="020302"/>
+                          </a:solidFill>
+                          <a:latin typeface="AdobeClean-Light"/>
+                          <a:cs typeface="AdobeClean-Light"/>
+                        </a:rPr>
+                        <a:t>x365</a:t>
+                      </a:r>
+                      <a:r>
+                        <a:rPr sz="900" spc="0">
+                          <a:solidFill>
+                            <a:srgbClr val="020302"/>
+                          </a:solidFill>
+                          <a:latin typeface="AdobeClean-Light"/>
+                          <a:cs typeface="AdobeClean-Light"/>
+                        </a:rPr>
+                        <a:t> P1 Issue Support</a:t>
+                      </a:r>
+                      <a:endParaRPr sz="900" spc="0">
+                        <a:latin typeface="AdobeClean-Light"/>
+                        <a:cs typeface="AdobeClean-Light"/>
+                      </a:endParaRPr>
                     </a:p>
                   </a:txBody>
                   <a:tcPr marL="0" marR="0" marT="57785" marB="0">
@@ -4521,7 +5134,7 @@
                         </a:spcBef>
                       </a:pPr>
                       <a:r>
-                        <a:rPr lang="pt-BR" sz="900">
+                        <a:rPr sz="900">
                           <a:solidFill>
                             <a:srgbClr val="020302"/>
                           </a:solidFill>
@@ -4530,6 +5143,10 @@
                         </a:rPr>
                         <a:t></a:t>
                       </a:r>
+                      <a:endParaRPr sz="900">
+                        <a:latin typeface="Wingdings"/>
+                        <a:cs typeface="Wingdings"/>
+                      </a:endParaRPr>
                     </a:p>
                   </a:txBody>
                   <a:tcPr marL="0" marR="0" marT="58419" marB="0">
@@ -4559,7 +5176,7 @@
                         </a:spcBef>
                       </a:pPr>
                       <a:r>
-                        <a:rPr lang="pt-BR" sz="900">
+                        <a:rPr sz="900">
                           <a:solidFill>
                             <a:srgbClr val="020302"/>
                           </a:solidFill>
@@ -4568,6 +5185,10 @@
                         </a:rPr>
                         <a:t></a:t>
                       </a:r>
+                      <a:endParaRPr sz="900">
+                        <a:latin typeface="Wingdings"/>
+                        <a:cs typeface="Wingdings"/>
+                      </a:endParaRPr>
                     </a:p>
                   </a:txBody>
                   <a:tcPr marL="0" marR="0" marT="58419" marB="0">
@@ -4590,7 +5211,7 @@
                     <a:bodyPr/>
                     <a:lstStyle/>
                     <a:p>
-                      <a:pPr marL="50800" algn="l" rtl="0">
+                      <a:pPr marL="50800">
                         <a:lnSpc>
                           <a:spcPct val="100000"/>
                         </a:lnSpc>
@@ -4648,15 +5269,19 @@
                         </a:spcBef>
                       </a:pPr>
                       <a:r>
-                        <a:rPr lang="pt-BR" sz="900">
+                        <a:rPr lang="en-US" sz="900" spc="0">
                           <a:solidFill>
                             <a:srgbClr val="020302"/>
                           </a:solidFill>
                           <a:latin typeface="AdobeClean-Light"/>
                           <a:cs typeface="AdobeClean-Light"/>
                         </a:rPr>
-                        <a:t>Contatos de suporte nomeados (por produto)</a:t>
+                        <a:t>Named Support Contacts (per product)</a:t>
                       </a:r>
+                      <a:endParaRPr sz="900" spc="0">
+                        <a:latin typeface="AdobeClean-Light"/>
+                        <a:cs typeface="AdobeClean-Light"/>
+                      </a:endParaRPr>
                     </a:p>
                   </a:txBody>
                   <a:tcPr marL="0" marR="0" marT="57785" marB="0">
@@ -4694,7 +5319,7 @@
                         </a:spcBef>
                       </a:pPr>
                       <a:r>
-                        <a:rPr lang="pt-BR" sz="900">
+                        <a:rPr sz="900">
                           <a:solidFill>
                             <a:srgbClr val="020302"/>
                           </a:solidFill>
@@ -4703,6 +5328,10 @@
                         </a:rPr>
                         <a:t>4</a:t>
                       </a:r>
+                      <a:endParaRPr sz="900">
+                        <a:latin typeface="AdobeClean-Light"/>
+                        <a:cs typeface="AdobeClean-Light"/>
+                      </a:endParaRPr>
                     </a:p>
                   </a:txBody>
                   <a:tcPr marL="0" marR="0" marT="57785" marB="0">
@@ -4732,7 +5361,7 @@
                         </a:spcBef>
                       </a:pPr>
                       <a:r>
-                        <a:rPr lang="pt-BR" sz="900">
+                        <a:rPr sz="900">
                           <a:solidFill>
                             <a:srgbClr val="020302"/>
                           </a:solidFill>
@@ -4741,6 +5370,10 @@
                         </a:rPr>
                         <a:t>6</a:t>
                       </a:r>
+                      <a:endParaRPr sz="900">
+                        <a:latin typeface="AdobeClean-Light"/>
+                        <a:cs typeface="AdobeClean-Light"/>
+                      </a:endParaRPr>
                     </a:p>
                   </a:txBody>
                   <a:tcPr marL="0" marR="0" marT="57785" marB="0">
@@ -4763,7 +5396,7 @@
                     <a:bodyPr/>
                     <a:lstStyle/>
                     <a:p>
-                      <a:pPr marL="50800" algn="l" rtl="0">
+                      <a:pPr marL="50800">
                         <a:lnSpc>
                           <a:spcPct val="100000"/>
                         </a:lnSpc>
@@ -4812,15 +5445,19 @@
                         </a:spcBef>
                       </a:pPr>
                       <a:r>
-                        <a:rPr lang="pt-BR" sz="900">
+                        <a:rPr lang="en-US" sz="900" spc="0">
                           <a:solidFill>
                             <a:srgbClr val="020302"/>
                           </a:solidFill>
                           <a:latin typeface="AdobeClean-Light"/>
                           <a:cs typeface="AdobeClean-Light"/>
                         </a:rPr>
-                        <a:t>Suporte telefônico ao vivo</a:t>
+                        <a:t>Live Telephone Support</a:t>
                       </a:r>
+                      <a:endParaRPr sz="900" spc="0">
+                        <a:latin typeface="AdobeClean-Light"/>
+                        <a:cs typeface="AdobeClean-Light"/>
+                      </a:endParaRPr>
                     </a:p>
                   </a:txBody>
                   <a:tcPr marL="0" marR="0" marT="57785" marB="0">
@@ -4843,7 +5480,7 @@
                     <a:bodyPr/>
                     <a:lstStyle/>
                     <a:p>
-                      <a:pPr algn="l" rtl="0">
+                      <a:pPr algn="ctr">
                         <a:lnSpc>
                           <a:spcPct val="100000"/>
                         </a:lnSpc>
@@ -4884,7 +5521,7 @@
                         </a:spcBef>
                       </a:pPr>
                       <a:r>
-                        <a:rPr lang="pt-BR" sz="900">
+                        <a:rPr sz="900">
                           <a:solidFill>
                             <a:srgbClr val="020302"/>
                           </a:solidFill>
@@ -4893,6 +5530,10 @@
                         </a:rPr>
                         <a:t></a:t>
                       </a:r>
+                      <a:endParaRPr sz="900">
+                        <a:latin typeface="Wingdings"/>
+                        <a:cs typeface="Wingdings"/>
+                      </a:endParaRPr>
                     </a:p>
                   </a:txBody>
                   <a:tcPr marL="0" marR="0" marT="59054" marB="0">
@@ -4915,7 +5556,7 @@
                     <a:bodyPr/>
                     <a:lstStyle/>
                     <a:p>
-                      <a:pPr marL="50800" algn="l" rtl="0">
+                      <a:pPr marL="50800">
                         <a:lnSpc>
                           <a:spcPct val="100000"/>
                         </a:lnSpc>
@@ -4964,15 +5605,19 @@
                         </a:spcBef>
                       </a:pPr>
                       <a:r>
-                        <a:rPr lang="pt-BR" sz="900">
+                        <a:rPr sz="900" spc="0">
                           <a:solidFill>
                             <a:srgbClr val="020302"/>
                           </a:solidFill>
                           <a:latin typeface="AdobeClean-Light"/>
                           <a:cs typeface="AdobeClean-Light"/>
                         </a:rPr>
-                        <a:t>Gestão de encaminhamento</a:t>
+                        <a:t>Escalation Management</a:t>
                       </a:r>
+                      <a:endParaRPr sz="900" spc="0">
+                        <a:latin typeface="AdobeClean-Light"/>
+                        <a:cs typeface="AdobeClean-Light"/>
+                      </a:endParaRPr>
                     </a:p>
                   </a:txBody>
                   <a:tcPr marL="0" marR="0" marT="58419" marB="0">
@@ -4995,7 +5640,7 @@
                     <a:bodyPr/>
                     <a:lstStyle/>
                     <a:p>
-                      <a:pPr algn="l" rtl="0">
+                      <a:pPr algn="ctr">
                         <a:lnSpc>
                           <a:spcPct val="100000"/>
                         </a:lnSpc>
@@ -5036,7 +5681,7 @@
                         </a:spcBef>
                       </a:pPr>
                       <a:r>
-                        <a:rPr lang="pt-BR" sz="900">
+                        <a:rPr sz="900">
                           <a:solidFill>
                             <a:srgbClr val="020302"/>
                           </a:solidFill>
@@ -5045,6 +5690,10 @@
                         </a:rPr>
                         <a:t></a:t>
                       </a:r>
+                      <a:endParaRPr sz="900">
+                        <a:latin typeface="Wingdings"/>
+                        <a:cs typeface="Wingdings"/>
+                      </a:endParaRPr>
                     </a:p>
                   </a:txBody>
                   <a:tcPr marL="0" marR="0" marT="59690" marB="0">
@@ -5067,7 +5716,7 @@
                     <a:bodyPr/>
                     <a:lstStyle/>
                     <a:p>
-                      <a:pPr marL="50800" algn="l" rtl="0">
+                      <a:pPr marL="50800">
                         <a:lnSpc>
                           <a:spcPct val="100000"/>
                         </a:lnSpc>
@@ -5116,15 +5765,29 @@
                         </a:spcBef>
                       </a:pPr>
                       <a:r>
-                        <a:rPr lang="pt-BR" sz="900">
+                        <a:rPr sz="900" spc="0">
                           <a:solidFill>
                             <a:srgbClr val="020302"/>
                           </a:solidFill>
                           <a:latin typeface="AdobeClean-Light"/>
                           <a:cs typeface="AdobeClean-Light"/>
                         </a:rPr>
-                        <a:t>Revisões de serviço por ano</a:t>
+                        <a:t>Service Reviews </a:t>
                       </a:r>
+                      <a:r>
+                        <a:rPr lang="en-US" sz="900" spc="0">
+                          <a:solidFill>
+                            <a:srgbClr val="020302"/>
+                          </a:solidFill>
+                          <a:latin typeface="AdobeClean-Light"/>
+                          <a:cs typeface="AdobeClean-Light"/>
+                        </a:rPr>
+                        <a:t>per Year</a:t>
+                      </a:r>
+                      <a:endParaRPr sz="900" spc="0">
+                        <a:latin typeface="AdobeClean-Light"/>
+                        <a:cs typeface="AdobeClean-Light"/>
+                      </a:endParaRPr>
                     </a:p>
                   </a:txBody>
                   <a:tcPr marL="0" marR="0" marT="57150" marB="0">
@@ -5147,7 +5810,7 @@
                     <a:bodyPr/>
                     <a:lstStyle/>
                     <a:p>
-                      <a:pPr algn="l" rtl="0">
+                      <a:pPr>
                         <a:lnSpc>
                           <a:spcPct val="100000"/>
                         </a:lnSpc>
@@ -5176,7 +5839,7 @@
                     <a:bodyPr/>
                     <a:lstStyle/>
                     <a:p>
-                      <a:pPr algn="l" rtl="0">
+                      <a:pPr>
                         <a:lnSpc>
                           <a:spcPct val="100000"/>
                         </a:lnSpc>
@@ -5226,12 +5889,16 @@
                         </a:spcBef>
                       </a:pPr>
                       <a:r>
-                        <a:rPr lang="pt-BR" sz="900">
+                        <a:rPr lang="en-US" sz="900" spc="0">
                           <a:latin typeface="AdobeClean-Light"/>
                           <a:cs typeface="AdobeClean-Light"/>
                         </a:rPr>
-                        <a:t>Sessões de especialistas por ano</a:t>
+                        <a:t>Expert Sessions per Year</a:t>
                       </a:r>
+                      <a:endParaRPr sz="900" spc="0">
+                        <a:latin typeface="AdobeClean-Light"/>
+                        <a:cs typeface="AdobeClean-Light"/>
+                      </a:endParaRPr>
                     </a:p>
                   </a:txBody>
                   <a:tcPr marL="0" marR="0" marT="57150" marB="0">
@@ -5260,7 +5927,7 @@
                     <a:bodyPr/>
                     <a:lstStyle/>
                     <a:p>
-                      <a:pPr algn="l" rtl="0">
+                      <a:pPr>
                         <a:lnSpc>
                           <a:spcPct val="100000"/>
                         </a:lnSpc>
@@ -5289,7 +5956,7 @@
                     <a:bodyPr/>
                     <a:lstStyle/>
                     <a:p>
-                      <a:pPr algn="l" rtl="0">
+                      <a:pPr>
                         <a:lnSpc>
                           <a:spcPct val="100000"/>
                         </a:lnSpc>
@@ -5339,12 +6006,16 @@
                         </a:spcBef>
                       </a:pPr>
                       <a:r>
-                        <a:rPr lang="pt-BR" sz="900">
+                        <a:rPr lang="en-US" sz="900" spc="0">
                           <a:latin typeface="AdobeClean-Light"/>
                           <a:cs typeface="AdobeClean-Light"/>
                         </a:rPr>
-                        <a:t>Revisões de caso</a:t>
+                        <a:t>Case Reviews</a:t>
                       </a:r>
+                      <a:endParaRPr sz="900" spc="0">
+                        <a:latin typeface="AdobeClean-Light"/>
+                        <a:cs typeface="AdobeClean-Light"/>
+                      </a:endParaRPr>
                     </a:p>
                   </a:txBody>
                   <a:tcPr marL="0" marR="0" marT="57150" marB="0">
@@ -5373,7 +6044,7 @@
                     <a:bodyPr/>
                     <a:lstStyle/>
                     <a:p>
-                      <a:pPr algn="l" rtl="0">
+                      <a:pPr>
                         <a:lnSpc>
                           <a:spcPct val="100000"/>
                         </a:lnSpc>
@@ -5402,7 +6073,7 @@
                     <a:bodyPr/>
                     <a:lstStyle/>
                     <a:p>
-                      <a:pPr algn="l" rtl="0">
+                      <a:pPr>
                         <a:lnSpc>
                           <a:spcPct val="100000"/>
                         </a:lnSpc>
@@ -5433,7 +6104,7 @@
                     <a:bodyPr/>
                     <a:lstStyle/>
                     <a:p>
-                      <a:pPr marL="48895" algn="l" rtl="0">
+                      <a:pPr marL="48895">
                         <a:lnSpc>
                           <a:spcPct val="100000"/>
                         </a:lnSpc>
@@ -5491,15 +6162,29 @@
                         </a:spcBef>
                       </a:pPr>
                       <a:r>
-                        <a:rPr lang="pt-BR" sz="900">
+                        <a:rPr sz="900" spc="0">
                           <a:solidFill>
                             <a:srgbClr val="020302"/>
                           </a:solidFill>
                           <a:latin typeface="AdobeClean-Light"/>
                           <a:cs typeface="AdobeClean-Light"/>
                         </a:rPr>
-                        <a:t>Gerenciamento de eventos</a:t>
+                        <a:t>Event </a:t>
                       </a:r>
+                      <a:r>
+                        <a:rPr lang="en-US" sz="900" spc="0">
+                          <a:solidFill>
+                            <a:srgbClr val="020302"/>
+                          </a:solidFill>
+                          <a:latin typeface="AdobeClean-Light"/>
+                          <a:cs typeface="AdobeClean-Light"/>
+                        </a:rPr>
+                        <a:t>Management</a:t>
+                      </a:r>
+                      <a:endParaRPr sz="900" spc="0">
+                        <a:latin typeface="AdobeClean-Light"/>
+                        <a:cs typeface="AdobeClean-Light"/>
+                      </a:endParaRPr>
                     </a:p>
                   </a:txBody>
                   <a:tcPr marL="0" marR="0" marT="58419" marB="0">
@@ -5528,7 +6213,7 @@
                     <a:bodyPr/>
                     <a:lstStyle/>
                     <a:p>
-                      <a:pPr algn="l" rtl="0">
+                      <a:pPr>
                         <a:lnSpc>
                           <a:spcPct val="100000"/>
                         </a:lnSpc>
@@ -5557,7 +6242,7 @@
                     <a:bodyPr/>
                     <a:lstStyle/>
                     <a:p>
-                      <a:pPr algn="l" rtl="0">
+                      <a:pPr>
                         <a:lnSpc>
                           <a:spcPct val="100000"/>
                         </a:lnSpc>
@@ -5588,7 +6273,7 @@
                     <a:bodyPr/>
                     <a:lstStyle/>
                     <a:p>
-                      <a:pPr marL="48895" algn="l" rtl="0">
+                      <a:pPr marL="48895">
                         <a:lnSpc>
                           <a:spcPct val="100000"/>
                         </a:lnSpc>
@@ -5637,15 +6322,39 @@
                         </a:spcBef>
                       </a:pPr>
                       <a:r>
-                        <a:rPr lang="pt-BR" sz="900">
+                        <a:rPr sz="900" spc="0">
                           <a:solidFill>
                             <a:srgbClr val="020302"/>
                           </a:solidFill>
                           <a:latin typeface="AdobeClean-Light"/>
                           <a:cs typeface="AdobeClean-Light"/>
                         </a:rPr>
-                        <a:t>Revisão, manutenção e monitoramento do ambiente</a:t>
+                        <a:t>Environment</a:t>
                       </a:r>
+                      <a:r>
+                        <a:rPr lang="en-US" sz="900" spc="0">
+                          <a:solidFill>
+                            <a:srgbClr val="020302"/>
+                          </a:solidFill>
+                          <a:latin typeface="AdobeClean-Light"/>
+                          <a:cs typeface="AdobeClean-Light"/>
+                        </a:rPr>
+                        <a:t> </a:t>
+                      </a:r>
+                      <a:r>
+                        <a:rPr sz="900" spc="0">
+                          <a:solidFill>
+                            <a:srgbClr val="020302"/>
+                          </a:solidFill>
+                          <a:latin typeface="AdobeClean-Light"/>
+                          <a:cs typeface="AdobeClean-Light"/>
+                        </a:rPr>
+                        <a:t>Review, Maintenance &amp; Monitoring</a:t>
+                      </a:r>
+                      <a:endParaRPr sz="900" spc="0">
+                        <a:latin typeface="AdobeClean-Light"/>
+                        <a:cs typeface="AdobeClean-Light"/>
+                      </a:endParaRPr>
                     </a:p>
                   </a:txBody>
                   <a:tcPr marL="0" marR="0" marT="59055" marB="0">
@@ -5668,7 +6377,7 @@
                     <a:bodyPr/>
                     <a:lstStyle/>
                     <a:p>
-                      <a:pPr algn="l" rtl="0">
+                      <a:pPr>
                         <a:lnSpc>
                           <a:spcPct val="100000"/>
                         </a:lnSpc>
@@ -5697,7 +6406,7 @@
                     <a:bodyPr/>
                     <a:lstStyle/>
                     <a:p>
-                      <a:pPr algn="l" rtl="0">
+                      <a:pPr>
                         <a:lnSpc>
                           <a:spcPct val="100000"/>
                         </a:lnSpc>
@@ -5728,7 +6437,7 @@
                     <a:bodyPr/>
                     <a:lstStyle/>
                     <a:p>
-                      <a:pPr marL="49530" algn="l" rtl="0">
+                      <a:pPr marL="49530">
                         <a:lnSpc>
                           <a:spcPct val="100000"/>
                         </a:lnSpc>
@@ -5777,15 +6486,19 @@
                         </a:spcBef>
                       </a:pPr>
                       <a:r>
-                        <a:rPr lang="pt-BR" sz="900" dirty="0">
+                        <a:rPr sz="900" spc="0">
                           <a:solidFill>
                             <a:srgbClr val="020302"/>
                           </a:solidFill>
                           <a:latin typeface="AdobeClean-Light"/>
                           <a:cs typeface="AdobeClean-Light"/>
                         </a:rPr>
-                        <a:t>Revisão de versão, migração, atualização e roteiro de produtos</a:t>
+                        <a:t>Release, Migration, Upgrade &amp; Product Roadmap Review</a:t>
                       </a:r>
+                      <a:endParaRPr sz="900" spc="0">
+                        <a:latin typeface="AdobeClean-Light"/>
+                        <a:cs typeface="AdobeClean-Light"/>
+                      </a:endParaRPr>
                     </a:p>
                   </a:txBody>
                   <a:tcPr marL="0" marR="0" marT="63500" marB="0">
@@ -5808,7 +6521,7 @@
                     <a:bodyPr/>
                     <a:lstStyle/>
                     <a:p>
-                      <a:pPr algn="l" rtl="0">
+                      <a:pPr>
                         <a:lnSpc>
                           <a:spcPct val="100000"/>
                         </a:lnSpc>
@@ -5837,7 +6550,7 @@
                     <a:bodyPr/>
                     <a:lstStyle/>
                     <a:p>
-                      <a:pPr algn="l" rtl="0">
+                      <a:pPr>
                         <a:lnSpc>
                           <a:spcPct val="100000"/>
                         </a:lnSpc>
@@ -5868,7 +6581,7 @@
                     <a:bodyPr/>
                     <a:lstStyle/>
                     <a:p>
-                      <a:pPr marL="49530" algn="l" rtl="0">
+                      <a:pPr marL="49530">
                         <a:lnSpc>
                           <a:spcPct val="100000"/>
                         </a:lnSpc>
@@ -5926,11 +6639,11 @@
                         </a:spcBef>
                       </a:pPr>
                       <a:r>
-                        <a:rPr lang="pt-BR" sz="900">
+                        <a:rPr sz="900" spc="0">
                           <a:latin typeface="AdobeClean-Light"/>
                           <a:cs typeface="AdobeClean-Light"/>
                         </a:rPr>
-                        <a:t>Atividades de suporte na nuvem — Experience Manager as Cloud</a:t>
+                        <a:t>Cloud Support Activities – Experience Manager as Cloud</a:t>
                       </a:r>
                     </a:p>
                   </a:txBody>
@@ -5960,7 +6673,7 @@
                     <a:bodyPr/>
                     <a:lstStyle/>
                     <a:p>
-                      <a:pPr algn="l" rtl="0">
+                      <a:pPr>
                         <a:lnSpc>
                           <a:spcPct val="100000"/>
                         </a:lnSpc>
@@ -5998,7 +6711,7 @@
                     <a:bodyPr/>
                     <a:lstStyle/>
                     <a:p>
-                      <a:pPr algn="l" rtl="0">
+                      <a:pPr>
                         <a:lnSpc>
                           <a:spcPct val="100000"/>
                         </a:lnSpc>
@@ -6047,15 +6760,22 @@
                         </a:spcBef>
                       </a:pPr>
                       <a:r>
-                        <a:rPr lang="pt-BR" sz="1000" b="1" i="0">
+                        <a:rPr lang="en-US" sz="1000" b="1" i="0" spc="0">
                           <a:solidFill>
                             <a:schemeClr val="bg1"/>
                           </a:solidFill>
                           <a:latin typeface="Adobe Clean" panose="020B0503020404020204" pitchFamily="34" charset="0"/>
                           <a:cs typeface="AdobeClean-Light"/>
                         </a:rPr>
-                        <a:t>Serviços de campo</a:t>
+                        <a:t>Field Services</a:t>
                       </a:r>
+                      <a:endParaRPr sz="1000" b="1" i="0" spc="0">
+                        <a:solidFill>
+                          <a:schemeClr val="bg1"/>
+                        </a:solidFill>
+                        <a:latin typeface="Adobe Clean" panose="020B0503020404020204" pitchFamily="34" charset="0"/>
+                        <a:cs typeface="AdobeClean-Light"/>
+                      </a:endParaRPr>
                     </a:p>
                   </a:txBody>
                   <a:tcPr marL="0" marR="0" marT="48260" marB="0" anchor="ctr">
@@ -6108,45 +6828,19 @@
                         </a:spcBef>
                       </a:pPr>
                       <a:r>
-                        <a:rPr lang="pt-BR" sz="900" dirty="0" err="1">
+                        <a:rPr sz="900" spc="0">
                           <a:solidFill>
                             <a:srgbClr val="020302"/>
                           </a:solidFill>
                           <a:latin typeface="AdobeClean-Light"/>
                           <a:cs typeface="AdobeClean-Light"/>
                         </a:rPr>
-                        <a:t>Launch</a:t>
+                        <a:t>Launch Advisory Services – First Year of new solution</a:t>
                       </a:r>
-                      <a:r>
-                        <a:rPr lang="pt-BR" sz="900" dirty="0">
-                          <a:solidFill>
-                            <a:srgbClr val="020302"/>
-                          </a:solidFill>
-                          <a:latin typeface="AdobeClean-Light"/>
-                          <a:cs typeface="AdobeClean-Light"/>
-                        </a:rPr>
-                        <a:t> </a:t>
-                      </a:r>
-                      <a:r>
-                        <a:rPr lang="pt-BR" sz="900" dirty="0" err="1">
-                          <a:solidFill>
-                            <a:srgbClr val="020302"/>
-                          </a:solidFill>
-                          <a:latin typeface="AdobeClean-Light"/>
-                          <a:cs typeface="AdobeClean-Light"/>
-                        </a:rPr>
-                        <a:t>Advisory</a:t>
-                      </a:r>
-                      <a:r>
-                        <a:rPr lang="pt-BR" sz="900" dirty="0">
-                          <a:solidFill>
-                            <a:srgbClr val="020302"/>
-                          </a:solidFill>
-                          <a:latin typeface="AdobeClean-Light"/>
-                          <a:cs typeface="AdobeClean-Light"/>
-                        </a:rPr>
-                        <a:t> Services — primeiro ano da nova solução</a:t>
-                      </a:r>
+                      <a:endParaRPr sz="900" spc="0">
+                        <a:latin typeface="AdobeClean-Light"/>
+                        <a:cs typeface="AdobeClean-Light"/>
+                      </a:endParaRPr>
                     </a:p>
                     <a:p>
                       <a:pPr marL="48260" hangingPunct="0">
@@ -6158,11 +6852,11 @@
                         </a:spcBef>
                       </a:pPr>
                       <a:r>
-                        <a:rPr lang="pt-BR" sz="900" dirty="0">
+                        <a:rPr sz="900" spc="0">
                           <a:latin typeface="AdobeClean-Light"/>
                           <a:cs typeface="AdobeClean-Light"/>
                         </a:rPr>
-                        <a:t>Atividades de serviço de campo </a:t>
+                        <a:t>Field Service Activities </a:t>
                       </a:r>
                     </a:p>
                   </a:txBody>
@@ -6198,7 +6892,7 @@
                     <a:bodyPr/>
                     <a:lstStyle/>
                     <a:p>
-                      <a:pPr algn="l" rtl="0">
+                      <a:pPr>
                         <a:lnSpc>
                           <a:spcPct val="100000"/>
                         </a:lnSpc>
@@ -6236,7 +6930,7 @@
                     <a:bodyPr/>
                     <a:lstStyle/>
                     <a:p>
-                      <a:pPr algn="l" rtl="0">
+                      <a:pPr>
                         <a:lnSpc>
                           <a:spcPct val="100000"/>
                         </a:lnSpc>
@@ -6321,7 +7015,7 @@
                     <a:bodyPr/>
                     <a:lstStyle/>
                     <a:p>
-                      <a:pPr algn="l" rtl="0">
+                      <a:pPr>
                         <a:lnSpc>
                           <a:spcPct val="100000"/>
                         </a:lnSpc>
@@ -6347,12 +7041,12 @@
                     <a:bodyPr/>
                     <a:lstStyle/>
                     <a:p>
-                      <a:pPr algn="l" rtl="0">
+                      <a:pPr>
                         <a:lnSpc>
                           <a:spcPct val="100000"/>
                         </a:lnSpc>
                       </a:pPr>
-                      <a:endParaRPr sz="900" dirty="0">
+                      <a:endParaRPr sz="900">
                         <a:latin typeface="Times New Roman"/>
                         <a:cs typeface="Times New Roman"/>
                       </a:endParaRPr>
@@ -6411,7 +7105,7 @@
           <a:lstStyle/>
           <a:p>
             <a:r>
-              <a:rPr lang="pt-BR" sz="700" i="1">
+              <a:rPr lang="en-US" sz="700" i="1">
                 <a:solidFill>
                   <a:schemeClr val="bg1"/>
                 </a:solidFill>
@@ -6593,7 +7287,7 @@
         <p:spPr>
           <a:xfrm>
             <a:off x="370040" y="1409311"/>
-            <a:ext cx="2286000" cy="1458926"/>
+            <a:ext cx="2286000" cy="1289969"/>
           </a:xfrm>
           <a:prstGeom prst="rect">
             <a:avLst/>
@@ -6614,66 +7308,18 @@
               </a:spcBef>
             </a:pPr>
             <a:r>
-              <a:rPr lang="pt-BR" sz="1000" dirty="0">
+              <a:rPr lang="en-US" sz="1000">
                 <a:solidFill>
                   <a:srgbClr val="000000"/>
                 </a:solidFill>
                 <a:latin typeface="Adobe Clean Light" panose="020B0303020404020204" pitchFamily="34" charset="0"/>
               </a:rPr>
-              <a:t>Um Líder de suporte da conta designado </a:t>
-            </a:r>
-            <a:br>
-              <a:rPr lang="pt-BR" sz="1000" dirty="0">
-                <a:solidFill>
-                  <a:srgbClr val="000000"/>
-                </a:solidFill>
-                <a:latin typeface="Adobe Clean Light" panose="020B0303020404020204" pitchFamily="34" charset="0"/>
-              </a:rPr>
-            </a:br>
-            <a:r>
-              <a:rPr lang="pt-BR" sz="1000" dirty="0">
-                <a:solidFill>
-                  <a:srgbClr val="000000"/>
-                </a:solidFill>
-                <a:latin typeface="Adobe Clean Light" panose="020B0303020404020204" pitchFamily="34" charset="0"/>
-              </a:rPr>
-              <a:t>para monitorar os casos de forma proativa, impulsionar a colaboração entre equipes, fornecer </a:t>
-            </a:r>
-            <a:r>
-              <a:rPr lang="pt-BR" sz="1000" dirty="0" err="1">
-                <a:solidFill>
-                  <a:srgbClr val="000000"/>
-                </a:solidFill>
-                <a:latin typeface="Adobe Clean Light" panose="020B0303020404020204" pitchFamily="34" charset="0"/>
-              </a:rPr>
-              <a:t>webinários</a:t>
-            </a:r>
-            <a:r>
-              <a:rPr lang="pt-BR" sz="1000" dirty="0">
-                <a:solidFill>
-                  <a:srgbClr val="000000"/>
-                </a:solidFill>
-                <a:latin typeface="Adobe Clean Light" panose="020B0303020404020204" pitchFamily="34" charset="0"/>
-              </a:rPr>
-              <a:t> de integração, executar relatórios de serviço, fornecer assistência </a:t>
-            </a:r>
-            <a:br>
-              <a:rPr lang="pt-BR" sz="1000" dirty="0">
-                <a:solidFill>
-                  <a:srgbClr val="000000"/>
-                </a:solidFill>
-                <a:latin typeface="Adobe Clean Light" panose="020B0303020404020204" pitchFamily="34" charset="0"/>
-              </a:rPr>
-            </a:br>
-            <a:r>
-              <a:rPr lang="pt-BR" sz="1000" dirty="0">
-                <a:solidFill>
-                  <a:srgbClr val="000000"/>
-                </a:solidFill>
-                <a:latin typeface="Adobe Clean Light" panose="020B0303020404020204" pitchFamily="34" charset="0"/>
-              </a:rPr>
-              <a:t>de suporte não técnico e funcionar como ponto de encaminhamento e defensor interno no Suporte da Adobe.</a:t>
-            </a:r>
+              <a:t>A designated Account Support Lead to proactively monitor cases, drive cross-team collaboration, deliver onboarding webinars, run service reports, provide non-technical support assistance, and function as your escalation point and internal advocate within Adobe Support.</a:t>
+            </a:r>
+            <a:endParaRPr lang="en-US" sz="1000">
+              <a:latin typeface="Adobe Clean Light" panose="020B0303020404020204" pitchFamily="34" charset="0"/>
+              <a:cs typeface="AdobeClean-Light"/>
+            </a:endParaRPr>
           </a:p>
         </p:txBody>
       </p:sp>
@@ -6710,14 +7356,44 @@
               </a:tabLst>
             </a:pPr>
             <a:r>
-              <a:rPr lang="pt-BR" sz="1000" dirty="0">
+              <a:rPr sz="1000">
                 <a:solidFill>
                   <a:srgbClr val="020302"/>
                 </a:solidFill>
                 <a:latin typeface="AdobeClean-Light"/>
                 <a:cs typeface="AdobeClean-Light"/>
               </a:rPr>
-              <a:t>Inicie uma sessão de chat para obter respostas e ajuda com o envio de caso.</a:t>
+              <a:t>Start a chat session to get answers</a:t>
+            </a:r>
+            <a:r>
+              <a:rPr lang="en-US" sz="1000">
+                <a:solidFill>
+                  <a:srgbClr val="020302"/>
+                </a:solidFill>
+                <a:latin typeface="AdobeClean-Light"/>
+                <a:cs typeface="AdobeClean-Light"/>
+              </a:rPr>
+              <a:t> &amp; </a:t>
+            </a:r>
+            <a:r>
+              <a:rPr sz="1000">
+                <a:solidFill>
+                  <a:srgbClr val="020302"/>
+                </a:solidFill>
+                <a:latin typeface="AdobeClean-Light"/>
+                <a:cs typeface="AdobeClean-Light"/>
+              </a:rPr>
+              <a:t>help with case submission</a:t>
+            </a:r>
+            <a:r>
+              <a:rPr lang="en-US" sz="1000">
+                <a:solidFill>
+                  <a:srgbClr val="020302"/>
+                </a:solidFill>
+                <a:latin typeface="AdobeClean-Light"/>
+                <a:cs typeface="AdobeClean-Light"/>
+              </a:rPr>
+              <a:t>.</a:t>
             </a:r>
           </a:p>
           <a:p>
@@ -6730,44 +7406,39 @@
               </a:tabLst>
             </a:pPr>
             <a:r>
-              <a:rPr lang="pt-BR" sz="1000" i="1" dirty="0">
+              <a:rPr sz="1000" i="1">
                 <a:solidFill>
                   <a:srgbClr val="7A7A7A"/>
                 </a:solidFill>
                 <a:latin typeface="AdobeClean-LightIt"/>
                 <a:cs typeface="AdobeClean-LightIt"/>
               </a:rPr>
-              <a:t>*Nem todos os produtos têm suporte </a:t>
-            </a:r>
-            <a:br>
-              <a:rPr lang="pt-BR" sz="1000" i="1" dirty="0">
+              <a:t>*Not all products have live chat support</a:t>
+            </a:r>
+            <a:r>
+              <a:rPr sz="900" i="1">
                 <a:solidFill>
                   <a:srgbClr val="7A7A7A"/>
                 </a:solidFill>
                 <a:latin typeface="AdobeClean-LightIt"/>
                 <a:cs typeface="AdobeClean-LightIt"/>
               </a:rPr>
-            </a:br>
-            <a:r>
-              <a:rPr lang="pt-BR" sz="1000" i="1" dirty="0">
+              <a:t>.</a:t>
+            </a:r>
+            <a:r>
+              <a:rPr lang="en-US" sz="900" i="1">
                 <a:solidFill>
                   <a:srgbClr val="7A7A7A"/>
                 </a:solidFill>
                 <a:latin typeface="AdobeClean-LightIt"/>
                 <a:cs typeface="AdobeClean-LightIt"/>
               </a:rPr>
-              <a:t>de chat ao vivo</a:t>
-            </a:r>
-            <a:r>
-              <a:rPr lang="pt-BR" sz="900" i="1" dirty="0">
-                <a:solidFill>
-                  <a:srgbClr val="7A7A7A"/>
-                </a:solidFill>
-                <a:latin typeface="AdobeClean-LightIt"/>
-                <a:cs typeface="AdobeClean-LightIt"/>
-              </a:rPr>
-              <a:t>.  </a:t>
-            </a:r>
+              <a:t>  </a:t>
+            </a:r>
+            <a:endParaRPr sz="900">
+              <a:latin typeface="AdobeClean-Light"/>
+              <a:cs typeface="AdobeClean-Light"/>
+            </a:endParaRPr>
           </a:p>
         </p:txBody>
       </p:sp>
@@ -6843,12 +7514,12 @@
               <a:defRPr/>
             </a:pPr>
             <a:r>
-              <a:rPr lang="pt-BR" sz="1200">
+              <a:rPr lang="en-US" sz="1200">
                 <a:solidFill>
                   <a:srgbClr val="000000"/>
                 </a:solidFill>
               </a:rPr>
-              <a:t>Fóruns da comunidade</a:t>
+              <a:t>Community Forums</a:t>
             </a:r>
           </a:p>
         </p:txBody>
@@ -6891,12 +7562,12 @@
               </a:spcAft>
             </a:pPr>
             <a:r>
-              <a:rPr lang="pt-BR" sz="1200" b="1">
+              <a:rPr lang="en-US" sz="1200" b="1">
                 <a:latin typeface="+mj-lt"/>
                 <a:ea typeface="Open Sans" pitchFamily="34" charset="0"/>
                 <a:cs typeface="Open Sans" pitchFamily="34" charset="0"/>
               </a:rPr>
-              <a:t>Fóruns online</a:t>
+              <a:t>Online Forums</a:t>
             </a:r>
           </a:p>
         </p:txBody>
@@ -6916,7 +7587,7 @@
         <p:spPr>
           <a:xfrm>
             <a:off x="370040" y="6529249"/>
-            <a:ext cx="2286000" cy="959237"/>
+            <a:ext cx="2286000" cy="805349"/>
           </a:xfrm>
           <a:prstGeom prst="rect">
             <a:avLst/>
@@ -6929,30 +7600,13 @@
           <a:lstStyle/>
           <a:p>
             <a:r>
-              <a:rPr lang="pt-BR" sz="1000" dirty="0">
+              <a:rPr lang="en-US" sz="1000">
                 <a:solidFill>
                   <a:srgbClr val="000000"/>
                 </a:solidFill>
                 <a:latin typeface="Adobe Clean Light" panose="020B0303020404020204" pitchFamily="34" charset="0"/>
               </a:rPr>
-              <a:t>Acesso online contínuo a um banco de </a:t>
-            </a:r>
-            <a:br>
-              <a:rPr lang="pt-BR" sz="1000" dirty="0">
-                <a:solidFill>
-                  <a:srgbClr val="000000"/>
-                </a:solidFill>
-                <a:latin typeface="Adobe Clean Light" panose="020B0303020404020204" pitchFamily="34" charset="0"/>
-              </a:rPr>
-            </a:br>
-            <a:r>
-              <a:rPr lang="pt-BR" sz="1000" dirty="0">
-                <a:solidFill>
-                  <a:srgbClr val="000000"/>
-                </a:solidFill>
-                <a:latin typeface="Adobe Clean Light" panose="020B0303020404020204" pitchFamily="34" charset="0"/>
-              </a:rPr>
-              <a:t>dados cada vez maior de soluções técnicas, documentação do produto, perguntas frequentes e muito mais. Milhares de clientes podem se conectar para compartilhar práticas recomendadas e lições aprendidas.</a:t>
+              <a:t>Continuous online access to a growing database of technical solutions, product documentation, FAQs and more. Thousands of customers can connect to share best practices and lessons learned.</a:t>
             </a:r>
           </a:p>
         </p:txBody>
@@ -6995,12 +7649,12 @@
               </a:spcAft>
             </a:pPr>
             <a:r>
-              <a:rPr lang="pt-BR" sz="1200" b="1">
+              <a:rPr lang="en-US" sz="1200" b="1">
                 <a:latin typeface="+mj-lt"/>
                 <a:ea typeface="Open Sans" pitchFamily="34" charset="0"/>
                 <a:cs typeface="Open Sans" pitchFamily="34" charset="0"/>
               </a:rPr>
-              <a:t>Jornadas autoguiadas</a:t>
+              <a:t>Self-guided Journeys</a:t>
             </a:r>
           </a:p>
         </p:txBody>
@@ -7020,7 +7674,7 @@
         <p:spPr>
           <a:xfrm>
             <a:off x="5376301" y="6529249"/>
-            <a:ext cx="2286000" cy="1113125"/>
+            <a:ext cx="2286000" cy="959237"/>
           </a:xfrm>
           <a:prstGeom prst="rect">
             <a:avLst/>
@@ -7033,30 +7687,13 @@
           <a:lstStyle/>
           <a:p>
             <a:r>
-              <a:rPr lang="pt-BR" sz="1000" dirty="0">
+              <a:rPr lang="en-US" sz="1000">
                 <a:solidFill>
                   <a:srgbClr val="000000"/>
                 </a:solidFill>
                 <a:latin typeface="Adobe Clean Light" panose="020B0303020404020204" pitchFamily="34" charset="0"/>
               </a:rPr>
-              <a:t>A Experience League gera criadores de experiências. Os clientes podem adquirir habilidades de gerenciamento de experiência do cliente com aprendizagem personalizada, participar de uma comunidade de pares global e conseguir reconhecimento </a:t>
-            </a:r>
-            <a:br>
-              <a:rPr lang="pt-BR" sz="1000" dirty="0">
-                <a:solidFill>
-                  <a:srgbClr val="000000"/>
-                </a:solidFill>
-                <a:latin typeface="Adobe Clean Light" panose="020B0303020404020204" pitchFamily="34" charset="0"/>
-              </a:rPr>
-            </a:br>
-            <a:r>
-              <a:rPr lang="pt-BR" sz="1000" dirty="0">
-                <a:solidFill>
-                  <a:srgbClr val="000000"/>
-                </a:solidFill>
-                <a:latin typeface="Adobe Clean Light" panose="020B0303020404020204" pitchFamily="34" charset="0"/>
-              </a:rPr>
-              <a:t>de carreira.</a:t>
+              <a:t>Experience Makers are made with Experience League. Customers can kickstart their Customer Experience Management abilities with personalized learning to develop skills, engage with a global community of peers, and earn career advancing recognition.</a:t>
             </a:r>
           </a:p>
         </p:txBody>
@@ -7104,12 +7741,12 @@
               <a:defRPr/>
             </a:pPr>
             <a:r>
-              <a:rPr lang="pt-BR" sz="1200" dirty="0">
+              <a:rPr lang="en-US" sz="1200">
                 <a:solidFill>
                   <a:srgbClr val="000000"/>
                 </a:solidFill>
               </a:rPr>
-              <a:t>Suporte por chat ao vivo*</a:t>
+              <a:t>Live Chat  Support*</a:t>
             </a:r>
           </a:p>
         </p:txBody>
@@ -7152,12 +7789,12 @@
               </a:spcAft>
             </a:pPr>
             <a:r>
-              <a:rPr lang="pt-BR" sz="1200" b="1">
+              <a:rPr lang="en-US" sz="1200" b="1">
                 <a:latin typeface="+mj-lt"/>
                 <a:ea typeface="Open Sans" pitchFamily="34" charset="0"/>
                 <a:cs typeface="Open Sans" pitchFamily="34" charset="0"/>
               </a:rPr>
-              <a:t>Suporte por chat</a:t>
+              <a:t>Chat Support</a:t>
             </a:r>
           </a:p>
         </p:txBody>
@@ -7205,12 +7842,12 @@
               <a:defRPr/>
             </a:pPr>
             <a:r>
-              <a:rPr lang="pt-BR" sz="1200" dirty="0">
+              <a:rPr lang="en-US" sz="1200">
                 <a:solidFill>
                   <a:srgbClr val="000000"/>
                 </a:solidFill>
               </a:rPr>
-              <a:t>24X7 prioridades P1 </a:t>
+              <a:t>24X7 P1 </a:t>
             </a:r>
           </a:p>
         </p:txBody>
@@ -7253,12 +7890,12 @@
               </a:spcAft>
             </a:pPr>
             <a:r>
-              <a:rPr lang="pt-BR" sz="1200" b="1">
+              <a:rPr lang="en-US" sz="1200" b="1">
                 <a:latin typeface="+mj-lt"/>
                 <a:ea typeface="Open Sans" pitchFamily="34" charset="0"/>
                 <a:cs typeface="Open Sans" pitchFamily="34" charset="0"/>
               </a:rPr>
-              <a:t>Suporte telefônico</a:t>
+              <a:t>Phone Support</a:t>
             </a:r>
           </a:p>
         </p:txBody>
@@ -7278,7 +7915,7 @@
         <p:spPr>
           <a:xfrm>
             <a:off x="2836967" y="6529249"/>
-            <a:ext cx="2333202" cy="805349"/>
+            <a:ext cx="2286000" cy="805349"/>
           </a:xfrm>
           <a:prstGeom prst="rect">
             <a:avLst/>
@@ -7291,20 +7928,26 @@
           <a:lstStyle/>
           <a:p>
             <a:r>
-              <a:rPr lang="pt-BR" sz="1000" dirty="0">
+              <a:rPr lang="en-US" sz="1000">
                 <a:solidFill>
                   <a:srgbClr val="020302"/>
                 </a:solidFill>
                 <a:latin typeface="AdobeClean-Light"/>
               </a:rPr>
-              <a:t>Usuários autorizados ou contatos de suporte nomeados</a:t>
-            </a:r>
-            <a:r>
-              <a:rPr lang="pt-BR" sz="1000" dirty="0">
+              <a:t>Authorized users or Named Support Contacts </a:t>
+            </a:r>
+            <a:r>
+              <a:rPr lang="en-US" sz="1000">
                 <a:latin typeface="Adobe Clean Light" panose="020B0303020404020204" pitchFamily="34" charset="0"/>
               </a:rPr>
-              <a:t> podem enviar problemas por todos os canais disponíveis (incluindo por telefone em prioridades P1) e contatar a equipe de suporte técnico em nome de sua empresa. </a:t>
-            </a:r>
+              <a:t>can submit issues through all available  channels (including phone for P1) and interact with our technical support team on behalf of your company. </a:t>
+            </a:r>
+            <a:endParaRPr lang="en-US" sz="1000">
+              <a:solidFill>
+                <a:srgbClr val="000000"/>
+              </a:solidFill>
+              <a:latin typeface="Adobe Clean Light" panose="020B0303020404020204" pitchFamily="34" charset="0"/>
+            </a:endParaRPr>
           </a:p>
         </p:txBody>
       </p:sp>
@@ -7348,8 +7991,24 @@
               </a:spcBef>
             </a:pPr>
             <a:r>
-              <a:rPr lang="pt-BR"/>
-              <a:t>©2021 Adobe. All Rights Reserved. Adobe Confidential.</a:t>
+              <a:rPr spc="-5"/>
+              <a:t>©202</a:t>
+            </a:r>
+            <a:r>
+              <a:rPr lang="en-US" spc="-5"/>
+              <a:t>1</a:t>
+            </a:r>
+            <a:r>
+              <a:rPr spc="-5"/>
+              <a:t> Adobe. All Rights Reserved. Adobe</a:t>
+            </a:r>
+            <a:r>
+              <a:rPr spc="60"/>
+              <a:t> </a:t>
+            </a:r>
+            <a:r>
+              <a:rPr spc="-5"/>
+              <a:t>Confidential.</a:t>
             </a:r>
           </a:p>
         </p:txBody>
@@ -7392,13 +8051,13 @@
               </a:spcAft>
             </a:pPr>
             <a:r>
-              <a:rPr lang="pt-BR" sz="1200" b="1">
+              <a:rPr lang="en-US" sz="1200" b="1" spc="-10">
                 <a:solidFill>
                   <a:srgbClr val="020302"/>
                 </a:solidFill>
                 <a:latin typeface="+mj-lt"/>
               </a:rPr>
-              <a:t>Líder de suporte da conta</a:t>
+              <a:t>Account Support Lead</a:t>
             </a:r>
           </a:p>
         </p:txBody>
@@ -7418,7 +8077,7 @@
         <p:spPr>
           <a:xfrm>
             <a:off x="401995" y="5785009"/>
-            <a:ext cx="2078315" cy="82911"/>
+            <a:ext cx="1848207" cy="45719"/>
           </a:xfrm>
           <a:custGeom>
             <a:avLst/>
@@ -7487,15 +8146,19 @@
               </a:spcBef>
             </a:pPr>
             <a:r>
-              <a:rPr lang="pt-BR" sz="1400" b="1">
+              <a:rPr lang="en-US" sz="1400" b="1" spc="-10">
                 <a:solidFill>
                   <a:srgbClr val="020302"/>
                 </a:solidFill>
                 <a:latin typeface="Adobe Clean"/>
                 <a:cs typeface="Adobe Clean"/>
               </a:rPr>
-              <a:t>Recursos de suporte online</a:t>
-            </a:r>
+              <a:t>Online Support Features</a:t>
+            </a:r>
+            <a:endParaRPr lang="en-US" sz="1400">
+              <a:latin typeface="Adobe Clean"/>
+              <a:cs typeface="Adobe Clean"/>
+            </a:endParaRPr>
           </a:p>
         </p:txBody>
       </p:sp>
@@ -7514,7 +8177,7 @@
         <p:spPr>
           <a:xfrm>
             <a:off x="384421" y="774495"/>
-            <a:ext cx="2185864" cy="73614"/>
+            <a:ext cx="2011680" cy="0"/>
           </a:xfrm>
           <a:custGeom>
             <a:avLst/>
@@ -7583,15 +8246,19 @@
               </a:spcBef>
             </a:pPr>
             <a:r>
-              <a:rPr lang="pt-BR" sz="1400" b="1">
+              <a:rPr lang="en-US" sz="1400" b="1" spc="-10">
                 <a:solidFill>
                   <a:srgbClr val="020302"/>
                 </a:solidFill>
                 <a:latin typeface="Adobe Clean"/>
                 <a:cs typeface="Adobe Clean"/>
               </a:rPr>
-              <a:t>Recursos do Suporte Business</a:t>
-            </a:r>
+              <a:t>Business  Support Features</a:t>
+            </a:r>
+            <a:endParaRPr lang="en-US" sz="1400">
+              <a:latin typeface="Adobe Clean"/>
+              <a:cs typeface="Adobe Clean"/>
+            </a:endParaRPr>
           </a:p>
         </p:txBody>
       </p:sp>
@@ -7609,8 +8276,8 @@
         </p:nvSpPr>
         <p:spPr>
           <a:xfrm>
-            <a:off x="2836966" y="1370913"/>
-            <a:ext cx="2333203" cy="1817998"/>
+            <a:off x="2836967" y="1370913"/>
+            <a:ext cx="2286000" cy="1456681"/>
           </a:xfrm>
           <a:prstGeom prst="rect">
             <a:avLst/>
@@ -7631,33 +8298,15 @@
               </a:spcBef>
             </a:pPr>
             <a:r>
-              <a:rPr lang="pt-BR" sz="1000" dirty="0">
+              <a:rPr lang="en-US" sz="1000">
                 <a:latin typeface="Adobe Clean Light" panose="020B0303020404020204" pitchFamily="34" charset="0"/>
               </a:rPr>
-              <a:t>Os clientes podem enviar casos de suporte </a:t>
-            </a:r>
-            <a:br>
-              <a:rPr lang="pt-BR" sz="1000" dirty="0">
-                <a:latin typeface="Adobe Clean Light" panose="020B0303020404020204" pitchFamily="34" charset="0"/>
-              </a:rPr>
-            </a:br>
-            <a:r>
-              <a:rPr lang="pt-BR" sz="1000" dirty="0">
-                <a:latin typeface="Adobe Clean Light" panose="020B0303020404020204" pitchFamily="34" charset="0"/>
-              </a:rPr>
-              <a:t>por telefone para todos os problemas com prioridade P2, P3 e P4 durante o horário de suporte regional. Não há limites máximos </a:t>
-            </a:r>
-            <a:br>
-              <a:rPr lang="pt-BR" sz="1000" dirty="0">
-                <a:latin typeface="Adobe Clean Light" panose="020B0303020404020204" pitchFamily="34" charset="0"/>
-              </a:rPr>
-            </a:br>
-            <a:r>
-              <a:rPr lang="pt-BR" sz="1000" dirty="0">
-                <a:latin typeface="Adobe Clean Light" panose="020B0303020404020204" pitchFamily="34" charset="0"/>
-              </a:rPr>
-              <a:t>para o número de vezes que você pode ligar para o suporte. Os clientes também podem solicitar uma chamada de retorno do suporte ou solicitar uma reunião para demonstrar ou solucionar um problema usando uma sessão de desktop remoto compartilhado.</a:t>
-            </a:r>
+              <a:t>Customers can submit support cases via Phone for all P2, P3, P4 issues during regional support hours. There are no upper limits on the number of times you can call into support. Customers can also request a call back from support or request a meeting to demonstrate or work through an issue using a shared remote desktop session.</a:t>
+            </a:r>
+            <a:endParaRPr lang="en-US" sz="1000">
+              <a:latin typeface="Adobe Clean Light" panose="020B0303020404020204" pitchFamily="34" charset="0"/>
+              <a:cs typeface="AdobeClean-Light"/>
+            </a:endParaRPr>
           </a:p>
         </p:txBody>
       </p:sp>
@@ -7699,13 +8348,13 @@
               </a:spcAft>
             </a:pPr>
             <a:r>
-              <a:rPr lang="pt-BR" sz="1200" b="1">
+              <a:rPr lang="en-US" sz="1200" b="1" spc="-10">
                 <a:solidFill>
                   <a:srgbClr val="020302"/>
                 </a:solidFill>
                 <a:latin typeface="+mj-lt"/>
               </a:rPr>
-              <a:t>Suporte telefônico ao vivo</a:t>
+              <a:t>Live Telephone Support</a:t>
             </a:r>
           </a:p>
         </p:txBody>
@@ -7725,7 +8374,7 @@
         <p:spPr>
           <a:xfrm>
             <a:off x="5376301" y="1398482"/>
-            <a:ext cx="2286000" cy="959237"/>
+            <a:ext cx="2286000" cy="805349"/>
           </a:xfrm>
           <a:prstGeom prst="rect">
             <a:avLst/>
@@ -7746,65 +8395,18 @@
               </a:spcBef>
             </a:pPr>
             <a:r>
-              <a:rPr lang="pt-BR" sz="1000" dirty="0">
+              <a:rPr lang="en-US" sz="1000">
                 <a:solidFill>
                   <a:srgbClr val="4B4B4B"/>
                 </a:solidFill>
                 <a:latin typeface="Adobe Clean Light" panose="020B0303020404020204" pitchFamily="34" charset="0"/>
               </a:rPr>
-              <a:t>Um ponto de contato designado na </a:t>
-            </a:r>
-            <a:br>
-              <a:rPr lang="pt-BR" sz="1000" dirty="0">
-                <a:solidFill>
-                  <a:srgbClr val="4B4B4B"/>
-                </a:solidFill>
-                <a:latin typeface="Adobe Clean Light" panose="020B0303020404020204" pitchFamily="34" charset="0"/>
-              </a:rPr>
-            </a:br>
-            <a:r>
-              <a:rPr lang="pt-BR" sz="1000" dirty="0">
-                <a:solidFill>
-                  <a:srgbClr val="4B4B4B"/>
-                </a:solidFill>
-                <a:latin typeface="Adobe Clean Light" panose="020B0303020404020204" pitchFamily="34" charset="0"/>
-              </a:rPr>
-              <a:t>Adobe que pode fornecer assistência </a:t>
-            </a:r>
-            <a:br>
-              <a:rPr lang="pt-BR" sz="1000" dirty="0">
-                <a:solidFill>
-                  <a:srgbClr val="4B4B4B"/>
-                </a:solidFill>
-                <a:latin typeface="Adobe Clean Light" panose="020B0303020404020204" pitchFamily="34" charset="0"/>
-              </a:rPr>
-            </a:br>
-            <a:r>
-              <a:rPr lang="pt-BR" sz="1000" dirty="0">
-                <a:solidFill>
-                  <a:srgbClr val="4B4B4B"/>
-                </a:solidFill>
-                <a:latin typeface="Adobe Clean Light" panose="020B0303020404020204" pitchFamily="34" charset="0"/>
-              </a:rPr>
-              <a:t>de encaminhamento, atualizações regulares </a:t>
-            </a:r>
-            <a:br>
-              <a:rPr lang="pt-BR" sz="1000" dirty="0">
-                <a:solidFill>
-                  <a:srgbClr val="4B4B4B"/>
-                </a:solidFill>
-                <a:latin typeface="Adobe Clean Light" panose="020B0303020404020204" pitchFamily="34" charset="0"/>
-              </a:rPr>
-            </a:br>
-            <a:r>
-              <a:rPr lang="pt-BR" sz="1000" dirty="0">
-                <a:solidFill>
-                  <a:srgbClr val="4B4B4B"/>
-                </a:solidFill>
-                <a:latin typeface="Adobe Clean Light" panose="020B0303020404020204" pitchFamily="34" charset="0"/>
-              </a:rPr>
-              <a:t>e garantir que seja dada prioridade àquelas solicitações de suporte abertas que forem mais críticas.</a:t>
-            </a:r>
+              <a:t>A designated point of contact within Adobe who can provide escalation assistance, regular updates and ensure priority is given to your most critical open support requests.</a:t>
+            </a:r>
+            <a:endParaRPr lang="en-US" sz="1000">
+              <a:latin typeface="Adobe Clean Light" panose="020B0303020404020204" pitchFamily="34" charset="0"/>
+              <a:cs typeface="AdobeClean-Light"/>
+            </a:endParaRPr>
           </a:p>
         </p:txBody>
       </p:sp>
@@ -7824,8 +8426,8 @@
         </p:nvSpPr>
         <p:spPr>
           <a:xfrm>
-            <a:off x="5885312" y="956112"/>
-            <a:ext cx="1818507" cy="369332"/>
+            <a:off x="5885313" y="1085652"/>
+            <a:ext cx="1608472" cy="184666"/>
           </a:xfrm>
           <a:prstGeom prst="rect">
             <a:avLst/>
@@ -7846,30 +8448,13 @@
               </a:spcAft>
             </a:pPr>
             <a:r>
-              <a:rPr lang="pt-BR" sz="1200" b="1" dirty="0">
+              <a:rPr lang="en-US" sz="1200" b="1" spc="-10">
                 <a:solidFill>
                   <a:srgbClr val="020302"/>
                 </a:solidFill>
                 <a:latin typeface="+mj-lt"/>
               </a:rPr>
-              <a:t>Gestão </a:t>
-            </a:r>
-            <a:br>
-              <a:rPr lang="pt-BR" sz="1200" b="1" dirty="0">
-                <a:solidFill>
-                  <a:srgbClr val="020302"/>
-                </a:solidFill>
-                <a:latin typeface="+mj-lt"/>
-              </a:rPr>
-            </a:br>
-            <a:r>
-              <a:rPr lang="pt-BR" sz="1200" b="1" dirty="0">
-                <a:solidFill>
-                  <a:srgbClr val="020302"/>
-                </a:solidFill>
-                <a:latin typeface="+mj-lt"/>
-              </a:rPr>
-              <a:t>de encaminhamento</a:t>
+              <a:t>Escalation Management</a:t>
             </a:r>
           </a:p>
         </p:txBody>
@@ -7917,7 +8502,7 @@
               <a:defRPr/>
             </a:pPr>
             <a:r>
-              <a:rPr lang="pt-BR" sz="1200">
+              <a:rPr lang="en-US" sz="1200">
                 <a:solidFill>
                   <a:srgbClr val="000000"/>
                 </a:solidFill>
@@ -7965,12 +8550,12 @@
               </a:spcAft>
             </a:pPr>
             <a:r>
-              <a:rPr lang="pt-BR" sz="1200" b="1">
+              <a:rPr lang="en-US" sz="1200" b="1">
                 <a:latin typeface="+mj-lt"/>
                 <a:ea typeface="Open Sans" pitchFamily="34" charset="0"/>
                 <a:cs typeface="Open Sans" pitchFamily="34" charset="0"/>
               </a:rPr>
-              <a:t>Webinários</a:t>
+              <a:t>Webinars</a:t>
             </a:r>
           </a:p>
         </p:txBody>
@@ -7990,7 +8575,7 @@
         <p:spPr>
           <a:xfrm>
             <a:off x="370040" y="8618616"/>
-            <a:ext cx="2286000" cy="959237"/>
+            <a:ext cx="2286000" cy="1113125"/>
           </a:xfrm>
           <a:prstGeom prst="rect">
             <a:avLst/>
@@ -8003,30 +8588,13 @@
           <a:lstStyle/>
           <a:p>
             <a:r>
-              <a:rPr lang="pt-BR" sz="1000" dirty="0">
+              <a:rPr lang="en-US" sz="1000">
                 <a:solidFill>
                   <a:srgbClr val="000000"/>
                 </a:solidFill>
                 <a:latin typeface="Adobe Clean Light" panose="020B0303020404020204" pitchFamily="34" charset="0"/>
               </a:rPr>
-              <a:t>O Office Hours é uma iniciativa liderada pela equipe de Suporte ao cliente da Adobe. </a:t>
-            </a:r>
-            <a:br>
-              <a:rPr lang="pt-BR" sz="1000" dirty="0">
-                <a:solidFill>
-                  <a:srgbClr val="000000"/>
-                </a:solidFill>
-                <a:latin typeface="Adobe Clean Light" panose="020B0303020404020204" pitchFamily="34" charset="0"/>
-              </a:rPr>
-            </a:br>
-            <a:r>
-              <a:rPr lang="pt-BR" sz="1000" dirty="0">
-                <a:solidFill>
-                  <a:srgbClr val="000000"/>
-                </a:solidFill>
-                <a:latin typeface="Adobe Clean Light" panose="020B0303020404020204" pitchFamily="34" charset="0"/>
-              </a:rPr>
-              <a:t>Essas sessões foram criadas para informar e ajudar os participantes a solucionar problemas e fornecer dicas e truques para aproveitar ao máximo a Adobe Experience Cloud.</a:t>
+              <a:t>Office Hours is an initiative led by the Adobe Customer Support team. These sessions are designed to inform as well as help participants troubleshoot problems and provide tips and tricks to be successful with Adobe Experience Cloud.</a:t>
             </a:r>
           </a:p>
         </p:txBody>
@@ -8069,12 +8637,12 @@
               </a:spcAft>
             </a:pPr>
             <a:r>
-              <a:rPr lang="pt-BR" sz="1200" b="1">
+              <a:rPr lang="en-US" sz="1200" b="1">
                 <a:latin typeface="+mj-lt"/>
                 <a:ea typeface="Open Sans" pitchFamily="34" charset="0"/>
                 <a:cs typeface="Open Sans" pitchFamily="34" charset="0"/>
               </a:rPr>
-              <a:t>Portal de suporte 24/7</a:t>
+              <a:t>24/7 Support Portal</a:t>
             </a:r>
           </a:p>
         </p:txBody>
@@ -8094,7 +8662,7 @@
         <p:spPr>
           <a:xfrm>
             <a:off x="5376301" y="8618616"/>
-            <a:ext cx="2286000" cy="959237"/>
+            <a:ext cx="2286000" cy="805349"/>
           </a:xfrm>
           <a:prstGeom prst="rect">
             <a:avLst/>
@@ -8107,16 +8675,16 @@
           <a:lstStyle/>
           <a:p>
             <a:r>
-              <a:rPr lang="pt-BR" sz="1000" dirty="0">
+              <a:rPr lang="en-US" sz="1000">
                 <a:solidFill>
                   <a:srgbClr val="000000"/>
                 </a:solidFill>
                 <a:latin typeface="Adobe Clean Light" panose="020B0303020404020204" pitchFamily="34" charset="0"/>
               </a:rPr>
-              <a:t>Acesso sob demanda ao Portal de autoatendimento online para enviar solicitações de suporte, revisar o status do caso e procurar outros recursos, como nossa base de conhecimento, notícias e alertas, </a:t>
+              <a:t>On-demand access to the online </a:t>
             </a:r>
             <a:br>
-              <a:rPr lang="pt-BR" sz="1000" dirty="0">
+              <a:rPr lang="en-US" sz="1000">
                 <a:solidFill>
                   <a:srgbClr val="000000"/>
                 </a:solidFill>
@@ -8124,13 +8692,13 @@
               </a:rPr>
             </a:br>
             <a:r>
-              <a:rPr lang="pt-BR" sz="1000" dirty="0">
+              <a:rPr lang="en-US" sz="1000">
                 <a:solidFill>
                   <a:srgbClr val="000000"/>
                 </a:solidFill>
                 <a:latin typeface="Adobe Clean Light" panose="020B0303020404020204" pitchFamily="34" charset="0"/>
               </a:rPr>
-              <a:t>dicas em destaque e muito mais.</a:t>
+              <a:t>Self-help Support Portal to submit support requests, review case status, and browse other resources, like our knowledgebase, news and alerts, featured tips, and more.</a:t>
             </a:r>
           </a:p>
         </p:txBody>
@@ -8227,8 +8795,8 @@
         </p:nvSpPr>
         <p:spPr>
           <a:xfrm>
-            <a:off x="789024" y="3499700"/>
-            <a:ext cx="1759037" cy="285247"/>
+            <a:off x="789025" y="3499700"/>
+            <a:ext cx="1336142" cy="285247"/>
           </a:xfrm>
           <a:prstGeom prst="rect">
             <a:avLst/>
@@ -8242,10 +8810,10 @@
           <a:lstStyle/>
           <a:p>
             <a:r>
-              <a:rPr lang="pt-BR" sz="1200" b="1" dirty="0">
+              <a:rPr lang="en-US" sz="1200" b="1">
                 <a:latin typeface="+mj-lt"/>
               </a:rPr>
-              <a:t>Serviços empresariais</a:t>
+              <a:t>Business Services</a:t>
             </a:r>
           </a:p>
         </p:txBody>
@@ -8286,23 +8854,15 @@
               </a:spcBef>
             </a:pPr>
             <a:r>
-              <a:rPr lang="pt-BR" sz="1000" dirty="0">
+              <a:rPr lang="en-US" sz="1000">
                 <a:latin typeface="Adobe Clean Light" panose="020B0303020404020204" pitchFamily="34" charset="0"/>
               </a:rPr>
-              <a:t>Um Líder de suporte da conta apresentará </a:t>
-            </a:r>
-            <a:r>
-              <a:rPr lang="pt-BR" sz="1000" dirty="0" err="1">
-                <a:latin typeface="Adobe Clean Light" panose="020B0303020404020204" pitchFamily="34" charset="0"/>
-              </a:rPr>
-              <a:t>webinários</a:t>
-            </a:r>
-            <a:r>
-              <a:rPr lang="pt-BR" sz="1000" dirty="0">
-                <a:latin typeface="Adobe Clean Light" panose="020B0303020404020204" pitchFamily="34" charset="0"/>
-              </a:rPr>
-              <a:t> com uma visão geral dos serviços de suporte empresarial.  </a:t>
-            </a:r>
+              <a:t>An Account Support Lead will host webinars covering an overview of business support services.  </a:t>
+            </a:r>
+            <a:endParaRPr lang="en-US" sz="1000">
+              <a:latin typeface="Adobe Clean Light" panose="020B0303020404020204" pitchFamily="34" charset="0"/>
+              <a:cs typeface="AdobeClean-Light"/>
+            </a:endParaRPr>
           </a:p>
         </p:txBody>
       </p:sp>
@@ -8320,7 +8880,7 @@
         </p:nvSpPr>
         <p:spPr>
           <a:xfrm rot="5400000" flipH="1">
-            <a:off x="3863341" y="527757"/>
+            <a:off x="3863341" y="302967"/>
             <a:ext cx="45719" cy="5577840"/>
           </a:xfrm>
           <a:custGeom>
@@ -8687,7 +9247,7 @@
         </p:nvSpPr>
         <p:spPr>
           <a:xfrm rot="5400000" flipH="1">
-            <a:off x="3863341" y="5035697"/>
+            <a:off x="3863341" y="4967117"/>
             <a:ext cx="45719" cy="5577840"/>
           </a:xfrm>
           <a:custGeom>
@@ -8771,12 +9331,12 @@
               <a:defRPr/>
             </a:pPr>
             <a:r>
-              <a:rPr lang="pt-BR" sz="1200" dirty="0">
+              <a:rPr lang="en-US" sz="1200">
                 <a:solidFill>
                   <a:srgbClr val="000000"/>
                 </a:solidFill>
               </a:rPr>
-              <a:t>Portal de autoatendimento</a:t>
+              <a:t>Self– Help Portal</a:t>
             </a:r>
           </a:p>
         </p:txBody>
@@ -8824,7 +9384,7 @@
               <a:defRPr/>
             </a:pPr>
             <a:r>
-              <a:rPr lang="pt-BR" sz="1200">
+              <a:rPr lang="en-US" sz="1200">
                 <a:solidFill>
                   <a:srgbClr val="000000"/>
                 </a:solidFill>
@@ -8886,15 +9446,49 @@
               </a:lnSpc>
             </a:pPr>
             <a:r>
-              <a:rPr lang="pt-BR" sz="500">
+              <a:rPr sz="500" spc="-5">
                 <a:solidFill>
                   <a:srgbClr val="6C6C6C"/>
                 </a:solidFill>
                 <a:latin typeface="Adobe Clean"/>
                 <a:cs typeface="Adobe Clean"/>
               </a:rPr>
-              <a:t>©2020 Adobe. All Rights Reserved. Adobe Confidential.</a:t>
-            </a:r>
+              <a:t>©2020 Adobe. All Rights Reserved. </a:t>
+            </a:r>
+            <a:r>
+              <a:rPr sz="500">
+                <a:solidFill>
+                  <a:srgbClr val="6C6C6C"/>
+                </a:solidFill>
+                <a:latin typeface="Adobe Clean"/>
+                <a:cs typeface="Adobe Clean"/>
+              </a:rPr>
+              <a:t>Adobe</a:t>
+            </a:r>
+            <a:r>
+              <a:rPr sz="500" spc="5">
+                <a:solidFill>
+                  <a:srgbClr val="6C6C6C"/>
+                </a:solidFill>
+                <a:latin typeface="Adobe Clean"/>
+                <a:cs typeface="Adobe Clean"/>
+              </a:rPr>
+              <a:t> </a:t>
+            </a:r>
+            <a:r>
+              <a:rPr sz="500" spc="-5">
+                <a:solidFill>
+                  <a:srgbClr val="6C6C6C"/>
+                </a:solidFill>
+                <a:latin typeface="Adobe Clean"/>
+                <a:cs typeface="Adobe Clean"/>
+              </a:rPr>
+              <a:t>Confidential.</a:t>
+            </a:r>
+            <a:endParaRPr sz="500">
+              <a:latin typeface="Adobe Clean"/>
+              <a:cs typeface="Adobe Clean"/>
+            </a:endParaRPr>
           </a:p>
           <a:p>
             <a:pPr>
@@ -8920,15 +9514,39 @@
               </a:spcBef>
             </a:pPr>
             <a:r>
-              <a:rPr lang="pt-BR" sz="800">
+              <a:rPr sz="800" spc="-5">
                 <a:solidFill>
                   <a:srgbClr val="6D6D6D"/>
                 </a:solidFill>
                 <a:latin typeface="Adobe Clean"/>
                 <a:cs typeface="Adobe Clean"/>
               </a:rPr>
-              <a:t>©2020 Adobe. All Rights Reserved. Adobe Confidential.</a:t>
-            </a:r>
+              <a:t>©2020 Adobe. All Rights Reserved. Adobe</a:t>
+            </a:r>
+            <a:r>
+              <a:rPr sz="800" spc="75">
+                <a:solidFill>
+                  <a:srgbClr val="6D6D6D"/>
+                </a:solidFill>
+                <a:latin typeface="Adobe Clean"/>
+                <a:cs typeface="Adobe Clean"/>
+              </a:rPr>
+              <a:t> </a:t>
+            </a:r>
+            <a:r>
+              <a:rPr sz="800" spc="-5">
+                <a:solidFill>
+                  <a:srgbClr val="6D6D6D"/>
+                </a:solidFill>
+                <a:latin typeface="Adobe Clean"/>
+                <a:cs typeface="Adobe Clean"/>
+              </a:rPr>
+              <a:t>Confidential.</a:t>
+            </a:r>
+            <a:endParaRPr sz="800">
+              <a:latin typeface="Adobe Clean"/>
+              <a:cs typeface="Adobe Clean"/>
+            </a:endParaRPr>
           </a:p>
         </p:txBody>
       </p:sp>
@@ -8978,7 +9596,7 @@
           <a:bodyPr wrap="square" lIns="0" tIns="0" rIns="0" bIns="0" rtlCol="0"/>
           <a:lstStyle/>
           <a:p>
-            <a:endParaRPr dirty="0"/>
+            <a:endParaRPr/>
           </a:p>
         </p:txBody>
       </p:sp>
@@ -9012,15 +9630,19 @@
               </a:spcBef>
             </a:pPr>
             <a:r>
-              <a:rPr lang="pt-BR" sz="1400" b="1">
+              <a:rPr lang="en-US" sz="1400" b="1" spc="-15">
                 <a:solidFill>
                   <a:srgbClr val="020302"/>
                 </a:solidFill>
                 <a:latin typeface="Adobe Clean"/>
                 <a:cs typeface="Adobe Clean"/>
               </a:rPr>
-              <a:t>Recursos</a:t>
-            </a:r>
+              <a:t>Resources</a:t>
+            </a:r>
+            <a:endParaRPr sz="1400">
+              <a:latin typeface="Adobe Clean"/>
+              <a:cs typeface="Adobe Clean"/>
+            </a:endParaRPr>
           </a:p>
         </p:txBody>
       </p:sp>
@@ -9033,7 +9655,7 @@
         <p:spPr>
           <a:xfrm>
             <a:off x="6754821" y="9283729"/>
-            <a:ext cx="979479" cy="662305"/>
+            <a:ext cx="930275" cy="662305"/>
           </a:xfrm>
           <a:prstGeom prst="rect">
             <a:avLst/>
@@ -9054,7 +9676,7 @@
               </a:spcBef>
             </a:pPr>
             <a:r>
-              <a:rPr lang="pt-BR" sz="800" dirty="0">
+              <a:rPr sz="800" spc="-15">
                 <a:solidFill>
                   <a:srgbClr val="777879"/>
                 </a:solidFill>
@@ -9063,6 +9685,10 @@
               </a:rPr>
               <a:t>Adobe</a:t>
             </a:r>
+            <a:endParaRPr sz="800">
+              <a:latin typeface="Adobe Clean"/>
+              <a:cs typeface="Adobe Clean"/>
+            </a:endParaRPr>
           </a:p>
           <a:p>
             <a:pPr marL="12700">
@@ -9071,15 +9697,39 @@
               </a:lnSpc>
             </a:pPr>
             <a:r>
-              <a:rPr lang="pt-BR" sz="800" dirty="0">
+              <a:rPr sz="800" spc="-15">
                 <a:solidFill>
                   <a:srgbClr val="777879"/>
                 </a:solidFill>
                 <a:latin typeface="Adobe Clean"/>
                 <a:cs typeface="Adobe Clean"/>
               </a:rPr>
-              <a:t>345 Park Avenue</a:t>
-            </a:r>
+              <a:t>345 Park</a:t>
+            </a:r>
+            <a:r>
+              <a:rPr sz="800" spc="-100">
+                <a:solidFill>
+                  <a:srgbClr val="777879"/>
+                </a:solidFill>
+                <a:latin typeface="Adobe Clean"/>
+                <a:cs typeface="Adobe Clean"/>
+              </a:rPr>
+              <a:t> </a:t>
+            </a:r>
+            <a:r>
+              <a:rPr sz="800" spc="-15">
+                <a:solidFill>
+                  <a:srgbClr val="777879"/>
+                </a:solidFill>
+                <a:latin typeface="Adobe Clean"/>
+                <a:cs typeface="Adobe Clean"/>
+              </a:rPr>
+              <a:t>Avenue</a:t>
+            </a:r>
+            <a:endParaRPr sz="800">
+              <a:latin typeface="Adobe Clean"/>
+              <a:cs typeface="Adobe Clean"/>
+            </a:endParaRPr>
           </a:p>
           <a:p>
             <a:pPr marL="12700">
@@ -9088,15 +9738,49 @@
               </a:lnSpc>
             </a:pPr>
             <a:r>
-              <a:rPr lang="pt-BR" sz="800" dirty="0">
+              <a:rPr sz="800" spc="-10">
                 <a:solidFill>
                   <a:srgbClr val="777879"/>
                 </a:solidFill>
                 <a:latin typeface="Adobe Clean"/>
                 <a:cs typeface="Adobe Clean"/>
               </a:rPr>
-              <a:t>San Jose, CA95110-2704</a:t>
-            </a:r>
+              <a:t>San </a:t>
+            </a:r>
+            <a:r>
+              <a:rPr sz="800" spc="-15">
+                <a:solidFill>
+                  <a:srgbClr val="777879"/>
+                </a:solidFill>
+                <a:latin typeface="Adobe Clean"/>
+                <a:cs typeface="Adobe Clean"/>
+              </a:rPr>
+              <a:t>Jose,</a:t>
+            </a:r>
+            <a:r>
+              <a:rPr sz="800" spc="-140">
+                <a:solidFill>
+                  <a:srgbClr val="777879"/>
+                </a:solidFill>
+                <a:latin typeface="Adobe Clean"/>
+                <a:cs typeface="Adobe Clean"/>
+              </a:rPr>
+              <a:t> </a:t>
+            </a:r>
+            <a:r>
+              <a:rPr sz="800" spc="-20">
+                <a:solidFill>
+                  <a:srgbClr val="777879"/>
+                </a:solidFill>
+                <a:latin typeface="Adobe Clean"/>
+                <a:cs typeface="Adobe Clean"/>
+              </a:rPr>
+              <a:t>CA95110-2704</a:t>
+            </a:r>
+            <a:endParaRPr sz="800">
+              <a:latin typeface="Adobe Clean"/>
+              <a:cs typeface="Adobe Clean"/>
+            </a:endParaRPr>
           </a:p>
           <a:p>
             <a:pPr marL="12700">
@@ -9108,7 +9792,7 @@
               </a:spcBef>
             </a:pPr>
             <a:r>
-              <a:rPr lang="pt-BR" sz="800" dirty="0">
+              <a:rPr sz="800" spc="-10">
                 <a:solidFill>
                   <a:srgbClr val="777879"/>
                 </a:solidFill>
@@ -9117,6 +9801,10 @@
               </a:rPr>
               <a:t>USA</a:t>
             </a:r>
+            <a:endParaRPr sz="800">
+              <a:latin typeface="Adobe Clean"/>
+              <a:cs typeface="Adobe Clean"/>
+            </a:endParaRPr>
           </a:p>
           <a:p>
             <a:pPr marL="12700">
@@ -9128,7 +9816,7 @@
               </a:spcBef>
             </a:pPr>
             <a:r>
-              <a:rPr lang="pt-BR" sz="800" u="sng" dirty="0">
+              <a:rPr sz="800" u="sng" spc="-25">
                 <a:solidFill>
                   <a:srgbClr val="5F5F5F"/>
                 </a:solidFill>
@@ -9143,6 +9831,10 @@
               </a:rPr>
               <a:t>www.adobe.com</a:t>
             </a:r>
+            <a:endParaRPr sz="800">
+              <a:latin typeface="Adobe Clean"/>
+              <a:cs typeface="Adobe Clean"/>
+            </a:endParaRPr>
           </a:p>
         </p:txBody>
       </p:sp>
@@ -9296,7 +9988,7 @@
         <p:spPr>
           <a:xfrm>
             <a:off x="75947" y="9437110"/>
-            <a:ext cx="5738113" cy="570865"/>
+            <a:ext cx="5466715" cy="570865"/>
           </a:xfrm>
           <a:prstGeom prst="rect">
             <a:avLst/>
@@ -9317,15 +10009,439 @@
               </a:spcBef>
             </a:pPr>
             <a:r>
-              <a:rPr lang="pt-BR" sz="1100" i="1" dirty="0">
+              <a:rPr sz="1100" i="1" spc="-10">
                 <a:solidFill>
                   <a:srgbClr val="777879"/>
                 </a:solidFill>
                 <a:latin typeface="AdobeClean-LightIt"/>
                 <a:cs typeface="AdobeClean-LightIt"/>
               </a:rPr>
-              <a:t>Para saber mais sobre os Serviços de suporte Adobe e identificar o nível certo para você, entre em contato com o seu Gerente de conta nomeado (NAM, em inglês) ou Gerente de sucesso do cliente (CSM, em inglês).</a:t>
-            </a:r>
+              <a:t>To</a:t>
+            </a:r>
+            <a:r>
+              <a:rPr sz="1100" i="1" spc="-50">
+                <a:solidFill>
+                  <a:srgbClr val="777879"/>
+                </a:solidFill>
+                <a:latin typeface="AdobeClean-LightIt"/>
+                <a:cs typeface="AdobeClean-LightIt"/>
+              </a:rPr>
+              <a:t> </a:t>
+            </a:r>
+            <a:r>
+              <a:rPr sz="1100" i="1" spc="-15">
+                <a:solidFill>
+                  <a:srgbClr val="777879"/>
+                </a:solidFill>
+                <a:latin typeface="AdobeClean-LightIt"/>
+                <a:cs typeface="AdobeClean-LightIt"/>
+              </a:rPr>
+              <a:t>learn</a:t>
+            </a:r>
+            <a:r>
+              <a:rPr sz="1100" i="1" spc="-40">
+                <a:solidFill>
+                  <a:srgbClr val="777879"/>
+                </a:solidFill>
+                <a:latin typeface="AdobeClean-LightIt"/>
+                <a:cs typeface="AdobeClean-LightIt"/>
+              </a:rPr>
+              <a:t> </a:t>
+            </a:r>
+            <a:r>
+              <a:rPr sz="1100" i="1" spc="-15">
+                <a:solidFill>
+                  <a:srgbClr val="777879"/>
+                </a:solidFill>
+                <a:latin typeface="AdobeClean-LightIt"/>
+                <a:cs typeface="AdobeClean-LightIt"/>
+              </a:rPr>
+              <a:t>more</a:t>
+            </a:r>
+            <a:r>
+              <a:rPr sz="1100" i="1" spc="-45">
+                <a:solidFill>
+                  <a:srgbClr val="777879"/>
+                </a:solidFill>
+                <a:latin typeface="AdobeClean-LightIt"/>
+                <a:cs typeface="AdobeClean-LightIt"/>
+              </a:rPr>
+              <a:t> </a:t>
+            </a:r>
+            <a:r>
+              <a:rPr sz="1100" i="1" spc="-15">
+                <a:solidFill>
+                  <a:srgbClr val="777879"/>
+                </a:solidFill>
+                <a:latin typeface="AdobeClean-LightIt"/>
+                <a:cs typeface="AdobeClean-LightIt"/>
+              </a:rPr>
+              <a:t>about</a:t>
+            </a:r>
+            <a:r>
+              <a:rPr sz="1100" i="1" spc="-45">
+                <a:solidFill>
+                  <a:srgbClr val="777879"/>
+                </a:solidFill>
+                <a:latin typeface="AdobeClean-LightIt"/>
+                <a:cs typeface="AdobeClean-LightIt"/>
+              </a:rPr>
+              <a:t> </a:t>
+            </a:r>
+            <a:r>
+              <a:rPr sz="1100" i="1" spc="-15">
+                <a:solidFill>
+                  <a:srgbClr val="777879"/>
+                </a:solidFill>
+                <a:latin typeface="AdobeClean-LightIt"/>
+                <a:cs typeface="AdobeClean-LightIt"/>
+              </a:rPr>
+              <a:t>Adobe</a:t>
+            </a:r>
+            <a:r>
+              <a:rPr sz="1100" i="1" spc="-50">
+                <a:solidFill>
+                  <a:srgbClr val="777879"/>
+                </a:solidFill>
+                <a:latin typeface="AdobeClean-LightIt"/>
+                <a:cs typeface="AdobeClean-LightIt"/>
+              </a:rPr>
+              <a:t> </a:t>
+            </a:r>
+            <a:r>
+              <a:rPr sz="1100" i="1" spc="-15">
+                <a:solidFill>
+                  <a:srgbClr val="777879"/>
+                </a:solidFill>
+                <a:latin typeface="AdobeClean-LightIt"/>
+                <a:cs typeface="AdobeClean-LightIt"/>
+              </a:rPr>
+              <a:t>Support</a:t>
+            </a:r>
+            <a:r>
+              <a:rPr lang="en-US" sz="1100" i="1" spc="-15">
+                <a:solidFill>
+                  <a:srgbClr val="777879"/>
+                </a:solidFill>
+                <a:latin typeface="AdobeClean-LightIt"/>
+                <a:cs typeface="AdobeClean-LightIt"/>
+              </a:rPr>
+              <a:t> Offerings</a:t>
+            </a:r>
+            <a:r>
+              <a:rPr sz="1100" i="1" spc="-75">
+                <a:solidFill>
+                  <a:srgbClr val="777879"/>
+                </a:solidFill>
+                <a:latin typeface="AdobeClean-LightIt"/>
+                <a:cs typeface="AdobeClean-LightIt"/>
+              </a:rPr>
+              <a:t> </a:t>
+            </a:r>
+            <a:r>
+              <a:rPr sz="1100" i="1" spc="-15">
+                <a:solidFill>
+                  <a:srgbClr val="777879"/>
+                </a:solidFill>
+                <a:latin typeface="AdobeClean-LightIt"/>
+                <a:cs typeface="AdobeClean-LightIt"/>
+              </a:rPr>
+              <a:t>and</a:t>
+            </a:r>
+            <a:r>
+              <a:rPr sz="1100" i="1" spc="-50">
+                <a:solidFill>
+                  <a:srgbClr val="777879"/>
+                </a:solidFill>
+                <a:latin typeface="AdobeClean-LightIt"/>
+                <a:cs typeface="AdobeClean-LightIt"/>
+              </a:rPr>
+              <a:t> </a:t>
+            </a:r>
+            <a:r>
+              <a:rPr sz="1100" i="1" spc="-15">
+                <a:solidFill>
+                  <a:srgbClr val="777879"/>
+                </a:solidFill>
+                <a:latin typeface="AdobeClean-LightIt"/>
+                <a:cs typeface="AdobeClean-LightIt"/>
+              </a:rPr>
+              <a:t>the</a:t>
+            </a:r>
+            <a:r>
+              <a:rPr sz="1100" i="1" spc="-55">
+                <a:solidFill>
+                  <a:srgbClr val="777879"/>
+                </a:solidFill>
+                <a:latin typeface="AdobeClean-LightIt"/>
+                <a:cs typeface="AdobeClean-LightIt"/>
+              </a:rPr>
+              <a:t> </a:t>
+            </a:r>
+            <a:r>
+              <a:rPr sz="1100" i="1" spc="-15">
+                <a:solidFill>
+                  <a:srgbClr val="777879"/>
+                </a:solidFill>
+                <a:latin typeface="AdobeClean-LightIt"/>
+                <a:cs typeface="AdobeClean-LightIt"/>
+              </a:rPr>
+              <a:t>right</a:t>
+            </a:r>
+            <a:r>
+              <a:rPr sz="1100" i="1" spc="-95">
+                <a:solidFill>
+                  <a:srgbClr val="777879"/>
+                </a:solidFill>
+                <a:latin typeface="AdobeClean-LightIt"/>
+                <a:cs typeface="AdobeClean-LightIt"/>
+              </a:rPr>
+              <a:t> </a:t>
+            </a:r>
+            <a:r>
+              <a:rPr sz="1100" i="1" spc="-15">
+                <a:solidFill>
+                  <a:srgbClr val="777879"/>
+                </a:solidFill>
+                <a:latin typeface="AdobeClean-LightIt"/>
+                <a:cs typeface="AdobeClean-LightIt"/>
+              </a:rPr>
+              <a:t>level</a:t>
+            </a:r>
+            <a:r>
+              <a:rPr sz="1100" i="1" spc="-55">
+                <a:solidFill>
+                  <a:srgbClr val="777879"/>
+                </a:solidFill>
+                <a:latin typeface="AdobeClean-LightIt"/>
+                <a:cs typeface="AdobeClean-LightIt"/>
+              </a:rPr>
+              <a:t> </a:t>
+            </a:r>
+            <a:r>
+              <a:rPr sz="1100" i="1" spc="-15">
+                <a:solidFill>
+                  <a:srgbClr val="777879"/>
+                </a:solidFill>
+                <a:latin typeface="AdobeClean-LightIt"/>
+                <a:cs typeface="AdobeClean-LightIt"/>
+              </a:rPr>
+              <a:t>for</a:t>
+            </a:r>
+            <a:r>
+              <a:rPr sz="1100" i="1" spc="-85">
+                <a:solidFill>
+                  <a:srgbClr val="777879"/>
+                </a:solidFill>
+                <a:latin typeface="AdobeClean-LightIt"/>
+                <a:cs typeface="AdobeClean-LightIt"/>
+              </a:rPr>
+              <a:t> </a:t>
+            </a:r>
+            <a:r>
+              <a:rPr sz="1100" i="1" spc="-15">
+                <a:solidFill>
+                  <a:srgbClr val="777879"/>
+                </a:solidFill>
+                <a:latin typeface="AdobeClean-LightIt"/>
+                <a:cs typeface="AdobeClean-LightIt"/>
+              </a:rPr>
+              <a:t>you,</a:t>
+            </a:r>
+            <a:r>
+              <a:rPr sz="1100" i="1" spc="-65">
+                <a:solidFill>
+                  <a:srgbClr val="777879"/>
+                </a:solidFill>
+                <a:latin typeface="AdobeClean-LightIt"/>
+                <a:cs typeface="AdobeClean-LightIt"/>
+              </a:rPr>
+              <a:t> </a:t>
+            </a:r>
+            <a:r>
+              <a:rPr sz="1100" i="1" spc="-15">
+                <a:solidFill>
+                  <a:srgbClr val="777879"/>
+                </a:solidFill>
+                <a:latin typeface="AdobeClean-LightIt"/>
+                <a:cs typeface="AdobeClean-LightIt"/>
+              </a:rPr>
+              <a:t>contact</a:t>
+            </a:r>
+            <a:r>
+              <a:rPr sz="1100" i="1" spc="-85">
+                <a:solidFill>
+                  <a:srgbClr val="777879"/>
+                </a:solidFill>
+                <a:latin typeface="AdobeClean-LightIt"/>
+                <a:cs typeface="AdobeClean-LightIt"/>
+              </a:rPr>
+              <a:t> </a:t>
+            </a:r>
+            <a:r>
+              <a:rPr sz="1100" i="1" spc="-15">
+                <a:solidFill>
+                  <a:srgbClr val="777879"/>
+                </a:solidFill>
+                <a:latin typeface="AdobeClean-LightIt"/>
+                <a:cs typeface="AdobeClean-LightIt"/>
+              </a:rPr>
+              <a:t>your</a:t>
+            </a:r>
+            <a:r>
+              <a:rPr sz="1100" i="1" spc="-70">
+                <a:solidFill>
+                  <a:srgbClr val="777879"/>
+                </a:solidFill>
+                <a:latin typeface="AdobeClean-LightIt"/>
+                <a:cs typeface="AdobeClean-LightIt"/>
+              </a:rPr>
+              <a:t> </a:t>
+            </a:r>
+            <a:r>
+              <a:rPr sz="1100" i="1" spc="-15">
+                <a:solidFill>
+                  <a:srgbClr val="777879"/>
+                </a:solidFill>
+                <a:latin typeface="AdobeClean-LightIt"/>
+                <a:cs typeface="AdobeClean-LightIt"/>
+              </a:rPr>
+              <a:t>Named</a:t>
+            </a:r>
+            <a:r>
+              <a:rPr sz="1100" i="1" spc="-55">
+                <a:solidFill>
+                  <a:srgbClr val="777879"/>
+                </a:solidFill>
+                <a:latin typeface="AdobeClean-LightIt"/>
+                <a:cs typeface="AdobeClean-LightIt"/>
+              </a:rPr>
+              <a:t> </a:t>
+            </a:r>
+            <a:r>
+              <a:rPr sz="1100" i="1" spc="-25">
+                <a:solidFill>
+                  <a:srgbClr val="777879"/>
+                </a:solidFill>
+                <a:latin typeface="AdobeClean-LightIt"/>
+                <a:cs typeface="AdobeClean-LightIt"/>
+              </a:rPr>
+              <a:t>Account</a:t>
+            </a:r>
+            <a:r>
+              <a:rPr sz="1100" i="1" spc="-120">
+                <a:solidFill>
+                  <a:srgbClr val="777879"/>
+                </a:solidFill>
+                <a:latin typeface="AdobeClean-LightIt"/>
+                <a:cs typeface="AdobeClean-LightIt"/>
+              </a:rPr>
+              <a:t> </a:t>
+            </a:r>
+            <a:r>
+              <a:rPr sz="1100" i="1" spc="-20">
+                <a:solidFill>
+                  <a:srgbClr val="777879"/>
+                </a:solidFill>
+                <a:latin typeface="AdobeClean-LightIt"/>
+                <a:cs typeface="AdobeClean-LightIt"/>
+              </a:rPr>
+              <a:t>Manager</a:t>
+            </a:r>
+            <a:r>
+              <a:rPr lang="en-US" sz="1100" i="1" spc="-20">
+                <a:solidFill>
+                  <a:srgbClr val="777879"/>
+                </a:solidFill>
+                <a:latin typeface="AdobeClean-LightIt"/>
+                <a:cs typeface="AdobeClean-LightIt"/>
+              </a:rPr>
+              <a:t> </a:t>
+            </a:r>
+            <a:r>
+              <a:rPr sz="1100" i="1" spc="-20">
+                <a:solidFill>
+                  <a:srgbClr val="777879"/>
+                </a:solidFill>
+                <a:latin typeface="AdobeClean-LightIt"/>
+                <a:cs typeface="AdobeClean-LightIt"/>
+              </a:rPr>
+              <a:t> </a:t>
+            </a:r>
+            <a:r>
+              <a:rPr sz="1100" i="1" spc="-15">
+                <a:solidFill>
+                  <a:srgbClr val="777879"/>
+                </a:solidFill>
+                <a:latin typeface="AdobeClean-LightIt"/>
+                <a:cs typeface="AdobeClean-LightIt"/>
+              </a:rPr>
+              <a:t>(NAM) </a:t>
+            </a:r>
+            <a:r>
+              <a:rPr sz="1100" i="1" spc="-10">
+                <a:solidFill>
+                  <a:srgbClr val="777879"/>
+                </a:solidFill>
+                <a:latin typeface="AdobeClean-LightIt"/>
+                <a:cs typeface="AdobeClean-LightIt"/>
+              </a:rPr>
+              <a:t>or </a:t>
+            </a:r>
+            <a:r>
+              <a:rPr sz="1100" i="1" spc="-15">
+                <a:solidFill>
+                  <a:srgbClr val="777879"/>
+                </a:solidFill>
+                <a:latin typeface="AdobeClean-LightIt"/>
+                <a:cs typeface="AdobeClean-LightIt"/>
+              </a:rPr>
+              <a:t>Customer</a:t>
+            </a:r>
+            <a:r>
+              <a:rPr lang="en-US" sz="1100" i="1" spc="-15">
+                <a:solidFill>
+                  <a:srgbClr val="777879"/>
+                </a:solidFill>
+                <a:latin typeface="AdobeClean-LightIt"/>
+                <a:cs typeface="AdobeClean-LightIt"/>
+              </a:rPr>
+              <a:t> </a:t>
+            </a:r>
+            <a:r>
+              <a:rPr lang="en-US" sz="1100" i="1" spc="-20">
+                <a:solidFill>
+                  <a:srgbClr val="777879"/>
+                </a:solidFill>
+                <a:latin typeface="AdobeClean-LightIt"/>
+                <a:cs typeface="AdobeClean-LightIt"/>
+              </a:rPr>
+              <a:t>Success </a:t>
+            </a:r>
+            <a:r>
+              <a:rPr lang="en-US" sz="1100" i="1" spc="-15">
+                <a:solidFill>
+                  <a:srgbClr val="777879"/>
+                </a:solidFill>
+                <a:latin typeface="AdobeClean-LightIt"/>
+                <a:cs typeface="AdobeClean-LightIt"/>
+              </a:rPr>
+              <a:t>Manager </a:t>
+            </a:r>
+            <a:r>
+              <a:rPr sz="1100" i="1" spc="-15">
+                <a:solidFill>
+                  <a:srgbClr val="777879"/>
+                </a:solidFill>
+                <a:latin typeface="AdobeClean-LightIt"/>
+                <a:cs typeface="AdobeClean-LightIt"/>
+              </a:rPr>
+              <a:t>(CSM)</a:t>
+            </a:r>
+            <a:endParaRPr sz="1100">
+              <a:latin typeface="AdobeClean-LightIt"/>
+              <a:cs typeface="AdobeClean-LightIt"/>
+            </a:endParaRPr>
           </a:p>
           <a:p>
             <a:pPr marL="34290">
@@ -9337,95 +10453,59 @@
               </a:spcBef>
             </a:pPr>
             <a:r>
-              <a:rPr lang="pt-BR" sz="800" dirty="0">
+              <a:rPr sz="800" spc="-5">
                 <a:solidFill>
                   <a:srgbClr val="6D6D6D"/>
                 </a:solidFill>
                 <a:latin typeface="Adobe Clean"/>
                 <a:cs typeface="Adobe Clean"/>
               </a:rPr>
-              <a:t>©2021 Adobe. </a:t>
-            </a:r>
-            <a:r>
-              <a:rPr lang="pt-BR" sz="800" dirty="0" err="1">
+              <a:t>©202</a:t>
+            </a:r>
+            <a:r>
+              <a:rPr lang="en-US" sz="800" spc="-5">
                 <a:solidFill>
                   <a:srgbClr val="6D6D6D"/>
                 </a:solidFill>
                 <a:latin typeface="Adobe Clean"/>
                 <a:cs typeface="Adobe Clean"/>
               </a:rPr>
-              <a:t>All</a:t>
-            </a:r>
-            <a:r>
-              <a:rPr lang="pt-BR" sz="800" dirty="0">
+              <a:t>1</a:t>
+            </a:r>
+            <a:r>
+              <a:rPr sz="800" spc="-5">
                 <a:solidFill>
                   <a:srgbClr val="6D6D6D"/>
                 </a:solidFill>
                 <a:latin typeface="Adobe Clean"/>
                 <a:cs typeface="Adobe Clean"/>
               </a:rPr>
-              <a:t> </a:t>
-            </a:r>
-            <a:r>
-              <a:rPr lang="pt-BR" sz="800" dirty="0" err="1">
+              <a:t> Adobe. All Rights Reserved. Adobe</a:t>
+            </a:r>
+            <a:r>
+              <a:rPr sz="800" spc="75">
                 <a:solidFill>
                   <a:srgbClr val="6D6D6D"/>
                 </a:solidFill>
                 <a:latin typeface="Adobe Clean"/>
                 <a:cs typeface="Adobe Clean"/>
               </a:rPr>
-              <a:t>Rights</a:t>
-            </a:r>
-            <a:r>
-              <a:rPr lang="pt-BR" sz="800" dirty="0">
+              <a:t> </a:t>
+            </a:r>
+            <a:r>
+              <a:rPr sz="800" spc="-5">
                 <a:solidFill>
                   <a:srgbClr val="6D6D6D"/>
                 </a:solidFill>
                 <a:latin typeface="Adobe Clean"/>
                 <a:cs typeface="Adobe Clean"/>
               </a:rPr>
-              <a:t> </a:t>
-            </a:r>
-            <a:r>
-              <a:rPr lang="pt-BR" sz="800" dirty="0" err="1">
-                <a:solidFill>
-                  <a:srgbClr val="6D6D6D"/>
-                </a:solidFill>
-                <a:latin typeface="Adobe Clean"/>
-                <a:cs typeface="Adobe Clean"/>
-              </a:rPr>
-              <a:t>Reserved</a:t>
-            </a:r>
-            <a:r>
-              <a:rPr lang="pt-BR" sz="800" dirty="0">
-                <a:solidFill>
-                  <a:srgbClr val="6D6D6D"/>
-                </a:solidFill>
-                <a:latin typeface="Adobe Clean"/>
-                <a:cs typeface="Adobe Clean"/>
-              </a:rPr>
-              <a:t>. Adobe </a:t>
-            </a:r>
-            <a:r>
-              <a:rPr lang="pt-BR" sz="800" dirty="0" err="1">
-                <a:solidFill>
-                  <a:srgbClr val="6D6D6D"/>
-                </a:solidFill>
-                <a:latin typeface="Adobe Clean"/>
-                <a:cs typeface="Adobe Clean"/>
-              </a:rPr>
-              <a:t>Confidential</a:t>
-            </a:r>
-            <a:r>
-              <a:rPr lang="pt-BR" sz="800" dirty="0">
-                <a:solidFill>
-                  <a:srgbClr val="6D6D6D"/>
-                </a:solidFill>
-                <a:latin typeface="Adobe Clean"/>
-                <a:cs typeface="Adobe Clean"/>
-              </a:rPr>
-              <a:t>.</a:t>
-            </a:r>
+              <a:t>Confidential.</a:t>
+            </a:r>
+            <a:endParaRPr sz="800">
+              <a:latin typeface="Adobe Clean"/>
+              <a:cs typeface="Adobe Clean"/>
+            </a:endParaRPr>
           </a:p>
         </p:txBody>
       </p:sp>
@@ -9443,8 +10523,8 @@
         </p:nvSpPr>
         <p:spPr>
           <a:xfrm>
-            <a:off x="197232" y="5031270"/>
-            <a:ext cx="6729347" cy="755976"/>
+            <a:off x="197233" y="5031270"/>
+            <a:ext cx="6476646" cy="755976"/>
           </a:xfrm>
           <a:prstGeom prst="rect">
             <a:avLst/>
@@ -9462,15 +10542,19 @@
               </a:spcBef>
             </a:pPr>
             <a:r>
-              <a:rPr lang="pt-BR" sz="1400" b="1" dirty="0">
+              <a:rPr lang="en-US" sz="1400" b="1" spc="-15">
                 <a:solidFill>
                   <a:srgbClr val="020302"/>
                 </a:solidFill>
                 <a:latin typeface="Adobe Clean"/>
                 <a:cs typeface="Adobe Clean"/>
               </a:rPr>
-              <a:t>Escopo regional do Suporte da Adobe, horário local de operação e suporte de idioma</a:t>
-            </a:r>
+              <a:t>Regional scope of Adobe Support, Local Hours Of Operation And Language Support</a:t>
+            </a:r>
+            <a:endParaRPr lang="en-US" sz="1400" spc="-15">
+              <a:ea typeface="+mn-lt"/>
+              <a:cs typeface="+mn-lt"/>
+            </a:endParaRPr>
           </a:p>
           <a:p>
             <a:pPr>
@@ -9479,14 +10563,15 @@
               </a:spcBef>
             </a:pPr>
             <a:r>
-              <a:rPr lang="pt-BR" sz="1000" dirty="0">
+              <a:rPr lang="en-US" sz="1000" spc="-15">
                 <a:solidFill>
                   <a:srgbClr val="1F1F1F"/>
                 </a:solidFill>
                 <a:latin typeface="AdobeClean-Light"/>
               </a:rPr>
-              <a:t>O escopo regional do Suporte da Adobe é estabelecido alinhando o endereço de faturamento do cliente (conforme a ordem de venda ou outro documento de compra do Suporte da Adobe) a uma das regiões seguintes:</a:t>
-            </a:r>
+              <a:t>The Regional scope of Adobe Support is established by aligning the customer's billing address (via the Sales Order or other Adobe Support purchasing document) to one of the following regions:</a:t>
+            </a:r>
+            <a:endParaRPr lang="en-US"/>
           </a:p>
         </p:txBody>
       </p:sp>
@@ -9505,7 +10590,7 @@
           <p:nvPr>
             <p:extLst>
               <p:ext uri="{D42A27DB-BD31-4B8C-83A1-F6EECF244321}">
-                <p14:modId xmlns:p14="http://schemas.microsoft.com/office/powerpoint/2010/main" val="943449294"/>
+                <p14:modId xmlns:p14="http://schemas.microsoft.com/office/powerpoint/2010/main" val="914484175"/>
               </p:ext>
             </p:extLst>
           </p:nvPr>
@@ -9558,13 +10643,13 @@
                     <a:p>
                       <a:pPr algn="ctr"/>
                       <a:r>
-                        <a:rPr lang="pt-BR" sz="1100">
+                        <a:rPr lang="en-US" sz="1100">
                           <a:solidFill>
                             <a:schemeClr val="tx1"/>
                           </a:solidFill>
                           <a:latin typeface="Adobe Clean"/>
                         </a:rPr>
-                        <a:t>Américas</a:t>
+                        <a:t>Americas</a:t>
                       </a:r>
                     </a:p>
                   </a:txBody>
@@ -9623,30 +10708,13 @@
                     <a:p>
                       <a:pPr algn="ctr"/>
                       <a:r>
-                        <a:rPr lang="pt-BR" sz="1100" dirty="0">
+                        <a:rPr lang="en-US" sz="1100">
                           <a:solidFill>
                             <a:schemeClr val="tx1"/>
                           </a:solidFill>
                           <a:latin typeface="Adobe Clean"/>
                         </a:rPr>
-                        <a:t>Europa, Oriente Médio </a:t>
-                      </a:r>
-                      <a:br>
-                        <a:rPr lang="pt-BR" sz="1100" dirty="0">
-                          <a:solidFill>
-                            <a:schemeClr val="tx1"/>
-                          </a:solidFill>
-                          <a:latin typeface="Adobe Clean"/>
-                        </a:rPr>
-                      </a:br>
-                      <a:r>
-                        <a:rPr lang="pt-BR" sz="1100" dirty="0">
-                          <a:solidFill>
-                            <a:schemeClr val="tx1"/>
-                          </a:solidFill>
-                          <a:latin typeface="Adobe Clean"/>
-                        </a:rPr>
-                        <a:t>e África</a:t>
+                        <a:t>Europe, Middle East &amp; Africa</a:t>
                       </a:r>
                     </a:p>
                   </a:txBody>
@@ -9705,13 +10773,13 @@
                     <a:p>
                       <a:pPr algn="ctr"/>
                       <a:r>
-                        <a:rPr lang="pt-BR" sz="1100">
+                        <a:rPr lang="en-US" sz="1100">
                           <a:solidFill>
                             <a:schemeClr val="tx1"/>
                           </a:solidFill>
                           <a:latin typeface="Adobe Clean"/>
                         </a:rPr>
-                        <a:t>Ásia–Pacífico</a:t>
+                        <a:t>Asia Pacific</a:t>
                       </a:r>
                     </a:p>
                   </a:txBody>
@@ -9770,16 +10838,16 @@
                     <a:p>
                       <a:pPr algn="ctr"/>
                       <a:r>
-                        <a:rPr lang="pt-BR" sz="1100">
+                        <a:rPr lang="en-US" sz="1100">
                           <a:solidFill>
                             <a:schemeClr val="tx1"/>
                           </a:solidFill>
                           <a:latin typeface="Adobe Clean"/>
                         </a:rPr>
-                        <a:t>Japão</a:t>
+                        <a:t>Japan </a:t>
                       </a:r>
                       <a:r>
-                        <a:rPr lang="pt-BR" sz="1100" baseline="30000">
+                        <a:rPr lang="en-US" sz="1100" baseline="30000">
                           <a:solidFill>
                             <a:schemeClr val="tx1"/>
                           </a:solidFill>
@@ -9787,6 +10855,12 @@
                         </a:rPr>
                         <a:t>1 </a:t>
                       </a:r>
+                      <a:endParaRPr lang="en-US" sz="1100">
+                        <a:solidFill>
+                          <a:schemeClr val="tx1"/>
+                        </a:solidFill>
+                        <a:latin typeface="Adobe Clean" panose="020B0503020404020204" pitchFamily="34" charset="0"/>
+                      </a:endParaRPr>
                     </a:p>
                   </a:txBody>
                   <a:tcPr anchor="ctr">
@@ -9851,13 +10925,13 @@
                     <a:p>
                       <a:pPr algn="ctr"/>
                       <a:r>
-                        <a:rPr lang="pt-BR" sz="1100">
+                        <a:rPr lang="en-US" sz="1100">
                           <a:solidFill>
                             <a:schemeClr val="tx1"/>
                           </a:solidFill>
                           <a:latin typeface="Adobe Clean"/>
                         </a:rPr>
-                        <a:t>6h – 17h30</a:t>
+                        <a:t>6 am – 5:30 pm</a:t>
                       </a:r>
                     </a:p>
                   </a:txBody>
@@ -9916,13 +10990,13 @@
                     <a:p>
                       <a:pPr algn="ctr"/>
                       <a:r>
-                        <a:rPr lang="pt-BR" sz="1100">
+                        <a:rPr lang="en-US" sz="1100">
                           <a:solidFill>
                             <a:schemeClr val="tx1"/>
                           </a:solidFill>
                           <a:latin typeface="Adobe Clean"/>
                         </a:rPr>
-                        <a:t>9h – 17h</a:t>
+                        <a:t>9 am – 5 pm</a:t>
                       </a:r>
                     </a:p>
                   </a:txBody>
@@ -9981,13 +11055,13 @@
                     <a:p>
                       <a:pPr algn="ctr"/>
                       <a:r>
-                        <a:rPr lang="pt-BR" sz="1100">
+                        <a:rPr lang="en-US" sz="1100">
                           <a:solidFill>
                             <a:schemeClr val="tx1"/>
                           </a:solidFill>
                           <a:latin typeface="Adobe Clean"/>
                         </a:rPr>
-                        <a:t>9h – 17h</a:t>
+                        <a:t>9 am – 5 pm</a:t>
                       </a:r>
                     </a:p>
                   </a:txBody>
@@ -10046,13 +11120,13 @@
                     <a:p>
                       <a:pPr algn="ctr"/>
                       <a:r>
-                        <a:rPr lang="pt-BR" sz="1100">
+                        <a:rPr lang="en-US" sz="1100">
                           <a:solidFill>
                             <a:schemeClr val="tx1"/>
                           </a:solidFill>
                           <a:latin typeface="Adobe Clean"/>
                         </a:rPr>
-                        <a:t>9h – 17h30</a:t>
+                        <a:t>9 am – 5:30 pm</a:t>
                       </a:r>
                     </a:p>
                   </a:txBody>
@@ -10132,10 +11206,11 @@
                         <a:buNone/>
                       </a:pPr>
                       <a:r>
-                        <a:rPr lang="pt-BR" sz="1100" b="1" i="0" u="none" strike="noStrike" cap="none" normalizeH="0" baseline="30000" noProof="0" dirty="0">
+                        <a:rPr lang="en-US" sz="1100" b="1" i="0" u="none" strike="noStrike" kern="0" cap="none" spc="0" normalizeH="0" baseline="30000" noProof="0" dirty="0">
                           <a:ln>
                             <a:noFill/>
                           </a:ln>
+                          <a:effectLst/>
                           <a:uLnTx/>
                           <a:uFillTx/>
                           <a:latin typeface="Adobe Clean"/>
@@ -10145,16 +11220,17 @@
                         <a:t> </a:t>
                       </a:r>
                       <a:r>
-                        <a:rPr lang="pt-BR" sz="1100" dirty="0">
+                        <a:rPr lang="en-US" sz="1100" dirty="0">
                           <a:solidFill>
                             <a:schemeClr val="tx1"/>
                           </a:solidFill>
                           <a:latin typeface="Adobe Clean"/>
-                          <a:ea typeface="+mn-ea"/>
-                          <a:cs typeface="+mn-cs"/>
                         </a:rPr>
-                        <a:t>O suporte de idioma está disponível somente em inglês e japonês.</a:t>
+                        <a:t>Language support is only available in English and Japanese.</a:t>
                       </a:r>
+                      <a:endParaRPr lang="en-US" dirty="0">
+                        <a:latin typeface="Adobe Clean"/>
+                      </a:endParaRPr>
                     </a:p>
                     <a:p>
                       <a:pPr marL="0" marR="0" lvl="0" indent="0" algn="ctr">
@@ -10173,35 +11249,17 @@
                         <a:buNone/>
                       </a:pPr>
                       <a:r>
-                        <a:rPr lang="pt-BR" sz="1100" i="1" dirty="0">
+                        <a:rPr lang="en-US" sz="1100" i="1" dirty="0">
                           <a:solidFill>
                             <a:schemeClr val="tx1"/>
                           </a:solidFill>
                           <a:latin typeface="Adobe Clean"/>
                         </a:rPr>
-                        <a:t>*O Adobe </a:t>
-                      </a:r>
-                      <a:r>
-                        <a:rPr lang="pt-BR" sz="1100" i="1" dirty="0" err="1">
-                          <a:solidFill>
-                            <a:schemeClr val="tx1"/>
-                          </a:solidFill>
-                          <a:latin typeface="Adobe Clean"/>
-                        </a:rPr>
-                        <a:t>Commerce</a:t>
-                      </a:r>
-                      <a:r>
-                        <a:rPr lang="pt-BR" sz="1100" i="1" dirty="0">
-                          <a:solidFill>
-                            <a:schemeClr val="tx1"/>
-                          </a:solidFill>
-                          <a:latin typeface="Adobe Clean"/>
-                        </a:rPr>
-                        <a:t> exclui o suporte ao idioma japonês.</a:t>
+                        <a:t>*Adobe Commerce excludes Japanese languages support. </a:t>
                       </a:r>
                     </a:p>
                     <a:p>
-                      <a:pPr algn="l" rtl="0"/>
+                      <a:pPr algn="ctr"/>
                       <a:endParaRPr kumimoji="0" lang="en-US" sz="1100" b="1" i="0" u="none" strike="noStrike" kern="0" cap="none" spc="0" normalizeH="0" baseline="30000" noProof="0" dirty="0">
                         <a:ln>
                           <a:noFill/>
@@ -10220,7 +11278,7 @@
                     <a:p>
                       <a:pPr algn="ctr"/>
                       <a:r>
-                        <a:rPr lang="pt-BR" sz="1100" i="0" dirty="0">
+                        <a:rPr lang="en-US" sz="1100" i="0" dirty="0">
                           <a:solidFill>
                             <a:schemeClr val="tx1"/>
                           </a:solidFill>
@@ -10229,23 +11287,29 @@
                         <a:t> </a:t>
                       </a:r>
                       <a:r>
-                        <a:rPr lang="pt-BR" sz="1100" i="0" baseline="30000" dirty="0">
+                        <a:rPr lang="en-US" sz="1100" i="0" baseline="30000" dirty="0">
                           <a:solidFill>
                             <a:schemeClr val="tx1"/>
                           </a:solidFill>
                           <a:latin typeface="Adobe Clean"/>
                         </a:rPr>
-                        <a:t>1</a:t>
+                        <a:t>1 </a:t>
                       </a:r>
                       <a:r>
-                        <a:rPr lang="pt-BR" sz="1100" i="0" dirty="0">
+                        <a:rPr lang="en-US" sz="1100" i="0" dirty="0">
                           <a:solidFill>
                             <a:schemeClr val="tx1"/>
                           </a:solidFill>
                           <a:latin typeface="Adobe Clean"/>
                         </a:rPr>
-                        <a:t>Os casos de prioridade P2, P3 e P4 estão limitados ao horário comercial somente no Japão.</a:t>
+                        <a:t>P2, P3, P4 cases are limited to business hours only in Japan.</a:t>
                       </a:r>
+                      <a:endParaRPr lang="en-US" sz="1100" b="1" i="0" dirty="0">
+                        <a:solidFill>
+                          <a:schemeClr val="tx1"/>
+                        </a:solidFill>
+                        <a:latin typeface="Adobe Clean"/>
+                      </a:endParaRPr>
                     </a:p>
                   </a:txBody>
                   <a:tcPr anchor="ctr">
@@ -10600,7 +11664,7 @@
           </a:bodyPr>
           <a:lstStyle/>
           <a:p>
-            <a:pPr marR="5080" algn="ctr">
+            <a:pPr marL="139065" marR="5080" indent="-139065">
               <a:lnSpc>
                 <a:spcPts val="1390"/>
               </a:lnSpc>
@@ -10609,15 +11673,129 @@
               </a:spcBef>
             </a:pPr>
             <a:r>
-              <a:rPr lang="pt-BR" sz="1200" b="1" dirty="0">
+              <a:rPr sz="1200" b="1" spc="-15">
                 <a:solidFill>
                   <a:srgbClr val="FFFFFF"/>
                 </a:solidFill>
                 <a:latin typeface="Adobe Clean"/>
                 <a:cs typeface="Adobe Clean"/>
               </a:rPr>
-              <a:t>Experiência sem igual</a:t>
-            </a:r>
+              <a:t>U</a:t>
+            </a:r>
+            <a:r>
+              <a:rPr sz="1200" b="1" spc="-20">
+                <a:solidFill>
+                  <a:srgbClr val="FFFFFF"/>
+                </a:solidFill>
+                <a:latin typeface="Adobe Clean"/>
+                <a:cs typeface="Adobe Clean"/>
+              </a:rPr>
+              <a:t>n</a:t>
+            </a:r>
+            <a:r>
+              <a:rPr sz="1200" b="1" spc="-25">
+                <a:solidFill>
+                  <a:srgbClr val="FFFFFF"/>
+                </a:solidFill>
+                <a:latin typeface="Adobe Clean"/>
+                <a:cs typeface="Adobe Clean"/>
+              </a:rPr>
+              <a:t>p</a:t>
+            </a:r>
+            <a:r>
+              <a:rPr sz="1200" b="1" spc="-15">
+                <a:solidFill>
+                  <a:srgbClr val="FFFFFF"/>
+                </a:solidFill>
+                <a:latin typeface="Adobe Clean"/>
+                <a:cs typeface="Adobe Clean"/>
+              </a:rPr>
+              <a:t>a</a:t>
+            </a:r>
+            <a:r>
+              <a:rPr sz="1200" b="1" spc="-25">
+                <a:solidFill>
+                  <a:srgbClr val="FFFFFF"/>
+                </a:solidFill>
+                <a:latin typeface="Adobe Clean"/>
+                <a:cs typeface="Adobe Clean"/>
+              </a:rPr>
+              <a:t>r</a:t>
+            </a:r>
+            <a:r>
+              <a:rPr sz="1200" b="1" spc="-15">
+                <a:solidFill>
+                  <a:srgbClr val="FFFFFF"/>
+                </a:solidFill>
+                <a:latin typeface="Adobe Clean"/>
+                <a:cs typeface="Adobe Clean"/>
+              </a:rPr>
+              <a:t>a</a:t>
+            </a:r>
+            <a:r>
+              <a:rPr sz="1200" b="1" spc="-30">
+                <a:solidFill>
+                  <a:srgbClr val="FFFFFF"/>
+                </a:solidFill>
+                <a:latin typeface="Adobe Clean"/>
+                <a:cs typeface="Adobe Clean"/>
+              </a:rPr>
+              <a:t>ll</a:t>
+            </a:r>
+            <a:r>
+              <a:rPr sz="1200" b="1" spc="-25">
+                <a:solidFill>
+                  <a:srgbClr val="FFFFFF"/>
+                </a:solidFill>
+                <a:latin typeface="Adobe Clean"/>
+                <a:cs typeface="Adobe Clean"/>
+              </a:rPr>
+              <a:t>e</a:t>
+            </a:r>
+            <a:r>
+              <a:rPr sz="1200" b="1" spc="-30">
+                <a:solidFill>
+                  <a:srgbClr val="FFFFFF"/>
+                </a:solidFill>
+                <a:latin typeface="Adobe Clean"/>
+                <a:cs typeface="Adobe Clean"/>
+              </a:rPr>
+              <a:t>l</a:t>
+            </a:r>
+            <a:r>
+              <a:rPr sz="1200" b="1" spc="-25">
+                <a:solidFill>
+                  <a:srgbClr val="FFFFFF"/>
+                </a:solidFill>
+                <a:latin typeface="Adobe Clean"/>
+                <a:cs typeface="Adobe Clean"/>
+              </a:rPr>
+              <a:t>e</a:t>
+            </a:r>
+            <a:r>
+              <a:rPr sz="1200" b="1">
+                <a:solidFill>
+                  <a:srgbClr val="FFFFFF"/>
+                </a:solidFill>
+                <a:latin typeface="Adobe Clean"/>
+                <a:cs typeface="Adobe Clean"/>
+              </a:rPr>
+              <a:t>d  </a:t>
+            </a:r>
+            <a:r>
+              <a:rPr sz="1200" b="1" spc="-25">
+                <a:solidFill>
+                  <a:srgbClr val="FFFFFF"/>
+                </a:solidFill>
+                <a:latin typeface="Adobe Clean"/>
+                <a:cs typeface="Adobe Clean"/>
+              </a:rPr>
+              <a:t>Expertise</a:t>
+            </a:r>
+            <a:endParaRPr sz="1200">
+              <a:latin typeface="Adobe Clean"/>
+              <a:cs typeface="Adobe Clean"/>
+            </a:endParaRPr>
           </a:p>
         </p:txBody>
       </p:sp>
@@ -10648,7 +11826,7 @@
           </a:bodyPr>
           <a:lstStyle/>
           <a:p>
-            <a:pPr marR="5080" algn="ctr">
+            <a:pPr marL="139065" marR="5080" indent="-139065">
               <a:lnSpc>
                 <a:spcPts val="1390"/>
               </a:lnSpc>
@@ -10657,15 +11835,19 @@
               </a:spcBef>
             </a:pPr>
             <a:r>
-              <a:rPr lang="pt-BR" sz="1200" b="1" dirty="0">
+              <a:rPr lang="en-US" sz="1200" b="1" spc="-15">
                 <a:solidFill>
                   <a:srgbClr val="FFFFFF"/>
                 </a:solidFill>
                 <a:latin typeface="Adobe Clean"/>
                 <a:cs typeface="Adobe Clean"/>
               </a:rPr>
-              <a:t>Suporte acelerado</a:t>
-            </a:r>
+              <a:t>Accelerated Support</a:t>
+            </a:r>
+            <a:endParaRPr sz="1200">
+              <a:latin typeface="Adobe Clean"/>
+              <a:cs typeface="Adobe Clean"/>
+            </a:endParaRPr>
           </a:p>
         </p:txBody>
       </p:sp>
@@ -10683,8 +11865,8 @@
         </p:nvSpPr>
         <p:spPr>
           <a:xfrm>
-            <a:off x="6428639" y="8522638"/>
-            <a:ext cx="901499" cy="382797"/>
+            <a:off x="6624119" y="8543943"/>
+            <a:ext cx="510540" cy="385445"/>
           </a:xfrm>
           <a:prstGeom prst="rect">
             <a:avLst/>
@@ -10696,7 +11878,7 @@
           </a:bodyPr>
           <a:lstStyle/>
           <a:p>
-            <a:pPr marR="5080" algn="ctr">
+            <a:pPr marL="50800" marR="5080" indent="-51435">
               <a:lnSpc>
                 <a:spcPts val="1390"/>
               </a:lnSpc>
@@ -10705,15 +11887,109 @@
               </a:spcBef>
             </a:pPr>
             <a:r>
-              <a:rPr lang="pt-BR" sz="1200" b="1" dirty="0">
+              <a:rPr sz="1200" b="1" spc="-50">
                 <a:solidFill>
                   <a:srgbClr val="FFFFFF"/>
                 </a:solidFill>
                 <a:latin typeface="Adobe Clean"/>
                 <a:cs typeface="Adobe Clean"/>
               </a:rPr>
-              <a:t>Consultoria estratégica</a:t>
-            </a:r>
+              <a:t>S</a:t>
+            </a:r>
+            <a:r>
+              <a:rPr sz="1200" b="1" spc="-20">
+                <a:solidFill>
+                  <a:srgbClr val="FFFFFF"/>
+                </a:solidFill>
+                <a:latin typeface="Adobe Clean"/>
+                <a:cs typeface="Adobe Clean"/>
+              </a:rPr>
+              <a:t>t</a:t>
+            </a:r>
+            <a:r>
+              <a:rPr sz="1200" b="1" spc="-75">
+                <a:solidFill>
+                  <a:srgbClr val="FFFFFF"/>
+                </a:solidFill>
+                <a:latin typeface="Adobe Clean"/>
+                <a:cs typeface="Adobe Clean"/>
+              </a:rPr>
+              <a:t>r</a:t>
+            </a:r>
+            <a:r>
+              <a:rPr sz="1200" b="1" spc="-90">
+                <a:solidFill>
+                  <a:srgbClr val="FFFFFF"/>
+                </a:solidFill>
+                <a:latin typeface="Adobe Clean"/>
+                <a:cs typeface="Adobe Clean"/>
+              </a:rPr>
+              <a:t>a</a:t>
+            </a:r>
+            <a:r>
+              <a:rPr sz="1200" b="1" spc="-55">
+                <a:solidFill>
+                  <a:srgbClr val="FFFFFF"/>
+                </a:solidFill>
+                <a:latin typeface="Adobe Clean"/>
+                <a:cs typeface="Adobe Clean"/>
+              </a:rPr>
+              <a:t>t</a:t>
+            </a:r>
+            <a:r>
+              <a:rPr sz="1200" b="1" spc="-100">
+                <a:solidFill>
+                  <a:srgbClr val="FFFFFF"/>
+                </a:solidFill>
+                <a:latin typeface="Adobe Clean"/>
+                <a:cs typeface="Adobe Clean"/>
+              </a:rPr>
+              <a:t>e</a:t>
+            </a:r>
+            <a:r>
+              <a:rPr sz="1200" b="1" spc="-80">
+                <a:solidFill>
+                  <a:srgbClr val="FFFFFF"/>
+                </a:solidFill>
+                <a:latin typeface="Adobe Clean"/>
+                <a:cs typeface="Adobe Clean"/>
+              </a:rPr>
+              <a:t>g</a:t>
+            </a:r>
+            <a:r>
+              <a:rPr sz="1200" b="1" spc="-35">
+                <a:solidFill>
+                  <a:srgbClr val="FFFFFF"/>
+                </a:solidFill>
+                <a:latin typeface="Adobe Clean"/>
+                <a:cs typeface="Adobe Clean"/>
+              </a:rPr>
+              <a:t>i</a:t>
+            </a:r>
+            <a:r>
+              <a:rPr sz="1200" b="1">
+                <a:solidFill>
+                  <a:srgbClr val="FFFFFF"/>
+                </a:solidFill>
+                <a:latin typeface="Adobe Clean"/>
+                <a:cs typeface="Adobe Clean"/>
+              </a:rPr>
+              <a:t>c  </a:t>
+            </a:r>
+            <a:r>
+              <a:rPr sz="1200" b="1" spc="-45">
+                <a:solidFill>
+                  <a:srgbClr val="FFFFFF"/>
+                </a:solidFill>
+                <a:latin typeface="Adobe Clean"/>
+                <a:cs typeface="Adobe Clean"/>
+              </a:rPr>
+              <a:t>Advice</a:t>
+            </a:r>
+            <a:endParaRPr sz="1200">
+              <a:latin typeface="Adobe Clean"/>
+              <a:cs typeface="Adobe Clean"/>
+            </a:endParaRPr>
           </a:p>
         </p:txBody>
       </p:sp>
@@ -10732,14 +12008,14 @@
           <p:nvPr>
             <p:extLst>
               <p:ext uri="{D42A27DB-BD31-4B8C-83A1-F6EECF244321}">
-                <p14:modId xmlns:p14="http://schemas.microsoft.com/office/powerpoint/2010/main" val="577931603"/>
+                <p14:modId xmlns:p14="http://schemas.microsoft.com/office/powerpoint/2010/main" val="3773282750"/>
               </p:ext>
             </p:extLst>
           </p:nvPr>
         </p:nvGraphicFramePr>
         <p:xfrm>
           <a:off x="194236" y="1059345"/>
-          <a:ext cx="7368291" cy="3606800"/>
+          <a:ext cx="7368291" cy="3302000"/>
         </p:xfrm>
         <a:graphic>
           <a:graphicData uri="http://schemas.openxmlformats.org/drawingml/2006/table">
@@ -10748,14 +12024,14 @@
                 <a:tableStyleId>{5C22544A-7EE6-4342-B048-85BDC9FD1C3A}</a:tableStyleId>
               </a:tblPr>
               <a:tblGrid>
-                <a:gridCol w="3562424">
+                <a:gridCol w="3691964">
                   <a:extLst>
                     <a:ext uri="{9D8B030D-6E8A-4147-A177-3AD203B41FA5}">
                       <a16:colId xmlns:a16="http://schemas.microsoft.com/office/drawing/2014/main" val="2364693614"/>
                     </a:ext>
                   </a:extLst>
                 </a:gridCol>
-                <a:gridCol w="3805867">
+                <a:gridCol w="3676327">
                   <a:extLst>
                     <a:ext uri="{9D8B030D-6E8A-4147-A177-3AD203B41FA5}">
                       <a16:colId xmlns:a16="http://schemas.microsoft.com/office/drawing/2014/main" val="1545335406"/>
@@ -10770,7 +12046,7 @@
                     <a:lstStyle/>
                     <a:p>
                       <a:r>
-                        <a:rPr lang="pt-BR" sz="1100" b="0">
+                        <a:rPr lang="en-US" sz="1100" b="0">
                           <a:solidFill>
                             <a:schemeClr val="tx1"/>
                           </a:solidFill>
@@ -10781,6 +12057,14 @@
                         </a:rPr>
                         <a:t>Experience League</a:t>
                       </a:r>
+                      <a:endParaRPr lang="en-US" sz="1100" b="0">
+                        <a:solidFill>
+                          <a:schemeClr val="tx1"/>
+                        </a:solidFill>
+                        <a:latin typeface="Adobe Clean"/>
+                        <a:ea typeface="+mn-ea"/>
+                        <a:cs typeface="+mn-cs"/>
+                      </a:endParaRPr>
                     </a:p>
                   </a:txBody>
                   <a:tcPr marL="47625" marR="47625" marT="0" marB="0" anchor="ctr">
@@ -10852,7 +12136,7 @@
                         <a:buNone/>
                       </a:pPr>
                       <a:r>
-                        <a:rPr lang="pt-BR" sz="1000" b="0" dirty="0">
+                        <a:rPr lang="en-US" sz="1000" b="0" kern="1200">
                           <a:solidFill>
                             <a:srgbClr val="000000"/>
                           </a:solidFill>
@@ -10860,71 +12144,16 @@
                           <a:ea typeface="+mn-ea"/>
                           <a:cs typeface="+mn-cs"/>
                         </a:rPr>
-                        <a:t>A Experience League foi criada para ajudar as empresas a alcançar </a:t>
+                        <a:t>Experience League is how Adobe helps businesses achieve the value they expect from their Adobe investment. It’s the unified place where customers can learn, connect, and grow along a personalized path to success that includes self-help tutorials, product documentation, instructor-led training, community and technical support. </a:t>
                       </a:r>
-                      <a:br>
-                        <a:rPr lang="pt-BR" sz="1000" b="0" dirty="0">
-                          <a:solidFill>
-                            <a:srgbClr val="000000"/>
-                          </a:solidFill>
-                          <a:latin typeface="Adobe Clean Light"/>
-                          <a:ea typeface="+mn-ea"/>
-                          <a:cs typeface="+mn-cs"/>
-                        </a:rPr>
-                      </a:br>
-                      <a:r>
-                        <a:rPr lang="pt-BR" sz="1000" b="0" dirty="0">
-                          <a:solidFill>
-                            <a:srgbClr val="000000"/>
-                          </a:solidFill>
-                          <a:latin typeface="Adobe Clean Light"/>
-                          <a:ea typeface="+mn-ea"/>
-                          <a:cs typeface="+mn-cs"/>
-                        </a:rPr>
-                        <a:t>o valor que esperam do seu investimento em produtos da Adobe. </a:t>
-                      </a:r>
-                      <a:br>
-                        <a:rPr lang="pt-BR" sz="1000" b="0" dirty="0">
-                          <a:solidFill>
-                            <a:srgbClr val="000000"/>
-                          </a:solidFill>
-                          <a:latin typeface="Adobe Clean Light"/>
-                          <a:ea typeface="+mn-ea"/>
-                          <a:cs typeface="+mn-cs"/>
-                        </a:rPr>
-                      </a:br>
-                      <a:r>
-                        <a:rPr lang="pt-BR" sz="1000" b="0" dirty="0">
-                          <a:solidFill>
-                            <a:srgbClr val="000000"/>
-                          </a:solidFill>
-                          <a:latin typeface="Adobe Clean Light"/>
-                          <a:ea typeface="+mn-ea"/>
-                          <a:cs typeface="+mn-cs"/>
-                        </a:rPr>
-                        <a:t>É o local unificado onde os clientes podem aprender, interagir e crescer ao longo de um caminho personalizado de sucesso que inclui tutoriais </a:t>
-                      </a:r>
-                      <a:br>
-                        <a:rPr lang="pt-BR" sz="1000" b="0" dirty="0">
-                          <a:solidFill>
-                            <a:srgbClr val="000000"/>
-                          </a:solidFill>
-                          <a:latin typeface="Adobe Clean Light"/>
-                          <a:ea typeface="+mn-ea"/>
-                          <a:cs typeface="+mn-cs"/>
-                        </a:rPr>
-                      </a:br>
-                      <a:r>
-                        <a:rPr lang="pt-BR" sz="1000" b="0" dirty="0">
-                          <a:solidFill>
-                            <a:srgbClr val="000000"/>
-                          </a:solidFill>
-                          <a:latin typeface="Adobe Clean Light"/>
-                          <a:ea typeface="+mn-ea"/>
-                          <a:cs typeface="+mn-cs"/>
-                        </a:rPr>
-                        <a:t>de autoatendimento, documentação dos produtos, treinamento com instrutores e suporte técnico e da comunidade. </a:t>
-                      </a:r>
+                      <a:endParaRPr lang="en-US" sz="1000" b="0" kern="1200">
+                        <a:solidFill>
+                          <a:srgbClr val="000000"/>
+                        </a:solidFill>
+                        <a:latin typeface="Adobe Clean Light" panose="020B0303020404020204" pitchFamily="34" charset="0"/>
+                        <a:ea typeface="+mn-ea"/>
+                        <a:cs typeface="+mn-cs"/>
+                      </a:endParaRPr>
                     </a:p>
                   </a:txBody>
                   <a:tcPr anchor="ctr">
@@ -11005,28 +12234,39 @@
                         <a:defRPr/>
                       </a:pPr>
                       <a:r>
-                        <a:rPr lang="pt-BR" sz="1100">
+                        <a:rPr lang="en-US" sz="1100">
                           <a:solidFill>
                             <a:schemeClr val="dk1"/>
                           </a:solidFill>
+                          <a:effectLst/>
                           <a:latin typeface="Adobe Clean"/>
                           <a:ea typeface="+mn-ea"/>
                           <a:cs typeface="+mn-cs"/>
                           <a:hlinkClick r:id="rId8"/>
                         </a:rPr>
-                        <a:t>Treinamento</a:t>
+                        <a:t>Training</a:t>
                       </a:r>
                       <a:r>
-                        <a:rPr lang="pt-BR" sz="1100">
+                        <a:rPr lang="en-US" sz="1100">
                           <a:solidFill>
                             <a:schemeClr val="dk1"/>
                           </a:solidFill>
+                          <a:effectLst/>
                           <a:latin typeface="Adobe Clean"/>
                           <a:ea typeface="+mn-ea"/>
                           <a:cs typeface="+mn-cs"/>
                         </a:rPr>
                         <a:t> </a:t>
                       </a:r>
+                      <a:endParaRPr lang="en-US" sz="1100">
+                        <a:solidFill>
+                          <a:schemeClr val="tx1"/>
+                        </a:solidFill>
+                        <a:effectLst/>
+                        <a:latin typeface="Adobe Clean"/>
+                        <a:ea typeface="+mn-ea"/>
+                        <a:cs typeface="+mn-cs"/>
+                      </a:endParaRPr>
                     </a:p>
                   </a:txBody>
                   <a:tcPr anchor="ctr">
@@ -11100,7 +12340,7 @@
                         <a:defRPr/>
                       </a:pPr>
                       <a:r>
-                        <a:rPr lang="pt-BR" sz="1000" dirty="0">
+                        <a:rPr lang="en-US" sz="1000" kern="1200">
                           <a:solidFill>
                             <a:srgbClr val="000000"/>
                           </a:solidFill>
@@ -11108,70 +12348,7 @@
                           <a:ea typeface="+mn-ea"/>
                           <a:cs typeface="+mn-cs"/>
                         </a:rPr>
-                        <a:t>O acesso aos cursos do Adobe Digital Learning Services está disponível </a:t>
-                      </a:r>
-                      <a:br>
-                        <a:rPr lang="pt-BR" sz="1000" dirty="0">
-                          <a:solidFill>
-                            <a:srgbClr val="000000"/>
-                          </a:solidFill>
-                          <a:latin typeface="Adobe Clean Light"/>
-                          <a:ea typeface="+mn-ea"/>
-                          <a:cs typeface="+mn-cs"/>
-                        </a:rPr>
-                      </a:br>
-                      <a:r>
-                        <a:rPr lang="pt-BR" sz="1000" dirty="0">
-                          <a:solidFill>
-                            <a:srgbClr val="000000"/>
-                          </a:solidFill>
-                          <a:latin typeface="Adobe Clean Light"/>
-                          <a:ea typeface="+mn-ea"/>
-                          <a:cs typeface="+mn-cs"/>
-                        </a:rPr>
-                        <a:t>na Experience League. Os cursos de aprendizagem incluem lições sob demanda e com instrutores.  É um lugar para adquirir habilidades </a:t>
-                      </a:r>
-                      <a:br>
-                        <a:rPr lang="pt-BR" sz="1000" dirty="0">
-                          <a:solidFill>
-                            <a:srgbClr val="000000"/>
-                          </a:solidFill>
-                          <a:latin typeface="Adobe Clean Light"/>
-                          <a:ea typeface="+mn-ea"/>
-                          <a:cs typeface="+mn-cs"/>
-                        </a:rPr>
-                      </a:br>
-                      <a:r>
-                        <a:rPr lang="pt-BR" sz="1000" dirty="0">
-                          <a:solidFill>
-                            <a:srgbClr val="000000"/>
-                          </a:solidFill>
-                          <a:latin typeface="Adobe Clean Light"/>
-                          <a:ea typeface="+mn-ea"/>
-                          <a:cs typeface="+mn-cs"/>
-                        </a:rPr>
-                        <a:t>com reconhecido valor de mercado que você pode pôr em prática </a:t>
-                      </a:r>
-                      <a:br>
-                        <a:rPr lang="pt-BR" sz="1000" dirty="0">
-                          <a:solidFill>
-                            <a:srgbClr val="000000"/>
-                          </a:solidFill>
-                          <a:latin typeface="Adobe Clean Light"/>
-                          <a:ea typeface="+mn-ea"/>
-                          <a:cs typeface="+mn-cs"/>
-                        </a:rPr>
-                      </a:br>
-                      <a:r>
-                        <a:rPr lang="pt-BR" sz="1000" dirty="0">
-                          <a:solidFill>
-                            <a:srgbClr val="000000"/>
-                          </a:solidFill>
-                          <a:latin typeface="Adobe Clean Light"/>
-                          <a:ea typeface="+mn-ea"/>
-                          <a:cs typeface="+mn-cs"/>
-                        </a:rPr>
-                        <a:t>para impulsionar o sucesso na sua organização.</a:t>
+                        <a:t>Adobe Digital Learning Services courses are accessible from Experience League. Learning courses integrate both on-demand and instructor-led lessons.  Here you can accrue skills that have recognized market value and position them to drive success in your organizations.</a:t>
                       </a:r>
                     </a:p>
                   </a:txBody>
@@ -11253,17 +12430,27 @@
                         <a:defRPr/>
                       </a:pPr>
                       <a:r>
-                        <a:rPr lang="pt-BR" sz="1100">
+                        <a:rPr lang="en-US" sz="1100">
                           <a:solidFill>
                             <a:schemeClr val="tx1"/>
                           </a:solidFill>
+                          <a:effectLst/>
                           <a:latin typeface="Adobe Clean"/>
                           <a:ea typeface="+mn-ea"/>
                           <a:cs typeface="+mn-cs"/>
                           <a:hlinkClick r:id="rId9"/>
                         </a:rPr>
-                        <a:t>Problemas de produção e paralisações do sistema</a:t>
+                        <a:t>Production Issues &amp; System Outages</a:t>
                       </a:r>
+                      <a:endParaRPr lang="en-US" sz="1100">
+                        <a:solidFill>
+                          <a:schemeClr val="tx1"/>
+                        </a:solidFill>
+                        <a:effectLst/>
+                        <a:latin typeface="Adobe Clean"/>
+                        <a:ea typeface="+mn-ea"/>
+                        <a:cs typeface="+mn-cs"/>
+                      </a:endParaRPr>
                     </a:p>
                   </a:txBody>
                   <a:tcPr anchor="ctr">
@@ -11335,7 +12522,7 @@
                         <a:buNone/>
                       </a:pPr>
                       <a:r>
-                        <a:rPr lang="pt-BR" sz="1000" dirty="0">
+                        <a:rPr lang="en-US" sz="1000" kern="1200">
                           <a:solidFill>
                             <a:srgbClr val="000000"/>
                           </a:solidFill>
@@ -11343,51 +12530,16 @@
                           <a:ea typeface="+mn-ea"/>
                           <a:cs typeface="+mn-cs"/>
                         </a:rPr>
-                        <a:t>O Status.adobe.com transmite as informações de integridade de todos </a:t>
+                        <a:t>Status.adobe.com conveys the health information of all Adobe products and services that are deployed in multi-tenant environments. Customers can choose their subscription preferences to get email notifications whenever Adobe creates, updates or resolves a product event. This can include scheduled maintenance or service issues of varying levels of severity. </a:t>
                       </a:r>
-                      <a:br>
-                        <a:rPr lang="pt-BR" sz="1000" dirty="0">
-                          <a:solidFill>
-                            <a:srgbClr val="000000"/>
-                          </a:solidFill>
-                          <a:latin typeface="Adobe Clean Light"/>
-                          <a:ea typeface="+mn-ea"/>
-                          <a:cs typeface="+mn-cs"/>
-                        </a:rPr>
-                      </a:br>
-                      <a:r>
-                        <a:rPr lang="pt-BR" sz="1000" dirty="0">
-                          <a:solidFill>
-                            <a:srgbClr val="000000"/>
-                          </a:solidFill>
-                          <a:latin typeface="Adobe Clean Light"/>
-                          <a:ea typeface="+mn-ea"/>
-                          <a:cs typeface="+mn-cs"/>
-                        </a:rPr>
-                        <a:t>os produtos e serviços da Adobe implantados em ambientes de vários locatários. Os clientes podem escolher suas preferências de subscrição para receber notificações por </a:t>
-                      </a:r>
-                      <a:r>
-                        <a:rPr lang="pt-BR" sz="1000" dirty="0" err="1">
-                          <a:solidFill>
-                            <a:srgbClr val="000000"/>
-                          </a:solidFill>
-                          <a:latin typeface="Adobe Clean Light"/>
-                          <a:ea typeface="+mn-ea"/>
-                          <a:cs typeface="+mn-cs"/>
-                        </a:rPr>
-                        <a:t>email</a:t>
-                      </a:r>
-                      <a:r>
-                        <a:rPr lang="pt-BR" sz="1000" dirty="0">
-                          <a:solidFill>
-                            <a:srgbClr val="000000"/>
-                          </a:solidFill>
-                          <a:latin typeface="Adobe Clean Light"/>
-                          <a:ea typeface="+mn-ea"/>
-                          <a:cs typeface="+mn-cs"/>
-                        </a:rPr>
-                        <a:t> sempre que a Adobe criar, atualizar ou resolver um evento de produto. Isso pode incluir manutenção programada ou problemas de serviço com diferentes níveis de gravidade. </a:t>
-                      </a:r>
+                      <a:endParaRPr lang="en-US" sz="1000" kern="1200">
+                        <a:solidFill>
+                          <a:srgbClr val="000000"/>
+                        </a:solidFill>
+                        <a:latin typeface="Adobe Clean Light" panose="020B0303020404020204" pitchFamily="34" charset="0"/>
+                        <a:ea typeface="+mn-ea"/>
+                        <a:cs typeface="+mn-cs"/>
+                      </a:endParaRPr>
                     </a:p>
                   </a:txBody>
                   <a:tcPr anchor="ctr">
@@ -11468,17 +12620,27 @@
                         <a:defRPr/>
                       </a:pPr>
                       <a:r>
-                        <a:rPr lang="pt-BR" sz="1100" b="0" i="0">
+                        <a:rPr lang="en-US" sz="1100" b="0" i="0">
                           <a:solidFill>
                             <a:schemeClr val="dk1"/>
                           </a:solidFill>
+                          <a:effectLst/>
                           <a:latin typeface="Adobe Clean"/>
                           <a:ea typeface="+mn-ea"/>
                           <a:cs typeface="+mn-cs"/>
-                          <a:hlinkClick r:id="rId10" tooltip="https://helpx.adobe.com/br/support/programs/enterprise-support-programs/premier-support-business.html"/>
+                          <a:hlinkClick r:id="rId10" tooltip="https://helpx.adobe.com/support/programs/enterprise-support-programs/premier-support-business.html"/>
                         </a:rPr>
-                        <a:t>Site do Suporte Business</a:t>
+                        <a:t>Business Support Website</a:t>
                       </a:r>
+                      <a:endParaRPr lang="en-US" sz="1100" b="0" i="0">
+                        <a:solidFill>
+                          <a:schemeClr val="dk1"/>
+                        </a:solidFill>
+                        <a:effectLst/>
+                        <a:latin typeface="Adobe Clean"/>
+                        <a:ea typeface="+mn-ea"/>
+                        <a:cs typeface="+mn-cs"/>
+                      </a:endParaRPr>
                     </a:p>
                   </a:txBody>
                   <a:tcPr anchor="ctr">
@@ -11535,7 +12697,7 @@
                     <a:lstStyle/>
                     <a:p>
                       <a:r>
-                        <a:rPr lang="pt-BR" sz="1000">
+                        <a:rPr lang="en-US" sz="1000" kern="1200">
                           <a:solidFill>
                             <a:srgbClr val="000000"/>
                           </a:solidFill>
@@ -11543,8 +12705,16 @@
                           <a:ea typeface="+mn-ea"/>
                           <a:cs typeface="+mn-cs"/>
                         </a:rPr>
-                        <a:t>Site do Suporte Business da Adobe.</a:t>
+                        <a:t>Adobe Business Support website.</a:t>
                       </a:r>
+                      <a:endParaRPr lang="en-US" sz="1000" kern="1200">
+                        <a:solidFill>
+                          <a:srgbClr val="000000"/>
+                        </a:solidFill>
+                        <a:latin typeface="Adobe Clean Light" panose="020B0303020404020204" pitchFamily="34" charset="0"/>
+                        <a:ea typeface="+mn-ea"/>
+                        <a:cs typeface="+mn-cs"/>
+                      </a:endParaRPr>
                     </a:p>
                   </a:txBody>
                   <a:tcPr anchor="ctr">
@@ -11625,17 +12795,27 @@
                         <a:defRPr/>
                       </a:pPr>
                       <a:r>
-                        <a:rPr lang="pt-BR" sz="1100">
+                        <a:rPr lang="en-US" sz="1100">
                           <a:solidFill>
                             <a:schemeClr val="tx1"/>
                           </a:solidFill>
+                          <a:effectLst/>
                           <a:latin typeface="Adobe Clean"/>
                           <a:ea typeface="+mn-ea"/>
                           <a:cs typeface="+mn-cs"/>
                           <a:hlinkClick r:id="rId11"/>
                         </a:rPr>
-                        <a:t>Termos e condições</a:t>
+                        <a:t>Terms and Conditions</a:t>
                       </a:r>
+                      <a:endParaRPr lang="en-US" sz="1100">
+                        <a:solidFill>
+                          <a:schemeClr val="tx1"/>
+                        </a:solidFill>
+                        <a:effectLst/>
+                        <a:latin typeface="Adobe Clean"/>
+                        <a:ea typeface="+mn-ea"/>
+                        <a:cs typeface="+mn-cs"/>
+                      </a:endParaRPr>
                     </a:p>
                   </a:txBody>
                   <a:tcPr anchor="ctr">
@@ -11692,7 +12872,7 @@
                     <a:lstStyle/>
                     <a:p>
                       <a:r>
-                        <a:rPr lang="pt-BR" sz="1000" dirty="0">
+                        <a:rPr lang="en-US" sz="1000" kern="1200">
                           <a:solidFill>
                             <a:srgbClr val="000000"/>
                           </a:solidFill>
@@ -11700,8 +12880,16 @@
                           <a:ea typeface="+mn-ea"/>
                           <a:cs typeface="+mn-cs"/>
                         </a:rPr>
-                        <a:t>Os Termos e condições que detalham os serviços de suporte.</a:t>
+                        <a:t>Terms and conditions detailing Support Services offerings.</a:t>
                       </a:r>
+                      <a:endParaRPr lang="en-US" sz="1000" kern="1200">
+                        <a:solidFill>
+                          <a:srgbClr val="000000"/>
+                        </a:solidFill>
+                        <a:latin typeface="Adobe Clean Light" panose="020B0303020404020204" pitchFamily="34" charset="0"/>
+                        <a:ea typeface="+mn-ea"/>
+                        <a:cs typeface="+mn-cs"/>
+                      </a:endParaRPr>
                     </a:p>
                   </a:txBody>
                   <a:tcPr anchor="ctr">
@@ -12471,6 +13659,21 @@
 </file>
 
 <file path=customXml/item1.xml><?xml version="1.0" encoding="utf-8"?>
+<p:properties xmlns:p="http://schemas.microsoft.com/office/2006/metadata/properties" xmlns:xsi="http://www.w3.org/2001/XMLSchema-instance" xmlns:pc="http://schemas.microsoft.com/office/infopath/2007/PartnerControls">
+  <documentManagement/>
+</p:properties>
+</file>
+
+<file path=customXml/item2.xml><?xml version="1.0" encoding="utf-8"?>
+<?mso-contentType ?>
+<FormTemplates xmlns="http://schemas.microsoft.com/sharepoint/v3/contenttype/forms">
+  <Display>DocumentLibraryForm</Display>
+  <Edit>DocumentLibraryForm</Edit>
+  <New>DocumentLibraryForm</New>
+</FormTemplates>
+</file>
+
+<file path=customXml/item3.xml><?xml version="1.0" encoding="utf-8"?>
 <ct:contentTypeSchema xmlns:ct="http://schemas.microsoft.com/office/2006/metadata/contentType" xmlns:ma="http://schemas.microsoft.com/office/2006/metadata/properties/metaAttributes" ct:_="" ma:_="" ma:contentTypeName="Document" ma:contentTypeID="0x010100E783BF6876BCC646A459363AF21A7736" ma:contentTypeVersion="10" ma:contentTypeDescription="Create a new document." ma:contentTypeScope="" ma:versionID="c4ffda7f4f415767600769e454c2ea87">
   <xsd:schema xmlns:xsd="http://www.w3.org/2001/XMLSchema" xmlns:xs="http://www.w3.org/2001/XMLSchema" xmlns:p="http://schemas.microsoft.com/office/2006/metadata/properties" xmlns:ns2="8a053bff-88be-49e4-9a87-e748e18b8b62" xmlns:ns3="6c8368ec-3776-49b5-a5bb-90648cf9530f" targetNamespace="http://schemas.microsoft.com/office/2006/metadata/properties" ma:root="true" ma:fieldsID="df3ec33bccc23e23bce7bc897fad43d1" ns2:_="" ns3:_="">
     <xsd:import namespace="8a053bff-88be-49e4-9a87-e748e18b8b62"/>
@@ -12675,22 +13878,32 @@
 </ct:contentTypeSchema>
 </file>
 
-<file path=customXml/item2.xml><?xml version="1.0" encoding="utf-8"?>
-<?mso-contentType ?>
-<FormTemplates xmlns="http://schemas.microsoft.com/sharepoint/v3/contenttype/forms">
-  <Display>DocumentLibraryForm</Display>
-  <Edit>DocumentLibraryForm</Edit>
-  <New>DocumentLibraryForm</New>
-</FormTemplates>
+<file path=customXml/itemProps1.xml><?xml version="1.0" encoding="utf-8"?>
+<ds:datastoreItem xmlns:ds="http://schemas.openxmlformats.org/officeDocument/2006/customXml" ds:itemID="{10FC3CAF-E6F1-40E3-87D4-6B781C97D6B4}">
+  <ds:schemaRefs>
+    <ds:schemaRef ds:uri="6c8368ec-3776-49b5-a5bb-90648cf9530f"/>
+    <ds:schemaRef ds:uri="8a053bff-88be-49e4-9a87-e748e18b8b62"/>
+    <ds:schemaRef ds:uri="http://purl.org/dc/dcmitype/"/>
+    <ds:schemaRef ds:uri="http://purl.org/dc/elements/1.1/"/>
+    <ds:schemaRef ds:uri="http://purl.org/dc/terms/"/>
+    <ds:schemaRef ds:uri="http://schemas.microsoft.com/office/2006/documentManagement/types"/>
+    <ds:schemaRef ds:uri="http://schemas.microsoft.com/office/2006/metadata/properties"/>
+    <ds:schemaRef ds:uri="http://schemas.microsoft.com/office/infopath/2007/PartnerControls"/>
+    <ds:schemaRef ds:uri="http://schemas.openxmlformats.org/package/2006/metadata/core-properties"/>
+    <ds:schemaRef ds:uri="http://www.w3.org/XML/1998/namespace"/>
+  </ds:schemaRefs>
+</ds:datastoreItem>
 </file>
 
-<file path=customXml/item3.xml><?xml version="1.0" encoding="utf-8"?>
-<p:properties xmlns:p="http://schemas.microsoft.com/office/2006/metadata/properties" xmlns:xsi="http://www.w3.org/2001/XMLSchema-instance" xmlns:pc="http://schemas.microsoft.com/office/infopath/2007/PartnerControls">
-  <documentManagement/>
-</p:properties>
+<file path=customXml/itemProps2.xml><?xml version="1.0" encoding="utf-8"?>
+<ds:datastoreItem xmlns:ds="http://schemas.openxmlformats.org/officeDocument/2006/customXml" ds:itemID="{95AE3B0B-E909-400C-B0B3-909FB50E07DE}">
+  <ds:schemaRefs>
+    <ds:schemaRef ds:uri="http://schemas.microsoft.com/sharepoint/v3/contenttype/forms"/>
+  </ds:schemaRefs>
+</ds:datastoreItem>
 </file>
 
-<file path=customXml/itemProps1.xml><?xml version="1.0" encoding="utf-8"?>
+<file path=customXml/itemProps3.xml><?xml version="1.0" encoding="utf-8"?>
 <ds:datastoreItem xmlns:ds="http://schemas.openxmlformats.org/officeDocument/2006/customXml" ds:itemID="{E0DB8BDF-6DA8-4ABC-A3CA-043AFD674CFC}">
   <ds:schemaRefs>
     <ds:schemaRef ds:uri="6c8368ec-3776-49b5-a5bb-90648cf9530f"/>
@@ -12707,29 +13920,4 @@
     <ds:schemaRef ds:uri="http://www.w3.org/2001/XMLSchema"/>
   </ds:schemaRefs>
 </ds:datastoreItem>
-</file>
-
-<file path=customXml/itemProps2.xml><?xml version="1.0" encoding="utf-8"?>
-<ds:datastoreItem xmlns:ds="http://schemas.openxmlformats.org/officeDocument/2006/customXml" ds:itemID="{95AE3B0B-E909-400C-B0B3-909FB50E07DE}">
-  <ds:schemaRefs>
-    <ds:schemaRef ds:uri="http://schemas.microsoft.com/sharepoint/v3/contenttype/forms"/>
-  </ds:schemaRefs>
-</ds:datastoreItem>
-</file>
-
-<file path=customXml/itemProps3.xml><?xml version="1.0" encoding="utf-8"?>
-<ds:datastoreItem xmlns:ds="http://schemas.openxmlformats.org/officeDocument/2006/customXml" ds:itemID="{10FC3CAF-E6F1-40E3-87D4-6B781C97D6B4}">
-  <ds:schemaRefs>
-    <ds:schemaRef ds:uri="6c8368ec-3776-49b5-a5bb-90648cf9530f"/>
-    <ds:schemaRef ds:uri="8a053bff-88be-49e4-9a87-e748e18b8b62"/>
-    <ds:schemaRef ds:uri="http://purl.org/dc/dcmitype/"/>
-    <ds:schemaRef ds:uri="http://purl.org/dc/elements/1.1/"/>
-    <ds:schemaRef ds:uri="http://purl.org/dc/terms/"/>
-    <ds:schemaRef ds:uri="http://schemas.microsoft.com/office/2006/documentManagement/types"/>
-    <ds:schemaRef ds:uri="http://schemas.microsoft.com/office/2006/metadata/properties"/>
-    <ds:schemaRef ds:uri="http://schemas.microsoft.com/office/infopath/2007/PartnerControls"/>
-    <ds:schemaRef ds:uri="http://schemas.openxmlformats.org/package/2006/metadata/core-properties"/>
-    <ds:schemaRef ds:uri="http://www.w3.org/XML/1998/namespace"/>
-  </ds:schemaRefs>
-</ds:datastoreItem>
 </file>
--- a/help/data-sheets/assets/BusinessSupportDatasheet.pptx
+++ b/help/data-sheets/assets/BusinessSupportDatasheet.pptx
@@ -247,6 +247,30 @@
     </pc:docChg>
   </pc:docChgLst>
   <pc:docChgLst>
+    <pc:chgData name="Akilah Johnson" userId="S::akjohnso@adobe.com::2fa3aa60-0c9c-4d06-bae2-795983241227" providerId="AD" clId="Web-{71D6CFBF-0EA2-99B0-93F4-22F19EF0AE4E}"/>
+    <pc:docChg chg="modSld">
+      <pc:chgData name="Akilah Johnson" userId="S::akjohnso@adobe.com::2fa3aa60-0c9c-4d06-bae2-795983241227" providerId="AD" clId="Web-{71D6CFBF-0EA2-99B0-93F4-22F19EF0AE4E}" dt="2021-09-22T19:06:58.732" v="1" actId="1076"/>
+      <pc:docMkLst>
+        <pc:docMk/>
+      </pc:docMkLst>
+      <pc:sldChg chg="modSp">
+        <pc:chgData name="Akilah Johnson" userId="S::akjohnso@adobe.com::2fa3aa60-0c9c-4d06-bae2-795983241227" providerId="AD" clId="Web-{71D6CFBF-0EA2-99B0-93F4-22F19EF0AE4E}" dt="2021-09-22T19:06:58.732" v="1" actId="1076"/>
+        <pc:sldMkLst>
+          <pc:docMk/>
+          <pc:sldMk cId="1050037809" sldId="261"/>
+        </pc:sldMkLst>
+        <pc:spChg chg="mod">
+          <ac:chgData name="Akilah Johnson" userId="S::akjohnso@adobe.com::2fa3aa60-0c9c-4d06-bae2-795983241227" providerId="AD" clId="Web-{71D6CFBF-0EA2-99B0-93F4-22F19EF0AE4E}" dt="2021-09-22T19:06:58.732" v="1" actId="1076"/>
+          <ac:spMkLst>
+            <pc:docMk/>
+            <pc:sldMk cId="1050037809" sldId="261"/>
+            <ac:spMk id="64" creationId="{41467BDC-3D83-D844-B922-CD07E94E5AAB}"/>
+          </ac:spMkLst>
+        </pc:spChg>
+      </pc:sldChg>
+    </pc:docChg>
+  </pc:docChgLst>
+  <pc:docChgLst>
     <pc:chgData name="Akilah Johnson" userId="S::akjohnso@adobe.com::2fa3aa60-0c9c-4d06-bae2-795983241227" providerId="AD" clId="Web-{D428A0AE-54E2-30D2-C574-7A0742876CCF}"/>
     <pc:docChg chg="modSld">
       <pc:chgData name="Akilah Johnson" userId="S::akjohnso@adobe.com::2fa3aa60-0c9c-4d06-bae2-795983241227" providerId="AD" clId="Web-{D428A0AE-54E2-30D2-C574-7A0742876CCF}" dt="2021-10-12T19:11:25.330" v="0" actId="20577"/>
@@ -265,30 +289,6 @@
             <pc:docMk/>
             <pc:sldMk cId="0" sldId="256"/>
             <ac:spMk id="4" creationId="{00000000-0000-0000-0000-000000000000}"/>
-          </ac:spMkLst>
-        </pc:spChg>
-      </pc:sldChg>
-    </pc:docChg>
-  </pc:docChgLst>
-  <pc:docChgLst>
-    <pc:chgData name="Akilah Johnson" userId="S::akjohnso@adobe.com::2fa3aa60-0c9c-4d06-bae2-795983241227" providerId="AD" clId="Web-{71D6CFBF-0EA2-99B0-93F4-22F19EF0AE4E}"/>
-    <pc:docChg chg="modSld">
-      <pc:chgData name="Akilah Johnson" userId="S::akjohnso@adobe.com::2fa3aa60-0c9c-4d06-bae2-795983241227" providerId="AD" clId="Web-{71D6CFBF-0EA2-99B0-93F4-22F19EF0AE4E}" dt="2021-09-22T19:06:58.732" v="1" actId="1076"/>
-      <pc:docMkLst>
-        <pc:docMk/>
-      </pc:docMkLst>
-      <pc:sldChg chg="modSp">
-        <pc:chgData name="Akilah Johnson" userId="S::akjohnso@adobe.com::2fa3aa60-0c9c-4d06-bae2-795983241227" providerId="AD" clId="Web-{71D6CFBF-0EA2-99B0-93F4-22F19EF0AE4E}" dt="2021-09-22T19:06:58.732" v="1" actId="1076"/>
-        <pc:sldMkLst>
-          <pc:docMk/>
-          <pc:sldMk cId="1050037809" sldId="261"/>
-        </pc:sldMkLst>
-        <pc:spChg chg="mod">
-          <ac:chgData name="Akilah Johnson" userId="S::akjohnso@adobe.com::2fa3aa60-0c9c-4d06-bae2-795983241227" providerId="AD" clId="Web-{71D6CFBF-0EA2-99B0-93F4-22F19EF0AE4E}" dt="2021-09-22T19:06:58.732" v="1" actId="1076"/>
-          <ac:spMkLst>
-            <pc:docMk/>
-            <pc:sldMk cId="1050037809" sldId="261"/>
-            <ac:spMk id="64" creationId="{41467BDC-3D83-D844-B922-CD07E94E5AAB}"/>
           </ac:spMkLst>
         </pc:spChg>
       </pc:sldChg>
@@ -499,7 +499,7 @@
           <a:p>
             <a:fld id="{FB81873C-0B24-F04A-98A1-90E0A78F7E8A}" type="datetimeFigureOut">
               <a:rPr lang="en-US" smtClean="0"/>
-              <a:t>12/7/21</a:t>
+              <a:t>11/12/2021</a:t>
             </a:fld>
             <a:endParaRPr lang="en-US"/>
           </a:p>
@@ -1122,7 +1122,7 @@
           <a:p>
             <a:fld id="{1D8BD707-D9CF-40AE-B4C6-C98DA3205C09}" type="datetimeFigureOut">
               <a:rPr lang="en-US"/>
-              <a:t>12/7/21</a:t>
+              <a:t>11/12/2021</a:t>
             </a:fld>
             <a:endParaRPr lang="en-US"/>
           </a:p>
@@ -1314,7 +1314,7 @@
           <a:p>
             <a:fld id="{1D8BD707-D9CF-40AE-B4C6-C98DA3205C09}" type="datetimeFigureOut">
               <a:rPr lang="en-US"/>
-              <a:t>12/7/21</a:t>
+              <a:t>11/12/2021</a:t>
             </a:fld>
             <a:endParaRPr lang="en-US"/>
           </a:p>
@@ -1632,7 +1632,7 @@
           <a:p>
             <a:fld id="{1D8BD707-D9CF-40AE-B4C6-C98DA3205C09}" type="datetimeFigureOut">
               <a:rPr lang="en-US"/>
-              <a:t>12/7/21</a:t>
+              <a:t>11/12/2021</a:t>
             </a:fld>
             <a:endParaRPr lang="en-US"/>
           </a:p>
@@ -1886,8 +1886,8 @@
         </p:nvSpPr>
         <p:spPr>
           <a:xfrm>
-            <a:off x="168565" y="7162363"/>
-            <a:ext cx="2800350" cy="238760"/>
+            <a:off x="168564" y="7162363"/>
+            <a:ext cx="4746335" cy="227626"/>
           </a:xfrm>
           <a:prstGeom prst="rect">
             <a:avLst/>
@@ -1908,7 +1908,7 @@
               </a:spcBef>
             </a:pPr>
             <a:r>
-              <a:rPr sz="1400" b="1" u="heavy" spc="10">
+              <a:rPr lang="pt-BR" sz="1400" b="1" u="heavy" dirty="0">
                 <a:solidFill>
                   <a:srgbClr val="020302"/>
                 </a:solidFill>
@@ -1920,87 +1920,8 @@
                 <a:latin typeface="Adobe Clean"/>
                 <a:cs typeface="Adobe Clean"/>
               </a:rPr>
-              <a:t>Service </a:t>
+              <a:t>Metas de nível de serviço: Resposta inicial</a:t>
             </a:r>
-            <a:r>
-              <a:rPr sz="1400" b="1" u="heavy" spc="-10">
-                <a:solidFill>
-                  <a:srgbClr val="020302"/>
-                </a:solidFill>
-                <a:uFill>
-                  <a:solidFill>
-                    <a:srgbClr val="020302"/>
-                  </a:solidFill>
-                </a:uFill>
-                <a:latin typeface="Adobe Clean"/>
-                <a:cs typeface="Adobe Clean"/>
-              </a:rPr>
-              <a:t>Level </a:t>
-            </a:r>
-            <a:r>
-              <a:rPr sz="1400" b="1" u="heavy" spc="-45">
-                <a:solidFill>
-                  <a:srgbClr val="020302"/>
-                </a:solidFill>
-                <a:uFill>
-                  <a:solidFill>
-                    <a:srgbClr val="020302"/>
-                  </a:solidFill>
-                </a:uFill>
-                <a:latin typeface="Adobe Clean"/>
-                <a:cs typeface="Adobe Clean"/>
-              </a:rPr>
-              <a:t>Targets: </a:t>
-            </a:r>
-            <a:r>
-              <a:rPr sz="1400" b="1" u="heavy" spc="-10">
-                <a:solidFill>
-                  <a:srgbClr val="020302"/>
-                </a:solidFill>
-                <a:uFill>
-                  <a:solidFill>
-                    <a:srgbClr val="020302"/>
-                  </a:solidFill>
-                </a:uFill>
-                <a:latin typeface="Adobe Clean"/>
-                <a:cs typeface="Adobe Clean"/>
-              </a:rPr>
-              <a:t>Initial</a:t>
-            </a:r>
-            <a:r>
-              <a:rPr sz="1400" b="1" u="heavy" spc="-140">
-                <a:solidFill>
-                  <a:srgbClr val="020302"/>
-                </a:solidFill>
-                <a:uFill>
-                  <a:solidFill>
-                    <a:srgbClr val="020302"/>
-                  </a:solidFill>
-                </a:uFill>
-                <a:latin typeface="Adobe Clean"/>
-                <a:cs typeface="Adobe Clean"/>
-              </a:rPr>
-              <a:t> </a:t>
-            </a:r>
-            <a:r>
-              <a:rPr sz="1400" b="1" u="heavy" spc="-15">
-                <a:solidFill>
-                  <a:srgbClr val="020302"/>
-                </a:solidFill>
-                <a:uFill>
-                  <a:solidFill>
-                    <a:srgbClr val="020302"/>
-                  </a:solidFill>
-                </a:uFill>
-                <a:latin typeface="Adobe Clean"/>
-                <a:cs typeface="Adobe Clean"/>
-              </a:rPr>
-              <a:t>Response</a:t>
-            </a:r>
-            <a:endParaRPr sz="1400">
-              <a:latin typeface="Adobe Clean"/>
-              <a:cs typeface="Adobe Clean"/>
-            </a:endParaRPr>
           </a:p>
         </p:txBody>
       </p:sp>
@@ -2067,20 +1988,11 @@
               </a:spcBef>
             </a:pPr>
             <a:r>
-              <a:rPr sz="2300">
+              <a:rPr lang="pt-BR" sz="2300">
                 <a:latin typeface="Adobe Clean"/>
               </a:rPr>
-              <a:t>ADOBE </a:t>
+              <a:t>PLANOS DE SUPORTE DA ADOBE</a:t>
             </a:r>
-            <a:r>
-              <a:rPr lang="en-US" sz="2300">
-                <a:latin typeface="Adobe Clean"/>
-              </a:rPr>
-              <a:t>SUPPORT PLANS</a:t>
-            </a:r>
-            <a:endParaRPr sz="2300">
-              <a:latin typeface="Adobe Clean" panose="020B0503020404020204" pitchFamily="34" charset="0"/>
-            </a:endParaRPr>
           </a:p>
         </p:txBody>
       </p:sp>
@@ -2093,7 +2005,7 @@
         <p:spPr>
           <a:xfrm>
             <a:off x="121147" y="531160"/>
-            <a:ext cx="5865216" cy="1269065"/>
+            <a:ext cx="5865216" cy="1424364"/>
           </a:xfrm>
           <a:prstGeom prst="rect">
             <a:avLst/>
@@ -2114,7 +2026,7 @@
               </a:spcBef>
             </a:pPr>
             <a:r>
-              <a:rPr lang="en-US" sz="900">
+              <a:rPr lang="pt-BR" sz="900" dirty="0">
                 <a:solidFill>
                   <a:schemeClr val="bg1"/>
                 </a:solidFill>
@@ -2123,7 +2035,7 @@
               <a:t>Online | </a:t>
             </a:r>
             <a:r>
-              <a:rPr lang="en-US" sz="900" b="1">
+              <a:rPr lang="pt-BR" sz="900" b="1" dirty="0">
                 <a:solidFill>
                   <a:schemeClr val="bg1"/>
                 </a:solidFill>
@@ -2132,7 +2044,7 @@
               <a:t>Business</a:t>
             </a:r>
             <a:r>
-              <a:rPr lang="en-US" sz="900">
+              <a:rPr lang="pt-BR" sz="900" dirty="0">
                 <a:solidFill>
                   <a:schemeClr val="bg1"/>
                 </a:solidFill>
@@ -2151,21 +2063,65 @@
               </a:spcBef>
             </a:pPr>
             <a:r>
-              <a:rPr lang="en-US" sz="900">
+              <a:rPr lang="pt-BR" sz="900" dirty="0">
                 <a:solidFill>
                   <a:schemeClr val="bg1"/>
                 </a:solidFill>
                 <a:latin typeface="Adobe Clean SemiLight" panose="020B0403020404020204" pitchFamily="34" charset="0"/>
               </a:rPr>
-              <a:t>Adobe provides a comprehensive range of technical resources to help support your business, included as part of your Experience Cloud license subscription and enhanced in the BUSINESS support package. BUSINESS support includes access to personalized learning paths and monitored community forums via the Adobe Experience League. You can also take advantage of our detailed and in-depth technical product documentation and current release notes. BUSINESS customers also benefit from access to our technical support teams for any product query via either the telephone or the support web portal, to help protect your business at the most critical times. BUSINESS customers will receive regular communications and updates from their Account Support Lead in addition to support case escalation management for your most critical of support requests. </a:t>
+              <a:t>A Adobe oferece uma ampla gama de recursos técnicos para prestar suporte à sua empresa, incluídos na sua assinatura da Experience Cloud e com melhorias adicionais no pacote de suporte BUSINESS. O Suporte BUSINESS inclui acesso a caminhos </a:t>
             </a:r>
-            <a:endParaRPr lang="en-US" sz="900">
-              <a:solidFill>
-                <a:schemeClr val="bg1"/>
-              </a:solidFill>
-              <a:latin typeface="Adobe Clean Light" panose="020B0303020404020204" pitchFamily="34" charset="0"/>
-              <a:cs typeface="AdobeClean-Light"/>
-            </a:endParaRPr>
+            <a:br>
+              <a:rPr lang="pt-BR" sz="900" dirty="0">
+                <a:solidFill>
+                  <a:schemeClr val="bg1"/>
+                </a:solidFill>
+                <a:latin typeface="Adobe Clean SemiLight" panose="020B0403020404020204" pitchFamily="34" charset="0"/>
+              </a:rPr>
+            </a:br>
+            <a:r>
+              <a:rPr lang="pt-BR" sz="900" dirty="0">
+                <a:solidFill>
+                  <a:schemeClr val="bg1"/>
+                </a:solidFill>
+                <a:latin typeface="Adobe Clean SemiLight" panose="020B0403020404020204" pitchFamily="34" charset="0"/>
+              </a:rPr>
+              <a:t>de aprendizagem personalizados e a fóruns monitorados da comunidade na Adobe Experience League. Você tem à sua disposição a nossa documentação técnica de produto, com todos os detalhes, e as notas de versão atuais. Os clientes BUSINESS também contam com acesso às nossas equipes de suporte técnico para qualquer consulta sobre o produto, por telefone ou </a:t>
+            </a:r>
+            <a:br>
+              <a:rPr lang="pt-BR" sz="900" dirty="0">
+                <a:solidFill>
+                  <a:schemeClr val="bg1"/>
+                </a:solidFill>
+                <a:latin typeface="Adobe Clean SemiLight" panose="020B0403020404020204" pitchFamily="34" charset="0"/>
+              </a:rPr>
+            </a:br>
+            <a:r>
+              <a:rPr lang="pt-BR" sz="900" dirty="0">
+                <a:solidFill>
+                  <a:schemeClr val="bg1"/>
+                </a:solidFill>
+                <a:latin typeface="Adobe Clean SemiLight" panose="020B0403020404020204" pitchFamily="34" charset="0"/>
+              </a:rPr>
+              <a:t>no portal da web, com o fim de proteger sua empresa nos momentos mais críticos. Além disso, os clientes BUSINESS recebem comunicações e atualizações periódicos do Líder de suporte da conta e gestão de encaminhamento de casos de suporte para</a:t>
+            </a:r>
+            <a:br>
+              <a:rPr lang="pt-BR" sz="900" dirty="0">
+                <a:solidFill>
+                  <a:schemeClr val="bg1"/>
+                </a:solidFill>
+                <a:latin typeface="Adobe Clean SemiLight" panose="020B0403020404020204" pitchFamily="34" charset="0"/>
+              </a:rPr>
+            </a:br>
+            <a:r>
+              <a:rPr lang="pt-BR" sz="900" dirty="0">
+                <a:solidFill>
+                  <a:schemeClr val="bg1"/>
+                </a:solidFill>
+                <a:latin typeface="Adobe Clean SemiLight" panose="020B0403020404020204" pitchFamily="34" charset="0"/>
+              </a:rPr>
+              <a:t>as solicitações mais críticas. </a:t>
+            </a:r>
           </a:p>
         </p:txBody>
       </p:sp>
@@ -2232,24 +2188,8 @@
               </a:spcBef>
             </a:pPr>
             <a:r>
-              <a:rPr spc="-5"/>
-              <a:t>©202</a:t>
-            </a:r>
-            <a:r>
-              <a:rPr lang="en-US" spc="-5"/>
-              <a:t>1</a:t>
-            </a:r>
-            <a:r>
-              <a:rPr spc="-5"/>
-              <a:t> Adobe. All Rights Reserved. Adobe</a:t>
-            </a:r>
-            <a:r>
-              <a:rPr spc="60"/>
-              <a:t> </a:t>
-            </a:r>
-            <a:r>
-              <a:rPr spc="-5"/>
-              <a:t>Confidential.</a:t>
+              <a:rPr lang="pt-BR"/>
+              <a:t>©2021 Adobe. All Rights Reserved. Adobe Confidential.</a:t>
             </a:r>
           </a:p>
         </p:txBody>
@@ -2263,14 +2203,14 @@
           <p:nvPr>
             <p:extLst>
               <p:ext uri="{D42A27DB-BD31-4B8C-83A1-F6EECF244321}">
-                <p14:modId xmlns:p14="http://schemas.microsoft.com/office/powerpoint/2010/main" val="852543156"/>
+                <p14:modId xmlns:p14="http://schemas.microsoft.com/office/powerpoint/2010/main" val="2117478310"/>
               </p:ext>
             </p:extLst>
           </p:nvPr>
         </p:nvGraphicFramePr>
         <p:xfrm>
           <a:off x="118872" y="7475985"/>
-          <a:ext cx="7498851" cy="2223598"/>
+          <a:ext cx="7498851" cy="2281696"/>
         </p:xfrm>
         <a:graphic>
           <a:graphicData uri="http://schemas.openxmlformats.org/drawingml/2006/table">
@@ -2316,19 +2256,15 @@
                         </a:spcBef>
                       </a:pPr>
                       <a:r>
-                        <a:rPr sz="900" spc="0">
+                        <a:rPr lang="pt-BR" sz="900">
                           <a:solidFill>
                             <a:srgbClr val="020302"/>
                           </a:solidFill>
                           <a:latin typeface="Adobe Clean"/>
                           <a:cs typeface="Adobe Clean"/>
                         </a:rPr>
-                        <a:t>Priority</a:t>
+                        <a:t>Prioridade</a:t>
                       </a:r>
-                      <a:endParaRPr sz="900" spc="0">
-                        <a:latin typeface="Adobe Clean"/>
-                        <a:cs typeface="Adobe Clean"/>
-                      </a:endParaRPr>
                     </a:p>
                   </a:txBody>
                   <a:tcPr marL="0" marR="0" marT="7620" marB="0">
@@ -2366,28 +2302,34 @@
                     <a:bodyPr/>
                     <a:lstStyle/>
                     <a:p>
-                      <a:pPr marL="135255" algn="ctr">
+                      <a:pPr marL="2540" marR="0" lvl="0" indent="0" algn="ctr" defTabSz="914400" eaLnBrk="1" fontAlgn="auto" latinLnBrk="0" hangingPunct="1">
                         <a:lnSpc>
                           <a:spcPct val="100000"/>
                         </a:lnSpc>
                         <a:spcBef>
                           <a:spcPts val="60"/>
                         </a:spcBef>
+                        <a:spcAft>
+                          <a:spcPts val="0"/>
+                        </a:spcAft>
+                        <a:buClrTx/>
+                        <a:buSzTx/>
+                        <a:buFontTx/>
+                        <a:buNone/>
+                        <a:tabLst/>
+                        <a:defRPr/>
                       </a:pPr>
                       <a:r>
-                        <a:rPr sz="900" spc="0">
+                        <a:rPr lang="pt-BR" sz="900" dirty="0">
                           <a:solidFill>
-                            <a:srgbClr val="020302"/>
+                            <a:srgbClr val="404040"/>
                           </a:solidFill>
                           <a:latin typeface="Adobe Clean"/>
+                          <a:ea typeface="+mn-ea"/>
                           <a:cs typeface="Adobe Clean"/>
                         </a:rPr>
-                        <a:t>Online Support</a:t>
+                        <a:t>Suporte Online</a:t>
                       </a:r>
-                      <a:endParaRPr sz="900" spc="0">
-                        <a:latin typeface="Adobe Clean"/>
-                        <a:cs typeface="Adobe Clean"/>
-                      </a:endParaRPr>
                     </a:p>
                   </a:txBody>
                   <a:tcPr marL="182880" marT="91440" anchor="ctr">
@@ -2425,7 +2367,7 @@
                     <a:bodyPr/>
                     <a:lstStyle/>
                     <a:p>
-                      <a:pPr marL="92710">
+                      <a:pPr marL="2540" algn="ctr">
                         <a:lnSpc>
                           <a:spcPct val="100000"/>
                         </a:lnSpc>
@@ -2434,39 +2376,16 @@
                         </a:spcBef>
                       </a:pPr>
                       <a:r>
-                        <a:rPr sz="900" spc="0">
+                        <a:rPr lang="pt-BR" sz="900" dirty="0">
                           <a:solidFill>
                             <a:srgbClr val="FFFFFF"/>
                           </a:solidFill>
                           <a:latin typeface="Adobe Clean"/>
+                          <a:ea typeface="+mn-ea"/>
                           <a:cs typeface="Adobe Clean"/>
                         </a:rPr>
-                        <a:t>Business</a:t>
+                        <a:t>Suporte Business</a:t>
                       </a:r>
-                      <a:r>
-                        <a:rPr lang="en-US" sz="900" spc="0">
-                          <a:solidFill>
-                            <a:srgbClr val="FFFFFF"/>
-                          </a:solidFill>
-                          <a:latin typeface="Adobe Clean"/>
-                          <a:cs typeface="Adobe Clean"/>
-                        </a:rPr>
-                        <a:t> </a:t>
-                      </a:r>
-                      <a:r>
-                        <a:rPr sz="900" spc="0">
-                          <a:solidFill>
-                            <a:srgbClr val="FFFFFF"/>
-                          </a:solidFill>
-                          <a:latin typeface="Adobe Clean"/>
-                          <a:cs typeface="Adobe Clean"/>
-                        </a:rPr>
-                        <a:t>Support</a:t>
-                      </a:r>
-                      <a:endParaRPr sz="900" spc="0">
-                        <a:latin typeface="Adobe Clean"/>
-                        <a:cs typeface="Adobe Clean"/>
-                      </a:endParaRPr>
                     </a:p>
                   </a:txBody>
                   <a:tcPr marL="182880" marT="91440" anchor="ctr">
@@ -2520,19 +2439,15 @@
                         </a:spcBef>
                       </a:pPr>
                       <a:r>
-                        <a:rPr sz="900" b="1" spc="0">
+                        <a:rPr lang="pt-BR" sz="900" b="1" dirty="0">
                           <a:solidFill>
                             <a:srgbClr val="020302"/>
                           </a:solidFill>
                           <a:latin typeface="Adobe Clean"/>
                           <a:cs typeface="Adobe Clean"/>
                         </a:rPr>
-                        <a:t>PRIORITY 1</a:t>
+                        <a:t>PRIORIDADE 1</a:t>
                       </a:r>
-                      <a:endParaRPr sz="900" spc="0">
-                        <a:latin typeface="Adobe Clean"/>
-                        <a:cs typeface="Adobe Clean"/>
-                      </a:endParaRPr>
                     </a:p>
                     <a:p>
                       <a:pPr marL="50800" marR="387985" lvl="0" indent="0" algn="l" defTabSz="914400" rtl="0" eaLnBrk="1" fontAlgn="auto" latinLnBrk="0" hangingPunct="1">
@@ -2553,19 +2468,31 @@
                         <a:defRPr/>
                       </a:pPr>
                       <a:r>
-                        <a:rPr lang="en-US" sz="900" b="0" i="0" spc="0">
+                        <a:rPr lang="pt-BR" sz="900" b="0" i="0" dirty="0">
                           <a:solidFill>
                             <a:srgbClr val="000000"/>
                           </a:solidFill>
-                          <a:effectLst/>
                           <a:latin typeface="Adobe Clean Light" panose="020B0303020404020204" pitchFamily="34" charset="0"/>
                         </a:rPr>
-                        <a:t>Customer's production business functions are down or have significant data loss or service degradation and immediate attention is required to restore functionality and usability</a:t>
+                        <a:t>As funções de produção do cliente estão inativas ou têm perda significativa de dados ou degradação de serviços, e é necessária atenção imediata para restaurar a funcionalidade </a:t>
                       </a:r>
-                      <a:endParaRPr lang="en-US" sz="900" b="0" i="0" spc="0">
-                        <a:latin typeface="Adobe Clean Light" panose="020B0303020404020204" pitchFamily="34" charset="0"/>
-                        <a:cs typeface="AdobeClean-Light"/>
-                      </a:endParaRPr>
+                      <a:br>
+                        <a:rPr lang="pt-BR" sz="900" b="0" i="0" dirty="0">
+                          <a:solidFill>
+                            <a:srgbClr val="000000"/>
+                          </a:solidFill>
+                          <a:latin typeface="Adobe Clean Light" panose="020B0303020404020204" pitchFamily="34" charset="0"/>
+                        </a:rPr>
+                      </a:br>
+                      <a:r>
+                        <a:rPr lang="pt-BR" sz="900" b="0" i="0" dirty="0">
+                          <a:solidFill>
+                            <a:srgbClr val="000000"/>
+                          </a:solidFill>
+                          <a:latin typeface="Adobe Clean Light" panose="020B0303020404020204" pitchFamily="34" charset="0"/>
+                        </a:rPr>
+                        <a:t>e a usabilidade</a:t>
+                      </a:r>
                     </a:p>
                   </a:txBody>
                   <a:tcPr marL="0" marR="0" marT="3810" marB="0">
@@ -2609,59 +2536,15 @@
                         </a:spcBef>
                       </a:pPr>
                       <a:r>
-                        <a:rPr sz="900" spc="0">
+                        <a:rPr lang="pt-BR" sz="900" dirty="0">
                           <a:solidFill>
                             <a:srgbClr val="020302"/>
                           </a:solidFill>
                           <a:latin typeface="AdobeClean-Light"/>
                           <a:cs typeface="AdobeClean-Light"/>
                         </a:rPr>
-                        <a:t>24x7</a:t>
+                        <a:t>24x7 / 1 hora</a:t>
                       </a:r>
-                      <a:r>
-                        <a:rPr lang="en-US" sz="900" spc="0">
-                          <a:solidFill>
-                            <a:srgbClr val="020302"/>
-                          </a:solidFill>
-                          <a:latin typeface="AdobeClean-Light"/>
-                          <a:cs typeface="AdobeClean-Light"/>
-                        </a:rPr>
-                        <a:t> </a:t>
-                      </a:r>
-                      <a:r>
-                        <a:rPr sz="900" spc="0">
-                          <a:solidFill>
-                            <a:srgbClr val="020302"/>
-                          </a:solidFill>
-                          <a:latin typeface="AdobeClean-Light"/>
-                          <a:cs typeface="AdobeClean-Light"/>
-                        </a:rPr>
-                        <a:t>/</a:t>
-                      </a:r>
-                      <a:r>
-                        <a:rPr lang="en-US" sz="900" spc="0">
-                          <a:solidFill>
-                            <a:srgbClr val="020302"/>
-                          </a:solidFill>
-                          <a:latin typeface="AdobeClean-Light"/>
-                          <a:cs typeface="AdobeClean-Light"/>
-                        </a:rPr>
-                        <a:t> </a:t>
-                      </a:r>
-                      <a:r>
-                        <a:rPr sz="900" spc="0">
-                          <a:solidFill>
-                            <a:srgbClr val="020302"/>
-                          </a:solidFill>
-                          <a:latin typeface="AdobeClean-Light"/>
-                          <a:cs typeface="AdobeClean-Light"/>
-                        </a:rPr>
-                        <a:t>1 hour</a:t>
-                      </a:r>
-                      <a:endParaRPr sz="900" spc="0">
-                        <a:latin typeface="AdobeClean-Light"/>
-                        <a:cs typeface="AdobeClean-Light"/>
-                      </a:endParaRPr>
                     </a:p>
                   </a:txBody>
                   <a:tcPr marL="0" marR="0" marT="91440" marB="91440" anchor="ctr" anchorCtr="1">
@@ -2705,59 +2588,15 @@
                         </a:spcBef>
                       </a:pPr>
                       <a:r>
-                        <a:rPr sz="900" spc="0">
+                        <a:rPr lang="pt-BR" sz="900" dirty="0">
                           <a:solidFill>
                             <a:srgbClr val="020302"/>
                           </a:solidFill>
                           <a:latin typeface="AdobeClean-Light"/>
                           <a:cs typeface="AdobeClean-Light"/>
                         </a:rPr>
-                        <a:t>24x7</a:t>
+                        <a:t>24x7 / 1 hora</a:t>
                       </a:r>
-                      <a:r>
-                        <a:rPr lang="en-US" sz="900" spc="0">
-                          <a:solidFill>
-                            <a:srgbClr val="020302"/>
-                          </a:solidFill>
-                          <a:latin typeface="AdobeClean-Light"/>
-                          <a:cs typeface="AdobeClean-Light"/>
-                        </a:rPr>
-                        <a:t> </a:t>
-                      </a:r>
-                      <a:r>
-                        <a:rPr sz="900" spc="0">
-                          <a:solidFill>
-                            <a:srgbClr val="020302"/>
-                          </a:solidFill>
-                          <a:latin typeface="AdobeClean-Light"/>
-                          <a:cs typeface="AdobeClean-Light"/>
-                        </a:rPr>
-                        <a:t>/</a:t>
-                      </a:r>
-                      <a:r>
-                        <a:rPr lang="en-US" sz="900" spc="0">
-                          <a:solidFill>
-                            <a:srgbClr val="020302"/>
-                          </a:solidFill>
-                          <a:latin typeface="AdobeClean-Light"/>
-                          <a:cs typeface="AdobeClean-Light"/>
-                        </a:rPr>
-                        <a:t> </a:t>
-                      </a:r>
-                      <a:r>
-                        <a:rPr sz="900" spc="0">
-                          <a:solidFill>
-                            <a:srgbClr val="020302"/>
-                          </a:solidFill>
-                          <a:latin typeface="AdobeClean-Light"/>
-                          <a:cs typeface="AdobeClean-Light"/>
-                        </a:rPr>
-                        <a:t>1 hour</a:t>
-                      </a:r>
-                      <a:endParaRPr sz="900" spc="0">
-                        <a:latin typeface="AdobeClean-Light"/>
-                        <a:cs typeface="AdobeClean-Light"/>
-                      </a:endParaRPr>
                     </a:p>
                   </a:txBody>
                   <a:tcPr marL="0" marR="0" marT="91440" marB="91440" anchor="ctr" anchorCtr="1">
@@ -2813,19 +2652,15 @@
                         </a:spcBef>
                       </a:pPr>
                       <a:r>
-                        <a:rPr sz="900" b="1" spc="0">
+                        <a:rPr lang="pt-BR" sz="900" b="1" dirty="0">
                           <a:solidFill>
                             <a:srgbClr val="020302"/>
                           </a:solidFill>
                           <a:latin typeface="Adobe Clean"/>
                           <a:cs typeface="Adobe Clean"/>
                         </a:rPr>
-                        <a:t>PRIORITY 2</a:t>
+                        <a:t>PRIORIDADE 2</a:t>
                       </a:r>
-                      <a:endParaRPr sz="900" spc="0">
-                        <a:latin typeface="Adobe Clean"/>
-                        <a:cs typeface="Adobe Clean"/>
-                      </a:endParaRPr>
                     </a:p>
                     <a:p>
                       <a:pPr marL="50165" marR="203200">
@@ -2837,19 +2672,31 @@
                         </a:spcBef>
                       </a:pPr>
                       <a:r>
-                        <a:rPr lang="en-US" sz="900" b="0" i="0" spc="0">
+                        <a:rPr lang="pt-BR" sz="900" b="0" i="0" dirty="0">
                           <a:solidFill>
                             <a:srgbClr val="000000"/>
                           </a:solidFill>
-                          <a:effectLst/>
                           <a:latin typeface="Adobe Clean Light" panose="020B0303020404020204" pitchFamily="34" charset="0"/>
                         </a:rPr>
-                        <a:t>Customer's business functions have major service degradation or potential data loss, or a major feature is impacted </a:t>
+                        <a:t>As funções empresariais do cliente têm grande degradação de serviços, perda potencial de dados </a:t>
                       </a:r>
-                      <a:endParaRPr lang="en-US" sz="900" b="0" i="0" spc="0">
-                        <a:latin typeface="Adobe Clean Light" panose="020B0303020404020204" pitchFamily="34" charset="0"/>
-                        <a:cs typeface="AdobeClean-Light"/>
-                      </a:endParaRPr>
+                      <a:br>
+                        <a:rPr lang="pt-BR" sz="900" b="0" i="0" dirty="0">
+                          <a:solidFill>
+                            <a:srgbClr val="000000"/>
+                          </a:solidFill>
+                          <a:latin typeface="Adobe Clean Light" panose="020B0303020404020204" pitchFamily="34" charset="0"/>
+                        </a:rPr>
+                      </a:br>
+                      <a:r>
+                        <a:rPr lang="pt-BR" sz="900" b="0" i="0" dirty="0">
+                          <a:solidFill>
+                            <a:srgbClr val="000000"/>
+                          </a:solidFill>
+                          <a:latin typeface="Adobe Clean Light" panose="020B0303020404020204" pitchFamily="34" charset="0"/>
+                        </a:rPr>
+                        <a:t>ou foi afetado um recurso importante </a:t>
+                      </a:r>
                     </a:p>
                   </a:txBody>
                   <a:tcPr marL="0" marR="0" marT="3810" marB="0">
@@ -2884,7 +2731,7 @@
                     <a:bodyPr/>
                     <a:lstStyle/>
                     <a:p>
-                      <a:pPr marL="316865" marR="184785" indent="-193675" algn="ctr">
+                      <a:pPr marL="122238" marR="184785" indent="0" algn="ctr">
                         <a:lnSpc>
                           <a:spcPct val="100000"/>
                         </a:lnSpc>
@@ -2893,79 +2740,34 @@
                         </a:spcBef>
                       </a:pPr>
                       <a:r>
-                        <a:rPr sz="900" spc="0">
+                        <a:rPr lang="pt-BR" sz="900" dirty="0">
                           <a:solidFill>
                             <a:srgbClr val="020302"/>
                           </a:solidFill>
                           <a:latin typeface="AdobeClean-Light"/>
                           <a:cs typeface="AdobeClean-Light"/>
                         </a:rPr>
-                        <a:t>Business</a:t>
+                        <a:t>Horário comercial / </a:t>
                       </a:r>
-                      <a:r>
-                        <a:rPr lang="en-US" sz="900" spc="0">
+                      <a:br>
+                        <a:rPr lang="pt-BR" sz="900" dirty="0">
                           <a:solidFill>
                             <a:srgbClr val="020302"/>
                           </a:solidFill>
                           <a:latin typeface="AdobeClean-Light"/>
                           <a:cs typeface="AdobeClean-Light"/>
                         </a:rPr>
-                        <a:t> </a:t>
-                      </a:r>
+                      </a:br>
                       <a:r>
-                        <a:rPr sz="900" spc="0">
+                        <a:rPr lang="pt-BR" sz="900" dirty="0">
                           <a:solidFill>
                             <a:srgbClr val="020302"/>
                           </a:solidFill>
                           <a:latin typeface="AdobeClean-Light"/>
                           <a:cs typeface="AdobeClean-Light"/>
                         </a:rPr>
-                        <a:t>hours</a:t>
+                        <a:t>4 horas</a:t>
                       </a:r>
-                      <a:r>
-                        <a:rPr lang="en-US" sz="900" spc="0">
-                          <a:solidFill>
-                            <a:srgbClr val="020302"/>
-                          </a:solidFill>
-                          <a:latin typeface="AdobeClean-Light"/>
-                          <a:cs typeface="AdobeClean-Light"/>
-                        </a:rPr>
-                        <a:t> </a:t>
-                      </a:r>
-                      <a:r>
-                        <a:rPr sz="900" spc="0">
-                          <a:solidFill>
-                            <a:srgbClr val="020302"/>
-                          </a:solidFill>
-                          <a:latin typeface="AdobeClean-Light"/>
-                          <a:cs typeface="AdobeClean-Light"/>
-                        </a:rPr>
-                        <a:t>/</a:t>
-                      </a:r>
-                      <a:r>
-                        <a:rPr lang="en-US" sz="900" spc="0">
-                          <a:solidFill>
-                            <a:srgbClr val="020302"/>
-                          </a:solidFill>
-                          <a:latin typeface="AdobeClean-Light"/>
-                          <a:cs typeface="AdobeClean-Light"/>
-                        </a:rPr>
-                        <a:t> </a:t>
-                      </a:r>
-                      <a:r>
-                        <a:rPr sz="900" spc="0">
-                          <a:solidFill>
-                            <a:srgbClr val="020302"/>
-                          </a:solidFill>
-                          <a:latin typeface="AdobeClean-Light"/>
-                          <a:cs typeface="AdobeClean-Light"/>
-                        </a:rPr>
-                        <a:t>4 hours</a:t>
-                      </a:r>
-                      <a:endParaRPr sz="900" spc="0">
-                        <a:latin typeface="AdobeClean-Light"/>
-                        <a:cs typeface="AdobeClean-Light"/>
-                      </a:endParaRPr>
                     </a:p>
                   </a:txBody>
                   <a:tcPr marL="0" marR="0" marT="91440" marB="91440" anchor="ctr" anchorCtr="1">
@@ -3000,7 +2802,7 @@
                     <a:bodyPr/>
                     <a:lstStyle/>
                     <a:p>
-                      <a:pPr marL="317500" marR="184785" indent="-194310" algn="ctr">
+                      <a:pPr marL="125413" marR="184785" indent="-1588" algn="ctr">
                         <a:lnSpc>
                           <a:spcPct val="100000"/>
                         </a:lnSpc>
@@ -3009,89 +2811,37 @@
                         </a:spcBef>
                       </a:pPr>
                       <a:r>
-                        <a:rPr lang="en-US" sz="900" spc="0">
+                        <a:rPr lang="pt-BR" sz="900" dirty="0">
                           <a:solidFill>
                             <a:srgbClr val="020302"/>
                           </a:solidFill>
                           <a:latin typeface="AdobeClean-Light"/>
+                          <a:ea typeface="+mn-ea"/>
                           <a:cs typeface="AdobeClean-Light"/>
                         </a:rPr>
-                        <a:t>    </a:t>
+                        <a:t>Horário comercial / </a:t>
                       </a:r>
-                      <a:r>
-                        <a:rPr sz="900" spc="0">
+                      <a:br>
+                        <a:rPr lang="pt-BR" sz="900" dirty="0">
                           <a:solidFill>
                             <a:srgbClr val="020302"/>
                           </a:solidFill>
                           <a:latin typeface="AdobeClean-Light"/>
+                          <a:ea typeface="+mn-ea"/>
                           <a:cs typeface="AdobeClean-Light"/>
                         </a:rPr>
-                        <a:t>Business</a:t>
-                      </a:r>
+                      </a:br>
                       <a:r>
-                        <a:rPr lang="en-US" sz="900" spc="0">
+                        <a:rPr lang="pt-BR" sz="900" dirty="0">
                           <a:solidFill>
                             <a:srgbClr val="020302"/>
                           </a:solidFill>
                           <a:latin typeface="AdobeClean-Light"/>
+                          <a:ea typeface="+mn-ea"/>
                           <a:cs typeface="AdobeClean-Light"/>
                         </a:rPr>
-                        <a:t> </a:t>
+                        <a:t>2 horas</a:t>
                       </a:r>
-                      <a:r>
-                        <a:rPr sz="900" spc="0">
-                          <a:solidFill>
-                            <a:srgbClr val="020302"/>
-                          </a:solidFill>
-                          <a:latin typeface="AdobeClean-Light"/>
-                          <a:cs typeface="AdobeClean-Light"/>
-                        </a:rPr>
-                        <a:t>hours</a:t>
-                      </a:r>
-                      <a:r>
-                        <a:rPr lang="en-US" sz="900" spc="0">
-                          <a:solidFill>
-                            <a:srgbClr val="020302"/>
-                          </a:solidFill>
-                          <a:latin typeface="AdobeClean-Light"/>
-                          <a:cs typeface="AdobeClean-Light"/>
-                        </a:rPr>
-                        <a:t> / </a:t>
-                      </a:r>
-                      <a:r>
-                        <a:rPr sz="900" spc="0">
-                          <a:solidFill>
-                            <a:srgbClr val="020302"/>
-                          </a:solidFill>
-                          <a:latin typeface="AdobeClean-Light"/>
-                          <a:cs typeface="AdobeClean-Light"/>
-                        </a:rPr>
-                        <a:t>2</a:t>
-                      </a:r>
-                      <a:r>
-                        <a:rPr lang="en-US" sz="900" spc="0">
-                          <a:solidFill>
-                            <a:srgbClr val="020302"/>
-                          </a:solidFill>
-                          <a:latin typeface="AdobeClean-Light"/>
-                          <a:cs typeface="AdobeClean-Light"/>
-                        </a:rPr>
-                        <a:t> </a:t>
-                      </a:r>
-                      <a:r>
-                        <a:rPr sz="900" spc="0">
-                          <a:solidFill>
-                            <a:srgbClr val="020302"/>
-                          </a:solidFill>
-                          <a:latin typeface="AdobeClean-Light"/>
-                          <a:cs typeface="AdobeClean-Light"/>
-                        </a:rPr>
-                        <a:t>hours</a:t>
-                      </a:r>
-                      <a:endParaRPr sz="900" spc="0">
-                        <a:latin typeface="AdobeClean-Light"/>
-                        <a:cs typeface="AdobeClean-Light"/>
-                      </a:endParaRPr>
                     </a:p>
                   </a:txBody>
                   <a:tcPr marL="0" marR="0" marT="91440" marB="91440" anchor="ctr" anchorCtr="1">
@@ -3147,19 +2897,15 @@
                         </a:spcBef>
                       </a:pPr>
                       <a:r>
-                        <a:rPr sz="900" b="1" spc="0">
+                        <a:rPr lang="pt-BR" sz="900" b="1" dirty="0">
                           <a:solidFill>
                             <a:srgbClr val="020302"/>
                           </a:solidFill>
                           <a:latin typeface="Adobe Clean"/>
                           <a:cs typeface="Adobe Clean"/>
                         </a:rPr>
-                        <a:t>PRIORITY 3</a:t>
+                        <a:t>PRIORIDADE 3</a:t>
                       </a:r>
-                      <a:endParaRPr sz="900" spc="0">
-                        <a:latin typeface="Adobe Clean"/>
-                        <a:cs typeface="Adobe Clean"/>
-                      </a:endParaRPr>
                     </a:p>
                     <a:p>
                       <a:pPr marL="49530" marR="212090" indent="-2540">
@@ -3171,26 +2917,52 @@
                         </a:spcBef>
                       </a:pPr>
                       <a:r>
-                        <a:rPr kumimoji="0" lang="en-US" sz="900" b="0" i="0" u="none" strike="noStrike" kern="1200" cap="none" spc="0" normalizeH="0" baseline="0" noProof="0">
+                        <a:rPr kumimoji="0" lang="pt-BR" sz="900" b="0" i="0" u="none" strike="noStrike" cap="none" normalizeH="0" baseline="0" noProof="0" dirty="0">
                           <a:ln>
                             <a:noFill/>
                           </a:ln>
                           <a:solidFill>
                             <a:srgbClr val="000000"/>
                           </a:solidFill>
-                          <a:effectLst/>
                           <a:uLnTx/>
                           <a:uFillTx/>
                           <a:latin typeface="Adobe Clean Light" panose="020B0303020404020204" pitchFamily="34" charset="0"/>
                           <a:ea typeface="+mn-ea"/>
                           <a:cs typeface="+mn-cs"/>
                         </a:rPr>
-                        <a:t>Customer's business functions have minor service degradation but there exists a solution/workaround allowing business functions to continue </a:t>
+                        <a:t>As funções empresariais do cliente têm pouca degradação dos serviços, e há uma solução/</a:t>
                       </a:r>
-                      <a:endParaRPr lang="en-US" sz="900" b="0" i="0" spc="0">
-                        <a:latin typeface="Adobe Clean Light" panose="020B0303020404020204" pitchFamily="34" charset="0"/>
-                        <a:cs typeface="AdobeClean-Light"/>
-                      </a:endParaRPr>
+                      <a:br>
+                        <a:rPr kumimoji="0" lang="pt-BR" sz="900" b="0" i="0" u="none" strike="noStrike" cap="none" normalizeH="0" baseline="0" noProof="0" dirty="0">
+                          <a:ln>
+                            <a:noFill/>
+                          </a:ln>
+                          <a:solidFill>
+                            <a:srgbClr val="000000"/>
+                          </a:solidFill>
+                          <a:uLnTx/>
+                          <a:uFillTx/>
+                          <a:latin typeface="Adobe Clean Light" panose="020B0303020404020204" pitchFamily="34" charset="0"/>
+                          <a:ea typeface="+mn-ea"/>
+                          <a:cs typeface="+mn-cs"/>
+                        </a:rPr>
+                      </a:br>
+                      <a:r>
+                        <a:rPr kumimoji="0" lang="pt-BR" sz="900" b="0" i="0" u="none" strike="noStrike" cap="none" normalizeH="0" baseline="0" noProof="0" dirty="0">
+                          <a:ln>
+                            <a:noFill/>
+                          </a:ln>
+                          <a:solidFill>
+                            <a:srgbClr val="000000"/>
+                          </a:solidFill>
+                          <a:uLnTx/>
+                          <a:uFillTx/>
+                          <a:latin typeface="Adobe Clean Light" panose="020B0303020404020204" pitchFamily="34" charset="0"/>
+                          <a:ea typeface="+mn-ea"/>
+                          <a:cs typeface="+mn-cs"/>
+                        </a:rPr>
+                        <a:t>solução alternativa que permite que as funções empresariais continuem normalmente </a:t>
+                      </a:r>
                     </a:p>
                   </a:txBody>
                   <a:tcPr marL="0" marR="0" marT="3810" marB="0">
@@ -3225,98 +2997,46 @@
                     <a:bodyPr/>
                     <a:lstStyle/>
                     <a:p>
-                      <a:pPr marL="313690" marR="184150" indent="-189865" algn="ctr">
+                      <a:pPr marL="122238" marR="184785" indent="0" algn="ctr">
                         <a:lnSpc>
                           <a:spcPct val="100000"/>
                         </a:lnSpc>
                         <a:spcBef>
-                          <a:spcPts val="645"/>
+                          <a:spcPts val="670"/>
                         </a:spcBef>
                       </a:pPr>
                       <a:r>
-                        <a:rPr lang="en-US" sz="900" spc="0">
+                        <a:rPr lang="pt-BR" sz="900" dirty="0">
                           <a:solidFill>
                             <a:srgbClr val="020302"/>
                           </a:solidFill>
                           <a:latin typeface="AdobeClean-Light"/>
+                          <a:ea typeface="+mn-ea"/>
                           <a:cs typeface="AdobeClean-Light"/>
                         </a:rPr>
-                        <a:t>   </a:t>
+                        <a:t>   Horário comercial / </a:t>
                       </a:r>
-                      <a:r>
-                        <a:rPr sz="900" spc="0">
+                      <a:br>
+                        <a:rPr lang="pt-BR" sz="900" dirty="0">
                           <a:solidFill>
                             <a:srgbClr val="020302"/>
                           </a:solidFill>
                           <a:latin typeface="AdobeClean-Light"/>
+                          <a:ea typeface="+mn-ea"/>
                           <a:cs typeface="AdobeClean-Light"/>
                         </a:rPr>
-                        <a:t>Business</a:t>
-                      </a:r>
+                      </a:br>
                       <a:r>
-                        <a:rPr lang="en-US" sz="900" spc="0">
+                        <a:rPr lang="pt-BR" sz="900" dirty="0">
                           <a:solidFill>
                             <a:srgbClr val="020302"/>
                           </a:solidFill>
                           <a:latin typeface="AdobeClean-Light"/>
+                          <a:ea typeface="+mn-ea"/>
                           <a:cs typeface="AdobeClean-Light"/>
                         </a:rPr>
-                        <a:t> </a:t>
+                        <a:t>6 horas</a:t>
                       </a:r>
-                      <a:r>
-                        <a:rPr sz="900" spc="0">
-                          <a:solidFill>
-                            <a:srgbClr val="020302"/>
-                          </a:solidFill>
-                          <a:latin typeface="AdobeClean-Light"/>
-                          <a:cs typeface="AdobeClean-Light"/>
-                        </a:rPr>
-                        <a:t>hours</a:t>
-                      </a:r>
-                      <a:r>
-                        <a:rPr lang="en-US" sz="900" spc="0">
-                          <a:solidFill>
-                            <a:srgbClr val="020302"/>
-                          </a:solidFill>
-                          <a:latin typeface="AdobeClean-Light"/>
-                          <a:cs typeface="AdobeClean-Light"/>
-                        </a:rPr>
-                        <a:t> / </a:t>
-                      </a:r>
-                      <a:r>
-                        <a:rPr sz="900" spc="0">
-                          <a:solidFill>
-                            <a:srgbClr val="020302"/>
-                          </a:solidFill>
-                          <a:latin typeface="AdobeClean-Light"/>
-                          <a:cs typeface="AdobeClean-Light"/>
-                        </a:rPr>
-                        <a:t>6</a:t>
-                      </a:r>
-                      <a:r>
-                        <a:rPr lang="en-US" sz="900" spc="0">
-                          <a:solidFill>
-                            <a:srgbClr val="020302"/>
-                          </a:solidFill>
-                          <a:latin typeface="AdobeClean-Light"/>
-                          <a:cs typeface="AdobeClean-Light"/>
-                        </a:rPr>
-                        <a:t> </a:t>
-                      </a:r>
-                      <a:r>
-                        <a:rPr sz="900" spc="0">
-                          <a:solidFill>
-                            <a:srgbClr val="020302"/>
-                          </a:solidFill>
-                          <a:latin typeface="AdobeClean-Light"/>
-                          <a:cs typeface="AdobeClean-Light"/>
-                        </a:rPr>
-                        <a:t>hours</a:t>
-                      </a:r>
-                      <a:endParaRPr sz="900" spc="0">
-                        <a:latin typeface="AdobeClean-Light"/>
-                        <a:cs typeface="AdobeClean-Light"/>
-                      </a:endParaRPr>
                     </a:p>
                   </a:txBody>
                   <a:tcPr marL="0" marR="0" marT="91440" marB="91440" anchor="ctr" anchorCtr="1">
@@ -3351,88 +3071,46 @@
                     <a:bodyPr/>
                     <a:lstStyle/>
                     <a:p>
-                      <a:pPr marL="316230" marR="185420" indent="-193675" algn="ctr">
+                      <a:pPr marL="122238" marR="184785" indent="0" algn="ctr">
                         <a:lnSpc>
                           <a:spcPct val="100000"/>
                         </a:lnSpc>
                         <a:spcBef>
-                          <a:spcPts val="645"/>
+                          <a:spcPts val="670"/>
                         </a:spcBef>
                       </a:pPr>
                       <a:r>
-                        <a:rPr sz="900" spc="0">
+                        <a:rPr lang="pt-BR" sz="900" dirty="0">
                           <a:solidFill>
                             <a:srgbClr val="020302"/>
                           </a:solidFill>
                           <a:latin typeface="AdobeClean-Light"/>
+                          <a:ea typeface="+mn-ea"/>
                           <a:cs typeface="AdobeClean-Light"/>
                         </a:rPr>
-                        <a:t>Business</a:t>
+                        <a:t>Horário comercial / </a:t>
                       </a:r>
-                      <a:r>
-                        <a:rPr lang="en-US" sz="900" spc="0">
+                      <a:br>
+                        <a:rPr lang="pt-BR" sz="900" dirty="0">
                           <a:solidFill>
                             <a:srgbClr val="020302"/>
                           </a:solidFill>
                           <a:latin typeface="AdobeClean-Light"/>
+                          <a:ea typeface="+mn-ea"/>
                           <a:cs typeface="AdobeClean-Light"/>
                         </a:rPr>
-                        <a:t> </a:t>
-                      </a:r>
+                      </a:br>
                       <a:r>
-                        <a:rPr sz="900" spc="0">
+                        <a:rPr lang="pt-BR" sz="900" dirty="0">
                           <a:solidFill>
                             <a:srgbClr val="020302"/>
                           </a:solidFill>
                           <a:latin typeface="AdobeClean-Light"/>
+                          <a:ea typeface="+mn-ea"/>
                           <a:cs typeface="AdobeClean-Light"/>
                         </a:rPr>
-                        <a:t>hours</a:t>
+                        <a:t>4 horas</a:t>
                       </a:r>
-                      <a:r>
-                        <a:rPr lang="en-US" sz="900" spc="0">
-                          <a:solidFill>
-                            <a:srgbClr val="020302"/>
-                          </a:solidFill>
-                          <a:latin typeface="AdobeClean-Light"/>
-                          <a:cs typeface="AdobeClean-Light"/>
-                        </a:rPr>
-                        <a:t> </a:t>
-                      </a:r>
-                      <a:r>
-                        <a:rPr sz="900" spc="0">
-                          <a:solidFill>
-                            <a:srgbClr val="020302"/>
-                          </a:solidFill>
-                          <a:latin typeface="AdobeClean-Light"/>
-                          <a:cs typeface="AdobeClean-Light"/>
-                        </a:rPr>
-                        <a:t>/ 4</a:t>
-                      </a:r>
-                      <a:r>
-                        <a:rPr lang="en-US" sz="900" spc="0">
-                          <a:solidFill>
-                            <a:srgbClr val="020302"/>
-                          </a:solidFill>
-                          <a:latin typeface="AdobeClean-Light"/>
-                          <a:cs typeface="AdobeClean-Light"/>
-                        </a:rPr>
-                        <a:t> </a:t>
-                      </a:r>
-                      <a:r>
-                        <a:rPr sz="900" spc="0">
-                          <a:solidFill>
-                            <a:srgbClr val="020302"/>
-                          </a:solidFill>
-                          <a:latin typeface="AdobeClean-Light"/>
-                          <a:cs typeface="AdobeClean-Light"/>
-                        </a:rPr>
-                        <a:t>hours</a:t>
-                      </a:r>
-                      <a:endParaRPr sz="900" spc="0">
-                        <a:latin typeface="AdobeClean-Light"/>
-                        <a:cs typeface="AdobeClean-Light"/>
-                      </a:endParaRPr>
                     </a:p>
                   </a:txBody>
                   <a:tcPr marL="0" marR="0" marT="91440" marB="91440" anchor="ctr" anchorCtr="1">
@@ -3488,19 +3166,15 @@
                         </a:spcBef>
                       </a:pPr>
                       <a:r>
-                        <a:rPr sz="900" b="1" spc="0">
+                        <a:rPr lang="pt-BR" sz="900" b="1">
                           <a:solidFill>
                             <a:srgbClr val="020302"/>
                           </a:solidFill>
                           <a:latin typeface="Adobe Clean"/>
                           <a:cs typeface="Adobe Clean"/>
                         </a:rPr>
-                        <a:t>PRIORITY 4</a:t>
+                        <a:t>PRIORIDADE 4</a:t>
                       </a:r>
-                      <a:endParaRPr sz="900" spc="0">
-                        <a:latin typeface="Adobe Clean"/>
-                        <a:cs typeface="Adobe Clean"/>
-                      </a:endParaRPr>
                     </a:p>
                     <a:p>
                       <a:pPr marL="48895" marR="0" lvl="0" indent="0" defTabSz="914400" eaLnBrk="1" fontAlgn="auto" latinLnBrk="0" hangingPunct="1">
@@ -3521,19 +3195,14 @@
                         <a:defRPr/>
                       </a:pPr>
                       <a:r>
-                        <a:rPr lang="en-US" sz="900" b="0" i="0" spc="0">
+                        <a:rPr lang="pt-BR" sz="900" b="0" i="0">
                           <a:solidFill>
                             <a:srgbClr val="000000"/>
                           </a:solidFill>
-                          <a:effectLst/>
                           <a:latin typeface="Adobe Clean Light" panose="020B0303020404020204" pitchFamily="34" charset="0"/>
                         </a:rPr>
-                        <a:t>General question regarding current product functionality or an enhancement request</a:t>
+                        <a:t>Pergunta geral sobre a funcionalidade atual do produto ou solicitação de melhoria</a:t>
                       </a:r>
-                      <a:endParaRPr lang="en-US" sz="900" b="0" i="0" spc="0">
-                        <a:latin typeface="Adobe Clean Light" panose="020B0303020404020204" pitchFamily="34" charset="0"/>
-                        <a:cs typeface="AdobeClean-Light"/>
-                      </a:endParaRPr>
                     </a:p>
                   </a:txBody>
                   <a:tcPr marL="0" marR="0" marT="1905" marB="0">
@@ -3577,69 +3246,15 @@
                         </a:spcBef>
                       </a:pPr>
                       <a:r>
-                        <a:rPr lang="en-US" sz="900" spc="0">
+                        <a:rPr lang="pt-BR" sz="900">
                           <a:solidFill>
                             <a:srgbClr val="020302"/>
                           </a:solidFill>
                           <a:latin typeface="AdobeClean-Light"/>
                           <a:cs typeface="AdobeClean-Light"/>
                         </a:rPr>
-                        <a:t>  </a:t>
+                        <a:t>  Dias úteis / 3 dias</a:t>
                       </a:r>
-                      <a:r>
-                        <a:rPr sz="900" spc="0">
-                          <a:solidFill>
-                            <a:srgbClr val="020302"/>
-                          </a:solidFill>
-                          <a:latin typeface="AdobeClean-Light"/>
-                          <a:cs typeface="AdobeClean-Light"/>
-                        </a:rPr>
-                        <a:t>Business</a:t>
-                      </a:r>
-                      <a:r>
-                        <a:rPr lang="en-US" sz="900" spc="0">
-                          <a:solidFill>
-                            <a:srgbClr val="020302"/>
-                          </a:solidFill>
-                          <a:latin typeface="AdobeClean-Light"/>
-                          <a:cs typeface="AdobeClean-Light"/>
-                        </a:rPr>
-                        <a:t> </a:t>
-                      </a:r>
-                      <a:r>
-                        <a:rPr sz="900" spc="0">
-                          <a:solidFill>
-                            <a:srgbClr val="020302"/>
-                          </a:solidFill>
-                          <a:latin typeface="AdobeClean-Light"/>
-                          <a:cs typeface="AdobeClean-Light"/>
-                        </a:rPr>
-                        <a:t>days</a:t>
-                      </a:r>
-                      <a:r>
-                        <a:rPr lang="en-US" sz="900" spc="0">
-                          <a:solidFill>
-                            <a:srgbClr val="020302"/>
-                          </a:solidFill>
-                          <a:latin typeface="AdobeClean-Light"/>
-                          <a:cs typeface="AdobeClean-Light"/>
-                        </a:rPr>
-                        <a:t> / </a:t>
-                      </a:r>
-                      <a:r>
-                        <a:rPr sz="900" spc="0">
-                          <a:solidFill>
-                            <a:srgbClr val="020302"/>
-                          </a:solidFill>
-                          <a:latin typeface="AdobeClean-Light"/>
-                          <a:cs typeface="AdobeClean-Light"/>
-                        </a:rPr>
-                        <a:t>3 days</a:t>
-                      </a:r>
-                      <a:endParaRPr sz="900" spc="0">
-                        <a:latin typeface="AdobeClean-Light"/>
-                        <a:cs typeface="AdobeClean-Light"/>
-                      </a:endParaRPr>
                     </a:p>
                   </a:txBody>
                   <a:tcPr marL="0" marR="0" marT="91440" marB="91440" anchor="ctr" anchorCtr="1">
@@ -3683,79 +3298,15 @@
                         </a:spcBef>
                       </a:pPr>
                       <a:r>
-                        <a:rPr sz="900" spc="0">
+                        <a:rPr lang="pt-BR" sz="900" dirty="0">
                           <a:solidFill>
                             <a:srgbClr val="020302"/>
                           </a:solidFill>
                           <a:latin typeface="AdobeClean-Light"/>
                           <a:cs typeface="AdobeClean-Light"/>
                         </a:rPr>
-                        <a:t>Business</a:t>
+                        <a:t>Dias úteis / 1 dia</a:t>
                       </a:r>
-                      <a:r>
-                        <a:rPr lang="en-US" sz="900" spc="0">
-                          <a:solidFill>
-                            <a:srgbClr val="020302"/>
-                          </a:solidFill>
-                          <a:latin typeface="AdobeClean-Light"/>
-                          <a:cs typeface="AdobeClean-Light"/>
-                        </a:rPr>
-                        <a:t> </a:t>
-                      </a:r>
-                      <a:r>
-                        <a:rPr sz="900" spc="0">
-                          <a:solidFill>
-                            <a:srgbClr val="020302"/>
-                          </a:solidFill>
-                          <a:latin typeface="AdobeClean-Light"/>
-                          <a:cs typeface="AdobeClean-Light"/>
-                        </a:rPr>
-                        <a:t>day</a:t>
-                      </a:r>
-                      <a:r>
-                        <a:rPr lang="en-US" sz="900" spc="0">
-                          <a:solidFill>
-                            <a:srgbClr val="020302"/>
-                          </a:solidFill>
-                          <a:latin typeface="AdobeClean-Light"/>
-                          <a:cs typeface="AdobeClean-Light"/>
-                        </a:rPr>
-                        <a:t>s </a:t>
-                      </a:r>
-                      <a:r>
-                        <a:rPr sz="900" spc="0">
-                          <a:solidFill>
-                            <a:srgbClr val="020302"/>
-                          </a:solidFill>
-                          <a:latin typeface="AdobeClean-Light"/>
-                          <a:cs typeface="AdobeClean-Light"/>
-                        </a:rPr>
-                        <a:t>/</a:t>
-                      </a:r>
-                      <a:r>
-                        <a:rPr lang="en-US" sz="900" spc="0">
-                          <a:solidFill>
-                            <a:srgbClr val="020302"/>
-                          </a:solidFill>
-                          <a:latin typeface="AdobeClean-Light"/>
-                          <a:cs typeface="AdobeClean-Light"/>
-                        </a:rPr>
-                        <a:t> </a:t>
-                      </a:r>
-                      <a:r>
-                        <a:rPr sz="900" spc="0">
-                          <a:solidFill>
-                            <a:srgbClr val="020302"/>
-                          </a:solidFill>
-                          <a:latin typeface="AdobeClean-Light"/>
-                          <a:cs typeface="AdobeClean-Light"/>
-                        </a:rPr>
-                        <a:t>1 day</a:t>
-                      </a:r>
-                      <a:endParaRPr sz="900" spc="0">
-                        <a:latin typeface="AdobeClean-Light"/>
-                        <a:cs typeface="AdobeClean-Light"/>
-                      </a:endParaRPr>
                     </a:p>
                   </a:txBody>
                   <a:tcPr marL="0" marR="0" marT="91440" marB="91440" anchor="ctr" anchorCtr="1">
@@ -3815,7 +3366,7 @@
           <p:nvPr>
             <p:extLst>
               <p:ext uri="{D42A27DB-BD31-4B8C-83A1-F6EECF244321}">
-                <p14:modId xmlns:p14="http://schemas.microsoft.com/office/powerpoint/2010/main" val="116851390"/>
+                <p14:modId xmlns:p14="http://schemas.microsoft.com/office/powerpoint/2010/main" val="1469976293"/>
               </p:ext>
             </p:extLst>
           </p:nvPr>
@@ -3904,39 +3455,15 @@
                         <a:defRPr/>
                       </a:pPr>
                       <a:r>
-                        <a:rPr lang="en-US" sz="900" spc="-20">
+                        <a:rPr lang="pt-BR" sz="900" dirty="0">
                           <a:solidFill>
                             <a:srgbClr val="404040"/>
                           </a:solidFill>
                           <a:latin typeface="Adobe Clean"/>
                           <a:cs typeface="Adobe Clean"/>
                         </a:rPr>
-                        <a:t>Online </a:t>
+                        <a:t>Suporte Online</a:t>
                       </a:r>
-                      <a:r>
-                        <a:rPr lang="en-US" sz="900" spc="-135">
-                          <a:solidFill>
-                            <a:srgbClr val="404040"/>
-                          </a:solidFill>
-                          <a:latin typeface="Adobe Clean"/>
-                          <a:cs typeface="Adobe Clean"/>
-                        </a:rPr>
-                        <a:t> </a:t>
-                      </a:r>
-                      <a:r>
-                        <a:rPr lang="en-US" sz="900" spc="-20">
-                          <a:solidFill>
-                            <a:srgbClr val="404040"/>
-                          </a:solidFill>
-                          <a:latin typeface="Adobe Clean"/>
-                          <a:cs typeface="Adobe Clean"/>
-                        </a:rPr>
-                        <a:t>Support</a:t>
-                      </a:r>
-                      <a:endParaRPr lang="en-US" sz="900">
-                        <a:latin typeface="Adobe Clean"/>
-                        <a:cs typeface="Adobe Clean"/>
-                      </a:endParaRPr>
                     </a:p>
                   </a:txBody>
                   <a:tcPr marL="0" marR="0" marT="7620" marB="0" anchor="ctr">
@@ -3977,39 +3504,15 @@
                         </a:spcBef>
                       </a:pPr>
                       <a:r>
-                        <a:rPr sz="900" spc="-20">
+                        <a:rPr lang="pt-BR" sz="900" dirty="0">
                           <a:solidFill>
                             <a:srgbClr val="FFFFFF"/>
                           </a:solidFill>
                           <a:latin typeface="Adobe Clean"/>
                           <a:cs typeface="Adobe Clean"/>
                         </a:rPr>
-                        <a:t>Business</a:t>
+                        <a:t>Suporte Business</a:t>
                       </a:r>
-                      <a:r>
-                        <a:rPr lang="en-US" sz="900" spc="-20">
-                          <a:solidFill>
-                            <a:srgbClr val="FFFFFF"/>
-                          </a:solidFill>
-                          <a:latin typeface="Adobe Clean"/>
-                          <a:cs typeface="Adobe Clean"/>
-                        </a:rPr>
-                        <a:t> </a:t>
-                      </a:r>
-                      <a:r>
-                        <a:rPr sz="900" spc="-20">
-                          <a:solidFill>
-                            <a:srgbClr val="FFFFFF"/>
-                          </a:solidFill>
-                          <a:latin typeface="Adobe Clean"/>
-                          <a:cs typeface="Adobe Clean"/>
-                        </a:rPr>
-                        <a:t>Support</a:t>
-                      </a:r>
-                      <a:endParaRPr sz="900">
-                        <a:latin typeface="Adobe Clean"/>
-                        <a:cs typeface="Adobe Clean"/>
-                      </a:endParaRPr>
                     </a:p>
                   </a:txBody>
                   <a:tcPr marL="0" marR="0" marT="7620" marB="0" anchor="ctr">
@@ -4074,7 +3577,7 @@
                     <a:bodyPr/>
                     <a:lstStyle/>
                     <a:p>
-                      <a:pPr marL="0" marR="0" lvl="0" indent="0" algn="ctr" defTabSz="914400" eaLnBrk="1" fontAlgn="auto" latinLnBrk="0" hangingPunct="1">
+                      <a:pPr marL="0" marR="0" lvl="0" indent="0" algn="l" defTabSz="914400" rtl="0" eaLnBrk="1" fontAlgn="auto" latinLnBrk="0" hangingPunct="1">
                         <a:lnSpc>
                           <a:spcPct val="100000"/>
                         </a:lnSpc>
@@ -4155,13 +3658,13 @@
                         <a:defRPr/>
                       </a:pPr>
                       <a:r>
-                        <a:rPr lang="en-US" sz="800" i="1">
+                        <a:rPr lang="pt-BR" sz="800" i="1">
                           <a:solidFill>
                             <a:schemeClr val="bg1"/>
                           </a:solidFill>
                           <a:latin typeface="Adobe Clean Light" panose="020B0303020404020204" pitchFamily="34" charset="0"/>
                         </a:rPr>
-                        <a:t>Paid Support ($)</a:t>
+                        <a:t>Suporte pago ($)</a:t>
                       </a:r>
                     </a:p>
                   </a:txBody>
@@ -4225,22 +3728,15 @@
                         </a:spcBef>
                       </a:pPr>
                       <a:r>
-                        <a:rPr lang="en-US" sz="1000" b="1" i="0" spc="0">
+                        <a:rPr lang="pt-BR" sz="1000" b="1" i="0">
                           <a:solidFill>
                             <a:schemeClr val="bg1"/>
                           </a:solidFill>
                           <a:latin typeface="Adobe Clean" panose="020B0503020404020204" pitchFamily="34" charset="0"/>
                           <a:cs typeface="AdobeClean-Light"/>
                         </a:rPr>
-                        <a:t>Assigned Experts</a:t>
+                        <a:t>Especialistas atribuídos</a:t>
                       </a:r>
-                      <a:endParaRPr sz="1000" b="1" i="0" spc="0">
-                        <a:solidFill>
-                          <a:schemeClr val="bg1"/>
-                        </a:solidFill>
-                        <a:latin typeface="Adobe Clean" panose="020B0503020404020204" pitchFamily="34" charset="0"/>
-                        <a:cs typeface="AdobeClean-Light"/>
-                      </a:endParaRPr>
                     </a:p>
                   </a:txBody>
                   <a:tcPr marL="0" marR="0" marT="58419" marB="0" anchor="ctr">
@@ -4287,19 +3783,15 @@
                         </a:spcBef>
                       </a:pPr>
                       <a:r>
-                        <a:rPr sz="900" spc="0">
+                        <a:rPr lang="pt-BR" sz="900">
                           <a:solidFill>
                             <a:srgbClr val="020302"/>
                           </a:solidFill>
                           <a:latin typeface="AdobeClean-Light"/>
                           <a:cs typeface="AdobeClean-Light"/>
                         </a:rPr>
-                        <a:t>Account Support Lead</a:t>
+                        <a:t>Líder de suporte da conta</a:t>
                       </a:r>
-                      <a:endParaRPr sz="900" spc="0">
-                        <a:latin typeface="AdobeClean-Light"/>
-                        <a:cs typeface="AdobeClean-Light"/>
-                      </a:endParaRPr>
                     </a:p>
                   </a:txBody>
                   <a:tcPr marL="0" marR="0" marT="58419" marB="0">
@@ -4334,7 +3826,7 @@
                     <a:bodyPr/>
                     <a:lstStyle/>
                     <a:p>
-                      <a:pPr algn="ctr">
+                      <a:pPr algn="l" rtl="0">
                         <a:lnSpc>
                           <a:spcPct val="100000"/>
                         </a:lnSpc>
@@ -4384,7 +3876,7 @@
                         </a:spcBef>
                       </a:pPr>
                       <a:r>
-                        <a:rPr sz="900">
+                        <a:rPr lang="pt-BR" sz="900">
                           <a:solidFill>
                             <a:srgbClr val="020302"/>
                           </a:solidFill>
@@ -4393,10 +3885,6 @@
                         </a:rPr>
                         <a:t></a:t>
                       </a:r>
-                      <a:endParaRPr sz="900">
-                        <a:latin typeface="Wingdings"/>
-                        <a:cs typeface="Wingdings"/>
-                      </a:endParaRPr>
                     </a:p>
                   </a:txBody>
                   <a:tcPr marL="0" marR="0" marT="59690" marB="0" anchor="ctr">
@@ -4428,7 +3916,7 @@
                     <a:bodyPr/>
                     <a:lstStyle/>
                     <a:p>
-                      <a:pPr marL="50800">
+                      <a:pPr marL="50800" algn="l" rtl="0">
                         <a:lnSpc>
                           <a:spcPct val="100000"/>
                         </a:lnSpc>
@@ -4474,19 +3962,15 @@
                         </a:spcBef>
                       </a:pPr>
                       <a:r>
-                        <a:rPr sz="900" spc="0">
+                        <a:rPr lang="pt-BR" sz="900">
                           <a:solidFill>
                             <a:srgbClr val="020302"/>
                           </a:solidFill>
                           <a:latin typeface="AdobeClean-Light"/>
                           <a:cs typeface="AdobeClean-Light"/>
                         </a:rPr>
-                        <a:t>Named Support Engineer</a:t>
+                        <a:t>Engenheiro de suporte nomeado</a:t>
                       </a:r>
-                      <a:endParaRPr sz="900" spc="0">
-                        <a:latin typeface="AdobeClean-Light"/>
-                        <a:cs typeface="AdobeClean-Light"/>
-                      </a:endParaRPr>
                     </a:p>
                   </a:txBody>
                   <a:tcPr marL="0" marR="0" marT="58419" marB="0">
@@ -4509,7 +3993,7 @@
                     <a:bodyPr/>
                     <a:lstStyle/>
                     <a:p>
-                      <a:pPr algn="ctr">
+                      <a:pPr algn="l" rtl="0">
                         <a:lnSpc>
                           <a:spcPct val="100000"/>
                         </a:lnSpc>
@@ -4538,7 +4022,7 @@
                     <a:bodyPr/>
                     <a:lstStyle/>
                     <a:p>
-                      <a:pPr algn="ctr">
+                      <a:pPr algn="l" rtl="0">
                         <a:lnSpc>
                           <a:spcPct val="100000"/>
                         </a:lnSpc>
@@ -4569,7 +4053,7 @@
                     <a:bodyPr/>
                     <a:lstStyle/>
                     <a:p>
-                      <a:pPr marL="50800">
+                      <a:pPr marL="50800" algn="l" rtl="0">
                         <a:lnSpc>
                           <a:spcPct val="100000"/>
                         </a:lnSpc>
@@ -4627,19 +4111,15 @@
                         </a:spcBef>
                       </a:pPr>
                       <a:r>
-                        <a:rPr sz="900" spc="0">
+                        <a:rPr lang="pt-BR" sz="900">
                           <a:solidFill>
                             <a:srgbClr val="020302"/>
                           </a:solidFill>
                           <a:latin typeface="AdobeClean-Light"/>
                           <a:cs typeface="AdobeClean-Light"/>
                         </a:rPr>
-                        <a:t>Technical Account Manager</a:t>
+                        <a:t>Gerente técnico de conta</a:t>
                       </a:r>
-                      <a:endParaRPr sz="900" spc="0">
-                        <a:latin typeface="AdobeClean-Light"/>
-                        <a:cs typeface="AdobeClean-Light"/>
-                      </a:endParaRPr>
                     </a:p>
                   </a:txBody>
                   <a:tcPr marL="0" marR="0" marT="63500" marB="0">
@@ -4668,7 +4148,7 @@
                     <a:bodyPr/>
                     <a:lstStyle/>
                     <a:p>
-                      <a:pPr algn="ctr">
+                      <a:pPr algn="l" rtl="0">
                         <a:lnSpc>
                           <a:spcPct val="100000"/>
                         </a:lnSpc>
@@ -4706,7 +4186,7 @@
                     <a:bodyPr/>
                     <a:lstStyle/>
                     <a:p>
-                      <a:pPr algn="ctr">
+                      <a:pPr algn="l" rtl="0">
                         <a:lnSpc>
                           <a:spcPct val="100000"/>
                         </a:lnSpc>
@@ -4755,22 +4235,15 @@
                         </a:spcBef>
                       </a:pPr>
                       <a:r>
-                        <a:rPr lang="en-US" sz="1000" b="1" i="0" spc="0">
+                        <a:rPr lang="pt-BR" sz="1000" b="1" i="0">
                           <a:solidFill>
                             <a:schemeClr val="bg1"/>
                           </a:solidFill>
                           <a:latin typeface="Adobe Clean" panose="020B0503020404020204" pitchFamily="34" charset="0"/>
                           <a:cs typeface="AdobeClean-Light"/>
                         </a:rPr>
-                        <a:t>Support Services</a:t>
+                        <a:t>Serviços de suporte</a:t>
                       </a:r>
-                      <a:endParaRPr sz="1000" b="1" i="0" spc="0">
-                        <a:solidFill>
-                          <a:schemeClr val="bg1"/>
-                        </a:solidFill>
-                        <a:latin typeface="Adobe Clean" panose="020B0503020404020204" pitchFamily="34" charset="0"/>
-                        <a:cs typeface="AdobeClean-Light"/>
-                      </a:endParaRPr>
                     </a:p>
                   </a:txBody>
                   <a:tcPr marL="0" marR="0" marT="57150" marB="0" anchor="ctr">
@@ -4826,29 +4299,15 @@
                         </a:spcBef>
                       </a:pPr>
                       <a:r>
-                        <a:rPr lang="en-US" sz="900" spc="0">
+                        <a:rPr lang="pt-BR" sz="900">
                           <a:solidFill>
                             <a:srgbClr val="020302"/>
                           </a:solidFill>
                           <a:latin typeface="AdobeClean-Light"/>
                           <a:cs typeface="AdobeClean-Light"/>
                         </a:rPr>
-                        <a:t>Online</a:t>
+                        <a:t>Suporte Online</a:t>
                       </a:r>
-                      <a:r>
-                        <a:rPr sz="900" spc="0">
-                          <a:solidFill>
-                            <a:srgbClr val="020302"/>
-                          </a:solidFill>
-                          <a:latin typeface="AdobeClean-Light"/>
-                          <a:cs typeface="AdobeClean-Light"/>
-                        </a:rPr>
-                        <a:t> Support</a:t>
-                      </a:r>
-                      <a:endParaRPr sz="900" spc="0">
-                        <a:latin typeface="AdobeClean-Light"/>
-                        <a:cs typeface="AdobeClean-Light"/>
-                      </a:endParaRPr>
                     </a:p>
                   </a:txBody>
                   <a:tcPr marL="0" marR="0" marT="57150" marB="0">
@@ -4886,39 +4345,15 @@
                         </a:spcBef>
                       </a:pPr>
                       <a:r>
-                        <a:rPr sz="900" spc="-25">
+                        <a:rPr lang="pt-BR" sz="900" dirty="0">
                           <a:solidFill>
                             <a:srgbClr val="020302"/>
                           </a:solidFill>
                           <a:latin typeface="AdobeClean-Light"/>
                           <a:cs typeface="AdobeClean-Light"/>
                         </a:rPr>
-                        <a:t>Business</a:t>
+                        <a:t>Horário comercial</a:t>
                       </a:r>
-                      <a:r>
-                        <a:rPr sz="900" spc="-15">
-                          <a:solidFill>
-                            <a:srgbClr val="020302"/>
-                          </a:solidFill>
-                          <a:latin typeface="AdobeClean-Light"/>
-                          <a:cs typeface="AdobeClean-Light"/>
-                        </a:rPr>
-                        <a:t> </a:t>
-                      </a:r>
-                      <a:r>
-                        <a:rPr sz="900" spc="-30">
-                          <a:solidFill>
-                            <a:srgbClr val="020302"/>
-                          </a:solidFill>
-                          <a:latin typeface="AdobeClean-Light"/>
-                          <a:cs typeface="AdobeClean-Light"/>
-                        </a:rPr>
-                        <a:t>hours</a:t>
-                      </a:r>
-                      <a:endParaRPr sz="900">
-                        <a:latin typeface="AdobeClean-Light"/>
-                        <a:cs typeface="AdobeClean-Light"/>
-                      </a:endParaRPr>
                     </a:p>
                   </a:txBody>
                   <a:tcPr marL="0" marR="0" marT="67945" marB="0">
@@ -4957,39 +4392,15 @@
                         </a:spcBef>
                       </a:pPr>
                       <a:r>
-                        <a:rPr sz="900" spc="-25">
+                        <a:rPr lang="pt-BR" sz="900">
                           <a:solidFill>
                             <a:srgbClr val="020302"/>
                           </a:solidFill>
                           <a:latin typeface="AdobeClean-Light"/>
                           <a:cs typeface="AdobeClean-Light"/>
                         </a:rPr>
-                        <a:t>Business</a:t>
+                        <a:t>Horário comercial</a:t>
                       </a:r>
-                      <a:r>
-                        <a:rPr sz="900" spc="-15">
-                          <a:solidFill>
-                            <a:srgbClr val="020302"/>
-                          </a:solidFill>
-                          <a:latin typeface="AdobeClean-Light"/>
-                          <a:cs typeface="AdobeClean-Light"/>
-                        </a:rPr>
-                        <a:t> </a:t>
-                      </a:r>
-                      <a:r>
-                        <a:rPr sz="900" spc="-30">
-                          <a:solidFill>
-                            <a:srgbClr val="020302"/>
-                          </a:solidFill>
-                          <a:latin typeface="AdobeClean-Light"/>
-                          <a:cs typeface="AdobeClean-Light"/>
-                        </a:rPr>
-                        <a:t>hours</a:t>
-                      </a:r>
-                      <a:endParaRPr sz="900">
-                        <a:latin typeface="AdobeClean-Light"/>
-                        <a:cs typeface="AdobeClean-Light"/>
-                      </a:endParaRPr>
                     </a:p>
                   </a:txBody>
                   <a:tcPr marL="0" marR="0" marT="67945" marB="0">
@@ -5021,7 +4432,7 @@
                     <a:bodyPr/>
                     <a:lstStyle/>
                     <a:p>
-                      <a:pPr marL="50800">
+                      <a:pPr marL="50800" algn="l" rtl="0">
                         <a:lnSpc>
                           <a:spcPct val="100000"/>
                         </a:lnSpc>
@@ -5070,39 +4481,15 @@
                         </a:spcBef>
                       </a:pPr>
                       <a:r>
-                        <a:rPr sz="900" spc="0">
+                        <a:rPr lang="pt-BR" sz="900">
                           <a:solidFill>
                             <a:srgbClr val="020302"/>
                           </a:solidFill>
                           <a:latin typeface="AdobeClean-Light"/>
                           <a:cs typeface="AdobeClean-Light"/>
                         </a:rPr>
-                        <a:t>24x7</a:t>
+                        <a:t>Suporte 24x7x365 para prioridades P1</a:t>
                       </a:r>
-                      <a:r>
-                        <a:rPr lang="en-US" sz="900" spc="0">
-                          <a:solidFill>
-                            <a:srgbClr val="020302"/>
-                          </a:solidFill>
-                          <a:latin typeface="AdobeClean-Light"/>
-                          <a:cs typeface="AdobeClean-Light"/>
-                        </a:rPr>
-                        <a:t>x365</a:t>
-                      </a:r>
-                      <a:r>
-                        <a:rPr sz="900" spc="0">
-                          <a:solidFill>
-                            <a:srgbClr val="020302"/>
-                          </a:solidFill>
-                          <a:latin typeface="AdobeClean-Light"/>
-                          <a:cs typeface="AdobeClean-Light"/>
-                        </a:rPr>
-                        <a:t> P1 Issue Support</a:t>
-                      </a:r>
-                      <a:endParaRPr sz="900" spc="0">
-                        <a:latin typeface="AdobeClean-Light"/>
-                        <a:cs typeface="AdobeClean-Light"/>
-                      </a:endParaRPr>
                     </a:p>
                   </a:txBody>
                   <a:tcPr marL="0" marR="0" marT="57785" marB="0">
@@ -5134,7 +4521,7 @@
                         </a:spcBef>
                       </a:pPr>
                       <a:r>
-                        <a:rPr sz="900">
+                        <a:rPr lang="pt-BR" sz="900">
                           <a:solidFill>
                             <a:srgbClr val="020302"/>
                           </a:solidFill>
@@ -5143,10 +4530,6 @@
                         </a:rPr>
                         <a:t></a:t>
                       </a:r>
-                      <a:endParaRPr sz="900">
-                        <a:latin typeface="Wingdings"/>
-                        <a:cs typeface="Wingdings"/>
-                      </a:endParaRPr>
                     </a:p>
                   </a:txBody>
                   <a:tcPr marL="0" marR="0" marT="58419" marB="0">
@@ -5176,7 +4559,7 @@
                         </a:spcBef>
                       </a:pPr>
                       <a:r>
-                        <a:rPr sz="900">
+                        <a:rPr lang="pt-BR" sz="900">
                           <a:solidFill>
                             <a:srgbClr val="020302"/>
                           </a:solidFill>
@@ -5185,10 +4568,6 @@
                         </a:rPr>
                         <a:t></a:t>
                       </a:r>
-                      <a:endParaRPr sz="900">
-                        <a:latin typeface="Wingdings"/>
-                        <a:cs typeface="Wingdings"/>
-                      </a:endParaRPr>
                     </a:p>
                   </a:txBody>
                   <a:tcPr marL="0" marR="0" marT="58419" marB="0">
@@ -5211,7 +4590,7 @@
                     <a:bodyPr/>
                     <a:lstStyle/>
                     <a:p>
-                      <a:pPr marL="50800">
+                      <a:pPr marL="50800" algn="l" rtl="0">
                         <a:lnSpc>
                           <a:spcPct val="100000"/>
                         </a:lnSpc>
@@ -5269,19 +4648,15 @@
                         </a:spcBef>
                       </a:pPr>
                       <a:r>
-                        <a:rPr lang="en-US" sz="900" spc="0">
+                        <a:rPr lang="pt-BR" sz="900">
                           <a:solidFill>
                             <a:srgbClr val="020302"/>
                           </a:solidFill>
                           <a:latin typeface="AdobeClean-Light"/>
                           <a:cs typeface="AdobeClean-Light"/>
                         </a:rPr>
-                        <a:t>Named Support Contacts (per product)</a:t>
+                        <a:t>Contatos de suporte nomeados (por produto)</a:t>
                       </a:r>
-                      <a:endParaRPr sz="900" spc="0">
-                        <a:latin typeface="AdobeClean-Light"/>
-                        <a:cs typeface="AdobeClean-Light"/>
-                      </a:endParaRPr>
                     </a:p>
                   </a:txBody>
                   <a:tcPr marL="0" marR="0" marT="57785" marB="0">
@@ -5319,7 +4694,7 @@
                         </a:spcBef>
                       </a:pPr>
                       <a:r>
-                        <a:rPr sz="900">
+                        <a:rPr lang="pt-BR" sz="900">
                           <a:solidFill>
                             <a:srgbClr val="020302"/>
                           </a:solidFill>
@@ -5328,10 +4703,6 @@
                         </a:rPr>
                         <a:t>4</a:t>
                       </a:r>
-                      <a:endParaRPr sz="900">
-                        <a:latin typeface="AdobeClean-Light"/>
-                        <a:cs typeface="AdobeClean-Light"/>
-                      </a:endParaRPr>
                     </a:p>
                   </a:txBody>
                   <a:tcPr marL="0" marR="0" marT="57785" marB="0">
@@ -5361,7 +4732,7 @@
                         </a:spcBef>
                       </a:pPr>
                       <a:r>
-                        <a:rPr sz="900">
+                        <a:rPr lang="pt-BR" sz="900">
                           <a:solidFill>
                             <a:srgbClr val="020302"/>
                           </a:solidFill>
@@ -5370,10 +4741,6 @@
                         </a:rPr>
                         <a:t>6</a:t>
                       </a:r>
-                      <a:endParaRPr sz="900">
-                        <a:latin typeface="AdobeClean-Light"/>
-                        <a:cs typeface="AdobeClean-Light"/>
-                      </a:endParaRPr>
                     </a:p>
                   </a:txBody>
                   <a:tcPr marL="0" marR="0" marT="57785" marB="0">
@@ -5396,7 +4763,7 @@
                     <a:bodyPr/>
                     <a:lstStyle/>
                     <a:p>
-                      <a:pPr marL="50800">
+                      <a:pPr marL="50800" algn="l" rtl="0">
                         <a:lnSpc>
                           <a:spcPct val="100000"/>
                         </a:lnSpc>
@@ -5445,19 +4812,15 @@
                         </a:spcBef>
                       </a:pPr>
                       <a:r>
-                        <a:rPr lang="en-US" sz="900" spc="0">
+                        <a:rPr lang="pt-BR" sz="900">
                           <a:solidFill>
                             <a:srgbClr val="020302"/>
                           </a:solidFill>
                           <a:latin typeface="AdobeClean-Light"/>
                           <a:cs typeface="AdobeClean-Light"/>
                         </a:rPr>
-                        <a:t>Live Telephone Support</a:t>
+                        <a:t>Suporte telefônico ao vivo</a:t>
                       </a:r>
-                      <a:endParaRPr sz="900" spc="0">
-                        <a:latin typeface="AdobeClean-Light"/>
-                        <a:cs typeface="AdobeClean-Light"/>
-                      </a:endParaRPr>
                     </a:p>
                   </a:txBody>
                   <a:tcPr marL="0" marR="0" marT="57785" marB="0">
@@ -5480,7 +4843,7 @@
                     <a:bodyPr/>
                     <a:lstStyle/>
                     <a:p>
-                      <a:pPr algn="ctr">
+                      <a:pPr algn="l" rtl="0">
                         <a:lnSpc>
                           <a:spcPct val="100000"/>
                         </a:lnSpc>
@@ -5521,7 +4884,7 @@
                         </a:spcBef>
                       </a:pPr>
                       <a:r>
-                        <a:rPr sz="900">
+                        <a:rPr lang="pt-BR" sz="900">
                           <a:solidFill>
                             <a:srgbClr val="020302"/>
                           </a:solidFill>
@@ -5530,10 +4893,6 @@
                         </a:rPr>
                         <a:t></a:t>
                       </a:r>
-                      <a:endParaRPr sz="900">
-                        <a:latin typeface="Wingdings"/>
-                        <a:cs typeface="Wingdings"/>
-                      </a:endParaRPr>
                     </a:p>
                   </a:txBody>
                   <a:tcPr marL="0" marR="0" marT="59054" marB="0">
@@ -5556,7 +4915,7 @@
                     <a:bodyPr/>
                     <a:lstStyle/>
                     <a:p>
-                      <a:pPr marL="50800">
+                      <a:pPr marL="50800" algn="l" rtl="0">
                         <a:lnSpc>
                           <a:spcPct val="100000"/>
                         </a:lnSpc>
@@ -5605,19 +4964,15 @@
                         </a:spcBef>
                       </a:pPr>
                       <a:r>
-                        <a:rPr sz="900" spc="0">
+                        <a:rPr lang="pt-BR" sz="900">
                           <a:solidFill>
                             <a:srgbClr val="020302"/>
                           </a:solidFill>
                           <a:latin typeface="AdobeClean-Light"/>
                           <a:cs typeface="AdobeClean-Light"/>
                         </a:rPr>
-                        <a:t>Escalation Management</a:t>
+                        <a:t>Gestão de encaminhamento</a:t>
                       </a:r>
-                      <a:endParaRPr sz="900" spc="0">
-                        <a:latin typeface="AdobeClean-Light"/>
-                        <a:cs typeface="AdobeClean-Light"/>
-                      </a:endParaRPr>
                     </a:p>
                   </a:txBody>
                   <a:tcPr marL="0" marR="0" marT="58419" marB="0">
@@ -5640,7 +4995,7 @@
                     <a:bodyPr/>
                     <a:lstStyle/>
                     <a:p>
-                      <a:pPr algn="ctr">
+                      <a:pPr algn="l" rtl="0">
                         <a:lnSpc>
                           <a:spcPct val="100000"/>
                         </a:lnSpc>
@@ -5681,7 +5036,7 @@
                         </a:spcBef>
                       </a:pPr>
                       <a:r>
-                        <a:rPr sz="900">
+                        <a:rPr lang="pt-BR" sz="900">
                           <a:solidFill>
                             <a:srgbClr val="020302"/>
                           </a:solidFill>
@@ -5690,10 +5045,6 @@
                         </a:rPr>
                         <a:t></a:t>
                       </a:r>
-                      <a:endParaRPr sz="900">
-                        <a:latin typeface="Wingdings"/>
-                        <a:cs typeface="Wingdings"/>
-                      </a:endParaRPr>
                     </a:p>
                   </a:txBody>
                   <a:tcPr marL="0" marR="0" marT="59690" marB="0">
@@ -5716,7 +5067,7 @@
                     <a:bodyPr/>
                     <a:lstStyle/>
                     <a:p>
-                      <a:pPr marL="50800">
+                      <a:pPr marL="50800" algn="l" rtl="0">
                         <a:lnSpc>
                           <a:spcPct val="100000"/>
                         </a:lnSpc>
@@ -5765,29 +5116,15 @@
                         </a:spcBef>
                       </a:pPr>
                       <a:r>
-                        <a:rPr sz="900" spc="0">
+                        <a:rPr lang="pt-BR" sz="900">
                           <a:solidFill>
                             <a:srgbClr val="020302"/>
                           </a:solidFill>
                           <a:latin typeface="AdobeClean-Light"/>
                           <a:cs typeface="AdobeClean-Light"/>
                         </a:rPr>
-                        <a:t>Service Reviews </a:t>
+                        <a:t>Revisões de serviço por ano</a:t>
                       </a:r>
-                      <a:r>
-                        <a:rPr lang="en-US" sz="900" spc="0">
-                          <a:solidFill>
-                            <a:srgbClr val="020302"/>
-                          </a:solidFill>
-                          <a:latin typeface="AdobeClean-Light"/>
-                          <a:cs typeface="AdobeClean-Light"/>
-                        </a:rPr>
-                        <a:t>per Year</a:t>
-                      </a:r>
-                      <a:endParaRPr sz="900" spc="0">
-                        <a:latin typeface="AdobeClean-Light"/>
-                        <a:cs typeface="AdobeClean-Light"/>
-                      </a:endParaRPr>
                     </a:p>
                   </a:txBody>
                   <a:tcPr marL="0" marR="0" marT="57150" marB="0">
@@ -5810,7 +5147,7 @@
                     <a:bodyPr/>
                     <a:lstStyle/>
                     <a:p>
-                      <a:pPr>
+                      <a:pPr algn="l" rtl="0">
                         <a:lnSpc>
                           <a:spcPct val="100000"/>
                         </a:lnSpc>
@@ -5839,7 +5176,7 @@
                     <a:bodyPr/>
                     <a:lstStyle/>
                     <a:p>
-                      <a:pPr>
+                      <a:pPr algn="l" rtl="0">
                         <a:lnSpc>
                           <a:spcPct val="100000"/>
                         </a:lnSpc>
@@ -5889,16 +5226,12 @@
                         </a:spcBef>
                       </a:pPr>
                       <a:r>
-                        <a:rPr lang="en-US" sz="900" spc="0">
+                        <a:rPr lang="pt-BR" sz="900">
                           <a:latin typeface="AdobeClean-Light"/>
                           <a:cs typeface="AdobeClean-Light"/>
                         </a:rPr>
-                        <a:t>Expert Sessions per Year</a:t>
+                        <a:t>Sessões de especialistas por ano</a:t>
                       </a:r>
-                      <a:endParaRPr sz="900" spc="0">
-                        <a:latin typeface="AdobeClean-Light"/>
-                        <a:cs typeface="AdobeClean-Light"/>
-                      </a:endParaRPr>
                     </a:p>
                   </a:txBody>
                   <a:tcPr marL="0" marR="0" marT="57150" marB="0">
@@ -5927,7 +5260,7 @@
                     <a:bodyPr/>
                     <a:lstStyle/>
                     <a:p>
-                      <a:pPr>
+                      <a:pPr algn="l" rtl="0">
                         <a:lnSpc>
                           <a:spcPct val="100000"/>
                         </a:lnSpc>
@@ -5956,7 +5289,7 @@
                     <a:bodyPr/>
                     <a:lstStyle/>
                     <a:p>
-                      <a:pPr>
+                      <a:pPr algn="l" rtl="0">
                         <a:lnSpc>
                           <a:spcPct val="100000"/>
                         </a:lnSpc>
@@ -6006,16 +5339,12 @@
                         </a:spcBef>
                       </a:pPr>
                       <a:r>
-                        <a:rPr lang="en-US" sz="900" spc="0">
+                        <a:rPr lang="pt-BR" sz="900">
                           <a:latin typeface="AdobeClean-Light"/>
                           <a:cs typeface="AdobeClean-Light"/>
                         </a:rPr>
-                        <a:t>Case Reviews</a:t>
+                        <a:t>Revisões de caso</a:t>
                       </a:r>
-                      <a:endParaRPr sz="900" spc="0">
-                        <a:latin typeface="AdobeClean-Light"/>
-                        <a:cs typeface="AdobeClean-Light"/>
-                      </a:endParaRPr>
                     </a:p>
                   </a:txBody>
                   <a:tcPr marL="0" marR="0" marT="57150" marB="0">
@@ -6044,7 +5373,7 @@
                     <a:bodyPr/>
                     <a:lstStyle/>
                     <a:p>
-                      <a:pPr>
+                      <a:pPr algn="l" rtl="0">
                         <a:lnSpc>
                           <a:spcPct val="100000"/>
                         </a:lnSpc>
@@ -6073,7 +5402,7 @@
                     <a:bodyPr/>
                     <a:lstStyle/>
                     <a:p>
-                      <a:pPr>
+                      <a:pPr algn="l" rtl="0">
                         <a:lnSpc>
                           <a:spcPct val="100000"/>
                         </a:lnSpc>
@@ -6104,7 +5433,7 @@
                     <a:bodyPr/>
                     <a:lstStyle/>
                     <a:p>
-                      <a:pPr marL="48895">
+                      <a:pPr marL="48895" algn="l" rtl="0">
                         <a:lnSpc>
                           <a:spcPct val="100000"/>
                         </a:lnSpc>
@@ -6162,29 +5491,15 @@
                         </a:spcBef>
                       </a:pPr>
                       <a:r>
-                        <a:rPr sz="900" spc="0">
+                        <a:rPr lang="pt-BR" sz="900">
                           <a:solidFill>
                             <a:srgbClr val="020302"/>
                           </a:solidFill>
                           <a:latin typeface="AdobeClean-Light"/>
                           <a:cs typeface="AdobeClean-Light"/>
                         </a:rPr>
-                        <a:t>Event </a:t>
+                        <a:t>Gerenciamento de eventos</a:t>
                       </a:r>
-                      <a:r>
-                        <a:rPr lang="en-US" sz="900" spc="0">
-                          <a:solidFill>
-                            <a:srgbClr val="020302"/>
-                          </a:solidFill>
-                          <a:latin typeface="AdobeClean-Light"/>
-                          <a:cs typeface="AdobeClean-Light"/>
-                        </a:rPr>
-                        <a:t>Management</a:t>
-                      </a:r>
-                      <a:endParaRPr sz="900" spc="0">
-                        <a:latin typeface="AdobeClean-Light"/>
-                        <a:cs typeface="AdobeClean-Light"/>
-                      </a:endParaRPr>
                     </a:p>
                   </a:txBody>
                   <a:tcPr marL="0" marR="0" marT="58419" marB="0">
@@ -6213,7 +5528,7 @@
                     <a:bodyPr/>
                     <a:lstStyle/>
                     <a:p>
-                      <a:pPr>
+                      <a:pPr algn="l" rtl="0">
                         <a:lnSpc>
                           <a:spcPct val="100000"/>
                         </a:lnSpc>
@@ -6242,7 +5557,7 @@
                     <a:bodyPr/>
                     <a:lstStyle/>
                     <a:p>
-                      <a:pPr>
+                      <a:pPr algn="l" rtl="0">
                         <a:lnSpc>
                           <a:spcPct val="100000"/>
                         </a:lnSpc>
@@ -6273,7 +5588,7 @@
                     <a:bodyPr/>
                     <a:lstStyle/>
                     <a:p>
-                      <a:pPr marL="48895">
+                      <a:pPr marL="48895" algn="l" rtl="0">
                         <a:lnSpc>
                           <a:spcPct val="100000"/>
                         </a:lnSpc>
@@ -6322,39 +5637,15 @@
                         </a:spcBef>
                       </a:pPr>
                       <a:r>
-                        <a:rPr sz="900" spc="0">
+                        <a:rPr lang="pt-BR" sz="900">
                           <a:solidFill>
                             <a:srgbClr val="020302"/>
                           </a:solidFill>
                           <a:latin typeface="AdobeClean-Light"/>
                           <a:cs typeface="AdobeClean-Light"/>
                         </a:rPr>
-                        <a:t>Environment</a:t>
+                        <a:t>Revisão, manutenção e monitoramento do ambiente</a:t>
                       </a:r>
-                      <a:r>
-                        <a:rPr lang="en-US" sz="900" spc="0">
-                          <a:solidFill>
-                            <a:srgbClr val="020302"/>
-                          </a:solidFill>
-                          <a:latin typeface="AdobeClean-Light"/>
-                          <a:cs typeface="AdobeClean-Light"/>
-                        </a:rPr>
-                        <a:t> </a:t>
-                      </a:r>
-                      <a:r>
-                        <a:rPr sz="900" spc="0">
-                          <a:solidFill>
-                            <a:srgbClr val="020302"/>
-                          </a:solidFill>
-                          <a:latin typeface="AdobeClean-Light"/>
-                          <a:cs typeface="AdobeClean-Light"/>
-                        </a:rPr>
-                        <a:t>Review, Maintenance &amp; Monitoring</a:t>
-                      </a:r>
-                      <a:endParaRPr sz="900" spc="0">
-                        <a:latin typeface="AdobeClean-Light"/>
-                        <a:cs typeface="AdobeClean-Light"/>
-                      </a:endParaRPr>
                     </a:p>
                   </a:txBody>
                   <a:tcPr marL="0" marR="0" marT="59055" marB="0">
@@ -6377,7 +5668,7 @@
                     <a:bodyPr/>
                     <a:lstStyle/>
                     <a:p>
-                      <a:pPr>
+                      <a:pPr algn="l" rtl="0">
                         <a:lnSpc>
                           <a:spcPct val="100000"/>
                         </a:lnSpc>
@@ -6406,7 +5697,7 @@
                     <a:bodyPr/>
                     <a:lstStyle/>
                     <a:p>
-                      <a:pPr>
+                      <a:pPr algn="l" rtl="0">
                         <a:lnSpc>
                           <a:spcPct val="100000"/>
                         </a:lnSpc>
@@ -6437,7 +5728,7 @@
                     <a:bodyPr/>
                     <a:lstStyle/>
                     <a:p>
-                      <a:pPr marL="49530">
+                      <a:pPr marL="49530" algn="l" rtl="0">
                         <a:lnSpc>
                           <a:spcPct val="100000"/>
                         </a:lnSpc>
@@ -6486,19 +5777,15 @@
                         </a:spcBef>
                       </a:pPr>
                       <a:r>
-                        <a:rPr sz="900" spc="0">
+                        <a:rPr lang="pt-BR" sz="900" dirty="0">
                           <a:solidFill>
                             <a:srgbClr val="020302"/>
                           </a:solidFill>
                           <a:latin typeface="AdobeClean-Light"/>
                           <a:cs typeface="AdobeClean-Light"/>
                         </a:rPr>
-                        <a:t>Release, Migration, Upgrade &amp; Product Roadmap Review</a:t>
+                        <a:t>Revisão de versão, migração, atualização e roteiro de produtos</a:t>
                       </a:r>
-                      <a:endParaRPr sz="900" spc="0">
-                        <a:latin typeface="AdobeClean-Light"/>
-                        <a:cs typeface="AdobeClean-Light"/>
-                      </a:endParaRPr>
                     </a:p>
                   </a:txBody>
                   <a:tcPr marL="0" marR="0" marT="63500" marB="0">
@@ -6521,7 +5808,7 @@
                     <a:bodyPr/>
                     <a:lstStyle/>
                     <a:p>
-                      <a:pPr>
+                      <a:pPr algn="l" rtl="0">
                         <a:lnSpc>
                           <a:spcPct val="100000"/>
                         </a:lnSpc>
@@ -6550,7 +5837,7 @@
                     <a:bodyPr/>
                     <a:lstStyle/>
                     <a:p>
-                      <a:pPr>
+                      <a:pPr algn="l" rtl="0">
                         <a:lnSpc>
                           <a:spcPct val="100000"/>
                         </a:lnSpc>
@@ -6581,7 +5868,7 @@
                     <a:bodyPr/>
                     <a:lstStyle/>
                     <a:p>
-                      <a:pPr marL="49530">
+                      <a:pPr marL="49530" algn="l" rtl="0">
                         <a:lnSpc>
                           <a:spcPct val="100000"/>
                         </a:lnSpc>
@@ -6639,11 +5926,11 @@
                         </a:spcBef>
                       </a:pPr>
                       <a:r>
-                        <a:rPr sz="900" spc="0">
+                        <a:rPr lang="pt-BR" sz="900">
                           <a:latin typeface="AdobeClean-Light"/>
                           <a:cs typeface="AdobeClean-Light"/>
                         </a:rPr>
-                        <a:t>Cloud Support Activities – Experience Manager as Cloud</a:t>
+                        <a:t>Atividades de suporte na nuvem — Experience Manager as Cloud</a:t>
                       </a:r>
                     </a:p>
                   </a:txBody>
@@ -6673,7 +5960,7 @@
                     <a:bodyPr/>
                     <a:lstStyle/>
                     <a:p>
-                      <a:pPr>
+                      <a:pPr algn="l" rtl="0">
                         <a:lnSpc>
                           <a:spcPct val="100000"/>
                         </a:lnSpc>
@@ -6711,7 +5998,7 @@
                     <a:bodyPr/>
                     <a:lstStyle/>
                     <a:p>
-                      <a:pPr>
+                      <a:pPr algn="l" rtl="0">
                         <a:lnSpc>
                           <a:spcPct val="100000"/>
                         </a:lnSpc>
@@ -6760,22 +6047,15 @@
                         </a:spcBef>
                       </a:pPr>
                       <a:r>
-                        <a:rPr lang="en-US" sz="1000" b="1" i="0" spc="0">
+                        <a:rPr lang="pt-BR" sz="1000" b="1" i="0">
                           <a:solidFill>
                             <a:schemeClr val="bg1"/>
                           </a:solidFill>
                           <a:latin typeface="Adobe Clean" panose="020B0503020404020204" pitchFamily="34" charset="0"/>
                           <a:cs typeface="AdobeClean-Light"/>
                         </a:rPr>
-                        <a:t>Field Services</a:t>
+                        <a:t>Serviços de campo</a:t>
                       </a:r>
-                      <a:endParaRPr sz="1000" b="1" i="0" spc="0">
-                        <a:solidFill>
-                          <a:schemeClr val="bg1"/>
-                        </a:solidFill>
-                        <a:latin typeface="Adobe Clean" panose="020B0503020404020204" pitchFamily="34" charset="0"/>
-                        <a:cs typeface="AdobeClean-Light"/>
-                      </a:endParaRPr>
                     </a:p>
                   </a:txBody>
                   <a:tcPr marL="0" marR="0" marT="48260" marB="0" anchor="ctr">
@@ -6828,19 +6108,45 @@
                         </a:spcBef>
                       </a:pPr>
                       <a:r>
-                        <a:rPr sz="900" spc="0">
+                        <a:rPr lang="pt-BR" sz="900" dirty="0" err="1">
                           <a:solidFill>
                             <a:srgbClr val="020302"/>
                           </a:solidFill>
                           <a:latin typeface="AdobeClean-Light"/>
                           <a:cs typeface="AdobeClean-Light"/>
                         </a:rPr>
-                        <a:t>Launch Advisory Services – First Year of new solution</a:t>
+                        <a:t>Launch</a:t>
                       </a:r>
-                      <a:endParaRPr sz="900" spc="0">
-                        <a:latin typeface="AdobeClean-Light"/>
-                        <a:cs typeface="AdobeClean-Light"/>
-                      </a:endParaRPr>
+                      <a:r>
+                        <a:rPr lang="pt-BR" sz="900" dirty="0">
+                          <a:solidFill>
+                            <a:srgbClr val="020302"/>
+                          </a:solidFill>
+                          <a:latin typeface="AdobeClean-Light"/>
+                          <a:cs typeface="AdobeClean-Light"/>
+                        </a:rPr>
+                        <a:t> </a:t>
+                      </a:r>
+                      <a:r>
+                        <a:rPr lang="pt-BR" sz="900" dirty="0" err="1">
+                          <a:solidFill>
+                            <a:srgbClr val="020302"/>
+                          </a:solidFill>
+                          <a:latin typeface="AdobeClean-Light"/>
+                          <a:cs typeface="AdobeClean-Light"/>
+                        </a:rPr>
+                        <a:t>Advisory</a:t>
+                      </a:r>
+                      <a:r>
+                        <a:rPr lang="pt-BR" sz="900" dirty="0">
+                          <a:solidFill>
+                            <a:srgbClr val="020302"/>
+                          </a:solidFill>
+                          <a:latin typeface="AdobeClean-Light"/>
+                          <a:cs typeface="AdobeClean-Light"/>
+                        </a:rPr>
+                        <a:t> Services — primeiro ano da nova solução</a:t>
+                      </a:r>
                     </a:p>
                     <a:p>
                       <a:pPr marL="48260" hangingPunct="0">
@@ -6852,11 +6158,11 @@
                         </a:spcBef>
                       </a:pPr>
                       <a:r>
-                        <a:rPr sz="900" spc="0">
+                        <a:rPr lang="pt-BR" sz="900" dirty="0">
                           <a:latin typeface="AdobeClean-Light"/>
                           <a:cs typeface="AdobeClean-Light"/>
                         </a:rPr>
-                        <a:t>Field Service Activities </a:t>
+                        <a:t>Atividades de serviço de campo </a:t>
                       </a:r>
                     </a:p>
                   </a:txBody>
@@ -6892,7 +6198,7 @@
                     <a:bodyPr/>
                     <a:lstStyle/>
                     <a:p>
-                      <a:pPr>
+                      <a:pPr algn="l" rtl="0">
                         <a:lnSpc>
                           <a:spcPct val="100000"/>
                         </a:lnSpc>
@@ -6930,7 +6236,7 @@
                     <a:bodyPr/>
                     <a:lstStyle/>
                     <a:p>
-                      <a:pPr>
+                      <a:pPr algn="l" rtl="0">
                         <a:lnSpc>
                           <a:spcPct val="100000"/>
                         </a:lnSpc>
@@ -7015,7 +6321,7 @@
                     <a:bodyPr/>
                     <a:lstStyle/>
                     <a:p>
-                      <a:pPr>
+                      <a:pPr algn="l" rtl="0">
                         <a:lnSpc>
                           <a:spcPct val="100000"/>
                         </a:lnSpc>
@@ -7041,12 +6347,12 @@
                     <a:bodyPr/>
                     <a:lstStyle/>
                     <a:p>
-                      <a:pPr>
+                      <a:pPr algn="l" rtl="0">
                         <a:lnSpc>
                           <a:spcPct val="100000"/>
                         </a:lnSpc>
                       </a:pPr>
-                      <a:endParaRPr sz="900">
+                      <a:endParaRPr sz="900" dirty="0">
                         <a:latin typeface="Times New Roman"/>
                         <a:cs typeface="Times New Roman"/>
                       </a:endParaRPr>
@@ -7105,7 +6411,7 @@
           <a:lstStyle/>
           <a:p>
             <a:r>
-              <a:rPr lang="en-US" sz="700" i="1">
+              <a:rPr lang="pt-BR" sz="700" i="1">
                 <a:solidFill>
                   <a:schemeClr val="bg1"/>
                 </a:solidFill>
@@ -7287,7 +6593,7 @@
         <p:spPr>
           <a:xfrm>
             <a:off x="370040" y="1409311"/>
-            <a:ext cx="2286000" cy="1289969"/>
+            <a:ext cx="2286000" cy="1458926"/>
           </a:xfrm>
           <a:prstGeom prst="rect">
             <a:avLst/>
@@ -7308,18 +6614,66 @@
               </a:spcBef>
             </a:pPr>
             <a:r>
-              <a:rPr lang="en-US" sz="1000">
+              <a:rPr lang="pt-BR" sz="1000" dirty="0">
                 <a:solidFill>
                   <a:srgbClr val="000000"/>
                 </a:solidFill>
                 <a:latin typeface="Adobe Clean Light" panose="020B0303020404020204" pitchFamily="34" charset="0"/>
               </a:rPr>
-              <a:t>A designated Account Support Lead to proactively monitor cases, drive cross-team collaboration, deliver onboarding webinars, run service reports, provide non-technical support assistance, and function as your escalation point and internal advocate within Adobe Support.</a:t>
+              <a:t>Um Líder de suporte da conta designado </a:t>
             </a:r>
-            <a:endParaRPr lang="en-US" sz="1000">
-              <a:latin typeface="Adobe Clean Light" panose="020B0303020404020204" pitchFamily="34" charset="0"/>
-              <a:cs typeface="AdobeClean-Light"/>
-            </a:endParaRPr>
+            <a:br>
+              <a:rPr lang="pt-BR" sz="1000" dirty="0">
+                <a:solidFill>
+                  <a:srgbClr val="000000"/>
+                </a:solidFill>
+                <a:latin typeface="Adobe Clean Light" panose="020B0303020404020204" pitchFamily="34" charset="0"/>
+              </a:rPr>
+            </a:br>
+            <a:r>
+              <a:rPr lang="pt-BR" sz="1000" dirty="0">
+                <a:solidFill>
+                  <a:srgbClr val="000000"/>
+                </a:solidFill>
+                <a:latin typeface="Adobe Clean Light" panose="020B0303020404020204" pitchFamily="34" charset="0"/>
+              </a:rPr>
+              <a:t>para monitorar os casos de forma proativa, impulsionar a colaboração entre equipes, fornecer </a:t>
+            </a:r>
+            <a:r>
+              <a:rPr lang="pt-BR" sz="1000" dirty="0" err="1">
+                <a:solidFill>
+                  <a:srgbClr val="000000"/>
+                </a:solidFill>
+                <a:latin typeface="Adobe Clean Light" panose="020B0303020404020204" pitchFamily="34" charset="0"/>
+              </a:rPr>
+              <a:t>webinários</a:t>
+            </a:r>
+            <a:r>
+              <a:rPr lang="pt-BR" sz="1000" dirty="0">
+                <a:solidFill>
+                  <a:srgbClr val="000000"/>
+                </a:solidFill>
+                <a:latin typeface="Adobe Clean Light" panose="020B0303020404020204" pitchFamily="34" charset="0"/>
+              </a:rPr>
+              <a:t> de integração, executar relatórios de serviço, fornecer assistência </a:t>
+            </a:r>
+            <a:br>
+              <a:rPr lang="pt-BR" sz="1000" dirty="0">
+                <a:solidFill>
+                  <a:srgbClr val="000000"/>
+                </a:solidFill>
+                <a:latin typeface="Adobe Clean Light" panose="020B0303020404020204" pitchFamily="34" charset="0"/>
+              </a:rPr>
+            </a:br>
+            <a:r>
+              <a:rPr lang="pt-BR" sz="1000" dirty="0">
+                <a:solidFill>
+                  <a:srgbClr val="000000"/>
+                </a:solidFill>
+                <a:latin typeface="Adobe Clean Light" panose="020B0303020404020204" pitchFamily="34" charset="0"/>
+              </a:rPr>
+              <a:t>de suporte não técnico e funcionar como ponto de encaminhamento e defensor interno no Suporte da Adobe.</a:t>
+            </a:r>
           </a:p>
         </p:txBody>
       </p:sp>
@@ -7356,44 +6710,14 @@
               </a:tabLst>
             </a:pPr>
             <a:r>
-              <a:rPr sz="1000">
+              <a:rPr lang="pt-BR" sz="1000" dirty="0">
                 <a:solidFill>
                   <a:srgbClr val="020302"/>
                 </a:solidFill>
                 <a:latin typeface="AdobeClean-Light"/>
                 <a:cs typeface="AdobeClean-Light"/>
               </a:rPr>
-              <a:t>Start a chat session to get answers</a:t>
-            </a:r>
-            <a:r>
-              <a:rPr lang="en-US" sz="1000">
-                <a:solidFill>
-                  <a:srgbClr val="020302"/>
-                </a:solidFill>
-                <a:latin typeface="AdobeClean-Light"/>
-                <a:cs typeface="AdobeClean-Light"/>
-              </a:rPr>
-              <a:t> &amp; </a:t>
-            </a:r>
-            <a:r>
-              <a:rPr sz="1000">
-                <a:solidFill>
-                  <a:srgbClr val="020302"/>
-                </a:solidFill>
-                <a:latin typeface="AdobeClean-Light"/>
-                <a:cs typeface="AdobeClean-Light"/>
-              </a:rPr>
-              <a:t>help with case submission</a:t>
-            </a:r>
-            <a:r>
-              <a:rPr lang="en-US" sz="1000">
-                <a:solidFill>
-                  <a:srgbClr val="020302"/>
-                </a:solidFill>
-                <a:latin typeface="AdobeClean-Light"/>
-                <a:cs typeface="AdobeClean-Light"/>
-              </a:rPr>
-              <a:t>.</a:t>
+              <a:t>Inicie uma sessão de chat para obter respostas e ajuda com o envio de caso.</a:t>
             </a:r>
           </a:p>
           <a:p>
@@ -7406,39 +6730,44 @@
               </a:tabLst>
             </a:pPr>
             <a:r>
-              <a:rPr sz="1000" i="1">
+              <a:rPr lang="pt-BR" sz="1000" i="1" dirty="0">
                 <a:solidFill>
                   <a:srgbClr val="7A7A7A"/>
                 </a:solidFill>
                 <a:latin typeface="AdobeClean-LightIt"/>
                 <a:cs typeface="AdobeClean-LightIt"/>
               </a:rPr>
-              <a:t>*Not all products have live chat support</a:t>
+              <a:t>*Nem todos os produtos têm suporte </a:t>
             </a:r>
-            <a:r>
-              <a:rPr sz="900" i="1">
+            <a:br>
+              <a:rPr lang="pt-BR" sz="1000" i="1" dirty="0">
                 <a:solidFill>
                   <a:srgbClr val="7A7A7A"/>
                 </a:solidFill>
                 <a:latin typeface="AdobeClean-LightIt"/>
                 <a:cs typeface="AdobeClean-LightIt"/>
               </a:rPr>
-              <a:t>.</a:t>
-            </a:r>
+            </a:br>
             <a:r>
-              <a:rPr lang="en-US" sz="900" i="1">
+              <a:rPr lang="pt-BR" sz="1000" i="1" dirty="0">
                 <a:solidFill>
                   <a:srgbClr val="7A7A7A"/>
                 </a:solidFill>
                 <a:latin typeface="AdobeClean-LightIt"/>
                 <a:cs typeface="AdobeClean-LightIt"/>
               </a:rPr>
-              <a:t>  </a:t>
+              <a:t>de chat ao vivo</a:t>
             </a:r>
-            <a:endParaRPr sz="900">
-              <a:latin typeface="AdobeClean-Light"/>
-              <a:cs typeface="AdobeClean-Light"/>
-            </a:endParaRPr>
+            <a:r>
+              <a:rPr lang="pt-BR" sz="900" i="1" dirty="0">
+                <a:solidFill>
+                  <a:srgbClr val="7A7A7A"/>
+                </a:solidFill>
+                <a:latin typeface="AdobeClean-LightIt"/>
+                <a:cs typeface="AdobeClean-LightIt"/>
+              </a:rPr>
+              <a:t>.  </a:t>
+            </a:r>
           </a:p>
         </p:txBody>
       </p:sp>
@@ -7514,12 +6843,12 @@
               <a:defRPr/>
             </a:pPr>
             <a:r>
-              <a:rPr lang="en-US" sz="1200">
+              <a:rPr lang="pt-BR" sz="1200">
                 <a:solidFill>
                   <a:srgbClr val="000000"/>
                 </a:solidFill>
               </a:rPr>
-              <a:t>Community Forums</a:t>
+              <a:t>Fóruns da comunidade</a:t>
             </a:r>
           </a:p>
         </p:txBody>
@@ -7562,12 +6891,12 @@
               </a:spcAft>
             </a:pPr>
             <a:r>
-              <a:rPr lang="en-US" sz="1200" b="1">
+              <a:rPr lang="pt-BR" sz="1200" b="1">
                 <a:latin typeface="+mj-lt"/>
                 <a:ea typeface="Open Sans" pitchFamily="34" charset="0"/>
                 <a:cs typeface="Open Sans" pitchFamily="34" charset="0"/>
               </a:rPr>
-              <a:t>Online Forums</a:t>
+              <a:t>Fóruns online</a:t>
             </a:r>
           </a:p>
         </p:txBody>
@@ -7587,7 +6916,7 @@
         <p:spPr>
           <a:xfrm>
             <a:off x="370040" y="6529249"/>
-            <a:ext cx="2286000" cy="805349"/>
+            <a:ext cx="2286000" cy="959237"/>
           </a:xfrm>
           <a:prstGeom prst="rect">
             <a:avLst/>
@@ -7600,13 +6929,30 @@
           <a:lstStyle/>
           <a:p>
             <a:r>
-              <a:rPr lang="en-US" sz="1000">
+              <a:rPr lang="pt-BR" sz="1000" dirty="0">
                 <a:solidFill>
                   <a:srgbClr val="000000"/>
                 </a:solidFill>
                 <a:latin typeface="Adobe Clean Light" panose="020B0303020404020204" pitchFamily="34" charset="0"/>
               </a:rPr>
-              <a:t>Continuous online access to a growing database of technical solutions, product documentation, FAQs and more. Thousands of customers can connect to share best practices and lessons learned.</a:t>
+              <a:t>Acesso online contínuo a um banco de </a:t>
+            </a:r>
+            <a:br>
+              <a:rPr lang="pt-BR" sz="1000" dirty="0">
+                <a:solidFill>
+                  <a:srgbClr val="000000"/>
+                </a:solidFill>
+                <a:latin typeface="Adobe Clean Light" panose="020B0303020404020204" pitchFamily="34" charset="0"/>
+              </a:rPr>
+            </a:br>
+            <a:r>
+              <a:rPr lang="pt-BR" sz="1000" dirty="0">
+                <a:solidFill>
+                  <a:srgbClr val="000000"/>
+                </a:solidFill>
+                <a:latin typeface="Adobe Clean Light" panose="020B0303020404020204" pitchFamily="34" charset="0"/>
+              </a:rPr>
+              <a:t>dados cada vez maior de soluções técnicas, documentação do produto, perguntas frequentes e muito mais. Milhares de clientes podem se conectar para compartilhar práticas recomendadas e lições aprendidas.</a:t>
             </a:r>
           </a:p>
         </p:txBody>
@@ -7649,12 +6995,12 @@
               </a:spcAft>
             </a:pPr>
             <a:r>
-              <a:rPr lang="en-US" sz="1200" b="1">
+              <a:rPr lang="pt-BR" sz="1200" b="1">
                 <a:latin typeface="+mj-lt"/>
                 <a:ea typeface="Open Sans" pitchFamily="34" charset="0"/>
                 <a:cs typeface="Open Sans" pitchFamily="34" charset="0"/>
               </a:rPr>
-              <a:t>Self-guided Journeys</a:t>
+              <a:t>Jornadas autoguiadas</a:t>
             </a:r>
           </a:p>
         </p:txBody>
@@ -7674,7 +7020,7 @@
         <p:spPr>
           <a:xfrm>
             <a:off x="5376301" y="6529249"/>
-            <a:ext cx="2286000" cy="959237"/>
+            <a:ext cx="2286000" cy="1113125"/>
           </a:xfrm>
           <a:prstGeom prst="rect">
             <a:avLst/>
@@ -7687,13 +7033,30 @@
           <a:lstStyle/>
           <a:p>
             <a:r>
-              <a:rPr lang="en-US" sz="1000">
+              <a:rPr lang="pt-BR" sz="1000" dirty="0">
                 <a:solidFill>
                   <a:srgbClr val="000000"/>
                 </a:solidFill>
                 <a:latin typeface="Adobe Clean Light" panose="020B0303020404020204" pitchFamily="34" charset="0"/>
               </a:rPr>
-              <a:t>Experience Makers are made with Experience League. Customers can kickstart their Customer Experience Management abilities with personalized learning to develop skills, engage with a global community of peers, and earn career advancing recognition.</a:t>
+              <a:t>A Experience League gera criadores de experiências. Os clientes podem adquirir habilidades de gerenciamento de experiência do cliente com aprendizagem personalizada, participar de uma comunidade de pares global e conseguir reconhecimento </a:t>
+            </a:r>
+            <a:br>
+              <a:rPr lang="pt-BR" sz="1000" dirty="0">
+                <a:solidFill>
+                  <a:srgbClr val="000000"/>
+                </a:solidFill>
+                <a:latin typeface="Adobe Clean Light" panose="020B0303020404020204" pitchFamily="34" charset="0"/>
+              </a:rPr>
+            </a:br>
+            <a:r>
+              <a:rPr lang="pt-BR" sz="1000" dirty="0">
+                <a:solidFill>
+                  <a:srgbClr val="000000"/>
+                </a:solidFill>
+                <a:latin typeface="Adobe Clean Light" panose="020B0303020404020204" pitchFamily="34" charset="0"/>
+              </a:rPr>
+              <a:t>de carreira.</a:t>
             </a:r>
           </a:p>
         </p:txBody>
@@ -7741,12 +7104,12 @@
               <a:defRPr/>
             </a:pPr>
             <a:r>
-              <a:rPr lang="en-US" sz="1200">
+              <a:rPr lang="pt-BR" sz="1200" dirty="0">
                 <a:solidFill>
                   <a:srgbClr val="000000"/>
                 </a:solidFill>
               </a:rPr>
-              <a:t>Live Chat  Support*</a:t>
+              <a:t>Suporte por chat ao vivo*</a:t>
             </a:r>
           </a:p>
         </p:txBody>
@@ -7789,12 +7152,12 @@
               </a:spcAft>
             </a:pPr>
             <a:r>
-              <a:rPr lang="en-US" sz="1200" b="1">
+              <a:rPr lang="pt-BR" sz="1200" b="1">
                 <a:latin typeface="+mj-lt"/>
                 <a:ea typeface="Open Sans" pitchFamily="34" charset="0"/>
                 <a:cs typeface="Open Sans" pitchFamily="34" charset="0"/>
               </a:rPr>
-              <a:t>Chat Support</a:t>
+              <a:t>Suporte por chat</a:t>
             </a:r>
           </a:p>
         </p:txBody>
@@ -7842,12 +7205,12 @@
               <a:defRPr/>
             </a:pPr>
             <a:r>
-              <a:rPr lang="en-US" sz="1200">
+              <a:rPr lang="pt-BR" sz="1200" dirty="0">
                 <a:solidFill>
                   <a:srgbClr val="000000"/>
                 </a:solidFill>
               </a:rPr>
-              <a:t>24X7 P1 </a:t>
+              <a:t>24X7 prioridades P1 </a:t>
             </a:r>
           </a:p>
         </p:txBody>
@@ -7890,12 +7253,12 @@
               </a:spcAft>
             </a:pPr>
             <a:r>
-              <a:rPr lang="en-US" sz="1200" b="1">
+              <a:rPr lang="pt-BR" sz="1200" b="1">
                 <a:latin typeface="+mj-lt"/>
                 <a:ea typeface="Open Sans" pitchFamily="34" charset="0"/>
                 <a:cs typeface="Open Sans" pitchFamily="34" charset="0"/>
               </a:rPr>
-              <a:t>Phone Support</a:t>
+              <a:t>Suporte telefônico</a:t>
             </a:r>
           </a:p>
         </p:txBody>
@@ -7915,7 +7278,7 @@
         <p:spPr>
           <a:xfrm>
             <a:off x="2836967" y="6529249"/>
-            <a:ext cx="2286000" cy="805349"/>
+            <a:ext cx="2333202" cy="805349"/>
           </a:xfrm>
           <a:prstGeom prst="rect">
             <a:avLst/>
@@ -7928,26 +7291,20 @@
           <a:lstStyle/>
           <a:p>
             <a:r>
-              <a:rPr lang="en-US" sz="1000">
+              <a:rPr lang="pt-BR" sz="1000" dirty="0">
                 <a:solidFill>
                   <a:srgbClr val="020302"/>
                 </a:solidFill>
                 <a:latin typeface="AdobeClean-Light"/>
               </a:rPr>
-              <a:t>Authorized users or Named Support Contacts </a:t>
+              <a:t>Usuários autorizados ou contatos de suporte nomeados</a:t>
             </a:r>
             <a:r>
-              <a:rPr lang="en-US" sz="1000">
+              <a:rPr lang="pt-BR" sz="1000" dirty="0">
                 <a:latin typeface="Adobe Clean Light" panose="020B0303020404020204" pitchFamily="34" charset="0"/>
               </a:rPr>
-              <a:t>can submit issues through all available  channels (including phone for P1) and interact with our technical support team on behalf of your company. </a:t>
+              <a:t> podem enviar problemas por todos os canais disponíveis (incluindo por telefone em prioridades P1) e contatar a equipe de suporte técnico em nome de sua empresa. </a:t>
             </a:r>
-            <a:endParaRPr lang="en-US" sz="1000">
-              <a:solidFill>
-                <a:srgbClr val="000000"/>
-              </a:solidFill>
-              <a:latin typeface="Adobe Clean Light" panose="020B0303020404020204" pitchFamily="34" charset="0"/>
-            </a:endParaRPr>
           </a:p>
         </p:txBody>
       </p:sp>
@@ -7991,24 +7348,8 @@
               </a:spcBef>
             </a:pPr>
             <a:r>
-              <a:rPr spc="-5"/>
-              <a:t>©202</a:t>
-            </a:r>
-            <a:r>
-              <a:rPr lang="en-US" spc="-5"/>
-              <a:t>1</a:t>
-            </a:r>
-            <a:r>
-              <a:rPr spc="-5"/>
-              <a:t> Adobe. All Rights Reserved. Adobe</a:t>
-            </a:r>
-            <a:r>
-              <a:rPr spc="60"/>
-              <a:t> </a:t>
-            </a:r>
-            <a:r>
-              <a:rPr spc="-5"/>
-              <a:t>Confidential.</a:t>
+              <a:rPr lang="pt-BR"/>
+              <a:t>©2021 Adobe. All Rights Reserved. Adobe Confidential.</a:t>
             </a:r>
           </a:p>
         </p:txBody>
@@ -8051,13 +7392,13 @@
               </a:spcAft>
             </a:pPr>
             <a:r>
-              <a:rPr lang="en-US" sz="1200" b="1" spc="-10">
+              <a:rPr lang="pt-BR" sz="1200" b="1">
                 <a:solidFill>
                   <a:srgbClr val="020302"/>
                 </a:solidFill>
                 <a:latin typeface="+mj-lt"/>
               </a:rPr>
-              <a:t>Account Support Lead</a:t>
+              <a:t>Líder de suporte da conta</a:t>
             </a:r>
           </a:p>
         </p:txBody>
@@ -8077,7 +7418,7 @@
         <p:spPr>
           <a:xfrm>
             <a:off x="401995" y="5785009"/>
-            <a:ext cx="1848207" cy="45719"/>
+            <a:ext cx="2078315" cy="82911"/>
           </a:xfrm>
           <a:custGeom>
             <a:avLst/>
@@ -8146,19 +7487,15 @@
               </a:spcBef>
             </a:pPr>
             <a:r>
-              <a:rPr lang="en-US" sz="1400" b="1" spc="-10">
+              <a:rPr lang="pt-BR" sz="1400" b="1">
                 <a:solidFill>
                   <a:srgbClr val="020302"/>
                 </a:solidFill>
                 <a:latin typeface="Adobe Clean"/>
                 <a:cs typeface="Adobe Clean"/>
               </a:rPr>
-              <a:t>Online Support Features</a:t>
+              <a:t>Recursos de suporte online</a:t>
             </a:r>
-            <a:endParaRPr lang="en-US" sz="1400">
-              <a:latin typeface="Adobe Clean"/>
-              <a:cs typeface="Adobe Clean"/>
-            </a:endParaRPr>
           </a:p>
         </p:txBody>
       </p:sp>
@@ -8177,7 +7514,7 @@
         <p:spPr>
           <a:xfrm>
             <a:off x="384421" y="774495"/>
-            <a:ext cx="2011680" cy="0"/>
+            <a:ext cx="2185864" cy="73614"/>
           </a:xfrm>
           <a:custGeom>
             <a:avLst/>
@@ -8246,19 +7583,15 @@
               </a:spcBef>
             </a:pPr>
             <a:r>
-              <a:rPr lang="en-US" sz="1400" b="1" spc="-10">
+              <a:rPr lang="pt-BR" sz="1400" b="1">
                 <a:solidFill>
                   <a:srgbClr val="020302"/>
                 </a:solidFill>
                 <a:latin typeface="Adobe Clean"/>
                 <a:cs typeface="Adobe Clean"/>
               </a:rPr>
-              <a:t>Business  Support Features</a:t>
+              <a:t>Recursos do Suporte Business</a:t>
             </a:r>
-            <a:endParaRPr lang="en-US" sz="1400">
-              <a:latin typeface="Adobe Clean"/>
-              <a:cs typeface="Adobe Clean"/>
-            </a:endParaRPr>
           </a:p>
         </p:txBody>
       </p:sp>
@@ -8276,8 +7609,8 @@
         </p:nvSpPr>
         <p:spPr>
           <a:xfrm>
-            <a:off x="2836967" y="1370913"/>
-            <a:ext cx="2286000" cy="1456681"/>
+            <a:off x="2836966" y="1370913"/>
+            <a:ext cx="2333203" cy="1817998"/>
           </a:xfrm>
           <a:prstGeom prst="rect">
             <a:avLst/>
@@ -8298,15 +7631,33 @@
               </a:spcBef>
             </a:pPr>
             <a:r>
-              <a:rPr lang="en-US" sz="1000">
+              <a:rPr lang="pt-BR" sz="1000" dirty="0">
                 <a:latin typeface="Adobe Clean Light" panose="020B0303020404020204" pitchFamily="34" charset="0"/>
               </a:rPr>
-              <a:t>Customers can submit support cases via Phone for all P2, P3, P4 issues during regional support hours. There are no upper limits on the number of times you can call into support. Customers can also request a call back from support or request a meeting to demonstrate or work through an issue using a shared remote desktop session.</a:t>
+              <a:t>Os clientes podem enviar casos de suporte </a:t>
             </a:r>
-            <a:endParaRPr lang="en-US" sz="1000">
-              <a:latin typeface="Adobe Clean Light" panose="020B0303020404020204" pitchFamily="34" charset="0"/>
-              <a:cs typeface="AdobeClean-Light"/>
-            </a:endParaRPr>
+            <a:br>
+              <a:rPr lang="pt-BR" sz="1000" dirty="0">
+                <a:latin typeface="Adobe Clean Light" panose="020B0303020404020204" pitchFamily="34" charset="0"/>
+              </a:rPr>
+            </a:br>
+            <a:r>
+              <a:rPr lang="pt-BR" sz="1000" dirty="0">
+                <a:latin typeface="Adobe Clean Light" panose="020B0303020404020204" pitchFamily="34" charset="0"/>
+              </a:rPr>
+              <a:t>por telefone para todos os problemas com prioridade P2, P3 e P4 durante o horário de suporte regional. Não há limites máximos </a:t>
+            </a:r>
+            <a:br>
+              <a:rPr lang="pt-BR" sz="1000" dirty="0">
+                <a:latin typeface="Adobe Clean Light" panose="020B0303020404020204" pitchFamily="34" charset="0"/>
+              </a:rPr>
+            </a:br>
+            <a:r>
+              <a:rPr lang="pt-BR" sz="1000" dirty="0">
+                <a:latin typeface="Adobe Clean Light" panose="020B0303020404020204" pitchFamily="34" charset="0"/>
+              </a:rPr>
+              <a:t>para o número de vezes que você pode ligar para o suporte. Os clientes também podem solicitar uma chamada de retorno do suporte ou solicitar uma reunião para demonstrar ou solucionar um problema usando uma sessão de desktop remoto compartilhado.</a:t>
+            </a:r>
           </a:p>
         </p:txBody>
       </p:sp>
@@ -8348,13 +7699,13 @@
               </a:spcAft>
             </a:pPr>
             <a:r>
-              <a:rPr lang="en-US" sz="1200" b="1" spc="-10">
+              <a:rPr lang="pt-BR" sz="1200" b="1">
                 <a:solidFill>
                   <a:srgbClr val="020302"/>
                 </a:solidFill>
                 <a:latin typeface="+mj-lt"/>
               </a:rPr>
-              <a:t>Live Telephone Support</a:t>
+              <a:t>Suporte telefônico ao vivo</a:t>
             </a:r>
           </a:p>
         </p:txBody>
@@ -8374,7 +7725,7 @@
         <p:spPr>
           <a:xfrm>
             <a:off x="5376301" y="1398482"/>
-            <a:ext cx="2286000" cy="805349"/>
+            <a:ext cx="2286000" cy="959237"/>
           </a:xfrm>
           <a:prstGeom prst="rect">
             <a:avLst/>
@@ -8395,18 +7746,65 @@
               </a:spcBef>
             </a:pPr>
             <a:r>
-              <a:rPr lang="en-US" sz="1000">
+              <a:rPr lang="pt-BR" sz="1000" dirty="0">
                 <a:solidFill>
                   <a:srgbClr val="4B4B4B"/>
                 </a:solidFill>
                 <a:latin typeface="Adobe Clean Light" panose="020B0303020404020204" pitchFamily="34" charset="0"/>
               </a:rPr>
-              <a:t>A designated point of contact within Adobe who can provide escalation assistance, regular updates and ensure priority is given to your most critical open support requests.</a:t>
+              <a:t>Um ponto de contato designado na </a:t>
             </a:r>
-            <a:endParaRPr lang="en-US" sz="1000">
-              <a:latin typeface="Adobe Clean Light" panose="020B0303020404020204" pitchFamily="34" charset="0"/>
-              <a:cs typeface="AdobeClean-Light"/>
-            </a:endParaRPr>
+            <a:br>
+              <a:rPr lang="pt-BR" sz="1000" dirty="0">
+                <a:solidFill>
+                  <a:srgbClr val="4B4B4B"/>
+                </a:solidFill>
+                <a:latin typeface="Adobe Clean Light" panose="020B0303020404020204" pitchFamily="34" charset="0"/>
+              </a:rPr>
+            </a:br>
+            <a:r>
+              <a:rPr lang="pt-BR" sz="1000" dirty="0">
+                <a:solidFill>
+                  <a:srgbClr val="4B4B4B"/>
+                </a:solidFill>
+                <a:latin typeface="Adobe Clean Light" panose="020B0303020404020204" pitchFamily="34" charset="0"/>
+              </a:rPr>
+              <a:t>Adobe que pode fornecer assistência </a:t>
+            </a:r>
+            <a:br>
+              <a:rPr lang="pt-BR" sz="1000" dirty="0">
+                <a:solidFill>
+                  <a:srgbClr val="4B4B4B"/>
+                </a:solidFill>
+                <a:latin typeface="Adobe Clean Light" panose="020B0303020404020204" pitchFamily="34" charset="0"/>
+              </a:rPr>
+            </a:br>
+            <a:r>
+              <a:rPr lang="pt-BR" sz="1000" dirty="0">
+                <a:solidFill>
+                  <a:srgbClr val="4B4B4B"/>
+                </a:solidFill>
+                <a:latin typeface="Adobe Clean Light" panose="020B0303020404020204" pitchFamily="34" charset="0"/>
+              </a:rPr>
+              <a:t>de encaminhamento, atualizações regulares </a:t>
+            </a:r>
+            <a:br>
+              <a:rPr lang="pt-BR" sz="1000" dirty="0">
+                <a:solidFill>
+                  <a:srgbClr val="4B4B4B"/>
+                </a:solidFill>
+                <a:latin typeface="Adobe Clean Light" panose="020B0303020404020204" pitchFamily="34" charset="0"/>
+              </a:rPr>
+            </a:br>
+            <a:r>
+              <a:rPr lang="pt-BR" sz="1000" dirty="0">
+                <a:solidFill>
+                  <a:srgbClr val="4B4B4B"/>
+                </a:solidFill>
+                <a:latin typeface="Adobe Clean Light" panose="020B0303020404020204" pitchFamily="34" charset="0"/>
+              </a:rPr>
+              <a:t>e garantir que seja dada prioridade àquelas solicitações de suporte abertas que forem mais críticas.</a:t>
+            </a:r>
           </a:p>
         </p:txBody>
       </p:sp>
@@ -8426,8 +7824,8 @@
         </p:nvSpPr>
         <p:spPr>
           <a:xfrm>
-            <a:off x="5885313" y="1085652"/>
-            <a:ext cx="1608472" cy="184666"/>
+            <a:off x="5885312" y="956112"/>
+            <a:ext cx="1818507" cy="369332"/>
           </a:xfrm>
           <a:prstGeom prst="rect">
             <a:avLst/>
@@ -8448,13 +7846,30 @@
               </a:spcAft>
             </a:pPr>
             <a:r>
-              <a:rPr lang="en-US" sz="1200" b="1" spc="-10">
+              <a:rPr lang="pt-BR" sz="1200" b="1" dirty="0">
                 <a:solidFill>
                   <a:srgbClr val="020302"/>
                 </a:solidFill>
                 <a:latin typeface="+mj-lt"/>
               </a:rPr>
-              <a:t>Escalation Management</a:t>
+              <a:t>Gestão </a:t>
+            </a:r>
+            <a:br>
+              <a:rPr lang="pt-BR" sz="1200" b="1" dirty="0">
+                <a:solidFill>
+                  <a:srgbClr val="020302"/>
+                </a:solidFill>
+                <a:latin typeface="+mj-lt"/>
+              </a:rPr>
+            </a:br>
+            <a:r>
+              <a:rPr lang="pt-BR" sz="1200" b="1" dirty="0">
+                <a:solidFill>
+                  <a:srgbClr val="020302"/>
+                </a:solidFill>
+                <a:latin typeface="+mj-lt"/>
+              </a:rPr>
+              <a:t>de encaminhamento</a:t>
             </a:r>
           </a:p>
         </p:txBody>
@@ -8502,7 +7917,7 @@
               <a:defRPr/>
             </a:pPr>
             <a:r>
-              <a:rPr lang="en-US" sz="1200">
+              <a:rPr lang="pt-BR" sz="1200">
                 <a:solidFill>
                   <a:srgbClr val="000000"/>
                 </a:solidFill>
@@ -8550,12 +7965,12 @@
               </a:spcAft>
             </a:pPr>
             <a:r>
-              <a:rPr lang="en-US" sz="1200" b="1">
+              <a:rPr lang="pt-BR" sz="1200" b="1">
                 <a:latin typeface="+mj-lt"/>
                 <a:ea typeface="Open Sans" pitchFamily="34" charset="0"/>
                 <a:cs typeface="Open Sans" pitchFamily="34" charset="0"/>
               </a:rPr>
-              <a:t>Webinars</a:t>
+              <a:t>Webinários</a:t>
             </a:r>
           </a:p>
         </p:txBody>
@@ -8575,7 +7990,7 @@
         <p:spPr>
           <a:xfrm>
             <a:off x="370040" y="8618616"/>
-            <a:ext cx="2286000" cy="1113125"/>
+            <a:ext cx="2286000" cy="959237"/>
           </a:xfrm>
           <a:prstGeom prst="rect">
             <a:avLst/>
@@ -8588,13 +8003,30 @@
           <a:lstStyle/>
           <a:p>
             <a:r>
-              <a:rPr lang="en-US" sz="1000">
+              <a:rPr lang="pt-BR" sz="1000" dirty="0">
                 <a:solidFill>
                   <a:srgbClr val="000000"/>
                 </a:solidFill>
                 <a:latin typeface="Adobe Clean Light" panose="020B0303020404020204" pitchFamily="34" charset="0"/>
               </a:rPr>
-              <a:t>Office Hours is an initiative led by the Adobe Customer Support team. These sessions are designed to inform as well as help participants troubleshoot problems and provide tips and tricks to be successful with Adobe Experience Cloud.</a:t>
+              <a:t>O Office Hours é uma iniciativa liderada pela equipe de Suporte ao cliente da Adobe. </a:t>
+            </a:r>
+            <a:br>
+              <a:rPr lang="pt-BR" sz="1000" dirty="0">
+                <a:solidFill>
+                  <a:srgbClr val="000000"/>
+                </a:solidFill>
+                <a:latin typeface="Adobe Clean Light" panose="020B0303020404020204" pitchFamily="34" charset="0"/>
+              </a:rPr>
+            </a:br>
+            <a:r>
+              <a:rPr lang="pt-BR" sz="1000" dirty="0">
+                <a:solidFill>
+                  <a:srgbClr val="000000"/>
+                </a:solidFill>
+                <a:latin typeface="Adobe Clean Light" panose="020B0303020404020204" pitchFamily="34" charset="0"/>
+              </a:rPr>
+              <a:t>Essas sessões foram criadas para informar e ajudar os participantes a solucionar problemas e fornecer dicas e truques para aproveitar ao máximo a Adobe Experience Cloud.</a:t>
             </a:r>
           </a:p>
         </p:txBody>
@@ -8637,12 +8069,12 @@
               </a:spcAft>
             </a:pPr>
             <a:r>
-              <a:rPr lang="en-US" sz="1200" b="1">
+              <a:rPr lang="pt-BR" sz="1200" b="1">
                 <a:latin typeface="+mj-lt"/>
                 <a:ea typeface="Open Sans" pitchFamily="34" charset="0"/>
                 <a:cs typeface="Open Sans" pitchFamily="34" charset="0"/>
               </a:rPr>
-              <a:t>24/7 Support Portal</a:t>
+              <a:t>Portal de suporte 24/7</a:t>
             </a:r>
           </a:p>
         </p:txBody>
@@ -8662,7 +8094,7 @@
         <p:spPr>
           <a:xfrm>
             <a:off x="5376301" y="8618616"/>
-            <a:ext cx="2286000" cy="805349"/>
+            <a:ext cx="2286000" cy="959237"/>
           </a:xfrm>
           <a:prstGeom prst="rect">
             <a:avLst/>
@@ -8675,16 +8107,16 @@
           <a:lstStyle/>
           <a:p>
             <a:r>
-              <a:rPr lang="en-US" sz="1000">
+              <a:rPr lang="pt-BR" sz="1000" dirty="0">
                 <a:solidFill>
                   <a:srgbClr val="000000"/>
                 </a:solidFill>
                 <a:latin typeface="Adobe Clean Light" panose="020B0303020404020204" pitchFamily="34" charset="0"/>
               </a:rPr>
-              <a:t>On-demand access to the online </a:t>
+              <a:t>Acesso sob demanda ao Portal de autoatendimento online para enviar solicitações de suporte, revisar o status do caso e procurar outros recursos, como nossa base de conhecimento, notícias e alertas, </a:t>
             </a:r>
             <a:br>
-              <a:rPr lang="en-US" sz="1000">
+              <a:rPr lang="pt-BR" sz="1000" dirty="0">
                 <a:solidFill>
                   <a:srgbClr val="000000"/>
                 </a:solidFill>
@@ -8692,13 +8124,13 @@
               </a:rPr>
             </a:br>
             <a:r>
-              <a:rPr lang="en-US" sz="1000">
+              <a:rPr lang="pt-BR" sz="1000" dirty="0">
                 <a:solidFill>
                   <a:srgbClr val="000000"/>
                 </a:solidFill>
                 <a:latin typeface="Adobe Clean Light" panose="020B0303020404020204" pitchFamily="34" charset="0"/>
               </a:rPr>
-              <a:t>Self-help Support Portal to submit support requests, review case status, and browse other resources, like our knowledgebase, news and alerts, featured tips, and more.</a:t>
+              <a:t>dicas em destaque e muito mais.</a:t>
             </a:r>
           </a:p>
         </p:txBody>
@@ -8795,8 +8227,8 @@
         </p:nvSpPr>
         <p:spPr>
           <a:xfrm>
-            <a:off x="789025" y="3499700"/>
-            <a:ext cx="1336142" cy="285247"/>
+            <a:off x="789024" y="3499700"/>
+            <a:ext cx="1759037" cy="285247"/>
           </a:xfrm>
           <a:prstGeom prst="rect">
             <a:avLst/>
@@ -8810,10 +8242,10 @@
           <a:lstStyle/>
           <a:p>
             <a:r>
-              <a:rPr lang="en-US" sz="1200" b="1">
+              <a:rPr lang="pt-BR" sz="1200" b="1" dirty="0">
                 <a:latin typeface="+mj-lt"/>
               </a:rPr>
-              <a:t>Business Services</a:t>
+              <a:t>Serviços empresariais</a:t>
             </a:r>
           </a:p>
         </p:txBody>
@@ -8854,15 +8286,23 @@
               </a:spcBef>
             </a:pPr>
             <a:r>
-              <a:rPr lang="en-US" sz="1000">
+              <a:rPr lang="pt-BR" sz="1000" dirty="0">
                 <a:latin typeface="Adobe Clean Light" panose="020B0303020404020204" pitchFamily="34" charset="0"/>
               </a:rPr>
-              <a:t>An Account Support Lead will host webinars covering an overview of business support services.  </a:t>
+              <a:t>Um Líder de suporte da conta apresentará </a:t>
             </a:r>
-            <a:endParaRPr lang="en-US" sz="1000">
-              <a:latin typeface="Adobe Clean Light" panose="020B0303020404020204" pitchFamily="34" charset="0"/>
-              <a:cs typeface="AdobeClean-Light"/>
-            </a:endParaRPr>
+            <a:r>
+              <a:rPr lang="pt-BR" sz="1000" dirty="0" err="1">
+                <a:latin typeface="Adobe Clean Light" panose="020B0303020404020204" pitchFamily="34" charset="0"/>
+              </a:rPr>
+              <a:t>webinários</a:t>
+            </a:r>
+            <a:r>
+              <a:rPr lang="pt-BR" sz="1000" dirty="0">
+                <a:latin typeface="Adobe Clean Light" panose="020B0303020404020204" pitchFamily="34" charset="0"/>
+              </a:rPr>
+              <a:t> com uma visão geral dos serviços de suporte empresarial.  </a:t>
+            </a:r>
           </a:p>
         </p:txBody>
       </p:sp>
@@ -8880,7 +8320,7 @@
         </p:nvSpPr>
         <p:spPr>
           <a:xfrm rot="5400000" flipH="1">
-            <a:off x="3863341" y="302967"/>
+            <a:off x="3863341" y="527757"/>
             <a:ext cx="45719" cy="5577840"/>
           </a:xfrm>
           <a:custGeom>
@@ -9247,7 +8687,7 @@
         </p:nvSpPr>
         <p:spPr>
           <a:xfrm rot="5400000" flipH="1">
-            <a:off x="3863341" y="4967117"/>
+            <a:off x="3863341" y="5035697"/>
             <a:ext cx="45719" cy="5577840"/>
           </a:xfrm>
           <a:custGeom>
@@ -9331,12 +8771,12 @@
               <a:defRPr/>
             </a:pPr>
             <a:r>
-              <a:rPr lang="en-US" sz="1200">
+              <a:rPr lang="pt-BR" sz="1200" dirty="0">
                 <a:solidFill>
                   <a:srgbClr val="000000"/>
                 </a:solidFill>
               </a:rPr>
-              <a:t>Self– Help Portal</a:t>
+              <a:t>Portal de autoatendimento</a:t>
             </a:r>
           </a:p>
         </p:txBody>
@@ -9384,7 +8824,7 @@
               <a:defRPr/>
             </a:pPr>
             <a:r>
-              <a:rPr lang="en-US" sz="1200">
+              <a:rPr lang="pt-BR" sz="1200">
                 <a:solidFill>
                   <a:srgbClr val="000000"/>
                 </a:solidFill>
@@ -9446,49 +8886,15 @@
               </a:lnSpc>
             </a:pPr>
             <a:r>
-              <a:rPr sz="500" spc="-5">
+              <a:rPr lang="pt-BR" sz="500">
                 <a:solidFill>
                   <a:srgbClr val="6C6C6C"/>
                 </a:solidFill>
                 <a:latin typeface="Adobe Clean"/>
                 <a:cs typeface="Adobe Clean"/>
               </a:rPr>
-              <a:t>©2020 Adobe. All Rights Reserved. </a:t>
+              <a:t>©2020 Adobe. All Rights Reserved. Adobe Confidential.</a:t>
             </a:r>
-            <a:r>
-              <a:rPr sz="500">
-                <a:solidFill>
-                  <a:srgbClr val="6C6C6C"/>
-                </a:solidFill>
-                <a:latin typeface="Adobe Clean"/>
-                <a:cs typeface="Adobe Clean"/>
-              </a:rPr>
-              <a:t>Adobe</a:t>
-            </a:r>
-            <a:r>
-              <a:rPr sz="500" spc="5">
-                <a:solidFill>
-                  <a:srgbClr val="6C6C6C"/>
-                </a:solidFill>
-                <a:latin typeface="Adobe Clean"/>
-                <a:cs typeface="Adobe Clean"/>
-              </a:rPr>
-              <a:t> </a:t>
-            </a:r>
-            <a:r>
-              <a:rPr sz="500" spc="-5">
-                <a:solidFill>
-                  <a:srgbClr val="6C6C6C"/>
-                </a:solidFill>
-                <a:latin typeface="Adobe Clean"/>
-                <a:cs typeface="Adobe Clean"/>
-              </a:rPr>
-              <a:t>Confidential.</a:t>
-            </a:r>
-            <a:endParaRPr sz="500">
-              <a:latin typeface="Adobe Clean"/>
-              <a:cs typeface="Adobe Clean"/>
-            </a:endParaRPr>
           </a:p>
           <a:p>
             <a:pPr>
@@ -9514,39 +8920,15 @@
               </a:spcBef>
             </a:pPr>
             <a:r>
-              <a:rPr sz="800" spc="-5">
+              <a:rPr lang="pt-BR" sz="800">
                 <a:solidFill>
                   <a:srgbClr val="6D6D6D"/>
                 </a:solidFill>
                 <a:latin typeface="Adobe Clean"/>
                 <a:cs typeface="Adobe Clean"/>
               </a:rPr>
-              <a:t>©2020 Adobe. All Rights Reserved. Adobe</a:t>
+              <a:t>©2020 Adobe. All Rights Reserved. Adobe Confidential.</a:t>
             </a:r>
-            <a:r>
-              <a:rPr sz="800" spc="75">
-                <a:solidFill>
-                  <a:srgbClr val="6D6D6D"/>
-                </a:solidFill>
-                <a:latin typeface="Adobe Clean"/>
-                <a:cs typeface="Adobe Clean"/>
-              </a:rPr>
-              <a:t> </a:t>
-            </a:r>
-            <a:r>
-              <a:rPr sz="800" spc="-5">
-                <a:solidFill>
-                  <a:srgbClr val="6D6D6D"/>
-                </a:solidFill>
-                <a:latin typeface="Adobe Clean"/>
-                <a:cs typeface="Adobe Clean"/>
-              </a:rPr>
-              <a:t>Confidential.</a:t>
-            </a:r>
-            <a:endParaRPr sz="800">
-              <a:latin typeface="Adobe Clean"/>
-              <a:cs typeface="Adobe Clean"/>
-            </a:endParaRPr>
           </a:p>
         </p:txBody>
       </p:sp>
@@ -9596,7 +8978,7 @@
           <a:bodyPr wrap="square" lIns="0" tIns="0" rIns="0" bIns="0" rtlCol="0"/>
           <a:lstStyle/>
           <a:p>
-            <a:endParaRPr/>
+            <a:endParaRPr dirty="0"/>
           </a:p>
         </p:txBody>
       </p:sp>
@@ -9630,19 +9012,15 @@
               </a:spcBef>
             </a:pPr>
             <a:r>
-              <a:rPr lang="en-US" sz="1400" b="1" spc="-15">
+              <a:rPr lang="pt-BR" sz="1400" b="1">
                 <a:solidFill>
                   <a:srgbClr val="020302"/>
                 </a:solidFill>
                 <a:latin typeface="Adobe Clean"/>
                 <a:cs typeface="Adobe Clean"/>
               </a:rPr>
-              <a:t>Resources</a:t>
+              <a:t>Recursos</a:t>
             </a:r>
-            <a:endParaRPr sz="1400">
-              <a:latin typeface="Adobe Clean"/>
-              <a:cs typeface="Adobe Clean"/>
-            </a:endParaRPr>
           </a:p>
         </p:txBody>
       </p:sp>
@@ -9655,7 +9033,7 @@
         <p:spPr>
           <a:xfrm>
             <a:off x="6754821" y="9283729"/>
-            <a:ext cx="930275" cy="662305"/>
+            <a:ext cx="979479" cy="662305"/>
           </a:xfrm>
           <a:prstGeom prst="rect">
             <a:avLst/>
@@ -9676,7 +9054,7 @@
               </a:spcBef>
             </a:pPr>
             <a:r>
-              <a:rPr sz="800" spc="-15">
+              <a:rPr lang="pt-BR" sz="800" dirty="0">
                 <a:solidFill>
                   <a:srgbClr val="777879"/>
                 </a:solidFill>
@@ -9685,10 +9063,6 @@
               </a:rPr>
               <a:t>Adobe</a:t>
             </a:r>
-            <a:endParaRPr sz="800">
-              <a:latin typeface="Adobe Clean"/>
-              <a:cs typeface="Adobe Clean"/>
-            </a:endParaRPr>
           </a:p>
           <a:p>
             <a:pPr marL="12700">
@@ -9697,39 +9071,15 @@
               </a:lnSpc>
             </a:pPr>
             <a:r>
-              <a:rPr sz="800" spc="-15">
+              <a:rPr lang="pt-BR" sz="800" dirty="0">
                 <a:solidFill>
                   <a:srgbClr val="777879"/>
                 </a:solidFill>
                 <a:latin typeface="Adobe Clean"/>
                 <a:cs typeface="Adobe Clean"/>
               </a:rPr>
-              <a:t>345 Park</a:t>
+              <a:t>345 Park Avenue</a:t>
             </a:r>
-            <a:r>
-              <a:rPr sz="800" spc="-100">
-                <a:solidFill>
-                  <a:srgbClr val="777879"/>
-                </a:solidFill>
-                <a:latin typeface="Adobe Clean"/>
-                <a:cs typeface="Adobe Clean"/>
-              </a:rPr>
-              <a:t> </a:t>
-            </a:r>
-            <a:r>
-              <a:rPr sz="800" spc="-15">
-                <a:solidFill>
-                  <a:srgbClr val="777879"/>
-                </a:solidFill>
-                <a:latin typeface="Adobe Clean"/>
-                <a:cs typeface="Adobe Clean"/>
-              </a:rPr>
-              <a:t>Avenue</a:t>
-            </a:r>
-            <a:endParaRPr sz="800">
-              <a:latin typeface="Adobe Clean"/>
-              <a:cs typeface="Adobe Clean"/>
-            </a:endParaRPr>
           </a:p>
           <a:p>
             <a:pPr marL="12700">
@@ -9738,49 +9088,15 @@
               </a:lnSpc>
             </a:pPr>
             <a:r>
-              <a:rPr sz="800" spc="-10">
+              <a:rPr lang="pt-BR" sz="800" dirty="0">
                 <a:solidFill>
                   <a:srgbClr val="777879"/>
                 </a:solidFill>
                 <a:latin typeface="Adobe Clean"/>
                 <a:cs typeface="Adobe Clean"/>
               </a:rPr>
-              <a:t>San </a:t>
+              <a:t>San Jose, CA95110-2704</a:t>
             </a:r>
-            <a:r>
-              <a:rPr sz="800" spc="-15">
-                <a:solidFill>
-                  <a:srgbClr val="777879"/>
-                </a:solidFill>
-                <a:latin typeface="Adobe Clean"/>
-                <a:cs typeface="Adobe Clean"/>
-              </a:rPr>
-              <a:t>Jose,</a:t>
-            </a:r>
-            <a:r>
-              <a:rPr sz="800" spc="-140">
-                <a:solidFill>
-                  <a:srgbClr val="777879"/>
-                </a:solidFill>
-                <a:latin typeface="Adobe Clean"/>
-                <a:cs typeface="Adobe Clean"/>
-              </a:rPr>
-              <a:t> </a:t>
-            </a:r>
-            <a:r>
-              <a:rPr sz="800" spc="-20">
-                <a:solidFill>
-                  <a:srgbClr val="777879"/>
-                </a:solidFill>
-                <a:latin typeface="Adobe Clean"/>
-                <a:cs typeface="Adobe Clean"/>
-              </a:rPr>
-              <a:t>CA95110-2704</a:t>
-            </a:r>
-            <a:endParaRPr sz="800">
-              <a:latin typeface="Adobe Clean"/>
-              <a:cs typeface="Adobe Clean"/>
-            </a:endParaRPr>
           </a:p>
           <a:p>
             <a:pPr marL="12700">
@@ -9792,7 +9108,7 @@
               </a:spcBef>
             </a:pPr>
             <a:r>
-              <a:rPr sz="800" spc="-10">
+              <a:rPr lang="pt-BR" sz="800" dirty="0">
                 <a:solidFill>
                   <a:srgbClr val="777879"/>
                 </a:solidFill>
@@ -9801,10 +9117,6 @@
               </a:rPr>
               <a:t>USA</a:t>
             </a:r>
-            <a:endParaRPr sz="800">
-              <a:latin typeface="Adobe Clean"/>
-              <a:cs typeface="Adobe Clean"/>
-            </a:endParaRPr>
           </a:p>
           <a:p>
             <a:pPr marL="12700">
@@ -9816,7 +9128,7 @@
               </a:spcBef>
             </a:pPr>
             <a:r>
-              <a:rPr sz="800" u="sng" spc="-25">
+              <a:rPr lang="pt-BR" sz="800" u="sng" dirty="0">
                 <a:solidFill>
                   <a:srgbClr val="5F5F5F"/>
                 </a:solidFill>
@@ -9831,10 +9143,6 @@
               </a:rPr>
               <a:t>www.adobe.com</a:t>
             </a:r>
-            <a:endParaRPr sz="800">
-              <a:latin typeface="Adobe Clean"/>
-              <a:cs typeface="Adobe Clean"/>
-            </a:endParaRPr>
           </a:p>
         </p:txBody>
       </p:sp>
@@ -9988,7 +9296,7 @@
         <p:spPr>
           <a:xfrm>
             <a:off x="75947" y="9437110"/>
-            <a:ext cx="5466715" cy="570865"/>
+            <a:ext cx="5738113" cy="570865"/>
           </a:xfrm>
           <a:prstGeom prst="rect">
             <a:avLst/>
@@ -10009,439 +9317,15 @@
               </a:spcBef>
             </a:pPr>
             <a:r>
-              <a:rPr sz="1100" i="1" spc="-10">
+              <a:rPr lang="pt-BR" sz="1100" i="1" dirty="0">
                 <a:solidFill>
                   <a:srgbClr val="777879"/>
                 </a:solidFill>
                 <a:latin typeface="AdobeClean-LightIt"/>
                 <a:cs typeface="AdobeClean-LightIt"/>
               </a:rPr>
-              <a:t>To</a:t>
+              <a:t>Para saber mais sobre os Serviços de suporte Adobe e identificar o nível certo para você, entre em contato com o seu Gerente de conta nomeado (NAM, em inglês) ou Gerente de sucesso do cliente (CSM, em inglês).</a:t>
             </a:r>
-            <a:r>
-              <a:rPr sz="1100" i="1" spc="-50">
-                <a:solidFill>
-                  <a:srgbClr val="777879"/>
-                </a:solidFill>
-                <a:latin typeface="AdobeClean-LightIt"/>
-                <a:cs typeface="AdobeClean-LightIt"/>
-              </a:rPr>
-              <a:t> </a:t>
-            </a:r>
-            <a:r>
-              <a:rPr sz="1100" i="1" spc="-15">
-                <a:solidFill>
-                  <a:srgbClr val="777879"/>
-                </a:solidFill>
-                <a:latin typeface="AdobeClean-LightIt"/>
-                <a:cs typeface="AdobeClean-LightIt"/>
-              </a:rPr>
-              <a:t>learn</a:t>
-            </a:r>
-            <a:r>
-              <a:rPr sz="1100" i="1" spc="-40">
-                <a:solidFill>
-                  <a:srgbClr val="777879"/>
-                </a:solidFill>
-                <a:latin typeface="AdobeClean-LightIt"/>
-                <a:cs typeface="AdobeClean-LightIt"/>
-              </a:rPr>
-              <a:t> </a:t>
-            </a:r>
-            <a:r>
-              <a:rPr sz="1100" i="1" spc="-15">
-                <a:solidFill>
-                  <a:srgbClr val="777879"/>
-                </a:solidFill>
-                <a:latin typeface="AdobeClean-LightIt"/>
-                <a:cs typeface="AdobeClean-LightIt"/>
-              </a:rPr>
-              <a:t>more</a:t>
-            </a:r>
-            <a:r>
-              <a:rPr sz="1100" i="1" spc="-45">
-                <a:solidFill>
-                  <a:srgbClr val="777879"/>
-                </a:solidFill>
-                <a:latin typeface="AdobeClean-LightIt"/>
-                <a:cs typeface="AdobeClean-LightIt"/>
-              </a:rPr>
-              <a:t> </a:t>
-            </a:r>
-            <a:r>
-              <a:rPr sz="1100" i="1" spc="-15">
-                <a:solidFill>
-                  <a:srgbClr val="777879"/>
-                </a:solidFill>
-                <a:latin typeface="AdobeClean-LightIt"/>
-                <a:cs typeface="AdobeClean-LightIt"/>
-              </a:rPr>
-              <a:t>about</a:t>
-            </a:r>
-            <a:r>
-              <a:rPr sz="1100" i="1" spc="-45">
-                <a:solidFill>
-                  <a:srgbClr val="777879"/>
-                </a:solidFill>
-                <a:latin typeface="AdobeClean-LightIt"/>
-                <a:cs typeface="AdobeClean-LightIt"/>
-              </a:rPr>
-              <a:t> </a:t>
-            </a:r>
-            <a:r>
-              <a:rPr sz="1100" i="1" spc="-15">
-                <a:solidFill>
-                  <a:srgbClr val="777879"/>
-                </a:solidFill>
-                <a:latin typeface="AdobeClean-LightIt"/>
-                <a:cs typeface="AdobeClean-LightIt"/>
-              </a:rPr>
-              <a:t>Adobe</a:t>
-            </a:r>
-            <a:r>
-              <a:rPr sz="1100" i="1" spc="-50">
-                <a:solidFill>
-                  <a:srgbClr val="777879"/>
-                </a:solidFill>
-                <a:latin typeface="AdobeClean-LightIt"/>
-                <a:cs typeface="AdobeClean-LightIt"/>
-              </a:rPr>
-              <a:t> </a:t>
-            </a:r>
-            <a:r>
-              <a:rPr sz="1100" i="1" spc="-15">
-                <a:solidFill>
-                  <a:srgbClr val="777879"/>
-                </a:solidFill>
-                <a:latin typeface="AdobeClean-LightIt"/>
-                <a:cs typeface="AdobeClean-LightIt"/>
-              </a:rPr>
-              <a:t>Support</a:t>
-            </a:r>
-            <a:r>
-              <a:rPr lang="en-US" sz="1100" i="1" spc="-15">
-                <a:solidFill>
-                  <a:srgbClr val="777879"/>
-                </a:solidFill>
-                <a:latin typeface="AdobeClean-LightIt"/>
-                <a:cs typeface="AdobeClean-LightIt"/>
-              </a:rPr>
-              <a:t> Offerings</a:t>
-            </a:r>
-            <a:r>
-              <a:rPr sz="1100" i="1" spc="-75">
-                <a:solidFill>
-                  <a:srgbClr val="777879"/>
-                </a:solidFill>
-                <a:latin typeface="AdobeClean-LightIt"/>
-                <a:cs typeface="AdobeClean-LightIt"/>
-              </a:rPr>
-              <a:t> </a:t>
-            </a:r>
-            <a:r>
-              <a:rPr sz="1100" i="1" spc="-15">
-                <a:solidFill>
-                  <a:srgbClr val="777879"/>
-                </a:solidFill>
-                <a:latin typeface="AdobeClean-LightIt"/>
-                <a:cs typeface="AdobeClean-LightIt"/>
-              </a:rPr>
-              <a:t>and</a:t>
-            </a:r>
-            <a:r>
-              <a:rPr sz="1100" i="1" spc="-50">
-                <a:solidFill>
-                  <a:srgbClr val="777879"/>
-                </a:solidFill>
-                <a:latin typeface="AdobeClean-LightIt"/>
-                <a:cs typeface="AdobeClean-LightIt"/>
-              </a:rPr>
-              <a:t> </a:t>
-            </a:r>
-            <a:r>
-              <a:rPr sz="1100" i="1" spc="-15">
-                <a:solidFill>
-                  <a:srgbClr val="777879"/>
-                </a:solidFill>
-                <a:latin typeface="AdobeClean-LightIt"/>
-                <a:cs typeface="AdobeClean-LightIt"/>
-              </a:rPr>
-              <a:t>the</a:t>
-            </a:r>
-            <a:r>
-              <a:rPr sz="1100" i="1" spc="-55">
-                <a:solidFill>
-                  <a:srgbClr val="777879"/>
-                </a:solidFill>
-                <a:latin typeface="AdobeClean-LightIt"/>
-                <a:cs typeface="AdobeClean-LightIt"/>
-              </a:rPr>
-              <a:t> </a:t>
-            </a:r>
-            <a:r>
-              <a:rPr sz="1100" i="1" spc="-15">
-                <a:solidFill>
-                  <a:srgbClr val="777879"/>
-                </a:solidFill>
-                <a:latin typeface="AdobeClean-LightIt"/>
-                <a:cs typeface="AdobeClean-LightIt"/>
-              </a:rPr>
-              <a:t>right</a:t>
-            </a:r>
-            <a:r>
-              <a:rPr sz="1100" i="1" spc="-95">
-                <a:solidFill>
-                  <a:srgbClr val="777879"/>
-                </a:solidFill>
-                <a:latin typeface="AdobeClean-LightIt"/>
-                <a:cs typeface="AdobeClean-LightIt"/>
-              </a:rPr>
-              <a:t> </a:t>
-            </a:r>
-            <a:r>
-              <a:rPr sz="1100" i="1" spc="-15">
-                <a:solidFill>
-                  <a:srgbClr val="777879"/>
-                </a:solidFill>
-                <a:latin typeface="AdobeClean-LightIt"/>
-                <a:cs typeface="AdobeClean-LightIt"/>
-              </a:rPr>
-              <a:t>level</a:t>
-            </a:r>
-            <a:r>
-              <a:rPr sz="1100" i="1" spc="-55">
-                <a:solidFill>
-                  <a:srgbClr val="777879"/>
-                </a:solidFill>
-                <a:latin typeface="AdobeClean-LightIt"/>
-                <a:cs typeface="AdobeClean-LightIt"/>
-              </a:rPr>
-              <a:t> </a:t>
-            </a:r>
-            <a:r>
-              <a:rPr sz="1100" i="1" spc="-15">
-                <a:solidFill>
-                  <a:srgbClr val="777879"/>
-                </a:solidFill>
-                <a:latin typeface="AdobeClean-LightIt"/>
-                <a:cs typeface="AdobeClean-LightIt"/>
-              </a:rPr>
-              <a:t>for</a:t>
-            </a:r>
-            <a:r>
-              <a:rPr sz="1100" i="1" spc="-85">
-                <a:solidFill>
-                  <a:srgbClr val="777879"/>
-                </a:solidFill>
-                <a:latin typeface="AdobeClean-LightIt"/>
-                <a:cs typeface="AdobeClean-LightIt"/>
-              </a:rPr>
-              <a:t> </a:t>
-            </a:r>
-            <a:r>
-              <a:rPr sz="1100" i="1" spc="-15">
-                <a:solidFill>
-                  <a:srgbClr val="777879"/>
-                </a:solidFill>
-                <a:latin typeface="AdobeClean-LightIt"/>
-                <a:cs typeface="AdobeClean-LightIt"/>
-              </a:rPr>
-              <a:t>you,</a:t>
-            </a:r>
-            <a:r>
-              <a:rPr sz="1100" i="1" spc="-65">
-                <a:solidFill>
-                  <a:srgbClr val="777879"/>
-                </a:solidFill>
-                <a:latin typeface="AdobeClean-LightIt"/>
-                <a:cs typeface="AdobeClean-LightIt"/>
-              </a:rPr>
-              <a:t> </a:t>
-            </a:r>
-            <a:r>
-              <a:rPr sz="1100" i="1" spc="-15">
-                <a:solidFill>
-                  <a:srgbClr val="777879"/>
-                </a:solidFill>
-                <a:latin typeface="AdobeClean-LightIt"/>
-                <a:cs typeface="AdobeClean-LightIt"/>
-              </a:rPr>
-              <a:t>contact</a:t>
-            </a:r>
-            <a:r>
-              <a:rPr sz="1100" i="1" spc="-85">
-                <a:solidFill>
-                  <a:srgbClr val="777879"/>
-                </a:solidFill>
-                <a:latin typeface="AdobeClean-LightIt"/>
-                <a:cs typeface="AdobeClean-LightIt"/>
-              </a:rPr>
-              <a:t> </a:t>
-            </a:r>
-            <a:r>
-              <a:rPr sz="1100" i="1" spc="-15">
-                <a:solidFill>
-                  <a:srgbClr val="777879"/>
-                </a:solidFill>
-                <a:latin typeface="AdobeClean-LightIt"/>
-                <a:cs typeface="AdobeClean-LightIt"/>
-              </a:rPr>
-              <a:t>your</a:t>
-            </a:r>
-            <a:r>
-              <a:rPr sz="1100" i="1" spc="-70">
-                <a:solidFill>
-                  <a:srgbClr val="777879"/>
-                </a:solidFill>
-                <a:latin typeface="AdobeClean-LightIt"/>
-                <a:cs typeface="AdobeClean-LightIt"/>
-              </a:rPr>
-              <a:t> </a:t>
-            </a:r>
-            <a:r>
-              <a:rPr sz="1100" i="1" spc="-15">
-                <a:solidFill>
-                  <a:srgbClr val="777879"/>
-                </a:solidFill>
-                <a:latin typeface="AdobeClean-LightIt"/>
-                <a:cs typeface="AdobeClean-LightIt"/>
-              </a:rPr>
-              <a:t>Named</a:t>
-            </a:r>
-            <a:r>
-              <a:rPr sz="1100" i="1" spc="-55">
-                <a:solidFill>
-                  <a:srgbClr val="777879"/>
-                </a:solidFill>
-                <a:latin typeface="AdobeClean-LightIt"/>
-                <a:cs typeface="AdobeClean-LightIt"/>
-              </a:rPr>
-              <a:t> </a:t>
-            </a:r>
-            <a:r>
-              <a:rPr sz="1100" i="1" spc="-25">
-                <a:solidFill>
-                  <a:srgbClr val="777879"/>
-                </a:solidFill>
-                <a:latin typeface="AdobeClean-LightIt"/>
-                <a:cs typeface="AdobeClean-LightIt"/>
-              </a:rPr>
-              <a:t>Account</a:t>
-            </a:r>
-            <a:r>
-              <a:rPr sz="1100" i="1" spc="-120">
-                <a:solidFill>
-                  <a:srgbClr val="777879"/>
-                </a:solidFill>
-                <a:latin typeface="AdobeClean-LightIt"/>
-                <a:cs typeface="AdobeClean-LightIt"/>
-              </a:rPr>
-              <a:t> </a:t>
-            </a:r>
-            <a:r>
-              <a:rPr sz="1100" i="1" spc="-20">
-                <a:solidFill>
-                  <a:srgbClr val="777879"/>
-                </a:solidFill>
-                <a:latin typeface="AdobeClean-LightIt"/>
-                <a:cs typeface="AdobeClean-LightIt"/>
-              </a:rPr>
-              <a:t>Manager</a:t>
-            </a:r>
-            <a:r>
-              <a:rPr lang="en-US" sz="1100" i="1" spc="-20">
-                <a:solidFill>
-                  <a:srgbClr val="777879"/>
-                </a:solidFill>
-                <a:latin typeface="AdobeClean-LightIt"/>
-                <a:cs typeface="AdobeClean-LightIt"/>
-              </a:rPr>
-              <a:t> </a:t>
-            </a:r>
-            <a:r>
-              <a:rPr sz="1100" i="1" spc="-20">
-                <a:solidFill>
-                  <a:srgbClr val="777879"/>
-                </a:solidFill>
-                <a:latin typeface="AdobeClean-LightIt"/>
-                <a:cs typeface="AdobeClean-LightIt"/>
-              </a:rPr>
-              <a:t> </a:t>
-            </a:r>
-            <a:r>
-              <a:rPr sz="1100" i="1" spc="-15">
-                <a:solidFill>
-                  <a:srgbClr val="777879"/>
-                </a:solidFill>
-                <a:latin typeface="AdobeClean-LightIt"/>
-                <a:cs typeface="AdobeClean-LightIt"/>
-              </a:rPr>
-              <a:t>(NAM) </a:t>
-            </a:r>
-            <a:r>
-              <a:rPr sz="1100" i="1" spc="-10">
-                <a:solidFill>
-                  <a:srgbClr val="777879"/>
-                </a:solidFill>
-                <a:latin typeface="AdobeClean-LightIt"/>
-                <a:cs typeface="AdobeClean-LightIt"/>
-              </a:rPr>
-              <a:t>or </a:t>
-            </a:r>
-            <a:r>
-              <a:rPr sz="1100" i="1" spc="-15">
-                <a:solidFill>
-                  <a:srgbClr val="777879"/>
-                </a:solidFill>
-                <a:latin typeface="AdobeClean-LightIt"/>
-                <a:cs typeface="AdobeClean-LightIt"/>
-              </a:rPr>
-              <a:t>Customer</a:t>
-            </a:r>
-            <a:r>
-              <a:rPr lang="en-US" sz="1100" i="1" spc="-15">
-                <a:solidFill>
-                  <a:srgbClr val="777879"/>
-                </a:solidFill>
-                <a:latin typeface="AdobeClean-LightIt"/>
-                <a:cs typeface="AdobeClean-LightIt"/>
-              </a:rPr>
-              <a:t> </a:t>
-            </a:r>
-            <a:r>
-              <a:rPr lang="en-US" sz="1100" i="1" spc="-20">
-                <a:solidFill>
-                  <a:srgbClr val="777879"/>
-                </a:solidFill>
-                <a:latin typeface="AdobeClean-LightIt"/>
-                <a:cs typeface="AdobeClean-LightIt"/>
-              </a:rPr>
-              <a:t>Success </a:t>
-            </a:r>
-            <a:r>
-              <a:rPr lang="en-US" sz="1100" i="1" spc="-15">
-                <a:solidFill>
-                  <a:srgbClr val="777879"/>
-                </a:solidFill>
-                <a:latin typeface="AdobeClean-LightIt"/>
-                <a:cs typeface="AdobeClean-LightIt"/>
-              </a:rPr>
-              <a:t>Manager </a:t>
-            </a:r>
-            <a:r>
-              <a:rPr sz="1100" i="1" spc="-15">
-                <a:solidFill>
-                  <a:srgbClr val="777879"/>
-                </a:solidFill>
-                <a:latin typeface="AdobeClean-LightIt"/>
-                <a:cs typeface="AdobeClean-LightIt"/>
-              </a:rPr>
-              <a:t>(CSM)</a:t>
-            </a:r>
-            <a:endParaRPr sz="1100">
-              <a:latin typeface="AdobeClean-LightIt"/>
-              <a:cs typeface="AdobeClean-LightIt"/>
-            </a:endParaRPr>
           </a:p>
           <a:p>
             <a:pPr marL="34290">
@@ -10453,37 +9337,27 @@
               </a:spcBef>
             </a:pPr>
             <a:r>
-              <a:rPr sz="800" spc="-5">
+              <a:rPr lang="pt-BR" sz="800" dirty="0">
                 <a:solidFill>
                   <a:srgbClr val="6D6D6D"/>
                 </a:solidFill>
                 <a:latin typeface="Adobe Clean"/>
                 <a:cs typeface="Adobe Clean"/>
               </a:rPr>
-              <a:t>©202</a:t>
+              <a:t>©2021 Adobe. </a:t>
             </a:r>
             <a:r>
-              <a:rPr lang="en-US" sz="800" spc="-5">
+              <a:rPr lang="pt-BR" sz="800" dirty="0" err="1">
                 <a:solidFill>
                   <a:srgbClr val="6D6D6D"/>
                 </a:solidFill>
                 <a:latin typeface="Adobe Clean"/>
                 <a:cs typeface="Adobe Clean"/>
               </a:rPr>
-              <a:t>1</a:t>
+              <a:t>All</a:t>
             </a:r>
             <a:r>
-              <a:rPr sz="800" spc="-5">
-                <a:solidFill>
-                  <a:srgbClr val="6D6D6D"/>
-                </a:solidFill>
-                <a:latin typeface="Adobe Clean"/>
-                <a:cs typeface="Adobe Clean"/>
-              </a:rPr>
-              <a:t> Adobe. All Rights Reserved. Adobe</a:t>
-            </a:r>
-            <a:r>
-              <a:rPr sz="800" spc="75">
+              <a:rPr lang="pt-BR" sz="800" dirty="0">
                 <a:solidFill>
                   <a:srgbClr val="6D6D6D"/>
                 </a:solidFill>
@@ -10493,19 +9367,65 @@
               <a:t> </a:t>
             </a:r>
             <a:r>
-              <a:rPr sz="800" spc="-5">
+              <a:rPr lang="pt-BR" sz="800" dirty="0" err="1">
                 <a:solidFill>
                   <a:srgbClr val="6D6D6D"/>
                 </a:solidFill>
                 <a:latin typeface="Adobe Clean"/>
                 <a:cs typeface="Adobe Clean"/>
               </a:rPr>
-              <a:t>Confidential.</a:t>
+              <a:t>Rights</a:t>
             </a:r>
-            <a:endParaRPr sz="800">
-              <a:latin typeface="Adobe Clean"/>
-              <a:cs typeface="Adobe Clean"/>
-            </a:endParaRPr>
+            <a:r>
+              <a:rPr lang="pt-BR" sz="800" dirty="0">
+                <a:solidFill>
+                  <a:srgbClr val="6D6D6D"/>
+                </a:solidFill>
+                <a:latin typeface="Adobe Clean"/>
+                <a:cs typeface="Adobe Clean"/>
+              </a:rPr>
+              <a:t> </a:t>
+            </a:r>
+            <a:r>
+              <a:rPr lang="pt-BR" sz="800" dirty="0" err="1">
+                <a:solidFill>
+                  <a:srgbClr val="6D6D6D"/>
+                </a:solidFill>
+                <a:latin typeface="Adobe Clean"/>
+                <a:cs typeface="Adobe Clean"/>
+              </a:rPr>
+              <a:t>Reserved</a:t>
+            </a:r>
+            <a:r>
+              <a:rPr lang="pt-BR" sz="800" dirty="0">
+                <a:solidFill>
+                  <a:srgbClr val="6D6D6D"/>
+                </a:solidFill>
+                <a:latin typeface="Adobe Clean"/>
+                <a:cs typeface="Adobe Clean"/>
+              </a:rPr>
+              <a:t>. Adobe </a:t>
+            </a:r>
+            <a:r>
+              <a:rPr lang="pt-BR" sz="800" dirty="0" err="1">
+                <a:solidFill>
+                  <a:srgbClr val="6D6D6D"/>
+                </a:solidFill>
+                <a:latin typeface="Adobe Clean"/>
+                <a:cs typeface="Adobe Clean"/>
+              </a:rPr>
+              <a:t>Confidential</a:t>
+            </a:r>
+            <a:r>
+              <a:rPr lang="pt-BR" sz="800" dirty="0">
+                <a:solidFill>
+                  <a:srgbClr val="6D6D6D"/>
+                </a:solidFill>
+                <a:latin typeface="Adobe Clean"/>
+                <a:cs typeface="Adobe Clean"/>
+              </a:rPr>
+              <a:t>.</a:t>
+            </a:r>
           </a:p>
         </p:txBody>
       </p:sp>
@@ -10523,8 +9443,8 @@
         </p:nvSpPr>
         <p:spPr>
           <a:xfrm>
-            <a:off x="197233" y="5031270"/>
-            <a:ext cx="6476646" cy="755976"/>
+            <a:off x="197232" y="5031270"/>
+            <a:ext cx="6729347" cy="755976"/>
           </a:xfrm>
           <a:prstGeom prst="rect">
             <a:avLst/>
@@ -10542,19 +9462,15 @@
               </a:spcBef>
             </a:pPr>
             <a:r>
-              <a:rPr lang="en-US" sz="1400" b="1" spc="-15">
+              <a:rPr lang="pt-BR" sz="1400" b="1" dirty="0">
                 <a:solidFill>
                   <a:srgbClr val="020302"/>
                 </a:solidFill>
                 <a:latin typeface="Adobe Clean"/>
                 <a:cs typeface="Adobe Clean"/>
               </a:rPr>
-              <a:t>Regional scope of Adobe Support, Local Hours Of Operation And Language Support</a:t>
+              <a:t>Escopo regional do Suporte da Adobe, horário local de operação e suporte de idioma</a:t>
             </a:r>
-            <a:endParaRPr lang="en-US" sz="1400" spc="-15">
-              <a:ea typeface="+mn-lt"/>
-              <a:cs typeface="+mn-lt"/>
-            </a:endParaRPr>
           </a:p>
           <a:p>
             <a:pPr>
@@ -10563,15 +9479,14 @@
               </a:spcBef>
             </a:pPr>
             <a:r>
-              <a:rPr lang="en-US" sz="1000" spc="-15">
+              <a:rPr lang="pt-BR" sz="1000" dirty="0">
                 <a:solidFill>
                   <a:srgbClr val="1F1F1F"/>
                 </a:solidFill>
                 <a:latin typeface="AdobeClean-Light"/>
               </a:rPr>
-              <a:t>The Regional scope of Adobe Support is established by aligning the customer's billing address (via the Sales Order or other Adobe Support purchasing document) to one of the following regions:</a:t>
+              <a:t>O escopo regional do Suporte da Adobe é estabelecido alinhando o endereço de faturamento do cliente (conforme a ordem de venda ou outro documento de compra do Suporte da Adobe) a uma das regiões seguintes:</a:t>
             </a:r>
-            <a:endParaRPr lang="en-US"/>
           </a:p>
         </p:txBody>
       </p:sp>
@@ -10590,7 +9505,7 @@
           <p:nvPr>
             <p:extLst>
               <p:ext uri="{D42A27DB-BD31-4B8C-83A1-F6EECF244321}">
-                <p14:modId xmlns:p14="http://schemas.microsoft.com/office/powerpoint/2010/main" val="914484175"/>
+                <p14:modId xmlns:p14="http://schemas.microsoft.com/office/powerpoint/2010/main" val="943449294"/>
               </p:ext>
             </p:extLst>
           </p:nvPr>
@@ -10643,13 +9558,13 @@
                     <a:p>
                       <a:pPr algn="ctr"/>
                       <a:r>
-                        <a:rPr lang="en-US" sz="1100">
+                        <a:rPr lang="pt-BR" sz="1100">
                           <a:solidFill>
                             <a:schemeClr val="tx1"/>
                           </a:solidFill>
                           <a:latin typeface="Adobe Clean"/>
                         </a:rPr>
-                        <a:t>Americas</a:t>
+                        <a:t>Américas</a:t>
                       </a:r>
                     </a:p>
                   </a:txBody>
@@ -10708,13 +9623,30 @@
                     <a:p>
                       <a:pPr algn="ctr"/>
                       <a:r>
-                        <a:rPr lang="en-US" sz="1100">
+                        <a:rPr lang="pt-BR" sz="1100" dirty="0">
                           <a:solidFill>
                             <a:schemeClr val="tx1"/>
                           </a:solidFill>
                           <a:latin typeface="Adobe Clean"/>
                         </a:rPr>
-                        <a:t>Europe, Middle East &amp; Africa</a:t>
+                        <a:t>Europa, Oriente Médio </a:t>
+                      </a:r>
+                      <a:br>
+                        <a:rPr lang="pt-BR" sz="1100" dirty="0">
+                          <a:solidFill>
+                            <a:schemeClr val="tx1"/>
+                          </a:solidFill>
+                          <a:latin typeface="Adobe Clean"/>
+                        </a:rPr>
+                      </a:br>
+                      <a:r>
+                        <a:rPr lang="pt-BR" sz="1100" dirty="0">
+                          <a:solidFill>
+                            <a:schemeClr val="tx1"/>
+                          </a:solidFill>
+                          <a:latin typeface="Adobe Clean"/>
+                        </a:rPr>
+                        <a:t>e África</a:t>
                       </a:r>
                     </a:p>
                   </a:txBody>
@@ -10773,13 +9705,13 @@
                     <a:p>
                       <a:pPr algn="ctr"/>
                       <a:r>
-                        <a:rPr lang="en-US" sz="1100">
+                        <a:rPr lang="pt-BR" sz="1100">
                           <a:solidFill>
                             <a:schemeClr val="tx1"/>
                           </a:solidFill>
                           <a:latin typeface="Adobe Clean"/>
                         </a:rPr>
-                        <a:t>Asia Pacific</a:t>
+                        <a:t>Ásia–Pacífico</a:t>
                       </a:r>
                     </a:p>
                   </a:txBody>
@@ -10838,16 +9770,16 @@
                     <a:p>
                       <a:pPr algn="ctr"/>
                       <a:r>
-                        <a:rPr lang="en-US" sz="1100">
+                        <a:rPr lang="pt-BR" sz="1100">
                           <a:solidFill>
                             <a:schemeClr val="tx1"/>
                           </a:solidFill>
                           <a:latin typeface="Adobe Clean"/>
                         </a:rPr>
-                        <a:t>Japan </a:t>
+                        <a:t>Japão</a:t>
                       </a:r>
                       <a:r>
-                        <a:rPr lang="en-US" sz="1100" baseline="30000">
+                        <a:rPr lang="pt-BR" sz="1100" baseline="30000">
                           <a:solidFill>
                             <a:schemeClr val="tx1"/>
                           </a:solidFill>
@@ -10855,12 +9787,6 @@
                         </a:rPr>
                         <a:t>1 </a:t>
                       </a:r>
-                      <a:endParaRPr lang="en-US" sz="1100">
-                        <a:solidFill>
-                          <a:schemeClr val="tx1"/>
-                        </a:solidFill>
-                        <a:latin typeface="Adobe Clean" panose="020B0503020404020204" pitchFamily="34" charset="0"/>
-                      </a:endParaRPr>
                     </a:p>
                   </a:txBody>
                   <a:tcPr anchor="ctr">
@@ -10925,13 +9851,13 @@
                     <a:p>
                       <a:pPr algn="ctr"/>
                       <a:r>
-                        <a:rPr lang="en-US" sz="1100">
+                        <a:rPr lang="pt-BR" sz="1100">
                           <a:solidFill>
                             <a:schemeClr val="tx1"/>
                           </a:solidFill>
                           <a:latin typeface="Adobe Clean"/>
                         </a:rPr>
-                        <a:t>6 am – 5:30 pm</a:t>
+                        <a:t>6h – 17h30</a:t>
                       </a:r>
                     </a:p>
                   </a:txBody>
@@ -10990,13 +9916,13 @@
                     <a:p>
                       <a:pPr algn="ctr"/>
                       <a:r>
-                        <a:rPr lang="en-US" sz="1100">
+                        <a:rPr lang="pt-BR" sz="1100">
                           <a:solidFill>
                             <a:schemeClr val="tx1"/>
                           </a:solidFill>
                           <a:latin typeface="Adobe Clean"/>
                         </a:rPr>
-                        <a:t>9 am – 5 pm</a:t>
+                        <a:t>9h – 17h</a:t>
                       </a:r>
                     </a:p>
                   </a:txBody>
@@ -11055,13 +9981,13 @@
                     <a:p>
                       <a:pPr algn="ctr"/>
                       <a:r>
-                        <a:rPr lang="en-US" sz="1100">
+                        <a:rPr lang="pt-BR" sz="1100">
                           <a:solidFill>
                             <a:schemeClr val="tx1"/>
                           </a:solidFill>
                           <a:latin typeface="Adobe Clean"/>
                         </a:rPr>
-                        <a:t>9 am – 5 pm</a:t>
+                        <a:t>9h – 17h</a:t>
                       </a:r>
                     </a:p>
                   </a:txBody>
@@ -11120,13 +10046,13 @@
                     <a:p>
                       <a:pPr algn="ctr"/>
                       <a:r>
-                        <a:rPr lang="en-US" sz="1100">
+                        <a:rPr lang="pt-BR" sz="1100">
                           <a:solidFill>
                             <a:schemeClr val="tx1"/>
                           </a:solidFill>
                           <a:latin typeface="Adobe Clean"/>
                         </a:rPr>
-                        <a:t>9 am – 5:30 pm</a:t>
+                        <a:t>9h – 17h30</a:t>
                       </a:r>
                     </a:p>
                   </a:txBody>
@@ -11206,11 +10132,10 @@
                         <a:buNone/>
                       </a:pPr>
                       <a:r>
-                        <a:rPr lang="en-US" sz="1100" b="1" i="0" u="none" strike="noStrike" kern="0" cap="none" spc="0" normalizeH="0" baseline="30000" noProof="0" dirty="0">
+                        <a:rPr lang="pt-BR" sz="1100" b="1" i="0" u="none" strike="noStrike" cap="none" normalizeH="0" baseline="30000" noProof="0" dirty="0">
                           <a:ln>
                             <a:noFill/>
                           </a:ln>
-                          <a:effectLst/>
                           <a:uLnTx/>
                           <a:uFillTx/>
                           <a:latin typeface="Adobe Clean"/>
@@ -11220,17 +10145,16 @@
                         <a:t> </a:t>
                       </a:r>
                       <a:r>
-                        <a:rPr lang="en-US" sz="1100" dirty="0">
+                        <a:rPr lang="pt-BR" sz="1100" dirty="0">
                           <a:solidFill>
                             <a:schemeClr val="tx1"/>
                           </a:solidFill>
                           <a:latin typeface="Adobe Clean"/>
+                          <a:ea typeface="+mn-ea"/>
+                          <a:cs typeface="+mn-cs"/>
                         </a:rPr>
-                        <a:t>Language support is only available in English and Japanese.</a:t>
+                        <a:t>O suporte de idioma está disponível somente em inglês e japonês.</a:t>
                       </a:r>
-                      <a:endParaRPr lang="en-US" dirty="0">
-                        <a:latin typeface="Adobe Clean"/>
-                      </a:endParaRPr>
                     </a:p>
                     <a:p>
                       <a:pPr marL="0" marR="0" lvl="0" indent="0" algn="ctr">
@@ -11249,17 +10173,35 @@
                         <a:buNone/>
                       </a:pPr>
                       <a:r>
-                        <a:rPr lang="en-US" sz="1100" i="1" dirty="0">
+                        <a:rPr lang="pt-BR" sz="1100" i="1" dirty="0">
                           <a:solidFill>
                             <a:schemeClr val="tx1"/>
                           </a:solidFill>
                           <a:latin typeface="Adobe Clean"/>
                         </a:rPr>
-                        <a:t>*Adobe Commerce excludes Japanese languages support. </a:t>
+                        <a:t>*O Adobe </a:t>
+                      </a:r>
+                      <a:r>
+                        <a:rPr lang="pt-BR" sz="1100" i="1" dirty="0" err="1">
+                          <a:solidFill>
+                            <a:schemeClr val="tx1"/>
+                          </a:solidFill>
+                          <a:latin typeface="Adobe Clean"/>
+                        </a:rPr>
+                        <a:t>Commerce</a:t>
+                      </a:r>
+                      <a:r>
+                        <a:rPr lang="pt-BR" sz="1100" i="1" dirty="0">
+                          <a:solidFill>
+                            <a:schemeClr val="tx1"/>
+                          </a:solidFill>
+                          <a:latin typeface="Adobe Clean"/>
+                        </a:rPr>
+                        <a:t> exclui o suporte ao idioma japonês.</a:t>
                       </a:r>
                     </a:p>
                     <a:p>
-                      <a:pPr algn="ctr"/>
+                      <a:pPr algn="l" rtl="0"/>
                       <a:endParaRPr kumimoji="0" lang="en-US" sz="1100" b="1" i="0" u="none" strike="noStrike" kern="0" cap="none" spc="0" normalizeH="0" baseline="30000" noProof="0" dirty="0">
                         <a:ln>
                           <a:noFill/>
@@ -11278,7 +10220,7 @@
                     <a:p>
                       <a:pPr algn="ctr"/>
                       <a:r>
-                        <a:rPr lang="en-US" sz="1100" i="0" dirty="0">
+                        <a:rPr lang="pt-BR" sz="1100" i="0" dirty="0">
                           <a:solidFill>
                             <a:schemeClr val="tx1"/>
                           </a:solidFill>
@@ -11287,29 +10229,23 @@
                         <a:t> </a:t>
                       </a:r>
                       <a:r>
-                        <a:rPr lang="en-US" sz="1100" i="0" baseline="30000" dirty="0">
+                        <a:rPr lang="pt-BR" sz="1100" i="0" baseline="30000" dirty="0">
                           <a:solidFill>
                             <a:schemeClr val="tx1"/>
                           </a:solidFill>
                           <a:latin typeface="Adobe Clean"/>
                         </a:rPr>
-                        <a:t>1 </a:t>
+                        <a:t>1</a:t>
                       </a:r>
                       <a:r>
-                        <a:rPr lang="en-US" sz="1100" i="0" dirty="0">
+                        <a:rPr lang="pt-BR" sz="1100" i="0" dirty="0">
                           <a:solidFill>
                             <a:schemeClr val="tx1"/>
                           </a:solidFill>
                           <a:latin typeface="Adobe Clean"/>
                         </a:rPr>
-                        <a:t>P2, P3, P4 cases are limited to business hours only in Japan.</a:t>
+                        <a:t>Os casos de prioridade P2, P3 e P4 estão limitados ao horário comercial somente no Japão.</a:t>
                       </a:r>
-                      <a:endParaRPr lang="en-US" sz="1100" b="1" i="0" dirty="0">
-                        <a:solidFill>
-                          <a:schemeClr val="tx1"/>
-                        </a:solidFill>
-                        <a:latin typeface="Adobe Clean"/>
-                      </a:endParaRPr>
                     </a:p>
                   </a:txBody>
                   <a:tcPr anchor="ctr">
@@ -11664,7 +10600,7 @@
           </a:bodyPr>
           <a:lstStyle/>
           <a:p>
-            <a:pPr marL="139065" marR="5080" indent="-139065">
+            <a:pPr marR="5080" algn="ctr">
               <a:lnSpc>
                 <a:spcPts val="1390"/>
               </a:lnSpc>
@@ -11673,129 +10609,15 @@
               </a:spcBef>
             </a:pPr>
             <a:r>
-              <a:rPr sz="1200" b="1" spc="-15">
+              <a:rPr lang="pt-BR" sz="1200" b="1" dirty="0">
                 <a:solidFill>
                   <a:srgbClr val="FFFFFF"/>
                 </a:solidFill>
                 <a:latin typeface="Adobe Clean"/>
                 <a:cs typeface="Adobe Clean"/>
               </a:rPr>
-              <a:t>U</a:t>
+              <a:t>Experiência sem igual</a:t>
             </a:r>
-            <a:r>
-              <a:rPr sz="1200" b="1" spc="-20">
-                <a:solidFill>
-                  <a:srgbClr val="FFFFFF"/>
-                </a:solidFill>
-                <a:latin typeface="Adobe Clean"/>
-                <a:cs typeface="Adobe Clean"/>
-              </a:rPr>
-              <a:t>n</a:t>
-            </a:r>
-            <a:r>
-              <a:rPr sz="1200" b="1" spc="-25">
-                <a:solidFill>
-                  <a:srgbClr val="FFFFFF"/>
-                </a:solidFill>
-                <a:latin typeface="Adobe Clean"/>
-                <a:cs typeface="Adobe Clean"/>
-              </a:rPr>
-              <a:t>p</a:t>
-            </a:r>
-            <a:r>
-              <a:rPr sz="1200" b="1" spc="-15">
-                <a:solidFill>
-                  <a:srgbClr val="FFFFFF"/>
-                </a:solidFill>
-                <a:latin typeface="Adobe Clean"/>
-                <a:cs typeface="Adobe Clean"/>
-              </a:rPr>
-              <a:t>a</a:t>
-            </a:r>
-            <a:r>
-              <a:rPr sz="1200" b="1" spc="-25">
-                <a:solidFill>
-                  <a:srgbClr val="FFFFFF"/>
-                </a:solidFill>
-                <a:latin typeface="Adobe Clean"/>
-                <a:cs typeface="Adobe Clean"/>
-              </a:rPr>
-              <a:t>r</a:t>
-            </a:r>
-            <a:r>
-              <a:rPr sz="1200" b="1" spc="-15">
-                <a:solidFill>
-                  <a:srgbClr val="FFFFFF"/>
-                </a:solidFill>
-                <a:latin typeface="Adobe Clean"/>
-                <a:cs typeface="Adobe Clean"/>
-              </a:rPr>
-              <a:t>a</a:t>
-            </a:r>
-            <a:r>
-              <a:rPr sz="1200" b="1" spc="-30">
-                <a:solidFill>
-                  <a:srgbClr val="FFFFFF"/>
-                </a:solidFill>
-                <a:latin typeface="Adobe Clean"/>
-                <a:cs typeface="Adobe Clean"/>
-              </a:rPr>
-              <a:t>ll</a:t>
-            </a:r>
-            <a:r>
-              <a:rPr sz="1200" b="1" spc="-25">
-                <a:solidFill>
-                  <a:srgbClr val="FFFFFF"/>
-                </a:solidFill>
-                <a:latin typeface="Adobe Clean"/>
-                <a:cs typeface="Adobe Clean"/>
-              </a:rPr>
-              <a:t>e</a:t>
-            </a:r>
-            <a:r>
-              <a:rPr sz="1200" b="1" spc="-30">
-                <a:solidFill>
-                  <a:srgbClr val="FFFFFF"/>
-                </a:solidFill>
-                <a:latin typeface="Adobe Clean"/>
-                <a:cs typeface="Adobe Clean"/>
-              </a:rPr>
-              <a:t>l</a:t>
-            </a:r>
-            <a:r>
-              <a:rPr sz="1200" b="1" spc="-25">
-                <a:solidFill>
-                  <a:srgbClr val="FFFFFF"/>
-                </a:solidFill>
-                <a:latin typeface="Adobe Clean"/>
-                <a:cs typeface="Adobe Clean"/>
-              </a:rPr>
-              <a:t>e</a:t>
-            </a:r>
-            <a:r>
-              <a:rPr sz="1200" b="1">
-                <a:solidFill>
-                  <a:srgbClr val="FFFFFF"/>
-                </a:solidFill>
-                <a:latin typeface="Adobe Clean"/>
-                <a:cs typeface="Adobe Clean"/>
-              </a:rPr>
-              <a:t>d  </a:t>
-            </a:r>
-            <a:r>
-              <a:rPr sz="1200" b="1" spc="-25">
-                <a:solidFill>
-                  <a:srgbClr val="FFFFFF"/>
-                </a:solidFill>
-                <a:latin typeface="Adobe Clean"/>
-                <a:cs typeface="Adobe Clean"/>
-              </a:rPr>
-              <a:t>Expertise</a:t>
-            </a:r>
-            <a:endParaRPr sz="1200">
-              <a:latin typeface="Adobe Clean"/>
-              <a:cs typeface="Adobe Clean"/>
-            </a:endParaRPr>
           </a:p>
         </p:txBody>
       </p:sp>
@@ -11826,7 +10648,7 @@
           </a:bodyPr>
           <a:lstStyle/>
           <a:p>
-            <a:pPr marL="139065" marR="5080" indent="-139065">
+            <a:pPr marR="5080" algn="ctr">
               <a:lnSpc>
                 <a:spcPts val="1390"/>
               </a:lnSpc>
@@ -11835,19 +10657,15 @@
               </a:spcBef>
             </a:pPr>
             <a:r>
-              <a:rPr lang="en-US" sz="1200" b="1" spc="-15">
+              <a:rPr lang="pt-BR" sz="1200" b="1" dirty="0">
                 <a:solidFill>
                   <a:srgbClr val="FFFFFF"/>
                 </a:solidFill>
                 <a:latin typeface="Adobe Clean"/>
                 <a:cs typeface="Adobe Clean"/>
               </a:rPr>
-              <a:t>Accelerated Support</a:t>
+              <a:t>Suporte acelerado</a:t>
             </a:r>
-            <a:endParaRPr sz="1200">
-              <a:latin typeface="Adobe Clean"/>
-              <a:cs typeface="Adobe Clean"/>
-            </a:endParaRPr>
           </a:p>
         </p:txBody>
       </p:sp>
@@ -11865,8 +10683,8 @@
         </p:nvSpPr>
         <p:spPr>
           <a:xfrm>
-            <a:off x="6624119" y="8543943"/>
-            <a:ext cx="510540" cy="385445"/>
+            <a:off x="6428639" y="8522638"/>
+            <a:ext cx="901499" cy="382797"/>
           </a:xfrm>
           <a:prstGeom prst="rect">
             <a:avLst/>
@@ -11878,7 +10696,7 @@
           </a:bodyPr>
           <a:lstStyle/>
           <a:p>
-            <a:pPr marL="50800" marR="5080" indent="-51435">
+            <a:pPr marR="5080" algn="ctr">
               <a:lnSpc>
                 <a:spcPts val="1390"/>
               </a:lnSpc>
@@ -11887,109 +10705,15 @@
               </a:spcBef>
             </a:pPr>
             <a:r>
-              <a:rPr sz="1200" b="1" spc="-50">
+              <a:rPr lang="pt-BR" sz="1200" b="1" dirty="0">
                 <a:solidFill>
                   <a:srgbClr val="FFFFFF"/>
                 </a:solidFill>
                 <a:latin typeface="Adobe Clean"/>
                 <a:cs typeface="Adobe Clean"/>
               </a:rPr>
-              <a:t>S</a:t>
+              <a:t>Consultoria estratégica</a:t>
             </a:r>
-            <a:r>
-              <a:rPr sz="1200" b="1" spc="-20">
-                <a:solidFill>
-                  <a:srgbClr val="FFFFFF"/>
-                </a:solidFill>
-                <a:latin typeface="Adobe Clean"/>
-                <a:cs typeface="Adobe Clean"/>
-              </a:rPr>
-              <a:t>t</a:t>
-            </a:r>
-            <a:r>
-              <a:rPr sz="1200" b="1" spc="-75">
-                <a:solidFill>
-                  <a:srgbClr val="FFFFFF"/>
-                </a:solidFill>
-                <a:latin typeface="Adobe Clean"/>
-                <a:cs typeface="Adobe Clean"/>
-              </a:rPr>
-              <a:t>r</a:t>
-            </a:r>
-            <a:r>
-              <a:rPr sz="1200" b="1" spc="-90">
-                <a:solidFill>
-                  <a:srgbClr val="FFFFFF"/>
-                </a:solidFill>
-                <a:latin typeface="Adobe Clean"/>
-                <a:cs typeface="Adobe Clean"/>
-              </a:rPr>
-              <a:t>a</a:t>
-            </a:r>
-            <a:r>
-              <a:rPr sz="1200" b="1" spc="-55">
-                <a:solidFill>
-                  <a:srgbClr val="FFFFFF"/>
-                </a:solidFill>
-                <a:latin typeface="Adobe Clean"/>
-                <a:cs typeface="Adobe Clean"/>
-              </a:rPr>
-              <a:t>t</a:t>
-            </a:r>
-            <a:r>
-              <a:rPr sz="1200" b="1" spc="-100">
-                <a:solidFill>
-                  <a:srgbClr val="FFFFFF"/>
-                </a:solidFill>
-                <a:latin typeface="Adobe Clean"/>
-                <a:cs typeface="Adobe Clean"/>
-              </a:rPr>
-              <a:t>e</a:t>
-            </a:r>
-            <a:r>
-              <a:rPr sz="1200" b="1" spc="-80">
-                <a:solidFill>
-                  <a:srgbClr val="FFFFFF"/>
-                </a:solidFill>
-                <a:latin typeface="Adobe Clean"/>
-                <a:cs typeface="Adobe Clean"/>
-              </a:rPr>
-              <a:t>g</a:t>
-            </a:r>
-            <a:r>
-              <a:rPr sz="1200" b="1" spc="-35">
-                <a:solidFill>
-                  <a:srgbClr val="FFFFFF"/>
-                </a:solidFill>
-                <a:latin typeface="Adobe Clean"/>
-                <a:cs typeface="Adobe Clean"/>
-              </a:rPr>
-              <a:t>i</a:t>
-            </a:r>
-            <a:r>
-              <a:rPr sz="1200" b="1">
-                <a:solidFill>
-                  <a:srgbClr val="FFFFFF"/>
-                </a:solidFill>
-                <a:latin typeface="Adobe Clean"/>
-                <a:cs typeface="Adobe Clean"/>
-              </a:rPr>
-              <a:t>c  </a:t>
-            </a:r>
-            <a:r>
-              <a:rPr sz="1200" b="1" spc="-45">
-                <a:solidFill>
-                  <a:srgbClr val="FFFFFF"/>
-                </a:solidFill>
-                <a:latin typeface="Adobe Clean"/>
-                <a:cs typeface="Adobe Clean"/>
-              </a:rPr>
-              <a:t>Advice</a:t>
-            </a:r>
-            <a:endParaRPr sz="1200">
-              <a:latin typeface="Adobe Clean"/>
-              <a:cs typeface="Adobe Clean"/>
-            </a:endParaRPr>
           </a:p>
         </p:txBody>
       </p:sp>
@@ -12008,14 +10732,14 @@
           <p:nvPr>
             <p:extLst>
               <p:ext uri="{D42A27DB-BD31-4B8C-83A1-F6EECF244321}">
-                <p14:modId xmlns:p14="http://schemas.microsoft.com/office/powerpoint/2010/main" val="3773282750"/>
+                <p14:modId xmlns:p14="http://schemas.microsoft.com/office/powerpoint/2010/main" val="577931603"/>
               </p:ext>
             </p:extLst>
           </p:nvPr>
         </p:nvGraphicFramePr>
         <p:xfrm>
           <a:off x="194236" y="1059345"/>
-          <a:ext cx="7368291" cy="3302000"/>
+          <a:ext cx="7368291" cy="3606800"/>
         </p:xfrm>
         <a:graphic>
           <a:graphicData uri="http://schemas.openxmlformats.org/drawingml/2006/table">
@@ -12024,14 +10748,14 @@
                 <a:tableStyleId>{5C22544A-7EE6-4342-B048-85BDC9FD1C3A}</a:tableStyleId>
               </a:tblPr>
               <a:tblGrid>
-                <a:gridCol w="3691964">
+                <a:gridCol w="3562424">
                   <a:extLst>
                     <a:ext uri="{9D8B030D-6E8A-4147-A177-3AD203B41FA5}">
                       <a16:colId xmlns:a16="http://schemas.microsoft.com/office/drawing/2014/main" val="2364693614"/>
                     </a:ext>
                   </a:extLst>
                 </a:gridCol>
-                <a:gridCol w="3676327">
+                <a:gridCol w="3805867">
                   <a:extLst>
                     <a:ext uri="{9D8B030D-6E8A-4147-A177-3AD203B41FA5}">
                       <a16:colId xmlns:a16="http://schemas.microsoft.com/office/drawing/2014/main" val="1545335406"/>
@@ -12046,7 +10770,7 @@
                     <a:lstStyle/>
                     <a:p>
                       <a:r>
-                        <a:rPr lang="en-US" sz="1100" b="0">
+                        <a:rPr lang="pt-BR" sz="1100" b="0">
                           <a:solidFill>
                             <a:schemeClr val="tx1"/>
                           </a:solidFill>
@@ -12057,14 +10781,6 @@
                         </a:rPr>
                         <a:t>Experience League</a:t>
                       </a:r>
-                      <a:endParaRPr lang="en-US" sz="1100" b="0">
-                        <a:solidFill>
-                          <a:schemeClr val="tx1"/>
-                        </a:solidFill>
-                        <a:latin typeface="Adobe Clean"/>
-                        <a:ea typeface="+mn-ea"/>
-                        <a:cs typeface="+mn-cs"/>
-                      </a:endParaRPr>
                     </a:p>
                   </a:txBody>
                   <a:tcPr marL="47625" marR="47625" marT="0" marB="0" anchor="ctr">
@@ -12136,7 +10852,7 @@
                         <a:buNone/>
                       </a:pPr>
                       <a:r>
-                        <a:rPr lang="en-US" sz="1000" b="0" kern="1200">
+                        <a:rPr lang="pt-BR" sz="1000" b="0" dirty="0">
                           <a:solidFill>
                             <a:srgbClr val="000000"/>
                           </a:solidFill>
@@ -12144,16 +10860,71 @@
                           <a:ea typeface="+mn-ea"/>
                           <a:cs typeface="+mn-cs"/>
                         </a:rPr>
-                        <a:t>Experience League is how Adobe helps businesses achieve the value they expect from their Adobe investment. It’s the unified place where customers can learn, connect, and grow along a personalized path to success that includes self-help tutorials, product documentation, instructor-led training, community and technical support. </a:t>
+                        <a:t>A Experience League foi criada para ajudar as empresas a alcançar </a:t>
                       </a:r>
-                      <a:endParaRPr lang="en-US" sz="1000" b="0" kern="1200">
-                        <a:solidFill>
-                          <a:srgbClr val="000000"/>
-                        </a:solidFill>
-                        <a:latin typeface="Adobe Clean Light" panose="020B0303020404020204" pitchFamily="34" charset="0"/>
-                        <a:ea typeface="+mn-ea"/>
-                        <a:cs typeface="+mn-cs"/>
-                      </a:endParaRPr>
+                      <a:br>
+                        <a:rPr lang="pt-BR" sz="1000" b="0" dirty="0">
+                          <a:solidFill>
+                            <a:srgbClr val="000000"/>
+                          </a:solidFill>
+                          <a:latin typeface="Adobe Clean Light"/>
+                          <a:ea typeface="+mn-ea"/>
+                          <a:cs typeface="+mn-cs"/>
+                        </a:rPr>
+                      </a:br>
+                      <a:r>
+                        <a:rPr lang="pt-BR" sz="1000" b="0" dirty="0">
+                          <a:solidFill>
+                            <a:srgbClr val="000000"/>
+                          </a:solidFill>
+                          <a:latin typeface="Adobe Clean Light"/>
+                          <a:ea typeface="+mn-ea"/>
+                          <a:cs typeface="+mn-cs"/>
+                        </a:rPr>
+                        <a:t>o valor que esperam do seu investimento em produtos da Adobe. </a:t>
+                      </a:r>
+                      <a:br>
+                        <a:rPr lang="pt-BR" sz="1000" b="0" dirty="0">
+                          <a:solidFill>
+                            <a:srgbClr val="000000"/>
+                          </a:solidFill>
+                          <a:latin typeface="Adobe Clean Light"/>
+                          <a:ea typeface="+mn-ea"/>
+                          <a:cs typeface="+mn-cs"/>
+                        </a:rPr>
+                      </a:br>
+                      <a:r>
+                        <a:rPr lang="pt-BR" sz="1000" b="0" dirty="0">
+                          <a:solidFill>
+                            <a:srgbClr val="000000"/>
+                          </a:solidFill>
+                          <a:latin typeface="Adobe Clean Light"/>
+                          <a:ea typeface="+mn-ea"/>
+                          <a:cs typeface="+mn-cs"/>
+                        </a:rPr>
+                        <a:t>É o local unificado onde os clientes podem aprender, interagir e crescer ao longo de um caminho personalizado de sucesso que inclui tutoriais </a:t>
+                      </a:r>
+                      <a:br>
+                        <a:rPr lang="pt-BR" sz="1000" b="0" dirty="0">
+                          <a:solidFill>
+                            <a:srgbClr val="000000"/>
+                          </a:solidFill>
+                          <a:latin typeface="Adobe Clean Light"/>
+                          <a:ea typeface="+mn-ea"/>
+                          <a:cs typeface="+mn-cs"/>
+                        </a:rPr>
+                      </a:br>
+                      <a:r>
+                        <a:rPr lang="pt-BR" sz="1000" b="0" dirty="0">
+                          <a:solidFill>
+                            <a:srgbClr val="000000"/>
+                          </a:solidFill>
+                          <a:latin typeface="Adobe Clean Light"/>
+                          <a:ea typeface="+mn-ea"/>
+                          <a:cs typeface="+mn-cs"/>
+                        </a:rPr>
+                        <a:t>de autoatendimento, documentação dos produtos, treinamento com instrutores e suporte técnico e da comunidade. </a:t>
+                      </a:r>
                     </a:p>
                   </a:txBody>
                   <a:tcPr anchor="ctr">
@@ -12234,39 +11005,28 @@
                         <a:defRPr/>
                       </a:pPr>
                       <a:r>
-                        <a:rPr lang="en-US" sz="1100">
+                        <a:rPr lang="pt-BR" sz="1100">
                           <a:solidFill>
                             <a:schemeClr val="dk1"/>
                           </a:solidFill>
-                          <a:effectLst/>
                           <a:latin typeface="Adobe Clean"/>
                           <a:ea typeface="+mn-ea"/>
                           <a:cs typeface="+mn-cs"/>
                           <a:hlinkClick r:id="rId8"/>
                         </a:rPr>
-                        <a:t>Training</a:t>
+                        <a:t>Treinamento</a:t>
                       </a:r>
                       <a:r>
-                        <a:rPr lang="en-US" sz="1100">
+                        <a:rPr lang="pt-BR" sz="1100">
                           <a:solidFill>
                             <a:schemeClr val="dk1"/>
                           </a:solidFill>
-                          <a:effectLst/>
                           <a:latin typeface="Adobe Clean"/>
                           <a:ea typeface="+mn-ea"/>
                           <a:cs typeface="+mn-cs"/>
                         </a:rPr>
                         <a:t> </a:t>
                       </a:r>
-                      <a:endParaRPr lang="en-US" sz="1100">
-                        <a:solidFill>
-                          <a:schemeClr val="tx1"/>
-                        </a:solidFill>
-                        <a:effectLst/>
-                        <a:latin typeface="Adobe Clean"/>
-                        <a:ea typeface="+mn-ea"/>
-                        <a:cs typeface="+mn-cs"/>
-                      </a:endParaRPr>
                     </a:p>
                   </a:txBody>
                   <a:tcPr anchor="ctr">
@@ -12340,7 +11100,7 @@
                         <a:defRPr/>
                       </a:pPr>
                       <a:r>
-                        <a:rPr lang="en-US" sz="1000" kern="1200">
+                        <a:rPr lang="pt-BR" sz="1000" dirty="0">
                           <a:solidFill>
                             <a:srgbClr val="000000"/>
                           </a:solidFill>
@@ -12348,7 +11108,70 @@
                           <a:ea typeface="+mn-ea"/>
                           <a:cs typeface="+mn-cs"/>
                         </a:rPr>
-                        <a:t>Adobe Digital Learning Services courses are accessible from Experience League. Learning courses integrate both on-demand and instructor-led lessons.  Here you can accrue skills that have recognized market value and position them to drive success in your organizations.</a:t>
+                        <a:t>O acesso aos cursos do Adobe Digital Learning Services está disponível </a:t>
+                      </a:r>
+                      <a:br>
+                        <a:rPr lang="pt-BR" sz="1000" dirty="0">
+                          <a:solidFill>
+                            <a:srgbClr val="000000"/>
+                          </a:solidFill>
+                          <a:latin typeface="Adobe Clean Light"/>
+                          <a:ea typeface="+mn-ea"/>
+                          <a:cs typeface="+mn-cs"/>
+                        </a:rPr>
+                      </a:br>
+                      <a:r>
+                        <a:rPr lang="pt-BR" sz="1000" dirty="0">
+                          <a:solidFill>
+                            <a:srgbClr val="000000"/>
+                          </a:solidFill>
+                          <a:latin typeface="Adobe Clean Light"/>
+                          <a:ea typeface="+mn-ea"/>
+                          <a:cs typeface="+mn-cs"/>
+                        </a:rPr>
+                        <a:t>na Experience League. Os cursos de aprendizagem incluem lições sob demanda e com instrutores.  É um lugar para adquirir habilidades </a:t>
+                      </a:r>
+                      <a:br>
+                        <a:rPr lang="pt-BR" sz="1000" dirty="0">
+                          <a:solidFill>
+                            <a:srgbClr val="000000"/>
+                          </a:solidFill>
+                          <a:latin typeface="Adobe Clean Light"/>
+                          <a:ea typeface="+mn-ea"/>
+                          <a:cs typeface="+mn-cs"/>
+                        </a:rPr>
+                      </a:br>
+                      <a:r>
+                        <a:rPr lang="pt-BR" sz="1000" dirty="0">
+                          <a:solidFill>
+                            <a:srgbClr val="000000"/>
+                          </a:solidFill>
+                          <a:latin typeface="Adobe Clean Light"/>
+                          <a:ea typeface="+mn-ea"/>
+                          <a:cs typeface="+mn-cs"/>
+                        </a:rPr>
+                        <a:t>com reconhecido valor de mercado que você pode pôr em prática </a:t>
+                      </a:r>
+                      <a:br>
+                        <a:rPr lang="pt-BR" sz="1000" dirty="0">
+                          <a:solidFill>
+                            <a:srgbClr val="000000"/>
+                          </a:solidFill>
+                          <a:latin typeface="Adobe Clean Light"/>
+                          <a:ea typeface="+mn-ea"/>
+                          <a:cs typeface="+mn-cs"/>
+                        </a:rPr>
+                      </a:br>
+                      <a:r>
+                        <a:rPr lang="pt-BR" sz="1000" dirty="0">
+                          <a:solidFill>
+                            <a:srgbClr val="000000"/>
+                          </a:solidFill>
+                          <a:latin typeface="Adobe Clean Light"/>
+                          <a:ea typeface="+mn-ea"/>
+                          <a:cs typeface="+mn-cs"/>
+                        </a:rPr>
+                        <a:t>para impulsionar o sucesso na sua organização.</a:t>
                       </a:r>
                     </a:p>
                   </a:txBody>
@@ -12430,27 +11253,17 @@
                         <a:defRPr/>
                       </a:pPr>
                       <a:r>
-                        <a:rPr lang="en-US" sz="1100">
+                        <a:rPr lang="pt-BR" sz="1100">
                           <a:solidFill>
                             <a:schemeClr val="tx1"/>
                           </a:solidFill>
-                          <a:effectLst/>
                           <a:latin typeface="Adobe Clean"/>
                           <a:ea typeface="+mn-ea"/>
                           <a:cs typeface="+mn-cs"/>
                           <a:hlinkClick r:id="rId9"/>
                         </a:rPr>
-                        <a:t>Production Issues &amp; System Outages</a:t>
+                        <a:t>Problemas de produção e paralisações do sistema</a:t>
                       </a:r>
-                      <a:endParaRPr lang="en-US" sz="1100">
-                        <a:solidFill>
-                          <a:schemeClr val="tx1"/>
-                        </a:solidFill>
-                        <a:effectLst/>
-                        <a:latin typeface="Adobe Clean"/>
-                        <a:ea typeface="+mn-ea"/>
-                        <a:cs typeface="+mn-cs"/>
-                      </a:endParaRPr>
                     </a:p>
                   </a:txBody>
                   <a:tcPr anchor="ctr">
@@ -12522,7 +11335,7 @@
                         <a:buNone/>
                       </a:pPr>
                       <a:r>
-                        <a:rPr lang="en-US" sz="1000" kern="1200">
+                        <a:rPr lang="pt-BR" sz="1000" dirty="0">
                           <a:solidFill>
                             <a:srgbClr val="000000"/>
                           </a:solidFill>
@@ -12530,16 +11343,51 @@
                           <a:ea typeface="+mn-ea"/>
                           <a:cs typeface="+mn-cs"/>
                         </a:rPr>
-                        <a:t>Status.adobe.com conveys the health information of all Adobe products and services that are deployed in multi-tenant environments. Customers can choose their subscription preferences to get email notifications whenever Adobe creates, updates or resolves a product event. This can include scheduled maintenance or service issues of varying levels of severity. </a:t>
+                        <a:t>O Status.adobe.com transmite as informações de integridade de todos </a:t>
                       </a:r>
-                      <a:endParaRPr lang="en-US" sz="1000" kern="1200">
-                        <a:solidFill>
-                          <a:srgbClr val="000000"/>
-                        </a:solidFill>
-                        <a:latin typeface="Adobe Clean Light" panose="020B0303020404020204" pitchFamily="34" charset="0"/>
-                        <a:ea typeface="+mn-ea"/>
-                        <a:cs typeface="+mn-cs"/>
-                      </a:endParaRPr>
+                      <a:br>
+                        <a:rPr lang="pt-BR" sz="1000" dirty="0">
+                          <a:solidFill>
+                            <a:srgbClr val="000000"/>
+                          </a:solidFill>
+                          <a:latin typeface="Adobe Clean Light"/>
+                          <a:ea typeface="+mn-ea"/>
+                          <a:cs typeface="+mn-cs"/>
+                        </a:rPr>
+                      </a:br>
+                      <a:r>
+                        <a:rPr lang="pt-BR" sz="1000" dirty="0">
+                          <a:solidFill>
+                            <a:srgbClr val="000000"/>
+                          </a:solidFill>
+                          <a:latin typeface="Adobe Clean Light"/>
+                          <a:ea typeface="+mn-ea"/>
+                          <a:cs typeface="+mn-cs"/>
+                        </a:rPr>
+                        <a:t>os produtos e serviços da Adobe implantados em ambientes de vários locatários. Os clientes podem escolher suas preferências de subscrição para receber notificações por </a:t>
+                      </a:r>
+                      <a:r>
+                        <a:rPr lang="pt-BR" sz="1000" dirty="0" err="1">
+                          <a:solidFill>
+                            <a:srgbClr val="000000"/>
+                          </a:solidFill>
+                          <a:latin typeface="Adobe Clean Light"/>
+                          <a:ea typeface="+mn-ea"/>
+                          <a:cs typeface="+mn-cs"/>
+                        </a:rPr>
+                        <a:t>email</a:t>
+                      </a:r>
+                      <a:r>
+                        <a:rPr lang="pt-BR" sz="1000" dirty="0">
+                          <a:solidFill>
+                            <a:srgbClr val="000000"/>
+                          </a:solidFill>
+                          <a:latin typeface="Adobe Clean Light"/>
+                          <a:ea typeface="+mn-ea"/>
+                          <a:cs typeface="+mn-cs"/>
+                        </a:rPr>
+                        <a:t> sempre que a Adobe criar, atualizar ou resolver um evento de produto. Isso pode incluir manutenção programada ou problemas de serviço com diferentes níveis de gravidade. </a:t>
+                      </a:r>
                     </a:p>
                   </a:txBody>
                   <a:tcPr anchor="ctr">
@@ -12620,27 +11468,17 @@
                         <a:defRPr/>
                       </a:pPr>
                       <a:r>
-                        <a:rPr lang="en-US" sz="1100" b="0" i="0">
+                        <a:rPr lang="pt-BR" sz="1100" b="0" i="0">
                           <a:solidFill>
                             <a:schemeClr val="dk1"/>
                           </a:solidFill>
-                          <a:effectLst/>
                           <a:latin typeface="Adobe Clean"/>
                           <a:ea typeface="+mn-ea"/>
                           <a:cs typeface="+mn-cs"/>
-                          <a:hlinkClick r:id="rId10" tooltip="https://helpx.adobe.com/support/programs/enterprise-support-programs/premier-support-business.html"/>
+                          <a:hlinkClick r:id="rId10" tooltip="https://helpx.adobe.com/br/support/programs/enterprise-support-programs/premier-support-business.html"/>
                         </a:rPr>
-                        <a:t>Business Support Website</a:t>
+                        <a:t>Site do Suporte Business</a:t>
                       </a:r>
-                      <a:endParaRPr lang="en-US" sz="1100" b="0" i="0">
-                        <a:solidFill>
-                          <a:schemeClr val="dk1"/>
-                        </a:solidFill>
-                        <a:effectLst/>
-                        <a:latin typeface="Adobe Clean"/>
-                        <a:ea typeface="+mn-ea"/>
-                        <a:cs typeface="+mn-cs"/>
-                      </a:endParaRPr>
                     </a:p>
                   </a:txBody>
                   <a:tcPr anchor="ctr">
@@ -12697,7 +11535,7 @@
                     <a:lstStyle/>
                     <a:p>
                       <a:r>
-                        <a:rPr lang="en-US" sz="1000" kern="1200">
+                        <a:rPr lang="pt-BR" sz="1000">
                           <a:solidFill>
                             <a:srgbClr val="000000"/>
                           </a:solidFill>
@@ -12705,16 +11543,8 @@
                           <a:ea typeface="+mn-ea"/>
                           <a:cs typeface="+mn-cs"/>
                         </a:rPr>
-                        <a:t>Adobe Business Support website.</a:t>
+                        <a:t>Site do Suporte Business da Adobe.</a:t>
                       </a:r>
-                      <a:endParaRPr lang="en-US" sz="1000" kern="1200">
-                        <a:solidFill>
-                          <a:srgbClr val="000000"/>
-                        </a:solidFill>
-                        <a:latin typeface="Adobe Clean Light" panose="020B0303020404020204" pitchFamily="34" charset="0"/>
-                        <a:ea typeface="+mn-ea"/>
-                        <a:cs typeface="+mn-cs"/>
-                      </a:endParaRPr>
                     </a:p>
                   </a:txBody>
                   <a:tcPr anchor="ctr">
@@ -12795,27 +11625,17 @@
                         <a:defRPr/>
                       </a:pPr>
                       <a:r>
-                        <a:rPr lang="en-US" sz="1100">
+                        <a:rPr lang="pt-BR" sz="1100">
                           <a:solidFill>
                             <a:schemeClr val="tx1"/>
                           </a:solidFill>
-                          <a:effectLst/>
                           <a:latin typeface="Adobe Clean"/>
                           <a:ea typeface="+mn-ea"/>
                           <a:cs typeface="+mn-cs"/>
                           <a:hlinkClick r:id="rId11"/>
                         </a:rPr>
-                        <a:t>Terms and Conditions</a:t>
+                        <a:t>Termos e condições</a:t>
                       </a:r>
-                      <a:endParaRPr lang="en-US" sz="1100">
-                        <a:solidFill>
-                          <a:schemeClr val="tx1"/>
-                        </a:solidFill>
-                        <a:effectLst/>
-                        <a:latin typeface="Adobe Clean"/>
-                        <a:ea typeface="+mn-ea"/>
-                        <a:cs typeface="+mn-cs"/>
-                      </a:endParaRPr>
                     </a:p>
                   </a:txBody>
                   <a:tcPr anchor="ctr">
@@ -12872,7 +11692,7 @@
                     <a:lstStyle/>
                     <a:p>
                       <a:r>
-                        <a:rPr lang="en-US" sz="1000" kern="1200">
+                        <a:rPr lang="pt-BR" sz="1000" dirty="0">
                           <a:solidFill>
                             <a:srgbClr val="000000"/>
                           </a:solidFill>
@@ -12880,16 +11700,8 @@
                           <a:ea typeface="+mn-ea"/>
                           <a:cs typeface="+mn-cs"/>
                         </a:rPr>
-                        <a:t>Terms and conditions detailing Support Services offerings.</a:t>
+                        <a:t>Os Termos e condições que detalham os serviços de suporte.</a:t>
                       </a:r>
-                      <a:endParaRPr lang="en-US" sz="1000" kern="1200">
-                        <a:solidFill>
-                          <a:srgbClr val="000000"/>
-                        </a:solidFill>
-                        <a:latin typeface="Adobe Clean Light" panose="020B0303020404020204" pitchFamily="34" charset="0"/>
-                        <a:ea typeface="+mn-ea"/>
-                        <a:cs typeface="+mn-cs"/>
-                      </a:endParaRPr>
                     </a:p>
                   </a:txBody>
                   <a:tcPr anchor="ctr">
@@ -13659,21 +12471,6 @@
 </file>
 
 <file path=customXml/item1.xml><?xml version="1.0" encoding="utf-8"?>
-<p:properties xmlns:p="http://schemas.microsoft.com/office/2006/metadata/properties" xmlns:xsi="http://www.w3.org/2001/XMLSchema-instance" xmlns:pc="http://schemas.microsoft.com/office/infopath/2007/PartnerControls">
-  <documentManagement/>
-</p:properties>
-</file>
-
-<file path=customXml/item2.xml><?xml version="1.0" encoding="utf-8"?>
-<?mso-contentType ?>
-<FormTemplates xmlns="http://schemas.microsoft.com/sharepoint/v3/contenttype/forms">
-  <Display>DocumentLibraryForm</Display>
-  <Edit>DocumentLibraryForm</Edit>
-  <New>DocumentLibraryForm</New>
-</FormTemplates>
-</file>
-
-<file path=customXml/item3.xml><?xml version="1.0" encoding="utf-8"?>
 <ct:contentTypeSchema xmlns:ct="http://schemas.microsoft.com/office/2006/metadata/contentType" xmlns:ma="http://schemas.microsoft.com/office/2006/metadata/properties/metaAttributes" ct:_="" ma:_="" ma:contentTypeName="Document" ma:contentTypeID="0x010100E783BF6876BCC646A459363AF21A7736" ma:contentTypeVersion="10" ma:contentTypeDescription="Create a new document." ma:contentTypeScope="" ma:versionID="c4ffda7f4f415767600769e454c2ea87">
   <xsd:schema xmlns:xsd="http://www.w3.org/2001/XMLSchema" xmlns:xs="http://www.w3.org/2001/XMLSchema" xmlns:p="http://schemas.microsoft.com/office/2006/metadata/properties" xmlns:ns2="8a053bff-88be-49e4-9a87-e748e18b8b62" xmlns:ns3="6c8368ec-3776-49b5-a5bb-90648cf9530f" targetNamespace="http://schemas.microsoft.com/office/2006/metadata/properties" ma:root="true" ma:fieldsID="df3ec33bccc23e23bce7bc897fad43d1" ns2:_="" ns3:_="">
     <xsd:import namespace="8a053bff-88be-49e4-9a87-e748e18b8b62"/>
@@ -13878,32 +12675,22 @@
 </ct:contentTypeSchema>
 </file>
 
-<file path=customXml/itemProps1.xml><?xml version="1.0" encoding="utf-8"?>
-<ds:datastoreItem xmlns:ds="http://schemas.openxmlformats.org/officeDocument/2006/customXml" ds:itemID="{10FC3CAF-E6F1-40E3-87D4-6B781C97D6B4}">
-  <ds:schemaRefs>
-    <ds:schemaRef ds:uri="6c8368ec-3776-49b5-a5bb-90648cf9530f"/>
-    <ds:schemaRef ds:uri="8a053bff-88be-49e4-9a87-e748e18b8b62"/>
-    <ds:schemaRef ds:uri="http://purl.org/dc/dcmitype/"/>
-    <ds:schemaRef ds:uri="http://purl.org/dc/elements/1.1/"/>
-    <ds:schemaRef ds:uri="http://purl.org/dc/terms/"/>
-    <ds:schemaRef ds:uri="http://schemas.microsoft.com/office/2006/documentManagement/types"/>
-    <ds:schemaRef ds:uri="http://schemas.microsoft.com/office/2006/metadata/properties"/>
-    <ds:schemaRef ds:uri="http://schemas.microsoft.com/office/infopath/2007/PartnerControls"/>
-    <ds:schemaRef ds:uri="http://schemas.openxmlformats.org/package/2006/metadata/core-properties"/>
-    <ds:schemaRef ds:uri="http://www.w3.org/XML/1998/namespace"/>
-  </ds:schemaRefs>
-</ds:datastoreItem>
+<file path=customXml/item2.xml><?xml version="1.0" encoding="utf-8"?>
+<?mso-contentType ?>
+<FormTemplates xmlns="http://schemas.microsoft.com/sharepoint/v3/contenttype/forms">
+  <Display>DocumentLibraryForm</Display>
+  <Edit>DocumentLibraryForm</Edit>
+  <New>DocumentLibraryForm</New>
+</FormTemplates>
 </file>
 
-<file path=customXml/itemProps2.xml><?xml version="1.0" encoding="utf-8"?>
-<ds:datastoreItem xmlns:ds="http://schemas.openxmlformats.org/officeDocument/2006/customXml" ds:itemID="{95AE3B0B-E909-400C-B0B3-909FB50E07DE}">
-  <ds:schemaRefs>
-    <ds:schemaRef ds:uri="http://schemas.microsoft.com/sharepoint/v3/contenttype/forms"/>
-  </ds:schemaRefs>
-</ds:datastoreItem>
+<file path=customXml/item3.xml><?xml version="1.0" encoding="utf-8"?>
+<p:properties xmlns:p="http://schemas.microsoft.com/office/2006/metadata/properties" xmlns:xsi="http://www.w3.org/2001/XMLSchema-instance" xmlns:pc="http://schemas.microsoft.com/office/infopath/2007/PartnerControls">
+  <documentManagement/>
+</p:properties>
 </file>
 
-<file path=customXml/itemProps3.xml><?xml version="1.0" encoding="utf-8"?>
+<file path=customXml/itemProps1.xml><?xml version="1.0" encoding="utf-8"?>
 <ds:datastoreItem xmlns:ds="http://schemas.openxmlformats.org/officeDocument/2006/customXml" ds:itemID="{E0DB8BDF-6DA8-4ABC-A3CA-043AFD674CFC}">
   <ds:schemaRefs>
     <ds:schemaRef ds:uri="6c8368ec-3776-49b5-a5bb-90648cf9530f"/>
@@ -13920,4 +12707,29 @@
     <ds:schemaRef ds:uri="http://www.w3.org/2001/XMLSchema"/>
   </ds:schemaRefs>
 </ds:datastoreItem>
+</file>
+
+<file path=customXml/itemProps2.xml><?xml version="1.0" encoding="utf-8"?>
+<ds:datastoreItem xmlns:ds="http://schemas.openxmlformats.org/officeDocument/2006/customXml" ds:itemID="{95AE3B0B-E909-400C-B0B3-909FB50E07DE}">
+  <ds:schemaRefs>
+    <ds:schemaRef ds:uri="http://schemas.microsoft.com/sharepoint/v3/contenttype/forms"/>
+  </ds:schemaRefs>
+</ds:datastoreItem>
+</file>
+
+<file path=customXml/itemProps3.xml><?xml version="1.0" encoding="utf-8"?>
+<ds:datastoreItem xmlns:ds="http://schemas.openxmlformats.org/officeDocument/2006/customXml" ds:itemID="{10FC3CAF-E6F1-40E3-87D4-6B781C97D6B4}">
+  <ds:schemaRefs>
+    <ds:schemaRef ds:uri="6c8368ec-3776-49b5-a5bb-90648cf9530f"/>
+    <ds:schemaRef ds:uri="8a053bff-88be-49e4-9a87-e748e18b8b62"/>
+    <ds:schemaRef ds:uri="http://purl.org/dc/dcmitype/"/>
+    <ds:schemaRef ds:uri="http://purl.org/dc/elements/1.1/"/>
+    <ds:schemaRef ds:uri="http://purl.org/dc/terms/"/>
+    <ds:schemaRef ds:uri="http://schemas.microsoft.com/office/2006/documentManagement/types"/>
+    <ds:schemaRef ds:uri="http://schemas.microsoft.com/office/2006/metadata/properties"/>
+    <ds:schemaRef ds:uri="http://schemas.microsoft.com/office/infopath/2007/PartnerControls"/>
+    <ds:schemaRef ds:uri="http://schemas.openxmlformats.org/package/2006/metadata/core-properties"/>
+    <ds:schemaRef ds:uri="http://www.w3.org/XML/1998/namespace"/>
+  </ds:schemaRefs>
+</ds:datastoreItem>
 </file>
--- a/help/data-sheets/assets/BusinessSupportDatasheet.pptx
+++ b/help/data-sheets/assets/BusinessSupportDatasheet.pptx
@@ -140,32 +140,55 @@
 </p:cmAuthorLst>
 </file>
 
-<file path=ppt/revisionInfo.xml><?xml version="1.0" encoding="utf-8"?>
-<p1510:revInfo xmlns:a="http://schemas.openxmlformats.org/drawingml/2006/main" xmlns:r="http://schemas.openxmlformats.org/officeDocument/2006/relationships" xmlns:p1510="http://schemas.microsoft.com/office/powerpoint/2015/10/main">
-  <p1510:revLst>
-    <p1510:client id="{61630BD6-9AE9-064C-B39F-AFA945B82B3E}" v="202" dt="2021-10-13T19:21:08.267"/>
-    <p1510:client id="{AC30C20D-1316-8ECC-DADD-39CCEC6A7FCF}" v="9" dt="2021-10-13T19:03:35.035"/>
-  </p1510:revLst>
-</p1510:revInfo>
-</file>
-
 <file path=ppt/changesInfos/changesInfo1.xml><?xml version="1.0" encoding="utf-8"?>
 <pc:chgInfo xmlns:a="http://schemas.openxmlformats.org/drawingml/2006/main" xmlns:r="http://schemas.openxmlformats.org/officeDocument/2006/relationships" xmlns:ac="http://schemas.microsoft.com/office/drawing/2013/main/command" xmlns:pc="http://schemas.microsoft.com/office/powerpoint/2013/main/command">
   <pc:docChgLst>
-    <pc:chgData name="Akilah Johnson" userId="S::akjohnso@adobe.com::2fa3aa60-0c9c-4d06-bae2-795983241227" providerId="AD" clId="Web-{4D8E0410-E0CE-85E2-0F84-C1BF4F647622}"/>
+    <pc:chgData name="Akilah Johnson" userId="S::akjohnso@adobe.com::2fa3aa60-0c9c-4d06-bae2-795983241227" providerId="AD" clId="Web-{71D6CFBF-0EA2-99B0-93F4-22F19EF0AE4E}"/>
     <pc:docChg chg="modSld">
-      <pc:chgData name="Akilah Johnson" userId="S::akjohnso@adobe.com::2fa3aa60-0c9c-4d06-bae2-795983241227" providerId="AD" clId="Web-{4D8E0410-E0CE-85E2-0F84-C1BF4F647622}" dt="2021-09-22T22:57:04.802" v="5"/>
+      <pc:chgData name="Akilah Johnson" userId="S::akjohnso@adobe.com::2fa3aa60-0c9c-4d06-bae2-795983241227" providerId="AD" clId="Web-{71D6CFBF-0EA2-99B0-93F4-22F19EF0AE4E}" dt="2021-09-22T19:06:58.732" v="1" actId="1076"/>
       <pc:docMkLst>
         <pc:docMk/>
       </pc:docMkLst>
       <pc:sldChg chg="modSp">
-        <pc:chgData name="Akilah Johnson" userId="S::akjohnso@adobe.com::2fa3aa60-0c9c-4d06-bae2-795983241227" providerId="AD" clId="Web-{4D8E0410-E0CE-85E2-0F84-C1BF4F647622}" dt="2021-09-22T22:57:04.802" v="5"/>
+        <pc:chgData name="Akilah Johnson" userId="S::akjohnso@adobe.com::2fa3aa60-0c9c-4d06-bae2-795983241227" providerId="AD" clId="Web-{71D6CFBF-0EA2-99B0-93F4-22F19EF0AE4E}" dt="2021-09-22T19:06:58.732" v="1" actId="1076"/>
         <pc:sldMkLst>
           <pc:docMk/>
           <pc:sldMk cId="1050037809" sldId="261"/>
         </pc:sldMkLst>
+        <pc:spChg chg="mod">
+          <ac:chgData name="Akilah Johnson" userId="S::akjohnso@adobe.com::2fa3aa60-0c9c-4d06-bae2-795983241227" providerId="AD" clId="Web-{71D6CFBF-0EA2-99B0-93F4-22F19EF0AE4E}" dt="2021-09-22T19:06:58.732" v="1" actId="1076"/>
+          <ac:spMkLst>
+            <pc:docMk/>
+            <pc:sldMk cId="1050037809" sldId="261"/>
+            <ac:spMk id="64" creationId="{41467BDC-3D83-D844-B922-CD07E94E5AAB}"/>
+          </ac:spMkLst>
+        </pc:spChg>
+      </pc:sldChg>
+    </pc:docChg>
+  </pc:docChgLst>
+  <pc:docChgLst>
+    <pc:chgData name="Akilah Johnson" userId="S::akjohnso@adobe.com::2fa3aa60-0c9c-4d06-bae2-795983241227" providerId="AD" clId="Web-{AFB92C2B-405E-C597-0988-18F97C53104C}"/>
+    <pc:docChg chg="modSld">
+      <pc:chgData name="Akilah Johnson" userId="S::akjohnso@adobe.com::2fa3aa60-0c9c-4d06-bae2-795983241227" providerId="AD" clId="Web-{AFB92C2B-405E-C597-0988-18F97C53104C}" dt="2021-09-22T18:53:26.184" v="29"/>
+      <pc:docMkLst>
+        <pc:docMk/>
+      </pc:docMkLst>
+      <pc:sldChg chg="modSp">
+        <pc:chgData name="Akilah Johnson" userId="S::akjohnso@adobe.com::2fa3aa60-0c9c-4d06-bae2-795983241227" providerId="AD" clId="Web-{AFB92C2B-405E-C597-0988-18F97C53104C}" dt="2021-09-22T18:53:26.184" v="29"/>
+        <pc:sldMkLst>
+          <pc:docMk/>
+          <pc:sldMk cId="1050037809" sldId="261"/>
+        </pc:sldMkLst>
+        <pc:spChg chg="mod">
+          <ac:chgData name="Akilah Johnson" userId="S::akjohnso@adobe.com::2fa3aa60-0c9c-4d06-bae2-795983241227" providerId="AD" clId="Web-{AFB92C2B-405E-C597-0988-18F97C53104C}" dt="2021-09-22T18:53:05.841" v="5" actId="20577"/>
+          <ac:spMkLst>
+            <pc:docMk/>
+            <pc:sldMk cId="1050037809" sldId="261"/>
+            <ac:spMk id="64" creationId="{41467BDC-3D83-D844-B922-CD07E94E5AAB}"/>
+          </ac:spMkLst>
+        </pc:spChg>
         <pc:graphicFrameChg chg="mod modGraphic">
-          <ac:chgData name="Akilah Johnson" userId="S::akjohnso@adobe.com::2fa3aa60-0c9c-4d06-bae2-795983241227" providerId="AD" clId="Web-{4D8E0410-E0CE-85E2-0F84-C1BF4F647622}" dt="2021-09-22T22:57:04.802" v="5"/>
+          <ac:chgData name="Akilah Johnson" userId="S::akjohnso@adobe.com::2fa3aa60-0c9c-4d06-bae2-795983241227" providerId="AD" clId="Web-{AFB92C2B-405E-C597-0988-18F97C53104C}" dt="2021-09-22T18:53:26.184" v="29"/>
           <ac:graphicFrameMkLst>
             <pc:docMk/>
             <pc:sldMk cId="1050037809" sldId="261"/>
@@ -223,6 +246,117 @@
     </pc:docChg>
   </pc:docChgLst>
   <pc:docChgLst>
+    <pc:chgData name="Ankita Sood" userId="c93a62e3-2a47-429d-82c6-c2a8fd110ae7" providerId="ADAL" clId="{EADEB940-4844-7941-8DD1-C0A7CBA2737C}"/>
+    <pc:docChg chg="modSld">
+      <pc:chgData name="Ankita Sood" userId="c93a62e3-2a47-429d-82c6-c2a8fd110ae7" providerId="ADAL" clId="{EADEB940-4844-7941-8DD1-C0A7CBA2737C}" dt="2022-01-20T19:38:27.531" v="31" actId="20577"/>
+      <pc:docMkLst>
+        <pc:docMk/>
+      </pc:docMkLst>
+      <pc:sldChg chg="modSp mod">
+        <pc:chgData name="Ankita Sood" userId="c93a62e3-2a47-429d-82c6-c2a8fd110ae7" providerId="ADAL" clId="{EADEB940-4844-7941-8DD1-C0A7CBA2737C}" dt="2022-01-20T19:38:22.046" v="23" actId="20577"/>
+        <pc:sldMkLst>
+          <pc:docMk/>
+          <pc:sldMk cId="0" sldId="256"/>
+        </pc:sldMkLst>
+        <pc:spChg chg="mod">
+          <ac:chgData name="Ankita Sood" userId="c93a62e3-2a47-429d-82c6-c2a8fd110ae7" providerId="ADAL" clId="{EADEB940-4844-7941-8DD1-C0A7CBA2737C}" dt="2022-01-20T19:38:07.964" v="7" actId="20577"/>
+          <ac:spMkLst>
+            <pc:docMk/>
+            <pc:sldMk cId="0" sldId="256"/>
+            <ac:spMk id="5" creationId="{00000000-0000-0000-0000-000000000000}"/>
+          </ac:spMkLst>
+        </pc:spChg>
+        <pc:graphicFrameChg chg="modGraphic">
+          <ac:chgData name="Ankita Sood" userId="c93a62e3-2a47-429d-82c6-c2a8fd110ae7" providerId="ADAL" clId="{EADEB940-4844-7941-8DD1-C0A7CBA2737C}" dt="2022-01-20T19:38:22.046" v="23" actId="20577"/>
+          <ac:graphicFrameMkLst>
+            <pc:docMk/>
+            <pc:sldMk cId="0" sldId="256"/>
+            <ac:graphicFrameMk id="9" creationId="{00000000-0000-0000-0000-000000000000}"/>
+          </ac:graphicFrameMkLst>
+        </pc:graphicFrameChg>
+        <pc:graphicFrameChg chg="modGraphic">
+          <ac:chgData name="Ankita Sood" userId="c93a62e3-2a47-429d-82c6-c2a8fd110ae7" providerId="ADAL" clId="{EADEB940-4844-7941-8DD1-C0A7CBA2737C}" dt="2022-01-20T19:38:16.769" v="15" actId="20577"/>
+          <ac:graphicFrameMkLst>
+            <pc:docMk/>
+            <pc:sldMk cId="0" sldId="256"/>
+            <ac:graphicFrameMk id="11" creationId="{3AC7AEA2-E7A4-BD48-80EA-856168E207F6}"/>
+          </ac:graphicFrameMkLst>
+        </pc:graphicFrameChg>
+      </pc:sldChg>
+      <pc:sldChg chg="modSp mod">
+        <pc:chgData name="Ankita Sood" userId="c93a62e3-2a47-429d-82c6-c2a8fd110ae7" providerId="ADAL" clId="{EADEB940-4844-7941-8DD1-C0A7CBA2737C}" dt="2022-01-20T19:38:27.531" v="31" actId="20577"/>
+        <pc:sldMkLst>
+          <pc:docMk/>
+          <pc:sldMk cId="0" sldId="257"/>
+        </pc:sldMkLst>
+        <pc:spChg chg="mod">
+          <ac:chgData name="Ankita Sood" userId="c93a62e3-2a47-429d-82c6-c2a8fd110ae7" providerId="ADAL" clId="{EADEB940-4844-7941-8DD1-C0A7CBA2737C}" dt="2022-01-20T19:38:27.531" v="31" actId="20577"/>
+          <ac:spMkLst>
+            <pc:docMk/>
+            <pc:sldMk cId="0" sldId="257"/>
+            <ac:spMk id="44" creationId="{147009FB-1B8D-6D4F-87DF-41B5DE49EFE5}"/>
+          </ac:spMkLst>
+        </pc:spChg>
+      </pc:sldChg>
+    </pc:docChg>
+  </pc:docChgLst>
+  <pc:docChgLst>
+    <pc:chgData name="Andy Witt" userId="S::awitt@adobe.com::e9157bdf-53b2-40e4-9459-936793d75696" providerId="AD" clId="Web-{CA5D33DF-AE75-BCA1-B9BC-A7CD44D2F3C7}"/>
+    <pc:docChg chg="modSld">
+      <pc:chgData name="Andy Witt" userId="S::awitt@adobe.com::e9157bdf-53b2-40e4-9459-936793d75696" providerId="AD" clId="Web-{CA5D33DF-AE75-BCA1-B9BC-A7CD44D2F3C7}" dt="2021-08-25T22:38:18.624" v="1" actId="1076"/>
+      <pc:docMkLst>
+        <pc:docMk/>
+      </pc:docMkLst>
+      <pc:sldChg chg="modSp">
+        <pc:chgData name="Andy Witt" userId="S::awitt@adobe.com::e9157bdf-53b2-40e4-9459-936793d75696" providerId="AD" clId="Web-{CA5D33DF-AE75-BCA1-B9BC-A7CD44D2F3C7}" dt="2021-08-25T22:38:18.624" v="1" actId="1076"/>
+        <pc:sldMkLst>
+          <pc:docMk/>
+          <pc:sldMk cId="1050037809" sldId="261"/>
+        </pc:sldMkLst>
+        <pc:spChg chg="mod">
+          <ac:chgData name="Andy Witt" userId="S::awitt@adobe.com::e9157bdf-53b2-40e4-9459-936793d75696" providerId="AD" clId="Web-{CA5D33DF-AE75-BCA1-B9BC-A7CD44D2F3C7}" dt="2021-08-25T22:38:18.624" v="1" actId="1076"/>
+          <ac:spMkLst>
+            <pc:docMk/>
+            <pc:sldMk cId="1050037809" sldId="261"/>
+            <ac:spMk id="50" creationId="{043050D0-21FC-0C42-8484-7FE7C0DB771F}"/>
+          </ac:spMkLst>
+        </pc:spChg>
+      </pc:sldChg>
+    </pc:docChg>
+  </pc:docChgLst>
+  <pc:docChgLst>
+    <pc:chgData name="Lauren Schutte" userId="6e08b2d3-447a-4d66-86be-444d50df187f" providerId="ADAL" clId="{61630BD6-9AE9-064C-B39F-AFA945B82B3E}"/>
+    <pc:docChg chg="undo custSel modSld">
+      <pc:chgData name="Lauren Schutte" userId="6e08b2d3-447a-4d66-86be-444d50df187f" providerId="ADAL" clId="{61630BD6-9AE9-064C-B39F-AFA945B82B3E}" dt="2021-10-13T19:21:08.267" v="201" actId="20577"/>
+      <pc:docMkLst>
+        <pc:docMk/>
+      </pc:docMkLst>
+      <pc:sldChg chg="modSp mod">
+        <pc:chgData name="Lauren Schutte" userId="6e08b2d3-447a-4d66-86be-444d50df187f" providerId="ADAL" clId="{61630BD6-9AE9-064C-B39F-AFA945B82B3E}" dt="2021-10-13T19:21:08.267" v="201" actId="20577"/>
+        <pc:sldMkLst>
+          <pc:docMk/>
+          <pc:sldMk cId="0" sldId="256"/>
+        </pc:sldMkLst>
+        <pc:spChg chg="mod">
+          <ac:chgData name="Lauren Schutte" userId="6e08b2d3-447a-4d66-86be-444d50df187f" providerId="ADAL" clId="{61630BD6-9AE9-064C-B39F-AFA945B82B3E}" dt="2021-10-13T19:03:44.344" v="3" actId="1076"/>
+          <ac:spMkLst>
+            <pc:docMk/>
+            <pc:sldMk cId="0" sldId="256"/>
+            <ac:spMk id="3" creationId="{00000000-0000-0000-0000-000000000000}"/>
+          </ac:spMkLst>
+        </pc:spChg>
+        <pc:graphicFrameChg chg="mod modGraphic">
+          <ac:chgData name="Lauren Schutte" userId="6e08b2d3-447a-4d66-86be-444d50df187f" providerId="ADAL" clId="{61630BD6-9AE9-064C-B39F-AFA945B82B3E}" dt="2021-10-13T19:21:08.267" v="201" actId="20577"/>
+          <ac:graphicFrameMkLst>
+            <pc:docMk/>
+            <pc:sldMk cId="0" sldId="256"/>
+            <ac:graphicFrameMk id="9" creationId="{00000000-0000-0000-0000-000000000000}"/>
+          </ac:graphicFrameMkLst>
+        </pc:graphicFrameChg>
+      </pc:sldChg>
+    </pc:docChg>
+  </pc:docChgLst>
+  <pc:docChgLst>
     <pc:chgData name="Andy Witt" userId="S::awitt@adobe.com::e9157bdf-53b2-40e4-9459-936793d75696" providerId="AD" clId="Web-{06B13378-B080-7F0F-51A5-F9203CEE57ED}"/>
     <pc:docChg chg="modSld">
       <pc:chgData name="Andy Witt" userId="S::awitt@adobe.com::e9157bdf-53b2-40e4-9459-936793d75696" providerId="AD" clId="Web-{06B13378-B080-7F0F-51A5-F9203CEE57ED}" dt="2021-08-25T22:25:13.647" v="363"/>
@@ -247,50 +381,26 @@
     </pc:docChg>
   </pc:docChgLst>
   <pc:docChgLst>
-    <pc:chgData name="Akilah Johnson" userId="S::akjohnso@adobe.com::2fa3aa60-0c9c-4d06-bae2-795983241227" providerId="AD" clId="Web-{71D6CFBF-0EA2-99B0-93F4-22F19EF0AE4E}"/>
+    <pc:chgData name="Akilah Johnson" userId="S::akjohnso@adobe.com::2fa3aa60-0c9c-4d06-bae2-795983241227" providerId="AD" clId="Web-{4D8E0410-E0CE-85E2-0F84-C1BF4F647622}"/>
     <pc:docChg chg="modSld">
-      <pc:chgData name="Akilah Johnson" userId="S::akjohnso@adobe.com::2fa3aa60-0c9c-4d06-bae2-795983241227" providerId="AD" clId="Web-{71D6CFBF-0EA2-99B0-93F4-22F19EF0AE4E}" dt="2021-09-22T19:06:58.732" v="1" actId="1076"/>
+      <pc:chgData name="Akilah Johnson" userId="S::akjohnso@adobe.com::2fa3aa60-0c9c-4d06-bae2-795983241227" providerId="AD" clId="Web-{4D8E0410-E0CE-85E2-0F84-C1BF4F647622}" dt="2021-09-22T22:57:04.802" v="5"/>
       <pc:docMkLst>
         <pc:docMk/>
       </pc:docMkLst>
       <pc:sldChg chg="modSp">
-        <pc:chgData name="Akilah Johnson" userId="S::akjohnso@adobe.com::2fa3aa60-0c9c-4d06-bae2-795983241227" providerId="AD" clId="Web-{71D6CFBF-0EA2-99B0-93F4-22F19EF0AE4E}" dt="2021-09-22T19:06:58.732" v="1" actId="1076"/>
+        <pc:chgData name="Akilah Johnson" userId="S::akjohnso@adobe.com::2fa3aa60-0c9c-4d06-bae2-795983241227" providerId="AD" clId="Web-{4D8E0410-E0CE-85E2-0F84-C1BF4F647622}" dt="2021-09-22T22:57:04.802" v="5"/>
         <pc:sldMkLst>
           <pc:docMk/>
           <pc:sldMk cId="1050037809" sldId="261"/>
         </pc:sldMkLst>
-        <pc:spChg chg="mod">
-          <ac:chgData name="Akilah Johnson" userId="S::akjohnso@adobe.com::2fa3aa60-0c9c-4d06-bae2-795983241227" providerId="AD" clId="Web-{71D6CFBF-0EA2-99B0-93F4-22F19EF0AE4E}" dt="2021-09-22T19:06:58.732" v="1" actId="1076"/>
-          <ac:spMkLst>
+        <pc:graphicFrameChg chg="mod modGraphic">
+          <ac:chgData name="Akilah Johnson" userId="S::akjohnso@adobe.com::2fa3aa60-0c9c-4d06-bae2-795983241227" providerId="AD" clId="Web-{4D8E0410-E0CE-85E2-0F84-C1BF4F647622}" dt="2021-09-22T22:57:04.802" v="5"/>
+          <ac:graphicFrameMkLst>
             <pc:docMk/>
             <pc:sldMk cId="1050037809" sldId="261"/>
-            <ac:spMk id="64" creationId="{41467BDC-3D83-D844-B922-CD07E94E5AAB}"/>
-          </ac:spMkLst>
-        </pc:spChg>
-      </pc:sldChg>
-    </pc:docChg>
-  </pc:docChgLst>
-  <pc:docChgLst>
-    <pc:chgData name="Akilah Johnson" userId="S::akjohnso@adobe.com::2fa3aa60-0c9c-4d06-bae2-795983241227" providerId="AD" clId="Web-{D428A0AE-54E2-30D2-C574-7A0742876CCF}"/>
-    <pc:docChg chg="modSld">
-      <pc:chgData name="Akilah Johnson" userId="S::akjohnso@adobe.com::2fa3aa60-0c9c-4d06-bae2-795983241227" providerId="AD" clId="Web-{D428A0AE-54E2-30D2-C574-7A0742876CCF}" dt="2021-10-12T19:11:25.330" v="0" actId="20577"/>
-      <pc:docMkLst>
-        <pc:docMk/>
-      </pc:docMkLst>
-      <pc:sldChg chg="modSp">
-        <pc:chgData name="Akilah Johnson" userId="S::akjohnso@adobe.com::2fa3aa60-0c9c-4d06-bae2-795983241227" providerId="AD" clId="Web-{D428A0AE-54E2-30D2-C574-7A0742876CCF}" dt="2021-10-12T19:11:25.330" v="0" actId="20577"/>
-        <pc:sldMkLst>
-          <pc:docMk/>
-          <pc:sldMk cId="0" sldId="256"/>
-        </pc:sldMkLst>
-        <pc:spChg chg="mod">
-          <ac:chgData name="Akilah Johnson" userId="S::akjohnso@adobe.com::2fa3aa60-0c9c-4d06-bae2-795983241227" providerId="AD" clId="Web-{D428A0AE-54E2-30D2-C574-7A0742876CCF}" dt="2021-10-12T19:11:25.330" v="0" actId="20577"/>
-          <ac:spMkLst>
-            <pc:docMk/>
-            <pc:sldMk cId="0" sldId="256"/>
-            <ac:spMk id="4" creationId="{00000000-0000-0000-0000-000000000000}"/>
-          </ac:spMkLst>
-        </pc:spChg>
+            <ac:graphicFrameMk id="25" creationId="{3A91F5B0-3974-A14D-A146-FB590F2AAD18}"/>
+          </ac:graphicFrameMkLst>
+        </pc:graphicFrameChg>
       </pc:sldChg>
     </pc:docChg>
   </pc:docChgLst>
@@ -327,88 +437,24 @@
     </pc:docChg>
   </pc:docChgLst>
   <pc:docChgLst>
-    <pc:chgData name="Akilah Johnson" userId="S::akjohnso@adobe.com::2fa3aa60-0c9c-4d06-bae2-795983241227" providerId="AD" clId="Web-{AFB92C2B-405E-C597-0988-18F97C53104C}"/>
+    <pc:chgData name="Akilah Johnson" userId="S::akjohnso@adobe.com::2fa3aa60-0c9c-4d06-bae2-795983241227" providerId="AD" clId="Web-{D428A0AE-54E2-30D2-C574-7A0742876CCF}"/>
     <pc:docChg chg="modSld">
-      <pc:chgData name="Akilah Johnson" userId="S::akjohnso@adobe.com::2fa3aa60-0c9c-4d06-bae2-795983241227" providerId="AD" clId="Web-{AFB92C2B-405E-C597-0988-18F97C53104C}" dt="2021-09-22T18:53:26.184" v="29"/>
+      <pc:chgData name="Akilah Johnson" userId="S::akjohnso@adobe.com::2fa3aa60-0c9c-4d06-bae2-795983241227" providerId="AD" clId="Web-{D428A0AE-54E2-30D2-C574-7A0742876CCF}" dt="2021-10-12T19:11:25.330" v="0" actId="20577"/>
       <pc:docMkLst>
         <pc:docMk/>
       </pc:docMkLst>
       <pc:sldChg chg="modSp">
-        <pc:chgData name="Akilah Johnson" userId="S::akjohnso@adobe.com::2fa3aa60-0c9c-4d06-bae2-795983241227" providerId="AD" clId="Web-{AFB92C2B-405E-C597-0988-18F97C53104C}" dt="2021-09-22T18:53:26.184" v="29"/>
-        <pc:sldMkLst>
-          <pc:docMk/>
-          <pc:sldMk cId="1050037809" sldId="261"/>
-        </pc:sldMkLst>
-        <pc:spChg chg="mod">
-          <ac:chgData name="Akilah Johnson" userId="S::akjohnso@adobe.com::2fa3aa60-0c9c-4d06-bae2-795983241227" providerId="AD" clId="Web-{AFB92C2B-405E-C597-0988-18F97C53104C}" dt="2021-09-22T18:53:05.841" v="5" actId="20577"/>
-          <ac:spMkLst>
-            <pc:docMk/>
-            <pc:sldMk cId="1050037809" sldId="261"/>
-            <ac:spMk id="64" creationId="{41467BDC-3D83-D844-B922-CD07E94E5AAB}"/>
-          </ac:spMkLst>
-        </pc:spChg>
-        <pc:graphicFrameChg chg="mod modGraphic">
-          <ac:chgData name="Akilah Johnson" userId="S::akjohnso@adobe.com::2fa3aa60-0c9c-4d06-bae2-795983241227" providerId="AD" clId="Web-{AFB92C2B-405E-C597-0988-18F97C53104C}" dt="2021-09-22T18:53:26.184" v="29"/>
-          <ac:graphicFrameMkLst>
-            <pc:docMk/>
-            <pc:sldMk cId="1050037809" sldId="261"/>
-            <ac:graphicFrameMk id="25" creationId="{3A91F5B0-3974-A14D-A146-FB590F2AAD18}"/>
-          </ac:graphicFrameMkLst>
-        </pc:graphicFrameChg>
-      </pc:sldChg>
-    </pc:docChg>
-  </pc:docChgLst>
-  <pc:docChgLst>
-    <pc:chgData name="Lauren Schutte" userId="6e08b2d3-447a-4d66-86be-444d50df187f" providerId="ADAL" clId="{61630BD6-9AE9-064C-B39F-AFA945B82B3E}"/>
-    <pc:docChg chg="undo custSel modSld">
-      <pc:chgData name="Lauren Schutte" userId="6e08b2d3-447a-4d66-86be-444d50df187f" providerId="ADAL" clId="{61630BD6-9AE9-064C-B39F-AFA945B82B3E}" dt="2021-10-13T19:21:08.267" v="201" actId="20577"/>
-      <pc:docMkLst>
-        <pc:docMk/>
-      </pc:docMkLst>
-      <pc:sldChg chg="modSp mod">
-        <pc:chgData name="Lauren Schutte" userId="6e08b2d3-447a-4d66-86be-444d50df187f" providerId="ADAL" clId="{61630BD6-9AE9-064C-B39F-AFA945B82B3E}" dt="2021-10-13T19:21:08.267" v="201" actId="20577"/>
+        <pc:chgData name="Akilah Johnson" userId="S::akjohnso@adobe.com::2fa3aa60-0c9c-4d06-bae2-795983241227" providerId="AD" clId="Web-{D428A0AE-54E2-30D2-C574-7A0742876CCF}" dt="2021-10-12T19:11:25.330" v="0" actId="20577"/>
         <pc:sldMkLst>
           <pc:docMk/>
           <pc:sldMk cId="0" sldId="256"/>
         </pc:sldMkLst>
         <pc:spChg chg="mod">
-          <ac:chgData name="Lauren Schutte" userId="6e08b2d3-447a-4d66-86be-444d50df187f" providerId="ADAL" clId="{61630BD6-9AE9-064C-B39F-AFA945B82B3E}" dt="2021-10-13T19:03:44.344" v="3" actId="1076"/>
+          <ac:chgData name="Akilah Johnson" userId="S::akjohnso@adobe.com::2fa3aa60-0c9c-4d06-bae2-795983241227" providerId="AD" clId="Web-{D428A0AE-54E2-30D2-C574-7A0742876CCF}" dt="2021-10-12T19:11:25.330" v="0" actId="20577"/>
           <ac:spMkLst>
             <pc:docMk/>
             <pc:sldMk cId="0" sldId="256"/>
-            <ac:spMk id="3" creationId="{00000000-0000-0000-0000-000000000000}"/>
-          </ac:spMkLst>
-        </pc:spChg>
-        <pc:graphicFrameChg chg="mod modGraphic">
-          <ac:chgData name="Lauren Schutte" userId="6e08b2d3-447a-4d66-86be-444d50df187f" providerId="ADAL" clId="{61630BD6-9AE9-064C-B39F-AFA945B82B3E}" dt="2021-10-13T19:21:08.267" v="201" actId="20577"/>
-          <ac:graphicFrameMkLst>
-            <pc:docMk/>
-            <pc:sldMk cId="0" sldId="256"/>
-            <ac:graphicFrameMk id="9" creationId="{00000000-0000-0000-0000-000000000000}"/>
-          </ac:graphicFrameMkLst>
-        </pc:graphicFrameChg>
-      </pc:sldChg>
-    </pc:docChg>
-  </pc:docChgLst>
-  <pc:docChgLst>
-    <pc:chgData name="Andy Witt" userId="S::awitt@adobe.com::e9157bdf-53b2-40e4-9459-936793d75696" providerId="AD" clId="Web-{CA5D33DF-AE75-BCA1-B9BC-A7CD44D2F3C7}"/>
-    <pc:docChg chg="modSld">
-      <pc:chgData name="Andy Witt" userId="S::awitt@adobe.com::e9157bdf-53b2-40e4-9459-936793d75696" providerId="AD" clId="Web-{CA5D33DF-AE75-BCA1-B9BC-A7CD44D2F3C7}" dt="2021-08-25T22:38:18.624" v="1" actId="1076"/>
-      <pc:docMkLst>
-        <pc:docMk/>
-      </pc:docMkLst>
-      <pc:sldChg chg="modSp">
-        <pc:chgData name="Andy Witt" userId="S::awitt@adobe.com::e9157bdf-53b2-40e4-9459-936793d75696" providerId="AD" clId="Web-{CA5D33DF-AE75-BCA1-B9BC-A7CD44D2F3C7}" dt="2021-08-25T22:38:18.624" v="1" actId="1076"/>
-        <pc:sldMkLst>
-          <pc:docMk/>
-          <pc:sldMk cId="1050037809" sldId="261"/>
-        </pc:sldMkLst>
-        <pc:spChg chg="mod">
-          <ac:chgData name="Andy Witt" userId="S::awitt@adobe.com::e9157bdf-53b2-40e4-9459-936793d75696" providerId="AD" clId="Web-{CA5D33DF-AE75-BCA1-B9BC-A7CD44D2F3C7}" dt="2021-08-25T22:38:18.624" v="1" actId="1076"/>
-          <ac:spMkLst>
-            <pc:docMk/>
-            <pc:sldMk cId="1050037809" sldId="261"/>
-            <ac:spMk id="50" creationId="{043050D0-21FC-0C42-8484-7FE7C0DB771F}"/>
+            <ac:spMk id="4" creationId="{00000000-0000-0000-0000-000000000000}"/>
           </ac:spMkLst>
         </pc:spChg>
       </pc:sldChg>
@@ -499,7 +545,7 @@
           <a:p>
             <a:fld id="{FB81873C-0B24-F04A-98A1-90E0A78F7E8A}" type="datetimeFigureOut">
               <a:rPr lang="en-US" smtClean="0"/>
-              <a:t>11/12/2021</a:t>
+              <a:t>1/20/22</a:t>
             </a:fld>
             <a:endParaRPr lang="en-US"/>
           </a:p>
@@ -1122,7 +1168,7 @@
           <a:p>
             <a:fld id="{1D8BD707-D9CF-40AE-B4C6-C98DA3205C09}" type="datetimeFigureOut">
               <a:rPr lang="en-US"/>
-              <a:t>11/12/2021</a:t>
+              <a:t>1/20/22</a:t>
             </a:fld>
             <a:endParaRPr lang="en-US"/>
           </a:p>
@@ -1314,7 +1360,7 @@
           <a:p>
             <a:fld id="{1D8BD707-D9CF-40AE-B4C6-C98DA3205C09}" type="datetimeFigureOut">
               <a:rPr lang="en-US"/>
-              <a:t>11/12/2021</a:t>
+              <a:t>1/20/22</a:t>
             </a:fld>
             <a:endParaRPr lang="en-US"/>
           </a:p>
@@ -1632,7 +1678,7 @@
           <a:p>
             <a:fld id="{1D8BD707-D9CF-40AE-B4C6-C98DA3205C09}" type="datetimeFigureOut">
               <a:rPr lang="en-US"/>
-              <a:t>11/12/2021</a:t>
+              <a:t>1/20/22</a:t>
             </a:fld>
             <a:endParaRPr lang="en-US"/>
           </a:p>
@@ -1886,8 +1932,8 @@
         </p:nvSpPr>
         <p:spPr>
           <a:xfrm>
-            <a:off x="168564" y="7162363"/>
-            <a:ext cx="4746335" cy="227626"/>
+            <a:off x="168565" y="7162363"/>
+            <a:ext cx="2800350" cy="238760"/>
           </a:xfrm>
           <a:prstGeom prst="rect">
             <a:avLst/>
@@ -1908,7 +1954,7 @@
               </a:spcBef>
             </a:pPr>
             <a:r>
-              <a:rPr lang="pt-BR" sz="1400" b="1" u="heavy" dirty="0">
+              <a:rPr sz="1400" b="1" u="heavy" spc="10">
                 <a:solidFill>
                   <a:srgbClr val="020302"/>
                 </a:solidFill>
@@ -1920,8 +1966,87 @@
                 <a:latin typeface="Adobe Clean"/>
                 <a:cs typeface="Adobe Clean"/>
               </a:rPr>
-              <a:t>Metas de nível de serviço: Resposta inicial</a:t>
-            </a:r>
+              <a:t>Service </a:t>
+            </a:r>
+            <a:r>
+              <a:rPr sz="1400" b="1" u="heavy" spc="-10">
+                <a:solidFill>
+                  <a:srgbClr val="020302"/>
+                </a:solidFill>
+                <a:uFill>
+                  <a:solidFill>
+                    <a:srgbClr val="020302"/>
+                  </a:solidFill>
+                </a:uFill>
+                <a:latin typeface="Adobe Clean"/>
+                <a:cs typeface="Adobe Clean"/>
+              </a:rPr>
+              <a:t>Level </a:t>
+            </a:r>
+            <a:r>
+              <a:rPr sz="1400" b="1" u="heavy" spc="-45">
+                <a:solidFill>
+                  <a:srgbClr val="020302"/>
+                </a:solidFill>
+                <a:uFill>
+                  <a:solidFill>
+                    <a:srgbClr val="020302"/>
+                  </a:solidFill>
+                </a:uFill>
+                <a:latin typeface="Adobe Clean"/>
+                <a:cs typeface="Adobe Clean"/>
+              </a:rPr>
+              <a:t>Targets: </a:t>
+            </a:r>
+            <a:r>
+              <a:rPr sz="1400" b="1" u="heavy" spc="-10">
+                <a:solidFill>
+                  <a:srgbClr val="020302"/>
+                </a:solidFill>
+                <a:uFill>
+                  <a:solidFill>
+                    <a:srgbClr val="020302"/>
+                  </a:solidFill>
+                </a:uFill>
+                <a:latin typeface="Adobe Clean"/>
+                <a:cs typeface="Adobe Clean"/>
+              </a:rPr>
+              <a:t>Initial</a:t>
+            </a:r>
+            <a:r>
+              <a:rPr sz="1400" b="1" u="heavy" spc="-140">
+                <a:solidFill>
+                  <a:srgbClr val="020302"/>
+                </a:solidFill>
+                <a:uFill>
+                  <a:solidFill>
+                    <a:srgbClr val="020302"/>
+                  </a:solidFill>
+                </a:uFill>
+                <a:latin typeface="Adobe Clean"/>
+                <a:cs typeface="Adobe Clean"/>
+              </a:rPr>
+              <a:t> </a:t>
+            </a:r>
+            <a:r>
+              <a:rPr sz="1400" b="1" u="heavy" spc="-15">
+                <a:solidFill>
+                  <a:srgbClr val="020302"/>
+                </a:solidFill>
+                <a:uFill>
+                  <a:solidFill>
+                    <a:srgbClr val="020302"/>
+                  </a:solidFill>
+                </a:uFill>
+                <a:latin typeface="Adobe Clean"/>
+                <a:cs typeface="Adobe Clean"/>
+              </a:rPr>
+              <a:t>Response</a:t>
+            </a:r>
+            <a:endParaRPr sz="1400">
+              <a:latin typeface="Adobe Clean"/>
+              <a:cs typeface="Adobe Clean"/>
+            </a:endParaRPr>
           </a:p>
         </p:txBody>
       </p:sp>
@@ -1988,11 +2113,20 @@
               </a:spcBef>
             </a:pPr>
             <a:r>
-              <a:rPr lang="pt-BR" sz="2300">
+              <a:rPr sz="2300">
                 <a:latin typeface="Adobe Clean"/>
               </a:rPr>
-              <a:t>PLANOS DE SUPORTE DA ADOBE</a:t>
-            </a:r>
+              <a:t>ADOBE </a:t>
+            </a:r>
+            <a:r>
+              <a:rPr lang="en-US" sz="2300">
+                <a:latin typeface="Adobe Clean"/>
+              </a:rPr>
+              <a:t>SUPPORT PLANS</a:t>
+            </a:r>
+            <a:endParaRPr sz="2300">
+              <a:latin typeface="Adobe Clean" panose="020B0503020404020204" pitchFamily="34" charset="0"/>
+            </a:endParaRPr>
           </a:p>
         </p:txBody>
       </p:sp>
@@ -2005,7 +2139,7 @@
         <p:spPr>
           <a:xfrm>
             <a:off x="121147" y="531160"/>
-            <a:ext cx="5865216" cy="1424364"/>
+            <a:ext cx="5865216" cy="1269065"/>
           </a:xfrm>
           <a:prstGeom prst="rect">
             <a:avLst/>
@@ -2026,16 +2160,16 @@
               </a:spcBef>
             </a:pPr>
             <a:r>
-              <a:rPr lang="pt-BR" sz="900" dirty="0">
+              <a:rPr lang="en-US" sz="900" dirty="0">
                 <a:solidFill>
                   <a:schemeClr val="bg1"/>
                 </a:solidFill>
                 <a:latin typeface="Adobe Clean Light" panose="020B0303020404020204" pitchFamily="34" charset="0"/>
               </a:rPr>
-              <a:t>Online | </a:t>
-            </a:r>
-            <a:r>
-              <a:rPr lang="pt-BR" sz="900" b="1" dirty="0">
+              <a:t>Standard | </a:t>
+            </a:r>
+            <a:r>
+              <a:rPr lang="en-US" sz="900" b="1" dirty="0">
                 <a:solidFill>
                   <a:schemeClr val="bg1"/>
                 </a:solidFill>
@@ -2044,7 +2178,7 @@
               <a:t>Business</a:t>
             </a:r>
             <a:r>
-              <a:rPr lang="pt-BR" sz="900" dirty="0">
+              <a:rPr lang="en-US" sz="900" dirty="0">
                 <a:solidFill>
                   <a:schemeClr val="bg1"/>
                 </a:solidFill>
@@ -2063,65 +2197,21 @@
               </a:spcBef>
             </a:pPr>
             <a:r>
-              <a:rPr lang="pt-BR" sz="900" dirty="0">
+              <a:rPr lang="en-US" sz="900" dirty="0">
                 <a:solidFill>
                   <a:schemeClr val="bg1"/>
                 </a:solidFill>
                 <a:latin typeface="Adobe Clean SemiLight" panose="020B0403020404020204" pitchFamily="34" charset="0"/>
               </a:rPr>
-              <a:t>A Adobe oferece uma ampla gama de recursos técnicos para prestar suporte à sua empresa, incluídos na sua assinatura da Experience Cloud e com melhorias adicionais no pacote de suporte BUSINESS. O Suporte BUSINESS inclui acesso a caminhos </a:t>
-            </a:r>
-            <a:br>
-              <a:rPr lang="pt-BR" sz="900" dirty="0">
-                <a:solidFill>
-                  <a:schemeClr val="bg1"/>
-                </a:solidFill>
-                <a:latin typeface="Adobe Clean SemiLight" panose="020B0403020404020204" pitchFamily="34" charset="0"/>
-              </a:rPr>
-            </a:br>
-            <a:r>
-              <a:rPr lang="pt-BR" sz="900" dirty="0">
-                <a:solidFill>
-                  <a:schemeClr val="bg1"/>
-                </a:solidFill>
-                <a:latin typeface="Adobe Clean SemiLight" panose="020B0403020404020204" pitchFamily="34" charset="0"/>
-              </a:rPr>
-              <a:t>de aprendizagem personalizados e a fóruns monitorados da comunidade na Adobe Experience League. Você tem à sua disposição a nossa documentação técnica de produto, com todos os detalhes, e as notas de versão atuais. Os clientes BUSINESS também contam com acesso às nossas equipes de suporte técnico para qualquer consulta sobre o produto, por telefone ou </a:t>
-            </a:r>
-            <a:br>
-              <a:rPr lang="pt-BR" sz="900" dirty="0">
-                <a:solidFill>
-                  <a:schemeClr val="bg1"/>
-                </a:solidFill>
-                <a:latin typeface="Adobe Clean SemiLight" panose="020B0403020404020204" pitchFamily="34" charset="0"/>
-              </a:rPr>
-            </a:br>
-            <a:r>
-              <a:rPr lang="pt-BR" sz="900" dirty="0">
-                <a:solidFill>
-                  <a:schemeClr val="bg1"/>
-                </a:solidFill>
-                <a:latin typeface="Adobe Clean SemiLight" panose="020B0403020404020204" pitchFamily="34" charset="0"/>
-              </a:rPr>
-              <a:t>no portal da web, com o fim de proteger sua empresa nos momentos mais críticos. Além disso, os clientes BUSINESS recebem comunicações e atualizações periódicos do Líder de suporte da conta e gestão de encaminhamento de casos de suporte para</a:t>
-            </a:r>
-            <a:br>
-              <a:rPr lang="pt-BR" sz="900" dirty="0">
-                <a:solidFill>
-                  <a:schemeClr val="bg1"/>
-                </a:solidFill>
-                <a:latin typeface="Adobe Clean SemiLight" panose="020B0403020404020204" pitchFamily="34" charset="0"/>
-              </a:rPr>
-            </a:br>
-            <a:r>
-              <a:rPr lang="pt-BR" sz="900" dirty="0">
-                <a:solidFill>
-                  <a:schemeClr val="bg1"/>
-                </a:solidFill>
-                <a:latin typeface="Adobe Clean SemiLight" panose="020B0403020404020204" pitchFamily="34" charset="0"/>
-              </a:rPr>
-              <a:t>as solicitações mais críticas. </a:t>
-            </a:r>
+              <a:t>Adobe provides a comprehensive range of technical resources to help support your business, included as part of your Experience Cloud license subscription and enhanced in the BUSINESS support package. BUSINESS support includes access to personalized learning paths and monitored community forums via the Adobe Experience League. You can also take advantage of our detailed and in-depth technical product documentation and current release notes. BUSINESS customers also benefit from access to our technical support teams for any product query via either the telephone or the support web portal, to help protect your business at the most critical times. BUSINESS customers will receive regular communications and updates from their Account Support Lead in addition to support case escalation management for your most critical of support requests. </a:t>
+            </a:r>
+            <a:endParaRPr lang="en-US" sz="900" dirty="0">
+              <a:solidFill>
+                <a:schemeClr val="bg1"/>
+              </a:solidFill>
+              <a:latin typeface="Adobe Clean Light" panose="020B0303020404020204" pitchFamily="34" charset="0"/>
+              <a:cs typeface="AdobeClean-Light"/>
+            </a:endParaRPr>
           </a:p>
         </p:txBody>
       </p:sp>
@@ -2188,8 +2278,24 @@
               </a:spcBef>
             </a:pPr>
             <a:r>
-              <a:rPr lang="pt-BR"/>
-              <a:t>©2021 Adobe. All Rights Reserved. Adobe Confidential.</a:t>
+              <a:rPr spc="-5"/>
+              <a:t>©202</a:t>
+            </a:r>
+            <a:r>
+              <a:rPr lang="en-US" spc="-5"/>
+              <a:t>1</a:t>
+            </a:r>
+            <a:r>
+              <a:rPr spc="-5"/>
+              <a:t> Adobe. All Rights Reserved. Adobe</a:t>
+            </a:r>
+            <a:r>
+              <a:rPr spc="60"/>
+              <a:t> </a:t>
+            </a:r>
+            <a:r>
+              <a:rPr spc="-5"/>
+              <a:t>Confidential.</a:t>
             </a:r>
           </a:p>
         </p:txBody>
@@ -2203,14 +2309,14 @@
           <p:nvPr>
             <p:extLst>
               <p:ext uri="{D42A27DB-BD31-4B8C-83A1-F6EECF244321}">
-                <p14:modId xmlns:p14="http://schemas.microsoft.com/office/powerpoint/2010/main" val="2117478310"/>
+                <p14:modId xmlns:p14="http://schemas.microsoft.com/office/powerpoint/2010/main" val="2485809364"/>
               </p:ext>
             </p:extLst>
           </p:nvPr>
         </p:nvGraphicFramePr>
         <p:xfrm>
           <a:off x="118872" y="7475985"/>
-          <a:ext cx="7498851" cy="2281696"/>
+          <a:ext cx="7498851" cy="2223598"/>
         </p:xfrm>
         <a:graphic>
           <a:graphicData uri="http://schemas.openxmlformats.org/drawingml/2006/table">
@@ -2256,15 +2362,19 @@
                         </a:spcBef>
                       </a:pPr>
                       <a:r>
-                        <a:rPr lang="pt-BR" sz="900">
+                        <a:rPr sz="900" spc="0">
                           <a:solidFill>
                             <a:srgbClr val="020302"/>
                           </a:solidFill>
                           <a:latin typeface="Adobe Clean"/>
                           <a:cs typeface="Adobe Clean"/>
                         </a:rPr>
-                        <a:t>Prioridade</a:t>
+                        <a:t>Priority</a:t>
                       </a:r>
+                      <a:endParaRPr sz="900" spc="0">
+                        <a:latin typeface="Adobe Clean"/>
+                        <a:cs typeface="Adobe Clean"/>
+                      </a:endParaRPr>
                     </a:p>
                   </a:txBody>
                   <a:tcPr marL="0" marR="0" marT="7620" marB="0">
@@ -2302,34 +2412,38 @@
                     <a:bodyPr/>
                     <a:lstStyle/>
                     <a:p>
-                      <a:pPr marL="2540" marR="0" lvl="0" indent="0" algn="ctr" defTabSz="914400" eaLnBrk="1" fontAlgn="auto" latinLnBrk="0" hangingPunct="1">
+                      <a:pPr marL="135255" algn="ctr">
                         <a:lnSpc>
                           <a:spcPct val="100000"/>
                         </a:lnSpc>
                         <a:spcBef>
                           <a:spcPts val="60"/>
                         </a:spcBef>
-                        <a:spcAft>
-                          <a:spcPts val="0"/>
-                        </a:spcAft>
-                        <a:buClrTx/>
-                        <a:buSzTx/>
-                        <a:buFontTx/>
-                        <a:buNone/>
-                        <a:tabLst/>
-                        <a:defRPr/>
                       </a:pPr>
                       <a:r>
-                        <a:rPr lang="pt-BR" sz="900" dirty="0">
+                        <a:rPr lang="en-US" sz="900" spc="0" dirty="0">
                           <a:solidFill>
-                            <a:srgbClr val="404040"/>
+                            <a:srgbClr val="020302"/>
                           </a:solidFill>
                           <a:latin typeface="Adobe Clean"/>
-                          <a:ea typeface="+mn-ea"/>
                           <a:cs typeface="Adobe Clean"/>
                         </a:rPr>
-                        <a:t>Suporte Online</a:t>
+                        <a:t>Standard</a:t>
                       </a:r>
+                      <a:r>
+                        <a:rPr sz="900" spc="0" dirty="0">
+                          <a:solidFill>
+                            <a:srgbClr val="020302"/>
+                          </a:solidFill>
+                          <a:latin typeface="Adobe Clean"/>
+                          <a:cs typeface="Adobe Clean"/>
+                        </a:rPr>
+                        <a:t> Support</a:t>
+                      </a:r>
+                      <a:endParaRPr sz="900" spc="0" dirty="0">
+                        <a:latin typeface="Adobe Clean"/>
+                        <a:cs typeface="Adobe Clean"/>
+                      </a:endParaRPr>
                     </a:p>
                   </a:txBody>
                   <a:tcPr marL="182880" marT="91440" anchor="ctr">
@@ -2367,7 +2481,7 @@
                     <a:bodyPr/>
                     <a:lstStyle/>
                     <a:p>
-                      <a:pPr marL="2540" algn="ctr">
+                      <a:pPr marL="92710">
                         <a:lnSpc>
                           <a:spcPct val="100000"/>
                         </a:lnSpc>
@@ -2376,16 +2490,39 @@
                         </a:spcBef>
                       </a:pPr>
                       <a:r>
-                        <a:rPr lang="pt-BR" sz="900" dirty="0">
+                        <a:rPr sz="900" spc="0">
                           <a:solidFill>
                             <a:srgbClr val="FFFFFF"/>
                           </a:solidFill>
                           <a:latin typeface="Adobe Clean"/>
-                          <a:ea typeface="+mn-ea"/>
                           <a:cs typeface="Adobe Clean"/>
                         </a:rPr>
-                        <a:t>Suporte Business</a:t>
+                        <a:t>Business</a:t>
                       </a:r>
+                      <a:r>
+                        <a:rPr lang="en-US" sz="900" spc="0">
+                          <a:solidFill>
+                            <a:srgbClr val="FFFFFF"/>
+                          </a:solidFill>
+                          <a:latin typeface="Adobe Clean"/>
+                          <a:cs typeface="Adobe Clean"/>
+                        </a:rPr>
+                        <a:t> </a:t>
+                      </a:r>
+                      <a:r>
+                        <a:rPr sz="900" spc="0">
+                          <a:solidFill>
+                            <a:srgbClr val="FFFFFF"/>
+                          </a:solidFill>
+                          <a:latin typeface="Adobe Clean"/>
+                          <a:cs typeface="Adobe Clean"/>
+                        </a:rPr>
+                        <a:t>Support</a:t>
+                      </a:r>
+                      <a:endParaRPr sz="900" spc="0">
+                        <a:latin typeface="Adobe Clean"/>
+                        <a:cs typeface="Adobe Clean"/>
+                      </a:endParaRPr>
                     </a:p>
                   </a:txBody>
                   <a:tcPr marL="182880" marT="91440" anchor="ctr">
@@ -2439,15 +2576,19 @@
                         </a:spcBef>
                       </a:pPr>
                       <a:r>
-                        <a:rPr lang="pt-BR" sz="900" b="1" dirty="0">
+                        <a:rPr sz="900" b="1" spc="0">
                           <a:solidFill>
                             <a:srgbClr val="020302"/>
                           </a:solidFill>
                           <a:latin typeface="Adobe Clean"/>
                           <a:cs typeface="Adobe Clean"/>
                         </a:rPr>
-                        <a:t>PRIORIDADE 1</a:t>
+                        <a:t>PRIORITY 1</a:t>
                       </a:r>
+                      <a:endParaRPr sz="900" spc="0">
+                        <a:latin typeface="Adobe Clean"/>
+                        <a:cs typeface="Adobe Clean"/>
+                      </a:endParaRPr>
                     </a:p>
                     <a:p>
                       <a:pPr marL="50800" marR="387985" lvl="0" indent="0" algn="l" defTabSz="914400" rtl="0" eaLnBrk="1" fontAlgn="auto" latinLnBrk="0" hangingPunct="1">
@@ -2468,31 +2609,19 @@
                         <a:defRPr/>
                       </a:pPr>
                       <a:r>
-                        <a:rPr lang="pt-BR" sz="900" b="0" i="0" dirty="0">
+                        <a:rPr lang="en-US" sz="900" b="0" i="0" spc="0">
                           <a:solidFill>
                             <a:srgbClr val="000000"/>
                           </a:solidFill>
+                          <a:effectLst/>
                           <a:latin typeface="Adobe Clean Light" panose="020B0303020404020204" pitchFamily="34" charset="0"/>
                         </a:rPr>
-                        <a:t>As funções de produção do cliente estão inativas ou têm perda significativa de dados ou degradação de serviços, e é necessária atenção imediata para restaurar a funcionalidade </a:t>
+                        <a:t>Customer's production business functions are down or have significant data loss or service degradation and immediate attention is required to restore functionality and usability</a:t>
                       </a:r>
-                      <a:br>
-                        <a:rPr lang="pt-BR" sz="900" b="0" i="0" dirty="0">
-                          <a:solidFill>
-                            <a:srgbClr val="000000"/>
-                          </a:solidFill>
-                          <a:latin typeface="Adobe Clean Light" panose="020B0303020404020204" pitchFamily="34" charset="0"/>
-                        </a:rPr>
-                      </a:br>
-                      <a:r>
-                        <a:rPr lang="pt-BR" sz="900" b="0" i="0" dirty="0">
-                          <a:solidFill>
-                            <a:srgbClr val="000000"/>
-                          </a:solidFill>
-                          <a:latin typeface="Adobe Clean Light" panose="020B0303020404020204" pitchFamily="34" charset="0"/>
-                        </a:rPr>
-                        <a:t>e a usabilidade</a:t>
-                      </a:r>
+                      <a:endParaRPr lang="en-US" sz="900" b="0" i="0" spc="0">
+                        <a:latin typeface="Adobe Clean Light" panose="020B0303020404020204" pitchFamily="34" charset="0"/>
+                        <a:cs typeface="AdobeClean-Light"/>
+                      </a:endParaRPr>
                     </a:p>
                   </a:txBody>
                   <a:tcPr marL="0" marR="0" marT="3810" marB="0">
@@ -2536,15 +2665,59 @@
                         </a:spcBef>
                       </a:pPr>
                       <a:r>
-                        <a:rPr lang="pt-BR" sz="900" dirty="0">
+                        <a:rPr sz="900" spc="0">
                           <a:solidFill>
                             <a:srgbClr val="020302"/>
                           </a:solidFill>
                           <a:latin typeface="AdobeClean-Light"/>
                           <a:cs typeface="AdobeClean-Light"/>
                         </a:rPr>
-                        <a:t>24x7 / 1 hora</a:t>
+                        <a:t>24x7</a:t>
                       </a:r>
+                      <a:r>
+                        <a:rPr lang="en-US" sz="900" spc="0">
+                          <a:solidFill>
+                            <a:srgbClr val="020302"/>
+                          </a:solidFill>
+                          <a:latin typeface="AdobeClean-Light"/>
+                          <a:cs typeface="AdobeClean-Light"/>
+                        </a:rPr>
+                        <a:t> </a:t>
+                      </a:r>
+                      <a:r>
+                        <a:rPr sz="900" spc="0">
+                          <a:solidFill>
+                            <a:srgbClr val="020302"/>
+                          </a:solidFill>
+                          <a:latin typeface="AdobeClean-Light"/>
+                          <a:cs typeface="AdobeClean-Light"/>
+                        </a:rPr>
+                        <a:t>/</a:t>
+                      </a:r>
+                      <a:r>
+                        <a:rPr lang="en-US" sz="900" spc="0">
+                          <a:solidFill>
+                            <a:srgbClr val="020302"/>
+                          </a:solidFill>
+                          <a:latin typeface="AdobeClean-Light"/>
+                          <a:cs typeface="AdobeClean-Light"/>
+                        </a:rPr>
+                        <a:t> </a:t>
+                      </a:r>
+                      <a:r>
+                        <a:rPr sz="900" spc="0">
+                          <a:solidFill>
+                            <a:srgbClr val="020302"/>
+                          </a:solidFill>
+                          <a:latin typeface="AdobeClean-Light"/>
+                          <a:cs typeface="AdobeClean-Light"/>
+                        </a:rPr>
+                        <a:t>1 hour</a:t>
+                      </a:r>
+                      <a:endParaRPr sz="900" spc="0">
+                        <a:latin typeface="AdobeClean-Light"/>
+                        <a:cs typeface="AdobeClean-Light"/>
+                      </a:endParaRPr>
                     </a:p>
                   </a:txBody>
                   <a:tcPr marL="0" marR="0" marT="91440" marB="91440" anchor="ctr" anchorCtr="1">
@@ -2588,15 +2761,59 @@
                         </a:spcBef>
                       </a:pPr>
                       <a:r>
-                        <a:rPr lang="pt-BR" sz="900" dirty="0">
+                        <a:rPr sz="900" spc="0">
                           <a:solidFill>
                             <a:srgbClr val="020302"/>
                           </a:solidFill>
                           <a:latin typeface="AdobeClean-Light"/>
                           <a:cs typeface="AdobeClean-Light"/>
                         </a:rPr>
-                        <a:t>24x7 / 1 hora</a:t>
+                        <a:t>24x7</a:t>
                       </a:r>
+                      <a:r>
+                        <a:rPr lang="en-US" sz="900" spc="0">
+                          <a:solidFill>
+                            <a:srgbClr val="020302"/>
+                          </a:solidFill>
+                          <a:latin typeface="AdobeClean-Light"/>
+                          <a:cs typeface="AdobeClean-Light"/>
+                        </a:rPr>
+                        <a:t> </a:t>
+                      </a:r>
+                      <a:r>
+                        <a:rPr sz="900" spc="0">
+                          <a:solidFill>
+                            <a:srgbClr val="020302"/>
+                          </a:solidFill>
+                          <a:latin typeface="AdobeClean-Light"/>
+                          <a:cs typeface="AdobeClean-Light"/>
+                        </a:rPr>
+                        <a:t>/</a:t>
+                      </a:r>
+                      <a:r>
+                        <a:rPr lang="en-US" sz="900" spc="0">
+                          <a:solidFill>
+                            <a:srgbClr val="020302"/>
+                          </a:solidFill>
+                          <a:latin typeface="AdobeClean-Light"/>
+                          <a:cs typeface="AdobeClean-Light"/>
+                        </a:rPr>
+                        <a:t> </a:t>
+                      </a:r>
+                      <a:r>
+                        <a:rPr sz="900" spc="0">
+                          <a:solidFill>
+                            <a:srgbClr val="020302"/>
+                          </a:solidFill>
+                          <a:latin typeface="AdobeClean-Light"/>
+                          <a:cs typeface="AdobeClean-Light"/>
+                        </a:rPr>
+                        <a:t>1 hour</a:t>
+                      </a:r>
+                      <a:endParaRPr sz="900" spc="0">
+                        <a:latin typeface="AdobeClean-Light"/>
+                        <a:cs typeface="AdobeClean-Light"/>
+                      </a:endParaRPr>
                     </a:p>
                   </a:txBody>
                   <a:tcPr marL="0" marR="0" marT="91440" marB="91440" anchor="ctr" anchorCtr="1">
@@ -2652,15 +2869,19 @@
                         </a:spcBef>
                       </a:pPr>
                       <a:r>
-                        <a:rPr lang="pt-BR" sz="900" b="1" dirty="0">
+                        <a:rPr sz="900" b="1" spc="0">
                           <a:solidFill>
                             <a:srgbClr val="020302"/>
                           </a:solidFill>
                           <a:latin typeface="Adobe Clean"/>
                           <a:cs typeface="Adobe Clean"/>
                         </a:rPr>
-                        <a:t>PRIORIDADE 2</a:t>
+                        <a:t>PRIORITY 2</a:t>
                       </a:r>
+                      <a:endParaRPr sz="900" spc="0">
+                        <a:latin typeface="Adobe Clean"/>
+                        <a:cs typeface="Adobe Clean"/>
+                      </a:endParaRPr>
                     </a:p>
                     <a:p>
                       <a:pPr marL="50165" marR="203200">
@@ -2672,31 +2893,19 @@
                         </a:spcBef>
                       </a:pPr>
                       <a:r>
-                        <a:rPr lang="pt-BR" sz="900" b="0" i="0" dirty="0">
+                        <a:rPr lang="en-US" sz="900" b="0" i="0" spc="0">
                           <a:solidFill>
                             <a:srgbClr val="000000"/>
                           </a:solidFill>
+                          <a:effectLst/>
                           <a:latin typeface="Adobe Clean Light" panose="020B0303020404020204" pitchFamily="34" charset="0"/>
                         </a:rPr>
-                        <a:t>As funções empresariais do cliente têm grande degradação de serviços, perda potencial de dados </a:t>
+                        <a:t>Customer's business functions have major service degradation or potential data loss, or a major feature is impacted </a:t>
                       </a:r>
-                      <a:br>
-                        <a:rPr lang="pt-BR" sz="900" b="0" i="0" dirty="0">
-                          <a:solidFill>
-                            <a:srgbClr val="000000"/>
-                          </a:solidFill>
-                          <a:latin typeface="Adobe Clean Light" panose="020B0303020404020204" pitchFamily="34" charset="0"/>
-                        </a:rPr>
-                      </a:br>
-                      <a:r>
-                        <a:rPr lang="pt-BR" sz="900" b="0" i="0" dirty="0">
-                          <a:solidFill>
-                            <a:srgbClr val="000000"/>
-                          </a:solidFill>
-                          <a:latin typeface="Adobe Clean Light" panose="020B0303020404020204" pitchFamily="34" charset="0"/>
-                        </a:rPr>
-                        <a:t>ou foi afetado um recurso importante </a:t>
-                      </a:r>
+                      <a:endParaRPr lang="en-US" sz="900" b="0" i="0" spc="0">
+                        <a:latin typeface="Adobe Clean Light" panose="020B0303020404020204" pitchFamily="34" charset="0"/>
+                        <a:cs typeface="AdobeClean-Light"/>
+                      </a:endParaRPr>
                     </a:p>
                   </a:txBody>
                   <a:tcPr marL="0" marR="0" marT="3810" marB="0">
@@ -2731,7 +2940,7 @@
                     <a:bodyPr/>
                     <a:lstStyle/>
                     <a:p>
-                      <a:pPr marL="122238" marR="184785" indent="0" algn="ctr">
+                      <a:pPr marL="316865" marR="184785" indent="-193675" algn="ctr">
                         <a:lnSpc>
                           <a:spcPct val="100000"/>
                         </a:lnSpc>
@@ -2740,34 +2949,79 @@
                         </a:spcBef>
                       </a:pPr>
                       <a:r>
-                        <a:rPr lang="pt-BR" sz="900" dirty="0">
+                        <a:rPr sz="900" spc="0">
                           <a:solidFill>
                             <a:srgbClr val="020302"/>
                           </a:solidFill>
                           <a:latin typeface="AdobeClean-Light"/>
                           <a:cs typeface="AdobeClean-Light"/>
                         </a:rPr>
-                        <a:t>Horário comercial / </a:t>
+                        <a:t>Business</a:t>
                       </a:r>
-                      <a:br>
-                        <a:rPr lang="pt-BR" sz="900" dirty="0">
+                      <a:r>
+                        <a:rPr lang="en-US" sz="900" spc="0">
                           <a:solidFill>
                             <a:srgbClr val="020302"/>
                           </a:solidFill>
                           <a:latin typeface="AdobeClean-Light"/>
                           <a:cs typeface="AdobeClean-Light"/>
                         </a:rPr>
-                      </a:br>
+                        <a:t> </a:t>
+                      </a:r>
                       <a:r>
-                        <a:rPr lang="pt-BR" sz="900" dirty="0">
+                        <a:rPr sz="900" spc="0">
                           <a:solidFill>
                             <a:srgbClr val="020302"/>
                           </a:solidFill>
                           <a:latin typeface="AdobeClean-Light"/>
                           <a:cs typeface="AdobeClean-Light"/>
                         </a:rPr>
-                        <a:t>4 horas</a:t>
+                        <a:t>hours</a:t>
                       </a:r>
+                      <a:r>
+                        <a:rPr lang="en-US" sz="900" spc="0">
+                          <a:solidFill>
+                            <a:srgbClr val="020302"/>
+                          </a:solidFill>
+                          <a:latin typeface="AdobeClean-Light"/>
+                          <a:cs typeface="AdobeClean-Light"/>
+                        </a:rPr>
+                        <a:t> </a:t>
+                      </a:r>
+                      <a:r>
+                        <a:rPr sz="900" spc="0">
+                          <a:solidFill>
+                            <a:srgbClr val="020302"/>
+                          </a:solidFill>
+                          <a:latin typeface="AdobeClean-Light"/>
+                          <a:cs typeface="AdobeClean-Light"/>
+                        </a:rPr>
+                        <a:t>/</a:t>
+                      </a:r>
+                      <a:r>
+                        <a:rPr lang="en-US" sz="900" spc="0">
+                          <a:solidFill>
+                            <a:srgbClr val="020302"/>
+                          </a:solidFill>
+                          <a:latin typeface="AdobeClean-Light"/>
+                          <a:cs typeface="AdobeClean-Light"/>
+                        </a:rPr>
+                        <a:t> </a:t>
+                      </a:r>
+                      <a:r>
+                        <a:rPr sz="900" spc="0">
+                          <a:solidFill>
+                            <a:srgbClr val="020302"/>
+                          </a:solidFill>
+                          <a:latin typeface="AdobeClean-Light"/>
+                          <a:cs typeface="AdobeClean-Light"/>
+                        </a:rPr>
+                        <a:t>4 hours</a:t>
+                      </a:r>
+                      <a:endParaRPr sz="900" spc="0">
+                        <a:latin typeface="AdobeClean-Light"/>
+                        <a:cs typeface="AdobeClean-Light"/>
+                      </a:endParaRPr>
                     </a:p>
                   </a:txBody>
                   <a:tcPr marL="0" marR="0" marT="91440" marB="91440" anchor="ctr" anchorCtr="1">
@@ -2802,7 +3056,7 @@
                     <a:bodyPr/>
                     <a:lstStyle/>
                     <a:p>
-                      <a:pPr marL="125413" marR="184785" indent="-1588" algn="ctr">
+                      <a:pPr marL="317500" marR="184785" indent="-194310" algn="ctr">
                         <a:lnSpc>
                           <a:spcPct val="100000"/>
                         </a:lnSpc>
@@ -2811,37 +3065,89 @@
                         </a:spcBef>
                       </a:pPr>
                       <a:r>
-                        <a:rPr lang="pt-BR" sz="900" dirty="0">
+                        <a:rPr lang="en-US" sz="900" spc="0">
                           <a:solidFill>
                             <a:srgbClr val="020302"/>
                           </a:solidFill>
                           <a:latin typeface="AdobeClean-Light"/>
-                          <a:ea typeface="+mn-ea"/>
                           <a:cs typeface="AdobeClean-Light"/>
                         </a:rPr>
-                        <a:t>Horário comercial / </a:t>
+                        <a:t>    </a:t>
                       </a:r>
-                      <a:br>
-                        <a:rPr lang="pt-BR" sz="900" dirty="0">
+                      <a:r>
+                        <a:rPr sz="900" spc="0">
                           <a:solidFill>
                             <a:srgbClr val="020302"/>
                           </a:solidFill>
                           <a:latin typeface="AdobeClean-Light"/>
-                          <a:ea typeface="+mn-ea"/>
                           <a:cs typeface="AdobeClean-Light"/>
                         </a:rPr>
-                      </a:br>
+                        <a:t>Business</a:t>
+                      </a:r>
                       <a:r>
-                        <a:rPr lang="pt-BR" sz="900" dirty="0">
+                        <a:rPr lang="en-US" sz="900" spc="0">
                           <a:solidFill>
                             <a:srgbClr val="020302"/>
                           </a:solidFill>
                           <a:latin typeface="AdobeClean-Light"/>
-                          <a:ea typeface="+mn-ea"/>
                           <a:cs typeface="AdobeClean-Light"/>
                         </a:rPr>
-                        <a:t>2 horas</a:t>
+                        <a:t> </a:t>
                       </a:r>
+                      <a:r>
+                        <a:rPr sz="900" spc="0">
+                          <a:solidFill>
+                            <a:srgbClr val="020302"/>
+                          </a:solidFill>
+                          <a:latin typeface="AdobeClean-Light"/>
+                          <a:cs typeface="AdobeClean-Light"/>
+                        </a:rPr>
+                        <a:t>hours</a:t>
+                      </a:r>
+                      <a:r>
+                        <a:rPr lang="en-US" sz="900" spc="0">
+                          <a:solidFill>
+                            <a:srgbClr val="020302"/>
+                          </a:solidFill>
+                          <a:latin typeface="AdobeClean-Light"/>
+                          <a:cs typeface="AdobeClean-Light"/>
+                        </a:rPr>
+                        <a:t> / </a:t>
+                      </a:r>
+                      <a:r>
+                        <a:rPr sz="900" spc="0">
+                          <a:solidFill>
+                            <a:srgbClr val="020302"/>
+                          </a:solidFill>
+                          <a:latin typeface="AdobeClean-Light"/>
+                          <a:cs typeface="AdobeClean-Light"/>
+                        </a:rPr>
+                        <a:t>2</a:t>
+                      </a:r>
+                      <a:r>
+                        <a:rPr lang="en-US" sz="900" spc="0">
+                          <a:solidFill>
+                            <a:srgbClr val="020302"/>
+                          </a:solidFill>
+                          <a:latin typeface="AdobeClean-Light"/>
+                          <a:cs typeface="AdobeClean-Light"/>
+                        </a:rPr>
+                        <a:t> </a:t>
+                      </a:r>
+                      <a:r>
+                        <a:rPr sz="900" spc="0">
+                          <a:solidFill>
+                            <a:srgbClr val="020302"/>
+                          </a:solidFill>
+                          <a:latin typeface="AdobeClean-Light"/>
+                          <a:cs typeface="AdobeClean-Light"/>
+                        </a:rPr>
+                        <a:t>hours</a:t>
+                      </a:r>
+                      <a:endParaRPr sz="900" spc="0">
+                        <a:latin typeface="AdobeClean-Light"/>
+                        <a:cs typeface="AdobeClean-Light"/>
+                      </a:endParaRPr>
                     </a:p>
                   </a:txBody>
                   <a:tcPr marL="0" marR="0" marT="91440" marB="91440" anchor="ctr" anchorCtr="1">
@@ -2897,15 +3203,19 @@
                         </a:spcBef>
                       </a:pPr>
                       <a:r>
-                        <a:rPr lang="pt-BR" sz="900" b="1" dirty="0">
+                        <a:rPr sz="900" b="1" spc="0">
                           <a:solidFill>
                             <a:srgbClr val="020302"/>
                           </a:solidFill>
                           <a:latin typeface="Adobe Clean"/>
                           <a:cs typeface="Adobe Clean"/>
                         </a:rPr>
-                        <a:t>PRIORIDADE 3</a:t>
+                        <a:t>PRIORITY 3</a:t>
                       </a:r>
+                      <a:endParaRPr sz="900" spc="0">
+                        <a:latin typeface="Adobe Clean"/>
+                        <a:cs typeface="Adobe Clean"/>
+                      </a:endParaRPr>
                     </a:p>
                     <a:p>
                       <a:pPr marL="49530" marR="212090" indent="-2540">
@@ -2917,52 +3227,26 @@
                         </a:spcBef>
                       </a:pPr>
                       <a:r>
-                        <a:rPr kumimoji="0" lang="pt-BR" sz="900" b="0" i="0" u="none" strike="noStrike" cap="none" normalizeH="0" baseline="0" noProof="0" dirty="0">
+                        <a:rPr kumimoji="0" lang="en-US" sz="900" b="0" i="0" u="none" strike="noStrike" kern="1200" cap="none" spc="0" normalizeH="0" baseline="0" noProof="0">
                           <a:ln>
                             <a:noFill/>
                           </a:ln>
                           <a:solidFill>
                             <a:srgbClr val="000000"/>
                           </a:solidFill>
+                          <a:effectLst/>
                           <a:uLnTx/>
                           <a:uFillTx/>
                           <a:latin typeface="Adobe Clean Light" panose="020B0303020404020204" pitchFamily="34" charset="0"/>
                           <a:ea typeface="+mn-ea"/>
                           <a:cs typeface="+mn-cs"/>
                         </a:rPr>
-                        <a:t>As funções empresariais do cliente têm pouca degradação dos serviços, e há uma solução/</a:t>
+                        <a:t>Customer's business functions have minor service degradation but there exists a solution/workaround allowing business functions to continue </a:t>
                       </a:r>
-                      <a:br>
-                        <a:rPr kumimoji="0" lang="pt-BR" sz="900" b="0" i="0" u="none" strike="noStrike" cap="none" normalizeH="0" baseline="0" noProof="0" dirty="0">
-                          <a:ln>
-                            <a:noFill/>
-                          </a:ln>
-                          <a:solidFill>
-                            <a:srgbClr val="000000"/>
-                          </a:solidFill>
-                          <a:uLnTx/>
-                          <a:uFillTx/>
-                          <a:latin typeface="Adobe Clean Light" panose="020B0303020404020204" pitchFamily="34" charset="0"/>
-                          <a:ea typeface="+mn-ea"/>
-                          <a:cs typeface="+mn-cs"/>
-                        </a:rPr>
-                      </a:br>
-                      <a:r>
-                        <a:rPr kumimoji="0" lang="pt-BR" sz="900" b="0" i="0" u="none" strike="noStrike" cap="none" normalizeH="0" baseline="0" noProof="0" dirty="0">
-                          <a:ln>
-                            <a:noFill/>
-                          </a:ln>
-                          <a:solidFill>
-                            <a:srgbClr val="000000"/>
-                          </a:solidFill>
-                          <a:uLnTx/>
-                          <a:uFillTx/>
-                          <a:latin typeface="Adobe Clean Light" panose="020B0303020404020204" pitchFamily="34" charset="0"/>
-                          <a:ea typeface="+mn-ea"/>
-                          <a:cs typeface="+mn-cs"/>
-                        </a:rPr>
-                        <a:t>solução alternativa que permite que as funções empresariais continuem normalmente </a:t>
-                      </a:r>
+                      <a:endParaRPr lang="en-US" sz="900" b="0" i="0" spc="0">
+                        <a:latin typeface="Adobe Clean Light" panose="020B0303020404020204" pitchFamily="34" charset="0"/>
+                        <a:cs typeface="AdobeClean-Light"/>
+                      </a:endParaRPr>
                     </a:p>
                   </a:txBody>
                   <a:tcPr marL="0" marR="0" marT="3810" marB="0">
@@ -2997,46 +3281,98 @@
                     <a:bodyPr/>
                     <a:lstStyle/>
                     <a:p>
-                      <a:pPr marL="122238" marR="184785" indent="0" algn="ctr">
+                      <a:pPr marL="313690" marR="184150" indent="-189865" algn="ctr">
                         <a:lnSpc>
                           <a:spcPct val="100000"/>
                         </a:lnSpc>
                         <a:spcBef>
-                          <a:spcPts val="670"/>
+                          <a:spcPts val="645"/>
                         </a:spcBef>
                       </a:pPr>
                       <a:r>
-                        <a:rPr lang="pt-BR" sz="900" dirty="0">
+                        <a:rPr lang="en-US" sz="900" spc="0">
                           <a:solidFill>
                             <a:srgbClr val="020302"/>
                           </a:solidFill>
                           <a:latin typeface="AdobeClean-Light"/>
-                          <a:ea typeface="+mn-ea"/>
                           <a:cs typeface="AdobeClean-Light"/>
                         </a:rPr>
-                        <a:t>   Horário comercial / </a:t>
+                        <a:t>   </a:t>
                       </a:r>
-                      <a:br>
-                        <a:rPr lang="pt-BR" sz="900" dirty="0">
+                      <a:r>
+                        <a:rPr sz="900" spc="0">
                           <a:solidFill>
                             <a:srgbClr val="020302"/>
                           </a:solidFill>
                           <a:latin typeface="AdobeClean-Light"/>
-                          <a:ea typeface="+mn-ea"/>
                           <a:cs typeface="AdobeClean-Light"/>
                         </a:rPr>
-                      </a:br>
+                        <a:t>Business</a:t>
+                      </a:r>
                       <a:r>
-                        <a:rPr lang="pt-BR" sz="900" dirty="0">
+                        <a:rPr lang="en-US" sz="900" spc="0">
                           <a:solidFill>
                             <a:srgbClr val="020302"/>
                           </a:solidFill>
                           <a:latin typeface="AdobeClean-Light"/>
-                          <a:ea typeface="+mn-ea"/>
                           <a:cs typeface="AdobeClean-Light"/>
                         </a:rPr>
-                        <a:t>6 horas</a:t>
+                        <a:t> </a:t>
                       </a:r>
+                      <a:r>
+                        <a:rPr sz="900" spc="0">
+                          <a:solidFill>
+                            <a:srgbClr val="020302"/>
+                          </a:solidFill>
+                          <a:latin typeface="AdobeClean-Light"/>
+                          <a:cs typeface="AdobeClean-Light"/>
+                        </a:rPr>
+                        <a:t>hours</a:t>
+                      </a:r>
+                      <a:r>
+                        <a:rPr lang="en-US" sz="900" spc="0">
+                          <a:solidFill>
+                            <a:srgbClr val="020302"/>
+                          </a:solidFill>
+                          <a:latin typeface="AdobeClean-Light"/>
+                          <a:cs typeface="AdobeClean-Light"/>
+                        </a:rPr>
+                        <a:t> / </a:t>
+                      </a:r>
+                      <a:r>
+                        <a:rPr sz="900" spc="0">
+                          <a:solidFill>
+                            <a:srgbClr val="020302"/>
+                          </a:solidFill>
+                          <a:latin typeface="AdobeClean-Light"/>
+                          <a:cs typeface="AdobeClean-Light"/>
+                        </a:rPr>
+                        <a:t>6</a:t>
+                      </a:r>
+                      <a:r>
+                        <a:rPr lang="en-US" sz="900" spc="0">
+                          <a:solidFill>
+                            <a:srgbClr val="020302"/>
+                          </a:solidFill>
+                          <a:latin typeface="AdobeClean-Light"/>
+                          <a:cs typeface="AdobeClean-Light"/>
+                        </a:rPr>
+                        <a:t> </a:t>
+                      </a:r>
+                      <a:r>
+                        <a:rPr sz="900" spc="0">
+                          <a:solidFill>
+                            <a:srgbClr val="020302"/>
+                          </a:solidFill>
+                          <a:latin typeface="AdobeClean-Light"/>
+                          <a:cs typeface="AdobeClean-Light"/>
+                        </a:rPr>
+                        <a:t>hours</a:t>
+                      </a:r>
+                      <a:endParaRPr sz="900" spc="0">
+                        <a:latin typeface="AdobeClean-Light"/>
+                        <a:cs typeface="AdobeClean-Light"/>
+                      </a:endParaRPr>
                     </a:p>
                   </a:txBody>
                   <a:tcPr marL="0" marR="0" marT="91440" marB="91440" anchor="ctr" anchorCtr="1">
@@ -3071,46 +3407,88 @@
                     <a:bodyPr/>
                     <a:lstStyle/>
                     <a:p>
-                      <a:pPr marL="122238" marR="184785" indent="0" algn="ctr">
+                      <a:pPr marL="316230" marR="185420" indent="-193675" algn="ctr">
                         <a:lnSpc>
                           <a:spcPct val="100000"/>
                         </a:lnSpc>
                         <a:spcBef>
-                          <a:spcPts val="670"/>
+                          <a:spcPts val="645"/>
                         </a:spcBef>
                       </a:pPr>
                       <a:r>
-                        <a:rPr lang="pt-BR" sz="900" dirty="0">
+                        <a:rPr sz="900" spc="0">
                           <a:solidFill>
                             <a:srgbClr val="020302"/>
                           </a:solidFill>
                           <a:latin typeface="AdobeClean-Light"/>
-                          <a:ea typeface="+mn-ea"/>
                           <a:cs typeface="AdobeClean-Light"/>
                         </a:rPr>
-                        <a:t>Horário comercial / </a:t>
+                        <a:t>Business</a:t>
                       </a:r>
-                      <a:br>
-                        <a:rPr lang="pt-BR" sz="900" dirty="0">
+                      <a:r>
+                        <a:rPr lang="en-US" sz="900" spc="0">
                           <a:solidFill>
                             <a:srgbClr val="020302"/>
                           </a:solidFill>
                           <a:latin typeface="AdobeClean-Light"/>
-                          <a:ea typeface="+mn-ea"/>
                           <a:cs typeface="AdobeClean-Light"/>
                         </a:rPr>
-                      </a:br>
+                        <a:t> </a:t>
+                      </a:r>
                       <a:r>
-                        <a:rPr lang="pt-BR" sz="900" dirty="0">
+                        <a:rPr sz="900" spc="0">
                           <a:solidFill>
                             <a:srgbClr val="020302"/>
                           </a:solidFill>
                           <a:latin typeface="AdobeClean-Light"/>
-                          <a:ea typeface="+mn-ea"/>
                           <a:cs typeface="AdobeClean-Light"/>
                         </a:rPr>
-                        <a:t>4 horas</a:t>
+                        <a:t>hours</a:t>
                       </a:r>
+                      <a:r>
+                        <a:rPr lang="en-US" sz="900" spc="0">
+                          <a:solidFill>
+                            <a:srgbClr val="020302"/>
+                          </a:solidFill>
+                          <a:latin typeface="AdobeClean-Light"/>
+                          <a:cs typeface="AdobeClean-Light"/>
+                        </a:rPr>
+                        <a:t> </a:t>
+                      </a:r>
+                      <a:r>
+                        <a:rPr sz="900" spc="0">
+                          <a:solidFill>
+                            <a:srgbClr val="020302"/>
+                          </a:solidFill>
+                          <a:latin typeface="AdobeClean-Light"/>
+                          <a:cs typeface="AdobeClean-Light"/>
+                        </a:rPr>
+                        <a:t>/ 4</a:t>
+                      </a:r>
+                      <a:r>
+                        <a:rPr lang="en-US" sz="900" spc="0">
+                          <a:solidFill>
+                            <a:srgbClr val="020302"/>
+                          </a:solidFill>
+                          <a:latin typeface="AdobeClean-Light"/>
+                          <a:cs typeface="AdobeClean-Light"/>
+                        </a:rPr>
+                        <a:t> </a:t>
+                      </a:r>
+                      <a:r>
+                        <a:rPr sz="900" spc="0">
+                          <a:solidFill>
+                            <a:srgbClr val="020302"/>
+                          </a:solidFill>
+                          <a:latin typeface="AdobeClean-Light"/>
+                          <a:cs typeface="AdobeClean-Light"/>
+                        </a:rPr>
+                        <a:t>hours</a:t>
+                      </a:r>
+                      <a:endParaRPr sz="900" spc="0">
+                        <a:latin typeface="AdobeClean-Light"/>
+                        <a:cs typeface="AdobeClean-Light"/>
+                      </a:endParaRPr>
                     </a:p>
                   </a:txBody>
                   <a:tcPr marL="0" marR="0" marT="91440" marB="91440" anchor="ctr" anchorCtr="1">
@@ -3166,15 +3544,19 @@
                         </a:spcBef>
                       </a:pPr>
                       <a:r>
-                        <a:rPr lang="pt-BR" sz="900" b="1">
+                        <a:rPr sz="900" b="1" spc="0">
                           <a:solidFill>
                             <a:srgbClr val="020302"/>
                           </a:solidFill>
                           <a:latin typeface="Adobe Clean"/>
                           <a:cs typeface="Adobe Clean"/>
                         </a:rPr>
-                        <a:t>PRIORIDADE 4</a:t>
+                        <a:t>PRIORITY 4</a:t>
                       </a:r>
+                      <a:endParaRPr sz="900" spc="0">
+                        <a:latin typeface="Adobe Clean"/>
+                        <a:cs typeface="Adobe Clean"/>
+                      </a:endParaRPr>
                     </a:p>
                     <a:p>
                       <a:pPr marL="48895" marR="0" lvl="0" indent="0" defTabSz="914400" eaLnBrk="1" fontAlgn="auto" latinLnBrk="0" hangingPunct="1">
@@ -3195,14 +3577,19 @@
                         <a:defRPr/>
                       </a:pPr>
                       <a:r>
-                        <a:rPr lang="pt-BR" sz="900" b="0" i="0">
+                        <a:rPr lang="en-US" sz="900" b="0" i="0" spc="0">
                           <a:solidFill>
                             <a:srgbClr val="000000"/>
                           </a:solidFill>
+                          <a:effectLst/>
                           <a:latin typeface="Adobe Clean Light" panose="020B0303020404020204" pitchFamily="34" charset="0"/>
                         </a:rPr>
-                        <a:t>Pergunta geral sobre a funcionalidade atual do produto ou solicitação de melhoria</a:t>
+                        <a:t>General question regarding current product functionality or an enhancement request</a:t>
                       </a:r>
+                      <a:endParaRPr lang="en-US" sz="900" b="0" i="0" spc="0">
+                        <a:latin typeface="Adobe Clean Light" panose="020B0303020404020204" pitchFamily="34" charset="0"/>
+                        <a:cs typeface="AdobeClean-Light"/>
+                      </a:endParaRPr>
                     </a:p>
                   </a:txBody>
                   <a:tcPr marL="0" marR="0" marT="1905" marB="0">
@@ -3246,15 +3633,69 @@
                         </a:spcBef>
                       </a:pPr>
                       <a:r>
-                        <a:rPr lang="pt-BR" sz="900">
+                        <a:rPr lang="en-US" sz="900" spc="0">
                           <a:solidFill>
                             <a:srgbClr val="020302"/>
                           </a:solidFill>
                           <a:latin typeface="AdobeClean-Light"/>
                           <a:cs typeface="AdobeClean-Light"/>
                         </a:rPr>
-                        <a:t>  Dias úteis / 3 dias</a:t>
+                        <a:t>  </a:t>
                       </a:r>
+                      <a:r>
+                        <a:rPr sz="900" spc="0">
+                          <a:solidFill>
+                            <a:srgbClr val="020302"/>
+                          </a:solidFill>
+                          <a:latin typeface="AdobeClean-Light"/>
+                          <a:cs typeface="AdobeClean-Light"/>
+                        </a:rPr>
+                        <a:t>Business</a:t>
+                      </a:r>
+                      <a:r>
+                        <a:rPr lang="en-US" sz="900" spc="0">
+                          <a:solidFill>
+                            <a:srgbClr val="020302"/>
+                          </a:solidFill>
+                          <a:latin typeface="AdobeClean-Light"/>
+                          <a:cs typeface="AdobeClean-Light"/>
+                        </a:rPr>
+                        <a:t> </a:t>
+                      </a:r>
+                      <a:r>
+                        <a:rPr sz="900" spc="0">
+                          <a:solidFill>
+                            <a:srgbClr val="020302"/>
+                          </a:solidFill>
+                          <a:latin typeface="AdobeClean-Light"/>
+                          <a:cs typeface="AdobeClean-Light"/>
+                        </a:rPr>
+                        <a:t>days</a:t>
+                      </a:r>
+                      <a:r>
+                        <a:rPr lang="en-US" sz="900" spc="0">
+                          <a:solidFill>
+                            <a:srgbClr val="020302"/>
+                          </a:solidFill>
+                          <a:latin typeface="AdobeClean-Light"/>
+                          <a:cs typeface="AdobeClean-Light"/>
+                        </a:rPr>
+                        <a:t> / </a:t>
+                      </a:r>
+                      <a:r>
+                        <a:rPr sz="900" spc="0">
+                          <a:solidFill>
+                            <a:srgbClr val="020302"/>
+                          </a:solidFill>
+                          <a:latin typeface="AdobeClean-Light"/>
+                          <a:cs typeface="AdobeClean-Light"/>
+                        </a:rPr>
+                        <a:t>3 days</a:t>
+                      </a:r>
+                      <a:endParaRPr sz="900" spc="0">
+                        <a:latin typeface="AdobeClean-Light"/>
+                        <a:cs typeface="AdobeClean-Light"/>
+                      </a:endParaRPr>
                     </a:p>
                   </a:txBody>
                   <a:tcPr marL="0" marR="0" marT="91440" marB="91440" anchor="ctr" anchorCtr="1">
@@ -3298,15 +3739,79 @@
                         </a:spcBef>
                       </a:pPr>
                       <a:r>
-                        <a:rPr lang="pt-BR" sz="900" dirty="0">
+                        <a:rPr sz="900" spc="0" dirty="0">
                           <a:solidFill>
                             <a:srgbClr val="020302"/>
                           </a:solidFill>
                           <a:latin typeface="AdobeClean-Light"/>
                           <a:cs typeface="AdobeClean-Light"/>
                         </a:rPr>
-                        <a:t>Dias úteis / 1 dia</a:t>
+                        <a:t>Business</a:t>
                       </a:r>
+                      <a:r>
+                        <a:rPr lang="en-US" sz="900" spc="0" dirty="0">
+                          <a:solidFill>
+                            <a:srgbClr val="020302"/>
+                          </a:solidFill>
+                          <a:latin typeface="AdobeClean-Light"/>
+                          <a:cs typeface="AdobeClean-Light"/>
+                        </a:rPr>
+                        <a:t> </a:t>
+                      </a:r>
+                      <a:r>
+                        <a:rPr sz="900" spc="0" dirty="0">
+                          <a:solidFill>
+                            <a:srgbClr val="020302"/>
+                          </a:solidFill>
+                          <a:latin typeface="AdobeClean-Light"/>
+                          <a:cs typeface="AdobeClean-Light"/>
+                        </a:rPr>
+                        <a:t>day</a:t>
+                      </a:r>
+                      <a:r>
+                        <a:rPr lang="en-US" sz="900" spc="0" dirty="0">
+                          <a:solidFill>
+                            <a:srgbClr val="020302"/>
+                          </a:solidFill>
+                          <a:latin typeface="AdobeClean-Light"/>
+                          <a:cs typeface="AdobeClean-Light"/>
+                        </a:rPr>
+                        <a:t>s </a:t>
+                      </a:r>
+                      <a:r>
+                        <a:rPr sz="900" spc="0" dirty="0">
+                          <a:solidFill>
+                            <a:srgbClr val="020302"/>
+                          </a:solidFill>
+                          <a:latin typeface="AdobeClean-Light"/>
+                          <a:cs typeface="AdobeClean-Light"/>
+                        </a:rPr>
+                        <a:t>/</a:t>
+                      </a:r>
+                      <a:r>
+                        <a:rPr lang="en-US" sz="900" spc="0" dirty="0">
+                          <a:solidFill>
+                            <a:srgbClr val="020302"/>
+                          </a:solidFill>
+                          <a:latin typeface="AdobeClean-Light"/>
+                          <a:cs typeface="AdobeClean-Light"/>
+                        </a:rPr>
+                        <a:t> </a:t>
+                      </a:r>
+                      <a:r>
+                        <a:rPr sz="900" spc="0" dirty="0">
+                          <a:solidFill>
+                            <a:srgbClr val="020302"/>
+                          </a:solidFill>
+                          <a:latin typeface="AdobeClean-Light"/>
+                          <a:cs typeface="AdobeClean-Light"/>
+                        </a:rPr>
+                        <a:t>1 day</a:t>
+                      </a:r>
+                      <a:endParaRPr sz="900" spc="0" dirty="0">
+                        <a:latin typeface="AdobeClean-Light"/>
+                        <a:cs typeface="AdobeClean-Light"/>
+                      </a:endParaRPr>
                     </a:p>
                   </a:txBody>
                   <a:tcPr marL="0" marR="0" marT="91440" marB="91440" anchor="ctr" anchorCtr="1">
@@ -3366,7 +3871,7 @@
           <p:nvPr>
             <p:extLst>
               <p:ext uri="{D42A27DB-BD31-4B8C-83A1-F6EECF244321}">
-                <p14:modId xmlns:p14="http://schemas.microsoft.com/office/powerpoint/2010/main" val="1469976293"/>
+                <p14:modId xmlns:p14="http://schemas.microsoft.com/office/powerpoint/2010/main" val="1162910209"/>
               </p:ext>
             </p:extLst>
           </p:nvPr>
@@ -3455,15 +3960,39 @@
                         <a:defRPr/>
                       </a:pPr>
                       <a:r>
-                        <a:rPr lang="pt-BR" sz="900" dirty="0">
+                        <a:rPr lang="en-US" sz="900" spc="-20" dirty="0">
                           <a:solidFill>
                             <a:srgbClr val="404040"/>
                           </a:solidFill>
                           <a:latin typeface="Adobe Clean"/>
                           <a:cs typeface="Adobe Clean"/>
                         </a:rPr>
-                        <a:t>Suporte Online</a:t>
+                        <a:t>Standard </a:t>
                       </a:r>
+                      <a:r>
+                        <a:rPr lang="en-US" sz="900" spc="-135" dirty="0">
+                          <a:solidFill>
+                            <a:srgbClr val="404040"/>
+                          </a:solidFill>
+                          <a:latin typeface="Adobe Clean"/>
+                          <a:cs typeface="Adobe Clean"/>
+                        </a:rPr>
+                        <a:t> </a:t>
+                      </a:r>
+                      <a:r>
+                        <a:rPr lang="en-US" sz="900" spc="-20" dirty="0">
+                          <a:solidFill>
+                            <a:srgbClr val="404040"/>
+                          </a:solidFill>
+                          <a:latin typeface="Adobe Clean"/>
+                          <a:cs typeface="Adobe Clean"/>
+                        </a:rPr>
+                        <a:t>Support</a:t>
+                      </a:r>
+                      <a:endParaRPr lang="en-US" sz="900" dirty="0">
+                        <a:latin typeface="Adobe Clean"/>
+                        <a:cs typeface="Adobe Clean"/>
+                      </a:endParaRPr>
                     </a:p>
                   </a:txBody>
                   <a:tcPr marL="0" marR="0" marT="7620" marB="0" anchor="ctr">
@@ -3504,15 +4033,39 @@
                         </a:spcBef>
                       </a:pPr>
                       <a:r>
-                        <a:rPr lang="pt-BR" sz="900" dirty="0">
+                        <a:rPr sz="900" spc="-20">
                           <a:solidFill>
                             <a:srgbClr val="FFFFFF"/>
                           </a:solidFill>
                           <a:latin typeface="Adobe Clean"/>
                           <a:cs typeface="Adobe Clean"/>
                         </a:rPr>
-                        <a:t>Suporte Business</a:t>
+                        <a:t>Business</a:t>
                       </a:r>
+                      <a:r>
+                        <a:rPr lang="en-US" sz="900" spc="-20">
+                          <a:solidFill>
+                            <a:srgbClr val="FFFFFF"/>
+                          </a:solidFill>
+                          <a:latin typeface="Adobe Clean"/>
+                          <a:cs typeface="Adobe Clean"/>
+                        </a:rPr>
+                        <a:t> </a:t>
+                      </a:r>
+                      <a:r>
+                        <a:rPr sz="900" spc="-20">
+                          <a:solidFill>
+                            <a:srgbClr val="FFFFFF"/>
+                          </a:solidFill>
+                          <a:latin typeface="Adobe Clean"/>
+                          <a:cs typeface="Adobe Clean"/>
+                        </a:rPr>
+                        <a:t>Support</a:t>
+                      </a:r>
+                      <a:endParaRPr sz="900">
+                        <a:latin typeface="Adobe Clean"/>
+                        <a:cs typeface="Adobe Clean"/>
+                      </a:endParaRPr>
                     </a:p>
                   </a:txBody>
                   <a:tcPr marL="0" marR="0" marT="7620" marB="0" anchor="ctr">
@@ -3577,7 +4130,7 @@
                     <a:bodyPr/>
                     <a:lstStyle/>
                     <a:p>
-                      <a:pPr marL="0" marR="0" lvl="0" indent="0" algn="l" defTabSz="914400" rtl="0" eaLnBrk="1" fontAlgn="auto" latinLnBrk="0" hangingPunct="1">
+                      <a:pPr marL="0" marR="0" lvl="0" indent="0" algn="ctr" defTabSz="914400" eaLnBrk="1" fontAlgn="auto" latinLnBrk="0" hangingPunct="1">
                         <a:lnSpc>
                           <a:spcPct val="100000"/>
                         </a:lnSpc>
@@ -3658,13 +4211,13 @@
                         <a:defRPr/>
                       </a:pPr>
                       <a:r>
-                        <a:rPr lang="pt-BR" sz="800" i="1">
+                        <a:rPr lang="en-US" sz="800" i="1">
                           <a:solidFill>
                             <a:schemeClr val="bg1"/>
                           </a:solidFill>
                           <a:latin typeface="Adobe Clean Light" panose="020B0303020404020204" pitchFamily="34" charset="0"/>
                         </a:rPr>
-                        <a:t>Suporte pago ($)</a:t>
+                        <a:t>Paid Support ($)</a:t>
                       </a:r>
                     </a:p>
                   </a:txBody>
@@ -3728,15 +4281,22 @@
                         </a:spcBef>
                       </a:pPr>
                       <a:r>
-                        <a:rPr lang="pt-BR" sz="1000" b="1" i="0">
+                        <a:rPr lang="en-US" sz="1000" b="1" i="0" spc="0">
                           <a:solidFill>
                             <a:schemeClr val="bg1"/>
                           </a:solidFill>
                           <a:latin typeface="Adobe Clean" panose="020B0503020404020204" pitchFamily="34" charset="0"/>
                           <a:cs typeface="AdobeClean-Light"/>
                         </a:rPr>
-                        <a:t>Especialistas atribuídos</a:t>
+                        <a:t>Assigned Experts</a:t>
                       </a:r>
+                      <a:endParaRPr sz="1000" b="1" i="0" spc="0">
+                        <a:solidFill>
+                          <a:schemeClr val="bg1"/>
+                        </a:solidFill>
+                        <a:latin typeface="Adobe Clean" panose="020B0503020404020204" pitchFamily="34" charset="0"/>
+                        <a:cs typeface="AdobeClean-Light"/>
+                      </a:endParaRPr>
                     </a:p>
                   </a:txBody>
                   <a:tcPr marL="0" marR="0" marT="58419" marB="0" anchor="ctr">
@@ -3783,15 +4343,19 @@
                         </a:spcBef>
                       </a:pPr>
                       <a:r>
-                        <a:rPr lang="pt-BR" sz="900">
+                        <a:rPr sz="900" spc="0">
                           <a:solidFill>
                             <a:srgbClr val="020302"/>
                           </a:solidFill>
                           <a:latin typeface="AdobeClean-Light"/>
                           <a:cs typeface="AdobeClean-Light"/>
                         </a:rPr>
-                        <a:t>Líder de suporte da conta</a:t>
+                        <a:t>Account Support Lead</a:t>
                       </a:r>
+                      <a:endParaRPr sz="900" spc="0">
+                        <a:latin typeface="AdobeClean-Light"/>
+                        <a:cs typeface="AdobeClean-Light"/>
+                      </a:endParaRPr>
                     </a:p>
                   </a:txBody>
                   <a:tcPr marL="0" marR="0" marT="58419" marB="0">
@@ -3826,7 +4390,7 @@
                     <a:bodyPr/>
                     <a:lstStyle/>
                     <a:p>
-                      <a:pPr algn="l" rtl="0">
+                      <a:pPr algn="ctr">
                         <a:lnSpc>
                           <a:spcPct val="100000"/>
                         </a:lnSpc>
@@ -3876,7 +4440,7 @@
                         </a:spcBef>
                       </a:pPr>
                       <a:r>
-                        <a:rPr lang="pt-BR" sz="900">
+                        <a:rPr sz="900">
                           <a:solidFill>
                             <a:srgbClr val="020302"/>
                           </a:solidFill>
@@ -3885,6 +4449,10 @@
                         </a:rPr>
                         <a:t></a:t>
                       </a:r>
+                      <a:endParaRPr sz="900">
+                        <a:latin typeface="Wingdings"/>
+                        <a:cs typeface="Wingdings"/>
+                      </a:endParaRPr>
                     </a:p>
                   </a:txBody>
                   <a:tcPr marL="0" marR="0" marT="59690" marB="0" anchor="ctr">
@@ -3916,7 +4484,7 @@
                     <a:bodyPr/>
                     <a:lstStyle/>
                     <a:p>
-                      <a:pPr marL="50800" algn="l" rtl="0">
+                      <a:pPr marL="50800">
                         <a:lnSpc>
                           <a:spcPct val="100000"/>
                         </a:lnSpc>
@@ -3962,15 +4530,19 @@
                         </a:spcBef>
                       </a:pPr>
                       <a:r>
-                        <a:rPr lang="pt-BR" sz="900">
+                        <a:rPr sz="900" spc="0">
                           <a:solidFill>
                             <a:srgbClr val="020302"/>
                           </a:solidFill>
                           <a:latin typeface="AdobeClean-Light"/>
                           <a:cs typeface="AdobeClean-Light"/>
                         </a:rPr>
-                        <a:t>Engenheiro de suporte nomeado</a:t>
+                        <a:t>Named Support Engineer</a:t>
                       </a:r>
+                      <a:endParaRPr sz="900" spc="0">
+                        <a:latin typeface="AdobeClean-Light"/>
+                        <a:cs typeface="AdobeClean-Light"/>
+                      </a:endParaRPr>
                     </a:p>
                   </a:txBody>
                   <a:tcPr marL="0" marR="0" marT="58419" marB="0">
@@ -3993,7 +4565,7 @@
                     <a:bodyPr/>
                     <a:lstStyle/>
                     <a:p>
-                      <a:pPr algn="l" rtl="0">
+                      <a:pPr algn="ctr">
                         <a:lnSpc>
                           <a:spcPct val="100000"/>
                         </a:lnSpc>
@@ -4022,7 +4594,7 @@
                     <a:bodyPr/>
                     <a:lstStyle/>
                     <a:p>
-                      <a:pPr algn="l" rtl="0">
+                      <a:pPr algn="ctr">
                         <a:lnSpc>
                           <a:spcPct val="100000"/>
                         </a:lnSpc>
@@ -4053,7 +4625,7 @@
                     <a:bodyPr/>
                     <a:lstStyle/>
                     <a:p>
-                      <a:pPr marL="50800" algn="l" rtl="0">
+                      <a:pPr marL="50800">
                         <a:lnSpc>
                           <a:spcPct val="100000"/>
                         </a:lnSpc>
@@ -4111,15 +4683,19 @@
                         </a:spcBef>
                       </a:pPr>
                       <a:r>
-                        <a:rPr lang="pt-BR" sz="900">
+                        <a:rPr sz="900" spc="0">
                           <a:solidFill>
                             <a:srgbClr val="020302"/>
                           </a:solidFill>
                           <a:latin typeface="AdobeClean-Light"/>
                           <a:cs typeface="AdobeClean-Light"/>
                         </a:rPr>
-                        <a:t>Gerente técnico de conta</a:t>
+                        <a:t>Technical Account Manager</a:t>
                       </a:r>
+                      <a:endParaRPr sz="900" spc="0">
+                        <a:latin typeface="AdobeClean-Light"/>
+                        <a:cs typeface="AdobeClean-Light"/>
+                      </a:endParaRPr>
                     </a:p>
                   </a:txBody>
                   <a:tcPr marL="0" marR="0" marT="63500" marB="0">
@@ -4148,7 +4724,7 @@
                     <a:bodyPr/>
                     <a:lstStyle/>
                     <a:p>
-                      <a:pPr algn="l" rtl="0">
+                      <a:pPr algn="ctr">
                         <a:lnSpc>
                           <a:spcPct val="100000"/>
                         </a:lnSpc>
@@ -4186,7 +4762,7 @@
                     <a:bodyPr/>
                     <a:lstStyle/>
                     <a:p>
-                      <a:pPr algn="l" rtl="0">
+                      <a:pPr algn="ctr">
                         <a:lnSpc>
                           <a:spcPct val="100000"/>
                         </a:lnSpc>
@@ -4235,15 +4811,22 @@
                         </a:spcBef>
                       </a:pPr>
                       <a:r>
-                        <a:rPr lang="pt-BR" sz="1000" b="1" i="0">
+                        <a:rPr lang="en-US" sz="1000" b="1" i="0" spc="0">
                           <a:solidFill>
                             <a:schemeClr val="bg1"/>
                           </a:solidFill>
                           <a:latin typeface="Adobe Clean" panose="020B0503020404020204" pitchFamily="34" charset="0"/>
                           <a:cs typeface="AdobeClean-Light"/>
                         </a:rPr>
-                        <a:t>Serviços de suporte</a:t>
+                        <a:t>Support Services</a:t>
                       </a:r>
+                      <a:endParaRPr sz="1000" b="1" i="0" spc="0">
+                        <a:solidFill>
+                          <a:schemeClr val="bg1"/>
+                        </a:solidFill>
+                        <a:latin typeface="Adobe Clean" panose="020B0503020404020204" pitchFamily="34" charset="0"/>
+                        <a:cs typeface="AdobeClean-Light"/>
+                      </a:endParaRPr>
                     </a:p>
                   </a:txBody>
                   <a:tcPr marL="0" marR="0" marT="57150" marB="0" anchor="ctr">
@@ -4299,15 +4882,29 @@
                         </a:spcBef>
                       </a:pPr>
                       <a:r>
-                        <a:rPr lang="pt-BR" sz="900">
+                        <a:rPr lang="en-US" sz="900" spc="0">
                           <a:solidFill>
                             <a:srgbClr val="020302"/>
                           </a:solidFill>
                           <a:latin typeface="AdobeClean-Light"/>
                           <a:cs typeface="AdobeClean-Light"/>
                         </a:rPr>
-                        <a:t>Suporte Online</a:t>
+                        <a:t>Online</a:t>
                       </a:r>
+                      <a:r>
+                        <a:rPr sz="900" spc="0">
+                          <a:solidFill>
+                            <a:srgbClr val="020302"/>
+                          </a:solidFill>
+                          <a:latin typeface="AdobeClean-Light"/>
+                          <a:cs typeface="AdobeClean-Light"/>
+                        </a:rPr>
+                        <a:t> Support</a:t>
+                      </a:r>
+                      <a:endParaRPr sz="900" spc="0">
+                        <a:latin typeface="AdobeClean-Light"/>
+                        <a:cs typeface="AdobeClean-Light"/>
+                      </a:endParaRPr>
                     </a:p>
                   </a:txBody>
                   <a:tcPr marL="0" marR="0" marT="57150" marB="0">
@@ -4345,15 +4942,39 @@
                         </a:spcBef>
                       </a:pPr>
                       <a:r>
-                        <a:rPr lang="pt-BR" sz="900" dirty="0">
+                        <a:rPr sz="900" spc="-25">
                           <a:solidFill>
                             <a:srgbClr val="020302"/>
                           </a:solidFill>
                           <a:latin typeface="AdobeClean-Light"/>
                           <a:cs typeface="AdobeClean-Light"/>
                         </a:rPr>
-                        <a:t>Horário comercial</a:t>
+                        <a:t>Business</a:t>
                       </a:r>
+                      <a:r>
+                        <a:rPr sz="900" spc="-15">
+                          <a:solidFill>
+                            <a:srgbClr val="020302"/>
+                          </a:solidFill>
+                          <a:latin typeface="AdobeClean-Light"/>
+                          <a:cs typeface="AdobeClean-Light"/>
+                        </a:rPr>
+                        <a:t> </a:t>
+                      </a:r>
+                      <a:r>
+                        <a:rPr sz="900" spc="-30">
+                          <a:solidFill>
+                            <a:srgbClr val="020302"/>
+                          </a:solidFill>
+                          <a:latin typeface="AdobeClean-Light"/>
+                          <a:cs typeface="AdobeClean-Light"/>
+                        </a:rPr>
+                        <a:t>hours</a:t>
+                      </a:r>
+                      <a:endParaRPr sz="900">
+                        <a:latin typeface="AdobeClean-Light"/>
+                        <a:cs typeface="AdobeClean-Light"/>
+                      </a:endParaRPr>
                     </a:p>
                   </a:txBody>
                   <a:tcPr marL="0" marR="0" marT="67945" marB="0">
@@ -4392,15 +5013,39 @@
                         </a:spcBef>
                       </a:pPr>
                       <a:r>
-                        <a:rPr lang="pt-BR" sz="900">
+                        <a:rPr sz="900" spc="-25">
                           <a:solidFill>
                             <a:srgbClr val="020302"/>
                           </a:solidFill>
                           <a:latin typeface="AdobeClean-Light"/>
                           <a:cs typeface="AdobeClean-Light"/>
                         </a:rPr>
-                        <a:t>Horário comercial</a:t>
+                        <a:t>Business</a:t>
                       </a:r>
+                      <a:r>
+                        <a:rPr sz="900" spc="-15">
+                          <a:solidFill>
+                            <a:srgbClr val="020302"/>
+                          </a:solidFill>
+                          <a:latin typeface="AdobeClean-Light"/>
+                          <a:cs typeface="AdobeClean-Light"/>
+                        </a:rPr>
+                        <a:t> </a:t>
+                      </a:r>
+                      <a:r>
+                        <a:rPr sz="900" spc="-30">
+                          <a:solidFill>
+                            <a:srgbClr val="020302"/>
+                          </a:solidFill>
+                          <a:latin typeface="AdobeClean-Light"/>
+                          <a:cs typeface="AdobeClean-Light"/>
+                        </a:rPr>
+                        <a:t>hours</a:t>
+                      </a:r>
+                      <a:endParaRPr sz="900">
+                        <a:latin typeface="AdobeClean-Light"/>
+                        <a:cs typeface="AdobeClean-Light"/>
+                      </a:endParaRPr>
                     </a:p>
                   </a:txBody>
                   <a:tcPr marL="0" marR="0" marT="67945" marB="0">
@@ -4432,7 +5077,7 @@
                     <a:bodyPr/>
                     <a:lstStyle/>
                     <a:p>
-                      <a:pPr marL="50800" algn="l" rtl="0">
+                      <a:pPr marL="50800">
                         <a:lnSpc>
                           <a:spcPct val="100000"/>
                         </a:lnSpc>
@@ -4481,15 +5126,39 @@
                         </a:spcBef>
                       </a:pPr>
                       <a:r>
-                        <a:rPr lang="pt-BR" sz="900">
+                        <a:rPr sz="900" spc="0">
                           <a:solidFill>
                             <a:srgbClr val="020302"/>
                           </a:solidFill>
                           <a:latin typeface="AdobeClean-Light"/>
                           <a:cs typeface="AdobeClean-Light"/>
                         </a:rPr>
-                        <a:t>Suporte 24x7x365 para prioridades P1</a:t>
+                        <a:t>24x7</a:t>
                       </a:r>
+                      <a:r>
+                        <a:rPr lang="en-US" sz="900" spc="0">
+                          <a:solidFill>
+                            <a:srgbClr val="020302"/>
+                          </a:solidFill>
+                          <a:latin typeface="AdobeClean-Light"/>
+                          <a:cs typeface="AdobeClean-Light"/>
+                        </a:rPr>
+                        <a:t>x365</a:t>
+                      </a:r>
+                      <a:r>
+                        <a:rPr sz="900" spc="0">
+                          <a:solidFill>
+                            <a:srgbClr val="020302"/>
+                          </a:solidFill>
+                          <a:latin typeface="AdobeClean-Light"/>
+                          <a:cs typeface="AdobeClean-Light"/>
+                        </a:rPr>
+                        <a:t> P1 Issue Support</a:t>
+                      </a:r>
+                      <a:endParaRPr sz="900" spc="0">
+                        <a:latin typeface="AdobeClean-Light"/>
+                        <a:cs typeface="AdobeClean-Light"/>
+                      </a:endParaRPr>
                     </a:p>
                   </a:txBody>
                   <a:tcPr marL="0" marR="0" marT="57785" marB="0">
@@ -4521,7 +5190,7 @@
                         </a:spcBef>
                       </a:pPr>
                       <a:r>
-                        <a:rPr lang="pt-BR" sz="900">
+                        <a:rPr sz="900">
                           <a:solidFill>
                             <a:srgbClr val="020302"/>
                           </a:solidFill>
@@ -4530,6 +5199,10 @@
                         </a:rPr>
                         <a:t></a:t>
                       </a:r>
+                      <a:endParaRPr sz="900">
+                        <a:latin typeface="Wingdings"/>
+                        <a:cs typeface="Wingdings"/>
+                      </a:endParaRPr>
                     </a:p>
                   </a:txBody>
                   <a:tcPr marL="0" marR="0" marT="58419" marB="0">
@@ -4559,7 +5232,7 @@
                         </a:spcBef>
                       </a:pPr>
                       <a:r>
-                        <a:rPr lang="pt-BR" sz="900">
+                        <a:rPr sz="900">
                           <a:solidFill>
                             <a:srgbClr val="020302"/>
                           </a:solidFill>
@@ -4568,6 +5241,10 @@
                         </a:rPr>
                         <a:t></a:t>
                       </a:r>
+                      <a:endParaRPr sz="900">
+                        <a:latin typeface="Wingdings"/>
+                        <a:cs typeface="Wingdings"/>
+                      </a:endParaRPr>
                     </a:p>
                   </a:txBody>
                   <a:tcPr marL="0" marR="0" marT="58419" marB="0">
@@ -4590,7 +5267,7 @@
                     <a:bodyPr/>
                     <a:lstStyle/>
                     <a:p>
-                      <a:pPr marL="50800" algn="l" rtl="0">
+                      <a:pPr marL="50800">
                         <a:lnSpc>
                           <a:spcPct val="100000"/>
                         </a:lnSpc>
@@ -4648,15 +5325,19 @@
                         </a:spcBef>
                       </a:pPr>
                       <a:r>
-                        <a:rPr lang="pt-BR" sz="900">
+                        <a:rPr lang="en-US" sz="900" spc="0">
                           <a:solidFill>
                             <a:srgbClr val="020302"/>
                           </a:solidFill>
                           <a:latin typeface="AdobeClean-Light"/>
                           <a:cs typeface="AdobeClean-Light"/>
                         </a:rPr>
-                        <a:t>Contatos de suporte nomeados (por produto)</a:t>
+                        <a:t>Named Support Contacts (per product)</a:t>
                       </a:r>
+                      <a:endParaRPr sz="900" spc="0">
+                        <a:latin typeface="AdobeClean-Light"/>
+                        <a:cs typeface="AdobeClean-Light"/>
+                      </a:endParaRPr>
                     </a:p>
                   </a:txBody>
                   <a:tcPr marL="0" marR="0" marT="57785" marB="0">
@@ -4694,7 +5375,7 @@
                         </a:spcBef>
                       </a:pPr>
                       <a:r>
-                        <a:rPr lang="pt-BR" sz="900">
+                        <a:rPr sz="900">
                           <a:solidFill>
                             <a:srgbClr val="020302"/>
                           </a:solidFill>
@@ -4703,6 +5384,10 @@
                         </a:rPr>
                         <a:t>4</a:t>
                       </a:r>
+                      <a:endParaRPr sz="900">
+                        <a:latin typeface="AdobeClean-Light"/>
+                        <a:cs typeface="AdobeClean-Light"/>
+                      </a:endParaRPr>
                     </a:p>
                   </a:txBody>
                   <a:tcPr marL="0" marR="0" marT="57785" marB="0">
@@ -4732,7 +5417,7 @@
                         </a:spcBef>
                       </a:pPr>
                       <a:r>
-                        <a:rPr lang="pt-BR" sz="900">
+                        <a:rPr sz="900">
                           <a:solidFill>
                             <a:srgbClr val="020302"/>
                           </a:solidFill>
@@ -4741,6 +5426,10 @@
                         </a:rPr>
                         <a:t>6</a:t>
                       </a:r>
+                      <a:endParaRPr sz="900">
+                        <a:latin typeface="AdobeClean-Light"/>
+                        <a:cs typeface="AdobeClean-Light"/>
+                      </a:endParaRPr>
                     </a:p>
                   </a:txBody>
                   <a:tcPr marL="0" marR="0" marT="57785" marB="0">
@@ -4763,7 +5452,7 @@
                     <a:bodyPr/>
                     <a:lstStyle/>
                     <a:p>
-                      <a:pPr marL="50800" algn="l" rtl="0">
+                      <a:pPr marL="50800">
                         <a:lnSpc>
                           <a:spcPct val="100000"/>
                         </a:lnSpc>
@@ -4812,15 +5501,19 @@
                         </a:spcBef>
                       </a:pPr>
                       <a:r>
-                        <a:rPr lang="pt-BR" sz="900">
+                        <a:rPr lang="en-US" sz="900" spc="0">
                           <a:solidFill>
                             <a:srgbClr val="020302"/>
                           </a:solidFill>
                           <a:latin typeface="AdobeClean-Light"/>
                           <a:cs typeface="AdobeClean-Light"/>
                         </a:rPr>
-                        <a:t>Suporte telefônico ao vivo</a:t>
+                        <a:t>Live Telephone Support</a:t>
                       </a:r>
+                      <a:endParaRPr sz="900" spc="0">
+                        <a:latin typeface="AdobeClean-Light"/>
+                        <a:cs typeface="AdobeClean-Light"/>
+                      </a:endParaRPr>
                     </a:p>
                   </a:txBody>
                   <a:tcPr marL="0" marR="0" marT="57785" marB="0">
@@ -4843,7 +5536,7 @@
                     <a:bodyPr/>
                     <a:lstStyle/>
                     <a:p>
-                      <a:pPr algn="l" rtl="0">
+                      <a:pPr algn="ctr">
                         <a:lnSpc>
                           <a:spcPct val="100000"/>
                         </a:lnSpc>
@@ -4884,7 +5577,7 @@
                         </a:spcBef>
                       </a:pPr>
                       <a:r>
-                        <a:rPr lang="pt-BR" sz="900">
+                        <a:rPr sz="900">
                           <a:solidFill>
                             <a:srgbClr val="020302"/>
                           </a:solidFill>
@@ -4893,6 +5586,10 @@
                         </a:rPr>
                         <a:t></a:t>
                       </a:r>
+                      <a:endParaRPr sz="900">
+                        <a:latin typeface="Wingdings"/>
+                        <a:cs typeface="Wingdings"/>
+                      </a:endParaRPr>
                     </a:p>
                   </a:txBody>
                   <a:tcPr marL="0" marR="0" marT="59054" marB="0">
@@ -4915,7 +5612,7 @@
                     <a:bodyPr/>
                     <a:lstStyle/>
                     <a:p>
-                      <a:pPr marL="50800" algn="l" rtl="0">
+                      <a:pPr marL="50800">
                         <a:lnSpc>
                           <a:spcPct val="100000"/>
                         </a:lnSpc>
@@ -4964,15 +5661,19 @@
                         </a:spcBef>
                       </a:pPr>
                       <a:r>
-                        <a:rPr lang="pt-BR" sz="900">
+                        <a:rPr sz="900" spc="0">
                           <a:solidFill>
                             <a:srgbClr val="020302"/>
                           </a:solidFill>
                           <a:latin typeface="AdobeClean-Light"/>
                           <a:cs typeface="AdobeClean-Light"/>
                         </a:rPr>
-                        <a:t>Gestão de encaminhamento</a:t>
+                        <a:t>Escalation Management</a:t>
                       </a:r>
+                      <a:endParaRPr sz="900" spc="0">
+                        <a:latin typeface="AdobeClean-Light"/>
+                        <a:cs typeface="AdobeClean-Light"/>
+                      </a:endParaRPr>
                     </a:p>
                   </a:txBody>
                   <a:tcPr marL="0" marR="0" marT="58419" marB="0">
@@ -4995,7 +5696,7 @@
                     <a:bodyPr/>
                     <a:lstStyle/>
                     <a:p>
-                      <a:pPr algn="l" rtl="0">
+                      <a:pPr algn="ctr">
                         <a:lnSpc>
                           <a:spcPct val="100000"/>
                         </a:lnSpc>
@@ -5036,7 +5737,7 @@
                         </a:spcBef>
                       </a:pPr>
                       <a:r>
-                        <a:rPr lang="pt-BR" sz="900">
+                        <a:rPr sz="900">
                           <a:solidFill>
                             <a:srgbClr val="020302"/>
                           </a:solidFill>
@@ -5045,6 +5746,10 @@
                         </a:rPr>
                         <a:t></a:t>
                       </a:r>
+                      <a:endParaRPr sz="900">
+                        <a:latin typeface="Wingdings"/>
+                        <a:cs typeface="Wingdings"/>
+                      </a:endParaRPr>
                     </a:p>
                   </a:txBody>
                   <a:tcPr marL="0" marR="0" marT="59690" marB="0">
@@ -5067,7 +5772,7 @@
                     <a:bodyPr/>
                     <a:lstStyle/>
                     <a:p>
-                      <a:pPr marL="50800" algn="l" rtl="0">
+                      <a:pPr marL="50800">
                         <a:lnSpc>
                           <a:spcPct val="100000"/>
                         </a:lnSpc>
@@ -5116,15 +5821,29 @@
                         </a:spcBef>
                       </a:pPr>
                       <a:r>
-                        <a:rPr lang="pt-BR" sz="900">
+                        <a:rPr sz="900" spc="0">
                           <a:solidFill>
                             <a:srgbClr val="020302"/>
                           </a:solidFill>
                           <a:latin typeface="AdobeClean-Light"/>
                           <a:cs typeface="AdobeClean-Light"/>
                         </a:rPr>
-                        <a:t>Revisões de serviço por ano</a:t>
+                        <a:t>Service Reviews </a:t>
                       </a:r>
+                      <a:r>
+                        <a:rPr lang="en-US" sz="900" spc="0">
+                          <a:solidFill>
+                            <a:srgbClr val="020302"/>
+                          </a:solidFill>
+                          <a:latin typeface="AdobeClean-Light"/>
+                          <a:cs typeface="AdobeClean-Light"/>
+                        </a:rPr>
+                        <a:t>per Year</a:t>
+                      </a:r>
+                      <a:endParaRPr sz="900" spc="0">
+                        <a:latin typeface="AdobeClean-Light"/>
+                        <a:cs typeface="AdobeClean-Light"/>
+                      </a:endParaRPr>
                     </a:p>
                   </a:txBody>
                   <a:tcPr marL="0" marR="0" marT="57150" marB="0">
@@ -5147,7 +5866,7 @@
                     <a:bodyPr/>
                     <a:lstStyle/>
                     <a:p>
-                      <a:pPr algn="l" rtl="0">
+                      <a:pPr>
                         <a:lnSpc>
                           <a:spcPct val="100000"/>
                         </a:lnSpc>
@@ -5176,7 +5895,7 @@
                     <a:bodyPr/>
                     <a:lstStyle/>
                     <a:p>
-                      <a:pPr algn="l" rtl="0">
+                      <a:pPr>
                         <a:lnSpc>
                           <a:spcPct val="100000"/>
                         </a:lnSpc>
@@ -5226,12 +5945,16 @@
                         </a:spcBef>
                       </a:pPr>
                       <a:r>
-                        <a:rPr lang="pt-BR" sz="900">
+                        <a:rPr lang="en-US" sz="900" spc="0">
                           <a:latin typeface="AdobeClean-Light"/>
                           <a:cs typeface="AdobeClean-Light"/>
                         </a:rPr>
-                        <a:t>Sessões de especialistas por ano</a:t>
+                        <a:t>Expert Sessions per Year</a:t>
                       </a:r>
+                      <a:endParaRPr sz="900" spc="0">
+                        <a:latin typeface="AdobeClean-Light"/>
+                        <a:cs typeface="AdobeClean-Light"/>
+                      </a:endParaRPr>
                     </a:p>
                   </a:txBody>
                   <a:tcPr marL="0" marR="0" marT="57150" marB="0">
@@ -5260,7 +5983,7 @@
                     <a:bodyPr/>
                     <a:lstStyle/>
                     <a:p>
-                      <a:pPr algn="l" rtl="0">
+                      <a:pPr>
                         <a:lnSpc>
                           <a:spcPct val="100000"/>
                         </a:lnSpc>
@@ -5289,7 +6012,7 @@
                     <a:bodyPr/>
                     <a:lstStyle/>
                     <a:p>
-                      <a:pPr algn="l" rtl="0">
+                      <a:pPr>
                         <a:lnSpc>
                           <a:spcPct val="100000"/>
                         </a:lnSpc>
@@ -5339,12 +6062,16 @@
                         </a:spcBef>
                       </a:pPr>
                       <a:r>
-                        <a:rPr lang="pt-BR" sz="900">
+                        <a:rPr lang="en-US" sz="900" spc="0">
                           <a:latin typeface="AdobeClean-Light"/>
                           <a:cs typeface="AdobeClean-Light"/>
                         </a:rPr>
-                        <a:t>Revisões de caso</a:t>
+                        <a:t>Case Reviews</a:t>
                       </a:r>
+                      <a:endParaRPr sz="900" spc="0">
+                        <a:latin typeface="AdobeClean-Light"/>
+                        <a:cs typeface="AdobeClean-Light"/>
+                      </a:endParaRPr>
                     </a:p>
                   </a:txBody>
                   <a:tcPr marL="0" marR="0" marT="57150" marB="0">
@@ -5373,7 +6100,7 @@
                     <a:bodyPr/>
                     <a:lstStyle/>
                     <a:p>
-                      <a:pPr algn="l" rtl="0">
+                      <a:pPr>
                         <a:lnSpc>
                           <a:spcPct val="100000"/>
                         </a:lnSpc>
@@ -5402,7 +6129,7 @@
                     <a:bodyPr/>
                     <a:lstStyle/>
                     <a:p>
-                      <a:pPr algn="l" rtl="0">
+                      <a:pPr>
                         <a:lnSpc>
                           <a:spcPct val="100000"/>
                         </a:lnSpc>
@@ -5433,7 +6160,7 @@
                     <a:bodyPr/>
                     <a:lstStyle/>
                     <a:p>
-                      <a:pPr marL="48895" algn="l" rtl="0">
+                      <a:pPr marL="48895">
                         <a:lnSpc>
                           <a:spcPct val="100000"/>
                         </a:lnSpc>
@@ -5491,15 +6218,29 @@
                         </a:spcBef>
                       </a:pPr>
                       <a:r>
-                        <a:rPr lang="pt-BR" sz="900">
+                        <a:rPr sz="900" spc="0">
                           <a:solidFill>
                             <a:srgbClr val="020302"/>
                           </a:solidFill>
                           <a:latin typeface="AdobeClean-Light"/>
                           <a:cs typeface="AdobeClean-Light"/>
                         </a:rPr>
-                        <a:t>Gerenciamento de eventos</a:t>
+                        <a:t>Event </a:t>
                       </a:r>
+                      <a:r>
+                        <a:rPr lang="en-US" sz="900" spc="0">
+                          <a:solidFill>
+                            <a:srgbClr val="020302"/>
+                          </a:solidFill>
+                          <a:latin typeface="AdobeClean-Light"/>
+                          <a:cs typeface="AdobeClean-Light"/>
+                        </a:rPr>
+                        <a:t>Management</a:t>
+                      </a:r>
+                      <a:endParaRPr sz="900" spc="0">
+                        <a:latin typeface="AdobeClean-Light"/>
+                        <a:cs typeface="AdobeClean-Light"/>
+                      </a:endParaRPr>
                     </a:p>
                   </a:txBody>
                   <a:tcPr marL="0" marR="0" marT="58419" marB="0">
@@ -5528,7 +6269,7 @@
                     <a:bodyPr/>
                     <a:lstStyle/>
                     <a:p>
-                      <a:pPr algn="l" rtl="0">
+                      <a:pPr>
                         <a:lnSpc>
                           <a:spcPct val="100000"/>
                         </a:lnSpc>
@@ -5557,7 +6298,7 @@
                     <a:bodyPr/>
                     <a:lstStyle/>
                     <a:p>
-                      <a:pPr algn="l" rtl="0">
+                      <a:pPr>
                         <a:lnSpc>
                           <a:spcPct val="100000"/>
                         </a:lnSpc>
@@ -5588,7 +6329,7 @@
                     <a:bodyPr/>
                     <a:lstStyle/>
                     <a:p>
-                      <a:pPr marL="48895" algn="l" rtl="0">
+                      <a:pPr marL="48895">
                         <a:lnSpc>
                           <a:spcPct val="100000"/>
                         </a:lnSpc>
@@ -5637,15 +6378,39 @@
                         </a:spcBef>
                       </a:pPr>
                       <a:r>
-                        <a:rPr lang="pt-BR" sz="900">
+                        <a:rPr sz="900" spc="0">
                           <a:solidFill>
                             <a:srgbClr val="020302"/>
                           </a:solidFill>
                           <a:latin typeface="AdobeClean-Light"/>
                           <a:cs typeface="AdobeClean-Light"/>
                         </a:rPr>
-                        <a:t>Revisão, manutenção e monitoramento do ambiente</a:t>
+                        <a:t>Environment</a:t>
                       </a:r>
+                      <a:r>
+                        <a:rPr lang="en-US" sz="900" spc="0">
+                          <a:solidFill>
+                            <a:srgbClr val="020302"/>
+                          </a:solidFill>
+                          <a:latin typeface="AdobeClean-Light"/>
+                          <a:cs typeface="AdobeClean-Light"/>
+                        </a:rPr>
+                        <a:t> </a:t>
+                      </a:r>
+                      <a:r>
+                        <a:rPr sz="900" spc="0">
+                          <a:solidFill>
+                            <a:srgbClr val="020302"/>
+                          </a:solidFill>
+                          <a:latin typeface="AdobeClean-Light"/>
+                          <a:cs typeface="AdobeClean-Light"/>
+                        </a:rPr>
+                        <a:t>Review, Maintenance &amp; Monitoring</a:t>
+                      </a:r>
+                      <a:endParaRPr sz="900" spc="0">
+                        <a:latin typeface="AdobeClean-Light"/>
+                        <a:cs typeface="AdobeClean-Light"/>
+                      </a:endParaRPr>
                     </a:p>
                   </a:txBody>
                   <a:tcPr marL="0" marR="0" marT="59055" marB="0">
@@ -5668,7 +6433,7 @@
                     <a:bodyPr/>
                     <a:lstStyle/>
                     <a:p>
-                      <a:pPr algn="l" rtl="0">
+                      <a:pPr>
                         <a:lnSpc>
                           <a:spcPct val="100000"/>
                         </a:lnSpc>
@@ -5697,7 +6462,7 @@
                     <a:bodyPr/>
                     <a:lstStyle/>
                     <a:p>
-                      <a:pPr algn="l" rtl="0">
+                      <a:pPr>
                         <a:lnSpc>
                           <a:spcPct val="100000"/>
                         </a:lnSpc>
@@ -5728,7 +6493,7 @@
                     <a:bodyPr/>
                     <a:lstStyle/>
                     <a:p>
-                      <a:pPr marL="49530" algn="l" rtl="0">
+                      <a:pPr marL="49530">
                         <a:lnSpc>
                           <a:spcPct val="100000"/>
                         </a:lnSpc>
@@ -5777,15 +6542,19 @@
                         </a:spcBef>
                       </a:pPr>
                       <a:r>
-                        <a:rPr lang="pt-BR" sz="900" dirty="0">
+                        <a:rPr sz="900" spc="0">
                           <a:solidFill>
                             <a:srgbClr val="020302"/>
                           </a:solidFill>
                           <a:latin typeface="AdobeClean-Light"/>
                           <a:cs typeface="AdobeClean-Light"/>
                         </a:rPr>
-                        <a:t>Revisão de versão, migração, atualização e roteiro de produtos</a:t>
+                        <a:t>Release, Migration, Upgrade &amp; Product Roadmap Review</a:t>
                       </a:r>
+                      <a:endParaRPr sz="900" spc="0">
+                        <a:latin typeface="AdobeClean-Light"/>
+                        <a:cs typeface="AdobeClean-Light"/>
+                      </a:endParaRPr>
                     </a:p>
                   </a:txBody>
                   <a:tcPr marL="0" marR="0" marT="63500" marB="0">
@@ -5808,7 +6577,7 @@
                     <a:bodyPr/>
                     <a:lstStyle/>
                     <a:p>
-                      <a:pPr algn="l" rtl="0">
+                      <a:pPr>
                         <a:lnSpc>
                           <a:spcPct val="100000"/>
                         </a:lnSpc>
@@ -5837,7 +6606,7 @@
                     <a:bodyPr/>
                     <a:lstStyle/>
                     <a:p>
-                      <a:pPr algn="l" rtl="0">
+                      <a:pPr>
                         <a:lnSpc>
                           <a:spcPct val="100000"/>
                         </a:lnSpc>
@@ -5868,7 +6637,7 @@
                     <a:bodyPr/>
                     <a:lstStyle/>
                     <a:p>
-                      <a:pPr marL="49530" algn="l" rtl="0">
+                      <a:pPr marL="49530">
                         <a:lnSpc>
                           <a:spcPct val="100000"/>
                         </a:lnSpc>
@@ -5926,11 +6695,11 @@
                         </a:spcBef>
                       </a:pPr>
                       <a:r>
-                        <a:rPr lang="pt-BR" sz="900">
+                        <a:rPr sz="900" spc="0">
                           <a:latin typeface="AdobeClean-Light"/>
                           <a:cs typeface="AdobeClean-Light"/>
                         </a:rPr>
-                        <a:t>Atividades de suporte na nuvem — Experience Manager as Cloud</a:t>
+                        <a:t>Cloud Support Activities – Experience Manager as Cloud</a:t>
                       </a:r>
                     </a:p>
                   </a:txBody>
@@ -5960,7 +6729,7 @@
                     <a:bodyPr/>
                     <a:lstStyle/>
                     <a:p>
-                      <a:pPr algn="l" rtl="0">
+                      <a:pPr>
                         <a:lnSpc>
                           <a:spcPct val="100000"/>
                         </a:lnSpc>
@@ -5998,7 +6767,7 @@
                     <a:bodyPr/>
                     <a:lstStyle/>
                     <a:p>
-                      <a:pPr algn="l" rtl="0">
+                      <a:pPr>
                         <a:lnSpc>
                           <a:spcPct val="100000"/>
                         </a:lnSpc>
@@ -6047,15 +6816,22 @@
                         </a:spcBef>
                       </a:pPr>
                       <a:r>
-                        <a:rPr lang="pt-BR" sz="1000" b="1" i="0">
+                        <a:rPr lang="en-US" sz="1000" b="1" i="0" spc="0">
                           <a:solidFill>
                             <a:schemeClr val="bg1"/>
                           </a:solidFill>
                           <a:latin typeface="Adobe Clean" panose="020B0503020404020204" pitchFamily="34" charset="0"/>
                           <a:cs typeface="AdobeClean-Light"/>
                         </a:rPr>
-                        <a:t>Serviços de campo</a:t>
+                        <a:t>Field Services</a:t>
                       </a:r>
+                      <a:endParaRPr sz="1000" b="1" i="0" spc="0">
+                        <a:solidFill>
+                          <a:schemeClr val="bg1"/>
+                        </a:solidFill>
+                        <a:latin typeface="Adobe Clean" panose="020B0503020404020204" pitchFamily="34" charset="0"/>
+                        <a:cs typeface="AdobeClean-Light"/>
+                      </a:endParaRPr>
                     </a:p>
                   </a:txBody>
                   <a:tcPr marL="0" marR="0" marT="48260" marB="0" anchor="ctr">
@@ -6108,45 +6884,19 @@
                         </a:spcBef>
                       </a:pPr>
                       <a:r>
-                        <a:rPr lang="pt-BR" sz="900" dirty="0" err="1">
+                        <a:rPr sz="900" spc="0">
                           <a:solidFill>
                             <a:srgbClr val="020302"/>
                           </a:solidFill>
                           <a:latin typeface="AdobeClean-Light"/>
                           <a:cs typeface="AdobeClean-Light"/>
                         </a:rPr>
-                        <a:t>Launch</a:t>
+                        <a:t>Launch Advisory Services – First Year of new solution</a:t>
                       </a:r>
-                      <a:r>
-                        <a:rPr lang="pt-BR" sz="900" dirty="0">
-                          <a:solidFill>
-                            <a:srgbClr val="020302"/>
-                          </a:solidFill>
-                          <a:latin typeface="AdobeClean-Light"/>
-                          <a:cs typeface="AdobeClean-Light"/>
-                        </a:rPr>
-                        <a:t> </a:t>
-                      </a:r>
-                      <a:r>
-                        <a:rPr lang="pt-BR" sz="900" dirty="0" err="1">
-                          <a:solidFill>
-                            <a:srgbClr val="020302"/>
-                          </a:solidFill>
-                          <a:latin typeface="AdobeClean-Light"/>
-                          <a:cs typeface="AdobeClean-Light"/>
-                        </a:rPr>
-                        <a:t>Advisory</a:t>
-                      </a:r>
-                      <a:r>
-                        <a:rPr lang="pt-BR" sz="900" dirty="0">
-                          <a:solidFill>
-                            <a:srgbClr val="020302"/>
-                          </a:solidFill>
-                          <a:latin typeface="AdobeClean-Light"/>
-                          <a:cs typeface="AdobeClean-Light"/>
-                        </a:rPr>
-                        <a:t> Services — primeiro ano da nova solução</a:t>
-                      </a:r>
+                      <a:endParaRPr sz="900" spc="0">
+                        <a:latin typeface="AdobeClean-Light"/>
+                        <a:cs typeface="AdobeClean-Light"/>
+                      </a:endParaRPr>
                     </a:p>
                     <a:p>
                       <a:pPr marL="48260" hangingPunct="0">
@@ -6158,11 +6908,11 @@
                         </a:spcBef>
                       </a:pPr>
                       <a:r>
-                        <a:rPr lang="pt-BR" sz="900" dirty="0">
+                        <a:rPr sz="900" spc="0">
                           <a:latin typeface="AdobeClean-Light"/>
                           <a:cs typeface="AdobeClean-Light"/>
                         </a:rPr>
-                        <a:t>Atividades de serviço de campo </a:t>
+                        <a:t>Field Service Activities </a:t>
                       </a:r>
                     </a:p>
                   </a:txBody>
@@ -6198,7 +6948,7 @@
                     <a:bodyPr/>
                     <a:lstStyle/>
                     <a:p>
-                      <a:pPr algn="l" rtl="0">
+                      <a:pPr>
                         <a:lnSpc>
                           <a:spcPct val="100000"/>
                         </a:lnSpc>
@@ -6236,7 +6986,7 @@
                     <a:bodyPr/>
                     <a:lstStyle/>
                     <a:p>
-                      <a:pPr algn="l" rtl="0">
+                      <a:pPr>
                         <a:lnSpc>
                           <a:spcPct val="100000"/>
                         </a:lnSpc>
@@ -6321,7 +7071,7 @@
                     <a:bodyPr/>
                     <a:lstStyle/>
                     <a:p>
-                      <a:pPr algn="l" rtl="0">
+                      <a:pPr>
                         <a:lnSpc>
                           <a:spcPct val="100000"/>
                         </a:lnSpc>
@@ -6347,7 +7097,7 @@
                     <a:bodyPr/>
                     <a:lstStyle/>
                     <a:p>
-                      <a:pPr algn="l" rtl="0">
+                      <a:pPr>
                         <a:lnSpc>
                           <a:spcPct val="100000"/>
                         </a:lnSpc>
@@ -6411,7 +7161,7 @@
           <a:lstStyle/>
           <a:p>
             <a:r>
-              <a:rPr lang="pt-BR" sz="700" i="1">
+              <a:rPr lang="en-US" sz="700" i="1">
                 <a:solidFill>
                   <a:schemeClr val="bg1"/>
                 </a:solidFill>
@@ -6593,7 +7343,7 @@
         <p:spPr>
           <a:xfrm>
             <a:off x="370040" y="1409311"/>
-            <a:ext cx="2286000" cy="1458926"/>
+            <a:ext cx="2286000" cy="1289969"/>
           </a:xfrm>
           <a:prstGeom prst="rect">
             <a:avLst/>
@@ -6614,66 +7364,18 @@
               </a:spcBef>
             </a:pPr>
             <a:r>
-              <a:rPr lang="pt-BR" sz="1000" dirty="0">
+              <a:rPr lang="en-US" sz="1000">
                 <a:solidFill>
                   <a:srgbClr val="000000"/>
                 </a:solidFill>
                 <a:latin typeface="Adobe Clean Light" panose="020B0303020404020204" pitchFamily="34" charset="0"/>
               </a:rPr>
-              <a:t>Um Líder de suporte da conta designado </a:t>
-            </a:r>
-            <a:br>
-              <a:rPr lang="pt-BR" sz="1000" dirty="0">
-                <a:solidFill>
-                  <a:srgbClr val="000000"/>
-                </a:solidFill>
-                <a:latin typeface="Adobe Clean Light" panose="020B0303020404020204" pitchFamily="34" charset="0"/>
-              </a:rPr>
-            </a:br>
-            <a:r>
-              <a:rPr lang="pt-BR" sz="1000" dirty="0">
-                <a:solidFill>
-                  <a:srgbClr val="000000"/>
-                </a:solidFill>
-                <a:latin typeface="Adobe Clean Light" panose="020B0303020404020204" pitchFamily="34" charset="0"/>
-              </a:rPr>
-              <a:t>para monitorar os casos de forma proativa, impulsionar a colaboração entre equipes, fornecer </a:t>
-            </a:r>
-            <a:r>
-              <a:rPr lang="pt-BR" sz="1000" dirty="0" err="1">
-                <a:solidFill>
-                  <a:srgbClr val="000000"/>
-                </a:solidFill>
-                <a:latin typeface="Adobe Clean Light" panose="020B0303020404020204" pitchFamily="34" charset="0"/>
-              </a:rPr>
-              <a:t>webinários</a:t>
-            </a:r>
-            <a:r>
-              <a:rPr lang="pt-BR" sz="1000" dirty="0">
-                <a:solidFill>
-                  <a:srgbClr val="000000"/>
-                </a:solidFill>
-                <a:latin typeface="Adobe Clean Light" panose="020B0303020404020204" pitchFamily="34" charset="0"/>
-              </a:rPr>
-              <a:t> de integração, executar relatórios de serviço, fornecer assistência </a:t>
-            </a:r>
-            <a:br>
-              <a:rPr lang="pt-BR" sz="1000" dirty="0">
-                <a:solidFill>
-                  <a:srgbClr val="000000"/>
-                </a:solidFill>
-                <a:latin typeface="Adobe Clean Light" panose="020B0303020404020204" pitchFamily="34" charset="0"/>
-              </a:rPr>
-            </a:br>
-            <a:r>
-              <a:rPr lang="pt-BR" sz="1000" dirty="0">
-                <a:solidFill>
-                  <a:srgbClr val="000000"/>
-                </a:solidFill>
-                <a:latin typeface="Adobe Clean Light" panose="020B0303020404020204" pitchFamily="34" charset="0"/>
-              </a:rPr>
-              <a:t>de suporte não técnico e funcionar como ponto de encaminhamento e defensor interno no Suporte da Adobe.</a:t>
-            </a:r>
+              <a:t>A designated Account Support Lead to proactively monitor cases, drive cross-team collaboration, deliver onboarding webinars, run service reports, provide non-technical support assistance, and function as your escalation point and internal advocate within Adobe Support.</a:t>
+            </a:r>
+            <a:endParaRPr lang="en-US" sz="1000">
+              <a:latin typeface="Adobe Clean Light" panose="020B0303020404020204" pitchFamily="34" charset="0"/>
+              <a:cs typeface="AdobeClean-Light"/>
+            </a:endParaRPr>
           </a:p>
         </p:txBody>
       </p:sp>
@@ -6710,14 +7412,44 @@
               </a:tabLst>
             </a:pPr>
             <a:r>
-              <a:rPr lang="pt-BR" sz="1000" dirty="0">
+              <a:rPr sz="1000">
                 <a:solidFill>
                   <a:srgbClr val="020302"/>
                 </a:solidFill>
                 <a:latin typeface="AdobeClean-Light"/>
                 <a:cs typeface="AdobeClean-Light"/>
               </a:rPr>
-              <a:t>Inicie uma sessão de chat para obter respostas e ajuda com o envio de caso.</a:t>
+              <a:t>Start a chat session to get answers</a:t>
+            </a:r>
+            <a:r>
+              <a:rPr lang="en-US" sz="1000">
+                <a:solidFill>
+                  <a:srgbClr val="020302"/>
+                </a:solidFill>
+                <a:latin typeface="AdobeClean-Light"/>
+                <a:cs typeface="AdobeClean-Light"/>
+              </a:rPr>
+              <a:t> &amp; </a:t>
+            </a:r>
+            <a:r>
+              <a:rPr sz="1000">
+                <a:solidFill>
+                  <a:srgbClr val="020302"/>
+                </a:solidFill>
+                <a:latin typeface="AdobeClean-Light"/>
+                <a:cs typeface="AdobeClean-Light"/>
+              </a:rPr>
+              <a:t>help with case submission</a:t>
+            </a:r>
+            <a:r>
+              <a:rPr lang="en-US" sz="1000">
+                <a:solidFill>
+                  <a:srgbClr val="020302"/>
+                </a:solidFill>
+                <a:latin typeface="AdobeClean-Light"/>
+                <a:cs typeface="AdobeClean-Light"/>
+              </a:rPr>
+              <a:t>.</a:t>
             </a:r>
           </a:p>
           <a:p>
@@ -6730,44 +7462,39 @@
               </a:tabLst>
             </a:pPr>
             <a:r>
-              <a:rPr lang="pt-BR" sz="1000" i="1" dirty="0">
+              <a:rPr sz="1000" i="1">
                 <a:solidFill>
                   <a:srgbClr val="7A7A7A"/>
                 </a:solidFill>
                 <a:latin typeface="AdobeClean-LightIt"/>
                 <a:cs typeface="AdobeClean-LightIt"/>
               </a:rPr>
-              <a:t>*Nem todos os produtos têm suporte </a:t>
-            </a:r>
-            <a:br>
-              <a:rPr lang="pt-BR" sz="1000" i="1" dirty="0">
+              <a:t>*Not all products have live chat support</a:t>
+            </a:r>
+            <a:r>
+              <a:rPr sz="900" i="1">
                 <a:solidFill>
                   <a:srgbClr val="7A7A7A"/>
                 </a:solidFill>
                 <a:latin typeface="AdobeClean-LightIt"/>
                 <a:cs typeface="AdobeClean-LightIt"/>
               </a:rPr>
-            </a:br>
-            <a:r>
-              <a:rPr lang="pt-BR" sz="1000" i="1" dirty="0">
+              <a:t>.</a:t>
+            </a:r>
+            <a:r>
+              <a:rPr lang="en-US" sz="900" i="1">
                 <a:solidFill>
                   <a:srgbClr val="7A7A7A"/>
                 </a:solidFill>
                 <a:latin typeface="AdobeClean-LightIt"/>
                 <a:cs typeface="AdobeClean-LightIt"/>
               </a:rPr>
-              <a:t>de chat ao vivo</a:t>
-            </a:r>
-            <a:r>
-              <a:rPr lang="pt-BR" sz="900" i="1" dirty="0">
-                <a:solidFill>
-                  <a:srgbClr val="7A7A7A"/>
-                </a:solidFill>
-                <a:latin typeface="AdobeClean-LightIt"/>
-                <a:cs typeface="AdobeClean-LightIt"/>
-              </a:rPr>
-              <a:t>.  </a:t>
-            </a:r>
+              <a:t>  </a:t>
+            </a:r>
+            <a:endParaRPr sz="900">
+              <a:latin typeface="AdobeClean-Light"/>
+              <a:cs typeface="AdobeClean-Light"/>
+            </a:endParaRPr>
           </a:p>
         </p:txBody>
       </p:sp>
@@ -6843,12 +7570,12 @@
               <a:defRPr/>
             </a:pPr>
             <a:r>
-              <a:rPr lang="pt-BR" sz="1200">
+              <a:rPr lang="en-US" sz="1200">
                 <a:solidFill>
                   <a:srgbClr val="000000"/>
                 </a:solidFill>
               </a:rPr>
-              <a:t>Fóruns da comunidade</a:t>
+              <a:t>Community Forums</a:t>
             </a:r>
           </a:p>
         </p:txBody>
@@ -6891,12 +7618,12 @@
               </a:spcAft>
             </a:pPr>
             <a:r>
-              <a:rPr lang="pt-BR" sz="1200" b="1">
+              <a:rPr lang="en-US" sz="1200" b="1">
                 <a:latin typeface="+mj-lt"/>
                 <a:ea typeface="Open Sans" pitchFamily="34" charset="0"/>
                 <a:cs typeface="Open Sans" pitchFamily="34" charset="0"/>
               </a:rPr>
-              <a:t>Fóruns online</a:t>
+              <a:t>Online Forums</a:t>
             </a:r>
           </a:p>
         </p:txBody>
@@ -6916,7 +7643,7 @@
         <p:spPr>
           <a:xfrm>
             <a:off x="370040" y="6529249"/>
-            <a:ext cx="2286000" cy="959237"/>
+            <a:ext cx="2286000" cy="805349"/>
           </a:xfrm>
           <a:prstGeom prst="rect">
             <a:avLst/>
@@ -6929,30 +7656,13 @@
           <a:lstStyle/>
           <a:p>
             <a:r>
-              <a:rPr lang="pt-BR" sz="1000" dirty="0">
+              <a:rPr lang="en-US" sz="1000">
                 <a:solidFill>
                   <a:srgbClr val="000000"/>
                 </a:solidFill>
                 <a:latin typeface="Adobe Clean Light" panose="020B0303020404020204" pitchFamily="34" charset="0"/>
               </a:rPr>
-              <a:t>Acesso online contínuo a um banco de </a:t>
-            </a:r>
-            <a:br>
-              <a:rPr lang="pt-BR" sz="1000" dirty="0">
-                <a:solidFill>
-                  <a:srgbClr val="000000"/>
-                </a:solidFill>
-                <a:latin typeface="Adobe Clean Light" panose="020B0303020404020204" pitchFamily="34" charset="0"/>
-              </a:rPr>
-            </a:br>
-            <a:r>
-              <a:rPr lang="pt-BR" sz="1000" dirty="0">
-                <a:solidFill>
-                  <a:srgbClr val="000000"/>
-                </a:solidFill>
-                <a:latin typeface="Adobe Clean Light" panose="020B0303020404020204" pitchFamily="34" charset="0"/>
-              </a:rPr>
-              <a:t>dados cada vez maior de soluções técnicas, documentação do produto, perguntas frequentes e muito mais. Milhares de clientes podem se conectar para compartilhar práticas recomendadas e lições aprendidas.</a:t>
+              <a:t>Continuous online access to a growing database of technical solutions, product documentation, FAQs and more. Thousands of customers can connect to share best practices and lessons learned.</a:t>
             </a:r>
           </a:p>
         </p:txBody>
@@ -6995,12 +7705,12 @@
               </a:spcAft>
             </a:pPr>
             <a:r>
-              <a:rPr lang="pt-BR" sz="1200" b="1">
+              <a:rPr lang="en-US" sz="1200" b="1">
                 <a:latin typeface="+mj-lt"/>
                 <a:ea typeface="Open Sans" pitchFamily="34" charset="0"/>
                 <a:cs typeface="Open Sans" pitchFamily="34" charset="0"/>
               </a:rPr>
-              <a:t>Jornadas autoguiadas</a:t>
+              <a:t>Self-guided Journeys</a:t>
             </a:r>
           </a:p>
         </p:txBody>
@@ -7020,7 +7730,7 @@
         <p:spPr>
           <a:xfrm>
             <a:off x="5376301" y="6529249"/>
-            <a:ext cx="2286000" cy="1113125"/>
+            <a:ext cx="2286000" cy="959237"/>
           </a:xfrm>
           <a:prstGeom prst="rect">
             <a:avLst/>
@@ -7033,30 +7743,13 @@
           <a:lstStyle/>
           <a:p>
             <a:r>
-              <a:rPr lang="pt-BR" sz="1000" dirty="0">
+              <a:rPr lang="en-US" sz="1000">
                 <a:solidFill>
                   <a:srgbClr val="000000"/>
                 </a:solidFill>
                 <a:latin typeface="Adobe Clean Light" panose="020B0303020404020204" pitchFamily="34" charset="0"/>
               </a:rPr>
-              <a:t>A Experience League gera criadores de experiências. Os clientes podem adquirir habilidades de gerenciamento de experiência do cliente com aprendizagem personalizada, participar de uma comunidade de pares global e conseguir reconhecimento </a:t>
-            </a:r>
-            <a:br>
-              <a:rPr lang="pt-BR" sz="1000" dirty="0">
-                <a:solidFill>
-                  <a:srgbClr val="000000"/>
-                </a:solidFill>
-                <a:latin typeface="Adobe Clean Light" panose="020B0303020404020204" pitchFamily="34" charset="0"/>
-              </a:rPr>
-            </a:br>
-            <a:r>
-              <a:rPr lang="pt-BR" sz="1000" dirty="0">
-                <a:solidFill>
-                  <a:srgbClr val="000000"/>
-                </a:solidFill>
-                <a:latin typeface="Adobe Clean Light" panose="020B0303020404020204" pitchFamily="34" charset="0"/>
-              </a:rPr>
-              <a:t>de carreira.</a:t>
+              <a:t>Experience Makers are made with Experience League. Customers can kickstart their Customer Experience Management abilities with personalized learning to develop skills, engage with a global community of peers, and earn career advancing recognition.</a:t>
             </a:r>
           </a:p>
         </p:txBody>
@@ -7104,12 +7797,12 @@
               <a:defRPr/>
             </a:pPr>
             <a:r>
-              <a:rPr lang="pt-BR" sz="1200" dirty="0">
+              <a:rPr lang="en-US" sz="1200">
                 <a:solidFill>
                   <a:srgbClr val="000000"/>
                 </a:solidFill>
               </a:rPr>
-              <a:t>Suporte por chat ao vivo*</a:t>
+              <a:t>Live Chat  Support*</a:t>
             </a:r>
           </a:p>
         </p:txBody>
@@ -7152,12 +7845,12 @@
               </a:spcAft>
             </a:pPr>
             <a:r>
-              <a:rPr lang="pt-BR" sz="1200" b="1">
+              <a:rPr lang="en-US" sz="1200" b="1">
                 <a:latin typeface="+mj-lt"/>
                 <a:ea typeface="Open Sans" pitchFamily="34" charset="0"/>
                 <a:cs typeface="Open Sans" pitchFamily="34" charset="0"/>
               </a:rPr>
-              <a:t>Suporte por chat</a:t>
+              <a:t>Chat Support</a:t>
             </a:r>
           </a:p>
         </p:txBody>
@@ -7205,12 +7898,12 @@
               <a:defRPr/>
             </a:pPr>
             <a:r>
-              <a:rPr lang="pt-BR" sz="1200" dirty="0">
+              <a:rPr lang="en-US" sz="1200">
                 <a:solidFill>
                   <a:srgbClr val="000000"/>
                 </a:solidFill>
               </a:rPr>
-              <a:t>24X7 prioridades P1 </a:t>
+              <a:t>24X7 P1 </a:t>
             </a:r>
           </a:p>
         </p:txBody>
@@ -7253,12 +7946,12 @@
               </a:spcAft>
             </a:pPr>
             <a:r>
-              <a:rPr lang="pt-BR" sz="1200" b="1">
+              <a:rPr lang="en-US" sz="1200" b="1">
                 <a:latin typeface="+mj-lt"/>
                 <a:ea typeface="Open Sans" pitchFamily="34" charset="0"/>
                 <a:cs typeface="Open Sans" pitchFamily="34" charset="0"/>
               </a:rPr>
-              <a:t>Suporte telefônico</a:t>
+              <a:t>Phone Support</a:t>
             </a:r>
           </a:p>
         </p:txBody>
@@ -7278,7 +7971,7 @@
         <p:spPr>
           <a:xfrm>
             <a:off x="2836967" y="6529249"/>
-            <a:ext cx="2333202" cy="805349"/>
+            <a:ext cx="2286000" cy="805349"/>
           </a:xfrm>
           <a:prstGeom prst="rect">
             <a:avLst/>
@@ -7291,20 +7984,26 @@
           <a:lstStyle/>
           <a:p>
             <a:r>
-              <a:rPr lang="pt-BR" sz="1000" dirty="0">
+              <a:rPr lang="en-US" sz="1000">
                 <a:solidFill>
                   <a:srgbClr val="020302"/>
                 </a:solidFill>
                 <a:latin typeface="AdobeClean-Light"/>
               </a:rPr>
-              <a:t>Usuários autorizados ou contatos de suporte nomeados</a:t>
-            </a:r>
-            <a:r>
-              <a:rPr lang="pt-BR" sz="1000" dirty="0">
+              <a:t>Authorized users or Named Support Contacts </a:t>
+            </a:r>
+            <a:r>
+              <a:rPr lang="en-US" sz="1000">
                 <a:latin typeface="Adobe Clean Light" panose="020B0303020404020204" pitchFamily="34" charset="0"/>
               </a:rPr>
-              <a:t> podem enviar problemas por todos os canais disponíveis (incluindo por telefone em prioridades P1) e contatar a equipe de suporte técnico em nome de sua empresa. </a:t>
-            </a:r>
+              <a:t>can submit issues through all available  channels (including phone for P1) and interact with our technical support team on behalf of your company. </a:t>
+            </a:r>
+            <a:endParaRPr lang="en-US" sz="1000">
+              <a:solidFill>
+                <a:srgbClr val="000000"/>
+              </a:solidFill>
+              <a:latin typeface="Adobe Clean Light" panose="020B0303020404020204" pitchFamily="34" charset="0"/>
+            </a:endParaRPr>
           </a:p>
         </p:txBody>
       </p:sp>
@@ -7348,8 +8047,24 @@
               </a:spcBef>
             </a:pPr>
             <a:r>
-              <a:rPr lang="pt-BR"/>
-              <a:t>©2021 Adobe. All Rights Reserved. Adobe Confidential.</a:t>
+              <a:rPr spc="-5"/>
+              <a:t>©202</a:t>
+            </a:r>
+            <a:r>
+              <a:rPr lang="en-US" spc="-5"/>
+              <a:t>1</a:t>
+            </a:r>
+            <a:r>
+              <a:rPr spc="-5"/>
+              <a:t> Adobe. All Rights Reserved. Adobe</a:t>
+            </a:r>
+            <a:r>
+              <a:rPr spc="60"/>
+              <a:t> </a:t>
+            </a:r>
+            <a:r>
+              <a:rPr spc="-5"/>
+              <a:t>Confidential.</a:t>
             </a:r>
           </a:p>
         </p:txBody>
@@ -7392,13 +8107,13 @@
               </a:spcAft>
             </a:pPr>
             <a:r>
-              <a:rPr lang="pt-BR" sz="1200" b="1">
+              <a:rPr lang="en-US" sz="1200" b="1" spc="-10">
                 <a:solidFill>
                   <a:srgbClr val="020302"/>
                 </a:solidFill>
                 <a:latin typeface="+mj-lt"/>
               </a:rPr>
-              <a:t>Líder de suporte da conta</a:t>
+              <a:t>Account Support Lead</a:t>
             </a:r>
           </a:p>
         </p:txBody>
@@ -7418,7 +8133,7 @@
         <p:spPr>
           <a:xfrm>
             <a:off x="401995" y="5785009"/>
-            <a:ext cx="2078315" cy="82911"/>
+            <a:ext cx="1848207" cy="45719"/>
           </a:xfrm>
           <a:custGeom>
             <a:avLst/>
@@ -7466,7 +8181,7 @@
         <p:spPr>
           <a:xfrm>
             <a:off x="318713" y="5432541"/>
-            <a:ext cx="2006640" cy="307777"/>
+            <a:ext cx="2180405" cy="307777"/>
           </a:xfrm>
           <a:prstGeom prst="rect">
             <a:avLst/>
@@ -7487,15 +8202,19 @@
               </a:spcBef>
             </a:pPr>
             <a:r>
-              <a:rPr lang="pt-BR" sz="1400" b="1">
+              <a:rPr lang="en-US" sz="1400" b="1" spc="-10" dirty="0">
                 <a:solidFill>
                   <a:srgbClr val="020302"/>
                 </a:solidFill>
                 <a:latin typeface="Adobe Clean"/>
                 <a:cs typeface="Adobe Clean"/>
               </a:rPr>
-              <a:t>Recursos de suporte online</a:t>
-            </a:r>
+              <a:t>Standard Support Features</a:t>
+            </a:r>
+            <a:endParaRPr lang="en-US" sz="1400" dirty="0">
+              <a:latin typeface="Adobe Clean"/>
+              <a:cs typeface="Adobe Clean"/>
+            </a:endParaRPr>
           </a:p>
         </p:txBody>
       </p:sp>
@@ -7514,7 +8233,7 @@
         <p:spPr>
           <a:xfrm>
             <a:off x="384421" y="774495"/>
-            <a:ext cx="2185864" cy="73614"/>
+            <a:ext cx="2011680" cy="0"/>
           </a:xfrm>
           <a:custGeom>
             <a:avLst/>
@@ -7583,15 +8302,19 @@
               </a:spcBef>
             </a:pPr>
             <a:r>
-              <a:rPr lang="pt-BR" sz="1400" b="1">
+              <a:rPr lang="en-US" sz="1400" b="1" spc="-10">
                 <a:solidFill>
                   <a:srgbClr val="020302"/>
                 </a:solidFill>
                 <a:latin typeface="Adobe Clean"/>
                 <a:cs typeface="Adobe Clean"/>
               </a:rPr>
-              <a:t>Recursos do Suporte Business</a:t>
-            </a:r>
+              <a:t>Business  Support Features</a:t>
+            </a:r>
+            <a:endParaRPr lang="en-US" sz="1400">
+              <a:latin typeface="Adobe Clean"/>
+              <a:cs typeface="Adobe Clean"/>
+            </a:endParaRPr>
           </a:p>
         </p:txBody>
       </p:sp>
@@ -7609,8 +8332,8 @@
         </p:nvSpPr>
         <p:spPr>
           <a:xfrm>
-            <a:off x="2836966" y="1370913"/>
-            <a:ext cx="2333203" cy="1817998"/>
+            <a:off x="2836967" y="1370913"/>
+            <a:ext cx="2286000" cy="1456681"/>
           </a:xfrm>
           <a:prstGeom prst="rect">
             <a:avLst/>
@@ -7631,33 +8354,15 @@
               </a:spcBef>
             </a:pPr>
             <a:r>
-              <a:rPr lang="pt-BR" sz="1000" dirty="0">
+              <a:rPr lang="en-US" sz="1000">
                 <a:latin typeface="Adobe Clean Light" panose="020B0303020404020204" pitchFamily="34" charset="0"/>
               </a:rPr>
-              <a:t>Os clientes podem enviar casos de suporte </a:t>
-            </a:r>
-            <a:br>
-              <a:rPr lang="pt-BR" sz="1000" dirty="0">
-                <a:latin typeface="Adobe Clean Light" panose="020B0303020404020204" pitchFamily="34" charset="0"/>
-              </a:rPr>
-            </a:br>
-            <a:r>
-              <a:rPr lang="pt-BR" sz="1000" dirty="0">
-                <a:latin typeface="Adobe Clean Light" panose="020B0303020404020204" pitchFamily="34" charset="0"/>
-              </a:rPr>
-              <a:t>por telefone para todos os problemas com prioridade P2, P3 e P4 durante o horário de suporte regional. Não há limites máximos </a:t>
-            </a:r>
-            <a:br>
-              <a:rPr lang="pt-BR" sz="1000" dirty="0">
-                <a:latin typeface="Adobe Clean Light" panose="020B0303020404020204" pitchFamily="34" charset="0"/>
-              </a:rPr>
-            </a:br>
-            <a:r>
-              <a:rPr lang="pt-BR" sz="1000" dirty="0">
-                <a:latin typeface="Adobe Clean Light" panose="020B0303020404020204" pitchFamily="34" charset="0"/>
-              </a:rPr>
-              <a:t>para o número de vezes que você pode ligar para o suporte. Os clientes também podem solicitar uma chamada de retorno do suporte ou solicitar uma reunião para demonstrar ou solucionar um problema usando uma sessão de desktop remoto compartilhado.</a:t>
-            </a:r>
+              <a:t>Customers can submit support cases via Phone for all P2, P3, P4 issues during regional support hours. There are no upper limits on the number of times you can call into support. Customers can also request a call back from support or request a meeting to demonstrate or work through an issue using a shared remote desktop session.</a:t>
+            </a:r>
+            <a:endParaRPr lang="en-US" sz="1000">
+              <a:latin typeface="Adobe Clean Light" panose="020B0303020404020204" pitchFamily="34" charset="0"/>
+              <a:cs typeface="AdobeClean-Light"/>
+            </a:endParaRPr>
           </a:p>
         </p:txBody>
       </p:sp>
@@ -7699,13 +8404,13 @@
               </a:spcAft>
             </a:pPr>
             <a:r>
-              <a:rPr lang="pt-BR" sz="1200" b="1">
+              <a:rPr lang="en-US" sz="1200" b="1" spc="-10">
                 <a:solidFill>
                   <a:srgbClr val="020302"/>
                 </a:solidFill>
                 <a:latin typeface="+mj-lt"/>
               </a:rPr>
-              <a:t>Suporte telefônico ao vivo</a:t>
+              <a:t>Live Telephone Support</a:t>
             </a:r>
           </a:p>
         </p:txBody>
@@ -7725,7 +8430,7 @@
         <p:spPr>
           <a:xfrm>
             <a:off x="5376301" y="1398482"/>
-            <a:ext cx="2286000" cy="959237"/>
+            <a:ext cx="2286000" cy="805349"/>
           </a:xfrm>
           <a:prstGeom prst="rect">
             <a:avLst/>
@@ -7746,65 +8451,18 @@
               </a:spcBef>
             </a:pPr>
             <a:r>
-              <a:rPr lang="pt-BR" sz="1000" dirty="0">
+              <a:rPr lang="en-US" sz="1000">
                 <a:solidFill>
                   <a:srgbClr val="4B4B4B"/>
                 </a:solidFill>
                 <a:latin typeface="Adobe Clean Light" panose="020B0303020404020204" pitchFamily="34" charset="0"/>
               </a:rPr>
-              <a:t>Um ponto de contato designado na </a:t>
-            </a:r>
-            <a:br>
-              <a:rPr lang="pt-BR" sz="1000" dirty="0">
-                <a:solidFill>
-                  <a:srgbClr val="4B4B4B"/>
-                </a:solidFill>
-                <a:latin typeface="Adobe Clean Light" panose="020B0303020404020204" pitchFamily="34" charset="0"/>
-              </a:rPr>
-            </a:br>
-            <a:r>
-              <a:rPr lang="pt-BR" sz="1000" dirty="0">
-                <a:solidFill>
-                  <a:srgbClr val="4B4B4B"/>
-                </a:solidFill>
-                <a:latin typeface="Adobe Clean Light" panose="020B0303020404020204" pitchFamily="34" charset="0"/>
-              </a:rPr>
-              <a:t>Adobe que pode fornecer assistência </a:t>
-            </a:r>
-            <a:br>
-              <a:rPr lang="pt-BR" sz="1000" dirty="0">
-                <a:solidFill>
-                  <a:srgbClr val="4B4B4B"/>
-                </a:solidFill>
-                <a:latin typeface="Adobe Clean Light" panose="020B0303020404020204" pitchFamily="34" charset="0"/>
-              </a:rPr>
-            </a:br>
-            <a:r>
-              <a:rPr lang="pt-BR" sz="1000" dirty="0">
-                <a:solidFill>
-                  <a:srgbClr val="4B4B4B"/>
-                </a:solidFill>
-                <a:latin typeface="Adobe Clean Light" panose="020B0303020404020204" pitchFamily="34" charset="0"/>
-              </a:rPr>
-              <a:t>de encaminhamento, atualizações regulares </a:t>
-            </a:r>
-            <a:br>
-              <a:rPr lang="pt-BR" sz="1000" dirty="0">
-                <a:solidFill>
-                  <a:srgbClr val="4B4B4B"/>
-                </a:solidFill>
-                <a:latin typeface="Adobe Clean Light" panose="020B0303020404020204" pitchFamily="34" charset="0"/>
-              </a:rPr>
-            </a:br>
-            <a:r>
-              <a:rPr lang="pt-BR" sz="1000" dirty="0">
-                <a:solidFill>
-                  <a:srgbClr val="4B4B4B"/>
-                </a:solidFill>
-                <a:latin typeface="Adobe Clean Light" panose="020B0303020404020204" pitchFamily="34" charset="0"/>
-              </a:rPr>
-              <a:t>e garantir que seja dada prioridade àquelas solicitações de suporte abertas que forem mais críticas.</a:t>
-            </a:r>
+              <a:t>A designated point of contact within Adobe who can provide escalation assistance, regular updates and ensure priority is given to your most critical open support requests.</a:t>
+            </a:r>
+            <a:endParaRPr lang="en-US" sz="1000">
+              <a:latin typeface="Adobe Clean Light" panose="020B0303020404020204" pitchFamily="34" charset="0"/>
+              <a:cs typeface="AdobeClean-Light"/>
+            </a:endParaRPr>
           </a:p>
         </p:txBody>
       </p:sp>
@@ -7824,8 +8482,8 @@
         </p:nvSpPr>
         <p:spPr>
           <a:xfrm>
-            <a:off x="5885312" y="956112"/>
-            <a:ext cx="1818507" cy="369332"/>
+            <a:off x="5885313" y="1085652"/>
+            <a:ext cx="1608472" cy="184666"/>
           </a:xfrm>
           <a:prstGeom prst="rect">
             <a:avLst/>
@@ -7846,30 +8504,13 @@
               </a:spcAft>
             </a:pPr>
             <a:r>
-              <a:rPr lang="pt-BR" sz="1200" b="1" dirty="0">
+              <a:rPr lang="en-US" sz="1200" b="1" spc="-10">
                 <a:solidFill>
                   <a:srgbClr val="020302"/>
                 </a:solidFill>
                 <a:latin typeface="+mj-lt"/>
               </a:rPr>
-              <a:t>Gestão </a:t>
-            </a:r>
-            <a:br>
-              <a:rPr lang="pt-BR" sz="1200" b="1" dirty="0">
-                <a:solidFill>
-                  <a:srgbClr val="020302"/>
-                </a:solidFill>
-                <a:latin typeface="+mj-lt"/>
-              </a:rPr>
-            </a:br>
-            <a:r>
-              <a:rPr lang="pt-BR" sz="1200" b="1" dirty="0">
-                <a:solidFill>
-                  <a:srgbClr val="020302"/>
-                </a:solidFill>
-                <a:latin typeface="+mj-lt"/>
-              </a:rPr>
-              <a:t>de encaminhamento</a:t>
+              <a:t>Escalation Management</a:t>
             </a:r>
           </a:p>
         </p:txBody>
@@ -7917,7 +8558,7 @@
               <a:defRPr/>
             </a:pPr>
             <a:r>
-              <a:rPr lang="pt-BR" sz="1200">
+              <a:rPr lang="en-US" sz="1200">
                 <a:solidFill>
                   <a:srgbClr val="000000"/>
                 </a:solidFill>
@@ -7965,12 +8606,12 @@
               </a:spcAft>
             </a:pPr>
             <a:r>
-              <a:rPr lang="pt-BR" sz="1200" b="1">
+              <a:rPr lang="en-US" sz="1200" b="1">
                 <a:latin typeface="+mj-lt"/>
                 <a:ea typeface="Open Sans" pitchFamily="34" charset="0"/>
                 <a:cs typeface="Open Sans" pitchFamily="34" charset="0"/>
               </a:rPr>
-              <a:t>Webinários</a:t>
+              <a:t>Webinars</a:t>
             </a:r>
           </a:p>
         </p:txBody>
@@ -7990,7 +8631,7 @@
         <p:spPr>
           <a:xfrm>
             <a:off x="370040" y="8618616"/>
-            <a:ext cx="2286000" cy="959237"/>
+            <a:ext cx="2286000" cy="1113125"/>
           </a:xfrm>
           <a:prstGeom prst="rect">
             <a:avLst/>
@@ -8003,30 +8644,13 @@
           <a:lstStyle/>
           <a:p>
             <a:r>
-              <a:rPr lang="pt-BR" sz="1000" dirty="0">
+              <a:rPr lang="en-US" sz="1000">
                 <a:solidFill>
                   <a:srgbClr val="000000"/>
                 </a:solidFill>
                 <a:latin typeface="Adobe Clean Light" panose="020B0303020404020204" pitchFamily="34" charset="0"/>
               </a:rPr>
-              <a:t>O Office Hours é uma iniciativa liderada pela equipe de Suporte ao cliente da Adobe. </a:t>
-            </a:r>
-            <a:br>
-              <a:rPr lang="pt-BR" sz="1000" dirty="0">
-                <a:solidFill>
-                  <a:srgbClr val="000000"/>
-                </a:solidFill>
-                <a:latin typeface="Adobe Clean Light" panose="020B0303020404020204" pitchFamily="34" charset="0"/>
-              </a:rPr>
-            </a:br>
-            <a:r>
-              <a:rPr lang="pt-BR" sz="1000" dirty="0">
-                <a:solidFill>
-                  <a:srgbClr val="000000"/>
-                </a:solidFill>
-                <a:latin typeface="Adobe Clean Light" panose="020B0303020404020204" pitchFamily="34" charset="0"/>
-              </a:rPr>
-              <a:t>Essas sessões foram criadas para informar e ajudar os participantes a solucionar problemas e fornecer dicas e truques para aproveitar ao máximo a Adobe Experience Cloud.</a:t>
+              <a:t>Office Hours is an initiative led by the Adobe Customer Support team. These sessions are designed to inform as well as help participants troubleshoot problems and provide tips and tricks to be successful with Adobe Experience Cloud.</a:t>
             </a:r>
           </a:p>
         </p:txBody>
@@ -8069,12 +8693,12 @@
               </a:spcAft>
             </a:pPr>
             <a:r>
-              <a:rPr lang="pt-BR" sz="1200" b="1">
+              <a:rPr lang="en-US" sz="1200" b="1">
                 <a:latin typeface="+mj-lt"/>
                 <a:ea typeface="Open Sans" pitchFamily="34" charset="0"/>
                 <a:cs typeface="Open Sans" pitchFamily="34" charset="0"/>
               </a:rPr>
-              <a:t>Portal de suporte 24/7</a:t>
+              <a:t>24/7 Support Portal</a:t>
             </a:r>
           </a:p>
         </p:txBody>
@@ -8094,7 +8718,7 @@
         <p:spPr>
           <a:xfrm>
             <a:off x="5376301" y="8618616"/>
-            <a:ext cx="2286000" cy="959237"/>
+            <a:ext cx="2286000" cy="805349"/>
           </a:xfrm>
           <a:prstGeom prst="rect">
             <a:avLst/>
@@ -8107,16 +8731,16 @@
           <a:lstStyle/>
           <a:p>
             <a:r>
-              <a:rPr lang="pt-BR" sz="1000" dirty="0">
+              <a:rPr lang="en-US" sz="1000">
                 <a:solidFill>
                   <a:srgbClr val="000000"/>
                 </a:solidFill>
                 <a:latin typeface="Adobe Clean Light" panose="020B0303020404020204" pitchFamily="34" charset="0"/>
               </a:rPr>
-              <a:t>Acesso sob demanda ao Portal de autoatendimento online para enviar solicitações de suporte, revisar o status do caso e procurar outros recursos, como nossa base de conhecimento, notícias e alertas, </a:t>
+              <a:t>On-demand access to the online </a:t>
             </a:r>
             <a:br>
-              <a:rPr lang="pt-BR" sz="1000" dirty="0">
+              <a:rPr lang="en-US" sz="1000">
                 <a:solidFill>
                   <a:srgbClr val="000000"/>
                 </a:solidFill>
@@ -8124,13 +8748,13 @@
               </a:rPr>
             </a:br>
             <a:r>
-              <a:rPr lang="pt-BR" sz="1000" dirty="0">
+              <a:rPr lang="en-US" sz="1000">
                 <a:solidFill>
                   <a:srgbClr val="000000"/>
                 </a:solidFill>
                 <a:latin typeface="Adobe Clean Light" panose="020B0303020404020204" pitchFamily="34" charset="0"/>
               </a:rPr>
-              <a:t>dicas em destaque e muito mais.</a:t>
+              <a:t>Self-help Support Portal to submit support requests, review case status, and browse other resources, like our knowledgebase, news and alerts, featured tips, and more.</a:t>
             </a:r>
           </a:p>
         </p:txBody>
@@ -8227,8 +8851,8 @@
         </p:nvSpPr>
         <p:spPr>
           <a:xfrm>
-            <a:off x="789024" y="3499700"/>
-            <a:ext cx="1759037" cy="285247"/>
+            <a:off x="789025" y="3499700"/>
+            <a:ext cx="1336142" cy="285247"/>
           </a:xfrm>
           <a:prstGeom prst="rect">
             <a:avLst/>
@@ -8242,10 +8866,10 @@
           <a:lstStyle/>
           <a:p>
             <a:r>
-              <a:rPr lang="pt-BR" sz="1200" b="1" dirty="0">
+              <a:rPr lang="en-US" sz="1200" b="1">
                 <a:latin typeface="+mj-lt"/>
               </a:rPr>
-              <a:t>Serviços empresariais</a:t>
+              <a:t>Business Services</a:t>
             </a:r>
           </a:p>
         </p:txBody>
@@ -8286,23 +8910,15 @@
               </a:spcBef>
             </a:pPr>
             <a:r>
-              <a:rPr lang="pt-BR" sz="1000" dirty="0">
+              <a:rPr lang="en-US" sz="1000">
                 <a:latin typeface="Adobe Clean Light" panose="020B0303020404020204" pitchFamily="34" charset="0"/>
               </a:rPr>
-              <a:t>Um Líder de suporte da conta apresentará </a:t>
-            </a:r>
-            <a:r>
-              <a:rPr lang="pt-BR" sz="1000" dirty="0" err="1">
-                <a:latin typeface="Adobe Clean Light" panose="020B0303020404020204" pitchFamily="34" charset="0"/>
-              </a:rPr>
-              <a:t>webinários</a:t>
-            </a:r>
-            <a:r>
-              <a:rPr lang="pt-BR" sz="1000" dirty="0">
-                <a:latin typeface="Adobe Clean Light" panose="020B0303020404020204" pitchFamily="34" charset="0"/>
-              </a:rPr>
-              <a:t> com uma visão geral dos serviços de suporte empresarial.  </a:t>
-            </a:r>
+              <a:t>An Account Support Lead will host webinars covering an overview of business support services.  </a:t>
+            </a:r>
+            <a:endParaRPr lang="en-US" sz="1000">
+              <a:latin typeface="Adobe Clean Light" panose="020B0303020404020204" pitchFamily="34" charset="0"/>
+              <a:cs typeface="AdobeClean-Light"/>
+            </a:endParaRPr>
           </a:p>
         </p:txBody>
       </p:sp>
@@ -8320,7 +8936,7 @@
         </p:nvSpPr>
         <p:spPr>
           <a:xfrm rot="5400000" flipH="1">
-            <a:off x="3863341" y="527757"/>
+            <a:off x="3863341" y="302967"/>
             <a:ext cx="45719" cy="5577840"/>
           </a:xfrm>
           <a:custGeom>
@@ -8687,7 +9303,7 @@
         </p:nvSpPr>
         <p:spPr>
           <a:xfrm rot="5400000" flipH="1">
-            <a:off x="3863341" y="5035697"/>
+            <a:off x="3863341" y="4967117"/>
             <a:ext cx="45719" cy="5577840"/>
           </a:xfrm>
           <a:custGeom>
@@ -8771,12 +9387,12 @@
               <a:defRPr/>
             </a:pPr>
             <a:r>
-              <a:rPr lang="pt-BR" sz="1200" dirty="0">
+              <a:rPr lang="en-US" sz="1200">
                 <a:solidFill>
                   <a:srgbClr val="000000"/>
                 </a:solidFill>
               </a:rPr>
-              <a:t>Portal de autoatendimento</a:t>
+              <a:t>Self– Help Portal</a:t>
             </a:r>
           </a:p>
         </p:txBody>
@@ -8824,7 +9440,7 @@
               <a:defRPr/>
             </a:pPr>
             <a:r>
-              <a:rPr lang="pt-BR" sz="1200">
+              <a:rPr lang="en-US" sz="1200">
                 <a:solidFill>
                   <a:srgbClr val="000000"/>
                 </a:solidFill>
@@ -8886,15 +9502,49 @@
               </a:lnSpc>
             </a:pPr>
             <a:r>
-              <a:rPr lang="pt-BR" sz="500">
+              <a:rPr sz="500" spc="-5">
                 <a:solidFill>
                   <a:srgbClr val="6C6C6C"/>
                 </a:solidFill>
                 <a:latin typeface="Adobe Clean"/>
                 <a:cs typeface="Adobe Clean"/>
               </a:rPr>
-              <a:t>©2020 Adobe. All Rights Reserved. Adobe Confidential.</a:t>
-            </a:r>
+              <a:t>©2020 Adobe. All Rights Reserved. </a:t>
+            </a:r>
+            <a:r>
+              <a:rPr sz="500">
+                <a:solidFill>
+                  <a:srgbClr val="6C6C6C"/>
+                </a:solidFill>
+                <a:latin typeface="Adobe Clean"/>
+                <a:cs typeface="Adobe Clean"/>
+              </a:rPr>
+              <a:t>Adobe</a:t>
+            </a:r>
+            <a:r>
+              <a:rPr sz="500" spc="5">
+                <a:solidFill>
+                  <a:srgbClr val="6C6C6C"/>
+                </a:solidFill>
+                <a:latin typeface="Adobe Clean"/>
+                <a:cs typeface="Adobe Clean"/>
+              </a:rPr>
+              <a:t> </a:t>
+            </a:r>
+            <a:r>
+              <a:rPr sz="500" spc="-5">
+                <a:solidFill>
+                  <a:srgbClr val="6C6C6C"/>
+                </a:solidFill>
+                <a:latin typeface="Adobe Clean"/>
+                <a:cs typeface="Adobe Clean"/>
+              </a:rPr>
+              <a:t>Confidential.</a:t>
+            </a:r>
+            <a:endParaRPr sz="500">
+              <a:latin typeface="Adobe Clean"/>
+              <a:cs typeface="Adobe Clean"/>
+            </a:endParaRPr>
           </a:p>
           <a:p>
             <a:pPr>
@@ -8920,15 +9570,39 @@
               </a:spcBef>
             </a:pPr>
             <a:r>
-              <a:rPr lang="pt-BR" sz="800">
+              <a:rPr sz="800" spc="-5">
                 <a:solidFill>
                   <a:srgbClr val="6D6D6D"/>
                 </a:solidFill>
                 <a:latin typeface="Adobe Clean"/>
                 <a:cs typeface="Adobe Clean"/>
               </a:rPr>
-              <a:t>©2020 Adobe. All Rights Reserved. Adobe Confidential.</a:t>
-            </a:r>
+              <a:t>©2020 Adobe. All Rights Reserved. Adobe</a:t>
+            </a:r>
+            <a:r>
+              <a:rPr sz="800" spc="75">
+                <a:solidFill>
+                  <a:srgbClr val="6D6D6D"/>
+                </a:solidFill>
+                <a:latin typeface="Adobe Clean"/>
+                <a:cs typeface="Adobe Clean"/>
+              </a:rPr>
+              <a:t> </a:t>
+            </a:r>
+            <a:r>
+              <a:rPr sz="800" spc="-5">
+                <a:solidFill>
+                  <a:srgbClr val="6D6D6D"/>
+                </a:solidFill>
+                <a:latin typeface="Adobe Clean"/>
+                <a:cs typeface="Adobe Clean"/>
+              </a:rPr>
+              <a:t>Confidential.</a:t>
+            </a:r>
+            <a:endParaRPr sz="800">
+              <a:latin typeface="Adobe Clean"/>
+              <a:cs typeface="Adobe Clean"/>
+            </a:endParaRPr>
           </a:p>
         </p:txBody>
       </p:sp>
@@ -8978,7 +9652,7 @@
           <a:bodyPr wrap="square" lIns="0" tIns="0" rIns="0" bIns="0" rtlCol="0"/>
           <a:lstStyle/>
           <a:p>
-            <a:endParaRPr dirty="0"/>
+            <a:endParaRPr/>
           </a:p>
         </p:txBody>
       </p:sp>
@@ -9012,15 +9686,19 @@
               </a:spcBef>
             </a:pPr>
             <a:r>
-              <a:rPr lang="pt-BR" sz="1400" b="1">
+              <a:rPr lang="en-US" sz="1400" b="1" spc="-15">
                 <a:solidFill>
                   <a:srgbClr val="020302"/>
                 </a:solidFill>
                 <a:latin typeface="Adobe Clean"/>
                 <a:cs typeface="Adobe Clean"/>
               </a:rPr>
-              <a:t>Recursos</a:t>
-            </a:r>
+              <a:t>Resources</a:t>
+            </a:r>
+            <a:endParaRPr sz="1400">
+              <a:latin typeface="Adobe Clean"/>
+              <a:cs typeface="Adobe Clean"/>
+            </a:endParaRPr>
           </a:p>
         </p:txBody>
       </p:sp>
@@ -9033,7 +9711,7 @@
         <p:spPr>
           <a:xfrm>
             <a:off x="6754821" y="9283729"/>
-            <a:ext cx="979479" cy="662305"/>
+            <a:ext cx="930275" cy="662305"/>
           </a:xfrm>
           <a:prstGeom prst="rect">
             <a:avLst/>
@@ -9054,7 +9732,7 @@
               </a:spcBef>
             </a:pPr>
             <a:r>
-              <a:rPr lang="pt-BR" sz="800" dirty="0">
+              <a:rPr sz="800" spc="-15">
                 <a:solidFill>
                   <a:srgbClr val="777879"/>
                 </a:solidFill>
@@ -9063,6 +9741,10 @@
               </a:rPr>
               <a:t>Adobe</a:t>
             </a:r>
+            <a:endParaRPr sz="800">
+              <a:latin typeface="Adobe Clean"/>
+              <a:cs typeface="Adobe Clean"/>
+            </a:endParaRPr>
           </a:p>
           <a:p>
             <a:pPr marL="12700">
@@ -9071,15 +9753,39 @@
               </a:lnSpc>
             </a:pPr>
             <a:r>
-              <a:rPr lang="pt-BR" sz="800" dirty="0">
+              <a:rPr sz="800" spc="-15">
                 <a:solidFill>
                   <a:srgbClr val="777879"/>
                 </a:solidFill>
                 <a:latin typeface="Adobe Clean"/>
                 <a:cs typeface="Adobe Clean"/>
               </a:rPr>
-              <a:t>345 Park Avenue</a:t>
-            </a:r>
+              <a:t>345 Park</a:t>
+            </a:r>
+            <a:r>
+              <a:rPr sz="800" spc="-100">
+                <a:solidFill>
+                  <a:srgbClr val="777879"/>
+                </a:solidFill>
+                <a:latin typeface="Adobe Clean"/>
+                <a:cs typeface="Adobe Clean"/>
+              </a:rPr>
+              <a:t> </a:t>
+            </a:r>
+            <a:r>
+              <a:rPr sz="800" spc="-15">
+                <a:solidFill>
+                  <a:srgbClr val="777879"/>
+                </a:solidFill>
+                <a:latin typeface="Adobe Clean"/>
+                <a:cs typeface="Adobe Clean"/>
+              </a:rPr>
+              <a:t>Avenue</a:t>
+            </a:r>
+            <a:endParaRPr sz="800">
+              <a:latin typeface="Adobe Clean"/>
+              <a:cs typeface="Adobe Clean"/>
+            </a:endParaRPr>
           </a:p>
           <a:p>
             <a:pPr marL="12700">
@@ -9088,15 +9794,49 @@
               </a:lnSpc>
             </a:pPr>
             <a:r>
-              <a:rPr lang="pt-BR" sz="800" dirty="0">
+              <a:rPr sz="800" spc="-10">
                 <a:solidFill>
                   <a:srgbClr val="777879"/>
                 </a:solidFill>
                 <a:latin typeface="Adobe Clean"/>
                 <a:cs typeface="Adobe Clean"/>
               </a:rPr>
-              <a:t>San Jose, CA95110-2704</a:t>
-            </a:r>
+              <a:t>San </a:t>
+            </a:r>
+            <a:r>
+              <a:rPr sz="800" spc="-15">
+                <a:solidFill>
+                  <a:srgbClr val="777879"/>
+                </a:solidFill>
+                <a:latin typeface="Adobe Clean"/>
+                <a:cs typeface="Adobe Clean"/>
+              </a:rPr>
+              <a:t>Jose,</a:t>
+            </a:r>
+            <a:r>
+              <a:rPr sz="800" spc="-140">
+                <a:solidFill>
+                  <a:srgbClr val="777879"/>
+                </a:solidFill>
+                <a:latin typeface="Adobe Clean"/>
+                <a:cs typeface="Adobe Clean"/>
+              </a:rPr>
+              <a:t> </a:t>
+            </a:r>
+            <a:r>
+              <a:rPr sz="800" spc="-20">
+                <a:solidFill>
+                  <a:srgbClr val="777879"/>
+                </a:solidFill>
+                <a:latin typeface="Adobe Clean"/>
+                <a:cs typeface="Adobe Clean"/>
+              </a:rPr>
+              <a:t>CA95110-2704</a:t>
+            </a:r>
+            <a:endParaRPr sz="800">
+              <a:latin typeface="Adobe Clean"/>
+              <a:cs typeface="Adobe Clean"/>
+            </a:endParaRPr>
           </a:p>
           <a:p>
             <a:pPr marL="12700">
@@ -9108,7 +9848,7 @@
               </a:spcBef>
             </a:pPr>
             <a:r>
-              <a:rPr lang="pt-BR" sz="800" dirty="0">
+              <a:rPr sz="800" spc="-10">
                 <a:solidFill>
                   <a:srgbClr val="777879"/>
                 </a:solidFill>
@@ -9117,6 +9857,10 @@
               </a:rPr>
               <a:t>USA</a:t>
             </a:r>
+            <a:endParaRPr sz="800">
+              <a:latin typeface="Adobe Clean"/>
+              <a:cs typeface="Adobe Clean"/>
+            </a:endParaRPr>
           </a:p>
           <a:p>
             <a:pPr marL="12700">
@@ -9128,7 +9872,7 @@
               </a:spcBef>
             </a:pPr>
             <a:r>
-              <a:rPr lang="pt-BR" sz="800" u="sng" dirty="0">
+              <a:rPr sz="800" u="sng" spc="-25">
                 <a:solidFill>
                   <a:srgbClr val="5F5F5F"/>
                 </a:solidFill>
@@ -9143,6 +9887,10 @@
               </a:rPr>
               <a:t>www.adobe.com</a:t>
             </a:r>
+            <a:endParaRPr sz="800">
+              <a:latin typeface="Adobe Clean"/>
+              <a:cs typeface="Adobe Clean"/>
+            </a:endParaRPr>
           </a:p>
         </p:txBody>
       </p:sp>
@@ -9296,7 +10044,7 @@
         <p:spPr>
           <a:xfrm>
             <a:off x="75947" y="9437110"/>
-            <a:ext cx="5738113" cy="570865"/>
+            <a:ext cx="5466715" cy="570865"/>
           </a:xfrm>
           <a:prstGeom prst="rect">
             <a:avLst/>
@@ -9317,15 +10065,439 @@
               </a:spcBef>
             </a:pPr>
             <a:r>
-              <a:rPr lang="pt-BR" sz="1100" i="1" dirty="0">
+              <a:rPr sz="1100" i="1" spc="-10">
                 <a:solidFill>
                   <a:srgbClr val="777879"/>
                 </a:solidFill>
                 <a:latin typeface="AdobeClean-LightIt"/>
                 <a:cs typeface="AdobeClean-LightIt"/>
               </a:rPr>
-              <a:t>Para saber mais sobre os Serviços de suporte Adobe e identificar o nível certo para você, entre em contato com o seu Gerente de conta nomeado (NAM, em inglês) ou Gerente de sucesso do cliente (CSM, em inglês).</a:t>
-            </a:r>
+              <a:t>To</a:t>
+            </a:r>
+            <a:r>
+              <a:rPr sz="1100" i="1" spc="-50">
+                <a:solidFill>
+                  <a:srgbClr val="777879"/>
+                </a:solidFill>
+                <a:latin typeface="AdobeClean-LightIt"/>
+                <a:cs typeface="AdobeClean-LightIt"/>
+              </a:rPr>
+              <a:t> </a:t>
+            </a:r>
+            <a:r>
+              <a:rPr sz="1100" i="1" spc="-15">
+                <a:solidFill>
+                  <a:srgbClr val="777879"/>
+                </a:solidFill>
+                <a:latin typeface="AdobeClean-LightIt"/>
+                <a:cs typeface="AdobeClean-LightIt"/>
+              </a:rPr>
+              <a:t>learn</a:t>
+            </a:r>
+            <a:r>
+              <a:rPr sz="1100" i="1" spc="-40">
+                <a:solidFill>
+                  <a:srgbClr val="777879"/>
+                </a:solidFill>
+                <a:latin typeface="AdobeClean-LightIt"/>
+                <a:cs typeface="AdobeClean-LightIt"/>
+              </a:rPr>
+              <a:t> </a:t>
+            </a:r>
+            <a:r>
+              <a:rPr sz="1100" i="1" spc="-15">
+                <a:solidFill>
+                  <a:srgbClr val="777879"/>
+                </a:solidFill>
+                <a:latin typeface="AdobeClean-LightIt"/>
+                <a:cs typeface="AdobeClean-LightIt"/>
+              </a:rPr>
+              <a:t>more</a:t>
+            </a:r>
+            <a:r>
+              <a:rPr sz="1100" i="1" spc="-45">
+                <a:solidFill>
+                  <a:srgbClr val="777879"/>
+                </a:solidFill>
+                <a:latin typeface="AdobeClean-LightIt"/>
+                <a:cs typeface="AdobeClean-LightIt"/>
+              </a:rPr>
+              <a:t> </a:t>
+            </a:r>
+            <a:r>
+              <a:rPr sz="1100" i="1" spc="-15">
+                <a:solidFill>
+                  <a:srgbClr val="777879"/>
+                </a:solidFill>
+                <a:latin typeface="AdobeClean-LightIt"/>
+                <a:cs typeface="AdobeClean-LightIt"/>
+              </a:rPr>
+              <a:t>about</a:t>
+            </a:r>
+            <a:r>
+              <a:rPr sz="1100" i="1" spc="-45">
+                <a:solidFill>
+                  <a:srgbClr val="777879"/>
+                </a:solidFill>
+                <a:latin typeface="AdobeClean-LightIt"/>
+                <a:cs typeface="AdobeClean-LightIt"/>
+              </a:rPr>
+              <a:t> </a:t>
+            </a:r>
+            <a:r>
+              <a:rPr sz="1100" i="1" spc="-15">
+                <a:solidFill>
+                  <a:srgbClr val="777879"/>
+                </a:solidFill>
+                <a:latin typeface="AdobeClean-LightIt"/>
+                <a:cs typeface="AdobeClean-LightIt"/>
+              </a:rPr>
+              <a:t>Adobe</a:t>
+            </a:r>
+            <a:r>
+              <a:rPr sz="1100" i="1" spc="-50">
+                <a:solidFill>
+                  <a:srgbClr val="777879"/>
+                </a:solidFill>
+                <a:latin typeface="AdobeClean-LightIt"/>
+                <a:cs typeface="AdobeClean-LightIt"/>
+              </a:rPr>
+              <a:t> </a:t>
+            </a:r>
+            <a:r>
+              <a:rPr sz="1100" i="1" spc="-15">
+                <a:solidFill>
+                  <a:srgbClr val="777879"/>
+                </a:solidFill>
+                <a:latin typeface="AdobeClean-LightIt"/>
+                <a:cs typeface="AdobeClean-LightIt"/>
+              </a:rPr>
+              <a:t>Support</a:t>
+            </a:r>
+            <a:r>
+              <a:rPr lang="en-US" sz="1100" i="1" spc="-15">
+                <a:solidFill>
+                  <a:srgbClr val="777879"/>
+                </a:solidFill>
+                <a:latin typeface="AdobeClean-LightIt"/>
+                <a:cs typeface="AdobeClean-LightIt"/>
+              </a:rPr>
+              <a:t> Offerings</a:t>
+            </a:r>
+            <a:r>
+              <a:rPr sz="1100" i="1" spc="-75">
+                <a:solidFill>
+                  <a:srgbClr val="777879"/>
+                </a:solidFill>
+                <a:latin typeface="AdobeClean-LightIt"/>
+                <a:cs typeface="AdobeClean-LightIt"/>
+              </a:rPr>
+              <a:t> </a:t>
+            </a:r>
+            <a:r>
+              <a:rPr sz="1100" i="1" spc="-15">
+                <a:solidFill>
+                  <a:srgbClr val="777879"/>
+                </a:solidFill>
+                <a:latin typeface="AdobeClean-LightIt"/>
+                <a:cs typeface="AdobeClean-LightIt"/>
+              </a:rPr>
+              <a:t>and</a:t>
+            </a:r>
+            <a:r>
+              <a:rPr sz="1100" i="1" spc="-50">
+                <a:solidFill>
+                  <a:srgbClr val="777879"/>
+                </a:solidFill>
+                <a:latin typeface="AdobeClean-LightIt"/>
+                <a:cs typeface="AdobeClean-LightIt"/>
+              </a:rPr>
+              <a:t> </a:t>
+            </a:r>
+            <a:r>
+              <a:rPr sz="1100" i="1" spc="-15">
+                <a:solidFill>
+                  <a:srgbClr val="777879"/>
+                </a:solidFill>
+                <a:latin typeface="AdobeClean-LightIt"/>
+                <a:cs typeface="AdobeClean-LightIt"/>
+              </a:rPr>
+              <a:t>the</a:t>
+            </a:r>
+            <a:r>
+              <a:rPr sz="1100" i="1" spc="-55">
+                <a:solidFill>
+                  <a:srgbClr val="777879"/>
+                </a:solidFill>
+                <a:latin typeface="AdobeClean-LightIt"/>
+                <a:cs typeface="AdobeClean-LightIt"/>
+              </a:rPr>
+              <a:t> </a:t>
+            </a:r>
+            <a:r>
+              <a:rPr sz="1100" i="1" spc="-15">
+                <a:solidFill>
+                  <a:srgbClr val="777879"/>
+                </a:solidFill>
+                <a:latin typeface="AdobeClean-LightIt"/>
+                <a:cs typeface="AdobeClean-LightIt"/>
+              </a:rPr>
+              <a:t>right</a:t>
+            </a:r>
+            <a:r>
+              <a:rPr sz="1100" i="1" spc="-95">
+                <a:solidFill>
+                  <a:srgbClr val="777879"/>
+                </a:solidFill>
+                <a:latin typeface="AdobeClean-LightIt"/>
+                <a:cs typeface="AdobeClean-LightIt"/>
+              </a:rPr>
+              <a:t> </a:t>
+            </a:r>
+            <a:r>
+              <a:rPr sz="1100" i="1" spc="-15">
+                <a:solidFill>
+                  <a:srgbClr val="777879"/>
+                </a:solidFill>
+                <a:latin typeface="AdobeClean-LightIt"/>
+                <a:cs typeface="AdobeClean-LightIt"/>
+              </a:rPr>
+              <a:t>level</a:t>
+            </a:r>
+            <a:r>
+              <a:rPr sz="1100" i="1" spc="-55">
+                <a:solidFill>
+                  <a:srgbClr val="777879"/>
+                </a:solidFill>
+                <a:latin typeface="AdobeClean-LightIt"/>
+                <a:cs typeface="AdobeClean-LightIt"/>
+              </a:rPr>
+              <a:t> </a:t>
+            </a:r>
+            <a:r>
+              <a:rPr sz="1100" i="1" spc="-15">
+                <a:solidFill>
+                  <a:srgbClr val="777879"/>
+                </a:solidFill>
+                <a:latin typeface="AdobeClean-LightIt"/>
+                <a:cs typeface="AdobeClean-LightIt"/>
+              </a:rPr>
+              <a:t>for</a:t>
+            </a:r>
+            <a:r>
+              <a:rPr sz="1100" i="1" spc="-85">
+                <a:solidFill>
+                  <a:srgbClr val="777879"/>
+                </a:solidFill>
+                <a:latin typeface="AdobeClean-LightIt"/>
+                <a:cs typeface="AdobeClean-LightIt"/>
+              </a:rPr>
+              <a:t> </a:t>
+            </a:r>
+            <a:r>
+              <a:rPr sz="1100" i="1" spc="-15">
+                <a:solidFill>
+                  <a:srgbClr val="777879"/>
+                </a:solidFill>
+                <a:latin typeface="AdobeClean-LightIt"/>
+                <a:cs typeface="AdobeClean-LightIt"/>
+              </a:rPr>
+              <a:t>you,</a:t>
+            </a:r>
+            <a:r>
+              <a:rPr sz="1100" i="1" spc="-65">
+                <a:solidFill>
+                  <a:srgbClr val="777879"/>
+                </a:solidFill>
+                <a:latin typeface="AdobeClean-LightIt"/>
+                <a:cs typeface="AdobeClean-LightIt"/>
+              </a:rPr>
+              <a:t> </a:t>
+            </a:r>
+            <a:r>
+              <a:rPr sz="1100" i="1" spc="-15">
+                <a:solidFill>
+                  <a:srgbClr val="777879"/>
+                </a:solidFill>
+                <a:latin typeface="AdobeClean-LightIt"/>
+                <a:cs typeface="AdobeClean-LightIt"/>
+              </a:rPr>
+              <a:t>contact</a:t>
+            </a:r>
+            <a:r>
+              <a:rPr sz="1100" i="1" spc="-85">
+                <a:solidFill>
+                  <a:srgbClr val="777879"/>
+                </a:solidFill>
+                <a:latin typeface="AdobeClean-LightIt"/>
+                <a:cs typeface="AdobeClean-LightIt"/>
+              </a:rPr>
+              <a:t> </a:t>
+            </a:r>
+            <a:r>
+              <a:rPr sz="1100" i="1" spc="-15">
+                <a:solidFill>
+                  <a:srgbClr val="777879"/>
+                </a:solidFill>
+                <a:latin typeface="AdobeClean-LightIt"/>
+                <a:cs typeface="AdobeClean-LightIt"/>
+              </a:rPr>
+              <a:t>your</a:t>
+            </a:r>
+            <a:r>
+              <a:rPr sz="1100" i="1" spc="-70">
+                <a:solidFill>
+                  <a:srgbClr val="777879"/>
+                </a:solidFill>
+                <a:latin typeface="AdobeClean-LightIt"/>
+                <a:cs typeface="AdobeClean-LightIt"/>
+              </a:rPr>
+              <a:t> </a:t>
+            </a:r>
+            <a:r>
+              <a:rPr sz="1100" i="1" spc="-15">
+                <a:solidFill>
+                  <a:srgbClr val="777879"/>
+                </a:solidFill>
+                <a:latin typeface="AdobeClean-LightIt"/>
+                <a:cs typeface="AdobeClean-LightIt"/>
+              </a:rPr>
+              <a:t>Named</a:t>
+            </a:r>
+            <a:r>
+              <a:rPr sz="1100" i="1" spc="-55">
+                <a:solidFill>
+                  <a:srgbClr val="777879"/>
+                </a:solidFill>
+                <a:latin typeface="AdobeClean-LightIt"/>
+                <a:cs typeface="AdobeClean-LightIt"/>
+              </a:rPr>
+              <a:t> </a:t>
+            </a:r>
+            <a:r>
+              <a:rPr sz="1100" i="1" spc="-25">
+                <a:solidFill>
+                  <a:srgbClr val="777879"/>
+                </a:solidFill>
+                <a:latin typeface="AdobeClean-LightIt"/>
+                <a:cs typeface="AdobeClean-LightIt"/>
+              </a:rPr>
+              <a:t>Account</a:t>
+            </a:r>
+            <a:r>
+              <a:rPr sz="1100" i="1" spc="-120">
+                <a:solidFill>
+                  <a:srgbClr val="777879"/>
+                </a:solidFill>
+                <a:latin typeface="AdobeClean-LightIt"/>
+                <a:cs typeface="AdobeClean-LightIt"/>
+              </a:rPr>
+              <a:t> </a:t>
+            </a:r>
+            <a:r>
+              <a:rPr sz="1100" i="1" spc="-20">
+                <a:solidFill>
+                  <a:srgbClr val="777879"/>
+                </a:solidFill>
+                <a:latin typeface="AdobeClean-LightIt"/>
+                <a:cs typeface="AdobeClean-LightIt"/>
+              </a:rPr>
+              <a:t>Manager</a:t>
+            </a:r>
+            <a:r>
+              <a:rPr lang="en-US" sz="1100" i="1" spc="-20">
+                <a:solidFill>
+                  <a:srgbClr val="777879"/>
+                </a:solidFill>
+                <a:latin typeface="AdobeClean-LightIt"/>
+                <a:cs typeface="AdobeClean-LightIt"/>
+              </a:rPr>
+              <a:t> </a:t>
+            </a:r>
+            <a:r>
+              <a:rPr sz="1100" i="1" spc="-20">
+                <a:solidFill>
+                  <a:srgbClr val="777879"/>
+                </a:solidFill>
+                <a:latin typeface="AdobeClean-LightIt"/>
+                <a:cs typeface="AdobeClean-LightIt"/>
+              </a:rPr>
+              <a:t> </a:t>
+            </a:r>
+            <a:r>
+              <a:rPr sz="1100" i="1" spc="-15">
+                <a:solidFill>
+                  <a:srgbClr val="777879"/>
+                </a:solidFill>
+                <a:latin typeface="AdobeClean-LightIt"/>
+                <a:cs typeface="AdobeClean-LightIt"/>
+              </a:rPr>
+              <a:t>(NAM) </a:t>
+            </a:r>
+            <a:r>
+              <a:rPr sz="1100" i="1" spc="-10">
+                <a:solidFill>
+                  <a:srgbClr val="777879"/>
+                </a:solidFill>
+                <a:latin typeface="AdobeClean-LightIt"/>
+                <a:cs typeface="AdobeClean-LightIt"/>
+              </a:rPr>
+              <a:t>or </a:t>
+            </a:r>
+            <a:r>
+              <a:rPr sz="1100" i="1" spc="-15">
+                <a:solidFill>
+                  <a:srgbClr val="777879"/>
+                </a:solidFill>
+                <a:latin typeface="AdobeClean-LightIt"/>
+                <a:cs typeface="AdobeClean-LightIt"/>
+              </a:rPr>
+              <a:t>Customer</a:t>
+            </a:r>
+            <a:r>
+              <a:rPr lang="en-US" sz="1100" i="1" spc="-15">
+                <a:solidFill>
+                  <a:srgbClr val="777879"/>
+                </a:solidFill>
+                <a:latin typeface="AdobeClean-LightIt"/>
+                <a:cs typeface="AdobeClean-LightIt"/>
+              </a:rPr>
+              <a:t> </a:t>
+            </a:r>
+            <a:r>
+              <a:rPr lang="en-US" sz="1100" i="1" spc="-20">
+                <a:solidFill>
+                  <a:srgbClr val="777879"/>
+                </a:solidFill>
+                <a:latin typeface="AdobeClean-LightIt"/>
+                <a:cs typeface="AdobeClean-LightIt"/>
+              </a:rPr>
+              <a:t>Success </a:t>
+            </a:r>
+            <a:r>
+              <a:rPr lang="en-US" sz="1100" i="1" spc="-15">
+                <a:solidFill>
+                  <a:srgbClr val="777879"/>
+                </a:solidFill>
+                <a:latin typeface="AdobeClean-LightIt"/>
+                <a:cs typeface="AdobeClean-LightIt"/>
+              </a:rPr>
+              <a:t>Manager </a:t>
+            </a:r>
+            <a:r>
+              <a:rPr sz="1100" i="1" spc="-15">
+                <a:solidFill>
+                  <a:srgbClr val="777879"/>
+                </a:solidFill>
+                <a:latin typeface="AdobeClean-LightIt"/>
+                <a:cs typeface="AdobeClean-LightIt"/>
+              </a:rPr>
+              <a:t>(CSM)</a:t>
+            </a:r>
+            <a:endParaRPr sz="1100">
+              <a:latin typeface="AdobeClean-LightIt"/>
+              <a:cs typeface="AdobeClean-LightIt"/>
+            </a:endParaRPr>
           </a:p>
           <a:p>
             <a:pPr marL="34290">
@@ -9337,95 +10509,59 @@
               </a:spcBef>
             </a:pPr>
             <a:r>
-              <a:rPr lang="pt-BR" sz="800" dirty="0">
+              <a:rPr sz="800" spc="-5">
                 <a:solidFill>
                   <a:srgbClr val="6D6D6D"/>
                 </a:solidFill>
                 <a:latin typeface="Adobe Clean"/>
                 <a:cs typeface="Adobe Clean"/>
               </a:rPr>
-              <a:t>©2021 Adobe. </a:t>
-            </a:r>
-            <a:r>
-              <a:rPr lang="pt-BR" sz="800" dirty="0" err="1">
+              <a:t>©202</a:t>
+            </a:r>
+            <a:r>
+              <a:rPr lang="en-US" sz="800" spc="-5">
                 <a:solidFill>
                   <a:srgbClr val="6D6D6D"/>
                 </a:solidFill>
                 <a:latin typeface="Adobe Clean"/>
                 <a:cs typeface="Adobe Clean"/>
               </a:rPr>
-              <a:t>All</a:t>
-            </a:r>
-            <a:r>
-              <a:rPr lang="pt-BR" sz="800" dirty="0">
+              <a:t>1</a:t>
+            </a:r>
+            <a:r>
+              <a:rPr sz="800" spc="-5">
                 <a:solidFill>
                   <a:srgbClr val="6D6D6D"/>
                 </a:solidFill>
                 <a:latin typeface="Adobe Clean"/>
                 <a:cs typeface="Adobe Clean"/>
               </a:rPr>
-              <a:t> </a:t>
-            </a:r>
-            <a:r>
-              <a:rPr lang="pt-BR" sz="800" dirty="0" err="1">
+              <a:t> Adobe. All Rights Reserved. Adobe</a:t>
+            </a:r>
+            <a:r>
+              <a:rPr sz="800" spc="75">
                 <a:solidFill>
                   <a:srgbClr val="6D6D6D"/>
                 </a:solidFill>
                 <a:latin typeface="Adobe Clean"/>
                 <a:cs typeface="Adobe Clean"/>
               </a:rPr>
-              <a:t>Rights</a:t>
-            </a:r>
-            <a:r>
-              <a:rPr lang="pt-BR" sz="800" dirty="0">
+              <a:t> </a:t>
+            </a:r>
+            <a:r>
+              <a:rPr sz="800" spc="-5">
                 <a:solidFill>
                   <a:srgbClr val="6D6D6D"/>
                 </a:solidFill>
                 <a:latin typeface="Adobe Clean"/>
                 <a:cs typeface="Adobe Clean"/>
               </a:rPr>
-              <a:t> </a:t>
-            </a:r>
-            <a:r>
-              <a:rPr lang="pt-BR" sz="800" dirty="0" err="1">
-                <a:solidFill>
-                  <a:srgbClr val="6D6D6D"/>
-                </a:solidFill>
-                <a:latin typeface="Adobe Clean"/>
-                <a:cs typeface="Adobe Clean"/>
-              </a:rPr>
-              <a:t>Reserved</a:t>
-            </a:r>
-            <a:r>
-              <a:rPr lang="pt-BR" sz="800" dirty="0">
-                <a:solidFill>
-                  <a:srgbClr val="6D6D6D"/>
-                </a:solidFill>
-                <a:latin typeface="Adobe Clean"/>
-                <a:cs typeface="Adobe Clean"/>
-              </a:rPr>
-              <a:t>. Adobe </a:t>
-            </a:r>
-            <a:r>
-              <a:rPr lang="pt-BR" sz="800" dirty="0" err="1">
-                <a:solidFill>
-                  <a:srgbClr val="6D6D6D"/>
-                </a:solidFill>
-                <a:latin typeface="Adobe Clean"/>
-                <a:cs typeface="Adobe Clean"/>
-              </a:rPr>
-              <a:t>Confidential</a:t>
-            </a:r>
-            <a:r>
-              <a:rPr lang="pt-BR" sz="800" dirty="0">
-                <a:solidFill>
-                  <a:srgbClr val="6D6D6D"/>
-                </a:solidFill>
-                <a:latin typeface="Adobe Clean"/>
-                <a:cs typeface="Adobe Clean"/>
-              </a:rPr>
-              <a:t>.</a:t>
-            </a:r>
+              <a:t>Confidential.</a:t>
+            </a:r>
+            <a:endParaRPr sz="800">
+              <a:latin typeface="Adobe Clean"/>
+              <a:cs typeface="Adobe Clean"/>
+            </a:endParaRPr>
           </a:p>
         </p:txBody>
       </p:sp>
@@ -9443,8 +10579,8 @@
         </p:nvSpPr>
         <p:spPr>
           <a:xfrm>
-            <a:off x="197232" y="5031270"/>
-            <a:ext cx="6729347" cy="755976"/>
+            <a:off x="197233" y="5031270"/>
+            <a:ext cx="6476646" cy="755976"/>
           </a:xfrm>
           <a:prstGeom prst="rect">
             <a:avLst/>
@@ -9462,15 +10598,19 @@
               </a:spcBef>
             </a:pPr>
             <a:r>
-              <a:rPr lang="pt-BR" sz="1400" b="1" dirty="0">
+              <a:rPr lang="en-US" sz="1400" b="1" spc="-15">
                 <a:solidFill>
                   <a:srgbClr val="020302"/>
                 </a:solidFill>
                 <a:latin typeface="Adobe Clean"/>
                 <a:cs typeface="Adobe Clean"/>
               </a:rPr>
-              <a:t>Escopo regional do Suporte da Adobe, horário local de operação e suporte de idioma</a:t>
-            </a:r>
+              <a:t>Regional scope of Adobe Support, Local Hours Of Operation And Language Support</a:t>
+            </a:r>
+            <a:endParaRPr lang="en-US" sz="1400" spc="-15">
+              <a:ea typeface="+mn-lt"/>
+              <a:cs typeface="+mn-lt"/>
+            </a:endParaRPr>
           </a:p>
           <a:p>
             <a:pPr>
@@ -9479,14 +10619,15 @@
               </a:spcBef>
             </a:pPr>
             <a:r>
-              <a:rPr lang="pt-BR" sz="1000" dirty="0">
+              <a:rPr lang="en-US" sz="1000" spc="-15">
                 <a:solidFill>
                   <a:srgbClr val="1F1F1F"/>
                 </a:solidFill>
                 <a:latin typeface="AdobeClean-Light"/>
               </a:rPr>
-              <a:t>O escopo regional do Suporte da Adobe é estabelecido alinhando o endereço de faturamento do cliente (conforme a ordem de venda ou outro documento de compra do Suporte da Adobe) a uma das regiões seguintes:</a:t>
-            </a:r>
+              <a:t>The Regional scope of Adobe Support is established by aligning the customer's billing address (via the Sales Order or other Adobe Support purchasing document) to one of the following regions:</a:t>
+            </a:r>
+            <a:endParaRPr lang="en-US"/>
           </a:p>
         </p:txBody>
       </p:sp>
@@ -9505,7 +10646,7 @@
           <p:nvPr>
             <p:extLst>
               <p:ext uri="{D42A27DB-BD31-4B8C-83A1-F6EECF244321}">
-                <p14:modId xmlns:p14="http://schemas.microsoft.com/office/powerpoint/2010/main" val="943449294"/>
+                <p14:modId xmlns:p14="http://schemas.microsoft.com/office/powerpoint/2010/main" val="2969235217"/>
               </p:ext>
             </p:extLst>
           </p:nvPr>
@@ -9558,13 +10699,13 @@
                     <a:p>
                       <a:pPr algn="ctr"/>
                       <a:r>
-                        <a:rPr lang="pt-BR" sz="1100">
+                        <a:rPr lang="en-US" sz="1100">
                           <a:solidFill>
                             <a:schemeClr val="tx1"/>
                           </a:solidFill>
                           <a:latin typeface="Adobe Clean"/>
                         </a:rPr>
-                        <a:t>Américas</a:t>
+                        <a:t>Americas</a:t>
                       </a:r>
                     </a:p>
                   </a:txBody>
@@ -9623,30 +10764,13 @@
                     <a:p>
                       <a:pPr algn="ctr"/>
                       <a:r>
-                        <a:rPr lang="pt-BR" sz="1100" dirty="0">
+                        <a:rPr lang="en-US" sz="1100">
                           <a:solidFill>
                             <a:schemeClr val="tx1"/>
                           </a:solidFill>
                           <a:latin typeface="Adobe Clean"/>
                         </a:rPr>
-                        <a:t>Europa, Oriente Médio </a:t>
-                      </a:r>
-                      <a:br>
-                        <a:rPr lang="pt-BR" sz="1100" dirty="0">
-                          <a:solidFill>
-                            <a:schemeClr val="tx1"/>
-                          </a:solidFill>
-                          <a:latin typeface="Adobe Clean"/>
-                        </a:rPr>
-                      </a:br>
-                      <a:r>
-                        <a:rPr lang="pt-BR" sz="1100" dirty="0">
-                          <a:solidFill>
-                            <a:schemeClr val="tx1"/>
-                          </a:solidFill>
-                          <a:latin typeface="Adobe Clean"/>
-                        </a:rPr>
-                        <a:t>e África</a:t>
+                        <a:t>Europe, Middle East &amp; Africa</a:t>
                       </a:r>
                     </a:p>
                   </a:txBody>
@@ -9705,13 +10829,13 @@
                     <a:p>
                       <a:pPr algn="ctr"/>
                       <a:r>
-                        <a:rPr lang="pt-BR" sz="1100">
+                        <a:rPr lang="en-US" sz="1100">
                           <a:solidFill>
                             <a:schemeClr val="tx1"/>
                           </a:solidFill>
                           <a:latin typeface="Adobe Clean"/>
                         </a:rPr>
-                        <a:t>Ásia–Pacífico</a:t>
+                        <a:t>Asia Pacific</a:t>
                       </a:r>
                     </a:p>
                   </a:txBody>
@@ -9770,16 +10894,16 @@
                     <a:p>
                       <a:pPr algn="ctr"/>
                       <a:r>
-                        <a:rPr lang="pt-BR" sz="1100">
+                        <a:rPr lang="en-US" sz="1100">
                           <a:solidFill>
                             <a:schemeClr val="tx1"/>
                           </a:solidFill>
                           <a:latin typeface="Adobe Clean"/>
                         </a:rPr>
-                        <a:t>Japão</a:t>
+                        <a:t>Japan </a:t>
                       </a:r>
                       <a:r>
-                        <a:rPr lang="pt-BR" sz="1100" baseline="30000">
+                        <a:rPr lang="en-US" sz="1100" baseline="30000">
                           <a:solidFill>
                             <a:schemeClr val="tx1"/>
                           </a:solidFill>
@@ -9787,6 +10911,12 @@
                         </a:rPr>
                         <a:t>1 </a:t>
                       </a:r>
+                      <a:endParaRPr lang="en-US" sz="1100">
+                        <a:solidFill>
+                          <a:schemeClr val="tx1"/>
+                        </a:solidFill>
+                        <a:latin typeface="Adobe Clean" panose="020B0503020404020204" pitchFamily="34" charset="0"/>
+                      </a:endParaRPr>
                     </a:p>
                   </a:txBody>
                   <a:tcPr anchor="ctr">
@@ -9851,13 +10981,13 @@
                     <a:p>
                       <a:pPr algn="ctr"/>
                       <a:r>
-                        <a:rPr lang="pt-BR" sz="1100">
+                        <a:rPr lang="en-US" sz="1100">
                           <a:solidFill>
                             <a:schemeClr val="tx1"/>
                           </a:solidFill>
                           <a:latin typeface="Adobe Clean"/>
                         </a:rPr>
-                        <a:t>6h – 17h30</a:t>
+                        <a:t>6 am – 5:30 pm</a:t>
                       </a:r>
                     </a:p>
                   </a:txBody>
@@ -9916,13 +11046,13 @@
                     <a:p>
                       <a:pPr algn="ctr"/>
                       <a:r>
-                        <a:rPr lang="pt-BR" sz="1100">
+                        <a:rPr lang="en-US" sz="1100">
                           <a:solidFill>
                             <a:schemeClr val="tx1"/>
                           </a:solidFill>
                           <a:latin typeface="Adobe Clean"/>
                         </a:rPr>
-                        <a:t>9h – 17h</a:t>
+                        <a:t>9 am – 5 pm</a:t>
                       </a:r>
                     </a:p>
                   </a:txBody>
@@ -9981,13 +11111,13 @@
                     <a:p>
                       <a:pPr algn="ctr"/>
                       <a:r>
-                        <a:rPr lang="pt-BR" sz="1100">
+                        <a:rPr lang="en-US" sz="1100">
                           <a:solidFill>
                             <a:schemeClr val="tx1"/>
                           </a:solidFill>
                           <a:latin typeface="Adobe Clean"/>
                         </a:rPr>
-                        <a:t>9h – 17h</a:t>
+                        <a:t>9 am – 5 pm</a:t>
                       </a:r>
                     </a:p>
                   </a:txBody>
@@ -10046,13 +11176,13 @@
                     <a:p>
                       <a:pPr algn="ctr"/>
                       <a:r>
-                        <a:rPr lang="pt-BR" sz="1100">
+                        <a:rPr lang="en-US" sz="1100">
                           <a:solidFill>
                             <a:schemeClr val="tx1"/>
                           </a:solidFill>
                           <a:latin typeface="Adobe Clean"/>
                         </a:rPr>
-                        <a:t>9h – 17h30</a:t>
+                        <a:t>9 am – 5:30 pm</a:t>
                       </a:r>
                     </a:p>
                   </a:txBody>
@@ -10132,10 +11262,11 @@
                         <a:buNone/>
                       </a:pPr>
                       <a:r>
-                        <a:rPr lang="pt-BR" sz="1100" b="1" i="0" u="none" strike="noStrike" cap="none" normalizeH="0" baseline="30000" noProof="0" dirty="0">
+                        <a:rPr lang="en-US" sz="1100" b="1" i="0" u="none" strike="noStrike" kern="0" cap="none" spc="0" normalizeH="0" baseline="30000" noProof="0">
                           <a:ln>
                             <a:noFill/>
                           </a:ln>
+                          <a:effectLst/>
                           <a:uLnTx/>
                           <a:uFillTx/>
                           <a:latin typeface="Adobe Clean"/>
@@ -10145,16 +11276,17 @@
                         <a:t> </a:t>
                       </a:r>
                       <a:r>
-                        <a:rPr lang="pt-BR" sz="1100" dirty="0">
+                        <a:rPr lang="en-US" sz="1100">
                           <a:solidFill>
                             <a:schemeClr val="tx1"/>
                           </a:solidFill>
                           <a:latin typeface="Adobe Clean"/>
-                          <a:ea typeface="+mn-ea"/>
-                          <a:cs typeface="+mn-cs"/>
                         </a:rPr>
-                        <a:t>O suporte de idioma está disponível somente em inglês e japonês.</a:t>
+                        <a:t>Language support is only available in English and Japanese.</a:t>
                       </a:r>
+                      <a:endParaRPr lang="en-US">
+                        <a:latin typeface="Adobe Clean"/>
+                      </a:endParaRPr>
                     </a:p>
                     <a:p>
                       <a:pPr marL="0" marR="0" lvl="0" indent="0" algn="ctr">
@@ -10173,36 +11305,18 @@
                         <a:buNone/>
                       </a:pPr>
                       <a:r>
-                        <a:rPr lang="pt-BR" sz="1100" i="1" dirty="0">
+                        <a:rPr lang="en-US" sz="1100" i="1">
                           <a:solidFill>
                             <a:schemeClr val="tx1"/>
                           </a:solidFill>
                           <a:latin typeface="Adobe Clean"/>
                         </a:rPr>
-                        <a:t>*O Adobe </a:t>
-                      </a:r>
-                      <a:r>
-                        <a:rPr lang="pt-BR" sz="1100" i="1" dirty="0" err="1">
-                          <a:solidFill>
-                            <a:schemeClr val="tx1"/>
-                          </a:solidFill>
-                          <a:latin typeface="Adobe Clean"/>
-                        </a:rPr>
-                        <a:t>Commerce</a:t>
-                      </a:r>
-                      <a:r>
-                        <a:rPr lang="pt-BR" sz="1100" i="1" dirty="0">
-                          <a:solidFill>
-                            <a:schemeClr val="tx1"/>
-                          </a:solidFill>
-                          <a:latin typeface="Adobe Clean"/>
-                        </a:rPr>
-                        <a:t> exclui o suporte ao idioma japonês.</a:t>
+                        <a:t>*Adobe Commerce excludes Japanese languages support.</a:t>
                       </a:r>
                     </a:p>
                     <a:p>
-                      <a:pPr algn="l" rtl="0"/>
-                      <a:endParaRPr kumimoji="0" lang="en-US" sz="1100" b="1" i="0" u="none" strike="noStrike" kern="0" cap="none" spc="0" normalizeH="0" baseline="30000" noProof="0" dirty="0">
+                      <a:pPr algn="ctr"/>
+                      <a:endParaRPr kumimoji="0" lang="en-US" sz="1100" b="1" i="0" u="none" strike="noStrike" kern="0" cap="none" spc="0" normalizeH="0" baseline="30000" noProof="0">
                         <a:ln>
                           <a:noFill/>
                         </a:ln>
@@ -10220,7 +11334,7 @@
                     <a:p>
                       <a:pPr algn="ctr"/>
                       <a:r>
-                        <a:rPr lang="pt-BR" sz="1100" i="0" dirty="0">
+                        <a:rPr lang="en-US" sz="1100" i="0">
                           <a:solidFill>
                             <a:schemeClr val="tx1"/>
                           </a:solidFill>
@@ -10229,23 +11343,29 @@
                         <a:t> </a:t>
                       </a:r>
                       <a:r>
-                        <a:rPr lang="pt-BR" sz="1100" i="0" baseline="30000" dirty="0">
+                        <a:rPr lang="en-US" sz="1100" i="0" baseline="30000">
                           <a:solidFill>
                             <a:schemeClr val="tx1"/>
                           </a:solidFill>
                           <a:latin typeface="Adobe Clean"/>
                         </a:rPr>
-                        <a:t>1</a:t>
+                        <a:t>1 </a:t>
                       </a:r>
                       <a:r>
-                        <a:rPr lang="pt-BR" sz="1100" i="0" dirty="0">
+                        <a:rPr lang="en-US" sz="1100" i="0">
                           <a:solidFill>
                             <a:schemeClr val="tx1"/>
                           </a:solidFill>
                           <a:latin typeface="Adobe Clean"/>
                         </a:rPr>
-                        <a:t>Os casos de prioridade P2, P3 e P4 estão limitados ao horário comercial somente no Japão.</a:t>
+                        <a:t>P2, P3, P4 cases are limited to business hours only in Japan.</a:t>
                       </a:r>
+                      <a:endParaRPr lang="en-US" sz="1100" b="1" i="0">
+                        <a:solidFill>
+                          <a:schemeClr val="tx1"/>
+                        </a:solidFill>
+                        <a:latin typeface="Adobe Clean"/>
+                      </a:endParaRPr>
                     </a:p>
                   </a:txBody>
                   <a:tcPr anchor="ctr">
@@ -10600,7 +11720,7 @@
           </a:bodyPr>
           <a:lstStyle/>
           <a:p>
-            <a:pPr marR="5080" algn="ctr">
+            <a:pPr marL="139065" marR="5080" indent="-139065">
               <a:lnSpc>
                 <a:spcPts val="1390"/>
               </a:lnSpc>
@@ -10609,15 +11729,129 @@
               </a:spcBef>
             </a:pPr>
             <a:r>
-              <a:rPr lang="pt-BR" sz="1200" b="1" dirty="0">
+              <a:rPr sz="1200" b="1" spc="-15">
                 <a:solidFill>
                   <a:srgbClr val="FFFFFF"/>
                 </a:solidFill>
                 <a:latin typeface="Adobe Clean"/>
                 <a:cs typeface="Adobe Clean"/>
               </a:rPr>
-              <a:t>Experiência sem igual</a:t>
-            </a:r>
+              <a:t>U</a:t>
+            </a:r>
+            <a:r>
+              <a:rPr sz="1200" b="1" spc="-20">
+                <a:solidFill>
+                  <a:srgbClr val="FFFFFF"/>
+                </a:solidFill>
+                <a:latin typeface="Adobe Clean"/>
+                <a:cs typeface="Adobe Clean"/>
+              </a:rPr>
+              <a:t>n</a:t>
+            </a:r>
+            <a:r>
+              <a:rPr sz="1200" b="1" spc="-25">
+                <a:solidFill>
+                  <a:srgbClr val="FFFFFF"/>
+                </a:solidFill>
+                <a:latin typeface="Adobe Clean"/>
+                <a:cs typeface="Adobe Clean"/>
+              </a:rPr>
+              <a:t>p</a:t>
+            </a:r>
+            <a:r>
+              <a:rPr sz="1200" b="1" spc="-15">
+                <a:solidFill>
+                  <a:srgbClr val="FFFFFF"/>
+                </a:solidFill>
+                <a:latin typeface="Adobe Clean"/>
+                <a:cs typeface="Adobe Clean"/>
+              </a:rPr>
+              <a:t>a</a:t>
+            </a:r>
+            <a:r>
+              <a:rPr sz="1200" b="1" spc="-25">
+                <a:solidFill>
+                  <a:srgbClr val="FFFFFF"/>
+                </a:solidFill>
+                <a:latin typeface="Adobe Clean"/>
+                <a:cs typeface="Adobe Clean"/>
+              </a:rPr>
+              <a:t>r</a:t>
+            </a:r>
+            <a:r>
+              <a:rPr sz="1200" b="1" spc="-15">
+                <a:solidFill>
+                  <a:srgbClr val="FFFFFF"/>
+                </a:solidFill>
+                <a:latin typeface="Adobe Clean"/>
+                <a:cs typeface="Adobe Clean"/>
+              </a:rPr>
+              <a:t>a</a:t>
+            </a:r>
+            <a:r>
+              <a:rPr sz="1200" b="1" spc="-30">
+                <a:solidFill>
+                  <a:srgbClr val="FFFFFF"/>
+                </a:solidFill>
+                <a:latin typeface="Adobe Clean"/>
+                <a:cs typeface="Adobe Clean"/>
+              </a:rPr>
+              <a:t>ll</a:t>
+            </a:r>
+            <a:r>
+              <a:rPr sz="1200" b="1" spc="-25">
+                <a:solidFill>
+                  <a:srgbClr val="FFFFFF"/>
+                </a:solidFill>
+                <a:latin typeface="Adobe Clean"/>
+                <a:cs typeface="Adobe Clean"/>
+              </a:rPr>
+              <a:t>e</a:t>
+            </a:r>
+            <a:r>
+              <a:rPr sz="1200" b="1" spc="-30">
+                <a:solidFill>
+                  <a:srgbClr val="FFFFFF"/>
+                </a:solidFill>
+                <a:latin typeface="Adobe Clean"/>
+                <a:cs typeface="Adobe Clean"/>
+              </a:rPr>
+              <a:t>l</a:t>
+            </a:r>
+            <a:r>
+              <a:rPr sz="1200" b="1" spc="-25">
+                <a:solidFill>
+                  <a:srgbClr val="FFFFFF"/>
+                </a:solidFill>
+                <a:latin typeface="Adobe Clean"/>
+                <a:cs typeface="Adobe Clean"/>
+              </a:rPr>
+              <a:t>e</a:t>
+            </a:r>
+            <a:r>
+              <a:rPr sz="1200" b="1">
+                <a:solidFill>
+                  <a:srgbClr val="FFFFFF"/>
+                </a:solidFill>
+                <a:latin typeface="Adobe Clean"/>
+                <a:cs typeface="Adobe Clean"/>
+              </a:rPr>
+              <a:t>d  </a:t>
+            </a:r>
+            <a:r>
+              <a:rPr sz="1200" b="1" spc="-25">
+                <a:solidFill>
+                  <a:srgbClr val="FFFFFF"/>
+                </a:solidFill>
+                <a:latin typeface="Adobe Clean"/>
+                <a:cs typeface="Adobe Clean"/>
+              </a:rPr>
+              <a:t>Expertise</a:t>
+            </a:r>
+            <a:endParaRPr sz="1200">
+              <a:latin typeface="Adobe Clean"/>
+              <a:cs typeface="Adobe Clean"/>
+            </a:endParaRPr>
           </a:p>
         </p:txBody>
       </p:sp>
@@ -10648,7 +11882,7 @@
           </a:bodyPr>
           <a:lstStyle/>
           <a:p>
-            <a:pPr marR="5080" algn="ctr">
+            <a:pPr marL="139065" marR="5080" indent="-139065">
               <a:lnSpc>
                 <a:spcPts val="1390"/>
               </a:lnSpc>
@@ -10657,15 +11891,19 @@
               </a:spcBef>
             </a:pPr>
             <a:r>
-              <a:rPr lang="pt-BR" sz="1200" b="1" dirty="0">
+              <a:rPr lang="en-US" sz="1200" b="1" spc="-15">
                 <a:solidFill>
                   <a:srgbClr val="FFFFFF"/>
                 </a:solidFill>
                 <a:latin typeface="Adobe Clean"/>
                 <a:cs typeface="Adobe Clean"/>
               </a:rPr>
-              <a:t>Suporte acelerado</a:t>
-            </a:r>
+              <a:t>Accelerated Support</a:t>
+            </a:r>
+            <a:endParaRPr sz="1200">
+              <a:latin typeface="Adobe Clean"/>
+              <a:cs typeface="Adobe Clean"/>
+            </a:endParaRPr>
           </a:p>
         </p:txBody>
       </p:sp>
@@ -10683,8 +11921,8 @@
         </p:nvSpPr>
         <p:spPr>
           <a:xfrm>
-            <a:off x="6428639" y="8522638"/>
-            <a:ext cx="901499" cy="382797"/>
+            <a:off x="6624119" y="8543943"/>
+            <a:ext cx="510540" cy="385445"/>
           </a:xfrm>
           <a:prstGeom prst="rect">
             <a:avLst/>
@@ -10696,7 +11934,7 @@
           </a:bodyPr>
           <a:lstStyle/>
           <a:p>
-            <a:pPr marR="5080" algn="ctr">
+            <a:pPr marL="50800" marR="5080" indent="-51435">
               <a:lnSpc>
                 <a:spcPts val="1390"/>
               </a:lnSpc>
@@ -10705,15 +11943,109 @@
               </a:spcBef>
             </a:pPr>
             <a:r>
-              <a:rPr lang="pt-BR" sz="1200" b="1" dirty="0">
+              <a:rPr sz="1200" b="1" spc="-50">
                 <a:solidFill>
                   <a:srgbClr val="FFFFFF"/>
                 </a:solidFill>
                 <a:latin typeface="Adobe Clean"/>
                 <a:cs typeface="Adobe Clean"/>
               </a:rPr>
-              <a:t>Consultoria estratégica</a:t>
-            </a:r>
+              <a:t>S</a:t>
+            </a:r>
+            <a:r>
+              <a:rPr sz="1200" b="1" spc="-20">
+                <a:solidFill>
+                  <a:srgbClr val="FFFFFF"/>
+                </a:solidFill>
+                <a:latin typeface="Adobe Clean"/>
+                <a:cs typeface="Adobe Clean"/>
+              </a:rPr>
+              <a:t>t</a:t>
+            </a:r>
+            <a:r>
+              <a:rPr sz="1200" b="1" spc="-75">
+                <a:solidFill>
+                  <a:srgbClr val="FFFFFF"/>
+                </a:solidFill>
+                <a:latin typeface="Adobe Clean"/>
+                <a:cs typeface="Adobe Clean"/>
+              </a:rPr>
+              <a:t>r</a:t>
+            </a:r>
+            <a:r>
+              <a:rPr sz="1200" b="1" spc="-90">
+                <a:solidFill>
+                  <a:srgbClr val="FFFFFF"/>
+                </a:solidFill>
+                <a:latin typeface="Adobe Clean"/>
+                <a:cs typeface="Adobe Clean"/>
+              </a:rPr>
+              <a:t>a</a:t>
+            </a:r>
+            <a:r>
+              <a:rPr sz="1200" b="1" spc="-55">
+                <a:solidFill>
+                  <a:srgbClr val="FFFFFF"/>
+                </a:solidFill>
+                <a:latin typeface="Adobe Clean"/>
+                <a:cs typeface="Adobe Clean"/>
+              </a:rPr>
+              <a:t>t</a:t>
+            </a:r>
+            <a:r>
+              <a:rPr sz="1200" b="1" spc="-100">
+                <a:solidFill>
+                  <a:srgbClr val="FFFFFF"/>
+                </a:solidFill>
+                <a:latin typeface="Adobe Clean"/>
+                <a:cs typeface="Adobe Clean"/>
+              </a:rPr>
+              <a:t>e</a:t>
+            </a:r>
+            <a:r>
+              <a:rPr sz="1200" b="1" spc="-80">
+                <a:solidFill>
+                  <a:srgbClr val="FFFFFF"/>
+                </a:solidFill>
+                <a:latin typeface="Adobe Clean"/>
+                <a:cs typeface="Adobe Clean"/>
+              </a:rPr>
+              <a:t>g</a:t>
+            </a:r>
+            <a:r>
+              <a:rPr sz="1200" b="1" spc="-35">
+                <a:solidFill>
+                  <a:srgbClr val="FFFFFF"/>
+                </a:solidFill>
+                <a:latin typeface="Adobe Clean"/>
+                <a:cs typeface="Adobe Clean"/>
+              </a:rPr>
+              <a:t>i</a:t>
+            </a:r>
+            <a:r>
+              <a:rPr sz="1200" b="1">
+                <a:solidFill>
+                  <a:srgbClr val="FFFFFF"/>
+                </a:solidFill>
+                <a:latin typeface="Adobe Clean"/>
+                <a:cs typeface="Adobe Clean"/>
+              </a:rPr>
+              <a:t>c  </a:t>
+            </a:r>
+            <a:r>
+              <a:rPr sz="1200" b="1" spc="-45">
+                <a:solidFill>
+                  <a:srgbClr val="FFFFFF"/>
+                </a:solidFill>
+                <a:latin typeface="Adobe Clean"/>
+                <a:cs typeface="Adobe Clean"/>
+              </a:rPr>
+              <a:t>Advice</a:t>
+            </a:r>
+            <a:endParaRPr sz="1200">
+              <a:latin typeface="Adobe Clean"/>
+              <a:cs typeface="Adobe Clean"/>
+            </a:endParaRPr>
           </a:p>
         </p:txBody>
       </p:sp>
@@ -10732,14 +12064,14 @@
           <p:nvPr>
             <p:extLst>
               <p:ext uri="{D42A27DB-BD31-4B8C-83A1-F6EECF244321}">
-                <p14:modId xmlns:p14="http://schemas.microsoft.com/office/powerpoint/2010/main" val="577931603"/>
+                <p14:modId xmlns:p14="http://schemas.microsoft.com/office/powerpoint/2010/main" val="3773282750"/>
               </p:ext>
             </p:extLst>
           </p:nvPr>
         </p:nvGraphicFramePr>
         <p:xfrm>
           <a:off x="194236" y="1059345"/>
-          <a:ext cx="7368291" cy="3606800"/>
+          <a:ext cx="7368291" cy="3302000"/>
         </p:xfrm>
         <a:graphic>
           <a:graphicData uri="http://schemas.openxmlformats.org/drawingml/2006/table">
@@ -10748,14 +12080,14 @@
                 <a:tableStyleId>{5C22544A-7EE6-4342-B048-85BDC9FD1C3A}</a:tableStyleId>
               </a:tblPr>
               <a:tblGrid>
-                <a:gridCol w="3562424">
+                <a:gridCol w="3691964">
                   <a:extLst>
                     <a:ext uri="{9D8B030D-6E8A-4147-A177-3AD203B41FA5}">
                       <a16:colId xmlns:a16="http://schemas.microsoft.com/office/drawing/2014/main" val="2364693614"/>
                     </a:ext>
                   </a:extLst>
                 </a:gridCol>
-                <a:gridCol w="3805867">
+                <a:gridCol w="3676327">
                   <a:extLst>
                     <a:ext uri="{9D8B030D-6E8A-4147-A177-3AD203B41FA5}">
                       <a16:colId xmlns:a16="http://schemas.microsoft.com/office/drawing/2014/main" val="1545335406"/>
@@ -10770,7 +12102,7 @@
                     <a:lstStyle/>
                     <a:p>
                       <a:r>
-                        <a:rPr lang="pt-BR" sz="1100" b="0">
+                        <a:rPr lang="en-US" sz="1100" b="0">
                           <a:solidFill>
                             <a:schemeClr val="tx1"/>
                           </a:solidFill>
@@ -10781,6 +12113,14 @@
                         </a:rPr>
                         <a:t>Experience League</a:t>
                       </a:r>
+                      <a:endParaRPr lang="en-US" sz="1100" b="0">
+                        <a:solidFill>
+                          <a:schemeClr val="tx1"/>
+                        </a:solidFill>
+                        <a:latin typeface="Adobe Clean"/>
+                        <a:ea typeface="+mn-ea"/>
+                        <a:cs typeface="+mn-cs"/>
+                      </a:endParaRPr>
                     </a:p>
                   </a:txBody>
                   <a:tcPr marL="47625" marR="47625" marT="0" marB="0" anchor="ctr">
@@ -10852,7 +12192,7 @@
                         <a:buNone/>
                       </a:pPr>
                       <a:r>
-                        <a:rPr lang="pt-BR" sz="1000" b="0" dirty="0">
+                        <a:rPr lang="en-US" sz="1000" b="0" kern="1200">
                           <a:solidFill>
                             <a:srgbClr val="000000"/>
                           </a:solidFill>
@@ -10860,71 +12200,16 @@
                           <a:ea typeface="+mn-ea"/>
                           <a:cs typeface="+mn-cs"/>
                         </a:rPr>
-                        <a:t>A Experience League foi criada para ajudar as empresas a alcançar </a:t>
+                        <a:t>Experience League is how Adobe helps businesses achieve the value they expect from their Adobe investment. It’s the unified place where customers can learn, connect, and grow along a personalized path to success that includes self-help tutorials, product documentation, instructor-led training, community and technical support. </a:t>
                       </a:r>
-                      <a:br>
-                        <a:rPr lang="pt-BR" sz="1000" b="0" dirty="0">
-                          <a:solidFill>
-                            <a:srgbClr val="000000"/>
-                          </a:solidFill>
-                          <a:latin typeface="Adobe Clean Light"/>
-                          <a:ea typeface="+mn-ea"/>
-                          <a:cs typeface="+mn-cs"/>
-                        </a:rPr>
-                      </a:br>
-                      <a:r>
-                        <a:rPr lang="pt-BR" sz="1000" b="0" dirty="0">
-                          <a:solidFill>
-                            <a:srgbClr val="000000"/>
-                          </a:solidFill>
-                          <a:latin typeface="Adobe Clean Light"/>
-                          <a:ea typeface="+mn-ea"/>
-                          <a:cs typeface="+mn-cs"/>
-                        </a:rPr>
-                        <a:t>o valor que esperam do seu investimento em produtos da Adobe. </a:t>
-                      </a:r>
-                      <a:br>
-                        <a:rPr lang="pt-BR" sz="1000" b="0" dirty="0">
-                          <a:solidFill>
-                            <a:srgbClr val="000000"/>
-                          </a:solidFill>
-                          <a:latin typeface="Adobe Clean Light"/>
-                          <a:ea typeface="+mn-ea"/>
-                          <a:cs typeface="+mn-cs"/>
-                        </a:rPr>
-                      </a:br>
-                      <a:r>
-                        <a:rPr lang="pt-BR" sz="1000" b="0" dirty="0">
-                          <a:solidFill>
-                            <a:srgbClr val="000000"/>
-                          </a:solidFill>
-                          <a:latin typeface="Adobe Clean Light"/>
-                          <a:ea typeface="+mn-ea"/>
-                          <a:cs typeface="+mn-cs"/>
-                        </a:rPr>
-                        <a:t>É o local unificado onde os clientes podem aprender, interagir e crescer ao longo de um caminho personalizado de sucesso que inclui tutoriais </a:t>
-                      </a:r>
-                      <a:br>
-                        <a:rPr lang="pt-BR" sz="1000" b="0" dirty="0">
-                          <a:solidFill>
-                            <a:srgbClr val="000000"/>
-                          </a:solidFill>
-                          <a:latin typeface="Adobe Clean Light"/>
-                          <a:ea typeface="+mn-ea"/>
-                          <a:cs typeface="+mn-cs"/>
-                        </a:rPr>
-                      </a:br>
-                      <a:r>
-                        <a:rPr lang="pt-BR" sz="1000" b="0" dirty="0">
-                          <a:solidFill>
-                            <a:srgbClr val="000000"/>
-                          </a:solidFill>
-                          <a:latin typeface="Adobe Clean Light"/>
-                          <a:ea typeface="+mn-ea"/>
-                          <a:cs typeface="+mn-cs"/>
-                        </a:rPr>
-                        <a:t>de autoatendimento, documentação dos produtos, treinamento com instrutores e suporte técnico e da comunidade. </a:t>
-                      </a:r>
+                      <a:endParaRPr lang="en-US" sz="1000" b="0" kern="1200">
+                        <a:solidFill>
+                          <a:srgbClr val="000000"/>
+                        </a:solidFill>
+                        <a:latin typeface="Adobe Clean Light" panose="020B0303020404020204" pitchFamily="34" charset="0"/>
+                        <a:ea typeface="+mn-ea"/>
+                        <a:cs typeface="+mn-cs"/>
+                      </a:endParaRPr>
                     </a:p>
                   </a:txBody>
                   <a:tcPr anchor="ctr">
@@ -11005,28 +12290,39 @@
                         <a:defRPr/>
                       </a:pPr>
                       <a:r>
-                        <a:rPr lang="pt-BR" sz="1100">
+                        <a:rPr lang="en-US" sz="1100">
                           <a:solidFill>
                             <a:schemeClr val="dk1"/>
                           </a:solidFill>
+                          <a:effectLst/>
                           <a:latin typeface="Adobe Clean"/>
                           <a:ea typeface="+mn-ea"/>
                           <a:cs typeface="+mn-cs"/>
                           <a:hlinkClick r:id="rId8"/>
                         </a:rPr>
-                        <a:t>Treinamento</a:t>
+                        <a:t>Training</a:t>
                       </a:r>
                       <a:r>
-                        <a:rPr lang="pt-BR" sz="1100">
+                        <a:rPr lang="en-US" sz="1100">
                           <a:solidFill>
                             <a:schemeClr val="dk1"/>
                           </a:solidFill>
+                          <a:effectLst/>
                           <a:latin typeface="Adobe Clean"/>
                           <a:ea typeface="+mn-ea"/>
                           <a:cs typeface="+mn-cs"/>
                         </a:rPr>
                         <a:t> </a:t>
                       </a:r>
+                      <a:endParaRPr lang="en-US" sz="1100">
+                        <a:solidFill>
+                          <a:schemeClr val="tx1"/>
+                        </a:solidFill>
+                        <a:effectLst/>
+                        <a:latin typeface="Adobe Clean"/>
+                        <a:ea typeface="+mn-ea"/>
+                        <a:cs typeface="+mn-cs"/>
+                      </a:endParaRPr>
                     </a:p>
                   </a:txBody>
                   <a:tcPr anchor="ctr">
@@ -11100,7 +12396,7 @@
                         <a:defRPr/>
                       </a:pPr>
                       <a:r>
-                        <a:rPr lang="pt-BR" sz="1000" dirty="0">
+                        <a:rPr lang="en-US" sz="1000" kern="1200">
                           <a:solidFill>
                             <a:srgbClr val="000000"/>
                           </a:solidFill>
@@ -11108,70 +12404,7 @@
                           <a:ea typeface="+mn-ea"/>
                           <a:cs typeface="+mn-cs"/>
                         </a:rPr>
-                        <a:t>O acesso aos cursos do Adobe Digital Learning Services está disponível </a:t>
-                      </a:r>
-                      <a:br>
-                        <a:rPr lang="pt-BR" sz="1000" dirty="0">
-                          <a:solidFill>
-                            <a:srgbClr val="000000"/>
-                          </a:solidFill>
-                          <a:latin typeface="Adobe Clean Light"/>
-                          <a:ea typeface="+mn-ea"/>
-                          <a:cs typeface="+mn-cs"/>
-                        </a:rPr>
-                      </a:br>
-                      <a:r>
-                        <a:rPr lang="pt-BR" sz="1000" dirty="0">
-                          <a:solidFill>
-                            <a:srgbClr val="000000"/>
-                          </a:solidFill>
-                          <a:latin typeface="Adobe Clean Light"/>
-                          <a:ea typeface="+mn-ea"/>
-                          <a:cs typeface="+mn-cs"/>
-                        </a:rPr>
-                        <a:t>na Experience League. Os cursos de aprendizagem incluem lições sob demanda e com instrutores.  É um lugar para adquirir habilidades </a:t>
-                      </a:r>
-                      <a:br>
-                        <a:rPr lang="pt-BR" sz="1000" dirty="0">
-                          <a:solidFill>
-                            <a:srgbClr val="000000"/>
-                          </a:solidFill>
-                          <a:latin typeface="Adobe Clean Light"/>
-                          <a:ea typeface="+mn-ea"/>
-                          <a:cs typeface="+mn-cs"/>
-                        </a:rPr>
-                      </a:br>
-                      <a:r>
-                        <a:rPr lang="pt-BR" sz="1000" dirty="0">
-                          <a:solidFill>
-                            <a:srgbClr val="000000"/>
-                          </a:solidFill>
-                          <a:latin typeface="Adobe Clean Light"/>
-                          <a:ea typeface="+mn-ea"/>
-                          <a:cs typeface="+mn-cs"/>
-                        </a:rPr>
-                        <a:t>com reconhecido valor de mercado que você pode pôr em prática </a:t>
-                      </a:r>
-                      <a:br>
-                        <a:rPr lang="pt-BR" sz="1000" dirty="0">
-                          <a:solidFill>
-                            <a:srgbClr val="000000"/>
-                          </a:solidFill>
-                          <a:latin typeface="Adobe Clean Light"/>
-                          <a:ea typeface="+mn-ea"/>
-                          <a:cs typeface="+mn-cs"/>
-                        </a:rPr>
-                      </a:br>
-                      <a:r>
-                        <a:rPr lang="pt-BR" sz="1000" dirty="0">
-                          <a:solidFill>
-                            <a:srgbClr val="000000"/>
-                          </a:solidFill>
-                          <a:latin typeface="Adobe Clean Light"/>
-                          <a:ea typeface="+mn-ea"/>
-                          <a:cs typeface="+mn-cs"/>
-                        </a:rPr>
-                        <a:t>para impulsionar o sucesso na sua organização.</a:t>
+                        <a:t>Adobe Digital Learning Services courses are accessible from Experience League. Learning courses integrate both on-demand and instructor-led lessons.  Here you can accrue skills that have recognized market value and position them to drive success in your organizations.</a:t>
                       </a:r>
                     </a:p>
                   </a:txBody>
@@ -11253,17 +12486,27 @@
                         <a:defRPr/>
                       </a:pPr>
                       <a:r>
-                        <a:rPr lang="pt-BR" sz="1100">
+                        <a:rPr lang="en-US" sz="1100">
                           <a:solidFill>
                             <a:schemeClr val="tx1"/>
                           </a:solidFill>
+                          <a:effectLst/>
                           <a:latin typeface="Adobe Clean"/>
                           <a:ea typeface="+mn-ea"/>
                           <a:cs typeface="+mn-cs"/>
                           <a:hlinkClick r:id="rId9"/>
                         </a:rPr>
-                        <a:t>Problemas de produção e paralisações do sistema</a:t>
+                        <a:t>Production Issues &amp; System Outages</a:t>
                       </a:r>
+                      <a:endParaRPr lang="en-US" sz="1100">
+                        <a:solidFill>
+                          <a:schemeClr val="tx1"/>
+                        </a:solidFill>
+                        <a:effectLst/>
+                        <a:latin typeface="Adobe Clean"/>
+                        <a:ea typeface="+mn-ea"/>
+                        <a:cs typeface="+mn-cs"/>
+                      </a:endParaRPr>
                     </a:p>
                   </a:txBody>
                   <a:tcPr anchor="ctr">
@@ -11335,7 +12578,7 @@
                         <a:buNone/>
                       </a:pPr>
                       <a:r>
-                        <a:rPr lang="pt-BR" sz="1000" dirty="0">
+                        <a:rPr lang="en-US" sz="1000" kern="1200">
                           <a:solidFill>
                             <a:srgbClr val="000000"/>
                           </a:solidFill>
@@ -11343,51 +12586,16 @@
                           <a:ea typeface="+mn-ea"/>
                           <a:cs typeface="+mn-cs"/>
                         </a:rPr>
-                        <a:t>O Status.adobe.com transmite as informações de integridade de todos </a:t>
+                        <a:t>Status.adobe.com conveys the health information of all Adobe products and services that are deployed in multi-tenant environments. Customers can choose their subscription preferences to get email notifications whenever Adobe creates, updates or resolves a product event. This can include scheduled maintenance or service issues of varying levels of severity. </a:t>
                       </a:r>
-                      <a:br>
-                        <a:rPr lang="pt-BR" sz="1000" dirty="0">
-                          <a:solidFill>
-                            <a:srgbClr val="000000"/>
-                          </a:solidFill>
-                          <a:latin typeface="Adobe Clean Light"/>
-                          <a:ea typeface="+mn-ea"/>
-                          <a:cs typeface="+mn-cs"/>
-                        </a:rPr>
-                      </a:br>
-                      <a:r>
-                        <a:rPr lang="pt-BR" sz="1000" dirty="0">
-                          <a:solidFill>
-                            <a:srgbClr val="000000"/>
-                          </a:solidFill>
-                          <a:latin typeface="Adobe Clean Light"/>
-                          <a:ea typeface="+mn-ea"/>
-                          <a:cs typeface="+mn-cs"/>
-                        </a:rPr>
-                        <a:t>os produtos e serviços da Adobe implantados em ambientes de vários locatários. Os clientes podem escolher suas preferências de subscrição para receber notificações por </a:t>
-                      </a:r>
-                      <a:r>
-                        <a:rPr lang="pt-BR" sz="1000" dirty="0" err="1">
-                          <a:solidFill>
-                            <a:srgbClr val="000000"/>
-                          </a:solidFill>
-                          <a:latin typeface="Adobe Clean Light"/>
-                          <a:ea typeface="+mn-ea"/>
-                          <a:cs typeface="+mn-cs"/>
-                        </a:rPr>
-                        <a:t>email</a:t>
-                      </a:r>
-                      <a:r>
-                        <a:rPr lang="pt-BR" sz="1000" dirty="0">
-                          <a:solidFill>
-                            <a:srgbClr val="000000"/>
-                          </a:solidFill>
-                          <a:latin typeface="Adobe Clean Light"/>
-                          <a:ea typeface="+mn-ea"/>
-                          <a:cs typeface="+mn-cs"/>
-                        </a:rPr>
-                        <a:t> sempre que a Adobe criar, atualizar ou resolver um evento de produto. Isso pode incluir manutenção programada ou problemas de serviço com diferentes níveis de gravidade. </a:t>
-                      </a:r>
+                      <a:endParaRPr lang="en-US" sz="1000" kern="1200">
+                        <a:solidFill>
+                          <a:srgbClr val="000000"/>
+                        </a:solidFill>
+                        <a:latin typeface="Adobe Clean Light" panose="020B0303020404020204" pitchFamily="34" charset="0"/>
+                        <a:ea typeface="+mn-ea"/>
+                        <a:cs typeface="+mn-cs"/>
+                      </a:endParaRPr>
                     </a:p>
                   </a:txBody>
                   <a:tcPr anchor="ctr">
@@ -11468,17 +12676,27 @@
                         <a:defRPr/>
                       </a:pPr>
                       <a:r>
-                        <a:rPr lang="pt-BR" sz="1100" b="0" i="0">
+                        <a:rPr lang="en-US" sz="1100" b="0" i="0">
                           <a:solidFill>
                             <a:schemeClr val="dk1"/>
                           </a:solidFill>
+                          <a:effectLst/>
                           <a:latin typeface="Adobe Clean"/>
                           <a:ea typeface="+mn-ea"/>
                           <a:cs typeface="+mn-cs"/>
-                          <a:hlinkClick r:id="rId10" tooltip="https://helpx.adobe.com/br/support/programs/enterprise-support-programs/premier-support-business.html"/>
+                          <a:hlinkClick r:id="rId10" tooltip="https://helpx.adobe.com/support/programs/enterprise-support-programs/premier-support-business.html"/>
                         </a:rPr>
-                        <a:t>Site do Suporte Business</a:t>
+                        <a:t>Business Support Website</a:t>
                       </a:r>
+                      <a:endParaRPr lang="en-US" sz="1100" b="0" i="0">
+                        <a:solidFill>
+                          <a:schemeClr val="dk1"/>
+                        </a:solidFill>
+                        <a:effectLst/>
+                        <a:latin typeface="Adobe Clean"/>
+                        <a:ea typeface="+mn-ea"/>
+                        <a:cs typeface="+mn-cs"/>
+                      </a:endParaRPr>
                     </a:p>
                   </a:txBody>
                   <a:tcPr anchor="ctr">
@@ -11535,7 +12753,7 @@
                     <a:lstStyle/>
                     <a:p>
                       <a:r>
-                        <a:rPr lang="pt-BR" sz="1000">
+                        <a:rPr lang="en-US" sz="1000" kern="1200">
                           <a:solidFill>
                             <a:srgbClr val="000000"/>
                           </a:solidFill>
@@ -11543,8 +12761,16 @@
                           <a:ea typeface="+mn-ea"/>
                           <a:cs typeface="+mn-cs"/>
                         </a:rPr>
-                        <a:t>Site do Suporte Business da Adobe.</a:t>
+                        <a:t>Adobe Business Support website.</a:t>
                       </a:r>
+                      <a:endParaRPr lang="en-US" sz="1000" kern="1200">
+                        <a:solidFill>
+                          <a:srgbClr val="000000"/>
+                        </a:solidFill>
+                        <a:latin typeface="Adobe Clean Light" panose="020B0303020404020204" pitchFamily="34" charset="0"/>
+                        <a:ea typeface="+mn-ea"/>
+                        <a:cs typeface="+mn-cs"/>
+                      </a:endParaRPr>
                     </a:p>
                   </a:txBody>
                   <a:tcPr anchor="ctr">
@@ -11625,17 +12851,27 @@
                         <a:defRPr/>
                       </a:pPr>
                       <a:r>
-                        <a:rPr lang="pt-BR" sz="1100">
+                        <a:rPr lang="en-US" sz="1100">
                           <a:solidFill>
                             <a:schemeClr val="tx1"/>
                           </a:solidFill>
+                          <a:effectLst/>
                           <a:latin typeface="Adobe Clean"/>
                           <a:ea typeface="+mn-ea"/>
                           <a:cs typeface="+mn-cs"/>
                           <a:hlinkClick r:id="rId11"/>
                         </a:rPr>
-                        <a:t>Termos e condições</a:t>
+                        <a:t>Terms and Conditions</a:t>
                       </a:r>
+                      <a:endParaRPr lang="en-US" sz="1100">
+                        <a:solidFill>
+                          <a:schemeClr val="tx1"/>
+                        </a:solidFill>
+                        <a:effectLst/>
+                        <a:latin typeface="Adobe Clean"/>
+                        <a:ea typeface="+mn-ea"/>
+                        <a:cs typeface="+mn-cs"/>
+                      </a:endParaRPr>
                     </a:p>
                   </a:txBody>
                   <a:tcPr anchor="ctr">
@@ -11692,7 +12928,7 @@
                     <a:lstStyle/>
                     <a:p>
                       <a:r>
-                        <a:rPr lang="pt-BR" sz="1000" dirty="0">
+                        <a:rPr lang="en-US" sz="1000" kern="1200">
                           <a:solidFill>
                             <a:srgbClr val="000000"/>
                           </a:solidFill>
@@ -11700,8 +12936,16 @@
                           <a:ea typeface="+mn-ea"/>
                           <a:cs typeface="+mn-cs"/>
                         </a:rPr>
-                        <a:t>Os Termos e condições que detalham os serviços de suporte.</a:t>
+                        <a:t>Terms and conditions detailing Support Services offerings.</a:t>
                       </a:r>
+                      <a:endParaRPr lang="en-US" sz="1000" kern="1200">
+                        <a:solidFill>
+                          <a:srgbClr val="000000"/>
+                        </a:solidFill>
+                        <a:latin typeface="Adobe Clean Light" panose="020B0303020404020204" pitchFamily="34" charset="0"/>
+                        <a:ea typeface="+mn-ea"/>
+                        <a:cs typeface="+mn-cs"/>
+                      </a:endParaRPr>
                     </a:p>
                   </a:txBody>
                   <a:tcPr anchor="ctr">
@@ -12471,6 +13715,21 @@
 </file>
 
 <file path=customXml/item1.xml><?xml version="1.0" encoding="utf-8"?>
+<p:properties xmlns:p="http://schemas.microsoft.com/office/2006/metadata/properties" xmlns:xsi="http://www.w3.org/2001/XMLSchema-instance" xmlns:pc="http://schemas.microsoft.com/office/infopath/2007/PartnerControls">
+  <documentManagement/>
+</p:properties>
+</file>
+
+<file path=customXml/item2.xml><?xml version="1.0" encoding="utf-8"?>
+<?mso-contentType ?>
+<FormTemplates xmlns="http://schemas.microsoft.com/sharepoint/v3/contenttype/forms">
+  <Display>DocumentLibraryForm</Display>
+  <Edit>DocumentLibraryForm</Edit>
+  <New>DocumentLibraryForm</New>
+</FormTemplates>
+</file>
+
+<file path=customXml/item3.xml><?xml version="1.0" encoding="utf-8"?>
 <ct:contentTypeSchema xmlns:ct="http://schemas.microsoft.com/office/2006/metadata/contentType" xmlns:ma="http://schemas.microsoft.com/office/2006/metadata/properties/metaAttributes" ct:_="" ma:_="" ma:contentTypeName="Document" ma:contentTypeID="0x010100E783BF6876BCC646A459363AF21A7736" ma:contentTypeVersion="10" ma:contentTypeDescription="Create a new document." ma:contentTypeScope="" ma:versionID="c4ffda7f4f415767600769e454c2ea87">
   <xsd:schema xmlns:xsd="http://www.w3.org/2001/XMLSchema" xmlns:xs="http://www.w3.org/2001/XMLSchema" xmlns:p="http://schemas.microsoft.com/office/2006/metadata/properties" xmlns:ns2="8a053bff-88be-49e4-9a87-e748e18b8b62" xmlns:ns3="6c8368ec-3776-49b5-a5bb-90648cf9530f" targetNamespace="http://schemas.microsoft.com/office/2006/metadata/properties" ma:root="true" ma:fieldsID="df3ec33bccc23e23bce7bc897fad43d1" ns2:_="" ns3:_="">
     <xsd:import namespace="8a053bff-88be-49e4-9a87-e748e18b8b62"/>
@@ -12675,22 +13934,32 @@
 </ct:contentTypeSchema>
 </file>
 
-<file path=customXml/item2.xml><?xml version="1.0" encoding="utf-8"?>
-<?mso-contentType ?>
-<FormTemplates xmlns="http://schemas.microsoft.com/sharepoint/v3/contenttype/forms">
-  <Display>DocumentLibraryForm</Display>
-  <Edit>DocumentLibraryForm</Edit>
-  <New>DocumentLibraryForm</New>
-</FormTemplates>
+<file path=customXml/itemProps1.xml><?xml version="1.0" encoding="utf-8"?>
+<ds:datastoreItem xmlns:ds="http://schemas.openxmlformats.org/officeDocument/2006/customXml" ds:itemID="{10FC3CAF-E6F1-40E3-87D4-6B781C97D6B4}">
+  <ds:schemaRefs>
+    <ds:schemaRef ds:uri="6c8368ec-3776-49b5-a5bb-90648cf9530f"/>
+    <ds:schemaRef ds:uri="http://purl.org/dc/elements/1.1/"/>
+    <ds:schemaRef ds:uri="http://schemas.openxmlformats.org/package/2006/metadata/core-properties"/>
+    <ds:schemaRef ds:uri="8a053bff-88be-49e4-9a87-e748e18b8b62"/>
+    <ds:schemaRef ds:uri="http://www.w3.org/XML/1998/namespace"/>
+    <ds:schemaRef ds:uri="http://purl.org/dc/dcmitype/"/>
+    <ds:schemaRef ds:uri="http://schemas.microsoft.com/office/2006/documentManagement/types"/>
+    <ds:schemaRef ds:uri="http://schemas.microsoft.com/office/infopath/2007/PartnerControls"/>
+    <ds:schemaRef ds:uri="http://schemas.microsoft.com/office/2006/metadata/properties"/>
+    <ds:schemaRef ds:uri="http://purl.org/dc/terms/"/>
+  </ds:schemaRefs>
+</ds:datastoreItem>
 </file>
 
-<file path=customXml/item3.xml><?xml version="1.0" encoding="utf-8"?>
-<p:properties xmlns:p="http://schemas.microsoft.com/office/2006/metadata/properties" xmlns:xsi="http://www.w3.org/2001/XMLSchema-instance" xmlns:pc="http://schemas.microsoft.com/office/infopath/2007/PartnerControls">
-  <documentManagement/>
-</p:properties>
+<file path=customXml/itemProps2.xml><?xml version="1.0" encoding="utf-8"?>
+<ds:datastoreItem xmlns:ds="http://schemas.openxmlformats.org/officeDocument/2006/customXml" ds:itemID="{95AE3B0B-E909-400C-B0B3-909FB50E07DE}">
+  <ds:schemaRefs>
+    <ds:schemaRef ds:uri="http://schemas.microsoft.com/sharepoint/v3/contenttype/forms"/>
+  </ds:schemaRefs>
+</ds:datastoreItem>
 </file>
 
-<file path=customXml/itemProps1.xml><?xml version="1.0" encoding="utf-8"?>
+<file path=customXml/itemProps3.xml><?xml version="1.0" encoding="utf-8"?>
 <ds:datastoreItem xmlns:ds="http://schemas.openxmlformats.org/officeDocument/2006/customXml" ds:itemID="{E0DB8BDF-6DA8-4ABC-A3CA-043AFD674CFC}">
   <ds:schemaRefs>
     <ds:schemaRef ds:uri="6c8368ec-3776-49b5-a5bb-90648cf9530f"/>
@@ -12707,29 +13976,4 @@
     <ds:schemaRef ds:uri="http://www.w3.org/2001/XMLSchema"/>
   </ds:schemaRefs>
 </ds:datastoreItem>
-</file>
-
-<file path=customXml/itemProps2.xml><?xml version="1.0" encoding="utf-8"?>
-<ds:datastoreItem xmlns:ds="http://schemas.openxmlformats.org/officeDocument/2006/customXml" ds:itemID="{95AE3B0B-E909-400C-B0B3-909FB50E07DE}">
-  <ds:schemaRefs>
-    <ds:schemaRef ds:uri="http://schemas.microsoft.com/sharepoint/v3/contenttype/forms"/>
-  </ds:schemaRefs>
-</ds:datastoreItem>
-</file>
-
-<file path=customXml/itemProps3.xml><?xml version="1.0" encoding="utf-8"?>
-<ds:datastoreItem xmlns:ds="http://schemas.openxmlformats.org/officeDocument/2006/customXml" ds:itemID="{10FC3CAF-E6F1-40E3-87D4-6B781C97D6B4}">
-  <ds:schemaRefs>
-    <ds:schemaRef ds:uri="6c8368ec-3776-49b5-a5bb-90648cf9530f"/>
-    <ds:schemaRef ds:uri="8a053bff-88be-49e4-9a87-e748e18b8b62"/>
-    <ds:schemaRef ds:uri="http://purl.org/dc/dcmitype/"/>
-    <ds:schemaRef ds:uri="http://purl.org/dc/elements/1.1/"/>
-    <ds:schemaRef ds:uri="http://purl.org/dc/terms/"/>
-    <ds:schemaRef ds:uri="http://schemas.microsoft.com/office/2006/documentManagement/types"/>
-    <ds:schemaRef ds:uri="http://schemas.microsoft.com/office/2006/metadata/properties"/>
-    <ds:schemaRef ds:uri="http://schemas.microsoft.com/office/infopath/2007/PartnerControls"/>
-    <ds:schemaRef ds:uri="http://schemas.openxmlformats.org/package/2006/metadata/core-properties"/>
-    <ds:schemaRef ds:uri="http://www.w3.org/XML/1998/namespace"/>
-  </ds:schemaRefs>
-</ds:datastoreItem>
 </file>
--- a/help/data-sheets/assets/BusinessSupportDatasheet.pptx
+++ b/help/data-sheets/assets/BusinessSupportDatasheet.pptx
@@ -143,62 +143,6 @@
 <file path=ppt/changesInfos/changesInfo1.xml><?xml version="1.0" encoding="utf-8"?>
 <pc:chgInfo xmlns:a="http://schemas.openxmlformats.org/drawingml/2006/main" xmlns:r="http://schemas.openxmlformats.org/officeDocument/2006/relationships" xmlns:ac="http://schemas.microsoft.com/office/drawing/2013/main/command" xmlns:pc="http://schemas.microsoft.com/office/powerpoint/2013/main/command">
   <pc:docChgLst>
-    <pc:chgData name="Akilah Johnson" userId="S::akjohnso@adobe.com::2fa3aa60-0c9c-4d06-bae2-795983241227" providerId="AD" clId="Web-{71D6CFBF-0EA2-99B0-93F4-22F19EF0AE4E}"/>
-    <pc:docChg chg="modSld">
-      <pc:chgData name="Akilah Johnson" userId="S::akjohnso@adobe.com::2fa3aa60-0c9c-4d06-bae2-795983241227" providerId="AD" clId="Web-{71D6CFBF-0EA2-99B0-93F4-22F19EF0AE4E}" dt="2021-09-22T19:06:58.732" v="1" actId="1076"/>
-      <pc:docMkLst>
-        <pc:docMk/>
-      </pc:docMkLst>
-      <pc:sldChg chg="modSp">
-        <pc:chgData name="Akilah Johnson" userId="S::akjohnso@adobe.com::2fa3aa60-0c9c-4d06-bae2-795983241227" providerId="AD" clId="Web-{71D6CFBF-0EA2-99B0-93F4-22F19EF0AE4E}" dt="2021-09-22T19:06:58.732" v="1" actId="1076"/>
-        <pc:sldMkLst>
-          <pc:docMk/>
-          <pc:sldMk cId="1050037809" sldId="261"/>
-        </pc:sldMkLst>
-        <pc:spChg chg="mod">
-          <ac:chgData name="Akilah Johnson" userId="S::akjohnso@adobe.com::2fa3aa60-0c9c-4d06-bae2-795983241227" providerId="AD" clId="Web-{71D6CFBF-0EA2-99B0-93F4-22F19EF0AE4E}" dt="2021-09-22T19:06:58.732" v="1" actId="1076"/>
-          <ac:spMkLst>
-            <pc:docMk/>
-            <pc:sldMk cId="1050037809" sldId="261"/>
-            <ac:spMk id="64" creationId="{41467BDC-3D83-D844-B922-CD07E94E5AAB}"/>
-          </ac:spMkLst>
-        </pc:spChg>
-      </pc:sldChg>
-    </pc:docChg>
-  </pc:docChgLst>
-  <pc:docChgLst>
-    <pc:chgData name="Akilah Johnson" userId="S::akjohnso@adobe.com::2fa3aa60-0c9c-4d06-bae2-795983241227" providerId="AD" clId="Web-{AFB92C2B-405E-C597-0988-18F97C53104C}"/>
-    <pc:docChg chg="modSld">
-      <pc:chgData name="Akilah Johnson" userId="S::akjohnso@adobe.com::2fa3aa60-0c9c-4d06-bae2-795983241227" providerId="AD" clId="Web-{AFB92C2B-405E-C597-0988-18F97C53104C}" dt="2021-09-22T18:53:26.184" v="29"/>
-      <pc:docMkLst>
-        <pc:docMk/>
-      </pc:docMkLst>
-      <pc:sldChg chg="modSp">
-        <pc:chgData name="Akilah Johnson" userId="S::akjohnso@adobe.com::2fa3aa60-0c9c-4d06-bae2-795983241227" providerId="AD" clId="Web-{AFB92C2B-405E-C597-0988-18F97C53104C}" dt="2021-09-22T18:53:26.184" v="29"/>
-        <pc:sldMkLst>
-          <pc:docMk/>
-          <pc:sldMk cId="1050037809" sldId="261"/>
-        </pc:sldMkLst>
-        <pc:spChg chg="mod">
-          <ac:chgData name="Akilah Johnson" userId="S::akjohnso@adobe.com::2fa3aa60-0c9c-4d06-bae2-795983241227" providerId="AD" clId="Web-{AFB92C2B-405E-C597-0988-18F97C53104C}" dt="2021-09-22T18:53:05.841" v="5" actId="20577"/>
-          <ac:spMkLst>
-            <pc:docMk/>
-            <pc:sldMk cId="1050037809" sldId="261"/>
-            <ac:spMk id="64" creationId="{41467BDC-3D83-D844-B922-CD07E94E5AAB}"/>
-          </ac:spMkLst>
-        </pc:spChg>
-        <pc:graphicFrameChg chg="mod modGraphic">
-          <ac:chgData name="Akilah Johnson" userId="S::akjohnso@adobe.com::2fa3aa60-0c9c-4d06-bae2-795983241227" providerId="AD" clId="Web-{AFB92C2B-405E-C597-0988-18F97C53104C}" dt="2021-09-22T18:53:26.184" v="29"/>
-          <ac:graphicFrameMkLst>
-            <pc:docMk/>
-            <pc:sldMk cId="1050037809" sldId="261"/>
-            <ac:graphicFrameMk id="25" creationId="{3A91F5B0-3974-A14D-A146-FB590F2AAD18}"/>
-          </ac:graphicFrameMkLst>
-        </pc:graphicFrameChg>
-      </pc:sldChg>
-    </pc:docChg>
-  </pc:docChgLst>
-  <pc:docChgLst>
     <pc:chgData name="Akilah Johnson" userId="S::akjohnso@adobe.com::2fa3aa60-0c9c-4d06-bae2-795983241227" providerId="AD" clId="Web-{019F6A09-DCDA-BB53-9E3C-5BA3B13E26BB}"/>
     <pc:docChg chg="modSld">
       <pc:chgData name="Akilah Johnson" userId="S::akjohnso@adobe.com::2fa3aa60-0c9c-4d06-bae2-795983241227" providerId="AD" clId="Web-{019F6A09-DCDA-BB53-9E3C-5BA3B13E26BB}" dt="2021-10-12T17:10:36.752" v="17" actId="20577"/>
@@ -240,6 +184,30 @@
             <pc:docMk/>
             <pc:sldMk cId="1050037809" sldId="261"/>
             <ac:graphicFrameMk id="111" creationId="{D8653CEC-4213-DE40-9BAF-D1E3318FF89C}"/>
+          </ac:graphicFrameMkLst>
+        </pc:graphicFrameChg>
+      </pc:sldChg>
+    </pc:docChg>
+  </pc:docChgLst>
+  <pc:docChgLst>
+    <pc:chgData name="Akilah Johnson" userId="S::akjohnso@adobe.com::2fa3aa60-0c9c-4d06-bae2-795983241227" providerId="AD" clId="Web-{4D8E0410-E0CE-85E2-0F84-C1BF4F647622}"/>
+    <pc:docChg chg="modSld">
+      <pc:chgData name="Akilah Johnson" userId="S::akjohnso@adobe.com::2fa3aa60-0c9c-4d06-bae2-795983241227" providerId="AD" clId="Web-{4D8E0410-E0CE-85E2-0F84-C1BF4F647622}" dt="2021-09-22T22:57:04.802" v="5"/>
+      <pc:docMkLst>
+        <pc:docMk/>
+      </pc:docMkLst>
+      <pc:sldChg chg="modSp">
+        <pc:chgData name="Akilah Johnson" userId="S::akjohnso@adobe.com::2fa3aa60-0c9c-4d06-bae2-795983241227" providerId="AD" clId="Web-{4D8E0410-E0CE-85E2-0F84-C1BF4F647622}" dt="2021-09-22T22:57:04.802" v="5"/>
+        <pc:sldMkLst>
+          <pc:docMk/>
+          <pc:sldMk cId="1050037809" sldId="261"/>
+        </pc:sldMkLst>
+        <pc:graphicFrameChg chg="mod modGraphic">
+          <ac:chgData name="Akilah Johnson" userId="S::akjohnso@adobe.com::2fa3aa60-0c9c-4d06-bae2-795983241227" providerId="AD" clId="Web-{4D8E0410-E0CE-85E2-0F84-C1BF4F647622}" dt="2021-09-22T22:57:04.802" v="5"/>
+          <ac:graphicFrameMkLst>
+            <pc:docMk/>
+            <pc:sldMk cId="1050037809" sldId="261"/>
+            <ac:graphicFrameMk id="25" creationId="{3A91F5B0-3974-A14D-A146-FB590F2AAD18}"/>
           </ac:graphicFrameMkLst>
         </pc:graphicFrameChg>
       </pc:sldChg>
@@ -301,6 +269,142 @@
     </pc:docChg>
   </pc:docChgLst>
   <pc:docChgLst>
+    <pc:chgData name="Akilah Johnson" userId="S::akjohnso@adobe.com::2fa3aa60-0c9c-4d06-bae2-795983241227" providerId="AD" clId="Web-{71D6CFBF-0EA2-99B0-93F4-22F19EF0AE4E}"/>
+    <pc:docChg chg="modSld">
+      <pc:chgData name="Akilah Johnson" userId="S::akjohnso@adobe.com::2fa3aa60-0c9c-4d06-bae2-795983241227" providerId="AD" clId="Web-{71D6CFBF-0EA2-99B0-93F4-22F19EF0AE4E}" dt="2021-09-22T19:06:58.732" v="1" actId="1076"/>
+      <pc:docMkLst>
+        <pc:docMk/>
+      </pc:docMkLst>
+      <pc:sldChg chg="modSp">
+        <pc:chgData name="Akilah Johnson" userId="S::akjohnso@adobe.com::2fa3aa60-0c9c-4d06-bae2-795983241227" providerId="AD" clId="Web-{71D6CFBF-0EA2-99B0-93F4-22F19EF0AE4E}" dt="2021-09-22T19:06:58.732" v="1" actId="1076"/>
+        <pc:sldMkLst>
+          <pc:docMk/>
+          <pc:sldMk cId="1050037809" sldId="261"/>
+        </pc:sldMkLst>
+        <pc:spChg chg="mod">
+          <ac:chgData name="Akilah Johnson" userId="S::akjohnso@adobe.com::2fa3aa60-0c9c-4d06-bae2-795983241227" providerId="AD" clId="Web-{71D6CFBF-0EA2-99B0-93F4-22F19EF0AE4E}" dt="2021-09-22T19:06:58.732" v="1" actId="1076"/>
+          <ac:spMkLst>
+            <pc:docMk/>
+            <pc:sldMk cId="1050037809" sldId="261"/>
+            <ac:spMk id="64" creationId="{41467BDC-3D83-D844-B922-CD07E94E5AAB}"/>
+          </ac:spMkLst>
+        </pc:spChg>
+      </pc:sldChg>
+    </pc:docChg>
+  </pc:docChgLst>
+  <pc:docChgLst>
+    <pc:chgData name="Akilah Johnson" userId="S::akjohnso@adobe.com::2fa3aa60-0c9c-4d06-bae2-795983241227" providerId="AD" clId="Web-{D428A0AE-54E2-30D2-C574-7A0742876CCF}"/>
+    <pc:docChg chg="modSld">
+      <pc:chgData name="Akilah Johnson" userId="S::akjohnso@adobe.com::2fa3aa60-0c9c-4d06-bae2-795983241227" providerId="AD" clId="Web-{D428A0AE-54E2-30D2-C574-7A0742876CCF}" dt="2021-10-12T19:11:25.330" v="0" actId="20577"/>
+      <pc:docMkLst>
+        <pc:docMk/>
+      </pc:docMkLst>
+      <pc:sldChg chg="modSp">
+        <pc:chgData name="Akilah Johnson" userId="S::akjohnso@adobe.com::2fa3aa60-0c9c-4d06-bae2-795983241227" providerId="AD" clId="Web-{D428A0AE-54E2-30D2-C574-7A0742876CCF}" dt="2021-10-12T19:11:25.330" v="0" actId="20577"/>
+        <pc:sldMkLst>
+          <pc:docMk/>
+          <pc:sldMk cId="0" sldId="256"/>
+        </pc:sldMkLst>
+        <pc:spChg chg="mod">
+          <ac:chgData name="Akilah Johnson" userId="S::akjohnso@adobe.com::2fa3aa60-0c9c-4d06-bae2-795983241227" providerId="AD" clId="Web-{D428A0AE-54E2-30D2-C574-7A0742876CCF}" dt="2021-10-12T19:11:25.330" v="0" actId="20577"/>
+          <ac:spMkLst>
+            <pc:docMk/>
+            <pc:sldMk cId="0" sldId="256"/>
+            <ac:spMk id="4" creationId="{00000000-0000-0000-0000-000000000000}"/>
+          </ac:spMkLst>
+        </pc:spChg>
+      </pc:sldChg>
+    </pc:docChg>
+  </pc:docChgLst>
+  <pc:docChgLst>
+    <pc:chgData name="Andy Witt" userId="S::awitt@adobe.com::e9157bdf-53b2-40e4-9459-936793d75696" providerId="AD" clId="Web-{06B13378-B080-7F0F-51A5-F9203CEE57ED}"/>
+    <pc:docChg chg="modSld">
+      <pc:chgData name="Andy Witt" userId="S::awitt@adobe.com::e9157bdf-53b2-40e4-9459-936793d75696" providerId="AD" clId="Web-{06B13378-B080-7F0F-51A5-F9203CEE57ED}" dt="2021-08-25T22:25:13.647" v="363"/>
+      <pc:docMkLst>
+        <pc:docMk/>
+      </pc:docMkLst>
+      <pc:sldChg chg="modSp">
+        <pc:chgData name="Andy Witt" userId="S::awitt@adobe.com::e9157bdf-53b2-40e4-9459-936793d75696" providerId="AD" clId="Web-{06B13378-B080-7F0F-51A5-F9203CEE57ED}" dt="2021-08-25T22:25:13.647" v="363"/>
+        <pc:sldMkLst>
+          <pc:docMk/>
+          <pc:sldMk cId="1050037809" sldId="261"/>
+        </pc:sldMkLst>
+        <pc:graphicFrameChg chg="mod modGraphic">
+          <ac:chgData name="Andy Witt" userId="S::awitt@adobe.com::e9157bdf-53b2-40e4-9459-936793d75696" providerId="AD" clId="Web-{06B13378-B080-7F0F-51A5-F9203CEE57ED}" dt="2021-08-25T22:25:13.647" v="363"/>
+          <ac:graphicFrameMkLst>
+            <pc:docMk/>
+            <pc:sldMk cId="1050037809" sldId="261"/>
+            <ac:graphicFrameMk id="25" creationId="{3A91F5B0-3974-A14D-A146-FB590F2AAD18}"/>
+          </ac:graphicFrameMkLst>
+        </pc:graphicFrameChg>
+      </pc:sldChg>
+    </pc:docChg>
+  </pc:docChgLst>
+  <pc:docChgLst>
+    <pc:chgData name="Lauren Schutte" userId="S::schutte@adobe.com::6e08b2d3-447a-4d66-86be-444d50df187f" providerId="AD" clId="Web-{AC30C20D-1316-8ECC-DADD-39CCEC6A7FCF}"/>
+    <pc:docChg chg="modSld">
+      <pc:chgData name="Lauren Schutte" userId="S::schutte@adobe.com::6e08b2d3-447a-4d66-86be-444d50df187f" providerId="AD" clId="Web-{AC30C20D-1316-8ECC-DADD-39CCEC6A7FCF}" dt="2021-10-13T19:03:35.035" v="8" actId="1076"/>
+      <pc:docMkLst>
+        <pc:docMk/>
+      </pc:docMkLst>
+      <pc:sldChg chg="modSp">
+        <pc:chgData name="Lauren Schutte" userId="S::schutte@adobe.com::6e08b2d3-447a-4d66-86be-444d50df187f" providerId="AD" clId="Web-{AC30C20D-1316-8ECC-DADD-39CCEC6A7FCF}" dt="2021-10-13T19:03:35.035" v="8" actId="1076"/>
+        <pc:sldMkLst>
+          <pc:docMk/>
+          <pc:sldMk cId="0" sldId="256"/>
+        </pc:sldMkLst>
+        <pc:spChg chg="mod">
+          <ac:chgData name="Lauren Schutte" userId="S::schutte@adobe.com::6e08b2d3-447a-4d66-86be-444d50df187f" providerId="AD" clId="Web-{AC30C20D-1316-8ECC-DADD-39CCEC6A7FCF}" dt="2021-10-13T19:03:27.878" v="7" actId="14100"/>
+          <ac:spMkLst>
+            <pc:docMk/>
+            <pc:sldMk cId="0" sldId="256"/>
+            <ac:spMk id="3" creationId="{00000000-0000-0000-0000-000000000000}"/>
+          </ac:spMkLst>
+        </pc:spChg>
+        <pc:spChg chg="mod">
+          <ac:chgData name="Lauren Schutte" userId="S::schutte@adobe.com::6e08b2d3-447a-4d66-86be-444d50df187f" providerId="AD" clId="Web-{AC30C20D-1316-8ECC-DADD-39CCEC6A7FCF}" dt="2021-10-13T19:03:35.035" v="8" actId="1076"/>
+          <ac:spMkLst>
+            <pc:docMk/>
+            <pc:sldMk cId="0" sldId="256"/>
+            <ac:spMk id="5" creationId="{00000000-0000-0000-0000-000000000000}"/>
+          </ac:spMkLst>
+        </pc:spChg>
+      </pc:sldChg>
+    </pc:docChg>
+  </pc:docChgLst>
+  <pc:docChgLst>
+    <pc:chgData name="Akilah Johnson" userId="S::akjohnso@adobe.com::2fa3aa60-0c9c-4d06-bae2-795983241227" providerId="AD" clId="Web-{AFB92C2B-405E-C597-0988-18F97C53104C}"/>
+    <pc:docChg chg="modSld">
+      <pc:chgData name="Akilah Johnson" userId="S::akjohnso@adobe.com::2fa3aa60-0c9c-4d06-bae2-795983241227" providerId="AD" clId="Web-{AFB92C2B-405E-C597-0988-18F97C53104C}" dt="2021-09-22T18:53:26.184" v="29"/>
+      <pc:docMkLst>
+        <pc:docMk/>
+      </pc:docMkLst>
+      <pc:sldChg chg="modSp">
+        <pc:chgData name="Akilah Johnson" userId="S::akjohnso@adobe.com::2fa3aa60-0c9c-4d06-bae2-795983241227" providerId="AD" clId="Web-{AFB92C2B-405E-C597-0988-18F97C53104C}" dt="2021-09-22T18:53:26.184" v="29"/>
+        <pc:sldMkLst>
+          <pc:docMk/>
+          <pc:sldMk cId="1050037809" sldId="261"/>
+        </pc:sldMkLst>
+        <pc:spChg chg="mod">
+          <ac:chgData name="Akilah Johnson" userId="S::akjohnso@adobe.com::2fa3aa60-0c9c-4d06-bae2-795983241227" providerId="AD" clId="Web-{AFB92C2B-405E-C597-0988-18F97C53104C}" dt="2021-09-22T18:53:05.841" v="5" actId="20577"/>
+          <ac:spMkLst>
+            <pc:docMk/>
+            <pc:sldMk cId="1050037809" sldId="261"/>
+            <ac:spMk id="64" creationId="{41467BDC-3D83-D844-B922-CD07E94E5AAB}"/>
+          </ac:spMkLst>
+        </pc:spChg>
+        <pc:graphicFrameChg chg="mod modGraphic">
+          <ac:chgData name="Akilah Johnson" userId="S::akjohnso@adobe.com::2fa3aa60-0c9c-4d06-bae2-795983241227" providerId="AD" clId="Web-{AFB92C2B-405E-C597-0988-18F97C53104C}" dt="2021-09-22T18:53:26.184" v="29"/>
+          <ac:graphicFrameMkLst>
+            <pc:docMk/>
+            <pc:sldMk cId="1050037809" sldId="261"/>
+            <ac:graphicFrameMk id="25" creationId="{3A91F5B0-3974-A14D-A146-FB590F2AAD18}"/>
+          </ac:graphicFrameMkLst>
+        </pc:graphicFrameChg>
+      </pc:sldChg>
+    </pc:docChg>
+  </pc:docChgLst>
+  <pc:docChgLst>
     <pc:chgData name="Andy Witt" userId="S::awitt@adobe.com::e9157bdf-53b2-40e4-9459-936793d75696" providerId="AD" clId="Web-{CA5D33DF-AE75-BCA1-B9BC-A7CD44D2F3C7}"/>
     <pc:docChg chg="modSld">
       <pc:chgData name="Andy Witt" userId="S::awitt@adobe.com::e9157bdf-53b2-40e4-9459-936793d75696" providerId="AD" clId="Web-{CA5D33DF-AE75-BCA1-B9BC-A7CD44D2F3C7}" dt="2021-08-25T22:38:18.624" v="1" actId="1076"/>
@@ -353,110 +457,6 @@
             <ac:graphicFrameMk id="9" creationId="{00000000-0000-0000-0000-000000000000}"/>
           </ac:graphicFrameMkLst>
         </pc:graphicFrameChg>
-      </pc:sldChg>
-    </pc:docChg>
-  </pc:docChgLst>
-  <pc:docChgLst>
-    <pc:chgData name="Andy Witt" userId="S::awitt@adobe.com::e9157bdf-53b2-40e4-9459-936793d75696" providerId="AD" clId="Web-{06B13378-B080-7F0F-51A5-F9203CEE57ED}"/>
-    <pc:docChg chg="modSld">
-      <pc:chgData name="Andy Witt" userId="S::awitt@adobe.com::e9157bdf-53b2-40e4-9459-936793d75696" providerId="AD" clId="Web-{06B13378-B080-7F0F-51A5-F9203CEE57ED}" dt="2021-08-25T22:25:13.647" v="363"/>
-      <pc:docMkLst>
-        <pc:docMk/>
-      </pc:docMkLst>
-      <pc:sldChg chg="modSp">
-        <pc:chgData name="Andy Witt" userId="S::awitt@adobe.com::e9157bdf-53b2-40e4-9459-936793d75696" providerId="AD" clId="Web-{06B13378-B080-7F0F-51A5-F9203CEE57ED}" dt="2021-08-25T22:25:13.647" v="363"/>
-        <pc:sldMkLst>
-          <pc:docMk/>
-          <pc:sldMk cId="1050037809" sldId="261"/>
-        </pc:sldMkLst>
-        <pc:graphicFrameChg chg="mod modGraphic">
-          <ac:chgData name="Andy Witt" userId="S::awitt@adobe.com::e9157bdf-53b2-40e4-9459-936793d75696" providerId="AD" clId="Web-{06B13378-B080-7F0F-51A5-F9203CEE57ED}" dt="2021-08-25T22:25:13.647" v="363"/>
-          <ac:graphicFrameMkLst>
-            <pc:docMk/>
-            <pc:sldMk cId="1050037809" sldId="261"/>
-            <ac:graphicFrameMk id="25" creationId="{3A91F5B0-3974-A14D-A146-FB590F2AAD18}"/>
-          </ac:graphicFrameMkLst>
-        </pc:graphicFrameChg>
-      </pc:sldChg>
-    </pc:docChg>
-  </pc:docChgLst>
-  <pc:docChgLst>
-    <pc:chgData name="Akilah Johnson" userId="S::akjohnso@adobe.com::2fa3aa60-0c9c-4d06-bae2-795983241227" providerId="AD" clId="Web-{4D8E0410-E0CE-85E2-0F84-C1BF4F647622}"/>
-    <pc:docChg chg="modSld">
-      <pc:chgData name="Akilah Johnson" userId="S::akjohnso@adobe.com::2fa3aa60-0c9c-4d06-bae2-795983241227" providerId="AD" clId="Web-{4D8E0410-E0CE-85E2-0F84-C1BF4F647622}" dt="2021-09-22T22:57:04.802" v="5"/>
-      <pc:docMkLst>
-        <pc:docMk/>
-      </pc:docMkLst>
-      <pc:sldChg chg="modSp">
-        <pc:chgData name="Akilah Johnson" userId="S::akjohnso@adobe.com::2fa3aa60-0c9c-4d06-bae2-795983241227" providerId="AD" clId="Web-{4D8E0410-E0CE-85E2-0F84-C1BF4F647622}" dt="2021-09-22T22:57:04.802" v="5"/>
-        <pc:sldMkLst>
-          <pc:docMk/>
-          <pc:sldMk cId="1050037809" sldId="261"/>
-        </pc:sldMkLst>
-        <pc:graphicFrameChg chg="mod modGraphic">
-          <ac:chgData name="Akilah Johnson" userId="S::akjohnso@adobe.com::2fa3aa60-0c9c-4d06-bae2-795983241227" providerId="AD" clId="Web-{4D8E0410-E0CE-85E2-0F84-C1BF4F647622}" dt="2021-09-22T22:57:04.802" v="5"/>
-          <ac:graphicFrameMkLst>
-            <pc:docMk/>
-            <pc:sldMk cId="1050037809" sldId="261"/>
-            <ac:graphicFrameMk id="25" creationId="{3A91F5B0-3974-A14D-A146-FB590F2AAD18}"/>
-          </ac:graphicFrameMkLst>
-        </pc:graphicFrameChg>
-      </pc:sldChg>
-    </pc:docChg>
-  </pc:docChgLst>
-  <pc:docChgLst>
-    <pc:chgData name="Lauren Schutte" userId="S::schutte@adobe.com::6e08b2d3-447a-4d66-86be-444d50df187f" providerId="AD" clId="Web-{AC30C20D-1316-8ECC-DADD-39CCEC6A7FCF}"/>
-    <pc:docChg chg="modSld">
-      <pc:chgData name="Lauren Schutte" userId="S::schutte@adobe.com::6e08b2d3-447a-4d66-86be-444d50df187f" providerId="AD" clId="Web-{AC30C20D-1316-8ECC-DADD-39CCEC6A7FCF}" dt="2021-10-13T19:03:35.035" v="8" actId="1076"/>
-      <pc:docMkLst>
-        <pc:docMk/>
-      </pc:docMkLst>
-      <pc:sldChg chg="modSp">
-        <pc:chgData name="Lauren Schutte" userId="S::schutte@adobe.com::6e08b2d3-447a-4d66-86be-444d50df187f" providerId="AD" clId="Web-{AC30C20D-1316-8ECC-DADD-39CCEC6A7FCF}" dt="2021-10-13T19:03:35.035" v="8" actId="1076"/>
-        <pc:sldMkLst>
-          <pc:docMk/>
-          <pc:sldMk cId="0" sldId="256"/>
-        </pc:sldMkLst>
-        <pc:spChg chg="mod">
-          <ac:chgData name="Lauren Schutte" userId="S::schutte@adobe.com::6e08b2d3-447a-4d66-86be-444d50df187f" providerId="AD" clId="Web-{AC30C20D-1316-8ECC-DADD-39CCEC6A7FCF}" dt="2021-10-13T19:03:27.878" v="7" actId="14100"/>
-          <ac:spMkLst>
-            <pc:docMk/>
-            <pc:sldMk cId="0" sldId="256"/>
-            <ac:spMk id="3" creationId="{00000000-0000-0000-0000-000000000000}"/>
-          </ac:spMkLst>
-        </pc:spChg>
-        <pc:spChg chg="mod">
-          <ac:chgData name="Lauren Schutte" userId="S::schutte@adobe.com::6e08b2d3-447a-4d66-86be-444d50df187f" providerId="AD" clId="Web-{AC30C20D-1316-8ECC-DADD-39CCEC6A7FCF}" dt="2021-10-13T19:03:35.035" v="8" actId="1076"/>
-          <ac:spMkLst>
-            <pc:docMk/>
-            <pc:sldMk cId="0" sldId="256"/>
-            <ac:spMk id="5" creationId="{00000000-0000-0000-0000-000000000000}"/>
-          </ac:spMkLst>
-        </pc:spChg>
-      </pc:sldChg>
-    </pc:docChg>
-  </pc:docChgLst>
-  <pc:docChgLst>
-    <pc:chgData name="Akilah Johnson" userId="S::akjohnso@adobe.com::2fa3aa60-0c9c-4d06-bae2-795983241227" providerId="AD" clId="Web-{D428A0AE-54E2-30D2-C574-7A0742876CCF}"/>
-    <pc:docChg chg="modSld">
-      <pc:chgData name="Akilah Johnson" userId="S::akjohnso@adobe.com::2fa3aa60-0c9c-4d06-bae2-795983241227" providerId="AD" clId="Web-{D428A0AE-54E2-30D2-C574-7A0742876CCF}" dt="2021-10-12T19:11:25.330" v="0" actId="20577"/>
-      <pc:docMkLst>
-        <pc:docMk/>
-      </pc:docMkLst>
-      <pc:sldChg chg="modSp">
-        <pc:chgData name="Akilah Johnson" userId="S::akjohnso@adobe.com::2fa3aa60-0c9c-4d06-bae2-795983241227" providerId="AD" clId="Web-{D428A0AE-54E2-30D2-C574-7A0742876CCF}" dt="2021-10-12T19:11:25.330" v="0" actId="20577"/>
-        <pc:sldMkLst>
-          <pc:docMk/>
-          <pc:sldMk cId="0" sldId="256"/>
-        </pc:sldMkLst>
-        <pc:spChg chg="mod">
-          <ac:chgData name="Akilah Johnson" userId="S::akjohnso@adobe.com::2fa3aa60-0c9c-4d06-bae2-795983241227" providerId="AD" clId="Web-{D428A0AE-54E2-30D2-C574-7A0742876CCF}" dt="2021-10-12T19:11:25.330" v="0" actId="20577"/>
-          <ac:spMkLst>
-            <pc:docMk/>
-            <pc:sldMk cId="0" sldId="256"/>
-            <ac:spMk id="4" creationId="{00000000-0000-0000-0000-000000000000}"/>
-          </ac:spMkLst>
-        </pc:spChg>
       </pc:sldChg>
     </pc:docChg>
   </pc:docChgLst>
@@ -545,7 +545,7 @@
           <a:p>
             <a:fld id="{FB81873C-0B24-F04A-98A1-90E0A78F7E8A}" type="datetimeFigureOut">
               <a:rPr lang="en-US" smtClean="0"/>
-              <a:t>1/20/22</a:t>
+              <a:t>2/14/2022</a:t>
             </a:fld>
             <a:endParaRPr lang="en-US"/>
           </a:p>
@@ -1168,7 +1168,7 @@
           <a:p>
             <a:fld id="{1D8BD707-D9CF-40AE-B4C6-C98DA3205C09}" type="datetimeFigureOut">
               <a:rPr lang="en-US"/>
-              <a:t>1/20/22</a:t>
+              <a:t>2/14/2022</a:t>
             </a:fld>
             <a:endParaRPr lang="en-US"/>
           </a:p>
@@ -1360,7 +1360,7 @@
           <a:p>
             <a:fld id="{1D8BD707-D9CF-40AE-B4C6-C98DA3205C09}" type="datetimeFigureOut">
               <a:rPr lang="en-US"/>
-              <a:t>1/20/22</a:t>
+              <a:t>2/14/2022</a:t>
             </a:fld>
             <a:endParaRPr lang="en-US"/>
           </a:p>
@@ -1678,7 +1678,7 @@
           <a:p>
             <a:fld id="{1D8BD707-D9CF-40AE-B4C6-C98DA3205C09}" type="datetimeFigureOut">
               <a:rPr lang="en-US"/>
-              <a:t>1/20/22</a:t>
+              <a:t>2/14/2022</a:t>
             </a:fld>
             <a:endParaRPr lang="en-US"/>
           </a:p>
@@ -1932,8 +1932,8 @@
         </p:nvSpPr>
         <p:spPr>
           <a:xfrm>
-            <a:off x="168565" y="7162363"/>
-            <a:ext cx="2800350" cy="238760"/>
+            <a:off x="168564" y="7162363"/>
+            <a:ext cx="3839555" cy="227626"/>
           </a:xfrm>
           <a:prstGeom prst="rect">
             <a:avLst/>
@@ -1954,7 +1954,7 @@
               </a:spcBef>
             </a:pPr>
             <a:r>
-              <a:rPr sz="1400" b="1" u="heavy" spc="10">
+              <a:rPr lang="pt-BR" sz="1400" b="1" u="heavy" dirty="0">
                 <a:solidFill>
                   <a:srgbClr val="020302"/>
                 </a:solidFill>
@@ -1966,87 +1966,8 @@
                 <a:latin typeface="Adobe Clean"/>
                 <a:cs typeface="Adobe Clean"/>
               </a:rPr>
-              <a:t>Service </a:t>
+              <a:t>Metas de nível de serviço: Resposta inicial</a:t>
             </a:r>
-            <a:r>
-              <a:rPr sz="1400" b="1" u="heavy" spc="-10">
-                <a:solidFill>
-                  <a:srgbClr val="020302"/>
-                </a:solidFill>
-                <a:uFill>
-                  <a:solidFill>
-                    <a:srgbClr val="020302"/>
-                  </a:solidFill>
-                </a:uFill>
-                <a:latin typeface="Adobe Clean"/>
-                <a:cs typeface="Adobe Clean"/>
-              </a:rPr>
-              <a:t>Level </a:t>
-            </a:r>
-            <a:r>
-              <a:rPr sz="1400" b="1" u="heavy" spc="-45">
-                <a:solidFill>
-                  <a:srgbClr val="020302"/>
-                </a:solidFill>
-                <a:uFill>
-                  <a:solidFill>
-                    <a:srgbClr val="020302"/>
-                  </a:solidFill>
-                </a:uFill>
-                <a:latin typeface="Adobe Clean"/>
-                <a:cs typeface="Adobe Clean"/>
-              </a:rPr>
-              <a:t>Targets: </a:t>
-            </a:r>
-            <a:r>
-              <a:rPr sz="1400" b="1" u="heavy" spc="-10">
-                <a:solidFill>
-                  <a:srgbClr val="020302"/>
-                </a:solidFill>
-                <a:uFill>
-                  <a:solidFill>
-                    <a:srgbClr val="020302"/>
-                  </a:solidFill>
-                </a:uFill>
-                <a:latin typeface="Adobe Clean"/>
-                <a:cs typeface="Adobe Clean"/>
-              </a:rPr>
-              <a:t>Initial</a:t>
-            </a:r>
-            <a:r>
-              <a:rPr sz="1400" b="1" u="heavy" spc="-140">
-                <a:solidFill>
-                  <a:srgbClr val="020302"/>
-                </a:solidFill>
-                <a:uFill>
-                  <a:solidFill>
-                    <a:srgbClr val="020302"/>
-                  </a:solidFill>
-                </a:uFill>
-                <a:latin typeface="Adobe Clean"/>
-                <a:cs typeface="Adobe Clean"/>
-              </a:rPr>
-              <a:t> </a:t>
-            </a:r>
-            <a:r>
-              <a:rPr sz="1400" b="1" u="heavy" spc="-15">
-                <a:solidFill>
-                  <a:srgbClr val="020302"/>
-                </a:solidFill>
-                <a:uFill>
-                  <a:solidFill>
-                    <a:srgbClr val="020302"/>
-                  </a:solidFill>
-                </a:uFill>
-                <a:latin typeface="Adobe Clean"/>
-                <a:cs typeface="Adobe Clean"/>
-              </a:rPr>
-              <a:t>Response</a:t>
-            </a:r>
-            <a:endParaRPr sz="1400">
-              <a:latin typeface="Adobe Clean"/>
-              <a:cs typeface="Adobe Clean"/>
-            </a:endParaRPr>
           </a:p>
         </p:txBody>
       </p:sp>
@@ -2113,20 +2034,11 @@
               </a:spcBef>
             </a:pPr>
             <a:r>
-              <a:rPr sz="2300">
+              <a:rPr lang="pt-BR" sz="2300" dirty="0">
                 <a:latin typeface="Adobe Clean"/>
               </a:rPr>
-              <a:t>ADOBE </a:t>
+              <a:t>PLANOS DE SUPORTE DA ADOBE</a:t>
             </a:r>
-            <a:r>
-              <a:rPr lang="en-US" sz="2300">
-                <a:latin typeface="Adobe Clean"/>
-              </a:rPr>
-              <a:t>SUPPORT PLANS</a:t>
-            </a:r>
-            <a:endParaRPr sz="2300">
-              <a:latin typeface="Adobe Clean" panose="020B0503020404020204" pitchFamily="34" charset="0"/>
-            </a:endParaRPr>
           </a:p>
         </p:txBody>
       </p:sp>
@@ -2160,7 +2072,7 @@
               </a:spcBef>
             </a:pPr>
             <a:r>
-              <a:rPr lang="en-US" sz="900" dirty="0">
+              <a:rPr lang="pt-BR" sz="900" dirty="0">
                 <a:solidFill>
                   <a:schemeClr val="bg1"/>
                 </a:solidFill>
@@ -2169,7 +2081,7 @@
               <a:t>Standard | </a:t>
             </a:r>
             <a:r>
-              <a:rPr lang="en-US" sz="900" b="1" dirty="0">
+              <a:rPr lang="pt-BR" sz="900" b="1" dirty="0">
                 <a:solidFill>
                   <a:schemeClr val="bg1"/>
                 </a:solidFill>
@@ -2178,7 +2090,7 @@
               <a:t>Business</a:t>
             </a:r>
             <a:r>
-              <a:rPr lang="en-US" sz="900" dirty="0">
+              <a:rPr lang="pt-BR" sz="900" dirty="0">
                 <a:solidFill>
                   <a:schemeClr val="bg1"/>
                 </a:solidFill>
@@ -2197,21 +2109,14 @@
               </a:spcBef>
             </a:pPr>
             <a:r>
-              <a:rPr lang="en-US" sz="900" dirty="0">
+              <a:rPr lang="pt-BR" sz="900" dirty="0">
                 <a:solidFill>
                   <a:schemeClr val="bg1"/>
                 </a:solidFill>
                 <a:latin typeface="Adobe Clean SemiLight" panose="020B0403020404020204" pitchFamily="34" charset="0"/>
               </a:rPr>
-              <a:t>Adobe provides a comprehensive range of technical resources to help support your business, included as part of your Experience Cloud license subscription and enhanced in the BUSINESS support package. BUSINESS support includes access to personalized learning paths and monitored community forums via the Adobe Experience League. You can also take advantage of our detailed and in-depth technical product documentation and current release notes. BUSINESS customers also benefit from access to our technical support teams for any product query via either the telephone or the support web portal, to help protect your business at the most critical times. BUSINESS customers will receive regular communications and updates from their Account Support Lead in addition to support case escalation management for your most critical of support requests. </a:t>
+              <a:t>A Adobe oferece uma ampla gama de recursos técnicos para prestar suporte à sua empresa, incluídos na sua assinatura da Experience Cloud e com melhorias adicionais no pacote de suporte BUSINESS. O Suporte BUSINESS inclui acesso a caminhos de aprendizagem personalizados e a fóruns monitorados da comunidade na Adobe Experience League. Você tem à sua disposição a nossa documentação técnica de produto, com todos os detalhes, e as notas de versão atuais. Os clientes BUSINESS também contam com acesso às nossas equipes de suporte técnico para qualquer consulta sobre o produto, por telefone ou no portal da web, com o fim de proteger sua empresa nos momentos mais críticos. Além disso, os clientes BUSINESS recebem comunicações e atualizações periódicos do Líder de suporte da conta e gestão de encaminhamento de casos de suporte para as solicitações mais críticas. </a:t>
             </a:r>
-            <a:endParaRPr lang="en-US" sz="900" dirty="0">
-              <a:solidFill>
-                <a:schemeClr val="bg1"/>
-              </a:solidFill>
-              <a:latin typeface="Adobe Clean Light" panose="020B0303020404020204" pitchFamily="34" charset="0"/>
-              <a:cs typeface="AdobeClean-Light"/>
-            </a:endParaRPr>
           </a:p>
         </p:txBody>
       </p:sp>
@@ -2278,24 +2183,8 @@
               </a:spcBef>
             </a:pPr>
             <a:r>
-              <a:rPr spc="-5"/>
-              <a:t>©202</a:t>
-            </a:r>
-            <a:r>
-              <a:rPr lang="en-US" spc="-5"/>
-              <a:t>1</a:t>
-            </a:r>
-            <a:r>
-              <a:rPr spc="-5"/>
-              <a:t> Adobe. All Rights Reserved. Adobe</a:t>
-            </a:r>
-            <a:r>
-              <a:rPr spc="60"/>
-              <a:t> </a:t>
-            </a:r>
-            <a:r>
-              <a:rPr spc="-5"/>
-              <a:t>Confidential.</a:t>
+              <a:rPr lang="pt-BR"/>
+              <a:t>©2021 Adobe. All Rights Reserved. Adobe Confidential.</a:t>
             </a:r>
           </a:p>
         </p:txBody>
@@ -2309,14 +2198,14 @@
           <p:nvPr>
             <p:extLst>
               <p:ext uri="{D42A27DB-BD31-4B8C-83A1-F6EECF244321}">
-                <p14:modId xmlns:p14="http://schemas.microsoft.com/office/powerpoint/2010/main" val="2485809364"/>
+                <p14:modId xmlns:p14="http://schemas.microsoft.com/office/powerpoint/2010/main" val="1857784725"/>
               </p:ext>
             </p:extLst>
           </p:nvPr>
         </p:nvGraphicFramePr>
         <p:xfrm>
           <a:off x="118872" y="7475985"/>
-          <a:ext cx="7498851" cy="2223598"/>
+          <a:ext cx="7498851" cy="2281696"/>
         </p:xfrm>
         <a:graphic>
           <a:graphicData uri="http://schemas.openxmlformats.org/drawingml/2006/table">
@@ -2362,19 +2251,15 @@
                         </a:spcBef>
                       </a:pPr>
                       <a:r>
-                        <a:rPr sz="900" spc="0">
+                        <a:rPr lang="pt-BR" sz="900">
                           <a:solidFill>
                             <a:srgbClr val="020302"/>
                           </a:solidFill>
                           <a:latin typeface="Adobe Clean"/>
                           <a:cs typeface="Adobe Clean"/>
                         </a:rPr>
-                        <a:t>Priority</a:t>
+                        <a:t>Prioridade</a:t>
                       </a:r>
-                      <a:endParaRPr sz="900" spc="0">
-                        <a:latin typeface="Adobe Clean"/>
-                        <a:cs typeface="Adobe Clean"/>
-                      </a:endParaRPr>
                     </a:p>
                   </a:txBody>
                   <a:tcPr marL="0" marR="0" marT="7620" marB="0">
@@ -2421,29 +2306,15 @@
                         </a:spcBef>
                       </a:pPr>
                       <a:r>
-                        <a:rPr lang="en-US" sz="900" spc="0" dirty="0">
+                        <a:rPr lang="pt-BR" sz="900">
                           <a:solidFill>
                             <a:srgbClr val="020302"/>
                           </a:solidFill>
                           <a:latin typeface="Adobe Clean"/>
                           <a:cs typeface="Adobe Clean"/>
                         </a:rPr>
-                        <a:t>Standard</a:t>
+                        <a:t>Suporte Standard</a:t>
                       </a:r>
-                      <a:r>
-                        <a:rPr sz="900" spc="0" dirty="0">
-                          <a:solidFill>
-                            <a:srgbClr val="020302"/>
-                          </a:solidFill>
-                          <a:latin typeface="Adobe Clean"/>
-                          <a:cs typeface="Adobe Clean"/>
-                        </a:rPr>
-                        <a:t> Support</a:t>
-                      </a:r>
-                      <a:endParaRPr sz="900" spc="0" dirty="0">
-                        <a:latin typeface="Adobe Clean"/>
-                        <a:cs typeface="Adobe Clean"/>
-                      </a:endParaRPr>
                     </a:p>
                   </a:txBody>
                   <a:tcPr marL="182880" marT="91440" anchor="ctr">
@@ -2490,39 +2361,15 @@
                         </a:spcBef>
                       </a:pPr>
                       <a:r>
-                        <a:rPr sz="900" spc="0">
+                        <a:rPr lang="pt-BR" sz="900">
                           <a:solidFill>
                             <a:srgbClr val="FFFFFF"/>
                           </a:solidFill>
                           <a:latin typeface="Adobe Clean"/>
                           <a:cs typeface="Adobe Clean"/>
                         </a:rPr>
-                        <a:t>Business</a:t>
+                        <a:t>Suporte Business</a:t>
                       </a:r>
-                      <a:r>
-                        <a:rPr lang="en-US" sz="900" spc="0">
-                          <a:solidFill>
-                            <a:srgbClr val="FFFFFF"/>
-                          </a:solidFill>
-                          <a:latin typeface="Adobe Clean"/>
-                          <a:cs typeface="Adobe Clean"/>
-                        </a:rPr>
-                        <a:t> </a:t>
-                      </a:r>
-                      <a:r>
-                        <a:rPr sz="900" spc="0">
-                          <a:solidFill>
-                            <a:srgbClr val="FFFFFF"/>
-                          </a:solidFill>
-                          <a:latin typeface="Adobe Clean"/>
-                          <a:cs typeface="Adobe Clean"/>
-                        </a:rPr>
-                        <a:t>Support</a:t>
-                      </a:r>
-                      <a:endParaRPr sz="900" spc="0">
-                        <a:latin typeface="Adobe Clean"/>
-                        <a:cs typeface="Adobe Clean"/>
-                      </a:endParaRPr>
                     </a:p>
                   </a:txBody>
                   <a:tcPr marL="182880" marT="91440" anchor="ctr">
@@ -2576,19 +2423,15 @@
                         </a:spcBef>
                       </a:pPr>
                       <a:r>
-                        <a:rPr sz="900" b="1" spc="0">
+                        <a:rPr lang="pt-BR" sz="900" b="1" dirty="0">
                           <a:solidFill>
                             <a:srgbClr val="020302"/>
                           </a:solidFill>
                           <a:latin typeface="Adobe Clean"/>
                           <a:cs typeface="Adobe Clean"/>
                         </a:rPr>
-                        <a:t>PRIORITY 1</a:t>
+                        <a:t>PRIORIDADE 1</a:t>
                       </a:r>
-                      <a:endParaRPr sz="900" spc="0">
-                        <a:latin typeface="Adobe Clean"/>
-                        <a:cs typeface="Adobe Clean"/>
-                      </a:endParaRPr>
                     </a:p>
                     <a:p>
                       <a:pPr marL="50800" marR="387985" lvl="0" indent="0" algn="l" defTabSz="914400" rtl="0" eaLnBrk="1" fontAlgn="auto" latinLnBrk="0" hangingPunct="1">
@@ -2609,19 +2452,31 @@
                         <a:defRPr/>
                       </a:pPr>
                       <a:r>
-                        <a:rPr lang="en-US" sz="900" b="0" i="0" spc="0">
+                        <a:rPr lang="pt-BR" sz="900" b="0" i="0" dirty="0">
                           <a:solidFill>
                             <a:srgbClr val="000000"/>
                           </a:solidFill>
-                          <a:effectLst/>
                           <a:latin typeface="Adobe Clean Light" panose="020B0303020404020204" pitchFamily="34" charset="0"/>
                         </a:rPr>
-                        <a:t>Customer's production business functions are down or have significant data loss or service degradation and immediate attention is required to restore functionality and usability</a:t>
+                        <a:t>As funções de produção do cliente estão inativas ou têm perda significativa de dados ou degradação de serviços, e é necessária atenção imediata para restaurar a funcionalidade </a:t>
                       </a:r>
-                      <a:endParaRPr lang="en-US" sz="900" b="0" i="0" spc="0">
-                        <a:latin typeface="Adobe Clean Light" panose="020B0303020404020204" pitchFamily="34" charset="0"/>
-                        <a:cs typeface="AdobeClean-Light"/>
-                      </a:endParaRPr>
+                      <a:br>
+                        <a:rPr lang="pt-BR" sz="900" b="0" i="0" dirty="0">
+                          <a:solidFill>
+                            <a:srgbClr val="000000"/>
+                          </a:solidFill>
+                          <a:latin typeface="Adobe Clean Light" panose="020B0303020404020204" pitchFamily="34" charset="0"/>
+                        </a:rPr>
+                      </a:br>
+                      <a:r>
+                        <a:rPr lang="pt-BR" sz="900" b="0" i="0" dirty="0">
+                          <a:solidFill>
+                            <a:srgbClr val="000000"/>
+                          </a:solidFill>
+                          <a:latin typeface="Adobe Clean Light" panose="020B0303020404020204" pitchFamily="34" charset="0"/>
+                        </a:rPr>
+                        <a:t>e a usabilidade</a:t>
+                      </a:r>
                     </a:p>
                   </a:txBody>
                   <a:tcPr marL="0" marR="0" marT="3810" marB="0">
@@ -2665,59 +2520,15 @@
                         </a:spcBef>
                       </a:pPr>
                       <a:r>
-                        <a:rPr sz="900" spc="0">
+                        <a:rPr lang="pt-BR" sz="900" dirty="0">
                           <a:solidFill>
                             <a:srgbClr val="020302"/>
                           </a:solidFill>
                           <a:latin typeface="AdobeClean-Light"/>
                           <a:cs typeface="AdobeClean-Light"/>
                         </a:rPr>
-                        <a:t>24x7</a:t>
+                        <a:t>24x7 / 1 hora</a:t>
                       </a:r>
-                      <a:r>
-                        <a:rPr lang="en-US" sz="900" spc="0">
-                          <a:solidFill>
-                            <a:srgbClr val="020302"/>
-                          </a:solidFill>
-                          <a:latin typeface="AdobeClean-Light"/>
-                          <a:cs typeface="AdobeClean-Light"/>
-                        </a:rPr>
-                        <a:t> </a:t>
-                      </a:r>
-                      <a:r>
-                        <a:rPr sz="900" spc="0">
-                          <a:solidFill>
-                            <a:srgbClr val="020302"/>
-                          </a:solidFill>
-                          <a:latin typeface="AdobeClean-Light"/>
-                          <a:cs typeface="AdobeClean-Light"/>
-                        </a:rPr>
-                        <a:t>/</a:t>
-                      </a:r>
-                      <a:r>
-                        <a:rPr lang="en-US" sz="900" spc="0">
-                          <a:solidFill>
-                            <a:srgbClr val="020302"/>
-                          </a:solidFill>
-                          <a:latin typeface="AdobeClean-Light"/>
-                          <a:cs typeface="AdobeClean-Light"/>
-                        </a:rPr>
-                        <a:t> </a:t>
-                      </a:r>
-                      <a:r>
-                        <a:rPr sz="900" spc="0">
-                          <a:solidFill>
-                            <a:srgbClr val="020302"/>
-                          </a:solidFill>
-                          <a:latin typeface="AdobeClean-Light"/>
-                          <a:cs typeface="AdobeClean-Light"/>
-                        </a:rPr>
-                        <a:t>1 hour</a:t>
-                      </a:r>
-                      <a:endParaRPr sz="900" spc="0">
-                        <a:latin typeface="AdobeClean-Light"/>
-                        <a:cs typeface="AdobeClean-Light"/>
-                      </a:endParaRPr>
                     </a:p>
                   </a:txBody>
                   <a:tcPr marL="0" marR="0" marT="91440" marB="91440" anchor="ctr" anchorCtr="1">
@@ -2761,59 +2572,15 @@
                         </a:spcBef>
                       </a:pPr>
                       <a:r>
-                        <a:rPr sz="900" spc="0">
+                        <a:rPr lang="pt-BR" sz="900">
                           <a:solidFill>
                             <a:srgbClr val="020302"/>
                           </a:solidFill>
                           <a:latin typeface="AdobeClean-Light"/>
                           <a:cs typeface="AdobeClean-Light"/>
                         </a:rPr>
-                        <a:t>24x7</a:t>
+                        <a:t>24x7 / 1 hora</a:t>
                       </a:r>
-                      <a:r>
-                        <a:rPr lang="en-US" sz="900" spc="0">
-                          <a:solidFill>
-                            <a:srgbClr val="020302"/>
-                          </a:solidFill>
-                          <a:latin typeface="AdobeClean-Light"/>
-                          <a:cs typeface="AdobeClean-Light"/>
-                        </a:rPr>
-                        <a:t> </a:t>
-                      </a:r>
-                      <a:r>
-                        <a:rPr sz="900" spc="0">
-                          <a:solidFill>
-                            <a:srgbClr val="020302"/>
-                          </a:solidFill>
-                          <a:latin typeface="AdobeClean-Light"/>
-                          <a:cs typeface="AdobeClean-Light"/>
-                        </a:rPr>
-                        <a:t>/</a:t>
-                      </a:r>
-                      <a:r>
-                        <a:rPr lang="en-US" sz="900" spc="0">
-                          <a:solidFill>
-                            <a:srgbClr val="020302"/>
-                          </a:solidFill>
-                          <a:latin typeface="AdobeClean-Light"/>
-                          <a:cs typeface="AdobeClean-Light"/>
-                        </a:rPr>
-                        <a:t> </a:t>
-                      </a:r>
-                      <a:r>
-                        <a:rPr sz="900" spc="0">
-                          <a:solidFill>
-                            <a:srgbClr val="020302"/>
-                          </a:solidFill>
-                          <a:latin typeface="AdobeClean-Light"/>
-                          <a:cs typeface="AdobeClean-Light"/>
-                        </a:rPr>
-                        <a:t>1 hour</a:t>
-                      </a:r>
-                      <a:endParaRPr sz="900" spc="0">
-                        <a:latin typeface="AdobeClean-Light"/>
-                        <a:cs typeface="AdobeClean-Light"/>
-                      </a:endParaRPr>
                     </a:p>
                   </a:txBody>
                   <a:tcPr marL="0" marR="0" marT="91440" marB="91440" anchor="ctr" anchorCtr="1">
@@ -2869,19 +2636,15 @@
                         </a:spcBef>
                       </a:pPr>
                       <a:r>
-                        <a:rPr sz="900" b="1" spc="0">
+                        <a:rPr lang="pt-BR" sz="900" b="1" dirty="0">
                           <a:solidFill>
                             <a:srgbClr val="020302"/>
                           </a:solidFill>
                           <a:latin typeface="Adobe Clean"/>
                           <a:cs typeface="Adobe Clean"/>
                         </a:rPr>
-                        <a:t>PRIORITY 2</a:t>
+                        <a:t>PRIORIDADE 2</a:t>
                       </a:r>
-                      <a:endParaRPr sz="900" spc="0">
-                        <a:latin typeface="Adobe Clean"/>
-                        <a:cs typeface="Adobe Clean"/>
-                      </a:endParaRPr>
                     </a:p>
                     <a:p>
                       <a:pPr marL="50165" marR="203200">
@@ -2893,19 +2656,14 @@
                         </a:spcBef>
                       </a:pPr>
                       <a:r>
-                        <a:rPr lang="en-US" sz="900" b="0" i="0" spc="0">
+                        <a:rPr lang="pt-BR" sz="900" b="0" i="0" dirty="0">
                           <a:solidFill>
                             <a:srgbClr val="000000"/>
                           </a:solidFill>
-                          <a:effectLst/>
                           <a:latin typeface="Adobe Clean Light" panose="020B0303020404020204" pitchFamily="34" charset="0"/>
                         </a:rPr>
-                        <a:t>Customer's business functions have major service degradation or potential data loss, or a major feature is impacted </a:t>
+                        <a:t>As funções empresariais do cliente têm grande degradação de serviços, perda potencial de dados ou foi afetado um recurso importante </a:t>
                       </a:r>
-                      <a:endParaRPr lang="en-US" sz="900" b="0" i="0" spc="0">
-                        <a:latin typeface="Adobe Clean Light" panose="020B0303020404020204" pitchFamily="34" charset="0"/>
-                        <a:cs typeface="AdobeClean-Light"/>
-                      </a:endParaRPr>
                     </a:p>
                   </a:txBody>
                   <a:tcPr marL="0" marR="0" marT="3810" marB="0">
@@ -2949,79 +2707,34 @@
                         </a:spcBef>
                       </a:pPr>
                       <a:r>
-                        <a:rPr sz="900" spc="0">
+                        <a:rPr lang="pt-BR" sz="900" dirty="0">
                           <a:solidFill>
                             <a:srgbClr val="020302"/>
                           </a:solidFill>
                           <a:latin typeface="AdobeClean-Light"/>
                           <a:cs typeface="AdobeClean-Light"/>
                         </a:rPr>
-                        <a:t>Business</a:t>
+                        <a:t>Horário comercial / </a:t>
                       </a:r>
-                      <a:r>
-                        <a:rPr lang="en-US" sz="900" spc="0">
+                      <a:br>
+                        <a:rPr lang="pt-BR" sz="900" dirty="0">
                           <a:solidFill>
                             <a:srgbClr val="020302"/>
                           </a:solidFill>
                           <a:latin typeface="AdobeClean-Light"/>
                           <a:cs typeface="AdobeClean-Light"/>
                         </a:rPr>
-                        <a:t> </a:t>
-                      </a:r>
+                      </a:br>
                       <a:r>
-                        <a:rPr sz="900" spc="0">
+                        <a:rPr lang="pt-BR" sz="900" dirty="0">
                           <a:solidFill>
                             <a:srgbClr val="020302"/>
                           </a:solidFill>
                           <a:latin typeface="AdobeClean-Light"/>
                           <a:cs typeface="AdobeClean-Light"/>
                         </a:rPr>
-                        <a:t>hours</a:t>
+                        <a:t>4 horas</a:t>
                       </a:r>
-                      <a:r>
-                        <a:rPr lang="en-US" sz="900" spc="0">
-                          <a:solidFill>
-                            <a:srgbClr val="020302"/>
-                          </a:solidFill>
-                          <a:latin typeface="AdobeClean-Light"/>
-                          <a:cs typeface="AdobeClean-Light"/>
-                        </a:rPr>
-                        <a:t> </a:t>
-                      </a:r>
-                      <a:r>
-                        <a:rPr sz="900" spc="0">
-                          <a:solidFill>
-                            <a:srgbClr val="020302"/>
-                          </a:solidFill>
-                          <a:latin typeface="AdobeClean-Light"/>
-                          <a:cs typeface="AdobeClean-Light"/>
-                        </a:rPr>
-                        <a:t>/</a:t>
-                      </a:r>
-                      <a:r>
-                        <a:rPr lang="en-US" sz="900" spc="0">
-                          <a:solidFill>
-                            <a:srgbClr val="020302"/>
-                          </a:solidFill>
-                          <a:latin typeface="AdobeClean-Light"/>
-                          <a:cs typeface="AdobeClean-Light"/>
-                        </a:rPr>
-                        <a:t> </a:t>
-                      </a:r>
-                      <a:r>
-                        <a:rPr sz="900" spc="0">
-                          <a:solidFill>
-                            <a:srgbClr val="020302"/>
-                          </a:solidFill>
-                          <a:latin typeface="AdobeClean-Light"/>
-                          <a:cs typeface="AdobeClean-Light"/>
-                        </a:rPr>
-                        <a:t>4 hours</a:t>
-                      </a:r>
-                      <a:endParaRPr sz="900" spc="0">
-                        <a:latin typeface="AdobeClean-Light"/>
-                        <a:cs typeface="AdobeClean-Light"/>
-                      </a:endParaRPr>
                     </a:p>
                   </a:txBody>
                   <a:tcPr marL="0" marR="0" marT="91440" marB="91440" anchor="ctr" anchorCtr="1">
@@ -3065,89 +2778,34 @@
                         </a:spcBef>
                       </a:pPr>
                       <a:r>
-                        <a:rPr lang="en-US" sz="900" spc="0">
+                        <a:rPr lang="pt-BR" sz="900" dirty="0">
                           <a:solidFill>
                             <a:srgbClr val="020302"/>
                           </a:solidFill>
                           <a:latin typeface="AdobeClean-Light"/>
                           <a:cs typeface="AdobeClean-Light"/>
                         </a:rPr>
-                        <a:t>    </a:t>
+                        <a:t>    Horário comercial / </a:t>
                       </a:r>
-                      <a:r>
-                        <a:rPr sz="900" spc="0">
+                      <a:br>
+                        <a:rPr lang="pt-BR" sz="900" dirty="0">
                           <a:solidFill>
                             <a:srgbClr val="020302"/>
                           </a:solidFill>
                           <a:latin typeface="AdobeClean-Light"/>
                           <a:cs typeface="AdobeClean-Light"/>
                         </a:rPr>
-                        <a:t>Business</a:t>
-                      </a:r>
+                      </a:br>
                       <a:r>
-                        <a:rPr lang="en-US" sz="900" spc="0">
+                        <a:rPr lang="pt-BR" sz="900" dirty="0">
                           <a:solidFill>
                             <a:srgbClr val="020302"/>
                           </a:solidFill>
                           <a:latin typeface="AdobeClean-Light"/>
                           <a:cs typeface="AdobeClean-Light"/>
                         </a:rPr>
-                        <a:t> </a:t>
+                        <a:t>2 horas</a:t>
                       </a:r>
-                      <a:r>
-                        <a:rPr sz="900" spc="0">
-                          <a:solidFill>
-                            <a:srgbClr val="020302"/>
-                          </a:solidFill>
-                          <a:latin typeface="AdobeClean-Light"/>
-                          <a:cs typeface="AdobeClean-Light"/>
-                        </a:rPr>
-                        <a:t>hours</a:t>
-                      </a:r>
-                      <a:r>
-                        <a:rPr lang="en-US" sz="900" spc="0">
-                          <a:solidFill>
-                            <a:srgbClr val="020302"/>
-                          </a:solidFill>
-                          <a:latin typeface="AdobeClean-Light"/>
-                          <a:cs typeface="AdobeClean-Light"/>
-                        </a:rPr>
-                        <a:t> / </a:t>
-                      </a:r>
-                      <a:r>
-                        <a:rPr sz="900" spc="0">
-                          <a:solidFill>
-                            <a:srgbClr val="020302"/>
-                          </a:solidFill>
-                          <a:latin typeface="AdobeClean-Light"/>
-                          <a:cs typeface="AdobeClean-Light"/>
-                        </a:rPr>
-                        <a:t>2</a:t>
-                      </a:r>
-                      <a:r>
-                        <a:rPr lang="en-US" sz="900" spc="0">
-                          <a:solidFill>
-                            <a:srgbClr val="020302"/>
-                          </a:solidFill>
-                          <a:latin typeface="AdobeClean-Light"/>
-                          <a:cs typeface="AdobeClean-Light"/>
-                        </a:rPr>
-                        <a:t> </a:t>
-                      </a:r>
-                      <a:r>
-                        <a:rPr sz="900" spc="0">
-                          <a:solidFill>
-                            <a:srgbClr val="020302"/>
-                          </a:solidFill>
-                          <a:latin typeface="AdobeClean-Light"/>
-                          <a:cs typeface="AdobeClean-Light"/>
-                        </a:rPr>
-                        <a:t>hours</a:t>
-                      </a:r>
-                      <a:endParaRPr sz="900" spc="0">
-                        <a:latin typeface="AdobeClean-Light"/>
-                        <a:cs typeface="AdobeClean-Light"/>
-                      </a:endParaRPr>
                     </a:p>
                   </a:txBody>
                   <a:tcPr marL="0" marR="0" marT="91440" marB="91440" anchor="ctr" anchorCtr="1">
@@ -3203,19 +2861,15 @@
                         </a:spcBef>
                       </a:pPr>
                       <a:r>
-                        <a:rPr sz="900" b="1" spc="0">
+                        <a:rPr lang="pt-BR" sz="900" b="1" dirty="0">
                           <a:solidFill>
                             <a:srgbClr val="020302"/>
                           </a:solidFill>
                           <a:latin typeface="Adobe Clean"/>
                           <a:cs typeface="Adobe Clean"/>
                         </a:rPr>
-                        <a:t>PRIORITY 3</a:t>
+                        <a:t>PRIORIDADE 3</a:t>
                       </a:r>
-                      <a:endParaRPr sz="900" spc="0">
-                        <a:latin typeface="Adobe Clean"/>
-                        <a:cs typeface="Adobe Clean"/>
-                      </a:endParaRPr>
                     </a:p>
                     <a:p>
                       <a:pPr marL="49530" marR="212090" indent="-2540">
@@ -3227,26 +2881,21 @@
                         </a:spcBef>
                       </a:pPr>
                       <a:r>
-                        <a:rPr kumimoji="0" lang="en-US" sz="900" b="0" i="0" u="none" strike="noStrike" kern="1200" cap="none" spc="0" normalizeH="0" baseline="0" noProof="0">
+                        <a:rPr kumimoji="0" lang="pt-BR" sz="900" b="0" i="0" u="none" strike="noStrike" cap="none" normalizeH="0" baseline="0" noProof="0" dirty="0">
                           <a:ln>
                             <a:noFill/>
                           </a:ln>
                           <a:solidFill>
                             <a:srgbClr val="000000"/>
                           </a:solidFill>
-                          <a:effectLst/>
                           <a:uLnTx/>
                           <a:uFillTx/>
                           <a:latin typeface="Adobe Clean Light" panose="020B0303020404020204" pitchFamily="34" charset="0"/>
                           <a:ea typeface="+mn-ea"/>
                           <a:cs typeface="+mn-cs"/>
                         </a:rPr>
-                        <a:t>Customer's business functions have minor service degradation but there exists a solution/workaround allowing business functions to continue </a:t>
+                        <a:t>As funções empresariais do cliente têm pouca degradação dos serviços, e há uma solução/solução alternativa que permite que as funções empresariais continuem normalmente </a:t>
                       </a:r>
-                      <a:endParaRPr lang="en-US" sz="900" b="0" i="0" spc="0">
-                        <a:latin typeface="Adobe Clean Light" panose="020B0303020404020204" pitchFamily="34" charset="0"/>
-                        <a:cs typeface="AdobeClean-Light"/>
-                      </a:endParaRPr>
                     </a:p>
                   </a:txBody>
                   <a:tcPr marL="0" marR="0" marT="3810" marB="0">
@@ -3290,89 +2939,34 @@
                         </a:spcBef>
                       </a:pPr>
                       <a:r>
-                        <a:rPr lang="en-US" sz="900" spc="0">
+                        <a:rPr lang="pt-BR" sz="900" dirty="0">
                           <a:solidFill>
                             <a:srgbClr val="020302"/>
                           </a:solidFill>
                           <a:latin typeface="AdobeClean-Light"/>
                           <a:cs typeface="AdobeClean-Light"/>
                         </a:rPr>
-                        <a:t>   </a:t>
+                        <a:t>   Horário comercial / </a:t>
                       </a:r>
-                      <a:r>
-                        <a:rPr sz="900" spc="0">
+                      <a:br>
+                        <a:rPr lang="pt-BR" sz="900" dirty="0">
                           <a:solidFill>
                             <a:srgbClr val="020302"/>
                           </a:solidFill>
                           <a:latin typeface="AdobeClean-Light"/>
                           <a:cs typeface="AdobeClean-Light"/>
                         </a:rPr>
-                        <a:t>Business</a:t>
-                      </a:r>
+                      </a:br>
                       <a:r>
-                        <a:rPr lang="en-US" sz="900" spc="0">
+                        <a:rPr lang="pt-BR" sz="900" dirty="0">
                           <a:solidFill>
                             <a:srgbClr val="020302"/>
                           </a:solidFill>
                           <a:latin typeface="AdobeClean-Light"/>
                           <a:cs typeface="AdobeClean-Light"/>
                         </a:rPr>
-                        <a:t> </a:t>
+                        <a:t>6 horas</a:t>
                       </a:r>
-                      <a:r>
-                        <a:rPr sz="900" spc="0">
-                          <a:solidFill>
-                            <a:srgbClr val="020302"/>
-                          </a:solidFill>
-                          <a:latin typeface="AdobeClean-Light"/>
-                          <a:cs typeface="AdobeClean-Light"/>
-                        </a:rPr>
-                        <a:t>hours</a:t>
-                      </a:r>
-                      <a:r>
-                        <a:rPr lang="en-US" sz="900" spc="0">
-                          <a:solidFill>
-                            <a:srgbClr val="020302"/>
-                          </a:solidFill>
-                          <a:latin typeface="AdobeClean-Light"/>
-                          <a:cs typeface="AdobeClean-Light"/>
-                        </a:rPr>
-                        <a:t> / </a:t>
-                      </a:r>
-                      <a:r>
-                        <a:rPr sz="900" spc="0">
-                          <a:solidFill>
-                            <a:srgbClr val="020302"/>
-                          </a:solidFill>
-                          <a:latin typeface="AdobeClean-Light"/>
-                          <a:cs typeface="AdobeClean-Light"/>
-                        </a:rPr>
-                        <a:t>6</a:t>
-                      </a:r>
-                      <a:r>
-                        <a:rPr lang="en-US" sz="900" spc="0">
-                          <a:solidFill>
-                            <a:srgbClr val="020302"/>
-                          </a:solidFill>
-                          <a:latin typeface="AdobeClean-Light"/>
-                          <a:cs typeface="AdobeClean-Light"/>
-                        </a:rPr>
-                        <a:t> </a:t>
-                      </a:r>
-                      <a:r>
-                        <a:rPr sz="900" spc="0">
-                          <a:solidFill>
-                            <a:srgbClr val="020302"/>
-                          </a:solidFill>
-                          <a:latin typeface="AdobeClean-Light"/>
-                          <a:cs typeface="AdobeClean-Light"/>
-                        </a:rPr>
-                        <a:t>hours</a:t>
-                      </a:r>
-                      <a:endParaRPr sz="900" spc="0">
-                        <a:latin typeface="AdobeClean-Light"/>
-                        <a:cs typeface="AdobeClean-Light"/>
-                      </a:endParaRPr>
                     </a:p>
                   </a:txBody>
                   <a:tcPr marL="0" marR="0" marT="91440" marB="91440" anchor="ctr" anchorCtr="1">
@@ -3416,79 +3010,34 @@
                         </a:spcBef>
                       </a:pPr>
                       <a:r>
-                        <a:rPr sz="900" spc="0">
+                        <a:rPr lang="pt-BR" sz="900" dirty="0">
                           <a:solidFill>
                             <a:srgbClr val="020302"/>
                           </a:solidFill>
                           <a:latin typeface="AdobeClean-Light"/>
                           <a:cs typeface="AdobeClean-Light"/>
                         </a:rPr>
-                        <a:t>Business</a:t>
+                        <a:t>Horário comercial / </a:t>
                       </a:r>
-                      <a:r>
-                        <a:rPr lang="en-US" sz="900" spc="0">
+                      <a:br>
+                        <a:rPr lang="pt-BR" sz="900" dirty="0">
                           <a:solidFill>
                             <a:srgbClr val="020302"/>
                           </a:solidFill>
                           <a:latin typeface="AdobeClean-Light"/>
                           <a:cs typeface="AdobeClean-Light"/>
                         </a:rPr>
-                        <a:t> </a:t>
-                      </a:r>
+                      </a:br>
                       <a:r>
-                        <a:rPr sz="900" spc="0">
+                        <a:rPr lang="pt-BR" sz="900" dirty="0">
                           <a:solidFill>
                             <a:srgbClr val="020302"/>
                           </a:solidFill>
                           <a:latin typeface="AdobeClean-Light"/>
                           <a:cs typeface="AdobeClean-Light"/>
                         </a:rPr>
-                        <a:t>hours</a:t>
+                        <a:t>4 horas</a:t>
                       </a:r>
-                      <a:r>
-                        <a:rPr lang="en-US" sz="900" spc="0">
-                          <a:solidFill>
-                            <a:srgbClr val="020302"/>
-                          </a:solidFill>
-                          <a:latin typeface="AdobeClean-Light"/>
-                          <a:cs typeface="AdobeClean-Light"/>
-                        </a:rPr>
-                        <a:t> </a:t>
-                      </a:r>
-                      <a:r>
-                        <a:rPr sz="900" spc="0">
-                          <a:solidFill>
-                            <a:srgbClr val="020302"/>
-                          </a:solidFill>
-                          <a:latin typeface="AdobeClean-Light"/>
-                          <a:cs typeface="AdobeClean-Light"/>
-                        </a:rPr>
-                        <a:t>/ 4</a:t>
-                      </a:r>
-                      <a:r>
-                        <a:rPr lang="en-US" sz="900" spc="0">
-                          <a:solidFill>
-                            <a:srgbClr val="020302"/>
-                          </a:solidFill>
-                          <a:latin typeface="AdobeClean-Light"/>
-                          <a:cs typeface="AdobeClean-Light"/>
-                        </a:rPr>
-                        <a:t> </a:t>
-                      </a:r>
-                      <a:r>
-                        <a:rPr sz="900" spc="0">
-                          <a:solidFill>
-                            <a:srgbClr val="020302"/>
-                          </a:solidFill>
-                          <a:latin typeface="AdobeClean-Light"/>
-                          <a:cs typeface="AdobeClean-Light"/>
-                        </a:rPr>
-                        <a:t>hours</a:t>
-                      </a:r>
-                      <a:endParaRPr sz="900" spc="0">
-                        <a:latin typeface="AdobeClean-Light"/>
-                        <a:cs typeface="AdobeClean-Light"/>
-                      </a:endParaRPr>
                     </a:p>
                   </a:txBody>
                   <a:tcPr marL="0" marR="0" marT="91440" marB="91440" anchor="ctr" anchorCtr="1">
@@ -3544,19 +3093,15 @@
                         </a:spcBef>
                       </a:pPr>
                       <a:r>
-                        <a:rPr sz="900" b="1" spc="0">
+                        <a:rPr lang="pt-BR" sz="900" b="1" dirty="0">
                           <a:solidFill>
                             <a:srgbClr val="020302"/>
                           </a:solidFill>
                           <a:latin typeface="Adobe Clean"/>
                           <a:cs typeface="Adobe Clean"/>
                         </a:rPr>
-                        <a:t>PRIORITY 4</a:t>
+                        <a:t>PRIORIDADE 4</a:t>
                       </a:r>
-                      <a:endParaRPr sz="900" spc="0">
-                        <a:latin typeface="Adobe Clean"/>
-                        <a:cs typeface="Adobe Clean"/>
-                      </a:endParaRPr>
                     </a:p>
                     <a:p>
                       <a:pPr marL="48895" marR="0" lvl="0" indent="0" defTabSz="914400" eaLnBrk="1" fontAlgn="auto" latinLnBrk="0" hangingPunct="1">
@@ -3577,19 +3122,14 @@
                         <a:defRPr/>
                       </a:pPr>
                       <a:r>
-                        <a:rPr lang="en-US" sz="900" b="0" i="0" spc="0">
+                        <a:rPr lang="pt-BR" sz="900" b="0" i="0" dirty="0">
                           <a:solidFill>
                             <a:srgbClr val="000000"/>
                           </a:solidFill>
-                          <a:effectLst/>
                           <a:latin typeface="Adobe Clean Light" panose="020B0303020404020204" pitchFamily="34" charset="0"/>
                         </a:rPr>
-                        <a:t>General question regarding current product functionality or an enhancement request</a:t>
+                        <a:t>Pergunta geral sobre a funcionalidade atual do produto ou solicitação de melhoria</a:t>
                       </a:r>
-                      <a:endParaRPr lang="en-US" sz="900" b="0" i="0" spc="0">
-                        <a:latin typeface="Adobe Clean Light" panose="020B0303020404020204" pitchFamily="34" charset="0"/>
-                        <a:cs typeface="AdobeClean-Light"/>
-                      </a:endParaRPr>
                     </a:p>
                   </a:txBody>
                   <a:tcPr marL="0" marR="0" marT="1905" marB="0">
@@ -3633,69 +3173,15 @@
                         </a:spcBef>
                       </a:pPr>
                       <a:r>
-                        <a:rPr lang="en-US" sz="900" spc="0">
+                        <a:rPr lang="pt-BR" sz="900">
                           <a:solidFill>
                             <a:srgbClr val="020302"/>
                           </a:solidFill>
                           <a:latin typeface="AdobeClean-Light"/>
                           <a:cs typeface="AdobeClean-Light"/>
                         </a:rPr>
-                        <a:t>  </a:t>
+                        <a:t>  Dias úteis / 3 dias</a:t>
                       </a:r>
-                      <a:r>
-                        <a:rPr sz="900" spc="0">
-                          <a:solidFill>
-                            <a:srgbClr val="020302"/>
-                          </a:solidFill>
-                          <a:latin typeface="AdobeClean-Light"/>
-                          <a:cs typeface="AdobeClean-Light"/>
-                        </a:rPr>
-                        <a:t>Business</a:t>
-                      </a:r>
-                      <a:r>
-                        <a:rPr lang="en-US" sz="900" spc="0">
-                          <a:solidFill>
-                            <a:srgbClr val="020302"/>
-                          </a:solidFill>
-                          <a:latin typeface="AdobeClean-Light"/>
-                          <a:cs typeface="AdobeClean-Light"/>
-                        </a:rPr>
-                        <a:t> </a:t>
-                      </a:r>
-                      <a:r>
-                        <a:rPr sz="900" spc="0">
-                          <a:solidFill>
-                            <a:srgbClr val="020302"/>
-                          </a:solidFill>
-                          <a:latin typeface="AdobeClean-Light"/>
-                          <a:cs typeface="AdobeClean-Light"/>
-                        </a:rPr>
-                        <a:t>days</a:t>
-                      </a:r>
-                      <a:r>
-                        <a:rPr lang="en-US" sz="900" spc="0">
-                          <a:solidFill>
-                            <a:srgbClr val="020302"/>
-                          </a:solidFill>
-                          <a:latin typeface="AdobeClean-Light"/>
-                          <a:cs typeface="AdobeClean-Light"/>
-                        </a:rPr>
-                        <a:t> / </a:t>
-                      </a:r>
-                      <a:r>
-                        <a:rPr sz="900" spc="0">
-                          <a:solidFill>
-                            <a:srgbClr val="020302"/>
-                          </a:solidFill>
-                          <a:latin typeface="AdobeClean-Light"/>
-                          <a:cs typeface="AdobeClean-Light"/>
-                        </a:rPr>
-                        <a:t>3 days</a:t>
-                      </a:r>
-                      <a:endParaRPr sz="900" spc="0">
-                        <a:latin typeface="AdobeClean-Light"/>
-                        <a:cs typeface="AdobeClean-Light"/>
-                      </a:endParaRPr>
                     </a:p>
                   </a:txBody>
                   <a:tcPr marL="0" marR="0" marT="91440" marB="91440" anchor="ctr" anchorCtr="1">
@@ -3739,79 +3225,15 @@
                         </a:spcBef>
                       </a:pPr>
                       <a:r>
-                        <a:rPr sz="900" spc="0" dirty="0">
+                        <a:rPr lang="pt-BR" sz="900" dirty="0">
                           <a:solidFill>
                             <a:srgbClr val="020302"/>
                           </a:solidFill>
                           <a:latin typeface="AdobeClean-Light"/>
                           <a:cs typeface="AdobeClean-Light"/>
                         </a:rPr>
-                        <a:t>Business</a:t>
+                        <a:t>Dias úteis / 1 dia</a:t>
                       </a:r>
-                      <a:r>
-                        <a:rPr lang="en-US" sz="900" spc="0" dirty="0">
-                          <a:solidFill>
-                            <a:srgbClr val="020302"/>
-                          </a:solidFill>
-                          <a:latin typeface="AdobeClean-Light"/>
-                          <a:cs typeface="AdobeClean-Light"/>
-                        </a:rPr>
-                        <a:t> </a:t>
-                      </a:r>
-                      <a:r>
-                        <a:rPr sz="900" spc="0" dirty="0">
-                          <a:solidFill>
-                            <a:srgbClr val="020302"/>
-                          </a:solidFill>
-                          <a:latin typeface="AdobeClean-Light"/>
-                          <a:cs typeface="AdobeClean-Light"/>
-                        </a:rPr>
-                        <a:t>day</a:t>
-                      </a:r>
-                      <a:r>
-                        <a:rPr lang="en-US" sz="900" spc="0" dirty="0">
-                          <a:solidFill>
-                            <a:srgbClr val="020302"/>
-                          </a:solidFill>
-                          <a:latin typeface="AdobeClean-Light"/>
-                          <a:cs typeface="AdobeClean-Light"/>
-                        </a:rPr>
-                        <a:t>s </a:t>
-                      </a:r>
-                      <a:r>
-                        <a:rPr sz="900" spc="0" dirty="0">
-                          <a:solidFill>
-                            <a:srgbClr val="020302"/>
-                          </a:solidFill>
-                          <a:latin typeface="AdobeClean-Light"/>
-                          <a:cs typeface="AdobeClean-Light"/>
-                        </a:rPr>
-                        <a:t>/</a:t>
-                      </a:r>
-                      <a:r>
-                        <a:rPr lang="en-US" sz="900" spc="0" dirty="0">
-                          <a:solidFill>
-                            <a:srgbClr val="020302"/>
-                          </a:solidFill>
-                          <a:latin typeface="AdobeClean-Light"/>
-                          <a:cs typeface="AdobeClean-Light"/>
-                        </a:rPr>
-                        <a:t> </a:t>
-                      </a:r>
-                      <a:r>
-                        <a:rPr sz="900" spc="0" dirty="0">
-                          <a:solidFill>
-                            <a:srgbClr val="020302"/>
-                          </a:solidFill>
-                          <a:latin typeface="AdobeClean-Light"/>
-                          <a:cs typeface="AdobeClean-Light"/>
-                        </a:rPr>
-                        <a:t>1 day</a:t>
-                      </a:r>
-                      <a:endParaRPr sz="900" spc="0" dirty="0">
-                        <a:latin typeface="AdobeClean-Light"/>
-                        <a:cs typeface="AdobeClean-Light"/>
-                      </a:endParaRPr>
                     </a:p>
                   </a:txBody>
                   <a:tcPr marL="0" marR="0" marT="91440" marB="91440" anchor="ctr" anchorCtr="1">
@@ -3960,39 +3382,15 @@
                         <a:defRPr/>
                       </a:pPr>
                       <a:r>
-                        <a:rPr lang="en-US" sz="900" spc="-20" dirty="0">
+                        <a:rPr lang="pt-BR" sz="900">
                           <a:solidFill>
                             <a:srgbClr val="404040"/>
                           </a:solidFill>
                           <a:latin typeface="Adobe Clean"/>
                           <a:cs typeface="Adobe Clean"/>
                         </a:rPr>
-                        <a:t>Standard </a:t>
+                        <a:t>Suporte Standard</a:t>
                       </a:r>
-                      <a:r>
-                        <a:rPr lang="en-US" sz="900" spc="-135" dirty="0">
-                          <a:solidFill>
-                            <a:srgbClr val="404040"/>
-                          </a:solidFill>
-                          <a:latin typeface="Adobe Clean"/>
-                          <a:cs typeface="Adobe Clean"/>
-                        </a:rPr>
-                        <a:t> </a:t>
-                      </a:r>
-                      <a:r>
-                        <a:rPr lang="en-US" sz="900" spc="-20" dirty="0">
-                          <a:solidFill>
-                            <a:srgbClr val="404040"/>
-                          </a:solidFill>
-                          <a:latin typeface="Adobe Clean"/>
-                          <a:cs typeface="Adobe Clean"/>
-                        </a:rPr>
-                        <a:t>Support</a:t>
-                      </a:r>
-                      <a:endParaRPr lang="en-US" sz="900" dirty="0">
-                        <a:latin typeface="Adobe Clean"/>
-                        <a:cs typeface="Adobe Clean"/>
-                      </a:endParaRPr>
                     </a:p>
                   </a:txBody>
                   <a:tcPr marL="0" marR="0" marT="7620" marB="0" anchor="ctr">
@@ -4033,39 +3431,15 @@
                         </a:spcBef>
                       </a:pPr>
                       <a:r>
-                        <a:rPr sz="900" spc="-20">
+                        <a:rPr lang="pt-BR" sz="900">
                           <a:solidFill>
                             <a:srgbClr val="FFFFFF"/>
                           </a:solidFill>
                           <a:latin typeface="Adobe Clean"/>
                           <a:cs typeface="Adobe Clean"/>
                         </a:rPr>
-                        <a:t>Business</a:t>
+                        <a:t>Suporte Business</a:t>
                       </a:r>
-                      <a:r>
-                        <a:rPr lang="en-US" sz="900" spc="-20">
-                          <a:solidFill>
-                            <a:srgbClr val="FFFFFF"/>
-                          </a:solidFill>
-                          <a:latin typeface="Adobe Clean"/>
-                          <a:cs typeface="Adobe Clean"/>
-                        </a:rPr>
-                        <a:t> </a:t>
-                      </a:r>
-                      <a:r>
-                        <a:rPr sz="900" spc="-20">
-                          <a:solidFill>
-                            <a:srgbClr val="FFFFFF"/>
-                          </a:solidFill>
-                          <a:latin typeface="Adobe Clean"/>
-                          <a:cs typeface="Adobe Clean"/>
-                        </a:rPr>
-                        <a:t>Support</a:t>
-                      </a:r>
-                      <a:endParaRPr sz="900">
-                        <a:latin typeface="Adobe Clean"/>
-                        <a:cs typeface="Adobe Clean"/>
-                      </a:endParaRPr>
                     </a:p>
                   </a:txBody>
                   <a:tcPr marL="0" marR="0" marT="7620" marB="0" anchor="ctr">
@@ -4130,7 +3504,7 @@
                     <a:bodyPr/>
                     <a:lstStyle/>
                     <a:p>
-                      <a:pPr marL="0" marR="0" lvl="0" indent="0" algn="ctr" defTabSz="914400" eaLnBrk="1" fontAlgn="auto" latinLnBrk="0" hangingPunct="1">
+                      <a:pPr marL="0" marR="0" lvl="0" indent="0" algn="l" defTabSz="914400" rtl="0" eaLnBrk="1" fontAlgn="auto" latinLnBrk="0" hangingPunct="1">
                         <a:lnSpc>
                           <a:spcPct val="100000"/>
                         </a:lnSpc>
@@ -4211,13 +3585,13 @@
                         <a:defRPr/>
                       </a:pPr>
                       <a:r>
-                        <a:rPr lang="en-US" sz="800" i="1">
+                        <a:rPr lang="pt-BR" sz="800" i="1" dirty="0">
                           <a:solidFill>
                             <a:schemeClr val="bg1"/>
                           </a:solidFill>
                           <a:latin typeface="Adobe Clean Light" panose="020B0303020404020204" pitchFamily="34" charset="0"/>
                         </a:rPr>
-                        <a:t>Paid Support ($)</a:t>
+                        <a:t>Suporte pago ($)</a:t>
                       </a:r>
                     </a:p>
                   </a:txBody>
@@ -4281,22 +3655,15 @@
                         </a:spcBef>
                       </a:pPr>
                       <a:r>
-                        <a:rPr lang="en-US" sz="1000" b="1" i="0" spc="0">
+                        <a:rPr lang="pt-BR" sz="1000" b="1" i="0">
                           <a:solidFill>
                             <a:schemeClr val="bg1"/>
                           </a:solidFill>
                           <a:latin typeface="Adobe Clean" panose="020B0503020404020204" pitchFamily="34" charset="0"/>
                           <a:cs typeface="AdobeClean-Light"/>
                         </a:rPr>
-                        <a:t>Assigned Experts</a:t>
+                        <a:t>Especialistas atribuídos</a:t>
                       </a:r>
-                      <a:endParaRPr sz="1000" b="1" i="0" spc="0">
-                        <a:solidFill>
-                          <a:schemeClr val="bg1"/>
-                        </a:solidFill>
-                        <a:latin typeface="Adobe Clean" panose="020B0503020404020204" pitchFamily="34" charset="0"/>
-                        <a:cs typeface="AdobeClean-Light"/>
-                      </a:endParaRPr>
                     </a:p>
                   </a:txBody>
                   <a:tcPr marL="0" marR="0" marT="58419" marB="0" anchor="ctr">
@@ -4343,19 +3710,15 @@
                         </a:spcBef>
                       </a:pPr>
                       <a:r>
-                        <a:rPr sz="900" spc="0">
+                        <a:rPr lang="pt-BR" sz="900">
                           <a:solidFill>
                             <a:srgbClr val="020302"/>
                           </a:solidFill>
                           <a:latin typeface="AdobeClean-Light"/>
                           <a:cs typeface="AdobeClean-Light"/>
                         </a:rPr>
-                        <a:t>Account Support Lead</a:t>
+                        <a:t>Líder de suporte da conta</a:t>
                       </a:r>
-                      <a:endParaRPr sz="900" spc="0">
-                        <a:latin typeface="AdobeClean-Light"/>
-                        <a:cs typeface="AdobeClean-Light"/>
-                      </a:endParaRPr>
                     </a:p>
                   </a:txBody>
                   <a:tcPr marL="0" marR="0" marT="58419" marB="0">
@@ -4390,7 +3753,7 @@
                     <a:bodyPr/>
                     <a:lstStyle/>
                     <a:p>
-                      <a:pPr algn="ctr">
+                      <a:pPr algn="l" rtl="0">
                         <a:lnSpc>
                           <a:spcPct val="100000"/>
                         </a:lnSpc>
@@ -4440,7 +3803,7 @@
                         </a:spcBef>
                       </a:pPr>
                       <a:r>
-                        <a:rPr sz="900">
+                        <a:rPr lang="pt-BR" sz="900">
                           <a:solidFill>
                             <a:srgbClr val="020302"/>
                           </a:solidFill>
@@ -4449,10 +3812,6 @@
                         </a:rPr>
                         <a:t></a:t>
                       </a:r>
-                      <a:endParaRPr sz="900">
-                        <a:latin typeface="Wingdings"/>
-                        <a:cs typeface="Wingdings"/>
-                      </a:endParaRPr>
                     </a:p>
                   </a:txBody>
                   <a:tcPr marL="0" marR="0" marT="59690" marB="0" anchor="ctr">
@@ -4484,7 +3843,7 @@
                     <a:bodyPr/>
                     <a:lstStyle/>
                     <a:p>
-                      <a:pPr marL="50800">
+                      <a:pPr marL="50800" algn="l" rtl="0">
                         <a:lnSpc>
                           <a:spcPct val="100000"/>
                         </a:lnSpc>
@@ -4530,19 +3889,15 @@
                         </a:spcBef>
                       </a:pPr>
                       <a:r>
-                        <a:rPr sz="900" spc="0">
+                        <a:rPr lang="pt-BR" sz="900" dirty="0">
                           <a:solidFill>
                             <a:srgbClr val="020302"/>
                           </a:solidFill>
                           <a:latin typeface="AdobeClean-Light"/>
                           <a:cs typeface="AdobeClean-Light"/>
                         </a:rPr>
-                        <a:t>Named Support Engineer</a:t>
+                        <a:t>Engenheiro de suporte nomeado</a:t>
                       </a:r>
-                      <a:endParaRPr sz="900" spc="0">
-                        <a:latin typeface="AdobeClean-Light"/>
-                        <a:cs typeface="AdobeClean-Light"/>
-                      </a:endParaRPr>
                     </a:p>
                   </a:txBody>
                   <a:tcPr marL="0" marR="0" marT="58419" marB="0">
@@ -4565,7 +3920,7 @@
                     <a:bodyPr/>
                     <a:lstStyle/>
                     <a:p>
-                      <a:pPr algn="ctr">
+                      <a:pPr algn="l" rtl="0">
                         <a:lnSpc>
                           <a:spcPct val="100000"/>
                         </a:lnSpc>
@@ -4594,7 +3949,7 @@
                     <a:bodyPr/>
                     <a:lstStyle/>
                     <a:p>
-                      <a:pPr algn="ctr">
+                      <a:pPr algn="l" rtl="0">
                         <a:lnSpc>
                           <a:spcPct val="100000"/>
                         </a:lnSpc>
@@ -4625,7 +3980,7 @@
                     <a:bodyPr/>
                     <a:lstStyle/>
                     <a:p>
-                      <a:pPr marL="50800">
+                      <a:pPr marL="50800" algn="l" rtl="0">
                         <a:lnSpc>
                           <a:spcPct val="100000"/>
                         </a:lnSpc>
@@ -4683,19 +4038,15 @@
                         </a:spcBef>
                       </a:pPr>
                       <a:r>
-                        <a:rPr sz="900" spc="0">
+                        <a:rPr lang="pt-BR" sz="900">
                           <a:solidFill>
                             <a:srgbClr val="020302"/>
                           </a:solidFill>
                           <a:latin typeface="AdobeClean-Light"/>
                           <a:cs typeface="AdobeClean-Light"/>
                         </a:rPr>
-                        <a:t>Technical Account Manager</a:t>
+                        <a:t>Gerente técnico de conta</a:t>
                       </a:r>
-                      <a:endParaRPr sz="900" spc="0">
-                        <a:latin typeface="AdobeClean-Light"/>
-                        <a:cs typeface="AdobeClean-Light"/>
-                      </a:endParaRPr>
                     </a:p>
                   </a:txBody>
                   <a:tcPr marL="0" marR="0" marT="63500" marB="0">
@@ -4724,7 +4075,7 @@
                     <a:bodyPr/>
                     <a:lstStyle/>
                     <a:p>
-                      <a:pPr algn="ctr">
+                      <a:pPr algn="l" rtl="0">
                         <a:lnSpc>
                           <a:spcPct val="100000"/>
                         </a:lnSpc>
@@ -4762,7 +4113,7 @@
                     <a:bodyPr/>
                     <a:lstStyle/>
                     <a:p>
-                      <a:pPr algn="ctr">
+                      <a:pPr algn="l" rtl="0">
                         <a:lnSpc>
                           <a:spcPct val="100000"/>
                         </a:lnSpc>
@@ -4811,22 +4162,15 @@
                         </a:spcBef>
                       </a:pPr>
                       <a:r>
-                        <a:rPr lang="en-US" sz="1000" b="1" i="0" spc="0">
+                        <a:rPr lang="pt-BR" sz="1000" b="1" i="0">
                           <a:solidFill>
                             <a:schemeClr val="bg1"/>
                           </a:solidFill>
                           <a:latin typeface="Adobe Clean" panose="020B0503020404020204" pitchFamily="34" charset="0"/>
                           <a:cs typeface="AdobeClean-Light"/>
                         </a:rPr>
-                        <a:t>Support Services</a:t>
+                        <a:t>Serviços de suporte</a:t>
                       </a:r>
-                      <a:endParaRPr sz="1000" b="1" i="0" spc="0">
-                        <a:solidFill>
-                          <a:schemeClr val="bg1"/>
-                        </a:solidFill>
-                        <a:latin typeface="Adobe Clean" panose="020B0503020404020204" pitchFamily="34" charset="0"/>
-                        <a:cs typeface="AdobeClean-Light"/>
-                      </a:endParaRPr>
                     </a:p>
                   </a:txBody>
                   <a:tcPr marL="0" marR="0" marT="57150" marB="0" anchor="ctr">
@@ -4882,29 +4226,15 @@
                         </a:spcBef>
                       </a:pPr>
                       <a:r>
-                        <a:rPr lang="en-US" sz="900" spc="0">
+                        <a:rPr lang="pt-BR" sz="900">
                           <a:solidFill>
                             <a:srgbClr val="020302"/>
                           </a:solidFill>
                           <a:latin typeface="AdobeClean-Light"/>
                           <a:cs typeface="AdobeClean-Light"/>
                         </a:rPr>
-                        <a:t>Online</a:t>
+                        <a:t>Suporte Online</a:t>
                       </a:r>
-                      <a:r>
-                        <a:rPr sz="900" spc="0">
-                          <a:solidFill>
-                            <a:srgbClr val="020302"/>
-                          </a:solidFill>
-                          <a:latin typeface="AdobeClean-Light"/>
-                          <a:cs typeface="AdobeClean-Light"/>
-                        </a:rPr>
-                        <a:t> Support</a:t>
-                      </a:r>
-                      <a:endParaRPr sz="900" spc="0">
-                        <a:latin typeface="AdobeClean-Light"/>
-                        <a:cs typeface="AdobeClean-Light"/>
-                      </a:endParaRPr>
                     </a:p>
                   </a:txBody>
                   <a:tcPr marL="0" marR="0" marT="57150" marB="0">
@@ -4942,39 +4272,15 @@
                         </a:spcBef>
                       </a:pPr>
                       <a:r>
-                        <a:rPr sz="900" spc="-25">
+                        <a:rPr lang="pt-BR" sz="900">
                           <a:solidFill>
                             <a:srgbClr val="020302"/>
                           </a:solidFill>
                           <a:latin typeface="AdobeClean-Light"/>
                           <a:cs typeface="AdobeClean-Light"/>
                         </a:rPr>
-                        <a:t>Business</a:t>
+                        <a:t>Horário comercial</a:t>
                       </a:r>
-                      <a:r>
-                        <a:rPr sz="900" spc="-15">
-                          <a:solidFill>
-                            <a:srgbClr val="020302"/>
-                          </a:solidFill>
-                          <a:latin typeface="AdobeClean-Light"/>
-                          <a:cs typeface="AdobeClean-Light"/>
-                        </a:rPr>
-                        <a:t> </a:t>
-                      </a:r>
-                      <a:r>
-                        <a:rPr sz="900" spc="-30">
-                          <a:solidFill>
-                            <a:srgbClr val="020302"/>
-                          </a:solidFill>
-                          <a:latin typeface="AdobeClean-Light"/>
-                          <a:cs typeface="AdobeClean-Light"/>
-                        </a:rPr>
-                        <a:t>hours</a:t>
-                      </a:r>
-                      <a:endParaRPr sz="900">
-                        <a:latin typeface="AdobeClean-Light"/>
-                        <a:cs typeface="AdobeClean-Light"/>
-                      </a:endParaRPr>
                     </a:p>
                   </a:txBody>
                   <a:tcPr marL="0" marR="0" marT="67945" marB="0">
@@ -5013,39 +4319,15 @@
                         </a:spcBef>
                       </a:pPr>
                       <a:r>
-                        <a:rPr sz="900" spc="-25">
+                        <a:rPr lang="pt-BR" sz="900">
                           <a:solidFill>
                             <a:srgbClr val="020302"/>
                           </a:solidFill>
                           <a:latin typeface="AdobeClean-Light"/>
                           <a:cs typeface="AdobeClean-Light"/>
                         </a:rPr>
-                        <a:t>Business</a:t>
+                        <a:t>Horário comercial</a:t>
                       </a:r>
-                      <a:r>
-                        <a:rPr sz="900" spc="-15">
-                          <a:solidFill>
-                            <a:srgbClr val="020302"/>
-                          </a:solidFill>
-                          <a:latin typeface="AdobeClean-Light"/>
-                          <a:cs typeface="AdobeClean-Light"/>
-                        </a:rPr>
-                        <a:t> </a:t>
-                      </a:r>
-                      <a:r>
-                        <a:rPr sz="900" spc="-30">
-                          <a:solidFill>
-                            <a:srgbClr val="020302"/>
-                          </a:solidFill>
-                          <a:latin typeface="AdobeClean-Light"/>
-                          <a:cs typeface="AdobeClean-Light"/>
-                        </a:rPr>
-                        <a:t>hours</a:t>
-                      </a:r>
-                      <a:endParaRPr sz="900">
-                        <a:latin typeface="AdobeClean-Light"/>
-                        <a:cs typeface="AdobeClean-Light"/>
-                      </a:endParaRPr>
                     </a:p>
                   </a:txBody>
                   <a:tcPr marL="0" marR="0" marT="67945" marB="0">
@@ -5077,7 +4359,7 @@
                     <a:bodyPr/>
                     <a:lstStyle/>
                     <a:p>
-                      <a:pPr marL="50800">
+                      <a:pPr marL="50800" algn="l" rtl="0">
                         <a:lnSpc>
                           <a:spcPct val="100000"/>
                         </a:lnSpc>
@@ -5126,39 +4408,15 @@
                         </a:spcBef>
                       </a:pPr>
                       <a:r>
-                        <a:rPr sz="900" spc="0">
+                        <a:rPr lang="pt-BR" sz="900">
                           <a:solidFill>
                             <a:srgbClr val="020302"/>
                           </a:solidFill>
                           <a:latin typeface="AdobeClean-Light"/>
                           <a:cs typeface="AdobeClean-Light"/>
                         </a:rPr>
-                        <a:t>24x7</a:t>
+                        <a:t>Suporte 24x7x365 para prioridades P1</a:t>
                       </a:r>
-                      <a:r>
-                        <a:rPr lang="en-US" sz="900" spc="0">
-                          <a:solidFill>
-                            <a:srgbClr val="020302"/>
-                          </a:solidFill>
-                          <a:latin typeface="AdobeClean-Light"/>
-                          <a:cs typeface="AdobeClean-Light"/>
-                        </a:rPr>
-                        <a:t>x365</a:t>
-                      </a:r>
-                      <a:r>
-                        <a:rPr sz="900" spc="0">
-                          <a:solidFill>
-                            <a:srgbClr val="020302"/>
-                          </a:solidFill>
-                          <a:latin typeface="AdobeClean-Light"/>
-                          <a:cs typeface="AdobeClean-Light"/>
-                        </a:rPr>
-                        <a:t> P1 Issue Support</a:t>
-                      </a:r>
-                      <a:endParaRPr sz="900" spc="0">
-                        <a:latin typeface="AdobeClean-Light"/>
-                        <a:cs typeface="AdobeClean-Light"/>
-                      </a:endParaRPr>
                     </a:p>
                   </a:txBody>
                   <a:tcPr marL="0" marR="0" marT="57785" marB="0">
@@ -5190,7 +4448,7 @@
                         </a:spcBef>
                       </a:pPr>
                       <a:r>
-                        <a:rPr sz="900">
+                        <a:rPr lang="pt-BR" sz="900" dirty="0">
                           <a:solidFill>
                             <a:srgbClr val="020302"/>
                           </a:solidFill>
@@ -5199,10 +4457,6 @@
                         </a:rPr>
                         <a:t></a:t>
                       </a:r>
-                      <a:endParaRPr sz="900">
-                        <a:latin typeface="Wingdings"/>
-                        <a:cs typeface="Wingdings"/>
-                      </a:endParaRPr>
                     </a:p>
                   </a:txBody>
                   <a:tcPr marL="0" marR="0" marT="58419" marB="0">
@@ -5232,7 +4486,7 @@
                         </a:spcBef>
                       </a:pPr>
                       <a:r>
-                        <a:rPr sz="900">
+                        <a:rPr lang="pt-BR" sz="900">
                           <a:solidFill>
                             <a:srgbClr val="020302"/>
                           </a:solidFill>
@@ -5241,10 +4495,6 @@
                         </a:rPr>
                         <a:t></a:t>
                       </a:r>
-                      <a:endParaRPr sz="900">
-                        <a:latin typeface="Wingdings"/>
-                        <a:cs typeface="Wingdings"/>
-                      </a:endParaRPr>
                     </a:p>
                   </a:txBody>
                   <a:tcPr marL="0" marR="0" marT="58419" marB="0">
@@ -5267,7 +4517,7 @@
                     <a:bodyPr/>
                     <a:lstStyle/>
                     <a:p>
-                      <a:pPr marL="50800">
+                      <a:pPr marL="50800" algn="l" rtl="0">
                         <a:lnSpc>
                           <a:spcPct val="100000"/>
                         </a:lnSpc>
@@ -5325,19 +4575,15 @@
                         </a:spcBef>
                       </a:pPr>
                       <a:r>
-                        <a:rPr lang="en-US" sz="900" spc="0">
+                        <a:rPr lang="pt-BR" sz="900" dirty="0">
                           <a:solidFill>
                             <a:srgbClr val="020302"/>
                           </a:solidFill>
                           <a:latin typeface="AdobeClean-Light"/>
                           <a:cs typeface="AdobeClean-Light"/>
                         </a:rPr>
-                        <a:t>Named Support Contacts (per product)</a:t>
+                        <a:t>Contatos de suporte nomeados (por produto)</a:t>
                       </a:r>
-                      <a:endParaRPr sz="900" spc="0">
-                        <a:latin typeface="AdobeClean-Light"/>
-                        <a:cs typeface="AdobeClean-Light"/>
-                      </a:endParaRPr>
                     </a:p>
                   </a:txBody>
                   <a:tcPr marL="0" marR="0" marT="57785" marB="0">
@@ -5375,7 +4621,7 @@
                         </a:spcBef>
                       </a:pPr>
                       <a:r>
-                        <a:rPr sz="900">
+                        <a:rPr lang="pt-BR" sz="900" dirty="0">
                           <a:solidFill>
                             <a:srgbClr val="020302"/>
                           </a:solidFill>
@@ -5384,10 +4630,6 @@
                         </a:rPr>
                         <a:t>4</a:t>
                       </a:r>
-                      <a:endParaRPr sz="900">
-                        <a:latin typeface="AdobeClean-Light"/>
-                        <a:cs typeface="AdobeClean-Light"/>
-                      </a:endParaRPr>
                     </a:p>
                   </a:txBody>
                   <a:tcPr marL="0" marR="0" marT="57785" marB="0">
@@ -5417,7 +4659,7 @@
                         </a:spcBef>
                       </a:pPr>
                       <a:r>
-                        <a:rPr sz="900">
+                        <a:rPr lang="pt-BR" sz="900">
                           <a:solidFill>
                             <a:srgbClr val="020302"/>
                           </a:solidFill>
@@ -5426,10 +4668,6 @@
                         </a:rPr>
                         <a:t>6</a:t>
                       </a:r>
-                      <a:endParaRPr sz="900">
-                        <a:latin typeface="AdobeClean-Light"/>
-                        <a:cs typeface="AdobeClean-Light"/>
-                      </a:endParaRPr>
                     </a:p>
                   </a:txBody>
                   <a:tcPr marL="0" marR="0" marT="57785" marB="0">
@@ -5452,7 +4690,7 @@
                     <a:bodyPr/>
                     <a:lstStyle/>
                     <a:p>
-                      <a:pPr marL="50800">
+                      <a:pPr marL="50800" algn="l" rtl="0">
                         <a:lnSpc>
                           <a:spcPct val="100000"/>
                         </a:lnSpc>
@@ -5501,19 +4739,15 @@
                         </a:spcBef>
                       </a:pPr>
                       <a:r>
-                        <a:rPr lang="en-US" sz="900" spc="0">
+                        <a:rPr lang="pt-BR" sz="900">
                           <a:solidFill>
                             <a:srgbClr val="020302"/>
                           </a:solidFill>
                           <a:latin typeface="AdobeClean-Light"/>
                           <a:cs typeface="AdobeClean-Light"/>
                         </a:rPr>
-                        <a:t>Live Telephone Support</a:t>
+                        <a:t>Suporte telefônico ao vivo</a:t>
                       </a:r>
-                      <a:endParaRPr sz="900" spc="0">
-                        <a:latin typeface="AdobeClean-Light"/>
-                        <a:cs typeface="AdobeClean-Light"/>
-                      </a:endParaRPr>
                     </a:p>
                   </a:txBody>
                   <a:tcPr marL="0" marR="0" marT="57785" marB="0">
@@ -5536,7 +4770,7 @@
                     <a:bodyPr/>
                     <a:lstStyle/>
                     <a:p>
-                      <a:pPr algn="ctr">
+                      <a:pPr algn="l" rtl="0">
                         <a:lnSpc>
                           <a:spcPct val="100000"/>
                         </a:lnSpc>
@@ -5577,7 +4811,7 @@
                         </a:spcBef>
                       </a:pPr>
                       <a:r>
-                        <a:rPr sz="900">
+                        <a:rPr lang="pt-BR" sz="900" dirty="0">
                           <a:solidFill>
                             <a:srgbClr val="020302"/>
                           </a:solidFill>
@@ -5586,10 +4820,6 @@
                         </a:rPr>
                         <a:t></a:t>
                       </a:r>
-                      <a:endParaRPr sz="900">
-                        <a:latin typeface="Wingdings"/>
-                        <a:cs typeface="Wingdings"/>
-                      </a:endParaRPr>
                     </a:p>
                   </a:txBody>
                   <a:tcPr marL="0" marR="0" marT="59054" marB="0">
@@ -5612,7 +4842,7 @@
                     <a:bodyPr/>
                     <a:lstStyle/>
                     <a:p>
-                      <a:pPr marL="50800">
+                      <a:pPr marL="50800" algn="l" rtl="0">
                         <a:lnSpc>
                           <a:spcPct val="100000"/>
                         </a:lnSpc>
@@ -5661,19 +4891,15 @@
                         </a:spcBef>
                       </a:pPr>
                       <a:r>
-                        <a:rPr sz="900" spc="0">
+                        <a:rPr lang="pt-BR" sz="900" dirty="0">
                           <a:solidFill>
                             <a:srgbClr val="020302"/>
                           </a:solidFill>
                           <a:latin typeface="AdobeClean-Light"/>
                           <a:cs typeface="AdobeClean-Light"/>
                         </a:rPr>
-                        <a:t>Escalation Management</a:t>
+                        <a:t>Gestão de encaminhamento</a:t>
                       </a:r>
-                      <a:endParaRPr sz="900" spc="0">
-                        <a:latin typeface="AdobeClean-Light"/>
-                        <a:cs typeface="AdobeClean-Light"/>
-                      </a:endParaRPr>
                     </a:p>
                   </a:txBody>
                   <a:tcPr marL="0" marR="0" marT="58419" marB="0">
@@ -5696,7 +4922,7 @@
                     <a:bodyPr/>
                     <a:lstStyle/>
                     <a:p>
-                      <a:pPr algn="ctr">
+                      <a:pPr algn="l" rtl="0">
                         <a:lnSpc>
                           <a:spcPct val="100000"/>
                         </a:lnSpc>
@@ -5737,7 +4963,7 @@
                         </a:spcBef>
                       </a:pPr>
                       <a:r>
-                        <a:rPr sz="900">
+                        <a:rPr lang="pt-BR" sz="900">
                           <a:solidFill>
                             <a:srgbClr val="020302"/>
                           </a:solidFill>
@@ -5746,10 +4972,6 @@
                         </a:rPr>
                         <a:t></a:t>
                       </a:r>
-                      <a:endParaRPr sz="900">
-                        <a:latin typeface="Wingdings"/>
-                        <a:cs typeface="Wingdings"/>
-                      </a:endParaRPr>
                     </a:p>
                   </a:txBody>
                   <a:tcPr marL="0" marR="0" marT="59690" marB="0">
@@ -5772,7 +4994,7 @@
                     <a:bodyPr/>
                     <a:lstStyle/>
                     <a:p>
-                      <a:pPr marL="50800">
+                      <a:pPr marL="50800" algn="l" rtl="0">
                         <a:lnSpc>
                           <a:spcPct val="100000"/>
                         </a:lnSpc>
@@ -5821,29 +5043,15 @@
                         </a:spcBef>
                       </a:pPr>
                       <a:r>
-                        <a:rPr sz="900" spc="0">
+                        <a:rPr lang="pt-BR" sz="900">
                           <a:solidFill>
                             <a:srgbClr val="020302"/>
                           </a:solidFill>
                           <a:latin typeface="AdobeClean-Light"/>
                           <a:cs typeface="AdobeClean-Light"/>
                         </a:rPr>
-                        <a:t>Service Reviews </a:t>
+                        <a:t>Revisões de serviço por ano</a:t>
                       </a:r>
-                      <a:r>
-                        <a:rPr lang="en-US" sz="900" spc="0">
-                          <a:solidFill>
-                            <a:srgbClr val="020302"/>
-                          </a:solidFill>
-                          <a:latin typeface="AdobeClean-Light"/>
-                          <a:cs typeface="AdobeClean-Light"/>
-                        </a:rPr>
-                        <a:t>per Year</a:t>
-                      </a:r>
-                      <a:endParaRPr sz="900" spc="0">
-                        <a:latin typeface="AdobeClean-Light"/>
-                        <a:cs typeface="AdobeClean-Light"/>
-                      </a:endParaRPr>
                     </a:p>
                   </a:txBody>
                   <a:tcPr marL="0" marR="0" marT="57150" marB="0">
@@ -5866,7 +5074,7 @@
                     <a:bodyPr/>
                     <a:lstStyle/>
                     <a:p>
-                      <a:pPr>
+                      <a:pPr algn="l" rtl="0">
                         <a:lnSpc>
                           <a:spcPct val="100000"/>
                         </a:lnSpc>
@@ -5895,7 +5103,7 @@
                     <a:bodyPr/>
                     <a:lstStyle/>
                     <a:p>
-                      <a:pPr>
+                      <a:pPr algn="l" rtl="0">
                         <a:lnSpc>
                           <a:spcPct val="100000"/>
                         </a:lnSpc>
@@ -5945,16 +5153,12 @@
                         </a:spcBef>
                       </a:pPr>
                       <a:r>
-                        <a:rPr lang="en-US" sz="900" spc="0">
+                        <a:rPr lang="pt-BR" sz="900">
                           <a:latin typeface="AdobeClean-Light"/>
                           <a:cs typeface="AdobeClean-Light"/>
                         </a:rPr>
-                        <a:t>Expert Sessions per Year</a:t>
+                        <a:t>Sessões de especialistas por ano</a:t>
                       </a:r>
-                      <a:endParaRPr sz="900" spc="0">
-                        <a:latin typeface="AdobeClean-Light"/>
-                        <a:cs typeface="AdobeClean-Light"/>
-                      </a:endParaRPr>
                     </a:p>
                   </a:txBody>
                   <a:tcPr marL="0" marR="0" marT="57150" marB="0">
@@ -5983,7 +5187,7 @@
                     <a:bodyPr/>
                     <a:lstStyle/>
                     <a:p>
-                      <a:pPr>
+                      <a:pPr algn="l" rtl="0">
                         <a:lnSpc>
                           <a:spcPct val="100000"/>
                         </a:lnSpc>
@@ -6012,7 +5216,7 @@
                     <a:bodyPr/>
                     <a:lstStyle/>
                     <a:p>
-                      <a:pPr>
+                      <a:pPr algn="l" rtl="0">
                         <a:lnSpc>
                           <a:spcPct val="100000"/>
                         </a:lnSpc>
@@ -6062,16 +5266,12 @@
                         </a:spcBef>
                       </a:pPr>
                       <a:r>
-                        <a:rPr lang="en-US" sz="900" spc="0">
+                        <a:rPr lang="pt-BR" sz="900" dirty="0">
                           <a:latin typeface="AdobeClean-Light"/>
                           <a:cs typeface="AdobeClean-Light"/>
                         </a:rPr>
-                        <a:t>Case Reviews</a:t>
+                        <a:t>Revisões de caso</a:t>
                       </a:r>
-                      <a:endParaRPr sz="900" spc="0">
-                        <a:latin typeface="AdobeClean-Light"/>
-                        <a:cs typeface="AdobeClean-Light"/>
-                      </a:endParaRPr>
                     </a:p>
                   </a:txBody>
                   <a:tcPr marL="0" marR="0" marT="57150" marB="0">
@@ -6100,7 +5300,7 @@
                     <a:bodyPr/>
                     <a:lstStyle/>
                     <a:p>
-                      <a:pPr>
+                      <a:pPr algn="l" rtl="0">
                         <a:lnSpc>
                           <a:spcPct val="100000"/>
                         </a:lnSpc>
@@ -6129,7 +5329,7 @@
                     <a:bodyPr/>
                     <a:lstStyle/>
                     <a:p>
-                      <a:pPr>
+                      <a:pPr algn="l" rtl="0">
                         <a:lnSpc>
                           <a:spcPct val="100000"/>
                         </a:lnSpc>
@@ -6160,7 +5360,7 @@
                     <a:bodyPr/>
                     <a:lstStyle/>
                     <a:p>
-                      <a:pPr marL="48895">
+                      <a:pPr marL="48895" algn="l" rtl="0">
                         <a:lnSpc>
                           <a:spcPct val="100000"/>
                         </a:lnSpc>
@@ -6218,29 +5418,15 @@
                         </a:spcBef>
                       </a:pPr>
                       <a:r>
-                        <a:rPr sz="900" spc="0">
+                        <a:rPr lang="pt-BR" sz="900">
                           <a:solidFill>
                             <a:srgbClr val="020302"/>
                           </a:solidFill>
                           <a:latin typeface="AdobeClean-Light"/>
                           <a:cs typeface="AdobeClean-Light"/>
                         </a:rPr>
-                        <a:t>Event </a:t>
+                        <a:t>Gerenciamento de eventos</a:t>
                       </a:r>
-                      <a:r>
-                        <a:rPr lang="en-US" sz="900" spc="0">
-                          <a:solidFill>
-                            <a:srgbClr val="020302"/>
-                          </a:solidFill>
-                          <a:latin typeface="AdobeClean-Light"/>
-                          <a:cs typeface="AdobeClean-Light"/>
-                        </a:rPr>
-                        <a:t>Management</a:t>
-                      </a:r>
-                      <a:endParaRPr sz="900" spc="0">
-                        <a:latin typeface="AdobeClean-Light"/>
-                        <a:cs typeface="AdobeClean-Light"/>
-                      </a:endParaRPr>
                     </a:p>
                   </a:txBody>
                   <a:tcPr marL="0" marR="0" marT="58419" marB="0">
@@ -6269,7 +5455,7 @@
                     <a:bodyPr/>
                     <a:lstStyle/>
                     <a:p>
-                      <a:pPr>
+                      <a:pPr algn="l" rtl="0">
                         <a:lnSpc>
                           <a:spcPct val="100000"/>
                         </a:lnSpc>
@@ -6298,7 +5484,7 @@
                     <a:bodyPr/>
                     <a:lstStyle/>
                     <a:p>
-                      <a:pPr>
+                      <a:pPr algn="l" rtl="0">
                         <a:lnSpc>
                           <a:spcPct val="100000"/>
                         </a:lnSpc>
@@ -6329,7 +5515,7 @@
                     <a:bodyPr/>
                     <a:lstStyle/>
                     <a:p>
-                      <a:pPr marL="48895">
+                      <a:pPr marL="48895" algn="l" rtl="0">
                         <a:lnSpc>
                           <a:spcPct val="100000"/>
                         </a:lnSpc>
@@ -6378,39 +5564,15 @@
                         </a:spcBef>
                       </a:pPr>
                       <a:r>
-                        <a:rPr sz="900" spc="0">
+                        <a:rPr lang="pt-BR" sz="900">
                           <a:solidFill>
                             <a:srgbClr val="020302"/>
                           </a:solidFill>
                           <a:latin typeface="AdobeClean-Light"/>
                           <a:cs typeface="AdobeClean-Light"/>
                         </a:rPr>
-                        <a:t>Environment</a:t>
+                        <a:t>Revisão, manutenção e monitoramento do ambiente</a:t>
                       </a:r>
-                      <a:r>
-                        <a:rPr lang="en-US" sz="900" spc="0">
-                          <a:solidFill>
-                            <a:srgbClr val="020302"/>
-                          </a:solidFill>
-                          <a:latin typeface="AdobeClean-Light"/>
-                          <a:cs typeface="AdobeClean-Light"/>
-                        </a:rPr>
-                        <a:t> </a:t>
-                      </a:r>
-                      <a:r>
-                        <a:rPr sz="900" spc="0">
-                          <a:solidFill>
-                            <a:srgbClr val="020302"/>
-                          </a:solidFill>
-                          <a:latin typeface="AdobeClean-Light"/>
-                          <a:cs typeface="AdobeClean-Light"/>
-                        </a:rPr>
-                        <a:t>Review, Maintenance &amp; Monitoring</a:t>
-                      </a:r>
-                      <a:endParaRPr sz="900" spc="0">
-                        <a:latin typeface="AdobeClean-Light"/>
-                        <a:cs typeface="AdobeClean-Light"/>
-                      </a:endParaRPr>
                     </a:p>
                   </a:txBody>
                   <a:tcPr marL="0" marR="0" marT="59055" marB="0">
@@ -6433,7 +5595,7 @@
                     <a:bodyPr/>
                     <a:lstStyle/>
                     <a:p>
-                      <a:pPr>
+                      <a:pPr algn="l" rtl="0">
                         <a:lnSpc>
                           <a:spcPct val="100000"/>
                         </a:lnSpc>
@@ -6462,7 +5624,7 @@
                     <a:bodyPr/>
                     <a:lstStyle/>
                     <a:p>
-                      <a:pPr>
+                      <a:pPr algn="l" rtl="0">
                         <a:lnSpc>
                           <a:spcPct val="100000"/>
                         </a:lnSpc>
@@ -6493,7 +5655,7 @@
                     <a:bodyPr/>
                     <a:lstStyle/>
                     <a:p>
-                      <a:pPr marL="49530">
+                      <a:pPr marL="49530" algn="l" rtl="0">
                         <a:lnSpc>
                           <a:spcPct val="100000"/>
                         </a:lnSpc>
@@ -6542,19 +5704,15 @@
                         </a:spcBef>
                       </a:pPr>
                       <a:r>
-                        <a:rPr sz="900" spc="0">
+                        <a:rPr lang="pt-BR" sz="900">
                           <a:solidFill>
                             <a:srgbClr val="020302"/>
                           </a:solidFill>
                           <a:latin typeface="AdobeClean-Light"/>
                           <a:cs typeface="AdobeClean-Light"/>
                         </a:rPr>
-                        <a:t>Release, Migration, Upgrade &amp; Product Roadmap Review</a:t>
+                        <a:t>Revisão de versão, migração, atualização e roteiro de produtos</a:t>
                       </a:r>
-                      <a:endParaRPr sz="900" spc="0">
-                        <a:latin typeface="AdobeClean-Light"/>
-                        <a:cs typeface="AdobeClean-Light"/>
-                      </a:endParaRPr>
                     </a:p>
                   </a:txBody>
                   <a:tcPr marL="0" marR="0" marT="63500" marB="0">
@@ -6577,7 +5735,7 @@
                     <a:bodyPr/>
                     <a:lstStyle/>
                     <a:p>
-                      <a:pPr>
+                      <a:pPr algn="l" rtl="0">
                         <a:lnSpc>
                           <a:spcPct val="100000"/>
                         </a:lnSpc>
@@ -6606,7 +5764,7 @@
                     <a:bodyPr/>
                     <a:lstStyle/>
                     <a:p>
-                      <a:pPr>
+                      <a:pPr algn="l" rtl="0">
                         <a:lnSpc>
                           <a:spcPct val="100000"/>
                         </a:lnSpc>
@@ -6637,7 +5795,7 @@
                     <a:bodyPr/>
                     <a:lstStyle/>
                     <a:p>
-                      <a:pPr marL="49530">
+                      <a:pPr marL="49530" algn="l" rtl="0">
                         <a:lnSpc>
                           <a:spcPct val="100000"/>
                         </a:lnSpc>
@@ -6695,11 +5853,11 @@
                         </a:spcBef>
                       </a:pPr>
                       <a:r>
-                        <a:rPr sz="900" spc="0">
+                        <a:rPr lang="pt-BR" sz="900" dirty="0">
                           <a:latin typeface="AdobeClean-Light"/>
                           <a:cs typeface="AdobeClean-Light"/>
                         </a:rPr>
-                        <a:t>Cloud Support Activities – Experience Manager as Cloud</a:t>
+                        <a:t>Atividades de suporte na nuvem — Experience Manager as Cloud</a:t>
                       </a:r>
                     </a:p>
                   </a:txBody>
@@ -6729,7 +5887,7 @@
                     <a:bodyPr/>
                     <a:lstStyle/>
                     <a:p>
-                      <a:pPr>
+                      <a:pPr algn="l" rtl="0">
                         <a:lnSpc>
                           <a:spcPct val="100000"/>
                         </a:lnSpc>
@@ -6767,7 +5925,7 @@
                     <a:bodyPr/>
                     <a:lstStyle/>
                     <a:p>
-                      <a:pPr>
+                      <a:pPr algn="l" rtl="0">
                         <a:lnSpc>
                           <a:spcPct val="100000"/>
                         </a:lnSpc>
@@ -6816,22 +5974,15 @@
                         </a:spcBef>
                       </a:pPr>
                       <a:r>
-                        <a:rPr lang="en-US" sz="1000" b="1" i="0" spc="0">
+                        <a:rPr lang="pt-BR" sz="1000" b="1" i="0">
                           <a:solidFill>
                             <a:schemeClr val="bg1"/>
                           </a:solidFill>
                           <a:latin typeface="Adobe Clean" panose="020B0503020404020204" pitchFamily="34" charset="0"/>
                           <a:cs typeface="AdobeClean-Light"/>
                         </a:rPr>
-                        <a:t>Field Services</a:t>
+                        <a:t>Serviços de campo</a:t>
                       </a:r>
-                      <a:endParaRPr sz="1000" b="1" i="0" spc="0">
-                        <a:solidFill>
-                          <a:schemeClr val="bg1"/>
-                        </a:solidFill>
-                        <a:latin typeface="Adobe Clean" panose="020B0503020404020204" pitchFamily="34" charset="0"/>
-                        <a:cs typeface="AdobeClean-Light"/>
-                      </a:endParaRPr>
                     </a:p>
                   </a:txBody>
                   <a:tcPr marL="0" marR="0" marT="48260" marB="0" anchor="ctr">
@@ -6884,19 +6035,15 @@
                         </a:spcBef>
                       </a:pPr>
                       <a:r>
-                        <a:rPr sz="900" spc="0">
+                        <a:rPr lang="pt-BR" sz="900" dirty="0">
                           <a:solidFill>
                             <a:srgbClr val="020302"/>
                           </a:solidFill>
                           <a:latin typeface="AdobeClean-Light"/>
                           <a:cs typeface="AdobeClean-Light"/>
                         </a:rPr>
-                        <a:t>Launch Advisory Services – First Year of new solution</a:t>
+                        <a:t>Launch Advisory Services — primeiro ano da nova solução</a:t>
                       </a:r>
-                      <a:endParaRPr sz="900" spc="0">
-                        <a:latin typeface="AdobeClean-Light"/>
-                        <a:cs typeface="AdobeClean-Light"/>
-                      </a:endParaRPr>
                     </a:p>
                     <a:p>
                       <a:pPr marL="48260" hangingPunct="0">
@@ -6908,11 +6055,11 @@
                         </a:spcBef>
                       </a:pPr>
                       <a:r>
-                        <a:rPr sz="900" spc="0">
+                        <a:rPr lang="pt-BR" sz="900" dirty="0">
                           <a:latin typeface="AdobeClean-Light"/>
                           <a:cs typeface="AdobeClean-Light"/>
                         </a:rPr>
-                        <a:t>Field Service Activities </a:t>
+                        <a:t>Atividades de serviço de campo </a:t>
                       </a:r>
                     </a:p>
                   </a:txBody>
@@ -6948,7 +6095,7 @@
                     <a:bodyPr/>
                     <a:lstStyle/>
                     <a:p>
-                      <a:pPr>
+                      <a:pPr algn="l" rtl="0">
                         <a:lnSpc>
                           <a:spcPct val="100000"/>
                         </a:lnSpc>
@@ -6986,7 +6133,7 @@
                     <a:bodyPr/>
                     <a:lstStyle/>
                     <a:p>
-                      <a:pPr>
+                      <a:pPr algn="l" rtl="0">
                         <a:lnSpc>
                           <a:spcPct val="100000"/>
                         </a:lnSpc>
@@ -7071,7 +6218,7 @@
                     <a:bodyPr/>
                     <a:lstStyle/>
                     <a:p>
-                      <a:pPr>
+                      <a:pPr algn="l" rtl="0">
                         <a:lnSpc>
                           <a:spcPct val="100000"/>
                         </a:lnSpc>
@@ -7097,7 +6244,7 @@
                     <a:bodyPr/>
                     <a:lstStyle/>
                     <a:p>
-                      <a:pPr>
+                      <a:pPr algn="l" rtl="0">
                         <a:lnSpc>
                           <a:spcPct val="100000"/>
                         </a:lnSpc>
@@ -7161,7 +6308,7 @@
           <a:lstStyle/>
           <a:p>
             <a:r>
-              <a:rPr lang="en-US" sz="700" i="1">
+              <a:rPr lang="pt-BR" sz="700" i="1">
                 <a:solidFill>
                   <a:schemeClr val="bg1"/>
                 </a:solidFill>
@@ -7343,7 +6490,7 @@
         <p:spPr>
           <a:xfrm>
             <a:off x="370040" y="1409311"/>
-            <a:ext cx="2286000" cy="1289969"/>
+            <a:ext cx="2286000" cy="1456809"/>
           </a:xfrm>
           <a:prstGeom prst="rect">
             <a:avLst/>
@@ -7364,18 +6511,14 @@
               </a:spcBef>
             </a:pPr>
             <a:r>
-              <a:rPr lang="en-US" sz="1000">
+              <a:rPr lang="pt-BR" sz="900">
                 <a:solidFill>
                   <a:srgbClr val="000000"/>
                 </a:solidFill>
                 <a:latin typeface="Adobe Clean Light" panose="020B0303020404020204" pitchFamily="34" charset="0"/>
               </a:rPr>
-              <a:t>A designated Account Support Lead to proactively monitor cases, drive cross-team collaboration, deliver onboarding webinars, run service reports, provide non-technical support assistance, and function as your escalation point and internal advocate within Adobe Support.</a:t>
+              <a:t>Um Líder de suporte da conta designado para monitorar os casos de forma proativa, impulsionar a colaboração entre equipes, fornecer webinários de integração, executar relatórios de serviço, fornecer assistência de suporte não técnico e funcionar como ponto de encaminhamento e defensor interno no Suporte da Adobe.</a:t>
             </a:r>
-            <a:endParaRPr lang="en-US" sz="1000">
-              <a:latin typeface="Adobe Clean Light" panose="020B0303020404020204" pitchFamily="34" charset="0"/>
-              <a:cs typeface="AdobeClean-Light"/>
-            </a:endParaRPr>
           </a:p>
         </p:txBody>
       </p:sp>
@@ -7412,44 +6555,14 @@
               </a:tabLst>
             </a:pPr>
             <a:r>
-              <a:rPr sz="1000">
+              <a:rPr lang="pt-BR" sz="1000" dirty="0">
                 <a:solidFill>
                   <a:srgbClr val="020302"/>
                 </a:solidFill>
                 <a:latin typeface="AdobeClean-Light"/>
                 <a:cs typeface="AdobeClean-Light"/>
               </a:rPr>
-              <a:t>Start a chat session to get answers</a:t>
-            </a:r>
-            <a:r>
-              <a:rPr lang="en-US" sz="1000">
-                <a:solidFill>
-                  <a:srgbClr val="020302"/>
-                </a:solidFill>
-                <a:latin typeface="AdobeClean-Light"/>
-                <a:cs typeface="AdobeClean-Light"/>
-              </a:rPr>
-              <a:t> &amp; </a:t>
-            </a:r>
-            <a:r>
-              <a:rPr sz="1000">
-                <a:solidFill>
-                  <a:srgbClr val="020302"/>
-                </a:solidFill>
-                <a:latin typeface="AdobeClean-Light"/>
-                <a:cs typeface="AdobeClean-Light"/>
-              </a:rPr>
-              <a:t>help with case submission</a:t>
-            </a:r>
-            <a:r>
-              <a:rPr lang="en-US" sz="1000">
-                <a:solidFill>
-                  <a:srgbClr val="020302"/>
-                </a:solidFill>
-                <a:latin typeface="AdobeClean-Light"/>
-                <a:cs typeface="AdobeClean-Light"/>
-              </a:rPr>
-              <a:t>.</a:t>
+              <a:t>Inicie uma sessão de chat para obter respostas e ajuda com o envio de caso.</a:t>
             </a:r>
           </a:p>
           <a:p>
@@ -7462,39 +6575,25 @@
               </a:tabLst>
             </a:pPr>
             <a:r>
-              <a:rPr sz="1000" i="1">
+              <a:rPr lang="pt-BR" sz="1000" i="1" dirty="0">
                 <a:solidFill>
                   <a:srgbClr val="7A7A7A"/>
                 </a:solidFill>
                 <a:latin typeface="AdobeClean-LightIt"/>
                 <a:cs typeface="AdobeClean-LightIt"/>
               </a:rPr>
-              <a:t>*Not all products have live chat support</a:t>
+              <a:t>*Nem todos os produtos têm suporte de chat ao vivo</a:t>
             </a:r>
             <a:r>
-              <a:rPr sz="900" i="1">
+              <a:rPr lang="pt-BR" sz="900" i="1" dirty="0">
                 <a:solidFill>
                   <a:srgbClr val="7A7A7A"/>
                 </a:solidFill>
                 <a:latin typeface="AdobeClean-LightIt"/>
                 <a:cs typeface="AdobeClean-LightIt"/>
               </a:rPr>
-              <a:t>.</a:t>
+              <a:t>.  </a:t>
             </a:r>
-            <a:r>
-              <a:rPr lang="en-US" sz="900" i="1">
-                <a:solidFill>
-                  <a:srgbClr val="7A7A7A"/>
-                </a:solidFill>
-                <a:latin typeface="AdobeClean-LightIt"/>
-                <a:cs typeface="AdobeClean-LightIt"/>
-              </a:rPr>
-              <a:t>  </a:t>
-            </a:r>
-            <a:endParaRPr sz="900">
-              <a:latin typeface="AdobeClean-Light"/>
-              <a:cs typeface="AdobeClean-Light"/>
-            </a:endParaRPr>
           </a:p>
         </p:txBody>
       </p:sp>
@@ -7570,12 +6669,12 @@
               <a:defRPr/>
             </a:pPr>
             <a:r>
-              <a:rPr lang="en-US" sz="1200">
+              <a:rPr lang="pt-BR" sz="1200">
                 <a:solidFill>
                   <a:srgbClr val="000000"/>
                 </a:solidFill>
               </a:rPr>
-              <a:t>Community Forums</a:t>
+              <a:t>Fóruns da comunidade</a:t>
             </a:r>
           </a:p>
         </p:txBody>
@@ -7618,12 +6717,12 @@
               </a:spcAft>
             </a:pPr>
             <a:r>
-              <a:rPr lang="en-US" sz="1200" b="1">
+              <a:rPr lang="pt-BR" sz="1200" b="1">
                 <a:latin typeface="+mj-lt"/>
                 <a:ea typeface="Open Sans" pitchFamily="34" charset="0"/>
                 <a:cs typeface="Open Sans" pitchFamily="34" charset="0"/>
               </a:rPr>
-              <a:t>Online Forums</a:t>
+              <a:t>Fóruns online</a:t>
             </a:r>
           </a:p>
         </p:txBody>
@@ -7656,13 +6755,13 @@
           <a:lstStyle/>
           <a:p>
             <a:r>
-              <a:rPr lang="en-US" sz="1000">
+              <a:rPr lang="pt-BR" sz="1000" dirty="0">
                 <a:solidFill>
                   <a:srgbClr val="000000"/>
                 </a:solidFill>
                 <a:latin typeface="Adobe Clean Light" panose="020B0303020404020204" pitchFamily="34" charset="0"/>
               </a:rPr>
-              <a:t>Continuous online access to a growing database of technical solutions, product documentation, FAQs and more. Thousands of customers can connect to share best practices and lessons learned.</a:t>
+              <a:t>Acesso online contínuo a um banco de dados cada vez maior de soluções técnicas, documentação do produto, perguntas frequentes e muito mais. Milhares de clientes podem se conectar para compartilhar práticas recomendadas e lições aprendidas.</a:t>
             </a:r>
           </a:p>
         </p:txBody>
@@ -7705,12 +6804,12 @@
               </a:spcAft>
             </a:pPr>
             <a:r>
-              <a:rPr lang="en-US" sz="1200" b="1">
+              <a:rPr lang="pt-BR" sz="1200" b="1">
                 <a:latin typeface="+mj-lt"/>
                 <a:ea typeface="Open Sans" pitchFamily="34" charset="0"/>
                 <a:cs typeface="Open Sans" pitchFamily="34" charset="0"/>
               </a:rPr>
-              <a:t>Self-guided Journeys</a:t>
+              <a:t>Jornadas autoguiadas</a:t>
             </a:r>
           </a:p>
         </p:txBody>
@@ -7743,13 +6842,13 @@
           <a:lstStyle/>
           <a:p>
             <a:r>
-              <a:rPr lang="en-US" sz="1000">
+              <a:rPr lang="pt-BR" sz="1000" dirty="0">
                 <a:solidFill>
                   <a:srgbClr val="000000"/>
                 </a:solidFill>
                 <a:latin typeface="Adobe Clean Light" panose="020B0303020404020204" pitchFamily="34" charset="0"/>
               </a:rPr>
-              <a:t>Experience Makers are made with Experience League. Customers can kickstart their Customer Experience Management abilities with personalized learning to develop skills, engage with a global community of peers, and earn career advancing recognition.</a:t>
+              <a:t>A Experience League gera criadores de experiências. Os clientes podem adquirir habilidades de gerenciamento de experiência do cliente com aprendizagem personalizada, participar de uma comunidade de pares global e conseguir reconhecimento de carreira.</a:t>
             </a:r>
           </a:p>
         </p:txBody>
@@ -7797,12 +6896,12 @@
               <a:defRPr/>
             </a:pPr>
             <a:r>
-              <a:rPr lang="en-US" sz="1200">
+              <a:rPr lang="pt-BR" sz="1200">
                 <a:solidFill>
                   <a:srgbClr val="000000"/>
                 </a:solidFill>
               </a:rPr>
-              <a:t>Live Chat  Support*</a:t>
+              <a:t>Suporte por chat ao vivo*</a:t>
             </a:r>
           </a:p>
         </p:txBody>
@@ -7845,12 +6944,12 @@
               </a:spcAft>
             </a:pPr>
             <a:r>
-              <a:rPr lang="en-US" sz="1200" b="1">
+              <a:rPr lang="pt-BR" sz="1200" b="1">
                 <a:latin typeface="+mj-lt"/>
                 <a:ea typeface="Open Sans" pitchFamily="34" charset="0"/>
                 <a:cs typeface="Open Sans" pitchFamily="34" charset="0"/>
               </a:rPr>
-              <a:t>Chat Support</a:t>
+              <a:t>Suporte por chat</a:t>
             </a:r>
           </a:p>
         </p:txBody>
@@ -7898,12 +6997,12 @@
               <a:defRPr/>
             </a:pPr>
             <a:r>
-              <a:rPr lang="en-US" sz="1200">
+              <a:rPr lang="pt-BR" sz="1200">
                 <a:solidFill>
                   <a:srgbClr val="000000"/>
                 </a:solidFill>
               </a:rPr>
-              <a:t>24X7 P1 </a:t>
+              <a:t>24X7 prioridades P1 </a:t>
             </a:r>
           </a:p>
         </p:txBody>
@@ -7946,12 +7045,12 @@
               </a:spcAft>
             </a:pPr>
             <a:r>
-              <a:rPr lang="en-US" sz="1200" b="1">
+              <a:rPr lang="pt-BR" sz="1200" b="1">
                 <a:latin typeface="+mj-lt"/>
                 <a:ea typeface="Open Sans" pitchFamily="34" charset="0"/>
                 <a:cs typeface="Open Sans" pitchFamily="34" charset="0"/>
               </a:rPr>
-              <a:t>Phone Support</a:t>
+              <a:t>Suporte telefônico</a:t>
             </a:r>
           </a:p>
         </p:txBody>
@@ -7984,26 +7083,20 @@
           <a:lstStyle/>
           <a:p>
             <a:r>
-              <a:rPr lang="en-US" sz="1000">
+              <a:rPr lang="pt-BR" sz="1000" dirty="0">
                 <a:solidFill>
                   <a:srgbClr val="020302"/>
                 </a:solidFill>
                 <a:latin typeface="AdobeClean-Light"/>
               </a:rPr>
-              <a:t>Authorized users or Named Support Contacts </a:t>
+              <a:t>Usuários autorizados ou contatos de suporte nomeados</a:t>
             </a:r>
             <a:r>
-              <a:rPr lang="en-US" sz="1000">
+              <a:rPr lang="pt-BR" sz="1000" dirty="0">
                 <a:latin typeface="Adobe Clean Light" panose="020B0303020404020204" pitchFamily="34" charset="0"/>
               </a:rPr>
-              <a:t>can submit issues through all available  channels (including phone for P1) and interact with our technical support team on behalf of your company. </a:t>
+              <a:t> podem enviar problemas por todos os canais disponíveis (incluindo por telefone em prioridades P1) e contatar a equipe de suporte técnico em nome de sua empresa. </a:t>
             </a:r>
-            <a:endParaRPr lang="en-US" sz="1000">
-              <a:solidFill>
-                <a:srgbClr val="000000"/>
-              </a:solidFill>
-              <a:latin typeface="Adobe Clean Light" panose="020B0303020404020204" pitchFamily="34" charset="0"/>
-            </a:endParaRPr>
           </a:p>
         </p:txBody>
       </p:sp>
@@ -8025,8 +7118,8 @@
         </p:nvSpPr>
         <p:spPr>
           <a:xfrm>
-            <a:off x="5253416" y="9862966"/>
-            <a:ext cx="2270125" cy="132729"/>
+            <a:off x="5122967" y="9862966"/>
+            <a:ext cx="2400575" cy="132729"/>
           </a:xfrm>
           <a:prstGeom prst="rect">
             <a:avLst/>
@@ -8047,24 +7140,8 @@
               </a:spcBef>
             </a:pPr>
             <a:r>
-              <a:rPr spc="-5"/>
-              <a:t>©202</a:t>
-            </a:r>
-            <a:r>
-              <a:rPr lang="en-US" spc="-5"/>
-              <a:t>1</a:t>
-            </a:r>
-            <a:r>
-              <a:rPr spc="-5"/>
-              <a:t> Adobe. All Rights Reserved. Adobe</a:t>
-            </a:r>
-            <a:r>
-              <a:rPr spc="60"/>
-              <a:t> </a:t>
-            </a:r>
-            <a:r>
-              <a:rPr spc="-5"/>
-              <a:t>Confidential.</a:t>
+              <a:rPr lang="pt-BR" dirty="0"/>
+              <a:t>©2021 Adobe. All Rights Reserved. Adobe Confidential.</a:t>
             </a:r>
           </a:p>
         </p:txBody>
@@ -8107,13 +7184,13 @@
               </a:spcAft>
             </a:pPr>
             <a:r>
-              <a:rPr lang="en-US" sz="1200" b="1" spc="-10">
+              <a:rPr lang="pt-BR" sz="1200" b="1" dirty="0">
                 <a:solidFill>
                   <a:srgbClr val="020302"/>
                 </a:solidFill>
                 <a:latin typeface="+mj-lt"/>
               </a:rPr>
-              <a:t>Account Support Lead</a:t>
+              <a:t>Líder de suporte da conta</a:t>
             </a:r>
           </a:p>
         </p:txBody>
@@ -8202,19 +7279,15 @@
               </a:spcBef>
             </a:pPr>
             <a:r>
-              <a:rPr lang="en-US" sz="1400" b="1" spc="-10" dirty="0">
+              <a:rPr lang="pt-BR" sz="1400" b="1">
                 <a:solidFill>
                   <a:srgbClr val="020302"/>
                 </a:solidFill>
                 <a:latin typeface="Adobe Clean"/>
                 <a:cs typeface="Adobe Clean"/>
               </a:rPr>
-              <a:t>Standard Support Features</a:t>
+              <a:t>Recursos do Suporte Standard</a:t>
             </a:r>
-            <a:endParaRPr lang="en-US" sz="1400" dirty="0">
-              <a:latin typeface="Adobe Clean"/>
-              <a:cs typeface="Adobe Clean"/>
-            </a:endParaRPr>
           </a:p>
         </p:txBody>
       </p:sp>
@@ -8302,19 +7375,15 @@
               </a:spcBef>
             </a:pPr>
             <a:r>
-              <a:rPr lang="en-US" sz="1400" b="1" spc="-10">
+              <a:rPr lang="pt-BR" sz="1400" b="1">
                 <a:solidFill>
                   <a:srgbClr val="020302"/>
                 </a:solidFill>
                 <a:latin typeface="Adobe Clean"/>
                 <a:cs typeface="Adobe Clean"/>
               </a:rPr>
-              <a:t>Business  Support Features</a:t>
+              <a:t>Recursos do Suporte Business</a:t>
             </a:r>
-            <a:endParaRPr lang="en-US" sz="1400">
-              <a:latin typeface="Adobe Clean"/>
-              <a:cs typeface="Adobe Clean"/>
-            </a:endParaRPr>
           </a:p>
         </p:txBody>
       </p:sp>
@@ -8333,7 +7402,7 @@
         <p:spPr>
           <a:xfrm>
             <a:off x="2836967" y="1370913"/>
-            <a:ext cx="2286000" cy="1456681"/>
+            <a:ext cx="2286000" cy="1636345"/>
           </a:xfrm>
           <a:prstGeom prst="rect">
             <a:avLst/>
@@ -8354,15 +7423,11 @@
               </a:spcBef>
             </a:pPr>
             <a:r>
-              <a:rPr lang="en-US" sz="1000">
+              <a:rPr lang="pt-BR" sz="900" dirty="0">
                 <a:latin typeface="Adobe Clean Light" panose="020B0303020404020204" pitchFamily="34" charset="0"/>
               </a:rPr>
-              <a:t>Customers can submit support cases via Phone for all P2, P3, P4 issues during regional support hours. There are no upper limits on the number of times you can call into support. Customers can also request a call back from support or request a meeting to demonstrate or work through an issue using a shared remote desktop session.</a:t>
+              <a:t>Os clientes podem enviar casos de suporte por telefone para todos os problemas com prioridade P2, P3 e P4 durante o horário de suporte regional. Não há limites máximos para o número de vezes que você pode ligar para o suporte. Os clientes também podem solicitar uma chamada de retorno do suporte ou solicitar uma reunião para demonstrar ou solucionar um problema usando uma sessão de desktop remoto compartilhado.</a:t>
             </a:r>
-            <a:endParaRPr lang="en-US" sz="1000">
-              <a:latin typeface="Adobe Clean Light" panose="020B0303020404020204" pitchFamily="34" charset="0"/>
-              <a:cs typeface="AdobeClean-Light"/>
-            </a:endParaRPr>
           </a:p>
         </p:txBody>
       </p:sp>
@@ -8404,13 +7469,13 @@
               </a:spcAft>
             </a:pPr>
             <a:r>
-              <a:rPr lang="en-US" sz="1200" b="1" spc="-10">
+              <a:rPr lang="pt-BR" sz="1200" b="1">
                 <a:solidFill>
                   <a:srgbClr val="020302"/>
                 </a:solidFill>
                 <a:latin typeface="+mj-lt"/>
               </a:rPr>
-              <a:t>Live Telephone Support</a:t>
+              <a:t>Suporte telefônico ao vivo</a:t>
             </a:r>
           </a:p>
         </p:txBody>
@@ -8430,7 +7495,7 @@
         <p:spPr>
           <a:xfrm>
             <a:off x="5376301" y="1398482"/>
-            <a:ext cx="2286000" cy="805349"/>
+            <a:ext cx="2286000" cy="728405"/>
           </a:xfrm>
           <a:prstGeom prst="rect">
             <a:avLst/>
@@ -8451,18 +7516,14 @@
               </a:spcBef>
             </a:pPr>
             <a:r>
-              <a:rPr lang="en-US" sz="1000">
+              <a:rPr lang="pt-BR" sz="900" dirty="0">
                 <a:solidFill>
                   <a:srgbClr val="4B4B4B"/>
                 </a:solidFill>
                 <a:latin typeface="Adobe Clean Light" panose="020B0303020404020204" pitchFamily="34" charset="0"/>
               </a:rPr>
-              <a:t>A designated point of contact within Adobe who can provide escalation assistance, regular updates and ensure priority is given to your most critical open support requests.</a:t>
+              <a:t>Um ponto de contato designado na Adobe que pode fornecer assistência de encaminhamento, atualizações regulares e garantir que seja dada prioridade àquelas solicitações de suporte abertas que forem mais críticas.</a:t>
             </a:r>
-            <a:endParaRPr lang="en-US" sz="1000">
-              <a:latin typeface="Adobe Clean Light" panose="020B0303020404020204" pitchFamily="34" charset="0"/>
-              <a:cs typeface="AdobeClean-Light"/>
-            </a:endParaRPr>
           </a:p>
         </p:txBody>
       </p:sp>
@@ -8482,8 +7543,8 @@
         </p:nvSpPr>
         <p:spPr>
           <a:xfrm>
-            <a:off x="5885313" y="1085652"/>
-            <a:ext cx="1608472" cy="184666"/>
+            <a:off x="5885312" y="1085652"/>
+            <a:ext cx="1887087" cy="184666"/>
           </a:xfrm>
           <a:prstGeom prst="rect">
             <a:avLst/>
@@ -8504,13 +7565,13 @@
               </a:spcAft>
             </a:pPr>
             <a:r>
-              <a:rPr lang="en-US" sz="1200" b="1" spc="-10">
+              <a:rPr lang="pt-BR" sz="1200" b="1" dirty="0">
                 <a:solidFill>
                   <a:srgbClr val="020302"/>
                 </a:solidFill>
                 <a:latin typeface="+mj-lt"/>
               </a:rPr>
-              <a:t>Escalation Management</a:t>
+              <a:t>Gestão de encaminhamento</a:t>
             </a:r>
           </a:p>
         </p:txBody>
@@ -8558,7 +7619,7 @@
               <a:defRPr/>
             </a:pPr>
             <a:r>
-              <a:rPr lang="en-US" sz="1200">
+              <a:rPr lang="pt-BR" sz="1200">
                 <a:solidFill>
                   <a:srgbClr val="000000"/>
                 </a:solidFill>
@@ -8606,12 +7667,12 @@
               </a:spcAft>
             </a:pPr>
             <a:r>
-              <a:rPr lang="en-US" sz="1200" b="1">
+              <a:rPr lang="pt-BR" sz="1200" b="1">
                 <a:latin typeface="+mj-lt"/>
                 <a:ea typeface="Open Sans" pitchFamily="34" charset="0"/>
                 <a:cs typeface="Open Sans" pitchFamily="34" charset="0"/>
               </a:rPr>
-              <a:t>Webinars</a:t>
+              <a:t>Webinários</a:t>
             </a:r>
           </a:p>
         </p:txBody>
@@ -8644,13 +7705,13 @@
           <a:lstStyle/>
           <a:p>
             <a:r>
-              <a:rPr lang="en-US" sz="1000">
+              <a:rPr lang="pt-BR" sz="1000" dirty="0">
                 <a:solidFill>
                   <a:srgbClr val="000000"/>
                 </a:solidFill>
                 <a:latin typeface="Adobe Clean Light" panose="020B0303020404020204" pitchFamily="34" charset="0"/>
               </a:rPr>
-              <a:t>Office Hours is an initiative led by the Adobe Customer Support team. These sessions are designed to inform as well as help participants troubleshoot problems and provide tips and tricks to be successful with Adobe Experience Cloud.</a:t>
+              <a:t>O Office Hours é uma iniciativa liderada pela equipe de Suporte ao cliente da Adobe. Essas sessões foram criadas para informar e ajudar os participantes a solucionar problemas e fornecer dicas e truques para aproveitar ao máximo a Adobe Experience Cloud.</a:t>
             </a:r>
           </a:p>
         </p:txBody>
@@ -8693,12 +7754,12 @@
               </a:spcAft>
             </a:pPr>
             <a:r>
-              <a:rPr lang="en-US" sz="1200" b="1">
+              <a:rPr lang="pt-BR" sz="1200" b="1">
                 <a:latin typeface="+mj-lt"/>
                 <a:ea typeface="Open Sans" pitchFamily="34" charset="0"/>
                 <a:cs typeface="Open Sans" pitchFamily="34" charset="0"/>
               </a:rPr>
-              <a:t>24/7 Support Portal</a:t>
+              <a:t>Portal de suporte 24/7</a:t>
             </a:r>
           </a:p>
         </p:txBody>
@@ -8731,30 +7792,13 @@
           <a:lstStyle/>
           <a:p>
             <a:r>
-              <a:rPr lang="en-US" sz="1000">
+              <a:rPr lang="pt-BR" sz="1000">
                 <a:solidFill>
                   <a:srgbClr val="000000"/>
                 </a:solidFill>
                 <a:latin typeface="Adobe Clean Light" panose="020B0303020404020204" pitchFamily="34" charset="0"/>
               </a:rPr>
-              <a:t>On-demand access to the online </a:t>
-            </a:r>
-            <a:br>
-              <a:rPr lang="en-US" sz="1000">
-                <a:solidFill>
-                  <a:srgbClr val="000000"/>
-                </a:solidFill>
-                <a:latin typeface="Adobe Clean Light" panose="020B0303020404020204" pitchFamily="34" charset="0"/>
-              </a:rPr>
-            </a:br>
-            <a:r>
-              <a:rPr lang="en-US" sz="1000">
-                <a:solidFill>
-                  <a:srgbClr val="000000"/>
-                </a:solidFill>
-                <a:latin typeface="Adobe Clean Light" panose="020B0303020404020204" pitchFamily="34" charset="0"/>
-              </a:rPr>
-              <a:t>Self-help Support Portal to submit support requests, review case status, and browse other resources, like our knowledgebase, news and alerts, featured tips, and more.</a:t>
+              <a:t>Acesso sob demanda ao Portal de autoatendimento online para enviar solicitações de suporte, revisar o status do caso e procurar outros recursos, como nossa base de conhecimento, notícias e alertas, dicas em destaque e muito mais.</a:t>
             </a:r>
           </a:p>
         </p:txBody>
@@ -8852,7 +7896,7 @@
         <p:spPr>
           <a:xfrm>
             <a:off x="789025" y="3499700"/>
-            <a:ext cx="1336142" cy="285247"/>
+            <a:ext cx="1781260" cy="285247"/>
           </a:xfrm>
           <a:prstGeom prst="rect">
             <a:avLst/>
@@ -8866,10 +7910,10 @@
           <a:lstStyle/>
           <a:p>
             <a:r>
-              <a:rPr lang="en-US" sz="1200" b="1">
+              <a:rPr lang="pt-BR" sz="1200" b="1" dirty="0">
                 <a:latin typeface="+mj-lt"/>
               </a:rPr>
-              <a:t>Business Services</a:t>
+              <a:t>Serviços empresariais</a:t>
             </a:r>
           </a:p>
         </p:txBody>
@@ -8910,15 +7954,11 @@
               </a:spcBef>
             </a:pPr>
             <a:r>
-              <a:rPr lang="en-US" sz="1000">
+              <a:rPr lang="pt-BR" sz="1000" dirty="0">
                 <a:latin typeface="Adobe Clean Light" panose="020B0303020404020204" pitchFamily="34" charset="0"/>
               </a:rPr>
-              <a:t>An Account Support Lead will host webinars covering an overview of business support services.  </a:t>
+              <a:t>Um Líder de suporte da conta apresentará webinários com uma visão geral dos serviços de suporte empresarial.  </a:t>
             </a:r>
-            <a:endParaRPr lang="en-US" sz="1000">
-              <a:latin typeface="Adobe Clean Light" panose="020B0303020404020204" pitchFamily="34" charset="0"/>
-              <a:cs typeface="AdobeClean-Light"/>
-            </a:endParaRPr>
           </a:p>
         </p:txBody>
       </p:sp>
@@ -9387,12 +8427,12 @@
               <a:defRPr/>
             </a:pPr>
             <a:r>
-              <a:rPr lang="en-US" sz="1200">
+              <a:rPr lang="pt-BR" sz="1200">
                 <a:solidFill>
                   <a:srgbClr val="000000"/>
                 </a:solidFill>
               </a:rPr>
-              <a:t>Self– Help Portal</a:t>
+              <a:t>Portal de autoatendimento</a:t>
             </a:r>
           </a:p>
         </p:txBody>
@@ -9440,7 +8480,7 @@
               <a:defRPr/>
             </a:pPr>
             <a:r>
-              <a:rPr lang="en-US" sz="1200">
+              <a:rPr lang="pt-BR" sz="1200">
                 <a:solidFill>
                   <a:srgbClr val="000000"/>
                 </a:solidFill>
@@ -9502,49 +8542,15 @@
               </a:lnSpc>
             </a:pPr>
             <a:r>
-              <a:rPr sz="500" spc="-5">
+              <a:rPr lang="pt-BR" sz="500">
                 <a:solidFill>
                   <a:srgbClr val="6C6C6C"/>
                 </a:solidFill>
                 <a:latin typeface="Adobe Clean"/>
                 <a:cs typeface="Adobe Clean"/>
               </a:rPr>
-              <a:t>©2020 Adobe. All Rights Reserved. </a:t>
+              <a:t>©2020 Adobe. All Rights Reserved. Adobe Confidential.</a:t>
             </a:r>
-            <a:r>
-              <a:rPr sz="500">
-                <a:solidFill>
-                  <a:srgbClr val="6C6C6C"/>
-                </a:solidFill>
-                <a:latin typeface="Adobe Clean"/>
-                <a:cs typeface="Adobe Clean"/>
-              </a:rPr>
-              <a:t>Adobe</a:t>
-            </a:r>
-            <a:r>
-              <a:rPr sz="500" spc="5">
-                <a:solidFill>
-                  <a:srgbClr val="6C6C6C"/>
-                </a:solidFill>
-                <a:latin typeface="Adobe Clean"/>
-                <a:cs typeface="Adobe Clean"/>
-              </a:rPr>
-              <a:t> </a:t>
-            </a:r>
-            <a:r>
-              <a:rPr sz="500" spc="-5">
-                <a:solidFill>
-                  <a:srgbClr val="6C6C6C"/>
-                </a:solidFill>
-                <a:latin typeface="Adobe Clean"/>
-                <a:cs typeface="Adobe Clean"/>
-              </a:rPr>
-              <a:t>Confidential.</a:t>
-            </a:r>
-            <a:endParaRPr sz="500">
-              <a:latin typeface="Adobe Clean"/>
-              <a:cs typeface="Adobe Clean"/>
-            </a:endParaRPr>
           </a:p>
           <a:p>
             <a:pPr>
@@ -9570,39 +8576,15 @@
               </a:spcBef>
             </a:pPr>
             <a:r>
-              <a:rPr sz="800" spc="-5">
+              <a:rPr lang="pt-BR" sz="800">
                 <a:solidFill>
                   <a:srgbClr val="6D6D6D"/>
                 </a:solidFill>
                 <a:latin typeface="Adobe Clean"/>
                 <a:cs typeface="Adobe Clean"/>
               </a:rPr>
-              <a:t>©2020 Adobe. All Rights Reserved. Adobe</a:t>
+              <a:t>©2020 Adobe. All Rights Reserved. Adobe Confidential.</a:t>
             </a:r>
-            <a:r>
-              <a:rPr sz="800" spc="75">
-                <a:solidFill>
-                  <a:srgbClr val="6D6D6D"/>
-                </a:solidFill>
-                <a:latin typeface="Adobe Clean"/>
-                <a:cs typeface="Adobe Clean"/>
-              </a:rPr>
-              <a:t> </a:t>
-            </a:r>
-            <a:r>
-              <a:rPr sz="800" spc="-5">
-                <a:solidFill>
-                  <a:srgbClr val="6D6D6D"/>
-                </a:solidFill>
-                <a:latin typeface="Adobe Clean"/>
-                <a:cs typeface="Adobe Clean"/>
-              </a:rPr>
-              <a:t>Confidential.</a:t>
-            </a:r>
-            <a:endParaRPr sz="800">
-              <a:latin typeface="Adobe Clean"/>
-              <a:cs typeface="Adobe Clean"/>
-            </a:endParaRPr>
           </a:p>
         </p:txBody>
       </p:sp>
@@ -9686,19 +8668,15 @@
               </a:spcBef>
             </a:pPr>
             <a:r>
-              <a:rPr lang="en-US" sz="1400" b="1" spc="-15">
+              <a:rPr lang="pt-BR" sz="1400" b="1">
                 <a:solidFill>
                   <a:srgbClr val="020302"/>
                 </a:solidFill>
                 <a:latin typeface="Adobe Clean"/>
                 <a:cs typeface="Adobe Clean"/>
               </a:rPr>
-              <a:t>Resources</a:t>
+              <a:t>Recursos</a:t>
             </a:r>
-            <a:endParaRPr sz="1400">
-              <a:latin typeface="Adobe Clean"/>
-              <a:cs typeface="Adobe Clean"/>
-            </a:endParaRPr>
           </a:p>
         </p:txBody>
       </p:sp>
@@ -9732,7 +8710,7 @@
               </a:spcBef>
             </a:pPr>
             <a:r>
-              <a:rPr sz="800" spc="-15">
+              <a:rPr lang="pt-BR" sz="800" dirty="0">
                 <a:solidFill>
                   <a:srgbClr val="777879"/>
                 </a:solidFill>
@@ -9741,10 +8719,6 @@
               </a:rPr>
               <a:t>Adobe</a:t>
             </a:r>
-            <a:endParaRPr sz="800">
-              <a:latin typeface="Adobe Clean"/>
-              <a:cs typeface="Adobe Clean"/>
-            </a:endParaRPr>
           </a:p>
           <a:p>
             <a:pPr marL="12700">
@@ -9753,39 +8727,15 @@
               </a:lnSpc>
             </a:pPr>
             <a:r>
-              <a:rPr sz="800" spc="-15">
+              <a:rPr lang="pt-BR" sz="800" dirty="0">
                 <a:solidFill>
                   <a:srgbClr val="777879"/>
                 </a:solidFill>
                 <a:latin typeface="Adobe Clean"/>
                 <a:cs typeface="Adobe Clean"/>
               </a:rPr>
-              <a:t>345 Park</a:t>
+              <a:t>345 Park Avenue</a:t>
             </a:r>
-            <a:r>
-              <a:rPr sz="800" spc="-100">
-                <a:solidFill>
-                  <a:srgbClr val="777879"/>
-                </a:solidFill>
-                <a:latin typeface="Adobe Clean"/>
-                <a:cs typeface="Adobe Clean"/>
-              </a:rPr>
-              <a:t> </a:t>
-            </a:r>
-            <a:r>
-              <a:rPr sz="800" spc="-15">
-                <a:solidFill>
-                  <a:srgbClr val="777879"/>
-                </a:solidFill>
-                <a:latin typeface="Adobe Clean"/>
-                <a:cs typeface="Adobe Clean"/>
-              </a:rPr>
-              <a:t>Avenue</a:t>
-            </a:r>
-            <a:endParaRPr sz="800">
-              <a:latin typeface="Adobe Clean"/>
-              <a:cs typeface="Adobe Clean"/>
-            </a:endParaRPr>
           </a:p>
           <a:p>
             <a:pPr marL="12700">
@@ -9794,49 +8744,15 @@
               </a:lnSpc>
             </a:pPr>
             <a:r>
-              <a:rPr sz="800" spc="-10">
+              <a:rPr lang="pt-BR" sz="800" dirty="0">
                 <a:solidFill>
                   <a:srgbClr val="777879"/>
                 </a:solidFill>
                 <a:latin typeface="Adobe Clean"/>
                 <a:cs typeface="Adobe Clean"/>
               </a:rPr>
-              <a:t>San </a:t>
+              <a:t>San Jose, CA95110-2704</a:t>
             </a:r>
-            <a:r>
-              <a:rPr sz="800" spc="-15">
-                <a:solidFill>
-                  <a:srgbClr val="777879"/>
-                </a:solidFill>
-                <a:latin typeface="Adobe Clean"/>
-                <a:cs typeface="Adobe Clean"/>
-              </a:rPr>
-              <a:t>Jose,</a:t>
-            </a:r>
-            <a:r>
-              <a:rPr sz="800" spc="-140">
-                <a:solidFill>
-                  <a:srgbClr val="777879"/>
-                </a:solidFill>
-                <a:latin typeface="Adobe Clean"/>
-                <a:cs typeface="Adobe Clean"/>
-              </a:rPr>
-              <a:t> </a:t>
-            </a:r>
-            <a:r>
-              <a:rPr sz="800" spc="-20">
-                <a:solidFill>
-                  <a:srgbClr val="777879"/>
-                </a:solidFill>
-                <a:latin typeface="Adobe Clean"/>
-                <a:cs typeface="Adobe Clean"/>
-              </a:rPr>
-              <a:t>CA95110-2704</a:t>
-            </a:r>
-            <a:endParaRPr sz="800">
-              <a:latin typeface="Adobe Clean"/>
-              <a:cs typeface="Adobe Clean"/>
-            </a:endParaRPr>
           </a:p>
           <a:p>
             <a:pPr marL="12700">
@@ -9848,7 +8764,7 @@
               </a:spcBef>
             </a:pPr>
             <a:r>
-              <a:rPr sz="800" spc="-10">
+              <a:rPr lang="pt-BR" sz="800" dirty="0">
                 <a:solidFill>
                   <a:srgbClr val="777879"/>
                 </a:solidFill>
@@ -9857,10 +8773,6 @@
               </a:rPr>
               <a:t>USA</a:t>
             </a:r>
-            <a:endParaRPr sz="800">
-              <a:latin typeface="Adobe Clean"/>
-              <a:cs typeface="Adobe Clean"/>
-            </a:endParaRPr>
           </a:p>
           <a:p>
             <a:pPr marL="12700">
@@ -9872,7 +8784,7 @@
               </a:spcBef>
             </a:pPr>
             <a:r>
-              <a:rPr sz="800" u="sng" spc="-25">
+              <a:rPr lang="pt-BR" sz="800" u="sng" dirty="0">
                 <a:solidFill>
                   <a:srgbClr val="5F5F5F"/>
                 </a:solidFill>
@@ -9887,10 +8799,6 @@
               </a:rPr>
               <a:t>www.adobe.com</a:t>
             </a:r>
-            <a:endParaRPr sz="800">
-              <a:latin typeface="Adobe Clean"/>
-              <a:cs typeface="Adobe Clean"/>
-            </a:endParaRPr>
           </a:p>
         </p:txBody>
       </p:sp>
@@ -10044,7 +8952,7 @@
         <p:spPr>
           <a:xfrm>
             <a:off x="75947" y="9437110"/>
-            <a:ext cx="5466715" cy="570865"/>
+            <a:ext cx="5943853" cy="570865"/>
           </a:xfrm>
           <a:prstGeom prst="rect">
             <a:avLst/>
@@ -10065,439 +8973,15 @@
               </a:spcBef>
             </a:pPr>
             <a:r>
-              <a:rPr sz="1100" i="1" spc="-10">
+              <a:rPr lang="pt-BR" sz="1100" i="1" dirty="0">
                 <a:solidFill>
                   <a:srgbClr val="777879"/>
                 </a:solidFill>
                 <a:latin typeface="AdobeClean-LightIt"/>
                 <a:cs typeface="AdobeClean-LightIt"/>
               </a:rPr>
-              <a:t>To</a:t>
+              <a:t>Para saber mais sobre os Serviços de suporte Adobe e identificar o nível certo para você, entre em contato com o seu Gerente de conta nomeado (NAM, em inglês) ou Gerente de sucesso do cliente (CSM, em inglês).</a:t>
             </a:r>
-            <a:r>
-              <a:rPr sz="1100" i="1" spc="-50">
-                <a:solidFill>
-                  <a:srgbClr val="777879"/>
-                </a:solidFill>
-                <a:latin typeface="AdobeClean-LightIt"/>
-                <a:cs typeface="AdobeClean-LightIt"/>
-              </a:rPr>
-              <a:t> </a:t>
-            </a:r>
-            <a:r>
-              <a:rPr sz="1100" i="1" spc="-15">
-                <a:solidFill>
-                  <a:srgbClr val="777879"/>
-                </a:solidFill>
-                <a:latin typeface="AdobeClean-LightIt"/>
-                <a:cs typeface="AdobeClean-LightIt"/>
-              </a:rPr>
-              <a:t>learn</a:t>
-            </a:r>
-            <a:r>
-              <a:rPr sz="1100" i="1" spc="-40">
-                <a:solidFill>
-                  <a:srgbClr val="777879"/>
-                </a:solidFill>
-                <a:latin typeface="AdobeClean-LightIt"/>
-                <a:cs typeface="AdobeClean-LightIt"/>
-              </a:rPr>
-              <a:t> </a:t>
-            </a:r>
-            <a:r>
-              <a:rPr sz="1100" i="1" spc="-15">
-                <a:solidFill>
-                  <a:srgbClr val="777879"/>
-                </a:solidFill>
-                <a:latin typeface="AdobeClean-LightIt"/>
-                <a:cs typeface="AdobeClean-LightIt"/>
-              </a:rPr>
-              <a:t>more</a:t>
-            </a:r>
-            <a:r>
-              <a:rPr sz="1100" i="1" spc="-45">
-                <a:solidFill>
-                  <a:srgbClr val="777879"/>
-                </a:solidFill>
-                <a:latin typeface="AdobeClean-LightIt"/>
-                <a:cs typeface="AdobeClean-LightIt"/>
-              </a:rPr>
-              <a:t> </a:t>
-            </a:r>
-            <a:r>
-              <a:rPr sz="1100" i="1" spc="-15">
-                <a:solidFill>
-                  <a:srgbClr val="777879"/>
-                </a:solidFill>
-                <a:latin typeface="AdobeClean-LightIt"/>
-                <a:cs typeface="AdobeClean-LightIt"/>
-              </a:rPr>
-              <a:t>about</a:t>
-            </a:r>
-            <a:r>
-              <a:rPr sz="1100" i="1" spc="-45">
-                <a:solidFill>
-                  <a:srgbClr val="777879"/>
-                </a:solidFill>
-                <a:latin typeface="AdobeClean-LightIt"/>
-                <a:cs typeface="AdobeClean-LightIt"/>
-              </a:rPr>
-              <a:t> </a:t>
-            </a:r>
-            <a:r>
-              <a:rPr sz="1100" i="1" spc="-15">
-                <a:solidFill>
-                  <a:srgbClr val="777879"/>
-                </a:solidFill>
-                <a:latin typeface="AdobeClean-LightIt"/>
-                <a:cs typeface="AdobeClean-LightIt"/>
-              </a:rPr>
-              <a:t>Adobe</a:t>
-            </a:r>
-            <a:r>
-              <a:rPr sz="1100" i="1" spc="-50">
-                <a:solidFill>
-                  <a:srgbClr val="777879"/>
-                </a:solidFill>
-                <a:latin typeface="AdobeClean-LightIt"/>
-                <a:cs typeface="AdobeClean-LightIt"/>
-              </a:rPr>
-              <a:t> </a:t>
-            </a:r>
-            <a:r>
-              <a:rPr sz="1100" i="1" spc="-15">
-                <a:solidFill>
-                  <a:srgbClr val="777879"/>
-                </a:solidFill>
-                <a:latin typeface="AdobeClean-LightIt"/>
-                <a:cs typeface="AdobeClean-LightIt"/>
-              </a:rPr>
-              <a:t>Support</a:t>
-            </a:r>
-            <a:r>
-              <a:rPr lang="en-US" sz="1100" i="1" spc="-15">
-                <a:solidFill>
-                  <a:srgbClr val="777879"/>
-                </a:solidFill>
-                <a:latin typeface="AdobeClean-LightIt"/>
-                <a:cs typeface="AdobeClean-LightIt"/>
-              </a:rPr>
-              <a:t> Offerings</a:t>
-            </a:r>
-            <a:r>
-              <a:rPr sz="1100" i="1" spc="-75">
-                <a:solidFill>
-                  <a:srgbClr val="777879"/>
-                </a:solidFill>
-                <a:latin typeface="AdobeClean-LightIt"/>
-                <a:cs typeface="AdobeClean-LightIt"/>
-              </a:rPr>
-              <a:t> </a:t>
-            </a:r>
-            <a:r>
-              <a:rPr sz="1100" i="1" spc="-15">
-                <a:solidFill>
-                  <a:srgbClr val="777879"/>
-                </a:solidFill>
-                <a:latin typeface="AdobeClean-LightIt"/>
-                <a:cs typeface="AdobeClean-LightIt"/>
-              </a:rPr>
-              <a:t>and</a:t>
-            </a:r>
-            <a:r>
-              <a:rPr sz="1100" i="1" spc="-50">
-                <a:solidFill>
-                  <a:srgbClr val="777879"/>
-                </a:solidFill>
-                <a:latin typeface="AdobeClean-LightIt"/>
-                <a:cs typeface="AdobeClean-LightIt"/>
-              </a:rPr>
-              <a:t> </a:t>
-            </a:r>
-            <a:r>
-              <a:rPr sz="1100" i="1" spc="-15">
-                <a:solidFill>
-                  <a:srgbClr val="777879"/>
-                </a:solidFill>
-                <a:latin typeface="AdobeClean-LightIt"/>
-                <a:cs typeface="AdobeClean-LightIt"/>
-              </a:rPr>
-              <a:t>the</a:t>
-            </a:r>
-            <a:r>
-              <a:rPr sz="1100" i="1" spc="-55">
-                <a:solidFill>
-                  <a:srgbClr val="777879"/>
-                </a:solidFill>
-                <a:latin typeface="AdobeClean-LightIt"/>
-                <a:cs typeface="AdobeClean-LightIt"/>
-              </a:rPr>
-              <a:t> </a:t>
-            </a:r>
-            <a:r>
-              <a:rPr sz="1100" i="1" spc="-15">
-                <a:solidFill>
-                  <a:srgbClr val="777879"/>
-                </a:solidFill>
-                <a:latin typeface="AdobeClean-LightIt"/>
-                <a:cs typeface="AdobeClean-LightIt"/>
-              </a:rPr>
-              <a:t>right</a:t>
-            </a:r>
-            <a:r>
-              <a:rPr sz="1100" i="1" spc="-95">
-                <a:solidFill>
-                  <a:srgbClr val="777879"/>
-                </a:solidFill>
-                <a:latin typeface="AdobeClean-LightIt"/>
-                <a:cs typeface="AdobeClean-LightIt"/>
-              </a:rPr>
-              <a:t> </a:t>
-            </a:r>
-            <a:r>
-              <a:rPr sz="1100" i="1" spc="-15">
-                <a:solidFill>
-                  <a:srgbClr val="777879"/>
-                </a:solidFill>
-                <a:latin typeface="AdobeClean-LightIt"/>
-                <a:cs typeface="AdobeClean-LightIt"/>
-              </a:rPr>
-              <a:t>level</a:t>
-            </a:r>
-            <a:r>
-              <a:rPr sz="1100" i="1" spc="-55">
-                <a:solidFill>
-                  <a:srgbClr val="777879"/>
-                </a:solidFill>
-                <a:latin typeface="AdobeClean-LightIt"/>
-                <a:cs typeface="AdobeClean-LightIt"/>
-              </a:rPr>
-              <a:t> </a:t>
-            </a:r>
-            <a:r>
-              <a:rPr sz="1100" i="1" spc="-15">
-                <a:solidFill>
-                  <a:srgbClr val="777879"/>
-                </a:solidFill>
-                <a:latin typeface="AdobeClean-LightIt"/>
-                <a:cs typeface="AdobeClean-LightIt"/>
-              </a:rPr>
-              <a:t>for</a:t>
-            </a:r>
-            <a:r>
-              <a:rPr sz="1100" i="1" spc="-85">
-                <a:solidFill>
-                  <a:srgbClr val="777879"/>
-                </a:solidFill>
-                <a:latin typeface="AdobeClean-LightIt"/>
-                <a:cs typeface="AdobeClean-LightIt"/>
-              </a:rPr>
-              <a:t> </a:t>
-            </a:r>
-            <a:r>
-              <a:rPr sz="1100" i="1" spc="-15">
-                <a:solidFill>
-                  <a:srgbClr val="777879"/>
-                </a:solidFill>
-                <a:latin typeface="AdobeClean-LightIt"/>
-                <a:cs typeface="AdobeClean-LightIt"/>
-              </a:rPr>
-              <a:t>you,</a:t>
-            </a:r>
-            <a:r>
-              <a:rPr sz="1100" i="1" spc="-65">
-                <a:solidFill>
-                  <a:srgbClr val="777879"/>
-                </a:solidFill>
-                <a:latin typeface="AdobeClean-LightIt"/>
-                <a:cs typeface="AdobeClean-LightIt"/>
-              </a:rPr>
-              <a:t> </a:t>
-            </a:r>
-            <a:r>
-              <a:rPr sz="1100" i="1" spc="-15">
-                <a:solidFill>
-                  <a:srgbClr val="777879"/>
-                </a:solidFill>
-                <a:latin typeface="AdobeClean-LightIt"/>
-                <a:cs typeface="AdobeClean-LightIt"/>
-              </a:rPr>
-              <a:t>contact</a:t>
-            </a:r>
-            <a:r>
-              <a:rPr sz="1100" i="1" spc="-85">
-                <a:solidFill>
-                  <a:srgbClr val="777879"/>
-                </a:solidFill>
-                <a:latin typeface="AdobeClean-LightIt"/>
-                <a:cs typeface="AdobeClean-LightIt"/>
-              </a:rPr>
-              <a:t> </a:t>
-            </a:r>
-            <a:r>
-              <a:rPr sz="1100" i="1" spc="-15">
-                <a:solidFill>
-                  <a:srgbClr val="777879"/>
-                </a:solidFill>
-                <a:latin typeface="AdobeClean-LightIt"/>
-                <a:cs typeface="AdobeClean-LightIt"/>
-              </a:rPr>
-              <a:t>your</a:t>
-            </a:r>
-            <a:r>
-              <a:rPr sz="1100" i="1" spc="-70">
-                <a:solidFill>
-                  <a:srgbClr val="777879"/>
-                </a:solidFill>
-                <a:latin typeface="AdobeClean-LightIt"/>
-                <a:cs typeface="AdobeClean-LightIt"/>
-              </a:rPr>
-              <a:t> </a:t>
-            </a:r>
-            <a:r>
-              <a:rPr sz="1100" i="1" spc="-15">
-                <a:solidFill>
-                  <a:srgbClr val="777879"/>
-                </a:solidFill>
-                <a:latin typeface="AdobeClean-LightIt"/>
-                <a:cs typeface="AdobeClean-LightIt"/>
-              </a:rPr>
-              <a:t>Named</a:t>
-            </a:r>
-            <a:r>
-              <a:rPr sz="1100" i="1" spc="-55">
-                <a:solidFill>
-                  <a:srgbClr val="777879"/>
-                </a:solidFill>
-                <a:latin typeface="AdobeClean-LightIt"/>
-                <a:cs typeface="AdobeClean-LightIt"/>
-              </a:rPr>
-              <a:t> </a:t>
-            </a:r>
-            <a:r>
-              <a:rPr sz="1100" i="1" spc="-25">
-                <a:solidFill>
-                  <a:srgbClr val="777879"/>
-                </a:solidFill>
-                <a:latin typeface="AdobeClean-LightIt"/>
-                <a:cs typeface="AdobeClean-LightIt"/>
-              </a:rPr>
-              <a:t>Account</a:t>
-            </a:r>
-            <a:r>
-              <a:rPr sz="1100" i="1" spc="-120">
-                <a:solidFill>
-                  <a:srgbClr val="777879"/>
-                </a:solidFill>
-                <a:latin typeface="AdobeClean-LightIt"/>
-                <a:cs typeface="AdobeClean-LightIt"/>
-              </a:rPr>
-              <a:t> </a:t>
-            </a:r>
-            <a:r>
-              <a:rPr sz="1100" i="1" spc="-20">
-                <a:solidFill>
-                  <a:srgbClr val="777879"/>
-                </a:solidFill>
-                <a:latin typeface="AdobeClean-LightIt"/>
-                <a:cs typeface="AdobeClean-LightIt"/>
-              </a:rPr>
-              <a:t>Manager</a:t>
-            </a:r>
-            <a:r>
-              <a:rPr lang="en-US" sz="1100" i="1" spc="-20">
-                <a:solidFill>
-                  <a:srgbClr val="777879"/>
-                </a:solidFill>
-                <a:latin typeface="AdobeClean-LightIt"/>
-                <a:cs typeface="AdobeClean-LightIt"/>
-              </a:rPr>
-              <a:t> </a:t>
-            </a:r>
-            <a:r>
-              <a:rPr sz="1100" i="1" spc="-20">
-                <a:solidFill>
-                  <a:srgbClr val="777879"/>
-                </a:solidFill>
-                <a:latin typeface="AdobeClean-LightIt"/>
-                <a:cs typeface="AdobeClean-LightIt"/>
-              </a:rPr>
-              <a:t> </a:t>
-            </a:r>
-            <a:r>
-              <a:rPr sz="1100" i="1" spc="-15">
-                <a:solidFill>
-                  <a:srgbClr val="777879"/>
-                </a:solidFill>
-                <a:latin typeface="AdobeClean-LightIt"/>
-                <a:cs typeface="AdobeClean-LightIt"/>
-              </a:rPr>
-              <a:t>(NAM) </a:t>
-            </a:r>
-            <a:r>
-              <a:rPr sz="1100" i="1" spc="-10">
-                <a:solidFill>
-                  <a:srgbClr val="777879"/>
-                </a:solidFill>
-                <a:latin typeface="AdobeClean-LightIt"/>
-                <a:cs typeface="AdobeClean-LightIt"/>
-              </a:rPr>
-              <a:t>or </a:t>
-            </a:r>
-            <a:r>
-              <a:rPr sz="1100" i="1" spc="-15">
-                <a:solidFill>
-                  <a:srgbClr val="777879"/>
-                </a:solidFill>
-                <a:latin typeface="AdobeClean-LightIt"/>
-                <a:cs typeface="AdobeClean-LightIt"/>
-              </a:rPr>
-              <a:t>Customer</a:t>
-            </a:r>
-            <a:r>
-              <a:rPr lang="en-US" sz="1100" i="1" spc="-15">
-                <a:solidFill>
-                  <a:srgbClr val="777879"/>
-                </a:solidFill>
-                <a:latin typeface="AdobeClean-LightIt"/>
-                <a:cs typeface="AdobeClean-LightIt"/>
-              </a:rPr>
-              <a:t> </a:t>
-            </a:r>
-            <a:r>
-              <a:rPr lang="en-US" sz="1100" i="1" spc="-20">
-                <a:solidFill>
-                  <a:srgbClr val="777879"/>
-                </a:solidFill>
-                <a:latin typeface="AdobeClean-LightIt"/>
-                <a:cs typeface="AdobeClean-LightIt"/>
-              </a:rPr>
-              <a:t>Success </a:t>
-            </a:r>
-            <a:r>
-              <a:rPr lang="en-US" sz="1100" i="1" spc="-15">
-                <a:solidFill>
-                  <a:srgbClr val="777879"/>
-                </a:solidFill>
-                <a:latin typeface="AdobeClean-LightIt"/>
-                <a:cs typeface="AdobeClean-LightIt"/>
-              </a:rPr>
-              <a:t>Manager </a:t>
-            </a:r>
-            <a:r>
-              <a:rPr sz="1100" i="1" spc="-15">
-                <a:solidFill>
-                  <a:srgbClr val="777879"/>
-                </a:solidFill>
-                <a:latin typeface="AdobeClean-LightIt"/>
-                <a:cs typeface="AdobeClean-LightIt"/>
-              </a:rPr>
-              <a:t>(CSM)</a:t>
-            </a:r>
-            <a:endParaRPr sz="1100">
-              <a:latin typeface="AdobeClean-LightIt"/>
-              <a:cs typeface="AdobeClean-LightIt"/>
-            </a:endParaRPr>
           </a:p>
           <a:p>
             <a:pPr marL="34290">
@@ -10509,59 +8993,15 @@
               </a:spcBef>
             </a:pPr>
             <a:r>
-              <a:rPr sz="800" spc="-5">
+              <a:rPr lang="pt-BR" sz="800" dirty="0">
                 <a:solidFill>
                   <a:srgbClr val="6D6D6D"/>
                 </a:solidFill>
                 <a:latin typeface="Adobe Clean"/>
                 <a:cs typeface="Adobe Clean"/>
               </a:rPr>
-              <a:t>©202</a:t>
+              <a:t>©2021 Adobe. All Rights Reserved. Adobe Confidential.</a:t>
             </a:r>
-            <a:r>
-              <a:rPr lang="en-US" sz="800" spc="-5">
-                <a:solidFill>
-                  <a:srgbClr val="6D6D6D"/>
-                </a:solidFill>
-                <a:latin typeface="Adobe Clean"/>
-                <a:cs typeface="Adobe Clean"/>
-              </a:rPr>
-              <a:t>1</a:t>
-            </a:r>
-            <a:r>
-              <a:rPr sz="800" spc="-5">
-                <a:solidFill>
-                  <a:srgbClr val="6D6D6D"/>
-                </a:solidFill>
-                <a:latin typeface="Adobe Clean"/>
-                <a:cs typeface="Adobe Clean"/>
-              </a:rPr>
-              <a:t> Adobe. All Rights Reserved. Adobe</a:t>
-            </a:r>
-            <a:r>
-              <a:rPr sz="800" spc="75">
-                <a:solidFill>
-                  <a:srgbClr val="6D6D6D"/>
-                </a:solidFill>
-                <a:latin typeface="Adobe Clean"/>
-                <a:cs typeface="Adobe Clean"/>
-              </a:rPr>
-              <a:t> </a:t>
-            </a:r>
-            <a:r>
-              <a:rPr sz="800" spc="-5">
-                <a:solidFill>
-                  <a:srgbClr val="6D6D6D"/>
-                </a:solidFill>
-                <a:latin typeface="Adobe Clean"/>
-                <a:cs typeface="Adobe Clean"/>
-              </a:rPr>
-              <a:t>Confidential.</a:t>
-            </a:r>
-            <a:endParaRPr sz="800">
-              <a:latin typeface="Adobe Clean"/>
-              <a:cs typeface="Adobe Clean"/>
-            </a:endParaRPr>
           </a:p>
         </p:txBody>
       </p:sp>
@@ -10579,8 +9019,8 @@
         </p:nvSpPr>
         <p:spPr>
           <a:xfrm>
-            <a:off x="197233" y="5031270"/>
-            <a:ext cx="6476646" cy="755976"/>
+            <a:off x="197232" y="5031270"/>
+            <a:ext cx="6832217" cy="755976"/>
           </a:xfrm>
           <a:prstGeom prst="rect">
             <a:avLst/>
@@ -10598,19 +9038,15 @@
               </a:spcBef>
             </a:pPr>
             <a:r>
-              <a:rPr lang="en-US" sz="1400" b="1" spc="-15">
+              <a:rPr lang="pt-BR" sz="1400" b="1" dirty="0">
                 <a:solidFill>
                   <a:srgbClr val="020302"/>
                 </a:solidFill>
                 <a:latin typeface="Adobe Clean"/>
                 <a:cs typeface="Adobe Clean"/>
               </a:rPr>
-              <a:t>Regional scope of Adobe Support, Local Hours Of Operation And Language Support</a:t>
+              <a:t>Escopo regional do Suporte da Adobe, horário local de operação e suporte de idioma</a:t>
             </a:r>
-            <a:endParaRPr lang="en-US" sz="1400" spc="-15">
-              <a:ea typeface="+mn-lt"/>
-              <a:cs typeface="+mn-lt"/>
-            </a:endParaRPr>
           </a:p>
           <a:p>
             <a:pPr>
@@ -10619,15 +9055,14 @@
               </a:spcBef>
             </a:pPr>
             <a:r>
-              <a:rPr lang="en-US" sz="1000" spc="-15">
+              <a:rPr lang="pt-BR" sz="1000" dirty="0">
                 <a:solidFill>
                   <a:srgbClr val="1F1F1F"/>
                 </a:solidFill>
                 <a:latin typeface="AdobeClean-Light"/>
               </a:rPr>
-              <a:t>The Regional scope of Adobe Support is established by aligning the customer's billing address (via the Sales Order or other Adobe Support purchasing document) to one of the following regions:</a:t>
+              <a:t>O escopo regional do Suporte da Adobe é estabelecido alinhando o endereço de faturamento do cliente (conforme a ordem de venda ou outro documento de compra do Suporte da Adobe) a uma das regiões seguintes:</a:t>
             </a:r>
-            <a:endParaRPr lang="en-US"/>
           </a:p>
         </p:txBody>
       </p:sp>
@@ -10646,7 +9081,7 @@
           <p:nvPr>
             <p:extLst>
               <p:ext uri="{D42A27DB-BD31-4B8C-83A1-F6EECF244321}">
-                <p14:modId xmlns:p14="http://schemas.microsoft.com/office/powerpoint/2010/main" val="2969235217"/>
+                <p14:modId xmlns:p14="http://schemas.microsoft.com/office/powerpoint/2010/main" val="2576557722"/>
               </p:ext>
             </p:extLst>
           </p:nvPr>
@@ -10699,13 +9134,13 @@
                     <a:p>
                       <a:pPr algn="ctr"/>
                       <a:r>
-                        <a:rPr lang="en-US" sz="1100">
+                        <a:rPr lang="pt-BR" sz="1100">
                           <a:solidFill>
                             <a:schemeClr val="tx1"/>
                           </a:solidFill>
                           <a:latin typeface="Adobe Clean"/>
                         </a:rPr>
-                        <a:t>Americas</a:t>
+                        <a:t>Américas</a:t>
                       </a:r>
                     </a:p>
                   </a:txBody>
@@ -10764,13 +9199,30 @@
                     <a:p>
                       <a:pPr algn="ctr"/>
                       <a:r>
-                        <a:rPr lang="en-US" sz="1100">
+                        <a:rPr lang="pt-BR" sz="1100" dirty="0">
                           <a:solidFill>
                             <a:schemeClr val="tx1"/>
                           </a:solidFill>
                           <a:latin typeface="Adobe Clean"/>
                         </a:rPr>
-                        <a:t>Europe, Middle East &amp; Africa</a:t>
+                        <a:t>Europa, Oriente Médio </a:t>
+                      </a:r>
+                      <a:br>
+                        <a:rPr lang="pt-BR" sz="1100" dirty="0">
+                          <a:solidFill>
+                            <a:schemeClr val="tx1"/>
+                          </a:solidFill>
+                          <a:latin typeface="Adobe Clean"/>
+                        </a:rPr>
+                      </a:br>
+                      <a:r>
+                        <a:rPr lang="pt-BR" sz="1100" dirty="0">
+                          <a:solidFill>
+                            <a:schemeClr val="tx1"/>
+                          </a:solidFill>
+                          <a:latin typeface="Adobe Clean"/>
+                        </a:rPr>
+                        <a:t>e África</a:t>
                       </a:r>
                     </a:p>
                   </a:txBody>
@@ -10829,13 +9281,13 @@
                     <a:p>
                       <a:pPr algn="ctr"/>
                       <a:r>
-                        <a:rPr lang="en-US" sz="1100">
+                        <a:rPr lang="pt-BR" sz="1100">
                           <a:solidFill>
                             <a:schemeClr val="tx1"/>
                           </a:solidFill>
                           <a:latin typeface="Adobe Clean"/>
                         </a:rPr>
-                        <a:t>Asia Pacific</a:t>
+                        <a:t>Ásia–Pacífico</a:t>
                       </a:r>
                     </a:p>
                   </a:txBody>
@@ -10894,16 +9346,16 @@
                     <a:p>
                       <a:pPr algn="ctr"/>
                       <a:r>
-                        <a:rPr lang="en-US" sz="1100">
+                        <a:rPr lang="pt-BR" sz="1100">
                           <a:solidFill>
                             <a:schemeClr val="tx1"/>
                           </a:solidFill>
                           <a:latin typeface="Adobe Clean"/>
                         </a:rPr>
-                        <a:t>Japan </a:t>
+                        <a:t>Japão</a:t>
                       </a:r>
                       <a:r>
-                        <a:rPr lang="en-US" sz="1100" baseline="30000">
+                        <a:rPr lang="pt-BR" sz="1100" baseline="30000">
                           <a:solidFill>
                             <a:schemeClr val="tx1"/>
                           </a:solidFill>
@@ -10911,12 +9363,6 @@
                         </a:rPr>
                         <a:t>1 </a:t>
                       </a:r>
-                      <a:endParaRPr lang="en-US" sz="1100">
-                        <a:solidFill>
-                          <a:schemeClr val="tx1"/>
-                        </a:solidFill>
-                        <a:latin typeface="Adobe Clean" panose="020B0503020404020204" pitchFamily="34" charset="0"/>
-                      </a:endParaRPr>
                     </a:p>
                   </a:txBody>
                   <a:tcPr anchor="ctr">
@@ -10981,13 +9427,13 @@
                     <a:p>
                       <a:pPr algn="ctr"/>
                       <a:r>
-                        <a:rPr lang="en-US" sz="1100">
+                        <a:rPr lang="pt-BR" sz="1100">
                           <a:solidFill>
                             <a:schemeClr val="tx1"/>
                           </a:solidFill>
                           <a:latin typeface="Adobe Clean"/>
                         </a:rPr>
-                        <a:t>6 am – 5:30 pm</a:t>
+                        <a:t>6h – 17h30</a:t>
                       </a:r>
                     </a:p>
                   </a:txBody>
@@ -11046,13 +9492,13 @@
                     <a:p>
                       <a:pPr algn="ctr"/>
                       <a:r>
-                        <a:rPr lang="en-US" sz="1100">
+                        <a:rPr lang="pt-BR" sz="1100" dirty="0">
                           <a:solidFill>
                             <a:schemeClr val="tx1"/>
                           </a:solidFill>
                           <a:latin typeface="Adobe Clean"/>
                         </a:rPr>
-                        <a:t>9 am – 5 pm</a:t>
+                        <a:t>9h – 17h</a:t>
                       </a:r>
                     </a:p>
                   </a:txBody>
@@ -11111,13 +9557,13 @@
                     <a:p>
                       <a:pPr algn="ctr"/>
                       <a:r>
-                        <a:rPr lang="en-US" sz="1100">
+                        <a:rPr lang="pt-BR" sz="1100">
                           <a:solidFill>
                             <a:schemeClr val="tx1"/>
                           </a:solidFill>
                           <a:latin typeface="Adobe Clean"/>
                         </a:rPr>
-                        <a:t>9 am – 5 pm</a:t>
+                        <a:t>9h – 17h</a:t>
                       </a:r>
                     </a:p>
                   </a:txBody>
@@ -11176,13 +9622,13 @@
                     <a:p>
                       <a:pPr algn="ctr"/>
                       <a:r>
-                        <a:rPr lang="en-US" sz="1100">
+                        <a:rPr lang="pt-BR" sz="1100">
                           <a:solidFill>
                             <a:schemeClr val="tx1"/>
                           </a:solidFill>
                           <a:latin typeface="Adobe Clean"/>
                         </a:rPr>
-                        <a:t>9 am – 5:30 pm</a:t>
+                        <a:t>9h – 17h30</a:t>
                       </a:r>
                     </a:p>
                   </a:txBody>
@@ -11262,11 +9708,10 @@
                         <a:buNone/>
                       </a:pPr>
                       <a:r>
-                        <a:rPr lang="en-US" sz="1100" b="1" i="0" u="none" strike="noStrike" kern="0" cap="none" spc="0" normalizeH="0" baseline="30000" noProof="0">
+                        <a:rPr lang="pt-BR" sz="1100" b="1" i="0" u="none" strike="noStrike" cap="none" normalizeH="0" baseline="30000" noProof="0" dirty="0">
                           <a:ln>
                             <a:noFill/>
                           </a:ln>
-                          <a:effectLst/>
                           <a:uLnTx/>
                           <a:uFillTx/>
                           <a:latin typeface="Adobe Clean"/>
@@ -11276,17 +9721,16 @@
                         <a:t> </a:t>
                       </a:r>
                       <a:r>
-                        <a:rPr lang="en-US" sz="1100">
+                        <a:rPr lang="pt-BR" sz="1100" dirty="0">
                           <a:solidFill>
                             <a:schemeClr val="tx1"/>
                           </a:solidFill>
                           <a:latin typeface="Adobe Clean"/>
+                          <a:ea typeface="+mn-ea"/>
+                          <a:cs typeface="+mn-cs"/>
                         </a:rPr>
-                        <a:t>Language support is only available in English and Japanese.</a:t>
+                        <a:t>O suporte de idioma está disponível somente em inglês e japonês.</a:t>
                       </a:r>
-                      <a:endParaRPr lang="en-US">
-                        <a:latin typeface="Adobe Clean"/>
-                      </a:endParaRPr>
                     </a:p>
                     <a:p>
                       <a:pPr marL="0" marR="0" lvl="0" indent="0" algn="ctr">
@@ -11305,18 +9749,18 @@
                         <a:buNone/>
                       </a:pPr>
                       <a:r>
-                        <a:rPr lang="en-US" sz="1100" i="1">
+                        <a:rPr lang="pt-BR" sz="1100" i="1" dirty="0">
                           <a:solidFill>
                             <a:schemeClr val="tx1"/>
                           </a:solidFill>
                           <a:latin typeface="Adobe Clean"/>
                         </a:rPr>
-                        <a:t>*Adobe Commerce excludes Japanese languages support.</a:t>
+                        <a:t>*O Adobe Commerce exclui o suporte ao idioma japonês.</a:t>
                       </a:r>
                     </a:p>
                     <a:p>
-                      <a:pPr algn="ctr"/>
-                      <a:endParaRPr kumimoji="0" lang="en-US" sz="1100" b="1" i="0" u="none" strike="noStrike" kern="0" cap="none" spc="0" normalizeH="0" baseline="30000" noProof="0">
+                      <a:pPr algn="l" rtl="0"/>
+                      <a:endParaRPr kumimoji="0" lang="en-US" sz="1100" b="1" i="0" u="none" strike="noStrike" kern="0" cap="none" spc="0" normalizeH="0" baseline="30000" noProof="0" dirty="0">
                         <a:ln>
                           <a:noFill/>
                         </a:ln>
@@ -11334,7 +9778,7 @@
                     <a:p>
                       <a:pPr algn="ctr"/>
                       <a:r>
-                        <a:rPr lang="en-US" sz="1100" i="0">
+                        <a:rPr lang="pt-BR" sz="1100" i="0" dirty="0">
                           <a:solidFill>
                             <a:schemeClr val="tx1"/>
                           </a:solidFill>
@@ -11343,29 +9787,23 @@
                         <a:t> </a:t>
                       </a:r>
                       <a:r>
-                        <a:rPr lang="en-US" sz="1100" i="0" baseline="30000">
+                        <a:rPr lang="pt-BR" sz="1100" i="0" baseline="30000" dirty="0">
                           <a:solidFill>
                             <a:schemeClr val="tx1"/>
                           </a:solidFill>
                           <a:latin typeface="Adobe Clean"/>
                         </a:rPr>
-                        <a:t>1 </a:t>
+                        <a:t>1</a:t>
                       </a:r>
                       <a:r>
-                        <a:rPr lang="en-US" sz="1100" i="0">
+                        <a:rPr lang="pt-BR" sz="1100" i="0" dirty="0">
                           <a:solidFill>
                             <a:schemeClr val="tx1"/>
                           </a:solidFill>
                           <a:latin typeface="Adobe Clean"/>
                         </a:rPr>
-                        <a:t>P2, P3, P4 cases are limited to business hours only in Japan.</a:t>
+                        <a:t>Os casos de prioridade P2, P3 e P4 estão limitados ao horário comercial somente no Japão.</a:t>
                       </a:r>
-                      <a:endParaRPr lang="en-US" sz="1100" b="1" i="0">
-                        <a:solidFill>
-                          <a:schemeClr val="tx1"/>
-                        </a:solidFill>
-                        <a:latin typeface="Adobe Clean"/>
-                      </a:endParaRPr>
                     </a:p>
                   </a:txBody>
                   <a:tcPr anchor="ctr">
@@ -11720,7 +10158,7 @@
           </a:bodyPr>
           <a:lstStyle/>
           <a:p>
-            <a:pPr marL="139065" marR="5080" indent="-139065">
+            <a:pPr marR="5080" algn="ctr">
               <a:lnSpc>
                 <a:spcPts val="1390"/>
               </a:lnSpc>
@@ -11729,129 +10167,15 @@
               </a:spcBef>
             </a:pPr>
             <a:r>
-              <a:rPr sz="1200" b="1" spc="-15">
+              <a:rPr lang="pt-BR" sz="1200" b="1" dirty="0">
                 <a:solidFill>
                   <a:srgbClr val="FFFFFF"/>
                 </a:solidFill>
                 <a:latin typeface="Adobe Clean"/>
                 <a:cs typeface="Adobe Clean"/>
               </a:rPr>
-              <a:t>U</a:t>
+              <a:t>Experiência sem igual</a:t>
             </a:r>
-            <a:r>
-              <a:rPr sz="1200" b="1" spc="-20">
-                <a:solidFill>
-                  <a:srgbClr val="FFFFFF"/>
-                </a:solidFill>
-                <a:latin typeface="Adobe Clean"/>
-                <a:cs typeface="Adobe Clean"/>
-              </a:rPr>
-              <a:t>n</a:t>
-            </a:r>
-            <a:r>
-              <a:rPr sz="1200" b="1" spc="-25">
-                <a:solidFill>
-                  <a:srgbClr val="FFFFFF"/>
-                </a:solidFill>
-                <a:latin typeface="Adobe Clean"/>
-                <a:cs typeface="Adobe Clean"/>
-              </a:rPr>
-              <a:t>p</a:t>
-            </a:r>
-            <a:r>
-              <a:rPr sz="1200" b="1" spc="-15">
-                <a:solidFill>
-                  <a:srgbClr val="FFFFFF"/>
-                </a:solidFill>
-                <a:latin typeface="Adobe Clean"/>
-                <a:cs typeface="Adobe Clean"/>
-              </a:rPr>
-              <a:t>a</a:t>
-            </a:r>
-            <a:r>
-              <a:rPr sz="1200" b="1" spc="-25">
-                <a:solidFill>
-                  <a:srgbClr val="FFFFFF"/>
-                </a:solidFill>
-                <a:latin typeface="Adobe Clean"/>
-                <a:cs typeface="Adobe Clean"/>
-              </a:rPr>
-              <a:t>r</a:t>
-            </a:r>
-            <a:r>
-              <a:rPr sz="1200" b="1" spc="-15">
-                <a:solidFill>
-                  <a:srgbClr val="FFFFFF"/>
-                </a:solidFill>
-                <a:latin typeface="Adobe Clean"/>
-                <a:cs typeface="Adobe Clean"/>
-              </a:rPr>
-              <a:t>a</a:t>
-            </a:r>
-            <a:r>
-              <a:rPr sz="1200" b="1" spc="-30">
-                <a:solidFill>
-                  <a:srgbClr val="FFFFFF"/>
-                </a:solidFill>
-                <a:latin typeface="Adobe Clean"/>
-                <a:cs typeface="Adobe Clean"/>
-              </a:rPr>
-              <a:t>ll</a:t>
-            </a:r>
-            <a:r>
-              <a:rPr sz="1200" b="1" spc="-25">
-                <a:solidFill>
-                  <a:srgbClr val="FFFFFF"/>
-                </a:solidFill>
-                <a:latin typeface="Adobe Clean"/>
-                <a:cs typeface="Adobe Clean"/>
-              </a:rPr>
-              <a:t>e</a:t>
-            </a:r>
-            <a:r>
-              <a:rPr sz="1200" b="1" spc="-30">
-                <a:solidFill>
-                  <a:srgbClr val="FFFFFF"/>
-                </a:solidFill>
-                <a:latin typeface="Adobe Clean"/>
-                <a:cs typeface="Adobe Clean"/>
-              </a:rPr>
-              <a:t>l</a:t>
-            </a:r>
-            <a:r>
-              <a:rPr sz="1200" b="1" spc="-25">
-                <a:solidFill>
-                  <a:srgbClr val="FFFFFF"/>
-                </a:solidFill>
-                <a:latin typeface="Adobe Clean"/>
-                <a:cs typeface="Adobe Clean"/>
-              </a:rPr>
-              <a:t>e</a:t>
-            </a:r>
-            <a:r>
-              <a:rPr sz="1200" b="1">
-                <a:solidFill>
-                  <a:srgbClr val="FFFFFF"/>
-                </a:solidFill>
-                <a:latin typeface="Adobe Clean"/>
-                <a:cs typeface="Adobe Clean"/>
-              </a:rPr>
-              <a:t>d  </a:t>
-            </a:r>
-            <a:r>
-              <a:rPr sz="1200" b="1" spc="-25">
-                <a:solidFill>
-                  <a:srgbClr val="FFFFFF"/>
-                </a:solidFill>
-                <a:latin typeface="Adobe Clean"/>
-                <a:cs typeface="Adobe Clean"/>
-              </a:rPr>
-              <a:t>Expertise</a:t>
-            </a:r>
-            <a:endParaRPr sz="1200">
-              <a:latin typeface="Adobe Clean"/>
-              <a:cs typeface="Adobe Clean"/>
-            </a:endParaRPr>
           </a:p>
         </p:txBody>
       </p:sp>
@@ -11882,7 +10206,7 @@
           </a:bodyPr>
           <a:lstStyle/>
           <a:p>
-            <a:pPr marL="139065" marR="5080" indent="-139065">
+            <a:pPr marR="5080" algn="ctr">
               <a:lnSpc>
                 <a:spcPts val="1390"/>
               </a:lnSpc>
@@ -11891,19 +10215,15 @@
               </a:spcBef>
             </a:pPr>
             <a:r>
-              <a:rPr lang="en-US" sz="1200" b="1" spc="-15">
+              <a:rPr lang="pt-BR" sz="1200" b="1" dirty="0">
                 <a:solidFill>
                   <a:srgbClr val="FFFFFF"/>
                 </a:solidFill>
                 <a:latin typeface="Adobe Clean"/>
                 <a:cs typeface="Adobe Clean"/>
               </a:rPr>
-              <a:t>Accelerated Support</a:t>
+              <a:t>Suporte acelerado</a:t>
             </a:r>
-            <a:endParaRPr sz="1200">
-              <a:latin typeface="Adobe Clean"/>
-              <a:cs typeface="Adobe Clean"/>
-            </a:endParaRPr>
           </a:p>
         </p:txBody>
       </p:sp>
@@ -11921,8 +10241,8 @@
         </p:nvSpPr>
         <p:spPr>
           <a:xfrm>
-            <a:off x="6624119" y="8543943"/>
-            <a:ext cx="510540" cy="385445"/>
+            <a:off x="6522518" y="8543943"/>
+            <a:ext cx="810895" cy="382797"/>
           </a:xfrm>
           <a:prstGeom prst="rect">
             <a:avLst/>
@@ -11934,7 +10254,7 @@
           </a:bodyPr>
           <a:lstStyle/>
           <a:p>
-            <a:pPr marL="50800" marR="5080" indent="-51435">
+            <a:pPr marR="5080" algn="ctr">
               <a:lnSpc>
                 <a:spcPts val="1390"/>
               </a:lnSpc>
@@ -11943,109 +10263,15 @@
               </a:spcBef>
             </a:pPr>
             <a:r>
-              <a:rPr sz="1200" b="1" spc="-50">
+              <a:rPr lang="pt-BR" sz="1200" b="1" dirty="0">
                 <a:solidFill>
                   <a:srgbClr val="FFFFFF"/>
                 </a:solidFill>
                 <a:latin typeface="Adobe Clean"/>
                 <a:cs typeface="Adobe Clean"/>
               </a:rPr>
-              <a:t>S</a:t>
+              <a:t>Consultoria estratégica</a:t>
             </a:r>
-            <a:r>
-              <a:rPr sz="1200" b="1" spc="-20">
-                <a:solidFill>
-                  <a:srgbClr val="FFFFFF"/>
-                </a:solidFill>
-                <a:latin typeface="Adobe Clean"/>
-                <a:cs typeface="Adobe Clean"/>
-              </a:rPr>
-              <a:t>t</a:t>
-            </a:r>
-            <a:r>
-              <a:rPr sz="1200" b="1" spc="-75">
-                <a:solidFill>
-                  <a:srgbClr val="FFFFFF"/>
-                </a:solidFill>
-                <a:latin typeface="Adobe Clean"/>
-                <a:cs typeface="Adobe Clean"/>
-              </a:rPr>
-              <a:t>r</a:t>
-            </a:r>
-            <a:r>
-              <a:rPr sz="1200" b="1" spc="-90">
-                <a:solidFill>
-                  <a:srgbClr val="FFFFFF"/>
-                </a:solidFill>
-                <a:latin typeface="Adobe Clean"/>
-                <a:cs typeface="Adobe Clean"/>
-              </a:rPr>
-              <a:t>a</a:t>
-            </a:r>
-            <a:r>
-              <a:rPr sz="1200" b="1" spc="-55">
-                <a:solidFill>
-                  <a:srgbClr val="FFFFFF"/>
-                </a:solidFill>
-                <a:latin typeface="Adobe Clean"/>
-                <a:cs typeface="Adobe Clean"/>
-              </a:rPr>
-              <a:t>t</a:t>
-            </a:r>
-            <a:r>
-              <a:rPr sz="1200" b="1" spc="-100">
-                <a:solidFill>
-                  <a:srgbClr val="FFFFFF"/>
-                </a:solidFill>
-                <a:latin typeface="Adobe Clean"/>
-                <a:cs typeface="Adobe Clean"/>
-              </a:rPr>
-              <a:t>e</a:t>
-            </a:r>
-            <a:r>
-              <a:rPr sz="1200" b="1" spc="-80">
-                <a:solidFill>
-                  <a:srgbClr val="FFFFFF"/>
-                </a:solidFill>
-                <a:latin typeface="Adobe Clean"/>
-                <a:cs typeface="Adobe Clean"/>
-              </a:rPr>
-              <a:t>g</a:t>
-            </a:r>
-            <a:r>
-              <a:rPr sz="1200" b="1" spc="-35">
-                <a:solidFill>
-                  <a:srgbClr val="FFFFFF"/>
-                </a:solidFill>
-                <a:latin typeface="Adobe Clean"/>
-                <a:cs typeface="Adobe Clean"/>
-              </a:rPr>
-              <a:t>i</a:t>
-            </a:r>
-            <a:r>
-              <a:rPr sz="1200" b="1">
-                <a:solidFill>
-                  <a:srgbClr val="FFFFFF"/>
-                </a:solidFill>
-                <a:latin typeface="Adobe Clean"/>
-                <a:cs typeface="Adobe Clean"/>
-              </a:rPr>
-              <a:t>c  </a:t>
-            </a:r>
-            <a:r>
-              <a:rPr sz="1200" b="1" spc="-45">
-                <a:solidFill>
-                  <a:srgbClr val="FFFFFF"/>
-                </a:solidFill>
-                <a:latin typeface="Adobe Clean"/>
-                <a:cs typeface="Adobe Clean"/>
-              </a:rPr>
-              <a:t>Advice</a:t>
-            </a:r>
-            <a:endParaRPr sz="1200">
-              <a:latin typeface="Adobe Clean"/>
-              <a:cs typeface="Adobe Clean"/>
-            </a:endParaRPr>
           </a:p>
         </p:txBody>
       </p:sp>
@@ -12064,14 +10290,14 @@
           <p:nvPr>
             <p:extLst>
               <p:ext uri="{D42A27DB-BD31-4B8C-83A1-F6EECF244321}">
-                <p14:modId xmlns:p14="http://schemas.microsoft.com/office/powerpoint/2010/main" val="3773282750"/>
+                <p14:modId xmlns:p14="http://schemas.microsoft.com/office/powerpoint/2010/main" val="754045405"/>
               </p:ext>
             </p:extLst>
           </p:nvPr>
         </p:nvGraphicFramePr>
         <p:xfrm>
           <a:off x="194236" y="1059345"/>
-          <a:ext cx="7368291" cy="3302000"/>
+          <a:ext cx="7368291" cy="3759200"/>
         </p:xfrm>
         <a:graphic>
           <a:graphicData uri="http://schemas.openxmlformats.org/drawingml/2006/table">
@@ -12102,7 +10328,7 @@
                     <a:lstStyle/>
                     <a:p>
                       <a:r>
-                        <a:rPr lang="en-US" sz="1100" b="0">
+                        <a:rPr lang="pt-BR" sz="1100" b="0" dirty="0">
                           <a:solidFill>
                             <a:schemeClr val="tx1"/>
                           </a:solidFill>
@@ -12113,14 +10339,6 @@
                         </a:rPr>
                         <a:t>Experience League</a:t>
                       </a:r>
-                      <a:endParaRPr lang="en-US" sz="1100" b="0">
-                        <a:solidFill>
-                          <a:schemeClr val="tx1"/>
-                        </a:solidFill>
-                        <a:latin typeface="Adobe Clean"/>
-                        <a:ea typeface="+mn-ea"/>
-                        <a:cs typeface="+mn-cs"/>
-                      </a:endParaRPr>
                     </a:p>
                   </a:txBody>
                   <a:tcPr marL="47625" marR="47625" marT="0" marB="0" anchor="ctr">
@@ -12192,7 +10410,7 @@
                         <a:buNone/>
                       </a:pPr>
                       <a:r>
-                        <a:rPr lang="en-US" sz="1000" b="0" kern="1200">
+                        <a:rPr lang="pt-BR" sz="1000" b="0" dirty="0">
                           <a:solidFill>
                             <a:srgbClr val="000000"/>
                           </a:solidFill>
@@ -12200,16 +10418,71 @@
                           <a:ea typeface="+mn-ea"/>
                           <a:cs typeface="+mn-cs"/>
                         </a:rPr>
-                        <a:t>Experience League is how Adobe helps businesses achieve the value they expect from their Adobe investment. It’s the unified place where customers can learn, connect, and grow along a personalized path to success that includes self-help tutorials, product documentation, instructor-led training, community and technical support. </a:t>
+                        <a:t>A Experience League foi criada para ajudar as empresas a alcançar </a:t>
                       </a:r>
-                      <a:endParaRPr lang="en-US" sz="1000" b="0" kern="1200">
-                        <a:solidFill>
-                          <a:srgbClr val="000000"/>
-                        </a:solidFill>
-                        <a:latin typeface="Adobe Clean Light" panose="020B0303020404020204" pitchFamily="34" charset="0"/>
-                        <a:ea typeface="+mn-ea"/>
-                        <a:cs typeface="+mn-cs"/>
-                      </a:endParaRPr>
+                      <a:br>
+                        <a:rPr lang="pt-BR" sz="1000" b="0" dirty="0">
+                          <a:solidFill>
+                            <a:srgbClr val="000000"/>
+                          </a:solidFill>
+                          <a:latin typeface="Adobe Clean Light"/>
+                          <a:ea typeface="+mn-ea"/>
+                          <a:cs typeface="+mn-cs"/>
+                        </a:rPr>
+                      </a:br>
+                      <a:r>
+                        <a:rPr lang="pt-BR" sz="1000" b="0" dirty="0">
+                          <a:solidFill>
+                            <a:srgbClr val="000000"/>
+                          </a:solidFill>
+                          <a:latin typeface="Adobe Clean Light"/>
+                          <a:ea typeface="+mn-ea"/>
+                          <a:cs typeface="+mn-cs"/>
+                        </a:rPr>
+                        <a:t>o valor que esperam do seu investimento em produtos da Adobe. </a:t>
+                      </a:r>
+                      <a:br>
+                        <a:rPr lang="pt-BR" sz="1000" b="0" dirty="0">
+                          <a:solidFill>
+                            <a:srgbClr val="000000"/>
+                          </a:solidFill>
+                          <a:latin typeface="Adobe Clean Light"/>
+                          <a:ea typeface="+mn-ea"/>
+                          <a:cs typeface="+mn-cs"/>
+                        </a:rPr>
+                      </a:br>
+                      <a:r>
+                        <a:rPr lang="pt-BR" sz="1000" b="0" dirty="0">
+                          <a:solidFill>
+                            <a:srgbClr val="000000"/>
+                          </a:solidFill>
+                          <a:latin typeface="Adobe Clean Light"/>
+                          <a:ea typeface="+mn-ea"/>
+                          <a:cs typeface="+mn-cs"/>
+                        </a:rPr>
+                        <a:t>É o local unificado onde os clientes podem aprender, interagir </a:t>
+                      </a:r>
+                      <a:br>
+                        <a:rPr lang="pt-BR" sz="1000" b="0" dirty="0">
+                          <a:solidFill>
+                            <a:srgbClr val="000000"/>
+                          </a:solidFill>
+                          <a:latin typeface="Adobe Clean Light"/>
+                          <a:ea typeface="+mn-ea"/>
+                          <a:cs typeface="+mn-cs"/>
+                        </a:rPr>
+                      </a:br>
+                      <a:r>
+                        <a:rPr lang="pt-BR" sz="1000" b="0" dirty="0">
+                          <a:solidFill>
+                            <a:srgbClr val="000000"/>
+                          </a:solidFill>
+                          <a:latin typeface="Adobe Clean Light"/>
+                          <a:ea typeface="+mn-ea"/>
+                          <a:cs typeface="+mn-cs"/>
+                        </a:rPr>
+                        <a:t>e crescer ao longo de um caminho personalizado de sucesso que inclui tutoriais de autoatendimento, documentação dos produtos, treinamento com instrutores e suporte técnico e da comunidade. </a:t>
+                      </a:r>
                     </a:p>
                   </a:txBody>
                   <a:tcPr anchor="ctr">
@@ -12290,39 +10563,28 @@
                         <a:defRPr/>
                       </a:pPr>
                       <a:r>
-                        <a:rPr lang="en-US" sz="1100">
+                        <a:rPr lang="pt-BR" sz="1100">
                           <a:solidFill>
                             <a:schemeClr val="dk1"/>
                           </a:solidFill>
-                          <a:effectLst/>
                           <a:latin typeface="Adobe Clean"/>
                           <a:ea typeface="+mn-ea"/>
                           <a:cs typeface="+mn-cs"/>
                           <a:hlinkClick r:id="rId8"/>
                         </a:rPr>
-                        <a:t>Training</a:t>
+                        <a:t>Treinamento</a:t>
                       </a:r>
                       <a:r>
-                        <a:rPr lang="en-US" sz="1100">
+                        <a:rPr lang="pt-BR" sz="1100">
                           <a:solidFill>
                             <a:schemeClr val="dk1"/>
                           </a:solidFill>
-                          <a:effectLst/>
                           <a:latin typeface="Adobe Clean"/>
                           <a:ea typeface="+mn-ea"/>
                           <a:cs typeface="+mn-cs"/>
                         </a:rPr>
                         <a:t> </a:t>
                       </a:r>
-                      <a:endParaRPr lang="en-US" sz="1100">
-                        <a:solidFill>
-                          <a:schemeClr val="tx1"/>
-                        </a:solidFill>
-                        <a:effectLst/>
-                        <a:latin typeface="Adobe Clean"/>
-                        <a:ea typeface="+mn-ea"/>
-                        <a:cs typeface="+mn-cs"/>
-                      </a:endParaRPr>
                     </a:p>
                   </a:txBody>
                   <a:tcPr anchor="ctr">
@@ -12396,7 +10658,7 @@
                         <a:defRPr/>
                       </a:pPr>
                       <a:r>
-                        <a:rPr lang="en-US" sz="1000" kern="1200">
+                        <a:rPr lang="pt-BR" sz="1000" dirty="0">
                           <a:solidFill>
                             <a:srgbClr val="000000"/>
                           </a:solidFill>
@@ -12404,7 +10666,7 @@
                           <a:ea typeface="+mn-ea"/>
                           <a:cs typeface="+mn-cs"/>
                         </a:rPr>
-                        <a:t>Adobe Digital Learning Services courses are accessible from Experience League. Learning courses integrate both on-demand and instructor-led lessons.  Here you can accrue skills that have recognized market value and position them to drive success in your organizations.</a:t>
+                        <a:t>O acesso aos cursos do Adobe Digital Learning Services está disponível na Experience League. Os cursos de aprendizagem incluem lições sob demanda e com instrutores.  É um lugar para adquirir habilidades com reconhecido valor de mercado que você pode pôr em prática para impulsionar o sucesso na sua organização.</a:t>
                       </a:r>
                     </a:p>
                   </a:txBody>
@@ -12486,27 +10748,17 @@
                         <a:defRPr/>
                       </a:pPr>
                       <a:r>
-                        <a:rPr lang="en-US" sz="1100">
+                        <a:rPr lang="pt-BR" sz="1100" dirty="0">
                           <a:solidFill>
                             <a:schemeClr val="tx1"/>
                           </a:solidFill>
-                          <a:effectLst/>
                           <a:latin typeface="Adobe Clean"/>
                           <a:ea typeface="+mn-ea"/>
                           <a:cs typeface="+mn-cs"/>
                           <a:hlinkClick r:id="rId9"/>
                         </a:rPr>
-                        <a:t>Production Issues &amp; System Outages</a:t>
+                        <a:t>Problemas de produção e paralisações do sistema</a:t>
                       </a:r>
-                      <a:endParaRPr lang="en-US" sz="1100">
-                        <a:solidFill>
-                          <a:schemeClr val="tx1"/>
-                        </a:solidFill>
-                        <a:effectLst/>
-                        <a:latin typeface="Adobe Clean"/>
-                        <a:ea typeface="+mn-ea"/>
-                        <a:cs typeface="+mn-cs"/>
-                      </a:endParaRPr>
                     </a:p>
                   </a:txBody>
                   <a:tcPr anchor="ctr">
@@ -12578,7 +10830,7 @@
                         <a:buNone/>
                       </a:pPr>
                       <a:r>
-                        <a:rPr lang="en-US" sz="1000" kern="1200">
+                        <a:rPr lang="pt-BR" sz="1000" dirty="0">
                           <a:solidFill>
                             <a:srgbClr val="000000"/>
                           </a:solidFill>
@@ -12586,16 +10838,8 @@
                           <a:ea typeface="+mn-ea"/>
                           <a:cs typeface="+mn-cs"/>
                         </a:rPr>
-                        <a:t>Status.adobe.com conveys the health information of all Adobe products and services that are deployed in multi-tenant environments. Customers can choose their subscription preferences to get email notifications whenever Adobe creates, updates or resolves a product event. This can include scheduled maintenance or service issues of varying levels of severity. </a:t>
+                        <a:t>O Status.adobe.com transmite as informações de integridade de todos os produtos e serviços da Adobe implantados em ambientes de vários locatários. Os clientes podem escolher suas preferências de subscrição para receber notificações por email sempre que a Adobe criar, atualizar ou resolver um evento de produto. Isso pode incluir manutenção programada ou problemas de serviço com diferentes níveis de gravidade. </a:t>
                       </a:r>
-                      <a:endParaRPr lang="en-US" sz="1000" kern="1200">
-                        <a:solidFill>
-                          <a:srgbClr val="000000"/>
-                        </a:solidFill>
-                        <a:latin typeface="Adobe Clean Light" panose="020B0303020404020204" pitchFamily="34" charset="0"/>
-                        <a:ea typeface="+mn-ea"/>
-                        <a:cs typeface="+mn-cs"/>
-                      </a:endParaRPr>
                     </a:p>
                   </a:txBody>
                   <a:tcPr anchor="ctr">
@@ -12676,27 +10920,17 @@
                         <a:defRPr/>
                       </a:pPr>
                       <a:r>
-                        <a:rPr lang="en-US" sz="1100" b="0" i="0">
+                        <a:rPr lang="pt-BR" sz="1100" b="0" i="0">
                           <a:solidFill>
                             <a:schemeClr val="dk1"/>
                           </a:solidFill>
-                          <a:effectLst/>
                           <a:latin typeface="Adobe Clean"/>
                           <a:ea typeface="+mn-ea"/>
                           <a:cs typeface="+mn-cs"/>
-                          <a:hlinkClick r:id="rId10" tooltip="https://helpx.adobe.com/support/programs/enterprise-support-programs/premier-support-business.html"/>
+                          <a:hlinkClick r:id="rId10" tooltip="https://helpx.adobe.com/br/support/programs/enterprise-support-programs/premier-support-business.html"/>
                         </a:rPr>
-                        <a:t>Business Support Website</a:t>
+                        <a:t>Site do Suporte Business</a:t>
                       </a:r>
-                      <a:endParaRPr lang="en-US" sz="1100" b="0" i="0">
-                        <a:solidFill>
-                          <a:schemeClr val="dk1"/>
-                        </a:solidFill>
-                        <a:effectLst/>
-                        <a:latin typeface="Adobe Clean"/>
-                        <a:ea typeface="+mn-ea"/>
-                        <a:cs typeface="+mn-cs"/>
-                      </a:endParaRPr>
                     </a:p>
                   </a:txBody>
                   <a:tcPr anchor="ctr">
@@ -12753,7 +10987,7 @@
                     <a:lstStyle/>
                     <a:p>
                       <a:r>
-                        <a:rPr lang="en-US" sz="1000" kern="1200">
+                        <a:rPr lang="pt-BR" sz="1000">
                           <a:solidFill>
                             <a:srgbClr val="000000"/>
                           </a:solidFill>
@@ -12761,16 +10995,8 @@
                           <a:ea typeface="+mn-ea"/>
                           <a:cs typeface="+mn-cs"/>
                         </a:rPr>
-                        <a:t>Adobe Business Support website.</a:t>
+                        <a:t>Site do Suporte Business da Adobe.</a:t>
                       </a:r>
-                      <a:endParaRPr lang="en-US" sz="1000" kern="1200">
-                        <a:solidFill>
-                          <a:srgbClr val="000000"/>
-                        </a:solidFill>
-                        <a:latin typeface="Adobe Clean Light" panose="020B0303020404020204" pitchFamily="34" charset="0"/>
-                        <a:ea typeface="+mn-ea"/>
-                        <a:cs typeface="+mn-cs"/>
-                      </a:endParaRPr>
                     </a:p>
                   </a:txBody>
                   <a:tcPr anchor="ctr">
@@ -12851,27 +11077,17 @@
                         <a:defRPr/>
                       </a:pPr>
                       <a:r>
-                        <a:rPr lang="en-US" sz="1100">
+                        <a:rPr lang="pt-BR" sz="1100">
                           <a:solidFill>
                             <a:schemeClr val="tx1"/>
                           </a:solidFill>
-                          <a:effectLst/>
                           <a:latin typeface="Adobe Clean"/>
                           <a:ea typeface="+mn-ea"/>
                           <a:cs typeface="+mn-cs"/>
                           <a:hlinkClick r:id="rId11"/>
                         </a:rPr>
-                        <a:t>Terms and Conditions</a:t>
+                        <a:t>Termos e condições</a:t>
                       </a:r>
-                      <a:endParaRPr lang="en-US" sz="1100">
-                        <a:solidFill>
-                          <a:schemeClr val="tx1"/>
-                        </a:solidFill>
-                        <a:effectLst/>
-                        <a:latin typeface="Adobe Clean"/>
-                        <a:ea typeface="+mn-ea"/>
-                        <a:cs typeface="+mn-cs"/>
-                      </a:endParaRPr>
                     </a:p>
                   </a:txBody>
                   <a:tcPr anchor="ctr">
@@ -12928,7 +11144,7 @@
                     <a:lstStyle/>
                     <a:p>
                       <a:r>
-                        <a:rPr lang="en-US" sz="1000" kern="1200">
+                        <a:rPr lang="pt-BR" sz="1000" dirty="0">
                           <a:solidFill>
                             <a:srgbClr val="000000"/>
                           </a:solidFill>
@@ -12936,16 +11152,8 @@
                           <a:ea typeface="+mn-ea"/>
                           <a:cs typeface="+mn-cs"/>
                         </a:rPr>
-                        <a:t>Terms and conditions detailing Support Services offerings.</a:t>
+                        <a:t>Os Termos e condições que detalham os serviços de suporte.</a:t>
                       </a:r>
-                      <a:endParaRPr lang="en-US" sz="1000" kern="1200">
-                        <a:solidFill>
-                          <a:srgbClr val="000000"/>
-                        </a:solidFill>
-                        <a:latin typeface="Adobe Clean Light" panose="020B0303020404020204" pitchFamily="34" charset="0"/>
-                        <a:ea typeface="+mn-ea"/>
-                        <a:cs typeface="+mn-cs"/>
-                      </a:endParaRPr>
                     </a:p>
                   </a:txBody>
                   <a:tcPr anchor="ctr">
@@ -13715,21 +11923,6 @@
 </file>
 
 <file path=customXml/item1.xml><?xml version="1.0" encoding="utf-8"?>
-<p:properties xmlns:p="http://schemas.microsoft.com/office/2006/metadata/properties" xmlns:xsi="http://www.w3.org/2001/XMLSchema-instance" xmlns:pc="http://schemas.microsoft.com/office/infopath/2007/PartnerControls">
-  <documentManagement/>
-</p:properties>
-</file>
-
-<file path=customXml/item2.xml><?xml version="1.0" encoding="utf-8"?>
-<?mso-contentType ?>
-<FormTemplates xmlns="http://schemas.microsoft.com/sharepoint/v3/contenttype/forms">
-  <Display>DocumentLibraryForm</Display>
-  <Edit>DocumentLibraryForm</Edit>
-  <New>DocumentLibraryForm</New>
-</FormTemplates>
-</file>
-
-<file path=customXml/item3.xml><?xml version="1.0" encoding="utf-8"?>
 <ct:contentTypeSchema xmlns:ct="http://schemas.microsoft.com/office/2006/metadata/contentType" xmlns:ma="http://schemas.microsoft.com/office/2006/metadata/properties/metaAttributes" ct:_="" ma:_="" ma:contentTypeName="Document" ma:contentTypeID="0x010100E783BF6876BCC646A459363AF21A7736" ma:contentTypeVersion="10" ma:contentTypeDescription="Create a new document." ma:contentTypeScope="" ma:versionID="c4ffda7f4f415767600769e454c2ea87">
   <xsd:schema xmlns:xsd="http://www.w3.org/2001/XMLSchema" xmlns:xs="http://www.w3.org/2001/XMLSchema" xmlns:p="http://schemas.microsoft.com/office/2006/metadata/properties" xmlns:ns2="8a053bff-88be-49e4-9a87-e748e18b8b62" xmlns:ns3="6c8368ec-3776-49b5-a5bb-90648cf9530f" targetNamespace="http://schemas.microsoft.com/office/2006/metadata/properties" ma:root="true" ma:fieldsID="df3ec33bccc23e23bce7bc897fad43d1" ns2:_="" ns3:_="">
     <xsd:import namespace="8a053bff-88be-49e4-9a87-e748e18b8b62"/>
@@ -13934,32 +12127,22 @@
 </ct:contentTypeSchema>
 </file>
 
-<file path=customXml/itemProps1.xml><?xml version="1.0" encoding="utf-8"?>
-<ds:datastoreItem xmlns:ds="http://schemas.openxmlformats.org/officeDocument/2006/customXml" ds:itemID="{10FC3CAF-E6F1-40E3-87D4-6B781C97D6B4}">
-  <ds:schemaRefs>
-    <ds:schemaRef ds:uri="6c8368ec-3776-49b5-a5bb-90648cf9530f"/>
-    <ds:schemaRef ds:uri="http://purl.org/dc/elements/1.1/"/>
-    <ds:schemaRef ds:uri="http://schemas.openxmlformats.org/package/2006/metadata/core-properties"/>
-    <ds:schemaRef ds:uri="8a053bff-88be-49e4-9a87-e748e18b8b62"/>
-    <ds:schemaRef ds:uri="http://www.w3.org/XML/1998/namespace"/>
-    <ds:schemaRef ds:uri="http://purl.org/dc/dcmitype/"/>
-    <ds:schemaRef ds:uri="http://schemas.microsoft.com/office/2006/documentManagement/types"/>
-    <ds:schemaRef ds:uri="http://schemas.microsoft.com/office/infopath/2007/PartnerControls"/>
-    <ds:schemaRef ds:uri="http://schemas.microsoft.com/office/2006/metadata/properties"/>
-    <ds:schemaRef ds:uri="http://purl.org/dc/terms/"/>
-  </ds:schemaRefs>
-</ds:datastoreItem>
+<file path=customXml/item2.xml><?xml version="1.0" encoding="utf-8"?>
+<?mso-contentType ?>
+<FormTemplates xmlns="http://schemas.microsoft.com/sharepoint/v3/contenttype/forms">
+  <Display>DocumentLibraryForm</Display>
+  <Edit>DocumentLibraryForm</Edit>
+  <New>DocumentLibraryForm</New>
+</FormTemplates>
 </file>
 
-<file path=customXml/itemProps2.xml><?xml version="1.0" encoding="utf-8"?>
-<ds:datastoreItem xmlns:ds="http://schemas.openxmlformats.org/officeDocument/2006/customXml" ds:itemID="{95AE3B0B-E909-400C-B0B3-909FB50E07DE}">
-  <ds:schemaRefs>
-    <ds:schemaRef ds:uri="http://schemas.microsoft.com/sharepoint/v3/contenttype/forms"/>
-  </ds:schemaRefs>
-</ds:datastoreItem>
+<file path=customXml/item3.xml><?xml version="1.0" encoding="utf-8"?>
+<p:properties xmlns:p="http://schemas.microsoft.com/office/2006/metadata/properties" xmlns:xsi="http://www.w3.org/2001/XMLSchema-instance" xmlns:pc="http://schemas.microsoft.com/office/infopath/2007/PartnerControls">
+  <documentManagement/>
+</p:properties>
 </file>
 
-<file path=customXml/itemProps3.xml><?xml version="1.0" encoding="utf-8"?>
+<file path=customXml/itemProps1.xml><?xml version="1.0" encoding="utf-8"?>
 <ds:datastoreItem xmlns:ds="http://schemas.openxmlformats.org/officeDocument/2006/customXml" ds:itemID="{E0DB8BDF-6DA8-4ABC-A3CA-043AFD674CFC}">
   <ds:schemaRefs>
     <ds:schemaRef ds:uri="6c8368ec-3776-49b5-a5bb-90648cf9530f"/>
@@ -13976,4 +12159,29 @@
     <ds:schemaRef ds:uri="http://www.w3.org/2001/XMLSchema"/>
   </ds:schemaRefs>
 </ds:datastoreItem>
+</file>
+
+<file path=customXml/itemProps2.xml><?xml version="1.0" encoding="utf-8"?>
+<ds:datastoreItem xmlns:ds="http://schemas.openxmlformats.org/officeDocument/2006/customXml" ds:itemID="{95AE3B0B-E909-400C-B0B3-909FB50E07DE}">
+  <ds:schemaRefs>
+    <ds:schemaRef ds:uri="http://schemas.microsoft.com/sharepoint/v3/contenttype/forms"/>
+  </ds:schemaRefs>
+</ds:datastoreItem>
+</file>
+
+<file path=customXml/itemProps3.xml><?xml version="1.0" encoding="utf-8"?>
+<ds:datastoreItem xmlns:ds="http://schemas.openxmlformats.org/officeDocument/2006/customXml" ds:itemID="{10FC3CAF-E6F1-40E3-87D4-6B781C97D6B4}">
+  <ds:schemaRefs>
+    <ds:schemaRef ds:uri="6c8368ec-3776-49b5-a5bb-90648cf9530f"/>
+    <ds:schemaRef ds:uri="http://purl.org/dc/elements/1.1/"/>
+    <ds:schemaRef ds:uri="http://schemas.openxmlformats.org/package/2006/metadata/core-properties"/>
+    <ds:schemaRef ds:uri="8a053bff-88be-49e4-9a87-e748e18b8b62"/>
+    <ds:schemaRef ds:uri="http://www.w3.org/XML/1998/namespace"/>
+    <ds:schemaRef ds:uri="http://purl.org/dc/dcmitype/"/>
+    <ds:schemaRef ds:uri="http://schemas.microsoft.com/office/2006/documentManagement/types"/>
+    <ds:schemaRef ds:uri="http://schemas.microsoft.com/office/infopath/2007/PartnerControls"/>
+    <ds:schemaRef ds:uri="http://schemas.microsoft.com/office/2006/metadata/properties"/>
+    <ds:schemaRef ds:uri="http://purl.org/dc/terms/"/>
+  </ds:schemaRefs>
+</ds:datastoreItem>
 </file>